--- a/source/_assets/Blog動畫.pptx
+++ b/source/_assets/Blog動畫.pptx
@@ -5,15 +5,16 @@
     <p:sldMasterId id="2147483752" r:id="rId4"/>
   </p:sldMasterIdLst>
   <p:notesMasterIdLst>
-    <p:notesMasterId r:id="rId8"/>
+    <p:notesMasterId r:id="rId9"/>
   </p:notesMasterIdLst>
   <p:handoutMasterIdLst>
-    <p:handoutMasterId r:id="rId9"/>
+    <p:handoutMasterId r:id="rId10"/>
   </p:handoutMasterIdLst>
   <p:sldIdLst>
     <p:sldId id="315" r:id="rId5"/>
     <p:sldId id="316" r:id="rId6"/>
     <p:sldId id="317" r:id="rId7"/>
+    <p:sldId id="318" r:id="rId8"/>
   </p:sldIdLst>
   <p:sldSz cx="12192000" cy="6858000"/>
   <p:notesSz cx="7099300" cy="10234613"/>
@@ -228,7 +229,7 @@
             <a:fld id="{3CDD3A71-4C75-488C-A8F3-A1F163ED0DB9}" type="datetimeFigureOut">
               <a:rPr lang="en-US" smtClean="0"/>
               <a:pPr/>
-              <a:t>5/10/2017</a:t>
+              <a:t>5/11/2017</a:t>
             </a:fld>
             <a:endParaRPr lang="en-US" dirty="0"/>
           </a:p>
@@ -396,7 +397,7 @@
             <a:fld id="{523CC419-8FB3-4D1C-8127-E63C1A13459D}" type="datetimeFigureOut">
               <a:rPr lang="en-US" smtClean="0"/>
               <a:pPr/>
-              <a:t>5/10/2017</a:t>
+              <a:t>5/11/2017</a:t>
             </a:fld>
             <a:endParaRPr lang="en-US" dirty="0"/>
           </a:p>
@@ -799,7 +800,7 @@
           <a:p>
             <a:fld id="{237FF733-248C-4CF7-A090-89CF012E357B}" type="datetimeFigureOut">
               <a:rPr lang="zh-TW" altLang="en-US" smtClean="0"/>
-              <a:t>2017/5/10</a:t>
+              <a:t>2017/5/11</a:t>
             </a:fld>
             <a:endParaRPr lang="zh-TW" altLang="en-US"/>
           </a:p>
@@ -970,7 +971,7 @@
           <a:p>
             <a:fld id="{237FF733-248C-4CF7-A090-89CF012E357B}" type="datetimeFigureOut">
               <a:rPr lang="zh-TW" altLang="en-US" smtClean="0"/>
-              <a:t>2017/5/10</a:t>
+              <a:t>2017/5/11</a:t>
             </a:fld>
             <a:endParaRPr lang="zh-TW" altLang="en-US"/>
           </a:p>
@@ -1151,7 +1152,7 @@
           <a:p>
             <a:fld id="{237FF733-248C-4CF7-A090-89CF012E357B}" type="datetimeFigureOut">
               <a:rPr lang="zh-TW" altLang="en-US" smtClean="0"/>
-              <a:t>2017/5/10</a:t>
+              <a:t>2017/5/11</a:t>
             </a:fld>
             <a:endParaRPr lang="zh-TW" altLang="en-US"/>
           </a:p>
@@ -1322,7 +1323,7 @@
           <a:p>
             <a:fld id="{237FF733-248C-4CF7-A090-89CF012E357B}" type="datetimeFigureOut">
               <a:rPr lang="zh-TW" altLang="en-US" smtClean="0"/>
-              <a:t>2017/5/10</a:t>
+              <a:t>2017/5/11</a:t>
             </a:fld>
             <a:endParaRPr lang="zh-TW" altLang="en-US"/>
           </a:p>
@@ -1569,7 +1570,7 @@
           <a:p>
             <a:fld id="{237FF733-248C-4CF7-A090-89CF012E357B}" type="datetimeFigureOut">
               <a:rPr lang="zh-TW" altLang="en-US" smtClean="0"/>
-              <a:t>2017/5/10</a:t>
+              <a:t>2017/5/11</a:t>
             </a:fld>
             <a:endParaRPr lang="zh-TW" altLang="en-US"/>
           </a:p>
@@ -1802,7 +1803,7 @@
           <a:p>
             <a:fld id="{237FF733-248C-4CF7-A090-89CF012E357B}" type="datetimeFigureOut">
               <a:rPr lang="zh-TW" altLang="en-US" smtClean="0"/>
-              <a:t>2017/5/10</a:t>
+              <a:t>2017/5/11</a:t>
             </a:fld>
             <a:endParaRPr lang="zh-TW" altLang="en-US"/>
           </a:p>
@@ -2170,7 +2171,7 @@
           <a:p>
             <a:fld id="{237FF733-248C-4CF7-A090-89CF012E357B}" type="datetimeFigureOut">
               <a:rPr lang="zh-TW" altLang="en-US" smtClean="0"/>
-              <a:t>2017/5/10</a:t>
+              <a:t>2017/5/11</a:t>
             </a:fld>
             <a:endParaRPr lang="zh-TW" altLang="en-US"/>
           </a:p>
@@ -2289,7 +2290,7 @@
           <a:p>
             <a:fld id="{237FF733-248C-4CF7-A090-89CF012E357B}" type="datetimeFigureOut">
               <a:rPr lang="zh-TW" altLang="en-US" smtClean="0"/>
-              <a:t>2017/5/10</a:t>
+              <a:t>2017/5/11</a:t>
             </a:fld>
             <a:endParaRPr lang="zh-TW" altLang="en-US"/>
           </a:p>
@@ -2385,7 +2386,7 @@
           <a:p>
             <a:fld id="{237FF733-248C-4CF7-A090-89CF012E357B}" type="datetimeFigureOut">
               <a:rPr lang="zh-TW" altLang="en-US" smtClean="0"/>
-              <a:t>2017/5/10</a:t>
+              <a:t>2017/5/11</a:t>
             </a:fld>
             <a:endParaRPr lang="zh-TW" altLang="en-US"/>
           </a:p>
@@ -2663,7 +2664,7 @@
           <a:p>
             <a:fld id="{237FF733-248C-4CF7-A090-89CF012E357B}" type="datetimeFigureOut">
               <a:rPr lang="zh-TW" altLang="en-US" smtClean="0"/>
-              <a:t>2017/5/10</a:t>
+              <a:t>2017/5/11</a:t>
             </a:fld>
             <a:endParaRPr lang="zh-TW" altLang="en-US"/>
           </a:p>
@@ -2921,7 +2922,7 @@
           <a:p>
             <a:fld id="{237FF733-248C-4CF7-A090-89CF012E357B}" type="datetimeFigureOut">
               <a:rPr lang="zh-TW" altLang="en-US" smtClean="0"/>
-              <a:t>2017/5/10</a:t>
+              <a:t>2017/5/11</a:t>
             </a:fld>
             <a:endParaRPr lang="zh-TW" altLang="en-US"/>
           </a:p>
@@ -3135,7 +3136,7 @@
           <a:p>
             <a:fld id="{237FF733-248C-4CF7-A090-89CF012E357B}" type="datetimeFigureOut">
               <a:rPr lang="zh-TW" altLang="en-US" smtClean="0"/>
-              <a:t>2017/5/10</a:t>
+              <a:t>2017/5/11</a:t>
             </a:fld>
             <a:endParaRPr lang="zh-TW" altLang="en-US"/>
           </a:p>
@@ -6585,14 +6586,6 @@
               </a:rPr>
               <a:t>Session: 1</a:t>
             </a:r>
-            <a:r>
-              <a:rPr lang="en-US" altLang="zh-TW" dirty="0" smtClean="0">
-                <a:solidFill>
-                  <a:schemeClr val="tx1"/>
-                </a:solidFill>
-              </a:rPr>
-              <a:t/>
-            </a:r>
             <a:br>
               <a:rPr lang="en-US" altLang="zh-TW" dirty="0" smtClean="0">
                 <a:solidFill>
@@ -9938,6 +9931,1703 @@
       <p:bldP spid="45" grpId="1" animBg="1"/>
       <p:bldP spid="46" grpId="0" animBg="1"/>
       <p:bldP spid="46" grpId="1" animBg="1"/>
+    </p:bldLst>
+  </p:timing>
+</p:sld>
+</file>
+
+<file path=ppt/slides/slide4.xml><?xml version="1.0" encoding="utf-8"?>
+<p:sld xmlns:a="http://schemas.openxmlformats.org/drawingml/2006/main" xmlns:r="http://schemas.openxmlformats.org/officeDocument/2006/relationships" xmlns:p="http://schemas.openxmlformats.org/presentationml/2006/main">
+  <p:cSld>
+    <p:spTree>
+      <p:nvGrpSpPr>
+        <p:cNvPr id="1" name=""/>
+        <p:cNvGrpSpPr/>
+        <p:nvPr/>
+      </p:nvGrpSpPr>
+      <p:grpSpPr>
+        <a:xfrm>
+          <a:off x="0" y="0"/>
+          <a:ext cx="0" cy="0"/>
+          <a:chOff x="0" y="0"/>
+          <a:chExt cx="0" cy="0"/>
+        </a:xfrm>
+      </p:grpSpPr>
+      <p:grpSp>
+        <p:nvGrpSpPr>
+          <p:cNvPr id="11" name="群組 10"/>
+          <p:cNvGrpSpPr/>
+          <p:nvPr/>
+        </p:nvGrpSpPr>
+        <p:grpSpPr>
+          <a:xfrm>
+            <a:off x="4093921" y="838200"/>
+            <a:ext cx="1188000" cy="4267200"/>
+            <a:chOff x="2152346" y="838200"/>
+            <a:chExt cx="1846984" cy="4267200"/>
+          </a:xfrm>
+        </p:grpSpPr>
+        <p:sp>
+          <p:nvSpPr>
+            <p:cNvPr id="12" name="圓角矩形 11"/>
+            <p:cNvSpPr/>
+            <p:nvPr/>
+          </p:nvSpPr>
+          <p:spPr>
+            <a:xfrm>
+              <a:off x="2209800" y="838200"/>
+              <a:ext cx="1710276" cy="4267200"/>
+            </a:xfrm>
+            <a:prstGeom prst="roundRect">
+              <a:avLst/>
+            </a:prstGeom>
+          </p:spPr>
+          <p:style>
+            <a:lnRef idx="2">
+              <a:schemeClr val="dk1"/>
+            </a:lnRef>
+            <a:fillRef idx="1">
+              <a:schemeClr val="lt1"/>
+            </a:fillRef>
+            <a:effectRef idx="0">
+              <a:schemeClr val="dk1"/>
+            </a:effectRef>
+            <a:fontRef idx="minor">
+              <a:schemeClr val="dk1"/>
+            </a:fontRef>
+          </p:style>
+          <p:txBody>
+            <a:bodyPr rtlCol="0" anchor="ctr"/>
+            <a:lstStyle/>
+            <a:p>
+              <a:pPr algn="ctr"/>
+              <a:endParaRPr lang="zh-TW" altLang="en-US"/>
+            </a:p>
+          </p:txBody>
+        </p:sp>
+        <p:sp>
+          <p:nvSpPr>
+            <p:cNvPr id="13" name="文字方塊 12"/>
+            <p:cNvSpPr txBox="1"/>
+            <p:nvPr/>
+          </p:nvSpPr>
+          <p:spPr>
+            <a:xfrm>
+              <a:off x="2152346" y="914400"/>
+              <a:ext cx="1846984" cy="584775"/>
+            </a:xfrm>
+            <a:prstGeom prst="rect">
+              <a:avLst/>
+            </a:prstGeom>
+            <a:noFill/>
+          </p:spPr>
+          <p:txBody>
+            <a:bodyPr wrap="square" rtlCol="0">
+              <a:spAutoFit/>
+            </a:bodyPr>
+            <a:lstStyle/>
+            <a:p>
+              <a:pPr algn="ctr"/>
+              <a:r>
+                <a:rPr lang="en-US" altLang="zh-TW" sz="1600" dirty="0" smtClean="0"/>
+                <a:t>Second</a:t>
+              </a:r>
+            </a:p>
+            <a:p>
+              <a:pPr algn="ctr"/>
+              <a:r>
+                <a:rPr lang="en-US" altLang="zh-TW" sz="1600" dirty="0" smtClean="0"/>
+                <a:t>Middleware</a:t>
+              </a:r>
+              <a:endParaRPr lang="zh-TW" altLang="en-US" sz="1600" dirty="0"/>
+            </a:p>
+          </p:txBody>
+        </p:sp>
+      </p:grpSp>
+      <p:grpSp>
+        <p:nvGrpSpPr>
+          <p:cNvPr id="17" name="群組 16"/>
+          <p:cNvGrpSpPr/>
+          <p:nvPr/>
+        </p:nvGrpSpPr>
+        <p:grpSpPr>
+          <a:xfrm>
+            <a:off x="2692341" y="838200"/>
+            <a:ext cx="1188000" cy="4267200"/>
+            <a:chOff x="2152346" y="838200"/>
+            <a:chExt cx="1846984" cy="4267200"/>
+          </a:xfrm>
+        </p:grpSpPr>
+        <p:sp>
+          <p:nvSpPr>
+            <p:cNvPr id="18" name="圓角矩形 17"/>
+            <p:cNvSpPr/>
+            <p:nvPr/>
+          </p:nvSpPr>
+          <p:spPr>
+            <a:xfrm>
+              <a:off x="2209800" y="838200"/>
+              <a:ext cx="1710276" cy="4267200"/>
+            </a:xfrm>
+            <a:prstGeom prst="roundRect">
+              <a:avLst/>
+            </a:prstGeom>
+          </p:spPr>
+          <p:style>
+            <a:lnRef idx="2">
+              <a:schemeClr val="dk1"/>
+            </a:lnRef>
+            <a:fillRef idx="1">
+              <a:schemeClr val="lt1"/>
+            </a:fillRef>
+            <a:effectRef idx="0">
+              <a:schemeClr val="dk1"/>
+            </a:effectRef>
+            <a:fontRef idx="minor">
+              <a:schemeClr val="dk1"/>
+            </a:fontRef>
+          </p:style>
+          <p:txBody>
+            <a:bodyPr rtlCol="0" anchor="ctr"/>
+            <a:lstStyle/>
+            <a:p>
+              <a:pPr algn="ctr"/>
+              <a:endParaRPr lang="zh-TW" altLang="en-US"/>
+            </a:p>
+          </p:txBody>
+        </p:sp>
+        <p:sp>
+          <p:nvSpPr>
+            <p:cNvPr id="19" name="文字方塊 18"/>
+            <p:cNvSpPr txBox="1"/>
+            <p:nvPr/>
+          </p:nvSpPr>
+          <p:spPr>
+            <a:xfrm>
+              <a:off x="2152346" y="914400"/>
+              <a:ext cx="1846984" cy="584775"/>
+            </a:xfrm>
+            <a:prstGeom prst="rect">
+              <a:avLst/>
+            </a:prstGeom>
+            <a:noFill/>
+          </p:spPr>
+          <p:txBody>
+            <a:bodyPr wrap="square" rtlCol="0">
+              <a:spAutoFit/>
+            </a:bodyPr>
+            <a:lstStyle/>
+            <a:p>
+              <a:pPr algn="ctr"/>
+              <a:r>
+                <a:rPr lang="en-US" altLang="zh-TW" sz="1600" dirty="0" smtClean="0"/>
+                <a:t>First</a:t>
+              </a:r>
+            </a:p>
+            <a:p>
+              <a:pPr algn="ctr"/>
+              <a:r>
+                <a:rPr lang="en-US" altLang="zh-TW" sz="1600" dirty="0" smtClean="0"/>
+                <a:t>Middleware</a:t>
+              </a:r>
+              <a:endParaRPr lang="zh-TW" altLang="en-US" sz="1600" dirty="0"/>
+            </a:p>
+          </p:txBody>
+        </p:sp>
+      </p:grpSp>
+      <p:grpSp>
+        <p:nvGrpSpPr>
+          <p:cNvPr id="20" name="群組 19"/>
+          <p:cNvGrpSpPr/>
+          <p:nvPr/>
+        </p:nvGrpSpPr>
+        <p:grpSpPr>
+          <a:xfrm>
+            <a:off x="5495501" y="838200"/>
+            <a:ext cx="1188000" cy="4267200"/>
+            <a:chOff x="2152346" y="838200"/>
+            <a:chExt cx="1846984" cy="4267200"/>
+          </a:xfrm>
+        </p:grpSpPr>
+        <p:sp>
+          <p:nvSpPr>
+            <p:cNvPr id="21" name="圓角矩形 20"/>
+            <p:cNvSpPr/>
+            <p:nvPr/>
+          </p:nvSpPr>
+          <p:spPr>
+            <a:xfrm>
+              <a:off x="2209800" y="838200"/>
+              <a:ext cx="1710276" cy="4267200"/>
+            </a:xfrm>
+            <a:prstGeom prst="roundRect">
+              <a:avLst/>
+            </a:prstGeom>
+          </p:spPr>
+          <p:style>
+            <a:lnRef idx="2">
+              <a:schemeClr val="dk1"/>
+            </a:lnRef>
+            <a:fillRef idx="1">
+              <a:schemeClr val="lt1"/>
+            </a:fillRef>
+            <a:effectRef idx="0">
+              <a:schemeClr val="dk1"/>
+            </a:effectRef>
+            <a:fontRef idx="minor">
+              <a:schemeClr val="dk1"/>
+            </a:fontRef>
+          </p:style>
+          <p:txBody>
+            <a:bodyPr rtlCol="0" anchor="ctr"/>
+            <a:lstStyle/>
+            <a:p>
+              <a:pPr algn="ctr"/>
+              <a:endParaRPr lang="zh-TW" altLang="en-US"/>
+            </a:p>
+          </p:txBody>
+        </p:sp>
+        <p:sp>
+          <p:nvSpPr>
+            <p:cNvPr id="22" name="文字方塊 21"/>
+            <p:cNvSpPr txBox="1"/>
+            <p:nvPr/>
+          </p:nvSpPr>
+          <p:spPr>
+            <a:xfrm>
+              <a:off x="2152346" y="914400"/>
+              <a:ext cx="1846984" cy="584775"/>
+            </a:xfrm>
+            <a:prstGeom prst="rect">
+              <a:avLst/>
+            </a:prstGeom>
+            <a:noFill/>
+          </p:spPr>
+          <p:txBody>
+            <a:bodyPr wrap="square" rtlCol="0">
+              <a:spAutoFit/>
+            </a:bodyPr>
+            <a:lstStyle/>
+            <a:p>
+              <a:pPr algn="ctr"/>
+              <a:r>
+                <a:rPr lang="en-US" altLang="zh-TW" sz="1600" dirty="0" smtClean="0"/>
+                <a:t>Third</a:t>
+              </a:r>
+            </a:p>
+            <a:p>
+              <a:pPr algn="ctr"/>
+              <a:r>
+                <a:rPr lang="en-US" altLang="zh-TW" sz="1600" dirty="0" smtClean="0"/>
+                <a:t>Middleware</a:t>
+              </a:r>
+              <a:endParaRPr lang="zh-TW" altLang="en-US" sz="1600" dirty="0"/>
+            </a:p>
+          </p:txBody>
+        </p:sp>
+      </p:grpSp>
+      <p:sp>
+        <p:nvSpPr>
+          <p:cNvPr id="33" name="文字方塊 32"/>
+          <p:cNvSpPr txBox="1"/>
+          <p:nvPr/>
+        </p:nvSpPr>
+        <p:spPr>
+          <a:xfrm>
+            <a:off x="2736531" y="1417211"/>
+            <a:ext cx="1092833" cy="3539430"/>
+          </a:xfrm>
+          <a:prstGeom prst="rect">
+            <a:avLst/>
+          </a:prstGeom>
+          <a:noFill/>
+        </p:spPr>
+        <p:txBody>
+          <a:bodyPr wrap="square" rtlCol="0">
+            <a:spAutoFit/>
+          </a:bodyPr>
+          <a:lstStyle/>
+          <a:p>
+            <a:r>
+              <a:rPr lang="en-US" altLang="zh-TW" sz="1600" dirty="0" smtClean="0"/>
+              <a:t>{</a:t>
+            </a:r>
+          </a:p>
+          <a:p>
+            <a:endParaRPr lang="en-US" altLang="zh-TW" sz="1600" dirty="0" smtClean="0"/>
+          </a:p>
+          <a:p>
+            <a:r>
+              <a:rPr lang="en-US" altLang="zh-TW" sz="1600" dirty="0" smtClean="0"/>
+              <a:t>    // Logic</a:t>
+            </a:r>
+          </a:p>
+          <a:p>
+            <a:endParaRPr lang="en-US" altLang="zh-TW" sz="1600" dirty="0"/>
+          </a:p>
+          <a:p>
+            <a:endParaRPr lang="en-US" altLang="zh-TW" sz="1600" dirty="0" smtClean="0"/>
+          </a:p>
+          <a:p>
+            <a:endParaRPr lang="en-US" altLang="zh-TW" sz="1600" dirty="0"/>
+          </a:p>
+          <a:p>
+            <a:r>
+              <a:rPr lang="en-US" altLang="zh-TW" sz="1600" dirty="0" smtClean="0"/>
+              <a:t>    next();</a:t>
+            </a:r>
+          </a:p>
+          <a:p>
+            <a:endParaRPr lang="en-US" altLang="zh-TW" sz="1600" dirty="0"/>
+          </a:p>
+          <a:p>
+            <a:endParaRPr lang="en-US" altLang="zh-TW" sz="1600" dirty="0"/>
+          </a:p>
+          <a:p>
+            <a:endParaRPr lang="en-US" altLang="zh-TW" sz="1600" dirty="0" smtClean="0"/>
+          </a:p>
+          <a:p>
+            <a:r>
+              <a:rPr lang="en-US" altLang="zh-TW" sz="1600" dirty="0"/>
+              <a:t> </a:t>
+            </a:r>
+            <a:r>
+              <a:rPr lang="en-US" altLang="zh-TW" sz="1600" dirty="0" smtClean="0"/>
+              <a:t>   // Logic</a:t>
+            </a:r>
+          </a:p>
+          <a:p>
+            <a:endParaRPr lang="en-US" altLang="zh-TW" sz="1600" dirty="0" smtClean="0"/>
+          </a:p>
+          <a:p>
+            <a:endParaRPr lang="en-US" altLang="zh-TW" sz="1600" dirty="0" smtClean="0"/>
+          </a:p>
+          <a:p>
+            <a:r>
+              <a:rPr lang="en-US" altLang="zh-TW" sz="1600" dirty="0" smtClean="0"/>
+              <a:t>}</a:t>
+            </a:r>
+            <a:endParaRPr lang="zh-TW" altLang="en-US" sz="1600" dirty="0"/>
+          </a:p>
+        </p:txBody>
+      </p:sp>
+      <p:grpSp>
+        <p:nvGrpSpPr>
+          <p:cNvPr id="40" name="群組 39"/>
+          <p:cNvGrpSpPr/>
+          <p:nvPr/>
+        </p:nvGrpSpPr>
+        <p:grpSpPr>
+          <a:xfrm>
+            <a:off x="6897081" y="838200"/>
+            <a:ext cx="1188000" cy="4267200"/>
+            <a:chOff x="2152346" y="838200"/>
+            <a:chExt cx="1846984" cy="4267200"/>
+          </a:xfrm>
+        </p:grpSpPr>
+        <p:sp>
+          <p:nvSpPr>
+            <p:cNvPr id="41" name="圓角矩形 40"/>
+            <p:cNvSpPr/>
+            <p:nvPr/>
+          </p:nvSpPr>
+          <p:spPr>
+            <a:xfrm>
+              <a:off x="2209800" y="838200"/>
+              <a:ext cx="1710276" cy="4267200"/>
+            </a:xfrm>
+            <a:prstGeom prst="roundRect">
+              <a:avLst/>
+            </a:prstGeom>
+          </p:spPr>
+          <p:style>
+            <a:lnRef idx="2">
+              <a:schemeClr val="dk1"/>
+            </a:lnRef>
+            <a:fillRef idx="1">
+              <a:schemeClr val="lt1"/>
+            </a:fillRef>
+            <a:effectRef idx="0">
+              <a:schemeClr val="dk1"/>
+            </a:effectRef>
+            <a:fontRef idx="minor">
+              <a:schemeClr val="dk1"/>
+            </a:fontRef>
+          </p:style>
+          <p:txBody>
+            <a:bodyPr rtlCol="0" anchor="ctr"/>
+            <a:lstStyle/>
+            <a:p>
+              <a:pPr algn="ctr"/>
+              <a:endParaRPr lang="zh-TW" altLang="en-US"/>
+            </a:p>
+          </p:txBody>
+        </p:sp>
+        <p:sp>
+          <p:nvSpPr>
+            <p:cNvPr id="42" name="文字方塊 41"/>
+            <p:cNvSpPr txBox="1"/>
+            <p:nvPr/>
+          </p:nvSpPr>
+          <p:spPr>
+            <a:xfrm>
+              <a:off x="2152346" y="914400"/>
+              <a:ext cx="1846984" cy="338554"/>
+            </a:xfrm>
+            <a:prstGeom prst="rect">
+              <a:avLst/>
+            </a:prstGeom>
+            <a:noFill/>
+          </p:spPr>
+          <p:txBody>
+            <a:bodyPr wrap="square" rtlCol="0">
+              <a:spAutoFit/>
+            </a:bodyPr>
+            <a:lstStyle/>
+            <a:p>
+              <a:pPr algn="ctr"/>
+              <a:r>
+                <a:rPr lang="en-US" altLang="zh-TW" sz="1600" dirty="0" smtClean="0"/>
+                <a:t>Action</a:t>
+              </a:r>
+              <a:endParaRPr lang="zh-TW" altLang="en-US" sz="1600" dirty="0"/>
+            </a:p>
+          </p:txBody>
+        </p:sp>
+      </p:grpSp>
+      <p:sp>
+        <p:nvSpPr>
+          <p:cNvPr id="50" name="文字方塊 49"/>
+          <p:cNvSpPr txBox="1"/>
+          <p:nvPr/>
+        </p:nvSpPr>
+        <p:spPr>
+          <a:xfrm>
+            <a:off x="4137725" y="1417211"/>
+            <a:ext cx="1092833" cy="3539430"/>
+          </a:xfrm>
+          <a:prstGeom prst="rect">
+            <a:avLst/>
+          </a:prstGeom>
+          <a:noFill/>
+        </p:spPr>
+        <p:txBody>
+          <a:bodyPr wrap="square" rtlCol="0">
+            <a:spAutoFit/>
+          </a:bodyPr>
+          <a:lstStyle/>
+          <a:p>
+            <a:r>
+              <a:rPr lang="en-US" altLang="zh-TW" sz="1600" dirty="0" smtClean="0"/>
+              <a:t>{</a:t>
+            </a:r>
+          </a:p>
+          <a:p>
+            <a:endParaRPr lang="en-US" altLang="zh-TW" sz="1600" dirty="0" smtClean="0"/>
+          </a:p>
+          <a:p>
+            <a:r>
+              <a:rPr lang="en-US" altLang="zh-TW" sz="1600" dirty="0" smtClean="0"/>
+              <a:t>    // Logic</a:t>
+            </a:r>
+          </a:p>
+          <a:p>
+            <a:endParaRPr lang="en-US" altLang="zh-TW" sz="1600" dirty="0"/>
+          </a:p>
+          <a:p>
+            <a:endParaRPr lang="en-US" altLang="zh-TW" sz="1600" dirty="0" smtClean="0"/>
+          </a:p>
+          <a:p>
+            <a:endParaRPr lang="en-US" altLang="zh-TW" sz="1600" dirty="0"/>
+          </a:p>
+          <a:p>
+            <a:r>
+              <a:rPr lang="en-US" altLang="zh-TW" sz="1600" dirty="0" smtClean="0"/>
+              <a:t>    next();</a:t>
+            </a:r>
+          </a:p>
+          <a:p>
+            <a:endParaRPr lang="en-US" altLang="zh-TW" sz="1600" dirty="0"/>
+          </a:p>
+          <a:p>
+            <a:endParaRPr lang="en-US" altLang="zh-TW" sz="1600" dirty="0"/>
+          </a:p>
+          <a:p>
+            <a:endParaRPr lang="en-US" altLang="zh-TW" sz="1600" dirty="0" smtClean="0"/>
+          </a:p>
+          <a:p>
+            <a:r>
+              <a:rPr lang="en-US" altLang="zh-TW" sz="1600" dirty="0"/>
+              <a:t> </a:t>
+            </a:r>
+            <a:r>
+              <a:rPr lang="en-US" altLang="zh-TW" sz="1600" dirty="0" smtClean="0"/>
+              <a:t>   // Logic</a:t>
+            </a:r>
+          </a:p>
+          <a:p>
+            <a:endParaRPr lang="en-US" altLang="zh-TW" sz="1600" dirty="0" smtClean="0"/>
+          </a:p>
+          <a:p>
+            <a:endParaRPr lang="en-US" altLang="zh-TW" sz="1600" dirty="0" smtClean="0"/>
+          </a:p>
+          <a:p>
+            <a:r>
+              <a:rPr lang="en-US" altLang="zh-TW" sz="1600" dirty="0" smtClean="0"/>
+              <a:t>}</a:t>
+            </a:r>
+            <a:endParaRPr lang="zh-TW" altLang="en-US" sz="1600" dirty="0"/>
+          </a:p>
+        </p:txBody>
+      </p:sp>
+      <p:sp>
+        <p:nvSpPr>
+          <p:cNvPr id="51" name="文字方塊 50"/>
+          <p:cNvSpPr txBox="1"/>
+          <p:nvPr/>
+        </p:nvSpPr>
+        <p:spPr>
+          <a:xfrm>
+            <a:off x="5536073" y="1417211"/>
+            <a:ext cx="1092833" cy="3539430"/>
+          </a:xfrm>
+          <a:prstGeom prst="rect">
+            <a:avLst/>
+          </a:prstGeom>
+          <a:noFill/>
+        </p:spPr>
+        <p:txBody>
+          <a:bodyPr wrap="square" rtlCol="0">
+            <a:spAutoFit/>
+          </a:bodyPr>
+          <a:lstStyle/>
+          <a:p>
+            <a:r>
+              <a:rPr lang="en-US" altLang="zh-TW" sz="1600" dirty="0" smtClean="0"/>
+              <a:t>{</a:t>
+            </a:r>
+          </a:p>
+          <a:p>
+            <a:endParaRPr lang="en-US" altLang="zh-TW" sz="1600" dirty="0" smtClean="0"/>
+          </a:p>
+          <a:p>
+            <a:r>
+              <a:rPr lang="en-US" altLang="zh-TW" sz="1600" dirty="0" smtClean="0"/>
+              <a:t>    // Logic</a:t>
+            </a:r>
+          </a:p>
+          <a:p>
+            <a:endParaRPr lang="en-US" altLang="zh-TW" sz="1600" dirty="0"/>
+          </a:p>
+          <a:p>
+            <a:endParaRPr lang="en-US" altLang="zh-TW" sz="1600" dirty="0" smtClean="0"/>
+          </a:p>
+          <a:p>
+            <a:endParaRPr lang="en-US" altLang="zh-TW" sz="1600" dirty="0"/>
+          </a:p>
+          <a:p>
+            <a:r>
+              <a:rPr lang="en-US" altLang="zh-TW" sz="1600" dirty="0" smtClean="0"/>
+              <a:t>    next();</a:t>
+            </a:r>
+          </a:p>
+          <a:p>
+            <a:endParaRPr lang="en-US" altLang="zh-TW" sz="1600" dirty="0"/>
+          </a:p>
+          <a:p>
+            <a:endParaRPr lang="en-US" altLang="zh-TW" sz="1600" dirty="0"/>
+          </a:p>
+          <a:p>
+            <a:endParaRPr lang="en-US" altLang="zh-TW" sz="1600" dirty="0" smtClean="0"/>
+          </a:p>
+          <a:p>
+            <a:r>
+              <a:rPr lang="en-US" altLang="zh-TW" sz="1600" dirty="0"/>
+              <a:t> </a:t>
+            </a:r>
+            <a:r>
+              <a:rPr lang="en-US" altLang="zh-TW" sz="1600" dirty="0" smtClean="0"/>
+              <a:t>   // Logic</a:t>
+            </a:r>
+          </a:p>
+          <a:p>
+            <a:endParaRPr lang="en-US" altLang="zh-TW" sz="1600" dirty="0" smtClean="0"/>
+          </a:p>
+          <a:p>
+            <a:endParaRPr lang="en-US" altLang="zh-TW" sz="1600" dirty="0" smtClean="0"/>
+          </a:p>
+          <a:p>
+            <a:r>
+              <a:rPr lang="en-US" altLang="zh-TW" sz="1600" dirty="0" smtClean="0"/>
+              <a:t>}</a:t>
+            </a:r>
+            <a:endParaRPr lang="zh-TW" altLang="en-US" sz="1600" dirty="0"/>
+          </a:p>
+        </p:txBody>
+      </p:sp>
+      <p:sp>
+        <p:nvSpPr>
+          <p:cNvPr id="52" name="文字方塊 51"/>
+          <p:cNvSpPr txBox="1"/>
+          <p:nvPr/>
+        </p:nvSpPr>
+        <p:spPr>
+          <a:xfrm>
+            <a:off x="6943999" y="1417211"/>
+            <a:ext cx="1092833" cy="3539430"/>
+          </a:xfrm>
+          <a:prstGeom prst="rect">
+            <a:avLst/>
+          </a:prstGeom>
+          <a:noFill/>
+        </p:spPr>
+        <p:txBody>
+          <a:bodyPr wrap="square" rtlCol="0">
+            <a:spAutoFit/>
+          </a:bodyPr>
+          <a:lstStyle/>
+          <a:p>
+            <a:r>
+              <a:rPr lang="en-US" altLang="zh-TW" sz="1600" dirty="0" smtClean="0"/>
+              <a:t>{</a:t>
+            </a:r>
+          </a:p>
+          <a:p>
+            <a:endParaRPr lang="en-US" altLang="zh-TW" sz="1600" dirty="0" smtClean="0"/>
+          </a:p>
+          <a:p>
+            <a:r>
+              <a:rPr lang="en-US" altLang="zh-TW" sz="1600" dirty="0" smtClean="0"/>
+              <a:t>    </a:t>
+            </a:r>
+          </a:p>
+          <a:p>
+            <a:endParaRPr lang="en-US" altLang="zh-TW" sz="1600" dirty="0"/>
+          </a:p>
+          <a:p>
+            <a:endParaRPr lang="en-US" altLang="zh-TW" sz="1600" dirty="0" smtClean="0"/>
+          </a:p>
+          <a:p>
+            <a:endParaRPr lang="en-US" altLang="zh-TW" sz="1600" dirty="0"/>
+          </a:p>
+          <a:p>
+            <a:r>
+              <a:rPr lang="en-US" altLang="zh-TW" sz="1600" dirty="0" smtClean="0"/>
+              <a:t>    </a:t>
+            </a:r>
+            <a:r>
+              <a:rPr lang="en-US" altLang="zh-TW" sz="1600" dirty="0"/>
+              <a:t>// Logic</a:t>
+            </a:r>
+          </a:p>
+          <a:p>
+            <a:endParaRPr lang="en-US" altLang="zh-TW" sz="1600" dirty="0" smtClean="0"/>
+          </a:p>
+          <a:p>
+            <a:endParaRPr lang="en-US" altLang="zh-TW" sz="1600" dirty="0"/>
+          </a:p>
+          <a:p>
+            <a:endParaRPr lang="en-US" altLang="zh-TW" sz="1600" dirty="0"/>
+          </a:p>
+          <a:p>
+            <a:endParaRPr lang="en-US" altLang="zh-TW" sz="1600" dirty="0" smtClean="0"/>
+          </a:p>
+          <a:p>
+            <a:endParaRPr lang="en-US" altLang="zh-TW" sz="1600" dirty="0" smtClean="0"/>
+          </a:p>
+          <a:p>
+            <a:endParaRPr lang="en-US" altLang="zh-TW" sz="1600" dirty="0" smtClean="0"/>
+          </a:p>
+          <a:p>
+            <a:r>
+              <a:rPr lang="en-US" altLang="zh-TW" sz="1600" dirty="0" smtClean="0"/>
+              <a:t>}</a:t>
+            </a:r>
+            <a:endParaRPr lang="zh-TW" altLang="en-US" sz="1600" dirty="0"/>
+          </a:p>
+        </p:txBody>
+      </p:sp>
+      <p:sp>
+        <p:nvSpPr>
+          <p:cNvPr id="4" name="投影片編號版面配置區 3"/>
+          <p:cNvSpPr>
+            <a:spLocks noGrp="1"/>
+          </p:cNvSpPr>
+          <p:nvPr>
+            <p:ph type="sldNum" sz="quarter" idx="12"/>
+          </p:nvPr>
+        </p:nvSpPr>
+        <p:spPr/>
+        <p:txBody>
+          <a:bodyPr/>
+          <a:lstStyle/>
+          <a:p>
+            <a:fld id="{FEE3AA11-EC0F-4796-B63F-695259044A07}" type="slidenum">
+              <a:rPr lang="zh-TW" altLang="en-US" smtClean="0"/>
+              <a:t>4</a:t>
+            </a:fld>
+            <a:endParaRPr lang="zh-TW" altLang="en-US"/>
+          </a:p>
+        </p:txBody>
+      </p:sp>
+      <p:sp>
+        <p:nvSpPr>
+          <p:cNvPr id="23" name="Send Log F2L"/>
+          <p:cNvSpPr/>
+          <p:nvPr/>
+        </p:nvSpPr>
+        <p:spPr>
+          <a:xfrm flipH="1">
+            <a:off x="1221490" y="4495800"/>
+            <a:ext cx="1398349" cy="572402"/>
+          </a:xfrm>
+          <a:prstGeom prst="rightArrow">
+            <a:avLst/>
+          </a:prstGeom>
+        </p:spPr>
+        <p:style>
+          <a:lnRef idx="1">
+            <a:schemeClr val="accent1"/>
+          </a:lnRef>
+          <a:fillRef idx="2">
+            <a:schemeClr val="accent1"/>
+          </a:fillRef>
+          <a:effectRef idx="1">
+            <a:schemeClr val="accent1"/>
+          </a:effectRef>
+          <a:fontRef idx="minor">
+            <a:schemeClr val="dk1"/>
+          </a:fontRef>
+        </p:style>
+        <p:txBody>
+          <a:bodyPr rtlCol="0" anchor="ctr"/>
+          <a:lstStyle/>
+          <a:p>
+            <a:pPr algn="ctr"/>
+            <a:r>
+              <a:rPr lang="en-US" altLang="zh-TW" sz="2000" dirty="0" smtClean="0"/>
+              <a:t>Response</a:t>
+            </a:r>
+            <a:endParaRPr lang="zh-TW" altLang="en-US" sz="2000" dirty="0"/>
+          </a:p>
+        </p:txBody>
+      </p:sp>
+      <p:sp>
+        <p:nvSpPr>
+          <p:cNvPr id="24" name="Send Log F2L"/>
+          <p:cNvSpPr/>
+          <p:nvPr/>
+        </p:nvSpPr>
+        <p:spPr>
+          <a:xfrm>
+            <a:off x="1298505" y="1305650"/>
+            <a:ext cx="1398349" cy="572402"/>
+          </a:xfrm>
+          <a:prstGeom prst="rightArrow">
+            <a:avLst/>
+          </a:prstGeom>
+        </p:spPr>
+        <p:style>
+          <a:lnRef idx="1">
+            <a:schemeClr val="accent1"/>
+          </a:lnRef>
+          <a:fillRef idx="2">
+            <a:schemeClr val="accent1"/>
+          </a:fillRef>
+          <a:effectRef idx="1">
+            <a:schemeClr val="accent1"/>
+          </a:effectRef>
+          <a:fontRef idx="minor">
+            <a:schemeClr val="dk1"/>
+          </a:fontRef>
+        </p:style>
+        <p:txBody>
+          <a:bodyPr rtlCol="0" anchor="ctr"/>
+          <a:lstStyle/>
+          <a:p>
+            <a:pPr algn="ctr"/>
+            <a:r>
+              <a:rPr lang="en-US" altLang="zh-TW" sz="2000" dirty="0" smtClean="0"/>
+              <a:t>Request</a:t>
+            </a:r>
+            <a:endParaRPr lang="zh-TW" altLang="en-US" sz="2000" dirty="0"/>
+          </a:p>
+        </p:txBody>
+      </p:sp>
+      <p:sp>
+        <p:nvSpPr>
+          <p:cNvPr id="44" name="迴轉箭號 43"/>
+          <p:cNvSpPr/>
+          <p:nvPr/>
+        </p:nvSpPr>
+        <p:spPr>
+          <a:xfrm>
+            <a:off x="3727315" y="1402162"/>
+            <a:ext cx="753324" cy="1696354"/>
+          </a:xfrm>
+          <a:prstGeom prst="uturnArrow">
+            <a:avLst>
+              <a:gd name="adj1" fmla="val 25000"/>
+              <a:gd name="adj2" fmla="val 25000"/>
+              <a:gd name="adj3" fmla="val 25000"/>
+              <a:gd name="adj4" fmla="val 43750"/>
+              <a:gd name="adj5" fmla="val 32713"/>
+            </a:avLst>
+          </a:prstGeom>
+        </p:spPr>
+        <p:style>
+          <a:lnRef idx="1">
+            <a:schemeClr val="accent1"/>
+          </a:lnRef>
+          <a:fillRef idx="2">
+            <a:schemeClr val="accent1"/>
+          </a:fillRef>
+          <a:effectRef idx="1">
+            <a:schemeClr val="accent1"/>
+          </a:effectRef>
+          <a:fontRef idx="minor">
+            <a:schemeClr val="dk1"/>
+          </a:fontRef>
+        </p:style>
+        <p:txBody>
+          <a:bodyPr rtlCol="0" anchor="ctr"/>
+          <a:lstStyle/>
+          <a:p>
+            <a:pPr algn="ctr"/>
+            <a:endParaRPr lang="zh-TW" altLang="en-US" sz="2000">
+              <a:solidFill>
+                <a:schemeClr val="dk1"/>
+              </a:solidFill>
+            </a:endParaRPr>
+          </a:p>
+        </p:txBody>
+      </p:sp>
+      <p:sp>
+        <p:nvSpPr>
+          <p:cNvPr id="45" name="迴轉箭號 44"/>
+          <p:cNvSpPr/>
+          <p:nvPr/>
+        </p:nvSpPr>
+        <p:spPr>
+          <a:xfrm>
+            <a:off x="5128509" y="1402162"/>
+            <a:ext cx="753324" cy="1696354"/>
+          </a:xfrm>
+          <a:prstGeom prst="uturnArrow">
+            <a:avLst>
+              <a:gd name="adj1" fmla="val 25000"/>
+              <a:gd name="adj2" fmla="val 25000"/>
+              <a:gd name="adj3" fmla="val 25000"/>
+              <a:gd name="adj4" fmla="val 43750"/>
+              <a:gd name="adj5" fmla="val 32713"/>
+            </a:avLst>
+          </a:prstGeom>
+        </p:spPr>
+        <p:style>
+          <a:lnRef idx="1">
+            <a:schemeClr val="accent1"/>
+          </a:lnRef>
+          <a:fillRef idx="2">
+            <a:schemeClr val="accent1"/>
+          </a:fillRef>
+          <a:effectRef idx="1">
+            <a:schemeClr val="accent1"/>
+          </a:effectRef>
+          <a:fontRef idx="minor">
+            <a:schemeClr val="dk1"/>
+          </a:fontRef>
+        </p:style>
+        <p:txBody>
+          <a:bodyPr rtlCol="0" anchor="ctr"/>
+          <a:lstStyle/>
+          <a:p>
+            <a:pPr algn="ctr"/>
+            <a:endParaRPr lang="zh-TW" altLang="en-US" sz="2000">
+              <a:solidFill>
+                <a:schemeClr val="dk1"/>
+              </a:solidFill>
+            </a:endParaRPr>
+          </a:p>
+        </p:txBody>
+      </p:sp>
+      <p:sp>
+        <p:nvSpPr>
+          <p:cNvPr id="46" name="迴轉箭號 45"/>
+          <p:cNvSpPr/>
+          <p:nvPr/>
+        </p:nvSpPr>
+        <p:spPr>
+          <a:xfrm>
+            <a:off x="6520419" y="1402162"/>
+            <a:ext cx="753324" cy="1696354"/>
+          </a:xfrm>
+          <a:prstGeom prst="uturnArrow">
+            <a:avLst>
+              <a:gd name="adj1" fmla="val 25000"/>
+              <a:gd name="adj2" fmla="val 25000"/>
+              <a:gd name="adj3" fmla="val 25000"/>
+              <a:gd name="adj4" fmla="val 43750"/>
+              <a:gd name="adj5" fmla="val 32713"/>
+            </a:avLst>
+          </a:prstGeom>
+        </p:spPr>
+        <p:style>
+          <a:lnRef idx="1">
+            <a:schemeClr val="accent1"/>
+          </a:lnRef>
+          <a:fillRef idx="2">
+            <a:schemeClr val="accent1"/>
+          </a:fillRef>
+          <a:effectRef idx="1">
+            <a:schemeClr val="accent1"/>
+          </a:effectRef>
+          <a:fontRef idx="minor">
+            <a:schemeClr val="dk1"/>
+          </a:fontRef>
+        </p:style>
+        <p:txBody>
+          <a:bodyPr rtlCol="0" anchor="ctr"/>
+          <a:lstStyle/>
+          <a:p>
+            <a:pPr algn="ctr"/>
+            <a:endParaRPr lang="zh-TW" altLang="en-US" sz="2000">
+              <a:solidFill>
+                <a:schemeClr val="dk1"/>
+              </a:solidFill>
+            </a:endParaRPr>
+          </a:p>
+        </p:txBody>
+      </p:sp>
+      <p:sp>
+        <p:nvSpPr>
+          <p:cNvPr id="47" name="迴轉箭號 46"/>
+          <p:cNvSpPr/>
+          <p:nvPr/>
+        </p:nvSpPr>
+        <p:spPr>
+          <a:xfrm flipH="1">
+            <a:off x="6289996" y="3143248"/>
+            <a:ext cx="753324" cy="1696354"/>
+          </a:xfrm>
+          <a:prstGeom prst="uturnArrow">
+            <a:avLst>
+              <a:gd name="adj1" fmla="val 25000"/>
+              <a:gd name="adj2" fmla="val 25000"/>
+              <a:gd name="adj3" fmla="val 25000"/>
+              <a:gd name="adj4" fmla="val 43750"/>
+              <a:gd name="adj5" fmla="val 32713"/>
+            </a:avLst>
+          </a:prstGeom>
+        </p:spPr>
+        <p:style>
+          <a:lnRef idx="1">
+            <a:schemeClr val="accent1"/>
+          </a:lnRef>
+          <a:fillRef idx="2">
+            <a:schemeClr val="accent1"/>
+          </a:fillRef>
+          <a:effectRef idx="1">
+            <a:schemeClr val="accent1"/>
+          </a:effectRef>
+          <a:fontRef idx="minor">
+            <a:schemeClr val="dk1"/>
+          </a:fontRef>
+        </p:style>
+        <p:txBody>
+          <a:bodyPr rtlCol="0" anchor="ctr"/>
+          <a:lstStyle/>
+          <a:p>
+            <a:pPr algn="ctr"/>
+            <a:endParaRPr lang="zh-TW" altLang="en-US" sz="2000">
+              <a:solidFill>
+                <a:schemeClr val="dk1"/>
+              </a:solidFill>
+            </a:endParaRPr>
+          </a:p>
+        </p:txBody>
+      </p:sp>
+      <p:sp>
+        <p:nvSpPr>
+          <p:cNvPr id="48" name="迴轉箭號 47"/>
+          <p:cNvSpPr/>
+          <p:nvPr/>
+        </p:nvSpPr>
+        <p:spPr>
+          <a:xfrm flipH="1">
+            <a:off x="4869460" y="3143248"/>
+            <a:ext cx="753324" cy="1696354"/>
+          </a:xfrm>
+          <a:prstGeom prst="uturnArrow">
+            <a:avLst>
+              <a:gd name="adj1" fmla="val 25000"/>
+              <a:gd name="adj2" fmla="val 25000"/>
+              <a:gd name="adj3" fmla="val 25000"/>
+              <a:gd name="adj4" fmla="val 43750"/>
+              <a:gd name="adj5" fmla="val 32713"/>
+            </a:avLst>
+          </a:prstGeom>
+        </p:spPr>
+        <p:style>
+          <a:lnRef idx="1">
+            <a:schemeClr val="accent1"/>
+          </a:lnRef>
+          <a:fillRef idx="2">
+            <a:schemeClr val="accent1"/>
+          </a:fillRef>
+          <a:effectRef idx="1">
+            <a:schemeClr val="accent1"/>
+          </a:effectRef>
+          <a:fontRef idx="minor">
+            <a:schemeClr val="dk1"/>
+          </a:fontRef>
+        </p:style>
+        <p:txBody>
+          <a:bodyPr rtlCol="0" anchor="ctr"/>
+          <a:lstStyle/>
+          <a:p>
+            <a:pPr algn="ctr"/>
+            <a:endParaRPr lang="zh-TW" altLang="en-US" sz="2000">
+              <a:solidFill>
+                <a:schemeClr val="dk1"/>
+              </a:solidFill>
+            </a:endParaRPr>
+          </a:p>
+        </p:txBody>
+      </p:sp>
+      <p:sp>
+        <p:nvSpPr>
+          <p:cNvPr id="49" name="迴轉箭號 48"/>
+          <p:cNvSpPr/>
+          <p:nvPr/>
+        </p:nvSpPr>
+        <p:spPr>
+          <a:xfrm flipH="1">
+            <a:off x="3469769" y="3143248"/>
+            <a:ext cx="753324" cy="1696354"/>
+          </a:xfrm>
+          <a:prstGeom prst="uturnArrow">
+            <a:avLst>
+              <a:gd name="adj1" fmla="val 25000"/>
+              <a:gd name="adj2" fmla="val 25000"/>
+              <a:gd name="adj3" fmla="val 25000"/>
+              <a:gd name="adj4" fmla="val 43750"/>
+              <a:gd name="adj5" fmla="val 32713"/>
+            </a:avLst>
+          </a:prstGeom>
+        </p:spPr>
+        <p:style>
+          <a:lnRef idx="1">
+            <a:schemeClr val="accent1"/>
+          </a:lnRef>
+          <a:fillRef idx="2">
+            <a:schemeClr val="accent1"/>
+          </a:fillRef>
+          <a:effectRef idx="1">
+            <a:schemeClr val="accent1"/>
+          </a:effectRef>
+          <a:fontRef idx="minor">
+            <a:schemeClr val="dk1"/>
+          </a:fontRef>
+        </p:style>
+        <p:txBody>
+          <a:bodyPr rtlCol="0" anchor="ctr"/>
+          <a:lstStyle/>
+          <a:p>
+            <a:pPr algn="ctr"/>
+            <a:endParaRPr lang="zh-TW" altLang="en-US" sz="2000">
+              <a:solidFill>
+                <a:schemeClr val="dk1"/>
+              </a:solidFill>
+            </a:endParaRPr>
+          </a:p>
+        </p:txBody>
+      </p:sp>
+      <p:pic>
+        <p:nvPicPr>
+          <p:cNvPr id="30" name="圖片 29"/>
+          <p:cNvPicPr>
+            <a:picLocks noChangeAspect="1"/>
+          </p:cNvPicPr>
+          <p:nvPr/>
+        </p:nvPicPr>
+        <p:blipFill>
+          <a:blip r:embed="rId2">
+            <a:extLst>
+              <a:ext uri="{28A0092B-C50C-407E-A947-70E740481C1C}">
+                <a14:useLocalDpi xmlns:a14="http://schemas.microsoft.com/office/drawing/2010/main" val="0"/>
+              </a:ext>
+            </a:extLst>
+          </a:blip>
+          <a:stretch>
+            <a:fillRect/>
+          </a:stretch>
+        </p:blipFill>
+        <p:spPr>
+          <a:xfrm>
+            <a:off x="712004" y="1305650"/>
+            <a:ext cx="574545" cy="574545"/>
+          </a:xfrm>
+          <a:prstGeom prst="rect">
+            <a:avLst/>
+          </a:prstGeom>
+        </p:spPr>
+      </p:pic>
+      <p:sp>
+        <p:nvSpPr>
+          <p:cNvPr id="53" name="標題 2"/>
+          <p:cNvSpPr>
+            <a:spLocks noGrp="1"/>
+          </p:cNvSpPr>
+          <p:nvPr>
+            <p:ph type="title"/>
+          </p:nvPr>
+        </p:nvSpPr>
+        <p:spPr>
+          <a:xfrm>
+            <a:off x="381000" y="2471548"/>
+            <a:ext cx="8382000" cy="1325563"/>
+          </a:xfrm>
+          <a:noFill/>
+        </p:spPr>
+        <p:txBody>
+          <a:bodyPr>
+            <a:noAutofit/>
+          </a:bodyPr>
+          <a:lstStyle/>
+          <a:p>
+            <a:r>
+              <a:rPr lang="en-US" altLang="zh-TW" sz="10000" b="1" dirty="0" smtClean="0">
+                <a:solidFill>
+                  <a:schemeClr val="tx1">
+                    <a:alpha val="8000"/>
+                  </a:schemeClr>
+                </a:solidFill>
+                <a:latin typeface="+mn-lt"/>
+              </a:rPr>
+              <a:t>blog.johnwu.cc</a:t>
+            </a:r>
+            <a:endParaRPr lang="zh-TW" altLang="en-US" sz="10000" b="1" dirty="0">
+              <a:solidFill>
+                <a:schemeClr val="tx1">
+                  <a:alpha val="8000"/>
+                </a:schemeClr>
+              </a:solidFill>
+              <a:latin typeface="+mn-lt"/>
+            </a:endParaRPr>
+          </a:p>
+        </p:txBody>
+      </p:sp>
+    </p:spTree>
+    <p:extLst>
+      <p:ext uri="{BB962C8B-B14F-4D97-AF65-F5344CB8AC3E}">
+        <p14:creationId xmlns:p14="http://schemas.microsoft.com/office/powerpoint/2010/main" val="1618536584"/>
+      </p:ext>
+    </p:extLst>
+  </p:cSld>
+  <p:clrMapOvr>
+    <a:masterClrMapping/>
+  </p:clrMapOvr>
+  <p:timing>
+    <p:tnLst>
+      <p:par>
+        <p:cTn id="1" dur="indefinite" restart="never" nodeType="tmRoot">
+          <p:childTnLst>
+            <p:seq concurrent="1" nextAc="seek">
+              <p:cTn id="2" dur="indefinite" nodeType="mainSeq">
+                <p:childTnLst>
+                  <p:par>
+                    <p:cTn id="3" fill="hold">
+                      <p:stCondLst>
+                        <p:cond delay="indefinite"/>
+                      </p:stCondLst>
+                      <p:childTnLst>
+                        <p:par>
+                          <p:cTn id="4" fill="hold">
+                            <p:stCondLst>
+                              <p:cond delay="0"/>
+                            </p:stCondLst>
+                            <p:childTnLst>
+                              <p:par>
+                                <p:cTn id="5" presetID="0" presetClass="path" presetSubtype="0" fill="hold" nodeType="clickEffect">
+                                  <p:stCondLst>
+                                    <p:cond delay="0"/>
+                                  </p:stCondLst>
+                                  <p:childTnLst>
+                                    <p:animMotion origin="layout" path="M 0.00013 -0.00024 L 0.18802 -0.00024 L 0.18542 0.20532 L 0.23125 0.2037 L 0.23307 -0.00487 L 0.30365 -0.00348 L 0.30274 0.20532 L 0.34779 0.20532 L 0.34857 -0.00487 L 0.41745 -0.00649 C 0.41719 0.06504 0.4168 0.1368 0.41654 0.20833 L 0.46237 0.20671 L 0.46237 -0.01112 L 0.53216 -0.00973 L 0.53307 0.46713 L 0.48711 0.46713 L 0.48711 0.25694 L 0.41914 0.26018 L 0.41836 0.47037 L 0.3724 0.47037 C 0.37214 0.39861 0.37188 0.32708 0.37162 0.25555 L 0.30534 0.26018 L 0.30274 0.47199 L 0.2569 0.47361 L 0.25859 0.2618 L 0.18893 0.2618 L 0.18633 0.46574 L -0.00247 0.46574 " pathEditMode="relative" ptsTypes="AAAAAAAAAAAAAAAAAAAAAAAAAAAA">
+                                      <p:cBhvr>
+                                        <p:cTn id="6" dur="10000" fill="hold"/>
+                                        <p:tgtEl>
+                                          <p:spTgt spid="30"/>
+                                        </p:tgtEl>
+                                        <p:attrNameLst>
+                                          <p:attrName>ppt_x</p:attrName>
+                                          <p:attrName>ppt_y</p:attrName>
+                                        </p:attrNameLst>
+                                      </p:cBhvr>
+                                    </p:animMotion>
+                                  </p:childTnLst>
+                                </p:cTn>
+                              </p:par>
+                              <p:par>
+                                <p:cTn id="7" presetID="10" presetClass="entr" presetSubtype="0" fill="hold" grpId="0" nodeType="withEffect">
+                                  <p:stCondLst>
+                                    <p:cond delay="700"/>
+                                  </p:stCondLst>
+                                  <p:childTnLst>
+                                    <p:set>
+                                      <p:cBhvr>
+                                        <p:cTn id="8" dur="1" fill="hold">
+                                          <p:stCondLst>
+                                            <p:cond delay="0"/>
+                                          </p:stCondLst>
+                                        </p:cTn>
+                                        <p:tgtEl>
+                                          <p:spTgt spid="44"/>
+                                        </p:tgtEl>
+                                        <p:attrNameLst>
+                                          <p:attrName>style.visibility</p:attrName>
+                                        </p:attrNameLst>
+                                      </p:cBhvr>
+                                      <p:to>
+                                        <p:strVal val="visible"/>
+                                      </p:to>
+                                    </p:set>
+                                    <p:animEffect transition="in" filter="fade">
+                                      <p:cBhvr>
+                                        <p:cTn id="9" dur="500"/>
+                                        <p:tgtEl>
+                                          <p:spTgt spid="44"/>
+                                        </p:tgtEl>
+                                      </p:cBhvr>
+                                    </p:animEffect>
+                                  </p:childTnLst>
+                                </p:cTn>
+                              </p:par>
+                              <p:par>
+                                <p:cTn id="10" presetID="10" presetClass="exit" presetSubtype="0" fill="hold" grpId="2" nodeType="withEffect">
+                                  <p:stCondLst>
+                                    <p:cond delay="1400"/>
+                                  </p:stCondLst>
+                                  <p:childTnLst>
+                                    <p:animEffect transition="out" filter="fade">
+                                      <p:cBhvr>
+                                        <p:cTn id="11" dur="500"/>
+                                        <p:tgtEl>
+                                          <p:spTgt spid="44"/>
+                                        </p:tgtEl>
+                                      </p:cBhvr>
+                                    </p:animEffect>
+                                    <p:set>
+                                      <p:cBhvr>
+                                        <p:cTn id="12" dur="1" fill="hold">
+                                          <p:stCondLst>
+                                            <p:cond delay="499"/>
+                                          </p:stCondLst>
+                                        </p:cTn>
+                                        <p:tgtEl>
+                                          <p:spTgt spid="44"/>
+                                        </p:tgtEl>
+                                        <p:attrNameLst>
+                                          <p:attrName>style.visibility</p:attrName>
+                                        </p:attrNameLst>
+                                      </p:cBhvr>
+                                      <p:to>
+                                        <p:strVal val="hidden"/>
+                                      </p:to>
+                                    </p:set>
+                                  </p:childTnLst>
+                                </p:cTn>
+                              </p:par>
+                              <p:par>
+                                <p:cTn id="13" presetID="10" presetClass="entr" presetSubtype="0" fill="hold" grpId="0" nodeType="withEffect">
+                                  <p:stCondLst>
+                                    <p:cond delay="2100"/>
+                                  </p:stCondLst>
+                                  <p:childTnLst>
+                                    <p:set>
+                                      <p:cBhvr>
+                                        <p:cTn id="14" dur="1" fill="hold">
+                                          <p:stCondLst>
+                                            <p:cond delay="0"/>
+                                          </p:stCondLst>
+                                        </p:cTn>
+                                        <p:tgtEl>
+                                          <p:spTgt spid="45"/>
+                                        </p:tgtEl>
+                                        <p:attrNameLst>
+                                          <p:attrName>style.visibility</p:attrName>
+                                        </p:attrNameLst>
+                                      </p:cBhvr>
+                                      <p:to>
+                                        <p:strVal val="visible"/>
+                                      </p:to>
+                                    </p:set>
+                                    <p:animEffect transition="in" filter="fade">
+                                      <p:cBhvr>
+                                        <p:cTn id="15" dur="500"/>
+                                        <p:tgtEl>
+                                          <p:spTgt spid="45"/>
+                                        </p:tgtEl>
+                                      </p:cBhvr>
+                                    </p:animEffect>
+                                  </p:childTnLst>
+                                </p:cTn>
+                              </p:par>
+                              <p:par>
+                                <p:cTn id="16" presetID="10" presetClass="exit" presetSubtype="0" fill="hold" grpId="1" nodeType="withEffect">
+                                  <p:stCondLst>
+                                    <p:cond delay="2800"/>
+                                  </p:stCondLst>
+                                  <p:childTnLst>
+                                    <p:animEffect transition="out" filter="fade">
+                                      <p:cBhvr>
+                                        <p:cTn id="17" dur="500"/>
+                                        <p:tgtEl>
+                                          <p:spTgt spid="45"/>
+                                        </p:tgtEl>
+                                      </p:cBhvr>
+                                    </p:animEffect>
+                                    <p:set>
+                                      <p:cBhvr>
+                                        <p:cTn id="18" dur="1" fill="hold">
+                                          <p:stCondLst>
+                                            <p:cond delay="499"/>
+                                          </p:stCondLst>
+                                        </p:cTn>
+                                        <p:tgtEl>
+                                          <p:spTgt spid="45"/>
+                                        </p:tgtEl>
+                                        <p:attrNameLst>
+                                          <p:attrName>style.visibility</p:attrName>
+                                        </p:attrNameLst>
+                                      </p:cBhvr>
+                                      <p:to>
+                                        <p:strVal val="hidden"/>
+                                      </p:to>
+                                    </p:set>
+                                  </p:childTnLst>
+                                </p:cTn>
+                              </p:par>
+                              <p:par>
+                                <p:cTn id="19" presetID="10" presetClass="entr" presetSubtype="0" fill="hold" grpId="0" nodeType="withEffect">
+                                  <p:stCondLst>
+                                    <p:cond delay="3500"/>
+                                  </p:stCondLst>
+                                  <p:childTnLst>
+                                    <p:set>
+                                      <p:cBhvr>
+                                        <p:cTn id="20" dur="1" fill="hold">
+                                          <p:stCondLst>
+                                            <p:cond delay="0"/>
+                                          </p:stCondLst>
+                                        </p:cTn>
+                                        <p:tgtEl>
+                                          <p:spTgt spid="46"/>
+                                        </p:tgtEl>
+                                        <p:attrNameLst>
+                                          <p:attrName>style.visibility</p:attrName>
+                                        </p:attrNameLst>
+                                      </p:cBhvr>
+                                      <p:to>
+                                        <p:strVal val="visible"/>
+                                      </p:to>
+                                    </p:set>
+                                    <p:animEffect transition="in" filter="fade">
+                                      <p:cBhvr>
+                                        <p:cTn id="21" dur="500"/>
+                                        <p:tgtEl>
+                                          <p:spTgt spid="46"/>
+                                        </p:tgtEl>
+                                      </p:cBhvr>
+                                    </p:animEffect>
+                                  </p:childTnLst>
+                                </p:cTn>
+                              </p:par>
+                              <p:par>
+                                <p:cTn id="22" presetID="10" presetClass="exit" presetSubtype="0" fill="hold" grpId="1" nodeType="withEffect">
+                                  <p:stCondLst>
+                                    <p:cond delay="4200"/>
+                                  </p:stCondLst>
+                                  <p:childTnLst>
+                                    <p:animEffect transition="out" filter="fade">
+                                      <p:cBhvr>
+                                        <p:cTn id="23" dur="500"/>
+                                        <p:tgtEl>
+                                          <p:spTgt spid="46"/>
+                                        </p:tgtEl>
+                                      </p:cBhvr>
+                                    </p:animEffect>
+                                    <p:set>
+                                      <p:cBhvr>
+                                        <p:cTn id="24" dur="1" fill="hold">
+                                          <p:stCondLst>
+                                            <p:cond delay="499"/>
+                                          </p:stCondLst>
+                                        </p:cTn>
+                                        <p:tgtEl>
+                                          <p:spTgt spid="46"/>
+                                        </p:tgtEl>
+                                        <p:attrNameLst>
+                                          <p:attrName>style.visibility</p:attrName>
+                                        </p:attrNameLst>
+                                      </p:cBhvr>
+                                      <p:to>
+                                        <p:strVal val="hidden"/>
+                                      </p:to>
+                                    </p:set>
+                                  </p:childTnLst>
+                                </p:cTn>
+                              </p:par>
+                              <p:par>
+                                <p:cTn id="25" presetID="10" presetClass="entr" presetSubtype="0" fill="hold" grpId="0" nodeType="withEffect">
+                                  <p:stCondLst>
+                                    <p:cond delay="5500"/>
+                                  </p:stCondLst>
+                                  <p:childTnLst>
+                                    <p:set>
+                                      <p:cBhvr>
+                                        <p:cTn id="26" dur="1" fill="hold">
+                                          <p:stCondLst>
+                                            <p:cond delay="0"/>
+                                          </p:stCondLst>
+                                        </p:cTn>
+                                        <p:tgtEl>
+                                          <p:spTgt spid="47"/>
+                                        </p:tgtEl>
+                                        <p:attrNameLst>
+                                          <p:attrName>style.visibility</p:attrName>
+                                        </p:attrNameLst>
+                                      </p:cBhvr>
+                                      <p:to>
+                                        <p:strVal val="visible"/>
+                                      </p:to>
+                                    </p:set>
+                                    <p:animEffect transition="in" filter="fade">
+                                      <p:cBhvr>
+                                        <p:cTn id="27" dur="500"/>
+                                        <p:tgtEl>
+                                          <p:spTgt spid="47"/>
+                                        </p:tgtEl>
+                                      </p:cBhvr>
+                                    </p:animEffect>
+                                  </p:childTnLst>
+                                </p:cTn>
+                              </p:par>
+                              <p:par>
+                                <p:cTn id="28" presetID="10" presetClass="exit" presetSubtype="0" fill="hold" grpId="1" nodeType="withEffect">
+                                  <p:stCondLst>
+                                    <p:cond delay="6200"/>
+                                  </p:stCondLst>
+                                  <p:childTnLst>
+                                    <p:animEffect transition="out" filter="fade">
+                                      <p:cBhvr>
+                                        <p:cTn id="29" dur="500"/>
+                                        <p:tgtEl>
+                                          <p:spTgt spid="47"/>
+                                        </p:tgtEl>
+                                      </p:cBhvr>
+                                    </p:animEffect>
+                                    <p:set>
+                                      <p:cBhvr>
+                                        <p:cTn id="30" dur="1" fill="hold">
+                                          <p:stCondLst>
+                                            <p:cond delay="499"/>
+                                          </p:stCondLst>
+                                        </p:cTn>
+                                        <p:tgtEl>
+                                          <p:spTgt spid="47"/>
+                                        </p:tgtEl>
+                                        <p:attrNameLst>
+                                          <p:attrName>style.visibility</p:attrName>
+                                        </p:attrNameLst>
+                                      </p:cBhvr>
+                                      <p:to>
+                                        <p:strVal val="hidden"/>
+                                      </p:to>
+                                    </p:set>
+                                  </p:childTnLst>
+                                </p:cTn>
+                              </p:par>
+                              <p:par>
+                                <p:cTn id="31" presetID="10" presetClass="entr" presetSubtype="0" fill="hold" grpId="0" nodeType="withEffect">
+                                  <p:stCondLst>
+                                    <p:cond delay="6900"/>
+                                  </p:stCondLst>
+                                  <p:childTnLst>
+                                    <p:set>
+                                      <p:cBhvr>
+                                        <p:cTn id="32" dur="1" fill="hold">
+                                          <p:stCondLst>
+                                            <p:cond delay="0"/>
+                                          </p:stCondLst>
+                                        </p:cTn>
+                                        <p:tgtEl>
+                                          <p:spTgt spid="48"/>
+                                        </p:tgtEl>
+                                        <p:attrNameLst>
+                                          <p:attrName>style.visibility</p:attrName>
+                                        </p:attrNameLst>
+                                      </p:cBhvr>
+                                      <p:to>
+                                        <p:strVal val="visible"/>
+                                      </p:to>
+                                    </p:set>
+                                    <p:animEffect transition="in" filter="fade">
+                                      <p:cBhvr>
+                                        <p:cTn id="33" dur="500"/>
+                                        <p:tgtEl>
+                                          <p:spTgt spid="48"/>
+                                        </p:tgtEl>
+                                      </p:cBhvr>
+                                    </p:animEffect>
+                                  </p:childTnLst>
+                                </p:cTn>
+                              </p:par>
+                              <p:par>
+                                <p:cTn id="34" presetID="10" presetClass="exit" presetSubtype="0" fill="hold" grpId="1" nodeType="withEffect">
+                                  <p:stCondLst>
+                                    <p:cond delay="7600"/>
+                                  </p:stCondLst>
+                                  <p:childTnLst>
+                                    <p:animEffect transition="out" filter="fade">
+                                      <p:cBhvr>
+                                        <p:cTn id="35" dur="500"/>
+                                        <p:tgtEl>
+                                          <p:spTgt spid="48"/>
+                                        </p:tgtEl>
+                                      </p:cBhvr>
+                                    </p:animEffect>
+                                    <p:set>
+                                      <p:cBhvr>
+                                        <p:cTn id="36" dur="1" fill="hold">
+                                          <p:stCondLst>
+                                            <p:cond delay="499"/>
+                                          </p:stCondLst>
+                                        </p:cTn>
+                                        <p:tgtEl>
+                                          <p:spTgt spid="48"/>
+                                        </p:tgtEl>
+                                        <p:attrNameLst>
+                                          <p:attrName>style.visibility</p:attrName>
+                                        </p:attrNameLst>
+                                      </p:cBhvr>
+                                      <p:to>
+                                        <p:strVal val="hidden"/>
+                                      </p:to>
+                                    </p:set>
+                                  </p:childTnLst>
+                                </p:cTn>
+                              </p:par>
+                              <p:par>
+                                <p:cTn id="37" presetID="10" presetClass="entr" presetSubtype="0" fill="hold" grpId="0" nodeType="withEffect">
+                                  <p:stCondLst>
+                                    <p:cond delay="8300"/>
+                                  </p:stCondLst>
+                                  <p:childTnLst>
+                                    <p:set>
+                                      <p:cBhvr>
+                                        <p:cTn id="38" dur="1" fill="hold">
+                                          <p:stCondLst>
+                                            <p:cond delay="0"/>
+                                          </p:stCondLst>
+                                        </p:cTn>
+                                        <p:tgtEl>
+                                          <p:spTgt spid="49"/>
+                                        </p:tgtEl>
+                                        <p:attrNameLst>
+                                          <p:attrName>style.visibility</p:attrName>
+                                        </p:attrNameLst>
+                                      </p:cBhvr>
+                                      <p:to>
+                                        <p:strVal val="visible"/>
+                                      </p:to>
+                                    </p:set>
+                                    <p:animEffect transition="in" filter="fade">
+                                      <p:cBhvr>
+                                        <p:cTn id="39" dur="500"/>
+                                        <p:tgtEl>
+                                          <p:spTgt spid="49"/>
+                                        </p:tgtEl>
+                                      </p:cBhvr>
+                                    </p:animEffect>
+                                  </p:childTnLst>
+                                </p:cTn>
+                              </p:par>
+                              <p:par>
+                                <p:cTn id="40" presetID="10" presetClass="exit" presetSubtype="0" fill="hold" grpId="1" nodeType="withEffect">
+                                  <p:stCondLst>
+                                    <p:cond delay="9000"/>
+                                  </p:stCondLst>
+                                  <p:childTnLst>
+                                    <p:animEffect transition="out" filter="fade">
+                                      <p:cBhvr>
+                                        <p:cTn id="41" dur="500"/>
+                                        <p:tgtEl>
+                                          <p:spTgt spid="49"/>
+                                        </p:tgtEl>
+                                      </p:cBhvr>
+                                    </p:animEffect>
+                                    <p:set>
+                                      <p:cBhvr>
+                                        <p:cTn id="42" dur="1" fill="hold">
+                                          <p:stCondLst>
+                                            <p:cond delay="499"/>
+                                          </p:stCondLst>
+                                        </p:cTn>
+                                        <p:tgtEl>
+                                          <p:spTgt spid="49"/>
+                                        </p:tgtEl>
+                                        <p:attrNameLst>
+                                          <p:attrName>style.visibility</p:attrName>
+                                        </p:attrNameLst>
+                                      </p:cBhvr>
+                                      <p:to>
+                                        <p:strVal val="hidden"/>
+                                      </p:to>
+                                    </p:set>
+                                  </p:childTnLst>
+                                </p:cTn>
+                              </p:par>
+                            </p:childTnLst>
+                          </p:cTn>
+                        </p:par>
+                      </p:childTnLst>
+                    </p:cTn>
+                  </p:par>
+                </p:childTnLst>
+              </p:cTn>
+              <p:prevCondLst>
+                <p:cond evt="onPrev" delay="0">
+                  <p:tgtEl>
+                    <p:sldTgt/>
+                  </p:tgtEl>
+                </p:cond>
+              </p:prevCondLst>
+              <p:nextCondLst>
+                <p:cond evt="onNext" delay="0">
+                  <p:tgtEl>
+                    <p:sldTgt/>
+                  </p:tgtEl>
+                </p:cond>
+              </p:nextCondLst>
+            </p:seq>
+          </p:childTnLst>
+        </p:cTn>
+      </p:par>
+    </p:tnLst>
+    <p:bldLst>
+      <p:bldP spid="44" grpId="0" animBg="1"/>
+      <p:bldP spid="44" grpId="2" animBg="1"/>
+      <p:bldP spid="45" grpId="0" animBg="1"/>
+      <p:bldP spid="45" grpId="1" animBg="1"/>
+      <p:bldP spid="46" grpId="0" animBg="1"/>
+      <p:bldP spid="46" grpId="1" animBg="1"/>
+      <p:bldP spid="47" grpId="0" animBg="1"/>
+      <p:bldP spid="47" grpId="1" animBg="1"/>
+      <p:bldP spid="48" grpId="0" animBg="1"/>
+      <p:bldP spid="48" grpId="1" animBg="1"/>
+      <p:bldP spid="49" grpId="0" animBg="1"/>
+      <p:bldP spid="49" grpId="1" animBg="1"/>
     </p:bldLst>
   </p:timing>
 </p:sld>
@@ -10771,6 +12461,21 @@
 </file>
 
 <file path=customXml/item1.xml><?xml version="1.0" encoding="utf-8"?>
+<?mso-contentType ?>
+<FormTemplates xmlns="http://schemas.microsoft.com/sharepoint/v3/contenttype/forms">
+  <Display>DocumentLibraryForm</Display>
+  <Edit>DocumentLibraryForm</Edit>
+  <New>DocumentLibraryForm</New>
+</FormTemplates>
+</file>
+
+<file path=customXml/item2.xml><?xml version="1.0" encoding="utf-8"?>
+<p:properties xmlns:p="http://schemas.microsoft.com/office/2006/metadata/properties" xmlns:xsi="http://www.w3.org/2001/XMLSchema-instance">
+  <documentManagement/>
+</p:properties>
+</file>
+
+<file path=customXml/item3.xml><?xml version="1.0" encoding="utf-8"?>
 <ct:contentTypeSchema xmlns:ct="http://schemas.microsoft.com/office/2006/metadata/contentType" xmlns:ma="http://schemas.microsoft.com/office/2006/metadata/properties/metaAttributes" ct:_="" ma:_="" ma:contentTypeName="Document" ma:contentTypeID="0x0101000AA0115B54226D469CC0FAAE38E5F61C" ma:contentTypeVersion="3" ma:contentTypeDescription="Create a new document." ma:contentTypeScope="" ma:versionID="0ae424bb0065d3a2a055b165aca25ec5">
   <xsd:schema xmlns:xsd="http://www.w3.org/2001/XMLSchema" xmlns:p="http://schemas.microsoft.com/office/2006/metadata/properties" targetNamespace="http://schemas.microsoft.com/office/2006/metadata/properties" ma:root="true" ma:fieldsID="4aeb20c0e3442673af7ee10786458764">
     <xsd:element name="properties">
@@ -10819,32 +12524,10 @@
 </ct:contentTypeSchema>
 </file>
 
-<file path=customXml/item2.xml><?xml version="1.0" encoding="utf-8"?>
-<p:properties xmlns:p="http://schemas.microsoft.com/office/2006/metadata/properties" xmlns:xsi="http://www.w3.org/2001/XMLSchema-instance">
-  <documentManagement/>
-</p:properties>
-</file>
-
-<file path=customXml/item3.xml><?xml version="1.0" encoding="utf-8"?>
-<?mso-contentType ?>
-<FormTemplates xmlns="http://schemas.microsoft.com/sharepoint/v3/contenttype/forms">
-  <Display>DocumentLibraryForm</Display>
-  <Edit>DocumentLibraryForm</Edit>
-  <New>DocumentLibraryForm</New>
-</FormTemplates>
-</file>
-
 <file path=customXml/itemProps1.xml><?xml version="1.0" encoding="utf-8"?>
-<ds:datastoreItem xmlns:ds="http://schemas.openxmlformats.org/officeDocument/2006/customXml" ds:itemID="{FE6BB287-9CB7-4AA6-A5A5-8D1CE03643F3}">
+<ds:datastoreItem xmlns:ds="http://schemas.openxmlformats.org/officeDocument/2006/customXml" ds:itemID="{A1770BF7-49D5-46D6-8B76-1D8AF290B450}">
   <ds:schemaRefs>
-    <ds:schemaRef ds:uri="http://schemas.microsoft.com/office/2006/metadata/contentType"/>
-    <ds:schemaRef ds:uri="http://schemas.microsoft.com/office/2006/metadata/properties/metaAttributes"/>
-    <ds:schemaRef ds:uri="http://www.w3.org/2001/XMLSchema"/>
-    <ds:schemaRef ds:uri="http://schemas.microsoft.com/office/2006/metadata/properties"/>
-    <ds:schemaRef ds:uri="http://schemas.openxmlformats.org/package/2006/metadata/core-properties"/>
-    <ds:schemaRef ds:uri="http://purl.org/dc/elements/1.1/"/>
-    <ds:schemaRef ds:uri="http://purl.org/dc/terms/"/>
-    <ds:schemaRef ds:uri="http://schemas.microsoft.com/office/internal/2005/internalDocumentation"/>
+    <ds:schemaRef ds:uri="http://schemas.microsoft.com/sharepoint/v3/contenttype/forms"/>
   </ds:schemaRefs>
 </ds:datastoreItem>
 </file>
@@ -10864,9 +12547,16 @@
 </file>
 
 <file path=customXml/itemProps3.xml><?xml version="1.0" encoding="utf-8"?>
-<ds:datastoreItem xmlns:ds="http://schemas.openxmlformats.org/officeDocument/2006/customXml" ds:itemID="{A1770BF7-49D5-46D6-8B76-1D8AF290B450}">
+<ds:datastoreItem xmlns:ds="http://schemas.openxmlformats.org/officeDocument/2006/customXml" ds:itemID="{FE6BB287-9CB7-4AA6-A5A5-8D1CE03643F3}">
   <ds:schemaRefs>
-    <ds:schemaRef ds:uri="http://schemas.microsoft.com/sharepoint/v3/contenttype/forms"/>
+    <ds:schemaRef ds:uri="http://schemas.microsoft.com/office/2006/metadata/contentType"/>
+    <ds:schemaRef ds:uri="http://schemas.microsoft.com/office/2006/metadata/properties/metaAttributes"/>
+    <ds:schemaRef ds:uri="http://www.w3.org/2001/XMLSchema"/>
+    <ds:schemaRef ds:uri="http://schemas.microsoft.com/office/2006/metadata/properties"/>
+    <ds:schemaRef ds:uri="http://schemas.openxmlformats.org/package/2006/metadata/core-properties"/>
+    <ds:schemaRef ds:uri="http://purl.org/dc/elements/1.1/"/>
+    <ds:schemaRef ds:uri="http://purl.org/dc/terms/"/>
+    <ds:schemaRef ds:uri="http://schemas.microsoft.com/office/internal/2005/internalDocumentation"/>
   </ds:schemaRefs>
 </ds:datastoreItem>
 </file>
--- a/source/_assets/Blog動畫.pptx
+++ b/source/_assets/Blog動畫.pptx
@@ -5,16 +5,17 @@
     <p:sldMasterId id="2147483752" r:id="rId4"/>
   </p:sldMasterIdLst>
   <p:notesMasterIdLst>
-    <p:notesMasterId r:id="rId9"/>
+    <p:notesMasterId r:id="rId10"/>
   </p:notesMasterIdLst>
   <p:handoutMasterIdLst>
-    <p:handoutMasterId r:id="rId10"/>
+    <p:handoutMasterId r:id="rId11"/>
   </p:handoutMasterIdLst>
   <p:sldIdLst>
     <p:sldId id="315" r:id="rId5"/>
     <p:sldId id="316" r:id="rId6"/>
     <p:sldId id="317" r:id="rId7"/>
     <p:sldId id="318" r:id="rId8"/>
+    <p:sldId id="319" r:id="rId9"/>
   </p:sldIdLst>
   <p:sldSz cx="12192000" cy="6858000"/>
   <p:notesSz cx="7099300" cy="10234613"/>
@@ -229,7 +230,7 @@
             <a:fld id="{3CDD3A71-4C75-488C-A8F3-A1F163ED0DB9}" type="datetimeFigureOut">
               <a:rPr lang="en-US" smtClean="0"/>
               <a:pPr/>
-              <a:t>5/11/2017</a:t>
+              <a:t>5/15/2017</a:t>
             </a:fld>
             <a:endParaRPr lang="en-US" dirty="0"/>
           </a:p>
@@ -397,7 +398,7 @@
             <a:fld id="{523CC419-8FB3-4D1C-8127-E63C1A13459D}" type="datetimeFigureOut">
               <a:rPr lang="en-US" smtClean="0"/>
               <a:pPr/>
-              <a:t>5/11/2017</a:t>
+              <a:t>5/15/2017</a:t>
             </a:fld>
             <a:endParaRPr lang="en-US" dirty="0"/>
           </a:p>
@@ -800,7 +801,7 @@
           <a:p>
             <a:fld id="{237FF733-248C-4CF7-A090-89CF012E357B}" type="datetimeFigureOut">
               <a:rPr lang="zh-TW" altLang="en-US" smtClean="0"/>
-              <a:t>2017/5/11</a:t>
+              <a:t>2017/5/15</a:t>
             </a:fld>
             <a:endParaRPr lang="zh-TW" altLang="en-US"/>
           </a:p>
@@ -971,7 +972,7 @@
           <a:p>
             <a:fld id="{237FF733-248C-4CF7-A090-89CF012E357B}" type="datetimeFigureOut">
               <a:rPr lang="zh-TW" altLang="en-US" smtClean="0"/>
-              <a:t>2017/5/11</a:t>
+              <a:t>2017/5/15</a:t>
             </a:fld>
             <a:endParaRPr lang="zh-TW" altLang="en-US"/>
           </a:p>
@@ -1152,7 +1153,7 @@
           <a:p>
             <a:fld id="{237FF733-248C-4CF7-A090-89CF012E357B}" type="datetimeFigureOut">
               <a:rPr lang="zh-TW" altLang="en-US" smtClean="0"/>
-              <a:t>2017/5/11</a:t>
+              <a:t>2017/5/15</a:t>
             </a:fld>
             <a:endParaRPr lang="zh-TW" altLang="en-US"/>
           </a:p>
@@ -1323,7 +1324,7 @@
           <a:p>
             <a:fld id="{237FF733-248C-4CF7-A090-89CF012E357B}" type="datetimeFigureOut">
               <a:rPr lang="zh-TW" altLang="en-US" smtClean="0"/>
-              <a:t>2017/5/11</a:t>
+              <a:t>2017/5/15</a:t>
             </a:fld>
             <a:endParaRPr lang="zh-TW" altLang="en-US"/>
           </a:p>
@@ -1570,7 +1571,7 @@
           <a:p>
             <a:fld id="{237FF733-248C-4CF7-A090-89CF012E357B}" type="datetimeFigureOut">
               <a:rPr lang="zh-TW" altLang="en-US" smtClean="0"/>
-              <a:t>2017/5/11</a:t>
+              <a:t>2017/5/15</a:t>
             </a:fld>
             <a:endParaRPr lang="zh-TW" altLang="en-US"/>
           </a:p>
@@ -1803,7 +1804,7 @@
           <a:p>
             <a:fld id="{237FF733-248C-4CF7-A090-89CF012E357B}" type="datetimeFigureOut">
               <a:rPr lang="zh-TW" altLang="en-US" smtClean="0"/>
-              <a:t>2017/5/11</a:t>
+              <a:t>2017/5/15</a:t>
             </a:fld>
             <a:endParaRPr lang="zh-TW" altLang="en-US"/>
           </a:p>
@@ -2171,7 +2172,7 @@
           <a:p>
             <a:fld id="{237FF733-248C-4CF7-A090-89CF012E357B}" type="datetimeFigureOut">
               <a:rPr lang="zh-TW" altLang="en-US" smtClean="0"/>
-              <a:t>2017/5/11</a:t>
+              <a:t>2017/5/15</a:t>
             </a:fld>
             <a:endParaRPr lang="zh-TW" altLang="en-US"/>
           </a:p>
@@ -2290,7 +2291,7 @@
           <a:p>
             <a:fld id="{237FF733-248C-4CF7-A090-89CF012E357B}" type="datetimeFigureOut">
               <a:rPr lang="zh-TW" altLang="en-US" smtClean="0"/>
-              <a:t>2017/5/11</a:t>
+              <a:t>2017/5/15</a:t>
             </a:fld>
             <a:endParaRPr lang="zh-TW" altLang="en-US"/>
           </a:p>
@@ -2386,7 +2387,7 @@
           <a:p>
             <a:fld id="{237FF733-248C-4CF7-A090-89CF012E357B}" type="datetimeFigureOut">
               <a:rPr lang="zh-TW" altLang="en-US" smtClean="0"/>
-              <a:t>2017/5/11</a:t>
+              <a:t>2017/5/15</a:t>
             </a:fld>
             <a:endParaRPr lang="zh-TW" altLang="en-US"/>
           </a:p>
@@ -2664,7 +2665,7 @@
           <a:p>
             <a:fld id="{237FF733-248C-4CF7-A090-89CF012E357B}" type="datetimeFigureOut">
               <a:rPr lang="zh-TW" altLang="en-US" smtClean="0"/>
-              <a:t>2017/5/11</a:t>
+              <a:t>2017/5/15</a:t>
             </a:fld>
             <a:endParaRPr lang="zh-TW" altLang="en-US"/>
           </a:p>
@@ -2922,7 +2923,7 @@
           <a:p>
             <a:fld id="{237FF733-248C-4CF7-A090-89CF012E357B}" type="datetimeFigureOut">
               <a:rPr lang="zh-TW" altLang="en-US" smtClean="0"/>
-              <a:t>2017/5/11</a:t>
+              <a:t>2017/5/15</a:t>
             </a:fld>
             <a:endParaRPr lang="zh-TW" altLang="en-US"/>
           </a:p>
@@ -3136,7 +3137,7 @@
           <a:p>
             <a:fld id="{237FF733-248C-4CF7-A090-89CF012E357B}" type="datetimeFigureOut">
               <a:rPr lang="zh-TW" altLang="en-US" smtClean="0"/>
-              <a:t>2017/5/11</a:t>
+              <a:t>2017/5/15</a:t>
             </a:fld>
             <a:endParaRPr lang="zh-TW" altLang="en-US"/>
           </a:p>
@@ -11629,6 +11630,465 @@
       <p:bldP spid="49" grpId="0" animBg="1"/>
       <p:bldP spid="49" grpId="1" animBg="1"/>
     </p:bldLst>
+  </p:timing>
+</p:sld>
+</file>
+
+<file path=ppt/slides/slide5.xml><?xml version="1.0" encoding="utf-8"?>
+<p:sld xmlns:a="http://schemas.openxmlformats.org/drawingml/2006/main" xmlns:r="http://schemas.openxmlformats.org/officeDocument/2006/relationships" xmlns:p="http://schemas.openxmlformats.org/presentationml/2006/main">
+  <p:cSld>
+    <p:spTree>
+      <p:nvGrpSpPr>
+        <p:cNvPr id="1" name=""/>
+        <p:cNvGrpSpPr/>
+        <p:nvPr/>
+      </p:nvGrpSpPr>
+      <p:grpSpPr>
+        <a:xfrm>
+          <a:off x="0" y="0"/>
+          <a:ext cx="0" cy="0"/>
+          <a:chOff x="0" y="0"/>
+          <a:chExt cx="0" cy="0"/>
+        </a:xfrm>
+      </p:grpSpPr>
+      <p:grpSp>
+        <p:nvGrpSpPr>
+          <p:cNvPr id="17" name="群組 16"/>
+          <p:cNvGrpSpPr/>
+          <p:nvPr/>
+        </p:nvGrpSpPr>
+        <p:grpSpPr>
+          <a:xfrm>
+            <a:off x="2692340" y="1905000"/>
+            <a:ext cx="3116631" cy="2438400"/>
+            <a:chOff x="2152346" y="838200"/>
+            <a:chExt cx="1846984" cy="4267200"/>
+          </a:xfrm>
+        </p:grpSpPr>
+        <p:sp>
+          <p:nvSpPr>
+            <p:cNvPr id="18" name="圓角矩形 17"/>
+            <p:cNvSpPr/>
+            <p:nvPr/>
+          </p:nvSpPr>
+          <p:spPr>
+            <a:xfrm>
+              <a:off x="2209800" y="838200"/>
+              <a:ext cx="1710276" cy="4267200"/>
+            </a:xfrm>
+            <a:prstGeom prst="roundRect">
+              <a:avLst/>
+            </a:prstGeom>
+          </p:spPr>
+          <p:style>
+            <a:lnRef idx="2">
+              <a:schemeClr val="dk1"/>
+            </a:lnRef>
+            <a:fillRef idx="1">
+              <a:schemeClr val="lt1"/>
+            </a:fillRef>
+            <a:effectRef idx="0">
+              <a:schemeClr val="dk1"/>
+            </a:effectRef>
+            <a:fontRef idx="minor">
+              <a:schemeClr val="dk1"/>
+            </a:fontRef>
+          </p:style>
+          <p:txBody>
+            <a:bodyPr rtlCol="0" anchor="ctr"/>
+            <a:lstStyle/>
+            <a:p>
+              <a:pPr algn="ctr"/>
+              <a:endParaRPr lang="zh-TW" altLang="en-US"/>
+            </a:p>
+          </p:txBody>
+        </p:sp>
+        <p:sp>
+          <p:nvSpPr>
+            <p:cNvPr id="19" name="文字方塊 18"/>
+            <p:cNvSpPr txBox="1"/>
+            <p:nvPr/>
+          </p:nvSpPr>
+          <p:spPr>
+            <a:xfrm>
+              <a:off x="2152346" y="914400"/>
+              <a:ext cx="1846984" cy="592470"/>
+            </a:xfrm>
+            <a:prstGeom prst="rect">
+              <a:avLst/>
+            </a:prstGeom>
+            <a:noFill/>
+          </p:spPr>
+          <p:txBody>
+            <a:bodyPr wrap="square" rtlCol="0">
+              <a:spAutoFit/>
+            </a:bodyPr>
+            <a:lstStyle/>
+            <a:p>
+              <a:pPr algn="ctr"/>
+              <a:r>
+                <a:rPr lang="en-US" altLang="zh-TW" sz="1600" dirty="0" smtClean="0"/>
+                <a:t>Routing</a:t>
+              </a:r>
+              <a:endParaRPr lang="zh-TW" altLang="en-US" sz="1600" dirty="0"/>
+            </a:p>
+          </p:txBody>
+        </p:sp>
+      </p:grpSp>
+      <p:grpSp>
+        <p:nvGrpSpPr>
+          <p:cNvPr id="40" name="群組 39"/>
+          <p:cNvGrpSpPr/>
+          <p:nvPr/>
+        </p:nvGrpSpPr>
+        <p:grpSpPr>
+          <a:xfrm>
+            <a:off x="5808972" y="1905238"/>
+            <a:ext cx="1188000" cy="2438400"/>
+            <a:chOff x="2152346" y="838200"/>
+            <a:chExt cx="1846984" cy="4267200"/>
+          </a:xfrm>
+        </p:grpSpPr>
+        <p:sp>
+          <p:nvSpPr>
+            <p:cNvPr id="41" name="圓角矩形 40"/>
+            <p:cNvSpPr/>
+            <p:nvPr/>
+          </p:nvSpPr>
+          <p:spPr>
+            <a:xfrm>
+              <a:off x="2209800" y="838200"/>
+              <a:ext cx="1710276" cy="4267200"/>
+            </a:xfrm>
+            <a:prstGeom prst="roundRect">
+              <a:avLst/>
+            </a:prstGeom>
+          </p:spPr>
+          <p:style>
+            <a:lnRef idx="2">
+              <a:schemeClr val="dk1"/>
+            </a:lnRef>
+            <a:fillRef idx="1">
+              <a:schemeClr val="lt1"/>
+            </a:fillRef>
+            <a:effectRef idx="0">
+              <a:schemeClr val="dk1"/>
+            </a:effectRef>
+            <a:fontRef idx="minor">
+              <a:schemeClr val="dk1"/>
+            </a:fontRef>
+          </p:style>
+          <p:txBody>
+            <a:bodyPr rtlCol="0" anchor="ctr"/>
+            <a:lstStyle/>
+            <a:p>
+              <a:pPr algn="ctr"/>
+              <a:endParaRPr lang="zh-TW" altLang="en-US"/>
+            </a:p>
+          </p:txBody>
+        </p:sp>
+        <p:sp>
+          <p:nvSpPr>
+            <p:cNvPr id="42" name="文字方塊 41"/>
+            <p:cNvSpPr txBox="1"/>
+            <p:nvPr/>
+          </p:nvSpPr>
+          <p:spPr>
+            <a:xfrm>
+              <a:off x="2152346" y="914400"/>
+              <a:ext cx="1846984" cy="338554"/>
+            </a:xfrm>
+            <a:prstGeom prst="rect">
+              <a:avLst/>
+            </a:prstGeom>
+            <a:noFill/>
+          </p:spPr>
+          <p:txBody>
+            <a:bodyPr wrap="square" rtlCol="0">
+              <a:spAutoFit/>
+            </a:bodyPr>
+            <a:lstStyle/>
+            <a:p>
+              <a:pPr algn="ctr"/>
+              <a:r>
+                <a:rPr lang="en-US" altLang="zh-TW" sz="1600" dirty="0" smtClean="0"/>
+                <a:t>Action</a:t>
+              </a:r>
+              <a:endParaRPr lang="zh-TW" altLang="en-US" sz="1600" dirty="0"/>
+            </a:p>
+          </p:txBody>
+        </p:sp>
+      </p:grpSp>
+      <p:sp>
+        <p:nvSpPr>
+          <p:cNvPr id="4" name="投影片編號版面配置區 3"/>
+          <p:cNvSpPr>
+            <a:spLocks noGrp="1"/>
+          </p:cNvSpPr>
+          <p:nvPr>
+            <p:ph type="sldNum" sz="quarter" idx="12"/>
+          </p:nvPr>
+        </p:nvSpPr>
+        <p:spPr/>
+        <p:txBody>
+          <a:bodyPr/>
+          <a:lstStyle/>
+          <a:p>
+            <a:fld id="{FEE3AA11-EC0F-4796-B63F-695259044A07}" type="slidenum">
+              <a:rPr lang="zh-TW" altLang="en-US" smtClean="0"/>
+              <a:t>5</a:t>
+            </a:fld>
+            <a:endParaRPr lang="zh-TW" altLang="en-US"/>
+          </a:p>
+        </p:txBody>
+      </p:sp>
+      <p:sp>
+        <p:nvSpPr>
+          <p:cNvPr id="24" name="Send Log F2L"/>
+          <p:cNvSpPr/>
+          <p:nvPr/>
+        </p:nvSpPr>
+        <p:spPr>
+          <a:xfrm>
+            <a:off x="2113234" y="2987156"/>
+            <a:ext cx="1063695" cy="467209"/>
+          </a:xfrm>
+          <a:prstGeom prst="rightArrow">
+            <a:avLst/>
+          </a:prstGeom>
+        </p:spPr>
+        <p:style>
+          <a:lnRef idx="1">
+            <a:schemeClr val="accent1"/>
+          </a:lnRef>
+          <a:fillRef idx="2">
+            <a:schemeClr val="accent1"/>
+          </a:fillRef>
+          <a:effectRef idx="1">
+            <a:schemeClr val="accent1"/>
+          </a:effectRef>
+          <a:fontRef idx="minor">
+            <a:schemeClr val="dk1"/>
+          </a:fontRef>
+        </p:style>
+        <p:txBody>
+          <a:bodyPr rtlCol="0" anchor="ctr"/>
+          <a:lstStyle/>
+          <a:p>
+            <a:pPr algn="ctr"/>
+            <a:r>
+              <a:rPr lang="en-US" altLang="zh-TW" sz="1400" dirty="0" smtClean="0"/>
+              <a:t>Request</a:t>
+            </a:r>
+            <a:endParaRPr lang="zh-TW" altLang="en-US" sz="1400" dirty="0"/>
+          </a:p>
+        </p:txBody>
+      </p:sp>
+      <p:sp>
+        <p:nvSpPr>
+          <p:cNvPr id="2" name="矩形 1"/>
+          <p:cNvSpPr/>
+          <p:nvPr/>
+        </p:nvSpPr>
+        <p:spPr>
+          <a:xfrm>
+            <a:off x="3436195" y="3362482"/>
+            <a:ext cx="1600200" cy="685800"/>
+          </a:xfrm>
+          <a:prstGeom prst="rect">
+            <a:avLst/>
+          </a:prstGeom>
+        </p:spPr>
+        <p:style>
+          <a:lnRef idx="2">
+            <a:schemeClr val="accent1">
+              <a:shade val="50000"/>
+            </a:schemeClr>
+          </a:lnRef>
+          <a:fillRef idx="1">
+            <a:schemeClr val="accent1"/>
+          </a:fillRef>
+          <a:effectRef idx="0">
+            <a:schemeClr val="accent1"/>
+          </a:effectRef>
+          <a:fontRef idx="minor">
+            <a:schemeClr val="lt1"/>
+          </a:fontRef>
+        </p:style>
+        <p:txBody>
+          <a:bodyPr rtlCol="0" anchor="ctr"/>
+          <a:lstStyle/>
+          <a:p>
+            <a:pPr algn="ctr"/>
+            <a:r>
+              <a:rPr lang="en-US" altLang="zh-TW" sz="1600" dirty="0"/>
+              <a:t>Router</a:t>
+            </a:r>
+            <a:br>
+              <a:rPr lang="en-US" altLang="zh-TW" sz="1600" dirty="0"/>
+            </a:br>
+            <a:r>
+              <a:rPr lang="en-US" altLang="zh-TW" sz="1600" dirty="0"/>
+              <a:t>Middleware</a:t>
+            </a:r>
+            <a:endParaRPr lang="zh-TW" altLang="en-US" sz="1600" dirty="0"/>
+          </a:p>
+        </p:txBody>
+      </p:sp>
+      <p:sp>
+        <p:nvSpPr>
+          <p:cNvPr id="31" name="矩形 30"/>
+          <p:cNvSpPr/>
+          <p:nvPr/>
+        </p:nvSpPr>
+        <p:spPr>
+          <a:xfrm>
+            <a:off x="3427149" y="2438400"/>
+            <a:ext cx="1600200" cy="685800"/>
+          </a:xfrm>
+          <a:prstGeom prst="rect">
+            <a:avLst/>
+          </a:prstGeom>
+        </p:spPr>
+        <p:style>
+          <a:lnRef idx="2">
+            <a:schemeClr val="accent1">
+              <a:shade val="50000"/>
+            </a:schemeClr>
+          </a:lnRef>
+          <a:fillRef idx="1">
+            <a:schemeClr val="accent1"/>
+          </a:fillRef>
+          <a:effectRef idx="0">
+            <a:schemeClr val="accent1"/>
+          </a:effectRef>
+          <a:fontRef idx="minor">
+            <a:schemeClr val="lt1"/>
+          </a:fontRef>
+        </p:style>
+        <p:txBody>
+          <a:bodyPr rtlCol="0" anchor="ctr"/>
+          <a:lstStyle/>
+          <a:p>
+            <a:pPr algn="ctr"/>
+            <a:r>
+              <a:rPr lang="en-US" altLang="zh-TW" sz="1600" dirty="0"/>
+              <a:t>Routing</a:t>
+            </a:r>
+            <a:br>
+              <a:rPr lang="en-US" altLang="zh-TW" sz="1600" dirty="0"/>
+            </a:br>
+            <a:r>
+              <a:rPr lang="en-US" altLang="zh-TW" sz="1600" dirty="0"/>
+              <a:t>Attribute</a:t>
+            </a:r>
+            <a:endParaRPr lang="zh-TW" altLang="en-US" sz="1600" dirty="0"/>
+          </a:p>
+        </p:txBody>
+      </p:sp>
+      <p:sp>
+        <p:nvSpPr>
+          <p:cNvPr id="32" name="Send Log F2L"/>
+          <p:cNvSpPr/>
+          <p:nvPr/>
+        </p:nvSpPr>
+        <p:spPr>
+          <a:xfrm>
+            <a:off x="5228735" y="2987157"/>
+            <a:ext cx="1063695" cy="467209"/>
+          </a:xfrm>
+          <a:prstGeom prst="rightArrow">
+            <a:avLst/>
+          </a:prstGeom>
+        </p:spPr>
+        <p:style>
+          <a:lnRef idx="1">
+            <a:schemeClr val="accent1"/>
+          </a:lnRef>
+          <a:fillRef idx="2">
+            <a:schemeClr val="accent1"/>
+          </a:fillRef>
+          <a:effectRef idx="1">
+            <a:schemeClr val="accent1"/>
+          </a:effectRef>
+          <a:fontRef idx="minor">
+            <a:schemeClr val="dk1"/>
+          </a:fontRef>
+        </p:style>
+        <p:txBody>
+          <a:bodyPr rtlCol="0" anchor="ctr"/>
+          <a:lstStyle/>
+          <a:p>
+            <a:pPr algn="ctr"/>
+            <a:r>
+              <a:rPr lang="en-US" altLang="zh-TW" sz="1400" dirty="0" smtClean="0"/>
+              <a:t>Request</a:t>
+            </a:r>
+            <a:endParaRPr lang="zh-TW" altLang="en-US" sz="1400" dirty="0"/>
+          </a:p>
+        </p:txBody>
+      </p:sp>
+      <p:sp>
+        <p:nvSpPr>
+          <p:cNvPr id="53" name="標題 2"/>
+          <p:cNvSpPr>
+            <a:spLocks noGrp="1"/>
+          </p:cNvSpPr>
+          <p:nvPr>
+            <p:ph type="title"/>
+          </p:nvPr>
+        </p:nvSpPr>
+        <p:spPr>
+          <a:xfrm>
+            <a:off x="1828800" y="2580157"/>
+            <a:ext cx="8382000" cy="1325563"/>
+          </a:xfrm>
+          <a:noFill/>
+        </p:spPr>
+        <p:txBody>
+          <a:bodyPr>
+            <a:noAutofit/>
+          </a:bodyPr>
+          <a:lstStyle/>
+          <a:p>
+            <a:r>
+              <a:rPr lang="en-US" altLang="zh-TW" sz="6600" b="1" dirty="0" smtClean="0">
+                <a:solidFill>
+                  <a:schemeClr val="tx1">
+                    <a:alpha val="8000"/>
+                  </a:schemeClr>
+                </a:solidFill>
+                <a:latin typeface="+mn-lt"/>
+              </a:rPr>
+              <a:t>blog.johnwu.cc</a:t>
+            </a:r>
+            <a:endParaRPr lang="zh-TW" altLang="en-US" sz="6600" b="1" dirty="0">
+              <a:solidFill>
+                <a:schemeClr val="tx1">
+                  <a:alpha val="8000"/>
+                </a:schemeClr>
+              </a:solidFill>
+              <a:latin typeface="+mn-lt"/>
+            </a:endParaRPr>
+          </a:p>
+        </p:txBody>
+      </p:sp>
+    </p:spTree>
+    <p:extLst>
+      <p:ext uri="{BB962C8B-B14F-4D97-AF65-F5344CB8AC3E}">
+        <p14:creationId xmlns:p14="http://schemas.microsoft.com/office/powerpoint/2010/main" val="2205246170"/>
+      </p:ext>
+    </p:extLst>
+  </p:cSld>
+  <p:clrMapOvr>
+    <a:masterClrMapping/>
+  </p:clrMapOvr>
+  <p:timing>
+    <p:tnLst>
+      <p:par>
+        <p:cTn id="1" dur="indefinite" restart="never" nodeType="tmRoot"/>
+      </p:par>
+    </p:tnLst>
   </p:timing>
 </p:sld>
 </file>
@@ -12461,21 +12921,6 @@
 </file>
 
 <file path=customXml/item1.xml><?xml version="1.0" encoding="utf-8"?>
-<?mso-contentType ?>
-<FormTemplates xmlns="http://schemas.microsoft.com/sharepoint/v3/contenttype/forms">
-  <Display>DocumentLibraryForm</Display>
-  <Edit>DocumentLibraryForm</Edit>
-  <New>DocumentLibraryForm</New>
-</FormTemplates>
-</file>
-
-<file path=customXml/item2.xml><?xml version="1.0" encoding="utf-8"?>
-<p:properties xmlns:p="http://schemas.microsoft.com/office/2006/metadata/properties" xmlns:xsi="http://www.w3.org/2001/XMLSchema-instance">
-  <documentManagement/>
-</p:properties>
-</file>
-
-<file path=customXml/item3.xml><?xml version="1.0" encoding="utf-8"?>
 <ct:contentTypeSchema xmlns:ct="http://schemas.microsoft.com/office/2006/metadata/contentType" xmlns:ma="http://schemas.microsoft.com/office/2006/metadata/properties/metaAttributes" ct:_="" ma:_="" ma:contentTypeName="Document" ma:contentTypeID="0x0101000AA0115B54226D469CC0FAAE38E5F61C" ma:contentTypeVersion="3" ma:contentTypeDescription="Create a new document." ma:contentTypeScope="" ma:versionID="0ae424bb0065d3a2a055b165aca25ec5">
   <xsd:schema xmlns:xsd="http://www.w3.org/2001/XMLSchema" xmlns:p="http://schemas.microsoft.com/office/2006/metadata/properties" targetNamespace="http://schemas.microsoft.com/office/2006/metadata/properties" ma:root="true" ma:fieldsID="4aeb20c0e3442673af7ee10786458764">
     <xsd:element name="properties">
@@ -12524,10 +12969,32 @@
 </ct:contentTypeSchema>
 </file>
 
+<file path=customXml/item2.xml><?xml version="1.0" encoding="utf-8"?>
+<p:properties xmlns:p="http://schemas.microsoft.com/office/2006/metadata/properties" xmlns:xsi="http://www.w3.org/2001/XMLSchema-instance">
+  <documentManagement/>
+</p:properties>
+</file>
+
+<file path=customXml/item3.xml><?xml version="1.0" encoding="utf-8"?>
+<?mso-contentType ?>
+<FormTemplates xmlns="http://schemas.microsoft.com/sharepoint/v3/contenttype/forms">
+  <Display>DocumentLibraryForm</Display>
+  <Edit>DocumentLibraryForm</Edit>
+  <New>DocumentLibraryForm</New>
+</FormTemplates>
+</file>
+
 <file path=customXml/itemProps1.xml><?xml version="1.0" encoding="utf-8"?>
-<ds:datastoreItem xmlns:ds="http://schemas.openxmlformats.org/officeDocument/2006/customXml" ds:itemID="{A1770BF7-49D5-46D6-8B76-1D8AF290B450}">
+<ds:datastoreItem xmlns:ds="http://schemas.openxmlformats.org/officeDocument/2006/customXml" ds:itemID="{FE6BB287-9CB7-4AA6-A5A5-8D1CE03643F3}">
   <ds:schemaRefs>
-    <ds:schemaRef ds:uri="http://schemas.microsoft.com/sharepoint/v3/contenttype/forms"/>
+    <ds:schemaRef ds:uri="http://schemas.microsoft.com/office/2006/metadata/contentType"/>
+    <ds:schemaRef ds:uri="http://schemas.microsoft.com/office/2006/metadata/properties/metaAttributes"/>
+    <ds:schemaRef ds:uri="http://www.w3.org/2001/XMLSchema"/>
+    <ds:schemaRef ds:uri="http://schemas.microsoft.com/office/2006/metadata/properties"/>
+    <ds:schemaRef ds:uri="http://schemas.openxmlformats.org/package/2006/metadata/core-properties"/>
+    <ds:schemaRef ds:uri="http://purl.org/dc/elements/1.1/"/>
+    <ds:schemaRef ds:uri="http://purl.org/dc/terms/"/>
+    <ds:schemaRef ds:uri="http://schemas.microsoft.com/office/internal/2005/internalDocumentation"/>
   </ds:schemaRefs>
 </ds:datastoreItem>
 </file>
@@ -12547,16 +13014,9 @@
 </file>
 
 <file path=customXml/itemProps3.xml><?xml version="1.0" encoding="utf-8"?>
-<ds:datastoreItem xmlns:ds="http://schemas.openxmlformats.org/officeDocument/2006/customXml" ds:itemID="{FE6BB287-9CB7-4AA6-A5A5-8D1CE03643F3}">
+<ds:datastoreItem xmlns:ds="http://schemas.openxmlformats.org/officeDocument/2006/customXml" ds:itemID="{A1770BF7-49D5-46D6-8B76-1D8AF290B450}">
   <ds:schemaRefs>
-    <ds:schemaRef ds:uri="http://schemas.microsoft.com/office/2006/metadata/contentType"/>
-    <ds:schemaRef ds:uri="http://schemas.microsoft.com/office/2006/metadata/properties/metaAttributes"/>
-    <ds:schemaRef ds:uri="http://www.w3.org/2001/XMLSchema"/>
-    <ds:schemaRef ds:uri="http://schemas.microsoft.com/office/2006/metadata/properties"/>
-    <ds:schemaRef ds:uri="http://schemas.openxmlformats.org/package/2006/metadata/core-properties"/>
-    <ds:schemaRef ds:uri="http://purl.org/dc/elements/1.1/"/>
-    <ds:schemaRef ds:uri="http://purl.org/dc/terms/"/>
-    <ds:schemaRef ds:uri="http://schemas.microsoft.com/office/internal/2005/internalDocumentation"/>
+    <ds:schemaRef ds:uri="http://schemas.microsoft.com/sharepoint/v3/contenttype/forms"/>
   </ds:schemaRefs>
 </ds:datastoreItem>
 </file>
--- a/source/_assets/Blog動畫.pptx
+++ b/source/_assets/Blog動畫.pptx
@@ -5,10 +5,10 @@
     <p:sldMasterId id="2147483752" r:id="rId4"/>
   </p:sldMasterIdLst>
   <p:notesMasterIdLst>
-    <p:notesMasterId r:id="rId10"/>
+    <p:notesMasterId r:id="rId11"/>
   </p:notesMasterIdLst>
   <p:handoutMasterIdLst>
-    <p:handoutMasterId r:id="rId11"/>
+    <p:handoutMasterId r:id="rId12"/>
   </p:handoutMasterIdLst>
   <p:sldIdLst>
     <p:sldId id="315" r:id="rId5"/>
@@ -16,6 +16,7 @@
     <p:sldId id="317" r:id="rId7"/>
     <p:sldId id="318" r:id="rId8"/>
     <p:sldId id="319" r:id="rId9"/>
+    <p:sldId id="320" r:id="rId10"/>
   </p:sldIdLst>
   <p:sldSz cx="12192000" cy="6858000"/>
   <p:notesSz cx="7099300" cy="10234613"/>
@@ -230,7 +231,7 @@
             <a:fld id="{3CDD3A71-4C75-488C-A8F3-A1F163ED0DB9}" type="datetimeFigureOut">
               <a:rPr lang="en-US" smtClean="0"/>
               <a:pPr/>
-              <a:t>5/15/2017</a:t>
+              <a:t>5/16/2017</a:t>
             </a:fld>
             <a:endParaRPr lang="en-US" dirty="0"/>
           </a:p>
@@ -398,7 +399,7 @@
             <a:fld id="{523CC419-8FB3-4D1C-8127-E63C1A13459D}" type="datetimeFigureOut">
               <a:rPr lang="en-US" smtClean="0"/>
               <a:pPr/>
-              <a:t>5/15/2017</a:t>
+              <a:t>5/16/2017</a:t>
             </a:fld>
             <a:endParaRPr lang="en-US" dirty="0"/>
           </a:p>
@@ -801,7 +802,7 @@
           <a:p>
             <a:fld id="{237FF733-248C-4CF7-A090-89CF012E357B}" type="datetimeFigureOut">
               <a:rPr lang="zh-TW" altLang="en-US" smtClean="0"/>
-              <a:t>2017/5/15</a:t>
+              <a:t>2017/5/16</a:t>
             </a:fld>
             <a:endParaRPr lang="zh-TW" altLang="en-US"/>
           </a:p>
@@ -972,7 +973,7 @@
           <a:p>
             <a:fld id="{237FF733-248C-4CF7-A090-89CF012E357B}" type="datetimeFigureOut">
               <a:rPr lang="zh-TW" altLang="en-US" smtClean="0"/>
-              <a:t>2017/5/15</a:t>
+              <a:t>2017/5/16</a:t>
             </a:fld>
             <a:endParaRPr lang="zh-TW" altLang="en-US"/>
           </a:p>
@@ -1153,7 +1154,7 @@
           <a:p>
             <a:fld id="{237FF733-248C-4CF7-A090-89CF012E357B}" type="datetimeFigureOut">
               <a:rPr lang="zh-TW" altLang="en-US" smtClean="0"/>
-              <a:t>2017/5/15</a:t>
+              <a:t>2017/5/16</a:t>
             </a:fld>
             <a:endParaRPr lang="zh-TW" altLang="en-US"/>
           </a:p>
@@ -1324,7 +1325,7 @@
           <a:p>
             <a:fld id="{237FF733-248C-4CF7-A090-89CF012E357B}" type="datetimeFigureOut">
               <a:rPr lang="zh-TW" altLang="en-US" smtClean="0"/>
-              <a:t>2017/5/15</a:t>
+              <a:t>2017/5/16</a:t>
             </a:fld>
             <a:endParaRPr lang="zh-TW" altLang="en-US"/>
           </a:p>
@@ -1571,7 +1572,7 @@
           <a:p>
             <a:fld id="{237FF733-248C-4CF7-A090-89CF012E357B}" type="datetimeFigureOut">
               <a:rPr lang="zh-TW" altLang="en-US" smtClean="0"/>
-              <a:t>2017/5/15</a:t>
+              <a:t>2017/5/16</a:t>
             </a:fld>
             <a:endParaRPr lang="zh-TW" altLang="en-US"/>
           </a:p>
@@ -1804,7 +1805,7 @@
           <a:p>
             <a:fld id="{237FF733-248C-4CF7-A090-89CF012E357B}" type="datetimeFigureOut">
               <a:rPr lang="zh-TW" altLang="en-US" smtClean="0"/>
-              <a:t>2017/5/15</a:t>
+              <a:t>2017/5/16</a:t>
             </a:fld>
             <a:endParaRPr lang="zh-TW" altLang="en-US"/>
           </a:p>
@@ -2172,7 +2173,7 @@
           <a:p>
             <a:fld id="{237FF733-248C-4CF7-A090-89CF012E357B}" type="datetimeFigureOut">
               <a:rPr lang="zh-TW" altLang="en-US" smtClean="0"/>
-              <a:t>2017/5/15</a:t>
+              <a:t>2017/5/16</a:t>
             </a:fld>
             <a:endParaRPr lang="zh-TW" altLang="en-US"/>
           </a:p>
@@ -2291,7 +2292,7 @@
           <a:p>
             <a:fld id="{237FF733-248C-4CF7-A090-89CF012E357B}" type="datetimeFigureOut">
               <a:rPr lang="zh-TW" altLang="en-US" smtClean="0"/>
-              <a:t>2017/5/15</a:t>
+              <a:t>2017/5/16</a:t>
             </a:fld>
             <a:endParaRPr lang="zh-TW" altLang="en-US"/>
           </a:p>
@@ -2387,7 +2388,7 @@
           <a:p>
             <a:fld id="{237FF733-248C-4CF7-A090-89CF012E357B}" type="datetimeFigureOut">
               <a:rPr lang="zh-TW" altLang="en-US" smtClean="0"/>
-              <a:t>2017/5/15</a:t>
+              <a:t>2017/5/16</a:t>
             </a:fld>
             <a:endParaRPr lang="zh-TW" altLang="en-US"/>
           </a:p>
@@ -2665,7 +2666,7 @@
           <a:p>
             <a:fld id="{237FF733-248C-4CF7-A090-89CF012E357B}" type="datetimeFigureOut">
               <a:rPr lang="zh-TW" altLang="en-US" smtClean="0"/>
-              <a:t>2017/5/15</a:t>
+              <a:t>2017/5/16</a:t>
             </a:fld>
             <a:endParaRPr lang="zh-TW" altLang="en-US"/>
           </a:p>
@@ -2923,7 +2924,7 @@
           <a:p>
             <a:fld id="{237FF733-248C-4CF7-A090-89CF012E357B}" type="datetimeFigureOut">
               <a:rPr lang="zh-TW" altLang="en-US" smtClean="0"/>
-              <a:t>2017/5/15</a:t>
+              <a:t>2017/5/16</a:t>
             </a:fld>
             <a:endParaRPr lang="zh-TW" altLang="en-US"/>
           </a:p>
@@ -3137,7 +3138,7 @@
           <a:p>
             <a:fld id="{237FF733-248C-4CF7-A090-89CF012E357B}" type="datetimeFigureOut">
               <a:rPr lang="zh-TW" altLang="en-US" smtClean="0"/>
-              <a:t>2017/5/15</a:t>
+              <a:t>2017/5/16</a:t>
             </a:fld>
             <a:endParaRPr lang="zh-TW" altLang="en-US"/>
           </a:p>
@@ -12077,6 +12078,768 @@
     <p:extLst>
       <p:ext uri="{BB962C8B-B14F-4D97-AF65-F5344CB8AC3E}">
         <p14:creationId xmlns:p14="http://schemas.microsoft.com/office/powerpoint/2010/main" val="2205246170"/>
+      </p:ext>
+    </p:extLst>
+  </p:cSld>
+  <p:clrMapOvr>
+    <a:masterClrMapping/>
+  </p:clrMapOvr>
+  <p:timing>
+    <p:tnLst>
+      <p:par>
+        <p:cTn id="1" dur="indefinite" restart="never" nodeType="tmRoot"/>
+      </p:par>
+    </p:tnLst>
+  </p:timing>
+</p:sld>
+</file>
+
+<file path=ppt/slides/slide6.xml><?xml version="1.0" encoding="utf-8"?>
+<p:sld xmlns:a="http://schemas.openxmlformats.org/drawingml/2006/main" xmlns:r="http://schemas.openxmlformats.org/officeDocument/2006/relationships" xmlns:p="http://schemas.openxmlformats.org/presentationml/2006/main">
+  <p:cSld>
+    <p:spTree>
+      <p:nvGrpSpPr>
+        <p:cNvPr id="1" name=""/>
+        <p:cNvGrpSpPr/>
+        <p:nvPr/>
+      </p:nvGrpSpPr>
+      <p:grpSpPr>
+        <a:xfrm>
+          <a:off x="0" y="0"/>
+          <a:ext cx="0" cy="0"/>
+          <a:chOff x="0" y="0"/>
+          <a:chExt cx="0" cy="0"/>
+        </a:xfrm>
+      </p:grpSpPr>
+      <p:sp>
+        <p:nvSpPr>
+          <p:cNvPr id="4" name="投影片編號版面配置區 3"/>
+          <p:cNvSpPr>
+            <a:spLocks noGrp="1"/>
+          </p:cNvSpPr>
+          <p:nvPr>
+            <p:ph type="sldNum" sz="quarter" idx="12"/>
+          </p:nvPr>
+        </p:nvSpPr>
+        <p:spPr/>
+        <p:txBody>
+          <a:bodyPr/>
+          <a:lstStyle/>
+          <a:p>
+            <a:fld id="{FEE3AA11-EC0F-4796-B63F-695259044A07}" type="slidenum">
+              <a:rPr lang="zh-TW" altLang="en-US" smtClean="0"/>
+              <a:t>6</a:t>
+            </a:fld>
+            <a:endParaRPr lang="zh-TW" altLang="en-US"/>
+          </a:p>
+        </p:txBody>
+      </p:sp>
+      <p:pic>
+        <p:nvPicPr>
+          <p:cNvPr id="5" name="圖片 4"/>
+          <p:cNvPicPr>
+            <a:picLocks noChangeAspect="1"/>
+          </p:cNvPicPr>
+          <p:nvPr/>
+        </p:nvPicPr>
+        <p:blipFill>
+          <a:blip r:embed="rId2">
+            <a:extLst>
+              <a:ext uri="{28A0092B-C50C-407E-A947-70E740481C1C}">
+                <a14:useLocalDpi xmlns:a14="http://schemas.microsoft.com/office/drawing/2010/main" val="0"/>
+              </a:ext>
+            </a:extLst>
+          </a:blip>
+          <a:stretch>
+            <a:fillRect/>
+          </a:stretch>
+        </p:blipFill>
+        <p:spPr>
+          <a:xfrm>
+            <a:off x="2295970" y="762033"/>
+            <a:ext cx="2160000" cy="2160000"/>
+          </a:xfrm>
+          <a:prstGeom prst="rect">
+            <a:avLst/>
+          </a:prstGeom>
+        </p:spPr>
+      </p:pic>
+      <p:pic>
+        <p:nvPicPr>
+          <p:cNvPr id="6" name="圖片 5"/>
+          <p:cNvPicPr>
+            <a:picLocks noChangeAspect="1"/>
+          </p:cNvPicPr>
+          <p:nvPr/>
+        </p:nvPicPr>
+        <p:blipFill>
+          <a:blip r:embed="rId3">
+            <a:extLst>
+              <a:ext uri="{28A0092B-C50C-407E-A947-70E740481C1C}">
+                <a14:useLocalDpi xmlns:a14="http://schemas.microsoft.com/office/drawing/2010/main" val="0"/>
+              </a:ext>
+            </a:extLst>
+          </a:blip>
+          <a:stretch>
+            <a:fillRect/>
+          </a:stretch>
+        </p:blipFill>
+        <p:spPr>
+          <a:xfrm>
+            <a:off x="4154276" y="755926"/>
+            <a:ext cx="2160000" cy="2160000"/>
+          </a:xfrm>
+          <a:prstGeom prst="rect">
+            <a:avLst/>
+          </a:prstGeom>
+        </p:spPr>
+      </p:pic>
+      <p:sp>
+        <p:nvSpPr>
+          <p:cNvPr id="7" name="矩形 6"/>
+          <p:cNvSpPr/>
+          <p:nvPr/>
+        </p:nvSpPr>
+        <p:spPr>
+          <a:xfrm>
+            <a:off x="1924265" y="4855913"/>
+            <a:ext cx="1080000" cy="1080000"/>
+          </a:xfrm>
+          <a:prstGeom prst="rect">
+            <a:avLst/>
+          </a:prstGeom>
+          <a:solidFill>
+            <a:schemeClr val="accent5">
+              <a:lumMod val="40000"/>
+              <a:lumOff val="60000"/>
+            </a:schemeClr>
+          </a:solidFill>
+        </p:spPr>
+        <p:style>
+          <a:lnRef idx="2">
+            <a:schemeClr val="accent1">
+              <a:shade val="50000"/>
+            </a:schemeClr>
+          </a:lnRef>
+          <a:fillRef idx="1">
+            <a:schemeClr val="accent1"/>
+          </a:fillRef>
+          <a:effectRef idx="0">
+            <a:schemeClr val="accent1"/>
+          </a:effectRef>
+          <a:fontRef idx="minor">
+            <a:schemeClr val="lt1"/>
+          </a:fontRef>
+        </p:style>
+        <p:txBody>
+          <a:bodyPr rtlCol="0" anchor="ctr"/>
+          <a:lstStyle/>
+          <a:p>
+            <a:pPr algn="ctr"/>
+            <a:r>
+              <a:rPr lang="en-US" altLang="zh-TW" sz="2400" b="1" dirty="0" smtClean="0">
+                <a:solidFill>
+                  <a:schemeClr val="tx2"/>
+                </a:solidFill>
+              </a:rPr>
+              <a:t>XXXXXXXXXXXXXXX</a:t>
+            </a:r>
+            <a:endParaRPr lang="zh-TW" altLang="en-US" sz="2400" b="1" dirty="0">
+              <a:solidFill>
+                <a:schemeClr val="tx2"/>
+              </a:solidFill>
+            </a:endParaRPr>
+          </a:p>
+        </p:txBody>
+      </p:sp>
+      <p:sp>
+        <p:nvSpPr>
+          <p:cNvPr id="10" name="矩形 9"/>
+          <p:cNvSpPr/>
+          <p:nvPr/>
+        </p:nvSpPr>
+        <p:spPr>
+          <a:xfrm>
+            <a:off x="2538682" y="5065019"/>
+            <a:ext cx="1080000" cy="1080000"/>
+          </a:xfrm>
+          <a:prstGeom prst="rect">
+            <a:avLst/>
+          </a:prstGeom>
+          <a:solidFill>
+            <a:schemeClr val="accent4">
+              <a:lumMod val="40000"/>
+              <a:lumOff val="60000"/>
+            </a:schemeClr>
+          </a:solidFill>
+        </p:spPr>
+        <p:style>
+          <a:lnRef idx="2">
+            <a:schemeClr val="accent1">
+              <a:shade val="50000"/>
+            </a:schemeClr>
+          </a:lnRef>
+          <a:fillRef idx="1">
+            <a:schemeClr val="accent1"/>
+          </a:fillRef>
+          <a:effectRef idx="0">
+            <a:schemeClr val="accent1"/>
+          </a:effectRef>
+          <a:fontRef idx="minor">
+            <a:schemeClr val="lt1"/>
+          </a:fontRef>
+        </p:style>
+        <p:txBody>
+          <a:bodyPr rtlCol="0" anchor="ctr"/>
+          <a:lstStyle/>
+          <a:p>
+            <a:pPr algn="ctr"/>
+            <a:r>
+              <a:rPr lang="en-US" altLang="zh-TW" sz="2400" b="1" dirty="0" smtClean="0">
+                <a:solidFill>
+                  <a:schemeClr val="tx2"/>
+                </a:solidFill>
+              </a:rPr>
+              <a:t>XXXXXXXXXXXXXXX</a:t>
+            </a:r>
+            <a:endParaRPr lang="zh-TW" altLang="en-US" sz="2400" b="1" dirty="0">
+              <a:solidFill>
+                <a:schemeClr val="tx2"/>
+              </a:solidFill>
+            </a:endParaRPr>
+          </a:p>
+        </p:txBody>
+      </p:sp>
+      <p:sp>
+        <p:nvSpPr>
+          <p:cNvPr id="11" name="矩形 10"/>
+          <p:cNvSpPr/>
+          <p:nvPr/>
+        </p:nvSpPr>
+        <p:spPr>
+          <a:xfrm>
+            <a:off x="5226038" y="4855913"/>
+            <a:ext cx="1080000" cy="1080000"/>
+          </a:xfrm>
+          <a:prstGeom prst="rect">
+            <a:avLst/>
+          </a:prstGeom>
+          <a:solidFill>
+            <a:schemeClr val="accent5">
+              <a:lumMod val="40000"/>
+              <a:lumOff val="60000"/>
+            </a:schemeClr>
+          </a:solidFill>
+        </p:spPr>
+        <p:style>
+          <a:lnRef idx="2">
+            <a:schemeClr val="accent1">
+              <a:shade val="50000"/>
+            </a:schemeClr>
+          </a:lnRef>
+          <a:fillRef idx="1">
+            <a:schemeClr val="accent1"/>
+          </a:fillRef>
+          <a:effectRef idx="0">
+            <a:schemeClr val="accent1"/>
+          </a:effectRef>
+          <a:fontRef idx="minor">
+            <a:schemeClr val="lt1"/>
+          </a:fontRef>
+        </p:style>
+        <p:txBody>
+          <a:bodyPr rtlCol="0" anchor="ctr"/>
+          <a:lstStyle/>
+          <a:p>
+            <a:pPr algn="ctr"/>
+            <a:r>
+              <a:rPr lang="en-US" altLang="zh-TW" sz="2400" b="1" dirty="0" smtClean="0">
+                <a:solidFill>
+                  <a:schemeClr val="tx2"/>
+                </a:solidFill>
+              </a:rPr>
+              <a:t>XXXXXXXXXXXXXXX</a:t>
+            </a:r>
+            <a:endParaRPr lang="zh-TW" altLang="en-US" sz="2400" b="1" dirty="0">
+              <a:solidFill>
+                <a:schemeClr val="tx2"/>
+              </a:solidFill>
+            </a:endParaRPr>
+          </a:p>
+        </p:txBody>
+      </p:sp>
+      <p:sp>
+        <p:nvSpPr>
+          <p:cNvPr id="12" name="矩形 11"/>
+          <p:cNvSpPr/>
+          <p:nvPr/>
+        </p:nvSpPr>
+        <p:spPr>
+          <a:xfrm>
+            <a:off x="5646941" y="5145454"/>
+            <a:ext cx="1080000" cy="1080000"/>
+          </a:xfrm>
+          <a:prstGeom prst="rect">
+            <a:avLst/>
+          </a:prstGeom>
+          <a:solidFill>
+            <a:schemeClr val="accent2">
+              <a:lumMod val="60000"/>
+              <a:lumOff val="40000"/>
+            </a:schemeClr>
+          </a:solidFill>
+        </p:spPr>
+        <p:style>
+          <a:lnRef idx="2">
+            <a:schemeClr val="accent1">
+              <a:shade val="50000"/>
+            </a:schemeClr>
+          </a:lnRef>
+          <a:fillRef idx="1">
+            <a:schemeClr val="accent1"/>
+          </a:fillRef>
+          <a:effectRef idx="0">
+            <a:schemeClr val="accent1"/>
+          </a:effectRef>
+          <a:fontRef idx="minor">
+            <a:schemeClr val="lt1"/>
+          </a:fontRef>
+        </p:style>
+        <p:txBody>
+          <a:bodyPr rtlCol="0" anchor="ctr"/>
+          <a:lstStyle/>
+          <a:p>
+            <a:pPr algn="ctr"/>
+            <a:r>
+              <a:rPr lang="en-US" altLang="zh-TW" sz="2400" b="1" dirty="0" smtClean="0">
+                <a:solidFill>
+                  <a:schemeClr val="tx2"/>
+                </a:solidFill>
+              </a:rPr>
+              <a:t>XXXXXXXXXXXXXXX</a:t>
+            </a:r>
+            <a:endParaRPr lang="zh-TW" altLang="en-US" sz="2400" b="1" dirty="0">
+              <a:solidFill>
+                <a:schemeClr val="tx2"/>
+              </a:solidFill>
+            </a:endParaRPr>
+          </a:p>
+        </p:txBody>
+      </p:sp>
+      <p:sp>
+        <p:nvSpPr>
+          <p:cNvPr id="13" name="矩形 12"/>
+          <p:cNvSpPr/>
+          <p:nvPr/>
+        </p:nvSpPr>
+        <p:spPr>
+          <a:xfrm>
+            <a:off x="2529243" y="7198680"/>
+            <a:ext cx="1080000" cy="1080000"/>
+          </a:xfrm>
+          <a:prstGeom prst="rect">
+            <a:avLst/>
+          </a:prstGeom>
+          <a:solidFill>
+            <a:srgbClr val="92D050"/>
+          </a:solidFill>
+        </p:spPr>
+        <p:style>
+          <a:lnRef idx="2">
+            <a:schemeClr val="accent1">
+              <a:shade val="50000"/>
+            </a:schemeClr>
+          </a:lnRef>
+          <a:fillRef idx="1">
+            <a:schemeClr val="accent1"/>
+          </a:fillRef>
+          <a:effectRef idx="0">
+            <a:schemeClr val="accent1"/>
+          </a:effectRef>
+          <a:fontRef idx="minor">
+            <a:schemeClr val="lt1"/>
+          </a:fontRef>
+        </p:style>
+        <p:txBody>
+          <a:bodyPr rtlCol="0" anchor="ctr"/>
+          <a:lstStyle/>
+          <a:p>
+            <a:pPr algn="ctr"/>
+            <a:r>
+              <a:rPr lang="en-US" altLang="zh-TW" sz="2400" b="1" dirty="0" smtClean="0">
+                <a:solidFill>
+                  <a:schemeClr val="tx2"/>
+                </a:solidFill>
+              </a:rPr>
+              <a:t>XXXXXXXXXXXXXXX</a:t>
+            </a:r>
+            <a:endParaRPr lang="zh-TW" altLang="en-US" sz="2400" b="1" dirty="0">
+              <a:solidFill>
+                <a:schemeClr val="tx2"/>
+              </a:solidFill>
+            </a:endParaRPr>
+          </a:p>
+        </p:txBody>
+      </p:sp>
+      <p:sp>
+        <p:nvSpPr>
+          <p:cNvPr id="14" name="矩形 13"/>
+          <p:cNvSpPr/>
+          <p:nvPr/>
+        </p:nvSpPr>
+        <p:spPr>
+          <a:xfrm>
+            <a:off x="3315963" y="5290295"/>
+            <a:ext cx="1080000" cy="1080000"/>
+          </a:xfrm>
+          <a:prstGeom prst="rect">
+            <a:avLst/>
+          </a:prstGeom>
+          <a:solidFill>
+            <a:schemeClr val="accent2">
+              <a:lumMod val="60000"/>
+              <a:lumOff val="40000"/>
+            </a:schemeClr>
+          </a:solidFill>
+        </p:spPr>
+        <p:style>
+          <a:lnRef idx="2">
+            <a:schemeClr val="accent1">
+              <a:shade val="50000"/>
+            </a:schemeClr>
+          </a:lnRef>
+          <a:fillRef idx="1">
+            <a:schemeClr val="accent1"/>
+          </a:fillRef>
+          <a:effectRef idx="0">
+            <a:schemeClr val="accent1"/>
+          </a:effectRef>
+          <a:fontRef idx="minor">
+            <a:schemeClr val="lt1"/>
+          </a:fontRef>
+        </p:style>
+        <p:txBody>
+          <a:bodyPr rtlCol="0" anchor="ctr"/>
+          <a:lstStyle/>
+          <a:p>
+            <a:pPr algn="ctr"/>
+            <a:r>
+              <a:rPr lang="en-US" altLang="zh-TW" sz="2400" b="1" dirty="0" smtClean="0">
+                <a:solidFill>
+                  <a:schemeClr val="tx2"/>
+                </a:solidFill>
+              </a:rPr>
+              <a:t>XXXXXXXXXXXXXXX</a:t>
+            </a:r>
+            <a:endParaRPr lang="zh-TW" altLang="en-US" sz="2400" b="1" dirty="0">
+              <a:solidFill>
+                <a:schemeClr val="tx2"/>
+              </a:solidFill>
+            </a:endParaRPr>
+          </a:p>
+        </p:txBody>
+      </p:sp>
+      <p:sp>
+        <p:nvSpPr>
+          <p:cNvPr id="15" name="矩形 14"/>
+          <p:cNvSpPr/>
+          <p:nvPr/>
+        </p:nvSpPr>
+        <p:spPr>
+          <a:xfrm>
+            <a:off x="6637541" y="7008518"/>
+            <a:ext cx="1080000" cy="1080000"/>
+          </a:xfrm>
+          <a:prstGeom prst="rect">
+            <a:avLst/>
+          </a:prstGeom>
+          <a:solidFill>
+            <a:schemeClr val="accent4">
+              <a:lumMod val="40000"/>
+              <a:lumOff val="60000"/>
+            </a:schemeClr>
+          </a:solidFill>
+        </p:spPr>
+        <p:style>
+          <a:lnRef idx="2">
+            <a:schemeClr val="accent1">
+              <a:shade val="50000"/>
+            </a:schemeClr>
+          </a:lnRef>
+          <a:fillRef idx="1">
+            <a:schemeClr val="accent1"/>
+          </a:fillRef>
+          <a:effectRef idx="0">
+            <a:schemeClr val="accent1"/>
+          </a:effectRef>
+          <a:fontRef idx="minor">
+            <a:schemeClr val="lt1"/>
+          </a:fontRef>
+        </p:style>
+        <p:txBody>
+          <a:bodyPr rtlCol="0" anchor="ctr"/>
+          <a:lstStyle/>
+          <a:p>
+            <a:pPr algn="ctr"/>
+            <a:r>
+              <a:rPr lang="en-US" altLang="zh-TW" sz="2400" b="1" dirty="0" smtClean="0">
+                <a:solidFill>
+                  <a:schemeClr val="tx2"/>
+                </a:solidFill>
+              </a:rPr>
+              <a:t>XXXXXXXXXXXXXXX</a:t>
+            </a:r>
+            <a:endParaRPr lang="zh-TW" altLang="en-US" sz="2400" b="1" dirty="0">
+              <a:solidFill>
+                <a:schemeClr val="tx2"/>
+              </a:solidFill>
+            </a:endParaRPr>
+          </a:p>
+        </p:txBody>
+      </p:sp>
+      <p:sp>
+        <p:nvSpPr>
+          <p:cNvPr id="16" name="矩形 15"/>
+          <p:cNvSpPr/>
+          <p:nvPr/>
+        </p:nvSpPr>
+        <p:spPr>
+          <a:xfrm>
+            <a:off x="6938736" y="6522389"/>
+            <a:ext cx="1080000" cy="1080000"/>
+          </a:xfrm>
+          <a:prstGeom prst="rect">
+            <a:avLst/>
+          </a:prstGeom>
+          <a:solidFill>
+            <a:srgbClr val="92D050"/>
+          </a:solidFill>
+        </p:spPr>
+        <p:style>
+          <a:lnRef idx="2">
+            <a:schemeClr val="accent1">
+              <a:shade val="50000"/>
+            </a:schemeClr>
+          </a:lnRef>
+          <a:fillRef idx="1">
+            <a:schemeClr val="accent1"/>
+          </a:fillRef>
+          <a:effectRef idx="0">
+            <a:schemeClr val="accent1"/>
+          </a:effectRef>
+          <a:fontRef idx="minor">
+            <a:schemeClr val="lt1"/>
+          </a:fontRef>
+        </p:style>
+        <p:txBody>
+          <a:bodyPr rtlCol="0" anchor="ctr"/>
+          <a:lstStyle/>
+          <a:p>
+            <a:pPr algn="ctr"/>
+            <a:r>
+              <a:rPr lang="en-US" altLang="zh-TW" sz="2400" b="1" dirty="0" smtClean="0">
+                <a:solidFill>
+                  <a:schemeClr val="tx2"/>
+                </a:solidFill>
+              </a:rPr>
+              <a:t>XXXXXXXXXXXXXXX</a:t>
+            </a:r>
+            <a:endParaRPr lang="zh-TW" altLang="en-US" sz="2400" b="1" dirty="0">
+              <a:solidFill>
+                <a:schemeClr val="tx2"/>
+              </a:solidFill>
+            </a:endParaRPr>
+          </a:p>
+        </p:txBody>
+      </p:sp>
+      <p:sp>
+        <p:nvSpPr>
+          <p:cNvPr id="17" name="橢圓 16"/>
+          <p:cNvSpPr/>
+          <p:nvPr/>
+        </p:nvSpPr>
+        <p:spPr>
+          <a:xfrm>
+            <a:off x="1437438" y="4608754"/>
+            <a:ext cx="3282488" cy="2153400"/>
+          </a:xfrm>
+          <a:prstGeom prst="ellipse">
+            <a:avLst/>
+          </a:prstGeom>
+          <a:noFill/>
+          <a:ln w="38100">
+            <a:solidFill>
+              <a:srgbClr val="FF0000"/>
+            </a:solidFill>
+          </a:ln>
+        </p:spPr>
+        <p:style>
+          <a:lnRef idx="2">
+            <a:schemeClr val="accent1">
+              <a:shade val="50000"/>
+            </a:schemeClr>
+          </a:lnRef>
+          <a:fillRef idx="1">
+            <a:schemeClr val="accent1"/>
+          </a:fillRef>
+          <a:effectRef idx="0">
+            <a:schemeClr val="accent1"/>
+          </a:effectRef>
+          <a:fontRef idx="minor">
+            <a:schemeClr val="lt1"/>
+          </a:fontRef>
+        </p:style>
+        <p:txBody>
+          <a:bodyPr rtlCol="0" anchor="ctr"/>
+          <a:lstStyle/>
+          <a:p>
+            <a:pPr algn="ctr"/>
+            <a:endParaRPr lang="zh-TW" altLang="en-US"/>
+          </a:p>
+        </p:txBody>
+      </p:sp>
+      <p:sp>
+        <p:nvSpPr>
+          <p:cNvPr id="18" name="橢圓 17"/>
+          <p:cNvSpPr/>
+          <p:nvPr/>
+        </p:nvSpPr>
+        <p:spPr>
+          <a:xfrm>
+            <a:off x="2217941" y="6940804"/>
+            <a:ext cx="1702603" cy="1595752"/>
+          </a:xfrm>
+          <a:prstGeom prst="ellipse">
+            <a:avLst/>
+          </a:prstGeom>
+          <a:noFill/>
+          <a:ln w="38100">
+            <a:solidFill>
+              <a:srgbClr val="FF0000"/>
+            </a:solidFill>
+          </a:ln>
+        </p:spPr>
+        <p:style>
+          <a:lnRef idx="2">
+            <a:schemeClr val="accent1">
+              <a:shade val="50000"/>
+            </a:schemeClr>
+          </a:lnRef>
+          <a:fillRef idx="1">
+            <a:schemeClr val="accent1"/>
+          </a:fillRef>
+          <a:effectRef idx="0">
+            <a:schemeClr val="accent1"/>
+          </a:effectRef>
+          <a:fontRef idx="minor">
+            <a:schemeClr val="lt1"/>
+          </a:fontRef>
+        </p:style>
+        <p:txBody>
+          <a:bodyPr rtlCol="0" anchor="ctr"/>
+          <a:lstStyle/>
+          <a:p>
+            <a:pPr algn="ctr"/>
+            <a:endParaRPr lang="zh-TW" altLang="en-US"/>
+          </a:p>
+        </p:txBody>
+      </p:sp>
+      <p:sp>
+        <p:nvSpPr>
+          <p:cNvPr id="19" name="橢圓 18"/>
+          <p:cNvSpPr/>
+          <p:nvPr/>
+        </p:nvSpPr>
+        <p:spPr>
+          <a:xfrm>
+            <a:off x="6306038" y="6264512"/>
+            <a:ext cx="1924255" cy="1948693"/>
+          </a:xfrm>
+          <a:prstGeom prst="ellipse">
+            <a:avLst/>
+          </a:prstGeom>
+          <a:noFill/>
+          <a:ln w="38100">
+            <a:solidFill>
+              <a:srgbClr val="FF0000"/>
+            </a:solidFill>
+          </a:ln>
+        </p:spPr>
+        <p:style>
+          <a:lnRef idx="2">
+            <a:schemeClr val="accent1">
+              <a:shade val="50000"/>
+            </a:schemeClr>
+          </a:lnRef>
+          <a:fillRef idx="1">
+            <a:schemeClr val="accent1"/>
+          </a:fillRef>
+          <a:effectRef idx="0">
+            <a:schemeClr val="accent1"/>
+          </a:effectRef>
+          <a:fontRef idx="minor">
+            <a:schemeClr val="lt1"/>
+          </a:fontRef>
+        </p:style>
+        <p:txBody>
+          <a:bodyPr rtlCol="0" anchor="ctr"/>
+          <a:lstStyle/>
+          <a:p>
+            <a:pPr algn="ctr"/>
+            <a:endParaRPr lang="zh-TW" altLang="en-US"/>
+          </a:p>
+        </p:txBody>
+      </p:sp>
+      <p:sp>
+        <p:nvSpPr>
+          <p:cNvPr id="20" name="橢圓 19"/>
+          <p:cNvSpPr/>
+          <p:nvPr/>
+        </p:nvSpPr>
+        <p:spPr>
+          <a:xfrm>
+            <a:off x="4958757" y="4590219"/>
+            <a:ext cx="1924255" cy="1948693"/>
+          </a:xfrm>
+          <a:prstGeom prst="ellipse">
+            <a:avLst/>
+          </a:prstGeom>
+          <a:noFill/>
+          <a:ln w="38100">
+            <a:solidFill>
+              <a:srgbClr val="FF0000"/>
+            </a:solidFill>
+          </a:ln>
+        </p:spPr>
+        <p:style>
+          <a:lnRef idx="2">
+            <a:schemeClr val="accent1">
+              <a:shade val="50000"/>
+            </a:schemeClr>
+          </a:lnRef>
+          <a:fillRef idx="1">
+            <a:schemeClr val="accent1"/>
+          </a:fillRef>
+          <a:effectRef idx="0">
+            <a:schemeClr val="accent1"/>
+          </a:effectRef>
+          <a:fontRef idx="minor">
+            <a:schemeClr val="lt1"/>
+          </a:fontRef>
+        </p:style>
+        <p:txBody>
+          <a:bodyPr rtlCol="0" anchor="ctr"/>
+          <a:lstStyle/>
+          <a:p>
+            <a:pPr algn="ctr"/>
+            <a:endParaRPr lang="zh-TW" altLang="en-US"/>
+          </a:p>
+        </p:txBody>
+      </p:sp>
+    </p:spTree>
+    <p:extLst>
+      <p:ext uri="{BB962C8B-B14F-4D97-AF65-F5344CB8AC3E}">
+        <p14:creationId xmlns:p14="http://schemas.microsoft.com/office/powerpoint/2010/main" val="3457951767"/>
       </p:ext>
     </p:extLst>
   </p:cSld>
@@ -12921,6 +13684,21 @@
 </file>
 
 <file path=customXml/item1.xml><?xml version="1.0" encoding="utf-8"?>
+<?mso-contentType ?>
+<FormTemplates xmlns="http://schemas.microsoft.com/sharepoint/v3/contenttype/forms">
+  <Display>DocumentLibraryForm</Display>
+  <Edit>DocumentLibraryForm</Edit>
+  <New>DocumentLibraryForm</New>
+</FormTemplates>
+</file>
+
+<file path=customXml/item2.xml><?xml version="1.0" encoding="utf-8"?>
+<p:properties xmlns:p="http://schemas.microsoft.com/office/2006/metadata/properties" xmlns:xsi="http://www.w3.org/2001/XMLSchema-instance">
+  <documentManagement/>
+</p:properties>
+</file>
+
+<file path=customXml/item3.xml><?xml version="1.0" encoding="utf-8"?>
 <ct:contentTypeSchema xmlns:ct="http://schemas.microsoft.com/office/2006/metadata/contentType" xmlns:ma="http://schemas.microsoft.com/office/2006/metadata/properties/metaAttributes" ct:_="" ma:_="" ma:contentTypeName="Document" ma:contentTypeID="0x0101000AA0115B54226D469CC0FAAE38E5F61C" ma:contentTypeVersion="3" ma:contentTypeDescription="Create a new document." ma:contentTypeScope="" ma:versionID="0ae424bb0065d3a2a055b165aca25ec5">
   <xsd:schema xmlns:xsd="http://www.w3.org/2001/XMLSchema" xmlns:p="http://schemas.microsoft.com/office/2006/metadata/properties" targetNamespace="http://schemas.microsoft.com/office/2006/metadata/properties" ma:root="true" ma:fieldsID="4aeb20c0e3442673af7ee10786458764">
     <xsd:element name="properties">
@@ -12969,32 +13747,10 @@
 </ct:contentTypeSchema>
 </file>
 
-<file path=customXml/item2.xml><?xml version="1.0" encoding="utf-8"?>
-<p:properties xmlns:p="http://schemas.microsoft.com/office/2006/metadata/properties" xmlns:xsi="http://www.w3.org/2001/XMLSchema-instance">
-  <documentManagement/>
-</p:properties>
-</file>
-
-<file path=customXml/item3.xml><?xml version="1.0" encoding="utf-8"?>
-<?mso-contentType ?>
-<FormTemplates xmlns="http://schemas.microsoft.com/sharepoint/v3/contenttype/forms">
-  <Display>DocumentLibraryForm</Display>
-  <Edit>DocumentLibraryForm</Edit>
-  <New>DocumentLibraryForm</New>
-</FormTemplates>
-</file>
-
 <file path=customXml/itemProps1.xml><?xml version="1.0" encoding="utf-8"?>
-<ds:datastoreItem xmlns:ds="http://schemas.openxmlformats.org/officeDocument/2006/customXml" ds:itemID="{FE6BB287-9CB7-4AA6-A5A5-8D1CE03643F3}">
+<ds:datastoreItem xmlns:ds="http://schemas.openxmlformats.org/officeDocument/2006/customXml" ds:itemID="{A1770BF7-49D5-46D6-8B76-1D8AF290B450}">
   <ds:schemaRefs>
-    <ds:schemaRef ds:uri="http://schemas.microsoft.com/office/2006/metadata/contentType"/>
-    <ds:schemaRef ds:uri="http://schemas.microsoft.com/office/2006/metadata/properties/metaAttributes"/>
-    <ds:schemaRef ds:uri="http://www.w3.org/2001/XMLSchema"/>
-    <ds:schemaRef ds:uri="http://schemas.microsoft.com/office/2006/metadata/properties"/>
-    <ds:schemaRef ds:uri="http://schemas.openxmlformats.org/package/2006/metadata/core-properties"/>
-    <ds:schemaRef ds:uri="http://purl.org/dc/elements/1.1/"/>
-    <ds:schemaRef ds:uri="http://purl.org/dc/terms/"/>
-    <ds:schemaRef ds:uri="http://schemas.microsoft.com/office/internal/2005/internalDocumentation"/>
+    <ds:schemaRef ds:uri="http://schemas.microsoft.com/sharepoint/v3/contenttype/forms"/>
   </ds:schemaRefs>
 </ds:datastoreItem>
 </file>
@@ -13014,9 +13770,16 @@
 </file>
 
 <file path=customXml/itemProps3.xml><?xml version="1.0" encoding="utf-8"?>
-<ds:datastoreItem xmlns:ds="http://schemas.openxmlformats.org/officeDocument/2006/customXml" ds:itemID="{A1770BF7-49D5-46D6-8B76-1D8AF290B450}">
+<ds:datastoreItem xmlns:ds="http://schemas.openxmlformats.org/officeDocument/2006/customXml" ds:itemID="{FE6BB287-9CB7-4AA6-A5A5-8D1CE03643F3}">
   <ds:schemaRefs>
-    <ds:schemaRef ds:uri="http://schemas.microsoft.com/sharepoint/v3/contenttype/forms"/>
+    <ds:schemaRef ds:uri="http://schemas.microsoft.com/office/2006/metadata/contentType"/>
+    <ds:schemaRef ds:uri="http://schemas.microsoft.com/office/2006/metadata/properties/metaAttributes"/>
+    <ds:schemaRef ds:uri="http://www.w3.org/2001/XMLSchema"/>
+    <ds:schemaRef ds:uri="http://schemas.microsoft.com/office/2006/metadata/properties"/>
+    <ds:schemaRef ds:uri="http://schemas.openxmlformats.org/package/2006/metadata/core-properties"/>
+    <ds:schemaRef ds:uri="http://purl.org/dc/elements/1.1/"/>
+    <ds:schemaRef ds:uri="http://purl.org/dc/terms/"/>
+    <ds:schemaRef ds:uri="http://schemas.microsoft.com/office/internal/2005/internalDocumentation"/>
   </ds:schemaRefs>
 </ds:datastoreItem>
 </file>
--- a/source/_assets/Blog動畫.pptx
+++ b/source/_assets/Blog動畫.pptx
@@ -5,10 +5,10 @@
     <p:sldMasterId id="2147483752" r:id="rId4"/>
   </p:sldMasterIdLst>
   <p:notesMasterIdLst>
-    <p:notesMasterId r:id="rId11"/>
+    <p:notesMasterId r:id="rId12"/>
   </p:notesMasterIdLst>
   <p:handoutMasterIdLst>
-    <p:handoutMasterId r:id="rId12"/>
+    <p:handoutMasterId r:id="rId13"/>
   </p:handoutMasterIdLst>
   <p:sldIdLst>
     <p:sldId id="315" r:id="rId5"/>
@@ -17,6 +17,7 @@
     <p:sldId id="318" r:id="rId8"/>
     <p:sldId id="319" r:id="rId9"/>
     <p:sldId id="320" r:id="rId10"/>
+    <p:sldId id="321" r:id="rId11"/>
   </p:sldIdLst>
   <p:sldSz cx="12192000" cy="6858000"/>
   <p:notesSz cx="7099300" cy="10234613"/>
@@ -231,7 +232,7 @@
             <a:fld id="{3CDD3A71-4C75-488C-A8F3-A1F163ED0DB9}" type="datetimeFigureOut">
               <a:rPr lang="en-US" smtClean="0"/>
               <a:pPr/>
-              <a:t>5/16/2017</a:t>
+              <a:t>5/17/2017</a:t>
             </a:fld>
             <a:endParaRPr lang="en-US" dirty="0"/>
           </a:p>
@@ -399,7 +400,7 @@
             <a:fld id="{523CC419-8FB3-4D1C-8127-E63C1A13459D}" type="datetimeFigureOut">
               <a:rPr lang="en-US" smtClean="0"/>
               <a:pPr/>
-              <a:t>5/16/2017</a:t>
+              <a:t>5/17/2017</a:t>
             </a:fld>
             <a:endParaRPr lang="en-US" dirty="0"/>
           </a:p>
@@ -802,7 +803,7 @@
           <a:p>
             <a:fld id="{237FF733-248C-4CF7-A090-89CF012E357B}" type="datetimeFigureOut">
               <a:rPr lang="zh-TW" altLang="en-US" smtClean="0"/>
-              <a:t>2017/5/16</a:t>
+              <a:t>2017/5/17</a:t>
             </a:fld>
             <a:endParaRPr lang="zh-TW" altLang="en-US"/>
           </a:p>
@@ -973,7 +974,7 @@
           <a:p>
             <a:fld id="{237FF733-248C-4CF7-A090-89CF012E357B}" type="datetimeFigureOut">
               <a:rPr lang="zh-TW" altLang="en-US" smtClean="0"/>
-              <a:t>2017/5/16</a:t>
+              <a:t>2017/5/17</a:t>
             </a:fld>
             <a:endParaRPr lang="zh-TW" altLang="en-US"/>
           </a:p>
@@ -1154,7 +1155,7 @@
           <a:p>
             <a:fld id="{237FF733-248C-4CF7-A090-89CF012E357B}" type="datetimeFigureOut">
               <a:rPr lang="zh-TW" altLang="en-US" smtClean="0"/>
-              <a:t>2017/5/16</a:t>
+              <a:t>2017/5/17</a:t>
             </a:fld>
             <a:endParaRPr lang="zh-TW" altLang="en-US"/>
           </a:p>
@@ -1325,7 +1326,7 @@
           <a:p>
             <a:fld id="{237FF733-248C-4CF7-A090-89CF012E357B}" type="datetimeFigureOut">
               <a:rPr lang="zh-TW" altLang="en-US" smtClean="0"/>
-              <a:t>2017/5/16</a:t>
+              <a:t>2017/5/17</a:t>
             </a:fld>
             <a:endParaRPr lang="zh-TW" altLang="en-US"/>
           </a:p>
@@ -1572,7 +1573,7 @@
           <a:p>
             <a:fld id="{237FF733-248C-4CF7-A090-89CF012E357B}" type="datetimeFigureOut">
               <a:rPr lang="zh-TW" altLang="en-US" smtClean="0"/>
-              <a:t>2017/5/16</a:t>
+              <a:t>2017/5/17</a:t>
             </a:fld>
             <a:endParaRPr lang="zh-TW" altLang="en-US"/>
           </a:p>
@@ -1805,7 +1806,7 @@
           <a:p>
             <a:fld id="{237FF733-248C-4CF7-A090-89CF012E357B}" type="datetimeFigureOut">
               <a:rPr lang="zh-TW" altLang="en-US" smtClean="0"/>
-              <a:t>2017/5/16</a:t>
+              <a:t>2017/5/17</a:t>
             </a:fld>
             <a:endParaRPr lang="zh-TW" altLang="en-US"/>
           </a:p>
@@ -2173,7 +2174,7 @@
           <a:p>
             <a:fld id="{237FF733-248C-4CF7-A090-89CF012E357B}" type="datetimeFigureOut">
               <a:rPr lang="zh-TW" altLang="en-US" smtClean="0"/>
-              <a:t>2017/5/16</a:t>
+              <a:t>2017/5/17</a:t>
             </a:fld>
             <a:endParaRPr lang="zh-TW" altLang="en-US"/>
           </a:p>
@@ -2292,7 +2293,7 @@
           <a:p>
             <a:fld id="{237FF733-248C-4CF7-A090-89CF012E357B}" type="datetimeFigureOut">
               <a:rPr lang="zh-TW" altLang="en-US" smtClean="0"/>
-              <a:t>2017/5/16</a:t>
+              <a:t>2017/5/17</a:t>
             </a:fld>
             <a:endParaRPr lang="zh-TW" altLang="en-US"/>
           </a:p>
@@ -2388,7 +2389,7 @@
           <a:p>
             <a:fld id="{237FF733-248C-4CF7-A090-89CF012E357B}" type="datetimeFigureOut">
               <a:rPr lang="zh-TW" altLang="en-US" smtClean="0"/>
-              <a:t>2017/5/16</a:t>
+              <a:t>2017/5/17</a:t>
             </a:fld>
             <a:endParaRPr lang="zh-TW" altLang="en-US"/>
           </a:p>
@@ -2666,7 +2667,7 @@
           <a:p>
             <a:fld id="{237FF733-248C-4CF7-A090-89CF012E357B}" type="datetimeFigureOut">
               <a:rPr lang="zh-TW" altLang="en-US" smtClean="0"/>
-              <a:t>2017/5/16</a:t>
+              <a:t>2017/5/17</a:t>
             </a:fld>
             <a:endParaRPr lang="zh-TW" altLang="en-US"/>
           </a:p>
@@ -2924,7 +2925,7 @@
           <a:p>
             <a:fld id="{237FF733-248C-4CF7-A090-89CF012E357B}" type="datetimeFigureOut">
               <a:rPr lang="zh-TW" altLang="en-US" smtClean="0"/>
-              <a:t>2017/5/16</a:t>
+              <a:t>2017/5/17</a:t>
             </a:fld>
             <a:endParaRPr lang="zh-TW" altLang="en-US"/>
           </a:p>
@@ -3138,7 +3139,7 @@
           <a:p>
             <a:fld id="{237FF733-248C-4CF7-A090-89CF012E357B}" type="datetimeFigureOut">
               <a:rPr lang="zh-TW" altLang="en-US" smtClean="0"/>
-              <a:t>2017/5/16</a:t>
+              <a:t>2017/5/17</a:t>
             </a:fld>
             <a:endParaRPr lang="zh-TW" altLang="en-US"/>
           </a:p>
@@ -12856,6 +12857,1559 @@
 </p:sld>
 </file>
 
+<file path=ppt/slides/slide7.xml><?xml version="1.0" encoding="utf-8"?>
+<p:sld xmlns:a="http://schemas.openxmlformats.org/drawingml/2006/main" xmlns:r="http://schemas.openxmlformats.org/officeDocument/2006/relationships" xmlns:p="http://schemas.openxmlformats.org/presentationml/2006/main">
+  <p:cSld>
+    <p:spTree>
+      <p:nvGrpSpPr>
+        <p:cNvPr id="1" name=""/>
+        <p:cNvGrpSpPr/>
+        <p:nvPr/>
+      </p:nvGrpSpPr>
+      <p:grpSpPr>
+        <a:xfrm>
+          <a:off x="0" y="0"/>
+          <a:ext cx="0" cy="0"/>
+          <a:chOff x="0" y="0"/>
+          <a:chExt cx="0" cy="0"/>
+        </a:xfrm>
+      </p:grpSpPr>
+      <p:sp>
+        <p:nvSpPr>
+          <p:cNvPr id="5" name="橢圓 4"/>
+          <p:cNvSpPr/>
+          <p:nvPr/>
+        </p:nvSpPr>
+        <p:spPr>
+          <a:xfrm>
+            <a:off x="2438400" y="228600"/>
+            <a:ext cx="6421266" cy="6421266"/>
+          </a:xfrm>
+          <a:prstGeom prst="ellipse">
+            <a:avLst/>
+          </a:prstGeom>
+          <a:noFill/>
+          <a:ln w="76200">
+            <a:solidFill>
+              <a:srgbClr val="0070C0"/>
+            </a:solidFill>
+          </a:ln>
+        </p:spPr>
+        <p:style>
+          <a:lnRef idx="2">
+            <a:schemeClr val="accent1">
+              <a:shade val="50000"/>
+            </a:schemeClr>
+          </a:lnRef>
+          <a:fillRef idx="1">
+            <a:schemeClr val="accent1"/>
+          </a:fillRef>
+          <a:effectRef idx="0">
+            <a:schemeClr val="accent1"/>
+          </a:effectRef>
+          <a:fontRef idx="minor">
+            <a:schemeClr val="lt1"/>
+          </a:fontRef>
+        </p:style>
+        <p:txBody>
+          <a:bodyPr rtlCol="0" anchor="ctr"/>
+          <a:lstStyle/>
+          <a:p>
+            <a:pPr algn="ctr"/>
+            <a:endParaRPr lang="zh-TW" altLang="en-US"/>
+          </a:p>
+        </p:txBody>
+      </p:sp>
+      <p:cxnSp>
+        <p:nvCxnSpPr>
+          <p:cNvPr id="7" name="直線接點 6"/>
+          <p:cNvCxnSpPr/>
+          <p:nvPr/>
+        </p:nvCxnSpPr>
+        <p:spPr>
+          <a:xfrm>
+            <a:off x="5649032" y="228600"/>
+            <a:ext cx="0" cy="3276600"/>
+          </a:xfrm>
+          <a:prstGeom prst="line">
+            <a:avLst/>
+          </a:prstGeom>
+          <a:ln w="76200">
+            <a:solidFill>
+              <a:srgbClr val="0070C0"/>
+            </a:solidFill>
+          </a:ln>
+        </p:spPr>
+        <p:style>
+          <a:lnRef idx="1">
+            <a:schemeClr val="accent1"/>
+          </a:lnRef>
+          <a:fillRef idx="0">
+            <a:schemeClr val="accent1"/>
+          </a:fillRef>
+          <a:effectRef idx="0">
+            <a:schemeClr val="accent1"/>
+          </a:effectRef>
+          <a:fontRef idx="minor">
+            <a:schemeClr val="tx1"/>
+          </a:fontRef>
+        </p:style>
+      </p:cxnSp>
+      <p:cxnSp>
+        <p:nvCxnSpPr>
+          <p:cNvPr id="8" name="直線接點 7"/>
+          <p:cNvCxnSpPr/>
+          <p:nvPr/>
+        </p:nvCxnSpPr>
+        <p:spPr>
+          <a:xfrm flipH="1">
+            <a:off x="5649033" y="1981200"/>
+            <a:ext cx="2862614" cy="1524000"/>
+          </a:xfrm>
+          <a:prstGeom prst="line">
+            <a:avLst/>
+          </a:prstGeom>
+          <a:ln w="76200">
+            <a:solidFill>
+              <a:srgbClr val="0070C0"/>
+            </a:solidFill>
+          </a:ln>
+        </p:spPr>
+        <p:style>
+          <a:lnRef idx="1">
+            <a:schemeClr val="accent1"/>
+          </a:lnRef>
+          <a:fillRef idx="0">
+            <a:schemeClr val="accent1"/>
+          </a:fillRef>
+          <a:effectRef idx="0">
+            <a:schemeClr val="accent1"/>
+          </a:effectRef>
+          <a:fontRef idx="minor">
+            <a:schemeClr val="tx1"/>
+          </a:fontRef>
+        </p:style>
+      </p:cxnSp>
+      <p:cxnSp>
+        <p:nvCxnSpPr>
+          <p:cNvPr id="11" name="直線接點 10"/>
+          <p:cNvCxnSpPr/>
+          <p:nvPr/>
+        </p:nvCxnSpPr>
+        <p:spPr>
+          <a:xfrm flipH="1" flipV="1">
+            <a:off x="5649033" y="3505200"/>
+            <a:ext cx="1818567" cy="2590800"/>
+          </a:xfrm>
+          <a:prstGeom prst="line">
+            <a:avLst/>
+          </a:prstGeom>
+          <a:ln w="76200">
+            <a:solidFill>
+              <a:srgbClr val="0070C0"/>
+            </a:solidFill>
+          </a:ln>
+        </p:spPr>
+        <p:style>
+          <a:lnRef idx="1">
+            <a:schemeClr val="accent1"/>
+          </a:lnRef>
+          <a:fillRef idx="0">
+            <a:schemeClr val="accent1"/>
+          </a:fillRef>
+          <a:effectRef idx="0">
+            <a:schemeClr val="accent1"/>
+          </a:effectRef>
+          <a:fontRef idx="minor">
+            <a:schemeClr val="tx1"/>
+          </a:fontRef>
+        </p:style>
+      </p:cxnSp>
+      <p:cxnSp>
+        <p:nvCxnSpPr>
+          <p:cNvPr id="14" name="直線接點 13"/>
+          <p:cNvCxnSpPr/>
+          <p:nvPr/>
+        </p:nvCxnSpPr>
+        <p:spPr>
+          <a:xfrm flipV="1">
+            <a:off x="3718261" y="3505202"/>
+            <a:ext cx="1930772" cy="2514598"/>
+          </a:xfrm>
+          <a:prstGeom prst="line">
+            <a:avLst/>
+          </a:prstGeom>
+          <a:ln w="76200">
+            <a:solidFill>
+              <a:srgbClr val="0070C0"/>
+            </a:solidFill>
+          </a:ln>
+        </p:spPr>
+        <p:style>
+          <a:lnRef idx="1">
+            <a:schemeClr val="accent1"/>
+          </a:lnRef>
+          <a:fillRef idx="0">
+            <a:schemeClr val="accent1"/>
+          </a:fillRef>
+          <a:effectRef idx="0">
+            <a:schemeClr val="accent1"/>
+          </a:effectRef>
+          <a:fontRef idx="minor">
+            <a:schemeClr val="tx1"/>
+          </a:fontRef>
+        </p:style>
+      </p:cxnSp>
+      <p:cxnSp>
+        <p:nvCxnSpPr>
+          <p:cNvPr id="21" name="直線接點 20"/>
+          <p:cNvCxnSpPr/>
+          <p:nvPr/>
+        </p:nvCxnSpPr>
+        <p:spPr>
+          <a:xfrm>
+            <a:off x="2667000" y="2286000"/>
+            <a:ext cx="2982033" cy="1219200"/>
+          </a:xfrm>
+          <a:prstGeom prst="line">
+            <a:avLst/>
+          </a:prstGeom>
+          <a:ln w="76200">
+            <a:solidFill>
+              <a:srgbClr val="0070C0"/>
+            </a:solidFill>
+          </a:ln>
+        </p:spPr>
+        <p:style>
+          <a:lnRef idx="1">
+            <a:schemeClr val="accent1"/>
+          </a:lnRef>
+          <a:fillRef idx="0">
+            <a:schemeClr val="accent1"/>
+          </a:fillRef>
+          <a:effectRef idx="0">
+            <a:schemeClr val="accent1"/>
+          </a:effectRef>
+          <a:fontRef idx="minor">
+            <a:schemeClr val="tx1"/>
+          </a:fontRef>
+        </p:style>
+      </p:cxnSp>
+      <p:sp>
+        <p:nvSpPr>
+          <p:cNvPr id="32" name="文字方塊 31"/>
+          <p:cNvSpPr txBox="1"/>
+          <p:nvPr/>
+        </p:nvSpPr>
+        <p:spPr>
+          <a:xfrm>
+            <a:off x="2623647" y="3969537"/>
+            <a:ext cx="1211935" cy="461665"/>
+          </a:xfrm>
+          <a:prstGeom prst="rect">
+            <a:avLst/>
+          </a:prstGeom>
+          <a:noFill/>
+        </p:spPr>
+        <p:txBody>
+          <a:bodyPr wrap="none" rtlCol="0">
+            <a:spAutoFit/>
+          </a:bodyPr>
+          <a:lstStyle/>
+          <a:p>
+            <a:r>
+              <a:rPr lang="en-US" altLang="zh-TW" sz="2400" b="1" dirty="0" smtClean="0"/>
+              <a:t>More of</a:t>
+            </a:r>
+            <a:endParaRPr lang="zh-TW" altLang="en-US" sz="2400" b="1" dirty="0"/>
+          </a:p>
+        </p:txBody>
+      </p:sp>
+      <p:sp>
+        <p:nvSpPr>
+          <p:cNvPr id="33" name="文字方塊 32"/>
+          <p:cNvSpPr txBox="1"/>
+          <p:nvPr/>
+        </p:nvSpPr>
+        <p:spPr>
+          <a:xfrm>
+            <a:off x="6327809" y="520161"/>
+            <a:ext cx="803618" cy="461665"/>
+          </a:xfrm>
+          <a:prstGeom prst="rect">
+            <a:avLst/>
+          </a:prstGeom>
+          <a:noFill/>
+        </p:spPr>
+        <p:txBody>
+          <a:bodyPr wrap="none" rtlCol="0">
+            <a:spAutoFit/>
+          </a:bodyPr>
+          <a:lstStyle/>
+          <a:p>
+            <a:r>
+              <a:rPr lang="en-US" altLang="zh-TW" sz="2400" b="1" dirty="0" smtClean="0"/>
+              <a:t>Start</a:t>
+            </a:r>
+            <a:endParaRPr lang="zh-TW" altLang="en-US" sz="2400" b="1" dirty="0"/>
+          </a:p>
+        </p:txBody>
+      </p:sp>
+      <p:sp>
+        <p:nvSpPr>
+          <p:cNvPr id="34" name="文字方塊 33"/>
+          <p:cNvSpPr txBox="1"/>
+          <p:nvPr/>
+        </p:nvSpPr>
+        <p:spPr>
+          <a:xfrm>
+            <a:off x="7694123" y="4265446"/>
+            <a:ext cx="765146" cy="461665"/>
+          </a:xfrm>
+          <a:prstGeom prst="rect">
+            <a:avLst/>
+          </a:prstGeom>
+          <a:noFill/>
+        </p:spPr>
+        <p:txBody>
+          <a:bodyPr wrap="none" rtlCol="0">
+            <a:spAutoFit/>
+          </a:bodyPr>
+          <a:lstStyle/>
+          <a:p>
+            <a:r>
+              <a:rPr lang="en-US" altLang="zh-TW" sz="2400" b="1" dirty="0" smtClean="0"/>
+              <a:t>Stop</a:t>
+            </a:r>
+            <a:endParaRPr lang="zh-TW" altLang="en-US" sz="2400" b="1" dirty="0"/>
+          </a:p>
+        </p:txBody>
+      </p:sp>
+      <p:sp>
+        <p:nvSpPr>
+          <p:cNvPr id="35" name="文字方塊 34"/>
+          <p:cNvSpPr txBox="1"/>
+          <p:nvPr/>
+        </p:nvSpPr>
+        <p:spPr>
+          <a:xfrm>
+            <a:off x="5107822" y="6072785"/>
+            <a:ext cx="1048685" cy="461665"/>
+          </a:xfrm>
+          <a:prstGeom prst="rect">
+            <a:avLst/>
+          </a:prstGeom>
+          <a:noFill/>
+        </p:spPr>
+        <p:txBody>
+          <a:bodyPr wrap="none" rtlCol="0">
+            <a:spAutoFit/>
+          </a:bodyPr>
+          <a:lstStyle/>
+          <a:p>
+            <a:r>
+              <a:rPr lang="en-US" altLang="zh-TW" sz="2400" b="1" dirty="0" smtClean="0"/>
+              <a:t>Less of</a:t>
+            </a:r>
+            <a:endParaRPr lang="zh-TW" altLang="en-US" sz="2400" b="1" dirty="0"/>
+          </a:p>
+        </p:txBody>
+      </p:sp>
+      <p:sp>
+        <p:nvSpPr>
+          <p:cNvPr id="36" name="文字方塊 35"/>
+          <p:cNvSpPr txBox="1"/>
+          <p:nvPr/>
+        </p:nvSpPr>
+        <p:spPr>
+          <a:xfrm>
+            <a:off x="3641683" y="898333"/>
+            <a:ext cx="823495" cy="461665"/>
+          </a:xfrm>
+          <a:prstGeom prst="rect">
+            <a:avLst/>
+          </a:prstGeom>
+          <a:noFill/>
+        </p:spPr>
+        <p:txBody>
+          <a:bodyPr wrap="none" rtlCol="0">
+            <a:spAutoFit/>
+          </a:bodyPr>
+          <a:lstStyle/>
+          <a:p>
+            <a:r>
+              <a:rPr lang="en-US" altLang="zh-TW" sz="2400" b="1" dirty="0" smtClean="0"/>
+              <a:t>Keep</a:t>
+            </a:r>
+            <a:endParaRPr lang="zh-TW" altLang="en-US" sz="2400" b="1" dirty="0"/>
+          </a:p>
+        </p:txBody>
+      </p:sp>
+      <p:pic>
+        <p:nvPicPr>
+          <p:cNvPr id="1026" name="Picture 2" descr="note, post it, postit icon"/>
+          <p:cNvPicPr>
+            <a:picLocks noChangeAspect="1" noChangeArrowheads="1"/>
+          </p:cNvPicPr>
+          <p:nvPr/>
+        </p:nvPicPr>
+        <p:blipFill>
+          <a:blip r:embed="rId2">
+            <a:extLst>
+              <a:ext uri="{28A0092B-C50C-407E-A947-70E740481C1C}">
+                <a14:useLocalDpi xmlns:a14="http://schemas.microsoft.com/office/drawing/2010/main" val="0"/>
+              </a:ext>
+            </a:extLst>
+          </a:blip>
+          <a:srcRect/>
+          <a:stretch>
+            <a:fillRect/>
+          </a:stretch>
+        </p:blipFill>
+        <p:spPr bwMode="auto">
+          <a:xfrm>
+            <a:off x="3407820" y="2058334"/>
+            <a:ext cx="556009" cy="556010"/>
+          </a:xfrm>
+          <a:prstGeom prst="rect">
+            <a:avLst/>
+          </a:prstGeom>
+          <a:noFill/>
+          <a:extLst>
+            <a:ext uri="{909E8E84-426E-40DD-AFC4-6F175D3DCCD1}">
+              <a14:hiddenFill xmlns:a14="http://schemas.microsoft.com/office/drawing/2010/main">
+                <a:solidFill>
+                  <a:srgbClr val="FFFFFF"/>
+                </a:solidFill>
+              </a14:hiddenFill>
+            </a:ext>
+          </a:extLst>
+        </p:spPr>
+      </p:pic>
+      <p:pic>
+        <p:nvPicPr>
+          <p:cNvPr id="46" name="Picture 2" descr="note, post it, postit icon"/>
+          <p:cNvPicPr>
+            <a:picLocks noChangeAspect="1" noChangeArrowheads="1"/>
+          </p:cNvPicPr>
+          <p:nvPr/>
+        </p:nvPicPr>
+        <p:blipFill>
+          <a:blip r:embed="rId2">
+            <a:extLst>
+              <a:ext uri="{28A0092B-C50C-407E-A947-70E740481C1C}">
+                <a14:useLocalDpi xmlns:a14="http://schemas.microsoft.com/office/drawing/2010/main" val="0"/>
+              </a:ext>
+            </a:extLst>
+          </a:blip>
+          <a:srcRect/>
+          <a:stretch>
+            <a:fillRect/>
+          </a:stretch>
+        </p:blipFill>
+        <p:spPr bwMode="auto">
+          <a:xfrm>
+            <a:off x="5422510" y="4461027"/>
+            <a:ext cx="556009" cy="556010"/>
+          </a:xfrm>
+          <a:prstGeom prst="rect">
+            <a:avLst/>
+          </a:prstGeom>
+          <a:noFill/>
+          <a:extLst>
+            <a:ext uri="{909E8E84-426E-40DD-AFC4-6F175D3DCCD1}">
+              <a14:hiddenFill xmlns:a14="http://schemas.microsoft.com/office/drawing/2010/main">
+                <a:solidFill>
+                  <a:srgbClr val="FFFFFF"/>
+                </a:solidFill>
+              </a14:hiddenFill>
+            </a:ext>
+          </a:extLst>
+        </p:spPr>
+      </p:pic>
+      <p:pic>
+        <p:nvPicPr>
+          <p:cNvPr id="47" name="Picture 2" descr="note, post it, postit icon"/>
+          <p:cNvPicPr>
+            <a:picLocks noChangeAspect="1" noChangeArrowheads="1"/>
+          </p:cNvPicPr>
+          <p:nvPr/>
+        </p:nvPicPr>
+        <p:blipFill>
+          <a:blip r:embed="rId2">
+            <a:extLst>
+              <a:ext uri="{28A0092B-C50C-407E-A947-70E740481C1C}">
+                <a14:useLocalDpi xmlns:a14="http://schemas.microsoft.com/office/drawing/2010/main" val="0"/>
+              </a:ext>
+            </a:extLst>
+          </a:blip>
+          <a:srcRect/>
+          <a:stretch>
+            <a:fillRect/>
+          </a:stretch>
+        </p:blipFill>
+        <p:spPr bwMode="auto">
+          <a:xfrm>
+            <a:off x="7379552" y="3563516"/>
+            <a:ext cx="556009" cy="556010"/>
+          </a:xfrm>
+          <a:prstGeom prst="rect">
+            <a:avLst/>
+          </a:prstGeom>
+          <a:noFill/>
+          <a:extLst>
+            <a:ext uri="{909E8E84-426E-40DD-AFC4-6F175D3DCCD1}">
+              <a14:hiddenFill xmlns:a14="http://schemas.microsoft.com/office/drawing/2010/main">
+                <a:solidFill>
+                  <a:srgbClr val="FFFFFF"/>
+                </a:solidFill>
+              </a14:hiddenFill>
+            </a:ext>
+          </a:extLst>
+        </p:spPr>
+      </p:pic>
+      <p:pic>
+        <p:nvPicPr>
+          <p:cNvPr id="48" name="Picture 2" descr="note, post it, postit icon"/>
+          <p:cNvPicPr>
+            <a:picLocks noChangeAspect="1" noChangeArrowheads="1"/>
+          </p:cNvPicPr>
+          <p:nvPr/>
+        </p:nvPicPr>
+        <p:blipFill>
+          <a:blip r:embed="rId2">
+            <a:extLst>
+              <a:ext uri="{28A0092B-C50C-407E-A947-70E740481C1C}">
+                <a14:useLocalDpi xmlns:a14="http://schemas.microsoft.com/office/drawing/2010/main" val="0"/>
+              </a:ext>
+            </a:extLst>
+          </a:blip>
+          <a:srcRect/>
+          <a:stretch>
+            <a:fillRect/>
+          </a:stretch>
+        </p:blipFill>
+        <p:spPr bwMode="auto">
+          <a:xfrm>
+            <a:off x="3303334" y="2763172"/>
+            <a:ext cx="556009" cy="556010"/>
+          </a:xfrm>
+          <a:prstGeom prst="rect">
+            <a:avLst/>
+          </a:prstGeom>
+          <a:noFill/>
+          <a:extLst>
+            <a:ext uri="{909E8E84-426E-40DD-AFC4-6F175D3DCCD1}">
+              <a14:hiddenFill xmlns:a14="http://schemas.microsoft.com/office/drawing/2010/main">
+                <a:solidFill>
+                  <a:srgbClr val="FFFFFF"/>
+                </a:solidFill>
+              </a14:hiddenFill>
+            </a:ext>
+          </a:extLst>
+        </p:spPr>
+      </p:pic>
+      <p:pic>
+        <p:nvPicPr>
+          <p:cNvPr id="49" name="Picture 2" descr="note, post it, postit icon"/>
+          <p:cNvPicPr>
+            <a:picLocks noChangeAspect="1" noChangeArrowheads="1"/>
+          </p:cNvPicPr>
+          <p:nvPr/>
+        </p:nvPicPr>
+        <p:blipFill>
+          <a:blip r:embed="rId2">
+            <a:extLst>
+              <a:ext uri="{28A0092B-C50C-407E-A947-70E740481C1C}">
+                <a14:useLocalDpi xmlns:a14="http://schemas.microsoft.com/office/drawing/2010/main" val="0"/>
+              </a:ext>
+            </a:extLst>
+          </a:blip>
+          <a:srcRect/>
+          <a:stretch>
+            <a:fillRect/>
+          </a:stretch>
+        </p:blipFill>
+        <p:spPr bwMode="auto">
+          <a:xfrm>
+            <a:off x="4230781" y="3644359"/>
+            <a:ext cx="556009" cy="556010"/>
+          </a:xfrm>
+          <a:prstGeom prst="rect">
+            <a:avLst/>
+          </a:prstGeom>
+          <a:noFill/>
+          <a:extLst>
+            <a:ext uri="{909E8E84-426E-40DD-AFC4-6F175D3DCCD1}">
+              <a14:hiddenFill xmlns:a14="http://schemas.microsoft.com/office/drawing/2010/main">
+                <a:solidFill>
+                  <a:srgbClr val="FFFFFF"/>
+                </a:solidFill>
+              </a14:hiddenFill>
+            </a:ext>
+          </a:extLst>
+        </p:spPr>
+      </p:pic>
+      <p:pic>
+        <p:nvPicPr>
+          <p:cNvPr id="50" name="Picture 2" descr="note, post it, postit icon"/>
+          <p:cNvPicPr>
+            <a:picLocks noChangeAspect="1" noChangeArrowheads="1"/>
+          </p:cNvPicPr>
+          <p:nvPr/>
+        </p:nvPicPr>
+        <p:blipFill>
+          <a:blip r:embed="rId2">
+            <a:extLst>
+              <a:ext uri="{28A0092B-C50C-407E-A947-70E740481C1C}">
+                <a14:useLocalDpi xmlns:a14="http://schemas.microsoft.com/office/drawing/2010/main" val="0"/>
+              </a:ext>
+            </a:extLst>
+          </a:blip>
+          <a:srcRect/>
+          <a:stretch>
+            <a:fillRect/>
+          </a:stretch>
+        </p:blipFill>
+        <p:spPr bwMode="auto">
+          <a:xfrm>
+            <a:off x="6827443" y="1383536"/>
+            <a:ext cx="556009" cy="556010"/>
+          </a:xfrm>
+          <a:prstGeom prst="rect">
+            <a:avLst/>
+          </a:prstGeom>
+          <a:noFill/>
+          <a:extLst>
+            <a:ext uri="{909E8E84-426E-40DD-AFC4-6F175D3DCCD1}">
+              <a14:hiddenFill xmlns:a14="http://schemas.microsoft.com/office/drawing/2010/main">
+                <a:solidFill>
+                  <a:srgbClr val="FFFFFF"/>
+                </a:solidFill>
+              </a14:hiddenFill>
+            </a:ext>
+          </a:extLst>
+        </p:spPr>
+      </p:pic>
+      <p:pic>
+        <p:nvPicPr>
+          <p:cNvPr id="51" name="Picture 2" descr="note, post it, postit icon"/>
+          <p:cNvPicPr>
+            <a:picLocks noChangeAspect="1" noChangeArrowheads="1"/>
+          </p:cNvPicPr>
+          <p:nvPr/>
+        </p:nvPicPr>
+        <p:blipFill>
+          <a:blip r:embed="rId2">
+            <a:extLst>
+              <a:ext uri="{28A0092B-C50C-407E-A947-70E740481C1C}">
+                <a14:useLocalDpi xmlns:a14="http://schemas.microsoft.com/office/drawing/2010/main" val="0"/>
+              </a:ext>
+            </a:extLst>
+          </a:blip>
+          <a:srcRect/>
+          <a:stretch>
+            <a:fillRect/>
+          </a:stretch>
+        </p:blipFill>
+        <p:spPr bwMode="auto">
+          <a:xfrm>
+            <a:off x="7098486" y="3121908"/>
+            <a:ext cx="556009" cy="556010"/>
+          </a:xfrm>
+          <a:prstGeom prst="rect">
+            <a:avLst/>
+          </a:prstGeom>
+          <a:noFill/>
+          <a:extLst>
+            <a:ext uri="{909E8E84-426E-40DD-AFC4-6F175D3DCCD1}">
+              <a14:hiddenFill xmlns:a14="http://schemas.microsoft.com/office/drawing/2010/main">
+                <a:solidFill>
+                  <a:srgbClr val="FFFFFF"/>
+                </a:solidFill>
+              </a14:hiddenFill>
+            </a:ext>
+          </a:extLst>
+        </p:spPr>
+      </p:pic>
+      <p:pic>
+        <p:nvPicPr>
+          <p:cNvPr id="52" name="Picture 2" descr="note, post it, postit icon"/>
+          <p:cNvPicPr>
+            <a:picLocks noChangeAspect="1" noChangeArrowheads="1"/>
+          </p:cNvPicPr>
+          <p:nvPr/>
+        </p:nvPicPr>
+        <p:blipFill>
+          <a:blip r:embed="rId2">
+            <a:extLst>
+              <a:ext uri="{28A0092B-C50C-407E-A947-70E740481C1C}">
+                <a14:useLocalDpi xmlns:a14="http://schemas.microsoft.com/office/drawing/2010/main" val="0"/>
+              </a:ext>
+            </a:extLst>
+          </a:blip>
+          <a:srcRect/>
+          <a:stretch>
+            <a:fillRect/>
+          </a:stretch>
+        </p:blipFill>
+        <p:spPr bwMode="auto">
+          <a:xfrm>
+            <a:off x="7143545" y="1738650"/>
+            <a:ext cx="556009" cy="556010"/>
+          </a:xfrm>
+          <a:prstGeom prst="rect">
+            <a:avLst/>
+          </a:prstGeom>
+          <a:noFill/>
+          <a:extLst>
+            <a:ext uri="{909E8E84-426E-40DD-AFC4-6F175D3DCCD1}">
+              <a14:hiddenFill xmlns:a14="http://schemas.microsoft.com/office/drawing/2010/main">
+                <a:solidFill>
+                  <a:srgbClr val="FFFFFF"/>
+                </a:solidFill>
+              </a14:hiddenFill>
+            </a:ext>
+          </a:extLst>
+        </p:spPr>
+      </p:pic>
+      <p:pic>
+        <p:nvPicPr>
+          <p:cNvPr id="53" name="Picture 2" descr="note, post it, postit icon"/>
+          <p:cNvPicPr>
+            <a:picLocks noChangeAspect="1" noChangeArrowheads="1"/>
+          </p:cNvPicPr>
+          <p:nvPr/>
+        </p:nvPicPr>
+        <p:blipFill>
+          <a:blip r:embed="rId2">
+            <a:extLst>
+              <a:ext uri="{28A0092B-C50C-407E-A947-70E740481C1C}">
+                <a14:useLocalDpi xmlns:a14="http://schemas.microsoft.com/office/drawing/2010/main" val="0"/>
+              </a:ext>
+            </a:extLst>
+          </a:blip>
+          <a:srcRect/>
+          <a:stretch>
+            <a:fillRect/>
+          </a:stretch>
+        </p:blipFill>
+        <p:spPr bwMode="auto">
+          <a:xfrm>
+            <a:off x="5878502" y="1462108"/>
+            <a:ext cx="556009" cy="556010"/>
+          </a:xfrm>
+          <a:prstGeom prst="rect">
+            <a:avLst/>
+          </a:prstGeom>
+          <a:noFill/>
+          <a:extLst>
+            <a:ext uri="{909E8E84-426E-40DD-AFC4-6F175D3DCCD1}">
+              <a14:hiddenFill xmlns:a14="http://schemas.microsoft.com/office/drawing/2010/main">
+                <a:solidFill>
+                  <a:srgbClr val="FFFFFF"/>
+                </a:solidFill>
+              </a14:hiddenFill>
+            </a:ext>
+          </a:extLst>
+        </p:spPr>
+      </p:pic>
+      <p:pic>
+        <p:nvPicPr>
+          <p:cNvPr id="54" name="Picture 2" descr="note, post it, postit icon"/>
+          <p:cNvPicPr>
+            <a:picLocks noChangeAspect="1" noChangeArrowheads="1"/>
+          </p:cNvPicPr>
+          <p:nvPr/>
+        </p:nvPicPr>
+        <p:blipFill>
+          <a:blip r:embed="rId2">
+            <a:extLst>
+              <a:ext uri="{28A0092B-C50C-407E-A947-70E740481C1C}">
+                <a14:useLocalDpi xmlns:a14="http://schemas.microsoft.com/office/drawing/2010/main" val="0"/>
+              </a:ext>
+            </a:extLst>
+          </a:blip>
+          <a:srcRect/>
+          <a:stretch>
+            <a:fillRect/>
+          </a:stretch>
+        </p:blipFill>
+        <p:spPr bwMode="auto">
+          <a:xfrm>
+            <a:off x="4820898" y="1939546"/>
+            <a:ext cx="556009" cy="556010"/>
+          </a:xfrm>
+          <a:prstGeom prst="rect">
+            <a:avLst/>
+          </a:prstGeom>
+          <a:noFill/>
+          <a:extLst>
+            <a:ext uri="{909E8E84-426E-40DD-AFC4-6F175D3DCCD1}">
+              <a14:hiddenFill xmlns:a14="http://schemas.microsoft.com/office/drawing/2010/main">
+                <a:solidFill>
+                  <a:srgbClr val="FFFFFF"/>
+                </a:solidFill>
+              </a14:hiddenFill>
+            </a:ext>
+          </a:extLst>
+        </p:spPr>
+      </p:pic>
+      <p:pic>
+        <p:nvPicPr>
+          <p:cNvPr id="55" name="Picture 2" descr="note, post it, postit icon"/>
+          <p:cNvPicPr>
+            <a:picLocks noChangeAspect="1" noChangeArrowheads="1"/>
+          </p:cNvPicPr>
+          <p:nvPr/>
+        </p:nvPicPr>
+        <p:blipFill>
+          <a:blip r:embed="rId2">
+            <a:extLst>
+              <a:ext uri="{28A0092B-C50C-407E-A947-70E740481C1C}">
+                <a14:useLocalDpi xmlns:a14="http://schemas.microsoft.com/office/drawing/2010/main" val="0"/>
+              </a:ext>
+            </a:extLst>
+          </a:blip>
+          <a:srcRect/>
+          <a:stretch>
+            <a:fillRect/>
+          </a:stretch>
+        </p:blipFill>
+        <p:spPr bwMode="auto">
+          <a:xfrm>
+            <a:off x="4879772" y="1453372"/>
+            <a:ext cx="556009" cy="556010"/>
+          </a:xfrm>
+          <a:prstGeom prst="rect">
+            <a:avLst/>
+          </a:prstGeom>
+          <a:noFill/>
+          <a:extLst>
+            <a:ext uri="{909E8E84-426E-40DD-AFC4-6F175D3DCCD1}">
+              <a14:hiddenFill xmlns:a14="http://schemas.microsoft.com/office/drawing/2010/main">
+                <a:solidFill>
+                  <a:srgbClr val="FFFFFF"/>
+                </a:solidFill>
+              </a14:hiddenFill>
+            </a:ext>
+          </a:extLst>
+        </p:spPr>
+      </p:pic>
+      <p:pic>
+        <p:nvPicPr>
+          <p:cNvPr id="56" name="Picture 2" descr="note, post it, postit icon"/>
+          <p:cNvPicPr>
+            <a:picLocks noChangeAspect="1" noChangeArrowheads="1"/>
+          </p:cNvPicPr>
+          <p:nvPr/>
+        </p:nvPicPr>
+        <p:blipFill>
+          <a:blip r:embed="rId2">
+            <a:extLst>
+              <a:ext uri="{28A0092B-C50C-407E-A947-70E740481C1C}">
+                <a14:useLocalDpi xmlns:a14="http://schemas.microsoft.com/office/drawing/2010/main" val="0"/>
+              </a:ext>
+            </a:extLst>
+          </a:blip>
+          <a:srcRect/>
+          <a:stretch>
+            <a:fillRect/>
+          </a:stretch>
+        </p:blipFill>
+        <p:spPr bwMode="auto">
+          <a:xfrm>
+            <a:off x="3733093" y="4391486"/>
+            <a:ext cx="556009" cy="556010"/>
+          </a:xfrm>
+          <a:prstGeom prst="rect">
+            <a:avLst/>
+          </a:prstGeom>
+          <a:noFill/>
+          <a:extLst>
+            <a:ext uri="{909E8E84-426E-40DD-AFC4-6F175D3DCCD1}">
+              <a14:hiddenFill xmlns:a14="http://schemas.microsoft.com/office/drawing/2010/main">
+                <a:solidFill>
+                  <a:srgbClr val="FFFFFF"/>
+                </a:solidFill>
+              </a14:hiddenFill>
+            </a:ext>
+          </a:extLst>
+        </p:spPr>
+      </p:pic>
+      <p:pic>
+        <p:nvPicPr>
+          <p:cNvPr id="57" name="Picture 2" descr="note, post it, postit icon"/>
+          <p:cNvPicPr>
+            <a:picLocks noChangeAspect="1" noChangeArrowheads="1"/>
+          </p:cNvPicPr>
+          <p:nvPr/>
+        </p:nvPicPr>
+        <p:blipFill>
+          <a:blip r:embed="rId2">
+            <a:extLst>
+              <a:ext uri="{28A0092B-C50C-407E-A947-70E740481C1C}">
+                <a14:useLocalDpi xmlns:a14="http://schemas.microsoft.com/office/drawing/2010/main" val="0"/>
+              </a:ext>
+            </a:extLst>
+          </a:blip>
+          <a:srcRect/>
+          <a:stretch>
+            <a:fillRect/>
+          </a:stretch>
+        </p:blipFill>
+        <p:spPr bwMode="auto">
+          <a:xfrm>
+            <a:off x="5257767" y="4920149"/>
+            <a:ext cx="556009" cy="556010"/>
+          </a:xfrm>
+          <a:prstGeom prst="rect">
+            <a:avLst/>
+          </a:prstGeom>
+          <a:noFill/>
+          <a:extLst>
+            <a:ext uri="{909E8E84-426E-40DD-AFC4-6F175D3DCCD1}">
+              <a14:hiddenFill xmlns:a14="http://schemas.microsoft.com/office/drawing/2010/main">
+                <a:solidFill>
+                  <a:srgbClr val="FFFFFF"/>
+                </a:solidFill>
+              </a14:hiddenFill>
+            </a:ext>
+          </a:extLst>
+        </p:spPr>
+      </p:pic>
+      <p:pic>
+        <p:nvPicPr>
+          <p:cNvPr id="58" name="Picture 2" descr="note, post it, postit icon"/>
+          <p:cNvPicPr>
+            <a:picLocks noChangeAspect="1" noChangeArrowheads="1"/>
+          </p:cNvPicPr>
+          <p:nvPr/>
+        </p:nvPicPr>
+        <p:blipFill>
+          <a:blip r:embed="rId2">
+            <a:extLst>
+              <a:ext uri="{28A0092B-C50C-407E-A947-70E740481C1C}">
+                <a14:useLocalDpi xmlns:a14="http://schemas.microsoft.com/office/drawing/2010/main" val="0"/>
+              </a:ext>
+            </a:extLst>
+          </a:blip>
+          <a:srcRect/>
+          <a:stretch>
+            <a:fillRect/>
+          </a:stretch>
+        </p:blipFill>
+        <p:spPr bwMode="auto">
+          <a:xfrm>
+            <a:off x="3847475" y="2299149"/>
+            <a:ext cx="556009" cy="556010"/>
+          </a:xfrm>
+          <a:prstGeom prst="rect">
+            <a:avLst/>
+          </a:prstGeom>
+          <a:noFill/>
+          <a:extLst>
+            <a:ext uri="{909E8E84-426E-40DD-AFC4-6F175D3DCCD1}">
+              <a14:hiddenFill xmlns:a14="http://schemas.microsoft.com/office/drawing/2010/main">
+                <a:solidFill>
+                  <a:srgbClr val="FFFFFF"/>
+                </a:solidFill>
+              </a14:hiddenFill>
+            </a:ext>
+          </a:extLst>
+        </p:spPr>
+      </p:pic>
+      <p:pic>
+        <p:nvPicPr>
+          <p:cNvPr id="59" name="Picture 2" descr="note, post it, postit icon"/>
+          <p:cNvPicPr>
+            <a:picLocks noChangeAspect="1" noChangeArrowheads="1"/>
+          </p:cNvPicPr>
+          <p:nvPr/>
+        </p:nvPicPr>
+        <p:blipFill>
+          <a:blip r:embed="rId2">
+            <a:extLst>
+              <a:ext uri="{28A0092B-C50C-407E-A947-70E740481C1C}">
+                <a14:useLocalDpi xmlns:a14="http://schemas.microsoft.com/office/drawing/2010/main" val="0"/>
+              </a:ext>
+            </a:extLst>
+          </a:blip>
+          <a:srcRect/>
+          <a:stretch>
+            <a:fillRect/>
+          </a:stretch>
+        </p:blipFill>
+        <p:spPr bwMode="auto">
+          <a:xfrm>
+            <a:off x="6149558" y="1833497"/>
+            <a:ext cx="556009" cy="556010"/>
+          </a:xfrm>
+          <a:prstGeom prst="rect">
+            <a:avLst/>
+          </a:prstGeom>
+          <a:noFill/>
+          <a:extLst>
+            <a:ext uri="{909E8E84-426E-40DD-AFC4-6F175D3DCCD1}">
+              <a14:hiddenFill xmlns:a14="http://schemas.microsoft.com/office/drawing/2010/main">
+                <a:solidFill>
+                  <a:srgbClr val="FFFFFF"/>
+                </a:solidFill>
+              </a14:hiddenFill>
+            </a:ext>
+          </a:extLst>
+        </p:spPr>
+      </p:pic>
+      <p:pic>
+        <p:nvPicPr>
+          <p:cNvPr id="60" name="Picture 2" descr="note, post it, postit icon"/>
+          <p:cNvPicPr>
+            <a:picLocks noChangeAspect="1" noChangeArrowheads="1"/>
+          </p:cNvPicPr>
+          <p:nvPr/>
+        </p:nvPicPr>
+        <p:blipFill>
+          <a:blip r:embed="rId2">
+            <a:extLst>
+              <a:ext uri="{28A0092B-C50C-407E-A947-70E740481C1C}">
+                <a14:useLocalDpi xmlns:a14="http://schemas.microsoft.com/office/drawing/2010/main" val="0"/>
+              </a:ext>
+            </a:extLst>
+          </a:blip>
+          <a:srcRect/>
+          <a:stretch>
+            <a:fillRect/>
+          </a:stretch>
+        </p:blipFill>
+        <p:spPr bwMode="auto">
+          <a:xfrm>
+            <a:off x="7660617" y="2904047"/>
+            <a:ext cx="556009" cy="556010"/>
+          </a:xfrm>
+          <a:prstGeom prst="rect">
+            <a:avLst/>
+          </a:prstGeom>
+          <a:noFill/>
+          <a:extLst>
+            <a:ext uri="{909E8E84-426E-40DD-AFC4-6F175D3DCCD1}">
+              <a14:hiddenFill xmlns:a14="http://schemas.microsoft.com/office/drawing/2010/main">
+                <a:solidFill>
+                  <a:srgbClr val="FFFFFF"/>
+                </a:solidFill>
+              </a14:hiddenFill>
+            </a:ext>
+          </a:extLst>
+        </p:spPr>
+      </p:pic>
+      <p:pic>
+        <p:nvPicPr>
+          <p:cNvPr id="61" name="Picture 2" descr="note, post it, postit icon"/>
+          <p:cNvPicPr>
+            <a:picLocks noChangeAspect="1" noChangeArrowheads="1"/>
+          </p:cNvPicPr>
+          <p:nvPr/>
+        </p:nvPicPr>
+        <p:blipFill>
+          <a:blip r:embed="rId2">
+            <a:extLst>
+              <a:ext uri="{28A0092B-C50C-407E-A947-70E740481C1C}">
+                <a14:useLocalDpi xmlns:a14="http://schemas.microsoft.com/office/drawing/2010/main" val="0"/>
+              </a:ext>
+            </a:extLst>
+          </a:blip>
+          <a:srcRect/>
+          <a:stretch>
+            <a:fillRect/>
+          </a:stretch>
+        </p:blipFill>
+        <p:spPr bwMode="auto">
+          <a:xfrm>
+            <a:off x="5717445" y="5156325"/>
+            <a:ext cx="556009" cy="556010"/>
+          </a:xfrm>
+          <a:prstGeom prst="rect">
+            <a:avLst/>
+          </a:prstGeom>
+          <a:noFill/>
+          <a:extLst>
+            <a:ext uri="{909E8E84-426E-40DD-AFC4-6F175D3DCCD1}">
+              <a14:hiddenFill xmlns:a14="http://schemas.microsoft.com/office/drawing/2010/main">
+                <a:solidFill>
+                  <a:srgbClr val="FFFFFF"/>
+                </a:solidFill>
+              </a14:hiddenFill>
+            </a:ext>
+          </a:extLst>
+        </p:spPr>
+      </p:pic>
+      <p:pic>
+        <p:nvPicPr>
+          <p:cNvPr id="62" name="Picture 2" descr="note, post it, postit icon"/>
+          <p:cNvPicPr>
+            <a:picLocks noChangeAspect="1" noChangeArrowheads="1"/>
+          </p:cNvPicPr>
+          <p:nvPr/>
+        </p:nvPicPr>
+        <p:blipFill>
+          <a:blip r:embed="rId2">
+            <a:extLst>
+              <a:ext uri="{28A0092B-C50C-407E-A947-70E740481C1C}">
+                <a14:useLocalDpi xmlns:a14="http://schemas.microsoft.com/office/drawing/2010/main" val="0"/>
+              </a:ext>
+            </a:extLst>
+          </a:blip>
+          <a:srcRect/>
+          <a:stretch>
+            <a:fillRect/>
+          </a:stretch>
+        </p:blipFill>
+        <p:spPr bwMode="auto">
+          <a:xfrm>
+            <a:off x="6355261" y="3747750"/>
+            <a:ext cx="556009" cy="556010"/>
+          </a:xfrm>
+          <a:prstGeom prst="rect">
+            <a:avLst/>
+          </a:prstGeom>
+          <a:noFill/>
+          <a:extLst>
+            <a:ext uri="{909E8E84-426E-40DD-AFC4-6F175D3DCCD1}">
+              <a14:hiddenFill xmlns:a14="http://schemas.microsoft.com/office/drawing/2010/main">
+                <a:solidFill>
+                  <a:srgbClr val="FFFFFF"/>
+                </a:solidFill>
+              </a14:hiddenFill>
+            </a:ext>
+          </a:extLst>
+        </p:spPr>
+      </p:pic>
+      <p:sp>
+        <p:nvSpPr>
+          <p:cNvPr id="45" name="橢圓 44"/>
+          <p:cNvSpPr/>
+          <p:nvPr/>
+        </p:nvSpPr>
+        <p:spPr>
+          <a:xfrm>
+            <a:off x="4572331" y="1329946"/>
+            <a:ext cx="1092919" cy="1284398"/>
+          </a:xfrm>
+          <a:prstGeom prst="ellipse">
+            <a:avLst/>
+          </a:prstGeom>
+          <a:noFill/>
+          <a:ln w="38100">
+            <a:solidFill>
+              <a:srgbClr val="FF0000"/>
+            </a:solidFill>
+          </a:ln>
+        </p:spPr>
+        <p:style>
+          <a:lnRef idx="2">
+            <a:schemeClr val="accent1">
+              <a:shade val="50000"/>
+            </a:schemeClr>
+          </a:lnRef>
+          <a:fillRef idx="1">
+            <a:schemeClr val="accent1"/>
+          </a:fillRef>
+          <a:effectRef idx="0">
+            <a:schemeClr val="accent1"/>
+          </a:effectRef>
+          <a:fontRef idx="minor">
+            <a:schemeClr val="lt1"/>
+          </a:fontRef>
+        </p:style>
+        <p:txBody>
+          <a:bodyPr rtlCol="0" anchor="ctr"/>
+          <a:lstStyle/>
+          <a:p>
+            <a:pPr algn="ctr"/>
+            <a:endParaRPr lang="zh-TW" altLang="en-US"/>
+          </a:p>
+        </p:txBody>
+      </p:sp>
+      <p:sp>
+        <p:nvSpPr>
+          <p:cNvPr id="64" name="橢圓 63"/>
+          <p:cNvSpPr/>
+          <p:nvPr/>
+        </p:nvSpPr>
+        <p:spPr>
+          <a:xfrm>
+            <a:off x="3074894" y="1866900"/>
+            <a:ext cx="1375561" cy="1550498"/>
+          </a:xfrm>
+          <a:prstGeom prst="ellipse">
+            <a:avLst/>
+          </a:prstGeom>
+          <a:noFill/>
+          <a:ln w="38100">
+            <a:solidFill>
+              <a:srgbClr val="FF0000"/>
+            </a:solidFill>
+          </a:ln>
+        </p:spPr>
+        <p:style>
+          <a:lnRef idx="2">
+            <a:schemeClr val="accent1">
+              <a:shade val="50000"/>
+            </a:schemeClr>
+          </a:lnRef>
+          <a:fillRef idx="1">
+            <a:schemeClr val="accent1"/>
+          </a:fillRef>
+          <a:effectRef idx="0">
+            <a:schemeClr val="accent1"/>
+          </a:effectRef>
+          <a:fontRef idx="minor">
+            <a:schemeClr val="lt1"/>
+          </a:fontRef>
+        </p:style>
+        <p:txBody>
+          <a:bodyPr rtlCol="0" anchor="ctr"/>
+          <a:lstStyle/>
+          <a:p>
+            <a:pPr algn="ctr"/>
+            <a:endParaRPr lang="zh-TW" altLang="en-US"/>
+          </a:p>
+        </p:txBody>
+      </p:sp>
+      <p:sp>
+        <p:nvSpPr>
+          <p:cNvPr id="65" name="橢圓 64"/>
+          <p:cNvSpPr/>
+          <p:nvPr/>
+        </p:nvSpPr>
+        <p:spPr>
+          <a:xfrm>
+            <a:off x="4062105" y="3495517"/>
+            <a:ext cx="883854" cy="806229"/>
+          </a:xfrm>
+          <a:prstGeom prst="ellipse">
+            <a:avLst/>
+          </a:prstGeom>
+          <a:noFill/>
+          <a:ln w="38100">
+            <a:solidFill>
+              <a:srgbClr val="FF0000"/>
+            </a:solidFill>
+          </a:ln>
+        </p:spPr>
+        <p:style>
+          <a:lnRef idx="2">
+            <a:schemeClr val="accent1">
+              <a:shade val="50000"/>
+            </a:schemeClr>
+          </a:lnRef>
+          <a:fillRef idx="1">
+            <a:schemeClr val="accent1"/>
+          </a:fillRef>
+          <a:effectRef idx="0">
+            <a:schemeClr val="accent1"/>
+          </a:effectRef>
+          <a:fontRef idx="minor">
+            <a:schemeClr val="lt1"/>
+          </a:fontRef>
+        </p:style>
+        <p:txBody>
+          <a:bodyPr rtlCol="0" anchor="ctr"/>
+          <a:lstStyle/>
+          <a:p>
+            <a:pPr algn="ctr"/>
+            <a:endParaRPr lang="zh-TW" altLang="en-US"/>
+          </a:p>
+        </p:txBody>
+      </p:sp>
+      <p:sp>
+        <p:nvSpPr>
+          <p:cNvPr id="67" name="橢圓 66"/>
+          <p:cNvSpPr/>
+          <p:nvPr/>
+        </p:nvSpPr>
+        <p:spPr>
+          <a:xfrm>
+            <a:off x="3502740" y="4268629"/>
+            <a:ext cx="883854" cy="806229"/>
+          </a:xfrm>
+          <a:prstGeom prst="ellipse">
+            <a:avLst/>
+          </a:prstGeom>
+          <a:noFill/>
+          <a:ln w="38100">
+            <a:solidFill>
+              <a:srgbClr val="FF0000"/>
+            </a:solidFill>
+          </a:ln>
+        </p:spPr>
+        <p:style>
+          <a:lnRef idx="2">
+            <a:schemeClr val="accent1">
+              <a:shade val="50000"/>
+            </a:schemeClr>
+          </a:lnRef>
+          <a:fillRef idx="1">
+            <a:schemeClr val="accent1"/>
+          </a:fillRef>
+          <a:effectRef idx="0">
+            <a:schemeClr val="accent1"/>
+          </a:effectRef>
+          <a:fontRef idx="minor">
+            <a:schemeClr val="lt1"/>
+          </a:fontRef>
+        </p:style>
+        <p:txBody>
+          <a:bodyPr rtlCol="0" anchor="ctr"/>
+          <a:lstStyle/>
+          <a:p>
+            <a:pPr algn="ctr"/>
+            <a:endParaRPr lang="zh-TW" altLang="en-US"/>
+          </a:p>
+        </p:txBody>
+      </p:sp>
+      <p:sp>
+        <p:nvSpPr>
+          <p:cNvPr id="68" name="橢圓 67"/>
+          <p:cNvSpPr/>
+          <p:nvPr/>
+        </p:nvSpPr>
+        <p:spPr>
+          <a:xfrm>
+            <a:off x="5088263" y="4286036"/>
+            <a:ext cx="1346247" cy="1581364"/>
+          </a:xfrm>
+          <a:prstGeom prst="ellipse">
+            <a:avLst/>
+          </a:prstGeom>
+          <a:noFill/>
+          <a:ln w="38100">
+            <a:solidFill>
+              <a:srgbClr val="FF0000"/>
+            </a:solidFill>
+          </a:ln>
+        </p:spPr>
+        <p:style>
+          <a:lnRef idx="2">
+            <a:schemeClr val="accent1">
+              <a:shade val="50000"/>
+            </a:schemeClr>
+          </a:lnRef>
+          <a:fillRef idx="1">
+            <a:schemeClr val="accent1"/>
+          </a:fillRef>
+          <a:effectRef idx="0">
+            <a:schemeClr val="accent1"/>
+          </a:effectRef>
+          <a:fontRef idx="minor">
+            <a:schemeClr val="lt1"/>
+          </a:fontRef>
+        </p:style>
+        <p:txBody>
+          <a:bodyPr rtlCol="0" anchor="ctr"/>
+          <a:lstStyle/>
+          <a:p>
+            <a:pPr algn="ctr"/>
+            <a:endParaRPr lang="zh-TW" altLang="en-US"/>
+          </a:p>
+        </p:txBody>
+      </p:sp>
+      <p:sp>
+        <p:nvSpPr>
+          <p:cNvPr id="69" name="橢圓 68"/>
+          <p:cNvSpPr/>
+          <p:nvPr/>
+        </p:nvSpPr>
+        <p:spPr>
+          <a:xfrm>
+            <a:off x="6174381" y="3621177"/>
+            <a:ext cx="883854" cy="806229"/>
+          </a:xfrm>
+          <a:prstGeom prst="ellipse">
+            <a:avLst/>
+          </a:prstGeom>
+          <a:noFill/>
+          <a:ln w="38100">
+            <a:solidFill>
+              <a:srgbClr val="FF0000"/>
+            </a:solidFill>
+          </a:ln>
+        </p:spPr>
+        <p:style>
+          <a:lnRef idx="2">
+            <a:schemeClr val="accent1">
+              <a:shade val="50000"/>
+            </a:schemeClr>
+          </a:lnRef>
+          <a:fillRef idx="1">
+            <a:schemeClr val="accent1"/>
+          </a:fillRef>
+          <a:effectRef idx="0">
+            <a:schemeClr val="accent1"/>
+          </a:effectRef>
+          <a:fontRef idx="minor">
+            <a:schemeClr val="lt1"/>
+          </a:fontRef>
+        </p:style>
+        <p:txBody>
+          <a:bodyPr rtlCol="0" anchor="ctr"/>
+          <a:lstStyle/>
+          <a:p>
+            <a:pPr algn="ctr"/>
+            <a:endParaRPr lang="zh-TW" altLang="en-US"/>
+          </a:p>
+        </p:txBody>
+      </p:sp>
+      <p:sp>
+        <p:nvSpPr>
+          <p:cNvPr id="70" name="橢圓 69"/>
+          <p:cNvSpPr/>
+          <p:nvPr/>
+        </p:nvSpPr>
+        <p:spPr>
+          <a:xfrm>
+            <a:off x="7044138" y="2657068"/>
+            <a:ext cx="1346247" cy="1581364"/>
+          </a:xfrm>
+          <a:prstGeom prst="ellipse">
+            <a:avLst/>
+          </a:prstGeom>
+          <a:noFill/>
+          <a:ln w="38100">
+            <a:solidFill>
+              <a:srgbClr val="FF0000"/>
+            </a:solidFill>
+          </a:ln>
+        </p:spPr>
+        <p:style>
+          <a:lnRef idx="2">
+            <a:schemeClr val="accent1">
+              <a:shade val="50000"/>
+            </a:schemeClr>
+          </a:lnRef>
+          <a:fillRef idx="1">
+            <a:schemeClr val="accent1"/>
+          </a:fillRef>
+          <a:effectRef idx="0">
+            <a:schemeClr val="accent1"/>
+          </a:effectRef>
+          <a:fontRef idx="minor">
+            <a:schemeClr val="lt1"/>
+          </a:fontRef>
+        </p:style>
+        <p:txBody>
+          <a:bodyPr rtlCol="0" anchor="ctr"/>
+          <a:lstStyle/>
+          <a:p>
+            <a:pPr algn="ctr"/>
+            <a:endParaRPr lang="zh-TW" altLang="en-US"/>
+          </a:p>
+        </p:txBody>
+      </p:sp>
+      <p:sp>
+        <p:nvSpPr>
+          <p:cNvPr id="72" name="橢圓 71"/>
+          <p:cNvSpPr/>
+          <p:nvPr/>
+        </p:nvSpPr>
+        <p:spPr>
+          <a:xfrm>
+            <a:off x="5707906" y="1291810"/>
+            <a:ext cx="1092919" cy="1284398"/>
+          </a:xfrm>
+          <a:prstGeom prst="ellipse">
+            <a:avLst/>
+          </a:prstGeom>
+          <a:noFill/>
+          <a:ln w="38100">
+            <a:solidFill>
+              <a:srgbClr val="FF0000"/>
+            </a:solidFill>
+          </a:ln>
+        </p:spPr>
+        <p:style>
+          <a:lnRef idx="2">
+            <a:schemeClr val="accent1">
+              <a:shade val="50000"/>
+            </a:schemeClr>
+          </a:lnRef>
+          <a:fillRef idx="1">
+            <a:schemeClr val="accent1"/>
+          </a:fillRef>
+          <a:effectRef idx="0">
+            <a:schemeClr val="accent1"/>
+          </a:effectRef>
+          <a:fontRef idx="minor">
+            <a:schemeClr val="lt1"/>
+          </a:fontRef>
+        </p:style>
+        <p:txBody>
+          <a:bodyPr rtlCol="0" anchor="ctr"/>
+          <a:lstStyle/>
+          <a:p>
+            <a:pPr algn="ctr"/>
+            <a:endParaRPr lang="zh-TW" altLang="en-US"/>
+          </a:p>
+        </p:txBody>
+      </p:sp>
+      <p:sp>
+        <p:nvSpPr>
+          <p:cNvPr id="73" name="橢圓 72"/>
+          <p:cNvSpPr/>
+          <p:nvPr/>
+        </p:nvSpPr>
+        <p:spPr>
+          <a:xfrm>
+            <a:off x="6748224" y="1102646"/>
+            <a:ext cx="1092919" cy="1284398"/>
+          </a:xfrm>
+          <a:prstGeom prst="ellipse">
+            <a:avLst/>
+          </a:prstGeom>
+          <a:noFill/>
+          <a:ln w="38100">
+            <a:solidFill>
+              <a:srgbClr val="FF0000"/>
+            </a:solidFill>
+          </a:ln>
+        </p:spPr>
+        <p:style>
+          <a:lnRef idx="2">
+            <a:schemeClr val="accent1">
+              <a:shade val="50000"/>
+            </a:schemeClr>
+          </a:lnRef>
+          <a:fillRef idx="1">
+            <a:schemeClr val="accent1"/>
+          </a:fillRef>
+          <a:effectRef idx="0">
+            <a:schemeClr val="accent1"/>
+          </a:effectRef>
+          <a:fontRef idx="minor">
+            <a:schemeClr val="lt1"/>
+          </a:fontRef>
+        </p:style>
+        <p:txBody>
+          <a:bodyPr rtlCol="0" anchor="ctr"/>
+          <a:lstStyle/>
+          <a:p>
+            <a:pPr algn="ctr"/>
+            <a:endParaRPr lang="zh-TW" altLang="en-US"/>
+          </a:p>
+        </p:txBody>
+      </p:sp>
+    </p:spTree>
+    <p:extLst>
+      <p:ext uri="{BB962C8B-B14F-4D97-AF65-F5344CB8AC3E}">
+        <p14:creationId xmlns:p14="http://schemas.microsoft.com/office/powerpoint/2010/main" val="948767644"/>
+      </p:ext>
+    </p:extLst>
+  </p:cSld>
+  <p:clrMapOvr>
+    <a:masterClrMapping/>
+  </p:clrMapOvr>
+</p:sld>
+</file>
+
 <file path=ppt/theme/theme1.xml><?xml version="1.0" encoding="utf-8"?>
 <a:theme xmlns:a="http://schemas.openxmlformats.org/drawingml/2006/main" name="Office 佈景主題">
   <a:themeElements>
@@ -13684,21 +15238,6 @@
 </file>
 
 <file path=customXml/item1.xml><?xml version="1.0" encoding="utf-8"?>
-<?mso-contentType ?>
-<FormTemplates xmlns="http://schemas.microsoft.com/sharepoint/v3/contenttype/forms">
-  <Display>DocumentLibraryForm</Display>
-  <Edit>DocumentLibraryForm</Edit>
-  <New>DocumentLibraryForm</New>
-</FormTemplates>
-</file>
-
-<file path=customXml/item2.xml><?xml version="1.0" encoding="utf-8"?>
-<p:properties xmlns:p="http://schemas.microsoft.com/office/2006/metadata/properties" xmlns:xsi="http://www.w3.org/2001/XMLSchema-instance">
-  <documentManagement/>
-</p:properties>
-</file>
-
-<file path=customXml/item3.xml><?xml version="1.0" encoding="utf-8"?>
 <ct:contentTypeSchema xmlns:ct="http://schemas.microsoft.com/office/2006/metadata/contentType" xmlns:ma="http://schemas.microsoft.com/office/2006/metadata/properties/metaAttributes" ct:_="" ma:_="" ma:contentTypeName="Document" ma:contentTypeID="0x0101000AA0115B54226D469CC0FAAE38E5F61C" ma:contentTypeVersion="3" ma:contentTypeDescription="Create a new document." ma:contentTypeScope="" ma:versionID="0ae424bb0065d3a2a055b165aca25ec5">
   <xsd:schema xmlns:xsd="http://www.w3.org/2001/XMLSchema" xmlns:p="http://schemas.microsoft.com/office/2006/metadata/properties" targetNamespace="http://schemas.microsoft.com/office/2006/metadata/properties" ma:root="true" ma:fieldsID="4aeb20c0e3442673af7ee10786458764">
     <xsd:element name="properties">
@@ -13747,10 +15286,32 @@
 </ct:contentTypeSchema>
 </file>
 
+<file path=customXml/item2.xml><?xml version="1.0" encoding="utf-8"?>
+<p:properties xmlns:p="http://schemas.microsoft.com/office/2006/metadata/properties" xmlns:xsi="http://www.w3.org/2001/XMLSchema-instance">
+  <documentManagement/>
+</p:properties>
+</file>
+
+<file path=customXml/item3.xml><?xml version="1.0" encoding="utf-8"?>
+<?mso-contentType ?>
+<FormTemplates xmlns="http://schemas.microsoft.com/sharepoint/v3/contenttype/forms">
+  <Display>DocumentLibraryForm</Display>
+  <Edit>DocumentLibraryForm</Edit>
+  <New>DocumentLibraryForm</New>
+</FormTemplates>
+</file>
+
 <file path=customXml/itemProps1.xml><?xml version="1.0" encoding="utf-8"?>
-<ds:datastoreItem xmlns:ds="http://schemas.openxmlformats.org/officeDocument/2006/customXml" ds:itemID="{A1770BF7-49D5-46D6-8B76-1D8AF290B450}">
+<ds:datastoreItem xmlns:ds="http://schemas.openxmlformats.org/officeDocument/2006/customXml" ds:itemID="{FE6BB287-9CB7-4AA6-A5A5-8D1CE03643F3}">
   <ds:schemaRefs>
-    <ds:schemaRef ds:uri="http://schemas.microsoft.com/sharepoint/v3/contenttype/forms"/>
+    <ds:schemaRef ds:uri="http://schemas.microsoft.com/office/2006/metadata/contentType"/>
+    <ds:schemaRef ds:uri="http://schemas.microsoft.com/office/2006/metadata/properties/metaAttributes"/>
+    <ds:schemaRef ds:uri="http://www.w3.org/2001/XMLSchema"/>
+    <ds:schemaRef ds:uri="http://schemas.microsoft.com/office/2006/metadata/properties"/>
+    <ds:schemaRef ds:uri="http://schemas.openxmlformats.org/package/2006/metadata/core-properties"/>
+    <ds:schemaRef ds:uri="http://purl.org/dc/elements/1.1/"/>
+    <ds:schemaRef ds:uri="http://purl.org/dc/terms/"/>
+    <ds:schemaRef ds:uri="http://schemas.microsoft.com/office/internal/2005/internalDocumentation"/>
   </ds:schemaRefs>
 </ds:datastoreItem>
 </file>
@@ -13770,16 +15331,9 @@
 </file>
 
 <file path=customXml/itemProps3.xml><?xml version="1.0" encoding="utf-8"?>
-<ds:datastoreItem xmlns:ds="http://schemas.openxmlformats.org/officeDocument/2006/customXml" ds:itemID="{FE6BB287-9CB7-4AA6-A5A5-8D1CE03643F3}">
+<ds:datastoreItem xmlns:ds="http://schemas.openxmlformats.org/officeDocument/2006/customXml" ds:itemID="{A1770BF7-49D5-46D6-8B76-1D8AF290B450}">
   <ds:schemaRefs>
-    <ds:schemaRef ds:uri="http://schemas.microsoft.com/office/2006/metadata/contentType"/>
-    <ds:schemaRef ds:uri="http://schemas.microsoft.com/office/2006/metadata/properties/metaAttributes"/>
-    <ds:schemaRef ds:uri="http://www.w3.org/2001/XMLSchema"/>
-    <ds:schemaRef ds:uri="http://schemas.microsoft.com/office/2006/metadata/properties"/>
-    <ds:schemaRef ds:uri="http://schemas.openxmlformats.org/package/2006/metadata/core-properties"/>
-    <ds:schemaRef ds:uri="http://purl.org/dc/elements/1.1/"/>
-    <ds:schemaRef ds:uri="http://purl.org/dc/terms/"/>
-    <ds:schemaRef ds:uri="http://schemas.microsoft.com/office/internal/2005/internalDocumentation"/>
+    <ds:schemaRef ds:uri="http://schemas.microsoft.com/sharepoint/v3/contenttype/forms"/>
   </ds:schemaRefs>
 </ds:datastoreItem>
 </file>
--- a/source/_assets/Blog動畫.pptx
+++ b/source/_assets/Blog動畫.pptx
@@ -5,10 +5,10 @@
     <p:sldMasterId id="2147483752" r:id="rId4"/>
   </p:sldMasterIdLst>
   <p:notesMasterIdLst>
-    <p:notesMasterId r:id="rId12"/>
+    <p:notesMasterId r:id="rId14"/>
   </p:notesMasterIdLst>
   <p:handoutMasterIdLst>
-    <p:handoutMasterId r:id="rId13"/>
+    <p:handoutMasterId r:id="rId15"/>
   </p:handoutMasterIdLst>
   <p:sldIdLst>
     <p:sldId id="315" r:id="rId5"/>
@@ -18,6 +18,8 @@
     <p:sldId id="319" r:id="rId9"/>
     <p:sldId id="320" r:id="rId10"/>
     <p:sldId id="321" r:id="rId11"/>
+    <p:sldId id="322" r:id="rId12"/>
+    <p:sldId id="323" r:id="rId13"/>
   </p:sldIdLst>
   <p:sldSz cx="12192000" cy="6858000"/>
   <p:notesSz cx="7099300" cy="10234613"/>
@@ -232,7 +234,7 @@
             <a:fld id="{3CDD3A71-4C75-488C-A8F3-A1F163ED0DB9}" type="datetimeFigureOut">
               <a:rPr lang="en-US" smtClean="0"/>
               <a:pPr/>
-              <a:t>5/17/2017</a:t>
+              <a:t>6/5/2017</a:t>
             </a:fld>
             <a:endParaRPr lang="en-US" dirty="0"/>
           </a:p>
@@ -400,7 +402,7 @@
             <a:fld id="{523CC419-8FB3-4D1C-8127-E63C1A13459D}" type="datetimeFigureOut">
               <a:rPr lang="en-US" smtClean="0"/>
               <a:pPr/>
-              <a:t>5/17/2017</a:t>
+              <a:t>6/5/2017</a:t>
             </a:fld>
             <a:endParaRPr lang="en-US" dirty="0"/>
           </a:p>
@@ -803,7 +805,7 @@
           <a:p>
             <a:fld id="{237FF733-248C-4CF7-A090-89CF012E357B}" type="datetimeFigureOut">
               <a:rPr lang="zh-TW" altLang="en-US" smtClean="0"/>
-              <a:t>2017/5/17</a:t>
+              <a:t>2017/6/5</a:t>
             </a:fld>
             <a:endParaRPr lang="zh-TW" altLang="en-US"/>
           </a:p>
@@ -974,7 +976,7 @@
           <a:p>
             <a:fld id="{237FF733-248C-4CF7-A090-89CF012E357B}" type="datetimeFigureOut">
               <a:rPr lang="zh-TW" altLang="en-US" smtClean="0"/>
-              <a:t>2017/5/17</a:t>
+              <a:t>2017/6/5</a:t>
             </a:fld>
             <a:endParaRPr lang="zh-TW" altLang="en-US"/>
           </a:p>
@@ -1155,7 +1157,7 @@
           <a:p>
             <a:fld id="{237FF733-248C-4CF7-A090-89CF012E357B}" type="datetimeFigureOut">
               <a:rPr lang="zh-TW" altLang="en-US" smtClean="0"/>
-              <a:t>2017/5/17</a:t>
+              <a:t>2017/6/5</a:t>
             </a:fld>
             <a:endParaRPr lang="zh-TW" altLang="en-US"/>
           </a:p>
@@ -1326,7 +1328,7 @@
           <a:p>
             <a:fld id="{237FF733-248C-4CF7-A090-89CF012E357B}" type="datetimeFigureOut">
               <a:rPr lang="zh-TW" altLang="en-US" smtClean="0"/>
-              <a:t>2017/5/17</a:t>
+              <a:t>2017/6/5</a:t>
             </a:fld>
             <a:endParaRPr lang="zh-TW" altLang="en-US"/>
           </a:p>
@@ -1573,7 +1575,7 @@
           <a:p>
             <a:fld id="{237FF733-248C-4CF7-A090-89CF012E357B}" type="datetimeFigureOut">
               <a:rPr lang="zh-TW" altLang="en-US" smtClean="0"/>
-              <a:t>2017/5/17</a:t>
+              <a:t>2017/6/5</a:t>
             </a:fld>
             <a:endParaRPr lang="zh-TW" altLang="en-US"/>
           </a:p>
@@ -1806,7 +1808,7 @@
           <a:p>
             <a:fld id="{237FF733-248C-4CF7-A090-89CF012E357B}" type="datetimeFigureOut">
               <a:rPr lang="zh-TW" altLang="en-US" smtClean="0"/>
-              <a:t>2017/5/17</a:t>
+              <a:t>2017/6/5</a:t>
             </a:fld>
             <a:endParaRPr lang="zh-TW" altLang="en-US"/>
           </a:p>
@@ -2174,7 +2176,7 @@
           <a:p>
             <a:fld id="{237FF733-248C-4CF7-A090-89CF012E357B}" type="datetimeFigureOut">
               <a:rPr lang="zh-TW" altLang="en-US" smtClean="0"/>
-              <a:t>2017/5/17</a:t>
+              <a:t>2017/6/5</a:t>
             </a:fld>
             <a:endParaRPr lang="zh-TW" altLang="en-US"/>
           </a:p>
@@ -2293,7 +2295,7 @@
           <a:p>
             <a:fld id="{237FF733-248C-4CF7-A090-89CF012E357B}" type="datetimeFigureOut">
               <a:rPr lang="zh-TW" altLang="en-US" smtClean="0"/>
-              <a:t>2017/5/17</a:t>
+              <a:t>2017/6/5</a:t>
             </a:fld>
             <a:endParaRPr lang="zh-TW" altLang="en-US"/>
           </a:p>
@@ -2389,7 +2391,7 @@
           <a:p>
             <a:fld id="{237FF733-248C-4CF7-A090-89CF012E357B}" type="datetimeFigureOut">
               <a:rPr lang="zh-TW" altLang="en-US" smtClean="0"/>
-              <a:t>2017/5/17</a:t>
+              <a:t>2017/6/5</a:t>
             </a:fld>
             <a:endParaRPr lang="zh-TW" altLang="en-US"/>
           </a:p>
@@ -2667,7 +2669,7 @@
           <a:p>
             <a:fld id="{237FF733-248C-4CF7-A090-89CF012E357B}" type="datetimeFigureOut">
               <a:rPr lang="zh-TW" altLang="en-US" smtClean="0"/>
-              <a:t>2017/5/17</a:t>
+              <a:t>2017/6/5</a:t>
             </a:fld>
             <a:endParaRPr lang="zh-TW" altLang="en-US"/>
           </a:p>
@@ -2925,7 +2927,7 @@
           <a:p>
             <a:fld id="{237FF733-248C-4CF7-A090-89CF012E357B}" type="datetimeFigureOut">
               <a:rPr lang="zh-TW" altLang="en-US" smtClean="0"/>
-              <a:t>2017/5/17</a:t>
+              <a:t>2017/6/5</a:t>
             </a:fld>
             <a:endParaRPr lang="zh-TW" altLang="en-US"/>
           </a:p>
@@ -3139,7 +3141,7 @@
           <a:p>
             <a:fld id="{237FF733-248C-4CF7-A090-89CF012E357B}" type="datetimeFigureOut">
               <a:rPr lang="zh-TW" altLang="en-US" smtClean="0"/>
-              <a:t>2017/5/17</a:t>
+              <a:t>2017/6/5</a:t>
             </a:fld>
             <a:endParaRPr lang="zh-TW" altLang="en-US"/>
           </a:p>
@@ -14410,6 +14412,3105 @@
 </p:sld>
 </file>
 
+<file path=ppt/slides/slide8.xml><?xml version="1.0" encoding="utf-8"?>
+<p:sld xmlns:a="http://schemas.openxmlformats.org/drawingml/2006/main" xmlns:r="http://schemas.openxmlformats.org/officeDocument/2006/relationships" xmlns:p="http://schemas.openxmlformats.org/presentationml/2006/main">
+  <p:cSld>
+    <p:spTree>
+      <p:nvGrpSpPr>
+        <p:cNvPr id="1" name=""/>
+        <p:cNvGrpSpPr/>
+        <p:nvPr/>
+      </p:nvGrpSpPr>
+      <p:grpSpPr>
+        <a:xfrm>
+          <a:off x="0" y="0"/>
+          <a:ext cx="0" cy="0"/>
+          <a:chOff x="0" y="0"/>
+          <a:chExt cx="0" cy="0"/>
+        </a:xfrm>
+      </p:grpSpPr>
+      <p:sp>
+        <p:nvSpPr>
+          <p:cNvPr id="5" name="橢圓 4"/>
+          <p:cNvSpPr/>
+          <p:nvPr/>
+        </p:nvSpPr>
+        <p:spPr>
+          <a:xfrm>
+            <a:off x="4343400" y="2133600"/>
+            <a:ext cx="2611266" cy="2611266"/>
+          </a:xfrm>
+          <a:prstGeom prst="ellipse">
+            <a:avLst/>
+          </a:prstGeom>
+          <a:noFill/>
+          <a:ln w="76200">
+            <a:solidFill>
+              <a:srgbClr val="00B050"/>
+            </a:solidFill>
+          </a:ln>
+        </p:spPr>
+        <p:style>
+          <a:lnRef idx="2">
+            <a:schemeClr val="accent1">
+              <a:shade val="50000"/>
+            </a:schemeClr>
+          </a:lnRef>
+          <a:fillRef idx="1">
+            <a:schemeClr val="accent1"/>
+          </a:fillRef>
+          <a:effectRef idx="0">
+            <a:schemeClr val="accent1"/>
+          </a:effectRef>
+          <a:fontRef idx="minor">
+            <a:schemeClr val="lt1"/>
+          </a:fontRef>
+        </p:style>
+        <p:txBody>
+          <a:bodyPr rtlCol="0" anchor="ctr"/>
+          <a:lstStyle/>
+          <a:p>
+            <a:pPr algn="ctr"/>
+            <a:endParaRPr lang="zh-TW" altLang="en-US"/>
+          </a:p>
+        </p:txBody>
+      </p:sp>
+      <p:sp>
+        <p:nvSpPr>
+          <p:cNvPr id="6" name="橢圓 5"/>
+          <p:cNvSpPr/>
+          <p:nvPr/>
+        </p:nvSpPr>
+        <p:spPr>
+          <a:xfrm>
+            <a:off x="2438400" y="233901"/>
+            <a:ext cx="6421266" cy="6421266"/>
+          </a:xfrm>
+          <a:prstGeom prst="ellipse">
+            <a:avLst/>
+          </a:prstGeom>
+          <a:noFill/>
+          <a:ln w="76200">
+            <a:solidFill>
+              <a:srgbClr val="FF0000"/>
+            </a:solidFill>
+          </a:ln>
+        </p:spPr>
+        <p:style>
+          <a:lnRef idx="2">
+            <a:schemeClr val="accent1">
+              <a:shade val="50000"/>
+            </a:schemeClr>
+          </a:lnRef>
+          <a:fillRef idx="1">
+            <a:schemeClr val="accent1"/>
+          </a:fillRef>
+          <a:effectRef idx="0">
+            <a:schemeClr val="accent1"/>
+          </a:effectRef>
+          <a:fontRef idx="minor">
+            <a:schemeClr val="lt1"/>
+          </a:fontRef>
+        </p:style>
+        <p:txBody>
+          <a:bodyPr rtlCol="0" anchor="ctr"/>
+          <a:lstStyle/>
+          <a:p>
+            <a:pPr algn="ctr"/>
+            <a:endParaRPr lang="zh-TW" altLang="en-US"/>
+          </a:p>
+        </p:txBody>
+      </p:sp>
+      <p:sp>
+        <p:nvSpPr>
+          <p:cNvPr id="8" name="橢圓 7"/>
+          <p:cNvSpPr/>
+          <p:nvPr/>
+        </p:nvSpPr>
+        <p:spPr>
+          <a:xfrm>
+            <a:off x="3429000" y="1219200"/>
+            <a:ext cx="4440066" cy="4440066"/>
+          </a:xfrm>
+          <a:prstGeom prst="ellipse">
+            <a:avLst/>
+          </a:prstGeom>
+          <a:noFill/>
+          <a:ln w="76200">
+            <a:solidFill>
+              <a:srgbClr val="0070C0"/>
+            </a:solidFill>
+          </a:ln>
+        </p:spPr>
+        <p:style>
+          <a:lnRef idx="2">
+            <a:schemeClr val="accent1">
+              <a:shade val="50000"/>
+            </a:schemeClr>
+          </a:lnRef>
+          <a:fillRef idx="1">
+            <a:schemeClr val="accent1"/>
+          </a:fillRef>
+          <a:effectRef idx="0">
+            <a:schemeClr val="accent1"/>
+          </a:effectRef>
+          <a:fontRef idx="minor">
+            <a:schemeClr val="lt1"/>
+          </a:fontRef>
+        </p:style>
+        <p:txBody>
+          <a:bodyPr rtlCol="0" anchor="ctr"/>
+          <a:lstStyle/>
+          <a:p>
+            <a:pPr algn="ctr"/>
+            <a:endParaRPr lang="zh-TW" altLang="en-US"/>
+          </a:p>
+        </p:txBody>
+      </p:sp>
+      <p:sp>
+        <p:nvSpPr>
+          <p:cNvPr id="9" name="文字方塊 8"/>
+          <p:cNvSpPr txBox="1"/>
+          <p:nvPr/>
+        </p:nvSpPr>
+        <p:spPr>
+          <a:xfrm>
+            <a:off x="4734633" y="233901"/>
+            <a:ext cx="1828799" cy="461665"/>
+          </a:xfrm>
+          <a:prstGeom prst="rect">
+            <a:avLst/>
+          </a:prstGeom>
+          <a:noFill/>
+        </p:spPr>
+        <p:txBody>
+          <a:bodyPr wrap="square" rtlCol="0">
+            <a:spAutoFit/>
+          </a:bodyPr>
+          <a:lstStyle/>
+          <a:p>
+            <a:pPr algn="ctr"/>
+            <a:r>
+              <a:rPr lang="en-US" altLang="zh-TW" sz="2400" b="1" dirty="0"/>
+              <a:t>Concern</a:t>
+            </a:r>
+            <a:endParaRPr lang="zh-TW" altLang="en-US" sz="2400" b="1" dirty="0"/>
+          </a:p>
+        </p:txBody>
+      </p:sp>
+      <p:sp>
+        <p:nvSpPr>
+          <p:cNvPr id="10" name="文字方塊 9"/>
+          <p:cNvSpPr txBox="1"/>
+          <p:nvPr/>
+        </p:nvSpPr>
+        <p:spPr>
+          <a:xfrm>
+            <a:off x="4736621" y="1214735"/>
+            <a:ext cx="1828799" cy="461665"/>
+          </a:xfrm>
+          <a:prstGeom prst="rect">
+            <a:avLst/>
+          </a:prstGeom>
+          <a:noFill/>
+        </p:spPr>
+        <p:txBody>
+          <a:bodyPr wrap="square" rtlCol="0">
+            <a:spAutoFit/>
+          </a:bodyPr>
+          <a:lstStyle/>
+          <a:p>
+            <a:pPr algn="ctr"/>
+            <a:r>
+              <a:rPr lang="en-US" altLang="zh-TW" sz="2400" b="1" dirty="0"/>
+              <a:t>Influence</a:t>
+            </a:r>
+            <a:endParaRPr lang="zh-TW" altLang="en-US" sz="2400" b="1" dirty="0"/>
+          </a:p>
+        </p:txBody>
+      </p:sp>
+      <p:sp>
+        <p:nvSpPr>
+          <p:cNvPr id="11" name="文字方塊 10"/>
+          <p:cNvSpPr txBox="1"/>
+          <p:nvPr/>
+        </p:nvSpPr>
+        <p:spPr>
+          <a:xfrm>
+            <a:off x="4734633" y="2133600"/>
+            <a:ext cx="1828799" cy="461665"/>
+          </a:xfrm>
+          <a:prstGeom prst="rect">
+            <a:avLst/>
+          </a:prstGeom>
+          <a:noFill/>
+        </p:spPr>
+        <p:txBody>
+          <a:bodyPr wrap="square" rtlCol="0">
+            <a:spAutoFit/>
+          </a:bodyPr>
+          <a:lstStyle/>
+          <a:p>
+            <a:pPr algn="ctr"/>
+            <a:r>
+              <a:rPr lang="en-US" altLang="zh-TW" sz="2400" b="1" dirty="0"/>
+              <a:t>Control</a:t>
+            </a:r>
+            <a:endParaRPr lang="zh-TW" altLang="en-US" sz="2400" b="1" dirty="0"/>
+          </a:p>
+        </p:txBody>
+      </p:sp>
+      <p:pic>
+        <p:nvPicPr>
+          <p:cNvPr id="12" name="Picture 2" descr="note, post it, postit icon"/>
+          <p:cNvPicPr>
+            <a:picLocks noChangeAspect="1" noChangeArrowheads="1"/>
+          </p:cNvPicPr>
+          <p:nvPr/>
+        </p:nvPicPr>
+        <p:blipFill>
+          <a:blip r:embed="rId2">
+            <a:extLst>
+              <a:ext uri="{28A0092B-C50C-407E-A947-70E740481C1C}">
+                <a14:useLocalDpi xmlns:a14="http://schemas.microsoft.com/office/drawing/2010/main" val="0"/>
+              </a:ext>
+            </a:extLst>
+          </a:blip>
+          <a:srcRect/>
+          <a:stretch>
+            <a:fillRect/>
+          </a:stretch>
+        </p:blipFill>
+        <p:spPr bwMode="auto">
+          <a:xfrm>
+            <a:off x="2514600" y="3465315"/>
+            <a:ext cx="556009" cy="556010"/>
+          </a:xfrm>
+          <a:prstGeom prst="rect">
+            <a:avLst/>
+          </a:prstGeom>
+          <a:noFill/>
+          <a:extLst>
+            <a:ext uri="{909E8E84-426E-40DD-AFC4-6F175D3DCCD1}">
+              <a14:hiddenFill xmlns:a14="http://schemas.microsoft.com/office/drawing/2010/main">
+                <a:solidFill>
+                  <a:srgbClr val="FFFFFF"/>
+                </a:solidFill>
+              </a14:hiddenFill>
+            </a:ext>
+          </a:extLst>
+        </p:spPr>
+      </p:pic>
+      <p:pic>
+        <p:nvPicPr>
+          <p:cNvPr id="13" name="Picture 2" descr="note, post it, postit icon"/>
+          <p:cNvPicPr>
+            <a:picLocks noChangeAspect="1" noChangeArrowheads="1"/>
+          </p:cNvPicPr>
+          <p:nvPr/>
+        </p:nvPicPr>
+        <p:blipFill>
+          <a:blip r:embed="rId2">
+            <a:extLst>
+              <a:ext uri="{28A0092B-C50C-407E-A947-70E740481C1C}">
+                <a14:useLocalDpi xmlns:a14="http://schemas.microsoft.com/office/drawing/2010/main" val="0"/>
+              </a:ext>
+            </a:extLst>
+          </a:blip>
+          <a:srcRect/>
+          <a:stretch>
+            <a:fillRect/>
+          </a:stretch>
+        </p:blipFill>
+        <p:spPr bwMode="auto">
+          <a:xfrm>
+            <a:off x="7193713" y="831849"/>
+            <a:ext cx="556009" cy="556010"/>
+          </a:xfrm>
+          <a:prstGeom prst="rect">
+            <a:avLst/>
+          </a:prstGeom>
+          <a:noFill/>
+          <a:extLst>
+            <a:ext uri="{909E8E84-426E-40DD-AFC4-6F175D3DCCD1}">
+              <a14:hiddenFill xmlns:a14="http://schemas.microsoft.com/office/drawing/2010/main">
+                <a:solidFill>
+                  <a:srgbClr val="FFFFFF"/>
+                </a:solidFill>
+              </a14:hiddenFill>
+            </a:ext>
+          </a:extLst>
+        </p:spPr>
+      </p:pic>
+      <p:pic>
+        <p:nvPicPr>
+          <p:cNvPr id="14" name="Picture 2" descr="note, post it, postit icon"/>
+          <p:cNvPicPr>
+            <a:picLocks noChangeAspect="1" noChangeArrowheads="1"/>
+          </p:cNvPicPr>
+          <p:nvPr/>
+        </p:nvPicPr>
+        <p:blipFill>
+          <a:blip r:embed="rId2">
+            <a:extLst>
+              <a:ext uri="{28A0092B-C50C-407E-A947-70E740481C1C}">
+                <a14:useLocalDpi xmlns:a14="http://schemas.microsoft.com/office/drawing/2010/main" val="0"/>
+              </a:ext>
+            </a:extLst>
+          </a:blip>
+          <a:srcRect/>
+          <a:stretch>
+            <a:fillRect/>
+          </a:stretch>
+        </p:blipFill>
+        <p:spPr bwMode="auto">
+          <a:xfrm>
+            <a:off x="6796364" y="1235906"/>
+            <a:ext cx="556009" cy="556010"/>
+          </a:xfrm>
+          <a:prstGeom prst="rect">
+            <a:avLst/>
+          </a:prstGeom>
+          <a:noFill/>
+          <a:extLst>
+            <a:ext uri="{909E8E84-426E-40DD-AFC4-6F175D3DCCD1}">
+              <a14:hiddenFill xmlns:a14="http://schemas.microsoft.com/office/drawing/2010/main">
+                <a:solidFill>
+                  <a:srgbClr val="FFFFFF"/>
+                </a:solidFill>
+              </a14:hiddenFill>
+            </a:ext>
+          </a:extLst>
+        </p:spPr>
+      </p:pic>
+      <p:pic>
+        <p:nvPicPr>
+          <p:cNvPr id="15" name="Picture 2" descr="note, post it, postit icon"/>
+          <p:cNvPicPr>
+            <a:picLocks noChangeAspect="1" noChangeArrowheads="1"/>
+          </p:cNvPicPr>
+          <p:nvPr/>
+        </p:nvPicPr>
+        <p:blipFill>
+          <a:blip r:embed="rId2">
+            <a:extLst>
+              <a:ext uri="{28A0092B-C50C-407E-A947-70E740481C1C}">
+                <a14:useLocalDpi xmlns:a14="http://schemas.microsoft.com/office/drawing/2010/main" val="0"/>
+              </a:ext>
+            </a:extLst>
+          </a:blip>
+          <a:srcRect/>
+          <a:stretch>
+            <a:fillRect/>
+          </a:stretch>
+        </p:blipFill>
+        <p:spPr bwMode="auto">
+          <a:xfrm>
+            <a:off x="6636402" y="922004"/>
+            <a:ext cx="556009" cy="556010"/>
+          </a:xfrm>
+          <a:prstGeom prst="rect">
+            <a:avLst/>
+          </a:prstGeom>
+          <a:noFill/>
+          <a:extLst>
+            <a:ext uri="{909E8E84-426E-40DD-AFC4-6F175D3DCCD1}">
+              <a14:hiddenFill xmlns:a14="http://schemas.microsoft.com/office/drawing/2010/main">
+                <a:solidFill>
+                  <a:srgbClr val="FFFFFF"/>
+                </a:solidFill>
+              </a14:hiddenFill>
+            </a:ext>
+          </a:extLst>
+        </p:spPr>
+      </p:pic>
+      <p:pic>
+        <p:nvPicPr>
+          <p:cNvPr id="16" name="Picture 2" descr="note, post it, postit icon"/>
+          <p:cNvPicPr>
+            <a:picLocks noChangeAspect="1" noChangeArrowheads="1"/>
+          </p:cNvPicPr>
+          <p:nvPr/>
+        </p:nvPicPr>
+        <p:blipFill>
+          <a:blip r:embed="rId2">
+            <a:extLst>
+              <a:ext uri="{28A0092B-C50C-407E-A947-70E740481C1C}">
+                <a14:useLocalDpi xmlns:a14="http://schemas.microsoft.com/office/drawing/2010/main" val="0"/>
+              </a:ext>
+            </a:extLst>
+          </a:blip>
+          <a:srcRect/>
+          <a:stretch>
+            <a:fillRect/>
+          </a:stretch>
+        </p:blipFill>
+        <p:spPr bwMode="auto">
+          <a:xfrm>
+            <a:off x="7239261" y="1526093"/>
+            <a:ext cx="556009" cy="556010"/>
+          </a:xfrm>
+          <a:prstGeom prst="rect">
+            <a:avLst/>
+          </a:prstGeom>
+          <a:noFill/>
+          <a:extLst>
+            <a:ext uri="{909E8E84-426E-40DD-AFC4-6F175D3DCCD1}">
+              <a14:hiddenFill xmlns:a14="http://schemas.microsoft.com/office/drawing/2010/main">
+                <a:solidFill>
+                  <a:srgbClr val="FFFFFF"/>
+                </a:solidFill>
+              </a14:hiddenFill>
+            </a:ext>
+          </a:extLst>
+        </p:spPr>
+      </p:pic>
+      <p:pic>
+        <p:nvPicPr>
+          <p:cNvPr id="29" name="Picture 2" descr="note, post it, postit icon"/>
+          <p:cNvPicPr>
+            <a:picLocks noChangeAspect="1" noChangeArrowheads="1"/>
+          </p:cNvPicPr>
+          <p:nvPr/>
+        </p:nvPicPr>
+        <p:blipFill>
+          <a:blip r:embed="rId2">
+            <a:extLst>
+              <a:ext uri="{28A0092B-C50C-407E-A947-70E740481C1C}">
+                <a14:useLocalDpi xmlns:a14="http://schemas.microsoft.com/office/drawing/2010/main" val="0"/>
+              </a:ext>
+            </a:extLst>
+          </a:blip>
+          <a:srcRect/>
+          <a:stretch>
+            <a:fillRect/>
+          </a:stretch>
+        </p:blipFill>
+        <p:spPr bwMode="auto">
+          <a:xfrm>
+            <a:off x="2521152" y="2896584"/>
+            <a:ext cx="556009" cy="556010"/>
+          </a:xfrm>
+          <a:prstGeom prst="rect">
+            <a:avLst/>
+          </a:prstGeom>
+          <a:noFill/>
+          <a:extLst>
+            <a:ext uri="{909E8E84-426E-40DD-AFC4-6F175D3DCCD1}">
+              <a14:hiddenFill xmlns:a14="http://schemas.microsoft.com/office/drawing/2010/main">
+                <a:solidFill>
+                  <a:srgbClr val="FFFFFF"/>
+                </a:solidFill>
+              </a14:hiddenFill>
+            </a:ext>
+          </a:extLst>
+        </p:spPr>
+      </p:pic>
+      <p:pic>
+        <p:nvPicPr>
+          <p:cNvPr id="30" name="Picture 2" descr="note, post it, postit icon"/>
+          <p:cNvPicPr>
+            <a:picLocks noChangeAspect="1" noChangeArrowheads="1"/>
+          </p:cNvPicPr>
+          <p:nvPr/>
+        </p:nvPicPr>
+        <p:blipFill>
+          <a:blip r:embed="rId2">
+            <a:extLst>
+              <a:ext uri="{28A0092B-C50C-407E-A947-70E740481C1C}">
+                <a14:useLocalDpi xmlns:a14="http://schemas.microsoft.com/office/drawing/2010/main" val="0"/>
+              </a:ext>
+            </a:extLst>
+          </a:blip>
+          <a:srcRect/>
+          <a:stretch>
+            <a:fillRect/>
+          </a:stretch>
+        </p:blipFill>
+        <p:spPr bwMode="auto">
+          <a:xfrm>
+            <a:off x="7417861" y="1154932"/>
+            <a:ext cx="556009" cy="556010"/>
+          </a:xfrm>
+          <a:prstGeom prst="rect">
+            <a:avLst/>
+          </a:prstGeom>
+          <a:noFill/>
+          <a:extLst>
+            <a:ext uri="{909E8E84-426E-40DD-AFC4-6F175D3DCCD1}">
+              <a14:hiddenFill xmlns:a14="http://schemas.microsoft.com/office/drawing/2010/main">
+                <a:solidFill>
+                  <a:srgbClr val="FFFFFF"/>
+                </a:solidFill>
+              </a14:hiddenFill>
+            </a:ext>
+          </a:extLst>
+        </p:spPr>
+      </p:pic>
+      <p:pic>
+        <p:nvPicPr>
+          <p:cNvPr id="31" name="Picture 2" descr="note, post it, postit icon"/>
+          <p:cNvPicPr>
+            <a:picLocks noChangeAspect="1" noChangeArrowheads="1"/>
+          </p:cNvPicPr>
+          <p:nvPr/>
+        </p:nvPicPr>
+        <p:blipFill>
+          <a:blip r:embed="rId2">
+            <a:extLst>
+              <a:ext uri="{28A0092B-C50C-407E-A947-70E740481C1C}">
+                <a14:useLocalDpi xmlns:a14="http://schemas.microsoft.com/office/drawing/2010/main" val="0"/>
+              </a:ext>
+            </a:extLst>
+          </a:blip>
+          <a:srcRect/>
+          <a:stretch>
+            <a:fillRect/>
+          </a:stretch>
+        </p:blipFill>
+        <p:spPr bwMode="auto">
+          <a:xfrm>
+            <a:off x="6869035" y="2480599"/>
+            <a:ext cx="556009" cy="556010"/>
+          </a:xfrm>
+          <a:prstGeom prst="rect">
+            <a:avLst/>
+          </a:prstGeom>
+          <a:noFill/>
+          <a:extLst>
+            <a:ext uri="{909E8E84-426E-40DD-AFC4-6F175D3DCCD1}">
+              <a14:hiddenFill xmlns:a14="http://schemas.microsoft.com/office/drawing/2010/main">
+                <a:solidFill>
+                  <a:srgbClr val="FFFFFF"/>
+                </a:solidFill>
+              </a14:hiddenFill>
+            </a:ext>
+          </a:extLst>
+        </p:spPr>
+      </p:pic>
+      <p:pic>
+        <p:nvPicPr>
+          <p:cNvPr id="32" name="Picture 2" descr="note, post it, postit icon"/>
+          <p:cNvPicPr>
+            <a:picLocks noChangeAspect="1" noChangeArrowheads="1"/>
+          </p:cNvPicPr>
+          <p:nvPr/>
+        </p:nvPicPr>
+        <p:blipFill>
+          <a:blip r:embed="rId2">
+            <a:extLst>
+              <a:ext uri="{28A0092B-C50C-407E-A947-70E740481C1C}">
+                <a14:useLocalDpi xmlns:a14="http://schemas.microsoft.com/office/drawing/2010/main" val="0"/>
+              </a:ext>
+            </a:extLst>
+          </a:blip>
+          <a:srcRect/>
+          <a:stretch>
+            <a:fillRect/>
+          </a:stretch>
+        </p:blipFill>
+        <p:spPr bwMode="auto">
+          <a:xfrm>
+            <a:off x="7106032" y="2971800"/>
+            <a:ext cx="556009" cy="556010"/>
+          </a:xfrm>
+          <a:prstGeom prst="rect">
+            <a:avLst/>
+          </a:prstGeom>
+          <a:noFill/>
+          <a:extLst>
+            <a:ext uri="{909E8E84-426E-40DD-AFC4-6F175D3DCCD1}">
+              <a14:hiddenFill xmlns:a14="http://schemas.microsoft.com/office/drawing/2010/main">
+                <a:solidFill>
+                  <a:srgbClr val="FFFFFF"/>
+                </a:solidFill>
+              </a14:hiddenFill>
+            </a:ext>
+          </a:extLst>
+        </p:spPr>
+      </p:pic>
+      <p:pic>
+        <p:nvPicPr>
+          <p:cNvPr id="33" name="Picture 2" descr="note, post it, postit icon"/>
+          <p:cNvPicPr>
+            <a:picLocks noChangeAspect="1" noChangeArrowheads="1"/>
+          </p:cNvPicPr>
+          <p:nvPr/>
+        </p:nvPicPr>
+        <p:blipFill>
+          <a:blip r:embed="rId2">
+            <a:extLst>
+              <a:ext uri="{28A0092B-C50C-407E-A947-70E740481C1C}">
+                <a14:useLocalDpi xmlns:a14="http://schemas.microsoft.com/office/drawing/2010/main" val="0"/>
+              </a:ext>
+            </a:extLst>
+          </a:blip>
+          <a:srcRect/>
+          <a:stretch>
+            <a:fillRect/>
+          </a:stretch>
+        </p:blipFill>
+        <p:spPr bwMode="auto">
+          <a:xfrm>
+            <a:off x="2804457" y="3218688"/>
+            <a:ext cx="556009" cy="556010"/>
+          </a:xfrm>
+          <a:prstGeom prst="rect">
+            <a:avLst/>
+          </a:prstGeom>
+          <a:noFill/>
+          <a:extLst>
+            <a:ext uri="{909E8E84-426E-40DD-AFC4-6F175D3DCCD1}">
+              <a14:hiddenFill xmlns:a14="http://schemas.microsoft.com/office/drawing/2010/main">
+                <a:solidFill>
+                  <a:srgbClr val="FFFFFF"/>
+                </a:solidFill>
+              </a14:hiddenFill>
+            </a:ext>
+          </a:extLst>
+        </p:spPr>
+      </p:pic>
+      <p:pic>
+        <p:nvPicPr>
+          <p:cNvPr id="34" name="Picture 2" descr="note, post it, postit icon"/>
+          <p:cNvPicPr>
+            <a:picLocks noChangeAspect="1" noChangeArrowheads="1"/>
+          </p:cNvPicPr>
+          <p:nvPr/>
+        </p:nvPicPr>
+        <p:blipFill>
+          <a:blip r:embed="rId2">
+            <a:extLst>
+              <a:ext uri="{28A0092B-C50C-407E-A947-70E740481C1C}">
+                <a14:useLocalDpi xmlns:a14="http://schemas.microsoft.com/office/drawing/2010/main" val="0"/>
+              </a:ext>
+            </a:extLst>
+          </a:blip>
+          <a:srcRect/>
+          <a:stretch>
+            <a:fillRect/>
+          </a:stretch>
+        </p:blipFill>
+        <p:spPr bwMode="auto">
+          <a:xfrm>
+            <a:off x="4170507" y="4506957"/>
+            <a:ext cx="556009" cy="556010"/>
+          </a:xfrm>
+          <a:prstGeom prst="rect">
+            <a:avLst/>
+          </a:prstGeom>
+          <a:noFill/>
+          <a:extLst>
+            <a:ext uri="{909E8E84-426E-40DD-AFC4-6F175D3DCCD1}">
+              <a14:hiddenFill xmlns:a14="http://schemas.microsoft.com/office/drawing/2010/main">
+                <a:solidFill>
+                  <a:srgbClr val="FFFFFF"/>
+                </a:solidFill>
+              </a14:hiddenFill>
+            </a:ext>
+          </a:extLst>
+        </p:spPr>
+      </p:pic>
+      <p:pic>
+        <p:nvPicPr>
+          <p:cNvPr id="35" name="Picture 2" descr="note, post it, postit icon"/>
+          <p:cNvPicPr>
+            <a:picLocks noChangeAspect="1" noChangeArrowheads="1"/>
+          </p:cNvPicPr>
+          <p:nvPr/>
+        </p:nvPicPr>
+        <p:blipFill>
+          <a:blip r:embed="rId2">
+            <a:extLst>
+              <a:ext uri="{28A0092B-C50C-407E-A947-70E740481C1C}">
+                <a14:useLocalDpi xmlns:a14="http://schemas.microsoft.com/office/drawing/2010/main" val="0"/>
+              </a:ext>
+            </a:extLst>
+          </a:blip>
+          <a:srcRect/>
+          <a:stretch>
+            <a:fillRect/>
+          </a:stretch>
+        </p:blipFill>
+        <p:spPr bwMode="auto">
+          <a:xfrm>
+            <a:off x="7074368" y="3433748"/>
+            <a:ext cx="556009" cy="556010"/>
+          </a:xfrm>
+          <a:prstGeom prst="rect">
+            <a:avLst/>
+          </a:prstGeom>
+          <a:noFill/>
+          <a:extLst>
+            <a:ext uri="{909E8E84-426E-40DD-AFC4-6F175D3DCCD1}">
+              <a14:hiddenFill xmlns:a14="http://schemas.microsoft.com/office/drawing/2010/main">
+                <a:solidFill>
+                  <a:srgbClr val="FFFFFF"/>
+                </a:solidFill>
+              </a14:hiddenFill>
+            </a:ext>
+          </a:extLst>
+        </p:spPr>
+      </p:pic>
+      <p:pic>
+        <p:nvPicPr>
+          <p:cNvPr id="36" name="Picture 2" descr="note, post it, postit icon"/>
+          <p:cNvPicPr>
+            <a:picLocks noChangeAspect="1" noChangeArrowheads="1"/>
+          </p:cNvPicPr>
+          <p:nvPr/>
+        </p:nvPicPr>
+        <p:blipFill>
+          <a:blip r:embed="rId2">
+            <a:extLst>
+              <a:ext uri="{28A0092B-C50C-407E-A947-70E740481C1C}">
+                <a14:useLocalDpi xmlns:a14="http://schemas.microsoft.com/office/drawing/2010/main" val="0"/>
+              </a:ext>
+            </a:extLst>
+          </a:blip>
+          <a:srcRect/>
+          <a:stretch>
+            <a:fillRect/>
+          </a:stretch>
+        </p:blipFill>
+        <p:spPr bwMode="auto">
+          <a:xfrm>
+            <a:off x="3999429" y="2050420"/>
+            <a:ext cx="556009" cy="556010"/>
+          </a:xfrm>
+          <a:prstGeom prst="rect">
+            <a:avLst/>
+          </a:prstGeom>
+          <a:noFill/>
+          <a:extLst>
+            <a:ext uri="{909E8E84-426E-40DD-AFC4-6F175D3DCCD1}">
+              <a14:hiddenFill xmlns:a14="http://schemas.microsoft.com/office/drawing/2010/main">
+                <a:solidFill>
+                  <a:srgbClr val="FFFFFF"/>
+                </a:solidFill>
+              </a14:hiddenFill>
+            </a:ext>
+          </a:extLst>
+        </p:spPr>
+      </p:pic>
+      <p:pic>
+        <p:nvPicPr>
+          <p:cNvPr id="37" name="Picture 2" descr="note, post it, postit icon"/>
+          <p:cNvPicPr>
+            <a:picLocks noChangeAspect="1" noChangeArrowheads="1"/>
+          </p:cNvPicPr>
+          <p:nvPr/>
+        </p:nvPicPr>
+        <p:blipFill>
+          <a:blip r:embed="rId2">
+            <a:extLst>
+              <a:ext uri="{28A0092B-C50C-407E-A947-70E740481C1C}">
+                <a14:useLocalDpi xmlns:a14="http://schemas.microsoft.com/office/drawing/2010/main" val="0"/>
+              </a:ext>
+            </a:extLst>
+          </a:blip>
+          <a:srcRect/>
+          <a:stretch>
+            <a:fillRect/>
+          </a:stretch>
+        </p:blipFill>
+        <p:spPr bwMode="auto">
+          <a:xfrm>
+            <a:off x="3713556" y="2400460"/>
+            <a:ext cx="556009" cy="556010"/>
+          </a:xfrm>
+          <a:prstGeom prst="rect">
+            <a:avLst/>
+          </a:prstGeom>
+          <a:noFill/>
+          <a:extLst>
+            <a:ext uri="{909E8E84-426E-40DD-AFC4-6F175D3DCCD1}">
+              <a14:hiddenFill xmlns:a14="http://schemas.microsoft.com/office/drawing/2010/main">
+                <a:solidFill>
+                  <a:srgbClr val="FFFFFF"/>
+                </a:solidFill>
+              </a14:hiddenFill>
+            </a:ext>
+          </a:extLst>
+        </p:spPr>
+      </p:pic>
+      <p:pic>
+        <p:nvPicPr>
+          <p:cNvPr id="38" name="Picture 2" descr="note, post it, postit icon"/>
+          <p:cNvPicPr>
+            <a:picLocks noChangeAspect="1" noChangeArrowheads="1"/>
+          </p:cNvPicPr>
+          <p:nvPr/>
+        </p:nvPicPr>
+        <p:blipFill>
+          <a:blip r:embed="rId2">
+            <a:extLst>
+              <a:ext uri="{28A0092B-C50C-407E-A947-70E740481C1C}">
+                <a14:useLocalDpi xmlns:a14="http://schemas.microsoft.com/office/drawing/2010/main" val="0"/>
+              </a:ext>
+            </a:extLst>
+          </a:blip>
+          <a:srcRect/>
+          <a:stretch>
+            <a:fillRect/>
+          </a:stretch>
+        </p:blipFill>
+        <p:spPr bwMode="auto">
+          <a:xfrm>
+            <a:off x="4686274" y="2888025"/>
+            <a:ext cx="556009" cy="556010"/>
+          </a:xfrm>
+          <a:prstGeom prst="rect">
+            <a:avLst/>
+          </a:prstGeom>
+          <a:noFill/>
+          <a:extLst>
+            <a:ext uri="{909E8E84-426E-40DD-AFC4-6F175D3DCCD1}">
+              <a14:hiddenFill xmlns:a14="http://schemas.microsoft.com/office/drawing/2010/main">
+                <a:solidFill>
+                  <a:srgbClr val="FFFFFF"/>
+                </a:solidFill>
+              </a14:hiddenFill>
+            </a:ext>
+          </a:extLst>
+        </p:spPr>
+      </p:pic>
+      <p:pic>
+        <p:nvPicPr>
+          <p:cNvPr id="39" name="Picture 2" descr="note, post it, postit icon"/>
+          <p:cNvPicPr>
+            <a:picLocks noChangeAspect="1" noChangeArrowheads="1"/>
+          </p:cNvPicPr>
+          <p:nvPr/>
+        </p:nvPicPr>
+        <p:blipFill>
+          <a:blip r:embed="rId2">
+            <a:extLst>
+              <a:ext uri="{28A0092B-C50C-407E-A947-70E740481C1C}">
+                <a14:useLocalDpi xmlns:a14="http://schemas.microsoft.com/office/drawing/2010/main" val="0"/>
+              </a:ext>
+            </a:extLst>
+          </a:blip>
+          <a:srcRect/>
+          <a:stretch>
+            <a:fillRect/>
+          </a:stretch>
+        </p:blipFill>
+        <p:spPr bwMode="auto">
+          <a:xfrm>
+            <a:off x="5693055" y="2486737"/>
+            <a:ext cx="556009" cy="556010"/>
+          </a:xfrm>
+          <a:prstGeom prst="rect">
+            <a:avLst/>
+          </a:prstGeom>
+          <a:noFill/>
+          <a:extLst>
+            <a:ext uri="{909E8E84-426E-40DD-AFC4-6F175D3DCCD1}">
+              <a14:hiddenFill xmlns:a14="http://schemas.microsoft.com/office/drawing/2010/main">
+                <a:solidFill>
+                  <a:srgbClr val="FFFFFF"/>
+                </a:solidFill>
+              </a14:hiddenFill>
+            </a:ext>
+          </a:extLst>
+        </p:spPr>
+      </p:pic>
+      <p:pic>
+        <p:nvPicPr>
+          <p:cNvPr id="40" name="Picture 2" descr="note, post it, postit icon"/>
+          <p:cNvPicPr>
+            <a:picLocks noChangeAspect="1" noChangeArrowheads="1"/>
+          </p:cNvPicPr>
+          <p:nvPr/>
+        </p:nvPicPr>
+        <p:blipFill>
+          <a:blip r:embed="rId2">
+            <a:extLst>
+              <a:ext uri="{28A0092B-C50C-407E-A947-70E740481C1C}">
+                <a14:useLocalDpi xmlns:a14="http://schemas.microsoft.com/office/drawing/2010/main" val="0"/>
+              </a:ext>
+            </a:extLst>
+          </a:blip>
+          <a:srcRect/>
+          <a:stretch>
+            <a:fillRect/>
+          </a:stretch>
+        </p:blipFill>
+        <p:spPr bwMode="auto">
+          <a:xfrm>
+            <a:off x="5847160" y="3574040"/>
+            <a:ext cx="556009" cy="556010"/>
+          </a:xfrm>
+          <a:prstGeom prst="rect">
+            <a:avLst/>
+          </a:prstGeom>
+          <a:noFill/>
+          <a:extLst>
+            <a:ext uri="{909E8E84-426E-40DD-AFC4-6F175D3DCCD1}">
+              <a14:hiddenFill xmlns:a14="http://schemas.microsoft.com/office/drawing/2010/main">
+                <a:solidFill>
+                  <a:srgbClr val="FFFFFF"/>
+                </a:solidFill>
+              </a14:hiddenFill>
+            </a:ext>
+          </a:extLst>
+        </p:spPr>
+      </p:pic>
+      <p:pic>
+        <p:nvPicPr>
+          <p:cNvPr id="41" name="Picture 2" descr="note, post it, postit icon"/>
+          <p:cNvPicPr>
+            <a:picLocks noChangeAspect="1" noChangeArrowheads="1"/>
+          </p:cNvPicPr>
+          <p:nvPr/>
+        </p:nvPicPr>
+        <p:blipFill>
+          <a:blip r:embed="rId2">
+            <a:extLst>
+              <a:ext uri="{28A0092B-C50C-407E-A947-70E740481C1C}">
+                <a14:useLocalDpi xmlns:a14="http://schemas.microsoft.com/office/drawing/2010/main" val="0"/>
+              </a:ext>
+            </a:extLst>
+          </a:blip>
+          <a:srcRect/>
+          <a:stretch>
+            <a:fillRect/>
+          </a:stretch>
+        </p:blipFill>
+        <p:spPr bwMode="auto">
+          <a:xfrm>
+            <a:off x="5779162" y="3988810"/>
+            <a:ext cx="556009" cy="556010"/>
+          </a:xfrm>
+          <a:prstGeom prst="rect">
+            <a:avLst/>
+          </a:prstGeom>
+          <a:noFill/>
+          <a:extLst>
+            <a:ext uri="{909E8E84-426E-40DD-AFC4-6F175D3DCCD1}">
+              <a14:hiddenFill xmlns:a14="http://schemas.microsoft.com/office/drawing/2010/main">
+                <a:solidFill>
+                  <a:srgbClr val="FFFFFF"/>
+                </a:solidFill>
+              </a14:hiddenFill>
+            </a:ext>
+          </a:extLst>
+        </p:spPr>
+      </p:pic>
+      <p:pic>
+        <p:nvPicPr>
+          <p:cNvPr id="42" name="Picture 2" descr="note, post it, postit icon"/>
+          <p:cNvPicPr>
+            <a:picLocks noChangeAspect="1" noChangeArrowheads="1"/>
+          </p:cNvPicPr>
+          <p:nvPr/>
+        </p:nvPicPr>
+        <p:blipFill>
+          <a:blip r:embed="rId2">
+            <a:extLst>
+              <a:ext uri="{28A0092B-C50C-407E-A947-70E740481C1C}">
+                <a14:useLocalDpi xmlns:a14="http://schemas.microsoft.com/office/drawing/2010/main" val="0"/>
+              </a:ext>
+            </a:extLst>
+          </a:blip>
+          <a:srcRect/>
+          <a:stretch>
+            <a:fillRect/>
+          </a:stretch>
+        </p:blipFill>
+        <p:spPr bwMode="auto">
+          <a:xfrm>
+            <a:off x="5376091" y="3490860"/>
+            <a:ext cx="556009" cy="556010"/>
+          </a:xfrm>
+          <a:prstGeom prst="rect">
+            <a:avLst/>
+          </a:prstGeom>
+          <a:noFill/>
+          <a:extLst>
+            <a:ext uri="{909E8E84-426E-40DD-AFC4-6F175D3DCCD1}">
+              <a14:hiddenFill xmlns:a14="http://schemas.microsoft.com/office/drawing/2010/main">
+                <a:solidFill>
+                  <a:srgbClr val="FFFFFF"/>
+                </a:solidFill>
+              </a14:hiddenFill>
+            </a:ext>
+          </a:extLst>
+        </p:spPr>
+      </p:pic>
+      <p:pic>
+        <p:nvPicPr>
+          <p:cNvPr id="43" name="Picture 2" descr="note, post it, postit icon"/>
+          <p:cNvPicPr>
+            <a:picLocks noChangeAspect="1" noChangeArrowheads="1"/>
+          </p:cNvPicPr>
+          <p:nvPr/>
+        </p:nvPicPr>
+        <p:blipFill>
+          <a:blip r:embed="rId2">
+            <a:extLst>
+              <a:ext uri="{28A0092B-C50C-407E-A947-70E740481C1C}">
+                <a14:useLocalDpi xmlns:a14="http://schemas.microsoft.com/office/drawing/2010/main" val="0"/>
+              </a:ext>
+            </a:extLst>
+          </a:blip>
+          <a:srcRect/>
+          <a:stretch>
+            <a:fillRect/>
+          </a:stretch>
+        </p:blipFill>
+        <p:spPr bwMode="auto">
+          <a:xfrm>
+            <a:off x="5203685" y="4034415"/>
+            <a:ext cx="556009" cy="556010"/>
+          </a:xfrm>
+          <a:prstGeom prst="rect">
+            <a:avLst/>
+          </a:prstGeom>
+          <a:noFill/>
+          <a:extLst>
+            <a:ext uri="{909E8E84-426E-40DD-AFC4-6F175D3DCCD1}">
+              <a14:hiddenFill xmlns:a14="http://schemas.microsoft.com/office/drawing/2010/main">
+                <a:solidFill>
+                  <a:srgbClr val="FFFFFF"/>
+                </a:solidFill>
+              </a14:hiddenFill>
+            </a:ext>
+          </a:extLst>
+        </p:spPr>
+      </p:pic>
+      <p:sp>
+        <p:nvSpPr>
+          <p:cNvPr id="44" name="橢圓 43"/>
+          <p:cNvSpPr/>
+          <p:nvPr/>
+        </p:nvSpPr>
+        <p:spPr>
+          <a:xfrm>
+            <a:off x="2276647" y="2662480"/>
+            <a:ext cx="1287006" cy="1452320"/>
+          </a:xfrm>
+          <a:prstGeom prst="ellipse">
+            <a:avLst/>
+          </a:prstGeom>
+          <a:noFill/>
+          <a:ln w="38100">
+            <a:solidFill>
+              <a:srgbClr val="FF0000"/>
+            </a:solidFill>
+          </a:ln>
+        </p:spPr>
+        <p:style>
+          <a:lnRef idx="2">
+            <a:schemeClr val="accent1">
+              <a:shade val="50000"/>
+            </a:schemeClr>
+          </a:lnRef>
+          <a:fillRef idx="1">
+            <a:schemeClr val="accent1"/>
+          </a:fillRef>
+          <a:effectRef idx="0">
+            <a:schemeClr val="accent1"/>
+          </a:effectRef>
+          <a:fontRef idx="minor">
+            <a:schemeClr val="lt1"/>
+          </a:fontRef>
+        </p:style>
+        <p:txBody>
+          <a:bodyPr rtlCol="0" anchor="ctr"/>
+          <a:lstStyle/>
+          <a:p>
+            <a:pPr algn="ctr"/>
+            <a:endParaRPr lang="zh-TW" altLang="en-US"/>
+          </a:p>
+        </p:txBody>
+      </p:sp>
+      <p:sp>
+        <p:nvSpPr>
+          <p:cNvPr id="45" name="橢圓 44"/>
+          <p:cNvSpPr/>
+          <p:nvPr/>
+        </p:nvSpPr>
+        <p:spPr>
+          <a:xfrm>
+            <a:off x="6559523" y="609529"/>
+            <a:ext cx="1520739" cy="1472574"/>
+          </a:xfrm>
+          <a:prstGeom prst="ellipse">
+            <a:avLst/>
+          </a:prstGeom>
+          <a:noFill/>
+          <a:ln w="38100">
+            <a:solidFill>
+              <a:srgbClr val="FF0000"/>
+            </a:solidFill>
+          </a:ln>
+        </p:spPr>
+        <p:style>
+          <a:lnRef idx="2">
+            <a:schemeClr val="accent1">
+              <a:shade val="50000"/>
+            </a:schemeClr>
+          </a:lnRef>
+          <a:fillRef idx="1">
+            <a:schemeClr val="accent1"/>
+          </a:fillRef>
+          <a:effectRef idx="0">
+            <a:schemeClr val="accent1"/>
+          </a:effectRef>
+          <a:fontRef idx="minor">
+            <a:schemeClr val="lt1"/>
+          </a:fontRef>
+        </p:style>
+        <p:txBody>
+          <a:bodyPr rtlCol="0" anchor="ctr"/>
+          <a:lstStyle/>
+          <a:p>
+            <a:pPr algn="ctr"/>
+            <a:endParaRPr lang="zh-TW" altLang="en-US"/>
+          </a:p>
+        </p:txBody>
+      </p:sp>
+      <p:sp>
+        <p:nvSpPr>
+          <p:cNvPr id="46" name="橢圓 45"/>
+          <p:cNvSpPr/>
+          <p:nvPr/>
+        </p:nvSpPr>
+        <p:spPr>
+          <a:xfrm>
+            <a:off x="3632186" y="1904999"/>
+            <a:ext cx="1070269" cy="1076807"/>
+          </a:xfrm>
+          <a:prstGeom prst="ellipse">
+            <a:avLst/>
+          </a:prstGeom>
+          <a:noFill/>
+          <a:ln w="38100">
+            <a:solidFill>
+              <a:srgbClr val="FF0000"/>
+            </a:solidFill>
+          </a:ln>
+        </p:spPr>
+        <p:style>
+          <a:lnRef idx="2">
+            <a:schemeClr val="accent1">
+              <a:shade val="50000"/>
+            </a:schemeClr>
+          </a:lnRef>
+          <a:fillRef idx="1">
+            <a:schemeClr val="accent1"/>
+          </a:fillRef>
+          <a:effectRef idx="0">
+            <a:schemeClr val="accent1"/>
+          </a:effectRef>
+          <a:fontRef idx="minor">
+            <a:schemeClr val="lt1"/>
+          </a:fontRef>
+        </p:style>
+        <p:txBody>
+          <a:bodyPr rtlCol="0" anchor="ctr"/>
+          <a:lstStyle/>
+          <a:p>
+            <a:pPr algn="ctr"/>
+            <a:endParaRPr lang="zh-TW" altLang="en-US"/>
+          </a:p>
+        </p:txBody>
+      </p:sp>
+      <p:sp>
+        <p:nvSpPr>
+          <p:cNvPr id="47" name="橢圓 46"/>
+          <p:cNvSpPr/>
+          <p:nvPr/>
+        </p:nvSpPr>
+        <p:spPr>
+          <a:xfrm>
+            <a:off x="4091987" y="4411570"/>
+            <a:ext cx="713048" cy="695957"/>
+          </a:xfrm>
+          <a:prstGeom prst="ellipse">
+            <a:avLst/>
+          </a:prstGeom>
+          <a:noFill/>
+          <a:ln w="38100">
+            <a:solidFill>
+              <a:srgbClr val="FF0000"/>
+            </a:solidFill>
+          </a:ln>
+        </p:spPr>
+        <p:style>
+          <a:lnRef idx="2">
+            <a:schemeClr val="accent1">
+              <a:shade val="50000"/>
+            </a:schemeClr>
+          </a:lnRef>
+          <a:fillRef idx="1">
+            <a:schemeClr val="accent1"/>
+          </a:fillRef>
+          <a:effectRef idx="0">
+            <a:schemeClr val="accent1"/>
+          </a:effectRef>
+          <a:fontRef idx="minor">
+            <a:schemeClr val="lt1"/>
+          </a:fontRef>
+        </p:style>
+        <p:txBody>
+          <a:bodyPr rtlCol="0" anchor="ctr"/>
+          <a:lstStyle/>
+          <a:p>
+            <a:pPr algn="ctr"/>
+            <a:endParaRPr lang="zh-TW" altLang="en-US"/>
+          </a:p>
+        </p:txBody>
+      </p:sp>
+      <p:sp>
+        <p:nvSpPr>
+          <p:cNvPr id="48" name="橢圓 47"/>
+          <p:cNvSpPr/>
+          <p:nvPr/>
+        </p:nvSpPr>
+        <p:spPr>
+          <a:xfrm>
+            <a:off x="6781824" y="2285849"/>
+            <a:ext cx="1012773" cy="1735476"/>
+          </a:xfrm>
+          <a:prstGeom prst="ellipse">
+            <a:avLst/>
+          </a:prstGeom>
+          <a:noFill/>
+          <a:ln w="38100">
+            <a:solidFill>
+              <a:srgbClr val="FF0000"/>
+            </a:solidFill>
+          </a:ln>
+        </p:spPr>
+        <p:style>
+          <a:lnRef idx="2">
+            <a:schemeClr val="accent1">
+              <a:shade val="50000"/>
+            </a:schemeClr>
+          </a:lnRef>
+          <a:fillRef idx="1">
+            <a:schemeClr val="accent1"/>
+          </a:fillRef>
+          <a:effectRef idx="0">
+            <a:schemeClr val="accent1"/>
+          </a:effectRef>
+          <a:fontRef idx="minor">
+            <a:schemeClr val="lt1"/>
+          </a:fontRef>
+        </p:style>
+        <p:txBody>
+          <a:bodyPr rtlCol="0" anchor="ctr"/>
+          <a:lstStyle/>
+          <a:p>
+            <a:pPr algn="ctr"/>
+            <a:endParaRPr lang="zh-TW" altLang="en-US"/>
+          </a:p>
+        </p:txBody>
+      </p:sp>
+      <p:sp>
+        <p:nvSpPr>
+          <p:cNvPr id="49" name="橢圓 48"/>
+          <p:cNvSpPr/>
+          <p:nvPr/>
+        </p:nvSpPr>
+        <p:spPr>
+          <a:xfrm>
+            <a:off x="5120751" y="3312709"/>
+            <a:ext cx="1282417" cy="1277716"/>
+          </a:xfrm>
+          <a:prstGeom prst="ellipse">
+            <a:avLst/>
+          </a:prstGeom>
+          <a:noFill/>
+          <a:ln w="38100">
+            <a:solidFill>
+              <a:srgbClr val="FF0000"/>
+            </a:solidFill>
+          </a:ln>
+        </p:spPr>
+        <p:style>
+          <a:lnRef idx="2">
+            <a:schemeClr val="accent1">
+              <a:shade val="50000"/>
+            </a:schemeClr>
+          </a:lnRef>
+          <a:fillRef idx="1">
+            <a:schemeClr val="accent1"/>
+          </a:fillRef>
+          <a:effectRef idx="0">
+            <a:schemeClr val="accent1"/>
+          </a:effectRef>
+          <a:fontRef idx="minor">
+            <a:schemeClr val="lt1"/>
+          </a:fontRef>
+        </p:style>
+        <p:txBody>
+          <a:bodyPr rtlCol="0" anchor="ctr"/>
+          <a:lstStyle/>
+          <a:p>
+            <a:pPr algn="ctr"/>
+            <a:endParaRPr lang="zh-TW" altLang="en-US"/>
+          </a:p>
+        </p:txBody>
+      </p:sp>
+      <p:sp>
+        <p:nvSpPr>
+          <p:cNvPr id="50" name="橢圓 49"/>
+          <p:cNvSpPr/>
+          <p:nvPr/>
+        </p:nvSpPr>
+        <p:spPr>
+          <a:xfrm>
+            <a:off x="5620268" y="2448098"/>
+            <a:ext cx="713048" cy="695957"/>
+          </a:xfrm>
+          <a:prstGeom prst="ellipse">
+            <a:avLst/>
+          </a:prstGeom>
+          <a:noFill/>
+          <a:ln w="38100">
+            <a:solidFill>
+              <a:srgbClr val="FF0000"/>
+            </a:solidFill>
+          </a:ln>
+        </p:spPr>
+        <p:style>
+          <a:lnRef idx="2">
+            <a:schemeClr val="accent1">
+              <a:shade val="50000"/>
+            </a:schemeClr>
+          </a:lnRef>
+          <a:fillRef idx="1">
+            <a:schemeClr val="accent1"/>
+          </a:fillRef>
+          <a:effectRef idx="0">
+            <a:schemeClr val="accent1"/>
+          </a:effectRef>
+          <a:fontRef idx="minor">
+            <a:schemeClr val="lt1"/>
+          </a:fontRef>
+        </p:style>
+        <p:txBody>
+          <a:bodyPr rtlCol="0" anchor="ctr"/>
+          <a:lstStyle/>
+          <a:p>
+            <a:pPr algn="ctr"/>
+            <a:endParaRPr lang="zh-TW" altLang="en-US"/>
+          </a:p>
+        </p:txBody>
+      </p:sp>
+      <p:sp>
+        <p:nvSpPr>
+          <p:cNvPr id="51" name="橢圓 50"/>
+          <p:cNvSpPr/>
+          <p:nvPr/>
+        </p:nvSpPr>
+        <p:spPr>
+          <a:xfrm>
+            <a:off x="4590134" y="2771055"/>
+            <a:ext cx="713048" cy="695957"/>
+          </a:xfrm>
+          <a:prstGeom prst="ellipse">
+            <a:avLst/>
+          </a:prstGeom>
+          <a:noFill/>
+          <a:ln w="38100">
+            <a:solidFill>
+              <a:srgbClr val="FF0000"/>
+            </a:solidFill>
+          </a:ln>
+        </p:spPr>
+        <p:style>
+          <a:lnRef idx="2">
+            <a:schemeClr val="accent1">
+              <a:shade val="50000"/>
+            </a:schemeClr>
+          </a:lnRef>
+          <a:fillRef idx="1">
+            <a:schemeClr val="accent1"/>
+          </a:fillRef>
+          <a:effectRef idx="0">
+            <a:schemeClr val="accent1"/>
+          </a:effectRef>
+          <a:fontRef idx="minor">
+            <a:schemeClr val="lt1"/>
+          </a:fontRef>
+        </p:style>
+        <p:txBody>
+          <a:bodyPr rtlCol="0" anchor="ctr"/>
+          <a:lstStyle/>
+          <a:p>
+            <a:pPr algn="ctr"/>
+            <a:endParaRPr lang="zh-TW" altLang="en-US"/>
+          </a:p>
+        </p:txBody>
+      </p:sp>
+    </p:spTree>
+    <p:extLst>
+      <p:ext uri="{BB962C8B-B14F-4D97-AF65-F5344CB8AC3E}">
+        <p14:creationId xmlns:p14="http://schemas.microsoft.com/office/powerpoint/2010/main" val="4203154308"/>
+      </p:ext>
+    </p:extLst>
+  </p:cSld>
+  <p:clrMapOvr>
+    <a:masterClrMapping/>
+  </p:clrMapOvr>
+</p:sld>
+</file>
+
+<file path=ppt/slides/slide9.xml><?xml version="1.0" encoding="utf-8"?>
+<p:sld xmlns:a="http://schemas.openxmlformats.org/drawingml/2006/main" xmlns:r="http://schemas.openxmlformats.org/officeDocument/2006/relationships" xmlns:p="http://schemas.openxmlformats.org/presentationml/2006/main">
+  <p:cSld>
+    <p:spTree>
+      <p:nvGrpSpPr>
+        <p:cNvPr id="1" name=""/>
+        <p:cNvGrpSpPr/>
+        <p:nvPr/>
+      </p:nvGrpSpPr>
+      <p:grpSpPr>
+        <a:xfrm>
+          <a:off x="0" y="0"/>
+          <a:ext cx="0" cy="0"/>
+          <a:chOff x="0" y="0"/>
+          <a:chExt cx="0" cy="0"/>
+        </a:xfrm>
+      </p:grpSpPr>
+      <p:sp>
+        <p:nvSpPr>
+          <p:cNvPr id="5" name="矩形 4"/>
+          <p:cNvSpPr/>
+          <p:nvPr/>
+        </p:nvSpPr>
+        <p:spPr>
+          <a:xfrm>
+            <a:off x="2057400" y="457200"/>
+            <a:ext cx="1800000" cy="4320000"/>
+          </a:xfrm>
+          <a:prstGeom prst="rect">
+            <a:avLst/>
+          </a:prstGeom>
+          <a:noFill/>
+          <a:ln w="38100">
+            <a:solidFill>
+              <a:schemeClr val="tx1"/>
+            </a:solidFill>
+          </a:ln>
+        </p:spPr>
+        <p:style>
+          <a:lnRef idx="2">
+            <a:schemeClr val="accent1">
+              <a:shade val="50000"/>
+            </a:schemeClr>
+          </a:lnRef>
+          <a:fillRef idx="1">
+            <a:schemeClr val="accent1"/>
+          </a:fillRef>
+          <a:effectRef idx="0">
+            <a:schemeClr val="accent1"/>
+          </a:effectRef>
+          <a:fontRef idx="minor">
+            <a:schemeClr val="lt1"/>
+          </a:fontRef>
+        </p:style>
+        <p:txBody>
+          <a:bodyPr rtlCol="0" anchor="ctr"/>
+          <a:lstStyle/>
+          <a:p>
+            <a:pPr algn="ctr"/>
+            <a:endParaRPr lang="zh-TW" altLang="en-US"/>
+          </a:p>
+        </p:txBody>
+      </p:sp>
+      <p:sp>
+        <p:nvSpPr>
+          <p:cNvPr id="6" name="矩形 5"/>
+          <p:cNvSpPr/>
+          <p:nvPr/>
+        </p:nvSpPr>
+        <p:spPr>
+          <a:xfrm>
+            <a:off x="3857400" y="457200"/>
+            <a:ext cx="1800000" cy="4320000"/>
+          </a:xfrm>
+          <a:prstGeom prst="rect">
+            <a:avLst/>
+          </a:prstGeom>
+          <a:noFill/>
+          <a:ln w="38100">
+            <a:solidFill>
+              <a:schemeClr val="tx1"/>
+            </a:solidFill>
+          </a:ln>
+        </p:spPr>
+        <p:style>
+          <a:lnRef idx="2">
+            <a:schemeClr val="accent1">
+              <a:shade val="50000"/>
+            </a:schemeClr>
+          </a:lnRef>
+          <a:fillRef idx="1">
+            <a:schemeClr val="accent1"/>
+          </a:fillRef>
+          <a:effectRef idx="0">
+            <a:schemeClr val="accent1"/>
+          </a:effectRef>
+          <a:fontRef idx="minor">
+            <a:schemeClr val="lt1"/>
+          </a:fontRef>
+        </p:style>
+        <p:txBody>
+          <a:bodyPr rtlCol="0" anchor="ctr"/>
+          <a:lstStyle/>
+          <a:p>
+            <a:pPr algn="ctr"/>
+            <a:endParaRPr lang="zh-TW" altLang="en-US"/>
+          </a:p>
+        </p:txBody>
+      </p:sp>
+      <p:sp>
+        <p:nvSpPr>
+          <p:cNvPr id="7" name="矩形 6"/>
+          <p:cNvSpPr/>
+          <p:nvPr/>
+        </p:nvSpPr>
+        <p:spPr>
+          <a:xfrm>
+            <a:off x="5657400" y="457200"/>
+            <a:ext cx="1800000" cy="4320000"/>
+          </a:xfrm>
+          <a:prstGeom prst="rect">
+            <a:avLst/>
+          </a:prstGeom>
+          <a:noFill/>
+          <a:ln w="38100">
+            <a:solidFill>
+              <a:schemeClr val="tx1"/>
+            </a:solidFill>
+          </a:ln>
+        </p:spPr>
+        <p:style>
+          <a:lnRef idx="2">
+            <a:schemeClr val="accent1">
+              <a:shade val="50000"/>
+            </a:schemeClr>
+          </a:lnRef>
+          <a:fillRef idx="1">
+            <a:schemeClr val="accent1"/>
+          </a:fillRef>
+          <a:effectRef idx="0">
+            <a:schemeClr val="accent1"/>
+          </a:effectRef>
+          <a:fontRef idx="minor">
+            <a:schemeClr val="lt1"/>
+          </a:fontRef>
+        </p:style>
+        <p:txBody>
+          <a:bodyPr rtlCol="0" anchor="ctr"/>
+          <a:lstStyle/>
+          <a:p>
+            <a:pPr algn="ctr"/>
+            <a:endParaRPr lang="zh-TW" altLang="en-US"/>
+          </a:p>
+        </p:txBody>
+      </p:sp>
+      <p:sp>
+        <p:nvSpPr>
+          <p:cNvPr id="8" name="矩形 7"/>
+          <p:cNvSpPr/>
+          <p:nvPr/>
+        </p:nvSpPr>
+        <p:spPr>
+          <a:xfrm>
+            <a:off x="7457400" y="457200"/>
+            <a:ext cx="1800000" cy="4320000"/>
+          </a:xfrm>
+          <a:prstGeom prst="rect">
+            <a:avLst/>
+          </a:prstGeom>
+          <a:noFill/>
+          <a:ln w="38100">
+            <a:solidFill>
+              <a:schemeClr val="tx1"/>
+            </a:solidFill>
+          </a:ln>
+        </p:spPr>
+        <p:style>
+          <a:lnRef idx="2">
+            <a:schemeClr val="accent1">
+              <a:shade val="50000"/>
+            </a:schemeClr>
+          </a:lnRef>
+          <a:fillRef idx="1">
+            <a:schemeClr val="accent1"/>
+          </a:fillRef>
+          <a:effectRef idx="0">
+            <a:schemeClr val="accent1"/>
+          </a:effectRef>
+          <a:fontRef idx="minor">
+            <a:schemeClr val="lt1"/>
+          </a:fontRef>
+        </p:style>
+        <p:txBody>
+          <a:bodyPr rtlCol="0" anchor="ctr"/>
+          <a:lstStyle/>
+          <a:p>
+            <a:pPr algn="ctr"/>
+            <a:endParaRPr lang="zh-TW" altLang="en-US"/>
+          </a:p>
+        </p:txBody>
+      </p:sp>
+      <p:sp>
+        <p:nvSpPr>
+          <p:cNvPr id="9" name="文字方塊 8"/>
+          <p:cNvSpPr txBox="1"/>
+          <p:nvPr/>
+        </p:nvSpPr>
+        <p:spPr>
+          <a:xfrm>
+            <a:off x="2057400" y="457200"/>
+            <a:ext cx="1800000" cy="461665"/>
+          </a:xfrm>
+          <a:prstGeom prst="rect">
+            <a:avLst/>
+          </a:prstGeom>
+          <a:noFill/>
+        </p:spPr>
+        <p:txBody>
+          <a:bodyPr wrap="square" rtlCol="0">
+            <a:spAutoFit/>
+          </a:bodyPr>
+          <a:lstStyle/>
+          <a:p>
+            <a:pPr algn="ctr"/>
+            <a:r>
+              <a:rPr lang="en-US" altLang="zh-TW" sz="2400" b="1" dirty="0">
+                <a:solidFill>
+                  <a:srgbClr val="0070C0"/>
+                </a:solidFill>
+              </a:rPr>
+              <a:t>Liked</a:t>
+            </a:r>
+            <a:endParaRPr lang="zh-TW" altLang="en-US" sz="2400" b="1" dirty="0">
+              <a:solidFill>
+                <a:srgbClr val="0070C0"/>
+              </a:solidFill>
+            </a:endParaRPr>
+          </a:p>
+        </p:txBody>
+      </p:sp>
+      <p:sp>
+        <p:nvSpPr>
+          <p:cNvPr id="11" name="文字方塊 10"/>
+          <p:cNvSpPr txBox="1"/>
+          <p:nvPr/>
+        </p:nvSpPr>
+        <p:spPr>
+          <a:xfrm>
+            <a:off x="3857400" y="457199"/>
+            <a:ext cx="1800000" cy="461665"/>
+          </a:xfrm>
+          <a:prstGeom prst="rect">
+            <a:avLst/>
+          </a:prstGeom>
+          <a:noFill/>
+        </p:spPr>
+        <p:txBody>
+          <a:bodyPr wrap="square" rtlCol="0">
+            <a:spAutoFit/>
+          </a:bodyPr>
+          <a:lstStyle/>
+          <a:p>
+            <a:pPr algn="ctr"/>
+            <a:r>
+              <a:rPr lang="en-US" altLang="zh-TW" sz="2400" b="1" dirty="0">
+                <a:solidFill>
+                  <a:srgbClr val="0070C0"/>
+                </a:solidFill>
+              </a:rPr>
+              <a:t>Learned</a:t>
+            </a:r>
+            <a:endParaRPr lang="zh-TW" altLang="en-US" sz="2400" b="1" dirty="0">
+              <a:solidFill>
+                <a:srgbClr val="0070C0"/>
+              </a:solidFill>
+            </a:endParaRPr>
+          </a:p>
+        </p:txBody>
+      </p:sp>
+      <p:sp>
+        <p:nvSpPr>
+          <p:cNvPr id="12" name="文字方塊 11"/>
+          <p:cNvSpPr txBox="1"/>
+          <p:nvPr/>
+        </p:nvSpPr>
+        <p:spPr>
+          <a:xfrm>
+            <a:off x="5657400" y="457199"/>
+            <a:ext cx="1800000" cy="461665"/>
+          </a:xfrm>
+          <a:prstGeom prst="rect">
+            <a:avLst/>
+          </a:prstGeom>
+          <a:noFill/>
+        </p:spPr>
+        <p:txBody>
+          <a:bodyPr wrap="square" rtlCol="0">
+            <a:spAutoFit/>
+          </a:bodyPr>
+          <a:lstStyle/>
+          <a:p>
+            <a:pPr algn="ctr"/>
+            <a:r>
+              <a:rPr lang="en-US" altLang="zh-TW" sz="2400" b="1" dirty="0">
+                <a:solidFill>
+                  <a:srgbClr val="FF0000"/>
+                </a:solidFill>
+              </a:rPr>
+              <a:t>Lacked</a:t>
+            </a:r>
+            <a:endParaRPr lang="zh-TW" altLang="en-US" sz="2400" b="1" dirty="0">
+              <a:solidFill>
+                <a:srgbClr val="FF0000"/>
+              </a:solidFill>
+            </a:endParaRPr>
+          </a:p>
+        </p:txBody>
+      </p:sp>
+      <p:sp>
+        <p:nvSpPr>
+          <p:cNvPr id="13" name="文字方塊 12"/>
+          <p:cNvSpPr txBox="1"/>
+          <p:nvPr/>
+        </p:nvSpPr>
+        <p:spPr>
+          <a:xfrm>
+            <a:off x="7457400" y="457199"/>
+            <a:ext cx="1800000" cy="461665"/>
+          </a:xfrm>
+          <a:prstGeom prst="rect">
+            <a:avLst/>
+          </a:prstGeom>
+          <a:noFill/>
+        </p:spPr>
+        <p:txBody>
+          <a:bodyPr wrap="square" rtlCol="0">
+            <a:spAutoFit/>
+          </a:bodyPr>
+          <a:lstStyle/>
+          <a:p>
+            <a:pPr algn="ctr"/>
+            <a:r>
+              <a:rPr lang="en-US" altLang="zh-TW" sz="2400" b="1" dirty="0">
+                <a:solidFill>
+                  <a:srgbClr val="FF0000"/>
+                </a:solidFill>
+              </a:rPr>
+              <a:t>Longed For</a:t>
+            </a:r>
+            <a:endParaRPr lang="zh-TW" altLang="en-US" sz="2400" b="1" dirty="0">
+              <a:solidFill>
+                <a:srgbClr val="FF0000"/>
+              </a:solidFill>
+            </a:endParaRPr>
+          </a:p>
+        </p:txBody>
+      </p:sp>
+      <p:pic>
+        <p:nvPicPr>
+          <p:cNvPr id="14" name="Picture 2" descr="note, post it, postit icon"/>
+          <p:cNvPicPr>
+            <a:picLocks noChangeAspect="1" noChangeArrowheads="1"/>
+          </p:cNvPicPr>
+          <p:nvPr/>
+        </p:nvPicPr>
+        <p:blipFill>
+          <a:blip r:embed="rId2">
+            <a:extLst>
+              <a:ext uri="{28A0092B-C50C-407E-A947-70E740481C1C}">
+                <a14:useLocalDpi xmlns:a14="http://schemas.microsoft.com/office/drawing/2010/main" val="0"/>
+              </a:ext>
+            </a:extLst>
+          </a:blip>
+          <a:srcRect/>
+          <a:stretch>
+            <a:fillRect/>
+          </a:stretch>
+        </p:blipFill>
+        <p:spPr bwMode="auto">
+          <a:xfrm>
+            <a:off x="2264085" y="1981195"/>
+            <a:ext cx="556009" cy="556010"/>
+          </a:xfrm>
+          <a:prstGeom prst="rect">
+            <a:avLst/>
+          </a:prstGeom>
+          <a:noFill/>
+          <a:extLst>
+            <a:ext uri="{909E8E84-426E-40DD-AFC4-6F175D3DCCD1}">
+              <a14:hiddenFill xmlns:a14="http://schemas.microsoft.com/office/drawing/2010/main">
+                <a:solidFill>
+                  <a:srgbClr val="FFFFFF"/>
+                </a:solidFill>
+              </a14:hiddenFill>
+            </a:ext>
+          </a:extLst>
+        </p:spPr>
+      </p:pic>
+      <p:pic>
+        <p:nvPicPr>
+          <p:cNvPr id="15" name="Picture 2" descr="note, post it, postit icon"/>
+          <p:cNvPicPr>
+            <a:picLocks noChangeAspect="1" noChangeArrowheads="1"/>
+          </p:cNvPicPr>
+          <p:nvPr/>
+        </p:nvPicPr>
+        <p:blipFill>
+          <a:blip r:embed="rId2">
+            <a:extLst>
+              <a:ext uri="{28A0092B-C50C-407E-A947-70E740481C1C}">
+                <a14:useLocalDpi xmlns:a14="http://schemas.microsoft.com/office/drawing/2010/main" val="0"/>
+              </a:ext>
+            </a:extLst>
+          </a:blip>
+          <a:srcRect/>
+          <a:stretch>
+            <a:fillRect/>
+          </a:stretch>
+        </p:blipFill>
+        <p:spPr bwMode="auto">
+          <a:xfrm>
+            <a:off x="2322698" y="1448762"/>
+            <a:ext cx="556009" cy="556010"/>
+          </a:xfrm>
+          <a:prstGeom prst="rect">
+            <a:avLst/>
+          </a:prstGeom>
+          <a:noFill/>
+          <a:extLst>
+            <a:ext uri="{909E8E84-426E-40DD-AFC4-6F175D3DCCD1}">
+              <a14:hiddenFill xmlns:a14="http://schemas.microsoft.com/office/drawing/2010/main">
+                <a:solidFill>
+                  <a:srgbClr val="FFFFFF"/>
+                </a:solidFill>
+              </a14:hiddenFill>
+            </a:ext>
+          </a:extLst>
+        </p:spPr>
+      </p:pic>
+      <p:pic>
+        <p:nvPicPr>
+          <p:cNvPr id="16" name="Picture 2" descr="note, post it, postit icon"/>
+          <p:cNvPicPr>
+            <a:picLocks noChangeAspect="1" noChangeArrowheads="1"/>
+          </p:cNvPicPr>
+          <p:nvPr/>
+        </p:nvPicPr>
+        <p:blipFill>
+          <a:blip r:embed="rId2">
+            <a:extLst>
+              <a:ext uri="{28A0092B-C50C-407E-A947-70E740481C1C}">
+                <a14:useLocalDpi xmlns:a14="http://schemas.microsoft.com/office/drawing/2010/main" val="0"/>
+              </a:ext>
+            </a:extLst>
+          </a:blip>
+          <a:srcRect/>
+          <a:stretch>
+            <a:fillRect/>
+          </a:stretch>
+        </p:blipFill>
+        <p:spPr bwMode="auto">
+          <a:xfrm>
+            <a:off x="2851390" y="1790399"/>
+            <a:ext cx="556009" cy="556010"/>
+          </a:xfrm>
+          <a:prstGeom prst="rect">
+            <a:avLst/>
+          </a:prstGeom>
+          <a:noFill/>
+          <a:extLst>
+            <a:ext uri="{909E8E84-426E-40DD-AFC4-6F175D3DCCD1}">
+              <a14:hiddenFill xmlns:a14="http://schemas.microsoft.com/office/drawing/2010/main">
+                <a:solidFill>
+                  <a:srgbClr val="FFFFFF"/>
+                </a:solidFill>
+              </a14:hiddenFill>
+            </a:ext>
+          </a:extLst>
+        </p:spPr>
+      </p:pic>
+      <p:pic>
+        <p:nvPicPr>
+          <p:cNvPr id="17" name="Picture 2" descr="note, post it, postit icon"/>
+          <p:cNvPicPr>
+            <a:picLocks noChangeAspect="1" noChangeArrowheads="1"/>
+          </p:cNvPicPr>
+          <p:nvPr/>
+        </p:nvPicPr>
+        <p:blipFill>
+          <a:blip r:embed="rId2">
+            <a:extLst>
+              <a:ext uri="{28A0092B-C50C-407E-A947-70E740481C1C}">
+                <a14:useLocalDpi xmlns:a14="http://schemas.microsoft.com/office/drawing/2010/main" val="0"/>
+              </a:ext>
+            </a:extLst>
+          </a:blip>
+          <a:srcRect/>
+          <a:stretch>
+            <a:fillRect/>
+          </a:stretch>
+        </p:blipFill>
+        <p:spPr bwMode="auto">
+          <a:xfrm>
+            <a:off x="2815103" y="1241119"/>
+            <a:ext cx="556009" cy="556010"/>
+          </a:xfrm>
+          <a:prstGeom prst="rect">
+            <a:avLst/>
+          </a:prstGeom>
+          <a:noFill/>
+          <a:extLst>
+            <a:ext uri="{909E8E84-426E-40DD-AFC4-6F175D3DCCD1}">
+              <a14:hiddenFill xmlns:a14="http://schemas.microsoft.com/office/drawing/2010/main">
+                <a:solidFill>
+                  <a:srgbClr val="FFFFFF"/>
+                </a:solidFill>
+              </a14:hiddenFill>
+            </a:ext>
+          </a:extLst>
+        </p:spPr>
+      </p:pic>
+      <p:pic>
+        <p:nvPicPr>
+          <p:cNvPr id="18" name="Picture 2" descr="note, post it, postit icon"/>
+          <p:cNvPicPr>
+            <a:picLocks noChangeAspect="1" noChangeArrowheads="1"/>
+          </p:cNvPicPr>
+          <p:nvPr/>
+        </p:nvPicPr>
+        <p:blipFill>
+          <a:blip r:embed="rId2">
+            <a:extLst>
+              <a:ext uri="{28A0092B-C50C-407E-A947-70E740481C1C}">
+                <a14:useLocalDpi xmlns:a14="http://schemas.microsoft.com/office/drawing/2010/main" val="0"/>
+              </a:ext>
+            </a:extLst>
+          </a:blip>
+          <a:srcRect/>
+          <a:stretch>
+            <a:fillRect/>
+          </a:stretch>
+        </p:blipFill>
+        <p:spPr bwMode="auto">
+          <a:xfrm>
+            <a:off x="3127959" y="2705240"/>
+            <a:ext cx="556009" cy="556010"/>
+          </a:xfrm>
+          <a:prstGeom prst="rect">
+            <a:avLst/>
+          </a:prstGeom>
+          <a:noFill/>
+          <a:extLst>
+            <a:ext uri="{909E8E84-426E-40DD-AFC4-6F175D3DCCD1}">
+              <a14:hiddenFill xmlns:a14="http://schemas.microsoft.com/office/drawing/2010/main">
+                <a:solidFill>
+                  <a:srgbClr val="FFFFFF"/>
+                </a:solidFill>
+              </a14:hiddenFill>
+            </a:ext>
+          </a:extLst>
+        </p:spPr>
+      </p:pic>
+      <p:pic>
+        <p:nvPicPr>
+          <p:cNvPr id="19" name="Picture 2" descr="note, post it, postit icon"/>
+          <p:cNvPicPr>
+            <a:picLocks noChangeAspect="1" noChangeArrowheads="1"/>
+          </p:cNvPicPr>
+          <p:nvPr/>
+        </p:nvPicPr>
+        <p:blipFill>
+          <a:blip r:embed="rId2">
+            <a:extLst>
+              <a:ext uri="{28A0092B-C50C-407E-A947-70E740481C1C}">
+                <a14:useLocalDpi xmlns:a14="http://schemas.microsoft.com/office/drawing/2010/main" val="0"/>
+              </a:ext>
+            </a:extLst>
+          </a:blip>
+          <a:srcRect/>
+          <a:stretch>
+            <a:fillRect/>
+          </a:stretch>
+        </p:blipFill>
+        <p:spPr bwMode="auto">
+          <a:xfrm>
+            <a:off x="4625795" y="1681568"/>
+            <a:ext cx="556009" cy="556010"/>
+          </a:xfrm>
+          <a:prstGeom prst="rect">
+            <a:avLst/>
+          </a:prstGeom>
+          <a:noFill/>
+          <a:extLst>
+            <a:ext uri="{909E8E84-426E-40DD-AFC4-6F175D3DCCD1}">
+              <a14:hiddenFill xmlns:a14="http://schemas.microsoft.com/office/drawing/2010/main">
+                <a:solidFill>
+                  <a:srgbClr val="FFFFFF"/>
+                </a:solidFill>
+              </a14:hiddenFill>
+            </a:ext>
+          </a:extLst>
+        </p:spPr>
+      </p:pic>
+      <p:pic>
+        <p:nvPicPr>
+          <p:cNvPr id="20" name="Picture 2" descr="note, post it, postit icon"/>
+          <p:cNvPicPr>
+            <a:picLocks noChangeAspect="1" noChangeArrowheads="1"/>
+          </p:cNvPicPr>
+          <p:nvPr/>
+        </p:nvPicPr>
+        <p:blipFill>
+          <a:blip r:embed="rId2">
+            <a:extLst>
+              <a:ext uri="{28A0092B-C50C-407E-A947-70E740481C1C}">
+                <a14:useLocalDpi xmlns:a14="http://schemas.microsoft.com/office/drawing/2010/main" val="0"/>
+              </a:ext>
+            </a:extLst>
+          </a:blip>
+          <a:srcRect/>
+          <a:stretch>
+            <a:fillRect/>
+          </a:stretch>
+        </p:blipFill>
+        <p:spPr bwMode="auto">
+          <a:xfrm>
+            <a:off x="4684899" y="3276296"/>
+            <a:ext cx="556009" cy="556010"/>
+          </a:xfrm>
+          <a:prstGeom prst="rect">
+            <a:avLst/>
+          </a:prstGeom>
+          <a:noFill/>
+          <a:extLst>
+            <a:ext uri="{909E8E84-426E-40DD-AFC4-6F175D3DCCD1}">
+              <a14:hiddenFill xmlns:a14="http://schemas.microsoft.com/office/drawing/2010/main">
+                <a:solidFill>
+                  <a:srgbClr val="FFFFFF"/>
+                </a:solidFill>
+              </a14:hiddenFill>
+            </a:ext>
+          </a:extLst>
+        </p:spPr>
+      </p:pic>
+      <p:pic>
+        <p:nvPicPr>
+          <p:cNvPr id="21" name="Picture 2" descr="note, post it, postit icon"/>
+          <p:cNvPicPr>
+            <a:picLocks noChangeAspect="1" noChangeArrowheads="1"/>
+          </p:cNvPicPr>
+          <p:nvPr/>
+        </p:nvPicPr>
+        <p:blipFill>
+          <a:blip r:embed="rId2">
+            <a:extLst>
+              <a:ext uri="{28A0092B-C50C-407E-A947-70E740481C1C}">
+                <a14:useLocalDpi xmlns:a14="http://schemas.microsoft.com/office/drawing/2010/main" val="0"/>
+              </a:ext>
+            </a:extLst>
+          </a:blip>
+          <a:srcRect/>
+          <a:stretch>
+            <a:fillRect/>
+          </a:stretch>
+        </p:blipFill>
+        <p:spPr bwMode="auto">
+          <a:xfrm>
+            <a:off x="7586583" y="2476260"/>
+            <a:ext cx="556009" cy="556010"/>
+          </a:xfrm>
+          <a:prstGeom prst="rect">
+            <a:avLst/>
+          </a:prstGeom>
+          <a:noFill/>
+          <a:extLst>
+            <a:ext uri="{909E8E84-426E-40DD-AFC4-6F175D3DCCD1}">
+              <a14:hiddenFill xmlns:a14="http://schemas.microsoft.com/office/drawing/2010/main">
+                <a:solidFill>
+                  <a:srgbClr val="FFFFFF"/>
+                </a:solidFill>
+              </a14:hiddenFill>
+            </a:ext>
+          </a:extLst>
+        </p:spPr>
+      </p:pic>
+      <p:pic>
+        <p:nvPicPr>
+          <p:cNvPr id="22" name="Picture 2" descr="note, post it, postit icon"/>
+          <p:cNvPicPr>
+            <a:picLocks noChangeAspect="1" noChangeArrowheads="1"/>
+          </p:cNvPicPr>
+          <p:nvPr/>
+        </p:nvPicPr>
+        <p:blipFill>
+          <a:blip r:embed="rId2">
+            <a:extLst>
+              <a:ext uri="{28A0092B-C50C-407E-A947-70E740481C1C}">
+                <a14:useLocalDpi xmlns:a14="http://schemas.microsoft.com/office/drawing/2010/main" val="0"/>
+              </a:ext>
+            </a:extLst>
+          </a:blip>
+          <a:srcRect/>
+          <a:stretch>
+            <a:fillRect/>
+          </a:stretch>
+        </p:blipFill>
+        <p:spPr bwMode="auto">
+          <a:xfrm>
+            <a:off x="5875351" y="1930468"/>
+            <a:ext cx="556009" cy="556010"/>
+          </a:xfrm>
+          <a:prstGeom prst="rect">
+            <a:avLst/>
+          </a:prstGeom>
+          <a:noFill/>
+          <a:extLst>
+            <a:ext uri="{909E8E84-426E-40DD-AFC4-6F175D3DCCD1}">
+              <a14:hiddenFill xmlns:a14="http://schemas.microsoft.com/office/drawing/2010/main">
+                <a:solidFill>
+                  <a:srgbClr val="FFFFFF"/>
+                </a:solidFill>
+              </a14:hiddenFill>
+            </a:ext>
+          </a:extLst>
+        </p:spPr>
+      </p:pic>
+      <p:pic>
+        <p:nvPicPr>
+          <p:cNvPr id="23" name="Picture 2" descr="note, post it, postit icon"/>
+          <p:cNvPicPr>
+            <a:picLocks noChangeAspect="1" noChangeArrowheads="1"/>
+          </p:cNvPicPr>
+          <p:nvPr/>
+        </p:nvPicPr>
+        <p:blipFill>
+          <a:blip r:embed="rId2">
+            <a:extLst>
+              <a:ext uri="{28A0092B-C50C-407E-A947-70E740481C1C}">
+                <a14:useLocalDpi xmlns:a14="http://schemas.microsoft.com/office/drawing/2010/main" val="0"/>
+              </a:ext>
+            </a:extLst>
+          </a:blip>
+          <a:srcRect/>
+          <a:stretch>
+            <a:fillRect/>
+          </a:stretch>
+        </p:blipFill>
+        <p:spPr bwMode="auto">
+          <a:xfrm>
+            <a:off x="6755015" y="3416229"/>
+            <a:ext cx="556009" cy="556010"/>
+          </a:xfrm>
+          <a:prstGeom prst="rect">
+            <a:avLst/>
+          </a:prstGeom>
+          <a:noFill/>
+          <a:extLst>
+            <a:ext uri="{909E8E84-426E-40DD-AFC4-6F175D3DCCD1}">
+              <a14:hiddenFill xmlns:a14="http://schemas.microsoft.com/office/drawing/2010/main">
+                <a:solidFill>
+                  <a:srgbClr val="FFFFFF"/>
+                </a:solidFill>
+              </a14:hiddenFill>
+            </a:ext>
+          </a:extLst>
+        </p:spPr>
+      </p:pic>
+      <p:pic>
+        <p:nvPicPr>
+          <p:cNvPr id="24" name="Picture 2" descr="note, post it, postit icon"/>
+          <p:cNvPicPr>
+            <a:picLocks noChangeAspect="1" noChangeArrowheads="1"/>
+          </p:cNvPicPr>
+          <p:nvPr/>
+        </p:nvPicPr>
+        <p:blipFill>
+          <a:blip r:embed="rId2">
+            <a:extLst>
+              <a:ext uri="{28A0092B-C50C-407E-A947-70E740481C1C}">
+                <a14:useLocalDpi xmlns:a14="http://schemas.microsoft.com/office/drawing/2010/main" val="0"/>
+              </a:ext>
+            </a:extLst>
+          </a:blip>
+          <a:srcRect/>
+          <a:stretch>
+            <a:fillRect/>
+          </a:stretch>
+        </p:blipFill>
+        <p:spPr bwMode="auto">
+          <a:xfrm>
+            <a:off x="2274124" y="3948560"/>
+            <a:ext cx="556009" cy="556010"/>
+          </a:xfrm>
+          <a:prstGeom prst="rect">
+            <a:avLst/>
+          </a:prstGeom>
+          <a:noFill/>
+          <a:extLst>
+            <a:ext uri="{909E8E84-426E-40DD-AFC4-6F175D3DCCD1}">
+              <a14:hiddenFill xmlns:a14="http://schemas.microsoft.com/office/drawing/2010/main">
+                <a:solidFill>
+                  <a:srgbClr val="FFFFFF"/>
+                </a:solidFill>
+              </a14:hiddenFill>
+            </a:ext>
+          </a:extLst>
+        </p:spPr>
+      </p:pic>
+      <p:pic>
+        <p:nvPicPr>
+          <p:cNvPr id="25" name="Picture 2" descr="note, post it, postit icon"/>
+          <p:cNvPicPr>
+            <a:picLocks noChangeAspect="1" noChangeArrowheads="1"/>
+          </p:cNvPicPr>
+          <p:nvPr/>
+        </p:nvPicPr>
+        <p:blipFill>
+          <a:blip r:embed="rId2">
+            <a:extLst>
+              <a:ext uri="{28A0092B-C50C-407E-A947-70E740481C1C}">
+                <a14:useLocalDpi xmlns:a14="http://schemas.microsoft.com/office/drawing/2010/main" val="0"/>
+              </a:ext>
+            </a:extLst>
+          </a:blip>
+          <a:srcRect/>
+          <a:stretch>
+            <a:fillRect/>
+          </a:stretch>
+        </p:blipFill>
+        <p:spPr bwMode="auto">
+          <a:xfrm>
+            <a:off x="4074160" y="1953292"/>
+            <a:ext cx="556009" cy="556010"/>
+          </a:xfrm>
+          <a:prstGeom prst="rect">
+            <a:avLst/>
+          </a:prstGeom>
+          <a:noFill/>
+          <a:extLst>
+            <a:ext uri="{909E8E84-426E-40DD-AFC4-6F175D3DCCD1}">
+              <a14:hiddenFill xmlns:a14="http://schemas.microsoft.com/office/drawing/2010/main">
+                <a:solidFill>
+                  <a:srgbClr val="FFFFFF"/>
+                </a:solidFill>
+              </a14:hiddenFill>
+            </a:ext>
+          </a:extLst>
+        </p:spPr>
+      </p:pic>
+      <p:pic>
+        <p:nvPicPr>
+          <p:cNvPr id="26" name="Picture 2" descr="note, post it, postit icon"/>
+          <p:cNvPicPr>
+            <a:picLocks noChangeAspect="1" noChangeArrowheads="1"/>
+          </p:cNvPicPr>
+          <p:nvPr/>
+        </p:nvPicPr>
+        <p:blipFill>
+          <a:blip r:embed="rId2">
+            <a:extLst>
+              <a:ext uri="{28A0092B-C50C-407E-A947-70E740481C1C}">
+                <a14:useLocalDpi xmlns:a14="http://schemas.microsoft.com/office/drawing/2010/main" val="0"/>
+              </a:ext>
+            </a:extLst>
+          </a:blip>
+          <a:srcRect/>
+          <a:stretch>
+            <a:fillRect/>
+          </a:stretch>
+        </p:blipFill>
+        <p:spPr bwMode="auto">
+          <a:xfrm>
+            <a:off x="4065683" y="1426436"/>
+            <a:ext cx="556009" cy="556010"/>
+          </a:xfrm>
+          <a:prstGeom prst="rect">
+            <a:avLst/>
+          </a:prstGeom>
+          <a:noFill/>
+          <a:extLst>
+            <a:ext uri="{909E8E84-426E-40DD-AFC4-6F175D3DCCD1}">
+              <a14:hiddenFill xmlns:a14="http://schemas.microsoft.com/office/drawing/2010/main">
+                <a:solidFill>
+                  <a:srgbClr val="FFFFFF"/>
+                </a:solidFill>
+              </a14:hiddenFill>
+            </a:ext>
+          </a:extLst>
+        </p:spPr>
+      </p:pic>
+      <p:pic>
+        <p:nvPicPr>
+          <p:cNvPr id="27" name="Picture 2" descr="note, post it, postit icon"/>
+          <p:cNvPicPr>
+            <a:picLocks noChangeAspect="1" noChangeArrowheads="1"/>
+          </p:cNvPicPr>
+          <p:nvPr/>
+        </p:nvPicPr>
+        <p:blipFill>
+          <a:blip r:embed="rId2">
+            <a:extLst>
+              <a:ext uri="{28A0092B-C50C-407E-A947-70E740481C1C}">
+                <a14:useLocalDpi xmlns:a14="http://schemas.microsoft.com/office/drawing/2010/main" val="0"/>
+              </a:ext>
+            </a:extLst>
+          </a:blip>
+          <a:srcRect/>
+          <a:stretch>
+            <a:fillRect/>
+          </a:stretch>
+        </p:blipFill>
+        <p:spPr bwMode="auto">
+          <a:xfrm>
+            <a:off x="3150947" y="3189208"/>
+            <a:ext cx="556009" cy="556010"/>
+          </a:xfrm>
+          <a:prstGeom prst="rect">
+            <a:avLst/>
+          </a:prstGeom>
+          <a:noFill/>
+          <a:extLst>
+            <a:ext uri="{909E8E84-426E-40DD-AFC4-6F175D3DCCD1}">
+              <a14:hiddenFill xmlns:a14="http://schemas.microsoft.com/office/drawing/2010/main">
+                <a:solidFill>
+                  <a:srgbClr val="FFFFFF"/>
+                </a:solidFill>
+              </a14:hiddenFill>
+            </a:ext>
+          </a:extLst>
+        </p:spPr>
+      </p:pic>
+      <p:pic>
+        <p:nvPicPr>
+          <p:cNvPr id="28" name="Picture 2" descr="note, post it, postit icon"/>
+          <p:cNvPicPr>
+            <a:picLocks noChangeAspect="1" noChangeArrowheads="1"/>
+          </p:cNvPicPr>
+          <p:nvPr/>
+        </p:nvPicPr>
+        <p:blipFill>
+          <a:blip r:embed="rId2">
+            <a:extLst>
+              <a:ext uri="{28A0092B-C50C-407E-A947-70E740481C1C}">
+                <a14:useLocalDpi xmlns:a14="http://schemas.microsoft.com/office/drawing/2010/main" val="0"/>
+              </a:ext>
+            </a:extLst>
+          </a:blip>
+          <a:srcRect/>
+          <a:stretch>
+            <a:fillRect/>
+          </a:stretch>
+        </p:blipFill>
+        <p:spPr bwMode="auto">
+          <a:xfrm>
+            <a:off x="4114144" y="3416229"/>
+            <a:ext cx="556009" cy="556010"/>
+          </a:xfrm>
+          <a:prstGeom prst="rect">
+            <a:avLst/>
+          </a:prstGeom>
+          <a:noFill/>
+          <a:extLst>
+            <a:ext uri="{909E8E84-426E-40DD-AFC4-6F175D3DCCD1}">
+              <a14:hiddenFill xmlns:a14="http://schemas.microsoft.com/office/drawing/2010/main">
+                <a:solidFill>
+                  <a:srgbClr val="FFFFFF"/>
+                </a:solidFill>
+              </a14:hiddenFill>
+            </a:ext>
+          </a:extLst>
+        </p:spPr>
+      </p:pic>
+      <p:pic>
+        <p:nvPicPr>
+          <p:cNvPr id="34" name="Picture 2" descr="note, post it, postit icon"/>
+          <p:cNvPicPr>
+            <a:picLocks noChangeAspect="1" noChangeArrowheads="1"/>
+          </p:cNvPicPr>
+          <p:nvPr/>
+        </p:nvPicPr>
+        <p:blipFill>
+          <a:blip r:embed="rId2">
+            <a:extLst>
+              <a:ext uri="{28A0092B-C50C-407E-A947-70E740481C1C}">
+                <a14:useLocalDpi xmlns:a14="http://schemas.microsoft.com/office/drawing/2010/main" val="0"/>
+              </a:ext>
+            </a:extLst>
+          </a:blip>
+          <a:srcRect/>
+          <a:stretch>
+            <a:fillRect/>
+          </a:stretch>
+        </p:blipFill>
+        <p:spPr bwMode="auto">
+          <a:xfrm>
+            <a:off x="6125818" y="3369175"/>
+            <a:ext cx="556009" cy="556010"/>
+          </a:xfrm>
+          <a:prstGeom prst="rect">
+            <a:avLst/>
+          </a:prstGeom>
+          <a:noFill/>
+          <a:extLst>
+            <a:ext uri="{909E8E84-426E-40DD-AFC4-6F175D3DCCD1}">
+              <a14:hiddenFill xmlns:a14="http://schemas.microsoft.com/office/drawing/2010/main">
+                <a:solidFill>
+                  <a:srgbClr val="FFFFFF"/>
+                </a:solidFill>
+              </a14:hiddenFill>
+            </a:ext>
+          </a:extLst>
+        </p:spPr>
+      </p:pic>
+      <p:pic>
+        <p:nvPicPr>
+          <p:cNvPr id="35" name="Picture 2" descr="note, post it, postit icon"/>
+          <p:cNvPicPr>
+            <a:picLocks noChangeAspect="1" noChangeArrowheads="1"/>
+          </p:cNvPicPr>
+          <p:nvPr/>
+        </p:nvPicPr>
+        <p:blipFill>
+          <a:blip r:embed="rId2">
+            <a:extLst>
+              <a:ext uri="{28A0092B-C50C-407E-A947-70E740481C1C}">
+                <a14:useLocalDpi xmlns:a14="http://schemas.microsoft.com/office/drawing/2010/main" val="0"/>
+              </a:ext>
+            </a:extLst>
+          </a:blip>
+          <a:srcRect/>
+          <a:stretch>
+            <a:fillRect/>
+          </a:stretch>
+        </p:blipFill>
+        <p:spPr bwMode="auto">
+          <a:xfrm>
+            <a:off x="8149756" y="2525831"/>
+            <a:ext cx="556009" cy="556010"/>
+          </a:xfrm>
+          <a:prstGeom prst="rect">
+            <a:avLst/>
+          </a:prstGeom>
+          <a:noFill/>
+          <a:extLst>
+            <a:ext uri="{909E8E84-426E-40DD-AFC4-6F175D3DCCD1}">
+              <a14:hiddenFill xmlns:a14="http://schemas.microsoft.com/office/drawing/2010/main">
+                <a:solidFill>
+                  <a:srgbClr val="FFFFFF"/>
+                </a:solidFill>
+              </a14:hiddenFill>
+            </a:ext>
+          </a:extLst>
+        </p:spPr>
+      </p:pic>
+      <p:pic>
+        <p:nvPicPr>
+          <p:cNvPr id="36" name="Picture 2" descr="note, post it, postit icon"/>
+          <p:cNvPicPr>
+            <a:picLocks noChangeAspect="1" noChangeArrowheads="1"/>
+          </p:cNvPicPr>
+          <p:nvPr/>
+        </p:nvPicPr>
+        <p:blipFill>
+          <a:blip r:embed="rId2">
+            <a:extLst>
+              <a:ext uri="{28A0092B-C50C-407E-A947-70E740481C1C}">
+                <a14:useLocalDpi xmlns:a14="http://schemas.microsoft.com/office/drawing/2010/main" val="0"/>
+              </a:ext>
+            </a:extLst>
+          </a:blip>
+          <a:srcRect/>
+          <a:stretch>
+            <a:fillRect/>
+          </a:stretch>
+        </p:blipFill>
+        <p:spPr bwMode="auto">
+          <a:xfrm>
+            <a:off x="8079395" y="1583345"/>
+            <a:ext cx="556009" cy="556010"/>
+          </a:xfrm>
+          <a:prstGeom prst="rect">
+            <a:avLst/>
+          </a:prstGeom>
+          <a:noFill/>
+          <a:extLst>
+            <a:ext uri="{909E8E84-426E-40DD-AFC4-6F175D3DCCD1}">
+              <a14:hiddenFill xmlns:a14="http://schemas.microsoft.com/office/drawing/2010/main">
+                <a:solidFill>
+                  <a:srgbClr val="FFFFFF"/>
+                </a:solidFill>
+              </a14:hiddenFill>
+            </a:ext>
+          </a:extLst>
+        </p:spPr>
+      </p:pic>
+      <p:pic>
+        <p:nvPicPr>
+          <p:cNvPr id="37" name="Picture 2" descr="note, post it, postit icon"/>
+          <p:cNvPicPr>
+            <a:picLocks noChangeAspect="1" noChangeArrowheads="1"/>
+          </p:cNvPicPr>
+          <p:nvPr/>
+        </p:nvPicPr>
+        <p:blipFill>
+          <a:blip r:embed="rId2">
+            <a:extLst>
+              <a:ext uri="{28A0092B-C50C-407E-A947-70E740481C1C}">
+                <a14:useLocalDpi xmlns:a14="http://schemas.microsoft.com/office/drawing/2010/main" val="0"/>
+              </a:ext>
+            </a:extLst>
+          </a:blip>
+          <a:srcRect/>
+          <a:stretch>
+            <a:fillRect/>
+          </a:stretch>
+        </p:blipFill>
+        <p:spPr bwMode="auto">
+          <a:xfrm>
+            <a:off x="6439820" y="1797129"/>
+            <a:ext cx="556009" cy="556010"/>
+          </a:xfrm>
+          <a:prstGeom prst="rect">
+            <a:avLst/>
+          </a:prstGeom>
+          <a:noFill/>
+          <a:extLst>
+            <a:ext uri="{909E8E84-426E-40DD-AFC4-6F175D3DCCD1}">
+              <a14:hiddenFill xmlns:a14="http://schemas.microsoft.com/office/drawing/2010/main">
+                <a:solidFill>
+                  <a:srgbClr val="FFFFFF"/>
+                </a:solidFill>
+              </a14:hiddenFill>
+            </a:ext>
+          </a:extLst>
+        </p:spPr>
+      </p:pic>
+      <p:pic>
+        <p:nvPicPr>
+          <p:cNvPr id="38" name="Picture 2" descr="note, post it, postit icon"/>
+          <p:cNvPicPr>
+            <a:picLocks noChangeAspect="1" noChangeArrowheads="1"/>
+          </p:cNvPicPr>
+          <p:nvPr/>
+        </p:nvPicPr>
+        <p:blipFill>
+          <a:blip r:embed="rId2">
+            <a:extLst>
+              <a:ext uri="{28A0092B-C50C-407E-A947-70E740481C1C}">
+                <a14:useLocalDpi xmlns:a14="http://schemas.microsoft.com/office/drawing/2010/main" val="0"/>
+              </a:ext>
+            </a:extLst>
+          </a:blip>
+          <a:srcRect/>
+          <a:stretch>
+            <a:fillRect/>
+          </a:stretch>
+        </p:blipFill>
+        <p:spPr bwMode="auto">
+          <a:xfrm>
+            <a:off x="8142592" y="3925185"/>
+            <a:ext cx="556009" cy="556010"/>
+          </a:xfrm>
+          <a:prstGeom prst="rect">
+            <a:avLst/>
+          </a:prstGeom>
+          <a:noFill/>
+          <a:extLst>
+            <a:ext uri="{909E8E84-426E-40DD-AFC4-6F175D3DCCD1}">
+              <a14:hiddenFill xmlns:a14="http://schemas.microsoft.com/office/drawing/2010/main">
+                <a:solidFill>
+                  <a:srgbClr val="FFFFFF"/>
+                </a:solidFill>
+              </a14:hiddenFill>
+            </a:ext>
+          </a:extLst>
+        </p:spPr>
+      </p:pic>
+      <p:sp>
+        <p:nvSpPr>
+          <p:cNvPr id="39" name="橢圓 38"/>
+          <p:cNvSpPr/>
+          <p:nvPr/>
+        </p:nvSpPr>
+        <p:spPr>
+          <a:xfrm>
+            <a:off x="8000876" y="1463800"/>
+            <a:ext cx="713048" cy="695957"/>
+          </a:xfrm>
+          <a:prstGeom prst="ellipse">
+            <a:avLst/>
+          </a:prstGeom>
+          <a:noFill/>
+          <a:ln w="38100">
+            <a:solidFill>
+              <a:srgbClr val="FF0000"/>
+            </a:solidFill>
+          </a:ln>
+        </p:spPr>
+        <p:style>
+          <a:lnRef idx="2">
+            <a:schemeClr val="accent1">
+              <a:shade val="50000"/>
+            </a:schemeClr>
+          </a:lnRef>
+          <a:fillRef idx="1">
+            <a:schemeClr val="accent1"/>
+          </a:fillRef>
+          <a:effectRef idx="0">
+            <a:schemeClr val="accent1"/>
+          </a:effectRef>
+          <a:fontRef idx="minor">
+            <a:schemeClr val="lt1"/>
+          </a:fontRef>
+        </p:style>
+        <p:txBody>
+          <a:bodyPr rtlCol="0" anchor="ctr"/>
+          <a:lstStyle/>
+          <a:p>
+            <a:pPr algn="ctr"/>
+            <a:endParaRPr lang="zh-TW" altLang="en-US"/>
+          </a:p>
+        </p:txBody>
+      </p:sp>
+      <p:sp>
+        <p:nvSpPr>
+          <p:cNvPr id="40" name="橢圓 39"/>
+          <p:cNvSpPr/>
+          <p:nvPr/>
+        </p:nvSpPr>
+        <p:spPr>
+          <a:xfrm>
+            <a:off x="8125303" y="3858867"/>
+            <a:ext cx="713048" cy="695957"/>
+          </a:xfrm>
+          <a:prstGeom prst="ellipse">
+            <a:avLst/>
+          </a:prstGeom>
+          <a:noFill/>
+          <a:ln w="38100">
+            <a:solidFill>
+              <a:srgbClr val="FF0000"/>
+            </a:solidFill>
+          </a:ln>
+        </p:spPr>
+        <p:style>
+          <a:lnRef idx="2">
+            <a:schemeClr val="accent1">
+              <a:shade val="50000"/>
+            </a:schemeClr>
+          </a:lnRef>
+          <a:fillRef idx="1">
+            <a:schemeClr val="accent1"/>
+          </a:fillRef>
+          <a:effectRef idx="0">
+            <a:schemeClr val="accent1"/>
+          </a:effectRef>
+          <a:fontRef idx="minor">
+            <a:schemeClr val="lt1"/>
+          </a:fontRef>
+        </p:style>
+        <p:txBody>
+          <a:bodyPr rtlCol="0" anchor="ctr"/>
+          <a:lstStyle/>
+          <a:p>
+            <a:pPr algn="ctr"/>
+            <a:endParaRPr lang="zh-TW" altLang="en-US"/>
+          </a:p>
+        </p:txBody>
+      </p:sp>
+      <p:sp>
+        <p:nvSpPr>
+          <p:cNvPr id="41" name="橢圓 40"/>
+          <p:cNvSpPr/>
+          <p:nvPr/>
+        </p:nvSpPr>
+        <p:spPr>
+          <a:xfrm>
+            <a:off x="2185565" y="3878587"/>
+            <a:ext cx="713048" cy="695957"/>
+          </a:xfrm>
+          <a:prstGeom prst="ellipse">
+            <a:avLst/>
+          </a:prstGeom>
+          <a:noFill/>
+          <a:ln w="38100">
+            <a:solidFill>
+              <a:srgbClr val="FF0000"/>
+            </a:solidFill>
+          </a:ln>
+        </p:spPr>
+        <p:style>
+          <a:lnRef idx="2">
+            <a:schemeClr val="accent1">
+              <a:shade val="50000"/>
+            </a:schemeClr>
+          </a:lnRef>
+          <a:fillRef idx="1">
+            <a:schemeClr val="accent1"/>
+          </a:fillRef>
+          <a:effectRef idx="0">
+            <a:schemeClr val="accent1"/>
+          </a:effectRef>
+          <a:fontRef idx="minor">
+            <a:schemeClr val="lt1"/>
+          </a:fontRef>
+        </p:style>
+        <p:txBody>
+          <a:bodyPr rtlCol="0" anchor="ctr"/>
+          <a:lstStyle/>
+          <a:p>
+            <a:pPr algn="ctr"/>
+            <a:endParaRPr lang="zh-TW" altLang="en-US"/>
+          </a:p>
+        </p:txBody>
+      </p:sp>
+      <p:sp>
+        <p:nvSpPr>
+          <p:cNvPr id="42" name="橢圓 41"/>
+          <p:cNvSpPr/>
+          <p:nvPr/>
+        </p:nvSpPr>
+        <p:spPr>
+          <a:xfrm>
+            <a:off x="2162446" y="1162372"/>
+            <a:ext cx="1354074" cy="1351224"/>
+          </a:xfrm>
+          <a:prstGeom prst="ellipse">
+            <a:avLst/>
+          </a:prstGeom>
+          <a:noFill/>
+          <a:ln w="38100">
+            <a:solidFill>
+              <a:srgbClr val="FF0000"/>
+            </a:solidFill>
+          </a:ln>
+        </p:spPr>
+        <p:style>
+          <a:lnRef idx="2">
+            <a:schemeClr val="accent1">
+              <a:shade val="50000"/>
+            </a:schemeClr>
+          </a:lnRef>
+          <a:fillRef idx="1">
+            <a:schemeClr val="accent1"/>
+          </a:fillRef>
+          <a:effectRef idx="0">
+            <a:schemeClr val="accent1"/>
+          </a:effectRef>
+          <a:fontRef idx="minor">
+            <a:schemeClr val="lt1"/>
+          </a:fontRef>
+        </p:style>
+        <p:txBody>
+          <a:bodyPr rtlCol="0" anchor="ctr"/>
+          <a:lstStyle/>
+          <a:p>
+            <a:pPr algn="ctr"/>
+            <a:endParaRPr lang="zh-TW" altLang="en-US"/>
+          </a:p>
+        </p:txBody>
+      </p:sp>
+      <p:sp>
+        <p:nvSpPr>
+          <p:cNvPr id="43" name="橢圓 42"/>
+          <p:cNvSpPr/>
+          <p:nvPr/>
+        </p:nvSpPr>
+        <p:spPr>
+          <a:xfrm>
+            <a:off x="3897372" y="1260044"/>
+            <a:ext cx="1354074" cy="1351224"/>
+          </a:xfrm>
+          <a:prstGeom prst="ellipse">
+            <a:avLst/>
+          </a:prstGeom>
+          <a:noFill/>
+          <a:ln w="38100">
+            <a:solidFill>
+              <a:srgbClr val="FF0000"/>
+            </a:solidFill>
+          </a:ln>
+        </p:spPr>
+        <p:style>
+          <a:lnRef idx="2">
+            <a:schemeClr val="accent1">
+              <a:shade val="50000"/>
+            </a:schemeClr>
+          </a:lnRef>
+          <a:fillRef idx="1">
+            <a:schemeClr val="accent1"/>
+          </a:fillRef>
+          <a:effectRef idx="0">
+            <a:schemeClr val="accent1"/>
+          </a:effectRef>
+          <a:fontRef idx="minor">
+            <a:schemeClr val="lt1"/>
+          </a:fontRef>
+        </p:style>
+        <p:txBody>
+          <a:bodyPr rtlCol="0" anchor="ctr"/>
+          <a:lstStyle/>
+          <a:p>
+            <a:pPr algn="ctr"/>
+            <a:endParaRPr lang="zh-TW" altLang="en-US"/>
+          </a:p>
+        </p:txBody>
+      </p:sp>
+      <p:sp>
+        <p:nvSpPr>
+          <p:cNvPr id="44" name="橢圓 43"/>
+          <p:cNvSpPr/>
+          <p:nvPr/>
+        </p:nvSpPr>
+        <p:spPr>
+          <a:xfrm>
+            <a:off x="3026779" y="2537204"/>
+            <a:ext cx="779652" cy="1300527"/>
+          </a:xfrm>
+          <a:prstGeom prst="ellipse">
+            <a:avLst/>
+          </a:prstGeom>
+          <a:noFill/>
+          <a:ln w="38100">
+            <a:solidFill>
+              <a:srgbClr val="FF0000"/>
+            </a:solidFill>
+          </a:ln>
+        </p:spPr>
+        <p:style>
+          <a:lnRef idx="2">
+            <a:schemeClr val="accent1">
+              <a:shade val="50000"/>
+            </a:schemeClr>
+          </a:lnRef>
+          <a:fillRef idx="1">
+            <a:schemeClr val="accent1"/>
+          </a:fillRef>
+          <a:effectRef idx="0">
+            <a:schemeClr val="accent1"/>
+          </a:effectRef>
+          <a:fontRef idx="minor">
+            <a:schemeClr val="lt1"/>
+          </a:fontRef>
+        </p:style>
+        <p:txBody>
+          <a:bodyPr rtlCol="0" anchor="ctr"/>
+          <a:lstStyle/>
+          <a:p>
+            <a:pPr algn="ctr"/>
+            <a:endParaRPr lang="zh-TW" altLang="en-US"/>
+          </a:p>
+        </p:txBody>
+      </p:sp>
+      <p:sp>
+        <p:nvSpPr>
+          <p:cNvPr id="45" name="橢圓 44"/>
+          <p:cNvSpPr/>
+          <p:nvPr/>
+        </p:nvSpPr>
+        <p:spPr>
+          <a:xfrm>
+            <a:off x="3956783" y="3187467"/>
+            <a:ext cx="1393462" cy="816937"/>
+          </a:xfrm>
+          <a:prstGeom prst="ellipse">
+            <a:avLst/>
+          </a:prstGeom>
+          <a:noFill/>
+          <a:ln w="38100">
+            <a:solidFill>
+              <a:srgbClr val="FF0000"/>
+            </a:solidFill>
+          </a:ln>
+        </p:spPr>
+        <p:style>
+          <a:lnRef idx="2">
+            <a:schemeClr val="accent1">
+              <a:shade val="50000"/>
+            </a:schemeClr>
+          </a:lnRef>
+          <a:fillRef idx="1">
+            <a:schemeClr val="accent1"/>
+          </a:fillRef>
+          <a:effectRef idx="0">
+            <a:schemeClr val="accent1"/>
+          </a:effectRef>
+          <a:fontRef idx="minor">
+            <a:schemeClr val="lt1"/>
+          </a:fontRef>
+        </p:style>
+        <p:txBody>
+          <a:bodyPr rtlCol="0" anchor="ctr"/>
+          <a:lstStyle/>
+          <a:p>
+            <a:pPr algn="ctr"/>
+            <a:endParaRPr lang="zh-TW" altLang="en-US"/>
+          </a:p>
+        </p:txBody>
+      </p:sp>
+      <p:sp>
+        <p:nvSpPr>
+          <p:cNvPr id="46" name="橢圓 45"/>
+          <p:cNvSpPr/>
+          <p:nvPr/>
+        </p:nvSpPr>
+        <p:spPr>
+          <a:xfrm>
+            <a:off x="5998280" y="3231404"/>
+            <a:ext cx="1393462" cy="816937"/>
+          </a:xfrm>
+          <a:prstGeom prst="ellipse">
+            <a:avLst/>
+          </a:prstGeom>
+          <a:noFill/>
+          <a:ln w="38100">
+            <a:solidFill>
+              <a:srgbClr val="FF0000"/>
+            </a:solidFill>
+          </a:ln>
+        </p:spPr>
+        <p:style>
+          <a:lnRef idx="2">
+            <a:schemeClr val="accent1">
+              <a:shade val="50000"/>
+            </a:schemeClr>
+          </a:lnRef>
+          <a:fillRef idx="1">
+            <a:schemeClr val="accent1"/>
+          </a:fillRef>
+          <a:effectRef idx="0">
+            <a:schemeClr val="accent1"/>
+          </a:effectRef>
+          <a:fontRef idx="minor">
+            <a:schemeClr val="lt1"/>
+          </a:fontRef>
+        </p:style>
+        <p:txBody>
+          <a:bodyPr rtlCol="0" anchor="ctr"/>
+          <a:lstStyle/>
+          <a:p>
+            <a:pPr algn="ctr"/>
+            <a:endParaRPr lang="zh-TW" altLang="en-US"/>
+          </a:p>
+        </p:txBody>
+      </p:sp>
+      <p:sp>
+        <p:nvSpPr>
+          <p:cNvPr id="47" name="橢圓 46"/>
+          <p:cNvSpPr/>
+          <p:nvPr/>
+        </p:nvSpPr>
+        <p:spPr>
+          <a:xfrm>
+            <a:off x="7457400" y="2345796"/>
+            <a:ext cx="1393462" cy="816937"/>
+          </a:xfrm>
+          <a:prstGeom prst="ellipse">
+            <a:avLst/>
+          </a:prstGeom>
+          <a:noFill/>
+          <a:ln w="38100">
+            <a:solidFill>
+              <a:srgbClr val="FF0000"/>
+            </a:solidFill>
+          </a:ln>
+        </p:spPr>
+        <p:style>
+          <a:lnRef idx="2">
+            <a:schemeClr val="accent1">
+              <a:shade val="50000"/>
+            </a:schemeClr>
+          </a:lnRef>
+          <a:fillRef idx="1">
+            <a:schemeClr val="accent1"/>
+          </a:fillRef>
+          <a:effectRef idx="0">
+            <a:schemeClr val="accent1"/>
+          </a:effectRef>
+          <a:fontRef idx="minor">
+            <a:schemeClr val="lt1"/>
+          </a:fontRef>
+        </p:style>
+        <p:txBody>
+          <a:bodyPr rtlCol="0" anchor="ctr"/>
+          <a:lstStyle/>
+          <a:p>
+            <a:pPr algn="ctr"/>
+            <a:endParaRPr lang="zh-TW" altLang="en-US"/>
+          </a:p>
+        </p:txBody>
+      </p:sp>
+      <p:sp>
+        <p:nvSpPr>
+          <p:cNvPr id="48" name="橢圓 47"/>
+          <p:cNvSpPr/>
+          <p:nvPr/>
+        </p:nvSpPr>
+        <p:spPr>
+          <a:xfrm>
+            <a:off x="5794922" y="1636785"/>
+            <a:ext cx="1393462" cy="816937"/>
+          </a:xfrm>
+          <a:prstGeom prst="ellipse">
+            <a:avLst/>
+          </a:prstGeom>
+          <a:noFill/>
+          <a:ln w="38100">
+            <a:solidFill>
+              <a:srgbClr val="FF0000"/>
+            </a:solidFill>
+          </a:ln>
+        </p:spPr>
+        <p:style>
+          <a:lnRef idx="2">
+            <a:schemeClr val="accent1">
+              <a:shade val="50000"/>
+            </a:schemeClr>
+          </a:lnRef>
+          <a:fillRef idx="1">
+            <a:schemeClr val="accent1"/>
+          </a:fillRef>
+          <a:effectRef idx="0">
+            <a:schemeClr val="accent1"/>
+          </a:effectRef>
+          <a:fontRef idx="minor">
+            <a:schemeClr val="lt1"/>
+          </a:fontRef>
+        </p:style>
+        <p:txBody>
+          <a:bodyPr rtlCol="0" anchor="ctr"/>
+          <a:lstStyle/>
+          <a:p>
+            <a:pPr algn="ctr"/>
+            <a:endParaRPr lang="zh-TW" altLang="en-US"/>
+          </a:p>
+        </p:txBody>
+      </p:sp>
+    </p:spTree>
+    <p:extLst>
+      <p:ext uri="{BB962C8B-B14F-4D97-AF65-F5344CB8AC3E}">
+        <p14:creationId xmlns:p14="http://schemas.microsoft.com/office/powerpoint/2010/main" val="4172767894"/>
+      </p:ext>
+    </p:extLst>
+  </p:cSld>
+  <p:clrMapOvr>
+    <a:masterClrMapping/>
+  </p:clrMapOvr>
+</p:sld>
+</file>
+
 <file path=ppt/theme/theme1.xml><?xml version="1.0" encoding="utf-8"?>
 <a:theme xmlns:a="http://schemas.openxmlformats.org/drawingml/2006/main" name="Office 佈景主題">
   <a:themeElements>
@@ -15238,6 +18339,12 @@
 </file>
 
 <file path=customXml/item1.xml><?xml version="1.0" encoding="utf-8"?>
+<p:properties xmlns:p="http://schemas.microsoft.com/office/2006/metadata/properties" xmlns:xsi="http://www.w3.org/2001/XMLSchema-instance">
+  <documentManagement/>
+</p:properties>
+</file>
+
+<file path=customXml/item2.xml><?xml version="1.0" encoding="utf-8"?>
 <ct:contentTypeSchema xmlns:ct="http://schemas.microsoft.com/office/2006/metadata/contentType" xmlns:ma="http://schemas.microsoft.com/office/2006/metadata/properties/metaAttributes" ct:_="" ma:_="" ma:contentTypeName="Document" ma:contentTypeID="0x0101000AA0115B54226D469CC0FAAE38E5F61C" ma:contentTypeVersion="3" ma:contentTypeDescription="Create a new document." ma:contentTypeScope="" ma:versionID="0ae424bb0065d3a2a055b165aca25ec5">
   <xsd:schema xmlns:xsd="http://www.w3.org/2001/XMLSchema" xmlns:p="http://schemas.microsoft.com/office/2006/metadata/properties" targetNamespace="http://schemas.microsoft.com/office/2006/metadata/properties" ma:root="true" ma:fieldsID="4aeb20c0e3442673af7ee10786458764">
     <xsd:element name="properties">
@@ -15286,12 +18393,6 @@
 </ct:contentTypeSchema>
 </file>
 
-<file path=customXml/item2.xml><?xml version="1.0" encoding="utf-8"?>
-<p:properties xmlns:p="http://schemas.microsoft.com/office/2006/metadata/properties" xmlns:xsi="http://www.w3.org/2001/XMLSchema-instance">
-  <documentManagement/>
-</p:properties>
-</file>
-
 <file path=customXml/item3.xml><?xml version="1.0" encoding="utf-8"?>
 <?mso-contentType ?>
 <FormTemplates xmlns="http://schemas.microsoft.com/sharepoint/v3/contenttype/forms">
@@ -15302,6 +18403,20 @@
 </file>
 
 <file path=customXml/itemProps1.xml><?xml version="1.0" encoding="utf-8"?>
+<ds:datastoreItem xmlns:ds="http://schemas.openxmlformats.org/officeDocument/2006/customXml" ds:itemID="{892A9AA9-F261-48C5-9DFB-0929A9F0E540}">
+  <ds:schemaRefs>
+    <ds:schemaRef ds:uri="http://schemas.microsoft.com/office/2006/documentManagement/types"/>
+    <ds:schemaRef ds:uri="http://schemas.microsoft.com/office/2006/metadata/properties"/>
+    <ds:schemaRef ds:uri="http://purl.org/dc/dcmitype/"/>
+    <ds:schemaRef ds:uri="http://purl.org/dc/terms/"/>
+    <ds:schemaRef ds:uri="http://schemas.openxmlformats.org/package/2006/metadata/core-properties"/>
+    <ds:schemaRef ds:uri="http://www.w3.org/XML/1998/namespace"/>
+    <ds:schemaRef ds:uri="http://purl.org/dc/elements/1.1/"/>
+  </ds:schemaRefs>
+</ds:datastoreItem>
+</file>
+
+<file path=customXml/itemProps2.xml><?xml version="1.0" encoding="utf-8"?>
 <ds:datastoreItem xmlns:ds="http://schemas.openxmlformats.org/officeDocument/2006/customXml" ds:itemID="{FE6BB287-9CB7-4AA6-A5A5-8D1CE03643F3}">
   <ds:schemaRefs>
     <ds:schemaRef ds:uri="http://schemas.microsoft.com/office/2006/metadata/contentType"/>
@@ -15316,20 +18431,6 @@
 </ds:datastoreItem>
 </file>
 
-<file path=customXml/itemProps2.xml><?xml version="1.0" encoding="utf-8"?>
-<ds:datastoreItem xmlns:ds="http://schemas.openxmlformats.org/officeDocument/2006/customXml" ds:itemID="{892A9AA9-F261-48C5-9DFB-0929A9F0E540}">
-  <ds:schemaRefs>
-    <ds:schemaRef ds:uri="http://schemas.microsoft.com/office/2006/documentManagement/types"/>
-    <ds:schemaRef ds:uri="http://schemas.microsoft.com/office/2006/metadata/properties"/>
-    <ds:schemaRef ds:uri="http://purl.org/dc/dcmitype/"/>
-    <ds:schemaRef ds:uri="http://purl.org/dc/terms/"/>
-    <ds:schemaRef ds:uri="http://schemas.openxmlformats.org/package/2006/metadata/core-properties"/>
-    <ds:schemaRef ds:uri="http://www.w3.org/XML/1998/namespace"/>
-    <ds:schemaRef ds:uri="http://purl.org/dc/elements/1.1/"/>
-  </ds:schemaRefs>
-</ds:datastoreItem>
-</file>
-
 <file path=customXml/itemProps3.xml><?xml version="1.0" encoding="utf-8"?>
 <ds:datastoreItem xmlns:ds="http://schemas.openxmlformats.org/officeDocument/2006/customXml" ds:itemID="{A1770BF7-49D5-46D6-8B76-1D8AF290B450}">
   <ds:schemaRefs>

--- a/source/_assets/Blog動畫.pptx
+++ b/source/_assets/Blog動畫.pptx
@@ -5,10 +5,10 @@
     <p:sldMasterId id="2147483752" r:id="rId4"/>
   </p:sldMasterIdLst>
   <p:notesMasterIdLst>
-    <p:notesMasterId r:id="rId14"/>
+    <p:notesMasterId r:id="rId15"/>
   </p:notesMasterIdLst>
   <p:handoutMasterIdLst>
-    <p:handoutMasterId r:id="rId15"/>
+    <p:handoutMasterId r:id="rId16"/>
   </p:handoutMasterIdLst>
   <p:sldIdLst>
     <p:sldId id="315" r:id="rId5"/>
@@ -20,6 +20,7 @@
     <p:sldId id="321" r:id="rId11"/>
     <p:sldId id="322" r:id="rId12"/>
     <p:sldId id="323" r:id="rId13"/>
+    <p:sldId id="324" r:id="rId14"/>
   </p:sldIdLst>
   <p:sldSz cx="12192000" cy="6858000"/>
   <p:notesSz cx="7099300" cy="10234613"/>
@@ -234,7 +235,7 @@
             <a:fld id="{3CDD3A71-4C75-488C-A8F3-A1F163ED0DB9}" type="datetimeFigureOut">
               <a:rPr lang="en-US" smtClean="0"/>
               <a:pPr/>
-              <a:t>6/5/2017</a:t>
+              <a:t>6/13/2017</a:t>
             </a:fld>
             <a:endParaRPr lang="en-US" dirty="0"/>
           </a:p>
@@ -402,7 +403,7 @@
             <a:fld id="{523CC419-8FB3-4D1C-8127-E63C1A13459D}" type="datetimeFigureOut">
               <a:rPr lang="en-US" smtClean="0"/>
               <a:pPr/>
-              <a:t>6/5/2017</a:t>
+              <a:t>6/13/2017</a:t>
             </a:fld>
             <a:endParaRPr lang="en-US" dirty="0"/>
           </a:p>
@@ -805,7 +806,7 @@
           <a:p>
             <a:fld id="{237FF733-248C-4CF7-A090-89CF012E357B}" type="datetimeFigureOut">
               <a:rPr lang="zh-TW" altLang="en-US" smtClean="0"/>
-              <a:t>2017/6/5</a:t>
+              <a:t>2017/6/13</a:t>
             </a:fld>
             <a:endParaRPr lang="zh-TW" altLang="en-US"/>
           </a:p>
@@ -976,7 +977,7 @@
           <a:p>
             <a:fld id="{237FF733-248C-4CF7-A090-89CF012E357B}" type="datetimeFigureOut">
               <a:rPr lang="zh-TW" altLang="en-US" smtClean="0"/>
-              <a:t>2017/6/5</a:t>
+              <a:t>2017/6/13</a:t>
             </a:fld>
             <a:endParaRPr lang="zh-TW" altLang="en-US"/>
           </a:p>
@@ -1157,7 +1158,7 @@
           <a:p>
             <a:fld id="{237FF733-248C-4CF7-A090-89CF012E357B}" type="datetimeFigureOut">
               <a:rPr lang="zh-TW" altLang="en-US" smtClean="0"/>
-              <a:t>2017/6/5</a:t>
+              <a:t>2017/6/13</a:t>
             </a:fld>
             <a:endParaRPr lang="zh-TW" altLang="en-US"/>
           </a:p>
@@ -1328,7 +1329,7 @@
           <a:p>
             <a:fld id="{237FF733-248C-4CF7-A090-89CF012E357B}" type="datetimeFigureOut">
               <a:rPr lang="zh-TW" altLang="en-US" smtClean="0"/>
-              <a:t>2017/6/5</a:t>
+              <a:t>2017/6/13</a:t>
             </a:fld>
             <a:endParaRPr lang="zh-TW" altLang="en-US"/>
           </a:p>
@@ -1575,7 +1576,7 @@
           <a:p>
             <a:fld id="{237FF733-248C-4CF7-A090-89CF012E357B}" type="datetimeFigureOut">
               <a:rPr lang="zh-TW" altLang="en-US" smtClean="0"/>
-              <a:t>2017/6/5</a:t>
+              <a:t>2017/6/13</a:t>
             </a:fld>
             <a:endParaRPr lang="zh-TW" altLang="en-US"/>
           </a:p>
@@ -1808,7 +1809,7 @@
           <a:p>
             <a:fld id="{237FF733-248C-4CF7-A090-89CF012E357B}" type="datetimeFigureOut">
               <a:rPr lang="zh-TW" altLang="en-US" smtClean="0"/>
-              <a:t>2017/6/5</a:t>
+              <a:t>2017/6/13</a:t>
             </a:fld>
             <a:endParaRPr lang="zh-TW" altLang="en-US"/>
           </a:p>
@@ -2176,7 +2177,7 @@
           <a:p>
             <a:fld id="{237FF733-248C-4CF7-A090-89CF012E357B}" type="datetimeFigureOut">
               <a:rPr lang="zh-TW" altLang="en-US" smtClean="0"/>
-              <a:t>2017/6/5</a:t>
+              <a:t>2017/6/13</a:t>
             </a:fld>
             <a:endParaRPr lang="zh-TW" altLang="en-US"/>
           </a:p>
@@ -2295,7 +2296,7 @@
           <a:p>
             <a:fld id="{237FF733-248C-4CF7-A090-89CF012E357B}" type="datetimeFigureOut">
               <a:rPr lang="zh-TW" altLang="en-US" smtClean="0"/>
-              <a:t>2017/6/5</a:t>
+              <a:t>2017/6/13</a:t>
             </a:fld>
             <a:endParaRPr lang="zh-TW" altLang="en-US"/>
           </a:p>
@@ -2391,7 +2392,7 @@
           <a:p>
             <a:fld id="{237FF733-248C-4CF7-A090-89CF012E357B}" type="datetimeFigureOut">
               <a:rPr lang="zh-TW" altLang="en-US" smtClean="0"/>
-              <a:t>2017/6/5</a:t>
+              <a:t>2017/6/13</a:t>
             </a:fld>
             <a:endParaRPr lang="zh-TW" altLang="en-US"/>
           </a:p>
@@ -2669,7 +2670,7 @@
           <a:p>
             <a:fld id="{237FF733-248C-4CF7-A090-89CF012E357B}" type="datetimeFigureOut">
               <a:rPr lang="zh-TW" altLang="en-US" smtClean="0"/>
-              <a:t>2017/6/5</a:t>
+              <a:t>2017/6/13</a:t>
             </a:fld>
             <a:endParaRPr lang="zh-TW" altLang="en-US"/>
           </a:p>
@@ -2927,7 +2928,7 @@
           <a:p>
             <a:fld id="{237FF733-248C-4CF7-A090-89CF012E357B}" type="datetimeFigureOut">
               <a:rPr lang="zh-TW" altLang="en-US" smtClean="0"/>
-              <a:t>2017/6/5</a:t>
+              <a:t>2017/6/13</a:t>
             </a:fld>
             <a:endParaRPr lang="zh-TW" altLang="en-US"/>
           </a:p>
@@ -3141,7 +3142,7 @@
           <a:p>
             <a:fld id="{237FF733-248C-4CF7-A090-89CF012E357B}" type="datetimeFigureOut">
               <a:rPr lang="zh-TW" altLang="en-US" smtClean="0"/>
-              <a:t>2017/6/5</a:t>
+              <a:t>2017/6/13</a:t>
             </a:fld>
             <a:endParaRPr lang="zh-TW" altLang="en-US"/>
           </a:p>
@@ -5538,6 +5539,425 @@
 </p:sld>
 </file>
 
+<file path=ppt/slides/slide10.xml><?xml version="1.0" encoding="utf-8"?>
+<p:sld xmlns:a="http://schemas.openxmlformats.org/drawingml/2006/main" xmlns:r="http://schemas.openxmlformats.org/officeDocument/2006/relationships" xmlns:p="http://schemas.openxmlformats.org/presentationml/2006/main">
+  <p:cSld>
+    <p:spTree>
+      <p:nvGrpSpPr>
+        <p:cNvPr id="1" name=""/>
+        <p:cNvGrpSpPr/>
+        <p:nvPr/>
+      </p:nvGrpSpPr>
+      <p:grpSpPr>
+        <a:xfrm>
+          <a:off x="0" y="0"/>
+          <a:ext cx="0" cy="0"/>
+          <a:chOff x="0" y="0"/>
+          <a:chExt cx="0" cy="0"/>
+        </a:xfrm>
+      </p:grpSpPr>
+      <p:sp>
+        <p:nvSpPr>
+          <p:cNvPr id="62" name="左-右雙向箭號 61"/>
+          <p:cNvSpPr/>
+          <p:nvPr/>
+        </p:nvSpPr>
+        <p:spPr>
+          <a:xfrm>
+            <a:off x="3805899" y="4137676"/>
+            <a:ext cx="2521774" cy="510524"/>
+          </a:xfrm>
+          <a:prstGeom prst="leftRightArrow">
+            <a:avLst/>
+          </a:prstGeom>
+        </p:spPr>
+        <p:style>
+          <a:lnRef idx="2">
+            <a:schemeClr val="accent1">
+              <a:shade val="50000"/>
+            </a:schemeClr>
+          </a:lnRef>
+          <a:fillRef idx="1">
+            <a:schemeClr val="accent1"/>
+          </a:fillRef>
+          <a:effectRef idx="0">
+            <a:schemeClr val="accent1"/>
+          </a:effectRef>
+          <a:fontRef idx="minor">
+            <a:schemeClr val="lt1"/>
+          </a:fontRef>
+        </p:style>
+        <p:txBody>
+          <a:bodyPr rtlCol="0" anchor="ctr"/>
+          <a:lstStyle/>
+          <a:p>
+            <a:pPr algn="ctr"/>
+            <a:endParaRPr lang="zh-TW" altLang="en-US"/>
+          </a:p>
+        </p:txBody>
+      </p:sp>
+      <p:sp>
+        <p:nvSpPr>
+          <p:cNvPr id="39" name="矩形 38"/>
+          <p:cNvSpPr/>
+          <p:nvPr/>
+        </p:nvSpPr>
+        <p:spPr>
+          <a:xfrm>
+            <a:off x="1679986" y="990600"/>
+            <a:ext cx="1905000" cy="3733800"/>
+          </a:xfrm>
+          <a:prstGeom prst="rect">
+            <a:avLst/>
+          </a:prstGeom>
+        </p:spPr>
+        <p:style>
+          <a:lnRef idx="1">
+            <a:schemeClr val="accent1"/>
+          </a:lnRef>
+          <a:fillRef idx="2">
+            <a:schemeClr val="accent1"/>
+          </a:fillRef>
+          <a:effectRef idx="1">
+            <a:schemeClr val="accent1"/>
+          </a:effectRef>
+          <a:fontRef idx="minor">
+            <a:schemeClr val="dk1"/>
+          </a:fontRef>
+        </p:style>
+        <p:txBody>
+          <a:bodyPr rtlCol="0" anchor="ctr"/>
+          <a:lstStyle/>
+          <a:p>
+            <a:pPr algn="ctr"/>
+            <a:r>
+              <a:rPr lang="en-US" altLang="zh-TW" dirty="0" err="1" smtClean="0"/>
+              <a:t>TypeScript</a:t>
+            </a:r>
+            <a:endParaRPr lang="en-US" altLang="zh-TW" dirty="0" smtClean="0"/>
+          </a:p>
+          <a:p>
+            <a:pPr algn="ctr"/>
+            <a:r>
+              <a:rPr lang="en-US" altLang="zh-TW" dirty="0" smtClean="0"/>
+              <a:t>(</a:t>
+            </a:r>
+            <a:r>
+              <a:rPr lang="en-US" altLang="zh-TW" dirty="0"/>
+              <a:t>Component)</a:t>
+            </a:r>
+          </a:p>
+        </p:txBody>
+      </p:sp>
+      <p:sp>
+        <p:nvSpPr>
+          <p:cNvPr id="41" name="矩形 40"/>
+          <p:cNvSpPr/>
+          <p:nvPr/>
+        </p:nvSpPr>
+        <p:spPr>
+          <a:xfrm>
+            <a:off x="6555758" y="980298"/>
+            <a:ext cx="1905000" cy="3733800"/>
+          </a:xfrm>
+          <a:prstGeom prst="rect">
+            <a:avLst/>
+          </a:prstGeom>
+        </p:spPr>
+        <p:style>
+          <a:lnRef idx="1">
+            <a:schemeClr val="accent4"/>
+          </a:lnRef>
+          <a:fillRef idx="2">
+            <a:schemeClr val="accent4"/>
+          </a:fillRef>
+          <a:effectRef idx="1">
+            <a:schemeClr val="accent4"/>
+          </a:effectRef>
+          <a:fontRef idx="minor">
+            <a:schemeClr val="dk1"/>
+          </a:fontRef>
+        </p:style>
+        <p:txBody>
+          <a:bodyPr rtlCol="0" anchor="ctr"/>
+          <a:lstStyle/>
+          <a:p>
+            <a:pPr algn="ctr"/>
+            <a:r>
+              <a:rPr lang="en-US" altLang="zh-TW" dirty="0" smtClean="0"/>
+              <a:t>HTML</a:t>
+            </a:r>
+          </a:p>
+          <a:p>
+            <a:pPr algn="ctr"/>
+            <a:r>
+              <a:rPr lang="en-US" altLang="zh-TW" dirty="0" smtClean="0"/>
+              <a:t>(Template)</a:t>
+            </a:r>
+            <a:endParaRPr lang="en-US" altLang="zh-TW" dirty="0"/>
+          </a:p>
+        </p:txBody>
+      </p:sp>
+      <p:sp>
+        <p:nvSpPr>
+          <p:cNvPr id="52" name="向右箭號 51"/>
+          <p:cNvSpPr/>
+          <p:nvPr/>
+        </p:nvSpPr>
+        <p:spPr>
+          <a:xfrm>
+            <a:off x="3813072" y="2133600"/>
+            <a:ext cx="2514600" cy="533400"/>
+          </a:xfrm>
+          <a:prstGeom prst="rightArrow">
+            <a:avLst/>
+          </a:prstGeom>
+        </p:spPr>
+        <p:style>
+          <a:lnRef idx="2">
+            <a:schemeClr val="accent1">
+              <a:shade val="50000"/>
+            </a:schemeClr>
+          </a:lnRef>
+          <a:fillRef idx="1">
+            <a:schemeClr val="accent1"/>
+          </a:fillRef>
+          <a:effectRef idx="0">
+            <a:schemeClr val="accent1"/>
+          </a:effectRef>
+          <a:fontRef idx="minor">
+            <a:schemeClr val="lt1"/>
+          </a:fontRef>
+        </p:style>
+        <p:txBody>
+          <a:bodyPr rtlCol="0" anchor="ctr"/>
+          <a:lstStyle/>
+          <a:p>
+            <a:pPr algn="ctr"/>
+            <a:endParaRPr lang="zh-TW" altLang="en-US"/>
+          </a:p>
+        </p:txBody>
+      </p:sp>
+      <p:sp>
+        <p:nvSpPr>
+          <p:cNvPr id="53" name="矩形 52"/>
+          <p:cNvSpPr/>
+          <p:nvPr/>
+        </p:nvSpPr>
+        <p:spPr>
+          <a:xfrm>
+            <a:off x="3813072" y="1883036"/>
+            <a:ext cx="2507428" cy="369332"/>
+          </a:xfrm>
+          <a:prstGeom prst="rect">
+            <a:avLst/>
+          </a:prstGeom>
+        </p:spPr>
+        <p:txBody>
+          <a:bodyPr wrap="square">
+            <a:spAutoFit/>
+          </a:bodyPr>
+          <a:lstStyle/>
+          <a:p>
+            <a:pPr algn="ctr"/>
+            <a:r>
+              <a:rPr lang="en-US" altLang="zh-TW" b="1" dirty="0" smtClean="0"/>
+              <a:t>Property Binding</a:t>
+            </a:r>
+            <a:endParaRPr lang="en-US" altLang="zh-TW" dirty="0"/>
+          </a:p>
+        </p:txBody>
+      </p:sp>
+      <p:sp>
+        <p:nvSpPr>
+          <p:cNvPr id="54" name="向右箭號 53"/>
+          <p:cNvSpPr/>
+          <p:nvPr/>
+        </p:nvSpPr>
+        <p:spPr>
+          <a:xfrm rot="10800000">
+            <a:off x="3805900" y="3102236"/>
+            <a:ext cx="2514600" cy="533400"/>
+          </a:xfrm>
+          <a:prstGeom prst="rightArrow">
+            <a:avLst/>
+          </a:prstGeom>
+        </p:spPr>
+        <p:style>
+          <a:lnRef idx="2">
+            <a:schemeClr val="accent1">
+              <a:shade val="50000"/>
+            </a:schemeClr>
+          </a:lnRef>
+          <a:fillRef idx="1">
+            <a:schemeClr val="accent1"/>
+          </a:fillRef>
+          <a:effectRef idx="0">
+            <a:schemeClr val="accent1"/>
+          </a:effectRef>
+          <a:fontRef idx="minor">
+            <a:schemeClr val="lt1"/>
+          </a:fontRef>
+        </p:style>
+        <p:txBody>
+          <a:bodyPr rtlCol="0" anchor="ctr"/>
+          <a:lstStyle/>
+          <a:p>
+            <a:pPr algn="ctr"/>
+            <a:endParaRPr lang="zh-TW" altLang="en-US"/>
+          </a:p>
+        </p:txBody>
+      </p:sp>
+      <p:sp>
+        <p:nvSpPr>
+          <p:cNvPr id="55" name="矩形 54"/>
+          <p:cNvSpPr/>
+          <p:nvPr/>
+        </p:nvSpPr>
+        <p:spPr>
+          <a:xfrm>
+            <a:off x="3805900" y="2851672"/>
+            <a:ext cx="2521772" cy="369332"/>
+          </a:xfrm>
+          <a:prstGeom prst="rect">
+            <a:avLst/>
+          </a:prstGeom>
+        </p:spPr>
+        <p:txBody>
+          <a:bodyPr wrap="square">
+            <a:spAutoFit/>
+          </a:bodyPr>
+          <a:lstStyle/>
+          <a:p>
+            <a:pPr algn="ctr"/>
+            <a:r>
+              <a:rPr lang="en-US" altLang="zh-TW" b="1" dirty="0" smtClean="0"/>
+              <a:t>Event Binding</a:t>
+            </a:r>
+            <a:endParaRPr lang="en-US" altLang="zh-TW" dirty="0"/>
+          </a:p>
+        </p:txBody>
+      </p:sp>
+      <p:sp>
+        <p:nvSpPr>
+          <p:cNvPr id="56" name="向右箭號 55"/>
+          <p:cNvSpPr/>
+          <p:nvPr/>
+        </p:nvSpPr>
+        <p:spPr>
+          <a:xfrm>
+            <a:off x="3805900" y="1164964"/>
+            <a:ext cx="2514600" cy="533400"/>
+          </a:xfrm>
+          <a:prstGeom prst="rightArrow">
+            <a:avLst/>
+          </a:prstGeom>
+        </p:spPr>
+        <p:style>
+          <a:lnRef idx="2">
+            <a:schemeClr val="accent1">
+              <a:shade val="50000"/>
+            </a:schemeClr>
+          </a:lnRef>
+          <a:fillRef idx="1">
+            <a:schemeClr val="accent1"/>
+          </a:fillRef>
+          <a:effectRef idx="0">
+            <a:schemeClr val="accent1"/>
+          </a:effectRef>
+          <a:fontRef idx="minor">
+            <a:schemeClr val="lt1"/>
+          </a:fontRef>
+        </p:style>
+        <p:txBody>
+          <a:bodyPr rtlCol="0" anchor="ctr"/>
+          <a:lstStyle/>
+          <a:p>
+            <a:pPr algn="ctr"/>
+            <a:endParaRPr lang="zh-TW" altLang="en-US"/>
+          </a:p>
+        </p:txBody>
+      </p:sp>
+      <p:sp>
+        <p:nvSpPr>
+          <p:cNvPr id="57" name="矩形 56"/>
+          <p:cNvSpPr/>
+          <p:nvPr/>
+        </p:nvSpPr>
+        <p:spPr>
+          <a:xfrm>
+            <a:off x="3805900" y="914400"/>
+            <a:ext cx="2514600" cy="369332"/>
+          </a:xfrm>
+          <a:prstGeom prst="rect">
+            <a:avLst/>
+          </a:prstGeom>
+        </p:spPr>
+        <p:txBody>
+          <a:bodyPr wrap="square">
+            <a:spAutoFit/>
+          </a:bodyPr>
+          <a:lstStyle/>
+          <a:p>
+            <a:pPr algn="ctr"/>
+            <a:r>
+              <a:rPr lang="en-US" altLang="zh-TW" b="1" dirty="0"/>
+              <a:t>Interpolation</a:t>
+            </a:r>
+            <a:endParaRPr lang="en-US" altLang="zh-TW" dirty="0"/>
+          </a:p>
+        </p:txBody>
+      </p:sp>
+      <p:sp>
+        <p:nvSpPr>
+          <p:cNvPr id="61" name="矩形 60"/>
+          <p:cNvSpPr/>
+          <p:nvPr/>
+        </p:nvSpPr>
+        <p:spPr>
+          <a:xfrm>
+            <a:off x="3805900" y="3821668"/>
+            <a:ext cx="2514600" cy="369332"/>
+          </a:xfrm>
+          <a:prstGeom prst="rect">
+            <a:avLst/>
+          </a:prstGeom>
+        </p:spPr>
+        <p:txBody>
+          <a:bodyPr wrap="square">
+            <a:spAutoFit/>
+          </a:bodyPr>
+          <a:lstStyle/>
+          <a:p>
+            <a:pPr algn="ctr"/>
+            <a:r>
+              <a:rPr lang="en-US" altLang="zh-TW" b="1" dirty="0"/>
+              <a:t>Two-way Data Binding</a:t>
+            </a:r>
+            <a:endParaRPr lang="en-US" altLang="zh-TW" dirty="0"/>
+          </a:p>
+        </p:txBody>
+      </p:sp>
+    </p:spTree>
+    <p:extLst>
+      <p:ext uri="{BB962C8B-B14F-4D97-AF65-F5344CB8AC3E}">
+        <p14:creationId xmlns:p14="http://schemas.microsoft.com/office/powerpoint/2010/main" val="4206756709"/>
+      </p:ext>
+    </p:extLst>
+  </p:cSld>
+  <p:clrMapOvr>
+    <a:masterClrMapping/>
+  </p:clrMapOvr>
+  <p:timing>
+    <p:tnLst>
+      <p:par>
+        <p:cTn id="1" dur="indefinite" restart="never" nodeType="tmRoot"/>
+      </p:par>
+    </p:tnLst>
+  </p:timing>
+</p:sld>
+</file>
+
 <file path=ppt/slides/slide2.xml><?xml version="1.0" encoding="utf-8"?>
 <p:sld xmlns:a="http://schemas.openxmlformats.org/drawingml/2006/main" xmlns:r="http://schemas.openxmlformats.org/officeDocument/2006/relationships" xmlns:p="http://schemas.openxmlformats.org/presentationml/2006/main">
   <p:cSld>
@@ -17508,6 +17928,13 @@
   <p:clrMapOvr>
     <a:masterClrMapping/>
   </p:clrMapOvr>
+  <p:timing>
+    <p:tnLst>
+      <p:par>
+        <p:cTn id="1" dur="indefinite" restart="never" nodeType="tmRoot"/>
+      </p:par>
+    </p:tnLst>
+  </p:timing>
 </p:sld>
 </file>
 
@@ -18345,6 +18772,15 @@
 </file>
 
 <file path=customXml/item2.xml><?xml version="1.0" encoding="utf-8"?>
+<?mso-contentType ?>
+<FormTemplates xmlns="http://schemas.microsoft.com/sharepoint/v3/contenttype/forms">
+  <Display>DocumentLibraryForm</Display>
+  <Edit>DocumentLibraryForm</Edit>
+  <New>DocumentLibraryForm</New>
+</FormTemplates>
+</file>
+
+<file path=customXml/item3.xml><?xml version="1.0" encoding="utf-8"?>
 <ct:contentTypeSchema xmlns:ct="http://schemas.microsoft.com/office/2006/metadata/contentType" xmlns:ma="http://schemas.microsoft.com/office/2006/metadata/properties/metaAttributes" ct:_="" ma:_="" ma:contentTypeName="Document" ma:contentTypeID="0x0101000AA0115B54226D469CC0FAAE38E5F61C" ma:contentTypeVersion="3" ma:contentTypeDescription="Create a new document." ma:contentTypeScope="" ma:versionID="0ae424bb0065d3a2a055b165aca25ec5">
   <xsd:schema xmlns:xsd="http://www.w3.org/2001/XMLSchema" xmlns:p="http://schemas.microsoft.com/office/2006/metadata/properties" targetNamespace="http://schemas.microsoft.com/office/2006/metadata/properties" ma:root="true" ma:fieldsID="4aeb20c0e3442673af7ee10786458764">
     <xsd:element name="properties">
@@ -18393,15 +18829,6 @@
 </ct:contentTypeSchema>
 </file>
 
-<file path=customXml/item3.xml><?xml version="1.0" encoding="utf-8"?>
-<?mso-contentType ?>
-<FormTemplates xmlns="http://schemas.microsoft.com/sharepoint/v3/contenttype/forms">
-  <Display>DocumentLibraryForm</Display>
-  <Edit>DocumentLibraryForm</Edit>
-  <New>DocumentLibraryForm</New>
-</FormTemplates>
-</file>
-
 <file path=customXml/itemProps1.xml><?xml version="1.0" encoding="utf-8"?>
 <ds:datastoreItem xmlns:ds="http://schemas.openxmlformats.org/officeDocument/2006/customXml" ds:itemID="{892A9AA9-F261-48C5-9DFB-0929A9F0E540}">
   <ds:schemaRefs>
@@ -18417,6 +18844,14 @@
 </file>
 
 <file path=customXml/itemProps2.xml><?xml version="1.0" encoding="utf-8"?>
+<ds:datastoreItem xmlns:ds="http://schemas.openxmlformats.org/officeDocument/2006/customXml" ds:itemID="{A1770BF7-49D5-46D6-8B76-1D8AF290B450}">
+  <ds:schemaRefs>
+    <ds:schemaRef ds:uri="http://schemas.microsoft.com/sharepoint/v3/contenttype/forms"/>
+  </ds:schemaRefs>
+</ds:datastoreItem>
+</file>
+
+<file path=customXml/itemProps3.xml><?xml version="1.0" encoding="utf-8"?>
 <ds:datastoreItem xmlns:ds="http://schemas.openxmlformats.org/officeDocument/2006/customXml" ds:itemID="{FE6BB287-9CB7-4AA6-A5A5-8D1CE03643F3}">
   <ds:schemaRefs>
     <ds:schemaRef ds:uri="http://schemas.microsoft.com/office/2006/metadata/contentType"/>
@@ -18429,12 +18864,4 @@
     <ds:schemaRef ds:uri="http://schemas.microsoft.com/office/internal/2005/internalDocumentation"/>
   </ds:schemaRefs>
 </ds:datastoreItem>
-</file>
-
-<file path=customXml/itemProps3.xml><?xml version="1.0" encoding="utf-8"?>
-<ds:datastoreItem xmlns:ds="http://schemas.openxmlformats.org/officeDocument/2006/customXml" ds:itemID="{A1770BF7-49D5-46D6-8B76-1D8AF290B450}">
-  <ds:schemaRefs>
-    <ds:schemaRef ds:uri="http://schemas.microsoft.com/sharepoint/v3/contenttype/forms"/>
-  </ds:schemaRefs>
-</ds:datastoreItem>
 </file>
--- a/source/_assets/Blog動畫.pptx
+++ b/source/_assets/Blog動畫.pptx
@@ -5,10 +5,10 @@
     <p:sldMasterId id="2147483752" r:id="rId4"/>
   </p:sldMasterIdLst>
   <p:notesMasterIdLst>
-    <p:notesMasterId r:id="rId15"/>
+    <p:notesMasterId r:id="rId16"/>
   </p:notesMasterIdLst>
   <p:handoutMasterIdLst>
-    <p:handoutMasterId r:id="rId16"/>
+    <p:handoutMasterId r:id="rId17"/>
   </p:handoutMasterIdLst>
   <p:sldIdLst>
     <p:sldId id="315" r:id="rId5"/>
@@ -21,6 +21,7 @@
     <p:sldId id="322" r:id="rId12"/>
     <p:sldId id="323" r:id="rId13"/>
     <p:sldId id="324" r:id="rId14"/>
+    <p:sldId id="325" r:id="rId15"/>
   </p:sldIdLst>
   <p:sldSz cx="12192000" cy="6858000"/>
   <p:notesSz cx="7099300" cy="10234613"/>
@@ -235,7 +236,7 @@
             <a:fld id="{3CDD3A71-4C75-488C-A8F3-A1F163ED0DB9}" type="datetimeFigureOut">
               <a:rPr lang="en-US" smtClean="0"/>
               <a:pPr/>
-              <a:t>6/13/2017</a:t>
+              <a:t>6/16/2017</a:t>
             </a:fld>
             <a:endParaRPr lang="en-US" dirty="0"/>
           </a:p>
@@ -403,7 +404,7 @@
             <a:fld id="{523CC419-8FB3-4D1C-8127-E63C1A13459D}" type="datetimeFigureOut">
               <a:rPr lang="en-US" smtClean="0"/>
               <a:pPr/>
-              <a:t>6/13/2017</a:t>
+              <a:t>6/16/2017</a:t>
             </a:fld>
             <a:endParaRPr lang="en-US" dirty="0"/>
           </a:p>
@@ -806,7 +807,7 @@
           <a:p>
             <a:fld id="{237FF733-248C-4CF7-A090-89CF012E357B}" type="datetimeFigureOut">
               <a:rPr lang="zh-TW" altLang="en-US" smtClean="0"/>
-              <a:t>2017/6/13</a:t>
+              <a:t>2017/6/16</a:t>
             </a:fld>
             <a:endParaRPr lang="zh-TW" altLang="en-US"/>
           </a:p>
@@ -977,7 +978,7 @@
           <a:p>
             <a:fld id="{237FF733-248C-4CF7-A090-89CF012E357B}" type="datetimeFigureOut">
               <a:rPr lang="zh-TW" altLang="en-US" smtClean="0"/>
-              <a:t>2017/6/13</a:t>
+              <a:t>2017/6/16</a:t>
             </a:fld>
             <a:endParaRPr lang="zh-TW" altLang="en-US"/>
           </a:p>
@@ -1158,7 +1159,7 @@
           <a:p>
             <a:fld id="{237FF733-248C-4CF7-A090-89CF012E357B}" type="datetimeFigureOut">
               <a:rPr lang="zh-TW" altLang="en-US" smtClean="0"/>
-              <a:t>2017/6/13</a:t>
+              <a:t>2017/6/16</a:t>
             </a:fld>
             <a:endParaRPr lang="zh-TW" altLang="en-US"/>
           </a:p>
@@ -1329,7 +1330,7 @@
           <a:p>
             <a:fld id="{237FF733-248C-4CF7-A090-89CF012E357B}" type="datetimeFigureOut">
               <a:rPr lang="zh-TW" altLang="en-US" smtClean="0"/>
-              <a:t>2017/6/13</a:t>
+              <a:t>2017/6/16</a:t>
             </a:fld>
             <a:endParaRPr lang="zh-TW" altLang="en-US"/>
           </a:p>
@@ -1576,7 +1577,7 @@
           <a:p>
             <a:fld id="{237FF733-248C-4CF7-A090-89CF012E357B}" type="datetimeFigureOut">
               <a:rPr lang="zh-TW" altLang="en-US" smtClean="0"/>
-              <a:t>2017/6/13</a:t>
+              <a:t>2017/6/16</a:t>
             </a:fld>
             <a:endParaRPr lang="zh-TW" altLang="en-US"/>
           </a:p>
@@ -1809,7 +1810,7 @@
           <a:p>
             <a:fld id="{237FF733-248C-4CF7-A090-89CF012E357B}" type="datetimeFigureOut">
               <a:rPr lang="zh-TW" altLang="en-US" smtClean="0"/>
-              <a:t>2017/6/13</a:t>
+              <a:t>2017/6/16</a:t>
             </a:fld>
             <a:endParaRPr lang="zh-TW" altLang="en-US"/>
           </a:p>
@@ -2177,7 +2178,7 @@
           <a:p>
             <a:fld id="{237FF733-248C-4CF7-A090-89CF012E357B}" type="datetimeFigureOut">
               <a:rPr lang="zh-TW" altLang="en-US" smtClean="0"/>
-              <a:t>2017/6/13</a:t>
+              <a:t>2017/6/16</a:t>
             </a:fld>
             <a:endParaRPr lang="zh-TW" altLang="en-US"/>
           </a:p>
@@ -2296,7 +2297,7 @@
           <a:p>
             <a:fld id="{237FF733-248C-4CF7-A090-89CF012E357B}" type="datetimeFigureOut">
               <a:rPr lang="zh-TW" altLang="en-US" smtClean="0"/>
-              <a:t>2017/6/13</a:t>
+              <a:t>2017/6/16</a:t>
             </a:fld>
             <a:endParaRPr lang="zh-TW" altLang="en-US"/>
           </a:p>
@@ -2392,7 +2393,7 @@
           <a:p>
             <a:fld id="{237FF733-248C-4CF7-A090-89CF012E357B}" type="datetimeFigureOut">
               <a:rPr lang="zh-TW" altLang="en-US" smtClean="0"/>
-              <a:t>2017/6/13</a:t>
+              <a:t>2017/6/16</a:t>
             </a:fld>
             <a:endParaRPr lang="zh-TW" altLang="en-US"/>
           </a:p>
@@ -2670,7 +2671,7 @@
           <a:p>
             <a:fld id="{237FF733-248C-4CF7-A090-89CF012E357B}" type="datetimeFigureOut">
               <a:rPr lang="zh-TW" altLang="en-US" smtClean="0"/>
-              <a:t>2017/6/13</a:t>
+              <a:t>2017/6/16</a:t>
             </a:fld>
             <a:endParaRPr lang="zh-TW" altLang="en-US"/>
           </a:p>
@@ -2928,7 +2929,7 @@
           <a:p>
             <a:fld id="{237FF733-248C-4CF7-A090-89CF012E357B}" type="datetimeFigureOut">
               <a:rPr lang="zh-TW" altLang="en-US" smtClean="0"/>
-              <a:t>2017/6/13</a:t>
+              <a:t>2017/6/16</a:t>
             </a:fld>
             <a:endParaRPr lang="zh-TW" altLang="en-US"/>
           </a:p>
@@ -3142,7 +3143,7 @@
           <a:p>
             <a:fld id="{237FF733-248C-4CF7-A090-89CF012E357B}" type="datetimeFigureOut">
               <a:rPr lang="zh-TW" altLang="en-US" smtClean="0"/>
-              <a:t>2017/6/13</a:t>
+              <a:t>2017/6/16</a:t>
             </a:fld>
             <a:endParaRPr lang="zh-TW" altLang="en-US"/>
           </a:p>
@@ -5558,54 +5559,14 @@
       </p:grpSpPr>
       <p:sp>
         <p:nvSpPr>
-          <p:cNvPr id="62" name="左-右雙向箭號 61"/>
-          <p:cNvSpPr/>
-          <p:nvPr/>
-        </p:nvSpPr>
-        <p:spPr>
-          <a:xfrm>
-            <a:off x="3805899" y="4137676"/>
-            <a:ext cx="2521774" cy="510524"/>
-          </a:xfrm>
-          <a:prstGeom prst="leftRightArrow">
-            <a:avLst/>
-          </a:prstGeom>
-        </p:spPr>
-        <p:style>
-          <a:lnRef idx="2">
-            <a:schemeClr val="accent1">
-              <a:shade val="50000"/>
-            </a:schemeClr>
-          </a:lnRef>
-          <a:fillRef idx="1">
-            <a:schemeClr val="accent1"/>
-          </a:fillRef>
-          <a:effectRef idx="0">
-            <a:schemeClr val="accent1"/>
-          </a:effectRef>
-          <a:fontRef idx="minor">
-            <a:schemeClr val="lt1"/>
-          </a:fontRef>
-        </p:style>
-        <p:txBody>
-          <a:bodyPr rtlCol="0" anchor="ctr"/>
-          <a:lstStyle/>
-          <a:p>
-            <a:pPr algn="ctr"/>
-            <a:endParaRPr lang="zh-TW" altLang="en-US"/>
-          </a:p>
-        </p:txBody>
-      </p:sp>
-      <p:sp>
-        <p:nvSpPr>
           <p:cNvPr id="39" name="矩形 38"/>
           <p:cNvSpPr/>
           <p:nvPr/>
         </p:nvSpPr>
         <p:spPr>
           <a:xfrm>
-            <a:off x="1679986" y="990600"/>
-            <a:ext cx="1905000" cy="3733800"/>
+            <a:off x="1902874" y="2362201"/>
+            <a:ext cx="1440000" cy="2560542"/>
           </a:xfrm>
           <a:prstGeom prst="rect">
             <a:avLst/>
@@ -5631,19 +5592,19 @@
           <a:p>
             <a:pPr algn="ctr"/>
             <a:r>
-              <a:rPr lang="en-US" altLang="zh-TW" dirty="0" err="1" smtClean="0"/>
+              <a:rPr lang="en-US" altLang="zh-TW" b="1" dirty="0" err="1" smtClean="0"/>
               <a:t>TypeScript</a:t>
             </a:r>
-            <a:endParaRPr lang="en-US" altLang="zh-TW" dirty="0" smtClean="0"/>
+            <a:endParaRPr lang="en-US" altLang="zh-TW" b="1" dirty="0" smtClean="0"/>
           </a:p>
           <a:p>
             <a:pPr algn="ctr"/>
             <a:r>
-              <a:rPr lang="en-US" altLang="zh-TW" dirty="0" smtClean="0"/>
+              <a:rPr lang="en-US" altLang="zh-TW" b="1" dirty="0" smtClean="0"/>
               <a:t>(</a:t>
             </a:r>
             <a:r>
-              <a:rPr lang="en-US" altLang="zh-TW" dirty="0"/>
+              <a:rPr lang="en-US" altLang="zh-TW" b="1" dirty="0"/>
               <a:t>Component)</a:t>
             </a:r>
           </a:p>
@@ -5657,8 +5618,8 @@
         </p:nvSpPr>
         <p:spPr>
           <a:xfrm>
-            <a:off x="6555758" y="980298"/>
-            <a:ext cx="1905000" cy="3733800"/>
+            <a:off x="5334000" y="2362200"/>
+            <a:ext cx="1440000" cy="2560542"/>
           </a:xfrm>
           <a:prstGeom prst="rect">
             <a:avLst/>
@@ -5684,46 +5645,413 @@
           <a:p>
             <a:pPr algn="ctr"/>
             <a:r>
-              <a:rPr lang="en-US" altLang="zh-TW" dirty="0" smtClean="0"/>
+              <a:rPr lang="en-US" altLang="zh-TW" b="1" dirty="0" smtClean="0"/>
               <a:t>HTML</a:t>
             </a:r>
           </a:p>
           <a:p>
             <a:pPr algn="ctr"/>
             <a:r>
-              <a:rPr lang="en-US" altLang="zh-TW" dirty="0" smtClean="0"/>
+              <a:rPr lang="en-US" altLang="zh-TW" b="1" dirty="0" smtClean="0"/>
               <a:t>(Template)</a:t>
             </a:r>
-            <a:endParaRPr lang="en-US" altLang="zh-TW" dirty="0"/>
-          </a:p>
-        </p:txBody>
-      </p:sp>
-      <p:sp>
-        <p:nvSpPr>
-          <p:cNvPr id="52" name="向右箭號 51"/>
+            <a:endParaRPr lang="en-US" altLang="zh-TW" b="1" dirty="0"/>
+          </a:p>
+        </p:txBody>
+      </p:sp>
+      <p:grpSp>
+        <p:nvGrpSpPr>
+          <p:cNvPr id="3" name="群組 2"/>
+          <p:cNvGrpSpPr/>
+          <p:nvPr/>
+        </p:nvGrpSpPr>
+        <p:grpSpPr>
+          <a:xfrm>
+            <a:off x="3393059" y="3073485"/>
+            <a:ext cx="1882227" cy="445807"/>
+            <a:chOff x="3946297" y="1857734"/>
+            <a:chExt cx="2160000" cy="533400"/>
+          </a:xfrm>
+        </p:grpSpPr>
+        <p:sp>
+          <p:nvSpPr>
+            <p:cNvPr id="52" name="向右箭號 51"/>
+            <p:cNvSpPr/>
+            <p:nvPr/>
+          </p:nvSpPr>
+          <p:spPr>
+            <a:xfrm>
+              <a:off x="3946297" y="1857734"/>
+              <a:ext cx="2160000" cy="533400"/>
+            </a:xfrm>
+            <a:prstGeom prst="rightArrow">
+              <a:avLst/>
+            </a:prstGeom>
+          </p:spPr>
+          <p:style>
+            <a:lnRef idx="1">
+              <a:schemeClr val="accent6"/>
+            </a:lnRef>
+            <a:fillRef idx="2">
+              <a:schemeClr val="accent6"/>
+            </a:fillRef>
+            <a:effectRef idx="1">
+              <a:schemeClr val="accent6"/>
+            </a:effectRef>
+            <a:fontRef idx="minor">
+              <a:schemeClr val="dk1"/>
+            </a:fontRef>
+          </p:style>
+          <p:txBody>
+            <a:bodyPr rtlCol="0" anchor="ctr"/>
+            <a:lstStyle/>
+            <a:p>
+              <a:pPr algn="ctr"/>
+              <a:endParaRPr lang="zh-TW" altLang="en-US" sz="1400"/>
+            </a:p>
+          </p:txBody>
+        </p:sp>
+        <p:sp>
+          <p:nvSpPr>
+            <p:cNvPr id="53" name="矩形 52"/>
+            <p:cNvSpPr/>
+            <p:nvPr/>
+          </p:nvSpPr>
+          <p:spPr>
+            <a:xfrm>
+              <a:off x="3946297" y="1939768"/>
+              <a:ext cx="2160000" cy="307777"/>
+            </a:xfrm>
+            <a:prstGeom prst="rect">
+              <a:avLst/>
+            </a:prstGeom>
+          </p:spPr>
+          <p:txBody>
+            <a:bodyPr wrap="square">
+              <a:spAutoFit/>
+            </a:bodyPr>
+            <a:lstStyle/>
+            <a:p>
+              <a:pPr algn="ctr"/>
+              <a:r>
+                <a:rPr lang="en-US" altLang="zh-TW" sz="1400" b="1" dirty="0" smtClean="0"/>
+                <a:t>Property Binding</a:t>
+              </a:r>
+              <a:endParaRPr lang="en-US" altLang="zh-TW" sz="1400" dirty="0"/>
+            </a:p>
+          </p:txBody>
+        </p:sp>
+      </p:grpSp>
+      <p:grpSp>
+        <p:nvGrpSpPr>
+          <p:cNvPr id="5" name="群組 4"/>
+          <p:cNvGrpSpPr/>
+          <p:nvPr/>
+        </p:nvGrpSpPr>
+        <p:grpSpPr>
+          <a:xfrm>
+            <a:off x="3393059" y="3784770"/>
+            <a:ext cx="1882227" cy="445807"/>
+            <a:chOff x="3805900" y="2976955"/>
+            <a:chExt cx="2521772" cy="533400"/>
+          </a:xfrm>
+        </p:grpSpPr>
+        <p:sp>
+          <p:nvSpPr>
+            <p:cNvPr id="54" name="向右箭號 53"/>
+            <p:cNvSpPr/>
+            <p:nvPr/>
+          </p:nvSpPr>
+          <p:spPr>
+            <a:xfrm rot="10800000">
+              <a:off x="3805900" y="2976955"/>
+              <a:ext cx="2514600" cy="533400"/>
+            </a:xfrm>
+            <a:prstGeom prst="rightArrow">
+              <a:avLst/>
+            </a:prstGeom>
+          </p:spPr>
+          <p:style>
+            <a:lnRef idx="1">
+              <a:schemeClr val="accent6"/>
+            </a:lnRef>
+            <a:fillRef idx="2">
+              <a:schemeClr val="accent6"/>
+            </a:fillRef>
+            <a:effectRef idx="1">
+              <a:schemeClr val="accent6"/>
+            </a:effectRef>
+            <a:fontRef idx="minor">
+              <a:schemeClr val="dk1"/>
+            </a:fontRef>
+          </p:style>
+          <p:txBody>
+            <a:bodyPr rtlCol="0" anchor="ctr"/>
+            <a:lstStyle/>
+            <a:p>
+              <a:pPr algn="ctr"/>
+              <a:endParaRPr lang="zh-TW" altLang="en-US" sz="1400"/>
+            </a:p>
+          </p:txBody>
+        </p:sp>
+        <p:sp>
+          <p:nvSpPr>
+            <p:cNvPr id="55" name="矩形 54"/>
+            <p:cNvSpPr/>
+            <p:nvPr/>
+          </p:nvSpPr>
+          <p:spPr>
+            <a:xfrm>
+              <a:off x="3805900" y="3058988"/>
+              <a:ext cx="2521772" cy="307777"/>
+            </a:xfrm>
+            <a:prstGeom prst="rect">
+              <a:avLst/>
+            </a:prstGeom>
+          </p:spPr>
+          <p:txBody>
+            <a:bodyPr wrap="square">
+              <a:spAutoFit/>
+            </a:bodyPr>
+            <a:lstStyle/>
+            <a:p>
+              <a:pPr algn="ctr"/>
+              <a:r>
+                <a:rPr lang="en-US" altLang="zh-TW" sz="1400" b="1" dirty="0" smtClean="0"/>
+                <a:t>Event Binding</a:t>
+              </a:r>
+              <a:endParaRPr lang="en-US" altLang="zh-TW" sz="1400" dirty="0"/>
+            </a:p>
+          </p:txBody>
+        </p:sp>
+      </p:grpSp>
+      <p:grpSp>
+        <p:nvGrpSpPr>
+          <p:cNvPr id="4" name="群組 3"/>
+          <p:cNvGrpSpPr/>
+          <p:nvPr/>
+        </p:nvGrpSpPr>
+        <p:grpSpPr>
+          <a:xfrm>
+            <a:off x="3393059" y="2362200"/>
+            <a:ext cx="1882227" cy="445807"/>
+            <a:chOff x="3936000" y="1039682"/>
+            <a:chExt cx="2160000" cy="533400"/>
+          </a:xfrm>
+        </p:grpSpPr>
+        <p:sp>
+          <p:nvSpPr>
+            <p:cNvPr id="56" name="向右箭號 55"/>
+            <p:cNvSpPr/>
+            <p:nvPr/>
+          </p:nvSpPr>
+          <p:spPr>
+            <a:xfrm>
+              <a:off x="3936000" y="1039682"/>
+              <a:ext cx="2160000" cy="533400"/>
+            </a:xfrm>
+            <a:prstGeom prst="rightArrow">
+              <a:avLst/>
+            </a:prstGeom>
+          </p:spPr>
+          <p:style>
+            <a:lnRef idx="1">
+              <a:schemeClr val="accent6"/>
+            </a:lnRef>
+            <a:fillRef idx="2">
+              <a:schemeClr val="accent6"/>
+            </a:fillRef>
+            <a:effectRef idx="1">
+              <a:schemeClr val="accent6"/>
+            </a:effectRef>
+            <a:fontRef idx="minor">
+              <a:schemeClr val="dk1"/>
+            </a:fontRef>
+          </p:style>
+          <p:txBody>
+            <a:bodyPr rtlCol="0" anchor="ctr"/>
+            <a:lstStyle/>
+            <a:p>
+              <a:pPr algn="ctr"/>
+              <a:endParaRPr lang="zh-TW" altLang="en-US" sz="1400"/>
+            </a:p>
+          </p:txBody>
+        </p:sp>
+        <p:sp>
+          <p:nvSpPr>
+            <p:cNvPr id="57" name="矩形 56"/>
+            <p:cNvSpPr/>
+            <p:nvPr/>
+          </p:nvSpPr>
+          <p:spPr>
+            <a:xfrm>
+              <a:off x="3936000" y="1121716"/>
+              <a:ext cx="2160000" cy="307777"/>
+            </a:xfrm>
+            <a:prstGeom prst="rect">
+              <a:avLst/>
+            </a:prstGeom>
+          </p:spPr>
+          <p:txBody>
+            <a:bodyPr wrap="square">
+              <a:spAutoFit/>
+            </a:bodyPr>
+            <a:lstStyle/>
+            <a:p>
+              <a:pPr algn="ctr"/>
+              <a:r>
+                <a:rPr lang="en-US" altLang="zh-TW" sz="1400" b="1" dirty="0"/>
+                <a:t>Interpolation</a:t>
+              </a:r>
+              <a:endParaRPr lang="en-US" altLang="zh-TW" sz="1400" dirty="0"/>
+            </a:p>
+          </p:txBody>
+        </p:sp>
+      </p:grpSp>
+      <p:grpSp>
+        <p:nvGrpSpPr>
+          <p:cNvPr id="6" name="群組 5"/>
+          <p:cNvGrpSpPr/>
+          <p:nvPr/>
+        </p:nvGrpSpPr>
+        <p:grpSpPr>
+          <a:xfrm>
+            <a:off x="3393059" y="4496056"/>
+            <a:ext cx="1882227" cy="426688"/>
+            <a:chOff x="3805899" y="3979672"/>
+            <a:chExt cx="2521774" cy="510524"/>
+          </a:xfrm>
+        </p:grpSpPr>
+        <p:sp>
+          <p:nvSpPr>
+            <p:cNvPr id="62" name="左-右雙向箭號 61"/>
+            <p:cNvSpPr/>
+            <p:nvPr/>
+          </p:nvSpPr>
+          <p:spPr>
+            <a:xfrm>
+              <a:off x="3805899" y="3979672"/>
+              <a:ext cx="2521774" cy="510524"/>
+            </a:xfrm>
+            <a:prstGeom prst="leftRightArrow">
+              <a:avLst/>
+            </a:prstGeom>
+          </p:spPr>
+          <p:style>
+            <a:lnRef idx="1">
+              <a:schemeClr val="accent6"/>
+            </a:lnRef>
+            <a:fillRef idx="2">
+              <a:schemeClr val="accent6"/>
+            </a:fillRef>
+            <a:effectRef idx="1">
+              <a:schemeClr val="accent6"/>
+            </a:effectRef>
+            <a:fontRef idx="minor">
+              <a:schemeClr val="dk1"/>
+            </a:fontRef>
+          </p:style>
+          <p:txBody>
+            <a:bodyPr rtlCol="0" anchor="ctr"/>
+            <a:lstStyle/>
+            <a:p>
+              <a:pPr algn="ctr"/>
+              <a:endParaRPr lang="zh-TW" altLang="en-US" sz="1400"/>
+            </a:p>
+          </p:txBody>
+        </p:sp>
+        <p:sp>
+          <p:nvSpPr>
+            <p:cNvPr id="61" name="矩形 60"/>
+            <p:cNvSpPr/>
+            <p:nvPr/>
+          </p:nvSpPr>
+          <p:spPr>
+            <a:xfrm>
+              <a:off x="3805900" y="4050268"/>
+              <a:ext cx="2514600" cy="307777"/>
+            </a:xfrm>
+            <a:prstGeom prst="rect">
+              <a:avLst/>
+            </a:prstGeom>
+          </p:spPr>
+          <p:txBody>
+            <a:bodyPr wrap="square">
+              <a:spAutoFit/>
+            </a:bodyPr>
+            <a:lstStyle/>
+            <a:p>
+              <a:pPr algn="ctr"/>
+              <a:r>
+                <a:rPr lang="en-US" altLang="zh-TW" sz="1400" b="1" dirty="0"/>
+                <a:t>Two-way Data Binding</a:t>
+              </a:r>
+              <a:endParaRPr lang="en-US" altLang="zh-TW" sz="1400" dirty="0"/>
+            </a:p>
+          </p:txBody>
+        </p:sp>
+      </p:grpSp>
+    </p:spTree>
+    <p:extLst>
+      <p:ext uri="{BB962C8B-B14F-4D97-AF65-F5344CB8AC3E}">
+        <p14:creationId xmlns:p14="http://schemas.microsoft.com/office/powerpoint/2010/main" val="4206756709"/>
+      </p:ext>
+    </p:extLst>
+  </p:cSld>
+  <p:clrMapOvr>
+    <a:masterClrMapping/>
+  </p:clrMapOvr>
+  <p:timing>
+    <p:tnLst>
+      <p:par>
+        <p:cTn id="1" dur="indefinite" restart="never" nodeType="tmRoot"/>
+      </p:par>
+    </p:tnLst>
+  </p:timing>
+</p:sld>
+</file>
+
+<file path=ppt/slides/slide11.xml><?xml version="1.0" encoding="utf-8"?>
+<p:sld xmlns:a="http://schemas.openxmlformats.org/drawingml/2006/main" xmlns:r="http://schemas.openxmlformats.org/officeDocument/2006/relationships" xmlns:p="http://schemas.openxmlformats.org/presentationml/2006/main">
+  <p:cSld>
+    <p:spTree>
+      <p:nvGrpSpPr>
+        <p:cNvPr id="1" name=""/>
+        <p:cNvGrpSpPr/>
+        <p:nvPr/>
+      </p:nvGrpSpPr>
+      <p:grpSpPr>
+        <a:xfrm>
+          <a:off x="0" y="0"/>
+          <a:ext cx="0" cy="0"/>
+          <a:chOff x="0" y="0"/>
+          <a:chExt cx="0" cy="0"/>
+        </a:xfrm>
+      </p:grpSpPr>
+      <p:sp>
+        <p:nvSpPr>
+          <p:cNvPr id="16" name="矩形 15"/>
           <p:cNvSpPr/>
           <p:nvPr/>
         </p:nvSpPr>
         <p:spPr>
-          <a:xfrm>
-            <a:off x="3813072" y="2133600"/>
-            <a:ext cx="2514600" cy="533400"/>
-          </a:xfrm>
-          <a:prstGeom prst="rightArrow">
+          <a:xfrm rot="5400000">
+            <a:off x="1419116" y="3408236"/>
+            <a:ext cx="2397132" cy="540000"/>
+          </a:xfrm>
+          <a:prstGeom prst="rect">
             <a:avLst/>
           </a:prstGeom>
         </p:spPr>
         <p:style>
-          <a:lnRef idx="2">
-            <a:schemeClr val="accent1">
-              <a:shade val="50000"/>
-            </a:schemeClr>
+          <a:lnRef idx="0">
+            <a:schemeClr val="accent2"/>
           </a:lnRef>
-          <a:fillRef idx="1">
-            <a:schemeClr val="accent1"/>
+          <a:fillRef idx="3">
+            <a:schemeClr val="accent2"/>
           </a:fillRef>
-          <a:effectRef idx="0">
-            <a:schemeClr val="accent1"/>
+          <a:effectRef idx="3">
+            <a:schemeClr val="accent2"/>
           </a:effectRef>
           <a:fontRef idx="minor">
             <a:schemeClr val="lt1"/>
@@ -5734,65 +6062,37 @@
           <a:lstStyle/>
           <a:p>
             <a:pPr algn="ctr"/>
-            <a:endParaRPr lang="zh-TW" altLang="en-US"/>
-          </a:p>
-        </p:txBody>
-      </p:sp>
-      <p:sp>
-        <p:nvSpPr>
-          <p:cNvPr id="53" name="矩形 52"/>
+            <a:r>
+              <a:rPr lang="en-US" altLang="zh-TW" sz="1400" dirty="0" smtClean="0"/>
+              <a:t>Middleware</a:t>
+            </a:r>
+            <a:endParaRPr lang="zh-TW" altLang="en-US" sz="1400" dirty="0"/>
+          </a:p>
+        </p:txBody>
+      </p:sp>
+      <p:sp>
+        <p:nvSpPr>
+          <p:cNvPr id="12" name="矩形 11"/>
           <p:cNvSpPr/>
           <p:nvPr/>
         </p:nvSpPr>
         <p:spPr>
-          <a:xfrm>
-            <a:off x="3813072" y="1883036"/>
-            <a:ext cx="2507428" cy="369332"/>
+          <a:xfrm rot="5400000">
+            <a:off x="2526190" y="3065337"/>
+            <a:ext cx="1711335" cy="540000"/>
           </a:xfrm>
           <a:prstGeom prst="rect">
             <a:avLst/>
           </a:prstGeom>
         </p:spPr>
-        <p:txBody>
-          <a:bodyPr wrap="square">
-            <a:spAutoFit/>
-          </a:bodyPr>
-          <a:lstStyle/>
-          <a:p>
-            <a:pPr algn="ctr"/>
-            <a:r>
-              <a:rPr lang="en-US" altLang="zh-TW" b="1" dirty="0" smtClean="0"/>
-              <a:t>Property Binding</a:t>
-            </a:r>
-            <a:endParaRPr lang="en-US" altLang="zh-TW" dirty="0"/>
-          </a:p>
-        </p:txBody>
-      </p:sp>
-      <p:sp>
-        <p:nvSpPr>
-          <p:cNvPr id="54" name="向右箭號 53"/>
-          <p:cNvSpPr/>
-          <p:nvPr/>
-        </p:nvSpPr>
-        <p:spPr>
-          <a:xfrm rot="10800000">
-            <a:off x="3805900" y="3102236"/>
-            <a:ext cx="2514600" cy="533400"/>
-          </a:xfrm>
-          <a:prstGeom prst="rightArrow">
-            <a:avLst/>
-          </a:prstGeom>
-        </p:spPr>
         <p:style>
-          <a:lnRef idx="2">
-            <a:schemeClr val="accent1">
-              <a:shade val="50000"/>
-            </a:schemeClr>
+          <a:lnRef idx="1">
+            <a:schemeClr val="accent1"/>
           </a:lnRef>
-          <a:fillRef idx="1">
+          <a:fillRef idx="3">
             <a:schemeClr val="accent1"/>
           </a:fillRef>
-          <a:effectRef idx="0">
+          <a:effectRef idx="2">
             <a:schemeClr val="accent1"/>
           </a:effectRef>
           <a:fontRef idx="minor">
@@ -5804,66 +6104,42 @@
           <a:lstStyle/>
           <a:p>
             <a:pPr algn="ctr"/>
-            <a:endParaRPr lang="zh-TW" altLang="en-US"/>
-          </a:p>
-        </p:txBody>
-      </p:sp>
-      <p:sp>
-        <p:nvSpPr>
-          <p:cNvPr id="55" name="矩形 54"/>
+            <a:r>
+              <a:rPr lang="en-US" altLang="zh-TW" sz="1400" dirty="0"/>
+              <a:t>Authorization </a:t>
+            </a:r>
+            <a:r>
+              <a:rPr lang="en-US" altLang="zh-TW" sz="1400" dirty="0" smtClean="0"/>
+              <a:t>Filters</a:t>
+            </a:r>
+            <a:endParaRPr lang="zh-TW" altLang="en-US" sz="1400" dirty="0"/>
+          </a:p>
+        </p:txBody>
+      </p:sp>
+      <p:sp>
+        <p:nvSpPr>
+          <p:cNvPr id="13" name="矩形 12"/>
           <p:cNvSpPr/>
           <p:nvPr/>
         </p:nvSpPr>
         <p:spPr>
           <a:xfrm>
-            <a:off x="3805900" y="2851672"/>
-            <a:ext cx="2521772" cy="369332"/>
+            <a:off x="6162144" y="2479668"/>
+            <a:ext cx="1436860" cy="1543956"/>
           </a:xfrm>
           <a:prstGeom prst="rect">
             <a:avLst/>
           </a:prstGeom>
         </p:spPr>
-        <p:txBody>
-          <a:bodyPr wrap="square">
-            <a:spAutoFit/>
-          </a:bodyPr>
-          <a:lstStyle/>
-          <a:p>
-            <a:pPr algn="ctr"/>
-            <a:r>
-              <a:rPr lang="en-US" altLang="zh-TW" b="1" dirty="0" smtClean="0"/>
-              <a:t>Event Binding</a:t>
-            </a:r>
-            <a:endParaRPr lang="en-US" altLang="zh-TW" dirty="0"/>
-          </a:p>
-        </p:txBody>
-      </p:sp>
-      <p:sp>
-        <p:nvSpPr>
-          <p:cNvPr id="56" name="向右箭號 55"/>
-          <p:cNvSpPr/>
-          <p:nvPr/>
-        </p:nvSpPr>
-        <p:spPr>
-          <a:xfrm>
-            <a:off x="3805900" y="1164964"/>
-            <a:ext cx="2514600" cy="533400"/>
-          </a:xfrm>
-          <a:prstGeom prst="rightArrow">
-            <a:avLst/>
-          </a:prstGeom>
-        </p:spPr>
         <p:style>
-          <a:lnRef idx="2">
-            <a:schemeClr val="accent1">
-              <a:shade val="50000"/>
-            </a:schemeClr>
+          <a:lnRef idx="1">
+            <a:schemeClr val="accent6"/>
           </a:lnRef>
-          <a:fillRef idx="1">
-            <a:schemeClr val="accent1"/>
+          <a:fillRef idx="3">
+            <a:schemeClr val="accent6"/>
           </a:fillRef>
-          <a:effectRef idx="0">
-            <a:schemeClr val="accent1"/>
+          <a:effectRef idx="2">
+            <a:schemeClr val="accent6"/>
           </a:effectRef>
           <a:fontRef idx="minor">
             <a:schemeClr val="lt1"/>
@@ -5874,74 +6150,786 @@
           <a:lstStyle/>
           <a:p>
             <a:pPr algn="ctr"/>
-            <a:endParaRPr lang="zh-TW" altLang="en-US"/>
-          </a:p>
-        </p:txBody>
-      </p:sp>
-      <p:sp>
-        <p:nvSpPr>
-          <p:cNvPr id="57" name="矩形 56"/>
+            <a:r>
+              <a:rPr lang="en-US" altLang="zh-TW" sz="1600" dirty="0" smtClean="0"/>
+              <a:t>Action</a:t>
+            </a:r>
+            <a:endParaRPr lang="zh-TW" altLang="en-US" sz="1600" dirty="0"/>
+          </a:p>
+        </p:txBody>
+      </p:sp>
+      <p:sp>
+        <p:nvSpPr>
+          <p:cNvPr id="17" name="矩形 16"/>
           <p:cNvSpPr/>
           <p:nvPr/>
         </p:nvSpPr>
         <p:spPr>
-          <a:xfrm>
-            <a:off x="3805900" y="914400"/>
-            <a:ext cx="2514600" cy="369332"/>
+          <a:xfrm rot="5400000">
+            <a:off x="2947467" y="3408235"/>
+            <a:ext cx="2397134" cy="540000"/>
           </a:xfrm>
           <a:prstGeom prst="rect">
             <a:avLst/>
           </a:prstGeom>
         </p:spPr>
-        <p:txBody>
-          <a:bodyPr wrap="square">
-            <a:spAutoFit/>
+        <p:style>
+          <a:lnRef idx="1">
+            <a:schemeClr val="accent1"/>
+          </a:lnRef>
+          <a:fillRef idx="3">
+            <a:schemeClr val="accent1"/>
+          </a:fillRef>
+          <a:effectRef idx="2">
+            <a:schemeClr val="accent1"/>
+          </a:effectRef>
+          <a:fontRef idx="minor">
+            <a:schemeClr val="lt1"/>
+          </a:fontRef>
+        </p:style>
+        <p:txBody>
+          <a:bodyPr rtlCol="0" anchor="ctr"/>
+          <a:lstStyle/>
+          <a:p>
+            <a:pPr algn="ctr"/>
+            <a:r>
+              <a:rPr lang="en-US" altLang="zh-TW" sz="1400" dirty="0" smtClean="0"/>
+              <a:t>Resource Filters</a:t>
+            </a:r>
+            <a:endParaRPr lang="zh-TW" altLang="en-US" sz="1400" dirty="0"/>
+          </a:p>
+        </p:txBody>
+      </p:sp>
+      <p:sp>
+        <p:nvSpPr>
+          <p:cNvPr id="18" name="矩形 17"/>
+          <p:cNvSpPr/>
+          <p:nvPr/>
+        </p:nvSpPr>
+        <p:spPr>
+          <a:xfrm rot="5400000">
+            <a:off x="4050244" y="3061036"/>
+            <a:ext cx="1719932" cy="540000"/>
+          </a:xfrm>
+          <a:prstGeom prst="rect">
+            <a:avLst/>
+          </a:prstGeom>
+        </p:spPr>
+        <p:style>
+          <a:lnRef idx="1">
+            <a:schemeClr val="accent3"/>
+          </a:lnRef>
+          <a:fillRef idx="3">
+            <a:schemeClr val="accent3"/>
+          </a:fillRef>
+          <a:effectRef idx="2">
+            <a:schemeClr val="accent3"/>
+          </a:effectRef>
+          <a:fontRef idx="minor">
+            <a:schemeClr val="lt1"/>
+          </a:fontRef>
+        </p:style>
+        <p:txBody>
+          <a:bodyPr rtlCol="0" anchor="ctr"/>
+          <a:lstStyle/>
+          <a:p>
+            <a:pPr algn="ctr"/>
+            <a:r>
+              <a:rPr lang="en-US" altLang="zh-TW" sz="1400" dirty="0" smtClean="0"/>
+              <a:t>Model Binding</a:t>
+            </a:r>
+            <a:endParaRPr lang="zh-TW" altLang="en-US" sz="1400" dirty="0"/>
+          </a:p>
+        </p:txBody>
+      </p:sp>
+      <p:sp>
+        <p:nvSpPr>
+          <p:cNvPr id="19" name="矩形 18"/>
+          <p:cNvSpPr/>
+          <p:nvPr/>
+        </p:nvSpPr>
+        <p:spPr>
+          <a:xfrm rot="5400000">
+            <a:off x="4471519" y="3403936"/>
+            <a:ext cx="2405732" cy="540000"/>
+          </a:xfrm>
+          <a:prstGeom prst="rect">
+            <a:avLst/>
+          </a:prstGeom>
+        </p:spPr>
+        <p:style>
+          <a:lnRef idx="1">
+            <a:schemeClr val="accent1"/>
+          </a:lnRef>
+          <a:fillRef idx="3">
+            <a:schemeClr val="accent1"/>
+          </a:fillRef>
+          <a:effectRef idx="2">
+            <a:schemeClr val="accent1"/>
+          </a:effectRef>
+          <a:fontRef idx="minor">
+            <a:schemeClr val="lt1"/>
+          </a:fontRef>
+        </p:style>
+        <p:txBody>
+          <a:bodyPr rtlCol="0" anchor="ctr"/>
+          <a:lstStyle/>
+          <a:p>
+            <a:pPr algn="ctr"/>
+            <a:r>
+              <a:rPr lang="en-US" altLang="zh-TW" sz="1400" dirty="0" smtClean="0"/>
+              <a:t>Action Filters</a:t>
+            </a:r>
+            <a:endParaRPr lang="zh-TW" altLang="en-US" sz="1400" dirty="0"/>
+          </a:p>
+        </p:txBody>
+      </p:sp>
+      <p:sp>
+        <p:nvSpPr>
+          <p:cNvPr id="20" name="矩形 19"/>
+          <p:cNvSpPr/>
+          <p:nvPr/>
+        </p:nvSpPr>
+        <p:spPr>
+          <a:xfrm>
+            <a:off x="6159004" y="5024118"/>
+            <a:ext cx="1440000" cy="540000"/>
+          </a:xfrm>
+          <a:prstGeom prst="rect">
+            <a:avLst/>
+          </a:prstGeom>
+        </p:spPr>
+        <p:style>
+          <a:lnRef idx="1">
+            <a:schemeClr val="accent1"/>
+          </a:lnRef>
+          <a:fillRef idx="3">
+            <a:schemeClr val="accent1"/>
+          </a:fillRef>
+          <a:effectRef idx="2">
+            <a:schemeClr val="accent1"/>
+          </a:effectRef>
+          <a:fontRef idx="minor">
+            <a:schemeClr val="lt1"/>
+          </a:fontRef>
+        </p:style>
+        <p:txBody>
+          <a:bodyPr rtlCol="0" anchor="ctr"/>
+          <a:lstStyle/>
+          <a:p>
+            <a:pPr algn="ctr"/>
+            <a:r>
+              <a:rPr lang="en-US" altLang="zh-TW" sz="1400" dirty="0" smtClean="0"/>
+              <a:t>Exception</a:t>
+            </a:r>
+            <a:br>
+              <a:rPr lang="en-US" altLang="zh-TW" sz="1400" dirty="0" smtClean="0"/>
+            </a:br>
+            <a:r>
+              <a:rPr lang="en-US" altLang="zh-TW" sz="1400" dirty="0" smtClean="0"/>
+              <a:t>Filters</a:t>
+            </a:r>
+            <a:endParaRPr lang="zh-TW" altLang="en-US" sz="1400" dirty="0"/>
+          </a:p>
+        </p:txBody>
+      </p:sp>
+      <p:sp>
+        <p:nvSpPr>
+          <p:cNvPr id="21" name="矩形 20"/>
+          <p:cNvSpPr/>
+          <p:nvPr/>
+        </p:nvSpPr>
+        <p:spPr>
+          <a:xfrm>
+            <a:off x="6159004" y="4336802"/>
+            <a:ext cx="1003796" cy="540000"/>
+          </a:xfrm>
+          <a:prstGeom prst="rect">
+            <a:avLst/>
+          </a:prstGeom>
+        </p:spPr>
+        <p:style>
+          <a:lnRef idx="1">
+            <a:schemeClr val="accent1"/>
+          </a:lnRef>
+          <a:fillRef idx="3">
+            <a:schemeClr val="accent1"/>
+          </a:fillRef>
+          <a:effectRef idx="2">
+            <a:schemeClr val="accent1"/>
+          </a:effectRef>
+          <a:fontRef idx="minor">
+            <a:schemeClr val="lt1"/>
+          </a:fontRef>
+        </p:style>
+        <p:txBody>
+          <a:bodyPr rtlCol="0" anchor="ctr"/>
+          <a:lstStyle/>
+          <a:p>
+            <a:pPr algn="ctr"/>
+            <a:r>
+              <a:rPr lang="en-US" altLang="zh-TW" sz="1400" dirty="0" smtClean="0"/>
+              <a:t>Result Filters</a:t>
+            </a:r>
+            <a:endParaRPr lang="zh-TW" altLang="en-US" sz="1400" dirty="0"/>
+          </a:p>
+        </p:txBody>
+      </p:sp>
+      <p:sp>
+        <p:nvSpPr>
+          <p:cNvPr id="11" name="Send Log F2L"/>
+          <p:cNvSpPr/>
+          <p:nvPr/>
+        </p:nvSpPr>
+        <p:spPr>
+          <a:xfrm>
+            <a:off x="2797193" y="2582479"/>
+            <a:ext cx="490832" cy="432000"/>
+          </a:xfrm>
+          <a:prstGeom prst="rightArrow">
+            <a:avLst/>
+          </a:prstGeom>
+        </p:spPr>
+        <p:style>
+          <a:lnRef idx="1">
+            <a:schemeClr val="accent4"/>
+          </a:lnRef>
+          <a:fillRef idx="2">
+            <a:schemeClr val="accent4"/>
+          </a:fillRef>
+          <a:effectRef idx="1">
+            <a:schemeClr val="accent4"/>
+          </a:effectRef>
+          <a:fontRef idx="minor">
+            <a:schemeClr val="dk1"/>
+          </a:fontRef>
+        </p:style>
+        <p:txBody>
+          <a:bodyPr rtlCol="0" anchor="ctr"/>
+          <a:lstStyle/>
+          <a:p>
+            <a:pPr algn="ctr"/>
+            <a:endParaRPr lang="zh-TW" altLang="en-US" sz="1400" dirty="0"/>
+          </a:p>
+        </p:txBody>
+      </p:sp>
+      <p:sp>
+        <p:nvSpPr>
+          <p:cNvPr id="23" name="Send Log F2L"/>
+          <p:cNvSpPr/>
+          <p:nvPr/>
+        </p:nvSpPr>
+        <p:spPr>
+          <a:xfrm>
+            <a:off x="3554677" y="2582479"/>
+            <a:ext cx="490832" cy="432000"/>
+          </a:xfrm>
+          <a:prstGeom prst="rightArrow">
+            <a:avLst/>
+          </a:prstGeom>
+        </p:spPr>
+        <p:style>
+          <a:lnRef idx="1">
+            <a:schemeClr val="accent4"/>
+          </a:lnRef>
+          <a:fillRef idx="2">
+            <a:schemeClr val="accent4"/>
+          </a:fillRef>
+          <a:effectRef idx="1">
+            <a:schemeClr val="accent4"/>
+          </a:effectRef>
+          <a:fontRef idx="minor">
+            <a:schemeClr val="dk1"/>
+          </a:fontRef>
+        </p:style>
+        <p:txBody>
+          <a:bodyPr rtlCol="0" anchor="ctr"/>
+          <a:lstStyle/>
+          <a:p>
+            <a:pPr algn="ctr"/>
+            <a:endParaRPr lang="zh-TW" altLang="en-US" sz="1400" dirty="0"/>
+          </a:p>
+        </p:txBody>
+      </p:sp>
+      <p:sp>
+        <p:nvSpPr>
+          <p:cNvPr id="24" name="Send Log F2L"/>
+          <p:cNvSpPr/>
+          <p:nvPr/>
+        </p:nvSpPr>
+        <p:spPr>
+          <a:xfrm>
+            <a:off x="1359331" y="2582479"/>
+            <a:ext cx="1171210" cy="432000"/>
+          </a:xfrm>
+          <a:prstGeom prst="rightArrow">
+            <a:avLst/>
+          </a:prstGeom>
+        </p:spPr>
+        <p:style>
+          <a:lnRef idx="1">
+            <a:schemeClr val="accent4"/>
+          </a:lnRef>
+          <a:fillRef idx="2">
+            <a:schemeClr val="accent4"/>
+          </a:fillRef>
+          <a:effectRef idx="1">
+            <a:schemeClr val="accent4"/>
+          </a:effectRef>
+          <a:fontRef idx="minor">
+            <a:schemeClr val="dk1"/>
+          </a:fontRef>
+        </p:style>
+        <p:txBody>
+          <a:bodyPr rtlCol="0" anchor="ctr"/>
+          <a:lstStyle/>
+          <a:p>
+            <a:pPr algn="ctr"/>
+            <a:r>
+              <a:rPr lang="en-US" altLang="zh-TW" sz="1400" dirty="0" smtClean="0"/>
+              <a:t>Request</a:t>
+            </a:r>
+            <a:endParaRPr lang="zh-TW" altLang="en-US" sz="1400" dirty="0"/>
+          </a:p>
+        </p:txBody>
+      </p:sp>
+      <p:sp>
+        <p:nvSpPr>
+          <p:cNvPr id="25" name="Send Log F2L"/>
+          <p:cNvSpPr/>
+          <p:nvPr/>
+        </p:nvSpPr>
+        <p:spPr>
+          <a:xfrm>
+            <a:off x="4312161" y="2582479"/>
+            <a:ext cx="490832" cy="432000"/>
+          </a:xfrm>
+          <a:prstGeom prst="rightArrow">
+            <a:avLst/>
+          </a:prstGeom>
+        </p:spPr>
+        <p:style>
+          <a:lnRef idx="1">
+            <a:schemeClr val="accent4"/>
+          </a:lnRef>
+          <a:fillRef idx="2">
+            <a:schemeClr val="accent4"/>
+          </a:fillRef>
+          <a:effectRef idx="1">
+            <a:schemeClr val="accent4"/>
+          </a:effectRef>
+          <a:fontRef idx="minor">
+            <a:schemeClr val="dk1"/>
+          </a:fontRef>
+        </p:style>
+        <p:txBody>
+          <a:bodyPr rtlCol="0" anchor="ctr"/>
+          <a:lstStyle/>
+          <a:p>
+            <a:pPr algn="ctr"/>
+            <a:endParaRPr lang="zh-TW" altLang="en-US" sz="1400" dirty="0"/>
+          </a:p>
+        </p:txBody>
+      </p:sp>
+      <p:sp>
+        <p:nvSpPr>
+          <p:cNvPr id="26" name="Send Log F2L"/>
+          <p:cNvSpPr/>
+          <p:nvPr/>
+        </p:nvSpPr>
+        <p:spPr>
+          <a:xfrm>
+            <a:off x="5069645" y="2582479"/>
+            <a:ext cx="490832" cy="432000"/>
+          </a:xfrm>
+          <a:prstGeom prst="rightArrow">
+            <a:avLst/>
+          </a:prstGeom>
+        </p:spPr>
+        <p:style>
+          <a:lnRef idx="1">
+            <a:schemeClr val="accent4"/>
+          </a:lnRef>
+          <a:fillRef idx="2">
+            <a:schemeClr val="accent4"/>
+          </a:fillRef>
+          <a:effectRef idx="1">
+            <a:schemeClr val="accent4"/>
+          </a:effectRef>
+          <a:fontRef idx="minor">
+            <a:schemeClr val="dk1"/>
+          </a:fontRef>
+        </p:style>
+        <p:txBody>
+          <a:bodyPr rtlCol="0" anchor="ctr"/>
+          <a:lstStyle/>
+          <a:p>
+            <a:pPr algn="ctr"/>
+            <a:endParaRPr lang="zh-TW" altLang="en-US" sz="1400" dirty="0"/>
+          </a:p>
+        </p:txBody>
+      </p:sp>
+      <p:sp>
+        <p:nvSpPr>
+          <p:cNvPr id="27" name="Send Log F2L"/>
+          <p:cNvSpPr/>
+          <p:nvPr/>
+        </p:nvSpPr>
+        <p:spPr>
+          <a:xfrm>
+            <a:off x="5827128" y="2582479"/>
+            <a:ext cx="490832" cy="432000"/>
+          </a:xfrm>
+          <a:prstGeom prst="rightArrow">
+            <a:avLst/>
+          </a:prstGeom>
+        </p:spPr>
+        <p:style>
+          <a:lnRef idx="1">
+            <a:schemeClr val="accent4"/>
+          </a:lnRef>
+          <a:fillRef idx="2">
+            <a:schemeClr val="accent4"/>
+          </a:fillRef>
+          <a:effectRef idx="1">
+            <a:schemeClr val="accent4"/>
+          </a:effectRef>
+          <a:fontRef idx="minor">
+            <a:schemeClr val="dk1"/>
+          </a:fontRef>
+        </p:style>
+        <p:txBody>
+          <a:bodyPr rtlCol="0" anchor="ctr"/>
+          <a:lstStyle/>
+          <a:p>
+            <a:pPr algn="ctr"/>
+            <a:endParaRPr lang="zh-TW" altLang="en-US" sz="1400" dirty="0"/>
+          </a:p>
+        </p:txBody>
+      </p:sp>
+      <p:sp>
+        <p:nvSpPr>
+          <p:cNvPr id="50" name="Send Log F2L"/>
+          <p:cNvSpPr/>
+          <p:nvPr/>
+        </p:nvSpPr>
+        <p:spPr>
+          <a:xfrm flipH="1">
+            <a:off x="1379034" y="4355421"/>
+            <a:ext cx="1092123" cy="431382"/>
+          </a:xfrm>
+          <a:prstGeom prst="rightArrow">
+            <a:avLst/>
+          </a:prstGeom>
+        </p:spPr>
+        <p:style>
+          <a:lnRef idx="1">
+            <a:schemeClr val="accent4"/>
+          </a:lnRef>
+          <a:fillRef idx="2">
+            <a:schemeClr val="accent4"/>
+          </a:fillRef>
+          <a:effectRef idx="1">
+            <a:schemeClr val="accent4"/>
+          </a:effectRef>
+          <a:fontRef idx="minor">
+            <a:schemeClr val="dk1"/>
+          </a:fontRef>
+        </p:style>
+        <p:txBody>
+          <a:bodyPr rtlCol="0" anchor="ctr"/>
+          <a:lstStyle/>
+          <a:p>
+            <a:pPr algn="ctr"/>
+            <a:r>
+              <a:rPr lang="en-US" altLang="zh-TW" sz="1400" dirty="0"/>
+              <a:t>Response</a:t>
+            </a:r>
+            <a:endParaRPr lang="zh-TW" altLang="en-US" sz="1400" dirty="0"/>
+          </a:p>
+        </p:txBody>
+      </p:sp>
+      <p:sp>
+        <p:nvSpPr>
+          <p:cNvPr id="51" name="Send Log F2L"/>
+          <p:cNvSpPr/>
+          <p:nvPr/>
+        </p:nvSpPr>
+        <p:spPr>
+          <a:xfrm rot="10800000">
+            <a:off x="2797260" y="4354803"/>
+            <a:ext cx="1248316" cy="432000"/>
+          </a:xfrm>
+          <a:prstGeom prst="rightArrow">
+            <a:avLst/>
+          </a:prstGeom>
+        </p:spPr>
+        <p:style>
+          <a:lnRef idx="1">
+            <a:schemeClr val="accent4"/>
+          </a:lnRef>
+          <a:fillRef idx="2">
+            <a:schemeClr val="accent4"/>
+          </a:fillRef>
+          <a:effectRef idx="1">
+            <a:schemeClr val="accent4"/>
+          </a:effectRef>
+          <a:fontRef idx="minor">
+            <a:schemeClr val="dk1"/>
+          </a:fontRef>
+        </p:style>
+        <p:txBody>
+          <a:bodyPr rtlCol="0" anchor="ctr"/>
+          <a:lstStyle/>
+          <a:p>
+            <a:pPr algn="ctr"/>
+            <a:endParaRPr lang="zh-TW" altLang="en-US" sz="1400" dirty="0"/>
+          </a:p>
+        </p:txBody>
+      </p:sp>
+      <p:sp>
+        <p:nvSpPr>
+          <p:cNvPr id="53" name="Send Log F2L"/>
+          <p:cNvSpPr/>
+          <p:nvPr/>
+        </p:nvSpPr>
+        <p:spPr>
+          <a:xfrm rot="10800000">
+            <a:off x="4308361" y="4354803"/>
+            <a:ext cx="1248316" cy="432000"/>
+          </a:xfrm>
+          <a:prstGeom prst="rightArrow">
+            <a:avLst/>
+          </a:prstGeom>
+        </p:spPr>
+        <p:style>
+          <a:lnRef idx="1">
+            <a:schemeClr val="accent4"/>
+          </a:lnRef>
+          <a:fillRef idx="2">
+            <a:schemeClr val="accent4"/>
+          </a:fillRef>
+          <a:effectRef idx="1">
+            <a:schemeClr val="accent4"/>
+          </a:effectRef>
+          <a:fontRef idx="minor">
+            <a:schemeClr val="dk1"/>
+          </a:fontRef>
+        </p:style>
+        <p:txBody>
+          <a:bodyPr rtlCol="0" anchor="ctr"/>
+          <a:lstStyle/>
+          <a:p>
+            <a:pPr algn="ctr"/>
+            <a:endParaRPr lang="zh-TW" altLang="en-US" sz="1400" dirty="0"/>
+          </a:p>
+        </p:txBody>
+      </p:sp>
+      <p:sp>
+        <p:nvSpPr>
+          <p:cNvPr id="55" name="Send Log F2L"/>
+          <p:cNvSpPr/>
+          <p:nvPr/>
+        </p:nvSpPr>
+        <p:spPr>
+          <a:xfrm rot="10800000">
+            <a:off x="5827128" y="4354802"/>
+            <a:ext cx="490832" cy="432000"/>
+          </a:xfrm>
+          <a:prstGeom prst="rightArrow">
+            <a:avLst/>
+          </a:prstGeom>
+        </p:spPr>
+        <p:style>
+          <a:lnRef idx="1">
+            <a:schemeClr val="accent4"/>
+          </a:lnRef>
+          <a:fillRef idx="2">
+            <a:schemeClr val="accent4"/>
+          </a:fillRef>
+          <a:effectRef idx="1">
+            <a:schemeClr val="accent4"/>
+          </a:effectRef>
+          <a:fontRef idx="minor">
+            <a:schemeClr val="dk1"/>
+          </a:fontRef>
+        </p:style>
+        <p:txBody>
+          <a:bodyPr rtlCol="0" anchor="ctr"/>
+          <a:lstStyle/>
+          <a:p>
+            <a:pPr algn="ctr"/>
+            <a:endParaRPr lang="zh-TW" altLang="en-US" sz="1400" dirty="0"/>
+          </a:p>
+        </p:txBody>
+      </p:sp>
+      <p:sp>
+        <p:nvSpPr>
+          <p:cNvPr id="57" name="Send Log F2L"/>
+          <p:cNvSpPr/>
+          <p:nvPr/>
+        </p:nvSpPr>
+        <p:spPr>
+          <a:xfrm rot="5400000">
+            <a:off x="6354601" y="3940503"/>
+            <a:ext cx="540601" cy="432000"/>
+          </a:xfrm>
+          <a:prstGeom prst="rightArrow">
+            <a:avLst/>
+          </a:prstGeom>
+        </p:spPr>
+        <p:style>
+          <a:lnRef idx="1">
+            <a:schemeClr val="accent4"/>
+          </a:lnRef>
+          <a:fillRef idx="2">
+            <a:schemeClr val="accent4"/>
+          </a:fillRef>
+          <a:effectRef idx="1">
+            <a:schemeClr val="accent4"/>
+          </a:effectRef>
+          <a:fontRef idx="minor">
+            <a:schemeClr val="dk1"/>
+          </a:fontRef>
+        </p:style>
+        <p:txBody>
+          <a:bodyPr rtlCol="0" anchor="ctr"/>
+          <a:lstStyle/>
+          <a:p>
+            <a:pPr algn="ctr"/>
+            <a:endParaRPr lang="zh-TW" altLang="en-US" sz="1400" dirty="0"/>
+          </a:p>
+        </p:txBody>
+      </p:sp>
+      <p:sp>
+        <p:nvSpPr>
+          <p:cNvPr id="58" name="Send Log F2L"/>
+          <p:cNvSpPr/>
+          <p:nvPr/>
+        </p:nvSpPr>
+        <p:spPr>
+          <a:xfrm rot="5400000">
+            <a:off x="6767115" y="4286093"/>
+            <a:ext cx="1231777" cy="432000"/>
+          </a:xfrm>
+          <a:prstGeom prst="rightArrow">
+            <a:avLst/>
+          </a:prstGeom>
+        </p:spPr>
+        <p:style>
+          <a:lnRef idx="1">
+            <a:schemeClr val="accent3"/>
+          </a:lnRef>
+          <a:fillRef idx="2">
+            <a:schemeClr val="accent3"/>
+          </a:fillRef>
+          <a:effectRef idx="1">
+            <a:schemeClr val="accent3"/>
+          </a:effectRef>
+          <a:fontRef idx="minor">
+            <a:schemeClr val="dk1"/>
+          </a:fontRef>
+        </p:style>
+        <p:txBody>
+          <a:bodyPr rtlCol="0" anchor="ctr"/>
+          <a:lstStyle/>
+          <a:p>
+            <a:pPr algn="ctr"/>
+            <a:endParaRPr lang="zh-TW" altLang="en-US" sz="1400" dirty="0"/>
+          </a:p>
+        </p:txBody>
+      </p:sp>
+      <p:sp>
+        <p:nvSpPr>
+          <p:cNvPr id="60" name="Send Log F2L"/>
+          <p:cNvSpPr/>
+          <p:nvPr/>
+        </p:nvSpPr>
+        <p:spPr>
+          <a:xfrm flipH="1">
+            <a:off x="1359331" y="5117981"/>
+            <a:ext cx="4974275" cy="432000"/>
+          </a:xfrm>
+          <a:prstGeom prst="rightArrow">
+            <a:avLst/>
+          </a:prstGeom>
+        </p:spPr>
+        <p:style>
+          <a:lnRef idx="1">
+            <a:schemeClr val="accent3"/>
+          </a:lnRef>
+          <a:fillRef idx="2">
+            <a:schemeClr val="accent3"/>
+          </a:fillRef>
+          <a:effectRef idx="1">
+            <a:schemeClr val="accent3"/>
+          </a:effectRef>
+          <a:fontRef idx="minor">
+            <a:schemeClr val="dk1"/>
+          </a:fontRef>
+        </p:style>
+        <p:txBody>
+          <a:bodyPr rtlCol="0" anchor="ctr"/>
+          <a:lstStyle/>
+          <a:p>
+            <a:pPr algn="ctr"/>
+            <a:r>
+              <a:rPr lang="en-US" altLang="zh-TW" sz="1400" dirty="0"/>
+              <a:t>Response Error</a:t>
+            </a:r>
+            <a:endParaRPr lang="zh-TW" altLang="en-US" sz="1400" dirty="0"/>
+          </a:p>
+        </p:txBody>
+      </p:sp>
+      <p:sp>
+        <p:nvSpPr>
+          <p:cNvPr id="15" name="標題 2"/>
+          <p:cNvSpPr>
+            <a:spLocks noGrp="1"/>
+          </p:cNvSpPr>
+          <p:nvPr>
+            <p:ph type="title"/>
+          </p:nvPr>
+        </p:nvSpPr>
+        <p:spPr>
+          <a:xfrm>
+            <a:off x="1753385" y="3346282"/>
+            <a:ext cx="5638015" cy="1325563"/>
+          </a:xfrm>
+          <a:noFill/>
+        </p:spPr>
+        <p:txBody>
+          <a:bodyPr>
+            <a:noAutofit/>
           </a:bodyPr>
           <a:lstStyle/>
           <a:p>
-            <a:pPr algn="ctr"/>
             <a:r>
-              <a:rPr lang="en-US" altLang="zh-TW" b="1" dirty="0"/>
-              <a:t>Interpolation</a:t>
+              <a:rPr lang="en-US" altLang="zh-TW" sz="6600" b="1" dirty="0" smtClean="0">
+                <a:solidFill>
+                  <a:schemeClr val="tx1">
+                    <a:alpha val="8000"/>
+                  </a:schemeClr>
+                </a:solidFill>
+                <a:latin typeface="+mn-lt"/>
+              </a:rPr>
+              <a:t>blog.johnwu.cc</a:t>
             </a:r>
-            <a:endParaRPr lang="en-US" altLang="zh-TW" dirty="0"/>
-          </a:p>
-        </p:txBody>
-      </p:sp>
-      <p:sp>
-        <p:nvSpPr>
-          <p:cNvPr id="61" name="矩形 60"/>
-          <p:cNvSpPr/>
-          <p:nvPr/>
-        </p:nvSpPr>
-        <p:spPr>
-          <a:xfrm>
-            <a:off x="3805900" y="3821668"/>
-            <a:ext cx="2514600" cy="369332"/>
-          </a:xfrm>
-          <a:prstGeom prst="rect">
-            <a:avLst/>
-          </a:prstGeom>
-        </p:spPr>
-        <p:txBody>
-          <a:bodyPr wrap="square">
-            <a:spAutoFit/>
-          </a:bodyPr>
-          <a:lstStyle/>
-          <a:p>
-            <a:pPr algn="ctr"/>
-            <a:r>
-              <a:rPr lang="en-US" altLang="zh-TW" b="1" dirty="0"/>
-              <a:t>Two-way Data Binding</a:t>
-            </a:r>
-            <a:endParaRPr lang="en-US" altLang="zh-TW" dirty="0"/>
+            <a:endParaRPr lang="zh-TW" altLang="en-US" sz="6600" b="1" dirty="0">
+              <a:solidFill>
+                <a:schemeClr val="tx1">
+                  <a:alpha val="8000"/>
+                </a:schemeClr>
+              </a:solidFill>
+              <a:latin typeface="+mn-lt"/>
+            </a:endParaRPr>
           </a:p>
         </p:txBody>
       </p:sp>
     </p:spTree>
     <p:extLst>
       <p:ext uri="{BB962C8B-B14F-4D97-AF65-F5344CB8AC3E}">
-        <p14:creationId xmlns:p14="http://schemas.microsoft.com/office/powerpoint/2010/main" val="4206756709"/>
+        <p14:creationId xmlns:p14="http://schemas.microsoft.com/office/powerpoint/2010/main" val="4274259885"/>
       </p:ext>
     </p:extLst>
   </p:cSld>
@@ -14829,6 +15817,13 @@
   <p:clrMapOvr>
     <a:masterClrMapping/>
   </p:clrMapOvr>
+  <p:timing>
+    <p:tnLst>
+      <p:par>
+        <p:cTn id="1" dur="indefinite" restart="never" nodeType="tmRoot"/>
+      </p:par>
+    </p:tnLst>
+  </p:timing>
 </p:sld>
 </file>
 
@@ -18772,15 +19767,6 @@
 </file>
 
 <file path=customXml/item2.xml><?xml version="1.0" encoding="utf-8"?>
-<?mso-contentType ?>
-<FormTemplates xmlns="http://schemas.microsoft.com/sharepoint/v3/contenttype/forms">
-  <Display>DocumentLibraryForm</Display>
-  <Edit>DocumentLibraryForm</Edit>
-  <New>DocumentLibraryForm</New>
-</FormTemplates>
-</file>
-
-<file path=customXml/item3.xml><?xml version="1.0" encoding="utf-8"?>
 <ct:contentTypeSchema xmlns:ct="http://schemas.microsoft.com/office/2006/metadata/contentType" xmlns:ma="http://schemas.microsoft.com/office/2006/metadata/properties/metaAttributes" ct:_="" ma:_="" ma:contentTypeName="Document" ma:contentTypeID="0x0101000AA0115B54226D469CC0FAAE38E5F61C" ma:contentTypeVersion="3" ma:contentTypeDescription="Create a new document." ma:contentTypeScope="" ma:versionID="0ae424bb0065d3a2a055b165aca25ec5">
   <xsd:schema xmlns:xsd="http://www.w3.org/2001/XMLSchema" xmlns:p="http://schemas.microsoft.com/office/2006/metadata/properties" targetNamespace="http://schemas.microsoft.com/office/2006/metadata/properties" ma:root="true" ma:fieldsID="4aeb20c0e3442673af7ee10786458764">
     <xsd:element name="properties">
@@ -18829,6 +19815,15 @@
 </ct:contentTypeSchema>
 </file>
 
+<file path=customXml/item3.xml><?xml version="1.0" encoding="utf-8"?>
+<?mso-contentType ?>
+<FormTemplates xmlns="http://schemas.microsoft.com/sharepoint/v3/contenttype/forms">
+  <Display>DocumentLibraryForm</Display>
+  <Edit>DocumentLibraryForm</Edit>
+  <New>DocumentLibraryForm</New>
+</FormTemplates>
+</file>
+
 <file path=customXml/itemProps1.xml><?xml version="1.0" encoding="utf-8"?>
 <ds:datastoreItem xmlns:ds="http://schemas.openxmlformats.org/officeDocument/2006/customXml" ds:itemID="{892A9AA9-F261-48C5-9DFB-0929A9F0E540}">
   <ds:schemaRefs>
@@ -18844,14 +19839,6 @@
 </file>
 
 <file path=customXml/itemProps2.xml><?xml version="1.0" encoding="utf-8"?>
-<ds:datastoreItem xmlns:ds="http://schemas.openxmlformats.org/officeDocument/2006/customXml" ds:itemID="{A1770BF7-49D5-46D6-8B76-1D8AF290B450}">
-  <ds:schemaRefs>
-    <ds:schemaRef ds:uri="http://schemas.microsoft.com/sharepoint/v3/contenttype/forms"/>
-  </ds:schemaRefs>
-</ds:datastoreItem>
-</file>
-
-<file path=customXml/itemProps3.xml><?xml version="1.0" encoding="utf-8"?>
 <ds:datastoreItem xmlns:ds="http://schemas.openxmlformats.org/officeDocument/2006/customXml" ds:itemID="{FE6BB287-9CB7-4AA6-A5A5-8D1CE03643F3}">
   <ds:schemaRefs>
     <ds:schemaRef ds:uri="http://schemas.microsoft.com/office/2006/metadata/contentType"/>
@@ -18864,4 +19851,12 @@
     <ds:schemaRef ds:uri="http://schemas.microsoft.com/office/internal/2005/internalDocumentation"/>
   </ds:schemaRefs>
 </ds:datastoreItem>
+</file>
+
+<file path=customXml/itemProps3.xml><?xml version="1.0" encoding="utf-8"?>
+<ds:datastoreItem xmlns:ds="http://schemas.openxmlformats.org/officeDocument/2006/customXml" ds:itemID="{A1770BF7-49D5-46D6-8B76-1D8AF290B450}">
+  <ds:schemaRefs>
+    <ds:schemaRef ds:uri="http://schemas.microsoft.com/sharepoint/v3/contenttype/forms"/>
+  </ds:schemaRefs>
+</ds:datastoreItem>
 </file>
--- a/source/_assets/Blog動畫.pptx
+++ b/source/_assets/Blog動畫.pptx
@@ -236,7 +236,7 @@
             <a:fld id="{3CDD3A71-4C75-488C-A8F3-A1F163ED0DB9}" type="datetimeFigureOut">
               <a:rPr lang="en-US" smtClean="0"/>
               <a:pPr/>
-              <a:t>6/16/2017</a:t>
+              <a:t>6/19/2017</a:t>
             </a:fld>
             <a:endParaRPr lang="en-US" dirty="0"/>
           </a:p>
@@ -404,7 +404,7 @@
             <a:fld id="{523CC419-8FB3-4D1C-8127-E63C1A13459D}" type="datetimeFigureOut">
               <a:rPr lang="en-US" smtClean="0"/>
               <a:pPr/>
-              <a:t>6/16/2017</a:t>
+              <a:t>6/19/2017</a:t>
             </a:fld>
             <a:endParaRPr lang="en-US" dirty="0"/>
           </a:p>
@@ -807,7 +807,7 @@
           <a:p>
             <a:fld id="{237FF733-248C-4CF7-A090-89CF012E357B}" type="datetimeFigureOut">
               <a:rPr lang="zh-TW" altLang="en-US" smtClean="0"/>
-              <a:t>2017/6/16</a:t>
+              <a:t>2017/6/19</a:t>
             </a:fld>
             <a:endParaRPr lang="zh-TW" altLang="en-US"/>
           </a:p>
@@ -978,7 +978,7 @@
           <a:p>
             <a:fld id="{237FF733-248C-4CF7-A090-89CF012E357B}" type="datetimeFigureOut">
               <a:rPr lang="zh-TW" altLang="en-US" smtClean="0"/>
-              <a:t>2017/6/16</a:t>
+              <a:t>2017/6/19</a:t>
             </a:fld>
             <a:endParaRPr lang="zh-TW" altLang="en-US"/>
           </a:p>
@@ -1159,7 +1159,7 @@
           <a:p>
             <a:fld id="{237FF733-248C-4CF7-A090-89CF012E357B}" type="datetimeFigureOut">
               <a:rPr lang="zh-TW" altLang="en-US" smtClean="0"/>
-              <a:t>2017/6/16</a:t>
+              <a:t>2017/6/19</a:t>
             </a:fld>
             <a:endParaRPr lang="zh-TW" altLang="en-US"/>
           </a:p>
@@ -1330,7 +1330,7 @@
           <a:p>
             <a:fld id="{237FF733-248C-4CF7-A090-89CF012E357B}" type="datetimeFigureOut">
               <a:rPr lang="zh-TW" altLang="en-US" smtClean="0"/>
-              <a:t>2017/6/16</a:t>
+              <a:t>2017/6/19</a:t>
             </a:fld>
             <a:endParaRPr lang="zh-TW" altLang="en-US"/>
           </a:p>
@@ -1577,7 +1577,7 @@
           <a:p>
             <a:fld id="{237FF733-248C-4CF7-A090-89CF012E357B}" type="datetimeFigureOut">
               <a:rPr lang="zh-TW" altLang="en-US" smtClean="0"/>
-              <a:t>2017/6/16</a:t>
+              <a:t>2017/6/19</a:t>
             </a:fld>
             <a:endParaRPr lang="zh-TW" altLang="en-US"/>
           </a:p>
@@ -1810,7 +1810,7 @@
           <a:p>
             <a:fld id="{237FF733-248C-4CF7-A090-89CF012E357B}" type="datetimeFigureOut">
               <a:rPr lang="zh-TW" altLang="en-US" smtClean="0"/>
-              <a:t>2017/6/16</a:t>
+              <a:t>2017/6/19</a:t>
             </a:fld>
             <a:endParaRPr lang="zh-TW" altLang="en-US"/>
           </a:p>
@@ -2178,7 +2178,7 @@
           <a:p>
             <a:fld id="{237FF733-248C-4CF7-A090-89CF012E357B}" type="datetimeFigureOut">
               <a:rPr lang="zh-TW" altLang="en-US" smtClean="0"/>
-              <a:t>2017/6/16</a:t>
+              <a:t>2017/6/19</a:t>
             </a:fld>
             <a:endParaRPr lang="zh-TW" altLang="en-US"/>
           </a:p>
@@ -2297,7 +2297,7 @@
           <a:p>
             <a:fld id="{237FF733-248C-4CF7-A090-89CF012E357B}" type="datetimeFigureOut">
               <a:rPr lang="zh-TW" altLang="en-US" smtClean="0"/>
-              <a:t>2017/6/16</a:t>
+              <a:t>2017/6/19</a:t>
             </a:fld>
             <a:endParaRPr lang="zh-TW" altLang="en-US"/>
           </a:p>
@@ -2393,7 +2393,7 @@
           <a:p>
             <a:fld id="{237FF733-248C-4CF7-A090-89CF012E357B}" type="datetimeFigureOut">
               <a:rPr lang="zh-TW" altLang="en-US" smtClean="0"/>
-              <a:t>2017/6/16</a:t>
+              <a:t>2017/6/19</a:t>
             </a:fld>
             <a:endParaRPr lang="zh-TW" altLang="en-US"/>
           </a:p>
@@ -2671,7 +2671,7 @@
           <a:p>
             <a:fld id="{237FF733-248C-4CF7-A090-89CF012E357B}" type="datetimeFigureOut">
               <a:rPr lang="zh-TW" altLang="en-US" smtClean="0"/>
-              <a:t>2017/6/16</a:t>
+              <a:t>2017/6/19</a:t>
             </a:fld>
             <a:endParaRPr lang="zh-TW" altLang="en-US"/>
           </a:p>
@@ -2929,7 +2929,7 @@
           <a:p>
             <a:fld id="{237FF733-248C-4CF7-A090-89CF012E357B}" type="datetimeFigureOut">
               <a:rPr lang="zh-TW" altLang="en-US" smtClean="0"/>
-              <a:t>2017/6/16</a:t>
+              <a:t>2017/6/19</a:t>
             </a:fld>
             <a:endParaRPr lang="zh-TW" altLang="en-US"/>
           </a:p>
@@ -3143,7 +3143,7 @@
           <a:p>
             <a:fld id="{237FF733-248C-4CF7-A090-89CF012E357B}" type="datetimeFigureOut">
               <a:rPr lang="zh-TW" altLang="en-US" smtClean="0"/>
-              <a:t>2017/6/16</a:t>
+              <a:t>2017/6/19</a:t>
             </a:fld>
             <a:endParaRPr lang="zh-TW" altLang="en-US"/>
           </a:p>
@@ -6030,14 +6030,96 @@
       </p:grpSpPr>
       <p:sp>
         <p:nvSpPr>
+          <p:cNvPr id="3" name="矩形 2"/>
+          <p:cNvSpPr/>
+          <p:nvPr/>
+        </p:nvSpPr>
+        <p:spPr>
+          <a:xfrm>
+            <a:off x="433235" y="-4014395"/>
+            <a:ext cx="7634668" cy="4294501"/>
+          </a:xfrm>
+          <a:prstGeom prst="rect">
+            <a:avLst/>
+          </a:prstGeom>
+        </p:spPr>
+        <p:style>
+          <a:lnRef idx="2">
+            <a:schemeClr val="dk1">
+              <a:shade val="50000"/>
+            </a:schemeClr>
+          </a:lnRef>
+          <a:fillRef idx="1">
+            <a:schemeClr val="dk1"/>
+          </a:fillRef>
+          <a:effectRef idx="0">
+            <a:schemeClr val="dk1"/>
+          </a:effectRef>
+          <a:fontRef idx="minor">
+            <a:schemeClr val="lt1"/>
+          </a:fontRef>
+        </p:style>
+        <p:txBody>
+          <a:bodyPr rtlCol="0" anchor="ctr"/>
+          <a:lstStyle/>
+          <a:p>
+            <a:pPr algn="ctr"/>
+            <a:endParaRPr lang="zh-TW" altLang="en-US"/>
+          </a:p>
+        </p:txBody>
+      </p:sp>
+      <p:sp>
+        <p:nvSpPr>
+          <p:cNvPr id="13" name="矩形 12"/>
+          <p:cNvSpPr/>
+          <p:nvPr/>
+        </p:nvSpPr>
+        <p:spPr>
+          <a:xfrm>
+            <a:off x="6784603" y="1769146"/>
+            <a:ext cx="1467582" cy="3904552"/>
+          </a:xfrm>
+          <a:prstGeom prst="rect">
+            <a:avLst/>
+          </a:prstGeom>
+        </p:spPr>
+        <p:style>
+          <a:lnRef idx="1">
+            <a:schemeClr val="accent6"/>
+          </a:lnRef>
+          <a:fillRef idx="3">
+            <a:schemeClr val="accent6"/>
+          </a:fillRef>
+          <a:effectRef idx="2">
+            <a:schemeClr val="accent6"/>
+          </a:effectRef>
+          <a:fontRef idx="minor">
+            <a:schemeClr val="lt1"/>
+          </a:fontRef>
+        </p:style>
+        <p:txBody>
+          <a:bodyPr rtlCol="0" anchor="ctr"/>
+          <a:lstStyle/>
+          <a:p>
+            <a:pPr algn="ctr"/>
+            <a:r>
+              <a:rPr lang="en-US" altLang="zh-TW" sz="1600" b="1" dirty="0" smtClean="0"/>
+              <a:t>Action</a:t>
+            </a:r>
+            <a:endParaRPr lang="zh-TW" altLang="en-US" sz="1600" b="1" dirty="0"/>
+          </a:p>
+        </p:txBody>
+      </p:sp>
+      <p:sp>
+        <p:nvSpPr>
           <p:cNvPr id="16" name="矩形 15"/>
           <p:cNvSpPr/>
           <p:nvPr/>
         </p:nvSpPr>
         <p:spPr>
           <a:xfrm rot="5400000">
-            <a:off x="1419116" y="3408236"/>
-            <a:ext cx="2397132" cy="540000"/>
+            <a:off x="-29173" y="3361421"/>
+            <a:ext cx="3904550" cy="720000"/>
           </a:xfrm>
           <a:prstGeom prst="rect">
             <a:avLst/>
@@ -6063,10 +6145,10 @@
           <a:p>
             <a:pPr algn="ctr"/>
             <a:r>
-              <a:rPr lang="en-US" altLang="zh-TW" sz="1400" dirty="0" smtClean="0"/>
+              <a:rPr lang="en-US" altLang="zh-TW" sz="1600" b="1" dirty="0" smtClean="0"/>
               <a:t>Middleware</a:t>
             </a:r>
-            <a:endParaRPr lang="zh-TW" altLang="en-US" sz="1400" dirty="0"/>
+            <a:endParaRPr lang="zh-TW" altLang="en-US" sz="1600" b="1" dirty="0"/>
           </a:p>
         </p:txBody>
       </p:sp>
@@ -6078,8 +6160,8 @@
         </p:nvSpPr>
         <p:spPr>
           <a:xfrm rot="5400000">
-            <a:off x="2526190" y="3065337"/>
-            <a:ext cx="1711335" cy="540000"/>
+            <a:off x="2157402" y="2219146"/>
+            <a:ext cx="1620000" cy="720000"/>
           </a:xfrm>
           <a:prstGeom prst="rect">
             <a:avLst/>
@@ -6105,27 +6187,27 @@
           <a:p>
             <a:pPr algn="ctr"/>
             <a:r>
-              <a:rPr lang="en-US" altLang="zh-TW" sz="1400" dirty="0"/>
+              <a:rPr lang="en-US" altLang="zh-TW" sz="1600" b="1" dirty="0"/>
               <a:t>Authorization </a:t>
             </a:r>
             <a:r>
-              <a:rPr lang="en-US" altLang="zh-TW" sz="1400" dirty="0" smtClean="0"/>
+              <a:rPr lang="en-US" altLang="zh-TW" sz="1600" b="1" dirty="0" smtClean="0"/>
               <a:t>Filters</a:t>
             </a:r>
-            <a:endParaRPr lang="zh-TW" altLang="en-US" sz="1400" dirty="0"/>
-          </a:p>
-        </p:txBody>
-      </p:sp>
-      <p:sp>
-        <p:nvSpPr>
-          <p:cNvPr id="13" name="矩形 12"/>
+            <a:endParaRPr lang="zh-TW" altLang="en-US" sz="1600" b="1" dirty="0"/>
+          </a:p>
+        </p:txBody>
+      </p:sp>
+      <p:sp>
+        <p:nvSpPr>
+          <p:cNvPr id="17" name="矩形 16"/>
           <p:cNvSpPr/>
           <p:nvPr/>
         </p:nvSpPr>
         <p:spPr>
-          <a:xfrm>
-            <a:off x="6162144" y="2479668"/>
-            <a:ext cx="1436860" cy="1543956"/>
+          <a:xfrm rot="5400000">
+            <a:off x="2059425" y="3361423"/>
+            <a:ext cx="3904554" cy="720000"/>
           </a:xfrm>
           <a:prstGeom prst="rect">
             <a:avLst/>
@@ -6133,13 +6215,13 @@
         </p:spPr>
         <p:style>
           <a:lnRef idx="1">
-            <a:schemeClr val="accent6"/>
+            <a:schemeClr val="accent1"/>
           </a:lnRef>
           <a:fillRef idx="3">
-            <a:schemeClr val="accent6"/>
+            <a:schemeClr val="accent1"/>
           </a:fillRef>
           <a:effectRef idx="2">
-            <a:schemeClr val="accent6"/>
+            <a:schemeClr val="accent1"/>
           </a:effectRef>
           <a:fontRef idx="minor">
             <a:schemeClr val="lt1"/>
@@ -6151,69 +6233,30 @@
           <a:p>
             <a:pPr algn="ctr"/>
             <a:r>
-              <a:rPr lang="en-US" altLang="zh-TW" sz="1600" dirty="0" smtClean="0"/>
-              <a:t>Action</a:t>
+              <a:rPr lang="en-US" altLang="zh-TW" sz="1600" b="1" dirty="0" smtClean="0"/>
+              <a:t>Resource Filters</a:t>
             </a:r>
-            <a:endParaRPr lang="zh-TW" altLang="en-US" sz="1600" dirty="0"/>
-          </a:p>
-        </p:txBody>
-      </p:sp>
-      <p:sp>
-        <p:nvSpPr>
-          <p:cNvPr id="17" name="矩形 16"/>
+            <a:endParaRPr lang="zh-TW" altLang="en-US" sz="1600" b="1" dirty="0"/>
+          </a:p>
+        </p:txBody>
+      </p:sp>
+      <p:sp>
+        <p:nvSpPr>
+          <p:cNvPr id="18" name="矩形 17"/>
           <p:cNvSpPr/>
           <p:nvPr/>
         </p:nvSpPr>
         <p:spPr>
           <a:xfrm rot="5400000">
-            <a:off x="2947467" y="3408235"/>
-            <a:ext cx="2397134" cy="540000"/>
+            <a:off x="4485987" y="1985146"/>
+            <a:ext cx="1152000" cy="720000"/>
           </a:xfrm>
           <a:prstGeom prst="rect">
             <a:avLst/>
           </a:prstGeom>
-        </p:spPr>
-        <p:style>
-          <a:lnRef idx="1">
-            <a:schemeClr val="accent1"/>
-          </a:lnRef>
-          <a:fillRef idx="3">
-            <a:schemeClr val="accent1"/>
-          </a:fillRef>
-          <a:effectRef idx="2">
-            <a:schemeClr val="accent1"/>
-          </a:effectRef>
-          <a:fontRef idx="minor">
-            <a:schemeClr val="lt1"/>
-          </a:fontRef>
-        </p:style>
-        <p:txBody>
-          <a:bodyPr rtlCol="0" anchor="ctr"/>
-          <a:lstStyle/>
-          <a:p>
-            <a:pPr algn="ctr"/>
-            <a:r>
-              <a:rPr lang="en-US" altLang="zh-TW" sz="1400" dirty="0" smtClean="0"/>
-              <a:t>Resource Filters</a:t>
-            </a:r>
-            <a:endParaRPr lang="zh-TW" altLang="en-US" sz="1400" dirty="0"/>
-          </a:p>
-        </p:txBody>
-      </p:sp>
-      <p:sp>
-        <p:nvSpPr>
-          <p:cNvPr id="18" name="矩形 17"/>
-          <p:cNvSpPr/>
-          <p:nvPr/>
-        </p:nvSpPr>
-        <p:spPr>
-          <a:xfrm rot="5400000">
-            <a:off x="4050244" y="3061036"/>
-            <a:ext cx="1719932" cy="540000"/>
-          </a:xfrm>
-          <a:prstGeom prst="rect">
-            <a:avLst/>
-          </a:prstGeom>
+          <a:ln>
+            <a:prstDash val="dash"/>
+          </a:ln>
         </p:spPr>
         <p:style>
           <a:lnRef idx="1">
@@ -6235,10 +6278,10 @@
           <a:p>
             <a:pPr algn="ctr"/>
             <a:r>
-              <a:rPr lang="en-US" altLang="zh-TW" sz="1400" dirty="0" smtClean="0"/>
+              <a:rPr lang="en-US" altLang="zh-TW" sz="1600" b="1" dirty="0" smtClean="0"/>
               <a:t>Model Binding</a:t>
             </a:r>
-            <a:endParaRPr lang="zh-TW" altLang="en-US" sz="1400" dirty="0"/>
+            <a:endParaRPr lang="zh-TW" altLang="en-US" sz="1600" b="1" dirty="0"/>
           </a:p>
         </p:txBody>
       </p:sp>
@@ -6250,8 +6293,8 @@
         </p:nvSpPr>
         <p:spPr>
           <a:xfrm rot="5400000">
-            <a:off x="4471519" y="3403936"/>
-            <a:ext cx="2405732" cy="540000"/>
+            <a:off x="4148025" y="3361423"/>
+            <a:ext cx="3904553" cy="720000"/>
           </a:xfrm>
           <a:prstGeom prst="rect">
             <a:avLst/>
@@ -6277,10 +6320,10 @@
           <a:p>
             <a:pPr algn="ctr"/>
             <a:r>
-              <a:rPr lang="en-US" altLang="zh-TW" sz="1400" dirty="0" smtClean="0"/>
+              <a:rPr lang="en-US" altLang="zh-TW" sz="1600" b="1" dirty="0" smtClean="0"/>
               <a:t>Action Filters</a:t>
             </a:r>
-            <a:endParaRPr lang="zh-TW" altLang="en-US" sz="1400" dirty="0"/>
+            <a:endParaRPr lang="zh-TW" altLang="en-US" sz="1600" b="1" dirty="0"/>
           </a:p>
         </p:txBody>
       </p:sp>
@@ -6291,9 +6334,9 @@
           <p:nvPr/>
         </p:nvSpPr>
         <p:spPr>
-          <a:xfrm>
-            <a:off x="6159004" y="5024118"/>
-            <a:ext cx="1440000" cy="540000"/>
+          <a:xfrm rot="5400000">
+            <a:off x="4480002" y="4688630"/>
+            <a:ext cx="1152000" cy="720000"/>
           </a:xfrm>
           <a:prstGeom prst="rect">
             <a:avLst/>
@@ -6319,17 +6362,17 @@
           <a:p>
             <a:pPr algn="ctr"/>
             <a:r>
-              <a:rPr lang="en-US" altLang="zh-TW" sz="1400" dirty="0" smtClean="0"/>
+              <a:rPr lang="en-US" altLang="zh-TW" sz="1600" b="1" dirty="0" smtClean="0"/>
               <a:t>Exception</a:t>
             </a:r>
             <a:br>
-              <a:rPr lang="en-US" altLang="zh-TW" sz="1400" dirty="0" smtClean="0"/>
+              <a:rPr lang="en-US" altLang="zh-TW" sz="1600" b="1" dirty="0" smtClean="0"/>
             </a:br>
             <a:r>
-              <a:rPr lang="en-US" altLang="zh-TW" sz="1400" dirty="0" smtClean="0"/>
+              <a:rPr lang="en-US" altLang="zh-TW" sz="1600" b="1" dirty="0" smtClean="0"/>
               <a:t>Filters</a:t>
             </a:r>
-            <a:endParaRPr lang="zh-TW" altLang="en-US" sz="1400" dirty="0"/>
+            <a:endParaRPr lang="zh-TW" altLang="en-US" sz="1600" b="1" dirty="0"/>
           </a:p>
         </p:txBody>
       </p:sp>
@@ -6340,9 +6383,9 @@
           <p:nvPr/>
         </p:nvSpPr>
         <p:spPr>
-          <a:xfrm>
-            <a:off x="6159004" y="4336802"/>
-            <a:ext cx="1003796" cy="540000"/>
+          <a:xfrm rot="5400000">
+            <a:off x="4474016" y="3363836"/>
+            <a:ext cx="1152000" cy="720000"/>
           </a:xfrm>
           <a:prstGeom prst="rect">
             <a:avLst/>
@@ -6368,23 +6411,23 @@
           <a:p>
             <a:pPr algn="ctr"/>
             <a:r>
-              <a:rPr lang="en-US" altLang="zh-TW" sz="1400" dirty="0" smtClean="0"/>
+              <a:rPr lang="en-US" altLang="zh-TW" sz="1600" b="1" dirty="0" smtClean="0"/>
               <a:t>Result Filters</a:t>
             </a:r>
-            <a:endParaRPr lang="zh-TW" altLang="en-US" sz="1400" dirty="0"/>
-          </a:p>
-        </p:txBody>
-      </p:sp>
-      <p:sp>
-        <p:nvSpPr>
-          <p:cNvPr id="11" name="Send Log F2L"/>
+            <a:endParaRPr lang="zh-TW" altLang="en-US" sz="1600" b="1" dirty="0"/>
+          </a:p>
+        </p:txBody>
+      </p:sp>
+      <p:sp>
+        <p:nvSpPr>
+          <p:cNvPr id="24" name="Send Log F2L"/>
           <p:cNvSpPr/>
           <p:nvPr/>
         </p:nvSpPr>
         <p:spPr>
           <a:xfrm>
-            <a:off x="2797193" y="2582479"/>
-            <a:ext cx="490832" cy="432000"/>
+            <a:off x="693546" y="2081489"/>
+            <a:ext cx="1080000" cy="540000"/>
           </a:xfrm>
           <a:prstGeom prst="rightArrow">
             <a:avLst/>
@@ -6409,20 +6452,24 @@
           <a:lstStyle/>
           <a:p>
             <a:pPr algn="ctr"/>
-            <a:endParaRPr lang="zh-TW" altLang="en-US" sz="1400" dirty="0"/>
-          </a:p>
-        </p:txBody>
-      </p:sp>
-      <p:sp>
-        <p:nvSpPr>
-          <p:cNvPr id="23" name="Send Log F2L"/>
+            <a:r>
+              <a:rPr lang="en-US" altLang="zh-TW" sz="1400" b="1" dirty="0" smtClean="0"/>
+              <a:t>Request</a:t>
+            </a:r>
+            <a:endParaRPr lang="zh-TW" altLang="en-US" sz="1400" b="1" dirty="0"/>
+          </a:p>
+        </p:txBody>
+      </p:sp>
+      <p:sp>
+        <p:nvSpPr>
+          <p:cNvPr id="50" name="Send Log F2L"/>
           <p:cNvSpPr/>
           <p:nvPr/>
         </p:nvSpPr>
         <p:spPr>
-          <a:xfrm>
-            <a:off x="3554677" y="2582479"/>
-            <a:ext cx="490832" cy="432000"/>
+          <a:xfrm flipH="1">
+            <a:off x="693546" y="3457941"/>
+            <a:ext cx="1080000" cy="540000"/>
           </a:xfrm>
           <a:prstGeom prst="rightArrow">
             <a:avLst/>
@@ -6447,20 +6494,104 @@
           <a:lstStyle/>
           <a:p>
             <a:pPr algn="ctr"/>
-            <a:endParaRPr lang="zh-TW" altLang="en-US" sz="1400" dirty="0"/>
-          </a:p>
-        </p:txBody>
-      </p:sp>
-      <p:sp>
-        <p:nvSpPr>
-          <p:cNvPr id="24" name="Send Log F2L"/>
+            <a:r>
+              <a:rPr lang="en-US" altLang="zh-TW" sz="1400" b="1" dirty="0"/>
+              <a:t>Response</a:t>
+            </a:r>
+            <a:endParaRPr lang="zh-TW" altLang="en-US" sz="1400" b="1" dirty="0"/>
+          </a:p>
+        </p:txBody>
+      </p:sp>
+      <p:sp>
+        <p:nvSpPr>
+          <p:cNvPr id="28" name="Send Log F2L"/>
           <p:cNvSpPr/>
           <p:nvPr/>
         </p:nvSpPr>
         <p:spPr>
-          <a:xfrm>
-            <a:off x="1359331" y="2582479"/>
-            <a:ext cx="1171210" cy="432000"/>
+          <a:xfrm flipH="1">
+            <a:off x="693546" y="4785700"/>
+            <a:ext cx="1080000" cy="540000"/>
+          </a:xfrm>
+          <a:prstGeom prst="rightArrow">
+            <a:avLst/>
+          </a:prstGeom>
+        </p:spPr>
+        <p:style>
+          <a:lnRef idx="1">
+            <a:schemeClr val="accent3"/>
+          </a:lnRef>
+          <a:fillRef idx="2">
+            <a:schemeClr val="accent3"/>
+          </a:fillRef>
+          <a:effectRef idx="1">
+            <a:schemeClr val="accent3"/>
+          </a:effectRef>
+          <a:fontRef idx="minor">
+            <a:schemeClr val="dk1"/>
+          </a:fontRef>
+        </p:style>
+        <p:txBody>
+          <a:bodyPr rtlCol="0" anchor="ctr"/>
+          <a:lstStyle/>
+          <a:p>
+            <a:pPr algn="ctr"/>
+            <a:r>
+              <a:rPr lang="en-US" altLang="zh-TW" sz="1400" b="1" dirty="0" smtClean="0"/>
+              <a:t>Response</a:t>
+            </a:r>
+            <a:endParaRPr lang="zh-TW" altLang="en-US" sz="1400" b="1" dirty="0"/>
+          </a:p>
+        </p:txBody>
+      </p:sp>
+      <p:sp>
+        <p:nvSpPr>
+          <p:cNvPr id="29" name="Send Log F2L"/>
+          <p:cNvSpPr/>
+          <p:nvPr/>
+        </p:nvSpPr>
+        <p:spPr>
+          <a:xfrm flipH="1">
+            <a:off x="2180847" y="4785700"/>
+            <a:ext cx="1620827" cy="540000"/>
+          </a:xfrm>
+          <a:prstGeom prst="rightArrow">
+            <a:avLst/>
+          </a:prstGeom>
+        </p:spPr>
+        <p:style>
+          <a:lnRef idx="1">
+            <a:schemeClr val="accent3"/>
+          </a:lnRef>
+          <a:fillRef idx="2">
+            <a:schemeClr val="accent3"/>
+          </a:fillRef>
+          <a:effectRef idx="1">
+            <a:schemeClr val="accent3"/>
+          </a:effectRef>
+          <a:fontRef idx="minor">
+            <a:schemeClr val="dk1"/>
+          </a:fontRef>
+        </p:style>
+        <p:txBody>
+          <a:bodyPr rtlCol="0" anchor="ctr"/>
+          <a:lstStyle/>
+          <a:p>
+            <a:pPr algn="ctr"/>
+            <a:endParaRPr lang="zh-TW" altLang="en-US" sz="1400" b="1" dirty="0"/>
+          </a:p>
+        </p:txBody>
+      </p:sp>
+      <p:sp>
+        <p:nvSpPr>
+          <p:cNvPr id="37" name="Send Log F2L"/>
+          <p:cNvSpPr/>
+          <p:nvPr/>
+        </p:nvSpPr>
+        <p:spPr>
+          <a:xfrm flipH="1">
+            <a:off x="2180846" y="3462627"/>
+            <a:ext cx="1620827" cy="540000"/>
           </a:xfrm>
           <a:prstGeom prst="rightArrow">
             <a:avLst/>
@@ -6485,24 +6616,183 @@
           <a:lstStyle/>
           <a:p>
             <a:pPr algn="ctr"/>
+            <a:endParaRPr lang="zh-TW" altLang="en-US" sz="1400" b="1" dirty="0"/>
+          </a:p>
+        </p:txBody>
+      </p:sp>
+      <p:sp>
+        <p:nvSpPr>
+          <p:cNvPr id="30" name="矩形 29"/>
+          <p:cNvSpPr/>
+          <p:nvPr/>
+        </p:nvSpPr>
+        <p:spPr>
+          <a:xfrm>
+            <a:off x="6888394" y="4780838"/>
+            <a:ext cx="1260000" cy="540000"/>
+          </a:xfrm>
+          <a:prstGeom prst="rect">
+            <a:avLst/>
+          </a:prstGeom>
+        </p:spPr>
+        <p:style>
+          <a:lnRef idx="1">
+            <a:schemeClr val="dk1"/>
+          </a:lnRef>
+          <a:fillRef idx="3">
+            <a:schemeClr val="dk1"/>
+          </a:fillRef>
+          <a:effectRef idx="2">
+            <a:schemeClr val="dk1"/>
+          </a:effectRef>
+          <a:fontRef idx="minor">
+            <a:schemeClr val="lt1"/>
+          </a:fontRef>
+        </p:style>
+        <p:txBody>
+          <a:bodyPr rtlCol="0" anchor="ctr"/>
+          <a:lstStyle/>
+          <a:p>
+            <a:pPr algn="ctr"/>
             <a:r>
-              <a:rPr lang="en-US" altLang="zh-TW" sz="1400" dirty="0" smtClean="0"/>
-              <a:t>Request</a:t>
+              <a:rPr lang="en-US" altLang="zh-TW" sz="1600" b="1" dirty="0" smtClean="0"/>
+              <a:t>Throw</a:t>
             </a:r>
-            <a:endParaRPr lang="zh-TW" altLang="en-US" sz="1400" dirty="0"/>
-          </a:p>
-        </p:txBody>
-      </p:sp>
-      <p:sp>
-        <p:nvSpPr>
-          <p:cNvPr id="25" name="Send Log F2L"/>
+          </a:p>
+          <a:p>
+            <a:pPr algn="ctr"/>
+            <a:r>
+              <a:rPr lang="en-US" altLang="zh-TW" sz="1600" b="1" dirty="0" smtClean="0"/>
+              <a:t>Exception</a:t>
+            </a:r>
+            <a:endParaRPr lang="zh-TW" altLang="en-US" sz="1600" b="1" dirty="0"/>
+          </a:p>
+        </p:txBody>
+      </p:sp>
+      <p:sp>
+        <p:nvSpPr>
+          <p:cNvPr id="38" name="Send Log F2L"/>
           <p:cNvSpPr/>
           <p:nvPr/>
         </p:nvSpPr>
         <p:spPr>
-          <a:xfrm>
-            <a:off x="4312161" y="2582479"/>
-            <a:ext cx="490832" cy="432000"/>
+          <a:xfrm rot="10800000">
+            <a:off x="6207047" y="4780838"/>
+            <a:ext cx="820886" cy="540000"/>
+          </a:xfrm>
+          <a:prstGeom prst="rightArrow">
+            <a:avLst/>
+          </a:prstGeom>
+        </p:spPr>
+        <p:style>
+          <a:lnRef idx="1">
+            <a:schemeClr val="accent3"/>
+          </a:lnRef>
+          <a:fillRef idx="2">
+            <a:schemeClr val="accent3"/>
+          </a:fillRef>
+          <a:effectRef idx="1">
+            <a:schemeClr val="accent3"/>
+          </a:effectRef>
+          <a:fontRef idx="minor">
+            <a:schemeClr val="dk1"/>
+          </a:fontRef>
+        </p:style>
+        <p:txBody>
+          <a:bodyPr rtlCol="0" anchor="ctr"/>
+          <a:lstStyle/>
+          <a:p>
+            <a:pPr algn="ctr"/>
+            <a:endParaRPr lang="zh-TW" altLang="en-US" sz="1400" b="1" dirty="0"/>
+          </a:p>
+        </p:txBody>
+      </p:sp>
+      <p:sp>
+        <p:nvSpPr>
+          <p:cNvPr id="31" name="Send Log F2L"/>
+          <p:cNvSpPr/>
+          <p:nvPr/>
+        </p:nvSpPr>
+        <p:spPr>
+          <a:xfrm rot="10800000">
+            <a:off x="5288606" y="4780838"/>
+            <a:ext cx="585919" cy="540000"/>
+          </a:xfrm>
+          <a:prstGeom prst="rightArrow">
+            <a:avLst/>
+          </a:prstGeom>
+        </p:spPr>
+        <p:style>
+          <a:lnRef idx="1">
+            <a:schemeClr val="accent3"/>
+          </a:lnRef>
+          <a:fillRef idx="2">
+            <a:schemeClr val="accent3"/>
+          </a:fillRef>
+          <a:effectRef idx="1">
+            <a:schemeClr val="accent3"/>
+          </a:effectRef>
+          <a:fontRef idx="minor">
+            <a:schemeClr val="dk1"/>
+          </a:fontRef>
+        </p:style>
+        <p:txBody>
+          <a:bodyPr rtlCol="0" anchor="ctr"/>
+          <a:lstStyle/>
+          <a:p>
+            <a:pPr algn="ctr"/>
+            <a:endParaRPr lang="zh-TW" altLang="en-US" sz="1400" b="1" dirty="0"/>
+          </a:p>
+        </p:txBody>
+      </p:sp>
+      <p:sp>
+        <p:nvSpPr>
+          <p:cNvPr id="41" name="Send Log F2L"/>
+          <p:cNvSpPr/>
+          <p:nvPr/>
+        </p:nvSpPr>
+        <p:spPr>
+          <a:xfrm rot="10800000">
+            <a:off x="4250570" y="4780838"/>
+            <a:ext cx="585919" cy="540000"/>
+          </a:xfrm>
+          <a:prstGeom prst="rightArrow">
+            <a:avLst/>
+          </a:prstGeom>
+        </p:spPr>
+        <p:style>
+          <a:lnRef idx="1">
+            <a:schemeClr val="accent3"/>
+          </a:lnRef>
+          <a:fillRef idx="2">
+            <a:schemeClr val="accent3"/>
+          </a:fillRef>
+          <a:effectRef idx="1">
+            <a:schemeClr val="accent3"/>
+          </a:effectRef>
+          <a:fontRef idx="minor">
+            <a:schemeClr val="dk1"/>
+          </a:fontRef>
+        </p:style>
+        <p:txBody>
+          <a:bodyPr rtlCol="0" anchor="ctr"/>
+          <a:lstStyle/>
+          <a:p>
+            <a:pPr algn="ctr"/>
+            <a:endParaRPr lang="zh-TW" altLang="en-US" sz="1400" b="1" dirty="0"/>
+          </a:p>
+        </p:txBody>
+      </p:sp>
+      <p:sp>
+        <p:nvSpPr>
+          <p:cNvPr id="42" name="Send Log F2L"/>
+          <p:cNvSpPr/>
+          <p:nvPr/>
+        </p:nvSpPr>
+        <p:spPr>
+          <a:xfrm rot="10800000">
+            <a:off x="4252804" y="3462627"/>
+            <a:ext cx="585919" cy="540000"/>
           </a:xfrm>
           <a:prstGeom prst="rightArrow">
             <a:avLst/>
@@ -6527,20 +6817,20 @@
           <a:lstStyle/>
           <a:p>
             <a:pPr algn="ctr"/>
-            <a:endParaRPr lang="zh-TW" altLang="en-US" sz="1400" dirty="0"/>
-          </a:p>
-        </p:txBody>
-      </p:sp>
-      <p:sp>
-        <p:nvSpPr>
-          <p:cNvPr id="26" name="Send Log F2L"/>
+            <a:endParaRPr lang="zh-TW" altLang="en-US" sz="1400" b="1" dirty="0"/>
+          </a:p>
+        </p:txBody>
+      </p:sp>
+      <p:sp>
+        <p:nvSpPr>
+          <p:cNvPr id="43" name="Send Log F2L"/>
           <p:cNvSpPr/>
           <p:nvPr/>
         </p:nvSpPr>
         <p:spPr>
-          <a:xfrm>
-            <a:off x="5069645" y="2582479"/>
-            <a:ext cx="490832" cy="432000"/>
+          <a:xfrm rot="10800000">
+            <a:off x="5277639" y="3462627"/>
+            <a:ext cx="585919" cy="540000"/>
           </a:xfrm>
           <a:prstGeom prst="rightArrow">
             <a:avLst/>
@@ -6565,20 +6855,20 @@
           <a:lstStyle/>
           <a:p>
             <a:pPr algn="ctr"/>
-            <a:endParaRPr lang="zh-TW" altLang="en-US" sz="1400" dirty="0"/>
-          </a:p>
-        </p:txBody>
-      </p:sp>
-      <p:sp>
-        <p:nvSpPr>
-          <p:cNvPr id="27" name="Send Log F2L"/>
+            <a:endParaRPr lang="zh-TW" altLang="en-US" sz="1400" b="1" dirty="0"/>
+          </a:p>
+        </p:txBody>
+      </p:sp>
+      <p:sp>
+        <p:nvSpPr>
+          <p:cNvPr id="44" name="Send Log F2L"/>
           <p:cNvSpPr/>
           <p:nvPr/>
         </p:nvSpPr>
         <p:spPr>
-          <a:xfrm>
-            <a:off x="5827128" y="2582479"/>
-            <a:ext cx="490832" cy="432000"/>
+          <a:xfrm rot="10800000">
+            <a:off x="6302475" y="3462627"/>
+            <a:ext cx="585919" cy="540000"/>
           </a:xfrm>
           <a:prstGeom prst="rightArrow">
             <a:avLst/>
@@ -6603,20 +6893,20 @@
           <a:lstStyle/>
           <a:p>
             <a:pPr algn="ctr"/>
-            <a:endParaRPr lang="zh-TW" altLang="en-US" sz="1400" dirty="0"/>
-          </a:p>
-        </p:txBody>
-      </p:sp>
-      <p:sp>
-        <p:nvSpPr>
-          <p:cNvPr id="50" name="Send Log F2L"/>
+            <a:endParaRPr lang="zh-TW" altLang="en-US" sz="1400" b="1" dirty="0"/>
+          </a:p>
+        </p:txBody>
+      </p:sp>
+      <p:sp>
+        <p:nvSpPr>
+          <p:cNvPr id="45" name="Send Log F2L"/>
           <p:cNvSpPr/>
           <p:nvPr/>
         </p:nvSpPr>
         <p:spPr>
-          <a:xfrm flipH="1">
-            <a:off x="1379034" y="4355421"/>
-            <a:ext cx="1092123" cy="431382"/>
+          <a:xfrm>
+            <a:off x="4252687" y="2077190"/>
+            <a:ext cx="585919" cy="540000"/>
           </a:xfrm>
           <a:prstGeom prst="rightArrow">
             <a:avLst/>
@@ -6641,24 +6931,20 @@
           <a:lstStyle/>
           <a:p>
             <a:pPr algn="ctr"/>
-            <a:r>
-              <a:rPr lang="en-US" altLang="zh-TW" sz="1400" dirty="0"/>
-              <a:t>Response</a:t>
-            </a:r>
-            <a:endParaRPr lang="zh-TW" altLang="en-US" sz="1400" dirty="0"/>
-          </a:p>
-        </p:txBody>
-      </p:sp>
-      <p:sp>
-        <p:nvSpPr>
-          <p:cNvPr id="51" name="Send Log F2L"/>
+            <a:endParaRPr lang="zh-TW" altLang="en-US" sz="1400" b="1" dirty="0"/>
+          </a:p>
+        </p:txBody>
+      </p:sp>
+      <p:sp>
+        <p:nvSpPr>
+          <p:cNvPr id="46" name="Send Log F2L"/>
           <p:cNvSpPr/>
           <p:nvPr/>
         </p:nvSpPr>
         <p:spPr>
-          <a:xfrm rot="10800000">
-            <a:off x="2797260" y="4354803"/>
-            <a:ext cx="1248316" cy="432000"/>
+          <a:xfrm>
+            <a:off x="5288607" y="2072479"/>
+            <a:ext cx="585919" cy="540000"/>
           </a:xfrm>
           <a:prstGeom prst="rightArrow">
             <a:avLst/>
@@ -6683,20 +6969,20 @@
           <a:lstStyle/>
           <a:p>
             <a:pPr algn="ctr"/>
-            <a:endParaRPr lang="zh-TW" altLang="en-US" sz="1400" dirty="0"/>
-          </a:p>
-        </p:txBody>
-      </p:sp>
-      <p:sp>
-        <p:nvSpPr>
-          <p:cNvPr id="53" name="Send Log F2L"/>
+            <a:endParaRPr lang="zh-TW" altLang="en-US" sz="1400" b="1" dirty="0"/>
+          </a:p>
+        </p:txBody>
+      </p:sp>
+      <p:sp>
+        <p:nvSpPr>
+          <p:cNvPr id="47" name="Send Log F2L"/>
           <p:cNvSpPr/>
           <p:nvPr/>
         </p:nvSpPr>
         <p:spPr>
-          <a:xfrm rot="10800000">
-            <a:off x="4308361" y="4354803"/>
-            <a:ext cx="1248316" cy="432000"/>
+          <a:xfrm>
+            <a:off x="6324529" y="2081489"/>
+            <a:ext cx="585919" cy="540000"/>
           </a:xfrm>
           <a:prstGeom prst="rightArrow">
             <a:avLst/>
@@ -6721,20 +7007,20 @@
           <a:lstStyle/>
           <a:p>
             <a:pPr algn="ctr"/>
-            <a:endParaRPr lang="zh-TW" altLang="en-US" sz="1400" dirty="0"/>
-          </a:p>
-        </p:txBody>
-      </p:sp>
-      <p:sp>
-        <p:nvSpPr>
-          <p:cNvPr id="55" name="Send Log F2L"/>
+            <a:endParaRPr lang="zh-TW" altLang="en-US" sz="1400" b="1" dirty="0"/>
+          </a:p>
+        </p:txBody>
+      </p:sp>
+      <p:sp>
+        <p:nvSpPr>
+          <p:cNvPr id="48" name="Send Log F2L"/>
           <p:cNvSpPr/>
           <p:nvPr/>
         </p:nvSpPr>
         <p:spPr>
-          <a:xfrm rot="10800000">
-            <a:off x="5827128" y="4354802"/>
-            <a:ext cx="490832" cy="432000"/>
+          <a:xfrm>
+            <a:off x="3216767" y="2081489"/>
+            <a:ext cx="585919" cy="540000"/>
           </a:xfrm>
           <a:prstGeom prst="rightArrow">
             <a:avLst/>
@@ -6759,20 +7045,20 @@
           <a:lstStyle/>
           <a:p>
             <a:pPr algn="ctr"/>
-            <a:endParaRPr lang="zh-TW" altLang="en-US" sz="1400" dirty="0"/>
-          </a:p>
-        </p:txBody>
-      </p:sp>
-      <p:sp>
-        <p:nvSpPr>
-          <p:cNvPr id="57" name="Send Log F2L"/>
+            <a:endParaRPr lang="zh-TW" altLang="en-US" sz="1400" b="1" dirty="0"/>
+          </a:p>
+        </p:txBody>
+      </p:sp>
+      <p:sp>
+        <p:nvSpPr>
+          <p:cNvPr id="49" name="Send Log F2L"/>
           <p:cNvSpPr/>
           <p:nvPr/>
         </p:nvSpPr>
         <p:spPr>
-          <a:xfrm rot="5400000">
-            <a:off x="6354601" y="3940503"/>
-            <a:ext cx="540601" cy="432000"/>
+          <a:xfrm>
+            <a:off x="2180847" y="2081489"/>
+            <a:ext cx="585919" cy="540000"/>
           </a:xfrm>
           <a:prstGeom prst="rightArrow">
             <a:avLst/>
@@ -6797,87 +7083,7 @@
           <a:lstStyle/>
           <a:p>
             <a:pPr algn="ctr"/>
-            <a:endParaRPr lang="zh-TW" altLang="en-US" sz="1400" dirty="0"/>
-          </a:p>
-        </p:txBody>
-      </p:sp>
-      <p:sp>
-        <p:nvSpPr>
-          <p:cNvPr id="58" name="Send Log F2L"/>
-          <p:cNvSpPr/>
-          <p:nvPr/>
-        </p:nvSpPr>
-        <p:spPr>
-          <a:xfrm rot="5400000">
-            <a:off x="6767115" y="4286093"/>
-            <a:ext cx="1231777" cy="432000"/>
-          </a:xfrm>
-          <a:prstGeom prst="rightArrow">
-            <a:avLst/>
-          </a:prstGeom>
-        </p:spPr>
-        <p:style>
-          <a:lnRef idx="1">
-            <a:schemeClr val="accent3"/>
-          </a:lnRef>
-          <a:fillRef idx="2">
-            <a:schemeClr val="accent3"/>
-          </a:fillRef>
-          <a:effectRef idx="1">
-            <a:schemeClr val="accent3"/>
-          </a:effectRef>
-          <a:fontRef idx="minor">
-            <a:schemeClr val="dk1"/>
-          </a:fontRef>
-        </p:style>
-        <p:txBody>
-          <a:bodyPr rtlCol="0" anchor="ctr"/>
-          <a:lstStyle/>
-          <a:p>
-            <a:pPr algn="ctr"/>
-            <a:endParaRPr lang="zh-TW" altLang="en-US" sz="1400" dirty="0"/>
-          </a:p>
-        </p:txBody>
-      </p:sp>
-      <p:sp>
-        <p:nvSpPr>
-          <p:cNvPr id="60" name="Send Log F2L"/>
-          <p:cNvSpPr/>
-          <p:nvPr/>
-        </p:nvSpPr>
-        <p:spPr>
-          <a:xfrm flipH="1">
-            <a:off x="1359331" y="5117981"/>
-            <a:ext cx="4974275" cy="432000"/>
-          </a:xfrm>
-          <a:prstGeom prst="rightArrow">
-            <a:avLst/>
-          </a:prstGeom>
-        </p:spPr>
-        <p:style>
-          <a:lnRef idx="1">
-            <a:schemeClr val="accent3"/>
-          </a:lnRef>
-          <a:fillRef idx="2">
-            <a:schemeClr val="accent3"/>
-          </a:fillRef>
-          <a:effectRef idx="1">
-            <a:schemeClr val="accent3"/>
-          </a:effectRef>
-          <a:fontRef idx="minor">
-            <a:schemeClr val="dk1"/>
-          </a:fontRef>
-        </p:style>
-        <p:txBody>
-          <a:bodyPr rtlCol="0" anchor="ctr"/>
-          <a:lstStyle/>
-          <a:p>
-            <a:pPr algn="ctr"/>
-            <a:r>
-              <a:rPr lang="en-US" altLang="zh-TW" sz="1400" dirty="0"/>
-              <a:t>Response Error</a:t>
-            </a:r>
-            <a:endParaRPr lang="zh-TW" altLang="en-US" sz="1400" dirty="0"/>
+            <a:endParaRPr lang="zh-TW" altLang="en-US" sz="1400" b="1" dirty="0"/>
           </a:p>
         </p:txBody>
       </p:sp>
@@ -6893,7 +7099,7 @@
         </p:nvSpPr>
         <p:spPr>
           <a:xfrm>
-            <a:off x="1753385" y="3346282"/>
+            <a:off x="1871008" y="3060670"/>
             <a:ext cx="5638015" cy="1325563"/>
           </a:xfrm>
           <a:noFill/>

--- a/source/_assets/Blog動畫.pptx
+++ b/source/_assets/Blog動畫.pptx
@@ -5,10 +5,10 @@
     <p:sldMasterId id="2147483752" r:id="rId4"/>
   </p:sldMasterIdLst>
   <p:notesMasterIdLst>
-    <p:notesMasterId r:id="rId16"/>
+    <p:notesMasterId r:id="rId17"/>
   </p:notesMasterIdLst>
   <p:handoutMasterIdLst>
-    <p:handoutMasterId r:id="rId17"/>
+    <p:handoutMasterId r:id="rId18"/>
   </p:handoutMasterIdLst>
   <p:sldIdLst>
     <p:sldId id="315" r:id="rId5"/>
@@ -22,6 +22,7 @@
     <p:sldId id="323" r:id="rId13"/>
     <p:sldId id="324" r:id="rId14"/>
     <p:sldId id="325" r:id="rId15"/>
+    <p:sldId id="326" r:id="rId16"/>
   </p:sldIdLst>
   <p:sldSz cx="12192000" cy="6858000"/>
   <p:notesSz cx="7099300" cy="10234613"/>
@@ -236,7 +237,7 @@
             <a:fld id="{3CDD3A71-4C75-488C-A8F3-A1F163ED0DB9}" type="datetimeFigureOut">
               <a:rPr lang="en-US" smtClean="0"/>
               <a:pPr/>
-              <a:t>6/19/2017</a:t>
+              <a:t>6/20/2017</a:t>
             </a:fld>
             <a:endParaRPr lang="en-US" dirty="0"/>
           </a:p>
@@ -404,7 +405,7 @@
             <a:fld id="{523CC419-8FB3-4D1C-8127-E63C1A13459D}" type="datetimeFigureOut">
               <a:rPr lang="en-US" smtClean="0"/>
               <a:pPr/>
-              <a:t>6/19/2017</a:t>
+              <a:t>6/20/2017</a:t>
             </a:fld>
             <a:endParaRPr lang="en-US" dirty="0"/>
           </a:p>
@@ -807,7 +808,7 @@
           <a:p>
             <a:fld id="{237FF733-248C-4CF7-A090-89CF012E357B}" type="datetimeFigureOut">
               <a:rPr lang="zh-TW" altLang="en-US" smtClean="0"/>
-              <a:t>2017/6/19</a:t>
+              <a:t>2017/6/20</a:t>
             </a:fld>
             <a:endParaRPr lang="zh-TW" altLang="en-US"/>
           </a:p>
@@ -978,7 +979,7 @@
           <a:p>
             <a:fld id="{237FF733-248C-4CF7-A090-89CF012E357B}" type="datetimeFigureOut">
               <a:rPr lang="zh-TW" altLang="en-US" smtClean="0"/>
-              <a:t>2017/6/19</a:t>
+              <a:t>2017/6/20</a:t>
             </a:fld>
             <a:endParaRPr lang="zh-TW" altLang="en-US"/>
           </a:p>
@@ -1159,7 +1160,7 @@
           <a:p>
             <a:fld id="{237FF733-248C-4CF7-A090-89CF012E357B}" type="datetimeFigureOut">
               <a:rPr lang="zh-TW" altLang="en-US" smtClean="0"/>
-              <a:t>2017/6/19</a:t>
+              <a:t>2017/6/20</a:t>
             </a:fld>
             <a:endParaRPr lang="zh-TW" altLang="en-US"/>
           </a:p>
@@ -1330,7 +1331,7 @@
           <a:p>
             <a:fld id="{237FF733-248C-4CF7-A090-89CF012E357B}" type="datetimeFigureOut">
               <a:rPr lang="zh-TW" altLang="en-US" smtClean="0"/>
-              <a:t>2017/6/19</a:t>
+              <a:t>2017/6/20</a:t>
             </a:fld>
             <a:endParaRPr lang="zh-TW" altLang="en-US"/>
           </a:p>
@@ -1577,7 +1578,7 @@
           <a:p>
             <a:fld id="{237FF733-248C-4CF7-A090-89CF012E357B}" type="datetimeFigureOut">
               <a:rPr lang="zh-TW" altLang="en-US" smtClean="0"/>
-              <a:t>2017/6/19</a:t>
+              <a:t>2017/6/20</a:t>
             </a:fld>
             <a:endParaRPr lang="zh-TW" altLang="en-US"/>
           </a:p>
@@ -1810,7 +1811,7 @@
           <a:p>
             <a:fld id="{237FF733-248C-4CF7-A090-89CF012E357B}" type="datetimeFigureOut">
               <a:rPr lang="zh-TW" altLang="en-US" smtClean="0"/>
-              <a:t>2017/6/19</a:t>
+              <a:t>2017/6/20</a:t>
             </a:fld>
             <a:endParaRPr lang="zh-TW" altLang="en-US"/>
           </a:p>
@@ -2178,7 +2179,7 @@
           <a:p>
             <a:fld id="{237FF733-248C-4CF7-A090-89CF012E357B}" type="datetimeFigureOut">
               <a:rPr lang="zh-TW" altLang="en-US" smtClean="0"/>
-              <a:t>2017/6/19</a:t>
+              <a:t>2017/6/20</a:t>
             </a:fld>
             <a:endParaRPr lang="zh-TW" altLang="en-US"/>
           </a:p>
@@ -2297,7 +2298,7 @@
           <a:p>
             <a:fld id="{237FF733-248C-4CF7-A090-89CF012E357B}" type="datetimeFigureOut">
               <a:rPr lang="zh-TW" altLang="en-US" smtClean="0"/>
-              <a:t>2017/6/19</a:t>
+              <a:t>2017/6/20</a:t>
             </a:fld>
             <a:endParaRPr lang="zh-TW" altLang="en-US"/>
           </a:p>
@@ -2393,7 +2394,7 @@
           <a:p>
             <a:fld id="{237FF733-248C-4CF7-A090-89CF012E357B}" type="datetimeFigureOut">
               <a:rPr lang="zh-TW" altLang="en-US" smtClean="0"/>
-              <a:t>2017/6/19</a:t>
+              <a:t>2017/6/20</a:t>
             </a:fld>
             <a:endParaRPr lang="zh-TW" altLang="en-US"/>
           </a:p>
@@ -2671,7 +2672,7 @@
           <a:p>
             <a:fld id="{237FF733-248C-4CF7-A090-89CF012E357B}" type="datetimeFigureOut">
               <a:rPr lang="zh-TW" altLang="en-US" smtClean="0"/>
-              <a:t>2017/6/19</a:t>
+              <a:t>2017/6/20</a:t>
             </a:fld>
             <a:endParaRPr lang="zh-TW" altLang="en-US"/>
           </a:p>
@@ -2929,7 +2930,7 @@
           <a:p>
             <a:fld id="{237FF733-248C-4CF7-A090-89CF012E357B}" type="datetimeFigureOut">
               <a:rPr lang="zh-TW" altLang="en-US" smtClean="0"/>
-              <a:t>2017/6/19</a:t>
+              <a:t>2017/6/20</a:t>
             </a:fld>
             <a:endParaRPr lang="zh-TW" altLang="en-US"/>
           </a:p>
@@ -3143,7 +3144,7 @@
           <a:p>
             <a:fld id="{237FF733-248C-4CF7-A090-89CF012E357B}" type="datetimeFigureOut">
               <a:rPr lang="zh-TW" altLang="en-US" smtClean="0"/>
-              <a:t>2017/6/19</a:t>
+              <a:t>2017/6/20</a:t>
             </a:fld>
             <a:endParaRPr lang="zh-TW" altLang="en-US"/>
           </a:p>
@@ -7152,6 +7153,575 @@
 </p:sld>
 </file>
 
+<file path=ppt/slides/slide12.xml><?xml version="1.0" encoding="utf-8"?>
+<p:sld xmlns:a="http://schemas.openxmlformats.org/drawingml/2006/main" xmlns:r="http://schemas.openxmlformats.org/officeDocument/2006/relationships" xmlns:p="http://schemas.openxmlformats.org/presentationml/2006/main">
+  <p:cSld>
+    <p:spTree>
+      <p:nvGrpSpPr>
+        <p:cNvPr id="1" name=""/>
+        <p:cNvGrpSpPr/>
+        <p:nvPr/>
+      </p:nvGrpSpPr>
+      <p:grpSpPr>
+        <a:xfrm>
+          <a:off x="0" y="0"/>
+          <a:ext cx="0" cy="0"/>
+          <a:chOff x="0" y="0"/>
+          <a:chExt cx="0" cy="0"/>
+        </a:xfrm>
+      </p:grpSpPr>
+      <p:sp>
+        <p:nvSpPr>
+          <p:cNvPr id="16" name="矩形 15"/>
+          <p:cNvSpPr/>
+          <p:nvPr/>
+        </p:nvSpPr>
+        <p:spPr>
+          <a:xfrm>
+            <a:off x="381000" y="-3795188"/>
+            <a:ext cx="7634668" cy="4294501"/>
+          </a:xfrm>
+          <a:prstGeom prst="rect">
+            <a:avLst/>
+          </a:prstGeom>
+        </p:spPr>
+        <p:style>
+          <a:lnRef idx="2">
+            <a:schemeClr val="dk1">
+              <a:shade val="50000"/>
+            </a:schemeClr>
+          </a:lnRef>
+          <a:fillRef idx="1">
+            <a:schemeClr val="dk1"/>
+          </a:fillRef>
+          <a:effectRef idx="0">
+            <a:schemeClr val="dk1"/>
+          </a:effectRef>
+          <a:fontRef idx="minor">
+            <a:schemeClr val="lt1"/>
+          </a:fontRef>
+        </p:style>
+        <p:txBody>
+          <a:bodyPr rtlCol="0" anchor="ctr"/>
+          <a:lstStyle/>
+          <a:p>
+            <a:pPr algn="ctr"/>
+            <a:endParaRPr lang="zh-TW" altLang="en-US"/>
+          </a:p>
+        </p:txBody>
+      </p:sp>
+      <p:sp>
+        <p:nvSpPr>
+          <p:cNvPr id="13" name="橢圓 12"/>
+          <p:cNvSpPr/>
+          <p:nvPr/>
+        </p:nvSpPr>
+        <p:spPr>
+          <a:xfrm>
+            <a:off x="1761222" y="980643"/>
+            <a:ext cx="3962400" cy="3962400"/>
+          </a:xfrm>
+          <a:prstGeom prst="ellipse">
+            <a:avLst/>
+          </a:prstGeom>
+        </p:spPr>
+        <p:style>
+          <a:lnRef idx="0">
+            <a:schemeClr val="accent5"/>
+          </a:lnRef>
+          <a:fillRef idx="3">
+            <a:schemeClr val="accent5"/>
+          </a:fillRef>
+          <a:effectRef idx="3">
+            <a:schemeClr val="accent5"/>
+          </a:effectRef>
+          <a:fontRef idx="minor">
+            <a:schemeClr val="lt1"/>
+          </a:fontRef>
+        </p:style>
+        <p:txBody>
+          <a:bodyPr rtlCol="0" anchor="t"/>
+          <a:lstStyle/>
+          <a:p>
+            <a:pPr algn="ctr"/>
+            <a:endParaRPr lang="zh-TW" altLang="en-US" dirty="0">
+              <a:solidFill>
+                <a:schemeClr val="bg1"/>
+              </a:solidFill>
+            </a:endParaRPr>
+          </a:p>
+        </p:txBody>
+      </p:sp>
+      <p:sp>
+        <p:nvSpPr>
+          <p:cNvPr id="12" name="橢圓 11"/>
+          <p:cNvSpPr/>
+          <p:nvPr/>
+        </p:nvSpPr>
+        <p:spPr>
+          <a:xfrm>
+            <a:off x="2133600" y="1667778"/>
+            <a:ext cx="3217644" cy="3217644"/>
+          </a:xfrm>
+          <a:prstGeom prst="ellipse">
+            <a:avLst/>
+          </a:prstGeom>
+        </p:spPr>
+        <p:style>
+          <a:lnRef idx="0">
+            <a:schemeClr val="accent2"/>
+          </a:lnRef>
+          <a:fillRef idx="3">
+            <a:schemeClr val="accent2"/>
+          </a:fillRef>
+          <a:effectRef idx="3">
+            <a:schemeClr val="accent2"/>
+          </a:effectRef>
+          <a:fontRef idx="minor">
+            <a:schemeClr val="lt1"/>
+          </a:fontRef>
+        </p:style>
+        <p:txBody>
+          <a:bodyPr rtlCol="0" anchor="t"/>
+          <a:lstStyle/>
+          <a:p>
+            <a:pPr algn="ctr"/>
+            <a:endParaRPr lang="zh-TW" altLang="en-US" dirty="0">
+              <a:solidFill>
+                <a:schemeClr val="bg1"/>
+              </a:solidFill>
+            </a:endParaRPr>
+          </a:p>
+        </p:txBody>
+      </p:sp>
+      <p:sp>
+        <p:nvSpPr>
+          <p:cNvPr id="4" name="橢圓 3"/>
+          <p:cNvSpPr/>
+          <p:nvPr/>
+        </p:nvSpPr>
+        <p:spPr>
+          <a:xfrm>
+            <a:off x="2565400" y="3276600"/>
+            <a:ext cx="2311400" cy="1447800"/>
+          </a:xfrm>
+          <a:prstGeom prst="ellipse">
+            <a:avLst/>
+          </a:prstGeom>
+        </p:spPr>
+        <p:style>
+          <a:lnRef idx="0">
+            <a:schemeClr val="accent3"/>
+          </a:lnRef>
+          <a:fillRef idx="3">
+            <a:schemeClr val="accent3"/>
+          </a:fillRef>
+          <a:effectRef idx="3">
+            <a:schemeClr val="accent3"/>
+          </a:effectRef>
+          <a:fontRef idx="minor">
+            <a:schemeClr val="lt1"/>
+          </a:fontRef>
+        </p:style>
+        <p:txBody>
+          <a:bodyPr rtlCol="0" anchor="t"/>
+          <a:lstStyle/>
+          <a:p>
+            <a:pPr algn="ctr"/>
+            <a:endParaRPr lang="zh-TW" altLang="en-US" dirty="0">
+              <a:solidFill>
+                <a:schemeClr val="bg1"/>
+              </a:solidFill>
+            </a:endParaRPr>
+          </a:p>
+        </p:txBody>
+      </p:sp>
+      <p:sp>
+        <p:nvSpPr>
+          <p:cNvPr id="9" name="橢圓 8"/>
+          <p:cNvSpPr/>
+          <p:nvPr/>
+        </p:nvSpPr>
+        <p:spPr>
+          <a:xfrm>
+            <a:off x="2904559" y="3682654"/>
+            <a:ext cx="1633076" cy="978932"/>
+          </a:xfrm>
+          <a:prstGeom prst="ellipse">
+            <a:avLst/>
+          </a:prstGeom>
+        </p:spPr>
+        <p:style>
+          <a:lnRef idx="0">
+            <a:schemeClr val="accent1"/>
+          </a:lnRef>
+          <a:fillRef idx="3">
+            <a:schemeClr val="accent1"/>
+          </a:fillRef>
+          <a:effectRef idx="3">
+            <a:schemeClr val="accent1"/>
+          </a:effectRef>
+          <a:fontRef idx="minor">
+            <a:schemeClr val="lt1"/>
+          </a:fontRef>
+        </p:style>
+        <p:txBody>
+          <a:bodyPr rtlCol="0" anchor="t"/>
+          <a:lstStyle/>
+          <a:p>
+            <a:pPr algn="ctr"/>
+            <a:endParaRPr lang="zh-TW" altLang="en-US" dirty="0">
+              <a:solidFill>
+                <a:schemeClr val="bg1"/>
+              </a:solidFill>
+            </a:endParaRPr>
+          </a:p>
+        </p:txBody>
+      </p:sp>
+      <p:sp>
+        <p:nvSpPr>
+          <p:cNvPr id="8" name="橢圓 7"/>
+          <p:cNvSpPr/>
+          <p:nvPr/>
+        </p:nvSpPr>
+        <p:spPr>
+          <a:xfrm>
+            <a:off x="3130547" y="4090086"/>
+            <a:ext cx="1181100" cy="457200"/>
+          </a:xfrm>
+          <a:prstGeom prst="ellipse">
+            <a:avLst/>
+          </a:prstGeom>
+        </p:spPr>
+        <p:style>
+          <a:lnRef idx="0">
+            <a:schemeClr val="accent6"/>
+          </a:lnRef>
+          <a:fillRef idx="3">
+            <a:schemeClr val="accent6"/>
+          </a:fillRef>
+          <a:effectRef idx="3">
+            <a:schemeClr val="accent6"/>
+          </a:effectRef>
+          <a:fontRef idx="minor">
+            <a:schemeClr val="lt1"/>
+          </a:fontRef>
+        </p:style>
+        <p:txBody>
+          <a:bodyPr rtlCol="0" anchor="ctr"/>
+          <a:lstStyle/>
+          <a:p>
+            <a:pPr algn="ctr"/>
+            <a:r>
+              <a:rPr lang="en-US" altLang="zh-TW" dirty="0" smtClean="0">
+                <a:solidFill>
+                  <a:schemeClr val="bg1"/>
+                </a:solidFill>
+              </a:rPr>
+              <a:t>Action</a:t>
+            </a:r>
+            <a:endParaRPr lang="zh-TW" altLang="en-US" dirty="0">
+              <a:solidFill>
+                <a:schemeClr val="bg1"/>
+              </a:solidFill>
+            </a:endParaRPr>
+          </a:p>
+        </p:txBody>
+      </p:sp>
+      <p:sp>
+        <p:nvSpPr>
+          <p:cNvPr id="2" name="矩形 1"/>
+          <p:cNvSpPr/>
+          <p:nvPr/>
+        </p:nvSpPr>
+        <p:spPr>
+          <a:xfrm>
+            <a:off x="2904560" y="3364468"/>
+            <a:ext cx="1633075" cy="369332"/>
+          </a:xfrm>
+          <a:prstGeom prst="rect">
+            <a:avLst/>
+          </a:prstGeom>
+        </p:spPr>
+        <p:txBody>
+          <a:bodyPr wrap="none">
+            <a:spAutoFit/>
+          </a:bodyPr>
+          <a:lstStyle/>
+          <a:p>
+            <a:pPr algn="ctr"/>
+            <a:r>
+              <a:rPr lang="en-US" altLang="zh-TW" dirty="0">
+                <a:solidFill>
+                  <a:schemeClr val="bg1"/>
+                </a:solidFill>
+              </a:rPr>
+              <a:t>Exception Filter</a:t>
+            </a:r>
+            <a:endParaRPr lang="zh-TW" altLang="en-US" dirty="0">
+              <a:solidFill>
+                <a:schemeClr val="bg1"/>
+              </a:solidFill>
+            </a:endParaRPr>
+          </a:p>
+        </p:txBody>
+      </p:sp>
+      <p:sp>
+        <p:nvSpPr>
+          <p:cNvPr id="3" name="矩形 2"/>
+          <p:cNvSpPr/>
+          <p:nvPr/>
+        </p:nvSpPr>
+        <p:spPr>
+          <a:xfrm>
+            <a:off x="3059344" y="3758854"/>
+            <a:ext cx="1323503" cy="369332"/>
+          </a:xfrm>
+          <a:prstGeom prst="rect">
+            <a:avLst/>
+          </a:prstGeom>
+        </p:spPr>
+        <p:txBody>
+          <a:bodyPr wrap="none">
+            <a:spAutoFit/>
+          </a:bodyPr>
+          <a:lstStyle/>
+          <a:p>
+            <a:pPr algn="ctr"/>
+            <a:r>
+              <a:rPr lang="en-US" altLang="zh-TW" dirty="0">
+                <a:solidFill>
+                  <a:schemeClr val="bg1"/>
+                </a:solidFill>
+              </a:rPr>
+              <a:t>Action Filter</a:t>
+            </a:r>
+            <a:endParaRPr lang="zh-TW" altLang="en-US" dirty="0">
+              <a:solidFill>
+                <a:schemeClr val="bg1"/>
+              </a:solidFill>
+            </a:endParaRPr>
+          </a:p>
+        </p:txBody>
+      </p:sp>
+      <p:sp>
+        <p:nvSpPr>
+          <p:cNvPr id="6" name="矩形 5"/>
+          <p:cNvSpPr/>
+          <p:nvPr/>
+        </p:nvSpPr>
+        <p:spPr>
+          <a:xfrm>
+            <a:off x="2734977" y="2845846"/>
+            <a:ext cx="1972235" cy="381000"/>
+          </a:xfrm>
+          <a:prstGeom prst="rect">
+            <a:avLst/>
+          </a:prstGeom>
+        </p:spPr>
+        <p:style>
+          <a:lnRef idx="0">
+            <a:schemeClr val="accent4"/>
+          </a:lnRef>
+          <a:fillRef idx="3">
+            <a:schemeClr val="accent4"/>
+          </a:fillRef>
+          <a:effectRef idx="3">
+            <a:schemeClr val="accent4"/>
+          </a:effectRef>
+          <a:fontRef idx="minor">
+            <a:schemeClr val="lt1"/>
+          </a:fontRef>
+        </p:style>
+        <p:txBody>
+          <a:bodyPr rtlCol="0" anchor="ctr"/>
+          <a:lstStyle/>
+          <a:p>
+            <a:pPr algn="ctr"/>
+            <a:r>
+              <a:rPr lang="en-US" altLang="zh-TW" dirty="0" smtClean="0">
+                <a:solidFill>
+                  <a:schemeClr val="bg1"/>
+                </a:solidFill>
+              </a:rPr>
+              <a:t>Result Filter</a:t>
+            </a:r>
+            <a:endParaRPr lang="zh-TW" altLang="en-US" dirty="0">
+              <a:solidFill>
+                <a:schemeClr val="bg1"/>
+              </a:solidFill>
+            </a:endParaRPr>
+          </a:p>
+        </p:txBody>
+      </p:sp>
+      <p:sp>
+        <p:nvSpPr>
+          <p:cNvPr id="11" name="矩形 10"/>
+          <p:cNvSpPr/>
+          <p:nvPr/>
+        </p:nvSpPr>
+        <p:spPr>
+          <a:xfrm>
+            <a:off x="2734977" y="2381832"/>
+            <a:ext cx="1972235" cy="381000"/>
+          </a:xfrm>
+          <a:prstGeom prst="rect">
+            <a:avLst/>
+          </a:prstGeom>
+        </p:spPr>
+        <p:style>
+          <a:lnRef idx="0">
+            <a:schemeClr val="accent4"/>
+          </a:lnRef>
+          <a:fillRef idx="3">
+            <a:schemeClr val="accent4"/>
+          </a:fillRef>
+          <a:effectRef idx="3">
+            <a:schemeClr val="accent4"/>
+          </a:effectRef>
+          <a:fontRef idx="minor">
+            <a:schemeClr val="lt1"/>
+          </a:fontRef>
+        </p:style>
+        <p:txBody>
+          <a:bodyPr rtlCol="0" anchor="ctr"/>
+          <a:lstStyle/>
+          <a:p>
+            <a:pPr algn="ctr"/>
+            <a:r>
+              <a:rPr lang="en-US" altLang="zh-TW" dirty="0">
+                <a:solidFill>
+                  <a:schemeClr val="bg1"/>
+                </a:solidFill>
+              </a:rPr>
+              <a:t>Resource Filter</a:t>
+            </a:r>
+            <a:endParaRPr lang="zh-TW" altLang="en-US" dirty="0">
+              <a:solidFill>
+                <a:schemeClr val="bg1"/>
+              </a:solidFill>
+            </a:endParaRPr>
+          </a:p>
+        </p:txBody>
+      </p:sp>
+      <p:sp>
+        <p:nvSpPr>
+          <p:cNvPr id="14" name="矩形 13"/>
+          <p:cNvSpPr/>
+          <p:nvPr/>
+        </p:nvSpPr>
+        <p:spPr>
+          <a:xfrm>
+            <a:off x="3073713" y="1021447"/>
+            <a:ext cx="1337417" cy="646331"/>
+          </a:xfrm>
+          <a:prstGeom prst="rect">
+            <a:avLst/>
+          </a:prstGeom>
+        </p:spPr>
+        <p:txBody>
+          <a:bodyPr wrap="none">
+            <a:spAutoFit/>
+          </a:bodyPr>
+          <a:lstStyle/>
+          <a:p>
+            <a:pPr algn="ctr"/>
+            <a:r>
+              <a:rPr lang="en-US" altLang="zh-TW" dirty="0" smtClean="0">
+                <a:solidFill>
+                  <a:schemeClr val="bg1"/>
+                </a:solidFill>
+              </a:rPr>
+              <a:t>Exception</a:t>
+            </a:r>
+          </a:p>
+          <a:p>
+            <a:pPr algn="ctr"/>
+            <a:r>
+              <a:rPr lang="en-US" altLang="zh-TW" dirty="0" smtClean="0">
+                <a:solidFill>
+                  <a:schemeClr val="bg1"/>
+                </a:solidFill>
+              </a:rPr>
+              <a:t>Middleware</a:t>
+            </a:r>
+            <a:endParaRPr lang="zh-TW" altLang="en-US" dirty="0">
+              <a:solidFill>
+                <a:schemeClr val="bg1"/>
+              </a:solidFill>
+            </a:endParaRPr>
+          </a:p>
+        </p:txBody>
+      </p:sp>
+      <p:sp>
+        <p:nvSpPr>
+          <p:cNvPr id="15" name="矩形 14"/>
+          <p:cNvSpPr/>
+          <p:nvPr/>
+        </p:nvSpPr>
+        <p:spPr>
+          <a:xfrm>
+            <a:off x="3086793" y="1696940"/>
+            <a:ext cx="1311256" cy="646331"/>
+          </a:xfrm>
+          <a:prstGeom prst="rect">
+            <a:avLst/>
+          </a:prstGeom>
+        </p:spPr>
+        <p:txBody>
+          <a:bodyPr wrap="none">
+            <a:spAutoFit/>
+          </a:bodyPr>
+          <a:lstStyle/>
+          <a:p>
+            <a:pPr algn="ctr"/>
+            <a:r>
+              <a:rPr lang="en-US" altLang="zh-TW" dirty="0" smtClean="0">
+                <a:solidFill>
+                  <a:schemeClr val="bg1"/>
+                </a:solidFill>
+              </a:rPr>
+              <a:t>Other</a:t>
+            </a:r>
+          </a:p>
+          <a:p>
+            <a:pPr algn="ctr"/>
+            <a:r>
+              <a:rPr lang="en-US" altLang="zh-TW" dirty="0" smtClean="0">
+                <a:solidFill>
+                  <a:schemeClr val="bg1"/>
+                </a:solidFill>
+              </a:rPr>
+              <a:t>Middleware</a:t>
+            </a:r>
+            <a:endParaRPr lang="zh-TW" altLang="en-US" dirty="0">
+              <a:solidFill>
+                <a:schemeClr val="bg1"/>
+              </a:solidFill>
+            </a:endParaRPr>
+          </a:p>
+        </p:txBody>
+      </p:sp>
+    </p:spTree>
+    <p:extLst>
+      <p:ext uri="{BB962C8B-B14F-4D97-AF65-F5344CB8AC3E}">
+        <p14:creationId xmlns:p14="http://schemas.microsoft.com/office/powerpoint/2010/main" val="473120441"/>
+      </p:ext>
+    </p:extLst>
+  </p:cSld>
+  <p:clrMapOvr>
+    <a:masterClrMapping/>
+  </p:clrMapOvr>
+  <p:timing>
+    <p:tnLst>
+      <p:par>
+        <p:cTn id="1" dur="indefinite" restart="never" nodeType="tmRoot"/>
+      </p:par>
+    </p:tnLst>
+  </p:timing>
+</p:sld>
+</file>
+
 <file path=ppt/slides/slide2.xml><?xml version="1.0" encoding="utf-8"?>
 <p:sld xmlns:a="http://schemas.openxmlformats.org/drawingml/2006/main" xmlns:r="http://schemas.openxmlformats.org/officeDocument/2006/relationships" xmlns:p="http://schemas.openxmlformats.org/presentationml/2006/main">
   <p:cSld>

--- a/source/_assets/Blog動畫.pptx
+++ b/source/_assets/Blog動畫.pptx
@@ -5,10 +5,10 @@
     <p:sldMasterId id="2147483752" r:id="rId4"/>
   </p:sldMasterIdLst>
   <p:notesMasterIdLst>
-    <p:notesMasterId r:id="rId17"/>
+    <p:notesMasterId r:id="rId18"/>
   </p:notesMasterIdLst>
   <p:handoutMasterIdLst>
-    <p:handoutMasterId r:id="rId18"/>
+    <p:handoutMasterId r:id="rId19"/>
   </p:handoutMasterIdLst>
   <p:sldIdLst>
     <p:sldId id="315" r:id="rId5"/>
@@ -23,6 +23,7 @@
     <p:sldId id="324" r:id="rId14"/>
     <p:sldId id="325" r:id="rId15"/>
     <p:sldId id="326" r:id="rId16"/>
+    <p:sldId id="327" r:id="rId17"/>
   </p:sldIdLst>
   <p:sldSz cx="12192000" cy="6858000"/>
   <p:notesSz cx="7099300" cy="10234613"/>
@@ -237,7 +238,7 @@
             <a:fld id="{3CDD3A71-4C75-488C-A8F3-A1F163ED0DB9}" type="datetimeFigureOut">
               <a:rPr lang="en-US" smtClean="0"/>
               <a:pPr/>
-              <a:t>6/20/2017</a:t>
+              <a:t>6/28/2017</a:t>
             </a:fld>
             <a:endParaRPr lang="en-US" dirty="0"/>
           </a:p>
@@ -405,7 +406,7 @@
             <a:fld id="{523CC419-8FB3-4D1C-8127-E63C1A13459D}" type="datetimeFigureOut">
               <a:rPr lang="en-US" smtClean="0"/>
               <a:pPr/>
-              <a:t>6/20/2017</a:t>
+              <a:t>6/28/2017</a:t>
             </a:fld>
             <a:endParaRPr lang="en-US" dirty="0"/>
           </a:p>
@@ -808,7 +809,7 @@
           <a:p>
             <a:fld id="{237FF733-248C-4CF7-A090-89CF012E357B}" type="datetimeFigureOut">
               <a:rPr lang="zh-TW" altLang="en-US" smtClean="0"/>
-              <a:t>2017/6/20</a:t>
+              <a:t>2017/6/28</a:t>
             </a:fld>
             <a:endParaRPr lang="zh-TW" altLang="en-US"/>
           </a:p>
@@ -979,7 +980,7 @@
           <a:p>
             <a:fld id="{237FF733-248C-4CF7-A090-89CF012E357B}" type="datetimeFigureOut">
               <a:rPr lang="zh-TW" altLang="en-US" smtClean="0"/>
-              <a:t>2017/6/20</a:t>
+              <a:t>2017/6/28</a:t>
             </a:fld>
             <a:endParaRPr lang="zh-TW" altLang="en-US"/>
           </a:p>
@@ -1160,7 +1161,7 @@
           <a:p>
             <a:fld id="{237FF733-248C-4CF7-A090-89CF012E357B}" type="datetimeFigureOut">
               <a:rPr lang="zh-TW" altLang="en-US" smtClean="0"/>
-              <a:t>2017/6/20</a:t>
+              <a:t>2017/6/28</a:t>
             </a:fld>
             <a:endParaRPr lang="zh-TW" altLang="en-US"/>
           </a:p>
@@ -1331,7 +1332,7 @@
           <a:p>
             <a:fld id="{237FF733-248C-4CF7-A090-89CF012E357B}" type="datetimeFigureOut">
               <a:rPr lang="zh-TW" altLang="en-US" smtClean="0"/>
-              <a:t>2017/6/20</a:t>
+              <a:t>2017/6/28</a:t>
             </a:fld>
             <a:endParaRPr lang="zh-TW" altLang="en-US"/>
           </a:p>
@@ -1578,7 +1579,7 @@
           <a:p>
             <a:fld id="{237FF733-248C-4CF7-A090-89CF012E357B}" type="datetimeFigureOut">
               <a:rPr lang="zh-TW" altLang="en-US" smtClean="0"/>
-              <a:t>2017/6/20</a:t>
+              <a:t>2017/6/28</a:t>
             </a:fld>
             <a:endParaRPr lang="zh-TW" altLang="en-US"/>
           </a:p>
@@ -1811,7 +1812,7 @@
           <a:p>
             <a:fld id="{237FF733-248C-4CF7-A090-89CF012E357B}" type="datetimeFigureOut">
               <a:rPr lang="zh-TW" altLang="en-US" smtClean="0"/>
-              <a:t>2017/6/20</a:t>
+              <a:t>2017/6/28</a:t>
             </a:fld>
             <a:endParaRPr lang="zh-TW" altLang="en-US"/>
           </a:p>
@@ -2179,7 +2180,7 @@
           <a:p>
             <a:fld id="{237FF733-248C-4CF7-A090-89CF012E357B}" type="datetimeFigureOut">
               <a:rPr lang="zh-TW" altLang="en-US" smtClean="0"/>
-              <a:t>2017/6/20</a:t>
+              <a:t>2017/6/28</a:t>
             </a:fld>
             <a:endParaRPr lang="zh-TW" altLang="en-US"/>
           </a:p>
@@ -2298,7 +2299,7 @@
           <a:p>
             <a:fld id="{237FF733-248C-4CF7-A090-89CF012E357B}" type="datetimeFigureOut">
               <a:rPr lang="zh-TW" altLang="en-US" smtClean="0"/>
-              <a:t>2017/6/20</a:t>
+              <a:t>2017/6/28</a:t>
             </a:fld>
             <a:endParaRPr lang="zh-TW" altLang="en-US"/>
           </a:p>
@@ -2394,7 +2395,7 @@
           <a:p>
             <a:fld id="{237FF733-248C-4CF7-A090-89CF012E357B}" type="datetimeFigureOut">
               <a:rPr lang="zh-TW" altLang="en-US" smtClean="0"/>
-              <a:t>2017/6/20</a:t>
+              <a:t>2017/6/28</a:t>
             </a:fld>
             <a:endParaRPr lang="zh-TW" altLang="en-US"/>
           </a:p>
@@ -2672,7 +2673,7 @@
           <a:p>
             <a:fld id="{237FF733-248C-4CF7-A090-89CF012E357B}" type="datetimeFigureOut">
               <a:rPr lang="zh-TW" altLang="en-US" smtClean="0"/>
-              <a:t>2017/6/20</a:t>
+              <a:t>2017/6/28</a:t>
             </a:fld>
             <a:endParaRPr lang="zh-TW" altLang="en-US"/>
           </a:p>
@@ -2930,7 +2931,7 @@
           <a:p>
             <a:fld id="{237FF733-248C-4CF7-A090-89CF012E357B}" type="datetimeFigureOut">
               <a:rPr lang="zh-TW" altLang="en-US" smtClean="0"/>
-              <a:t>2017/6/20</a:t>
+              <a:t>2017/6/28</a:t>
             </a:fld>
             <a:endParaRPr lang="zh-TW" altLang="en-US"/>
           </a:p>
@@ -3144,7 +3145,7 @@
           <a:p>
             <a:fld id="{237FF733-248C-4CF7-A090-89CF012E357B}" type="datetimeFigureOut">
               <a:rPr lang="zh-TW" altLang="en-US" smtClean="0"/>
-              <a:t>2017/6/20</a:t>
+              <a:t>2017/6/28</a:t>
             </a:fld>
             <a:endParaRPr lang="zh-TW" altLang="en-US"/>
           </a:p>
@@ -7722,6 +7723,3803 @@
 </p:sld>
 </file>
 
+<file path=ppt/slides/slide13.xml><?xml version="1.0" encoding="utf-8"?>
+<p:sld xmlns:a="http://schemas.openxmlformats.org/drawingml/2006/main" xmlns:r="http://schemas.openxmlformats.org/officeDocument/2006/relationships" xmlns:p="http://schemas.openxmlformats.org/presentationml/2006/main">
+  <p:cSld>
+    <p:spTree>
+      <p:nvGrpSpPr>
+        <p:cNvPr id="1" name=""/>
+        <p:cNvGrpSpPr/>
+        <p:nvPr/>
+      </p:nvGrpSpPr>
+      <p:grpSpPr>
+        <a:xfrm>
+          <a:off x="0" y="0"/>
+          <a:ext cx="0" cy="0"/>
+          <a:chOff x="0" y="0"/>
+          <a:chExt cx="0" cy="0"/>
+        </a:xfrm>
+      </p:grpSpPr>
+      <p:sp>
+        <p:nvSpPr>
+          <p:cNvPr id="5" name="矩形 4"/>
+          <p:cNvSpPr/>
+          <p:nvPr/>
+        </p:nvSpPr>
+        <p:spPr>
+          <a:xfrm>
+            <a:off x="5517847" y="990600"/>
+            <a:ext cx="3682564" cy="3859826"/>
+          </a:xfrm>
+          <a:prstGeom prst="rect">
+            <a:avLst/>
+          </a:prstGeom>
+          <a:noFill/>
+          <a:ln w="19050">
+            <a:solidFill>
+              <a:schemeClr val="tx1"/>
+            </a:solidFill>
+            <a:prstDash val="dashDot"/>
+          </a:ln>
+        </p:spPr>
+        <p:style>
+          <a:lnRef idx="0">
+            <a:schemeClr val="accent1"/>
+          </a:lnRef>
+          <a:fillRef idx="3">
+            <a:schemeClr val="accent1"/>
+          </a:fillRef>
+          <a:effectRef idx="3">
+            <a:schemeClr val="accent1"/>
+          </a:effectRef>
+          <a:fontRef idx="minor">
+            <a:schemeClr val="lt1"/>
+          </a:fontRef>
+        </p:style>
+        <p:txBody>
+          <a:bodyPr rtlCol="0" anchor="ctr"/>
+          <a:lstStyle/>
+          <a:p>
+            <a:pPr algn="ctr"/>
+            <a:endParaRPr lang="zh-TW" altLang="en-US">
+              <a:solidFill>
+                <a:schemeClr val="tx1"/>
+              </a:solidFill>
+            </a:endParaRPr>
+          </a:p>
+        </p:txBody>
+      </p:sp>
+      <p:sp>
+        <p:nvSpPr>
+          <p:cNvPr id="14" name="矩形 13"/>
+          <p:cNvSpPr/>
+          <p:nvPr/>
+        </p:nvSpPr>
+        <p:spPr>
+          <a:xfrm>
+            <a:off x="6384695" y="956709"/>
+            <a:ext cx="1948867" cy="369332"/>
+          </a:xfrm>
+          <a:prstGeom prst="rect">
+            <a:avLst/>
+          </a:prstGeom>
+          <a:noFill/>
+          <a:ln>
+            <a:noFill/>
+          </a:ln>
+        </p:spPr>
+        <p:txBody>
+          <a:bodyPr wrap="none">
+            <a:spAutoFit/>
+          </a:bodyPr>
+          <a:lstStyle/>
+          <a:p>
+            <a:pPr algn="ctr"/>
+            <a:r>
+              <a:rPr lang="en-US" altLang="zh-TW" b="1" dirty="0" smtClean="0"/>
+              <a:t>Services</a:t>
+            </a:r>
+            <a:r>
+              <a:rPr lang="zh-TW" altLang="en-US" b="1" dirty="0" smtClean="0"/>
+              <a:t> </a:t>
+            </a:r>
+            <a:r>
+              <a:rPr lang="en-US" altLang="zh-TW" b="1" dirty="0" smtClean="0"/>
+              <a:t>Container</a:t>
+            </a:r>
+            <a:endParaRPr lang="zh-TW" altLang="en-US" b="1" dirty="0"/>
+          </a:p>
+        </p:txBody>
+      </p:sp>
+      <p:sp>
+        <p:nvSpPr>
+          <p:cNvPr id="12" name="橢圓 11"/>
+          <p:cNvSpPr/>
+          <p:nvPr/>
+        </p:nvSpPr>
+        <p:spPr>
+          <a:xfrm>
+            <a:off x="6533429" y="1393320"/>
+            <a:ext cx="1278156" cy="1278156"/>
+          </a:xfrm>
+          <a:prstGeom prst="ellipse">
+            <a:avLst/>
+          </a:prstGeom>
+        </p:spPr>
+        <p:style>
+          <a:lnRef idx="0">
+            <a:schemeClr val="accent2"/>
+          </a:lnRef>
+          <a:fillRef idx="3">
+            <a:schemeClr val="accent2"/>
+          </a:fillRef>
+          <a:effectRef idx="3">
+            <a:schemeClr val="accent2"/>
+          </a:effectRef>
+          <a:fontRef idx="minor">
+            <a:schemeClr val="lt1"/>
+          </a:fontRef>
+        </p:style>
+        <p:txBody>
+          <a:bodyPr rtlCol="0" anchor="t"/>
+          <a:lstStyle/>
+          <a:p>
+            <a:pPr algn="ctr"/>
+            <a:endParaRPr lang="zh-TW" altLang="en-US" dirty="0">
+              <a:solidFill>
+                <a:schemeClr val="bg1"/>
+              </a:solidFill>
+            </a:endParaRPr>
+          </a:p>
+        </p:txBody>
+      </p:sp>
+      <p:sp>
+        <p:nvSpPr>
+          <p:cNvPr id="6" name="矩形 5"/>
+          <p:cNvSpPr/>
+          <p:nvPr/>
+        </p:nvSpPr>
+        <p:spPr>
+          <a:xfrm>
+            <a:off x="6966320" y="2180935"/>
+            <a:ext cx="412375" cy="381000"/>
+          </a:xfrm>
+          <a:prstGeom prst="rect">
+            <a:avLst/>
+          </a:prstGeom>
+        </p:spPr>
+        <p:style>
+          <a:lnRef idx="0">
+            <a:schemeClr val="accent4"/>
+          </a:lnRef>
+          <a:fillRef idx="3">
+            <a:schemeClr val="accent4"/>
+          </a:fillRef>
+          <a:effectRef idx="3">
+            <a:schemeClr val="accent4"/>
+          </a:effectRef>
+          <a:fontRef idx="minor">
+            <a:schemeClr val="lt1"/>
+          </a:fontRef>
+        </p:style>
+        <p:txBody>
+          <a:bodyPr rtlCol="0" anchor="ctr"/>
+          <a:lstStyle/>
+          <a:p>
+            <a:pPr algn="ctr"/>
+            <a:r>
+              <a:rPr lang="en-US" altLang="zh-TW" dirty="0" smtClean="0">
+                <a:solidFill>
+                  <a:schemeClr val="bg1"/>
+                </a:solidFill>
+              </a:rPr>
+              <a:t>A</a:t>
+            </a:r>
+            <a:endParaRPr lang="zh-TW" altLang="en-US" dirty="0">
+              <a:solidFill>
+                <a:schemeClr val="bg1"/>
+              </a:solidFill>
+            </a:endParaRPr>
+          </a:p>
+        </p:txBody>
+      </p:sp>
+      <p:sp>
+        <p:nvSpPr>
+          <p:cNvPr id="11" name="矩形 10"/>
+          <p:cNvSpPr/>
+          <p:nvPr/>
+        </p:nvSpPr>
+        <p:spPr>
+          <a:xfrm>
+            <a:off x="6011439" y="2032398"/>
+            <a:ext cx="412375" cy="381000"/>
+          </a:xfrm>
+          <a:prstGeom prst="rect">
+            <a:avLst/>
+          </a:prstGeom>
+        </p:spPr>
+        <p:style>
+          <a:lnRef idx="0">
+            <a:schemeClr val="accent4"/>
+          </a:lnRef>
+          <a:fillRef idx="3">
+            <a:schemeClr val="accent4"/>
+          </a:fillRef>
+          <a:effectRef idx="3">
+            <a:schemeClr val="accent4"/>
+          </a:effectRef>
+          <a:fontRef idx="minor">
+            <a:schemeClr val="lt1"/>
+          </a:fontRef>
+        </p:style>
+        <p:txBody>
+          <a:bodyPr rtlCol="0" anchor="ctr"/>
+          <a:lstStyle/>
+          <a:p>
+            <a:pPr algn="ctr"/>
+            <a:r>
+              <a:rPr lang="en-US" altLang="zh-TW" dirty="0" smtClean="0">
+                <a:solidFill>
+                  <a:schemeClr val="bg1"/>
+                </a:solidFill>
+              </a:rPr>
+              <a:t>C</a:t>
+            </a:r>
+            <a:endParaRPr lang="zh-TW" altLang="en-US" dirty="0">
+              <a:solidFill>
+                <a:schemeClr val="bg1"/>
+              </a:solidFill>
+            </a:endParaRPr>
+          </a:p>
+        </p:txBody>
+      </p:sp>
+      <p:sp>
+        <p:nvSpPr>
+          <p:cNvPr id="15" name="矩形 14"/>
+          <p:cNvSpPr/>
+          <p:nvPr/>
+        </p:nvSpPr>
+        <p:spPr>
+          <a:xfrm>
+            <a:off x="6642684" y="1514620"/>
+            <a:ext cx="1059649" cy="646331"/>
+          </a:xfrm>
+          <a:prstGeom prst="rect">
+            <a:avLst/>
+          </a:prstGeom>
+        </p:spPr>
+        <p:txBody>
+          <a:bodyPr wrap="none">
+            <a:spAutoFit/>
+          </a:bodyPr>
+          <a:lstStyle/>
+          <a:p>
+            <a:pPr algn="ctr"/>
+            <a:r>
+              <a:rPr lang="en-US" altLang="zh-TW" dirty="0" smtClean="0">
+                <a:solidFill>
+                  <a:schemeClr val="bg1"/>
+                </a:solidFill>
+              </a:rPr>
+              <a:t>Singleton</a:t>
+            </a:r>
+          </a:p>
+          <a:p>
+            <a:pPr algn="ctr"/>
+            <a:r>
+              <a:rPr lang="en-US" altLang="zh-TW" dirty="0" smtClean="0">
+                <a:solidFill>
+                  <a:schemeClr val="bg1"/>
+                </a:solidFill>
+              </a:rPr>
+              <a:t>Pool</a:t>
+            </a:r>
+            <a:endParaRPr lang="en-US" altLang="zh-TW" dirty="0">
+              <a:solidFill>
+                <a:schemeClr val="bg1"/>
+              </a:solidFill>
+            </a:endParaRPr>
+          </a:p>
+        </p:txBody>
+      </p:sp>
+      <p:sp>
+        <p:nvSpPr>
+          <p:cNvPr id="18" name="Send Log F2L"/>
+          <p:cNvSpPr/>
+          <p:nvPr/>
+        </p:nvSpPr>
+        <p:spPr>
+          <a:xfrm>
+            <a:off x="2057400" y="1432097"/>
+            <a:ext cx="1574303" cy="540000"/>
+          </a:xfrm>
+          <a:prstGeom prst="rightArrow">
+            <a:avLst/>
+          </a:prstGeom>
+        </p:spPr>
+        <p:style>
+          <a:lnRef idx="1">
+            <a:schemeClr val="accent4"/>
+          </a:lnRef>
+          <a:fillRef idx="2">
+            <a:schemeClr val="accent4"/>
+          </a:fillRef>
+          <a:effectRef idx="1">
+            <a:schemeClr val="accent4"/>
+          </a:effectRef>
+          <a:fontRef idx="minor">
+            <a:schemeClr val="dk1"/>
+          </a:fontRef>
+        </p:style>
+        <p:txBody>
+          <a:bodyPr rtlCol="0" anchor="ctr"/>
+          <a:lstStyle/>
+          <a:p>
+            <a:pPr algn="ctr"/>
+            <a:r>
+              <a:rPr lang="en-US" altLang="zh-TW" sz="1400" b="1" dirty="0" smtClean="0"/>
+              <a:t>1</a:t>
+            </a:r>
+            <a:r>
+              <a:rPr lang="en-US" altLang="zh-TW" sz="1400" b="1" baseline="30000" dirty="0" smtClean="0"/>
+              <a:t>st</a:t>
+            </a:r>
+            <a:r>
+              <a:rPr lang="en-US" altLang="zh-TW" sz="1400" b="1" dirty="0" smtClean="0"/>
+              <a:t> Request</a:t>
+            </a:r>
+            <a:endParaRPr lang="zh-TW" altLang="en-US" sz="1400" b="1" dirty="0"/>
+          </a:p>
+        </p:txBody>
+      </p:sp>
+      <p:sp>
+        <p:nvSpPr>
+          <p:cNvPr id="19" name="Send Log F2L"/>
+          <p:cNvSpPr/>
+          <p:nvPr/>
+        </p:nvSpPr>
+        <p:spPr>
+          <a:xfrm>
+            <a:off x="2057400" y="3239418"/>
+            <a:ext cx="1582494" cy="540000"/>
+          </a:xfrm>
+          <a:prstGeom prst="rightArrow">
+            <a:avLst/>
+          </a:prstGeom>
+        </p:spPr>
+        <p:style>
+          <a:lnRef idx="1">
+            <a:schemeClr val="accent4"/>
+          </a:lnRef>
+          <a:fillRef idx="2">
+            <a:schemeClr val="accent4"/>
+          </a:fillRef>
+          <a:effectRef idx="1">
+            <a:schemeClr val="accent4"/>
+          </a:effectRef>
+          <a:fontRef idx="minor">
+            <a:schemeClr val="dk1"/>
+          </a:fontRef>
+        </p:style>
+        <p:txBody>
+          <a:bodyPr rtlCol="0" anchor="ctr"/>
+          <a:lstStyle/>
+          <a:p>
+            <a:pPr algn="ctr"/>
+            <a:r>
+              <a:rPr lang="en-US" altLang="zh-TW" sz="1400" b="1" dirty="0" smtClean="0"/>
+              <a:t>2</a:t>
+            </a:r>
+            <a:r>
+              <a:rPr lang="en-US" altLang="zh-TW" sz="1400" b="1" baseline="30000" dirty="0" smtClean="0"/>
+              <a:t>nd</a:t>
+            </a:r>
+            <a:r>
+              <a:rPr lang="en-US" altLang="zh-TW" sz="1400" b="1" dirty="0" smtClean="0"/>
+              <a:t> Request</a:t>
+            </a:r>
+            <a:endParaRPr lang="zh-TW" altLang="en-US" sz="1400" b="1" dirty="0"/>
+          </a:p>
+        </p:txBody>
+      </p:sp>
+      <p:grpSp>
+        <p:nvGrpSpPr>
+          <p:cNvPr id="57" name="群組 56"/>
+          <p:cNvGrpSpPr/>
+          <p:nvPr/>
+        </p:nvGrpSpPr>
+        <p:grpSpPr>
+          <a:xfrm>
+            <a:off x="7597924" y="2286000"/>
+            <a:ext cx="1278156" cy="1278156"/>
+            <a:chOff x="7597924" y="2286000"/>
+            <a:chExt cx="1278156" cy="1278156"/>
+          </a:xfrm>
+        </p:grpSpPr>
+        <p:sp>
+          <p:nvSpPr>
+            <p:cNvPr id="22" name="橢圓 21"/>
+            <p:cNvSpPr/>
+            <p:nvPr/>
+          </p:nvSpPr>
+          <p:spPr>
+            <a:xfrm>
+              <a:off x="7597924" y="2286000"/>
+              <a:ext cx="1278156" cy="1278156"/>
+            </a:xfrm>
+            <a:prstGeom prst="ellipse">
+              <a:avLst/>
+            </a:prstGeom>
+          </p:spPr>
+          <p:style>
+            <a:lnRef idx="0">
+              <a:schemeClr val="accent3"/>
+            </a:lnRef>
+            <a:fillRef idx="3">
+              <a:schemeClr val="accent3"/>
+            </a:fillRef>
+            <a:effectRef idx="3">
+              <a:schemeClr val="accent3"/>
+            </a:effectRef>
+            <a:fontRef idx="minor">
+              <a:schemeClr val="lt1"/>
+            </a:fontRef>
+          </p:style>
+          <p:txBody>
+            <a:bodyPr rtlCol="0" anchor="t"/>
+            <a:lstStyle/>
+            <a:p>
+              <a:pPr algn="ctr"/>
+              <a:endParaRPr lang="zh-TW" altLang="en-US" dirty="0">
+                <a:solidFill>
+                  <a:schemeClr val="bg1"/>
+                </a:solidFill>
+              </a:endParaRPr>
+            </a:p>
+          </p:txBody>
+        </p:sp>
+        <p:sp>
+          <p:nvSpPr>
+            <p:cNvPr id="17" name="矩形 16"/>
+            <p:cNvSpPr/>
+            <p:nvPr/>
+          </p:nvSpPr>
+          <p:spPr>
+            <a:xfrm>
+              <a:off x="7776940" y="2289931"/>
+              <a:ext cx="920124" cy="646331"/>
+            </a:xfrm>
+            <a:prstGeom prst="rect">
+              <a:avLst/>
+            </a:prstGeom>
+          </p:spPr>
+          <p:txBody>
+            <a:bodyPr wrap="none">
+              <a:spAutoFit/>
+            </a:bodyPr>
+            <a:lstStyle/>
+            <a:p>
+              <a:pPr algn="ctr"/>
+              <a:r>
+                <a:rPr lang="en-US" altLang="zh-TW" dirty="0">
+                  <a:solidFill>
+                    <a:schemeClr val="bg1"/>
+                  </a:solidFill>
+                </a:rPr>
+                <a:t>Scoped </a:t>
+              </a:r>
+              <a:endParaRPr lang="en-US" altLang="zh-TW" dirty="0" smtClean="0">
+                <a:solidFill>
+                  <a:schemeClr val="bg1"/>
+                </a:solidFill>
+              </a:endParaRPr>
+            </a:p>
+            <a:p>
+              <a:pPr algn="ctr"/>
+              <a:r>
+                <a:rPr lang="en-US" altLang="zh-TW" dirty="0" smtClean="0">
+                  <a:solidFill>
+                    <a:schemeClr val="bg1"/>
+                  </a:solidFill>
+                </a:rPr>
+                <a:t>Pool</a:t>
+              </a:r>
+              <a:endParaRPr lang="en-US" altLang="zh-TW" dirty="0">
+                <a:solidFill>
+                  <a:schemeClr val="bg1"/>
+                </a:solidFill>
+              </a:endParaRPr>
+            </a:p>
+          </p:txBody>
+        </p:sp>
+        <p:sp>
+          <p:nvSpPr>
+            <p:cNvPr id="23" name="矩形 22"/>
+            <p:cNvSpPr/>
+            <p:nvPr/>
+          </p:nvSpPr>
+          <p:spPr>
+            <a:xfrm>
+              <a:off x="8030814" y="2936262"/>
+              <a:ext cx="412375" cy="381000"/>
+            </a:xfrm>
+            <a:prstGeom prst="rect">
+              <a:avLst/>
+            </a:prstGeom>
+          </p:spPr>
+          <p:style>
+            <a:lnRef idx="0">
+              <a:schemeClr val="accent4"/>
+            </a:lnRef>
+            <a:fillRef idx="3">
+              <a:schemeClr val="accent4"/>
+            </a:fillRef>
+            <a:effectRef idx="3">
+              <a:schemeClr val="accent4"/>
+            </a:effectRef>
+            <a:fontRef idx="minor">
+              <a:schemeClr val="lt1"/>
+            </a:fontRef>
+          </p:style>
+          <p:txBody>
+            <a:bodyPr rtlCol="0" anchor="ctr"/>
+            <a:lstStyle/>
+            <a:p>
+              <a:pPr algn="ctr"/>
+              <a:r>
+                <a:rPr lang="en-US" altLang="zh-TW" dirty="0" smtClean="0">
+                  <a:solidFill>
+                    <a:schemeClr val="bg1"/>
+                  </a:solidFill>
+                </a:rPr>
+                <a:t>B</a:t>
+              </a:r>
+              <a:endParaRPr lang="zh-TW" altLang="en-US" dirty="0">
+                <a:solidFill>
+                  <a:schemeClr val="bg1"/>
+                </a:solidFill>
+              </a:endParaRPr>
+            </a:p>
+          </p:txBody>
+        </p:sp>
+      </p:grpSp>
+      <p:sp>
+        <p:nvSpPr>
+          <p:cNvPr id="29" name="矩形 28"/>
+          <p:cNvSpPr/>
+          <p:nvPr/>
+        </p:nvSpPr>
+        <p:spPr>
+          <a:xfrm>
+            <a:off x="3676911" y="2379170"/>
+            <a:ext cx="1515915" cy="515872"/>
+          </a:xfrm>
+          <a:prstGeom prst="rect">
+            <a:avLst/>
+          </a:prstGeom>
+        </p:spPr>
+        <p:style>
+          <a:lnRef idx="0">
+            <a:schemeClr val="accent6"/>
+          </a:lnRef>
+          <a:fillRef idx="3">
+            <a:schemeClr val="accent6"/>
+          </a:fillRef>
+          <a:effectRef idx="3">
+            <a:schemeClr val="accent6"/>
+          </a:effectRef>
+          <a:fontRef idx="minor">
+            <a:schemeClr val="lt1"/>
+          </a:fontRef>
+        </p:style>
+        <p:txBody>
+          <a:bodyPr rtlCol="0" anchor="ctr"/>
+          <a:lstStyle/>
+          <a:p>
+            <a:pPr algn="ctr"/>
+            <a:r>
+              <a:rPr lang="en-US" altLang="zh-TW" sz="1400" dirty="0" smtClean="0">
+                <a:solidFill>
+                  <a:schemeClr val="bg1"/>
+                </a:solidFill>
+              </a:rPr>
+              <a:t>View</a:t>
+            </a:r>
+            <a:endParaRPr lang="en-US" altLang="zh-TW" sz="1400" dirty="0">
+              <a:solidFill>
+                <a:schemeClr val="bg1"/>
+              </a:solidFill>
+            </a:endParaRPr>
+          </a:p>
+          <a:p>
+            <a:pPr algn="ctr"/>
+            <a:r>
+              <a:rPr lang="en-US" altLang="zh-TW" sz="1400" dirty="0">
+                <a:solidFill>
+                  <a:schemeClr val="bg1"/>
+                </a:solidFill>
+              </a:rPr>
+              <a:t>DI: A , B , C </a:t>
+            </a:r>
+            <a:endParaRPr lang="zh-TW" altLang="en-US" sz="1400" dirty="0">
+              <a:solidFill>
+                <a:schemeClr val="bg1"/>
+              </a:solidFill>
+            </a:endParaRPr>
+          </a:p>
+        </p:txBody>
+      </p:sp>
+      <p:sp>
+        <p:nvSpPr>
+          <p:cNvPr id="30" name="矩形 29"/>
+          <p:cNvSpPr/>
+          <p:nvPr/>
+        </p:nvSpPr>
+        <p:spPr>
+          <a:xfrm>
+            <a:off x="3676911" y="1456225"/>
+            <a:ext cx="1515915" cy="515872"/>
+          </a:xfrm>
+          <a:prstGeom prst="rect">
+            <a:avLst/>
+          </a:prstGeom>
+        </p:spPr>
+        <p:style>
+          <a:lnRef idx="0">
+            <a:schemeClr val="accent5"/>
+          </a:lnRef>
+          <a:fillRef idx="3">
+            <a:schemeClr val="accent5"/>
+          </a:fillRef>
+          <a:effectRef idx="3">
+            <a:schemeClr val="accent5"/>
+          </a:effectRef>
+          <a:fontRef idx="minor">
+            <a:schemeClr val="lt1"/>
+          </a:fontRef>
+        </p:style>
+        <p:txBody>
+          <a:bodyPr rtlCol="0" anchor="ctr"/>
+          <a:lstStyle/>
+          <a:p>
+            <a:pPr algn="ctr"/>
+            <a:r>
+              <a:rPr lang="en-US" altLang="zh-TW" sz="1400" dirty="0">
+                <a:solidFill>
+                  <a:schemeClr val="bg1"/>
+                </a:solidFill>
+              </a:rPr>
+              <a:t>Controller</a:t>
+            </a:r>
+          </a:p>
+          <a:p>
+            <a:pPr algn="ctr"/>
+            <a:r>
+              <a:rPr lang="en-US" altLang="zh-TW" sz="1400" dirty="0">
+                <a:solidFill>
+                  <a:schemeClr val="bg1"/>
+                </a:solidFill>
+              </a:rPr>
+              <a:t>DI: A , B , C </a:t>
+            </a:r>
+            <a:endParaRPr lang="zh-TW" altLang="en-US" sz="1400" dirty="0">
+              <a:solidFill>
+                <a:schemeClr val="bg1"/>
+              </a:solidFill>
+            </a:endParaRPr>
+          </a:p>
+        </p:txBody>
+      </p:sp>
+      <p:sp>
+        <p:nvSpPr>
+          <p:cNvPr id="31" name="弧形 30"/>
+          <p:cNvSpPr/>
+          <p:nvPr/>
+        </p:nvSpPr>
+        <p:spPr>
+          <a:xfrm rot="621376">
+            <a:off x="4010969" y="1386547"/>
+            <a:ext cx="3120131" cy="2438399"/>
+          </a:xfrm>
+          <a:prstGeom prst="arc">
+            <a:avLst>
+              <a:gd name="adj1" fmla="val 12182587"/>
+              <a:gd name="adj2" fmla="val 20118013"/>
+            </a:avLst>
+          </a:prstGeom>
+          <a:ln w="38100">
+            <a:solidFill>
+              <a:srgbClr val="FF0000"/>
+            </a:solidFill>
+            <a:headEnd type="triangle" w="med" len="med"/>
+            <a:tailEnd type="none" w="med" len="med"/>
+          </a:ln>
+        </p:spPr>
+        <p:style>
+          <a:lnRef idx="1">
+            <a:schemeClr val="accent1"/>
+          </a:lnRef>
+          <a:fillRef idx="0">
+            <a:schemeClr val="accent1"/>
+          </a:fillRef>
+          <a:effectRef idx="0">
+            <a:schemeClr val="accent1"/>
+          </a:effectRef>
+          <a:fontRef idx="minor">
+            <a:schemeClr val="tx1"/>
+          </a:fontRef>
+        </p:style>
+        <p:txBody>
+          <a:bodyPr rtlCol="0" anchor="ctr"/>
+          <a:lstStyle/>
+          <a:p>
+            <a:pPr algn="ctr"/>
+            <a:endParaRPr lang="zh-TW" altLang="en-US"/>
+          </a:p>
+        </p:txBody>
+      </p:sp>
+      <p:sp>
+        <p:nvSpPr>
+          <p:cNvPr id="36" name="Send Log F2L"/>
+          <p:cNvSpPr/>
+          <p:nvPr/>
+        </p:nvSpPr>
+        <p:spPr>
+          <a:xfrm rot="5400000">
+            <a:off x="4243160" y="1999185"/>
+            <a:ext cx="383414" cy="353366"/>
+          </a:xfrm>
+          <a:prstGeom prst="rightArrow">
+            <a:avLst/>
+          </a:prstGeom>
+        </p:spPr>
+        <p:style>
+          <a:lnRef idx="1">
+            <a:schemeClr val="accent4"/>
+          </a:lnRef>
+          <a:fillRef idx="2">
+            <a:schemeClr val="accent4"/>
+          </a:fillRef>
+          <a:effectRef idx="1">
+            <a:schemeClr val="accent4"/>
+          </a:effectRef>
+          <a:fontRef idx="minor">
+            <a:schemeClr val="dk1"/>
+          </a:fontRef>
+        </p:style>
+        <p:txBody>
+          <a:bodyPr rtlCol="0" anchor="ctr"/>
+          <a:lstStyle/>
+          <a:p>
+            <a:pPr algn="ctr"/>
+            <a:endParaRPr lang="zh-TW" altLang="en-US" sz="1400" b="1" dirty="0"/>
+          </a:p>
+        </p:txBody>
+      </p:sp>
+      <p:sp>
+        <p:nvSpPr>
+          <p:cNvPr id="37" name="弧形 36"/>
+          <p:cNvSpPr/>
+          <p:nvPr/>
+        </p:nvSpPr>
+        <p:spPr>
+          <a:xfrm rot="1279355">
+            <a:off x="4143282" y="1603445"/>
+            <a:ext cx="4027068" cy="2438399"/>
+          </a:xfrm>
+          <a:prstGeom prst="arc">
+            <a:avLst>
+              <a:gd name="adj1" fmla="val 11466372"/>
+              <a:gd name="adj2" fmla="val 20535413"/>
+            </a:avLst>
+          </a:prstGeom>
+          <a:ln w="38100">
+            <a:solidFill>
+              <a:srgbClr val="FF0000"/>
+            </a:solidFill>
+            <a:headEnd type="triangle" w="med" len="med"/>
+            <a:tailEnd type="none" w="med" len="med"/>
+          </a:ln>
+        </p:spPr>
+        <p:style>
+          <a:lnRef idx="1">
+            <a:schemeClr val="accent1"/>
+          </a:lnRef>
+          <a:fillRef idx="0">
+            <a:schemeClr val="accent1"/>
+          </a:fillRef>
+          <a:effectRef idx="0">
+            <a:schemeClr val="accent1"/>
+          </a:effectRef>
+          <a:fontRef idx="minor">
+            <a:schemeClr val="tx1"/>
+          </a:fontRef>
+        </p:style>
+        <p:txBody>
+          <a:bodyPr rtlCol="0" anchor="ctr"/>
+          <a:lstStyle/>
+          <a:p>
+            <a:pPr algn="ctr"/>
+            <a:endParaRPr lang="zh-TW" altLang="en-US"/>
+          </a:p>
+        </p:txBody>
+      </p:sp>
+      <p:sp>
+        <p:nvSpPr>
+          <p:cNvPr id="38" name="弧形 37"/>
+          <p:cNvSpPr/>
+          <p:nvPr/>
+        </p:nvSpPr>
+        <p:spPr>
+          <a:xfrm rot="1279355">
+            <a:off x="4653874" y="1649080"/>
+            <a:ext cx="1480782" cy="981136"/>
+          </a:xfrm>
+          <a:prstGeom prst="arc">
+            <a:avLst>
+              <a:gd name="adj1" fmla="val 11509912"/>
+              <a:gd name="adj2" fmla="val 19743544"/>
+            </a:avLst>
+          </a:prstGeom>
+          <a:ln w="38100">
+            <a:solidFill>
+              <a:srgbClr val="FF0000"/>
+            </a:solidFill>
+            <a:headEnd type="triangle" w="med" len="med"/>
+            <a:tailEnd type="none" w="med" len="med"/>
+          </a:ln>
+        </p:spPr>
+        <p:style>
+          <a:lnRef idx="1">
+            <a:schemeClr val="accent1"/>
+          </a:lnRef>
+          <a:fillRef idx="0">
+            <a:schemeClr val="accent1"/>
+          </a:fillRef>
+          <a:effectRef idx="0">
+            <a:schemeClr val="accent1"/>
+          </a:effectRef>
+          <a:fontRef idx="minor">
+            <a:schemeClr val="tx1"/>
+          </a:fontRef>
+        </p:style>
+        <p:txBody>
+          <a:bodyPr rtlCol="0" anchor="ctr"/>
+          <a:lstStyle/>
+          <a:p>
+            <a:pPr algn="ctr"/>
+            <a:endParaRPr lang="zh-TW" altLang="en-US"/>
+          </a:p>
+        </p:txBody>
+      </p:sp>
+      <p:sp>
+        <p:nvSpPr>
+          <p:cNvPr id="39" name="矩形 38"/>
+          <p:cNvSpPr/>
+          <p:nvPr/>
+        </p:nvSpPr>
+        <p:spPr>
+          <a:xfrm>
+            <a:off x="6006076" y="2555262"/>
+            <a:ext cx="412375" cy="381000"/>
+          </a:xfrm>
+          <a:prstGeom prst="rect">
+            <a:avLst/>
+          </a:prstGeom>
+        </p:spPr>
+        <p:style>
+          <a:lnRef idx="0">
+            <a:schemeClr val="accent4"/>
+          </a:lnRef>
+          <a:fillRef idx="3">
+            <a:schemeClr val="accent4"/>
+          </a:fillRef>
+          <a:effectRef idx="3">
+            <a:schemeClr val="accent4"/>
+          </a:effectRef>
+          <a:fontRef idx="minor">
+            <a:schemeClr val="lt1"/>
+          </a:fontRef>
+        </p:style>
+        <p:txBody>
+          <a:bodyPr rtlCol="0" anchor="ctr"/>
+          <a:lstStyle/>
+          <a:p>
+            <a:pPr algn="ctr"/>
+            <a:r>
+              <a:rPr lang="en-US" altLang="zh-TW" dirty="0" smtClean="0">
+                <a:solidFill>
+                  <a:schemeClr val="bg1"/>
+                </a:solidFill>
+              </a:rPr>
+              <a:t>C</a:t>
+            </a:r>
+            <a:endParaRPr lang="zh-TW" altLang="en-US" dirty="0">
+              <a:solidFill>
+                <a:schemeClr val="bg1"/>
+              </a:solidFill>
+            </a:endParaRPr>
+          </a:p>
+        </p:txBody>
+      </p:sp>
+      <p:sp>
+        <p:nvSpPr>
+          <p:cNvPr id="40" name="弧形 39"/>
+          <p:cNvSpPr/>
+          <p:nvPr/>
+        </p:nvSpPr>
+        <p:spPr>
+          <a:xfrm rot="545694">
+            <a:off x="4660728" y="2451064"/>
+            <a:ext cx="1480782" cy="981136"/>
+          </a:xfrm>
+          <a:prstGeom prst="arc">
+            <a:avLst>
+              <a:gd name="adj1" fmla="val 11509912"/>
+              <a:gd name="adj2" fmla="val 19743544"/>
+            </a:avLst>
+          </a:prstGeom>
+          <a:ln w="38100">
+            <a:solidFill>
+              <a:srgbClr val="0070C0"/>
+            </a:solidFill>
+            <a:headEnd type="triangle" w="med" len="med"/>
+            <a:tailEnd type="none" w="med" len="med"/>
+          </a:ln>
+        </p:spPr>
+        <p:style>
+          <a:lnRef idx="1">
+            <a:schemeClr val="accent1"/>
+          </a:lnRef>
+          <a:fillRef idx="0">
+            <a:schemeClr val="accent1"/>
+          </a:fillRef>
+          <a:effectRef idx="0">
+            <a:schemeClr val="accent1"/>
+          </a:effectRef>
+          <a:fontRef idx="minor">
+            <a:schemeClr val="tx1"/>
+          </a:fontRef>
+        </p:style>
+        <p:txBody>
+          <a:bodyPr rtlCol="0" anchor="ctr"/>
+          <a:lstStyle/>
+          <a:p>
+            <a:pPr algn="ctr"/>
+            <a:endParaRPr lang="zh-TW" altLang="en-US"/>
+          </a:p>
+        </p:txBody>
+      </p:sp>
+      <p:sp>
+        <p:nvSpPr>
+          <p:cNvPr id="41" name="弧形 40"/>
+          <p:cNvSpPr/>
+          <p:nvPr/>
+        </p:nvSpPr>
+        <p:spPr>
+          <a:xfrm rot="20872514">
+            <a:off x="4182945" y="1888616"/>
+            <a:ext cx="3063849" cy="2043254"/>
+          </a:xfrm>
+          <a:prstGeom prst="arc">
+            <a:avLst>
+              <a:gd name="adj1" fmla="val 12083183"/>
+              <a:gd name="adj2" fmla="val 20679507"/>
+            </a:avLst>
+          </a:prstGeom>
+          <a:ln w="38100">
+            <a:solidFill>
+              <a:srgbClr val="0070C0"/>
+            </a:solidFill>
+            <a:headEnd type="triangle" w="med" len="med"/>
+            <a:tailEnd type="none" w="med" len="med"/>
+          </a:ln>
+        </p:spPr>
+        <p:style>
+          <a:lnRef idx="1">
+            <a:schemeClr val="accent1"/>
+          </a:lnRef>
+          <a:fillRef idx="0">
+            <a:schemeClr val="accent1"/>
+          </a:fillRef>
+          <a:effectRef idx="0">
+            <a:schemeClr val="accent1"/>
+          </a:effectRef>
+          <a:fontRef idx="minor">
+            <a:schemeClr val="tx1"/>
+          </a:fontRef>
+        </p:style>
+        <p:txBody>
+          <a:bodyPr rtlCol="0" anchor="ctr"/>
+          <a:lstStyle/>
+          <a:p>
+            <a:pPr algn="ctr"/>
+            <a:endParaRPr lang="zh-TW" altLang="en-US"/>
+          </a:p>
+        </p:txBody>
+      </p:sp>
+      <p:sp>
+        <p:nvSpPr>
+          <p:cNvPr id="42" name="弧形 41"/>
+          <p:cNvSpPr/>
+          <p:nvPr/>
+        </p:nvSpPr>
+        <p:spPr>
+          <a:xfrm rot="21440984">
+            <a:off x="4494259" y="1751251"/>
+            <a:ext cx="3828384" cy="2438399"/>
+          </a:xfrm>
+          <a:prstGeom prst="arc">
+            <a:avLst>
+              <a:gd name="adj1" fmla="val 11466372"/>
+              <a:gd name="adj2" fmla="val 82194"/>
+            </a:avLst>
+          </a:prstGeom>
+          <a:ln w="38100">
+            <a:solidFill>
+              <a:srgbClr val="0070C0"/>
+            </a:solidFill>
+            <a:headEnd type="triangle" w="med" len="med"/>
+            <a:tailEnd type="none" w="med" len="med"/>
+          </a:ln>
+        </p:spPr>
+        <p:style>
+          <a:lnRef idx="1">
+            <a:schemeClr val="accent1"/>
+          </a:lnRef>
+          <a:fillRef idx="0">
+            <a:schemeClr val="accent1"/>
+          </a:fillRef>
+          <a:effectRef idx="0">
+            <a:schemeClr val="accent1"/>
+          </a:effectRef>
+          <a:fontRef idx="minor">
+            <a:schemeClr val="tx1"/>
+          </a:fontRef>
+        </p:style>
+        <p:txBody>
+          <a:bodyPr rtlCol="0" anchor="ctr"/>
+          <a:lstStyle/>
+          <a:p>
+            <a:pPr algn="ctr"/>
+            <a:endParaRPr lang="zh-TW" altLang="en-US"/>
+          </a:p>
+        </p:txBody>
+      </p:sp>
+      <p:sp>
+        <p:nvSpPr>
+          <p:cNvPr id="43" name="矩形 42"/>
+          <p:cNvSpPr/>
+          <p:nvPr/>
+        </p:nvSpPr>
+        <p:spPr>
+          <a:xfrm>
+            <a:off x="3680872" y="4162363"/>
+            <a:ext cx="1515915" cy="515872"/>
+          </a:xfrm>
+          <a:prstGeom prst="rect">
+            <a:avLst/>
+          </a:prstGeom>
+        </p:spPr>
+        <p:style>
+          <a:lnRef idx="0">
+            <a:schemeClr val="accent6"/>
+          </a:lnRef>
+          <a:fillRef idx="3">
+            <a:schemeClr val="accent6"/>
+          </a:fillRef>
+          <a:effectRef idx="3">
+            <a:schemeClr val="accent6"/>
+          </a:effectRef>
+          <a:fontRef idx="minor">
+            <a:schemeClr val="lt1"/>
+          </a:fontRef>
+        </p:style>
+        <p:txBody>
+          <a:bodyPr rtlCol="0" anchor="ctr"/>
+          <a:lstStyle/>
+          <a:p>
+            <a:pPr algn="ctr"/>
+            <a:r>
+              <a:rPr lang="en-US" altLang="zh-TW" sz="1400" dirty="0" smtClean="0">
+                <a:solidFill>
+                  <a:schemeClr val="bg1"/>
+                </a:solidFill>
+              </a:rPr>
+              <a:t>View</a:t>
+            </a:r>
+            <a:endParaRPr lang="en-US" altLang="zh-TW" sz="1400" dirty="0">
+              <a:solidFill>
+                <a:schemeClr val="bg1"/>
+              </a:solidFill>
+            </a:endParaRPr>
+          </a:p>
+          <a:p>
+            <a:pPr algn="ctr"/>
+            <a:r>
+              <a:rPr lang="en-US" altLang="zh-TW" sz="1400" dirty="0">
+                <a:solidFill>
+                  <a:schemeClr val="bg1"/>
+                </a:solidFill>
+              </a:rPr>
+              <a:t>DI: A , B , C </a:t>
+            </a:r>
+            <a:endParaRPr lang="zh-TW" altLang="en-US" sz="1400" dirty="0">
+              <a:solidFill>
+                <a:schemeClr val="bg1"/>
+              </a:solidFill>
+            </a:endParaRPr>
+          </a:p>
+        </p:txBody>
+      </p:sp>
+      <p:sp>
+        <p:nvSpPr>
+          <p:cNvPr id="44" name="矩形 43"/>
+          <p:cNvSpPr/>
+          <p:nvPr/>
+        </p:nvSpPr>
+        <p:spPr>
+          <a:xfrm>
+            <a:off x="3680872" y="3239418"/>
+            <a:ext cx="1515915" cy="515872"/>
+          </a:xfrm>
+          <a:prstGeom prst="rect">
+            <a:avLst/>
+          </a:prstGeom>
+        </p:spPr>
+        <p:style>
+          <a:lnRef idx="0">
+            <a:schemeClr val="accent5"/>
+          </a:lnRef>
+          <a:fillRef idx="3">
+            <a:schemeClr val="accent5"/>
+          </a:fillRef>
+          <a:effectRef idx="3">
+            <a:schemeClr val="accent5"/>
+          </a:effectRef>
+          <a:fontRef idx="minor">
+            <a:schemeClr val="lt1"/>
+          </a:fontRef>
+        </p:style>
+        <p:txBody>
+          <a:bodyPr rtlCol="0" anchor="ctr"/>
+          <a:lstStyle/>
+          <a:p>
+            <a:pPr algn="ctr"/>
+            <a:r>
+              <a:rPr lang="en-US" altLang="zh-TW" sz="1400" dirty="0">
+                <a:solidFill>
+                  <a:schemeClr val="bg1"/>
+                </a:solidFill>
+              </a:rPr>
+              <a:t>Controller</a:t>
+            </a:r>
+          </a:p>
+          <a:p>
+            <a:pPr algn="ctr"/>
+            <a:r>
+              <a:rPr lang="en-US" altLang="zh-TW" sz="1400" dirty="0" smtClean="0">
+                <a:solidFill>
+                  <a:schemeClr val="bg1"/>
+                </a:solidFill>
+              </a:rPr>
+              <a:t>DI: A , </a:t>
+            </a:r>
+            <a:r>
+              <a:rPr lang="en-US" altLang="zh-TW" sz="1400" dirty="0">
+                <a:solidFill>
+                  <a:schemeClr val="bg1"/>
+                </a:solidFill>
+              </a:rPr>
+              <a:t>B </a:t>
+            </a:r>
+            <a:r>
+              <a:rPr lang="en-US" altLang="zh-TW" sz="1400" dirty="0" smtClean="0">
+                <a:solidFill>
+                  <a:schemeClr val="bg1"/>
+                </a:solidFill>
+              </a:rPr>
+              <a:t>, </a:t>
+            </a:r>
+            <a:r>
+              <a:rPr lang="en-US" altLang="zh-TW" sz="1400" dirty="0">
+                <a:solidFill>
+                  <a:schemeClr val="bg1"/>
+                </a:solidFill>
+              </a:rPr>
+              <a:t>C </a:t>
+            </a:r>
+            <a:endParaRPr lang="zh-TW" altLang="en-US" sz="1400" dirty="0">
+              <a:solidFill>
+                <a:schemeClr val="bg1"/>
+              </a:solidFill>
+            </a:endParaRPr>
+          </a:p>
+        </p:txBody>
+      </p:sp>
+      <p:sp>
+        <p:nvSpPr>
+          <p:cNvPr id="45" name="Send Log F2L"/>
+          <p:cNvSpPr/>
+          <p:nvPr/>
+        </p:nvSpPr>
+        <p:spPr>
+          <a:xfrm rot="5400000">
+            <a:off x="4247121" y="3782378"/>
+            <a:ext cx="383414" cy="353366"/>
+          </a:xfrm>
+          <a:prstGeom prst="rightArrow">
+            <a:avLst/>
+          </a:prstGeom>
+        </p:spPr>
+        <p:style>
+          <a:lnRef idx="1">
+            <a:schemeClr val="accent4"/>
+          </a:lnRef>
+          <a:fillRef idx="2">
+            <a:schemeClr val="accent4"/>
+          </a:fillRef>
+          <a:effectRef idx="1">
+            <a:schemeClr val="accent4"/>
+          </a:effectRef>
+          <a:fontRef idx="minor">
+            <a:schemeClr val="dk1"/>
+          </a:fontRef>
+        </p:style>
+        <p:txBody>
+          <a:bodyPr rtlCol="0" anchor="ctr"/>
+          <a:lstStyle/>
+          <a:p>
+            <a:pPr algn="ctr"/>
+            <a:endParaRPr lang="zh-TW" altLang="en-US" sz="1400" b="1" dirty="0"/>
+          </a:p>
+        </p:txBody>
+      </p:sp>
+      <p:grpSp>
+        <p:nvGrpSpPr>
+          <p:cNvPr id="58" name="群組 57"/>
+          <p:cNvGrpSpPr/>
+          <p:nvPr/>
+        </p:nvGrpSpPr>
+        <p:grpSpPr>
+          <a:xfrm>
+            <a:off x="6640426" y="3467734"/>
+            <a:ext cx="1278156" cy="1278156"/>
+            <a:chOff x="6640426" y="3467734"/>
+            <a:chExt cx="1278156" cy="1278156"/>
+          </a:xfrm>
+        </p:grpSpPr>
+        <p:sp>
+          <p:nvSpPr>
+            <p:cNvPr id="46" name="橢圓 45"/>
+            <p:cNvSpPr/>
+            <p:nvPr/>
+          </p:nvSpPr>
+          <p:spPr>
+            <a:xfrm>
+              <a:off x="6640426" y="3467734"/>
+              <a:ext cx="1278156" cy="1278156"/>
+            </a:xfrm>
+            <a:prstGeom prst="ellipse">
+              <a:avLst/>
+            </a:prstGeom>
+          </p:spPr>
+          <p:style>
+            <a:lnRef idx="0">
+              <a:schemeClr val="accent3"/>
+            </a:lnRef>
+            <a:fillRef idx="3">
+              <a:schemeClr val="accent3"/>
+            </a:fillRef>
+            <a:effectRef idx="3">
+              <a:schemeClr val="accent3"/>
+            </a:effectRef>
+            <a:fontRef idx="minor">
+              <a:schemeClr val="lt1"/>
+            </a:fontRef>
+          </p:style>
+          <p:txBody>
+            <a:bodyPr rtlCol="0" anchor="t"/>
+            <a:lstStyle/>
+            <a:p>
+              <a:pPr algn="ctr"/>
+              <a:endParaRPr lang="zh-TW" altLang="en-US" dirty="0">
+                <a:solidFill>
+                  <a:schemeClr val="bg1"/>
+                </a:solidFill>
+              </a:endParaRPr>
+            </a:p>
+          </p:txBody>
+        </p:sp>
+        <p:sp>
+          <p:nvSpPr>
+            <p:cNvPr id="47" name="矩形 46"/>
+            <p:cNvSpPr/>
+            <p:nvPr/>
+          </p:nvSpPr>
+          <p:spPr>
+            <a:xfrm>
+              <a:off x="7073316" y="4117996"/>
+              <a:ext cx="412375" cy="381000"/>
+            </a:xfrm>
+            <a:prstGeom prst="rect">
+              <a:avLst/>
+            </a:prstGeom>
+          </p:spPr>
+          <p:style>
+            <a:lnRef idx="0">
+              <a:schemeClr val="accent4"/>
+            </a:lnRef>
+            <a:fillRef idx="3">
+              <a:schemeClr val="accent4"/>
+            </a:fillRef>
+            <a:effectRef idx="3">
+              <a:schemeClr val="accent4"/>
+            </a:effectRef>
+            <a:fontRef idx="minor">
+              <a:schemeClr val="lt1"/>
+            </a:fontRef>
+          </p:style>
+          <p:txBody>
+            <a:bodyPr rtlCol="0" anchor="ctr"/>
+            <a:lstStyle/>
+            <a:p>
+              <a:pPr algn="ctr"/>
+              <a:r>
+                <a:rPr lang="en-US" altLang="zh-TW" dirty="0" smtClean="0">
+                  <a:solidFill>
+                    <a:schemeClr val="bg1"/>
+                  </a:solidFill>
+                </a:rPr>
+                <a:t>B</a:t>
+              </a:r>
+              <a:endParaRPr lang="zh-TW" altLang="en-US" dirty="0">
+                <a:solidFill>
+                  <a:schemeClr val="bg1"/>
+                </a:solidFill>
+              </a:endParaRPr>
+            </a:p>
+          </p:txBody>
+        </p:sp>
+        <p:sp>
+          <p:nvSpPr>
+            <p:cNvPr id="48" name="矩形 47"/>
+            <p:cNvSpPr/>
+            <p:nvPr/>
+          </p:nvSpPr>
+          <p:spPr>
+            <a:xfrm>
+              <a:off x="6817027" y="3471665"/>
+              <a:ext cx="920124" cy="646331"/>
+            </a:xfrm>
+            <a:prstGeom prst="rect">
+              <a:avLst/>
+            </a:prstGeom>
+          </p:spPr>
+          <p:txBody>
+            <a:bodyPr wrap="none">
+              <a:spAutoFit/>
+            </a:bodyPr>
+            <a:lstStyle/>
+            <a:p>
+              <a:pPr algn="ctr"/>
+              <a:r>
+                <a:rPr lang="en-US" altLang="zh-TW" dirty="0">
+                  <a:solidFill>
+                    <a:schemeClr val="bg1"/>
+                  </a:solidFill>
+                </a:rPr>
+                <a:t>Scoped </a:t>
+              </a:r>
+              <a:endParaRPr lang="en-US" altLang="zh-TW" dirty="0" smtClean="0">
+                <a:solidFill>
+                  <a:schemeClr val="bg1"/>
+                </a:solidFill>
+              </a:endParaRPr>
+            </a:p>
+            <a:p>
+              <a:pPr algn="ctr"/>
+              <a:r>
+                <a:rPr lang="en-US" altLang="zh-TW" dirty="0" smtClean="0">
+                  <a:solidFill>
+                    <a:schemeClr val="bg1"/>
+                  </a:solidFill>
+                </a:rPr>
+                <a:t>Pool</a:t>
+              </a:r>
+              <a:endParaRPr lang="en-US" altLang="zh-TW" dirty="0">
+                <a:solidFill>
+                  <a:schemeClr val="bg1"/>
+                </a:solidFill>
+              </a:endParaRPr>
+            </a:p>
+          </p:txBody>
+        </p:sp>
+      </p:grpSp>
+      <p:sp>
+        <p:nvSpPr>
+          <p:cNvPr id="49" name="弧形 48"/>
+          <p:cNvSpPr/>
+          <p:nvPr/>
+        </p:nvSpPr>
+        <p:spPr>
+          <a:xfrm rot="20651123">
+            <a:off x="4306088" y="2208657"/>
+            <a:ext cx="3162131" cy="2438399"/>
+          </a:xfrm>
+          <a:prstGeom prst="arc">
+            <a:avLst>
+              <a:gd name="adj1" fmla="val 11535553"/>
+              <a:gd name="adj2" fmla="val 20118013"/>
+            </a:avLst>
+          </a:prstGeom>
+          <a:ln w="38100">
+            <a:solidFill>
+              <a:srgbClr val="C00000"/>
+            </a:solidFill>
+            <a:headEnd type="triangle" w="med" len="med"/>
+            <a:tailEnd type="none" w="med" len="med"/>
+          </a:ln>
+        </p:spPr>
+        <p:style>
+          <a:lnRef idx="1">
+            <a:schemeClr val="accent1"/>
+          </a:lnRef>
+          <a:fillRef idx="0">
+            <a:schemeClr val="accent1"/>
+          </a:fillRef>
+          <a:effectRef idx="0">
+            <a:schemeClr val="accent1"/>
+          </a:effectRef>
+          <a:fontRef idx="minor">
+            <a:schemeClr val="tx1"/>
+          </a:fontRef>
+        </p:style>
+        <p:txBody>
+          <a:bodyPr rtlCol="0" anchor="ctr"/>
+          <a:lstStyle/>
+          <a:p>
+            <a:pPr algn="ctr"/>
+            <a:endParaRPr lang="zh-TW" altLang="en-US"/>
+          </a:p>
+        </p:txBody>
+      </p:sp>
+      <p:sp>
+        <p:nvSpPr>
+          <p:cNvPr id="50" name="弧形 49"/>
+          <p:cNvSpPr/>
+          <p:nvPr/>
+        </p:nvSpPr>
+        <p:spPr>
+          <a:xfrm rot="19738668">
+            <a:off x="4184160" y="2604835"/>
+            <a:ext cx="3578336" cy="2438399"/>
+          </a:xfrm>
+          <a:prstGeom prst="arc">
+            <a:avLst>
+              <a:gd name="adj1" fmla="val 11348625"/>
+              <a:gd name="adj2" fmla="val 20371928"/>
+            </a:avLst>
+          </a:prstGeom>
+          <a:ln w="38100">
+            <a:solidFill>
+              <a:srgbClr val="00B0F0"/>
+            </a:solidFill>
+            <a:headEnd type="triangle" w="med" len="med"/>
+            <a:tailEnd type="none" w="med" len="med"/>
+          </a:ln>
+        </p:spPr>
+        <p:style>
+          <a:lnRef idx="1">
+            <a:schemeClr val="accent1"/>
+          </a:lnRef>
+          <a:fillRef idx="0">
+            <a:schemeClr val="accent1"/>
+          </a:fillRef>
+          <a:effectRef idx="0">
+            <a:schemeClr val="accent1"/>
+          </a:effectRef>
+          <a:fontRef idx="minor">
+            <a:schemeClr val="tx1"/>
+          </a:fontRef>
+        </p:style>
+        <p:txBody>
+          <a:bodyPr rtlCol="0" anchor="ctr"/>
+          <a:lstStyle/>
+          <a:p>
+            <a:pPr algn="ctr"/>
+            <a:endParaRPr lang="zh-TW" altLang="en-US"/>
+          </a:p>
+        </p:txBody>
+      </p:sp>
+      <p:sp>
+        <p:nvSpPr>
+          <p:cNvPr id="51" name="弧形 50"/>
+          <p:cNvSpPr/>
+          <p:nvPr/>
+        </p:nvSpPr>
+        <p:spPr>
+          <a:xfrm rot="879845">
+            <a:off x="4398015" y="3014333"/>
+            <a:ext cx="2908942" cy="2438399"/>
+          </a:xfrm>
+          <a:prstGeom prst="arc">
+            <a:avLst>
+              <a:gd name="adj1" fmla="val 11466372"/>
+              <a:gd name="adj2" fmla="val 20535413"/>
+            </a:avLst>
+          </a:prstGeom>
+          <a:ln w="38100">
+            <a:solidFill>
+              <a:srgbClr val="C00000"/>
+            </a:solidFill>
+            <a:headEnd type="triangle" w="med" len="med"/>
+            <a:tailEnd type="none" w="med" len="med"/>
+          </a:ln>
+        </p:spPr>
+        <p:style>
+          <a:lnRef idx="1">
+            <a:schemeClr val="accent1"/>
+          </a:lnRef>
+          <a:fillRef idx="0">
+            <a:schemeClr val="accent1"/>
+          </a:fillRef>
+          <a:effectRef idx="0">
+            <a:schemeClr val="accent1"/>
+          </a:effectRef>
+          <a:fontRef idx="minor">
+            <a:schemeClr val="tx1"/>
+          </a:fontRef>
+        </p:style>
+        <p:txBody>
+          <a:bodyPr rtlCol="0" anchor="ctr"/>
+          <a:lstStyle/>
+          <a:p>
+            <a:pPr algn="ctr"/>
+            <a:endParaRPr lang="zh-TW" altLang="en-US"/>
+          </a:p>
+        </p:txBody>
+      </p:sp>
+      <p:sp>
+        <p:nvSpPr>
+          <p:cNvPr id="52" name="弧形 51"/>
+          <p:cNvSpPr/>
+          <p:nvPr/>
+        </p:nvSpPr>
+        <p:spPr>
+          <a:xfrm>
+            <a:off x="4439931" y="3969934"/>
+            <a:ext cx="2884928" cy="1554276"/>
+          </a:xfrm>
+          <a:prstGeom prst="arc">
+            <a:avLst>
+              <a:gd name="adj1" fmla="val 11466372"/>
+              <a:gd name="adj2" fmla="val 20535413"/>
+            </a:avLst>
+          </a:prstGeom>
+          <a:ln w="38100">
+            <a:solidFill>
+              <a:srgbClr val="00B0F0"/>
+            </a:solidFill>
+            <a:headEnd type="triangle" w="med" len="med"/>
+            <a:tailEnd type="none" w="med" len="med"/>
+          </a:ln>
+        </p:spPr>
+        <p:style>
+          <a:lnRef idx="1">
+            <a:schemeClr val="accent1"/>
+          </a:lnRef>
+          <a:fillRef idx="0">
+            <a:schemeClr val="accent1"/>
+          </a:fillRef>
+          <a:effectRef idx="0">
+            <a:schemeClr val="accent1"/>
+          </a:effectRef>
+          <a:fontRef idx="minor">
+            <a:schemeClr val="tx1"/>
+          </a:fontRef>
+        </p:style>
+        <p:txBody>
+          <a:bodyPr rtlCol="0" anchor="ctr"/>
+          <a:lstStyle/>
+          <a:p>
+            <a:pPr algn="ctr"/>
+            <a:endParaRPr lang="zh-TW" altLang="en-US"/>
+          </a:p>
+        </p:txBody>
+      </p:sp>
+      <p:sp>
+        <p:nvSpPr>
+          <p:cNvPr id="53" name="矩形 52"/>
+          <p:cNvSpPr/>
+          <p:nvPr/>
+        </p:nvSpPr>
+        <p:spPr>
+          <a:xfrm>
+            <a:off x="6039949" y="3413830"/>
+            <a:ext cx="412375" cy="381000"/>
+          </a:xfrm>
+          <a:prstGeom prst="rect">
+            <a:avLst/>
+          </a:prstGeom>
+        </p:spPr>
+        <p:style>
+          <a:lnRef idx="0">
+            <a:schemeClr val="accent4"/>
+          </a:lnRef>
+          <a:fillRef idx="3">
+            <a:schemeClr val="accent4"/>
+          </a:fillRef>
+          <a:effectRef idx="3">
+            <a:schemeClr val="accent4"/>
+          </a:effectRef>
+          <a:fontRef idx="minor">
+            <a:schemeClr val="lt1"/>
+          </a:fontRef>
+        </p:style>
+        <p:txBody>
+          <a:bodyPr rtlCol="0" anchor="ctr"/>
+          <a:lstStyle/>
+          <a:p>
+            <a:pPr algn="ctr"/>
+            <a:r>
+              <a:rPr lang="en-US" altLang="zh-TW" dirty="0" smtClean="0">
+                <a:solidFill>
+                  <a:schemeClr val="bg1"/>
+                </a:solidFill>
+              </a:rPr>
+              <a:t>C</a:t>
+            </a:r>
+            <a:endParaRPr lang="zh-TW" altLang="en-US" dirty="0">
+              <a:solidFill>
+                <a:schemeClr val="bg1"/>
+              </a:solidFill>
+            </a:endParaRPr>
+          </a:p>
+        </p:txBody>
+      </p:sp>
+      <p:sp>
+        <p:nvSpPr>
+          <p:cNvPr id="54" name="矩形 53"/>
+          <p:cNvSpPr/>
+          <p:nvPr/>
+        </p:nvSpPr>
+        <p:spPr>
+          <a:xfrm>
+            <a:off x="6065703" y="4283633"/>
+            <a:ext cx="412375" cy="381000"/>
+          </a:xfrm>
+          <a:prstGeom prst="rect">
+            <a:avLst/>
+          </a:prstGeom>
+        </p:spPr>
+        <p:style>
+          <a:lnRef idx="0">
+            <a:schemeClr val="accent4"/>
+          </a:lnRef>
+          <a:fillRef idx="3">
+            <a:schemeClr val="accent4"/>
+          </a:fillRef>
+          <a:effectRef idx="3">
+            <a:schemeClr val="accent4"/>
+          </a:effectRef>
+          <a:fontRef idx="minor">
+            <a:schemeClr val="lt1"/>
+          </a:fontRef>
+        </p:style>
+        <p:txBody>
+          <a:bodyPr rtlCol="0" anchor="ctr"/>
+          <a:lstStyle/>
+          <a:p>
+            <a:pPr algn="ctr"/>
+            <a:r>
+              <a:rPr lang="en-US" altLang="zh-TW" dirty="0" smtClean="0">
+                <a:solidFill>
+                  <a:schemeClr val="bg1"/>
+                </a:solidFill>
+              </a:rPr>
+              <a:t>C</a:t>
+            </a:r>
+            <a:endParaRPr lang="zh-TW" altLang="en-US" dirty="0">
+              <a:solidFill>
+                <a:schemeClr val="bg1"/>
+              </a:solidFill>
+            </a:endParaRPr>
+          </a:p>
+        </p:txBody>
+      </p:sp>
+      <p:sp>
+        <p:nvSpPr>
+          <p:cNvPr id="55" name="弧形 54"/>
+          <p:cNvSpPr/>
+          <p:nvPr/>
+        </p:nvSpPr>
+        <p:spPr>
+          <a:xfrm rot="545694">
+            <a:off x="4713735" y="3319319"/>
+            <a:ext cx="1480782" cy="981136"/>
+          </a:xfrm>
+          <a:prstGeom prst="arc">
+            <a:avLst>
+              <a:gd name="adj1" fmla="val 11509912"/>
+              <a:gd name="adj2" fmla="val 19743544"/>
+            </a:avLst>
+          </a:prstGeom>
+          <a:ln w="38100">
+            <a:solidFill>
+              <a:srgbClr val="C00000"/>
+            </a:solidFill>
+            <a:headEnd type="triangle" w="med" len="med"/>
+            <a:tailEnd type="none" w="med" len="med"/>
+          </a:ln>
+        </p:spPr>
+        <p:style>
+          <a:lnRef idx="1">
+            <a:schemeClr val="accent1"/>
+          </a:lnRef>
+          <a:fillRef idx="0">
+            <a:schemeClr val="accent1"/>
+          </a:fillRef>
+          <a:effectRef idx="0">
+            <a:schemeClr val="accent1"/>
+          </a:effectRef>
+          <a:fontRef idx="minor">
+            <a:schemeClr val="tx1"/>
+          </a:fontRef>
+        </p:style>
+        <p:txBody>
+          <a:bodyPr rtlCol="0" anchor="ctr"/>
+          <a:lstStyle/>
+          <a:p>
+            <a:pPr algn="ctr"/>
+            <a:endParaRPr lang="zh-TW" altLang="en-US"/>
+          </a:p>
+        </p:txBody>
+      </p:sp>
+      <p:sp>
+        <p:nvSpPr>
+          <p:cNvPr id="56" name="弧形 55"/>
+          <p:cNvSpPr/>
+          <p:nvPr/>
+        </p:nvSpPr>
+        <p:spPr>
+          <a:xfrm rot="545694">
+            <a:off x="4736753" y="4237320"/>
+            <a:ext cx="1480782" cy="981136"/>
+          </a:xfrm>
+          <a:prstGeom prst="arc">
+            <a:avLst>
+              <a:gd name="adj1" fmla="val 11509912"/>
+              <a:gd name="adj2" fmla="val 19743544"/>
+            </a:avLst>
+          </a:prstGeom>
+          <a:ln w="38100">
+            <a:solidFill>
+              <a:srgbClr val="00B0F0"/>
+            </a:solidFill>
+            <a:headEnd type="triangle" w="med" len="med"/>
+            <a:tailEnd type="none" w="med" len="med"/>
+          </a:ln>
+        </p:spPr>
+        <p:style>
+          <a:lnRef idx="1">
+            <a:schemeClr val="accent1"/>
+          </a:lnRef>
+          <a:fillRef idx="0">
+            <a:schemeClr val="accent1"/>
+          </a:fillRef>
+          <a:effectRef idx="0">
+            <a:schemeClr val="accent1"/>
+          </a:effectRef>
+          <a:fontRef idx="minor">
+            <a:schemeClr val="tx1"/>
+          </a:fontRef>
+        </p:style>
+        <p:txBody>
+          <a:bodyPr rtlCol="0" anchor="ctr"/>
+          <a:lstStyle/>
+          <a:p>
+            <a:pPr algn="ctr"/>
+            <a:endParaRPr lang="zh-TW" altLang="en-US"/>
+          </a:p>
+        </p:txBody>
+      </p:sp>
+      <p:sp>
+        <p:nvSpPr>
+          <p:cNvPr id="59" name="標題 2"/>
+          <p:cNvSpPr>
+            <a:spLocks noGrp="1"/>
+          </p:cNvSpPr>
+          <p:nvPr>
+            <p:ph type="title"/>
+          </p:nvPr>
+        </p:nvSpPr>
+        <p:spPr>
+          <a:xfrm>
+            <a:off x="2227451" y="2241854"/>
+            <a:ext cx="8382000" cy="1325563"/>
+          </a:xfrm>
+          <a:noFill/>
+        </p:spPr>
+        <p:txBody>
+          <a:bodyPr>
+            <a:noAutofit/>
+          </a:bodyPr>
+          <a:lstStyle/>
+          <a:p>
+            <a:r>
+              <a:rPr lang="en-US" altLang="zh-TW" sz="8000" b="1" dirty="0" smtClean="0">
+                <a:solidFill>
+                  <a:schemeClr val="tx1">
+                    <a:alpha val="8000"/>
+                  </a:schemeClr>
+                </a:solidFill>
+                <a:latin typeface="+mn-lt"/>
+              </a:rPr>
+              <a:t>blog.johnwu.cc</a:t>
+            </a:r>
+            <a:endParaRPr lang="zh-TW" altLang="en-US" sz="8000" b="1" dirty="0">
+              <a:solidFill>
+                <a:schemeClr val="tx1">
+                  <a:alpha val="8000"/>
+                </a:schemeClr>
+              </a:solidFill>
+              <a:latin typeface="+mn-lt"/>
+            </a:endParaRPr>
+          </a:p>
+        </p:txBody>
+      </p:sp>
+    </p:spTree>
+    <p:extLst>
+      <p:ext uri="{BB962C8B-B14F-4D97-AF65-F5344CB8AC3E}">
+        <p14:creationId xmlns:p14="http://schemas.microsoft.com/office/powerpoint/2010/main" val="1527244035"/>
+      </p:ext>
+    </p:extLst>
+  </p:cSld>
+  <p:clrMapOvr>
+    <a:masterClrMapping/>
+  </p:clrMapOvr>
+  <p:timing>
+    <p:tnLst>
+      <p:par>
+        <p:cTn id="1" dur="indefinite" restart="never" nodeType="tmRoot">
+          <p:childTnLst>
+            <p:seq concurrent="1" nextAc="seek">
+              <p:cTn id="2" dur="indefinite" nodeType="mainSeq">
+                <p:childTnLst>
+                  <p:par>
+                    <p:cTn id="3" fill="hold">
+                      <p:stCondLst>
+                        <p:cond delay="indefinite"/>
+                      </p:stCondLst>
+                      <p:childTnLst>
+                        <p:par>
+                          <p:cTn id="4" fill="hold">
+                            <p:stCondLst>
+                              <p:cond delay="0"/>
+                            </p:stCondLst>
+                            <p:childTnLst>
+                              <p:par>
+                                <p:cTn id="5" presetID="10" presetClass="entr" presetSubtype="0" fill="hold" grpId="0" nodeType="clickEffect">
+                                  <p:stCondLst>
+                                    <p:cond delay="0"/>
+                                  </p:stCondLst>
+                                  <p:childTnLst>
+                                    <p:set>
+                                      <p:cBhvr>
+                                        <p:cTn id="6" dur="1" fill="hold">
+                                          <p:stCondLst>
+                                            <p:cond delay="0"/>
+                                          </p:stCondLst>
+                                        </p:cTn>
+                                        <p:tgtEl>
+                                          <p:spTgt spid="18"/>
+                                        </p:tgtEl>
+                                        <p:attrNameLst>
+                                          <p:attrName>style.visibility</p:attrName>
+                                        </p:attrNameLst>
+                                      </p:cBhvr>
+                                      <p:to>
+                                        <p:strVal val="visible"/>
+                                      </p:to>
+                                    </p:set>
+                                    <p:animEffect transition="in" filter="fade">
+                                      <p:cBhvr>
+                                        <p:cTn id="7" dur="500"/>
+                                        <p:tgtEl>
+                                          <p:spTgt spid="18"/>
+                                        </p:tgtEl>
+                                      </p:cBhvr>
+                                    </p:animEffect>
+                                  </p:childTnLst>
+                                </p:cTn>
+                              </p:par>
+                            </p:childTnLst>
+                          </p:cTn>
+                        </p:par>
+                      </p:childTnLst>
+                    </p:cTn>
+                  </p:par>
+                  <p:par>
+                    <p:cTn id="8" fill="hold">
+                      <p:stCondLst>
+                        <p:cond delay="indefinite"/>
+                      </p:stCondLst>
+                      <p:childTnLst>
+                        <p:par>
+                          <p:cTn id="9" fill="hold">
+                            <p:stCondLst>
+                              <p:cond delay="0"/>
+                            </p:stCondLst>
+                            <p:childTnLst>
+                              <p:par>
+                                <p:cTn id="10" presetID="10" presetClass="entr" presetSubtype="0" fill="hold" grpId="0" nodeType="clickEffect">
+                                  <p:stCondLst>
+                                    <p:cond delay="0"/>
+                                  </p:stCondLst>
+                                  <p:childTnLst>
+                                    <p:set>
+                                      <p:cBhvr>
+                                        <p:cTn id="11" dur="1" fill="hold">
+                                          <p:stCondLst>
+                                            <p:cond delay="0"/>
+                                          </p:stCondLst>
+                                        </p:cTn>
+                                        <p:tgtEl>
+                                          <p:spTgt spid="30"/>
+                                        </p:tgtEl>
+                                        <p:attrNameLst>
+                                          <p:attrName>style.visibility</p:attrName>
+                                        </p:attrNameLst>
+                                      </p:cBhvr>
+                                      <p:to>
+                                        <p:strVal val="visible"/>
+                                      </p:to>
+                                    </p:set>
+                                    <p:animEffect transition="in" filter="fade">
+                                      <p:cBhvr>
+                                        <p:cTn id="12" dur="500"/>
+                                        <p:tgtEl>
+                                          <p:spTgt spid="30"/>
+                                        </p:tgtEl>
+                                      </p:cBhvr>
+                                    </p:animEffect>
+                                  </p:childTnLst>
+                                </p:cTn>
+                              </p:par>
+                            </p:childTnLst>
+                          </p:cTn>
+                        </p:par>
+                      </p:childTnLst>
+                    </p:cTn>
+                  </p:par>
+                  <p:par>
+                    <p:cTn id="13" fill="hold">
+                      <p:stCondLst>
+                        <p:cond delay="indefinite"/>
+                      </p:stCondLst>
+                      <p:childTnLst>
+                        <p:par>
+                          <p:cTn id="14" fill="hold">
+                            <p:stCondLst>
+                              <p:cond delay="0"/>
+                            </p:stCondLst>
+                            <p:childTnLst>
+                              <p:par>
+                                <p:cTn id="15" presetID="10" presetClass="entr" presetSubtype="0" fill="hold" grpId="0" nodeType="clickEffect">
+                                  <p:stCondLst>
+                                    <p:cond delay="0"/>
+                                  </p:stCondLst>
+                                  <p:childTnLst>
+                                    <p:set>
+                                      <p:cBhvr>
+                                        <p:cTn id="16" dur="1" fill="hold">
+                                          <p:stCondLst>
+                                            <p:cond delay="0"/>
+                                          </p:stCondLst>
+                                        </p:cTn>
+                                        <p:tgtEl>
+                                          <p:spTgt spid="31"/>
+                                        </p:tgtEl>
+                                        <p:attrNameLst>
+                                          <p:attrName>style.visibility</p:attrName>
+                                        </p:attrNameLst>
+                                      </p:cBhvr>
+                                      <p:to>
+                                        <p:strVal val="visible"/>
+                                      </p:to>
+                                    </p:set>
+                                    <p:animEffect transition="in" filter="fade">
+                                      <p:cBhvr>
+                                        <p:cTn id="17" dur="500"/>
+                                        <p:tgtEl>
+                                          <p:spTgt spid="31"/>
+                                        </p:tgtEl>
+                                      </p:cBhvr>
+                                    </p:animEffect>
+                                  </p:childTnLst>
+                                </p:cTn>
+                              </p:par>
+                            </p:childTnLst>
+                          </p:cTn>
+                        </p:par>
+                      </p:childTnLst>
+                    </p:cTn>
+                  </p:par>
+                  <p:par>
+                    <p:cTn id="18" fill="hold">
+                      <p:stCondLst>
+                        <p:cond delay="indefinite"/>
+                      </p:stCondLst>
+                      <p:childTnLst>
+                        <p:par>
+                          <p:cTn id="19" fill="hold">
+                            <p:stCondLst>
+                              <p:cond delay="0"/>
+                            </p:stCondLst>
+                            <p:childTnLst>
+                              <p:par>
+                                <p:cTn id="20" presetID="10" presetClass="entr" presetSubtype="0" fill="hold" nodeType="clickEffect">
+                                  <p:stCondLst>
+                                    <p:cond delay="0"/>
+                                  </p:stCondLst>
+                                  <p:childTnLst>
+                                    <p:set>
+                                      <p:cBhvr>
+                                        <p:cTn id="21" dur="1" fill="hold">
+                                          <p:stCondLst>
+                                            <p:cond delay="0"/>
+                                          </p:stCondLst>
+                                        </p:cTn>
+                                        <p:tgtEl>
+                                          <p:spTgt spid="57"/>
+                                        </p:tgtEl>
+                                        <p:attrNameLst>
+                                          <p:attrName>style.visibility</p:attrName>
+                                        </p:attrNameLst>
+                                      </p:cBhvr>
+                                      <p:to>
+                                        <p:strVal val="visible"/>
+                                      </p:to>
+                                    </p:set>
+                                    <p:animEffect transition="in" filter="fade">
+                                      <p:cBhvr>
+                                        <p:cTn id="22" dur="500"/>
+                                        <p:tgtEl>
+                                          <p:spTgt spid="57"/>
+                                        </p:tgtEl>
+                                      </p:cBhvr>
+                                    </p:animEffect>
+                                  </p:childTnLst>
+                                </p:cTn>
+                              </p:par>
+                            </p:childTnLst>
+                          </p:cTn>
+                        </p:par>
+                      </p:childTnLst>
+                    </p:cTn>
+                  </p:par>
+                  <p:par>
+                    <p:cTn id="23" fill="hold">
+                      <p:stCondLst>
+                        <p:cond delay="indefinite"/>
+                      </p:stCondLst>
+                      <p:childTnLst>
+                        <p:par>
+                          <p:cTn id="24" fill="hold">
+                            <p:stCondLst>
+                              <p:cond delay="0"/>
+                            </p:stCondLst>
+                            <p:childTnLst>
+                              <p:par>
+                                <p:cTn id="25" presetID="10" presetClass="entr" presetSubtype="0" fill="hold" grpId="0" nodeType="clickEffect">
+                                  <p:stCondLst>
+                                    <p:cond delay="0"/>
+                                  </p:stCondLst>
+                                  <p:childTnLst>
+                                    <p:set>
+                                      <p:cBhvr>
+                                        <p:cTn id="26" dur="1" fill="hold">
+                                          <p:stCondLst>
+                                            <p:cond delay="0"/>
+                                          </p:stCondLst>
+                                        </p:cTn>
+                                        <p:tgtEl>
+                                          <p:spTgt spid="37"/>
+                                        </p:tgtEl>
+                                        <p:attrNameLst>
+                                          <p:attrName>style.visibility</p:attrName>
+                                        </p:attrNameLst>
+                                      </p:cBhvr>
+                                      <p:to>
+                                        <p:strVal val="visible"/>
+                                      </p:to>
+                                    </p:set>
+                                    <p:animEffect transition="in" filter="fade">
+                                      <p:cBhvr>
+                                        <p:cTn id="27" dur="500"/>
+                                        <p:tgtEl>
+                                          <p:spTgt spid="37"/>
+                                        </p:tgtEl>
+                                      </p:cBhvr>
+                                    </p:animEffect>
+                                  </p:childTnLst>
+                                </p:cTn>
+                              </p:par>
+                            </p:childTnLst>
+                          </p:cTn>
+                        </p:par>
+                      </p:childTnLst>
+                    </p:cTn>
+                  </p:par>
+                  <p:par>
+                    <p:cTn id="28" fill="hold">
+                      <p:stCondLst>
+                        <p:cond delay="indefinite"/>
+                      </p:stCondLst>
+                      <p:childTnLst>
+                        <p:par>
+                          <p:cTn id="29" fill="hold">
+                            <p:stCondLst>
+                              <p:cond delay="0"/>
+                            </p:stCondLst>
+                            <p:childTnLst>
+                              <p:par>
+                                <p:cTn id="30" presetID="10" presetClass="entr" presetSubtype="0" fill="hold" grpId="0" nodeType="clickEffect">
+                                  <p:stCondLst>
+                                    <p:cond delay="0"/>
+                                  </p:stCondLst>
+                                  <p:childTnLst>
+                                    <p:set>
+                                      <p:cBhvr>
+                                        <p:cTn id="31" dur="1" fill="hold">
+                                          <p:stCondLst>
+                                            <p:cond delay="0"/>
+                                          </p:stCondLst>
+                                        </p:cTn>
+                                        <p:tgtEl>
+                                          <p:spTgt spid="11"/>
+                                        </p:tgtEl>
+                                        <p:attrNameLst>
+                                          <p:attrName>style.visibility</p:attrName>
+                                        </p:attrNameLst>
+                                      </p:cBhvr>
+                                      <p:to>
+                                        <p:strVal val="visible"/>
+                                      </p:to>
+                                    </p:set>
+                                    <p:animEffect transition="in" filter="fade">
+                                      <p:cBhvr>
+                                        <p:cTn id="32" dur="500"/>
+                                        <p:tgtEl>
+                                          <p:spTgt spid="11"/>
+                                        </p:tgtEl>
+                                      </p:cBhvr>
+                                    </p:animEffect>
+                                  </p:childTnLst>
+                                </p:cTn>
+                              </p:par>
+                            </p:childTnLst>
+                          </p:cTn>
+                        </p:par>
+                      </p:childTnLst>
+                    </p:cTn>
+                  </p:par>
+                  <p:par>
+                    <p:cTn id="33" fill="hold">
+                      <p:stCondLst>
+                        <p:cond delay="indefinite"/>
+                      </p:stCondLst>
+                      <p:childTnLst>
+                        <p:par>
+                          <p:cTn id="34" fill="hold">
+                            <p:stCondLst>
+                              <p:cond delay="0"/>
+                            </p:stCondLst>
+                            <p:childTnLst>
+                              <p:par>
+                                <p:cTn id="35" presetID="10" presetClass="entr" presetSubtype="0" fill="hold" grpId="0" nodeType="clickEffect">
+                                  <p:stCondLst>
+                                    <p:cond delay="0"/>
+                                  </p:stCondLst>
+                                  <p:childTnLst>
+                                    <p:set>
+                                      <p:cBhvr>
+                                        <p:cTn id="36" dur="1" fill="hold">
+                                          <p:stCondLst>
+                                            <p:cond delay="0"/>
+                                          </p:stCondLst>
+                                        </p:cTn>
+                                        <p:tgtEl>
+                                          <p:spTgt spid="38"/>
+                                        </p:tgtEl>
+                                        <p:attrNameLst>
+                                          <p:attrName>style.visibility</p:attrName>
+                                        </p:attrNameLst>
+                                      </p:cBhvr>
+                                      <p:to>
+                                        <p:strVal val="visible"/>
+                                      </p:to>
+                                    </p:set>
+                                    <p:animEffect transition="in" filter="fade">
+                                      <p:cBhvr>
+                                        <p:cTn id="37" dur="500"/>
+                                        <p:tgtEl>
+                                          <p:spTgt spid="38"/>
+                                        </p:tgtEl>
+                                      </p:cBhvr>
+                                    </p:animEffect>
+                                  </p:childTnLst>
+                                </p:cTn>
+                              </p:par>
+                            </p:childTnLst>
+                          </p:cTn>
+                        </p:par>
+                      </p:childTnLst>
+                    </p:cTn>
+                  </p:par>
+                  <p:par>
+                    <p:cTn id="38" fill="hold">
+                      <p:stCondLst>
+                        <p:cond delay="indefinite"/>
+                      </p:stCondLst>
+                      <p:childTnLst>
+                        <p:par>
+                          <p:cTn id="39" fill="hold">
+                            <p:stCondLst>
+                              <p:cond delay="0"/>
+                            </p:stCondLst>
+                            <p:childTnLst>
+                              <p:par>
+                                <p:cTn id="40" presetID="10" presetClass="entr" presetSubtype="0" fill="hold" grpId="0" nodeType="clickEffect">
+                                  <p:stCondLst>
+                                    <p:cond delay="0"/>
+                                  </p:stCondLst>
+                                  <p:childTnLst>
+                                    <p:set>
+                                      <p:cBhvr>
+                                        <p:cTn id="41" dur="1" fill="hold">
+                                          <p:stCondLst>
+                                            <p:cond delay="0"/>
+                                          </p:stCondLst>
+                                        </p:cTn>
+                                        <p:tgtEl>
+                                          <p:spTgt spid="36"/>
+                                        </p:tgtEl>
+                                        <p:attrNameLst>
+                                          <p:attrName>style.visibility</p:attrName>
+                                        </p:attrNameLst>
+                                      </p:cBhvr>
+                                      <p:to>
+                                        <p:strVal val="visible"/>
+                                      </p:to>
+                                    </p:set>
+                                    <p:animEffect transition="in" filter="fade">
+                                      <p:cBhvr>
+                                        <p:cTn id="42" dur="500"/>
+                                        <p:tgtEl>
+                                          <p:spTgt spid="36"/>
+                                        </p:tgtEl>
+                                      </p:cBhvr>
+                                    </p:animEffect>
+                                  </p:childTnLst>
+                                </p:cTn>
+                              </p:par>
+                            </p:childTnLst>
+                          </p:cTn>
+                        </p:par>
+                      </p:childTnLst>
+                    </p:cTn>
+                  </p:par>
+                  <p:par>
+                    <p:cTn id="43" fill="hold">
+                      <p:stCondLst>
+                        <p:cond delay="indefinite"/>
+                      </p:stCondLst>
+                      <p:childTnLst>
+                        <p:par>
+                          <p:cTn id="44" fill="hold">
+                            <p:stCondLst>
+                              <p:cond delay="0"/>
+                            </p:stCondLst>
+                            <p:childTnLst>
+                              <p:par>
+                                <p:cTn id="45" presetID="10" presetClass="entr" presetSubtype="0" fill="hold" grpId="0" nodeType="clickEffect">
+                                  <p:stCondLst>
+                                    <p:cond delay="0"/>
+                                  </p:stCondLst>
+                                  <p:childTnLst>
+                                    <p:set>
+                                      <p:cBhvr>
+                                        <p:cTn id="46" dur="1" fill="hold">
+                                          <p:stCondLst>
+                                            <p:cond delay="0"/>
+                                          </p:stCondLst>
+                                        </p:cTn>
+                                        <p:tgtEl>
+                                          <p:spTgt spid="29"/>
+                                        </p:tgtEl>
+                                        <p:attrNameLst>
+                                          <p:attrName>style.visibility</p:attrName>
+                                        </p:attrNameLst>
+                                      </p:cBhvr>
+                                      <p:to>
+                                        <p:strVal val="visible"/>
+                                      </p:to>
+                                    </p:set>
+                                    <p:animEffect transition="in" filter="fade">
+                                      <p:cBhvr>
+                                        <p:cTn id="47" dur="500"/>
+                                        <p:tgtEl>
+                                          <p:spTgt spid="29"/>
+                                        </p:tgtEl>
+                                      </p:cBhvr>
+                                    </p:animEffect>
+                                  </p:childTnLst>
+                                </p:cTn>
+                              </p:par>
+                            </p:childTnLst>
+                          </p:cTn>
+                        </p:par>
+                      </p:childTnLst>
+                    </p:cTn>
+                  </p:par>
+                  <p:par>
+                    <p:cTn id="48" fill="hold">
+                      <p:stCondLst>
+                        <p:cond delay="indefinite"/>
+                      </p:stCondLst>
+                      <p:childTnLst>
+                        <p:par>
+                          <p:cTn id="49" fill="hold">
+                            <p:stCondLst>
+                              <p:cond delay="0"/>
+                            </p:stCondLst>
+                            <p:childTnLst>
+                              <p:par>
+                                <p:cTn id="50" presetID="10" presetClass="exit" presetSubtype="0" fill="hold" grpId="1" nodeType="clickEffect">
+                                  <p:stCondLst>
+                                    <p:cond delay="0"/>
+                                  </p:stCondLst>
+                                  <p:childTnLst>
+                                    <p:animEffect transition="out" filter="fade">
+                                      <p:cBhvr>
+                                        <p:cTn id="51" dur="500"/>
+                                        <p:tgtEl>
+                                          <p:spTgt spid="31"/>
+                                        </p:tgtEl>
+                                      </p:cBhvr>
+                                    </p:animEffect>
+                                    <p:set>
+                                      <p:cBhvr>
+                                        <p:cTn id="52" dur="1" fill="hold">
+                                          <p:stCondLst>
+                                            <p:cond delay="499"/>
+                                          </p:stCondLst>
+                                        </p:cTn>
+                                        <p:tgtEl>
+                                          <p:spTgt spid="31"/>
+                                        </p:tgtEl>
+                                        <p:attrNameLst>
+                                          <p:attrName>style.visibility</p:attrName>
+                                        </p:attrNameLst>
+                                      </p:cBhvr>
+                                      <p:to>
+                                        <p:strVal val="hidden"/>
+                                      </p:to>
+                                    </p:set>
+                                  </p:childTnLst>
+                                </p:cTn>
+                              </p:par>
+                              <p:par>
+                                <p:cTn id="53" presetID="10" presetClass="exit" presetSubtype="0" fill="hold" grpId="1" nodeType="withEffect">
+                                  <p:stCondLst>
+                                    <p:cond delay="0"/>
+                                  </p:stCondLst>
+                                  <p:childTnLst>
+                                    <p:animEffect transition="out" filter="fade">
+                                      <p:cBhvr>
+                                        <p:cTn id="54" dur="500"/>
+                                        <p:tgtEl>
+                                          <p:spTgt spid="37"/>
+                                        </p:tgtEl>
+                                      </p:cBhvr>
+                                    </p:animEffect>
+                                    <p:set>
+                                      <p:cBhvr>
+                                        <p:cTn id="55" dur="1" fill="hold">
+                                          <p:stCondLst>
+                                            <p:cond delay="499"/>
+                                          </p:stCondLst>
+                                        </p:cTn>
+                                        <p:tgtEl>
+                                          <p:spTgt spid="37"/>
+                                        </p:tgtEl>
+                                        <p:attrNameLst>
+                                          <p:attrName>style.visibility</p:attrName>
+                                        </p:attrNameLst>
+                                      </p:cBhvr>
+                                      <p:to>
+                                        <p:strVal val="hidden"/>
+                                      </p:to>
+                                    </p:set>
+                                  </p:childTnLst>
+                                </p:cTn>
+                              </p:par>
+                              <p:par>
+                                <p:cTn id="56" presetID="10" presetClass="exit" presetSubtype="0" fill="hold" grpId="1" nodeType="withEffect">
+                                  <p:stCondLst>
+                                    <p:cond delay="0"/>
+                                  </p:stCondLst>
+                                  <p:childTnLst>
+                                    <p:animEffect transition="out" filter="fade">
+                                      <p:cBhvr>
+                                        <p:cTn id="57" dur="500"/>
+                                        <p:tgtEl>
+                                          <p:spTgt spid="38"/>
+                                        </p:tgtEl>
+                                      </p:cBhvr>
+                                    </p:animEffect>
+                                    <p:set>
+                                      <p:cBhvr>
+                                        <p:cTn id="58" dur="1" fill="hold">
+                                          <p:stCondLst>
+                                            <p:cond delay="499"/>
+                                          </p:stCondLst>
+                                        </p:cTn>
+                                        <p:tgtEl>
+                                          <p:spTgt spid="38"/>
+                                        </p:tgtEl>
+                                        <p:attrNameLst>
+                                          <p:attrName>style.visibility</p:attrName>
+                                        </p:attrNameLst>
+                                      </p:cBhvr>
+                                      <p:to>
+                                        <p:strVal val="hidden"/>
+                                      </p:to>
+                                    </p:set>
+                                  </p:childTnLst>
+                                </p:cTn>
+                              </p:par>
+                            </p:childTnLst>
+                          </p:cTn>
+                        </p:par>
+                      </p:childTnLst>
+                    </p:cTn>
+                  </p:par>
+                  <p:par>
+                    <p:cTn id="59" fill="hold">
+                      <p:stCondLst>
+                        <p:cond delay="indefinite"/>
+                      </p:stCondLst>
+                      <p:childTnLst>
+                        <p:par>
+                          <p:cTn id="60" fill="hold">
+                            <p:stCondLst>
+                              <p:cond delay="0"/>
+                            </p:stCondLst>
+                            <p:childTnLst>
+                              <p:par>
+                                <p:cTn id="61" presetID="10" presetClass="entr" presetSubtype="0" fill="hold" grpId="0" nodeType="clickEffect">
+                                  <p:stCondLst>
+                                    <p:cond delay="0"/>
+                                  </p:stCondLst>
+                                  <p:childTnLst>
+                                    <p:set>
+                                      <p:cBhvr>
+                                        <p:cTn id="62" dur="1" fill="hold">
+                                          <p:stCondLst>
+                                            <p:cond delay="0"/>
+                                          </p:stCondLst>
+                                        </p:cTn>
+                                        <p:tgtEl>
+                                          <p:spTgt spid="41"/>
+                                        </p:tgtEl>
+                                        <p:attrNameLst>
+                                          <p:attrName>style.visibility</p:attrName>
+                                        </p:attrNameLst>
+                                      </p:cBhvr>
+                                      <p:to>
+                                        <p:strVal val="visible"/>
+                                      </p:to>
+                                    </p:set>
+                                    <p:animEffect transition="in" filter="fade">
+                                      <p:cBhvr>
+                                        <p:cTn id="63" dur="500"/>
+                                        <p:tgtEl>
+                                          <p:spTgt spid="41"/>
+                                        </p:tgtEl>
+                                      </p:cBhvr>
+                                    </p:animEffect>
+                                  </p:childTnLst>
+                                </p:cTn>
+                              </p:par>
+                            </p:childTnLst>
+                          </p:cTn>
+                        </p:par>
+                      </p:childTnLst>
+                    </p:cTn>
+                  </p:par>
+                  <p:par>
+                    <p:cTn id="64" fill="hold">
+                      <p:stCondLst>
+                        <p:cond delay="indefinite"/>
+                      </p:stCondLst>
+                      <p:childTnLst>
+                        <p:par>
+                          <p:cTn id="65" fill="hold">
+                            <p:stCondLst>
+                              <p:cond delay="0"/>
+                            </p:stCondLst>
+                            <p:childTnLst>
+                              <p:par>
+                                <p:cTn id="66" presetID="10" presetClass="entr" presetSubtype="0" fill="hold" grpId="0" nodeType="clickEffect">
+                                  <p:stCondLst>
+                                    <p:cond delay="0"/>
+                                  </p:stCondLst>
+                                  <p:childTnLst>
+                                    <p:set>
+                                      <p:cBhvr>
+                                        <p:cTn id="67" dur="1" fill="hold">
+                                          <p:stCondLst>
+                                            <p:cond delay="0"/>
+                                          </p:stCondLst>
+                                        </p:cTn>
+                                        <p:tgtEl>
+                                          <p:spTgt spid="42"/>
+                                        </p:tgtEl>
+                                        <p:attrNameLst>
+                                          <p:attrName>style.visibility</p:attrName>
+                                        </p:attrNameLst>
+                                      </p:cBhvr>
+                                      <p:to>
+                                        <p:strVal val="visible"/>
+                                      </p:to>
+                                    </p:set>
+                                    <p:animEffect transition="in" filter="fade">
+                                      <p:cBhvr>
+                                        <p:cTn id="68" dur="500"/>
+                                        <p:tgtEl>
+                                          <p:spTgt spid="42"/>
+                                        </p:tgtEl>
+                                      </p:cBhvr>
+                                    </p:animEffect>
+                                  </p:childTnLst>
+                                </p:cTn>
+                              </p:par>
+                            </p:childTnLst>
+                          </p:cTn>
+                        </p:par>
+                      </p:childTnLst>
+                    </p:cTn>
+                  </p:par>
+                  <p:par>
+                    <p:cTn id="69" fill="hold">
+                      <p:stCondLst>
+                        <p:cond delay="indefinite"/>
+                      </p:stCondLst>
+                      <p:childTnLst>
+                        <p:par>
+                          <p:cTn id="70" fill="hold">
+                            <p:stCondLst>
+                              <p:cond delay="0"/>
+                            </p:stCondLst>
+                            <p:childTnLst>
+                              <p:par>
+                                <p:cTn id="71" presetID="10" presetClass="entr" presetSubtype="0" fill="hold" grpId="0" nodeType="clickEffect">
+                                  <p:stCondLst>
+                                    <p:cond delay="0"/>
+                                  </p:stCondLst>
+                                  <p:childTnLst>
+                                    <p:set>
+                                      <p:cBhvr>
+                                        <p:cTn id="72" dur="1" fill="hold">
+                                          <p:stCondLst>
+                                            <p:cond delay="0"/>
+                                          </p:stCondLst>
+                                        </p:cTn>
+                                        <p:tgtEl>
+                                          <p:spTgt spid="39"/>
+                                        </p:tgtEl>
+                                        <p:attrNameLst>
+                                          <p:attrName>style.visibility</p:attrName>
+                                        </p:attrNameLst>
+                                      </p:cBhvr>
+                                      <p:to>
+                                        <p:strVal val="visible"/>
+                                      </p:to>
+                                    </p:set>
+                                    <p:animEffect transition="in" filter="fade">
+                                      <p:cBhvr>
+                                        <p:cTn id="73" dur="500"/>
+                                        <p:tgtEl>
+                                          <p:spTgt spid="39"/>
+                                        </p:tgtEl>
+                                      </p:cBhvr>
+                                    </p:animEffect>
+                                  </p:childTnLst>
+                                </p:cTn>
+                              </p:par>
+                            </p:childTnLst>
+                          </p:cTn>
+                        </p:par>
+                      </p:childTnLst>
+                    </p:cTn>
+                  </p:par>
+                  <p:par>
+                    <p:cTn id="74" fill="hold">
+                      <p:stCondLst>
+                        <p:cond delay="indefinite"/>
+                      </p:stCondLst>
+                      <p:childTnLst>
+                        <p:par>
+                          <p:cTn id="75" fill="hold">
+                            <p:stCondLst>
+                              <p:cond delay="0"/>
+                            </p:stCondLst>
+                            <p:childTnLst>
+                              <p:par>
+                                <p:cTn id="76" presetID="10" presetClass="entr" presetSubtype="0" fill="hold" grpId="0" nodeType="clickEffect">
+                                  <p:stCondLst>
+                                    <p:cond delay="0"/>
+                                  </p:stCondLst>
+                                  <p:childTnLst>
+                                    <p:set>
+                                      <p:cBhvr>
+                                        <p:cTn id="77" dur="1" fill="hold">
+                                          <p:stCondLst>
+                                            <p:cond delay="0"/>
+                                          </p:stCondLst>
+                                        </p:cTn>
+                                        <p:tgtEl>
+                                          <p:spTgt spid="40"/>
+                                        </p:tgtEl>
+                                        <p:attrNameLst>
+                                          <p:attrName>style.visibility</p:attrName>
+                                        </p:attrNameLst>
+                                      </p:cBhvr>
+                                      <p:to>
+                                        <p:strVal val="visible"/>
+                                      </p:to>
+                                    </p:set>
+                                    <p:animEffect transition="in" filter="fade">
+                                      <p:cBhvr>
+                                        <p:cTn id="78" dur="500"/>
+                                        <p:tgtEl>
+                                          <p:spTgt spid="40"/>
+                                        </p:tgtEl>
+                                      </p:cBhvr>
+                                    </p:animEffect>
+                                  </p:childTnLst>
+                                </p:cTn>
+                              </p:par>
+                            </p:childTnLst>
+                          </p:cTn>
+                        </p:par>
+                      </p:childTnLst>
+                    </p:cTn>
+                  </p:par>
+                  <p:par>
+                    <p:cTn id="79" fill="hold">
+                      <p:stCondLst>
+                        <p:cond delay="indefinite"/>
+                      </p:stCondLst>
+                      <p:childTnLst>
+                        <p:par>
+                          <p:cTn id="80" fill="hold">
+                            <p:stCondLst>
+                              <p:cond delay="0"/>
+                            </p:stCondLst>
+                            <p:childTnLst>
+                              <p:par>
+                                <p:cTn id="81" presetID="10" presetClass="entr" presetSubtype="0" fill="hold" grpId="0" nodeType="clickEffect">
+                                  <p:stCondLst>
+                                    <p:cond delay="0"/>
+                                  </p:stCondLst>
+                                  <p:childTnLst>
+                                    <p:set>
+                                      <p:cBhvr>
+                                        <p:cTn id="82" dur="1" fill="hold">
+                                          <p:stCondLst>
+                                            <p:cond delay="0"/>
+                                          </p:stCondLst>
+                                        </p:cTn>
+                                        <p:tgtEl>
+                                          <p:spTgt spid="19"/>
+                                        </p:tgtEl>
+                                        <p:attrNameLst>
+                                          <p:attrName>style.visibility</p:attrName>
+                                        </p:attrNameLst>
+                                      </p:cBhvr>
+                                      <p:to>
+                                        <p:strVal val="visible"/>
+                                      </p:to>
+                                    </p:set>
+                                    <p:animEffect transition="in" filter="fade">
+                                      <p:cBhvr>
+                                        <p:cTn id="83" dur="500"/>
+                                        <p:tgtEl>
+                                          <p:spTgt spid="19"/>
+                                        </p:tgtEl>
+                                      </p:cBhvr>
+                                    </p:animEffect>
+                                  </p:childTnLst>
+                                </p:cTn>
+                              </p:par>
+                            </p:childTnLst>
+                          </p:cTn>
+                        </p:par>
+                      </p:childTnLst>
+                    </p:cTn>
+                  </p:par>
+                  <p:par>
+                    <p:cTn id="84" fill="hold">
+                      <p:stCondLst>
+                        <p:cond delay="indefinite"/>
+                      </p:stCondLst>
+                      <p:childTnLst>
+                        <p:par>
+                          <p:cTn id="85" fill="hold">
+                            <p:stCondLst>
+                              <p:cond delay="0"/>
+                            </p:stCondLst>
+                            <p:childTnLst>
+                              <p:par>
+                                <p:cTn id="86" presetID="10" presetClass="entr" presetSubtype="0" fill="hold" grpId="0" nodeType="clickEffect">
+                                  <p:stCondLst>
+                                    <p:cond delay="0"/>
+                                  </p:stCondLst>
+                                  <p:childTnLst>
+                                    <p:set>
+                                      <p:cBhvr>
+                                        <p:cTn id="87" dur="1" fill="hold">
+                                          <p:stCondLst>
+                                            <p:cond delay="0"/>
+                                          </p:stCondLst>
+                                        </p:cTn>
+                                        <p:tgtEl>
+                                          <p:spTgt spid="44"/>
+                                        </p:tgtEl>
+                                        <p:attrNameLst>
+                                          <p:attrName>style.visibility</p:attrName>
+                                        </p:attrNameLst>
+                                      </p:cBhvr>
+                                      <p:to>
+                                        <p:strVal val="visible"/>
+                                      </p:to>
+                                    </p:set>
+                                    <p:animEffect transition="in" filter="fade">
+                                      <p:cBhvr>
+                                        <p:cTn id="88" dur="500"/>
+                                        <p:tgtEl>
+                                          <p:spTgt spid="44"/>
+                                        </p:tgtEl>
+                                      </p:cBhvr>
+                                    </p:animEffect>
+                                  </p:childTnLst>
+                                </p:cTn>
+                              </p:par>
+                            </p:childTnLst>
+                          </p:cTn>
+                        </p:par>
+                      </p:childTnLst>
+                    </p:cTn>
+                  </p:par>
+                  <p:par>
+                    <p:cTn id="89" fill="hold">
+                      <p:stCondLst>
+                        <p:cond delay="indefinite"/>
+                      </p:stCondLst>
+                      <p:childTnLst>
+                        <p:par>
+                          <p:cTn id="90" fill="hold">
+                            <p:stCondLst>
+                              <p:cond delay="0"/>
+                            </p:stCondLst>
+                            <p:childTnLst>
+                              <p:par>
+                                <p:cTn id="91" presetID="10" presetClass="exit" presetSubtype="0" fill="hold" grpId="1" nodeType="clickEffect">
+                                  <p:stCondLst>
+                                    <p:cond delay="0"/>
+                                  </p:stCondLst>
+                                  <p:childTnLst>
+                                    <p:animEffect transition="out" filter="fade">
+                                      <p:cBhvr>
+                                        <p:cTn id="92" dur="500"/>
+                                        <p:tgtEl>
+                                          <p:spTgt spid="41"/>
+                                        </p:tgtEl>
+                                      </p:cBhvr>
+                                    </p:animEffect>
+                                    <p:set>
+                                      <p:cBhvr>
+                                        <p:cTn id="93" dur="1" fill="hold">
+                                          <p:stCondLst>
+                                            <p:cond delay="499"/>
+                                          </p:stCondLst>
+                                        </p:cTn>
+                                        <p:tgtEl>
+                                          <p:spTgt spid="41"/>
+                                        </p:tgtEl>
+                                        <p:attrNameLst>
+                                          <p:attrName>style.visibility</p:attrName>
+                                        </p:attrNameLst>
+                                      </p:cBhvr>
+                                      <p:to>
+                                        <p:strVal val="hidden"/>
+                                      </p:to>
+                                    </p:set>
+                                  </p:childTnLst>
+                                </p:cTn>
+                              </p:par>
+                              <p:par>
+                                <p:cTn id="94" presetID="10" presetClass="exit" presetSubtype="0" fill="hold" grpId="1" nodeType="withEffect">
+                                  <p:stCondLst>
+                                    <p:cond delay="0"/>
+                                  </p:stCondLst>
+                                  <p:childTnLst>
+                                    <p:animEffect transition="out" filter="fade">
+                                      <p:cBhvr>
+                                        <p:cTn id="95" dur="500"/>
+                                        <p:tgtEl>
+                                          <p:spTgt spid="42"/>
+                                        </p:tgtEl>
+                                      </p:cBhvr>
+                                    </p:animEffect>
+                                    <p:set>
+                                      <p:cBhvr>
+                                        <p:cTn id="96" dur="1" fill="hold">
+                                          <p:stCondLst>
+                                            <p:cond delay="499"/>
+                                          </p:stCondLst>
+                                        </p:cTn>
+                                        <p:tgtEl>
+                                          <p:spTgt spid="42"/>
+                                        </p:tgtEl>
+                                        <p:attrNameLst>
+                                          <p:attrName>style.visibility</p:attrName>
+                                        </p:attrNameLst>
+                                      </p:cBhvr>
+                                      <p:to>
+                                        <p:strVal val="hidden"/>
+                                      </p:to>
+                                    </p:set>
+                                  </p:childTnLst>
+                                </p:cTn>
+                              </p:par>
+                              <p:par>
+                                <p:cTn id="97" presetID="10" presetClass="exit" presetSubtype="0" fill="hold" grpId="1" nodeType="withEffect">
+                                  <p:stCondLst>
+                                    <p:cond delay="0"/>
+                                  </p:stCondLst>
+                                  <p:childTnLst>
+                                    <p:animEffect transition="out" filter="fade">
+                                      <p:cBhvr>
+                                        <p:cTn id="98" dur="500"/>
+                                        <p:tgtEl>
+                                          <p:spTgt spid="40"/>
+                                        </p:tgtEl>
+                                      </p:cBhvr>
+                                    </p:animEffect>
+                                    <p:set>
+                                      <p:cBhvr>
+                                        <p:cTn id="99" dur="1" fill="hold">
+                                          <p:stCondLst>
+                                            <p:cond delay="499"/>
+                                          </p:stCondLst>
+                                        </p:cTn>
+                                        <p:tgtEl>
+                                          <p:spTgt spid="40"/>
+                                        </p:tgtEl>
+                                        <p:attrNameLst>
+                                          <p:attrName>style.visibility</p:attrName>
+                                        </p:attrNameLst>
+                                      </p:cBhvr>
+                                      <p:to>
+                                        <p:strVal val="hidden"/>
+                                      </p:to>
+                                    </p:set>
+                                  </p:childTnLst>
+                                </p:cTn>
+                              </p:par>
+                            </p:childTnLst>
+                          </p:cTn>
+                        </p:par>
+                      </p:childTnLst>
+                    </p:cTn>
+                  </p:par>
+                  <p:par>
+                    <p:cTn id="100" fill="hold">
+                      <p:stCondLst>
+                        <p:cond delay="indefinite"/>
+                      </p:stCondLst>
+                      <p:childTnLst>
+                        <p:par>
+                          <p:cTn id="101" fill="hold">
+                            <p:stCondLst>
+                              <p:cond delay="0"/>
+                            </p:stCondLst>
+                            <p:childTnLst>
+                              <p:par>
+                                <p:cTn id="102" presetID="10" presetClass="entr" presetSubtype="0" fill="hold" grpId="0" nodeType="clickEffect">
+                                  <p:stCondLst>
+                                    <p:cond delay="0"/>
+                                  </p:stCondLst>
+                                  <p:childTnLst>
+                                    <p:set>
+                                      <p:cBhvr>
+                                        <p:cTn id="103" dur="1" fill="hold">
+                                          <p:stCondLst>
+                                            <p:cond delay="0"/>
+                                          </p:stCondLst>
+                                        </p:cTn>
+                                        <p:tgtEl>
+                                          <p:spTgt spid="49"/>
+                                        </p:tgtEl>
+                                        <p:attrNameLst>
+                                          <p:attrName>style.visibility</p:attrName>
+                                        </p:attrNameLst>
+                                      </p:cBhvr>
+                                      <p:to>
+                                        <p:strVal val="visible"/>
+                                      </p:to>
+                                    </p:set>
+                                    <p:animEffect transition="in" filter="fade">
+                                      <p:cBhvr>
+                                        <p:cTn id="104" dur="500"/>
+                                        <p:tgtEl>
+                                          <p:spTgt spid="49"/>
+                                        </p:tgtEl>
+                                      </p:cBhvr>
+                                    </p:animEffect>
+                                  </p:childTnLst>
+                                </p:cTn>
+                              </p:par>
+                            </p:childTnLst>
+                          </p:cTn>
+                        </p:par>
+                      </p:childTnLst>
+                    </p:cTn>
+                  </p:par>
+                  <p:par>
+                    <p:cTn id="105" fill="hold">
+                      <p:stCondLst>
+                        <p:cond delay="indefinite"/>
+                      </p:stCondLst>
+                      <p:childTnLst>
+                        <p:par>
+                          <p:cTn id="106" fill="hold">
+                            <p:stCondLst>
+                              <p:cond delay="0"/>
+                            </p:stCondLst>
+                            <p:childTnLst>
+                              <p:par>
+                                <p:cTn id="107" presetID="10" presetClass="entr" presetSubtype="0" fill="hold" nodeType="clickEffect">
+                                  <p:stCondLst>
+                                    <p:cond delay="0"/>
+                                  </p:stCondLst>
+                                  <p:childTnLst>
+                                    <p:set>
+                                      <p:cBhvr>
+                                        <p:cTn id="108" dur="1" fill="hold">
+                                          <p:stCondLst>
+                                            <p:cond delay="0"/>
+                                          </p:stCondLst>
+                                        </p:cTn>
+                                        <p:tgtEl>
+                                          <p:spTgt spid="58"/>
+                                        </p:tgtEl>
+                                        <p:attrNameLst>
+                                          <p:attrName>style.visibility</p:attrName>
+                                        </p:attrNameLst>
+                                      </p:cBhvr>
+                                      <p:to>
+                                        <p:strVal val="visible"/>
+                                      </p:to>
+                                    </p:set>
+                                    <p:animEffect transition="in" filter="fade">
+                                      <p:cBhvr>
+                                        <p:cTn id="109" dur="500"/>
+                                        <p:tgtEl>
+                                          <p:spTgt spid="58"/>
+                                        </p:tgtEl>
+                                      </p:cBhvr>
+                                    </p:animEffect>
+                                  </p:childTnLst>
+                                </p:cTn>
+                              </p:par>
+                            </p:childTnLst>
+                          </p:cTn>
+                        </p:par>
+                      </p:childTnLst>
+                    </p:cTn>
+                  </p:par>
+                  <p:par>
+                    <p:cTn id="110" fill="hold">
+                      <p:stCondLst>
+                        <p:cond delay="indefinite"/>
+                      </p:stCondLst>
+                      <p:childTnLst>
+                        <p:par>
+                          <p:cTn id="111" fill="hold">
+                            <p:stCondLst>
+                              <p:cond delay="0"/>
+                            </p:stCondLst>
+                            <p:childTnLst>
+                              <p:par>
+                                <p:cTn id="112" presetID="10" presetClass="entr" presetSubtype="0" fill="hold" grpId="0" nodeType="clickEffect">
+                                  <p:stCondLst>
+                                    <p:cond delay="0"/>
+                                  </p:stCondLst>
+                                  <p:childTnLst>
+                                    <p:set>
+                                      <p:cBhvr>
+                                        <p:cTn id="113" dur="1" fill="hold">
+                                          <p:stCondLst>
+                                            <p:cond delay="0"/>
+                                          </p:stCondLst>
+                                        </p:cTn>
+                                        <p:tgtEl>
+                                          <p:spTgt spid="51"/>
+                                        </p:tgtEl>
+                                        <p:attrNameLst>
+                                          <p:attrName>style.visibility</p:attrName>
+                                        </p:attrNameLst>
+                                      </p:cBhvr>
+                                      <p:to>
+                                        <p:strVal val="visible"/>
+                                      </p:to>
+                                    </p:set>
+                                    <p:animEffect transition="in" filter="fade">
+                                      <p:cBhvr>
+                                        <p:cTn id="114" dur="500"/>
+                                        <p:tgtEl>
+                                          <p:spTgt spid="51"/>
+                                        </p:tgtEl>
+                                      </p:cBhvr>
+                                    </p:animEffect>
+                                  </p:childTnLst>
+                                </p:cTn>
+                              </p:par>
+                            </p:childTnLst>
+                          </p:cTn>
+                        </p:par>
+                      </p:childTnLst>
+                    </p:cTn>
+                  </p:par>
+                  <p:par>
+                    <p:cTn id="115" fill="hold">
+                      <p:stCondLst>
+                        <p:cond delay="indefinite"/>
+                      </p:stCondLst>
+                      <p:childTnLst>
+                        <p:par>
+                          <p:cTn id="116" fill="hold">
+                            <p:stCondLst>
+                              <p:cond delay="0"/>
+                            </p:stCondLst>
+                            <p:childTnLst>
+                              <p:par>
+                                <p:cTn id="117" presetID="10" presetClass="entr" presetSubtype="0" fill="hold" grpId="0" nodeType="clickEffect">
+                                  <p:stCondLst>
+                                    <p:cond delay="0"/>
+                                  </p:stCondLst>
+                                  <p:childTnLst>
+                                    <p:set>
+                                      <p:cBhvr>
+                                        <p:cTn id="118" dur="1" fill="hold">
+                                          <p:stCondLst>
+                                            <p:cond delay="0"/>
+                                          </p:stCondLst>
+                                        </p:cTn>
+                                        <p:tgtEl>
+                                          <p:spTgt spid="53"/>
+                                        </p:tgtEl>
+                                        <p:attrNameLst>
+                                          <p:attrName>style.visibility</p:attrName>
+                                        </p:attrNameLst>
+                                      </p:cBhvr>
+                                      <p:to>
+                                        <p:strVal val="visible"/>
+                                      </p:to>
+                                    </p:set>
+                                    <p:animEffect transition="in" filter="fade">
+                                      <p:cBhvr>
+                                        <p:cTn id="119" dur="500"/>
+                                        <p:tgtEl>
+                                          <p:spTgt spid="53"/>
+                                        </p:tgtEl>
+                                      </p:cBhvr>
+                                    </p:animEffect>
+                                  </p:childTnLst>
+                                </p:cTn>
+                              </p:par>
+                            </p:childTnLst>
+                          </p:cTn>
+                        </p:par>
+                      </p:childTnLst>
+                    </p:cTn>
+                  </p:par>
+                  <p:par>
+                    <p:cTn id="120" fill="hold">
+                      <p:stCondLst>
+                        <p:cond delay="indefinite"/>
+                      </p:stCondLst>
+                      <p:childTnLst>
+                        <p:par>
+                          <p:cTn id="121" fill="hold">
+                            <p:stCondLst>
+                              <p:cond delay="0"/>
+                            </p:stCondLst>
+                            <p:childTnLst>
+                              <p:par>
+                                <p:cTn id="122" presetID="10" presetClass="entr" presetSubtype="0" fill="hold" grpId="0" nodeType="clickEffect">
+                                  <p:stCondLst>
+                                    <p:cond delay="0"/>
+                                  </p:stCondLst>
+                                  <p:childTnLst>
+                                    <p:set>
+                                      <p:cBhvr>
+                                        <p:cTn id="123" dur="1" fill="hold">
+                                          <p:stCondLst>
+                                            <p:cond delay="0"/>
+                                          </p:stCondLst>
+                                        </p:cTn>
+                                        <p:tgtEl>
+                                          <p:spTgt spid="55"/>
+                                        </p:tgtEl>
+                                        <p:attrNameLst>
+                                          <p:attrName>style.visibility</p:attrName>
+                                        </p:attrNameLst>
+                                      </p:cBhvr>
+                                      <p:to>
+                                        <p:strVal val="visible"/>
+                                      </p:to>
+                                    </p:set>
+                                    <p:animEffect transition="in" filter="fade">
+                                      <p:cBhvr>
+                                        <p:cTn id="124" dur="500"/>
+                                        <p:tgtEl>
+                                          <p:spTgt spid="55"/>
+                                        </p:tgtEl>
+                                      </p:cBhvr>
+                                    </p:animEffect>
+                                  </p:childTnLst>
+                                </p:cTn>
+                              </p:par>
+                            </p:childTnLst>
+                          </p:cTn>
+                        </p:par>
+                      </p:childTnLst>
+                    </p:cTn>
+                  </p:par>
+                  <p:par>
+                    <p:cTn id="125" fill="hold">
+                      <p:stCondLst>
+                        <p:cond delay="indefinite"/>
+                      </p:stCondLst>
+                      <p:childTnLst>
+                        <p:par>
+                          <p:cTn id="126" fill="hold">
+                            <p:stCondLst>
+                              <p:cond delay="0"/>
+                            </p:stCondLst>
+                            <p:childTnLst>
+                              <p:par>
+                                <p:cTn id="127" presetID="10" presetClass="entr" presetSubtype="0" fill="hold" grpId="0" nodeType="clickEffect">
+                                  <p:stCondLst>
+                                    <p:cond delay="0"/>
+                                  </p:stCondLst>
+                                  <p:childTnLst>
+                                    <p:set>
+                                      <p:cBhvr>
+                                        <p:cTn id="128" dur="1" fill="hold">
+                                          <p:stCondLst>
+                                            <p:cond delay="0"/>
+                                          </p:stCondLst>
+                                        </p:cTn>
+                                        <p:tgtEl>
+                                          <p:spTgt spid="45"/>
+                                        </p:tgtEl>
+                                        <p:attrNameLst>
+                                          <p:attrName>style.visibility</p:attrName>
+                                        </p:attrNameLst>
+                                      </p:cBhvr>
+                                      <p:to>
+                                        <p:strVal val="visible"/>
+                                      </p:to>
+                                    </p:set>
+                                    <p:animEffect transition="in" filter="fade">
+                                      <p:cBhvr>
+                                        <p:cTn id="129" dur="500"/>
+                                        <p:tgtEl>
+                                          <p:spTgt spid="45"/>
+                                        </p:tgtEl>
+                                      </p:cBhvr>
+                                    </p:animEffect>
+                                  </p:childTnLst>
+                                </p:cTn>
+                              </p:par>
+                            </p:childTnLst>
+                          </p:cTn>
+                        </p:par>
+                      </p:childTnLst>
+                    </p:cTn>
+                  </p:par>
+                  <p:par>
+                    <p:cTn id="130" fill="hold">
+                      <p:stCondLst>
+                        <p:cond delay="indefinite"/>
+                      </p:stCondLst>
+                      <p:childTnLst>
+                        <p:par>
+                          <p:cTn id="131" fill="hold">
+                            <p:stCondLst>
+                              <p:cond delay="0"/>
+                            </p:stCondLst>
+                            <p:childTnLst>
+                              <p:par>
+                                <p:cTn id="132" presetID="10" presetClass="entr" presetSubtype="0" fill="hold" grpId="0" nodeType="clickEffect">
+                                  <p:stCondLst>
+                                    <p:cond delay="0"/>
+                                  </p:stCondLst>
+                                  <p:childTnLst>
+                                    <p:set>
+                                      <p:cBhvr>
+                                        <p:cTn id="133" dur="1" fill="hold">
+                                          <p:stCondLst>
+                                            <p:cond delay="0"/>
+                                          </p:stCondLst>
+                                        </p:cTn>
+                                        <p:tgtEl>
+                                          <p:spTgt spid="43"/>
+                                        </p:tgtEl>
+                                        <p:attrNameLst>
+                                          <p:attrName>style.visibility</p:attrName>
+                                        </p:attrNameLst>
+                                      </p:cBhvr>
+                                      <p:to>
+                                        <p:strVal val="visible"/>
+                                      </p:to>
+                                    </p:set>
+                                    <p:animEffect transition="in" filter="fade">
+                                      <p:cBhvr>
+                                        <p:cTn id="134" dur="500"/>
+                                        <p:tgtEl>
+                                          <p:spTgt spid="43"/>
+                                        </p:tgtEl>
+                                      </p:cBhvr>
+                                    </p:animEffect>
+                                  </p:childTnLst>
+                                </p:cTn>
+                              </p:par>
+                            </p:childTnLst>
+                          </p:cTn>
+                        </p:par>
+                      </p:childTnLst>
+                    </p:cTn>
+                  </p:par>
+                  <p:par>
+                    <p:cTn id="135" fill="hold">
+                      <p:stCondLst>
+                        <p:cond delay="indefinite"/>
+                      </p:stCondLst>
+                      <p:childTnLst>
+                        <p:par>
+                          <p:cTn id="136" fill="hold">
+                            <p:stCondLst>
+                              <p:cond delay="0"/>
+                            </p:stCondLst>
+                            <p:childTnLst>
+                              <p:par>
+                                <p:cTn id="137" presetID="10" presetClass="exit" presetSubtype="0" fill="hold" grpId="1" nodeType="clickEffect">
+                                  <p:stCondLst>
+                                    <p:cond delay="0"/>
+                                  </p:stCondLst>
+                                  <p:childTnLst>
+                                    <p:animEffect transition="out" filter="fade">
+                                      <p:cBhvr>
+                                        <p:cTn id="138" dur="500"/>
+                                        <p:tgtEl>
+                                          <p:spTgt spid="49"/>
+                                        </p:tgtEl>
+                                      </p:cBhvr>
+                                    </p:animEffect>
+                                    <p:set>
+                                      <p:cBhvr>
+                                        <p:cTn id="139" dur="1" fill="hold">
+                                          <p:stCondLst>
+                                            <p:cond delay="499"/>
+                                          </p:stCondLst>
+                                        </p:cTn>
+                                        <p:tgtEl>
+                                          <p:spTgt spid="49"/>
+                                        </p:tgtEl>
+                                        <p:attrNameLst>
+                                          <p:attrName>style.visibility</p:attrName>
+                                        </p:attrNameLst>
+                                      </p:cBhvr>
+                                      <p:to>
+                                        <p:strVal val="hidden"/>
+                                      </p:to>
+                                    </p:set>
+                                  </p:childTnLst>
+                                </p:cTn>
+                              </p:par>
+                              <p:par>
+                                <p:cTn id="140" presetID="10" presetClass="exit" presetSubtype="0" fill="hold" grpId="1" nodeType="withEffect">
+                                  <p:stCondLst>
+                                    <p:cond delay="0"/>
+                                  </p:stCondLst>
+                                  <p:childTnLst>
+                                    <p:animEffect transition="out" filter="fade">
+                                      <p:cBhvr>
+                                        <p:cTn id="141" dur="500"/>
+                                        <p:tgtEl>
+                                          <p:spTgt spid="51"/>
+                                        </p:tgtEl>
+                                      </p:cBhvr>
+                                    </p:animEffect>
+                                    <p:set>
+                                      <p:cBhvr>
+                                        <p:cTn id="142" dur="1" fill="hold">
+                                          <p:stCondLst>
+                                            <p:cond delay="499"/>
+                                          </p:stCondLst>
+                                        </p:cTn>
+                                        <p:tgtEl>
+                                          <p:spTgt spid="51"/>
+                                        </p:tgtEl>
+                                        <p:attrNameLst>
+                                          <p:attrName>style.visibility</p:attrName>
+                                        </p:attrNameLst>
+                                      </p:cBhvr>
+                                      <p:to>
+                                        <p:strVal val="hidden"/>
+                                      </p:to>
+                                    </p:set>
+                                  </p:childTnLst>
+                                </p:cTn>
+                              </p:par>
+                              <p:par>
+                                <p:cTn id="143" presetID="10" presetClass="exit" presetSubtype="0" fill="hold" grpId="1" nodeType="withEffect">
+                                  <p:stCondLst>
+                                    <p:cond delay="0"/>
+                                  </p:stCondLst>
+                                  <p:childTnLst>
+                                    <p:animEffect transition="out" filter="fade">
+                                      <p:cBhvr>
+                                        <p:cTn id="144" dur="500"/>
+                                        <p:tgtEl>
+                                          <p:spTgt spid="55"/>
+                                        </p:tgtEl>
+                                      </p:cBhvr>
+                                    </p:animEffect>
+                                    <p:set>
+                                      <p:cBhvr>
+                                        <p:cTn id="145" dur="1" fill="hold">
+                                          <p:stCondLst>
+                                            <p:cond delay="499"/>
+                                          </p:stCondLst>
+                                        </p:cTn>
+                                        <p:tgtEl>
+                                          <p:spTgt spid="55"/>
+                                        </p:tgtEl>
+                                        <p:attrNameLst>
+                                          <p:attrName>style.visibility</p:attrName>
+                                        </p:attrNameLst>
+                                      </p:cBhvr>
+                                      <p:to>
+                                        <p:strVal val="hidden"/>
+                                      </p:to>
+                                    </p:set>
+                                  </p:childTnLst>
+                                </p:cTn>
+                              </p:par>
+                            </p:childTnLst>
+                          </p:cTn>
+                        </p:par>
+                      </p:childTnLst>
+                    </p:cTn>
+                  </p:par>
+                  <p:par>
+                    <p:cTn id="146" fill="hold">
+                      <p:stCondLst>
+                        <p:cond delay="indefinite"/>
+                      </p:stCondLst>
+                      <p:childTnLst>
+                        <p:par>
+                          <p:cTn id="147" fill="hold">
+                            <p:stCondLst>
+                              <p:cond delay="0"/>
+                            </p:stCondLst>
+                            <p:childTnLst>
+                              <p:par>
+                                <p:cTn id="148" presetID="10" presetClass="entr" presetSubtype="0" fill="hold" grpId="0" nodeType="clickEffect">
+                                  <p:stCondLst>
+                                    <p:cond delay="0"/>
+                                  </p:stCondLst>
+                                  <p:childTnLst>
+                                    <p:set>
+                                      <p:cBhvr>
+                                        <p:cTn id="149" dur="1" fill="hold">
+                                          <p:stCondLst>
+                                            <p:cond delay="0"/>
+                                          </p:stCondLst>
+                                        </p:cTn>
+                                        <p:tgtEl>
+                                          <p:spTgt spid="50"/>
+                                        </p:tgtEl>
+                                        <p:attrNameLst>
+                                          <p:attrName>style.visibility</p:attrName>
+                                        </p:attrNameLst>
+                                      </p:cBhvr>
+                                      <p:to>
+                                        <p:strVal val="visible"/>
+                                      </p:to>
+                                    </p:set>
+                                    <p:animEffect transition="in" filter="fade">
+                                      <p:cBhvr>
+                                        <p:cTn id="150" dur="500"/>
+                                        <p:tgtEl>
+                                          <p:spTgt spid="50"/>
+                                        </p:tgtEl>
+                                      </p:cBhvr>
+                                    </p:animEffect>
+                                  </p:childTnLst>
+                                </p:cTn>
+                              </p:par>
+                            </p:childTnLst>
+                          </p:cTn>
+                        </p:par>
+                      </p:childTnLst>
+                    </p:cTn>
+                  </p:par>
+                  <p:par>
+                    <p:cTn id="151" fill="hold">
+                      <p:stCondLst>
+                        <p:cond delay="indefinite"/>
+                      </p:stCondLst>
+                      <p:childTnLst>
+                        <p:par>
+                          <p:cTn id="152" fill="hold">
+                            <p:stCondLst>
+                              <p:cond delay="0"/>
+                            </p:stCondLst>
+                            <p:childTnLst>
+                              <p:par>
+                                <p:cTn id="153" presetID="10" presetClass="entr" presetSubtype="0" fill="hold" grpId="0" nodeType="clickEffect">
+                                  <p:stCondLst>
+                                    <p:cond delay="0"/>
+                                  </p:stCondLst>
+                                  <p:childTnLst>
+                                    <p:set>
+                                      <p:cBhvr>
+                                        <p:cTn id="154" dur="1" fill="hold">
+                                          <p:stCondLst>
+                                            <p:cond delay="0"/>
+                                          </p:stCondLst>
+                                        </p:cTn>
+                                        <p:tgtEl>
+                                          <p:spTgt spid="52"/>
+                                        </p:tgtEl>
+                                        <p:attrNameLst>
+                                          <p:attrName>style.visibility</p:attrName>
+                                        </p:attrNameLst>
+                                      </p:cBhvr>
+                                      <p:to>
+                                        <p:strVal val="visible"/>
+                                      </p:to>
+                                    </p:set>
+                                    <p:animEffect transition="in" filter="fade">
+                                      <p:cBhvr>
+                                        <p:cTn id="155" dur="500"/>
+                                        <p:tgtEl>
+                                          <p:spTgt spid="52"/>
+                                        </p:tgtEl>
+                                      </p:cBhvr>
+                                    </p:animEffect>
+                                  </p:childTnLst>
+                                </p:cTn>
+                              </p:par>
+                            </p:childTnLst>
+                          </p:cTn>
+                        </p:par>
+                      </p:childTnLst>
+                    </p:cTn>
+                  </p:par>
+                  <p:par>
+                    <p:cTn id="156" fill="hold">
+                      <p:stCondLst>
+                        <p:cond delay="indefinite"/>
+                      </p:stCondLst>
+                      <p:childTnLst>
+                        <p:par>
+                          <p:cTn id="157" fill="hold">
+                            <p:stCondLst>
+                              <p:cond delay="0"/>
+                            </p:stCondLst>
+                            <p:childTnLst>
+                              <p:par>
+                                <p:cTn id="158" presetID="10" presetClass="entr" presetSubtype="0" fill="hold" grpId="0" nodeType="clickEffect">
+                                  <p:stCondLst>
+                                    <p:cond delay="0"/>
+                                  </p:stCondLst>
+                                  <p:childTnLst>
+                                    <p:set>
+                                      <p:cBhvr>
+                                        <p:cTn id="159" dur="1" fill="hold">
+                                          <p:stCondLst>
+                                            <p:cond delay="0"/>
+                                          </p:stCondLst>
+                                        </p:cTn>
+                                        <p:tgtEl>
+                                          <p:spTgt spid="54"/>
+                                        </p:tgtEl>
+                                        <p:attrNameLst>
+                                          <p:attrName>style.visibility</p:attrName>
+                                        </p:attrNameLst>
+                                      </p:cBhvr>
+                                      <p:to>
+                                        <p:strVal val="visible"/>
+                                      </p:to>
+                                    </p:set>
+                                    <p:animEffect transition="in" filter="fade">
+                                      <p:cBhvr>
+                                        <p:cTn id="160" dur="500"/>
+                                        <p:tgtEl>
+                                          <p:spTgt spid="54"/>
+                                        </p:tgtEl>
+                                      </p:cBhvr>
+                                    </p:animEffect>
+                                  </p:childTnLst>
+                                </p:cTn>
+                              </p:par>
+                            </p:childTnLst>
+                          </p:cTn>
+                        </p:par>
+                      </p:childTnLst>
+                    </p:cTn>
+                  </p:par>
+                  <p:par>
+                    <p:cTn id="161" fill="hold">
+                      <p:stCondLst>
+                        <p:cond delay="indefinite"/>
+                      </p:stCondLst>
+                      <p:childTnLst>
+                        <p:par>
+                          <p:cTn id="162" fill="hold">
+                            <p:stCondLst>
+                              <p:cond delay="0"/>
+                            </p:stCondLst>
+                            <p:childTnLst>
+                              <p:par>
+                                <p:cTn id="163" presetID="10" presetClass="entr" presetSubtype="0" fill="hold" grpId="0" nodeType="clickEffect">
+                                  <p:stCondLst>
+                                    <p:cond delay="0"/>
+                                  </p:stCondLst>
+                                  <p:childTnLst>
+                                    <p:set>
+                                      <p:cBhvr>
+                                        <p:cTn id="164" dur="1" fill="hold">
+                                          <p:stCondLst>
+                                            <p:cond delay="0"/>
+                                          </p:stCondLst>
+                                        </p:cTn>
+                                        <p:tgtEl>
+                                          <p:spTgt spid="56"/>
+                                        </p:tgtEl>
+                                        <p:attrNameLst>
+                                          <p:attrName>style.visibility</p:attrName>
+                                        </p:attrNameLst>
+                                      </p:cBhvr>
+                                      <p:to>
+                                        <p:strVal val="visible"/>
+                                      </p:to>
+                                    </p:set>
+                                    <p:animEffect transition="in" filter="fade">
+                                      <p:cBhvr>
+                                        <p:cTn id="165" dur="500"/>
+                                        <p:tgtEl>
+                                          <p:spTgt spid="56"/>
+                                        </p:tgtEl>
+                                      </p:cBhvr>
+                                    </p:animEffect>
+                                  </p:childTnLst>
+                                </p:cTn>
+                              </p:par>
+                            </p:childTnLst>
+                          </p:cTn>
+                        </p:par>
+                      </p:childTnLst>
+                    </p:cTn>
+                  </p:par>
+                  <p:par>
+                    <p:cTn id="166" fill="hold">
+                      <p:stCondLst>
+                        <p:cond delay="indefinite"/>
+                      </p:stCondLst>
+                      <p:childTnLst>
+                        <p:par>
+                          <p:cTn id="167" fill="hold">
+                            <p:stCondLst>
+                              <p:cond delay="0"/>
+                            </p:stCondLst>
+                            <p:childTnLst>
+                              <p:par>
+                                <p:cTn id="168" presetID="10" presetClass="exit" presetSubtype="0" fill="hold" grpId="1" nodeType="clickEffect">
+                                  <p:stCondLst>
+                                    <p:cond delay="0"/>
+                                  </p:stCondLst>
+                                  <p:childTnLst>
+                                    <p:animEffect transition="out" filter="fade">
+                                      <p:cBhvr>
+                                        <p:cTn id="169" dur="500"/>
+                                        <p:tgtEl>
+                                          <p:spTgt spid="50"/>
+                                        </p:tgtEl>
+                                      </p:cBhvr>
+                                    </p:animEffect>
+                                    <p:set>
+                                      <p:cBhvr>
+                                        <p:cTn id="170" dur="1" fill="hold">
+                                          <p:stCondLst>
+                                            <p:cond delay="499"/>
+                                          </p:stCondLst>
+                                        </p:cTn>
+                                        <p:tgtEl>
+                                          <p:spTgt spid="50"/>
+                                        </p:tgtEl>
+                                        <p:attrNameLst>
+                                          <p:attrName>style.visibility</p:attrName>
+                                        </p:attrNameLst>
+                                      </p:cBhvr>
+                                      <p:to>
+                                        <p:strVal val="hidden"/>
+                                      </p:to>
+                                    </p:set>
+                                  </p:childTnLst>
+                                </p:cTn>
+                              </p:par>
+                              <p:par>
+                                <p:cTn id="171" presetID="10" presetClass="exit" presetSubtype="0" fill="hold" grpId="1" nodeType="withEffect">
+                                  <p:stCondLst>
+                                    <p:cond delay="0"/>
+                                  </p:stCondLst>
+                                  <p:childTnLst>
+                                    <p:animEffect transition="out" filter="fade">
+                                      <p:cBhvr>
+                                        <p:cTn id="172" dur="500"/>
+                                        <p:tgtEl>
+                                          <p:spTgt spid="52"/>
+                                        </p:tgtEl>
+                                      </p:cBhvr>
+                                    </p:animEffect>
+                                    <p:set>
+                                      <p:cBhvr>
+                                        <p:cTn id="173" dur="1" fill="hold">
+                                          <p:stCondLst>
+                                            <p:cond delay="499"/>
+                                          </p:stCondLst>
+                                        </p:cTn>
+                                        <p:tgtEl>
+                                          <p:spTgt spid="52"/>
+                                        </p:tgtEl>
+                                        <p:attrNameLst>
+                                          <p:attrName>style.visibility</p:attrName>
+                                        </p:attrNameLst>
+                                      </p:cBhvr>
+                                      <p:to>
+                                        <p:strVal val="hidden"/>
+                                      </p:to>
+                                    </p:set>
+                                  </p:childTnLst>
+                                </p:cTn>
+                              </p:par>
+                              <p:par>
+                                <p:cTn id="174" presetID="10" presetClass="exit" presetSubtype="0" fill="hold" grpId="1" nodeType="withEffect">
+                                  <p:stCondLst>
+                                    <p:cond delay="0"/>
+                                  </p:stCondLst>
+                                  <p:childTnLst>
+                                    <p:animEffect transition="out" filter="fade">
+                                      <p:cBhvr>
+                                        <p:cTn id="175" dur="500"/>
+                                        <p:tgtEl>
+                                          <p:spTgt spid="56"/>
+                                        </p:tgtEl>
+                                      </p:cBhvr>
+                                    </p:animEffect>
+                                    <p:set>
+                                      <p:cBhvr>
+                                        <p:cTn id="176" dur="1" fill="hold">
+                                          <p:stCondLst>
+                                            <p:cond delay="499"/>
+                                          </p:stCondLst>
+                                        </p:cTn>
+                                        <p:tgtEl>
+                                          <p:spTgt spid="56"/>
+                                        </p:tgtEl>
+                                        <p:attrNameLst>
+                                          <p:attrName>style.visibility</p:attrName>
+                                        </p:attrNameLst>
+                                      </p:cBhvr>
+                                      <p:to>
+                                        <p:strVal val="hidden"/>
+                                      </p:to>
+                                    </p:set>
+                                  </p:childTnLst>
+                                </p:cTn>
+                              </p:par>
+                            </p:childTnLst>
+                          </p:cTn>
+                        </p:par>
+                      </p:childTnLst>
+                    </p:cTn>
+                  </p:par>
+                </p:childTnLst>
+              </p:cTn>
+              <p:prevCondLst>
+                <p:cond evt="onPrev" delay="0">
+                  <p:tgtEl>
+                    <p:sldTgt/>
+                  </p:tgtEl>
+                </p:cond>
+              </p:prevCondLst>
+              <p:nextCondLst>
+                <p:cond evt="onNext" delay="0">
+                  <p:tgtEl>
+                    <p:sldTgt/>
+                  </p:tgtEl>
+                </p:cond>
+              </p:nextCondLst>
+            </p:seq>
+          </p:childTnLst>
+        </p:cTn>
+      </p:par>
+    </p:tnLst>
+    <p:bldLst>
+      <p:bldP spid="11" grpId="0" animBg="1"/>
+      <p:bldP spid="18" grpId="0" animBg="1"/>
+      <p:bldP spid="19" grpId="0" animBg="1"/>
+      <p:bldP spid="29" grpId="0" animBg="1"/>
+      <p:bldP spid="30" grpId="0" animBg="1"/>
+      <p:bldP spid="31" grpId="0" animBg="1"/>
+      <p:bldP spid="31" grpId="1" animBg="1"/>
+      <p:bldP spid="36" grpId="0" animBg="1"/>
+      <p:bldP spid="37" grpId="0" animBg="1"/>
+      <p:bldP spid="37" grpId="1" animBg="1"/>
+      <p:bldP spid="38" grpId="0" animBg="1"/>
+      <p:bldP spid="38" grpId="1" animBg="1"/>
+      <p:bldP spid="39" grpId="0" animBg="1"/>
+      <p:bldP spid="40" grpId="0" animBg="1"/>
+      <p:bldP spid="40" grpId="1" animBg="1"/>
+      <p:bldP spid="41" grpId="0" animBg="1"/>
+      <p:bldP spid="41" grpId="1" animBg="1"/>
+      <p:bldP spid="42" grpId="0" animBg="1"/>
+      <p:bldP spid="42" grpId="1" animBg="1"/>
+      <p:bldP spid="43" grpId="0" animBg="1"/>
+      <p:bldP spid="44" grpId="0" animBg="1"/>
+      <p:bldP spid="45" grpId="0" animBg="1"/>
+      <p:bldP spid="49" grpId="0" animBg="1"/>
+      <p:bldP spid="49" grpId="1" animBg="1"/>
+      <p:bldP spid="50" grpId="0" animBg="1"/>
+      <p:bldP spid="50" grpId="1" animBg="1"/>
+      <p:bldP spid="51" grpId="0" animBg="1"/>
+      <p:bldP spid="51" grpId="1" animBg="1"/>
+      <p:bldP spid="52" grpId="0" animBg="1"/>
+      <p:bldP spid="52" grpId="1" animBg="1"/>
+      <p:bldP spid="53" grpId="0" animBg="1"/>
+      <p:bldP spid="54" grpId="0" animBg="1"/>
+      <p:bldP spid="55" grpId="0" animBg="1"/>
+      <p:bldP spid="55" grpId="1" animBg="1"/>
+      <p:bldP spid="56" grpId="0" animBg="1"/>
+      <p:bldP spid="56" grpId="1" animBg="1"/>
+    </p:bldLst>
+  </p:timing>
+</p:sld>
+</file>
+
 <file path=ppt/slides/slide2.xml><?xml version="1.0" encoding="utf-8"?>
 <p:sld xmlns:a="http://schemas.openxmlformats.org/drawingml/2006/main" xmlns:r="http://schemas.openxmlformats.org/officeDocument/2006/relationships" xmlns:p="http://schemas.openxmlformats.org/presentationml/2006/main">
   <p:cSld>
@@ -20543,6 +24341,15 @@
 </file>
 
 <file path=customXml/item2.xml><?xml version="1.0" encoding="utf-8"?>
+<?mso-contentType ?>
+<FormTemplates xmlns="http://schemas.microsoft.com/sharepoint/v3/contenttype/forms">
+  <Display>DocumentLibraryForm</Display>
+  <Edit>DocumentLibraryForm</Edit>
+  <New>DocumentLibraryForm</New>
+</FormTemplates>
+</file>
+
+<file path=customXml/item3.xml><?xml version="1.0" encoding="utf-8"?>
 <ct:contentTypeSchema xmlns:ct="http://schemas.microsoft.com/office/2006/metadata/contentType" xmlns:ma="http://schemas.microsoft.com/office/2006/metadata/properties/metaAttributes" ct:_="" ma:_="" ma:contentTypeName="Document" ma:contentTypeID="0x0101000AA0115B54226D469CC0FAAE38E5F61C" ma:contentTypeVersion="3" ma:contentTypeDescription="Create a new document." ma:contentTypeScope="" ma:versionID="0ae424bb0065d3a2a055b165aca25ec5">
   <xsd:schema xmlns:xsd="http://www.w3.org/2001/XMLSchema" xmlns:p="http://schemas.microsoft.com/office/2006/metadata/properties" targetNamespace="http://schemas.microsoft.com/office/2006/metadata/properties" ma:root="true" ma:fieldsID="4aeb20c0e3442673af7ee10786458764">
     <xsd:element name="properties">
@@ -20591,15 +24398,6 @@
 </ct:contentTypeSchema>
 </file>
 
-<file path=customXml/item3.xml><?xml version="1.0" encoding="utf-8"?>
-<?mso-contentType ?>
-<FormTemplates xmlns="http://schemas.microsoft.com/sharepoint/v3/contenttype/forms">
-  <Display>DocumentLibraryForm</Display>
-  <Edit>DocumentLibraryForm</Edit>
-  <New>DocumentLibraryForm</New>
-</FormTemplates>
-</file>
-
 <file path=customXml/itemProps1.xml><?xml version="1.0" encoding="utf-8"?>
 <ds:datastoreItem xmlns:ds="http://schemas.openxmlformats.org/officeDocument/2006/customXml" ds:itemID="{892A9AA9-F261-48C5-9DFB-0929A9F0E540}">
   <ds:schemaRefs>
@@ -20615,6 +24413,14 @@
 </file>
 
 <file path=customXml/itemProps2.xml><?xml version="1.0" encoding="utf-8"?>
+<ds:datastoreItem xmlns:ds="http://schemas.openxmlformats.org/officeDocument/2006/customXml" ds:itemID="{A1770BF7-49D5-46D6-8B76-1D8AF290B450}">
+  <ds:schemaRefs>
+    <ds:schemaRef ds:uri="http://schemas.microsoft.com/sharepoint/v3/contenttype/forms"/>
+  </ds:schemaRefs>
+</ds:datastoreItem>
+</file>
+
+<file path=customXml/itemProps3.xml><?xml version="1.0" encoding="utf-8"?>
 <ds:datastoreItem xmlns:ds="http://schemas.openxmlformats.org/officeDocument/2006/customXml" ds:itemID="{FE6BB287-9CB7-4AA6-A5A5-8D1CE03643F3}">
   <ds:schemaRefs>
     <ds:schemaRef ds:uri="http://schemas.microsoft.com/office/2006/metadata/contentType"/>
@@ -20627,12 +24433,4 @@
     <ds:schemaRef ds:uri="http://schemas.microsoft.com/office/internal/2005/internalDocumentation"/>
   </ds:schemaRefs>
 </ds:datastoreItem>
-</file>
-
-<file path=customXml/itemProps3.xml><?xml version="1.0" encoding="utf-8"?>
-<ds:datastoreItem xmlns:ds="http://schemas.openxmlformats.org/officeDocument/2006/customXml" ds:itemID="{A1770BF7-49D5-46D6-8B76-1D8AF290B450}">
-  <ds:schemaRefs>
-    <ds:schemaRef ds:uri="http://schemas.microsoft.com/sharepoint/v3/contenttype/forms"/>
-  </ds:schemaRefs>
-</ds:datastoreItem>
 </file>
--- a/source/_assets/Blog動畫.pptx
+++ b/source/_assets/Blog動畫.pptx
@@ -5,10 +5,10 @@
     <p:sldMasterId id="2147483752" r:id="rId4"/>
   </p:sldMasterIdLst>
   <p:notesMasterIdLst>
-    <p:notesMasterId r:id="rId18"/>
+    <p:notesMasterId r:id="rId20"/>
   </p:notesMasterIdLst>
   <p:handoutMasterIdLst>
-    <p:handoutMasterId r:id="rId19"/>
+    <p:handoutMasterId r:id="rId21"/>
   </p:handoutMasterIdLst>
   <p:sldIdLst>
     <p:sldId id="315" r:id="rId5"/>
@@ -24,6 +24,8 @@
     <p:sldId id="325" r:id="rId15"/>
     <p:sldId id="326" r:id="rId16"/>
     <p:sldId id="327" r:id="rId17"/>
+    <p:sldId id="328" r:id="rId18"/>
+    <p:sldId id="329" r:id="rId19"/>
   </p:sldIdLst>
   <p:sldSz cx="12192000" cy="6858000"/>
   <p:notesSz cx="7099300" cy="10234613"/>
@@ -238,7 +240,7 @@
             <a:fld id="{3CDD3A71-4C75-488C-A8F3-A1F163ED0DB9}" type="datetimeFigureOut">
               <a:rPr lang="en-US" smtClean="0"/>
               <a:pPr/>
-              <a:t>6/28/2017</a:t>
+              <a:t>7/4/2017</a:t>
             </a:fld>
             <a:endParaRPr lang="en-US" dirty="0"/>
           </a:p>
@@ -406,7 +408,7 @@
             <a:fld id="{523CC419-8FB3-4D1C-8127-E63C1A13459D}" type="datetimeFigureOut">
               <a:rPr lang="en-US" smtClean="0"/>
               <a:pPr/>
-              <a:t>6/28/2017</a:t>
+              <a:t>7/4/2017</a:t>
             </a:fld>
             <a:endParaRPr lang="en-US" dirty="0"/>
           </a:p>
@@ -809,7 +811,7 @@
           <a:p>
             <a:fld id="{237FF733-248C-4CF7-A090-89CF012E357B}" type="datetimeFigureOut">
               <a:rPr lang="zh-TW" altLang="en-US" smtClean="0"/>
-              <a:t>2017/6/28</a:t>
+              <a:t>2017/7/4</a:t>
             </a:fld>
             <a:endParaRPr lang="zh-TW" altLang="en-US"/>
           </a:p>
@@ -980,7 +982,7 @@
           <a:p>
             <a:fld id="{237FF733-248C-4CF7-A090-89CF012E357B}" type="datetimeFigureOut">
               <a:rPr lang="zh-TW" altLang="en-US" smtClean="0"/>
-              <a:t>2017/6/28</a:t>
+              <a:t>2017/7/4</a:t>
             </a:fld>
             <a:endParaRPr lang="zh-TW" altLang="en-US"/>
           </a:p>
@@ -1161,7 +1163,7 @@
           <a:p>
             <a:fld id="{237FF733-248C-4CF7-A090-89CF012E357B}" type="datetimeFigureOut">
               <a:rPr lang="zh-TW" altLang="en-US" smtClean="0"/>
-              <a:t>2017/6/28</a:t>
+              <a:t>2017/7/4</a:t>
             </a:fld>
             <a:endParaRPr lang="zh-TW" altLang="en-US"/>
           </a:p>
@@ -1332,7 +1334,7 @@
           <a:p>
             <a:fld id="{237FF733-248C-4CF7-A090-89CF012E357B}" type="datetimeFigureOut">
               <a:rPr lang="zh-TW" altLang="en-US" smtClean="0"/>
-              <a:t>2017/6/28</a:t>
+              <a:t>2017/7/4</a:t>
             </a:fld>
             <a:endParaRPr lang="zh-TW" altLang="en-US"/>
           </a:p>
@@ -1579,7 +1581,7 @@
           <a:p>
             <a:fld id="{237FF733-248C-4CF7-A090-89CF012E357B}" type="datetimeFigureOut">
               <a:rPr lang="zh-TW" altLang="en-US" smtClean="0"/>
-              <a:t>2017/6/28</a:t>
+              <a:t>2017/7/4</a:t>
             </a:fld>
             <a:endParaRPr lang="zh-TW" altLang="en-US"/>
           </a:p>
@@ -1812,7 +1814,7 @@
           <a:p>
             <a:fld id="{237FF733-248C-4CF7-A090-89CF012E357B}" type="datetimeFigureOut">
               <a:rPr lang="zh-TW" altLang="en-US" smtClean="0"/>
-              <a:t>2017/6/28</a:t>
+              <a:t>2017/7/4</a:t>
             </a:fld>
             <a:endParaRPr lang="zh-TW" altLang="en-US"/>
           </a:p>
@@ -2180,7 +2182,7 @@
           <a:p>
             <a:fld id="{237FF733-248C-4CF7-A090-89CF012E357B}" type="datetimeFigureOut">
               <a:rPr lang="zh-TW" altLang="en-US" smtClean="0"/>
-              <a:t>2017/6/28</a:t>
+              <a:t>2017/7/4</a:t>
             </a:fld>
             <a:endParaRPr lang="zh-TW" altLang="en-US"/>
           </a:p>
@@ -2299,7 +2301,7 @@
           <a:p>
             <a:fld id="{237FF733-248C-4CF7-A090-89CF012E357B}" type="datetimeFigureOut">
               <a:rPr lang="zh-TW" altLang="en-US" smtClean="0"/>
-              <a:t>2017/6/28</a:t>
+              <a:t>2017/7/4</a:t>
             </a:fld>
             <a:endParaRPr lang="zh-TW" altLang="en-US"/>
           </a:p>
@@ -2395,7 +2397,7 @@
           <a:p>
             <a:fld id="{237FF733-248C-4CF7-A090-89CF012E357B}" type="datetimeFigureOut">
               <a:rPr lang="zh-TW" altLang="en-US" smtClean="0"/>
-              <a:t>2017/6/28</a:t>
+              <a:t>2017/7/4</a:t>
             </a:fld>
             <a:endParaRPr lang="zh-TW" altLang="en-US"/>
           </a:p>
@@ -2673,7 +2675,7 @@
           <a:p>
             <a:fld id="{237FF733-248C-4CF7-A090-89CF012E357B}" type="datetimeFigureOut">
               <a:rPr lang="zh-TW" altLang="en-US" smtClean="0"/>
-              <a:t>2017/6/28</a:t>
+              <a:t>2017/7/4</a:t>
             </a:fld>
             <a:endParaRPr lang="zh-TW" altLang="en-US"/>
           </a:p>
@@ -2931,7 +2933,7 @@
           <a:p>
             <a:fld id="{237FF733-248C-4CF7-A090-89CF012E357B}" type="datetimeFigureOut">
               <a:rPr lang="zh-TW" altLang="en-US" smtClean="0"/>
-              <a:t>2017/6/28</a:t>
+              <a:t>2017/7/4</a:t>
             </a:fld>
             <a:endParaRPr lang="zh-TW" altLang="en-US"/>
           </a:p>
@@ -3145,7 +3147,7 @@
           <a:p>
             <a:fld id="{237FF733-248C-4CF7-A090-89CF012E357B}" type="datetimeFigureOut">
               <a:rPr lang="zh-TW" altLang="en-US" smtClean="0"/>
-              <a:t>2017/6/28</a:t>
+              <a:t>2017/7/4</a:t>
             </a:fld>
             <a:endParaRPr lang="zh-TW" altLang="en-US"/>
           </a:p>
@@ -11520,6 +11522,1890 @@
 </p:sld>
 </file>
 
+<file path=ppt/slides/slide14.xml><?xml version="1.0" encoding="utf-8"?>
+<p:sld xmlns:a="http://schemas.openxmlformats.org/drawingml/2006/main" xmlns:r="http://schemas.openxmlformats.org/officeDocument/2006/relationships" xmlns:p="http://schemas.openxmlformats.org/presentationml/2006/main">
+  <p:cSld>
+    <p:spTree>
+      <p:nvGrpSpPr>
+        <p:cNvPr id="1" name=""/>
+        <p:cNvGrpSpPr/>
+        <p:nvPr/>
+      </p:nvGrpSpPr>
+      <p:grpSpPr>
+        <a:xfrm>
+          <a:off x="0" y="0"/>
+          <a:ext cx="0" cy="0"/>
+          <a:chOff x="0" y="0"/>
+          <a:chExt cx="0" cy="0"/>
+        </a:xfrm>
+      </p:grpSpPr>
+      <p:sp>
+        <p:nvSpPr>
+          <p:cNvPr id="5" name="矩形 4"/>
+          <p:cNvSpPr/>
+          <p:nvPr/>
+        </p:nvSpPr>
+        <p:spPr>
+          <a:xfrm>
+            <a:off x="1333170" y="457200"/>
+            <a:ext cx="2520000" cy="4320000"/>
+          </a:xfrm>
+          <a:prstGeom prst="rect">
+            <a:avLst/>
+          </a:prstGeom>
+          <a:noFill/>
+          <a:ln w="38100">
+            <a:solidFill>
+              <a:schemeClr val="tx1"/>
+            </a:solidFill>
+          </a:ln>
+        </p:spPr>
+        <p:style>
+          <a:lnRef idx="2">
+            <a:schemeClr val="accent1">
+              <a:shade val="50000"/>
+            </a:schemeClr>
+          </a:lnRef>
+          <a:fillRef idx="1">
+            <a:schemeClr val="accent1"/>
+          </a:fillRef>
+          <a:effectRef idx="0">
+            <a:schemeClr val="accent1"/>
+          </a:effectRef>
+          <a:fontRef idx="minor">
+            <a:schemeClr val="lt1"/>
+          </a:fontRef>
+        </p:style>
+        <p:txBody>
+          <a:bodyPr rtlCol="0" anchor="ctr"/>
+          <a:lstStyle/>
+          <a:p>
+            <a:pPr algn="ctr"/>
+            <a:endParaRPr lang="zh-TW" altLang="en-US"/>
+          </a:p>
+        </p:txBody>
+      </p:sp>
+      <p:sp>
+        <p:nvSpPr>
+          <p:cNvPr id="6" name="矩形 5"/>
+          <p:cNvSpPr/>
+          <p:nvPr/>
+        </p:nvSpPr>
+        <p:spPr>
+          <a:xfrm>
+            <a:off x="3857400" y="457200"/>
+            <a:ext cx="2520000" cy="4320000"/>
+          </a:xfrm>
+          <a:prstGeom prst="rect">
+            <a:avLst/>
+          </a:prstGeom>
+          <a:noFill/>
+          <a:ln w="38100">
+            <a:solidFill>
+              <a:schemeClr val="tx1"/>
+            </a:solidFill>
+          </a:ln>
+        </p:spPr>
+        <p:style>
+          <a:lnRef idx="2">
+            <a:schemeClr val="accent1">
+              <a:shade val="50000"/>
+            </a:schemeClr>
+          </a:lnRef>
+          <a:fillRef idx="1">
+            <a:schemeClr val="accent1"/>
+          </a:fillRef>
+          <a:effectRef idx="0">
+            <a:schemeClr val="accent1"/>
+          </a:effectRef>
+          <a:fontRef idx="minor">
+            <a:schemeClr val="lt1"/>
+          </a:fontRef>
+        </p:style>
+        <p:txBody>
+          <a:bodyPr rtlCol="0" anchor="ctr"/>
+          <a:lstStyle/>
+          <a:p>
+            <a:pPr algn="ctr"/>
+            <a:endParaRPr lang="zh-TW" altLang="en-US"/>
+          </a:p>
+        </p:txBody>
+      </p:sp>
+      <p:sp>
+        <p:nvSpPr>
+          <p:cNvPr id="7" name="矩形 6"/>
+          <p:cNvSpPr/>
+          <p:nvPr/>
+        </p:nvSpPr>
+        <p:spPr>
+          <a:xfrm>
+            <a:off x="6377400" y="457200"/>
+            <a:ext cx="2520000" cy="4320000"/>
+          </a:xfrm>
+          <a:prstGeom prst="rect">
+            <a:avLst/>
+          </a:prstGeom>
+          <a:noFill/>
+          <a:ln w="38100">
+            <a:solidFill>
+              <a:schemeClr val="tx1"/>
+            </a:solidFill>
+          </a:ln>
+        </p:spPr>
+        <p:style>
+          <a:lnRef idx="2">
+            <a:schemeClr val="accent1">
+              <a:shade val="50000"/>
+            </a:schemeClr>
+          </a:lnRef>
+          <a:fillRef idx="1">
+            <a:schemeClr val="accent1"/>
+          </a:fillRef>
+          <a:effectRef idx="0">
+            <a:schemeClr val="accent1"/>
+          </a:effectRef>
+          <a:fontRef idx="minor">
+            <a:schemeClr val="lt1"/>
+          </a:fontRef>
+        </p:style>
+        <p:txBody>
+          <a:bodyPr rtlCol="0" anchor="ctr"/>
+          <a:lstStyle/>
+          <a:p>
+            <a:pPr algn="ctr"/>
+            <a:endParaRPr lang="zh-TW" altLang="en-US"/>
+          </a:p>
+        </p:txBody>
+      </p:sp>
+      <p:sp>
+        <p:nvSpPr>
+          <p:cNvPr id="9" name="文字方塊 8"/>
+          <p:cNvSpPr txBox="1"/>
+          <p:nvPr/>
+        </p:nvSpPr>
+        <p:spPr>
+          <a:xfrm>
+            <a:off x="1333170" y="457200"/>
+            <a:ext cx="2520000" cy="461665"/>
+          </a:xfrm>
+          <a:prstGeom prst="rect">
+            <a:avLst/>
+          </a:prstGeom>
+          <a:noFill/>
+        </p:spPr>
+        <p:txBody>
+          <a:bodyPr wrap="square" rtlCol="0">
+            <a:spAutoFit/>
+          </a:bodyPr>
+          <a:lstStyle/>
+          <a:p>
+            <a:pPr algn="ctr"/>
+            <a:r>
+              <a:rPr lang="en-US" altLang="zh-TW" sz="2400" b="1" dirty="0" smtClean="0">
+                <a:solidFill>
+                  <a:srgbClr val="FF0000"/>
+                </a:solidFill>
+              </a:rPr>
+              <a:t>Mad</a:t>
+            </a:r>
+            <a:endParaRPr lang="zh-TW" altLang="en-US" sz="2400" b="1" dirty="0">
+              <a:solidFill>
+                <a:srgbClr val="FF0000"/>
+              </a:solidFill>
+            </a:endParaRPr>
+          </a:p>
+        </p:txBody>
+      </p:sp>
+      <p:sp>
+        <p:nvSpPr>
+          <p:cNvPr id="11" name="文字方塊 10"/>
+          <p:cNvSpPr txBox="1"/>
+          <p:nvPr/>
+        </p:nvSpPr>
+        <p:spPr>
+          <a:xfrm>
+            <a:off x="3857400" y="457199"/>
+            <a:ext cx="2520000" cy="461665"/>
+          </a:xfrm>
+          <a:prstGeom prst="rect">
+            <a:avLst/>
+          </a:prstGeom>
+          <a:noFill/>
+        </p:spPr>
+        <p:txBody>
+          <a:bodyPr wrap="square" rtlCol="0">
+            <a:spAutoFit/>
+          </a:bodyPr>
+          <a:lstStyle/>
+          <a:p>
+            <a:pPr algn="ctr"/>
+            <a:r>
+              <a:rPr lang="en-US" altLang="zh-TW" sz="2400" b="1" dirty="0" smtClean="0">
+                <a:solidFill>
+                  <a:srgbClr val="0070C0"/>
+                </a:solidFill>
+              </a:rPr>
+              <a:t>Sad</a:t>
+            </a:r>
+            <a:endParaRPr lang="zh-TW" altLang="en-US" sz="2400" b="1" dirty="0">
+              <a:solidFill>
+                <a:srgbClr val="0070C0"/>
+              </a:solidFill>
+            </a:endParaRPr>
+          </a:p>
+        </p:txBody>
+      </p:sp>
+      <p:sp>
+        <p:nvSpPr>
+          <p:cNvPr id="12" name="文字方塊 11"/>
+          <p:cNvSpPr txBox="1"/>
+          <p:nvPr/>
+        </p:nvSpPr>
+        <p:spPr>
+          <a:xfrm>
+            <a:off x="6377400" y="457199"/>
+            <a:ext cx="2520000" cy="461665"/>
+          </a:xfrm>
+          <a:prstGeom prst="rect">
+            <a:avLst/>
+          </a:prstGeom>
+          <a:noFill/>
+        </p:spPr>
+        <p:txBody>
+          <a:bodyPr wrap="square" rtlCol="0">
+            <a:spAutoFit/>
+          </a:bodyPr>
+          <a:lstStyle/>
+          <a:p>
+            <a:pPr algn="ctr"/>
+            <a:r>
+              <a:rPr lang="en-US" altLang="zh-TW" sz="2400" b="1" dirty="0" smtClean="0">
+                <a:solidFill>
+                  <a:srgbClr val="00B050"/>
+                </a:solidFill>
+              </a:rPr>
+              <a:t>Glad</a:t>
+            </a:r>
+            <a:endParaRPr lang="zh-TW" altLang="en-US" sz="2400" b="1" dirty="0">
+              <a:solidFill>
+                <a:srgbClr val="00B050"/>
+              </a:solidFill>
+            </a:endParaRPr>
+          </a:p>
+        </p:txBody>
+      </p:sp>
+      <p:pic>
+        <p:nvPicPr>
+          <p:cNvPr id="14" name="Picture 2" descr="note, post it, postit icon"/>
+          <p:cNvPicPr>
+            <a:picLocks noChangeAspect="1" noChangeArrowheads="1"/>
+          </p:cNvPicPr>
+          <p:nvPr/>
+        </p:nvPicPr>
+        <p:blipFill>
+          <a:blip r:embed="rId2">
+            <a:extLst>
+              <a:ext uri="{28A0092B-C50C-407E-A947-70E740481C1C}">
+                <a14:useLocalDpi xmlns:a14="http://schemas.microsoft.com/office/drawing/2010/main" val="0"/>
+              </a:ext>
+            </a:extLst>
+          </a:blip>
+          <a:srcRect/>
+          <a:stretch>
+            <a:fillRect/>
+          </a:stretch>
+        </p:blipFill>
+        <p:spPr bwMode="auto">
+          <a:xfrm>
+            <a:off x="1769599" y="3311634"/>
+            <a:ext cx="556009" cy="556010"/>
+          </a:xfrm>
+          <a:prstGeom prst="rect">
+            <a:avLst/>
+          </a:prstGeom>
+          <a:noFill/>
+          <a:extLst>
+            <a:ext uri="{909E8E84-426E-40DD-AFC4-6F175D3DCCD1}">
+              <a14:hiddenFill xmlns:a14="http://schemas.microsoft.com/office/drawing/2010/main">
+                <a:solidFill>
+                  <a:srgbClr val="FFFFFF"/>
+                </a:solidFill>
+              </a14:hiddenFill>
+            </a:ext>
+          </a:extLst>
+        </p:spPr>
+      </p:pic>
+      <p:pic>
+        <p:nvPicPr>
+          <p:cNvPr id="15" name="Picture 2" descr="note, post it, postit icon"/>
+          <p:cNvPicPr>
+            <a:picLocks noChangeAspect="1" noChangeArrowheads="1"/>
+          </p:cNvPicPr>
+          <p:nvPr/>
+        </p:nvPicPr>
+        <p:blipFill>
+          <a:blip r:embed="rId2">
+            <a:extLst>
+              <a:ext uri="{28A0092B-C50C-407E-A947-70E740481C1C}">
+                <a14:useLocalDpi xmlns:a14="http://schemas.microsoft.com/office/drawing/2010/main" val="0"/>
+              </a:ext>
+            </a:extLst>
+          </a:blip>
+          <a:srcRect/>
+          <a:stretch>
+            <a:fillRect/>
+          </a:stretch>
+        </p:blipFill>
+        <p:spPr bwMode="auto">
+          <a:xfrm>
+            <a:off x="1781194" y="1602319"/>
+            <a:ext cx="556009" cy="556010"/>
+          </a:xfrm>
+          <a:prstGeom prst="rect">
+            <a:avLst/>
+          </a:prstGeom>
+          <a:noFill/>
+          <a:extLst>
+            <a:ext uri="{909E8E84-426E-40DD-AFC4-6F175D3DCCD1}">
+              <a14:hiddenFill xmlns:a14="http://schemas.microsoft.com/office/drawing/2010/main">
+                <a:solidFill>
+                  <a:srgbClr val="FFFFFF"/>
+                </a:solidFill>
+              </a14:hiddenFill>
+            </a:ext>
+          </a:extLst>
+        </p:spPr>
+      </p:pic>
+      <p:pic>
+        <p:nvPicPr>
+          <p:cNvPr id="16" name="Picture 2" descr="note, post it, postit icon"/>
+          <p:cNvPicPr>
+            <a:picLocks noChangeAspect="1" noChangeArrowheads="1"/>
+          </p:cNvPicPr>
+          <p:nvPr/>
+        </p:nvPicPr>
+        <p:blipFill>
+          <a:blip r:embed="rId2">
+            <a:extLst>
+              <a:ext uri="{28A0092B-C50C-407E-A947-70E740481C1C}">
+                <a14:useLocalDpi xmlns:a14="http://schemas.microsoft.com/office/drawing/2010/main" val="0"/>
+              </a:ext>
+            </a:extLst>
+          </a:blip>
+          <a:srcRect/>
+          <a:stretch>
+            <a:fillRect/>
+          </a:stretch>
+        </p:blipFill>
+        <p:spPr bwMode="auto">
+          <a:xfrm>
+            <a:off x="3096764" y="2187177"/>
+            <a:ext cx="556009" cy="556010"/>
+          </a:xfrm>
+          <a:prstGeom prst="rect">
+            <a:avLst/>
+          </a:prstGeom>
+          <a:noFill/>
+          <a:extLst>
+            <a:ext uri="{909E8E84-426E-40DD-AFC4-6F175D3DCCD1}">
+              <a14:hiddenFill xmlns:a14="http://schemas.microsoft.com/office/drawing/2010/main">
+                <a:solidFill>
+                  <a:srgbClr val="FFFFFF"/>
+                </a:solidFill>
+              </a14:hiddenFill>
+            </a:ext>
+          </a:extLst>
+        </p:spPr>
+      </p:pic>
+      <p:pic>
+        <p:nvPicPr>
+          <p:cNvPr id="17" name="Picture 2" descr="note, post it, postit icon"/>
+          <p:cNvPicPr>
+            <a:picLocks noChangeAspect="1" noChangeArrowheads="1"/>
+          </p:cNvPicPr>
+          <p:nvPr/>
+        </p:nvPicPr>
+        <p:blipFill>
+          <a:blip r:embed="rId2">
+            <a:extLst>
+              <a:ext uri="{28A0092B-C50C-407E-A947-70E740481C1C}">
+                <a14:useLocalDpi xmlns:a14="http://schemas.microsoft.com/office/drawing/2010/main" val="0"/>
+              </a:ext>
+            </a:extLst>
+          </a:blip>
+          <a:srcRect/>
+          <a:stretch>
+            <a:fillRect/>
+          </a:stretch>
+        </p:blipFill>
+        <p:spPr bwMode="auto">
+          <a:xfrm>
+            <a:off x="2553880" y="1631167"/>
+            <a:ext cx="556009" cy="556010"/>
+          </a:xfrm>
+          <a:prstGeom prst="rect">
+            <a:avLst/>
+          </a:prstGeom>
+          <a:noFill/>
+          <a:extLst>
+            <a:ext uri="{909E8E84-426E-40DD-AFC4-6F175D3DCCD1}">
+              <a14:hiddenFill xmlns:a14="http://schemas.microsoft.com/office/drawing/2010/main">
+                <a:solidFill>
+                  <a:srgbClr val="FFFFFF"/>
+                </a:solidFill>
+              </a14:hiddenFill>
+            </a:ext>
+          </a:extLst>
+        </p:spPr>
+      </p:pic>
+      <p:pic>
+        <p:nvPicPr>
+          <p:cNvPr id="18" name="Picture 2" descr="note, post it, postit icon"/>
+          <p:cNvPicPr>
+            <a:picLocks noChangeAspect="1" noChangeArrowheads="1"/>
+          </p:cNvPicPr>
+          <p:nvPr/>
+        </p:nvPicPr>
+        <p:blipFill>
+          <a:blip r:embed="rId2">
+            <a:extLst>
+              <a:ext uri="{28A0092B-C50C-407E-A947-70E740481C1C}">
+                <a14:useLocalDpi xmlns:a14="http://schemas.microsoft.com/office/drawing/2010/main" val="0"/>
+              </a:ext>
+            </a:extLst>
+          </a:blip>
+          <a:srcRect/>
+          <a:stretch>
+            <a:fillRect/>
+          </a:stretch>
+        </p:blipFill>
+        <p:spPr bwMode="auto">
+          <a:xfrm>
+            <a:off x="2998430" y="2899479"/>
+            <a:ext cx="556009" cy="556010"/>
+          </a:xfrm>
+          <a:prstGeom prst="rect">
+            <a:avLst/>
+          </a:prstGeom>
+          <a:noFill/>
+          <a:extLst>
+            <a:ext uri="{909E8E84-426E-40DD-AFC4-6F175D3DCCD1}">
+              <a14:hiddenFill xmlns:a14="http://schemas.microsoft.com/office/drawing/2010/main">
+                <a:solidFill>
+                  <a:srgbClr val="FFFFFF"/>
+                </a:solidFill>
+              </a14:hiddenFill>
+            </a:ext>
+          </a:extLst>
+        </p:spPr>
+      </p:pic>
+      <p:pic>
+        <p:nvPicPr>
+          <p:cNvPr id="19" name="Picture 2" descr="note, post it, postit icon"/>
+          <p:cNvPicPr>
+            <a:picLocks noChangeAspect="1" noChangeArrowheads="1"/>
+          </p:cNvPicPr>
+          <p:nvPr/>
+        </p:nvPicPr>
+        <p:blipFill>
+          <a:blip r:embed="rId2">
+            <a:extLst>
+              <a:ext uri="{28A0092B-C50C-407E-A947-70E740481C1C}">
+                <a14:useLocalDpi xmlns:a14="http://schemas.microsoft.com/office/drawing/2010/main" val="0"/>
+              </a:ext>
+            </a:extLst>
+          </a:blip>
+          <a:srcRect/>
+          <a:stretch>
+            <a:fillRect/>
+          </a:stretch>
+        </p:blipFill>
+        <p:spPr bwMode="auto">
+          <a:xfrm>
+            <a:off x="5521352" y="1857451"/>
+            <a:ext cx="556009" cy="556010"/>
+          </a:xfrm>
+          <a:prstGeom prst="rect">
+            <a:avLst/>
+          </a:prstGeom>
+          <a:noFill/>
+          <a:extLst>
+            <a:ext uri="{909E8E84-426E-40DD-AFC4-6F175D3DCCD1}">
+              <a14:hiddenFill xmlns:a14="http://schemas.microsoft.com/office/drawing/2010/main">
+                <a:solidFill>
+                  <a:srgbClr val="FFFFFF"/>
+                </a:solidFill>
+              </a14:hiddenFill>
+            </a:ext>
+          </a:extLst>
+        </p:spPr>
+      </p:pic>
+      <p:pic>
+        <p:nvPicPr>
+          <p:cNvPr id="20" name="Picture 2" descr="note, post it, postit icon"/>
+          <p:cNvPicPr>
+            <a:picLocks noChangeAspect="1" noChangeArrowheads="1"/>
+          </p:cNvPicPr>
+          <p:nvPr/>
+        </p:nvPicPr>
+        <p:blipFill>
+          <a:blip r:embed="rId2">
+            <a:extLst>
+              <a:ext uri="{28A0092B-C50C-407E-A947-70E740481C1C}">
+                <a14:useLocalDpi xmlns:a14="http://schemas.microsoft.com/office/drawing/2010/main" val="0"/>
+              </a:ext>
+            </a:extLst>
+          </a:blip>
+          <a:srcRect/>
+          <a:stretch>
+            <a:fillRect/>
+          </a:stretch>
+        </p:blipFill>
+        <p:spPr bwMode="auto">
+          <a:xfrm>
+            <a:off x="5152303" y="2873965"/>
+            <a:ext cx="556009" cy="556010"/>
+          </a:xfrm>
+          <a:prstGeom prst="rect">
+            <a:avLst/>
+          </a:prstGeom>
+          <a:noFill/>
+          <a:extLst>
+            <a:ext uri="{909E8E84-426E-40DD-AFC4-6F175D3DCCD1}">
+              <a14:hiddenFill xmlns:a14="http://schemas.microsoft.com/office/drawing/2010/main">
+                <a:solidFill>
+                  <a:srgbClr val="FFFFFF"/>
+                </a:solidFill>
+              </a14:hiddenFill>
+            </a:ext>
+          </a:extLst>
+        </p:spPr>
+      </p:pic>
+      <p:pic>
+        <p:nvPicPr>
+          <p:cNvPr id="22" name="Picture 2" descr="note, post it, postit icon"/>
+          <p:cNvPicPr>
+            <a:picLocks noChangeAspect="1" noChangeArrowheads="1"/>
+          </p:cNvPicPr>
+          <p:nvPr/>
+        </p:nvPicPr>
+        <p:blipFill>
+          <a:blip r:embed="rId2">
+            <a:extLst>
+              <a:ext uri="{28A0092B-C50C-407E-A947-70E740481C1C}">
+                <a14:useLocalDpi xmlns:a14="http://schemas.microsoft.com/office/drawing/2010/main" val="0"/>
+              </a:ext>
+            </a:extLst>
+          </a:blip>
+          <a:srcRect/>
+          <a:stretch>
+            <a:fillRect/>
+          </a:stretch>
+        </p:blipFill>
+        <p:spPr bwMode="auto">
+          <a:xfrm>
+            <a:off x="6771923" y="1126346"/>
+            <a:ext cx="556009" cy="556010"/>
+          </a:xfrm>
+          <a:prstGeom prst="rect">
+            <a:avLst/>
+          </a:prstGeom>
+          <a:noFill/>
+          <a:extLst>
+            <a:ext uri="{909E8E84-426E-40DD-AFC4-6F175D3DCCD1}">
+              <a14:hiddenFill xmlns:a14="http://schemas.microsoft.com/office/drawing/2010/main">
+                <a:solidFill>
+                  <a:srgbClr val="FFFFFF"/>
+                </a:solidFill>
+              </a14:hiddenFill>
+            </a:ext>
+          </a:extLst>
+        </p:spPr>
+      </p:pic>
+      <p:pic>
+        <p:nvPicPr>
+          <p:cNvPr id="23" name="Picture 2" descr="note, post it, postit icon"/>
+          <p:cNvPicPr>
+            <a:picLocks noChangeAspect="1" noChangeArrowheads="1"/>
+          </p:cNvPicPr>
+          <p:nvPr/>
+        </p:nvPicPr>
+        <p:blipFill>
+          <a:blip r:embed="rId2">
+            <a:extLst>
+              <a:ext uri="{28A0092B-C50C-407E-A947-70E740481C1C}">
+                <a14:useLocalDpi xmlns:a14="http://schemas.microsoft.com/office/drawing/2010/main" val="0"/>
+              </a:ext>
+            </a:extLst>
+          </a:blip>
+          <a:srcRect/>
+          <a:stretch>
+            <a:fillRect/>
+          </a:stretch>
+        </p:blipFill>
+        <p:spPr bwMode="auto">
+          <a:xfrm>
+            <a:off x="8060178" y="2563410"/>
+            <a:ext cx="556009" cy="556010"/>
+          </a:xfrm>
+          <a:prstGeom prst="rect">
+            <a:avLst/>
+          </a:prstGeom>
+          <a:noFill/>
+          <a:extLst>
+            <a:ext uri="{909E8E84-426E-40DD-AFC4-6F175D3DCCD1}">
+              <a14:hiddenFill xmlns:a14="http://schemas.microsoft.com/office/drawing/2010/main">
+                <a:solidFill>
+                  <a:srgbClr val="FFFFFF"/>
+                </a:solidFill>
+              </a14:hiddenFill>
+            </a:ext>
+          </a:extLst>
+        </p:spPr>
+      </p:pic>
+      <p:pic>
+        <p:nvPicPr>
+          <p:cNvPr id="24" name="Picture 2" descr="note, post it, postit icon"/>
+          <p:cNvPicPr>
+            <a:picLocks noChangeAspect="1" noChangeArrowheads="1"/>
+          </p:cNvPicPr>
+          <p:nvPr/>
+        </p:nvPicPr>
+        <p:blipFill>
+          <a:blip r:embed="rId2">
+            <a:extLst>
+              <a:ext uri="{28A0092B-C50C-407E-A947-70E740481C1C}">
+                <a14:useLocalDpi xmlns:a14="http://schemas.microsoft.com/office/drawing/2010/main" val="0"/>
+              </a:ext>
+            </a:extLst>
+          </a:blip>
+          <a:srcRect/>
+          <a:stretch>
+            <a:fillRect/>
+          </a:stretch>
+        </p:blipFill>
+        <p:spPr bwMode="auto">
+          <a:xfrm>
+            <a:off x="2536228" y="3689338"/>
+            <a:ext cx="556009" cy="556010"/>
+          </a:xfrm>
+          <a:prstGeom prst="rect">
+            <a:avLst/>
+          </a:prstGeom>
+          <a:noFill/>
+          <a:extLst>
+            <a:ext uri="{909E8E84-426E-40DD-AFC4-6F175D3DCCD1}">
+              <a14:hiddenFill xmlns:a14="http://schemas.microsoft.com/office/drawing/2010/main">
+                <a:solidFill>
+                  <a:srgbClr val="FFFFFF"/>
+                </a:solidFill>
+              </a14:hiddenFill>
+            </a:ext>
+          </a:extLst>
+        </p:spPr>
+      </p:pic>
+      <p:pic>
+        <p:nvPicPr>
+          <p:cNvPr id="25" name="Picture 2" descr="note, post it, postit icon"/>
+          <p:cNvPicPr>
+            <a:picLocks noChangeAspect="1" noChangeArrowheads="1"/>
+          </p:cNvPicPr>
+          <p:nvPr/>
+        </p:nvPicPr>
+        <p:blipFill>
+          <a:blip r:embed="rId2">
+            <a:extLst>
+              <a:ext uri="{28A0092B-C50C-407E-A947-70E740481C1C}">
+                <a14:useLocalDpi xmlns:a14="http://schemas.microsoft.com/office/drawing/2010/main" val="0"/>
+              </a:ext>
+            </a:extLst>
+          </a:blip>
+          <a:srcRect/>
+          <a:stretch>
+            <a:fillRect/>
+          </a:stretch>
+        </p:blipFill>
+        <p:spPr bwMode="auto">
+          <a:xfrm>
+            <a:off x="4161404" y="2465182"/>
+            <a:ext cx="556009" cy="556010"/>
+          </a:xfrm>
+          <a:prstGeom prst="rect">
+            <a:avLst/>
+          </a:prstGeom>
+          <a:noFill/>
+          <a:extLst>
+            <a:ext uri="{909E8E84-426E-40DD-AFC4-6F175D3DCCD1}">
+              <a14:hiddenFill xmlns:a14="http://schemas.microsoft.com/office/drawing/2010/main">
+                <a:solidFill>
+                  <a:srgbClr val="FFFFFF"/>
+                </a:solidFill>
+              </a14:hiddenFill>
+            </a:ext>
+          </a:extLst>
+        </p:spPr>
+      </p:pic>
+      <p:pic>
+        <p:nvPicPr>
+          <p:cNvPr id="26" name="Picture 2" descr="note, post it, postit icon"/>
+          <p:cNvPicPr>
+            <a:picLocks noChangeAspect="1" noChangeArrowheads="1"/>
+          </p:cNvPicPr>
+          <p:nvPr/>
+        </p:nvPicPr>
+        <p:blipFill>
+          <a:blip r:embed="rId2">
+            <a:extLst>
+              <a:ext uri="{28A0092B-C50C-407E-A947-70E740481C1C}">
+                <a14:useLocalDpi xmlns:a14="http://schemas.microsoft.com/office/drawing/2010/main" val="0"/>
+              </a:ext>
+            </a:extLst>
+          </a:blip>
+          <a:srcRect/>
+          <a:stretch>
+            <a:fillRect/>
+          </a:stretch>
+        </p:blipFill>
+        <p:spPr bwMode="auto">
+          <a:xfrm>
+            <a:off x="4697688" y="1602319"/>
+            <a:ext cx="556009" cy="556010"/>
+          </a:xfrm>
+          <a:prstGeom prst="rect">
+            <a:avLst/>
+          </a:prstGeom>
+          <a:noFill/>
+          <a:extLst>
+            <a:ext uri="{909E8E84-426E-40DD-AFC4-6F175D3DCCD1}">
+              <a14:hiddenFill xmlns:a14="http://schemas.microsoft.com/office/drawing/2010/main">
+                <a:solidFill>
+                  <a:srgbClr val="FFFFFF"/>
+                </a:solidFill>
+              </a14:hiddenFill>
+            </a:ext>
+          </a:extLst>
+        </p:spPr>
+      </p:pic>
+      <p:pic>
+        <p:nvPicPr>
+          <p:cNvPr id="27" name="Picture 2" descr="note, post it, postit icon"/>
+          <p:cNvPicPr>
+            <a:picLocks noChangeAspect="1" noChangeArrowheads="1"/>
+          </p:cNvPicPr>
+          <p:nvPr/>
+        </p:nvPicPr>
+        <p:blipFill>
+          <a:blip r:embed="rId2">
+            <a:extLst>
+              <a:ext uri="{28A0092B-C50C-407E-A947-70E740481C1C}">
+                <a14:useLocalDpi xmlns:a14="http://schemas.microsoft.com/office/drawing/2010/main" val="0"/>
+              </a:ext>
+            </a:extLst>
+          </a:blip>
+          <a:srcRect/>
+          <a:stretch>
+            <a:fillRect/>
+          </a:stretch>
+        </p:blipFill>
+        <p:spPr bwMode="auto">
+          <a:xfrm>
+            <a:off x="1859690" y="2413461"/>
+            <a:ext cx="556009" cy="556010"/>
+          </a:xfrm>
+          <a:prstGeom prst="rect">
+            <a:avLst/>
+          </a:prstGeom>
+          <a:noFill/>
+          <a:extLst>
+            <a:ext uri="{909E8E84-426E-40DD-AFC4-6F175D3DCCD1}">
+              <a14:hiddenFill xmlns:a14="http://schemas.microsoft.com/office/drawing/2010/main">
+                <a:solidFill>
+                  <a:srgbClr val="FFFFFF"/>
+                </a:solidFill>
+              </a14:hiddenFill>
+            </a:ext>
+          </a:extLst>
+        </p:spPr>
+      </p:pic>
+      <p:pic>
+        <p:nvPicPr>
+          <p:cNvPr id="28" name="Picture 2" descr="note, post it, postit icon"/>
+          <p:cNvPicPr>
+            <a:picLocks noChangeAspect="1" noChangeArrowheads="1"/>
+          </p:cNvPicPr>
+          <p:nvPr/>
+        </p:nvPicPr>
+        <p:blipFill>
+          <a:blip r:embed="rId2">
+            <a:extLst>
+              <a:ext uri="{28A0092B-C50C-407E-A947-70E740481C1C}">
+                <a14:useLocalDpi xmlns:a14="http://schemas.microsoft.com/office/drawing/2010/main" val="0"/>
+              </a:ext>
+            </a:extLst>
+          </a:blip>
+          <a:srcRect/>
+          <a:stretch>
+            <a:fillRect/>
+          </a:stretch>
+        </p:blipFill>
+        <p:spPr bwMode="auto">
+          <a:xfrm>
+            <a:off x="4357657" y="3730184"/>
+            <a:ext cx="556009" cy="556010"/>
+          </a:xfrm>
+          <a:prstGeom prst="rect">
+            <a:avLst/>
+          </a:prstGeom>
+          <a:noFill/>
+          <a:extLst>
+            <a:ext uri="{909E8E84-426E-40DD-AFC4-6F175D3DCCD1}">
+              <a14:hiddenFill xmlns:a14="http://schemas.microsoft.com/office/drawing/2010/main">
+                <a:solidFill>
+                  <a:srgbClr val="FFFFFF"/>
+                </a:solidFill>
+              </a14:hiddenFill>
+            </a:ext>
+          </a:extLst>
+        </p:spPr>
+      </p:pic>
+      <p:pic>
+        <p:nvPicPr>
+          <p:cNvPr id="34" name="Picture 2" descr="note, post it, postit icon"/>
+          <p:cNvPicPr>
+            <a:picLocks noChangeAspect="1" noChangeArrowheads="1"/>
+          </p:cNvPicPr>
+          <p:nvPr/>
+        </p:nvPicPr>
+        <p:blipFill>
+          <a:blip r:embed="rId2">
+            <a:extLst>
+              <a:ext uri="{28A0092B-C50C-407E-A947-70E740481C1C}">
+                <a14:useLocalDpi xmlns:a14="http://schemas.microsoft.com/office/drawing/2010/main" val="0"/>
+              </a:ext>
+            </a:extLst>
+          </a:blip>
+          <a:srcRect/>
+          <a:stretch>
+            <a:fillRect/>
+          </a:stretch>
+        </p:blipFill>
+        <p:spPr bwMode="auto">
+          <a:xfrm>
+            <a:off x="6667968" y="2853156"/>
+            <a:ext cx="556009" cy="556010"/>
+          </a:xfrm>
+          <a:prstGeom prst="rect">
+            <a:avLst/>
+          </a:prstGeom>
+          <a:noFill/>
+          <a:extLst>
+            <a:ext uri="{909E8E84-426E-40DD-AFC4-6F175D3DCCD1}">
+              <a14:hiddenFill xmlns:a14="http://schemas.microsoft.com/office/drawing/2010/main">
+                <a:solidFill>
+                  <a:srgbClr val="FFFFFF"/>
+                </a:solidFill>
+              </a14:hiddenFill>
+            </a:ext>
+          </a:extLst>
+        </p:spPr>
+      </p:pic>
+      <p:pic>
+        <p:nvPicPr>
+          <p:cNvPr id="37" name="Picture 2" descr="note, post it, postit icon"/>
+          <p:cNvPicPr>
+            <a:picLocks noChangeAspect="1" noChangeArrowheads="1"/>
+          </p:cNvPicPr>
+          <p:nvPr/>
+        </p:nvPicPr>
+        <p:blipFill>
+          <a:blip r:embed="rId2">
+            <a:extLst>
+              <a:ext uri="{28A0092B-C50C-407E-A947-70E740481C1C}">
+                <a14:useLocalDpi xmlns:a14="http://schemas.microsoft.com/office/drawing/2010/main" val="0"/>
+              </a:ext>
+            </a:extLst>
+          </a:blip>
+          <a:srcRect/>
+          <a:stretch>
+            <a:fillRect/>
+          </a:stretch>
+        </p:blipFill>
+        <p:spPr bwMode="auto">
+          <a:xfrm>
+            <a:off x="7940480" y="1463132"/>
+            <a:ext cx="556009" cy="556010"/>
+          </a:xfrm>
+          <a:prstGeom prst="rect">
+            <a:avLst/>
+          </a:prstGeom>
+          <a:noFill/>
+          <a:extLst>
+            <a:ext uri="{909E8E84-426E-40DD-AFC4-6F175D3DCCD1}">
+              <a14:hiddenFill xmlns:a14="http://schemas.microsoft.com/office/drawing/2010/main">
+                <a:solidFill>
+                  <a:srgbClr val="FFFFFF"/>
+                </a:solidFill>
+              </a14:hiddenFill>
+            </a:ext>
+          </a:extLst>
+        </p:spPr>
+      </p:pic>
+      <p:pic>
+        <p:nvPicPr>
+          <p:cNvPr id="49" name="Picture 2" descr="note, post it, postit icon"/>
+          <p:cNvPicPr>
+            <a:picLocks noChangeAspect="1" noChangeArrowheads="1"/>
+          </p:cNvPicPr>
+          <p:nvPr/>
+        </p:nvPicPr>
+        <p:blipFill>
+          <a:blip r:embed="rId2">
+            <a:extLst>
+              <a:ext uri="{28A0092B-C50C-407E-A947-70E740481C1C}">
+                <a14:useLocalDpi xmlns:a14="http://schemas.microsoft.com/office/drawing/2010/main" val="0"/>
+              </a:ext>
+            </a:extLst>
+          </a:blip>
+          <a:srcRect/>
+          <a:stretch>
+            <a:fillRect/>
+          </a:stretch>
+        </p:blipFill>
+        <p:spPr bwMode="auto">
+          <a:xfrm>
+            <a:off x="7008871" y="3967343"/>
+            <a:ext cx="556009" cy="556010"/>
+          </a:xfrm>
+          <a:prstGeom prst="rect">
+            <a:avLst/>
+          </a:prstGeom>
+          <a:noFill/>
+          <a:extLst>
+            <a:ext uri="{909E8E84-426E-40DD-AFC4-6F175D3DCCD1}">
+              <a14:hiddenFill xmlns:a14="http://schemas.microsoft.com/office/drawing/2010/main">
+                <a:solidFill>
+                  <a:srgbClr val="FFFFFF"/>
+                </a:solidFill>
+              </a14:hiddenFill>
+            </a:ext>
+          </a:extLst>
+        </p:spPr>
+      </p:pic>
+      <p:pic>
+        <p:nvPicPr>
+          <p:cNvPr id="50" name="Picture 2" descr="note, post it, postit icon"/>
+          <p:cNvPicPr>
+            <a:picLocks noChangeAspect="1" noChangeArrowheads="1"/>
+          </p:cNvPicPr>
+          <p:nvPr/>
+        </p:nvPicPr>
+        <p:blipFill>
+          <a:blip r:embed="rId2">
+            <a:extLst>
+              <a:ext uri="{28A0092B-C50C-407E-A947-70E740481C1C}">
+                <a14:useLocalDpi xmlns:a14="http://schemas.microsoft.com/office/drawing/2010/main" val="0"/>
+              </a:ext>
+            </a:extLst>
+          </a:blip>
+          <a:srcRect/>
+          <a:stretch>
+            <a:fillRect/>
+          </a:stretch>
+        </p:blipFill>
+        <p:spPr bwMode="auto">
+          <a:xfrm>
+            <a:off x="7454848" y="3110631"/>
+            <a:ext cx="556009" cy="556010"/>
+          </a:xfrm>
+          <a:prstGeom prst="rect">
+            <a:avLst/>
+          </a:prstGeom>
+          <a:noFill/>
+          <a:extLst>
+            <a:ext uri="{909E8E84-426E-40DD-AFC4-6F175D3DCCD1}">
+              <a14:hiddenFill xmlns:a14="http://schemas.microsoft.com/office/drawing/2010/main">
+                <a:solidFill>
+                  <a:srgbClr val="FFFFFF"/>
+                </a:solidFill>
+              </a14:hiddenFill>
+            </a:ext>
+          </a:extLst>
+        </p:spPr>
+      </p:pic>
+      <p:pic>
+        <p:nvPicPr>
+          <p:cNvPr id="51" name="Picture 2" descr="note, post it, postit icon"/>
+          <p:cNvPicPr>
+            <a:picLocks noChangeAspect="1" noChangeArrowheads="1"/>
+          </p:cNvPicPr>
+          <p:nvPr/>
+        </p:nvPicPr>
+        <p:blipFill>
+          <a:blip r:embed="rId2">
+            <a:extLst>
+              <a:ext uri="{28A0092B-C50C-407E-A947-70E740481C1C}">
+                <a14:useLocalDpi xmlns:a14="http://schemas.microsoft.com/office/drawing/2010/main" val="0"/>
+              </a:ext>
+            </a:extLst>
+          </a:blip>
+          <a:srcRect/>
+          <a:stretch>
+            <a:fillRect/>
+          </a:stretch>
+        </p:blipFill>
+        <p:spPr bwMode="auto">
+          <a:xfrm>
+            <a:off x="7046488" y="1889838"/>
+            <a:ext cx="556009" cy="556010"/>
+          </a:xfrm>
+          <a:prstGeom prst="rect">
+            <a:avLst/>
+          </a:prstGeom>
+          <a:noFill/>
+          <a:extLst>
+            <a:ext uri="{909E8E84-426E-40DD-AFC4-6F175D3DCCD1}">
+              <a14:hiddenFill xmlns:a14="http://schemas.microsoft.com/office/drawing/2010/main">
+                <a:solidFill>
+                  <a:srgbClr val="FFFFFF"/>
+                </a:solidFill>
+              </a14:hiddenFill>
+            </a:ext>
+          </a:extLst>
+        </p:spPr>
+      </p:pic>
+    </p:spTree>
+    <p:extLst>
+      <p:ext uri="{BB962C8B-B14F-4D97-AF65-F5344CB8AC3E}">
+        <p14:creationId xmlns:p14="http://schemas.microsoft.com/office/powerpoint/2010/main" val="342341549"/>
+      </p:ext>
+    </p:extLst>
+  </p:cSld>
+  <p:clrMapOvr>
+    <a:masterClrMapping/>
+  </p:clrMapOvr>
+  <p:timing>
+    <p:tnLst>
+      <p:par>
+        <p:cTn id="1" dur="indefinite" restart="never" nodeType="tmRoot"/>
+      </p:par>
+    </p:tnLst>
+  </p:timing>
+</p:sld>
+</file>
+
+<file path=ppt/slides/slide15.xml><?xml version="1.0" encoding="utf-8"?>
+<p:sld xmlns:a="http://schemas.openxmlformats.org/drawingml/2006/main" xmlns:r="http://schemas.openxmlformats.org/officeDocument/2006/relationships" xmlns:p="http://schemas.openxmlformats.org/presentationml/2006/main">
+  <p:cSld>
+    <p:spTree>
+      <p:nvGrpSpPr>
+        <p:cNvPr id="1" name=""/>
+        <p:cNvGrpSpPr/>
+        <p:nvPr/>
+      </p:nvGrpSpPr>
+      <p:grpSpPr>
+        <a:xfrm>
+          <a:off x="0" y="0"/>
+          <a:ext cx="0" cy="0"/>
+          <a:chOff x="0" y="0"/>
+          <a:chExt cx="0" cy="0"/>
+        </a:xfrm>
+      </p:grpSpPr>
+      <p:sp>
+        <p:nvSpPr>
+          <p:cNvPr id="18" name="矩形 17"/>
+          <p:cNvSpPr/>
+          <p:nvPr/>
+        </p:nvSpPr>
+        <p:spPr>
+          <a:xfrm>
+            <a:off x="-1447800" y="4776896"/>
+            <a:ext cx="15316200" cy="2170668"/>
+          </a:xfrm>
+          <a:prstGeom prst="rect">
+            <a:avLst/>
+          </a:prstGeom>
+          <a:blipFill>
+            <a:blip r:embed="rId2"/>
+            <a:tile tx="0" ty="0" sx="100000" sy="100000" flip="none" algn="tl"/>
+          </a:blipFill>
+        </p:spPr>
+        <p:style>
+          <a:lnRef idx="0">
+            <a:schemeClr val="accent1"/>
+          </a:lnRef>
+          <a:fillRef idx="3">
+            <a:schemeClr val="accent1"/>
+          </a:fillRef>
+          <a:effectRef idx="3">
+            <a:schemeClr val="accent1"/>
+          </a:effectRef>
+          <a:fontRef idx="minor">
+            <a:schemeClr val="lt1"/>
+          </a:fontRef>
+        </p:style>
+        <p:txBody>
+          <a:bodyPr rtlCol="0" anchor="ctr"/>
+          <a:lstStyle/>
+          <a:p>
+            <a:pPr algn="ctr"/>
+            <a:endParaRPr lang="zh-TW" altLang="en-US"/>
+          </a:p>
+        </p:txBody>
+      </p:sp>
+      <p:sp>
+        <p:nvSpPr>
+          <p:cNvPr id="6" name="太陽 5"/>
+          <p:cNvSpPr/>
+          <p:nvPr/>
+        </p:nvSpPr>
+        <p:spPr>
+          <a:xfrm>
+            <a:off x="9652480" y="695935"/>
+            <a:ext cx="2147392" cy="2147392"/>
+          </a:xfrm>
+          <a:prstGeom prst="sun">
+            <a:avLst/>
+          </a:prstGeom>
+          <a:solidFill>
+            <a:srgbClr val="FFFF00"/>
+          </a:solidFill>
+        </p:spPr>
+        <p:style>
+          <a:lnRef idx="2">
+            <a:schemeClr val="accent1">
+              <a:shade val="50000"/>
+            </a:schemeClr>
+          </a:lnRef>
+          <a:fillRef idx="1">
+            <a:schemeClr val="accent1"/>
+          </a:fillRef>
+          <a:effectRef idx="0">
+            <a:schemeClr val="accent1"/>
+          </a:effectRef>
+          <a:fontRef idx="minor">
+            <a:schemeClr val="lt1"/>
+          </a:fontRef>
+        </p:style>
+        <p:txBody>
+          <a:bodyPr rtlCol="0" anchor="ctr"/>
+          <a:lstStyle/>
+          <a:p>
+            <a:pPr algn="ctr"/>
+            <a:endParaRPr lang="zh-TW" altLang="en-US"/>
+          </a:p>
+        </p:txBody>
+      </p:sp>
+      <p:sp>
+        <p:nvSpPr>
+          <p:cNvPr id="7" name="手繪多邊形 6"/>
+          <p:cNvSpPr/>
+          <p:nvPr/>
+        </p:nvSpPr>
+        <p:spPr>
+          <a:xfrm>
+            <a:off x="209734" y="4798176"/>
+            <a:ext cx="11713029" cy="1053739"/>
+          </a:xfrm>
+          <a:custGeom>
+            <a:avLst/>
+            <a:gdLst>
+              <a:gd name="connsiteX0" fmla="*/ 0 w 11713029"/>
+              <a:gd name="connsiteY0" fmla="*/ 1053739 h 1053739"/>
+              <a:gd name="connsiteX1" fmla="*/ 923109 w 11713029"/>
+              <a:gd name="connsiteY1" fmla="*/ 374471 h 1053739"/>
+              <a:gd name="connsiteX2" fmla="*/ 2081349 w 11713029"/>
+              <a:gd name="connsiteY2" fmla="*/ 879568 h 1053739"/>
+              <a:gd name="connsiteX3" fmla="*/ 2960914 w 11713029"/>
+              <a:gd name="connsiteY3" fmla="*/ 330928 h 1053739"/>
+              <a:gd name="connsiteX4" fmla="*/ 3840480 w 11713029"/>
+              <a:gd name="connsiteY4" fmla="*/ 879568 h 1053739"/>
+              <a:gd name="connsiteX5" fmla="*/ 5582194 w 11713029"/>
+              <a:gd name="connsiteY5" fmla="*/ 287385 h 1053739"/>
+              <a:gd name="connsiteX6" fmla="*/ 6470469 w 11713029"/>
+              <a:gd name="connsiteY6" fmla="*/ 862151 h 1053739"/>
+              <a:gd name="connsiteX7" fmla="*/ 7776754 w 11713029"/>
+              <a:gd name="connsiteY7" fmla="*/ 139339 h 1053739"/>
+              <a:gd name="connsiteX8" fmla="*/ 8760823 w 11713029"/>
+              <a:gd name="connsiteY8" fmla="*/ 766357 h 1053739"/>
+              <a:gd name="connsiteX9" fmla="*/ 9797143 w 11713029"/>
+              <a:gd name="connsiteY9" fmla="*/ 2 h 1053739"/>
+              <a:gd name="connsiteX10" fmla="*/ 10415451 w 11713029"/>
+              <a:gd name="connsiteY10" fmla="*/ 757648 h 1053739"/>
+              <a:gd name="connsiteX11" fmla="*/ 11713029 w 11713029"/>
+              <a:gd name="connsiteY11" fmla="*/ 217717 h 1053739"/>
+            </a:gdLst>
+            <a:ahLst/>
+            <a:cxnLst>
+              <a:cxn ang="0">
+                <a:pos x="connsiteX0" y="connsiteY0"/>
+              </a:cxn>
+              <a:cxn ang="0">
+                <a:pos x="connsiteX1" y="connsiteY1"/>
+              </a:cxn>
+              <a:cxn ang="0">
+                <a:pos x="connsiteX2" y="connsiteY2"/>
+              </a:cxn>
+              <a:cxn ang="0">
+                <a:pos x="connsiteX3" y="connsiteY3"/>
+              </a:cxn>
+              <a:cxn ang="0">
+                <a:pos x="connsiteX4" y="connsiteY4"/>
+              </a:cxn>
+              <a:cxn ang="0">
+                <a:pos x="connsiteX5" y="connsiteY5"/>
+              </a:cxn>
+              <a:cxn ang="0">
+                <a:pos x="connsiteX6" y="connsiteY6"/>
+              </a:cxn>
+              <a:cxn ang="0">
+                <a:pos x="connsiteX7" y="connsiteY7"/>
+              </a:cxn>
+              <a:cxn ang="0">
+                <a:pos x="connsiteX8" y="connsiteY8"/>
+              </a:cxn>
+              <a:cxn ang="0">
+                <a:pos x="connsiteX9" y="connsiteY9"/>
+              </a:cxn>
+              <a:cxn ang="0">
+                <a:pos x="connsiteX10" y="connsiteY10"/>
+              </a:cxn>
+              <a:cxn ang="0">
+                <a:pos x="connsiteX11" y="connsiteY11"/>
+              </a:cxn>
+            </a:cxnLst>
+            <a:rect l="l" t="t" r="r" b="b"/>
+            <a:pathLst>
+              <a:path w="11713029" h="1053739">
+                <a:moveTo>
+                  <a:pt x="0" y="1053739"/>
+                </a:moveTo>
+                <a:cubicBezTo>
+                  <a:pt x="288109" y="728619"/>
+                  <a:pt x="576218" y="403499"/>
+                  <a:pt x="923109" y="374471"/>
+                </a:cubicBezTo>
+                <a:cubicBezTo>
+                  <a:pt x="1270000" y="345443"/>
+                  <a:pt x="1741715" y="886825"/>
+                  <a:pt x="2081349" y="879568"/>
+                </a:cubicBezTo>
+                <a:cubicBezTo>
+                  <a:pt x="2420983" y="872311"/>
+                  <a:pt x="2667726" y="330928"/>
+                  <a:pt x="2960914" y="330928"/>
+                </a:cubicBezTo>
+                <a:cubicBezTo>
+                  <a:pt x="3254102" y="330928"/>
+                  <a:pt x="3403600" y="886825"/>
+                  <a:pt x="3840480" y="879568"/>
+                </a:cubicBezTo>
+                <a:cubicBezTo>
+                  <a:pt x="4277360" y="872311"/>
+                  <a:pt x="5143863" y="290288"/>
+                  <a:pt x="5582194" y="287385"/>
+                </a:cubicBezTo>
+                <a:cubicBezTo>
+                  <a:pt x="6020525" y="284482"/>
+                  <a:pt x="6104709" y="886825"/>
+                  <a:pt x="6470469" y="862151"/>
+                </a:cubicBezTo>
+                <a:cubicBezTo>
+                  <a:pt x="6836229" y="837477"/>
+                  <a:pt x="7395029" y="155305"/>
+                  <a:pt x="7776754" y="139339"/>
+                </a:cubicBezTo>
+                <a:cubicBezTo>
+                  <a:pt x="8158479" y="123373"/>
+                  <a:pt x="8424092" y="789580"/>
+                  <a:pt x="8760823" y="766357"/>
+                </a:cubicBezTo>
+                <a:cubicBezTo>
+                  <a:pt x="9097554" y="743134"/>
+                  <a:pt x="9521372" y="1453"/>
+                  <a:pt x="9797143" y="2"/>
+                </a:cubicBezTo>
+                <a:cubicBezTo>
+                  <a:pt x="10072914" y="-1449"/>
+                  <a:pt x="10096137" y="721362"/>
+                  <a:pt x="10415451" y="757648"/>
+                </a:cubicBezTo>
+                <a:cubicBezTo>
+                  <a:pt x="10734765" y="793934"/>
+                  <a:pt x="11482252" y="291740"/>
+                  <a:pt x="11713029" y="217717"/>
+                </a:cubicBezTo>
+              </a:path>
+            </a:pathLst>
+          </a:custGeom>
+          <a:blipFill>
+            <a:blip r:embed="rId2"/>
+            <a:tile tx="0" ty="0" sx="100000" sy="100000" flip="none" algn="tl"/>
+          </a:blipFill>
+          <a:ln w="76200">
+            <a:solidFill>
+              <a:srgbClr val="2257A1"/>
+            </a:solidFill>
+          </a:ln>
+        </p:spPr>
+        <p:style>
+          <a:lnRef idx="2">
+            <a:schemeClr val="accent1">
+              <a:shade val="50000"/>
+            </a:schemeClr>
+          </a:lnRef>
+          <a:fillRef idx="1">
+            <a:schemeClr val="accent1"/>
+          </a:fillRef>
+          <a:effectRef idx="0">
+            <a:schemeClr val="accent1"/>
+          </a:effectRef>
+          <a:fontRef idx="minor">
+            <a:schemeClr val="lt1"/>
+          </a:fontRef>
+        </p:style>
+        <p:txBody>
+          <a:bodyPr rtlCol="0" anchor="ctr"/>
+          <a:lstStyle/>
+          <a:p>
+            <a:pPr algn="ctr"/>
+            <a:endParaRPr lang="zh-TW" altLang="en-US"/>
+          </a:p>
+        </p:txBody>
+      </p:sp>
+      <p:grpSp>
+        <p:nvGrpSpPr>
+          <p:cNvPr id="8" name="群組 7"/>
+          <p:cNvGrpSpPr/>
+          <p:nvPr/>
+        </p:nvGrpSpPr>
+        <p:grpSpPr>
+          <a:xfrm>
+            <a:off x="2882536" y="1125506"/>
+            <a:ext cx="4519749" cy="4334768"/>
+            <a:chOff x="2882536" y="1125506"/>
+            <a:chExt cx="4519749" cy="4334768"/>
+          </a:xfrm>
+        </p:grpSpPr>
+        <p:cxnSp>
+          <p:nvCxnSpPr>
+            <p:cNvPr id="10" name="直線接點 9"/>
+            <p:cNvCxnSpPr/>
+            <p:nvPr/>
+          </p:nvCxnSpPr>
+          <p:spPr>
+            <a:xfrm>
+              <a:off x="4963887" y="2690949"/>
+              <a:ext cx="0" cy="1985554"/>
+            </a:xfrm>
+            <a:prstGeom prst="line">
+              <a:avLst/>
+            </a:prstGeom>
+            <a:ln w="76200">
+              <a:solidFill>
+                <a:srgbClr val="A25100"/>
+              </a:solidFill>
+            </a:ln>
+          </p:spPr>
+          <p:style>
+            <a:lnRef idx="1">
+              <a:schemeClr val="accent1"/>
+            </a:lnRef>
+            <a:fillRef idx="0">
+              <a:schemeClr val="accent1"/>
+            </a:fillRef>
+            <a:effectRef idx="0">
+              <a:schemeClr val="accent1"/>
+            </a:effectRef>
+            <a:fontRef idx="minor">
+              <a:schemeClr val="tx1"/>
+            </a:fontRef>
+          </p:style>
+        </p:cxnSp>
+        <p:sp>
+          <p:nvSpPr>
+            <p:cNvPr id="9" name="梯形 8"/>
+            <p:cNvSpPr/>
+            <p:nvPr/>
+          </p:nvSpPr>
+          <p:spPr>
+            <a:xfrm flipV="1">
+              <a:off x="2882536" y="4284617"/>
+              <a:ext cx="4519749" cy="1175657"/>
+            </a:xfrm>
+            <a:prstGeom prst="trapezoid">
+              <a:avLst>
+                <a:gd name="adj" fmla="val 56132"/>
+              </a:avLst>
+            </a:prstGeom>
+          </p:spPr>
+          <p:style>
+            <a:lnRef idx="0">
+              <a:schemeClr val="accent2"/>
+            </a:lnRef>
+            <a:fillRef idx="3">
+              <a:schemeClr val="accent2"/>
+            </a:fillRef>
+            <a:effectRef idx="3">
+              <a:schemeClr val="accent2"/>
+            </a:effectRef>
+            <a:fontRef idx="minor">
+              <a:schemeClr val="lt1"/>
+            </a:fontRef>
+          </p:style>
+          <p:txBody>
+            <a:bodyPr rtlCol="0" anchor="ctr"/>
+            <a:lstStyle/>
+            <a:p>
+              <a:pPr algn="ctr"/>
+              <a:endParaRPr lang="zh-TW" altLang="en-US"/>
+            </a:p>
+          </p:txBody>
+        </p:sp>
+        <p:sp>
+          <p:nvSpPr>
+            <p:cNvPr id="11" name="直角三角形 10"/>
+            <p:cNvSpPr/>
+            <p:nvPr/>
+          </p:nvSpPr>
+          <p:spPr>
+            <a:xfrm>
+              <a:off x="4876800" y="1125506"/>
+              <a:ext cx="1889760" cy="2586446"/>
+            </a:xfrm>
+            <a:prstGeom prst="rtTriangle">
+              <a:avLst/>
+            </a:prstGeom>
+          </p:spPr>
+          <p:style>
+            <a:lnRef idx="0">
+              <a:schemeClr val="accent1"/>
+            </a:lnRef>
+            <a:fillRef idx="3">
+              <a:schemeClr val="accent1"/>
+            </a:fillRef>
+            <a:effectRef idx="3">
+              <a:schemeClr val="accent1"/>
+            </a:effectRef>
+            <a:fontRef idx="minor">
+              <a:schemeClr val="lt1"/>
+            </a:fontRef>
+          </p:style>
+          <p:txBody>
+            <a:bodyPr rtlCol="0" anchor="ctr"/>
+            <a:lstStyle/>
+            <a:p>
+              <a:pPr algn="ctr"/>
+              <a:endParaRPr lang="zh-TW" altLang="en-US"/>
+            </a:p>
+          </p:txBody>
+        </p:sp>
+      </p:grpSp>
+      <p:grpSp>
+        <p:nvGrpSpPr>
+          <p:cNvPr id="12" name="群組 11"/>
+          <p:cNvGrpSpPr/>
+          <p:nvPr/>
+        </p:nvGrpSpPr>
+        <p:grpSpPr>
+          <a:xfrm rot="12578105">
+            <a:off x="1988181" y="5434308"/>
+            <a:ext cx="1469121" cy="1158240"/>
+            <a:chOff x="1413415" y="2795451"/>
+            <a:chExt cx="1469121" cy="1158240"/>
+          </a:xfrm>
+        </p:grpSpPr>
+        <p:sp>
+          <p:nvSpPr>
+            <p:cNvPr id="13" name="左-上雙向箭號 12"/>
+            <p:cNvSpPr/>
+            <p:nvPr/>
+          </p:nvSpPr>
+          <p:spPr>
+            <a:xfrm>
+              <a:off x="1640093" y="2795451"/>
+              <a:ext cx="641553" cy="1158240"/>
+            </a:xfrm>
+            <a:prstGeom prst="leftUpArrow">
+              <a:avLst/>
+            </a:prstGeom>
+          </p:spPr>
+          <p:style>
+            <a:lnRef idx="2">
+              <a:schemeClr val="dk1">
+                <a:shade val="50000"/>
+              </a:schemeClr>
+            </a:lnRef>
+            <a:fillRef idx="1">
+              <a:schemeClr val="dk1"/>
+            </a:fillRef>
+            <a:effectRef idx="0">
+              <a:schemeClr val="dk1"/>
+            </a:effectRef>
+            <a:fontRef idx="minor">
+              <a:schemeClr val="lt1"/>
+            </a:fontRef>
+          </p:style>
+          <p:txBody>
+            <a:bodyPr rtlCol="0" anchor="ctr"/>
+            <a:lstStyle/>
+            <a:p>
+              <a:pPr algn="ctr"/>
+              <a:endParaRPr lang="zh-TW" altLang="en-US"/>
+            </a:p>
+          </p:txBody>
+        </p:sp>
+        <p:sp>
+          <p:nvSpPr>
+            <p:cNvPr id="14" name="左-上雙向箭號 13"/>
+            <p:cNvSpPr/>
+            <p:nvPr/>
+          </p:nvSpPr>
+          <p:spPr>
+            <a:xfrm flipH="1">
+              <a:off x="1960869" y="2795451"/>
+              <a:ext cx="641553" cy="1158240"/>
+            </a:xfrm>
+            <a:prstGeom prst="leftUpArrow">
+              <a:avLst/>
+            </a:prstGeom>
+          </p:spPr>
+          <p:style>
+            <a:lnRef idx="2">
+              <a:schemeClr val="dk1">
+                <a:shade val="50000"/>
+              </a:schemeClr>
+            </a:lnRef>
+            <a:fillRef idx="1">
+              <a:schemeClr val="dk1"/>
+            </a:fillRef>
+            <a:effectRef idx="0">
+              <a:schemeClr val="dk1"/>
+            </a:effectRef>
+            <a:fontRef idx="minor">
+              <a:schemeClr val="lt1"/>
+            </a:fontRef>
+          </p:style>
+          <p:txBody>
+            <a:bodyPr rtlCol="0" anchor="ctr"/>
+            <a:lstStyle/>
+            <a:p>
+              <a:pPr algn="ctr"/>
+              <a:endParaRPr lang="zh-TW" altLang="en-US"/>
+            </a:p>
+          </p:txBody>
+        </p:sp>
+        <p:sp>
+          <p:nvSpPr>
+            <p:cNvPr id="15" name="拱形 14"/>
+            <p:cNvSpPr/>
+            <p:nvPr/>
+          </p:nvSpPr>
+          <p:spPr>
+            <a:xfrm>
+              <a:off x="1413415" y="2795451"/>
+              <a:ext cx="1469121" cy="1132436"/>
+            </a:xfrm>
+            <a:prstGeom prst="blockArc">
+              <a:avLst>
+                <a:gd name="adj1" fmla="val 10800000"/>
+                <a:gd name="adj2" fmla="val 21512422"/>
+                <a:gd name="adj3" fmla="val 20257"/>
+              </a:avLst>
+            </a:prstGeom>
+          </p:spPr>
+          <p:style>
+            <a:lnRef idx="2">
+              <a:schemeClr val="dk1">
+                <a:shade val="50000"/>
+              </a:schemeClr>
+            </a:lnRef>
+            <a:fillRef idx="1">
+              <a:schemeClr val="dk1"/>
+            </a:fillRef>
+            <a:effectRef idx="0">
+              <a:schemeClr val="dk1"/>
+            </a:effectRef>
+            <a:fontRef idx="minor">
+              <a:schemeClr val="lt1"/>
+            </a:fontRef>
+          </p:style>
+          <p:txBody>
+            <a:bodyPr rtlCol="0" anchor="ctr"/>
+            <a:lstStyle/>
+            <a:p>
+              <a:pPr algn="ctr"/>
+              <a:endParaRPr lang="zh-TW" altLang="en-US">
+                <a:solidFill>
+                  <a:schemeClr val="tx1"/>
+                </a:solidFill>
+              </a:endParaRPr>
+            </a:p>
+          </p:txBody>
+        </p:sp>
+      </p:grpSp>
+      <p:cxnSp>
+        <p:nvCxnSpPr>
+          <p:cNvPr id="16" name="弧形接點 15"/>
+          <p:cNvCxnSpPr/>
+          <p:nvPr/>
+        </p:nvCxnSpPr>
+        <p:spPr>
+          <a:xfrm rot="5400000" flipH="1" flipV="1">
+            <a:off x="2924025" y="4805076"/>
+            <a:ext cx="909802" cy="853440"/>
+          </a:xfrm>
+          <a:prstGeom prst="curvedConnector3">
+            <a:avLst/>
+          </a:prstGeom>
+          <a:ln w="76200"/>
+        </p:spPr>
+        <p:style>
+          <a:lnRef idx="1">
+            <a:schemeClr val="dk1"/>
+          </a:lnRef>
+          <a:fillRef idx="0">
+            <a:schemeClr val="dk1"/>
+          </a:fillRef>
+          <a:effectRef idx="0">
+            <a:schemeClr val="dk1"/>
+          </a:effectRef>
+          <a:fontRef idx="minor">
+            <a:schemeClr val="tx1"/>
+          </a:fontRef>
+        </p:style>
+      </p:cxnSp>
+      <p:sp>
+        <p:nvSpPr>
+          <p:cNvPr id="17" name="套索 16"/>
+          <p:cNvSpPr/>
+          <p:nvPr/>
+        </p:nvSpPr>
+        <p:spPr>
+          <a:xfrm rot="5612364">
+            <a:off x="9442276" y="4237727"/>
+            <a:ext cx="2810142" cy="2445093"/>
+          </a:xfrm>
+          <a:prstGeom prst="chord">
+            <a:avLst/>
+          </a:prstGeom>
+        </p:spPr>
+        <p:style>
+          <a:lnRef idx="0">
+            <a:schemeClr val="accent3"/>
+          </a:lnRef>
+          <a:fillRef idx="3">
+            <a:schemeClr val="accent3"/>
+          </a:fillRef>
+          <a:effectRef idx="3">
+            <a:schemeClr val="accent3"/>
+          </a:effectRef>
+          <a:fontRef idx="minor">
+            <a:schemeClr val="lt1"/>
+          </a:fontRef>
+        </p:style>
+        <p:txBody>
+          <a:bodyPr rtlCol="0" anchor="ctr"/>
+          <a:lstStyle/>
+          <a:p>
+            <a:pPr algn="ctr"/>
+            <a:endParaRPr lang="zh-TW" altLang="en-US"/>
+          </a:p>
+        </p:txBody>
+      </p:sp>
+    </p:spTree>
+    <p:extLst>
+      <p:ext uri="{BB962C8B-B14F-4D97-AF65-F5344CB8AC3E}">
+        <p14:creationId xmlns:p14="http://schemas.microsoft.com/office/powerpoint/2010/main" val="3856945398"/>
+      </p:ext>
+    </p:extLst>
+  </p:cSld>
+  <p:clrMapOvr>
+    <a:masterClrMapping/>
+  </p:clrMapOvr>
+  <p:timing>
+    <p:tnLst>
+      <p:par>
+        <p:cTn id="1" dur="indefinite" restart="never" nodeType="tmRoot">
+          <p:childTnLst>
+            <p:seq concurrent="1" nextAc="seek">
+              <p:cTn id="2" dur="indefinite" nodeType="mainSeq">
+                <p:childTnLst>
+                  <p:par>
+                    <p:cTn id="3" fill="hold">
+                      <p:stCondLst>
+                        <p:cond delay="indefinite"/>
+                        <p:cond evt="onBegin" delay="0">
+                          <p:tn val="2"/>
+                        </p:cond>
+                      </p:stCondLst>
+                      <p:childTnLst>
+                        <p:par>
+                          <p:cTn id="4" fill="hold">
+                            <p:stCondLst>
+                              <p:cond delay="0"/>
+                            </p:stCondLst>
+                            <p:childTnLst>
+                              <p:par>
+                                <p:cTn id="5" presetID="8" presetClass="emph" presetSubtype="0" repeatCount="indefinite" fill="hold" grpId="0" nodeType="withEffect">
+                                  <p:stCondLst>
+                                    <p:cond delay="0"/>
+                                  </p:stCondLst>
+                                  <p:childTnLst>
+                                    <p:animRot by="21600000">
+                                      <p:cBhvr>
+                                        <p:cTn id="6" dur="5000" fill="hold"/>
+                                        <p:tgtEl>
+                                          <p:spTgt spid="6"/>
+                                        </p:tgtEl>
+                                        <p:attrNameLst>
+                                          <p:attrName>r</p:attrName>
+                                        </p:attrNameLst>
+                                      </p:cBhvr>
+                                    </p:animRot>
+                                  </p:childTnLst>
+                                </p:cTn>
+                              </p:par>
+                              <p:par>
+                                <p:cTn id="7" presetID="26" presetClass="path" presetSubtype="0" repeatCount="indefinite" accel="50000" decel="50000" fill="hold" grpId="0" nodeType="withEffect">
+                                  <p:stCondLst>
+                                    <p:cond delay="0"/>
+                                  </p:stCondLst>
+                                  <p:childTnLst>
+                                    <p:animMotion origin="layout" path="M 3.95833E-6 1.11111E-6 C 3.95833E-6 -0.02176 -0.01146 -0.03982 -0.02565 -0.03982 C -0.04245 -0.03982 -0.04857 -0.01991 -0.05118 -0.00787 L -0.05378 0.0081 C -0.05625 0.02014 -0.06276 0.03981 -0.08177 0.03981 C -0.09388 0.03981 -0.10769 0.02199 -0.10769 1.11111E-6 C -0.10769 -0.02176 -0.09388 -0.03982 -0.08177 -0.03982 C -0.06276 -0.03982 -0.05625 -0.01991 -0.05378 -0.00787 L -0.05118 0.0081 C -0.04857 0.02014 -0.04245 0.03981 -0.02565 0.03981 C -0.01146 0.03981 3.95833E-6 0.02199 3.95833E-6 1.11111E-6 Z " pathEditMode="relative" rAng="10800000" ptsTypes="AAAAAAAAAAA">
+                                      <p:cBhvr>
+                                        <p:cTn id="8" dur="8000" fill="hold"/>
+                                        <p:tgtEl>
+                                          <p:spTgt spid="7"/>
+                                        </p:tgtEl>
+                                        <p:attrNameLst>
+                                          <p:attrName>ppt_x</p:attrName>
+                                          <p:attrName>ppt_y</p:attrName>
+                                        </p:attrNameLst>
+                                      </p:cBhvr>
+                                      <p:rCtr x="-5378" y="0"/>
+                                    </p:animMotion>
+                                  </p:childTnLst>
+                                </p:cTn>
+                              </p:par>
+                              <p:par>
+                                <p:cTn id="9" presetID="32" presetClass="emph" presetSubtype="0" repeatCount="indefinite" fill="hold" nodeType="withEffect">
+                                  <p:stCondLst>
+                                    <p:cond delay="0"/>
+                                  </p:stCondLst>
+                                  <p:childTnLst>
+                                    <p:animRot by="120000">
+                                      <p:cBhvr>
+                                        <p:cTn id="10" dur="1000" fill="hold">
+                                          <p:stCondLst>
+                                            <p:cond delay="0"/>
+                                          </p:stCondLst>
+                                        </p:cTn>
+                                        <p:tgtEl>
+                                          <p:spTgt spid="8"/>
+                                        </p:tgtEl>
+                                        <p:attrNameLst>
+                                          <p:attrName>r</p:attrName>
+                                        </p:attrNameLst>
+                                      </p:cBhvr>
+                                    </p:animRot>
+                                    <p:animRot by="-240000">
+                                      <p:cBhvr>
+                                        <p:cTn id="11" dur="2000" fill="hold">
+                                          <p:stCondLst>
+                                            <p:cond delay="2000"/>
+                                          </p:stCondLst>
+                                        </p:cTn>
+                                        <p:tgtEl>
+                                          <p:spTgt spid="8"/>
+                                        </p:tgtEl>
+                                        <p:attrNameLst>
+                                          <p:attrName>r</p:attrName>
+                                        </p:attrNameLst>
+                                      </p:cBhvr>
+                                    </p:animRot>
+                                    <p:animRot by="240000">
+                                      <p:cBhvr>
+                                        <p:cTn id="12" dur="2000" fill="hold">
+                                          <p:stCondLst>
+                                            <p:cond delay="4000"/>
+                                          </p:stCondLst>
+                                        </p:cTn>
+                                        <p:tgtEl>
+                                          <p:spTgt spid="8"/>
+                                        </p:tgtEl>
+                                        <p:attrNameLst>
+                                          <p:attrName>r</p:attrName>
+                                        </p:attrNameLst>
+                                      </p:cBhvr>
+                                    </p:animRot>
+                                    <p:animRot by="-240000">
+                                      <p:cBhvr>
+                                        <p:cTn id="13" dur="2000" fill="hold">
+                                          <p:stCondLst>
+                                            <p:cond delay="6000"/>
+                                          </p:stCondLst>
+                                        </p:cTn>
+                                        <p:tgtEl>
+                                          <p:spTgt spid="8"/>
+                                        </p:tgtEl>
+                                        <p:attrNameLst>
+                                          <p:attrName>r</p:attrName>
+                                        </p:attrNameLst>
+                                      </p:cBhvr>
+                                    </p:animRot>
+                                    <p:animRot by="120000">
+                                      <p:cBhvr>
+                                        <p:cTn id="14" dur="2000" fill="hold">
+                                          <p:stCondLst>
+                                            <p:cond delay="8000"/>
+                                          </p:stCondLst>
+                                        </p:cTn>
+                                        <p:tgtEl>
+                                          <p:spTgt spid="8"/>
+                                        </p:tgtEl>
+                                        <p:attrNameLst>
+                                          <p:attrName>r</p:attrName>
+                                        </p:attrNameLst>
+                                      </p:cBhvr>
+                                    </p:animRot>
+                                  </p:childTnLst>
+                                </p:cTn>
+                              </p:par>
+                            </p:childTnLst>
+                          </p:cTn>
+                        </p:par>
+                      </p:childTnLst>
+                    </p:cTn>
+                  </p:par>
+                </p:childTnLst>
+              </p:cTn>
+              <p:prevCondLst>
+                <p:cond evt="onPrev" delay="0">
+                  <p:tgtEl>
+                    <p:sldTgt/>
+                  </p:tgtEl>
+                </p:cond>
+              </p:prevCondLst>
+              <p:nextCondLst>
+                <p:cond evt="onNext" delay="0">
+                  <p:tgtEl>
+                    <p:sldTgt/>
+                  </p:tgtEl>
+                </p:cond>
+              </p:nextCondLst>
+            </p:seq>
+          </p:childTnLst>
+        </p:cTn>
+      </p:par>
+    </p:tnLst>
+    <p:bldLst>
+      <p:bldP spid="6" grpId="0" animBg="1"/>
+      <p:bldP spid="7" grpId="0" animBg="1"/>
+    </p:bldLst>
+  </p:timing>
+</p:sld>
+</file>
+
 <file path=ppt/slides/slide2.xml><?xml version="1.0" encoding="utf-8"?>
 <p:sld xmlns:a="http://schemas.openxmlformats.org/drawingml/2006/main" xmlns:r="http://schemas.openxmlformats.org/officeDocument/2006/relationships" xmlns:p="http://schemas.openxmlformats.org/presentationml/2006/main">
   <p:cSld>
@@ -24335,21 +26221,6 @@
 </file>
 
 <file path=customXml/item1.xml><?xml version="1.0" encoding="utf-8"?>
-<p:properties xmlns:p="http://schemas.microsoft.com/office/2006/metadata/properties" xmlns:xsi="http://www.w3.org/2001/XMLSchema-instance">
-  <documentManagement/>
-</p:properties>
-</file>
-
-<file path=customXml/item2.xml><?xml version="1.0" encoding="utf-8"?>
-<?mso-contentType ?>
-<FormTemplates xmlns="http://schemas.microsoft.com/sharepoint/v3/contenttype/forms">
-  <Display>DocumentLibraryForm</Display>
-  <Edit>DocumentLibraryForm</Edit>
-  <New>DocumentLibraryForm</New>
-</FormTemplates>
-</file>
-
-<file path=customXml/item3.xml><?xml version="1.0" encoding="utf-8"?>
 <ct:contentTypeSchema xmlns:ct="http://schemas.microsoft.com/office/2006/metadata/contentType" xmlns:ma="http://schemas.microsoft.com/office/2006/metadata/properties/metaAttributes" ct:_="" ma:_="" ma:contentTypeName="Document" ma:contentTypeID="0x0101000AA0115B54226D469CC0FAAE38E5F61C" ma:contentTypeVersion="3" ma:contentTypeDescription="Create a new document." ma:contentTypeScope="" ma:versionID="0ae424bb0065d3a2a055b165aca25ec5">
   <xsd:schema xmlns:xsd="http://www.w3.org/2001/XMLSchema" xmlns:p="http://schemas.microsoft.com/office/2006/metadata/properties" targetNamespace="http://schemas.microsoft.com/office/2006/metadata/properties" ma:root="true" ma:fieldsID="4aeb20c0e3442673af7ee10786458764">
     <xsd:element name="properties">
@@ -24398,16 +26269,32 @@
 </ct:contentTypeSchema>
 </file>
 
+<file path=customXml/item2.xml><?xml version="1.0" encoding="utf-8"?>
+<?mso-contentType ?>
+<FormTemplates xmlns="http://schemas.microsoft.com/sharepoint/v3/contenttype/forms">
+  <Display>DocumentLibraryForm</Display>
+  <Edit>DocumentLibraryForm</Edit>
+  <New>DocumentLibraryForm</New>
+</FormTemplates>
+</file>
+
+<file path=customXml/item3.xml><?xml version="1.0" encoding="utf-8"?>
+<p:properties xmlns:p="http://schemas.microsoft.com/office/2006/metadata/properties" xmlns:xsi="http://www.w3.org/2001/XMLSchema-instance">
+  <documentManagement/>
+</p:properties>
+</file>
+
 <file path=customXml/itemProps1.xml><?xml version="1.0" encoding="utf-8"?>
-<ds:datastoreItem xmlns:ds="http://schemas.openxmlformats.org/officeDocument/2006/customXml" ds:itemID="{892A9AA9-F261-48C5-9DFB-0929A9F0E540}">
+<ds:datastoreItem xmlns:ds="http://schemas.openxmlformats.org/officeDocument/2006/customXml" ds:itemID="{FE6BB287-9CB7-4AA6-A5A5-8D1CE03643F3}">
   <ds:schemaRefs>
-    <ds:schemaRef ds:uri="http://schemas.microsoft.com/office/2006/documentManagement/types"/>
+    <ds:schemaRef ds:uri="http://schemas.microsoft.com/office/2006/metadata/contentType"/>
+    <ds:schemaRef ds:uri="http://schemas.microsoft.com/office/2006/metadata/properties/metaAttributes"/>
+    <ds:schemaRef ds:uri="http://www.w3.org/2001/XMLSchema"/>
     <ds:schemaRef ds:uri="http://schemas.microsoft.com/office/2006/metadata/properties"/>
-    <ds:schemaRef ds:uri="http://purl.org/dc/dcmitype/"/>
+    <ds:schemaRef ds:uri="http://schemas.openxmlformats.org/package/2006/metadata/core-properties"/>
+    <ds:schemaRef ds:uri="http://purl.org/dc/elements/1.1/"/>
     <ds:schemaRef ds:uri="http://purl.org/dc/terms/"/>
-    <ds:schemaRef ds:uri="http://schemas.openxmlformats.org/package/2006/metadata/core-properties"/>
-    <ds:schemaRef ds:uri="http://www.w3.org/XML/1998/namespace"/>
-    <ds:schemaRef ds:uri="http://purl.org/dc/elements/1.1/"/>
+    <ds:schemaRef ds:uri="http://schemas.microsoft.com/office/internal/2005/internalDocumentation"/>
   </ds:schemaRefs>
 </ds:datastoreItem>
 </file>
@@ -24421,16 +26308,15 @@
 </file>
 
 <file path=customXml/itemProps3.xml><?xml version="1.0" encoding="utf-8"?>
-<ds:datastoreItem xmlns:ds="http://schemas.openxmlformats.org/officeDocument/2006/customXml" ds:itemID="{FE6BB287-9CB7-4AA6-A5A5-8D1CE03643F3}">
+<ds:datastoreItem xmlns:ds="http://schemas.openxmlformats.org/officeDocument/2006/customXml" ds:itemID="{892A9AA9-F261-48C5-9DFB-0929A9F0E540}">
   <ds:schemaRefs>
-    <ds:schemaRef ds:uri="http://schemas.microsoft.com/office/2006/metadata/contentType"/>
-    <ds:schemaRef ds:uri="http://schemas.microsoft.com/office/2006/metadata/properties/metaAttributes"/>
-    <ds:schemaRef ds:uri="http://www.w3.org/2001/XMLSchema"/>
+    <ds:schemaRef ds:uri="http://schemas.microsoft.com/office/2006/documentManagement/types"/>
     <ds:schemaRef ds:uri="http://schemas.microsoft.com/office/2006/metadata/properties"/>
+    <ds:schemaRef ds:uri="http://purl.org/dc/dcmitype/"/>
+    <ds:schemaRef ds:uri="http://purl.org/dc/terms/"/>
     <ds:schemaRef ds:uri="http://schemas.openxmlformats.org/package/2006/metadata/core-properties"/>
+    <ds:schemaRef ds:uri="http://www.w3.org/XML/1998/namespace"/>
     <ds:schemaRef ds:uri="http://purl.org/dc/elements/1.1/"/>
-    <ds:schemaRef ds:uri="http://purl.org/dc/terms/"/>
-    <ds:schemaRef ds:uri="http://schemas.microsoft.com/office/internal/2005/internalDocumentation"/>
   </ds:schemaRefs>
 </ds:datastoreItem>
 </file>
--- a/source/_assets/Blog動畫.pptx
+++ b/source/_assets/Blog動畫.pptx
@@ -5,10 +5,10 @@
     <p:sldMasterId id="2147483752" r:id="rId4"/>
   </p:sldMasterIdLst>
   <p:notesMasterIdLst>
-    <p:notesMasterId r:id="rId20"/>
+    <p:notesMasterId r:id="rId21"/>
   </p:notesMasterIdLst>
   <p:handoutMasterIdLst>
-    <p:handoutMasterId r:id="rId21"/>
+    <p:handoutMasterId r:id="rId22"/>
   </p:handoutMasterIdLst>
   <p:sldIdLst>
     <p:sldId id="315" r:id="rId5"/>
@@ -24,8 +24,9 @@
     <p:sldId id="325" r:id="rId15"/>
     <p:sldId id="326" r:id="rId16"/>
     <p:sldId id="327" r:id="rId17"/>
-    <p:sldId id="328" r:id="rId18"/>
-    <p:sldId id="329" r:id="rId19"/>
+    <p:sldId id="330" r:id="rId18"/>
+    <p:sldId id="328" r:id="rId19"/>
+    <p:sldId id="329" r:id="rId20"/>
   </p:sldIdLst>
   <p:sldSz cx="12192000" cy="6858000"/>
   <p:notesSz cx="7099300" cy="10234613"/>
@@ -240,7 +241,7 @@
             <a:fld id="{3CDD3A71-4C75-488C-A8F3-A1F163ED0DB9}" type="datetimeFigureOut">
               <a:rPr lang="en-US" smtClean="0"/>
               <a:pPr/>
-              <a:t>7/4/2017</a:t>
+              <a:t>7/9/2017</a:t>
             </a:fld>
             <a:endParaRPr lang="en-US" dirty="0"/>
           </a:p>
@@ -408,7 +409,7 @@
             <a:fld id="{523CC419-8FB3-4D1C-8127-E63C1A13459D}" type="datetimeFigureOut">
               <a:rPr lang="en-US" smtClean="0"/>
               <a:pPr/>
-              <a:t>7/4/2017</a:t>
+              <a:t>7/9/2017</a:t>
             </a:fld>
             <a:endParaRPr lang="en-US" dirty="0"/>
           </a:p>
@@ -811,7 +812,7 @@
           <a:p>
             <a:fld id="{237FF733-248C-4CF7-A090-89CF012E357B}" type="datetimeFigureOut">
               <a:rPr lang="zh-TW" altLang="en-US" smtClean="0"/>
-              <a:t>2017/7/4</a:t>
+              <a:t>2017/7/9</a:t>
             </a:fld>
             <a:endParaRPr lang="zh-TW" altLang="en-US"/>
           </a:p>
@@ -982,7 +983,7 @@
           <a:p>
             <a:fld id="{237FF733-248C-4CF7-A090-89CF012E357B}" type="datetimeFigureOut">
               <a:rPr lang="zh-TW" altLang="en-US" smtClean="0"/>
-              <a:t>2017/7/4</a:t>
+              <a:t>2017/7/9</a:t>
             </a:fld>
             <a:endParaRPr lang="zh-TW" altLang="en-US"/>
           </a:p>
@@ -1163,7 +1164,7 @@
           <a:p>
             <a:fld id="{237FF733-248C-4CF7-A090-89CF012E357B}" type="datetimeFigureOut">
               <a:rPr lang="zh-TW" altLang="en-US" smtClean="0"/>
-              <a:t>2017/7/4</a:t>
+              <a:t>2017/7/9</a:t>
             </a:fld>
             <a:endParaRPr lang="zh-TW" altLang="en-US"/>
           </a:p>
@@ -1334,7 +1335,7 @@
           <a:p>
             <a:fld id="{237FF733-248C-4CF7-A090-89CF012E357B}" type="datetimeFigureOut">
               <a:rPr lang="zh-TW" altLang="en-US" smtClean="0"/>
-              <a:t>2017/7/4</a:t>
+              <a:t>2017/7/9</a:t>
             </a:fld>
             <a:endParaRPr lang="zh-TW" altLang="en-US"/>
           </a:p>
@@ -1581,7 +1582,7 @@
           <a:p>
             <a:fld id="{237FF733-248C-4CF7-A090-89CF012E357B}" type="datetimeFigureOut">
               <a:rPr lang="zh-TW" altLang="en-US" smtClean="0"/>
-              <a:t>2017/7/4</a:t>
+              <a:t>2017/7/9</a:t>
             </a:fld>
             <a:endParaRPr lang="zh-TW" altLang="en-US"/>
           </a:p>
@@ -1814,7 +1815,7 @@
           <a:p>
             <a:fld id="{237FF733-248C-4CF7-A090-89CF012E357B}" type="datetimeFigureOut">
               <a:rPr lang="zh-TW" altLang="en-US" smtClean="0"/>
-              <a:t>2017/7/4</a:t>
+              <a:t>2017/7/9</a:t>
             </a:fld>
             <a:endParaRPr lang="zh-TW" altLang="en-US"/>
           </a:p>
@@ -2182,7 +2183,7 @@
           <a:p>
             <a:fld id="{237FF733-248C-4CF7-A090-89CF012E357B}" type="datetimeFigureOut">
               <a:rPr lang="zh-TW" altLang="en-US" smtClean="0"/>
-              <a:t>2017/7/4</a:t>
+              <a:t>2017/7/9</a:t>
             </a:fld>
             <a:endParaRPr lang="zh-TW" altLang="en-US"/>
           </a:p>
@@ -2301,7 +2302,7 @@
           <a:p>
             <a:fld id="{237FF733-248C-4CF7-A090-89CF012E357B}" type="datetimeFigureOut">
               <a:rPr lang="zh-TW" altLang="en-US" smtClean="0"/>
-              <a:t>2017/7/4</a:t>
+              <a:t>2017/7/9</a:t>
             </a:fld>
             <a:endParaRPr lang="zh-TW" altLang="en-US"/>
           </a:p>
@@ -2397,7 +2398,7 @@
           <a:p>
             <a:fld id="{237FF733-248C-4CF7-A090-89CF012E357B}" type="datetimeFigureOut">
               <a:rPr lang="zh-TW" altLang="en-US" smtClean="0"/>
-              <a:t>2017/7/4</a:t>
+              <a:t>2017/7/9</a:t>
             </a:fld>
             <a:endParaRPr lang="zh-TW" altLang="en-US"/>
           </a:p>
@@ -2675,7 +2676,7 @@
           <a:p>
             <a:fld id="{237FF733-248C-4CF7-A090-89CF012E357B}" type="datetimeFigureOut">
               <a:rPr lang="zh-TW" altLang="en-US" smtClean="0"/>
-              <a:t>2017/7/4</a:t>
+              <a:t>2017/7/9</a:t>
             </a:fld>
             <a:endParaRPr lang="zh-TW" altLang="en-US"/>
           </a:p>
@@ -2933,7 +2934,7 @@
           <a:p>
             <a:fld id="{237FF733-248C-4CF7-A090-89CF012E357B}" type="datetimeFigureOut">
               <a:rPr lang="zh-TW" altLang="en-US" smtClean="0"/>
-              <a:t>2017/7/4</a:t>
+              <a:t>2017/7/9</a:t>
             </a:fld>
             <a:endParaRPr lang="zh-TW" altLang="en-US"/>
           </a:p>
@@ -3147,7 +3148,7 @@
           <a:p>
             <a:fld id="{237FF733-248C-4CF7-A090-89CF012E357B}" type="datetimeFigureOut">
               <a:rPr lang="zh-TW" altLang="en-US" smtClean="0"/>
-              <a:t>2017/7/4</a:t>
+              <a:t>2017/7/9</a:t>
             </a:fld>
             <a:endParaRPr lang="zh-TW" altLang="en-US"/>
           </a:p>
@@ -11541,6 +11542,934 @@
       </p:grpSpPr>
       <p:sp>
         <p:nvSpPr>
+          <p:cNvPr id="60" name="矩形 59"/>
+          <p:cNvSpPr/>
+          <p:nvPr/>
+        </p:nvSpPr>
+        <p:spPr>
+          <a:xfrm>
+            <a:off x="2772478" y="149311"/>
+            <a:ext cx="2438400" cy="2045732"/>
+          </a:xfrm>
+          <a:prstGeom prst="rect">
+            <a:avLst/>
+          </a:prstGeom>
+          <a:noFill/>
+          <a:ln w="19050">
+            <a:solidFill>
+              <a:schemeClr val="tx1"/>
+            </a:solidFill>
+            <a:prstDash val="dashDot"/>
+          </a:ln>
+        </p:spPr>
+        <p:style>
+          <a:lnRef idx="0">
+            <a:schemeClr val="accent1"/>
+          </a:lnRef>
+          <a:fillRef idx="3">
+            <a:schemeClr val="accent1"/>
+          </a:fillRef>
+          <a:effectRef idx="3">
+            <a:schemeClr val="accent1"/>
+          </a:effectRef>
+          <a:fontRef idx="minor">
+            <a:schemeClr val="lt1"/>
+          </a:fontRef>
+        </p:style>
+        <p:txBody>
+          <a:bodyPr rtlCol="0" anchor="ctr"/>
+          <a:lstStyle/>
+          <a:p>
+            <a:pPr algn="ctr"/>
+            <a:endParaRPr lang="zh-TW" altLang="en-US">
+              <a:solidFill>
+                <a:schemeClr val="tx1"/>
+              </a:solidFill>
+            </a:endParaRPr>
+          </a:p>
+        </p:txBody>
+      </p:sp>
+      <p:sp>
+        <p:nvSpPr>
+          <p:cNvPr id="61" name="矩形 60"/>
+          <p:cNvSpPr/>
+          <p:nvPr/>
+        </p:nvSpPr>
+        <p:spPr>
+          <a:xfrm>
+            <a:off x="3293385" y="152788"/>
+            <a:ext cx="1314782" cy="369332"/>
+          </a:xfrm>
+          <a:prstGeom prst="rect">
+            <a:avLst/>
+          </a:prstGeom>
+          <a:noFill/>
+          <a:ln>
+            <a:noFill/>
+          </a:ln>
+        </p:spPr>
+        <p:txBody>
+          <a:bodyPr wrap="none">
+            <a:spAutoFit/>
+          </a:bodyPr>
+          <a:lstStyle/>
+          <a:p>
+            <a:pPr algn="ctr"/>
+            <a:r>
+              <a:rPr lang="en-US" altLang="zh-TW" b="1" dirty="0" err="1" smtClean="0"/>
+              <a:t>AppModule</a:t>
+            </a:r>
+            <a:endParaRPr lang="zh-TW" altLang="en-US" b="1" dirty="0"/>
+          </a:p>
+        </p:txBody>
+      </p:sp>
+      <p:sp>
+        <p:nvSpPr>
+          <p:cNvPr id="67" name="矩形 66"/>
+          <p:cNvSpPr/>
+          <p:nvPr/>
+        </p:nvSpPr>
+        <p:spPr>
+          <a:xfrm>
+            <a:off x="2918545" y="601930"/>
+            <a:ext cx="2064466" cy="690381"/>
+          </a:xfrm>
+          <a:prstGeom prst="rect">
+            <a:avLst/>
+          </a:prstGeom>
+        </p:spPr>
+        <p:style>
+          <a:lnRef idx="0">
+            <a:schemeClr val="accent5"/>
+          </a:lnRef>
+          <a:fillRef idx="3">
+            <a:schemeClr val="accent5"/>
+          </a:fillRef>
+          <a:effectRef idx="3">
+            <a:schemeClr val="accent5"/>
+          </a:effectRef>
+          <a:fontRef idx="minor">
+            <a:schemeClr val="lt1"/>
+          </a:fontRef>
+        </p:style>
+        <p:txBody>
+          <a:bodyPr rtlCol="0" anchor="ctr"/>
+          <a:lstStyle/>
+          <a:p>
+            <a:pPr algn="ctr"/>
+            <a:endParaRPr lang="zh-TW" altLang="en-US" sz="1400" dirty="0">
+              <a:solidFill>
+                <a:schemeClr val="bg1"/>
+              </a:solidFill>
+            </a:endParaRPr>
+          </a:p>
+        </p:txBody>
+      </p:sp>
+      <p:sp>
+        <p:nvSpPr>
+          <p:cNvPr id="4" name="矩形 3"/>
+          <p:cNvSpPr/>
+          <p:nvPr/>
+        </p:nvSpPr>
+        <p:spPr>
+          <a:xfrm>
+            <a:off x="3154180" y="636941"/>
+            <a:ext cx="1593193" cy="369332"/>
+          </a:xfrm>
+          <a:prstGeom prst="rect">
+            <a:avLst/>
+          </a:prstGeom>
+        </p:spPr>
+        <p:txBody>
+          <a:bodyPr wrap="none">
+            <a:spAutoFit/>
+          </a:bodyPr>
+          <a:lstStyle/>
+          <a:p>
+            <a:pPr algn="ctr"/>
+            <a:r>
+              <a:rPr lang="en-US" altLang="zh-TW" dirty="0" err="1">
+                <a:solidFill>
+                  <a:schemeClr val="bg1"/>
+                </a:solidFill>
+              </a:rPr>
+              <a:t>MyComponent</a:t>
+            </a:r>
+            <a:endParaRPr lang="zh-TW" altLang="en-US" dirty="0">
+              <a:solidFill>
+                <a:schemeClr val="bg1"/>
+              </a:solidFill>
+            </a:endParaRPr>
+          </a:p>
+        </p:txBody>
+      </p:sp>
+      <p:grpSp>
+        <p:nvGrpSpPr>
+          <p:cNvPr id="8" name="群組 7"/>
+          <p:cNvGrpSpPr/>
+          <p:nvPr/>
+        </p:nvGrpSpPr>
+        <p:grpSpPr>
+          <a:xfrm>
+            <a:off x="8355326" y="419100"/>
+            <a:ext cx="2064466" cy="1295400"/>
+            <a:chOff x="4800600" y="2286000"/>
+            <a:chExt cx="2064466" cy="1295400"/>
+          </a:xfrm>
+        </p:grpSpPr>
+        <p:sp>
+          <p:nvSpPr>
+            <p:cNvPr id="69" name="矩形 68"/>
+            <p:cNvSpPr/>
+            <p:nvPr/>
+          </p:nvSpPr>
+          <p:spPr>
+            <a:xfrm>
+              <a:off x="4800600" y="2286000"/>
+              <a:ext cx="2064466" cy="1295400"/>
+            </a:xfrm>
+            <a:prstGeom prst="rect">
+              <a:avLst/>
+            </a:prstGeom>
+          </p:spPr>
+          <p:style>
+            <a:lnRef idx="0">
+              <a:schemeClr val="accent4"/>
+            </a:lnRef>
+            <a:fillRef idx="3">
+              <a:schemeClr val="accent4"/>
+            </a:fillRef>
+            <a:effectRef idx="3">
+              <a:schemeClr val="accent4"/>
+            </a:effectRef>
+            <a:fontRef idx="minor">
+              <a:schemeClr val="lt1"/>
+            </a:fontRef>
+          </p:style>
+          <p:txBody>
+            <a:bodyPr rtlCol="0" anchor="ctr"/>
+            <a:lstStyle/>
+            <a:p>
+              <a:pPr algn="ctr"/>
+              <a:endParaRPr lang="zh-TW" altLang="en-US" dirty="0">
+                <a:solidFill>
+                  <a:schemeClr val="bg1"/>
+                </a:solidFill>
+              </a:endParaRPr>
+            </a:p>
+          </p:txBody>
+        </p:sp>
+        <p:sp>
+          <p:nvSpPr>
+            <p:cNvPr id="7" name="矩形 6"/>
+            <p:cNvSpPr/>
+            <p:nvPr/>
+          </p:nvSpPr>
+          <p:spPr>
+            <a:xfrm>
+              <a:off x="4800600" y="2286000"/>
+              <a:ext cx="2064466" cy="369332"/>
+            </a:xfrm>
+            <a:prstGeom prst="rect">
+              <a:avLst/>
+            </a:prstGeom>
+          </p:spPr>
+          <p:txBody>
+            <a:bodyPr wrap="square">
+              <a:spAutoFit/>
+            </a:bodyPr>
+            <a:lstStyle/>
+            <a:p>
+              <a:pPr algn="ctr"/>
+              <a:r>
+                <a:rPr lang="en-US" altLang="zh-TW" dirty="0">
+                  <a:solidFill>
+                    <a:schemeClr val="bg1"/>
+                  </a:solidFill>
+                </a:rPr>
+                <a:t>Providers</a:t>
+              </a:r>
+              <a:endParaRPr lang="zh-TW" altLang="en-US" dirty="0"/>
+            </a:p>
+          </p:txBody>
+        </p:sp>
+        <p:sp>
+          <p:nvSpPr>
+            <p:cNvPr id="68" name="橢圓 67"/>
+            <p:cNvSpPr/>
+            <p:nvPr/>
+          </p:nvSpPr>
+          <p:spPr>
+            <a:xfrm>
+              <a:off x="4842233" y="2700887"/>
+              <a:ext cx="1981200" cy="518995"/>
+            </a:xfrm>
+            <a:prstGeom prst="ellipse">
+              <a:avLst/>
+            </a:prstGeom>
+          </p:spPr>
+          <p:style>
+            <a:lnRef idx="0">
+              <a:schemeClr val="accent2"/>
+            </a:lnRef>
+            <a:fillRef idx="3">
+              <a:schemeClr val="accent2"/>
+            </a:fillRef>
+            <a:effectRef idx="3">
+              <a:schemeClr val="accent2"/>
+            </a:effectRef>
+            <a:fontRef idx="minor">
+              <a:schemeClr val="lt1"/>
+            </a:fontRef>
+          </p:style>
+          <p:txBody>
+            <a:bodyPr rtlCol="0" anchor="t"/>
+            <a:lstStyle/>
+            <a:p>
+              <a:pPr algn="ctr"/>
+              <a:r>
+                <a:rPr lang="en-US" altLang="zh-TW" sz="1600" dirty="0" err="1">
+                  <a:solidFill>
+                    <a:schemeClr val="bg1"/>
+                  </a:solidFill>
+                </a:rPr>
+                <a:t>SampleService</a:t>
+              </a:r>
+              <a:endParaRPr lang="zh-TW" altLang="en-US" sz="1600" dirty="0">
+                <a:solidFill>
+                  <a:schemeClr val="bg1"/>
+                </a:solidFill>
+              </a:endParaRPr>
+            </a:p>
+            <a:p>
+              <a:pPr algn="ctr"/>
+              <a:endParaRPr lang="en-US" altLang="zh-TW" sz="1600" dirty="0">
+                <a:solidFill>
+                  <a:schemeClr val="bg1"/>
+                </a:solidFill>
+              </a:endParaRPr>
+            </a:p>
+          </p:txBody>
+        </p:sp>
+      </p:grpSp>
+      <p:sp>
+        <p:nvSpPr>
+          <p:cNvPr id="92" name="矩形 91"/>
+          <p:cNvSpPr/>
+          <p:nvPr/>
+        </p:nvSpPr>
+        <p:spPr>
+          <a:xfrm>
+            <a:off x="228600" y="114300"/>
+            <a:ext cx="2396774" cy="1905000"/>
+          </a:xfrm>
+          <a:prstGeom prst="rect">
+            <a:avLst/>
+          </a:prstGeom>
+        </p:spPr>
+        <p:style>
+          <a:lnRef idx="0">
+            <a:schemeClr val="accent5"/>
+          </a:lnRef>
+          <a:fillRef idx="3">
+            <a:schemeClr val="accent5"/>
+          </a:fillRef>
+          <a:effectRef idx="3">
+            <a:schemeClr val="accent5"/>
+          </a:effectRef>
+          <a:fontRef idx="minor">
+            <a:schemeClr val="lt1"/>
+          </a:fontRef>
+        </p:style>
+        <p:txBody>
+          <a:bodyPr rtlCol="0" anchor="ctr"/>
+          <a:lstStyle/>
+          <a:p>
+            <a:pPr algn="ctr"/>
+            <a:endParaRPr lang="zh-TW" altLang="en-US" sz="1400" dirty="0">
+              <a:solidFill>
+                <a:schemeClr val="bg1"/>
+              </a:solidFill>
+            </a:endParaRPr>
+          </a:p>
+        </p:txBody>
+      </p:sp>
+      <p:sp>
+        <p:nvSpPr>
+          <p:cNvPr id="93" name="矩形 92"/>
+          <p:cNvSpPr/>
+          <p:nvPr/>
+        </p:nvSpPr>
+        <p:spPr>
+          <a:xfrm>
+            <a:off x="228601" y="149311"/>
+            <a:ext cx="2396774" cy="369332"/>
+          </a:xfrm>
+          <a:prstGeom prst="rect">
+            <a:avLst/>
+          </a:prstGeom>
+        </p:spPr>
+        <p:txBody>
+          <a:bodyPr wrap="square">
+            <a:spAutoFit/>
+          </a:bodyPr>
+          <a:lstStyle/>
+          <a:p>
+            <a:pPr algn="ctr"/>
+            <a:r>
+              <a:rPr lang="en-US" altLang="zh-TW" dirty="0" err="1">
+                <a:solidFill>
+                  <a:schemeClr val="bg1"/>
+                </a:solidFill>
+              </a:rPr>
+              <a:t>MyComponent</a:t>
+            </a:r>
+            <a:endParaRPr lang="zh-TW" altLang="en-US" dirty="0">
+              <a:solidFill>
+                <a:schemeClr val="bg1"/>
+              </a:solidFill>
+            </a:endParaRPr>
+          </a:p>
+        </p:txBody>
+      </p:sp>
+      <p:grpSp>
+        <p:nvGrpSpPr>
+          <p:cNvPr id="94" name="群組 93"/>
+          <p:cNvGrpSpPr/>
+          <p:nvPr/>
+        </p:nvGrpSpPr>
+        <p:grpSpPr>
+          <a:xfrm>
+            <a:off x="394754" y="622773"/>
+            <a:ext cx="2064466" cy="1295400"/>
+            <a:chOff x="4800600" y="2286000"/>
+            <a:chExt cx="2064466" cy="1295400"/>
+          </a:xfrm>
+        </p:grpSpPr>
+        <p:sp>
+          <p:nvSpPr>
+            <p:cNvPr id="95" name="矩形 94"/>
+            <p:cNvSpPr/>
+            <p:nvPr/>
+          </p:nvSpPr>
+          <p:spPr>
+            <a:xfrm>
+              <a:off x="4800600" y="2286000"/>
+              <a:ext cx="2064466" cy="1295400"/>
+            </a:xfrm>
+            <a:prstGeom prst="rect">
+              <a:avLst/>
+            </a:prstGeom>
+          </p:spPr>
+          <p:style>
+            <a:lnRef idx="0">
+              <a:schemeClr val="accent4"/>
+            </a:lnRef>
+            <a:fillRef idx="3">
+              <a:schemeClr val="accent4"/>
+            </a:fillRef>
+            <a:effectRef idx="3">
+              <a:schemeClr val="accent4"/>
+            </a:effectRef>
+            <a:fontRef idx="minor">
+              <a:schemeClr val="lt1"/>
+            </a:fontRef>
+          </p:style>
+          <p:txBody>
+            <a:bodyPr rtlCol="0" anchor="ctr"/>
+            <a:lstStyle/>
+            <a:p>
+              <a:pPr algn="ctr"/>
+              <a:endParaRPr lang="zh-TW" altLang="en-US" dirty="0">
+                <a:solidFill>
+                  <a:schemeClr val="bg1"/>
+                </a:solidFill>
+              </a:endParaRPr>
+            </a:p>
+          </p:txBody>
+        </p:sp>
+        <p:sp>
+          <p:nvSpPr>
+            <p:cNvPr id="96" name="矩形 95"/>
+            <p:cNvSpPr/>
+            <p:nvPr/>
+          </p:nvSpPr>
+          <p:spPr>
+            <a:xfrm>
+              <a:off x="4800600" y="2286000"/>
+              <a:ext cx="2064466" cy="369332"/>
+            </a:xfrm>
+            <a:prstGeom prst="rect">
+              <a:avLst/>
+            </a:prstGeom>
+          </p:spPr>
+          <p:txBody>
+            <a:bodyPr wrap="square">
+              <a:spAutoFit/>
+            </a:bodyPr>
+            <a:lstStyle/>
+            <a:p>
+              <a:pPr algn="ctr"/>
+              <a:r>
+                <a:rPr lang="en-US" altLang="zh-TW" dirty="0">
+                  <a:solidFill>
+                    <a:schemeClr val="bg1"/>
+                  </a:solidFill>
+                </a:rPr>
+                <a:t>Providers</a:t>
+              </a:r>
+              <a:endParaRPr lang="zh-TW" altLang="en-US" dirty="0"/>
+            </a:p>
+          </p:txBody>
+        </p:sp>
+        <p:sp>
+          <p:nvSpPr>
+            <p:cNvPr id="97" name="橢圓 96"/>
+            <p:cNvSpPr/>
+            <p:nvPr/>
+          </p:nvSpPr>
+          <p:spPr>
+            <a:xfrm>
+              <a:off x="4842233" y="2700887"/>
+              <a:ext cx="1981200" cy="518995"/>
+            </a:xfrm>
+            <a:prstGeom prst="ellipse">
+              <a:avLst/>
+            </a:prstGeom>
+          </p:spPr>
+          <p:style>
+            <a:lnRef idx="0">
+              <a:schemeClr val="accent2"/>
+            </a:lnRef>
+            <a:fillRef idx="3">
+              <a:schemeClr val="accent2"/>
+            </a:fillRef>
+            <a:effectRef idx="3">
+              <a:schemeClr val="accent2"/>
+            </a:effectRef>
+            <a:fontRef idx="minor">
+              <a:schemeClr val="lt1"/>
+            </a:fontRef>
+          </p:style>
+          <p:txBody>
+            <a:bodyPr rtlCol="0" anchor="t"/>
+            <a:lstStyle/>
+            <a:p>
+              <a:pPr algn="ctr"/>
+              <a:r>
+                <a:rPr lang="en-US" altLang="zh-TW" sz="1600" dirty="0" err="1">
+                  <a:solidFill>
+                    <a:schemeClr val="bg1"/>
+                  </a:solidFill>
+                </a:rPr>
+                <a:t>SampleService</a:t>
+              </a:r>
+              <a:endParaRPr lang="zh-TW" altLang="en-US" sz="1600" dirty="0">
+                <a:solidFill>
+                  <a:schemeClr val="bg1"/>
+                </a:solidFill>
+              </a:endParaRPr>
+            </a:p>
+            <a:p>
+              <a:pPr algn="ctr"/>
+              <a:endParaRPr lang="en-US" altLang="zh-TW" sz="1600" dirty="0">
+                <a:solidFill>
+                  <a:schemeClr val="bg1"/>
+                </a:solidFill>
+              </a:endParaRPr>
+            </a:p>
+          </p:txBody>
+        </p:sp>
+      </p:grpSp>
+      <p:sp>
+        <p:nvSpPr>
+          <p:cNvPr id="98" name="矩形 97"/>
+          <p:cNvSpPr/>
+          <p:nvPr/>
+        </p:nvSpPr>
+        <p:spPr>
+          <a:xfrm>
+            <a:off x="5503918" y="149311"/>
+            <a:ext cx="2438400" cy="2045732"/>
+          </a:xfrm>
+          <a:prstGeom prst="rect">
+            <a:avLst/>
+          </a:prstGeom>
+          <a:noFill/>
+          <a:ln w="19050">
+            <a:solidFill>
+              <a:schemeClr val="tx1"/>
+            </a:solidFill>
+            <a:prstDash val="dashDot"/>
+          </a:ln>
+        </p:spPr>
+        <p:style>
+          <a:lnRef idx="0">
+            <a:schemeClr val="accent1"/>
+          </a:lnRef>
+          <a:fillRef idx="3">
+            <a:schemeClr val="accent1"/>
+          </a:fillRef>
+          <a:effectRef idx="3">
+            <a:schemeClr val="accent1"/>
+          </a:effectRef>
+          <a:fontRef idx="minor">
+            <a:schemeClr val="lt1"/>
+          </a:fontRef>
+        </p:style>
+        <p:txBody>
+          <a:bodyPr rtlCol="0" anchor="ctr"/>
+          <a:lstStyle/>
+          <a:p>
+            <a:pPr algn="ctr"/>
+            <a:endParaRPr lang="zh-TW" altLang="en-US">
+              <a:solidFill>
+                <a:schemeClr val="tx1"/>
+              </a:solidFill>
+            </a:endParaRPr>
+          </a:p>
+        </p:txBody>
+      </p:sp>
+      <p:sp>
+        <p:nvSpPr>
+          <p:cNvPr id="99" name="矩形 98"/>
+          <p:cNvSpPr/>
+          <p:nvPr/>
+        </p:nvSpPr>
+        <p:spPr>
+          <a:xfrm>
+            <a:off x="6078943" y="149311"/>
+            <a:ext cx="1338251" cy="369332"/>
+          </a:xfrm>
+          <a:prstGeom prst="rect">
+            <a:avLst/>
+          </a:prstGeom>
+          <a:noFill/>
+          <a:ln>
+            <a:noFill/>
+          </a:ln>
+        </p:spPr>
+        <p:txBody>
+          <a:bodyPr wrap="none">
+            <a:spAutoFit/>
+          </a:bodyPr>
+          <a:lstStyle/>
+          <a:p>
+            <a:pPr algn="ctr"/>
+            <a:r>
+              <a:rPr lang="en-US" altLang="zh-TW" b="1" dirty="0" err="1" smtClean="0"/>
+              <a:t>FirstModule</a:t>
+            </a:r>
+            <a:endParaRPr lang="zh-TW" altLang="en-US" b="1" dirty="0"/>
+          </a:p>
+        </p:txBody>
+      </p:sp>
+      <p:sp>
+        <p:nvSpPr>
+          <p:cNvPr id="106" name="矩形 105"/>
+          <p:cNvSpPr/>
+          <p:nvPr/>
+        </p:nvSpPr>
+        <p:spPr>
+          <a:xfrm>
+            <a:off x="5715835" y="597055"/>
+            <a:ext cx="2064466" cy="695256"/>
+          </a:xfrm>
+          <a:prstGeom prst="rect">
+            <a:avLst/>
+          </a:prstGeom>
+        </p:spPr>
+        <p:style>
+          <a:lnRef idx="0">
+            <a:schemeClr val="accent5"/>
+          </a:lnRef>
+          <a:fillRef idx="3">
+            <a:schemeClr val="accent5"/>
+          </a:fillRef>
+          <a:effectRef idx="3">
+            <a:schemeClr val="accent5"/>
+          </a:effectRef>
+          <a:fontRef idx="minor">
+            <a:schemeClr val="lt1"/>
+          </a:fontRef>
+        </p:style>
+        <p:txBody>
+          <a:bodyPr rtlCol="0" anchor="ctr"/>
+          <a:lstStyle/>
+          <a:p>
+            <a:pPr algn="ctr"/>
+            <a:endParaRPr lang="zh-TW" altLang="en-US" sz="1400" dirty="0">
+              <a:solidFill>
+                <a:schemeClr val="bg1"/>
+              </a:solidFill>
+            </a:endParaRPr>
+          </a:p>
+        </p:txBody>
+      </p:sp>
+      <p:sp>
+        <p:nvSpPr>
+          <p:cNvPr id="107" name="矩形 106"/>
+          <p:cNvSpPr/>
+          <p:nvPr/>
+        </p:nvSpPr>
+        <p:spPr>
+          <a:xfrm>
+            <a:off x="5902642" y="632066"/>
+            <a:ext cx="1690849" cy="369332"/>
+          </a:xfrm>
+          <a:prstGeom prst="rect">
+            <a:avLst/>
+          </a:prstGeom>
+        </p:spPr>
+        <p:txBody>
+          <a:bodyPr wrap="none">
+            <a:spAutoFit/>
+          </a:bodyPr>
+          <a:lstStyle/>
+          <a:p>
+            <a:pPr algn="ctr"/>
+            <a:r>
+              <a:rPr lang="en-US" altLang="zh-TW" dirty="0" err="1" smtClean="0">
+                <a:solidFill>
+                  <a:schemeClr val="bg1"/>
+                </a:solidFill>
+              </a:rPr>
+              <a:t>FirstComponent</a:t>
+            </a:r>
+            <a:endParaRPr lang="zh-TW" altLang="en-US" dirty="0">
+              <a:solidFill>
+                <a:schemeClr val="bg1"/>
+              </a:solidFill>
+            </a:endParaRPr>
+          </a:p>
+        </p:txBody>
+      </p:sp>
+    </p:spTree>
+    <p:extLst>
+      <p:ext uri="{BB962C8B-B14F-4D97-AF65-F5344CB8AC3E}">
+        <p14:creationId xmlns:p14="http://schemas.microsoft.com/office/powerpoint/2010/main" val="1024617178"/>
+      </p:ext>
+    </p:extLst>
+  </p:cSld>
+  <p:clrMapOvr>
+    <a:masterClrMapping/>
+  </p:clrMapOvr>
+  <p:timing>
+    <p:tnLst>
+      <p:par>
+        <p:cTn id="1" dur="indefinite" restart="never" nodeType="tmRoot">
+          <p:childTnLst>
+            <p:seq concurrent="1" nextAc="seek">
+              <p:cTn id="2" dur="indefinite" nodeType="mainSeq">
+                <p:childTnLst>
+                  <p:par>
+                    <p:cTn id="3" fill="hold">
+                      <p:stCondLst>
+                        <p:cond delay="indefinite"/>
+                      </p:stCondLst>
+                      <p:childTnLst>
+                        <p:par>
+                          <p:cTn id="4" fill="hold">
+                            <p:stCondLst>
+                              <p:cond delay="0"/>
+                            </p:stCondLst>
+                            <p:childTnLst>
+                              <p:par>
+                                <p:cTn id="5" presetID="10" presetClass="entr" presetSubtype="0" fill="hold" grpId="0" nodeType="clickEffect">
+                                  <p:stCondLst>
+                                    <p:cond delay="0"/>
+                                  </p:stCondLst>
+                                  <p:childTnLst>
+                                    <p:set>
+                                      <p:cBhvr>
+                                        <p:cTn id="6" dur="1" fill="hold">
+                                          <p:stCondLst>
+                                            <p:cond delay="0"/>
+                                          </p:stCondLst>
+                                        </p:cTn>
+                                        <p:tgtEl>
+                                          <p:spTgt spid="67"/>
+                                        </p:tgtEl>
+                                        <p:attrNameLst>
+                                          <p:attrName>style.visibility</p:attrName>
+                                        </p:attrNameLst>
+                                      </p:cBhvr>
+                                      <p:to>
+                                        <p:strVal val="visible"/>
+                                      </p:to>
+                                    </p:set>
+                                    <p:animEffect transition="in" filter="fade">
+                                      <p:cBhvr>
+                                        <p:cTn id="7" dur="500"/>
+                                        <p:tgtEl>
+                                          <p:spTgt spid="67"/>
+                                        </p:tgtEl>
+                                      </p:cBhvr>
+                                    </p:animEffect>
+                                  </p:childTnLst>
+                                </p:cTn>
+                              </p:par>
+                            </p:childTnLst>
+                          </p:cTn>
+                        </p:par>
+                      </p:childTnLst>
+                    </p:cTn>
+                  </p:par>
+                  <p:par>
+                    <p:cTn id="8" fill="hold">
+                      <p:stCondLst>
+                        <p:cond delay="indefinite"/>
+                      </p:stCondLst>
+                      <p:childTnLst>
+                        <p:par>
+                          <p:cTn id="9" fill="hold">
+                            <p:stCondLst>
+                              <p:cond delay="0"/>
+                            </p:stCondLst>
+                            <p:childTnLst>
+                              <p:par>
+                                <p:cTn id="10" presetID="10" presetClass="entr" presetSubtype="0" fill="hold" grpId="0" nodeType="clickEffect">
+                                  <p:stCondLst>
+                                    <p:cond delay="0"/>
+                                  </p:stCondLst>
+                                  <p:childTnLst>
+                                    <p:set>
+                                      <p:cBhvr>
+                                        <p:cTn id="11" dur="1" fill="hold">
+                                          <p:stCondLst>
+                                            <p:cond delay="0"/>
+                                          </p:stCondLst>
+                                        </p:cTn>
+                                        <p:tgtEl>
+                                          <p:spTgt spid="92"/>
+                                        </p:tgtEl>
+                                        <p:attrNameLst>
+                                          <p:attrName>style.visibility</p:attrName>
+                                        </p:attrNameLst>
+                                      </p:cBhvr>
+                                      <p:to>
+                                        <p:strVal val="visible"/>
+                                      </p:to>
+                                    </p:set>
+                                    <p:animEffect transition="in" filter="fade">
+                                      <p:cBhvr>
+                                        <p:cTn id="12" dur="500"/>
+                                        <p:tgtEl>
+                                          <p:spTgt spid="92"/>
+                                        </p:tgtEl>
+                                      </p:cBhvr>
+                                    </p:animEffect>
+                                  </p:childTnLst>
+                                </p:cTn>
+                              </p:par>
+                            </p:childTnLst>
+                          </p:cTn>
+                        </p:par>
+                      </p:childTnLst>
+                    </p:cTn>
+                  </p:par>
+                  <p:par>
+                    <p:cTn id="13" fill="hold">
+                      <p:stCondLst>
+                        <p:cond delay="indefinite"/>
+                      </p:stCondLst>
+                      <p:childTnLst>
+                        <p:par>
+                          <p:cTn id="14" fill="hold">
+                            <p:stCondLst>
+                              <p:cond delay="0"/>
+                            </p:stCondLst>
+                            <p:childTnLst>
+                              <p:par>
+                                <p:cTn id="15" presetID="10" presetClass="entr" presetSubtype="0" fill="hold" grpId="0" nodeType="clickEffect">
+                                  <p:stCondLst>
+                                    <p:cond delay="0"/>
+                                  </p:stCondLst>
+                                  <p:childTnLst>
+                                    <p:set>
+                                      <p:cBhvr>
+                                        <p:cTn id="16" dur="1" fill="hold">
+                                          <p:stCondLst>
+                                            <p:cond delay="0"/>
+                                          </p:stCondLst>
+                                        </p:cTn>
+                                        <p:tgtEl>
+                                          <p:spTgt spid="106"/>
+                                        </p:tgtEl>
+                                        <p:attrNameLst>
+                                          <p:attrName>style.visibility</p:attrName>
+                                        </p:attrNameLst>
+                                      </p:cBhvr>
+                                      <p:to>
+                                        <p:strVal val="visible"/>
+                                      </p:to>
+                                    </p:set>
+                                    <p:animEffect transition="in" filter="fade">
+                                      <p:cBhvr>
+                                        <p:cTn id="17" dur="500"/>
+                                        <p:tgtEl>
+                                          <p:spTgt spid="106"/>
+                                        </p:tgtEl>
+                                      </p:cBhvr>
+                                    </p:animEffect>
+                                  </p:childTnLst>
+                                </p:cTn>
+                              </p:par>
+                            </p:childTnLst>
+                          </p:cTn>
+                        </p:par>
+                      </p:childTnLst>
+                    </p:cTn>
+                  </p:par>
+                </p:childTnLst>
+              </p:cTn>
+              <p:prevCondLst>
+                <p:cond evt="onPrev" delay="0">
+                  <p:tgtEl>
+                    <p:sldTgt/>
+                  </p:tgtEl>
+                </p:cond>
+              </p:prevCondLst>
+              <p:nextCondLst>
+                <p:cond evt="onNext" delay="0">
+                  <p:tgtEl>
+                    <p:sldTgt/>
+                  </p:tgtEl>
+                </p:cond>
+              </p:nextCondLst>
+            </p:seq>
+          </p:childTnLst>
+        </p:cTn>
+      </p:par>
+    </p:tnLst>
+    <p:bldLst>
+      <p:bldP spid="67" grpId="0" animBg="1"/>
+      <p:bldP spid="92" grpId="0" animBg="1"/>
+      <p:bldP spid="106" grpId="0" animBg="1"/>
+    </p:bldLst>
+  </p:timing>
+</p:sld>
+</file>
+
+<file path=ppt/slides/slide15.xml><?xml version="1.0" encoding="utf-8"?>
+<p:sld xmlns:a="http://schemas.openxmlformats.org/drawingml/2006/main" xmlns:r="http://schemas.openxmlformats.org/officeDocument/2006/relationships" xmlns:p="http://schemas.openxmlformats.org/presentationml/2006/main">
+  <p:cSld>
+    <p:spTree>
+      <p:nvGrpSpPr>
+        <p:cNvPr id="1" name=""/>
+        <p:cNvGrpSpPr/>
+        <p:nvPr/>
+      </p:nvGrpSpPr>
+      <p:grpSpPr>
+        <a:xfrm>
+          <a:off x="0" y="0"/>
+          <a:ext cx="0" cy="0"/>
+          <a:chOff x="0" y="0"/>
+          <a:chExt cx="0" cy="0"/>
+        </a:xfrm>
+      </p:grpSpPr>
+      <p:sp>
+        <p:nvSpPr>
           <p:cNvPr id="5" name="矩形 4"/>
           <p:cNvSpPr/>
           <p:nvPr/>
@@ -12593,7 +13522,7 @@
 </p:sld>
 </file>
 
-<file path=ppt/slides/slide15.xml><?xml version="1.0" encoding="utf-8"?>
+<file path=ppt/slides/slide16.xml><?xml version="1.0" encoding="utf-8"?>
 <p:sld xmlns:a="http://schemas.openxmlformats.org/drawingml/2006/main" xmlns:r="http://schemas.openxmlformats.org/officeDocument/2006/relationships" xmlns:p="http://schemas.openxmlformats.org/presentationml/2006/main">
   <p:cSld>
     <p:spTree>
@@ -26221,6 +27150,15 @@
 </file>
 
 <file path=customXml/item1.xml><?xml version="1.0" encoding="utf-8"?>
+<?mso-contentType ?>
+<FormTemplates xmlns="http://schemas.microsoft.com/sharepoint/v3/contenttype/forms">
+  <Display>DocumentLibraryForm</Display>
+  <Edit>DocumentLibraryForm</Edit>
+  <New>DocumentLibraryForm</New>
+</FormTemplates>
+</file>
+
+<file path=customXml/item2.xml><?xml version="1.0" encoding="utf-8"?>
 <ct:contentTypeSchema xmlns:ct="http://schemas.microsoft.com/office/2006/metadata/contentType" xmlns:ma="http://schemas.microsoft.com/office/2006/metadata/properties/metaAttributes" ct:_="" ma:_="" ma:contentTypeName="Document" ma:contentTypeID="0x0101000AA0115B54226D469CC0FAAE38E5F61C" ma:contentTypeVersion="3" ma:contentTypeDescription="Create a new document." ma:contentTypeScope="" ma:versionID="0ae424bb0065d3a2a055b165aca25ec5">
   <xsd:schema xmlns:xsd="http://www.w3.org/2001/XMLSchema" xmlns:p="http://schemas.microsoft.com/office/2006/metadata/properties" targetNamespace="http://schemas.microsoft.com/office/2006/metadata/properties" ma:root="true" ma:fieldsID="4aeb20c0e3442673af7ee10786458764">
     <xsd:element name="properties">
@@ -26269,15 +27207,6 @@
 </ct:contentTypeSchema>
 </file>
 
-<file path=customXml/item2.xml><?xml version="1.0" encoding="utf-8"?>
-<?mso-contentType ?>
-<FormTemplates xmlns="http://schemas.microsoft.com/sharepoint/v3/contenttype/forms">
-  <Display>DocumentLibraryForm</Display>
-  <Edit>DocumentLibraryForm</Edit>
-  <New>DocumentLibraryForm</New>
-</FormTemplates>
-</file>
-
 <file path=customXml/item3.xml><?xml version="1.0" encoding="utf-8"?>
 <p:properties xmlns:p="http://schemas.microsoft.com/office/2006/metadata/properties" xmlns:xsi="http://www.w3.org/2001/XMLSchema-instance">
   <documentManagement/>
@@ -26285,6 +27214,14 @@
 </file>
 
 <file path=customXml/itemProps1.xml><?xml version="1.0" encoding="utf-8"?>
+<ds:datastoreItem xmlns:ds="http://schemas.openxmlformats.org/officeDocument/2006/customXml" ds:itemID="{A1770BF7-49D5-46D6-8B76-1D8AF290B450}">
+  <ds:schemaRefs>
+    <ds:schemaRef ds:uri="http://schemas.microsoft.com/sharepoint/v3/contenttype/forms"/>
+  </ds:schemaRefs>
+</ds:datastoreItem>
+</file>
+
+<file path=customXml/itemProps2.xml><?xml version="1.0" encoding="utf-8"?>
 <ds:datastoreItem xmlns:ds="http://schemas.openxmlformats.org/officeDocument/2006/customXml" ds:itemID="{FE6BB287-9CB7-4AA6-A5A5-8D1CE03643F3}">
   <ds:schemaRefs>
     <ds:schemaRef ds:uri="http://schemas.microsoft.com/office/2006/metadata/contentType"/>
@@ -26295,14 +27232,6 @@
     <ds:schemaRef ds:uri="http://purl.org/dc/elements/1.1/"/>
     <ds:schemaRef ds:uri="http://purl.org/dc/terms/"/>
     <ds:schemaRef ds:uri="http://schemas.microsoft.com/office/internal/2005/internalDocumentation"/>
-  </ds:schemaRefs>
-</ds:datastoreItem>
-</file>
-
-<file path=customXml/itemProps2.xml><?xml version="1.0" encoding="utf-8"?>
-<ds:datastoreItem xmlns:ds="http://schemas.openxmlformats.org/officeDocument/2006/customXml" ds:itemID="{A1770BF7-49D5-46D6-8B76-1D8AF290B450}">
-  <ds:schemaRefs>
-    <ds:schemaRef ds:uri="http://schemas.microsoft.com/sharepoint/v3/contenttype/forms"/>
   </ds:schemaRefs>
 </ds:datastoreItem>
 </file>

--- a/source/_assets/Blog動畫.pptx
+++ b/source/_assets/Blog動畫.pptx
@@ -5,10 +5,10 @@
     <p:sldMasterId id="2147483752" r:id="rId4"/>
   </p:sldMasterIdLst>
   <p:notesMasterIdLst>
-    <p:notesMasterId r:id="rId21"/>
+    <p:notesMasterId r:id="rId22"/>
   </p:notesMasterIdLst>
   <p:handoutMasterIdLst>
-    <p:handoutMasterId r:id="rId22"/>
+    <p:handoutMasterId r:id="rId23"/>
   </p:handoutMasterIdLst>
   <p:sldIdLst>
     <p:sldId id="315" r:id="rId5"/>
@@ -27,6 +27,7 @@
     <p:sldId id="330" r:id="rId18"/>
     <p:sldId id="328" r:id="rId19"/>
     <p:sldId id="329" r:id="rId20"/>
+    <p:sldId id="331" r:id="rId21"/>
   </p:sldIdLst>
   <p:sldSz cx="12192000" cy="6858000"/>
   <p:notesSz cx="7099300" cy="10234613"/>
@@ -241,7 +242,7 @@
             <a:fld id="{3CDD3A71-4C75-488C-A8F3-A1F163ED0DB9}" type="datetimeFigureOut">
               <a:rPr lang="en-US" smtClean="0"/>
               <a:pPr/>
-              <a:t>7/9/2017</a:t>
+              <a:t>7/11/2017</a:t>
             </a:fld>
             <a:endParaRPr lang="en-US" dirty="0"/>
           </a:p>
@@ -409,7 +410,7 @@
             <a:fld id="{523CC419-8FB3-4D1C-8127-E63C1A13459D}" type="datetimeFigureOut">
               <a:rPr lang="en-US" smtClean="0"/>
               <a:pPr/>
-              <a:t>7/9/2017</a:t>
+              <a:t>7/11/2017</a:t>
             </a:fld>
             <a:endParaRPr lang="en-US" dirty="0"/>
           </a:p>
@@ -812,7 +813,7 @@
           <a:p>
             <a:fld id="{237FF733-248C-4CF7-A090-89CF012E357B}" type="datetimeFigureOut">
               <a:rPr lang="zh-TW" altLang="en-US" smtClean="0"/>
-              <a:t>2017/7/9</a:t>
+              <a:t>2017/7/11</a:t>
             </a:fld>
             <a:endParaRPr lang="zh-TW" altLang="en-US"/>
           </a:p>
@@ -983,7 +984,7 @@
           <a:p>
             <a:fld id="{237FF733-248C-4CF7-A090-89CF012E357B}" type="datetimeFigureOut">
               <a:rPr lang="zh-TW" altLang="en-US" smtClean="0"/>
-              <a:t>2017/7/9</a:t>
+              <a:t>2017/7/11</a:t>
             </a:fld>
             <a:endParaRPr lang="zh-TW" altLang="en-US"/>
           </a:p>
@@ -1164,7 +1165,7 @@
           <a:p>
             <a:fld id="{237FF733-248C-4CF7-A090-89CF012E357B}" type="datetimeFigureOut">
               <a:rPr lang="zh-TW" altLang="en-US" smtClean="0"/>
-              <a:t>2017/7/9</a:t>
+              <a:t>2017/7/11</a:t>
             </a:fld>
             <a:endParaRPr lang="zh-TW" altLang="en-US"/>
           </a:p>
@@ -1335,7 +1336,7 @@
           <a:p>
             <a:fld id="{237FF733-248C-4CF7-A090-89CF012E357B}" type="datetimeFigureOut">
               <a:rPr lang="zh-TW" altLang="en-US" smtClean="0"/>
-              <a:t>2017/7/9</a:t>
+              <a:t>2017/7/11</a:t>
             </a:fld>
             <a:endParaRPr lang="zh-TW" altLang="en-US"/>
           </a:p>
@@ -1582,7 +1583,7 @@
           <a:p>
             <a:fld id="{237FF733-248C-4CF7-A090-89CF012E357B}" type="datetimeFigureOut">
               <a:rPr lang="zh-TW" altLang="en-US" smtClean="0"/>
-              <a:t>2017/7/9</a:t>
+              <a:t>2017/7/11</a:t>
             </a:fld>
             <a:endParaRPr lang="zh-TW" altLang="en-US"/>
           </a:p>
@@ -1815,7 +1816,7 @@
           <a:p>
             <a:fld id="{237FF733-248C-4CF7-A090-89CF012E357B}" type="datetimeFigureOut">
               <a:rPr lang="zh-TW" altLang="en-US" smtClean="0"/>
-              <a:t>2017/7/9</a:t>
+              <a:t>2017/7/11</a:t>
             </a:fld>
             <a:endParaRPr lang="zh-TW" altLang="en-US"/>
           </a:p>
@@ -2183,7 +2184,7 @@
           <a:p>
             <a:fld id="{237FF733-248C-4CF7-A090-89CF012E357B}" type="datetimeFigureOut">
               <a:rPr lang="zh-TW" altLang="en-US" smtClean="0"/>
-              <a:t>2017/7/9</a:t>
+              <a:t>2017/7/11</a:t>
             </a:fld>
             <a:endParaRPr lang="zh-TW" altLang="en-US"/>
           </a:p>
@@ -2302,7 +2303,7 @@
           <a:p>
             <a:fld id="{237FF733-248C-4CF7-A090-89CF012E357B}" type="datetimeFigureOut">
               <a:rPr lang="zh-TW" altLang="en-US" smtClean="0"/>
-              <a:t>2017/7/9</a:t>
+              <a:t>2017/7/11</a:t>
             </a:fld>
             <a:endParaRPr lang="zh-TW" altLang="en-US"/>
           </a:p>
@@ -2398,7 +2399,7 @@
           <a:p>
             <a:fld id="{237FF733-248C-4CF7-A090-89CF012E357B}" type="datetimeFigureOut">
               <a:rPr lang="zh-TW" altLang="en-US" smtClean="0"/>
-              <a:t>2017/7/9</a:t>
+              <a:t>2017/7/11</a:t>
             </a:fld>
             <a:endParaRPr lang="zh-TW" altLang="en-US"/>
           </a:p>
@@ -2676,7 +2677,7 @@
           <a:p>
             <a:fld id="{237FF733-248C-4CF7-A090-89CF012E357B}" type="datetimeFigureOut">
               <a:rPr lang="zh-TW" altLang="en-US" smtClean="0"/>
-              <a:t>2017/7/9</a:t>
+              <a:t>2017/7/11</a:t>
             </a:fld>
             <a:endParaRPr lang="zh-TW" altLang="en-US"/>
           </a:p>
@@ -2934,7 +2935,7 @@
           <a:p>
             <a:fld id="{237FF733-248C-4CF7-A090-89CF012E357B}" type="datetimeFigureOut">
               <a:rPr lang="zh-TW" altLang="en-US" smtClean="0"/>
-              <a:t>2017/7/9</a:t>
+              <a:t>2017/7/11</a:t>
             </a:fld>
             <a:endParaRPr lang="zh-TW" altLang="en-US"/>
           </a:p>
@@ -3148,7 +3149,7 @@
           <a:p>
             <a:fld id="{237FF733-248C-4CF7-A090-89CF012E357B}" type="datetimeFigureOut">
               <a:rPr lang="zh-TW" altLang="en-US" smtClean="0"/>
-              <a:t>2017/7/9</a:t>
+              <a:t>2017/7/11</a:t>
             </a:fld>
             <a:endParaRPr lang="zh-TW" altLang="en-US"/>
           </a:p>
@@ -11548,7 +11549,7 @@
         </p:nvSpPr>
         <p:spPr>
           <a:xfrm>
-            <a:off x="2772478" y="149311"/>
+            <a:off x="2809712" y="-2195836"/>
             <a:ext cx="2438400" cy="2045732"/>
           </a:xfrm>
           <a:prstGeom prst="rect">
@@ -11597,7 +11598,7 @@
         </p:nvSpPr>
         <p:spPr>
           <a:xfrm>
-            <a:off x="3293385" y="152788"/>
+            <a:off x="3330619" y="-2192359"/>
             <a:ext cx="1314782" cy="369332"/>
           </a:xfrm>
           <a:prstGeom prst="rect">
@@ -11631,7 +11632,7 @@
         </p:nvSpPr>
         <p:spPr>
           <a:xfrm>
-            <a:off x="2918545" y="601930"/>
+            <a:off x="2955779" y="-1743217"/>
             <a:ext cx="2064466" cy="690381"/>
           </a:xfrm>
           <a:prstGeom prst="rect">
@@ -11673,7 +11674,7 @@
         </p:nvSpPr>
         <p:spPr>
           <a:xfrm>
-            <a:off x="3154180" y="636941"/>
+            <a:off x="3191414" y="-1708206"/>
             <a:ext cx="1593193" cy="369332"/>
           </a:xfrm>
           <a:prstGeom prst="rect">
@@ -11711,7 +11712,7 @@
         </p:nvGrpSpPr>
         <p:grpSpPr>
           <a:xfrm>
-            <a:off x="8355326" y="419100"/>
+            <a:off x="8392560" y="-1926047"/>
             <a:ext cx="2064466" cy="1295400"/>
             <a:chOff x="4800600" y="2286000"/>
             <a:chExt cx="2064466" cy="1295400"/>
@@ -11860,7 +11861,7 @@
         </p:nvSpPr>
         <p:spPr>
           <a:xfrm>
-            <a:off x="228600" y="114300"/>
+            <a:off x="265834" y="-2230847"/>
             <a:ext cx="2396774" cy="1905000"/>
           </a:xfrm>
           <a:prstGeom prst="rect">
@@ -11902,7 +11903,7 @@
         </p:nvSpPr>
         <p:spPr>
           <a:xfrm>
-            <a:off x="228601" y="149311"/>
+            <a:off x="265835" y="-2195836"/>
             <a:ext cx="2396774" cy="369332"/>
           </a:xfrm>
           <a:prstGeom prst="rect">
@@ -11940,7 +11941,7 @@
         </p:nvGrpSpPr>
         <p:grpSpPr>
           <a:xfrm>
-            <a:off x="394754" y="622773"/>
+            <a:off x="431988" y="-1722374"/>
             <a:ext cx="2064466" cy="1295400"/>
             <a:chOff x="4800600" y="2286000"/>
             <a:chExt cx="2064466" cy="1295400"/>
@@ -12089,7 +12090,7 @@
         </p:nvSpPr>
         <p:spPr>
           <a:xfrm>
-            <a:off x="5503918" y="149311"/>
+            <a:off x="5541152" y="-2195836"/>
             <a:ext cx="2438400" cy="2045732"/>
           </a:xfrm>
           <a:prstGeom prst="rect">
@@ -12138,7 +12139,7 @@
         </p:nvSpPr>
         <p:spPr>
           <a:xfrm>
-            <a:off x="6078943" y="149311"/>
+            <a:off x="6116177" y="-2195836"/>
             <a:ext cx="1338251" cy="369332"/>
           </a:xfrm>
           <a:prstGeom prst="rect">
@@ -12172,7 +12173,7 @@
         </p:nvSpPr>
         <p:spPr>
           <a:xfrm>
-            <a:off x="5715835" y="597055"/>
+            <a:off x="5753069" y="-1748092"/>
             <a:ext cx="2064466" cy="695256"/>
           </a:xfrm>
           <a:prstGeom prst="rect">
@@ -12214,7 +12215,7 @@
         </p:nvSpPr>
         <p:spPr>
           <a:xfrm>
-            <a:off x="5902642" y="632066"/>
+            <a:off x="5939876" y="-1713081"/>
             <a:ext cx="1690849" cy="369332"/>
           </a:xfrm>
           <a:prstGeom prst="rect">
@@ -12241,6 +12242,1827 @@
                 <a:schemeClr val="bg1"/>
               </a:solidFill>
             </a:endParaRPr>
+          </a:p>
+        </p:txBody>
+      </p:sp>
+      <p:sp>
+        <p:nvSpPr>
+          <p:cNvPr id="20" name="矩形 19"/>
+          <p:cNvSpPr/>
+          <p:nvPr/>
+        </p:nvSpPr>
+        <p:spPr>
+          <a:xfrm>
+            <a:off x="2182124" y="1127646"/>
+            <a:ext cx="6047476" cy="5730354"/>
+          </a:xfrm>
+          <a:prstGeom prst="rect">
+            <a:avLst/>
+          </a:prstGeom>
+          <a:noFill/>
+          <a:ln w="19050">
+            <a:solidFill>
+              <a:schemeClr val="tx1"/>
+            </a:solidFill>
+            <a:prstDash val="dashDot"/>
+          </a:ln>
+        </p:spPr>
+        <p:style>
+          <a:lnRef idx="0">
+            <a:schemeClr val="accent1"/>
+          </a:lnRef>
+          <a:fillRef idx="3">
+            <a:schemeClr val="accent1"/>
+          </a:fillRef>
+          <a:effectRef idx="3">
+            <a:schemeClr val="accent1"/>
+          </a:effectRef>
+          <a:fontRef idx="minor">
+            <a:schemeClr val="lt1"/>
+          </a:fontRef>
+        </p:style>
+        <p:txBody>
+          <a:bodyPr rtlCol="0" anchor="ctr"/>
+          <a:lstStyle/>
+          <a:p>
+            <a:pPr algn="ctr"/>
+            <a:endParaRPr lang="zh-TW" altLang="en-US">
+              <a:solidFill>
+                <a:schemeClr val="tx1"/>
+              </a:solidFill>
+            </a:endParaRPr>
+          </a:p>
+        </p:txBody>
+      </p:sp>
+      <p:sp>
+        <p:nvSpPr>
+          <p:cNvPr id="21" name="矩形 20"/>
+          <p:cNvSpPr/>
+          <p:nvPr/>
+        </p:nvSpPr>
+        <p:spPr>
+          <a:xfrm>
+            <a:off x="4551321" y="1128891"/>
+            <a:ext cx="1314782" cy="369332"/>
+          </a:xfrm>
+          <a:prstGeom prst="rect">
+            <a:avLst/>
+          </a:prstGeom>
+          <a:noFill/>
+          <a:ln>
+            <a:noFill/>
+          </a:ln>
+        </p:spPr>
+        <p:txBody>
+          <a:bodyPr wrap="none">
+            <a:spAutoFit/>
+          </a:bodyPr>
+          <a:lstStyle/>
+          <a:p>
+            <a:pPr algn="ctr"/>
+            <a:r>
+              <a:rPr lang="en-US" altLang="zh-TW" b="1" dirty="0" err="1" smtClean="0"/>
+              <a:t>AppModule</a:t>
+            </a:r>
+            <a:endParaRPr lang="zh-TW" altLang="en-US" b="1" dirty="0"/>
+          </a:p>
+        </p:txBody>
+      </p:sp>
+      <p:grpSp>
+        <p:nvGrpSpPr>
+          <p:cNvPr id="5" name="群組 4"/>
+          <p:cNvGrpSpPr/>
+          <p:nvPr/>
+        </p:nvGrpSpPr>
+        <p:grpSpPr>
+          <a:xfrm>
+            <a:off x="2504792" y="1525278"/>
+            <a:ext cx="3048000" cy="1682843"/>
+            <a:chOff x="2590800" y="3041557"/>
+            <a:chExt cx="3048000" cy="1682843"/>
+          </a:xfrm>
+        </p:grpSpPr>
+        <p:sp>
+          <p:nvSpPr>
+            <p:cNvPr id="2" name="矩形 1"/>
+            <p:cNvSpPr/>
+            <p:nvPr/>
+          </p:nvSpPr>
+          <p:spPr>
+            <a:xfrm>
+              <a:off x="2590800" y="3045294"/>
+              <a:ext cx="3048000" cy="1679106"/>
+            </a:xfrm>
+            <a:prstGeom prst="rect">
+              <a:avLst/>
+            </a:prstGeom>
+          </p:spPr>
+          <p:style>
+            <a:lnRef idx="1">
+              <a:schemeClr val="accent6"/>
+            </a:lnRef>
+            <a:fillRef idx="2">
+              <a:schemeClr val="accent6"/>
+            </a:fillRef>
+            <a:effectRef idx="1">
+              <a:schemeClr val="accent6"/>
+            </a:effectRef>
+            <a:fontRef idx="minor">
+              <a:schemeClr val="dk1"/>
+            </a:fontRef>
+          </p:style>
+          <p:txBody>
+            <a:bodyPr rtlCol="0" anchor="ctr"/>
+            <a:lstStyle/>
+            <a:p>
+              <a:pPr algn="ctr"/>
+              <a:endParaRPr lang="zh-TW" altLang="en-US"/>
+            </a:p>
+          </p:txBody>
+        </p:sp>
+        <p:sp>
+          <p:nvSpPr>
+            <p:cNvPr id="25" name="矩形 24"/>
+            <p:cNvSpPr/>
+            <p:nvPr/>
+          </p:nvSpPr>
+          <p:spPr>
+            <a:xfrm>
+              <a:off x="3445674" y="3041557"/>
+              <a:ext cx="1338251" cy="369332"/>
+            </a:xfrm>
+            <a:prstGeom prst="rect">
+              <a:avLst/>
+            </a:prstGeom>
+            <a:noFill/>
+            <a:ln>
+              <a:noFill/>
+            </a:ln>
+          </p:spPr>
+          <p:txBody>
+            <a:bodyPr wrap="none">
+              <a:spAutoFit/>
+            </a:bodyPr>
+            <a:lstStyle/>
+            <a:p>
+              <a:pPr algn="ctr"/>
+              <a:r>
+                <a:rPr lang="en-US" altLang="zh-TW" b="1" dirty="0" err="1" smtClean="0"/>
+                <a:t>FirstModule</a:t>
+              </a:r>
+              <a:endParaRPr lang="zh-TW" altLang="en-US" b="1" dirty="0"/>
+            </a:p>
+          </p:txBody>
+        </p:sp>
+        <p:sp>
+          <p:nvSpPr>
+            <p:cNvPr id="26" name="橢圓 25"/>
+            <p:cNvSpPr/>
+            <p:nvPr/>
+          </p:nvSpPr>
+          <p:spPr>
+            <a:xfrm>
+              <a:off x="4492254" y="3734947"/>
+              <a:ext cx="1085449" cy="647980"/>
+            </a:xfrm>
+            <a:prstGeom prst="ellipse">
+              <a:avLst/>
+            </a:prstGeom>
+          </p:spPr>
+          <p:style>
+            <a:lnRef idx="0">
+              <a:schemeClr val="accent2"/>
+            </a:lnRef>
+            <a:fillRef idx="3">
+              <a:schemeClr val="accent2"/>
+            </a:fillRef>
+            <a:effectRef idx="3">
+              <a:schemeClr val="accent2"/>
+            </a:effectRef>
+            <a:fontRef idx="minor">
+              <a:schemeClr val="lt1"/>
+            </a:fontRef>
+          </p:style>
+          <p:txBody>
+            <a:bodyPr rtlCol="0" anchor="t"/>
+            <a:lstStyle/>
+            <a:p>
+              <a:pPr algn="ctr"/>
+              <a:r>
+                <a:rPr lang="en-US" altLang="zh-TW" sz="1400" dirty="0" smtClean="0"/>
+                <a:t>Module</a:t>
+              </a:r>
+              <a:br>
+                <a:rPr lang="en-US" altLang="zh-TW" sz="1400" dirty="0" smtClean="0"/>
+              </a:br>
+              <a:r>
+                <a:rPr lang="en-US" altLang="zh-TW" sz="1400" dirty="0" smtClean="0"/>
+                <a:t>Service </a:t>
+              </a:r>
+              <a:endParaRPr lang="zh-TW" altLang="en-US" sz="1400" dirty="0">
+                <a:solidFill>
+                  <a:schemeClr val="bg1"/>
+                </a:solidFill>
+              </a:endParaRPr>
+            </a:p>
+          </p:txBody>
+        </p:sp>
+        <p:grpSp>
+          <p:nvGrpSpPr>
+            <p:cNvPr id="3" name="群組 2"/>
+            <p:cNvGrpSpPr/>
+            <p:nvPr/>
+          </p:nvGrpSpPr>
+          <p:grpSpPr>
+            <a:xfrm>
+              <a:off x="2660385" y="3464639"/>
+              <a:ext cx="1821960" cy="1143000"/>
+              <a:chOff x="-284817" y="2895600"/>
+              <a:chExt cx="1821960" cy="1143000"/>
+            </a:xfrm>
+          </p:grpSpPr>
+          <p:sp>
+            <p:nvSpPr>
+              <p:cNvPr id="22" name="矩形 21"/>
+              <p:cNvSpPr/>
+              <p:nvPr/>
+            </p:nvSpPr>
+            <p:spPr>
+              <a:xfrm>
+                <a:off x="-228600" y="2895600"/>
+                <a:ext cx="1709527" cy="1143000"/>
+              </a:xfrm>
+              <a:prstGeom prst="rect">
+                <a:avLst/>
+              </a:prstGeom>
+            </p:spPr>
+            <p:style>
+              <a:lnRef idx="0">
+                <a:schemeClr val="accent5"/>
+              </a:lnRef>
+              <a:fillRef idx="3">
+                <a:schemeClr val="accent5"/>
+              </a:fillRef>
+              <a:effectRef idx="3">
+                <a:schemeClr val="accent5"/>
+              </a:effectRef>
+              <a:fontRef idx="minor">
+                <a:schemeClr val="lt1"/>
+              </a:fontRef>
+            </p:style>
+            <p:txBody>
+              <a:bodyPr rtlCol="0" anchor="ctr"/>
+              <a:lstStyle/>
+              <a:p>
+                <a:pPr algn="ctr"/>
+                <a:endParaRPr lang="zh-TW" altLang="en-US" sz="1400" dirty="0">
+                  <a:solidFill>
+                    <a:schemeClr val="bg1"/>
+                  </a:solidFill>
+                </a:endParaRPr>
+              </a:p>
+            </p:txBody>
+          </p:sp>
+          <p:sp>
+            <p:nvSpPr>
+              <p:cNvPr id="23" name="矩形 22"/>
+              <p:cNvSpPr/>
+              <p:nvPr/>
+            </p:nvSpPr>
+            <p:spPr>
+              <a:xfrm>
+                <a:off x="-284817" y="2932141"/>
+                <a:ext cx="1821960" cy="338554"/>
+              </a:xfrm>
+              <a:prstGeom prst="rect">
+                <a:avLst/>
+              </a:prstGeom>
+            </p:spPr>
+            <p:txBody>
+              <a:bodyPr wrap="square">
+                <a:spAutoFit/>
+              </a:bodyPr>
+              <a:lstStyle/>
+              <a:p>
+                <a:pPr algn="ctr"/>
+                <a:r>
+                  <a:rPr lang="en-US" altLang="zh-TW" sz="1600" dirty="0" err="1" smtClean="0">
+                    <a:solidFill>
+                      <a:schemeClr val="bg1"/>
+                    </a:solidFill>
+                  </a:rPr>
+                  <a:t>SampleComponent</a:t>
+                </a:r>
+                <a:endParaRPr lang="zh-TW" altLang="en-US" sz="1600" dirty="0">
+                  <a:solidFill>
+                    <a:schemeClr val="bg1"/>
+                  </a:solidFill>
+                </a:endParaRPr>
+              </a:p>
+            </p:txBody>
+          </p:sp>
+          <p:sp>
+            <p:nvSpPr>
+              <p:cNvPr id="27" name="橢圓 26"/>
+              <p:cNvSpPr/>
+              <p:nvPr/>
+            </p:nvSpPr>
+            <p:spPr>
+              <a:xfrm>
+                <a:off x="-68249" y="3265223"/>
+                <a:ext cx="1388824" cy="644463"/>
+              </a:xfrm>
+              <a:prstGeom prst="ellipse">
+                <a:avLst/>
+              </a:prstGeom>
+            </p:spPr>
+            <p:style>
+              <a:lnRef idx="0">
+                <a:schemeClr val="accent2"/>
+              </a:lnRef>
+              <a:fillRef idx="3">
+                <a:schemeClr val="accent2"/>
+              </a:fillRef>
+              <a:effectRef idx="3">
+                <a:schemeClr val="accent2"/>
+              </a:effectRef>
+              <a:fontRef idx="minor">
+                <a:schemeClr val="lt1"/>
+              </a:fontRef>
+            </p:style>
+            <p:txBody>
+              <a:bodyPr rtlCol="0" anchor="t"/>
+              <a:lstStyle/>
+              <a:p>
+                <a:pPr algn="ctr"/>
+                <a:r>
+                  <a:rPr lang="en-US" altLang="zh-TW" sz="1400" dirty="0" smtClean="0"/>
+                  <a:t>Controller</a:t>
+                </a:r>
+              </a:p>
+              <a:p>
+                <a:pPr algn="ctr"/>
+                <a:r>
+                  <a:rPr lang="en-US" altLang="zh-TW" sz="1400" dirty="0" smtClean="0"/>
+                  <a:t>Service</a:t>
+                </a:r>
+                <a:endParaRPr lang="zh-TW" altLang="en-US" sz="1400" dirty="0">
+                  <a:solidFill>
+                    <a:schemeClr val="bg1"/>
+                  </a:solidFill>
+                </a:endParaRPr>
+              </a:p>
+            </p:txBody>
+          </p:sp>
+        </p:grpSp>
+      </p:grpSp>
+      <p:grpSp>
+        <p:nvGrpSpPr>
+          <p:cNvPr id="30" name="群組 29"/>
+          <p:cNvGrpSpPr/>
+          <p:nvPr/>
+        </p:nvGrpSpPr>
+        <p:grpSpPr>
+          <a:xfrm>
+            <a:off x="2496454" y="3292063"/>
+            <a:ext cx="3048000" cy="1682843"/>
+            <a:chOff x="2590800" y="3041557"/>
+            <a:chExt cx="3048000" cy="1682843"/>
+          </a:xfrm>
+        </p:grpSpPr>
+        <p:sp>
+          <p:nvSpPr>
+            <p:cNvPr id="31" name="矩形 30"/>
+            <p:cNvSpPr/>
+            <p:nvPr/>
+          </p:nvSpPr>
+          <p:spPr>
+            <a:xfrm>
+              <a:off x="2590800" y="3045294"/>
+              <a:ext cx="3048000" cy="1679106"/>
+            </a:xfrm>
+            <a:prstGeom prst="rect">
+              <a:avLst/>
+            </a:prstGeom>
+          </p:spPr>
+          <p:style>
+            <a:lnRef idx="1">
+              <a:schemeClr val="accent6"/>
+            </a:lnRef>
+            <a:fillRef idx="2">
+              <a:schemeClr val="accent6"/>
+            </a:fillRef>
+            <a:effectRef idx="1">
+              <a:schemeClr val="accent6"/>
+            </a:effectRef>
+            <a:fontRef idx="minor">
+              <a:schemeClr val="dk1"/>
+            </a:fontRef>
+          </p:style>
+          <p:txBody>
+            <a:bodyPr rtlCol="0" anchor="ctr"/>
+            <a:lstStyle/>
+            <a:p>
+              <a:pPr algn="ctr"/>
+              <a:endParaRPr lang="zh-TW" altLang="en-US"/>
+            </a:p>
+          </p:txBody>
+        </p:sp>
+        <p:sp>
+          <p:nvSpPr>
+            <p:cNvPr id="32" name="矩形 31"/>
+            <p:cNvSpPr/>
+            <p:nvPr/>
+          </p:nvSpPr>
+          <p:spPr>
+            <a:xfrm>
+              <a:off x="3305701" y="3041557"/>
+              <a:ext cx="1618200" cy="369332"/>
+            </a:xfrm>
+            <a:prstGeom prst="rect">
+              <a:avLst/>
+            </a:prstGeom>
+            <a:noFill/>
+            <a:ln>
+              <a:noFill/>
+            </a:ln>
+          </p:spPr>
+          <p:txBody>
+            <a:bodyPr wrap="none">
+              <a:spAutoFit/>
+            </a:bodyPr>
+            <a:lstStyle/>
+            <a:p>
+              <a:pPr algn="ctr"/>
+              <a:r>
+                <a:rPr lang="en-US" altLang="zh-TW" b="1" dirty="0" err="1" smtClean="0"/>
+                <a:t>SecondModule</a:t>
+              </a:r>
+              <a:endParaRPr lang="zh-TW" altLang="en-US" b="1" dirty="0"/>
+            </a:p>
+          </p:txBody>
+        </p:sp>
+        <p:sp>
+          <p:nvSpPr>
+            <p:cNvPr id="33" name="橢圓 32"/>
+            <p:cNvSpPr/>
+            <p:nvPr/>
+          </p:nvSpPr>
+          <p:spPr>
+            <a:xfrm>
+              <a:off x="4492254" y="3734947"/>
+              <a:ext cx="1085449" cy="647980"/>
+            </a:xfrm>
+            <a:prstGeom prst="ellipse">
+              <a:avLst/>
+            </a:prstGeom>
+          </p:spPr>
+          <p:style>
+            <a:lnRef idx="0">
+              <a:schemeClr val="accent2"/>
+            </a:lnRef>
+            <a:fillRef idx="3">
+              <a:schemeClr val="accent2"/>
+            </a:fillRef>
+            <a:effectRef idx="3">
+              <a:schemeClr val="accent2"/>
+            </a:effectRef>
+            <a:fontRef idx="minor">
+              <a:schemeClr val="lt1"/>
+            </a:fontRef>
+          </p:style>
+          <p:txBody>
+            <a:bodyPr rtlCol="0" anchor="t"/>
+            <a:lstStyle/>
+            <a:p>
+              <a:pPr algn="ctr"/>
+              <a:r>
+                <a:rPr lang="en-US" altLang="zh-TW" sz="1400" dirty="0" smtClean="0"/>
+                <a:t>Module</a:t>
+              </a:r>
+              <a:br>
+                <a:rPr lang="en-US" altLang="zh-TW" sz="1400" dirty="0" smtClean="0"/>
+              </a:br>
+              <a:r>
+                <a:rPr lang="en-US" altLang="zh-TW" sz="1400" dirty="0" smtClean="0"/>
+                <a:t>Service </a:t>
+              </a:r>
+              <a:endParaRPr lang="zh-TW" altLang="en-US" sz="1400" dirty="0">
+                <a:solidFill>
+                  <a:schemeClr val="bg1"/>
+                </a:solidFill>
+              </a:endParaRPr>
+            </a:p>
+          </p:txBody>
+        </p:sp>
+        <p:grpSp>
+          <p:nvGrpSpPr>
+            <p:cNvPr id="34" name="群組 33"/>
+            <p:cNvGrpSpPr/>
+            <p:nvPr/>
+          </p:nvGrpSpPr>
+          <p:grpSpPr>
+            <a:xfrm>
+              <a:off x="2660385" y="3464639"/>
+              <a:ext cx="1821960" cy="1143000"/>
+              <a:chOff x="-284817" y="2895600"/>
+              <a:chExt cx="1821960" cy="1143000"/>
+            </a:xfrm>
+          </p:grpSpPr>
+          <p:sp>
+            <p:nvSpPr>
+              <p:cNvPr id="35" name="矩形 34"/>
+              <p:cNvSpPr/>
+              <p:nvPr/>
+            </p:nvSpPr>
+            <p:spPr>
+              <a:xfrm>
+                <a:off x="-228600" y="2895600"/>
+                <a:ext cx="1709527" cy="1143000"/>
+              </a:xfrm>
+              <a:prstGeom prst="rect">
+                <a:avLst/>
+              </a:prstGeom>
+            </p:spPr>
+            <p:style>
+              <a:lnRef idx="0">
+                <a:schemeClr val="accent5"/>
+              </a:lnRef>
+              <a:fillRef idx="3">
+                <a:schemeClr val="accent5"/>
+              </a:fillRef>
+              <a:effectRef idx="3">
+                <a:schemeClr val="accent5"/>
+              </a:effectRef>
+              <a:fontRef idx="minor">
+                <a:schemeClr val="lt1"/>
+              </a:fontRef>
+            </p:style>
+            <p:txBody>
+              <a:bodyPr rtlCol="0" anchor="ctr"/>
+              <a:lstStyle/>
+              <a:p>
+                <a:pPr algn="ctr"/>
+                <a:endParaRPr lang="zh-TW" altLang="en-US" sz="1400" dirty="0">
+                  <a:solidFill>
+                    <a:schemeClr val="bg1"/>
+                  </a:solidFill>
+                </a:endParaRPr>
+              </a:p>
+            </p:txBody>
+          </p:sp>
+          <p:sp>
+            <p:nvSpPr>
+              <p:cNvPr id="36" name="矩形 35"/>
+              <p:cNvSpPr/>
+              <p:nvPr/>
+            </p:nvSpPr>
+            <p:spPr>
+              <a:xfrm>
+                <a:off x="-284817" y="2932141"/>
+                <a:ext cx="1821960" cy="338554"/>
+              </a:xfrm>
+              <a:prstGeom prst="rect">
+                <a:avLst/>
+              </a:prstGeom>
+            </p:spPr>
+            <p:txBody>
+              <a:bodyPr wrap="square">
+                <a:spAutoFit/>
+              </a:bodyPr>
+              <a:lstStyle/>
+              <a:p>
+                <a:pPr algn="ctr"/>
+                <a:r>
+                  <a:rPr lang="en-US" altLang="zh-TW" sz="1600" dirty="0" err="1" smtClean="0">
+                    <a:solidFill>
+                      <a:schemeClr val="bg1"/>
+                    </a:solidFill>
+                  </a:rPr>
+                  <a:t>SampleComponent</a:t>
+                </a:r>
+                <a:endParaRPr lang="zh-TW" altLang="en-US" sz="1600" dirty="0">
+                  <a:solidFill>
+                    <a:schemeClr val="bg1"/>
+                  </a:solidFill>
+                </a:endParaRPr>
+              </a:p>
+            </p:txBody>
+          </p:sp>
+          <p:sp>
+            <p:nvSpPr>
+              <p:cNvPr id="37" name="橢圓 36"/>
+              <p:cNvSpPr/>
+              <p:nvPr/>
+            </p:nvSpPr>
+            <p:spPr>
+              <a:xfrm>
+                <a:off x="-68249" y="3265223"/>
+                <a:ext cx="1388824" cy="644463"/>
+              </a:xfrm>
+              <a:prstGeom prst="ellipse">
+                <a:avLst/>
+              </a:prstGeom>
+            </p:spPr>
+            <p:style>
+              <a:lnRef idx="0">
+                <a:schemeClr val="accent2"/>
+              </a:lnRef>
+              <a:fillRef idx="3">
+                <a:schemeClr val="accent2"/>
+              </a:fillRef>
+              <a:effectRef idx="3">
+                <a:schemeClr val="accent2"/>
+              </a:effectRef>
+              <a:fontRef idx="minor">
+                <a:schemeClr val="lt1"/>
+              </a:fontRef>
+            </p:style>
+            <p:txBody>
+              <a:bodyPr rtlCol="0" anchor="t"/>
+              <a:lstStyle/>
+              <a:p>
+                <a:pPr algn="ctr"/>
+                <a:r>
+                  <a:rPr lang="en-US" altLang="zh-TW" sz="1400" dirty="0" smtClean="0"/>
+                  <a:t>Controller</a:t>
+                </a:r>
+              </a:p>
+              <a:p>
+                <a:pPr algn="ctr"/>
+                <a:r>
+                  <a:rPr lang="en-US" altLang="zh-TW" sz="1400" dirty="0" smtClean="0"/>
+                  <a:t>Service</a:t>
+                </a:r>
+                <a:endParaRPr lang="zh-TW" altLang="en-US" sz="1400" dirty="0">
+                  <a:solidFill>
+                    <a:schemeClr val="bg1"/>
+                  </a:solidFill>
+                </a:endParaRPr>
+              </a:p>
+            </p:txBody>
+          </p:sp>
+        </p:grpSp>
+      </p:grpSp>
+      <p:grpSp>
+        <p:nvGrpSpPr>
+          <p:cNvPr id="38" name="群組 37"/>
+          <p:cNvGrpSpPr/>
+          <p:nvPr/>
+        </p:nvGrpSpPr>
+        <p:grpSpPr>
+          <a:xfrm>
+            <a:off x="2496454" y="5062313"/>
+            <a:ext cx="3048000" cy="1682843"/>
+            <a:chOff x="2590800" y="3041557"/>
+            <a:chExt cx="3048000" cy="1682843"/>
+          </a:xfrm>
+        </p:grpSpPr>
+        <p:sp>
+          <p:nvSpPr>
+            <p:cNvPr id="39" name="矩形 38"/>
+            <p:cNvSpPr/>
+            <p:nvPr/>
+          </p:nvSpPr>
+          <p:spPr>
+            <a:xfrm>
+              <a:off x="2590800" y="3045294"/>
+              <a:ext cx="3048000" cy="1679106"/>
+            </a:xfrm>
+            <a:prstGeom prst="rect">
+              <a:avLst/>
+            </a:prstGeom>
+          </p:spPr>
+          <p:style>
+            <a:lnRef idx="1">
+              <a:schemeClr val="accent6"/>
+            </a:lnRef>
+            <a:fillRef idx="2">
+              <a:schemeClr val="accent6"/>
+            </a:fillRef>
+            <a:effectRef idx="1">
+              <a:schemeClr val="accent6"/>
+            </a:effectRef>
+            <a:fontRef idx="minor">
+              <a:schemeClr val="dk1"/>
+            </a:fontRef>
+          </p:style>
+          <p:txBody>
+            <a:bodyPr rtlCol="0" anchor="ctr"/>
+            <a:lstStyle/>
+            <a:p>
+              <a:pPr algn="ctr"/>
+              <a:endParaRPr lang="zh-TW" altLang="en-US"/>
+            </a:p>
+          </p:txBody>
+        </p:sp>
+        <p:sp>
+          <p:nvSpPr>
+            <p:cNvPr id="40" name="矩形 39"/>
+            <p:cNvSpPr/>
+            <p:nvPr/>
+          </p:nvSpPr>
+          <p:spPr>
+            <a:xfrm>
+              <a:off x="3402714" y="3041557"/>
+              <a:ext cx="1424172" cy="369332"/>
+            </a:xfrm>
+            <a:prstGeom prst="rect">
+              <a:avLst/>
+            </a:prstGeom>
+            <a:noFill/>
+            <a:ln>
+              <a:noFill/>
+            </a:ln>
+          </p:spPr>
+          <p:txBody>
+            <a:bodyPr wrap="none">
+              <a:spAutoFit/>
+            </a:bodyPr>
+            <a:lstStyle/>
+            <a:p>
+              <a:pPr algn="ctr"/>
+              <a:r>
+                <a:rPr lang="en-US" altLang="zh-TW" b="1" dirty="0" err="1" smtClean="0"/>
+                <a:t>ThirdModule</a:t>
+              </a:r>
+              <a:endParaRPr lang="zh-TW" altLang="en-US" b="1" dirty="0"/>
+            </a:p>
+          </p:txBody>
+        </p:sp>
+        <p:sp>
+          <p:nvSpPr>
+            <p:cNvPr id="41" name="橢圓 40"/>
+            <p:cNvSpPr/>
+            <p:nvPr/>
+          </p:nvSpPr>
+          <p:spPr>
+            <a:xfrm>
+              <a:off x="4492254" y="3734947"/>
+              <a:ext cx="1085449" cy="647980"/>
+            </a:xfrm>
+            <a:prstGeom prst="ellipse">
+              <a:avLst/>
+            </a:prstGeom>
+          </p:spPr>
+          <p:style>
+            <a:lnRef idx="0">
+              <a:schemeClr val="accent2"/>
+            </a:lnRef>
+            <a:fillRef idx="3">
+              <a:schemeClr val="accent2"/>
+            </a:fillRef>
+            <a:effectRef idx="3">
+              <a:schemeClr val="accent2"/>
+            </a:effectRef>
+            <a:fontRef idx="minor">
+              <a:schemeClr val="lt1"/>
+            </a:fontRef>
+          </p:style>
+          <p:txBody>
+            <a:bodyPr rtlCol="0" anchor="t"/>
+            <a:lstStyle/>
+            <a:p>
+              <a:pPr algn="ctr"/>
+              <a:r>
+                <a:rPr lang="en-US" altLang="zh-TW" sz="1400" dirty="0" smtClean="0"/>
+                <a:t>Module</a:t>
+              </a:r>
+              <a:br>
+                <a:rPr lang="en-US" altLang="zh-TW" sz="1400" dirty="0" smtClean="0"/>
+              </a:br>
+              <a:r>
+                <a:rPr lang="en-US" altLang="zh-TW" sz="1400" dirty="0" smtClean="0"/>
+                <a:t>Service </a:t>
+              </a:r>
+              <a:endParaRPr lang="zh-TW" altLang="en-US" sz="1400" dirty="0">
+                <a:solidFill>
+                  <a:schemeClr val="bg1"/>
+                </a:solidFill>
+              </a:endParaRPr>
+            </a:p>
+          </p:txBody>
+        </p:sp>
+        <p:grpSp>
+          <p:nvGrpSpPr>
+            <p:cNvPr id="42" name="群組 41"/>
+            <p:cNvGrpSpPr/>
+            <p:nvPr/>
+          </p:nvGrpSpPr>
+          <p:grpSpPr>
+            <a:xfrm>
+              <a:off x="2660385" y="3464639"/>
+              <a:ext cx="1821960" cy="1143000"/>
+              <a:chOff x="-284817" y="2895600"/>
+              <a:chExt cx="1821960" cy="1143000"/>
+            </a:xfrm>
+          </p:grpSpPr>
+          <p:sp>
+            <p:nvSpPr>
+              <p:cNvPr id="43" name="矩形 42"/>
+              <p:cNvSpPr/>
+              <p:nvPr/>
+            </p:nvSpPr>
+            <p:spPr>
+              <a:xfrm>
+                <a:off x="-228600" y="2895600"/>
+                <a:ext cx="1709527" cy="1143000"/>
+              </a:xfrm>
+              <a:prstGeom prst="rect">
+                <a:avLst/>
+              </a:prstGeom>
+            </p:spPr>
+            <p:style>
+              <a:lnRef idx="0">
+                <a:schemeClr val="accent5"/>
+              </a:lnRef>
+              <a:fillRef idx="3">
+                <a:schemeClr val="accent5"/>
+              </a:fillRef>
+              <a:effectRef idx="3">
+                <a:schemeClr val="accent5"/>
+              </a:effectRef>
+              <a:fontRef idx="minor">
+                <a:schemeClr val="lt1"/>
+              </a:fontRef>
+            </p:style>
+            <p:txBody>
+              <a:bodyPr rtlCol="0" anchor="ctr"/>
+              <a:lstStyle/>
+              <a:p>
+                <a:pPr algn="ctr"/>
+                <a:endParaRPr lang="zh-TW" altLang="en-US" sz="1400" dirty="0">
+                  <a:solidFill>
+                    <a:schemeClr val="bg1"/>
+                  </a:solidFill>
+                </a:endParaRPr>
+              </a:p>
+            </p:txBody>
+          </p:sp>
+          <p:sp>
+            <p:nvSpPr>
+              <p:cNvPr id="44" name="矩形 43"/>
+              <p:cNvSpPr/>
+              <p:nvPr/>
+            </p:nvSpPr>
+            <p:spPr>
+              <a:xfrm>
+                <a:off x="-284817" y="2932141"/>
+                <a:ext cx="1821960" cy="338554"/>
+              </a:xfrm>
+              <a:prstGeom prst="rect">
+                <a:avLst/>
+              </a:prstGeom>
+            </p:spPr>
+            <p:txBody>
+              <a:bodyPr wrap="square">
+                <a:spAutoFit/>
+              </a:bodyPr>
+              <a:lstStyle/>
+              <a:p>
+                <a:pPr algn="ctr"/>
+                <a:r>
+                  <a:rPr lang="en-US" altLang="zh-TW" sz="1600" dirty="0" err="1" smtClean="0">
+                    <a:solidFill>
+                      <a:schemeClr val="bg1"/>
+                    </a:solidFill>
+                  </a:rPr>
+                  <a:t>SampleComponent</a:t>
+                </a:r>
+                <a:endParaRPr lang="zh-TW" altLang="en-US" sz="1600" dirty="0">
+                  <a:solidFill>
+                    <a:schemeClr val="bg1"/>
+                  </a:solidFill>
+                </a:endParaRPr>
+              </a:p>
+            </p:txBody>
+          </p:sp>
+          <p:sp>
+            <p:nvSpPr>
+              <p:cNvPr id="45" name="橢圓 44"/>
+              <p:cNvSpPr/>
+              <p:nvPr/>
+            </p:nvSpPr>
+            <p:spPr>
+              <a:xfrm>
+                <a:off x="-68249" y="3265223"/>
+                <a:ext cx="1388824" cy="644463"/>
+              </a:xfrm>
+              <a:prstGeom prst="ellipse">
+                <a:avLst/>
+              </a:prstGeom>
+            </p:spPr>
+            <p:style>
+              <a:lnRef idx="0">
+                <a:schemeClr val="accent2"/>
+              </a:lnRef>
+              <a:fillRef idx="3">
+                <a:schemeClr val="accent2"/>
+              </a:fillRef>
+              <a:effectRef idx="3">
+                <a:schemeClr val="accent2"/>
+              </a:effectRef>
+              <a:fontRef idx="minor">
+                <a:schemeClr val="lt1"/>
+              </a:fontRef>
+            </p:style>
+            <p:txBody>
+              <a:bodyPr rtlCol="0" anchor="t"/>
+              <a:lstStyle/>
+              <a:p>
+                <a:pPr algn="ctr"/>
+                <a:r>
+                  <a:rPr lang="en-US" altLang="zh-TW" sz="1400" dirty="0" smtClean="0"/>
+                  <a:t>Controller</a:t>
+                </a:r>
+              </a:p>
+              <a:p>
+                <a:pPr algn="ctr"/>
+                <a:r>
+                  <a:rPr lang="en-US" altLang="zh-TW" sz="1400" dirty="0" smtClean="0"/>
+                  <a:t>Service</a:t>
+                </a:r>
+                <a:endParaRPr lang="zh-TW" altLang="en-US" sz="1400" dirty="0">
+                  <a:solidFill>
+                    <a:schemeClr val="bg1"/>
+                  </a:solidFill>
+                </a:endParaRPr>
+              </a:p>
+            </p:txBody>
+          </p:sp>
+        </p:grpSp>
+      </p:grpSp>
+      <p:grpSp>
+        <p:nvGrpSpPr>
+          <p:cNvPr id="46" name="群組 45"/>
+          <p:cNvGrpSpPr/>
+          <p:nvPr/>
+        </p:nvGrpSpPr>
+        <p:grpSpPr>
+          <a:xfrm>
+            <a:off x="5922152" y="2782660"/>
+            <a:ext cx="2057400" cy="1217922"/>
+            <a:chOff x="2945082" y="3041557"/>
+            <a:chExt cx="2057400" cy="1217922"/>
+          </a:xfrm>
+        </p:grpSpPr>
+        <p:sp>
+          <p:nvSpPr>
+            <p:cNvPr id="47" name="矩形 46"/>
+            <p:cNvSpPr/>
+            <p:nvPr/>
+          </p:nvSpPr>
+          <p:spPr>
+            <a:xfrm>
+              <a:off x="2945082" y="3045294"/>
+              <a:ext cx="2057400" cy="1214185"/>
+            </a:xfrm>
+            <a:prstGeom prst="rect">
+              <a:avLst/>
+            </a:prstGeom>
+          </p:spPr>
+          <p:style>
+            <a:lnRef idx="1">
+              <a:schemeClr val="accent6"/>
+            </a:lnRef>
+            <a:fillRef idx="2">
+              <a:schemeClr val="accent6"/>
+            </a:fillRef>
+            <a:effectRef idx="1">
+              <a:schemeClr val="accent6"/>
+            </a:effectRef>
+            <a:fontRef idx="minor">
+              <a:schemeClr val="dk1"/>
+            </a:fontRef>
+          </p:style>
+          <p:txBody>
+            <a:bodyPr rtlCol="0" anchor="ctr"/>
+            <a:lstStyle/>
+            <a:p>
+              <a:pPr algn="ctr"/>
+              <a:endParaRPr lang="zh-TW" altLang="en-US"/>
+            </a:p>
+          </p:txBody>
+        </p:sp>
+        <p:sp>
+          <p:nvSpPr>
+            <p:cNvPr id="48" name="矩形 47"/>
+            <p:cNvSpPr/>
+            <p:nvPr/>
+          </p:nvSpPr>
+          <p:spPr>
+            <a:xfrm>
+              <a:off x="3177409" y="3041557"/>
+              <a:ext cx="1592745" cy="369332"/>
+            </a:xfrm>
+            <a:prstGeom prst="rect">
+              <a:avLst/>
+            </a:prstGeom>
+            <a:noFill/>
+            <a:ln>
+              <a:noFill/>
+            </a:ln>
+          </p:spPr>
+          <p:txBody>
+            <a:bodyPr wrap="none">
+              <a:spAutoFit/>
+            </a:bodyPr>
+            <a:lstStyle/>
+            <a:p>
+              <a:pPr algn="ctr"/>
+              <a:r>
+                <a:rPr lang="en-US" altLang="zh-TW" b="1" dirty="0" err="1" smtClean="0"/>
+                <a:t>SharedModule</a:t>
+              </a:r>
+              <a:endParaRPr lang="zh-TW" altLang="en-US" b="1" dirty="0"/>
+            </a:p>
+          </p:txBody>
+        </p:sp>
+        <p:sp>
+          <p:nvSpPr>
+            <p:cNvPr id="49" name="橢圓 48"/>
+            <p:cNvSpPr/>
+            <p:nvPr/>
+          </p:nvSpPr>
+          <p:spPr>
+            <a:xfrm>
+              <a:off x="3056130" y="3429667"/>
+              <a:ext cx="1863375" cy="647980"/>
+            </a:xfrm>
+            <a:prstGeom prst="ellipse">
+              <a:avLst/>
+            </a:prstGeom>
+          </p:spPr>
+          <p:style>
+            <a:lnRef idx="0">
+              <a:schemeClr val="accent2"/>
+            </a:lnRef>
+            <a:fillRef idx="3">
+              <a:schemeClr val="accent2"/>
+            </a:fillRef>
+            <a:effectRef idx="3">
+              <a:schemeClr val="accent2"/>
+            </a:effectRef>
+            <a:fontRef idx="minor">
+              <a:schemeClr val="lt1"/>
+            </a:fontRef>
+          </p:style>
+          <p:txBody>
+            <a:bodyPr rtlCol="0" anchor="t"/>
+            <a:lstStyle/>
+            <a:p>
+              <a:pPr algn="ctr"/>
+              <a:r>
+                <a:rPr lang="en-US" altLang="zh-TW" sz="1400" dirty="0" err="1" smtClean="0"/>
+                <a:t>SharedModule</a:t>
+              </a:r>
+              <a:endParaRPr lang="en-US" altLang="zh-TW" sz="1400" dirty="0" smtClean="0"/>
+            </a:p>
+            <a:p>
+              <a:pPr algn="ctr"/>
+              <a:r>
+                <a:rPr lang="en-US" altLang="zh-TW" sz="1400" dirty="0" smtClean="0"/>
+                <a:t>Service </a:t>
+              </a:r>
+              <a:endParaRPr lang="zh-TW" altLang="en-US" sz="1400" dirty="0">
+                <a:solidFill>
+                  <a:schemeClr val="bg1"/>
+                </a:solidFill>
+              </a:endParaRPr>
+            </a:p>
+          </p:txBody>
+        </p:sp>
+      </p:grpSp>
+      <p:grpSp>
+        <p:nvGrpSpPr>
+          <p:cNvPr id="9" name="群組 8"/>
+          <p:cNvGrpSpPr/>
+          <p:nvPr/>
+        </p:nvGrpSpPr>
+        <p:grpSpPr>
+          <a:xfrm>
+            <a:off x="5201835" y="2707155"/>
+            <a:ext cx="869667" cy="465651"/>
+            <a:chOff x="5194995" y="1688527"/>
+            <a:chExt cx="869667" cy="465651"/>
+          </a:xfrm>
+        </p:grpSpPr>
+        <p:sp>
+          <p:nvSpPr>
+            <p:cNvPr id="6" name="向左箭號 5"/>
+            <p:cNvSpPr/>
+            <p:nvPr/>
+          </p:nvSpPr>
+          <p:spPr>
+            <a:xfrm>
+              <a:off x="5194995" y="1894610"/>
+              <a:ext cx="796667" cy="259568"/>
+            </a:xfrm>
+            <a:prstGeom prst="leftArrow">
+              <a:avLst/>
+            </a:prstGeom>
+          </p:spPr>
+          <p:style>
+            <a:lnRef idx="0">
+              <a:schemeClr val="accent4"/>
+            </a:lnRef>
+            <a:fillRef idx="3">
+              <a:schemeClr val="accent4"/>
+            </a:fillRef>
+            <a:effectRef idx="3">
+              <a:schemeClr val="accent4"/>
+            </a:effectRef>
+            <a:fontRef idx="minor">
+              <a:schemeClr val="lt1"/>
+            </a:fontRef>
+          </p:style>
+          <p:txBody>
+            <a:bodyPr rtlCol="0" anchor="ctr"/>
+            <a:lstStyle/>
+            <a:p>
+              <a:pPr algn="ctr"/>
+              <a:endParaRPr lang="zh-TW" altLang="en-US"/>
+            </a:p>
+          </p:txBody>
+        </p:sp>
+        <p:sp>
+          <p:nvSpPr>
+            <p:cNvPr id="55" name="矩形 54"/>
+            <p:cNvSpPr/>
+            <p:nvPr/>
+          </p:nvSpPr>
+          <p:spPr>
+            <a:xfrm>
+              <a:off x="5222764" y="1688527"/>
+              <a:ext cx="841898" cy="369332"/>
+            </a:xfrm>
+            <a:prstGeom prst="rect">
+              <a:avLst/>
+            </a:prstGeom>
+            <a:noFill/>
+            <a:ln>
+              <a:noFill/>
+            </a:ln>
+          </p:spPr>
+          <p:txBody>
+            <a:bodyPr wrap="none">
+              <a:spAutoFit/>
+            </a:bodyPr>
+            <a:lstStyle/>
+            <a:p>
+              <a:pPr algn="ctr"/>
+              <a:r>
+                <a:rPr lang="en-US" altLang="zh-TW" b="1" dirty="0" smtClean="0"/>
+                <a:t>Import</a:t>
+              </a:r>
+              <a:endParaRPr lang="zh-TW" altLang="en-US" b="1" dirty="0"/>
+            </a:p>
+          </p:txBody>
+        </p:sp>
+      </p:grpSp>
+      <p:grpSp>
+        <p:nvGrpSpPr>
+          <p:cNvPr id="57" name="群組 56"/>
+          <p:cNvGrpSpPr/>
+          <p:nvPr/>
+        </p:nvGrpSpPr>
+        <p:grpSpPr>
+          <a:xfrm>
+            <a:off x="5924052" y="4144182"/>
+            <a:ext cx="2057400" cy="1217922"/>
+            <a:chOff x="2945082" y="3041557"/>
+            <a:chExt cx="2057400" cy="1217922"/>
+          </a:xfrm>
+        </p:grpSpPr>
+        <p:sp>
+          <p:nvSpPr>
+            <p:cNvPr id="58" name="矩形 57"/>
+            <p:cNvSpPr/>
+            <p:nvPr/>
+          </p:nvSpPr>
+          <p:spPr>
+            <a:xfrm>
+              <a:off x="2945082" y="3045294"/>
+              <a:ext cx="2057400" cy="1214185"/>
+            </a:xfrm>
+            <a:prstGeom prst="rect">
+              <a:avLst/>
+            </a:prstGeom>
+          </p:spPr>
+          <p:style>
+            <a:lnRef idx="1">
+              <a:schemeClr val="accent6"/>
+            </a:lnRef>
+            <a:fillRef idx="2">
+              <a:schemeClr val="accent6"/>
+            </a:fillRef>
+            <a:effectRef idx="1">
+              <a:schemeClr val="accent6"/>
+            </a:effectRef>
+            <a:fontRef idx="minor">
+              <a:schemeClr val="dk1"/>
+            </a:fontRef>
+          </p:style>
+          <p:txBody>
+            <a:bodyPr rtlCol="0" anchor="ctr"/>
+            <a:lstStyle/>
+            <a:p>
+              <a:pPr algn="ctr"/>
+              <a:endParaRPr lang="zh-TW" altLang="en-US"/>
+            </a:p>
+          </p:txBody>
+        </p:sp>
+        <p:sp>
+          <p:nvSpPr>
+            <p:cNvPr id="59" name="矩形 58"/>
+            <p:cNvSpPr/>
+            <p:nvPr/>
+          </p:nvSpPr>
+          <p:spPr>
+            <a:xfrm>
+              <a:off x="3177409" y="3041557"/>
+              <a:ext cx="1592745" cy="369332"/>
+            </a:xfrm>
+            <a:prstGeom prst="rect">
+              <a:avLst/>
+            </a:prstGeom>
+            <a:noFill/>
+            <a:ln>
+              <a:noFill/>
+            </a:ln>
+          </p:spPr>
+          <p:txBody>
+            <a:bodyPr wrap="none">
+              <a:spAutoFit/>
+            </a:bodyPr>
+            <a:lstStyle/>
+            <a:p>
+              <a:pPr algn="ctr"/>
+              <a:r>
+                <a:rPr lang="en-US" altLang="zh-TW" b="1" dirty="0" err="1" smtClean="0"/>
+                <a:t>SharedModule</a:t>
+              </a:r>
+              <a:endParaRPr lang="zh-TW" altLang="en-US" b="1" dirty="0"/>
+            </a:p>
+          </p:txBody>
+        </p:sp>
+        <p:sp>
+          <p:nvSpPr>
+            <p:cNvPr id="62" name="橢圓 61"/>
+            <p:cNvSpPr/>
+            <p:nvPr/>
+          </p:nvSpPr>
+          <p:spPr>
+            <a:xfrm>
+              <a:off x="3056130" y="3429667"/>
+              <a:ext cx="1863375" cy="647980"/>
+            </a:xfrm>
+            <a:prstGeom prst="ellipse">
+              <a:avLst/>
+            </a:prstGeom>
+          </p:spPr>
+          <p:style>
+            <a:lnRef idx="0">
+              <a:schemeClr val="accent2"/>
+            </a:lnRef>
+            <a:fillRef idx="3">
+              <a:schemeClr val="accent2"/>
+            </a:fillRef>
+            <a:effectRef idx="3">
+              <a:schemeClr val="accent2"/>
+            </a:effectRef>
+            <a:fontRef idx="minor">
+              <a:schemeClr val="lt1"/>
+            </a:fontRef>
+          </p:style>
+          <p:txBody>
+            <a:bodyPr rtlCol="0" anchor="t"/>
+            <a:lstStyle/>
+            <a:p>
+              <a:pPr algn="ctr"/>
+              <a:r>
+                <a:rPr lang="en-US" altLang="zh-TW" sz="1400" dirty="0" err="1" smtClean="0"/>
+                <a:t>SharedModule</a:t>
+              </a:r>
+              <a:endParaRPr lang="en-US" altLang="zh-TW" sz="1400" dirty="0" smtClean="0"/>
+            </a:p>
+            <a:p>
+              <a:pPr algn="ctr"/>
+              <a:r>
+                <a:rPr lang="en-US" altLang="zh-TW" sz="1400" dirty="0" smtClean="0"/>
+                <a:t>Service </a:t>
+              </a:r>
+              <a:endParaRPr lang="zh-TW" altLang="en-US" sz="1400" dirty="0">
+                <a:solidFill>
+                  <a:schemeClr val="bg1"/>
+                </a:solidFill>
+              </a:endParaRPr>
+            </a:p>
+          </p:txBody>
+        </p:sp>
+      </p:grpSp>
+      <p:grpSp>
+        <p:nvGrpSpPr>
+          <p:cNvPr id="63" name="群組 62"/>
+          <p:cNvGrpSpPr/>
+          <p:nvPr/>
+        </p:nvGrpSpPr>
+        <p:grpSpPr>
+          <a:xfrm>
+            <a:off x="5910017" y="5511550"/>
+            <a:ext cx="2057400" cy="1217922"/>
+            <a:chOff x="2945082" y="3041557"/>
+            <a:chExt cx="2057400" cy="1217922"/>
+          </a:xfrm>
+        </p:grpSpPr>
+        <p:sp>
+          <p:nvSpPr>
+            <p:cNvPr id="64" name="矩形 63"/>
+            <p:cNvSpPr/>
+            <p:nvPr/>
+          </p:nvSpPr>
+          <p:spPr>
+            <a:xfrm>
+              <a:off x="2945082" y="3045294"/>
+              <a:ext cx="2057400" cy="1214185"/>
+            </a:xfrm>
+            <a:prstGeom prst="rect">
+              <a:avLst/>
+            </a:prstGeom>
+          </p:spPr>
+          <p:style>
+            <a:lnRef idx="1">
+              <a:schemeClr val="accent6"/>
+            </a:lnRef>
+            <a:fillRef idx="2">
+              <a:schemeClr val="accent6"/>
+            </a:fillRef>
+            <a:effectRef idx="1">
+              <a:schemeClr val="accent6"/>
+            </a:effectRef>
+            <a:fontRef idx="minor">
+              <a:schemeClr val="dk1"/>
+            </a:fontRef>
+          </p:style>
+          <p:txBody>
+            <a:bodyPr rtlCol="0" anchor="ctr"/>
+            <a:lstStyle/>
+            <a:p>
+              <a:pPr algn="ctr"/>
+              <a:endParaRPr lang="zh-TW" altLang="en-US"/>
+            </a:p>
+          </p:txBody>
+        </p:sp>
+        <p:sp>
+          <p:nvSpPr>
+            <p:cNvPr id="65" name="矩形 64"/>
+            <p:cNvSpPr/>
+            <p:nvPr/>
+          </p:nvSpPr>
+          <p:spPr>
+            <a:xfrm>
+              <a:off x="3177409" y="3041557"/>
+              <a:ext cx="1592745" cy="369332"/>
+            </a:xfrm>
+            <a:prstGeom prst="rect">
+              <a:avLst/>
+            </a:prstGeom>
+            <a:noFill/>
+            <a:ln>
+              <a:noFill/>
+            </a:ln>
+          </p:spPr>
+          <p:txBody>
+            <a:bodyPr wrap="none">
+              <a:spAutoFit/>
+            </a:bodyPr>
+            <a:lstStyle/>
+            <a:p>
+              <a:pPr algn="ctr"/>
+              <a:r>
+                <a:rPr lang="en-US" altLang="zh-TW" b="1" dirty="0" err="1" smtClean="0"/>
+                <a:t>SharedModule</a:t>
+              </a:r>
+              <a:endParaRPr lang="zh-TW" altLang="en-US" b="1" dirty="0"/>
+            </a:p>
+          </p:txBody>
+        </p:sp>
+        <p:sp>
+          <p:nvSpPr>
+            <p:cNvPr id="66" name="橢圓 65"/>
+            <p:cNvSpPr/>
+            <p:nvPr/>
+          </p:nvSpPr>
+          <p:spPr>
+            <a:xfrm>
+              <a:off x="3056130" y="3429667"/>
+              <a:ext cx="1863375" cy="647980"/>
+            </a:xfrm>
+            <a:prstGeom prst="ellipse">
+              <a:avLst/>
+            </a:prstGeom>
+          </p:spPr>
+          <p:style>
+            <a:lnRef idx="0">
+              <a:schemeClr val="accent2"/>
+            </a:lnRef>
+            <a:fillRef idx="3">
+              <a:schemeClr val="accent2"/>
+            </a:fillRef>
+            <a:effectRef idx="3">
+              <a:schemeClr val="accent2"/>
+            </a:effectRef>
+            <a:fontRef idx="minor">
+              <a:schemeClr val="lt1"/>
+            </a:fontRef>
+          </p:style>
+          <p:txBody>
+            <a:bodyPr rtlCol="0" anchor="t"/>
+            <a:lstStyle/>
+            <a:p>
+              <a:pPr algn="ctr"/>
+              <a:r>
+                <a:rPr lang="en-US" altLang="zh-TW" sz="1400" dirty="0" err="1" smtClean="0"/>
+                <a:t>SharedModule</a:t>
+              </a:r>
+              <a:endParaRPr lang="en-US" altLang="zh-TW" sz="1400" dirty="0" smtClean="0"/>
+            </a:p>
+            <a:p>
+              <a:pPr algn="ctr"/>
+              <a:r>
+                <a:rPr lang="en-US" altLang="zh-TW" sz="1400" dirty="0" smtClean="0"/>
+                <a:t>Service </a:t>
+              </a:r>
+              <a:endParaRPr lang="zh-TW" altLang="en-US" sz="1400" dirty="0">
+                <a:solidFill>
+                  <a:schemeClr val="bg1"/>
+                </a:solidFill>
+              </a:endParaRPr>
+            </a:p>
+          </p:txBody>
+        </p:sp>
+      </p:grpSp>
+      <p:sp>
+        <p:nvSpPr>
+          <p:cNvPr id="70" name="橢圓 69"/>
+          <p:cNvSpPr/>
+          <p:nvPr/>
+        </p:nvSpPr>
+        <p:spPr>
+          <a:xfrm>
+            <a:off x="6021065" y="1675875"/>
+            <a:ext cx="1863375" cy="647980"/>
+          </a:xfrm>
+          <a:prstGeom prst="ellipse">
+            <a:avLst/>
+          </a:prstGeom>
+        </p:spPr>
+        <p:style>
+          <a:lnRef idx="0">
+            <a:schemeClr val="accent2"/>
+          </a:lnRef>
+          <a:fillRef idx="3">
+            <a:schemeClr val="accent2"/>
+          </a:fillRef>
+          <a:effectRef idx="3">
+            <a:schemeClr val="accent2"/>
+          </a:effectRef>
+          <a:fontRef idx="minor">
+            <a:schemeClr val="lt1"/>
+          </a:fontRef>
+        </p:style>
+        <p:txBody>
+          <a:bodyPr rtlCol="0" anchor="t"/>
+          <a:lstStyle/>
+          <a:p>
+            <a:pPr algn="ctr"/>
+            <a:r>
+              <a:rPr lang="en-US" altLang="zh-TW" sz="1400" dirty="0" err="1" smtClean="0"/>
+              <a:t>AppModule</a:t>
+            </a:r>
+            <a:endParaRPr lang="en-US" altLang="zh-TW" sz="1400" dirty="0" smtClean="0"/>
+          </a:p>
+          <a:p>
+            <a:pPr algn="ctr"/>
+            <a:r>
+              <a:rPr lang="en-US" altLang="zh-TW" sz="1400" dirty="0" smtClean="0"/>
+              <a:t>Service</a:t>
+            </a:r>
+            <a:endParaRPr lang="zh-TW" altLang="en-US" sz="1400" dirty="0">
+              <a:solidFill>
+                <a:schemeClr val="bg1"/>
+              </a:solidFill>
+            </a:endParaRPr>
+          </a:p>
+        </p:txBody>
+      </p:sp>
+      <p:sp>
+        <p:nvSpPr>
+          <p:cNvPr id="71" name="橢圓 70"/>
+          <p:cNvSpPr/>
+          <p:nvPr/>
+        </p:nvSpPr>
+        <p:spPr>
+          <a:xfrm>
+            <a:off x="8434193" y="1675875"/>
+            <a:ext cx="1863375" cy="647980"/>
+          </a:xfrm>
+          <a:prstGeom prst="ellipse">
+            <a:avLst/>
+          </a:prstGeom>
+        </p:spPr>
+        <p:style>
+          <a:lnRef idx="0">
+            <a:schemeClr val="accent2"/>
+          </a:lnRef>
+          <a:fillRef idx="3">
+            <a:schemeClr val="accent2"/>
+          </a:fillRef>
+          <a:effectRef idx="3">
+            <a:schemeClr val="accent2"/>
+          </a:effectRef>
+          <a:fontRef idx="minor">
+            <a:schemeClr val="lt1"/>
+          </a:fontRef>
+        </p:style>
+        <p:txBody>
+          <a:bodyPr rtlCol="0" anchor="t"/>
+          <a:lstStyle/>
+          <a:p>
+            <a:pPr algn="ctr"/>
+            <a:r>
+              <a:rPr lang="en-US" altLang="zh-TW" sz="1400" dirty="0" smtClean="0"/>
+              <a:t>Singleton</a:t>
+            </a:r>
+          </a:p>
+          <a:p>
+            <a:pPr algn="ctr"/>
+            <a:r>
+              <a:rPr lang="en-US" altLang="zh-TW" sz="1400" dirty="0" smtClean="0"/>
+              <a:t>Service</a:t>
+            </a:r>
+            <a:endParaRPr lang="zh-TW" altLang="en-US" sz="1400" dirty="0">
+              <a:solidFill>
+                <a:schemeClr val="bg1"/>
+              </a:solidFill>
+            </a:endParaRPr>
+          </a:p>
+        </p:txBody>
+      </p:sp>
+      <p:grpSp>
+        <p:nvGrpSpPr>
+          <p:cNvPr id="72" name="群組 71"/>
+          <p:cNvGrpSpPr/>
+          <p:nvPr/>
+        </p:nvGrpSpPr>
+        <p:grpSpPr>
+          <a:xfrm>
+            <a:off x="5205862" y="4492766"/>
+            <a:ext cx="869667" cy="465651"/>
+            <a:chOff x="5194995" y="1688527"/>
+            <a:chExt cx="869667" cy="465651"/>
+          </a:xfrm>
+        </p:grpSpPr>
+        <p:sp>
+          <p:nvSpPr>
+            <p:cNvPr id="73" name="向左箭號 72"/>
+            <p:cNvSpPr/>
+            <p:nvPr/>
+          </p:nvSpPr>
+          <p:spPr>
+            <a:xfrm>
+              <a:off x="5194995" y="1894610"/>
+              <a:ext cx="796667" cy="259568"/>
+            </a:xfrm>
+            <a:prstGeom prst="leftArrow">
+              <a:avLst/>
+            </a:prstGeom>
+          </p:spPr>
+          <p:style>
+            <a:lnRef idx="0">
+              <a:schemeClr val="accent4"/>
+            </a:lnRef>
+            <a:fillRef idx="3">
+              <a:schemeClr val="accent4"/>
+            </a:fillRef>
+            <a:effectRef idx="3">
+              <a:schemeClr val="accent4"/>
+            </a:effectRef>
+            <a:fontRef idx="minor">
+              <a:schemeClr val="lt1"/>
+            </a:fontRef>
+          </p:style>
+          <p:txBody>
+            <a:bodyPr rtlCol="0" anchor="ctr"/>
+            <a:lstStyle/>
+            <a:p>
+              <a:pPr algn="ctr"/>
+              <a:endParaRPr lang="zh-TW" altLang="en-US"/>
+            </a:p>
+          </p:txBody>
+        </p:sp>
+        <p:sp>
+          <p:nvSpPr>
+            <p:cNvPr id="74" name="矩形 73"/>
+            <p:cNvSpPr/>
+            <p:nvPr/>
+          </p:nvSpPr>
+          <p:spPr>
+            <a:xfrm>
+              <a:off x="5222764" y="1688527"/>
+              <a:ext cx="841898" cy="369332"/>
+            </a:xfrm>
+            <a:prstGeom prst="rect">
+              <a:avLst/>
+            </a:prstGeom>
+            <a:noFill/>
+            <a:ln>
+              <a:noFill/>
+            </a:ln>
+          </p:spPr>
+          <p:txBody>
+            <a:bodyPr wrap="none">
+              <a:spAutoFit/>
+            </a:bodyPr>
+            <a:lstStyle/>
+            <a:p>
+              <a:pPr algn="ctr"/>
+              <a:r>
+                <a:rPr lang="en-US" altLang="zh-TW" b="1" dirty="0" smtClean="0"/>
+                <a:t>Import</a:t>
+              </a:r>
+              <a:endParaRPr lang="zh-TW" altLang="en-US" b="1" dirty="0"/>
+            </a:p>
+          </p:txBody>
+        </p:sp>
+      </p:grpSp>
+      <p:grpSp>
+        <p:nvGrpSpPr>
+          <p:cNvPr id="75" name="群組 74"/>
+          <p:cNvGrpSpPr/>
+          <p:nvPr/>
+        </p:nvGrpSpPr>
+        <p:grpSpPr>
+          <a:xfrm>
+            <a:off x="5219746" y="5332534"/>
+            <a:ext cx="869667" cy="465651"/>
+            <a:chOff x="5194995" y="1688527"/>
+            <a:chExt cx="869667" cy="465651"/>
+          </a:xfrm>
+        </p:grpSpPr>
+        <p:sp>
+          <p:nvSpPr>
+            <p:cNvPr id="76" name="向左箭號 75"/>
+            <p:cNvSpPr/>
+            <p:nvPr/>
+          </p:nvSpPr>
+          <p:spPr>
+            <a:xfrm>
+              <a:off x="5194995" y="1894610"/>
+              <a:ext cx="796667" cy="259568"/>
+            </a:xfrm>
+            <a:prstGeom prst="leftArrow">
+              <a:avLst/>
+            </a:prstGeom>
+          </p:spPr>
+          <p:style>
+            <a:lnRef idx="0">
+              <a:schemeClr val="accent4"/>
+            </a:lnRef>
+            <a:fillRef idx="3">
+              <a:schemeClr val="accent4"/>
+            </a:fillRef>
+            <a:effectRef idx="3">
+              <a:schemeClr val="accent4"/>
+            </a:effectRef>
+            <a:fontRef idx="minor">
+              <a:schemeClr val="lt1"/>
+            </a:fontRef>
+          </p:style>
+          <p:txBody>
+            <a:bodyPr rtlCol="0" anchor="ctr"/>
+            <a:lstStyle/>
+            <a:p>
+              <a:pPr algn="ctr"/>
+              <a:endParaRPr lang="zh-TW" altLang="en-US"/>
+            </a:p>
+          </p:txBody>
+        </p:sp>
+        <p:sp>
+          <p:nvSpPr>
+            <p:cNvPr id="77" name="矩形 76"/>
+            <p:cNvSpPr/>
+            <p:nvPr/>
+          </p:nvSpPr>
+          <p:spPr>
+            <a:xfrm>
+              <a:off x="5222764" y="1688527"/>
+              <a:ext cx="841898" cy="369332"/>
+            </a:xfrm>
+            <a:prstGeom prst="rect">
+              <a:avLst/>
+            </a:prstGeom>
+            <a:noFill/>
+            <a:ln>
+              <a:noFill/>
+            </a:ln>
+          </p:spPr>
+          <p:txBody>
+            <a:bodyPr wrap="none">
+              <a:spAutoFit/>
+            </a:bodyPr>
+            <a:lstStyle/>
+            <a:p>
+              <a:pPr algn="ctr"/>
+              <a:r>
+                <a:rPr lang="en-US" altLang="zh-TW" b="1" dirty="0" smtClean="0"/>
+                <a:t>Import</a:t>
+              </a:r>
+              <a:endParaRPr lang="zh-TW" altLang="en-US" b="1" dirty="0"/>
+            </a:p>
+          </p:txBody>
+        </p:sp>
+      </p:grpSp>
+      <p:sp>
+        <p:nvSpPr>
+          <p:cNvPr id="78" name="矩形 77"/>
+          <p:cNvSpPr/>
+          <p:nvPr/>
+        </p:nvSpPr>
+        <p:spPr>
+          <a:xfrm>
+            <a:off x="2002022" y="617554"/>
+            <a:ext cx="8455004" cy="6392845"/>
+          </a:xfrm>
+          <a:prstGeom prst="rect">
+            <a:avLst/>
+          </a:prstGeom>
+          <a:noFill/>
+          <a:ln w="19050">
+            <a:solidFill>
+              <a:schemeClr val="tx1"/>
+            </a:solidFill>
+            <a:prstDash val="solid"/>
+          </a:ln>
+        </p:spPr>
+        <p:style>
+          <a:lnRef idx="0">
+            <a:schemeClr val="accent1"/>
+          </a:lnRef>
+          <a:fillRef idx="3">
+            <a:schemeClr val="accent1"/>
+          </a:fillRef>
+          <a:effectRef idx="3">
+            <a:schemeClr val="accent1"/>
+          </a:effectRef>
+          <a:fontRef idx="minor">
+            <a:schemeClr val="lt1"/>
+          </a:fontRef>
+        </p:style>
+        <p:txBody>
+          <a:bodyPr rtlCol="0" anchor="ctr"/>
+          <a:lstStyle/>
+          <a:p>
+            <a:pPr algn="ctr"/>
+            <a:endParaRPr lang="zh-TW" altLang="en-US">
+              <a:solidFill>
+                <a:schemeClr val="tx1"/>
+              </a:solidFill>
+            </a:endParaRPr>
+          </a:p>
+        </p:txBody>
+      </p:sp>
+      <p:sp>
+        <p:nvSpPr>
+          <p:cNvPr id="79" name="矩形 78"/>
+          <p:cNvSpPr/>
+          <p:nvPr/>
+        </p:nvSpPr>
+        <p:spPr>
+          <a:xfrm>
+            <a:off x="5660874" y="617554"/>
+            <a:ext cx="1137299" cy="369332"/>
+          </a:xfrm>
+          <a:prstGeom prst="rect">
+            <a:avLst/>
+          </a:prstGeom>
+          <a:noFill/>
+          <a:ln>
+            <a:noFill/>
+          </a:ln>
+        </p:spPr>
+        <p:txBody>
+          <a:bodyPr wrap="none">
+            <a:spAutoFit/>
+          </a:bodyPr>
+          <a:lstStyle/>
+          <a:p>
+            <a:pPr algn="ctr"/>
+            <a:r>
+              <a:rPr lang="en-US" altLang="zh-TW" b="1" dirty="0" smtClean="0"/>
+              <a:t>JavaScript</a:t>
+            </a:r>
+            <a:endParaRPr lang="zh-TW" altLang="en-US" b="1" dirty="0"/>
           </a:p>
         </p:txBody>
       </p:sp>
@@ -14331,6 +16153,435 @@
       <p:bldP spid="6" grpId="0" animBg="1"/>
       <p:bldP spid="7" grpId="0" animBg="1"/>
     </p:bldLst>
+  </p:timing>
+</p:sld>
+</file>
+
+<file path=ppt/slides/slide17.xml><?xml version="1.0" encoding="utf-8"?>
+<p:sld xmlns:a="http://schemas.openxmlformats.org/drawingml/2006/main" xmlns:r="http://schemas.openxmlformats.org/officeDocument/2006/relationships" xmlns:p="http://schemas.openxmlformats.org/presentationml/2006/main">
+  <p:cSld>
+    <p:spTree>
+      <p:nvGrpSpPr>
+        <p:cNvPr id="1" name=""/>
+        <p:cNvGrpSpPr/>
+        <p:nvPr/>
+      </p:nvGrpSpPr>
+      <p:grpSpPr>
+        <a:xfrm>
+          <a:off x="0" y="0"/>
+          <a:ext cx="0" cy="0"/>
+          <a:chOff x="0" y="0"/>
+          <a:chExt cx="0" cy="0"/>
+        </a:xfrm>
+      </p:grpSpPr>
+      <p:sp>
+        <p:nvSpPr>
+          <p:cNvPr id="5" name="矩形 4"/>
+          <p:cNvSpPr/>
+          <p:nvPr/>
+        </p:nvSpPr>
+        <p:spPr>
+          <a:xfrm>
+            <a:off x="2819400" y="4114800"/>
+            <a:ext cx="2160000" cy="720000"/>
+          </a:xfrm>
+          <a:prstGeom prst="rect">
+            <a:avLst/>
+          </a:prstGeom>
+        </p:spPr>
+        <p:style>
+          <a:lnRef idx="0">
+            <a:schemeClr val="accent5"/>
+          </a:lnRef>
+          <a:fillRef idx="3">
+            <a:schemeClr val="accent5"/>
+          </a:fillRef>
+          <a:effectRef idx="3">
+            <a:schemeClr val="accent5"/>
+          </a:effectRef>
+          <a:fontRef idx="minor">
+            <a:schemeClr val="lt1"/>
+          </a:fontRef>
+        </p:style>
+        <p:txBody>
+          <a:bodyPr rtlCol="0" anchor="ctr"/>
+          <a:lstStyle/>
+          <a:p>
+            <a:pPr algn="ctr"/>
+            <a:r>
+              <a:rPr lang="en-US" altLang="zh-TW"/>
+              <a:t>MyWebsite</a:t>
+            </a:r>
+            <a:endParaRPr lang="zh-TW" altLang="en-US"/>
+          </a:p>
+        </p:txBody>
+      </p:sp>
+      <p:sp>
+        <p:nvSpPr>
+          <p:cNvPr id="6" name="矩形 5"/>
+          <p:cNvSpPr/>
+          <p:nvPr/>
+        </p:nvSpPr>
+        <p:spPr>
+          <a:xfrm>
+            <a:off x="2819400" y="1980140"/>
+            <a:ext cx="2160000" cy="720000"/>
+          </a:xfrm>
+          <a:prstGeom prst="rect">
+            <a:avLst/>
+          </a:prstGeom>
+        </p:spPr>
+        <p:style>
+          <a:lnRef idx="0">
+            <a:schemeClr val="accent4"/>
+          </a:lnRef>
+          <a:fillRef idx="3">
+            <a:schemeClr val="accent4"/>
+          </a:fillRef>
+          <a:effectRef idx="3">
+            <a:schemeClr val="accent4"/>
+          </a:effectRef>
+          <a:fontRef idx="minor">
+            <a:schemeClr val="lt1"/>
+          </a:fontRef>
+        </p:style>
+        <p:txBody>
+          <a:bodyPr rtlCol="0" anchor="ctr"/>
+          <a:lstStyle/>
+          <a:p>
+            <a:pPr algn="ctr"/>
+            <a:r>
+              <a:rPr lang="en-US" altLang="zh-TW" dirty="0" smtClean="0"/>
+              <a:t>DAL</a:t>
+            </a:r>
+            <a:endParaRPr lang="en-US" altLang="zh-TW" dirty="0"/>
+          </a:p>
+          <a:p>
+            <a:pPr algn="ctr"/>
+            <a:r>
+              <a:rPr lang="en-US" altLang="zh-TW" dirty="0" smtClean="0"/>
+              <a:t>(Data Access Layer)</a:t>
+            </a:r>
+            <a:endParaRPr lang="zh-TW" altLang="en-US" dirty="0"/>
+          </a:p>
+        </p:txBody>
+      </p:sp>
+      <p:sp>
+        <p:nvSpPr>
+          <p:cNvPr id="7" name="矩形 6"/>
+          <p:cNvSpPr/>
+          <p:nvPr/>
+        </p:nvSpPr>
+        <p:spPr>
+          <a:xfrm>
+            <a:off x="2819400" y="3048000"/>
+            <a:ext cx="2160000" cy="720000"/>
+          </a:xfrm>
+          <a:prstGeom prst="rect">
+            <a:avLst/>
+          </a:prstGeom>
+        </p:spPr>
+        <p:style>
+          <a:lnRef idx="0">
+            <a:schemeClr val="accent2"/>
+          </a:lnRef>
+          <a:fillRef idx="3">
+            <a:schemeClr val="accent2"/>
+          </a:fillRef>
+          <a:effectRef idx="3">
+            <a:schemeClr val="accent2"/>
+          </a:effectRef>
+          <a:fontRef idx="minor">
+            <a:schemeClr val="lt1"/>
+          </a:fontRef>
+        </p:style>
+        <p:txBody>
+          <a:bodyPr rtlCol="0" anchor="ctr"/>
+          <a:lstStyle/>
+          <a:p>
+            <a:pPr algn="ctr"/>
+            <a:r>
+              <a:rPr lang="en-US" altLang="zh-TW" dirty="0" smtClean="0"/>
+              <a:t>BLL</a:t>
+            </a:r>
+          </a:p>
+          <a:p>
+            <a:pPr algn="ctr"/>
+            <a:r>
+              <a:rPr lang="en-US" altLang="zh-TW" dirty="0"/>
+              <a:t>(Business Logic Layer</a:t>
+            </a:r>
+            <a:r>
+              <a:rPr lang="en-US" altLang="zh-TW" dirty="0" smtClean="0"/>
+              <a:t>)</a:t>
+            </a:r>
+            <a:endParaRPr lang="zh-TW" altLang="en-US" dirty="0"/>
+          </a:p>
+        </p:txBody>
+      </p:sp>
+      <p:sp>
+        <p:nvSpPr>
+          <p:cNvPr id="8" name="矩形 7"/>
+          <p:cNvSpPr/>
+          <p:nvPr/>
+        </p:nvSpPr>
+        <p:spPr>
+          <a:xfrm>
+            <a:off x="5486400" y="3048000"/>
+            <a:ext cx="2160000" cy="720000"/>
+          </a:xfrm>
+          <a:prstGeom prst="rect">
+            <a:avLst/>
+          </a:prstGeom>
+        </p:spPr>
+        <p:style>
+          <a:lnRef idx="0">
+            <a:schemeClr val="accent6"/>
+          </a:lnRef>
+          <a:fillRef idx="3">
+            <a:schemeClr val="accent6"/>
+          </a:fillRef>
+          <a:effectRef idx="3">
+            <a:schemeClr val="accent6"/>
+          </a:effectRef>
+          <a:fontRef idx="minor">
+            <a:schemeClr val="lt1"/>
+          </a:fontRef>
+        </p:style>
+        <p:txBody>
+          <a:bodyPr rtlCol="0" anchor="ctr"/>
+          <a:lstStyle/>
+          <a:p>
+            <a:pPr algn="ctr"/>
+            <a:r>
+              <a:rPr lang="en-US" altLang="zh-TW" dirty="0"/>
+              <a:t>Entities</a:t>
+            </a:r>
+            <a:endParaRPr lang="zh-TW" altLang="en-US" dirty="0"/>
+          </a:p>
+        </p:txBody>
+      </p:sp>
+      <p:cxnSp>
+        <p:nvCxnSpPr>
+          <p:cNvPr id="11" name="直線單箭頭接點 10"/>
+          <p:cNvCxnSpPr>
+            <a:stCxn id="7" idx="0"/>
+            <a:endCxn id="6" idx="2"/>
+          </p:cNvCxnSpPr>
+          <p:nvPr/>
+        </p:nvCxnSpPr>
+        <p:spPr>
+          <a:xfrm flipV="1">
+            <a:off x="3899400" y="2700140"/>
+            <a:ext cx="0" cy="347860"/>
+          </a:xfrm>
+          <a:prstGeom prst="straightConnector1">
+            <a:avLst/>
+          </a:prstGeom>
+          <a:ln w="19050">
+            <a:solidFill>
+              <a:schemeClr val="tx1"/>
+            </a:solidFill>
+            <a:prstDash val="sysDash"/>
+            <a:headEnd type="none" w="med" len="med"/>
+            <a:tailEnd type="arrow" w="med" len="med"/>
+          </a:ln>
+        </p:spPr>
+        <p:style>
+          <a:lnRef idx="1">
+            <a:schemeClr val="accent1"/>
+          </a:lnRef>
+          <a:fillRef idx="0">
+            <a:schemeClr val="accent1"/>
+          </a:fillRef>
+          <a:effectRef idx="0">
+            <a:schemeClr val="accent1"/>
+          </a:effectRef>
+          <a:fontRef idx="minor">
+            <a:schemeClr val="tx1"/>
+          </a:fontRef>
+        </p:style>
+      </p:cxnSp>
+      <p:cxnSp>
+        <p:nvCxnSpPr>
+          <p:cNvPr id="13" name="直線單箭頭接點 12"/>
+          <p:cNvCxnSpPr>
+            <a:stCxn id="5" idx="0"/>
+            <a:endCxn id="7" idx="2"/>
+          </p:cNvCxnSpPr>
+          <p:nvPr/>
+        </p:nvCxnSpPr>
+        <p:spPr>
+          <a:xfrm flipV="1">
+            <a:off x="3899400" y="3768000"/>
+            <a:ext cx="0" cy="346800"/>
+          </a:xfrm>
+          <a:prstGeom prst="straightConnector1">
+            <a:avLst/>
+          </a:prstGeom>
+          <a:ln w="19050">
+            <a:solidFill>
+              <a:schemeClr val="tx1"/>
+            </a:solidFill>
+            <a:prstDash val="sysDash"/>
+            <a:headEnd type="none" w="med" len="med"/>
+            <a:tailEnd type="arrow" w="med" len="med"/>
+          </a:ln>
+        </p:spPr>
+        <p:style>
+          <a:lnRef idx="1">
+            <a:schemeClr val="accent1"/>
+          </a:lnRef>
+          <a:fillRef idx="0">
+            <a:schemeClr val="accent1"/>
+          </a:fillRef>
+          <a:effectRef idx="0">
+            <a:schemeClr val="accent1"/>
+          </a:effectRef>
+          <a:fontRef idx="minor">
+            <a:schemeClr val="tx1"/>
+          </a:fontRef>
+        </p:style>
+      </p:cxnSp>
+      <p:cxnSp>
+        <p:nvCxnSpPr>
+          <p:cNvPr id="15" name="肘形接點 14"/>
+          <p:cNvCxnSpPr>
+            <a:stCxn id="5" idx="3"/>
+            <a:endCxn id="8" idx="2"/>
+          </p:cNvCxnSpPr>
+          <p:nvPr/>
+        </p:nvCxnSpPr>
+        <p:spPr>
+          <a:xfrm flipV="1">
+            <a:off x="4979400" y="3768000"/>
+            <a:ext cx="1587000" cy="706800"/>
+          </a:xfrm>
+          <a:prstGeom prst="bentConnector2">
+            <a:avLst/>
+          </a:prstGeom>
+          <a:ln w="19050">
+            <a:solidFill>
+              <a:schemeClr val="tx1"/>
+            </a:solidFill>
+            <a:prstDash val="sysDash"/>
+            <a:headEnd type="none" w="med" len="med"/>
+            <a:tailEnd type="arrow" w="med" len="med"/>
+          </a:ln>
+        </p:spPr>
+        <p:style>
+          <a:lnRef idx="1">
+            <a:schemeClr val="accent1"/>
+          </a:lnRef>
+          <a:fillRef idx="0">
+            <a:schemeClr val="accent1"/>
+          </a:fillRef>
+          <a:effectRef idx="0">
+            <a:schemeClr val="accent1"/>
+          </a:effectRef>
+          <a:fontRef idx="minor">
+            <a:schemeClr val="tx1"/>
+          </a:fontRef>
+        </p:style>
+      </p:cxnSp>
+      <p:cxnSp>
+        <p:nvCxnSpPr>
+          <p:cNvPr id="17" name="肘形接點 16"/>
+          <p:cNvCxnSpPr>
+            <a:stCxn id="6" idx="3"/>
+            <a:endCxn id="8" idx="0"/>
+          </p:cNvCxnSpPr>
+          <p:nvPr/>
+        </p:nvCxnSpPr>
+        <p:spPr>
+          <a:xfrm>
+            <a:off x="4979400" y="2340140"/>
+            <a:ext cx="1587000" cy="707860"/>
+          </a:xfrm>
+          <a:prstGeom prst="bentConnector2">
+            <a:avLst/>
+          </a:prstGeom>
+          <a:ln w="19050">
+            <a:solidFill>
+              <a:schemeClr val="tx1"/>
+            </a:solidFill>
+            <a:prstDash val="sysDash"/>
+            <a:headEnd type="none" w="med" len="med"/>
+            <a:tailEnd type="arrow" w="med" len="med"/>
+          </a:ln>
+        </p:spPr>
+        <p:style>
+          <a:lnRef idx="1">
+            <a:schemeClr val="accent1"/>
+          </a:lnRef>
+          <a:fillRef idx="0">
+            <a:schemeClr val="accent1"/>
+          </a:fillRef>
+          <a:effectRef idx="0">
+            <a:schemeClr val="accent1"/>
+          </a:effectRef>
+          <a:fontRef idx="minor">
+            <a:schemeClr val="tx1"/>
+          </a:fontRef>
+        </p:style>
+      </p:cxnSp>
+      <p:cxnSp>
+        <p:nvCxnSpPr>
+          <p:cNvPr id="19" name="直線單箭頭接點 18"/>
+          <p:cNvCxnSpPr>
+            <a:stCxn id="7" idx="3"/>
+            <a:endCxn id="8" idx="1"/>
+          </p:cNvCxnSpPr>
+          <p:nvPr/>
+        </p:nvCxnSpPr>
+        <p:spPr>
+          <a:xfrm>
+            <a:off x="4979400" y="3408000"/>
+            <a:ext cx="507000" cy="0"/>
+          </a:xfrm>
+          <a:prstGeom prst="straightConnector1">
+            <a:avLst/>
+          </a:prstGeom>
+          <a:ln w="19050">
+            <a:solidFill>
+              <a:schemeClr val="tx1"/>
+            </a:solidFill>
+            <a:prstDash val="sysDash"/>
+            <a:headEnd type="none" w="med" len="med"/>
+            <a:tailEnd type="arrow" w="med" len="med"/>
+          </a:ln>
+        </p:spPr>
+        <p:style>
+          <a:lnRef idx="1">
+            <a:schemeClr val="accent1"/>
+          </a:lnRef>
+          <a:fillRef idx="0">
+            <a:schemeClr val="accent1"/>
+          </a:fillRef>
+          <a:effectRef idx="0">
+            <a:schemeClr val="accent1"/>
+          </a:effectRef>
+          <a:fontRef idx="minor">
+            <a:schemeClr val="tx1"/>
+          </a:fontRef>
+        </p:style>
+      </p:cxnSp>
+    </p:spTree>
+    <p:extLst>
+      <p:ext uri="{BB962C8B-B14F-4D97-AF65-F5344CB8AC3E}">
+        <p14:creationId xmlns:p14="http://schemas.microsoft.com/office/powerpoint/2010/main" val="2453471979"/>
+      </p:ext>
+    </p:extLst>
+  </p:cSld>
+  <p:clrMapOvr>
+    <a:masterClrMapping/>
+  </p:clrMapOvr>
+  <p:timing>
+    <p:tnLst>
+      <p:par>
+        <p:cTn id="1" dur="indefinite" restart="never" nodeType="tmRoot"/>
+      </p:par>
+    </p:tnLst>
   </p:timing>
 </p:sld>
 </file>

--- a/source/_assets/Blog動畫.pptx
+++ b/source/_assets/Blog動畫.pptx
@@ -5,10 +5,10 @@
     <p:sldMasterId id="2147483752" r:id="rId4"/>
   </p:sldMasterIdLst>
   <p:notesMasterIdLst>
-    <p:notesMasterId r:id="rId22"/>
+    <p:notesMasterId r:id="rId23"/>
   </p:notesMasterIdLst>
   <p:handoutMasterIdLst>
-    <p:handoutMasterId r:id="rId23"/>
+    <p:handoutMasterId r:id="rId24"/>
   </p:handoutMasterIdLst>
   <p:sldIdLst>
     <p:sldId id="315" r:id="rId5"/>
@@ -28,6 +28,7 @@
     <p:sldId id="328" r:id="rId19"/>
     <p:sldId id="329" r:id="rId20"/>
     <p:sldId id="331" r:id="rId21"/>
+    <p:sldId id="332" r:id="rId22"/>
   </p:sldIdLst>
   <p:sldSz cx="12192000" cy="6858000"/>
   <p:notesSz cx="7099300" cy="10234613"/>
@@ -242,7 +243,7 @@
             <a:fld id="{3CDD3A71-4C75-488C-A8F3-A1F163ED0DB9}" type="datetimeFigureOut">
               <a:rPr lang="en-US" smtClean="0"/>
               <a:pPr/>
-              <a:t>7/11/2017</a:t>
+              <a:t>7/22/2017</a:t>
             </a:fld>
             <a:endParaRPr lang="en-US" dirty="0"/>
           </a:p>
@@ -410,7 +411,7 @@
             <a:fld id="{523CC419-8FB3-4D1C-8127-E63C1A13459D}" type="datetimeFigureOut">
               <a:rPr lang="en-US" smtClean="0"/>
               <a:pPr/>
-              <a:t>7/11/2017</a:t>
+              <a:t>7/22/2017</a:t>
             </a:fld>
             <a:endParaRPr lang="en-US" dirty="0"/>
           </a:p>
@@ -813,7 +814,7 @@
           <a:p>
             <a:fld id="{237FF733-248C-4CF7-A090-89CF012E357B}" type="datetimeFigureOut">
               <a:rPr lang="zh-TW" altLang="en-US" smtClean="0"/>
-              <a:t>2017/7/11</a:t>
+              <a:t>2017/7/22</a:t>
             </a:fld>
             <a:endParaRPr lang="zh-TW" altLang="en-US"/>
           </a:p>
@@ -984,7 +985,7 @@
           <a:p>
             <a:fld id="{237FF733-248C-4CF7-A090-89CF012E357B}" type="datetimeFigureOut">
               <a:rPr lang="zh-TW" altLang="en-US" smtClean="0"/>
-              <a:t>2017/7/11</a:t>
+              <a:t>2017/7/22</a:t>
             </a:fld>
             <a:endParaRPr lang="zh-TW" altLang="en-US"/>
           </a:p>
@@ -1165,7 +1166,7 @@
           <a:p>
             <a:fld id="{237FF733-248C-4CF7-A090-89CF012E357B}" type="datetimeFigureOut">
               <a:rPr lang="zh-TW" altLang="en-US" smtClean="0"/>
-              <a:t>2017/7/11</a:t>
+              <a:t>2017/7/22</a:t>
             </a:fld>
             <a:endParaRPr lang="zh-TW" altLang="en-US"/>
           </a:p>
@@ -1336,7 +1337,7 @@
           <a:p>
             <a:fld id="{237FF733-248C-4CF7-A090-89CF012E357B}" type="datetimeFigureOut">
               <a:rPr lang="zh-TW" altLang="en-US" smtClean="0"/>
-              <a:t>2017/7/11</a:t>
+              <a:t>2017/7/22</a:t>
             </a:fld>
             <a:endParaRPr lang="zh-TW" altLang="en-US"/>
           </a:p>
@@ -1583,7 +1584,7 @@
           <a:p>
             <a:fld id="{237FF733-248C-4CF7-A090-89CF012E357B}" type="datetimeFigureOut">
               <a:rPr lang="zh-TW" altLang="en-US" smtClean="0"/>
-              <a:t>2017/7/11</a:t>
+              <a:t>2017/7/22</a:t>
             </a:fld>
             <a:endParaRPr lang="zh-TW" altLang="en-US"/>
           </a:p>
@@ -1816,7 +1817,7 @@
           <a:p>
             <a:fld id="{237FF733-248C-4CF7-A090-89CF012E357B}" type="datetimeFigureOut">
               <a:rPr lang="zh-TW" altLang="en-US" smtClean="0"/>
-              <a:t>2017/7/11</a:t>
+              <a:t>2017/7/22</a:t>
             </a:fld>
             <a:endParaRPr lang="zh-TW" altLang="en-US"/>
           </a:p>
@@ -2184,7 +2185,7 @@
           <a:p>
             <a:fld id="{237FF733-248C-4CF7-A090-89CF012E357B}" type="datetimeFigureOut">
               <a:rPr lang="zh-TW" altLang="en-US" smtClean="0"/>
-              <a:t>2017/7/11</a:t>
+              <a:t>2017/7/22</a:t>
             </a:fld>
             <a:endParaRPr lang="zh-TW" altLang="en-US"/>
           </a:p>
@@ -2303,7 +2304,7 @@
           <a:p>
             <a:fld id="{237FF733-248C-4CF7-A090-89CF012E357B}" type="datetimeFigureOut">
               <a:rPr lang="zh-TW" altLang="en-US" smtClean="0"/>
-              <a:t>2017/7/11</a:t>
+              <a:t>2017/7/22</a:t>
             </a:fld>
             <a:endParaRPr lang="zh-TW" altLang="en-US"/>
           </a:p>
@@ -2399,7 +2400,7 @@
           <a:p>
             <a:fld id="{237FF733-248C-4CF7-A090-89CF012E357B}" type="datetimeFigureOut">
               <a:rPr lang="zh-TW" altLang="en-US" smtClean="0"/>
-              <a:t>2017/7/11</a:t>
+              <a:t>2017/7/22</a:t>
             </a:fld>
             <a:endParaRPr lang="zh-TW" altLang="en-US"/>
           </a:p>
@@ -2677,7 +2678,7 @@
           <a:p>
             <a:fld id="{237FF733-248C-4CF7-A090-89CF012E357B}" type="datetimeFigureOut">
               <a:rPr lang="zh-TW" altLang="en-US" smtClean="0"/>
-              <a:t>2017/7/11</a:t>
+              <a:t>2017/7/22</a:t>
             </a:fld>
             <a:endParaRPr lang="zh-TW" altLang="en-US"/>
           </a:p>
@@ -2935,7 +2936,7 @@
           <a:p>
             <a:fld id="{237FF733-248C-4CF7-A090-89CF012E357B}" type="datetimeFigureOut">
               <a:rPr lang="zh-TW" altLang="en-US" smtClean="0"/>
-              <a:t>2017/7/11</a:t>
+              <a:t>2017/7/22</a:t>
             </a:fld>
             <a:endParaRPr lang="zh-TW" altLang="en-US"/>
           </a:p>
@@ -3149,7 +3150,7 @@
           <a:p>
             <a:fld id="{237FF733-248C-4CF7-A090-89CF012E357B}" type="datetimeFigureOut">
               <a:rPr lang="zh-TW" altLang="en-US" smtClean="0"/>
-              <a:t>2017/7/11</a:t>
+              <a:t>2017/7/22</a:t>
             </a:fld>
             <a:endParaRPr lang="zh-TW" altLang="en-US"/>
           </a:p>
@@ -16586,6 +16587,623 @@
 </p:sld>
 </file>
 
+<file path=ppt/slides/slide18.xml><?xml version="1.0" encoding="utf-8"?>
+<p:sld xmlns:a="http://schemas.openxmlformats.org/drawingml/2006/main" xmlns:r="http://schemas.openxmlformats.org/officeDocument/2006/relationships" xmlns:p="http://schemas.openxmlformats.org/presentationml/2006/main">
+  <p:cSld>
+    <p:spTree>
+      <p:nvGrpSpPr>
+        <p:cNvPr id="1" name=""/>
+        <p:cNvGrpSpPr/>
+        <p:nvPr/>
+      </p:nvGrpSpPr>
+      <p:grpSpPr>
+        <a:xfrm>
+          <a:off x="0" y="0"/>
+          <a:ext cx="0" cy="0"/>
+          <a:chOff x="0" y="0"/>
+          <a:chExt cx="0" cy="0"/>
+        </a:xfrm>
+      </p:grpSpPr>
+      <p:sp>
+        <p:nvSpPr>
+          <p:cNvPr id="5" name="矩形 4"/>
+          <p:cNvSpPr/>
+          <p:nvPr/>
+        </p:nvSpPr>
+        <p:spPr>
+          <a:xfrm>
+            <a:off x="4953000" y="3794338"/>
+            <a:ext cx="1440000" cy="720000"/>
+          </a:xfrm>
+          <a:prstGeom prst="rect">
+            <a:avLst/>
+          </a:prstGeom>
+        </p:spPr>
+        <p:style>
+          <a:lnRef idx="0">
+            <a:schemeClr val="accent5"/>
+          </a:lnRef>
+          <a:fillRef idx="3">
+            <a:schemeClr val="accent5"/>
+          </a:fillRef>
+          <a:effectRef idx="3">
+            <a:schemeClr val="accent5"/>
+          </a:effectRef>
+          <a:fontRef idx="minor">
+            <a:schemeClr val="lt1"/>
+          </a:fontRef>
+        </p:style>
+        <p:txBody>
+          <a:bodyPr rtlCol="0" anchor="ctr"/>
+          <a:lstStyle/>
+          <a:p>
+            <a:pPr algn="ctr"/>
+            <a:r>
+              <a:rPr lang="en-US" altLang="zh-TW" sz="1600" b="1" dirty="0" err="1" smtClean="0"/>
+              <a:t>TearDown</a:t>
+            </a:r>
+            <a:endParaRPr lang="en-US" altLang="zh-TW" sz="1600" dirty="0"/>
+          </a:p>
+        </p:txBody>
+      </p:sp>
+      <p:sp>
+        <p:nvSpPr>
+          <p:cNvPr id="6" name="矩形 5"/>
+          <p:cNvSpPr/>
+          <p:nvPr/>
+        </p:nvSpPr>
+        <p:spPr>
+          <a:xfrm>
+            <a:off x="1664210" y="1981200"/>
+            <a:ext cx="1440000" cy="720000"/>
+          </a:xfrm>
+          <a:prstGeom prst="rect">
+            <a:avLst/>
+          </a:prstGeom>
+        </p:spPr>
+        <p:style>
+          <a:lnRef idx="0">
+            <a:schemeClr val="accent4"/>
+          </a:lnRef>
+          <a:fillRef idx="3">
+            <a:schemeClr val="accent4"/>
+          </a:fillRef>
+          <a:effectRef idx="3">
+            <a:schemeClr val="accent4"/>
+          </a:effectRef>
+          <a:fontRef idx="minor">
+            <a:schemeClr val="lt1"/>
+          </a:fontRef>
+        </p:style>
+        <p:txBody>
+          <a:bodyPr rtlCol="0" anchor="ctr"/>
+          <a:lstStyle/>
+          <a:p>
+            <a:pPr algn="ctr"/>
+            <a:r>
+              <a:rPr lang="en-US" altLang="zh-TW" sz="1600" b="1" dirty="0"/>
+              <a:t>Constructor</a:t>
+            </a:r>
+            <a:endParaRPr lang="en-US" altLang="zh-TW" sz="1600" dirty="0"/>
+          </a:p>
+        </p:txBody>
+      </p:sp>
+      <p:sp>
+        <p:nvSpPr>
+          <p:cNvPr id="7" name="矩形 6"/>
+          <p:cNvSpPr/>
+          <p:nvPr/>
+        </p:nvSpPr>
+        <p:spPr>
+          <a:xfrm>
+            <a:off x="3308605" y="1981200"/>
+            <a:ext cx="1440000" cy="720000"/>
+          </a:xfrm>
+          <a:prstGeom prst="rect">
+            <a:avLst/>
+          </a:prstGeom>
+        </p:spPr>
+        <p:style>
+          <a:lnRef idx="0">
+            <a:schemeClr val="accent2"/>
+          </a:lnRef>
+          <a:fillRef idx="3">
+            <a:schemeClr val="accent2"/>
+          </a:fillRef>
+          <a:effectRef idx="3">
+            <a:schemeClr val="accent2"/>
+          </a:effectRef>
+          <a:fontRef idx="minor">
+            <a:schemeClr val="lt1"/>
+          </a:fontRef>
+        </p:style>
+        <p:txBody>
+          <a:bodyPr rtlCol="0" anchor="ctr"/>
+          <a:lstStyle/>
+          <a:p>
+            <a:pPr algn="ctr"/>
+            <a:r>
+              <a:rPr lang="en-US" altLang="zh-TW" sz="1600" b="1" dirty="0" err="1" smtClean="0"/>
+              <a:t>OneTime</a:t>
+            </a:r>
+            <a:endParaRPr lang="en-US" altLang="zh-TW" sz="1600" b="1" dirty="0" smtClean="0"/>
+          </a:p>
+          <a:p>
+            <a:pPr algn="ctr"/>
+            <a:r>
+              <a:rPr lang="en-US" altLang="zh-TW" sz="1600" b="1" dirty="0" err="1" smtClean="0"/>
+              <a:t>SetUp</a:t>
+            </a:r>
+            <a:endParaRPr lang="en-US" altLang="zh-TW" sz="1600" dirty="0"/>
+          </a:p>
+        </p:txBody>
+      </p:sp>
+      <p:sp>
+        <p:nvSpPr>
+          <p:cNvPr id="8" name="矩形 7"/>
+          <p:cNvSpPr/>
+          <p:nvPr/>
+        </p:nvSpPr>
+        <p:spPr>
+          <a:xfrm>
+            <a:off x="4953000" y="2887769"/>
+            <a:ext cx="1440000" cy="720000"/>
+          </a:xfrm>
+          <a:prstGeom prst="rect">
+            <a:avLst/>
+          </a:prstGeom>
+        </p:spPr>
+        <p:style>
+          <a:lnRef idx="0">
+            <a:schemeClr val="accent6"/>
+          </a:lnRef>
+          <a:fillRef idx="3">
+            <a:schemeClr val="accent6"/>
+          </a:fillRef>
+          <a:effectRef idx="3">
+            <a:schemeClr val="accent6"/>
+          </a:effectRef>
+          <a:fontRef idx="minor">
+            <a:schemeClr val="lt1"/>
+          </a:fontRef>
+        </p:style>
+        <p:txBody>
+          <a:bodyPr rtlCol="0" anchor="ctr"/>
+          <a:lstStyle/>
+          <a:p>
+            <a:pPr algn="ctr"/>
+            <a:r>
+              <a:rPr lang="en-US" altLang="zh-TW" sz="1600" b="1" dirty="0" smtClean="0"/>
+              <a:t>Test</a:t>
+            </a:r>
+            <a:endParaRPr lang="en-US" altLang="zh-TW" sz="1600" dirty="0"/>
+          </a:p>
+        </p:txBody>
+      </p:sp>
+      <p:sp>
+        <p:nvSpPr>
+          <p:cNvPr id="14" name="矩形 13"/>
+          <p:cNvSpPr/>
+          <p:nvPr/>
+        </p:nvSpPr>
+        <p:spPr>
+          <a:xfrm>
+            <a:off x="3302631" y="3794338"/>
+            <a:ext cx="1440000" cy="720000"/>
+          </a:xfrm>
+          <a:prstGeom prst="rect">
+            <a:avLst/>
+          </a:prstGeom>
+        </p:spPr>
+        <p:style>
+          <a:lnRef idx="0">
+            <a:schemeClr val="accent4"/>
+          </a:lnRef>
+          <a:fillRef idx="3">
+            <a:schemeClr val="accent4"/>
+          </a:fillRef>
+          <a:effectRef idx="3">
+            <a:schemeClr val="accent4"/>
+          </a:effectRef>
+          <a:fontRef idx="minor">
+            <a:schemeClr val="lt1"/>
+          </a:fontRef>
+        </p:style>
+        <p:txBody>
+          <a:bodyPr rtlCol="0" anchor="ctr"/>
+          <a:lstStyle/>
+          <a:p>
+            <a:pPr algn="ctr"/>
+            <a:r>
+              <a:rPr lang="en-US" altLang="zh-TW" sz="1600" b="1" dirty="0" smtClean="0"/>
+              <a:t>Dispose</a:t>
+            </a:r>
+            <a:endParaRPr lang="en-US" altLang="zh-TW" sz="1600" dirty="0"/>
+          </a:p>
+        </p:txBody>
+      </p:sp>
+      <p:sp>
+        <p:nvSpPr>
+          <p:cNvPr id="16" name="矩形 15"/>
+          <p:cNvSpPr/>
+          <p:nvPr/>
+        </p:nvSpPr>
+        <p:spPr>
+          <a:xfrm>
+            <a:off x="1664210" y="3794338"/>
+            <a:ext cx="1440000" cy="720000"/>
+          </a:xfrm>
+          <a:prstGeom prst="rect">
+            <a:avLst/>
+          </a:prstGeom>
+        </p:spPr>
+        <p:style>
+          <a:lnRef idx="0">
+            <a:schemeClr val="accent2"/>
+          </a:lnRef>
+          <a:fillRef idx="3">
+            <a:schemeClr val="accent2"/>
+          </a:fillRef>
+          <a:effectRef idx="3">
+            <a:schemeClr val="accent2"/>
+          </a:effectRef>
+          <a:fontRef idx="minor">
+            <a:schemeClr val="lt1"/>
+          </a:fontRef>
+        </p:style>
+        <p:txBody>
+          <a:bodyPr rtlCol="0" anchor="ctr"/>
+          <a:lstStyle/>
+          <a:p>
+            <a:pPr algn="ctr"/>
+            <a:r>
+              <a:rPr lang="en-US" altLang="zh-TW" sz="1600" b="1" dirty="0" err="1" smtClean="0"/>
+              <a:t>OneTime</a:t>
+            </a:r>
+            <a:endParaRPr lang="en-US" altLang="zh-TW" sz="1600" b="1" dirty="0" smtClean="0"/>
+          </a:p>
+          <a:p>
+            <a:pPr algn="ctr"/>
+            <a:r>
+              <a:rPr lang="en-US" altLang="zh-TW" sz="1600" b="1" dirty="0" err="1" smtClean="0"/>
+              <a:t>TearDown</a:t>
+            </a:r>
+            <a:endParaRPr lang="en-US" altLang="zh-TW" sz="1600" dirty="0"/>
+          </a:p>
+        </p:txBody>
+      </p:sp>
+      <p:sp>
+        <p:nvSpPr>
+          <p:cNvPr id="18" name="矩形 17"/>
+          <p:cNvSpPr/>
+          <p:nvPr/>
+        </p:nvSpPr>
+        <p:spPr>
+          <a:xfrm>
+            <a:off x="4953000" y="1981200"/>
+            <a:ext cx="1440000" cy="720000"/>
+          </a:xfrm>
+          <a:prstGeom prst="rect">
+            <a:avLst/>
+          </a:prstGeom>
+        </p:spPr>
+        <p:style>
+          <a:lnRef idx="0">
+            <a:schemeClr val="accent5"/>
+          </a:lnRef>
+          <a:fillRef idx="3">
+            <a:schemeClr val="accent5"/>
+          </a:fillRef>
+          <a:effectRef idx="3">
+            <a:schemeClr val="accent5"/>
+          </a:effectRef>
+          <a:fontRef idx="minor">
+            <a:schemeClr val="lt1"/>
+          </a:fontRef>
+        </p:style>
+        <p:txBody>
+          <a:bodyPr rtlCol="0" anchor="ctr"/>
+          <a:lstStyle/>
+          <a:p>
+            <a:pPr algn="ctr"/>
+            <a:r>
+              <a:rPr lang="en-US" altLang="zh-TW" sz="1600" b="1" dirty="0" err="1"/>
+              <a:t>SetUp</a:t>
+            </a:r>
+            <a:endParaRPr lang="en-US" altLang="zh-TW" sz="1600" dirty="0"/>
+          </a:p>
+        </p:txBody>
+      </p:sp>
+      <p:sp>
+        <p:nvSpPr>
+          <p:cNvPr id="4" name="向下箭號 3"/>
+          <p:cNvSpPr/>
+          <p:nvPr/>
+        </p:nvSpPr>
+        <p:spPr>
+          <a:xfrm rot="16200000">
+            <a:off x="3015908" y="2150700"/>
+            <a:ext cx="381000" cy="381000"/>
+          </a:xfrm>
+          <a:prstGeom prst="downArrow">
+            <a:avLst/>
+          </a:prstGeom>
+        </p:spPr>
+        <p:style>
+          <a:lnRef idx="0">
+            <a:schemeClr val="accent3"/>
+          </a:lnRef>
+          <a:fillRef idx="3">
+            <a:schemeClr val="accent3"/>
+          </a:fillRef>
+          <a:effectRef idx="3">
+            <a:schemeClr val="accent3"/>
+          </a:effectRef>
+          <a:fontRef idx="minor">
+            <a:schemeClr val="lt1"/>
+          </a:fontRef>
+        </p:style>
+        <p:txBody>
+          <a:bodyPr rtlCol="0" anchor="ctr"/>
+          <a:lstStyle/>
+          <a:p>
+            <a:pPr algn="ctr"/>
+            <a:endParaRPr lang="zh-TW" altLang="en-US"/>
+          </a:p>
+        </p:txBody>
+      </p:sp>
+      <p:sp>
+        <p:nvSpPr>
+          <p:cNvPr id="20" name="向下箭號 19"/>
+          <p:cNvSpPr/>
+          <p:nvPr/>
+        </p:nvSpPr>
+        <p:spPr>
+          <a:xfrm rot="16200000">
+            <a:off x="4653755" y="2150700"/>
+            <a:ext cx="381000" cy="381000"/>
+          </a:xfrm>
+          <a:prstGeom prst="downArrow">
+            <a:avLst/>
+          </a:prstGeom>
+        </p:spPr>
+        <p:style>
+          <a:lnRef idx="0">
+            <a:schemeClr val="accent3"/>
+          </a:lnRef>
+          <a:fillRef idx="3">
+            <a:schemeClr val="accent3"/>
+          </a:fillRef>
+          <a:effectRef idx="3">
+            <a:schemeClr val="accent3"/>
+          </a:effectRef>
+          <a:fontRef idx="minor">
+            <a:schemeClr val="lt1"/>
+          </a:fontRef>
+        </p:style>
+        <p:txBody>
+          <a:bodyPr rtlCol="0" anchor="ctr"/>
+          <a:lstStyle/>
+          <a:p>
+            <a:pPr algn="ctr"/>
+            <a:endParaRPr lang="zh-TW" altLang="en-US"/>
+          </a:p>
+        </p:txBody>
+      </p:sp>
+      <p:sp>
+        <p:nvSpPr>
+          <p:cNvPr id="21" name="向下箭號 20"/>
+          <p:cNvSpPr/>
+          <p:nvPr/>
+        </p:nvSpPr>
+        <p:spPr>
+          <a:xfrm>
+            <a:off x="5482500" y="2603985"/>
+            <a:ext cx="381000" cy="381000"/>
+          </a:xfrm>
+          <a:prstGeom prst="downArrow">
+            <a:avLst/>
+          </a:prstGeom>
+        </p:spPr>
+        <p:style>
+          <a:lnRef idx="0">
+            <a:schemeClr val="accent3"/>
+          </a:lnRef>
+          <a:fillRef idx="3">
+            <a:schemeClr val="accent3"/>
+          </a:fillRef>
+          <a:effectRef idx="3">
+            <a:schemeClr val="accent3"/>
+          </a:effectRef>
+          <a:fontRef idx="minor">
+            <a:schemeClr val="lt1"/>
+          </a:fontRef>
+        </p:style>
+        <p:txBody>
+          <a:bodyPr rtlCol="0" anchor="ctr"/>
+          <a:lstStyle/>
+          <a:p>
+            <a:pPr algn="ctr"/>
+            <a:endParaRPr lang="zh-TW" altLang="en-US"/>
+          </a:p>
+        </p:txBody>
+      </p:sp>
+      <p:sp>
+        <p:nvSpPr>
+          <p:cNvPr id="22" name="向下箭號 21"/>
+          <p:cNvSpPr/>
+          <p:nvPr/>
+        </p:nvSpPr>
+        <p:spPr>
+          <a:xfrm>
+            <a:off x="5495516" y="3510554"/>
+            <a:ext cx="381000" cy="381000"/>
+          </a:xfrm>
+          <a:prstGeom prst="downArrow">
+            <a:avLst/>
+          </a:prstGeom>
+        </p:spPr>
+        <p:style>
+          <a:lnRef idx="0">
+            <a:schemeClr val="accent3"/>
+          </a:lnRef>
+          <a:fillRef idx="3">
+            <a:schemeClr val="accent3"/>
+          </a:fillRef>
+          <a:effectRef idx="3">
+            <a:schemeClr val="accent3"/>
+          </a:effectRef>
+          <a:fontRef idx="minor">
+            <a:schemeClr val="lt1"/>
+          </a:fontRef>
+        </p:style>
+        <p:txBody>
+          <a:bodyPr rtlCol="0" anchor="ctr"/>
+          <a:lstStyle/>
+          <a:p>
+            <a:pPr algn="ctr"/>
+            <a:endParaRPr lang="zh-TW" altLang="en-US"/>
+          </a:p>
+        </p:txBody>
+      </p:sp>
+      <p:sp>
+        <p:nvSpPr>
+          <p:cNvPr id="23" name="向下箭號 22"/>
+          <p:cNvSpPr/>
+          <p:nvPr/>
+        </p:nvSpPr>
+        <p:spPr>
+          <a:xfrm rot="5400000">
+            <a:off x="4653755" y="3963838"/>
+            <a:ext cx="381000" cy="381000"/>
+          </a:xfrm>
+          <a:prstGeom prst="downArrow">
+            <a:avLst/>
+          </a:prstGeom>
+        </p:spPr>
+        <p:style>
+          <a:lnRef idx="0">
+            <a:schemeClr val="accent3"/>
+          </a:lnRef>
+          <a:fillRef idx="3">
+            <a:schemeClr val="accent3"/>
+          </a:fillRef>
+          <a:effectRef idx="3">
+            <a:schemeClr val="accent3"/>
+          </a:effectRef>
+          <a:fontRef idx="minor">
+            <a:schemeClr val="lt1"/>
+          </a:fontRef>
+        </p:style>
+        <p:txBody>
+          <a:bodyPr rtlCol="0" anchor="ctr"/>
+          <a:lstStyle/>
+          <a:p>
+            <a:pPr algn="ctr"/>
+            <a:endParaRPr lang="zh-TW" altLang="en-US"/>
+          </a:p>
+        </p:txBody>
+      </p:sp>
+      <p:sp>
+        <p:nvSpPr>
+          <p:cNvPr id="24" name="向下箭號 23"/>
+          <p:cNvSpPr/>
+          <p:nvPr/>
+        </p:nvSpPr>
+        <p:spPr>
+          <a:xfrm rot="5400000">
+            <a:off x="3015908" y="3963838"/>
+            <a:ext cx="381000" cy="381000"/>
+          </a:xfrm>
+          <a:prstGeom prst="downArrow">
+            <a:avLst/>
+          </a:prstGeom>
+        </p:spPr>
+        <p:style>
+          <a:lnRef idx="0">
+            <a:schemeClr val="accent3"/>
+          </a:lnRef>
+          <a:fillRef idx="3">
+            <a:schemeClr val="accent3"/>
+          </a:fillRef>
+          <a:effectRef idx="3">
+            <a:schemeClr val="accent3"/>
+          </a:effectRef>
+          <a:fontRef idx="minor">
+            <a:schemeClr val="lt1"/>
+          </a:fontRef>
+        </p:style>
+        <p:txBody>
+          <a:bodyPr rtlCol="0" anchor="ctr"/>
+          <a:lstStyle/>
+          <a:p>
+            <a:pPr algn="ctr"/>
+            <a:endParaRPr lang="zh-TW" altLang="en-US"/>
+          </a:p>
+        </p:txBody>
+      </p:sp>
+      <p:sp>
+        <p:nvSpPr>
+          <p:cNvPr id="9" name="弧形箭號 (上彎) 8"/>
+          <p:cNvSpPr/>
+          <p:nvPr/>
+        </p:nvSpPr>
+        <p:spPr>
+          <a:xfrm rot="16200000">
+            <a:off x="5620992" y="2840953"/>
+            <a:ext cx="2194140" cy="813627"/>
+          </a:xfrm>
+          <a:prstGeom prst="curvedUpArrow">
+            <a:avLst/>
+          </a:prstGeom>
+        </p:spPr>
+        <p:style>
+          <a:lnRef idx="0">
+            <a:schemeClr val="accent3"/>
+          </a:lnRef>
+          <a:fillRef idx="3">
+            <a:schemeClr val="accent3"/>
+          </a:fillRef>
+          <a:effectRef idx="3">
+            <a:schemeClr val="accent3"/>
+          </a:effectRef>
+          <a:fontRef idx="minor">
+            <a:schemeClr val="lt1"/>
+          </a:fontRef>
+        </p:style>
+        <p:txBody>
+          <a:bodyPr rtlCol="0" anchor="ctr"/>
+          <a:lstStyle/>
+          <a:p>
+            <a:pPr algn="ctr"/>
+            <a:endParaRPr lang="zh-TW" altLang="en-US">
+              <a:solidFill>
+                <a:schemeClr val="tx1"/>
+              </a:solidFill>
+            </a:endParaRPr>
+          </a:p>
+        </p:txBody>
+      </p:sp>
+    </p:spTree>
+    <p:extLst>
+      <p:ext uri="{BB962C8B-B14F-4D97-AF65-F5344CB8AC3E}">
+        <p14:creationId xmlns:p14="http://schemas.microsoft.com/office/powerpoint/2010/main" val="1794093419"/>
+      </p:ext>
+    </p:extLst>
+  </p:cSld>
+  <p:clrMapOvr>
+    <a:masterClrMapping/>
+  </p:clrMapOvr>
+  <p:timing>
+    <p:tnLst>
+      <p:par>
+        <p:cTn id="1" dur="indefinite" restart="never" nodeType="tmRoot"/>
+      </p:par>
+    </p:tnLst>
+  </p:timing>
+</p:sld>
+</file>
+
 <file path=ppt/slides/slide2.xml><?xml version="1.0" encoding="utf-8"?>
 <p:sld xmlns:a="http://schemas.openxmlformats.org/drawingml/2006/main" xmlns:r="http://schemas.openxmlformats.org/officeDocument/2006/relationships" xmlns:p="http://schemas.openxmlformats.org/presentationml/2006/main">
   <p:cSld>
@@ -29401,15 +30019,6 @@
 </file>
 
 <file path=customXml/item1.xml><?xml version="1.0" encoding="utf-8"?>
-<?mso-contentType ?>
-<FormTemplates xmlns="http://schemas.microsoft.com/sharepoint/v3/contenttype/forms">
-  <Display>DocumentLibraryForm</Display>
-  <Edit>DocumentLibraryForm</Edit>
-  <New>DocumentLibraryForm</New>
-</FormTemplates>
-</file>
-
-<file path=customXml/item2.xml><?xml version="1.0" encoding="utf-8"?>
 <ct:contentTypeSchema xmlns:ct="http://schemas.microsoft.com/office/2006/metadata/contentType" xmlns:ma="http://schemas.microsoft.com/office/2006/metadata/properties/metaAttributes" ct:_="" ma:_="" ma:contentTypeName="Document" ma:contentTypeID="0x0101000AA0115B54226D469CC0FAAE38E5F61C" ma:contentTypeVersion="3" ma:contentTypeDescription="Create a new document." ma:contentTypeScope="" ma:versionID="0ae424bb0065d3a2a055b165aca25ec5">
   <xsd:schema xmlns:xsd="http://www.w3.org/2001/XMLSchema" xmlns:p="http://schemas.microsoft.com/office/2006/metadata/properties" targetNamespace="http://schemas.microsoft.com/office/2006/metadata/properties" ma:root="true" ma:fieldsID="4aeb20c0e3442673af7ee10786458764">
     <xsd:element name="properties">
@@ -29458,6 +30067,15 @@
 </ct:contentTypeSchema>
 </file>
 
+<file path=customXml/item2.xml><?xml version="1.0" encoding="utf-8"?>
+<?mso-contentType ?>
+<FormTemplates xmlns="http://schemas.microsoft.com/sharepoint/v3/contenttype/forms">
+  <Display>DocumentLibraryForm</Display>
+  <Edit>DocumentLibraryForm</Edit>
+  <New>DocumentLibraryForm</New>
+</FormTemplates>
+</file>
+
 <file path=customXml/item3.xml><?xml version="1.0" encoding="utf-8"?>
 <p:properties xmlns:p="http://schemas.microsoft.com/office/2006/metadata/properties" xmlns:xsi="http://www.w3.org/2001/XMLSchema-instance">
   <documentManagement/>
@@ -29465,14 +30083,6 @@
 </file>
 
 <file path=customXml/itemProps1.xml><?xml version="1.0" encoding="utf-8"?>
-<ds:datastoreItem xmlns:ds="http://schemas.openxmlformats.org/officeDocument/2006/customXml" ds:itemID="{A1770BF7-49D5-46D6-8B76-1D8AF290B450}">
-  <ds:schemaRefs>
-    <ds:schemaRef ds:uri="http://schemas.microsoft.com/sharepoint/v3/contenttype/forms"/>
-  </ds:schemaRefs>
-</ds:datastoreItem>
-</file>
-
-<file path=customXml/itemProps2.xml><?xml version="1.0" encoding="utf-8"?>
 <ds:datastoreItem xmlns:ds="http://schemas.openxmlformats.org/officeDocument/2006/customXml" ds:itemID="{FE6BB287-9CB7-4AA6-A5A5-8D1CE03643F3}">
   <ds:schemaRefs>
     <ds:schemaRef ds:uri="http://schemas.microsoft.com/office/2006/metadata/contentType"/>
@@ -29483,6 +30093,14 @@
     <ds:schemaRef ds:uri="http://purl.org/dc/elements/1.1/"/>
     <ds:schemaRef ds:uri="http://purl.org/dc/terms/"/>
     <ds:schemaRef ds:uri="http://schemas.microsoft.com/office/internal/2005/internalDocumentation"/>
+  </ds:schemaRefs>
+</ds:datastoreItem>
+</file>
+
+<file path=customXml/itemProps2.xml><?xml version="1.0" encoding="utf-8"?>
+<ds:datastoreItem xmlns:ds="http://schemas.openxmlformats.org/officeDocument/2006/customXml" ds:itemID="{A1770BF7-49D5-46D6-8B76-1D8AF290B450}">
+  <ds:schemaRefs>
+    <ds:schemaRef ds:uri="http://schemas.microsoft.com/sharepoint/v3/contenttype/forms"/>
   </ds:schemaRefs>
 </ds:datastoreItem>
 </file>

--- a/source/_assets/Blog動畫.pptx
+++ b/source/_assets/Blog動畫.pptx
@@ -5,10 +5,10 @@
     <p:sldMasterId id="2147483752" r:id="rId4"/>
   </p:sldMasterIdLst>
   <p:notesMasterIdLst>
-    <p:notesMasterId r:id="rId23"/>
+    <p:notesMasterId r:id="rId24"/>
   </p:notesMasterIdLst>
   <p:handoutMasterIdLst>
-    <p:handoutMasterId r:id="rId24"/>
+    <p:handoutMasterId r:id="rId25"/>
   </p:handoutMasterIdLst>
   <p:sldIdLst>
     <p:sldId id="315" r:id="rId5"/>
@@ -29,6 +29,7 @@
     <p:sldId id="329" r:id="rId20"/>
     <p:sldId id="331" r:id="rId21"/>
     <p:sldId id="332" r:id="rId22"/>
+    <p:sldId id="333" r:id="rId23"/>
   </p:sldIdLst>
   <p:sldSz cx="12192000" cy="6858000"/>
   <p:notesSz cx="7099300" cy="10234613"/>
@@ -243,7 +244,7 @@
             <a:fld id="{3CDD3A71-4C75-488C-A8F3-A1F163ED0DB9}" type="datetimeFigureOut">
               <a:rPr lang="en-US" smtClean="0"/>
               <a:pPr/>
-              <a:t>7/22/2017</a:t>
+              <a:t>7/31/2017</a:t>
             </a:fld>
             <a:endParaRPr lang="en-US" dirty="0"/>
           </a:p>
@@ -411,7 +412,7 @@
             <a:fld id="{523CC419-8FB3-4D1C-8127-E63C1A13459D}" type="datetimeFigureOut">
               <a:rPr lang="en-US" smtClean="0"/>
               <a:pPr/>
-              <a:t>7/22/2017</a:t>
+              <a:t>7/31/2017</a:t>
             </a:fld>
             <a:endParaRPr lang="en-US" dirty="0"/>
           </a:p>
@@ -814,7 +815,7 @@
           <a:p>
             <a:fld id="{237FF733-248C-4CF7-A090-89CF012E357B}" type="datetimeFigureOut">
               <a:rPr lang="zh-TW" altLang="en-US" smtClean="0"/>
-              <a:t>2017/7/22</a:t>
+              <a:t>2017/7/31</a:t>
             </a:fld>
             <a:endParaRPr lang="zh-TW" altLang="en-US"/>
           </a:p>
@@ -985,7 +986,7 @@
           <a:p>
             <a:fld id="{237FF733-248C-4CF7-A090-89CF012E357B}" type="datetimeFigureOut">
               <a:rPr lang="zh-TW" altLang="en-US" smtClean="0"/>
-              <a:t>2017/7/22</a:t>
+              <a:t>2017/7/31</a:t>
             </a:fld>
             <a:endParaRPr lang="zh-TW" altLang="en-US"/>
           </a:p>
@@ -1166,7 +1167,7 @@
           <a:p>
             <a:fld id="{237FF733-248C-4CF7-A090-89CF012E357B}" type="datetimeFigureOut">
               <a:rPr lang="zh-TW" altLang="en-US" smtClean="0"/>
-              <a:t>2017/7/22</a:t>
+              <a:t>2017/7/31</a:t>
             </a:fld>
             <a:endParaRPr lang="zh-TW" altLang="en-US"/>
           </a:p>
@@ -1337,7 +1338,7 @@
           <a:p>
             <a:fld id="{237FF733-248C-4CF7-A090-89CF012E357B}" type="datetimeFigureOut">
               <a:rPr lang="zh-TW" altLang="en-US" smtClean="0"/>
-              <a:t>2017/7/22</a:t>
+              <a:t>2017/7/31</a:t>
             </a:fld>
             <a:endParaRPr lang="zh-TW" altLang="en-US"/>
           </a:p>
@@ -1584,7 +1585,7 @@
           <a:p>
             <a:fld id="{237FF733-248C-4CF7-A090-89CF012E357B}" type="datetimeFigureOut">
               <a:rPr lang="zh-TW" altLang="en-US" smtClean="0"/>
-              <a:t>2017/7/22</a:t>
+              <a:t>2017/7/31</a:t>
             </a:fld>
             <a:endParaRPr lang="zh-TW" altLang="en-US"/>
           </a:p>
@@ -1817,7 +1818,7 @@
           <a:p>
             <a:fld id="{237FF733-248C-4CF7-A090-89CF012E357B}" type="datetimeFigureOut">
               <a:rPr lang="zh-TW" altLang="en-US" smtClean="0"/>
-              <a:t>2017/7/22</a:t>
+              <a:t>2017/7/31</a:t>
             </a:fld>
             <a:endParaRPr lang="zh-TW" altLang="en-US"/>
           </a:p>
@@ -2185,7 +2186,7 @@
           <a:p>
             <a:fld id="{237FF733-248C-4CF7-A090-89CF012E357B}" type="datetimeFigureOut">
               <a:rPr lang="zh-TW" altLang="en-US" smtClean="0"/>
-              <a:t>2017/7/22</a:t>
+              <a:t>2017/7/31</a:t>
             </a:fld>
             <a:endParaRPr lang="zh-TW" altLang="en-US"/>
           </a:p>
@@ -2304,7 +2305,7 @@
           <a:p>
             <a:fld id="{237FF733-248C-4CF7-A090-89CF012E357B}" type="datetimeFigureOut">
               <a:rPr lang="zh-TW" altLang="en-US" smtClean="0"/>
-              <a:t>2017/7/22</a:t>
+              <a:t>2017/7/31</a:t>
             </a:fld>
             <a:endParaRPr lang="zh-TW" altLang="en-US"/>
           </a:p>
@@ -2400,7 +2401,7 @@
           <a:p>
             <a:fld id="{237FF733-248C-4CF7-A090-89CF012E357B}" type="datetimeFigureOut">
               <a:rPr lang="zh-TW" altLang="en-US" smtClean="0"/>
-              <a:t>2017/7/22</a:t>
+              <a:t>2017/7/31</a:t>
             </a:fld>
             <a:endParaRPr lang="zh-TW" altLang="en-US"/>
           </a:p>
@@ -2678,7 +2679,7 @@
           <a:p>
             <a:fld id="{237FF733-248C-4CF7-A090-89CF012E357B}" type="datetimeFigureOut">
               <a:rPr lang="zh-TW" altLang="en-US" smtClean="0"/>
-              <a:t>2017/7/22</a:t>
+              <a:t>2017/7/31</a:t>
             </a:fld>
             <a:endParaRPr lang="zh-TW" altLang="en-US"/>
           </a:p>
@@ -2936,7 +2937,7 @@
           <a:p>
             <a:fld id="{237FF733-248C-4CF7-A090-89CF012E357B}" type="datetimeFigureOut">
               <a:rPr lang="zh-TW" altLang="en-US" smtClean="0"/>
-              <a:t>2017/7/22</a:t>
+              <a:t>2017/7/31</a:t>
             </a:fld>
             <a:endParaRPr lang="zh-TW" altLang="en-US"/>
           </a:p>
@@ -3150,7 +3151,7 @@
           <a:p>
             <a:fld id="{237FF733-248C-4CF7-A090-89CF012E357B}" type="datetimeFigureOut">
               <a:rPr lang="zh-TW" altLang="en-US" smtClean="0"/>
-              <a:t>2017/7/22</a:t>
+              <a:t>2017/7/31</a:t>
             </a:fld>
             <a:endParaRPr lang="zh-TW" altLang="en-US"/>
           </a:p>
@@ -17204,6 +17205,756 @@
 </p:sld>
 </file>
 
+<file path=ppt/slides/slide19.xml><?xml version="1.0" encoding="utf-8"?>
+<p:sld xmlns:a="http://schemas.openxmlformats.org/drawingml/2006/main" xmlns:r="http://schemas.openxmlformats.org/officeDocument/2006/relationships" xmlns:p="http://schemas.openxmlformats.org/presentationml/2006/main">
+  <p:cSld>
+    <p:spTree>
+      <p:nvGrpSpPr>
+        <p:cNvPr id="1" name=""/>
+        <p:cNvGrpSpPr/>
+        <p:nvPr/>
+      </p:nvGrpSpPr>
+      <p:grpSpPr>
+        <a:xfrm>
+          <a:off x="0" y="0"/>
+          <a:ext cx="0" cy="0"/>
+          <a:chOff x="0" y="0"/>
+          <a:chExt cx="0" cy="0"/>
+        </a:xfrm>
+      </p:grpSpPr>
+      <p:sp>
+        <p:nvSpPr>
+          <p:cNvPr id="36" name="橢圓 35"/>
+          <p:cNvSpPr/>
+          <p:nvPr/>
+        </p:nvSpPr>
+        <p:spPr>
+          <a:xfrm>
+            <a:off x="1531334" y="3429000"/>
+            <a:ext cx="6536569" cy="2895600"/>
+          </a:xfrm>
+          <a:prstGeom prst="ellipse">
+            <a:avLst/>
+          </a:prstGeom>
+        </p:spPr>
+        <p:style>
+          <a:lnRef idx="0">
+            <a:schemeClr val="accent5"/>
+          </a:lnRef>
+          <a:fillRef idx="3">
+            <a:schemeClr val="accent5"/>
+          </a:fillRef>
+          <a:effectRef idx="3">
+            <a:schemeClr val="accent5"/>
+          </a:effectRef>
+          <a:fontRef idx="minor">
+            <a:schemeClr val="lt1"/>
+          </a:fontRef>
+        </p:style>
+        <p:txBody>
+          <a:bodyPr rtlCol="0" anchor="t"/>
+          <a:lstStyle/>
+          <a:p>
+            <a:pPr algn="ctr"/>
+            <a:endParaRPr lang="zh-TW" altLang="en-US" dirty="0">
+              <a:solidFill>
+                <a:schemeClr val="bg1"/>
+              </a:solidFill>
+            </a:endParaRPr>
+          </a:p>
+        </p:txBody>
+      </p:sp>
+      <p:sp>
+        <p:nvSpPr>
+          <p:cNvPr id="2" name="矩形 1"/>
+          <p:cNvSpPr/>
+          <p:nvPr/>
+        </p:nvSpPr>
+        <p:spPr>
+          <a:xfrm>
+            <a:off x="3788572" y="3462510"/>
+            <a:ext cx="2022092" cy="369332"/>
+          </a:xfrm>
+          <a:prstGeom prst="rect">
+            <a:avLst/>
+          </a:prstGeom>
+        </p:spPr>
+        <p:txBody>
+          <a:bodyPr wrap="none">
+            <a:spAutoFit/>
+          </a:bodyPr>
+          <a:lstStyle/>
+          <a:p>
+            <a:r>
+              <a:rPr lang="en-US" altLang="zh-TW" b="1" dirty="0" smtClean="0">
+                <a:solidFill>
+                  <a:schemeClr val="bg1"/>
+                </a:solidFill>
+              </a:rPr>
+              <a:t>Global Action Filter</a:t>
+            </a:r>
+            <a:endParaRPr lang="zh-TW" altLang="en-US" dirty="0">
+              <a:solidFill>
+                <a:schemeClr val="bg1"/>
+              </a:solidFill>
+            </a:endParaRPr>
+          </a:p>
+        </p:txBody>
+      </p:sp>
+      <p:sp>
+        <p:nvSpPr>
+          <p:cNvPr id="39" name="橢圓 38"/>
+          <p:cNvSpPr/>
+          <p:nvPr/>
+        </p:nvSpPr>
+        <p:spPr>
+          <a:xfrm>
+            <a:off x="2487277" y="4174632"/>
+            <a:ext cx="1368000" cy="648000"/>
+          </a:xfrm>
+          <a:prstGeom prst="ellipse">
+            <a:avLst/>
+          </a:prstGeom>
+        </p:spPr>
+        <p:style>
+          <a:lnRef idx="0">
+            <a:schemeClr val="accent6"/>
+          </a:lnRef>
+          <a:fillRef idx="3">
+            <a:schemeClr val="accent6"/>
+          </a:fillRef>
+          <a:effectRef idx="3">
+            <a:schemeClr val="accent6"/>
+          </a:effectRef>
+          <a:fontRef idx="minor">
+            <a:schemeClr val="lt1"/>
+          </a:fontRef>
+        </p:style>
+        <p:txBody>
+          <a:bodyPr rtlCol="0" anchor="ctr"/>
+          <a:lstStyle/>
+          <a:p>
+            <a:pPr algn="ctr"/>
+            <a:r>
+              <a:rPr lang="en-US" altLang="zh-TW" dirty="0">
+                <a:solidFill>
+                  <a:schemeClr val="bg1"/>
+                </a:solidFill>
+              </a:rPr>
+              <a:t>First</a:t>
+            </a:r>
+            <a:endParaRPr lang="en-US" altLang="zh-TW" dirty="0" smtClean="0">
+              <a:solidFill>
+                <a:schemeClr val="bg1"/>
+              </a:solidFill>
+            </a:endParaRPr>
+          </a:p>
+          <a:p>
+            <a:pPr algn="ctr"/>
+            <a:r>
+              <a:rPr lang="en-US" altLang="zh-TW" dirty="0" smtClean="0">
+                <a:solidFill>
+                  <a:schemeClr val="bg1"/>
+                </a:solidFill>
+              </a:rPr>
+              <a:t>Action</a:t>
+            </a:r>
+            <a:endParaRPr lang="zh-TW" altLang="en-US" dirty="0">
+              <a:solidFill>
+                <a:schemeClr val="bg1"/>
+              </a:solidFill>
+            </a:endParaRPr>
+          </a:p>
+        </p:txBody>
+      </p:sp>
+      <p:sp>
+        <p:nvSpPr>
+          <p:cNvPr id="40" name="橢圓 39"/>
+          <p:cNvSpPr/>
+          <p:nvPr/>
+        </p:nvSpPr>
+        <p:spPr>
+          <a:xfrm>
+            <a:off x="2487277" y="5055637"/>
+            <a:ext cx="1368000" cy="648000"/>
+          </a:xfrm>
+          <a:prstGeom prst="ellipse">
+            <a:avLst/>
+          </a:prstGeom>
+        </p:spPr>
+        <p:style>
+          <a:lnRef idx="0">
+            <a:schemeClr val="accent6"/>
+          </a:lnRef>
+          <a:fillRef idx="3">
+            <a:schemeClr val="accent6"/>
+          </a:fillRef>
+          <a:effectRef idx="3">
+            <a:schemeClr val="accent6"/>
+          </a:effectRef>
+          <a:fontRef idx="minor">
+            <a:schemeClr val="lt1"/>
+          </a:fontRef>
+        </p:style>
+        <p:txBody>
+          <a:bodyPr rtlCol="0" anchor="ctr"/>
+          <a:lstStyle/>
+          <a:p>
+            <a:pPr algn="ctr"/>
+            <a:r>
+              <a:rPr lang="en-US" altLang="zh-TW" dirty="0" smtClean="0">
+                <a:solidFill>
+                  <a:schemeClr val="bg1"/>
+                </a:solidFill>
+              </a:rPr>
+              <a:t>Second</a:t>
+            </a:r>
+          </a:p>
+          <a:p>
+            <a:pPr algn="ctr"/>
+            <a:r>
+              <a:rPr lang="en-US" altLang="zh-TW" dirty="0" smtClean="0">
+                <a:solidFill>
+                  <a:schemeClr val="bg1"/>
+                </a:solidFill>
+              </a:rPr>
+              <a:t>Action</a:t>
+            </a:r>
+            <a:endParaRPr lang="zh-TW" altLang="en-US" dirty="0">
+              <a:solidFill>
+                <a:schemeClr val="bg1"/>
+              </a:solidFill>
+            </a:endParaRPr>
+          </a:p>
+        </p:txBody>
+      </p:sp>
+      <p:sp>
+        <p:nvSpPr>
+          <p:cNvPr id="51" name="橢圓 50"/>
+          <p:cNvSpPr/>
+          <p:nvPr/>
+        </p:nvSpPr>
+        <p:spPr>
+          <a:xfrm>
+            <a:off x="4026464" y="4048500"/>
+            <a:ext cx="1368000" cy="648000"/>
+          </a:xfrm>
+          <a:prstGeom prst="ellipse">
+            <a:avLst/>
+          </a:prstGeom>
+        </p:spPr>
+        <p:style>
+          <a:lnRef idx="0">
+            <a:schemeClr val="accent6"/>
+          </a:lnRef>
+          <a:fillRef idx="3">
+            <a:schemeClr val="accent6"/>
+          </a:fillRef>
+          <a:effectRef idx="3">
+            <a:schemeClr val="accent6"/>
+          </a:effectRef>
+          <a:fontRef idx="minor">
+            <a:schemeClr val="lt1"/>
+          </a:fontRef>
+        </p:style>
+        <p:txBody>
+          <a:bodyPr rtlCol="0" anchor="ctr"/>
+          <a:lstStyle/>
+          <a:p>
+            <a:pPr algn="ctr"/>
+            <a:r>
+              <a:rPr lang="en-US" altLang="zh-TW" dirty="0" smtClean="0">
+                <a:solidFill>
+                  <a:schemeClr val="bg1"/>
+                </a:solidFill>
+              </a:rPr>
+              <a:t>Third</a:t>
+            </a:r>
+          </a:p>
+          <a:p>
+            <a:pPr algn="ctr"/>
+            <a:r>
+              <a:rPr lang="en-US" altLang="zh-TW" dirty="0" smtClean="0">
+                <a:solidFill>
+                  <a:schemeClr val="bg1"/>
+                </a:solidFill>
+              </a:rPr>
+              <a:t>Action</a:t>
+            </a:r>
+            <a:endParaRPr lang="zh-TW" altLang="en-US" dirty="0">
+              <a:solidFill>
+                <a:schemeClr val="bg1"/>
+              </a:solidFill>
+            </a:endParaRPr>
+          </a:p>
+        </p:txBody>
+      </p:sp>
+      <p:grpSp>
+        <p:nvGrpSpPr>
+          <p:cNvPr id="5" name="群組 4"/>
+          <p:cNvGrpSpPr/>
+          <p:nvPr/>
+        </p:nvGrpSpPr>
+        <p:grpSpPr>
+          <a:xfrm>
+            <a:off x="5392076" y="4210194"/>
+            <a:ext cx="2320922" cy="1535617"/>
+            <a:chOff x="9050146" y="4635247"/>
+            <a:chExt cx="1964870" cy="1425227"/>
+          </a:xfrm>
+        </p:grpSpPr>
+        <p:sp>
+          <p:nvSpPr>
+            <p:cNvPr id="53" name="橢圓 52"/>
+            <p:cNvSpPr/>
+            <p:nvPr/>
+          </p:nvSpPr>
+          <p:spPr>
+            <a:xfrm>
+              <a:off x="9050146" y="4635247"/>
+              <a:ext cx="1964870" cy="1425227"/>
+            </a:xfrm>
+            <a:prstGeom prst="ellipse">
+              <a:avLst/>
+            </a:prstGeom>
+          </p:spPr>
+          <p:style>
+            <a:lnRef idx="0">
+              <a:schemeClr val="accent2"/>
+            </a:lnRef>
+            <a:fillRef idx="3">
+              <a:schemeClr val="accent2"/>
+            </a:fillRef>
+            <a:effectRef idx="3">
+              <a:schemeClr val="accent2"/>
+            </a:effectRef>
+            <a:fontRef idx="minor">
+              <a:schemeClr val="lt1"/>
+            </a:fontRef>
+          </p:style>
+          <p:txBody>
+            <a:bodyPr rtlCol="0" anchor="t"/>
+            <a:lstStyle/>
+            <a:p>
+              <a:pPr algn="ctr"/>
+              <a:endParaRPr lang="zh-TW" altLang="en-US" dirty="0">
+                <a:solidFill>
+                  <a:schemeClr val="bg1"/>
+                </a:solidFill>
+              </a:endParaRPr>
+            </a:p>
+          </p:txBody>
+        </p:sp>
+        <p:sp>
+          <p:nvSpPr>
+            <p:cNvPr id="4" name="矩形 3"/>
+            <p:cNvSpPr/>
+            <p:nvPr/>
+          </p:nvSpPr>
+          <p:spPr>
+            <a:xfrm>
+              <a:off x="9172668" y="4666589"/>
+              <a:ext cx="1752600" cy="599869"/>
+            </a:xfrm>
+            <a:prstGeom prst="rect">
+              <a:avLst/>
+            </a:prstGeom>
+          </p:spPr>
+          <p:txBody>
+            <a:bodyPr wrap="square">
+              <a:spAutoFit/>
+            </a:bodyPr>
+            <a:lstStyle/>
+            <a:p>
+              <a:pPr algn="ctr"/>
+              <a:r>
+                <a:rPr lang="en-US" altLang="zh-TW" b="1" dirty="0" smtClean="0">
+                  <a:solidFill>
+                    <a:schemeClr val="bg1"/>
+                  </a:solidFill>
+                </a:rPr>
+                <a:t>Ignore </a:t>
+              </a:r>
+              <a:r>
+                <a:rPr lang="en-US" altLang="zh-TW" b="1" dirty="0" smtClean="0">
+                  <a:solidFill>
+                    <a:schemeClr val="bg1"/>
+                  </a:solidFill>
+                </a:rPr>
+                <a:t>Global</a:t>
+              </a:r>
+              <a:endParaRPr lang="en-US" altLang="zh-TW" b="1" dirty="0">
+                <a:solidFill>
+                  <a:schemeClr val="bg1"/>
+                </a:solidFill>
+              </a:endParaRPr>
+            </a:p>
+            <a:p>
+              <a:pPr algn="ctr"/>
+              <a:r>
+                <a:rPr lang="en-US" altLang="zh-TW" b="1" dirty="0" smtClean="0">
+                  <a:solidFill>
+                    <a:schemeClr val="bg1"/>
+                  </a:solidFill>
+                </a:rPr>
+                <a:t>Action Filter</a:t>
+              </a:r>
+              <a:endParaRPr lang="zh-TW" altLang="en-US" b="1" dirty="0">
+                <a:solidFill>
+                  <a:schemeClr val="bg1"/>
+                </a:solidFill>
+              </a:endParaRPr>
+            </a:p>
+          </p:txBody>
+        </p:sp>
+        <p:sp>
+          <p:nvSpPr>
+            <p:cNvPr id="52" name="橢圓 51"/>
+            <p:cNvSpPr/>
+            <p:nvPr/>
+          </p:nvSpPr>
+          <p:spPr>
+            <a:xfrm>
+              <a:off x="9352106" y="5273879"/>
+              <a:ext cx="1368000" cy="648000"/>
+            </a:xfrm>
+            <a:prstGeom prst="ellipse">
+              <a:avLst/>
+            </a:prstGeom>
+          </p:spPr>
+          <p:style>
+            <a:lnRef idx="0">
+              <a:schemeClr val="accent6"/>
+            </a:lnRef>
+            <a:fillRef idx="3">
+              <a:schemeClr val="accent6"/>
+            </a:fillRef>
+            <a:effectRef idx="3">
+              <a:schemeClr val="accent6"/>
+            </a:effectRef>
+            <a:fontRef idx="minor">
+              <a:schemeClr val="lt1"/>
+            </a:fontRef>
+          </p:style>
+          <p:txBody>
+            <a:bodyPr rtlCol="0" anchor="ctr"/>
+            <a:lstStyle/>
+            <a:p>
+              <a:pPr algn="ctr"/>
+              <a:r>
+                <a:rPr lang="en-US" altLang="zh-TW" dirty="0" smtClean="0">
+                  <a:solidFill>
+                    <a:schemeClr val="bg1"/>
+                  </a:solidFill>
+                </a:rPr>
+                <a:t>Special</a:t>
+              </a:r>
+            </a:p>
+            <a:p>
+              <a:pPr algn="ctr"/>
+              <a:r>
+                <a:rPr lang="en-US" altLang="zh-TW" dirty="0" smtClean="0">
+                  <a:solidFill>
+                    <a:schemeClr val="bg1"/>
+                  </a:solidFill>
+                </a:rPr>
+                <a:t>Action</a:t>
+              </a:r>
+              <a:endParaRPr lang="zh-TW" altLang="en-US" dirty="0">
+                <a:solidFill>
+                  <a:schemeClr val="bg1"/>
+                </a:solidFill>
+              </a:endParaRPr>
+            </a:p>
+          </p:txBody>
+        </p:sp>
+      </p:grpSp>
+      <p:sp>
+        <p:nvSpPr>
+          <p:cNvPr id="54" name="橢圓 53"/>
+          <p:cNvSpPr/>
+          <p:nvPr/>
+        </p:nvSpPr>
+        <p:spPr>
+          <a:xfrm>
+            <a:off x="4024076" y="5055637"/>
+            <a:ext cx="1368000" cy="648000"/>
+          </a:xfrm>
+          <a:prstGeom prst="ellipse">
+            <a:avLst/>
+          </a:prstGeom>
+        </p:spPr>
+        <p:style>
+          <a:lnRef idx="0">
+            <a:schemeClr val="accent6"/>
+          </a:lnRef>
+          <a:fillRef idx="3">
+            <a:schemeClr val="accent6"/>
+          </a:fillRef>
+          <a:effectRef idx="3">
+            <a:schemeClr val="accent6"/>
+          </a:effectRef>
+          <a:fontRef idx="minor">
+            <a:schemeClr val="lt1"/>
+          </a:fontRef>
+        </p:style>
+        <p:txBody>
+          <a:bodyPr rtlCol="0" anchor="ctr"/>
+          <a:lstStyle/>
+          <a:p>
+            <a:pPr algn="ctr"/>
+            <a:r>
+              <a:rPr lang="en-US" altLang="zh-TW" dirty="0" smtClean="0">
+                <a:solidFill>
+                  <a:schemeClr val="bg1"/>
+                </a:solidFill>
+              </a:rPr>
+              <a:t>Other</a:t>
+            </a:r>
+          </a:p>
+          <a:p>
+            <a:pPr algn="ctr"/>
+            <a:r>
+              <a:rPr lang="en-US" altLang="zh-TW" dirty="0" smtClean="0">
+                <a:solidFill>
+                  <a:schemeClr val="bg1"/>
+                </a:solidFill>
+              </a:rPr>
+              <a:t>Action</a:t>
+            </a:r>
+            <a:endParaRPr lang="zh-TW" altLang="en-US" dirty="0">
+              <a:solidFill>
+                <a:schemeClr val="bg1"/>
+              </a:solidFill>
+            </a:endParaRPr>
+          </a:p>
+        </p:txBody>
+      </p:sp>
+      <p:sp>
+        <p:nvSpPr>
+          <p:cNvPr id="55" name="Send Log F2L"/>
+          <p:cNvSpPr/>
+          <p:nvPr/>
+        </p:nvSpPr>
+        <p:spPr>
+          <a:xfrm rot="1800000">
+            <a:off x="1227819" y="3615582"/>
+            <a:ext cx="1080000" cy="540000"/>
+          </a:xfrm>
+          <a:prstGeom prst="rightArrow">
+            <a:avLst/>
+          </a:prstGeom>
+        </p:spPr>
+        <p:style>
+          <a:lnRef idx="1">
+            <a:schemeClr val="accent4"/>
+          </a:lnRef>
+          <a:fillRef idx="2">
+            <a:schemeClr val="accent4"/>
+          </a:fillRef>
+          <a:effectRef idx="1">
+            <a:schemeClr val="accent4"/>
+          </a:effectRef>
+          <a:fontRef idx="minor">
+            <a:schemeClr val="dk1"/>
+          </a:fontRef>
+        </p:style>
+        <p:txBody>
+          <a:bodyPr rtlCol="0" anchor="ctr"/>
+          <a:lstStyle/>
+          <a:p>
+            <a:pPr algn="ctr"/>
+            <a:r>
+              <a:rPr lang="en-US" altLang="zh-TW" sz="1400" b="1" dirty="0" smtClean="0"/>
+              <a:t>Request</a:t>
+            </a:r>
+            <a:endParaRPr lang="zh-TW" altLang="en-US" sz="1400" b="1" dirty="0"/>
+          </a:p>
+        </p:txBody>
+      </p:sp>
+      <p:sp>
+        <p:nvSpPr>
+          <p:cNvPr id="56" name="Send Log F2L"/>
+          <p:cNvSpPr/>
+          <p:nvPr/>
+        </p:nvSpPr>
+        <p:spPr>
+          <a:xfrm rot="1800000">
+            <a:off x="2300776" y="4084107"/>
+            <a:ext cx="499652" cy="540000"/>
+          </a:xfrm>
+          <a:prstGeom prst="rightArrow">
+            <a:avLst/>
+          </a:prstGeom>
+        </p:spPr>
+        <p:style>
+          <a:lnRef idx="1">
+            <a:schemeClr val="accent4"/>
+          </a:lnRef>
+          <a:fillRef idx="2">
+            <a:schemeClr val="accent4"/>
+          </a:fillRef>
+          <a:effectRef idx="1">
+            <a:schemeClr val="accent4"/>
+          </a:effectRef>
+          <a:fontRef idx="minor">
+            <a:schemeClr val="dk1"/>
+          </a:fontRef>
+        </p:style>
+        <p:txBody>
+          <a:bodyPr rtlCol="0" anchor="ctr"/>
+          <a:lstStyle/>
+          <a:p>
+            <a:pPr algn="ctr"/>
+            <a:endParaRPr lang="zh-TW" altLang="en-US" sz="1400" b="1" dirty="0"/>
+          </a:p>
+        </p:txBody>
+      </p:sp>
+      <p:sp>
+        <p:nvSpPr>
+          <p:cNvPr id="58" name="Send Log F2L"/>
+          <p:cNvSpPr/>
+          <p:nvPr/>
+        </p:nvSpPr>
+        <p:spPr>
+          <a:xfrm rot="8542343" flipV="1">
+            <a:off x="7347173" y="4162678"/>
+            <a:ext cx="1080000" cy="574950"/>
+          </a:xfrm>
+          <a:prstGeom prst="rightArrow">
+            <a:avLst/>
+          </a:prstGeom>
+        </p:spPr>
+        <p:style>
+          <a:lnRef idx="1">
+            <a:schemeClr val="accent4"/>
+          </a:lnRef>
+          <a:fillRef idx="2">
+            <a:schemeClr val="accent4"/>
+          </a:fillRef>
+          <a:effectRef idx="1">
+            <a:schemeClr val="accent4"/>
+          </a:effectRef>
+          <a:fontRef idx="minor">
+            <a:schemeClr val="dk1"/>
+          </a:fontRef>
+        </p:style>
+        <p:txBody>
+          <a:bodyPr rtlCol="0" anchor="ctr"/>
+          <a:lstStyle/>
+          <a:p>
+            <a:pPr algn="ctr"/>
+            <a:r>
+              <a:rPr lang="en-US" altLang="zh-TW" sz="1400" b="1" dirty="0" smtClean="0"/>
+              <a:t>Request</a:t>
+            </a:r>
+            <a:endParaRPr lang="zh-TW" altLang="en-US" sz="1400" b="1" dirty="0"/>
+          </a:p>
+        </p:txBody>
+      </p:sp>
+      <p:sp>
+        <p:nvSpPr>
+          <p:cNvPr id="59" name="Send Log F2L"/>
+          <p:cNvSpPr/>
+          <p:nvPr/>
+        </p:nvSpPr>
+        <p:spPr>
+          <a:xfrm rot="8100000">
+            <a:off x="6930334" y="4770644"/>
+            <a:ext cx="499652" cy="540000"/>
+          </a:xfrm>
+          <a:prstGeom prst="rightArrow">
+            <a:avLst/>
+          </a:prstGeom>
+        </p:spPr>
+        <p:style>
+          <a:lnRef idx="1">
+            <a:schemeClr val="accent4"/>
+          </a:lnRef>
+          <a:fillRef idx="2">
+            <a:schemeClr val="accent4"/>
+          </a:fillRef>
+          <a:effectRef idx="1">
+            <a:schemeClr val="accent4"/>
+          </a:effectRef>
+          <a:fontRef idx="minor">
+            <a:schemeClr val="dk1"/>
+          </a:fontRef>
+        </p:style>
+        <p:txBody>
+          <a:bodyPr rtlCol="0" anchor="ctr"/>
+          <a:lstStyle/>
+          <a:p>
+            <a:pPr algn="ctr"/>
+            <a:endParaRPr lang="zh-TW" altLang="en-US" sz="1400" b="1" dirty="0"/>
+          </a:p>
+        </p:txBody>
+      </p:sp>
+      <p:sp>
+        <p:nvSpPr>
+          <p:cNvPr id="15" name="標題 2"/>
+          <p:cNvSpPr>
+            <a:spLocks noGrp="1"/>
+          </p:cNvSpPr>
+          <p:nvPr>
+            <p:ph type="title"/>
+          </p:nvPr>
+        </p:nvSpPr>
+        <p:spPr>
+          <a:xfrm>
+            <a:off x="2016291" y="4190416"/>
+            <a:ext cx="5638015" cy="1325563"/>
+          </a:xfrm>
+          <a:noFill/>
+        </p:spPr>
+        <p:txBody>
+          <a:bodyPr>
+            <a:noAutofit/>
+          </a:bodyPr>
+          <a:lstStyle/>
+          <a:p>
+            <a:r>
+              <a:rPr lang="en-US" altLang="zh-TW" sz="6600" b="1" dirty="0" smtClean="0">
+                <a:solidFill>
+                  <a:schemeClr val="tx1">
+                    <a:alpha val="8000"/>
+                  </a:schemeClr>
+                </a:solidFill>
+                <a:latin typeface="+mn-lt"/>
+              </a:rPr>
+              <a:t>blog.johnwu.cc</a:t>
+            </a:r>
+            <a:endParaRPr lang="zh-TW" altLang="en-US" sz="6600" b="1" dirty="0">
+              <a:solidFill>
+                <a:schemeClr val="tx1">
+                  <a:alpha val="8000"/>
+                </a:schemeClr>
+              </a:solidFill>
+              <a:latin typeface="+mn-lt"/>
+            </a:endParaRPr>
+          </a:p>
+        </p:txBody>
+      </p:sp>
+    </p:spTree>
+    <p:extLst>
+      <p:ext uri="{BB962C8B-B14F-4D97-AF65-F5344CB8AC3E}">
+        <p14:creationId xmlns:p14="http://schemas.microsoft.com/office/powerpoint/2010/main" val="3565114740"/>
+      </p:ext>
+    </p:extLst>
+  </p:cSld>
+  <p:clrMapOvr>
+    <a:masterClrMapping/>
+  </p:clrMapOvr>
+  <p:timing>
+    <p:tnLst>
+      <p:par>
+        <p:cTn id="1" dur="indefinite" restart="never" nodeType="tmRoot"/>
+      </p:par>
+    </p:tnLst>
+  </p:timing>
+</p:sld>
+</file>
+
 <file path=ppt/slides/slide2.xml><?xml version="1.0" encoding="utf-8"?>
 <p:sld xmlns:a="http://schemas.openxmlformats.org/drawingml/2006/main" xmlns:r="http://schemas.openxmlformats.org/officeDocument/2006/relationships" xmlns:p="http://schemas.openxmlformats.org/presentationml/2006/main">
   <p:cSld>

--- a/source/_assets/Blog動畫.pptx
+++ b/source/_assets/Blog動畫.pptx
@@ -5,10 +5,10 @@
     <p:sldMasterId id="2147483752" r:id="rId4"/>
   </p:sldMasterIdLst>
   <p:notesMasterIdLst>
-    <p:notesMasterId r:id="rId24"/>
+    <p:notesMasterId r:id="rId25"/>
   </p:notesMasterIdLst>
   <p:handoutMasterIdLst>
-    <p:handoutMasterId r:id="rId25"/>
+    <p:handoutMasterId r:id="rId26"/>
   </p:handoutMasterIdLst>
   <p:sldIdLst>
     <p:sldId id="315" r:id="rId5"/>
@@ -30,6 +30,7 @@
     <p:sldId id="331" r:id="rId21"/>
     <p:sldId id="332" r:id="rId22"/>
     <p:sldId id="333" r:id="rId23"/>
+    <p:sldId id="334" r:id="rId24"/>
   </p:sldIdLst>
   <p:sldSz cx="12192000" cy="6858000"/>
   <p:notesSz cx="7099300" cy="10234613"/>
@@ -244,7 +245,7 @@
             <a:fld id="{3CDD3A71-4C75-488C-A8F3-A1F163ED0DB9}" type="datetimeFigureOut">
               <a:rPr lang="en-US" smtClean="0"/>
               <a:pPr/>
-              <a:t>7/31/2017</a:t>
+              <a:t>8/12/2017</a:t>
             </a:fld>
             <a:endParaRPr lang="en-US" dirty="0"/>
           </a:p>
@@ -412,7 +413,7 @@
             <a:fld id="{523CC419-8FB3-4D1C-8127-E63C1A13459D}" type="datetimeFigureOut">
               <a:rPr lang="en-US" smtClean="0"/>
               <a:pPr/>
-              <a:t>7/31/2017</a:t>
+              <a:t>8/12/2017</a:t>
             </a:fld>
             <a:endParaRPr lang="en-US" dirty="0"/>
           </a:p>
@@ -815,7 +816,7 @@
           <a:p>
             <a:fld id="{237FF733-248C-4CF7-A090-89CF012E357B}" type="datetimeFigureOut">
               <a:rPr lang="zh-TW" altLang="en-US" smtClean="0"/>
-              <a:t>2017/7/31</a:t>
+              <a:t>2017/8/12</a:t>
             </a:fld>
             <a:endParaRPr lang="zh-TW" altLang="en-US"/>
           </a:p>
@@ -986,7 +987,7 @@
           <a:p>
             <a:fld id="{237FF733-248C-4CF7-A090-89CF012E357B}" type="datetimeFigureOut">
               <a:rPr lang="zh-TW" altLang="en-US" smtClean="0"/>
-              <a:t>2017/7/31</a:t>
+              <a:t>2017/8/12</a:t>
             </a:fld>
             <a:endParaRPr lang="zh-TW" altLang="en-US"/>
           </a:p>
@@ -1167,7 +1168,7 @@
           <a:p>
             <a:fld id="{237FF733-248C-4CF7-A090-89CF012E357B}" type="datetimeFigureOut">
               <a:rPr lang="zh-TW" altLang="en-US" smtClean="0"/>
-              <a:t>2017/7/31</a:t>
+              <a:t>2017/8/12</a:t>
             </a:fld>
             <a:endParaRPr lang="zh-TW" altLang="en-US"/>
           </a:p>
@@ -1338,7 +1339,7 @@
           <a:p>
             <a:fld id="{237FF733-248C-4CF7-A090-89CF012E357B}" type="datetimeFigureOut">
               <a:rPr lang="zh-TW" altLang="en-US" smtClean="0"/>
-              <a:t>2017/7/31</a:t>
+              <a:t>2017/8/12</a:t>
             </a:fld>
             <a:endParaRPr lang="zh-TW" altLang="en-US"/>
           </a:p>
@@ -1585,7 +1586,7 @@
           <a:p>
             <a:fld id="{237FF733-248C-4CF7-A090-89CF012E357B}" type="datetimeFigureOut">
               <a:rPr lang="zh-TW" altLang="en-US" smtClean="0"/>
-              <a:t>2017/7/31</a:t>
+              <a:t>2017/8/12</a:t>
             </a:fld>
             <a:endParaRPr lang="zh-TW" altLang="en-US"/>
           </a:p>
@@ -1818,7 +1819,7 @@
           <a:p>
             <a:fld id="{237FF733-248C-4CF7-A090-89CF012E357B}" type="datetimeFigureOut">
               <a:rPr lang="zh-TW" altLang="en-US" smtClean="0"/>
-              <a:t>2017/7/31</a:t>
+              <a:t>2017/8/12</a:t>
             </a:fld>
             <a:endParaRPr lang="zh-TW" altLang="en-US"/>
           </a:p>
@@ -2186,7 +2187,7 @@
           <a:p>
             <a:fld id="{237FF733-248C-4CF7-A090-89CF012E357B}" type="datetimeFigureOut">
               <a:rPr lang="zh-TW" altLang="en-US" smtClean="0"/>
-              <a:t>2017/7/31</a:t>
+              <a:t>2017/8/12</a:t>
             </a:fld>
             <a:endParaRPr lang="zh-TW" altLang="en-US"/>
           </a:p>
@@ -2305,7 +2306,7 @@
           <a:p>
             <a:fld id="{237FF733-248C-4CF7-A090-89CF012E357B}" type="datetimeFigureOut">
               <a:rPr lang="zh-TW" altLang="en-US" smtClean="0"/>
-              <a:t>2017/7/31</a:t>
+              <a:t>2017/8/12</a:t>
             </a:fld>
             <a:endParaRPr lang="zh-TW" altLang="en-US"/>
           </a:p>
@@ -2401,7 +2402,7 @@
           <a:p>
             <a:fld id="{237FF733-248C-4CF7-A090-89CF012E357B}" type="datetimeFigureOut">
               <a:rPr lang="zh-TW" altLang="en-US" smtClean="0"/>
-              <a:t>2017/7/31</a:t>
+              <a:t>2017/8/12</a:t>
             </a:fld>
             <a:endParaRPr lang="zh-TW" altLang="en-US"/>
           </a:p>
@@ -2679,7 +2680,7 @@
           <a:p>
             <a:fld id="{237FF733-248C-4CF7-A090-89CF012E357B}" type="datetimeFigureOut">
               <a:rPr lang="zh-TW" altLang="en-US" smtClean="0"/>
-              <a:t>2017/7/31</a:t>
+              <a:t>2017/8/12</a:t>
             </a:fld>
             <a:endParaRPr lang="zh-TW" altLang="en-US"/>
           </a:p>
@@ -2937,7 +2938,7 @@
           <a:p>
             <a:fld id="{237FF733-248C-4CF7-A090-89CF012E357B}" type="datetimeFigureOut">
               <a:rPr lang="zh-TW" altLang="en-US" smtClean="0"/>
-              <a:t>2017/7/31</a:t>
+              <a:t>2017/8/12</a:t>
             </a:fld>
             <a:endParaRPr lang="zh-TW" altLang="en-US"/>
           </a:p>
@@ -3151,7 +3152,7 @@
           <a:p>
             <a:fld id="{237FF733-248C-4CF7-A090-89CF012E357B}" type="datetimeFigureOut">
               <a:rPr lang="zh-TW" altLang="en-US" smtClean="0"/>
-              <a:t>2017/7/31</a:t>
+              <a:t>2017/8/12</a:t>
             </a:fld>
             <a:endParaRPr lang="zh-TW" altLang="en-US"/>
           </a:p>
@@ -17573,15 +17574,7 @@
                     <a:schemeClr val="bg1"/>
                   </a:solidFill>
                 </a:rPr>
-                <a:t>Ignore </a:t>
-              </a:r>
-              <a:r>
-                <a:rPr lang="en-US" altLang="zh-TW" b="1" dirty="0" smtClean="0">
-                  <a:solidFill>
-                    <a:schemeClr val="bg1"/>
-                  </a:solidFill>
-                </a:rPr>
-                <a:t>Global</a:t>
+                <a:t>Ignore Global</a:t>
               </a:r>
               <a:endParaRPr lang="en-US" altLang="zh-TW" b="1" dirty="0">
                 <a:solidFill>
@@ -20138,6 +20131,925 @@
       <p:bldP spid="56" grpId="0" animBg="1"/>
       <p:bldP spid="56" grpId="1" animBg="1"/>
       <p:bldP spid="57" grpId="0" animBg="1"/>
+    </p:bldLst>
+  </p:timing>
+</p:sld>
+</file>
+
+<file path=ppt/slides/slide20.xml><?xml version="1.0" encoding="utf-8"?>
+<p:sld xmlns:a="http://schemas.openxmlformats.org/drawingml/2006/main" xmlns:r="http://schemas.openxmlformats.org/officeDocument/2006/relationships" xmlns:p="http://schemas.openxmlformats.org/presentationml/2006/main">
+  <p:cSld>
+    <p:spTree>
+      <p:nvGrpSpPr>
+        <p:cNvPr id="1" name=""/>
+        <p:cNvGrpSpPr/>
+        <p:nvPr/>
+      </p:nvGrpSpPr>
+      <p:grpSpPr>
+        <a:xfrm>
+          <a:off x="0" y="0"/>
+          <a:ext cx="0" cy="0"/>
+          <a:chOff x="0" y="0"/>
+          <a:chExt cx="0" cy="0"/>
+        </a:xfrm>
+      </p:grpSpPr>
+      <p:pic>
+        <p:nvPicPr>
+          <p:cNvPr id="5" name="圖片 4"/>
+          <p:cNvPicPr>
+            <a:picLocks noChangeAspect="1"/>
+          </p:cNvPicPr>
+          <p:nvPr/>
+        </p:nvPicPr>
+        <p:blipFill>
+          <a:blip r:embed="rId2"/>
+          <a:stretch>
+            <a:fillRect/>
+          </a:stretch>
+        </p:blipFill>
+        <p:spPr>
+          <a:xfrm>
+            <a:off x="2971800" y="1828800"/>
+            <a:ext cx="5718825" cy="3002383"/>
+          </a:xfrm>
+          <a:prstGeom prst="rect">
+            <a:avLst/>
+          </a:prstGeom>
+        </p:spPr>
+      </p:pic>
+      <p:sp>
+        <p:nvSpPr>
+          <p:cNvPr id="6" name="矩形 5"/>
+          <p:cNvSpPr/>
+          <p:nvPr/>
+        </p:nvSpPr>
+        <p:spPr>
+          <a:xfrm>
+            <a:off x="2971800" y="1828800"/>
+            <a:ext cx="5718825" cy="3002383"/>
+          </a:xfrm>
+          <a:prstGeom prst="rect">
+            <a:avLst/>
+          </a:prstGeom>
+          <a:noFill/>
+          <a:ln w="38100">
+            <a:solidFill>
+              <a:srgbClr val="FF0000"/>
+            </a:solidFill>
+          </a:ln>
+        </p:spPr>
+        <p:style>
+          <a:lnRef idx="2">
+            <a:schemeClr val="accent1">
+              <a:shade val="50000"/>
+            </a:schemeClr>
+          </a:lnRef>
+          <a:fillRef idx="1">
+            <a:schemeClr val="accent1"/>
+          </a:fillRef>
+          <a:effectRef idx="0">
+            <a:schemeClr val="accent1"/>
+          </a:effectRef>
+          <a:fontRef idx="minor">
+            <a:schemeClr val="lt1"/>
+          </a:fontRef>
+        </p:style>
+        <p:txBody>
+          <a:bodyPr rtlCol="0" anchor="ctr"/>
+          <a:lstStyle/>
+          <a:p>
+            <a:pPr algn="ctr"/>
+            <a:r>
+              <a:rPr lang="en-US" altLang="zh-TW" sz="6000">
+                <a:solidFill>
+                  <a:srgbClr val="FF0000"/>
+                </a:solidFill>
+              </a:rPr>
+              <a:t>Workbook</a:t>
+            </a:r>
+          </a:p>
+        </p:txBody>
+      </p:sp>
+      <p:sp>
+        <p:nvSpPr>
+          <p:cNvPr id="7" name="矩形 6"/>
+          <p:cNvSpPr/>
+          <p:nvPr/>
+        </p:nvSpPr>
+        <p:spPr>
+          <a:xfrm>
+            <a:off x="2976785" y="2743201"/>
+            <a:ext cx="5718825" cy="1828800"/>
+          </a:xfrm>
+          <a:prstGeom prst="rect">
+            <a:avLst/>
+          </a:prstGeom>
+          <a:noFill/>
+          <a:ln w="38100">
+            <a:solidFill>
+              <a:srgbClr val="FF0000"/>
+            </a:solidFill>
+          </a:ln>
+        </p:spPr>
+        <p:style>
+          <a:lnRef idx="2">
+            <a:schemeClr val="accent1">
+              <a:shade val="50000"/>
+            </a:schemeClr>
+          </a:lnRef>
+          <a:fillRef idx="1">
+            <a:schemeClr val="accent1"/>
+          </a:fillRef>
+          <a:effectRef idx="0">
+            <a:schemeClr val="accent1"/>
+          </a:effectRef>
+          <a:fontRef idx="minor">
+            <a:schemeClr val="lt1"/>
+          </a:fontRef>
+        </p:style>
+        <p:txBody>
+          <a:bodyPr rtlCol="0" anchor="ctr"/>
+          <a:lstStyle/>
+          <a:p>
+            <a:pPr algn="ctr"/>
+            <a:r>
+              <a:rPr lang="en-US" altLang="zh-TW" sz="6000" dirty="0">
+                <a:solidFill>
+                  <a:srgbClr val="FF0000"/>
+                </a:solidFill>
+              </a:rPr>
+              <a:t>Worksheet</a:t>
+            </a:r>
+            <a:endParaRPr lang="en-US" altLang="zh-TW" sz="6000" dirty="0">
+              <a:solidFill>
+                <a:srgbClr val="FF0000"/>
+              </a:solidFill>
+            </a:endParaRPr>
+          </a:p>
+        </p:txBody>
+      </p:sp>
+      <p:sp>
+        <p:nvSpPr>
+          <p:cNvPr id="8" name="矩形 7"/>
+          <p:cNvSpPr/>
+          <p:nvPr/>
+        </p:nvSpPr>
+        <p:spPr>
+          <a:xfrm>
+            <a:off x="2966815" y="2743201"/>
+            <a:ext cx="5718825" cy="1600199"/>
+          </a:xfrm>
+          <a:prstGeom prst="rect">
+            <a:avLst/>
+          </a:prstGeom>
+          <a:noFill/>
+          <a:ln w="38100">
+            <a:solidFill>
+              <a:srgbClr val="FF0000"/>
+            </a:solidFill>
+          </a:ln>
+        </p:spPr>
+        <p:style>
+          <a:lnRef idx="2">
+            <a:schemeClr val="accent1">
+              <a:shade val="50000"/>
+            </a:schemeClr>
+          </a:lnRef>
+          <a:fillRef idx="1">
+            <a:schemeClr val="accent1"/>
+          </a:fillRef>
+          <a:effectRef idx="0">
+            <a:schemeClr val="accent1"/>
+          </a:effectRef>
+          <a:fontRef idx="minor">
+            <a:schemeClr val="lt1"/>
+          </a:fontRef>
+        </p:style>
+        <p:txBody>
+          <a:bodyPr rtlCol="0" anchor="ctr"/>
+          <a:lstStyle/>
+          <a:p>
+            <a:pPr algn="ctr"/>
+            <a:r>
+              <a:rPr lang="en-US" altLang="zh-TW" sz="6000" dirty="0" err="1">
+                <a:solidFill>
+                  <a:srgbClr val="FF0000"/>
+                </a:solidFill>
+              </a:rPr>
+              <a:t>SheetData</a:t>
+            </a:r>
+            <a:endParaRPr lang="en-US" altLang="zh-TW" sz="6000" dirty="0">
+              <a:solidFill>
+                <a:srgbClr val="FF0000"/>
+              </a:solidFill>
+            </a:endParaRPr>
+          </a:p>
+        </p:txBody>
+      </p:sp>
+      <p:grpSp>
+        <p:nvGrpSpPr>
+          <p:cNvPr id="14" name="群組 13"/>
+          <p:cNvGrpSpPr/>
+          <p:nvPr/>
+        </p:nvGrpSpPr>
+        <p:grpSpPr>
+          <a:xfrm>
+            <a:off x="3768779" y="3816157"/>
+            <a:ext cx="1031821" cy="772034"/>
+            <a:chOff x="1065171" y="2679902"/>
+            <a:chExt cx="1031821" cy="772034"/>
+          </a:xfrm>
+        </p:grpSpPr>
+        <p:sp>
+          <p:nvSpPr>
+            <p:cNvPr id="10" name="矩形 9"/>
+            <p:cNvSpPr/>
+            <p:nvPr/>
+          </p:nvSpPr>
+          <p:spPr>
+            <a:xfrm>
+              <a:off x="1182592" y="3208045"/>
+              <a:ext cx="760372" cy="243891"/>
+            </a:xfrm>
+            <a:prstGeom prst="rect">
+              <a:avLst/>
+            </a:prstGeom>
+            <a:noFill/>
+            <a:ln w="38100">
+              <a:solidFill>
+                <a:srgbClr val="FF0000"/>
+              </a:solidFill>
+            </a:ln>
+          </p:spPr>
+          <p:style>
+            <a:lnRef idx="2">
+              <a:schemeClr val="accent1">
+                <a:shade val="50000"/>
+              </a:schemeClr>
+            </a:lnRef>
+            <a:fillRef idx="1">
+              <a:schemeClr val="accent1"/>
+            </a:fillRef>
+            <a:effectRef idx="0">
+              <a:schemeClr val="accent1"/>
+            </a:effectRef>
+            <a:fontRef idx="minor">
+              <a:schemeClr val="lt1"/>
+            </a:fontRef>
+          </p:style>
+          <p:txBody>
+            <a:bodyPr rtlCol="0" anchor="ctr"/>
+            <a:lstStyle/>
+            <a:p>
+              <a:pPr algn="ctr"/>
+              <a:endParaRPr lang="en-US" altLang="zh-TW" sz="4400" b="1" dirty="0">
+                <a:solidFill>
+                  <a:srgbClr val="FF0000"/>
+                </a:solidFill>
+              </a:endParaRPr>
+            </a:p>
+          </p:txBody>
+        </p:sp>
+        <p:sp>
+          <p:nvSpPr>
+            <p:cNvPr id="11" name="矩形 10"/>
+            <p:cNvSpPr/>
+            <p:nvPr/>
+          </p:nvSpPr>
+          <p:spPr>
+            <a:xfrm>
+              <a:off x="1065171" y="2679902"/>
+              <a:ext cx="1031821" cy="523220"/>
+            </a:xfrm>
+            <a:prstGeom prst="rect">
+              <a:avLst/>
+            </a:prstGeom>
+          </p:spPr>
+          <p:txBody>
+            <a:bodyPr wrap="none">
+              <a:spAutoFit/>
+            </a:bodyPr>
+            <a:lstStyle/>
+            <a:p>
+              <a:pPr algn="ctr"/>
+              <a:r>
+                <a:rPr lang="en-US" altLang="zh-TW" sz="2800" b="1" dirty="0">
+                  <a:solidFill>
+                    <a:srgbClr val="FF0000"/>
+                  </a:solidFill>
+                </a:rPr>
+                <a:t>Sheet</a:t>
+              </a:r>
+              <a:endParaRPr lang="en-US" altLang="zh-TW" sz="2800" b="1" dirty="0">
+                <a:solidFill>
+                  <a:srgbClr val="FF0000"/>
+                </a:solidFill>
+              </a:endParaRPr>
+            </a:p>
+          </p:txBody>
+        </p:sp>
+      </p:grpSp>
+      <p:grpSp>
+        <p:nvGrpSpPr>
+          <p:cNvPr id="13" name="群組 12"/>
+          <p:cNvGrpSpPr/>
+          <p:nvPr/>
+        </p:nvGrpSpPr>
+        <p:grpSpPr>
+          <a:xfrm>
+            <a:off x="2976785" y="3816157"/>
+            <a:ext cx="5718825" cy="764683"/>
+            <a:chOff x="1487904" y="4843664"/>
+            <a:chExt cx="5718825" cy="764683"/>
+          </a:xfrm>
+        </p:grpSpPr>
+        <p:sp>
+          <p:nvSpPr>
+            <p:cNvPr id="9" name="矩形 8"/>
+            <p:cNvSpPr/>
+            <p:nvPr/>
+          </p:nvSpPr>
+          <p:spPr>
+            <a:xfrm>
+              <a:off x="1487904" y="5364456"/>
+              <a:ext cx="5718825" cy="243891"/>
+            </a:xfrm>
+            <a:prstGeom prst="rect">
+              <a:avLst/>
+            </a:prstGeom>
+            <a:noFill/>
+            <a:ln w="38100">
+              <a:solidFill>
+                <a:srgbClr val="FF0000"/>
+              </a:solidFill>
+            </a:ln>
+          </p:spPr>
+          <p:style>
+            <a:lnRef idx="2">
+              <a:schemeClr val="accent1">
+                <a:shade val="50000"/>
+              </a:schemeClr>
+            </a:lnRef>
+            <a:fillRef idx="1">
+              <a:schemeClr val="accent1"/>
+            </a:fillRef>
+            <a:effectRef idx="0">
+              <a:schemeClr val="accent1"/>
+            </a:effectRef>
+            <a:fontRef idx="minor">
+              <a:schemeClr val="lt1"/>
+            </a:fontRef>
+          </p:style>
+          <p:txBody>
+            <a:bodyPr rtlCol="0" anchor="ctr"/>
+            <a:lstStyle/>
+            <a:p>
+              <a:pPr algn="ctr"/>
+              <a:endParaRPr lang="en-US" altLang="zh-TW" sz="3200" dirty="0">
+                <a:solidFill>
+                  <a:srgbClr val="FF0000"/>
+                </a:solidFill>
+              </a:endParaRPr>
+            </a:p>
+          </p:txBody>
+        </p:sp>
+        <p:sp>
+          <p:nvSpPr>
+            <p:cNvPr id="12" name="矩形 11"/>
+            <p:cNvSpPr/>
+            <p:nvPr/>
+          </p:nvSpPr>
+          <p:spPr>
+            <a:xfrm>
+              <a:off x="3760071" y="4843664"/>
+              <a:ext cx="1174489" cy="523220"/>
+            </a:xfrm>
+            <a:prstGeom prst="rect">
+              <a:avLst/>
+            </a:prstGeom>
+          </p:spPr>
+          <p:txBody>
+            <a:bodyPr wrap="none">
+              <a:spAutoFit/>
+            </a:bodyPr>
+            <a:lstStyle/>
+            <a:p>
+              <a:pPr algn="ctr"/>
+              <a:r>
+                <a:rPr lang="en-US" altLang="zh-TW" sz="2800" b="1" dirty="0">
+                  <a:solidFill>
+                    <a:srgbClr val="FF0000"/>
+                  </a:solidFill>
+                </a:rPr>
+                <a:t>Sheets</a:t>
+              </a:r>
+              <a:endParaRPr lang="en-US" altLang="zh-TW" sz="2800" b="1" dirty="0">
+                <a:solidFill>
+                  <a:srgbClr val="FF0000"/>
+                </a:solidFill>
+              </a:endParaRPr>
+            </a:p>
+          </p:txBody>
+        </p:sp>
+      </p:grpSp>
+    </p:spTree>
+    <p:extLst>
+      <p:ext uri="{BB962C8B-B14F-4D97-AF65-F5344CB8AC3E}">
+        <p14:creationId xmlns:p14="http://schemas.microsoft.com/office/powerpoint/2010/main" val="1108224814"/>
+      </p:ext>
+    </p:extLst>
+  </p:cSld>
+  <p:clrMapOvr>
+    <a:masterClrMapping/>
+  </p:clrMapOvr>
+  <p:timing>
+    <p:tnLst>
+      <p:par>
+        <p:cTn id="1" dur="indefinite" restart="never" nodeType="tmRoot">
+          <p:childTnLst>
+            <p:seq concurrent="1" nextAc="seek">
+              <p:cTn id="2" dur="indefinite" nodeType="mainSeq">
+                <p:childTnLst>
+                  <p:par>
+                    <p:cTn id="3" fill="hold">
+                      <p:stCondLst>
+                        <p:cond delay="indefinite"/>
+                        <p:cond evt="onBegin" delay="0">
+                          <p:tn val="2"/>
+                        </p:cond>
+                      </p:stCondLst>
+                      <p:childTnLst>
+                        <p:par>
+                          <p:cTn id="4" fill="hold">
+                            <p:stCondLst>
+                              <p:cond delay="0"/>
+                            </p:stCondLst>
+                            <p:childTnLst>
+                              <p:par>
+                                <p:cTn id="5" presetID="10" presetClass="entr" presetSubtype="0" fill="hold" grpId="0" nodeType="afterEffect">
+                                  <p:stCondLst>
+                                    <p:cond delay="0"/>
+                                  </p:stCondLst>
+                                  <p:childTnLst>
+                                    <p:set>
+                                      <p:cBhvr>
+                                        <p:cTn id="6" dur="1" fill="hold">
+                                          <p:stCondLst>
+                                            <p:cond delay="0"/>
+                                          </p:stCondLst>
+                                        </p:cTn>
+                                        <p:tgtEl>
+                                          <p:spTgt spid="6"/>
+                                        </p:tgtEl>
+                                        <p:attrNameLst>
+                                          <p:attrName>style.visibility</p:attrName>
+                                        </p:attrNameLst>
+                                      </p:cBhvr>
+                                      <p:to>
+                                        <p:strVal val="visible"/>
+                                      </p:to>
+                                    </p:set>
+                                    <p:animEffect transition="in" filter="fade">
+                                      <p:cBhvr>
+                                        <p:cTn id="7" dur="500"/>
+                                        <p:tgtEl>
+                                          <p:spTgt spid="6"/>
+                                        </p:tgtEl>
+                                      </p:cBhvr>
+                                    </p:animEffect>
+                                  </p:childTnLst>
+                                </p:cTn>
+                              </p:par>
+                            </p:childTnLst>
+                          </p:cTn>
+                        </p:par>
+                        <p:par>
+                          <p:cTn id="8" fill="hold">
+                            <p:stCondLst>
+                              <p:cond delay="500"/>
+                            </p:stCondLst>
+                            <p:childTnLst>
+                              <p:par>
+                                <p:cTn id="9" presetID="10" presetClass="exit" presetSubtype="0" fill="hold" grpId="1" nodeType="afterEffect">
+                                  <p:stCondLst>
+                                    <p:cond delay="1000"/>
+                                  </p:stCondLst>
+                                  <p:childTnLst>
+                                    <p:animEffect transition="out" filter="fade">
+                                      <p:cBhvr>
+                                        <p:cTn id="10" dur="500"/>
+                                        <p:tgtEl>
+                                          <p:spTgt spid="6"/>
+                                        </p:tgtEl>
+                                      </p:cBhvr>
+                                    </p:animEffect>
+                                    <p:set>
+                                      <p:cBhvr>
+                                        <p:cTn id="11" dur="1" fill="hold">
+                                          <p:stCondLst>
+                                            <p:cond delay="499"/>
+                                          </p:stCondLst>
+                                        </p:cTn>
+                                        <p:tgtEl>
+                                          <p:spTgt spid="6"/>
+                                        </p:tgtEl>
+                                        <p:attrNameLst>
+                                          <p:attrName>style.visibility</p:attrName>
+                                        </p:attrNameLst>
+                                      </p:cBhvr>
+                                      <p:to>
+                                        <p:strVal val="hidden"/>
+                                      </p:to>
+                                    </p:set>
+                                  </p:childTnLst>
+                                </p:cTn>
+                              </p:par>
+                            </p:childTnLst>
+                          </p:cTn>
+                        </p:par>
+                        <p:par>
+                          <p:cTn id="12" fill="hold">
+                            <p:stCondLst>
+                              <p:cond delay="2000"/>
+                            </p:stCondLst>
+                            <p:childTnLst>
+                              <p:par>
+                                <p:cTn id="13" presetID="10" presetClass="entr" presetSubtype="0" fill="hold" grpId="0" nodeType="afterEffect">
+                                  <p:stCondLst>
+                                    <p:cond delay="0"/>
+                                  </p:stCondLst>
+                                  <p:childTnLst>
+                                    <p:set>
+                                      <p:cBhvr>
+                                        <p:cTn id="14" dur="1" fill="hold">
+                                          <p:stCondLst>
+                                            <p:cond delay="0"/>
+                                          </p:stCondLst>
+                                        </p:cTn>
+                                        <p:tgtEl>
+                                          <p:spTgt spid="7"/>
+                                        </p:tgtEl>
+                                        <p:attrNameLst>
+                                          <p:attrName>style.visibility</p:attrName>
+                                        </p:attrNameLst>
+                                      </p:cBhvr>
+                                      <p:to>
+                                        <p:strVal val="visible"/>
+                                      </p:to>
+                                    </p:set>
+                                    <p:animEffect transition="in" filter="fade">
+                                      <p:cBhvr>
+                                        <p:cTn id="15" dur="500"/>
+                                        <p:tgtEl>
+                                          <p:spTgt spid="7"/>
+                                        </p:tgtEl>
+                                      </p:cBhvr>
+                                    </p:animEffect>
+                                  </p:childTnLst>
+                                </p:cTn>
+                              </p:par>
+                            </p:childTnLst>
+                          </p:cTn>
+                        </p:par>
+                        <p:par>
+                          <p:cTn id="16" fill="hold">
+                            <p:stCondLst>
+                              <p:cond delay="2500"/>
+                            </p:stCondLst>
+                            <p:childTnLst>
+                              <p:par>
+                                <p:cTn id="17" presetID="10" presetClass="exit" presetSubtype="0" fill="hold" grpId="1" nodeType="afterEffect">
+                                  <p:stCondLst>
+                                    <p:cond delay="1000"/>
+                                  </p:stCondLst>
+                                  <p:childTnLst>
+                                    <p:animEffect transition="out" filter="fade">
+                                      <p:cBhvr>
+                                        <p:cTn id="18" dur="500"/>
+                                        <p:tgtEl>
+                                          <p:spTgt spid="7"/>
+                                        </p:tgtEl>
+                                      </p:cBhvr>
+                                    </p:animEffect>
+                                    <p:set>
+                                      <p:cBhvr>
+                                        <p:cTn id="19" dur="1" fill="hold">
+                                          <p:stCondLst>
+                                            <p:cond delay="499"/>
+                                          </p:stCondLst>
+                                        </p:cTn>
+                                        <p:tgtEl>
+                                          <p:spTgt spid="7"/>
+                                        </p:tgtEl>
+                                        <p:attrNameLst>
+                                          <p:attrName>style.visibility</p:attrName>
+                                        </p:attrNameLst>
+                                      </p:cBhvr>
+                                      <p:to>
+                                        <p:strVal val="hidden"/>
+                                      </p:to>
+                                    </p:set>
+                                  </p:childTnLst>
+                                </p:cTn>
+                              </p:par>
+                            </p:childTnLst>
+                          </p:cTn>
+                        </p:par>
+                        <p:par>
+                          <p:cTn id="20" fill="hold">
+                            <p:stCondLst>
+                              <p:cond delay="4000"/>
+                            </p:stCondLst>
+                            <p:childTnLst>
+                              <p:par>
+                                <p:cTn id="21" presetID="10" presetClass="entr" presetSubtype="0" fill="hold" grpId="0" nodeType="afterEffect">
+                                  <p:stCondLst>
+                                    <p:cond delay="0"/>
+                                  </p:stCondLst>
+                                  <p:childTnLst>
+                                    <p:set>
+                                      <p:cBhvr>
+                                        <p:cTn id="22" dur="1" fill="hold">
+                                          <p:stCondLst>
+                                            <p:cond delay="0"/>
+                                          </p:stCondLst>
+                                        </p:cTn>
+                                        <p:tgtEl>
+                                          <p:spTgt spid="8"/>
+                                        </p:tgtEl>
+                                        <p:attrNameLst>
+                                          <p:attrName>style.visibility</p:attrName>
+                                        </p:attrNameLst>
+                                      </p:cBhvr>
+                                      <p:to>
+                                        <p:strVal val="visible"/>
+                                      </p:to>
+                                    </p:set>
+                                    <p:animEffect transition="in" filter="fade">
+                                      <p:cBhvr>
+                                        <p:cTn id="23" dur="500"/>
+                                        <p:tgtEl>
+                                          <p:spTgt spid="8"/>
+                                        </p:tgtEl>
+                                      </p:cBhvr>
+                                    </p:animEffect>
+                                  </p:childTnLst>
+                                </p:cTn>
+                              </p:par>
+                            </p:childTnLst>
+                          </p:cTn>
+                        </p:par>
+                        <p:par>
+                          <p:cTn id="24" fill="hold">
+                            <p:stCondLst>
+                              <p:cond delay="4500"/>
+                            </p:stCondLst>
+                            <p:childTnLst>
+                              <p:par>
+                                <p:cTn id="25" presetID="10" presetClass="exit" presetSubtype="0" fill="hold" grpId="1" nodeType="afterEffect">
+                                  <p:stCondLst>
+                                    <p:cond delay="1000"/>
+                                  </p:stCondLst>
+                                  <p:childTnLst>
+                                    <p:animEffect transition="out" filter="fade">
+                                      <p:cBhvr>
+                                        <p:cTn id="26" dur="500"/>
+                                        <p:tgtEl>
+                                          <p:spTgt spid="8"/>
+                                        </p:tgtEl>
+                                      </p:cBhvr>
+                                    </p:animEffect>
+                                    <p:set>
+                                      <p:cBhvr>
+                                        <p:cTn id="27" dur="1" fill="hold">
+                                          <p:stCondLst>
+                                            <p:cond delay="499"/>
+                                          </p:stCondLst>
+                                        </p:cTn>
+                                        <p:tgtEl>
+                                          <p:spTgt spid="8"/>
+                                        </p:tgtEl>
+                                        <p:attrNameLst>
+                                          <p:attrName>style.visibility</p:attrName>
+                                        </p:attrNameLst>
+                                      </p:cBhvr>
+                                      <p:to>
+                                        <p:strVal val="hidden"/>
+                                      </p:to>
+                                    </p:set>
+                                  </p:childTnLst>
+                                </p:cTn>
+                              </p:par>
+                            </p:childTnLst>
+                          </p:cTn>
+                        </p:par>
+                        <p:par>
+                          <p:cTn id="28" fill="hold">
+                            <p:stCondLst>
+                              <p:cond delay="6000"/>
+                            </p:stCondLst>
+                            <p:childTnLst>
+                              <p:par>
+                                <p:cTn id="29" presetID="10" presetClass="entr" presetSubtype="0" fill="hold" nodeType="afterEffect">
+                                  <p:stCondLst>
+                                    <p:cond delay="0"/>
+                                  </p:stCondLst>
+                                  <p:childTnLst>
+                                    <p:set>
+                                      <p:cBhvr>
+                                        <p:cTn id="30" dur="1" fill="hold">
+                                          <p:stCondLst>
+                                            <p:cond delay="0"/>
+                                          </p:stCondLst>
+                                        </p:cTn>
+                                        <p:tgtEl>
+                                          <p:spTgt spid="13"/>
+                                        </p:tgtEl>
+                                        <p:attrNameLst>
+                                          <p:attrName>style.visibility</p:attrName>
+                                        </p:attrNameLst>
+                                      </p:cBhvr>
+                                      <p:to>
+                                        <p:strVal val="visible"/>
+                                      </p:to>
+                                    </p:set>
+                                    <p:animEffect transition="in" filter="fade">
+                                      <p:cBhvr>
+                                        <p:cTn id="31" dur="500"/>
+                                        <p:tgtEl>
+                                          <p:spTgt spid="13"/>
+                                        </p:tgtEl>
+                                      </p:cBhvr>
+                                    </p:animEffect>
+                                  </p:childTnLst>
+                                </p:cTn>
+                              </p:par>
+                            </p:childTnLst>
+                          </p:cTn>
+                        </p:par>
+                        <p:par>
+                          <p:cTn id="32" fill="hold">
+                            <p:stCondLst>
+                              <p:cond delay="6500"/>
+                            </p:stCondLst>
+                            <p:childTnLst>
+                              <p:par>
+                                <p:cTn id="33" presetID="10" presetClass="exit" presetSubtype="0" fill="hold" nodeType="afterEffect">
+                                  <p:stCondLst>
+                                    <p:cond delay="1000"/>
+                                  </p:stCondLst>
+                                  <p:childTnLst>
+                                    <p:animEffect transition="out" filter="fade">
+                                      <p:cBhvr>
+                                        <p:cTn id="34" dur="500"/>
+                                        <p:tgtEl>
+                                          <p:spTgt spid="13"/>
+                                        </p:tgtEl>
+                                      </p:cBhvr>
+                                    </p:animEffect>
+                                    <p:set>
+                                      <p:cBhvr>
+                                        <p:cTn id="35" dur="1" fill="hold">
+                                          <p:stCondLst>
+                                            <p:cond delay="499"/>
+                                          </p:stCondLst>
+                                        </p:cTn>
+                                        <p:tgtEl>
+                                          <p:spTgt spid="13"/>
+                                        </p:tgtEl>
+                                        <p:attrNameLst>
+                                          <p:attrName>style.visibility</p:attrName>
+                                        </p:attrNameLst>
+                                      </p:cBhvr>
+                                      <p:to>
+                                        <p:strVal val="hidden"/>
+                                      </p:to>
+                                    </p:set>
+                                  </p:childTnLst>
+                                </p:cTn>
+                              </p:par>
+                            </p:childTnLst>
+                          </p:cTn>
+                        </p:par>
+                        <p:par>
+                          <p:cTn id="36" fill="hold">
+                            <p:stCondLst>
+                              <p:cond delay="8000"/>
+                            </p:stCondLst>
+                            <p:childTnLst>
+                              <p:par>
+                                <p:cTn id="37" presetID="10" presetClass="entr" presetSubtype="0" fill="hold" nodeType="afterEffect">
+                                  <p:stCondLst>
+                                    <p:cond delay="0"/>
+                                  </p:stCondLst>
+                                  <p:childTnLst>
+                                    <p:set>
+                                      <p:cBhvr>
+                                        <p:cTn id="38" dur="1" fill="hold">
+                                          <p:stCondLst>
+                                            <p:cond delay="0"/>
+                                          </p:stCondLst>
+                                        </p:cTn>
+                                        <p:tgtEl>
+                                          <p:spTgt spid="14"/>
+                                        </p:tgtEl>
+                                        <p:attrNameLst>
+                                          <p:attrName>style.visibility</p:attrName>
+                                        </p:attrNameLst>
+                                      </p:cBhvr>
+                                      <p:to>
+                                        <p:strVal val="visible"/>
+                                      </p:to>
+                                    </p:set>
+                                    <p:animEffect transition="in" filter="fade">
+                                      <p:cBhvr>
+                                        <p:cTn id="39" dur="500"/>
+                                        <p:tgtEl>
+                                          <p:spTgt spid="14"/>
+                                        </p:tgtEl>
+                                      </p:cBhvr>
+                                    </p:animEffect>
+                                  </p:childTnLst>
+                                </p:cTn>
+                              </p:par>
+                            </p:childTnLst>
+                          </p:cTn>
+                        </p:par>
+                        <p:par>
+                          <p:cTn id="40" fill="hold">
+                            <p:stCondLst>
+                              <p:cond delay="8500"/>
+                            </p:stCondLst>
+                            <p:childTnLst>
+                              <p:par>
+                                <p:cTn id="41" presetID="10" presetClass="exit" presetSubtype="0" fill="hold" nodeType="afterEffect">
+                                  <p:stCondLst>
+                                    <p:cond delay="1000"/>
+                                  </p:stCondLst>
+                                  <p:childTnLst>
+                                    <p:animEffect transition="out" filter="fade">
+                                      <p:cBhvr>
+                                        <p:cTn id="42" dur="500"/>
+                                        <p:tgtEl>
+                                          <p:spTgt spid="14"/>
+                                        </p:tgtEl>
+                                      </p:cBhvr>
+                                    </p:animEffect>
+                                    <p:set>
+                                      <p:cBhvr>
+                                        <p:cTn id="43" dur="1" fill="hold">
+                                          <p:stCondLst>
+                                            <p:cond delay="499"/>
+                                          </p:stCondLst>
+                                        </p:cTn>
+                                        <p:tgtEl>
+                                          <p:spTgt spid="14"/>
+                                        </p:tgtEl>
+                                        <p:attrNameLst>
+                                          <p:attrName>style.visibility</p:attrName>
+                                        </p:attrNameLst>
+                                      </p:cBhvr>
+                                      <p:to>
+                                        <p:strVal val="hidden"/>
+                                      </p:to>
+                                    </p:set>
+                                  </p:childTnLst>
+                                </p:cTn>
+                              </p:par>
+                            </p:childTnLst>
+                          </p:cTn>
+                        </p:par>
+                      </p:childTnLst>
+                    </p:cTn>
+                  </p:par>
+                </p:childTnLst>
+              </p:cTn>
+              <p:prevCondLst>
+                <p:cond evt="onPrev" delay="0">
+                  <p:tgtEl>
+                    <p:sldTgt/>
+                  </p:tgtEl>
+                </p:cond>
+              </p:prevCondLst>
+              <p:nextCondLst>
+                <p:cond evt="onNext" delay="0">
+                  <p:tgtEl>
+                    <p:sldTgt/>
+                  </p:tgtEl>
+                </p:cond>
+              </p:nextCondLst>
+            </p:seq>
+          </p:childTnLst>
+        </p:cTn>
+      </p:par>
+    </p:tnLst>
+    <p:bldLst>
+      <p:bldP spid="6" grpId="0" animBg="1"/>
+      <p:bldP spid="6" grpId="1" animBg="1"/>
+      <p:bldP spid="7" grpId="0" animBg="1"/>
+      <p:bldP spid="7" grpId="1" animBg="1"/>
+      <p:bldP spid="8" grpId="0" animBg="1"/>
+      <p:bldP spid="8" grpId="1" animBg="1"/>
     </p:bldLst>
   </p:timing>
 </p:sld>
@@ -30770,6 +31682,15 @@
 </file>
 
 <file path=customXml/item1.xml><?xml version="1.0" encoding="utf-8"?>
+<?mso-contentType ?>
+<FormTemplates xmlns="http://schemas.microsoft.com/sharepoint/v3/contenttype/forms">
+  <Display>DocumentLibraryForm</Display>
+  <Edit>DocumentLibraryForm</Edit>
+  <New>DocumentLibraryForm</New>
+</FormTemplates>
+</file>
+
+<file path=customXml/item2.xml><?xml version="1.0" encoding="utf-8"?>
 <ct:contentTypeSchema xmlns:ct="http://schemas.microsoft.com/office/2006/metadata/contentType" xmlns:ma="http://schemas.microsoft.com/office/2006/metadata/properties/metaAttributes" ct:_="" ma:_="" ma:contentTypeName="Document" ma:contentTypeID="0x0101000AA0115B54226D469CC0FAAE38E5F61C" ma:contentTypeVersion="3" ma:contentTypeDescription="Create a new document." ma:contentTypeScope="" ma:versionID="0ae424bb0065d3a2a055b165aca25ec5">
   <xsd:schema xmlns:xsd="http://www.w3.org/2001/XMLSchema" xmlns:p="http://schemas.microsoft.com/office/2006/metadata/properties" targetNamespace="http://schemas.microsoft.com/office/2006/metadata/properties" ma:root="true" ma:fieldsID="4aeb20c0e3442673af7ee10786458764">
     <xsd:element name="properties">
@@ -30818,15 +31739,6 @@
 </ct:contentTypeSchema>
 </file>
 
-<file path=customXml/item2.xml><?xml version="1.0" encoding="utf-8"?>
-<?mso-contentType ?>
-<FormTemplates xmlns="http://schemas.microsoft.com/sharepoint/v3/contenttype/forms">
-  <Display>DocumentLibraryForm</Display>
-  <Edit>DocumentLibraryForm</Edit>
-  <New>DocumentLibraryForm</New>
-</FormTemplates>
-</file>
-
 <file path=customXml/item3.xml><?xml version="1.0" encoding="utf-8"?>
 <p:properties xmlns:p="http://schemas.microsoft.com/office/2006/metadata/properties" xmlns:xsi="http://www.w3.org/2001/XMLSchema-instance">
   <documentManagement/>
@@ -30834,6 +31746,14 @@
 </file>
 
 <file path=customXml/itemProps1.xml><?xml version="1.0" encoding="utf-8"?>
+<ds:datastoreItem xmlns:ds="http://schemas.openxmlformats.org/officeDocument/2006/customXml" ds:itemID="{A1770BF7-49D5-46D6-8B76-1D8AF290B450}">
+  <ds:schemaRefs>
+    <ds:schemaRef ds:uri="http://schemas.microsoft.com/sharepoint/v3/contenttype/forms"/>
+  </ds:schemaRefs>
+</ds:datastoreItem>
+</file>
+
+<file path=customXml/itemProps2.xml><?xml version="1.0" encoding="utf-8"?>
 <ds:datastoreItem xmlns:ds="http://schemas.openxmlformats.org/officeDocument/2006/customXml" ds:itemID="{FE6BB287-9CB7-4AA6-A5A5-8D1CE03643F3}">
   <ds:schemaRefs>
     <ds:schemaRef ds:uri="http://schemas.microsoft.com/office/2006/metadata/contentType"/>
@@ -30844,14 +31764,6 @@
     <ds:schemaRef ds:uri="http://purl.org/dc/elements/1.1/"/>
     <ds:schemaRef ds:uri="http://purl.org/dc/terms/"/>
     <ds:schemaRef ds:uri="http://schemas.microsoft.com/office/internal/2005/internalDocumentation"/>
-  </ds:schemaRefs>
-</ds:datastoreItem>
-</file>
-
-<file path=customXml/itemProps2.xml><?xml version="1.0" encoding="utf-8"?>
-<ds:datastoreItem xmlns:ds="http://schemas.openxmlformats.org/officeDocument/2006/customXml" ds:itemID="{A1770BF7-49D5-46D6-8B76-1D8AF290B450}">
-  <ds:schemaRefs>
-    <ds:schemaRef ds:uri="http://schemas.microsoft.com/sharepoint/v3/contenttype/forms"/>
   </ds:schemaRefs>
 </ds:datastoreItem>
 </file>

--- a/source/_assets/Blog動畫.pptx
+++ b/source/_assets/Blog動畫.pptx
@@ -5,10 +5,10 @@
     <p:sldMasterId id="2147483752" r:id="rId4"/>
   </p:sldMasterIdLst>
   <p:notesMasterIdLst>
-    <p:notesMasterId r:id="rId25"/>
+    <p:notesMasterId r:id="rId26"/>
   </p:notesMasterIdLst>
   <p:handoutMasterIdLst>
-    <p:handoutMasterId r:id="rId26"/>
+    <p:handoutMasterId r:id="rId27"/>
   </p:handoutMasterIdLst>
   <p:sldIdLst>
     <p:sldId id="315" r:id="rId5"/>
@@ -31,6 +31,7 @@
     <p:sldId id="332" r:id="rId22"/>
     <p:sldId id="333" r:id="rId23"/>
     <p:sldId id="334" r:id="rId24"/>
+    <p:sldId id="335" r:id="rId25"/>
   </p:sldIdLst>
   <p:sldSz cx="12192000" cy="6858000"/>
   <p:notesSz cx="7099300" cy="10234613"/>
@@ -245,7 +246,7 @@
             <a:fld id="{3CDD3A71-4C75-488C-A8F3-A1F163ED0DB9}" type="datetimeFigureOut">
               <a:rPr lang="en-US" smtClean="0"/>
               <a:pPr/>
-              <a:t>8/12/2017</a:t>
+              <a:t>8/27/2017</a:t>
             </a:fld>
             <a:endParaRPr lang="en-US" dirty="0"/>
           </a:p>
@@ -413,7 +414,7 @@
             <a:fld id="{523CC419-8FB3-4D1C-8127-E63C1A13459D}" type="datetimeFigureOut">
               <a:rPr lang="en-US" smtClean="0"/>
               <a:pPr/>
-              <a:t>8/12/2017</a:t>
+              <a:t>8/27/2017</a:t>
             </a:fld>
             <a:endParaRPr lang="en-US" dirty="0"/>
           </a:p>
@@ -816,7 +817,7 @@
           <a:p>
             <a:fld id="{237FF733-248C-4CF7-A090-89CF012E357B}" type="datetimeFigureOut">
               <a:rPr lang="zh-TW" altLang="en-US" smtClean="0"/>
-              <a:t>2017/8/12</a:t>
+              <a:t>2017/8/27</a:t>
             </a:fld>
             <a:endParaRPr lang="zh-TW" altLang="en-US"/>
           </a:p>
@@ -987,7 +988,7 @@
           <a:p>
             <a:fld id="{237FF733-248C-4CF7-A090-89CF012E357B}" type="datetimeFigureOut">
               <a:rPr lang="zh-TW" altLang="en-US" smtClean="0"/>
-              <a:t>2017/8/12</a:t>
+              <a:t>2017/8/27</a:t>
             </a:fld>
             <a:endParaRPr lang="zh-TW" altLang="en-US"/>
           </a:p>
@@ -1168,7 +1169,7 @@
           <a:p>
             <a:fld id="{237FF733-248C-4CF7-A090-89CF012E357B}" type="datetimeFigureOut">
               <a:rPr lang="zh-TW" altLang="en-US" smtClean="0"/>
-              <a:t>2017/8/12</a:t>
+              <a:t>2017/8/27</a:t>
             </a:fld>
             <a:endParaRPr lang="zh-TW" altLang="en-US"/>
           </a:p>
@@ -1339,7 +1340,7 @@
           <a:p>
             <a:fld id="{237FF733-248C-4CF7-A090-89CF012E357B}" type="datetimeFigureOut">
               <a:rPr lang="zh-TW" altLang="en-US" smtClean="0"/>
-              <a:t>2017/8/12</a:t>
+              <a:t>2017/8/27</a:t>
             </a:fld>
             <a:endParaRPr lang="zh-TW" altLang="en-US"/>
           </a:p>
@@ -1586,7 +1587,7 @@
           <a:p>
             <a:fld id="{237FF733-248C-4CF7-A090-89CF012E357B}" type="datetimeFigureOut">
               <a:rPr lang="zh-TW" altLang="en-US" smtClean="0"/>
-              <a:t>2017/8/12</a:t>
+              <a:t>2017/8/27</a:t>
             </a:fld>
             <a:endParaRPr lang="zh-TW" altLang="en-US"/>
           </a:p>
@@ -1819,7 +1820,7 @@
           <a:p>
             <a:fld id="{237FF733-248C-4CF7-A090-89CF012E357B}" type="datetimeFigureOut">
               <a:rPr lang="zh-TW" altLang="en-US" smtClean="0"/>
-              <a:t>2017/8/12</a:t>
+              <a:t>2017/8/27</a:t>
             </a:fld>
             <a:endParaRPr lang="zh-TW" altLang="en-US"/>
           </a:p>
@@ -2187,7 +2188,7 @@
           <a:p>
             <a:fld id="{237FF733-248C-4CF7-A090-89CF012E357B}" type="datetimeFigureOut">
               <a:rPr lang="zh-TW" altLang="en-US" smtClean="0"/>
-              <a:t>2017/8/12</a:t>
+              <a:t>2017/8/27</a:t>
             </a:fld>
             <a:endParaRPr lang="zh-TW" altLang="en-US"/>
           </a:p>
@@ -2306,7 +2307,7 @@
           <a:p>
             <a:fld id="{237FF733-248C-4CF7-A090-89CF012E357B}" type="datetimeFigureOut">
               <a:rPr lang="zh-TW" altLang="en-US" smtClean="0"/>
-              <a:t>2017/8/12</a:t>
+              <a:t>2017/8/27</a:t>
             </a:fld>
             <a:endParaRPr lang="zh-TW" altLang="en-US"/>
           </a:p>
@@ -2402,7 +2403,7 @@
           <a:p>
             <a:fld id="{237FF733-248C-4CF7-A090-89CF012E357B}" type="datetimeFigureOut">
               <a:rPr lang="zh-TW" altLang="en-US" smtClean="0"/>
-              <a:t>2017/8/12</a:t>
+              <a:t>2017/8/27</a:t>
             </a:fld>
             <a:endParaRPr lang="zh-TW" altLang="en-US"/>
           </a:p>
@@ -2680,7 +2681,7 @@
           <a:p>
             <a:fld id="{237FF733-248C-4CF7-A090-89CF012E357B}" type="datetimeFigureOut">
               <a:rPr lang="zh-TW" altLang="en-US" smtClean="0"/>
-              <a:t>2017/8/12</a:t>
+              <a:t>2017/8/27</a:t>
             </a:fld>
             <a:endParaRPr lang="zh-TW" altLang="en-US"/>
           </a:p>
@@ -2938,7 +2939,7 @@
           <a:p>
             <a:fld id="{237FF733-248C-4CF7-A090-89CF012E357B}" type="datetimeFigureOut">
               <a:rPr lang="zh-TW" altLang="en-US" smtClean="0"/>
-              <a:t>2017/8/12</a:t>
+              <a:t>2017/8/27</a:t>
             </a:fld>
             <a:endParaRPr lang="zh-TW" altLang="en-US"/>
           </a:p>
@@ -3152,7 +3153,7 @@
           <a:p>
             <a:fld id="{237FF733-248C-4CF7-A090-89CF012E357B}" type="datetimeFigureOut">
               <a:rPr lang="zh-TW" altLang="en-US" smtClean="0"/>
-              <a:t>2017/8/12</a:t>
+              <a:t>2017/8/27</a:t>
             </a:fld>
             <a:endParaRPr lang="zh-TW" altLang="en-US"/>
           </a:p>
@@ -20280,11 +20281,6 @@
               </a:rPr>
               <a:t>Worksheet</a:t>
             </a:r>
-            <a:endParaRPr lang="en-US" altLang="zh-TW" sz="6000" dirty="0">
-              <a:solidFill>
-                <a:srgbClr val="FF0000"/>
-              </a:solidFill>
-            </a:endParaRPr>
           </a:p>
         </p:txBody>
       </p:sp>
@@ -20440,11 +20436,6 @@
                 </a:rPr>
                 <a:t>Sheet</a:t>
               </a:r>
-              <a:endParaRPr lang="en-US" altLang="zh-TW" sz="2800" b="1" dirty="0">
-                <a:solidFill>
-                  <a:srgbClr val="FF0000"/>
-                </a:solidFill>
-              </a:endParaRPr>
             </a:p>
           </p:txBody>
         </p:sp>
@@ -20543,11 +20534,6 @@
                 </a:rPr>
                 <a:t>Sheets</a:t>
               </a:r>
-              <a:endParaRPr lang="en-US" altLang="zh-TW" sz="2800" b="1" dirty="0">
-                <a:solidFill>
-                  <a:srgbClr val="FF0000"/>
-                </a:solidFill>
-              </a:endParaRPr>
             </a:p>
           </p:txBody>
         </p:sp>
@@ -21051,6 +21037,868 @@
       <p:bldP spid="8" grpId="0" animBg="1"/>
       <p:bldP spid="8" grpId="1" animBg="1"/>
     </p:bldLst>
+  </p:timing>
+</p:sld>
+</file>
+
+<file path=ppt/slides/slide21.xml><?xml version="1.0" encoding="utf-8"?>
+<p:sld xmlns:a="http://schemas.openxmlformats.org/drawingml/2006/main" xmlns:r="http://schemas.openxmlformats.org/officeDocument/2006/relationships" xmlns:p="http://schemas.openxmlformats.org/presentationml/2006/main">
+  <p:cSld>
+    <p:spTree>
+      <p:nvGrpSpPr>
+        <p:cNvPr id="1" name=""/>
+        <p:cNvGrpSpPr/>
+        <p:nvPr/>
+      </p:nvGrpSpPr>
+      <p:grpSpPr>
+        <a:xfrm>
+          <a:off x="0" y="0"/>
+          <a:ext cx="0" cy="0"/>
+          <a:chOff x="0" y="0"/>
+          <a:chExt cx="0" cy="0"/>
+        </a:xfrm>
+      </p:grpSpPr>
+      <p:sp>
+        <p:nvSpPr>
+          <p:cNvPr id="3" name="矩形 2"/>
+          <p:cNvSpPr/>
+          <p:nvPr/>
+        </p:nvSpPr>
+        <p:spPr>
+          <a:xfrm>
+            <a:off x="433235" y="-4014395"/>
+            <a:ext cx="7634668" cy="4294501"/>
+          </a:xfrm>
+          <a:prstGeom prst="rect">
+            <a:avLst/>
+          </a:prstGeom>
+        </p:spPr>
+        <p:style>
+          <a:lnRef idx="2">
+            <a:schemeClr val="dk1">
+              <a:shade val="50000"/>
+            </a:schemeClr>
+          </a:lnRef>
+          <a:fillRef idx="1">
+            <a:schemeClr val="dk1"/>
+          </a:fillRef>
+          <a:effectRef idx="0">
+            <a:schemeClr val="dk1"/>
+          </a:effectRef>
+          <a:fontRef idx="minor">
+            <a:schemeClr val="lt1"/>
+          </a:fontRef>
+        </p:style>
+        <p:txBody>
+          <a:bodyPr rtlCol="0" anchor="ctr"/>
+          <a:lstStyle/>
+          <a:p>
+            <a:pPr algn="ctr"/>
+            <a:endParaRPr lang="zh-TW" altLang="en-US"/>
+          </a:p>
+        </p:txBody>
+      </p:sp>
+      <p:sp>
+        <p:nvSpPr>
+          <p:cNvPr id="13" name="矩形 12"/>
+          <p:cNvSpPr/>
+          <p:nvPr/>
+        </p:nvSpPr>
+        <p:spPr>
+          <a:xfrm>
+            <a:off x="6784603" y="1769146"/>
+            <a:ext cx="1467582" cy="3904552"/>
+          </a:xfrm>
+          <a:prstGeom prst="rect">
+            <a:avLst/>
+          </a:prstGeom>
+        </p:spPr>
+        <p:style>
+          <a:lnRef idx="1">
+            <a:schemeClr val="accent6"/>
+          </a:lnRef>
+          <a:fillRef idx="3">
+            <a:schemeClr val="accent6"/>
+          </a:fillRef>
+          <a:effectRef idx="2">
+            <a:schemeClr val="accent6"/>
+          </a:effectRef>
+          <a:fontRef idx="minor">
+            <a:schemeClr val="lt1"/>
+          </a:fontRef>
+        </p:style>
+        <p:txBody>
+          <a:bodyPr rtlCol="0" anchor="ctr"/>
+          <a:lstStyle/>
+          <a:p>
+            <a:pPr algn="ctr"/>
+            <a:r>
+              <a:rPr lang="en-US" altLang="zh-TW" sz="1600" b="1" dirty="0" smtClean="0"/>
+              <a:t>Action</a:t>
+            </a:r>
+            <a:endParaRPr lang="zh-TW" altLang="en-US" sz="1600" b="1" dirty="0"/>
+          </a:p>
+        </p:txBody>
+      </p:sp>
+      <p:sp>
+        <p:nvSpPr>
+          <p:cNvPr id="16" name="矩形 15"/>
+          <p:cNvSpPr/>
+          <p:nvPr/>
+        </p:nvSpPr>
+        <p:spPr>
+          <a:xfrm rot="5400000">
+            <a:off x="-29173" y="3361421"/>
+            <a:ext cx="3904550" cy="720000"/>
+          </a:xfrm>
+          <a:prstGeom prst="rect">
+            <a:avLst/>
+          </a:prstGeom>
+        </p:spPr>
+        <p:style>
+          <a:lnRef idx="0">
+            <a:schemeClr val="accent2"/>
+          </a:lnRef>
+          <a:fillRef idx="3">
+            <a:schemeClr val="accent2"/>
+          </a:fillRef>
+          <a:effectRef idx="3">
+            <a:schemeClr val="accent2"/>
+          </a:effectRef>
+          <a:fontRef idx="minor">
+            <a:schemeClr val="lt1"/>
+          </a:fontRef>
+        </p:style>
+        <p:txBody>
+          <a:bodyPr rtlCol="0" anchor="ctr"/>
+          <a:lstStyle/>
+          <a:p>
+            <a:pPr algn="ctr"/>
+            <a:r>
+              <a:rPr lang="en-US" altLang="zh-TW" sz="1600" b="1" dirty="0" smtClean="0"/>
+              <a:t>HTTP</a:t>
+            </a:r>
+            <a:r>
+              <a:rPr lang="zh-TW" altLang="en-US" sz="1600" b="1" dirty="0" smtClean="0"/>
+              <a:t> </a:t>
+            </a:r>
+            <a:r>
+              <a:rPr lang="en-US" altLang="zh-TW" sz="1600" b="1" dirty="0" smtClean="0"/>
+              <a:t>Module 1</a:t>
+            </a:r>
+            <a:endParaRPr lang="zh-TW" altLang="en-US" sz="1600" b="1" dirty="0"/>
+          </a:p>
+        </p:txBody>
+      </p:sp>
+      <p:sp>
+        <p:nvSpPr>
+          <p:cNvPr id="19" name="矩形 18"/>
+          <p:cNvSpPr/>
+          <p:nvPr/>
+        </p:nvSpPr>
+        <p:spPr>
+          <a:xfrm rot="5400000">
+            <a:off x="4148025" y="3361423"/>
+            <a:ext cx="3904553" cy="720000"/>
+          </a:xfrm>
+          <a:prstGeom prst="rect">
+            <a:avLst/>
+          </a:prstGeom>
+        </p:spPr>
+        <p:style>
+          <a:lnRef idx="1">
+            <a:schemeClr val="accent1"/>
+          </a:lnRef>
+          <a:fillRef idx="3">
+            <a:schemeClr val="accent1"/>
+          </a:fillRef>
+          <a:effectRef idx="2">
+            <a:schemeClr val="accent1"/>
+          </a:effectRef>
+          <a:fontRef idx="minor">
+            <a:schemeClr val="lt1"/>
+          </a:fontRef>
+        </p:style>
+        <p:txBody>
+          <a:bodyPr rtlCol="0" anchor="ctr"/>
+          <a:lstStyle/>
+          <a:p>
+            <a:pPr algn="ctr"/>
+            <a:r>
+              <a:rPr lang="en-US" altLang="zh-TW" sz="1600" b="1" dirty="0" smtClean="0"/>
+              <a:t>Action Filters</a:t>
+            </a:r>
+            <a:endParaRPr lang="zh-TW" altLang="en-US" sz="1600" b="1" dirty="0"/>
+          </a:p>
+        </p:txBody>
+      </p:sp>
+      <p:sp>
+        <p:nvSpPr>
+          <p:cNvPr id="24" name="Send Log F2L"/>
+          <p:cNvSpPr/>
+          <p:nvPr/>
+        </p:nvSpPr>
+        <p:spPr>
+          <a:xfrm>
+            <a:off x="693546" y="2081489"/>
+            <a:ext cx="1080000" cy="540000"/>
+          </a:xfrm>
+          <a:prstGeom prst="rightArrow">
+            <a:avLst/>
+          </a:prstGeom>
+        </p:spPr>
+        <p:style>
+          <a:lnRef idx="1">
+            <a:schemeClr val="accent4"/>
+          </a:lnRef>
+          <a:fillRef idx="2">
+            <a:schemeClr val="accent4"/>
+          </a:fillRef>
+          <a:effectRef idx="1">
+            <a:schemeClr val="accent4"/>
+          </a:effectRef>
+          <a:fontRef idx="minor">
+            <a:schemeClr val="dk1"/>
+          </a:fontRef>
+        </p:style>
+        <p:txBody>
+          <a:bodyPr rtlCol="0" anchor="ctr"/>
+          <a:lstStyle/>
+          <a:p>
+            <a:pPr algn="ctr"/>
+            <a:r>
+              <a:rPr lang="en-US" altLang="zh-TW" sz="1400" b="1" dirty="0" smtClean="0"/>
+              <a:t>Request</a:t>
+            </a:r>
+            <a:endParaRPr lang="zh-TW" altLang="en-US" sz="1400" b="1" dirty="0"/>
+          </a:p>
+        </p:txBody>
+      </p:sp>
+      <p:sp>
+        <p:nvSpPr>
+          <p:cNvPr id="28" name="Send Log F2L"/>
+          <p:cNvSpPr/>
+          <p:nvPr/>
+        </p:nvSpPr>
+        <p:spPr>
+          <a:xfrm flipH="1">
+            <a:off x="693546" y="4785700"/>
+            <a:ext cx="1080000" cy="540000"/>
+          </a:xfrm>
+          <a:prstGeom prst="rightArrow">
+            <a:avLst/>
+          </a:prstGeom>
+        </p:spPr>
+        <p:style>
+          <a:lnRef idx="1">
+            <a:schemeClr val="accent4"/>
+          </a:lnRef>
+          <a:fillRef idx="2">
+            <a:schemeClr val="accent4"/>
+          </a:fillRef>
+          <a:effectRef idx="1">
+            <a:schemeClr val="accent4"/>
+          </a:effectRef>
+          <a:fontRef idx="minor">
+            <a:schemeClr val="dk1"/>
+          </a:fontRef>
+        </p:style>
+        <p:txBody>
+          <a:bodyPr rtlCol="0" anchor="ctr"/>
+          <a:lstStyle/>
+          <a:p>
+            <a:pPr algn="ctr"/>
+            <a:r>
+              <a:rPr lang="en-US" altLang="zh-TW" sz="1400" b="1" dirty="0" err="1"/>
+              <a:t>Respose</a:t>
+            </a:r>
+            <a:endParaRPr lang="zh-TW" altLang="en-US" sz="1400" b="1" dirty="0"/>
+          </a:p>
+        </p:txBody>
+      </p:sp>
+      <p:sp>
+        <p:nvSpPr>
+          <p:cNvPr id="32" name="矩形 31"/>
+          <p:cNvSpPr/>
+          <p:nvPr/>
+        </p:nvSpPr>
+        <p:spPr>
+          <a:xfrm rot="5400000">
+            <a:off x="1021687" y="3361421"/>
+            <a:ext cx="3904550" cy="720000"/>
+          </a:xfrm>
+          <a:prstGeom prst="rect">
+            <a:avLst/>
+          </a:prstGeom>
+        </p:spPr>
+        <p:style>
+          <a:lnRef idx="0">
+            <a:schemeClr val="accent2"/>
+          </a:lnRef>
+          <a:fillRef idx="3">
+            <a:schemeClr val="accent2"/>
+          </a:fillRef>
+          <a:effectRef idx="3">
+            <a:schemeClr val="accent2"/>
+          </a:effectRef>
+          <a:fontRef idx="minor">
+            <a:schemeClr val="lt1"/>
+          </a:fontRef>
+        </p:style>
+        <p:txBody>
+          <a:bodyPr rtlCol="0" anchor="ctr"/>
+          <a:lstStyle/>
+          <a:p>
+            <a:pPr algn="ctr"/>
+            <a:r>
+              <a:rPr lang="en-US" altLang="zh-TW" sz="1600" b="1" dirty="0" smtClean="0"/>
+              <a:t>HTTP</a:t>
+            </a:r>
+            <a:r>
+              <a:rPr lang="zh-TW" altLang="en-US" sz="1600" b="1" dirty="0" smtClean="0"/>
+              <a:t> </a:t>
+            </a:r>
+            <a:r>
+              <a:rPr lang="en-US" altLang="zh-TW" sz="1600" b="1" dirty="0" smtClean="0"/>
+              <a:t>Module 2</a:t>
+            </a:r>
+            <a:endParaRPr lang="zh-TW" altLang="en-US" sz="1600" b="1" dirty="0"/>
+          </a:p>
+        </p:txBody>
+      </p:sp>
+      <p:sp>
+        <p:nvSpPr>
+          <p:cNvPr id="33" name="矩形 32"/>
+          <p:cNvSpPr/>
+          <p:nvPr/>
+        </p:nvSpPr>
+        <p:spPr>
+          <a:xfrm rot="5400000">
+            <a:off x="2055656" y="3361421"/>
+            <a:ext cx="3904550" cy="720000"/>
+          </a:xfrm>
+          <a:prstGeom prst="rect">
+            <a:avLst/>
+          </a:prstGeom>
+        </p:spPr>
+        <p:style>
+          <a:lnRef idx="0">
+            <a:schemeClr val="accent2"/>
+          </a:lnRef>
+          <a:fillRef idx="3">
+            <a:schemeClr val="accent2"/>
+          </a:fillRef>
+          <a:effectRef idx="3">
+            <a:schemeClr val="accent2"/>
+          </a:effectRef>
+          <a:fontRef idx="minor">
+            <a:schemeClr val="lt1"/>
+          </a:fontRef>
+        </p:style>
+        <p:txBody>
+          <a:bodyPr rtlCol="0" anchor="ctr"/>
+          <a:lstStyle/>
+          <a:p>
+            <a:pPr algn="ctr"/>
+            <a:r>
+              <a:rPr lang="en-US" altLang="zh-TW" sz="1600" b="1" dirty="0" smtClean="0"/>
+              <a:t>HTTP</a:t>
+            </a:r>
+            <a:r>
+              <a:rPr lang="zh-TW" altLang="en-US" sz="1600" b="1" dirty="0" smtClean="0"/>
+              <a:t> </a:t>
+            </a:r>
+            <a:r>
+              <a:rPr lang="en-US" altLang="zh-TW" sz="1600" b="1" dirty="0" smtClean="0"/>
+              <a:t>Module n</a:t>
+            </a:r>
+            <a:endParaRPr lang="zh-TW" altLang="en-US" sz="1600" b="1" dirty="0"/>
+          </a:p>
+        </p:txBody>
+      </p:sp>
+      <p:sp>
+        <p:nvSpPr>
+          <p:cNvPr id="34" name="矩形 33"/>
+          <p:cNvSpPr/>
+          <p:nvPr/>
+        </p:nvSpPr>
+        <p:spPr>
+          <a:xfrm rot="5400000">
+            <a:off x="3110557" y="3361420"/>
+            <a:ext cx="3904553" cy="720000"/>
+          </a:xfrm>
+          <a:prstGeom prst="rect">
+            <a:avLst/>
+          </a:prstGeom>
+        </p:spPr>
+        <p:style>
+          <a:lnRef idx="1">
+            <a:schemeClr val="accent1"/>
+          </a:lnRef>
+          <a:fillRef idx="3">
+            <a:schemeClr val="accent1"/>
+          </a:fillRef>
+          <a:effectRef idx="2">
+            <a:schemeClr val="accent1"/>
+          </a:effectRef>
+          <a:fontRef idx="minor">
+            <a:schemeClr val="lt1"/>
+          </a:fontRef>
+        </p:style>
+        <p:txBody>
+          <a:bodyPr rtlCol="0" anchor="ctr"/>
+          <a:lstStyle/>
+          <a:p>
+            <a:pPr algn="ctr"/>
+            <a:r>
+              <a:rPr lang="en-US" altLang="zh-TW" sz="1600" b="1" dirty="0" smtClean="0"/>
+              <a:t>HTTP Handlers</a:t>
+            </a:r>
+            <a:endParaRPr lang="zh-TW" altLang="en-US" sz="1600" b="1" dirty="0"/>
+          </a:p>
+        </p:txBody>
+      </p:sp>
+      <p:sp>
+        <p:nvSpPr>
+          <p:cNvPr id="45" name="Send Log F2L"/>
+          <p:cNvSpPr/>
+          <p:nvPr/>
+        </p:nvSpPr>
+        <p:spPr>
+          <a:xfrm>
+            <a:off x="4252687" y="2077190"/>
+            <a:ext cx="585919" cy="540000"/>
+          </a:xfrm>
+          <a:prstGeom prst="rightArrow">
+            <a:avLst/>
+          </a:prstGeom>
+        </p:spPr>
+        <p:style>
+          <a:lnRef idx="1">
+            <a:schemeClr val="accent4"/>
+          </a:lnRef>
+          <a:fillRef idx="2">
+            <a:schemeClr val="accent4"/>
+          </a:fillRef>
+          <a:effectRef idx="1">
+            <a:schemeClr val="accent4"/>
+          </a:effectRef>
+          <a:fontRef idx="minor">
+            <a:schemeClr val="dk1"/>
+          </a:fontRef>
+        </p:style>
+        <p:txBody>
+          <a:bodyPr rtlCol="0" anchor="ctr"/>
+          <a:lstStyle/>
+          <a:p>
+            <a:pPr algn="ctr"/>
+            <a:endParaRPr lang="zh-TW" altLang="en-US" sz="1400" b="1" dirty="0"/>
+          </a:p>
+        </p:txBody>
+      </p:sp>
+      <p:sp>
+        <p:nvSpPr>
+          <p:cNvPr id="46" name="Send Log F2L"/>
+          <p:cNvSpPr/>
+          <p:nvPr/>
+        </p:nvSpPr>
+        <p:spPr>
+          <a:xfrm>
+            <a:off x="5288607" y="2072479"/>
+            <a:ext cx="585919" cy="540000"/>
+          </a:xfrm>
+          <a:prstGeom prst="rightArrow">
+            <a:avLst/>
+          </a:prstGeom>
+        </p:spPr>
+        <p:style>
+          <a:lnRef idx="1">
+            <a:schemeClr val="accent4"/>
+          </a:lnRef>
+          <a:fillRef idx="2">
+            <a:schemeClr val="accent4"/>
+          </a:fillRef>
+          <a:effectRef idx="1">
+            <a:schemeClr val="accent4"/>
+          </a:effectRef>
+          <a:fontRef idx="minor">
+            <a:schemeClr val="dk1"/>
+          </a:fontRef>
+        </p:style>
+        <p:txBody>
+          <a:bodyPr rtlCol="0" anchor="ctr"/>
+          <a:lstStyle/>
+          <a:p>
+            <a:pPr algn="ctr"/>
+            <a:endParaRPr lang="zh-TW" altLang="en-US" sz="1400" b="1" dirty="0"/>
+          </a:p>
+        </p:txBody>
+      </p:sp>
+      <p:sp>
+        <p:nvSpPr>
+          <p:cNvPr id="47" name="Send Log F2L"/>
+          <p:cNvSpPr/>
+          <p:nvPr/>
+        </p:nvSpPr>
+        <p:spPr>
+          <a:xfrm>
+            <a:off x="6324529" y="2081489"/>
+            <a:ext cx="585919" cy="540000"/>
+          </a:xfrm>
+          <a:prstGeom prst="rightArrow">
+            <a:avLst/>
+          </a:prstGeom>
+        </p:spPr>
+        <p:style>
+          <a:lnRef idx="1">
+            <a:schemeClr val="accent4"/>
+          </a:lnRef>
+          <a:fillRef idx="2">
+            <a:schemeClr val="accent4"/>
+          </a:fillRef>
+          <a:effectRef idx="1">
+            <a:schemeClr val="accent4"/>
+          </a:effectRef>
+          <a:fontRef idx="minor">
+            <a:schemeClr val="dk1"/>
+          </a:fontRef>
+        </p:style>
+        <p:txBody>
+          <a:bodyPr rtlCol="0" anchor="ctr"/>
+          <a:lstStyle/>
+          <a:p>
+            <a:pPr algn="ctr"/>
+            <a:endParaRPr lang="zh-TW" altLang="en-US" sz="1400" b="1" dirty="0"/>
+          </a:p>
+        </p:txBody>
+      </p:sp>
+      <p:sp>
+        <p:nvSpPr>
+          <p:cNvPr id="48" name="Send Log F2L"/>
+          <p:cNvSpPr/>
+          <p:nvPr/>
+        </p:nvSpPr>
+        <p:spPr>
+          <a:xfrm>
+            <a:off x="3216767" y="2081489"/>
+            <a:ext cx="585919" cy="540000"/>
+          </a:xfrm>
+          <a:prstGeom prst="rightArrow">
+            <a:avLst/>
+          </a:prstGeom>
+        </p:spPr>
+        <p:style>
+          <a:lnRef idx="1">
+            <a:schemeClr val="accent4"/>
+          </a:lnRef>
+          <a:fillRef idx="2">
+            <a:schemeClr val="accent4"/>
+          </a:fillRef>
+          <a:effectRef idx="1">
+            <a:schemeClr val="accent4"/>
+          </a:effectRef>
+          <a:fontRef idx="minor">
+            <a:schemeClr val="dk1"/>
+          </a:fontRef>
+        </p:style>
+        <p:txBody>
+          <a:bodyPr rtlCol="0" anchor="ctr"/>
+          <a:lstStyle/>
+          <a:p>
+            <a:pPr algn="ctr"/>
+            <a:endParaRPr lang="zh-TW" altLang="en-US" sz="1400" b="1" dirty="0"/>
+          </a:p>
+        </p:txBody>
+      </p:sp>
+      <p:sp>
+        <p:nvSpPr>
+          <p:cNvPr id="49" name="Send Log F2L"/>
+          <p:cNvSpPr/>
+          <p:nvPr/>
+        </p:nvSpPr>
+        <p:spPr>
+          <a:xfrm>
+            <a:off x="2180847" y="2081489"/>
+            <a:ext cx="585919" cy="540000"/>
+          </a:xfrm>
+          <a:prstGeom prst="rightArrow">
+            <a:avLst/>
+          </a:prstGeom>
+        </p:spPr>
+        <p:style>
+          <a:lnRef idx="1">
+            <a:schemeClr val="accent4"/>
+          </a:lnRef>
+          <a:fillRef idx="2">
+            <a:schemeClr val="accent4"/>
+          </a:fillRef>
+          <a:effectRef idx="1">
+            <a:schemeClr val="accent4"/>
+          </a:effectRef>
+          <a:fontRef idx="minor">
+            <a:schemeClr val="dk1"/>
+          </a:fontRef>
+        </p:style>
+        <p:txBody>
+          <a:bodyPr rtlCol="0" anchor="ctr"/>
+          <a:lstStyle/>
+          <a:p>
+            <a:pPr algn="ctr"/>
+            <a:endParaRPr lang="zh-TW" altLang="en-US" sz="1400" b="1" dirty="0"/>
+          </a:p>
+        </p:txBody>
+      </p:sp>
+      <p:sp>
+        <p:nvSpPr>
+          <p:cNvPr id="35" name="Send Log F2L"/>
+          <p:cNvSpPr/>
+          <p:nvPr/>
+        </p:nvSpPr>
+        <p:spPr>
+          <a:xfrm rot="10800000">
+            <a:off x="4255333" y="4774992"/>
+            <a:ext cx="585919" cy="540000"/>
+          </a:xfrm>
+          <a:prstGeom prst="rightArrow">
+            <a:avLst/>
+          </a:prstGeom>
+        </p:spPr>
+        <p:style>
+          <a:lnRef idx="1">
+            <a:schemeClr val="accent4"/>
+          </a:lnRef>
+          <a:fillRef idx="2">
+            <a:schemeClr val="accent4"/>
+          </a:fillRef>
+          <a:effectRef idx="1">
+            <a:schemeClr val="accent4"/>
+          </a:effectRef>
+          <a:fontRef idx="minor">
+            <a:schemeClr val="dk1"/>
+          </a:fontRef>
+        </p:style>
+        <p:txBody>
+          <a:bodyPr rtlCol="0" anchor="ctr"/>
+          <a:lstStyle/>
+          <a:p>
+            <a:pPr algn="ctr"/>
+            <a:endParaRPr lang="zh-TW" altLang="en-US" sz="1400" b="1" dirty="0"/>
+          </a:p>
+        </p:txBody>
+      </p:sp>
+      <p:sp>
+        <p:nvSpPr>
+          <p:cNvPr id="36" name="Send Log F2L"/>
+          <p:cNvSpPr/>
+          <p:nvPr/>
+        </p:nvSpPr>
+        <p:spPr>
+          <a:xfrm rot="10800000">
+            <a:off x="5291253" y="4770281"/>
+            <a:ext cx="585919" cy="540000"/>
+          </a:xfrm>
+          <a:prstGeom prst="rightArrow">
+            <a:avLst/>
+          </a:prstGeom>
+        </p:spPr>
+        <p:style>
+          <a:lnRef idx="1">
+            <a:schemeClr val="accent4"/>
+          </a:lnRef>
+          <a:fillRef idx="2">
+            <a:schemeClr val="accent4"/>
+          </a:fillRef>
+          <a:effectRef idx="1">
+            <a:schemeClr val="accent4"/>
+          </a:effectRef>
+          <a:fontRef idx="minor">
+            <a:schemeClr val="dk1"/>
+          </a:fontRef>
+        </p:style>
+        <p:txBody>
+          <a:bodyPr rtlCol="0" anchor="ctr"/>
+          <a:lstStyle/>
+          <a:p>
+            <a:pPr algn="ctr"/>
+            <a:endParaRPr lang="zh-TW" altLang="en-US" sz="1400" b="1" dirty="0"/>
+          </a:p>
+        </p:txBody>
+      </p:sp>
+      <p:sp>
+        <p:nvSpPr>
+          <p:cNvPr id="39" name="Send Log F2L"/>
+          <p:cNvSpPr/>
+          <p:nvPr/>
+        </p:nvSpPr>
+        <p:spPr>
+          <a:xfrm rot="10800000">
+            <a:off x="6327175" y="4779291"/>
+            <a:ext cx="585919" cy="540000"/>
+          </a:xfrm>
+          <a:prstGeom prst="rightArrow">
+            <a:avLst/>
+          </a:prstGeom>
+        </p:spPr>
+        <p:style>
+          <a:lnRef idx="1">
+            <a:schemeClr val="accent4"/>
+          </a:lnRef>
+          <a:fillRef idx="2">
+            <a:schemeClr val="accent4"/>
+          </a:fillRef>
+          <a:effectRef idx="1">
+            <a:schemeClr val="accent4"/>
+          </a:effectRef>
+          <a:fontRef idx="minor">
+            <a:schemeClr val="dk1"/>
+          </a:fontRef>
+        </p:style>
+        <p:txBody>
+          <a:bodyPr rtlCol="0" anchor="ctr"/>
+          <a:lstStyle/>
+          <a:p>
+            <a:pPr algn="ctr"/>
+            <a:endParaRPr lang="zh-TW" altLang="en-US" sz="1400" b="1" dirty="0"/>
+          </a:p>
+        </p:txBody>
+      </p:sp>
+      <p:sp>
+        <p:nvSpPr>
+          <p:cNvPr id="40" name="Send Log F2L"/>
+          <p:cNvSpPr/>
+          <p:nvPr/>
+        </p:nvSpPr>
+        <p:spPr>
+          <a:xfrm rot="10800000">
+            <a:off x="3219413" y="4779291"/>
+            <a:ext cx="585919" cy="540000"/>
+          </a:xfrm>
+          <a:prstGeom prst="rightArrow">
+            <a:avLst/>
+          </a:prstGeom>
+        </p:spPr>
+        <p:style>
+          <a:lnRef idx="1">
+            <a:schemeClr val="accent4"/>
+          </a:lnRef>
+          <a:fillRef idx="2">
+            <a:schemeClr val="accent4"/>
+          </a:fillRef>
+          <a:effectRef idx="1">
+            <a:schemeClr val="accent4"/>
+          </a:effectRef>
+          <a:fontRef idx="minor">
+            <a:schemeClr val="dk1"/>
+          </a:fontRef>
+        </p:style>
+        <p:txBody>
+          <a:bodyPr rtlCol="0" anchor="ctr"/>
+          <a:lstStyle/>
+          <a:p>
+            <a:pPr algn="ctr"/>
+            <a:endParaRPr lang="zh-TW" altLang="en-US" sz="1400" b="1" dirty="0"/>
+          </a:p>
+        </p:txBody>
+      </p:sp>
+      <p:sp>
+        <p:nvSpPr>
+          <p:cNvPr id="51" name="Send Log F2L"/>
+          <p:cNvSpPr/>
+          <p:nvPr/>
+        </p:nvSpPr>
+        <p:spPr>
+          <a:xfrm rot="10800000">
+            <a:off x="2183493" y="4779291"/>
+            <a:ext cx="585919" cy="540000"/>
+          </a:xfrm>
+          <a:prstGeom prst="rightArrow">
+            <a:avLst/>
+          </a:prstGeom>
+        </p:spPr>
+        <p:style>
+          <a:lnRef idx="1">
+            <a:schemeClr val="accent4"/>
+          </a:lnRef>
+          <a:fillRef idx="2">
+            <a:schemeClr val="accent4"/>
+          </a:fillRef>
+          <a:effectRef idx="1">
+            <a:schemeClr val="accent4"/>
+          </a:effectRef>
+          <a:fontRef idx="minor">
+            <a:schemeClr val="dk1"/>
+          </a:fontRef>
+        </p:style>
+        <p:txBody>
+          <a:bodyPr rtlCol="0" anchor="ctr"/>
+          <a:lstStyle/>
+          <a:p>
+            <a:pPr algn="ctr"/>
+            <a:endParaRPr lang="zh-TW" altLang="en-US" sz="1400" b="1" dirty="0"/>
+          </a:p>
+        </p:txBody>
+      </p:sp>
+      <p:sp>
+        <p:nvSpPr>
+          <p:cNvPr id="15" name="標題 2"/>
+          <p:cNvSpPr>
+            <a:spLocks noGrp="1"/>
+          </p:cNvSpPr>
+          <p:nvPr>
+            <p:ph type="title"/>
+          </p:nvPr>
+        </p:nvSpPr>
+        <p:spPr>
+          <a:xfrm>
+            <a:off x="1726638" y="3058638"/>
+            <a:ext cx="5638015" cy="1325563"/>
+          </a:xfrm>
+          <a:noFill/>
+        </p:spPr>
+        <p:txBody>
+          <a:bodyPr>
+            <a:noAutofit/>
+          </a:bodyPr>
+          <a:lstStyle/>
+          <a:p>
+            <a:r>
+              <a:rPr lang="en-US" altLang="zh-TW" sz="6600" b="1" dirty="0" smtClean="0">
+                <a:solidFill>
+                  <a:schemeClr val="tx1">
+                    <a:alpha val="8000"/>
+                  </a:schemeClr>
+                </a:solidFill>
+                <a:latin typeface="+mn-lt"/>
+              </a:rPr>
+              <a:t>blog.johnwu.cc</a:t>
+            </a:r>
+            <a:endParaRPr lang="zh-TW" altLang="en-US" sz="6600" b="1" dirty="0">
+              <a:solidFill>
+                <a:schemeClr val="tx1">
+                  <a:alpha val="8000"/>
+                </a:schemeClr>
+              </a:solidFill>
+              <a:latin typeface="+mn-lt"/>
+            </a:endParaRPr>
+          </a:p>
+        </p:txBody>
+      </p:sp>
+    </p:spTree>
+    <p:extLst>
+      <p:ext uri="{BB962C8B-B14F-4D97-AF65-F5344CB8AC3E}">
+        <p14:creationId xmlns:p14="http://schemas.microsoft.com/office/powerpoint/2010/main" val="4015888149"/>
+      </p:ext>
+    </p:extLst>
+  </p:cSld>
+  <p:clrMapOvr>
+    <a:masterClrMapping/>
+  </p:clrMapOvr>
+  <p:timing>
+    <p:tnLst>
+      <p:par>
+        <p:cTn id="1" dur="indefinite" restart="never" nodeType="tmRoot"/>
+      </p:par>
+    </p:tnLst>
   </p:timing>
 </p:sld>
 </file>
@@ -31682,15 +32530,6 @@
 </file>
 
 <file path=customXml/item1.xml><?xml version="1.0" encoding="utf-8"?>
-<?mso-contentType ?>
-<FormTemplates xmlns="http://schemas.microsoft.com/sharepoint/v3/contenttype/forms">
-  <Display>DocumentLibraryForm</Display>
-  <Edit>DocumentLibraryForm</Edit>
-  <New>DocumentLibraryForm</New>
-</FormTemplates>
-</file>
-
-<file path=customXml/item2.xml><?xml version="1.0" encoding="utf-8"?>
 <ct:contentTypeSchema xmlns:ct="http://schemas.microsoft.com/office/2006/metadata/contentType" xmlns:ma="http://schemas.microsoft.com/office/2006/metadata/properties/metaAttributes" ct:_="" ma:_="" ma:contentTypeName="Document" ma:contentTypeID="0x0101000AA0115B54226D469CC0FAAE38E5F61C" ma:contentTypeVersion="3" ma:contentTypeDescription="Create a new document." ma:contentTypeScope="" ma:versionID="0ae424bb0065d3a2a055b165aca25ec5">
   <xsd:schema xmlns:xsd="http://www.w3.org/2001/XMLSchema" xmlns:p="http://schemas.microsoft.com/office/2006/metadata/properties" targetNamespace="http://schemas.microsoft.com/office/2006/metadata/properties" ma:root="true" ma:fieldsID="4aeb20c0e3442673af7ee10786458764">
     <xsd:element name="properties">
@@ -31739,6 +32578,15 @@
 </ct:contentTypeSchema>
 </file>
 
+<file path=customXml/item2.xml><?xml version="1.0" encoding="utf-8"?>
+<?mso-contentType ?>
+<FormTemplates xmlns="http://schemas.microsoft.com/sharepoint/v3/contenttype/forms">
+  <Display>DocumentLibraryForm</Display>
+  <Edit>DocumentLibraryForm</Edit>
+  <New>DocumentLibraryForm</New>
+</FormTemplates>
+</file>
+
 <file path=customXml/item3.xml><?xml version="1.0" encoding="utf-8"?>
 <p:properties xmlns:p="http://schemas.microsoft.com/office/2006/metadata/properties" xmlns:xsi="http://www.w3.org/2001/XMLSchema-instance">
   <documentManagement/>
@@ -31746,14 +32594,6 @@
 </file>
 
 <file path=customXml/itemProps1.xml><?xml version="1.0" encoding="utf-8"?>
-<ds:datastoreItem xmlns:ds="http://schemas.openxmlformats.org/officeDocument/2006/customXml" ds:itemID="{A1770BF7-49D5-46D6-8B76-1D8AF290B450}">
-  <ds:schemaRefs>
-    <ds:schemaRef ds:uri="http://schemas.microsoft.com/sharepoint/v3/contenttype/forms"/>
-  </ds:schemaRefs>
-</ds:datastoreItem>
-</file>
-
-<file path=customXml/itemProps2.xml><?xml version="1.0" encoding="utf-8"?>
 <ds:datastoreItem xmlns:ds="http://schemas.openxmlformats.org/officeDocument/2006/customXml" ds:itemID="{FE6BB287-9CB7-4AA6-A5A5-8D1CE03643F3}">
   <ds:schemaRefs>
     <ds:schemaRef ds:uri="http://schemas.microsoft.com/office/2006/metadata/contentType"/>
@@ -31764,6 +32604,14 @@
     <ds:schemaRef ds:uri="http://purl.org/dc/elements/1.1/"/>
     <ds:schemaRef ds:uri="http://purl.org/dc/terms/"/>
     <ds:schemaRef ds:uri="http://schemas.microsoft.com/office/internal/2005/internalDocumentation"/>
+  </ds:schemaRefs>
+</ds:datastoreItem>
+</file>
+
+<file path=customXml/itemProps2.xml><?xml version="1.0" encoding="utf-8"?>
+<ds:datastoreItem xmlns:ds="http://schemas.openxmlformats.org/officeDocument/2006/customXml" ds:itemID="{A1770BF7-49D5-46D6-8B76-1D8AF290B450}">
+  <ds:schemaRefs>
+    <ds:schemaRef ds:uri="http://schemas.microsoft.com/sharepoint/v3/contenttype/forms"/>
   </ds:schemaRefs>
 </ds:datastoreItem>
 </file>

--- a/source/_assets/Blog動畫.pptx
+++ b/source/_assets/Blog動畫.pptx
@@ -5,10 +5,10 @@
     <p:sldMasterId id="2147483752" r:id="rId4"/>
   </p:sldMasterIdLst>
   <p:notesMasterIdLst>
-    <p:notesMasterId r:id="rId26"/>
+    <p:notesMasterId r:id="rId27"/>
   </p:notesMasterIdLst>
   <p:handoutMasterIdLst>
-    <p:handoutMasterId r:id="rId27"/>
+    <p:handoutMasterId r:id="rId28"/>
   </p:handoutMasterIdLst>
   <p:sldIdLst>
     <p:sldId id="315" r:id="rId5"/>
@@ -32,6 +32,7 @@
     <p:sldId id="333" r:id="rId23"/>
     <p:sldId id="334" r:id="rId24"/>
     <p:sldId id="335" r:id="rId25"/>
+    <p:sldId id="336" r:id="rId26"/>
   </p:sldIdLst>
   <p:sldSz cx="12192000" cy="6858000"/>
   <p:notesSz cx="7099300" cy="10234613"/>
@@ -246,7 +247,7 @@
             <a:fld id="{3CDD3A71-4C75-488C-A8F3-A1F163ED0DB9}" type="datetimeFigureOut">
               <a:rPr lang="en-US" smtClean="0"/>
               <a:pPr/>
-              <a:t>8/27/2017</a:t>
+              <a:t>9/4/2017</a:t>
             </a:fld>
             <a:endParaRPr lang="en-US" dirty="0"/>
           </a:p>
@@ -414,7 +415,7 @@
             <a:fld id="{523CC419-8FB3-4D1C-8127-E63C1A13459D}" type="datetimeFigureOut">
               <a:rPr lang="en-US" smtClean="0"/>
               <a:pPr/>
-              <a:t>8/27/2017</a:t>
+              <a:t>9/4/2017</a:t>
             </a:fld>
             <a:endParaRPr lang="en-US" dirty="0"/>
           </a:p>
@@ -817,7 +818,7 @@
           <a:p>
             <a:fld id="{237FF733-248C-4CF7-A090-89CF012E357B}" type="datetimeFigureOut">
               <a:rPr lang="zh-TW" altLang="en-US" smtClean="0"/>
-              <a:t>2017/8/27</a:t>
+              <a:t>2017/9/4</a:t>
             </a:fld>
             <a:endParaRPr lang="zh-TW" altLang="en-US"/>
           </a:p>
@@ -988,7 +989,7 @@
           <a:p>
             <a:fld id="{237FF733-248C-4CF7-A090-89CF012E357B}" type="datetimeFigureOut">
               <a:rPr lang="zh-TW" altLang="en-US" smtClean="0"/>
-              <a:t>2017/8/27</a:t>
+              <a:t>2017/9/4</a:t>
             </a:fld>
             <a:endParaRPr lang="zh-TW" altLang="en-US"/>
           </a:p>
@@ -1169,7 +1170,7 @@
           <a:p>
             <a:fld id="{237FF733-248C-4CF7-A090-89CF012E357B}" type="datetimeFigureOut">
               <a:rPr lang="zh-TW" altLang="en-US" smtClean="0"/>
-              <a:t>2017/8/27</a:t>
+              <a:t>2017/9/4</a:t>
             </a:fld>
             <a:endParaRPr lang="zh-TW" altLang="en-US"/>
           </a:p>
@@ -1340,7 +1341,7 @@
           <a:p>
             <a:fld id="{237FF733-248C-4CF7-A090-89CF012E357B}" type="datetimeFigureOut">
               <a:rPr lang="zh-TW" altLang="en-US" smtClean="0"/>
-              <a:t>2017/8/27</a:t>
+              <a:t>2017/9/4</a:t>
             </a:fld>
             <a:endParaRPr lang="zh-TW" altLang="en-US"/>
           </a:p>
@@ -1587,7 +1588,7 @@
           <a:p>
             <a:fld id="{237FF733-248C-4CF7-A090-89CF012E357B}" type="datetimeFigureOut">
               <a:rPr lang="zh-TW" altLang="en-US" smtClean="0"/>
-              <a:t>2017/8/27</a:t>
+              <a:t>2017/9/4</a:t>
             </a:fld>
             <a:endParaRPr lang="zh-TW" altLang="en-US"/>
           </a:p>
@@ -1820,7 +1821,7 @@
           <a:p>
             <a:fld id="{237FF733-248C-4CF7-A090-89CF012E357B}" type="datetimeFigureOut">
               <a:rPr lang="zh-TW" altLang="en-US" smtClean="0"/>
-              <a:t>2017/8/27</a:t>
+              <a:t>2017/9/4</a:t>
             </a:fld>
             <a:endParaRPr lang="zh-TW" altLang="en-US"/>
           </a:p>
@@ -2188,7 +2189,7 @@
           <a:p>
             <a:fld id="{237FF733-248C-4CF7-A090-89CF012E357B}" type="datetimeFigureOut">
               <a:rPr lang="zh-TW" altLang="en-US" smtClean="0"/>
-              <a:t>2017/8/27</a:t>
+              <a:t>2017/9/4</a:t>
             </a:fld>
             <a:endParaRPr lang="zh-TW" altLang="en-US"/>
           </a:p>
@@ -2307,7 +2308,7 @@
           <a:p>
             <a:fld id="{237FF733-248C-4CF7-A090-89CF012E357B}" type="datetimeFigureOut">
               <a:rPr lang="zh-TW" altLang="en-US" smtClean="0"/>
-              <a:t>2017/8/27</a:t>
+              <a:t>2017/9/4</a:t>
             </a:fld>
             <a:endParaRPr lang="zh-TW" altLang="en-US"/>
           </a:p>
@@ -2403,7 +2404,7 @@
           <a:p>
             <a:fld id="{237FF733-248C-4CF7-A090-89CF012E357B}" type="datetimeFigureOut">
               <a:rPr lang="zh-TW" altLang="en-US" smtClean="0"/>
-              <a:t>2017/8/27</a:t>
+              <a:t>2017/9/4</a:t>
             </a:fld>
             <a:endParaRPr lang="zh-TW" altLang="en-US"/>
           </a:p>
@@ -2681,7 +2682,7 @@
           <a:p>
             <a:fld id="{237FF733-248C-4CF7-A090-89CF012E357B}" type="datetimeFigureOut">
               <a:rPr lang="zh-TW" altLang="en-US" smtClean="0"/>
-              <a:t>2017/8/27</a:t>
+              <a:t>2017/9/4</a:t>
             </a:fld>
             <a:endParaRPr lang="zh-TW" altLang="en-US"/>
           </a:p>
@@ -2939,7 +2940,7 @@
           <a:p>
             <a:fld id="{237FF733-248C-4CF7-A090-89CF012E357B}" type="datetimeFigureOut">
               <a:rPr lang="zh-TW" altLang="en-US" smtClean="0"/>
-              <a:t>2017/8/27</a:t>
+              <a:t>2017/9/4</a:t>
             </a:fld>
             <a:endParaRPr lang="zh-TW" altLang="en-US"/>
           </a:p>
@@ -3153,7 +3154,7 @@
           <a:p>
             <a:fld id="{237FF733-248C-4CF7-A090-89CF012E357B}" type="datetimeFigureOut">
               <a:rPr lang="zh-TW" altLang="en-US" smtClean="0"/>
-              <a:t>2017/8/27</a:t>
+              <a:t>2017/9/4</a:t>
             </a:fld>
             <a:endParaRPr lang="zh-TW" altLang="en-US"/>
           </a:p>
@@ -21903,6 +21904,729 @@
 </p:sld>
 </file>
 
+<file path=ppt/slides/slide22.xml><?xml version="1.0" encoding="utf-8"?>
+<p:sld xmlns:a="http://schemas.openxmlformats.org/drawingml/2006/main" xmlns:r="http://schemas.openxmlformats.org/officeDocument/2006/relationships" xmlns:p="http://schemas.openxmlformats.org/presentationml/2006/main">
+  <p:cSld>
+    <p:spTree>
+      <p:nvGrpSpPr>
+        <p:cNvPr id="1" name=""/>
+        <p:cNvGrpSpPr/>
+        <p:nvPr/>
+      </p:nvGrpSpPr>
+      <p:grpSpPr>
+        <a:xfrm>
+          <a:off x="0" y="0"/>
+          <a:ext cx="0" cy="0"/>
+          <a:chOff x="0" y="0"/>
+          <a:chExt cx="0" cy="0"/>
+        </a:xfrm>
+      </p:grpSpPr>
+      <p:sp>
+        <p:nvSpPr>
+          <p:cNvPr id="5" name="矩形 4"/>
+          <p:cNvSpPr/>
+          <p:nvPr/>
+        </p:nvSpPr>
+        <p:spPr>
+          <a:xfrm>
+            <a:off x="3657600" y="990600"/>
+            <a:ext cx="1440000" cy="540000"/>
+          </a:xfrm>
+          <a:prstGeom prst="rect">
+            <a:avLst/>
+          </a:prstGeom>
+        </p:spPr>
+        <p:style>
+          <a:lnRef idx="0">
+            <a:schemeClr val="accent4"/>
+          </a:lnRef>
+          <a:fillRef idx="3">
+            <a:schemeClr val="accent4"/>
+          </a:fillRef>
+          <a:effectRef idx="3">
+            <a:schemeClr val="accent4"/>
+          </a:effectRef>
+          <a:fontRef idx="minor">
+            <a:schemeClr val="lt1"/>
+          </a:fontRef>
+        </p:style>
+        <p:txBody>
+          <a:bodyPr rtlCol="0" anchor="ctr"/>
+          <a:lstStyle/>
+          <a:p>
+            <a:pPr algn="ctr"/>
+            <a:r>
+              <a:rPr lang="en-US" altLang="zh-TW" dirty="0" smtClean="0"/>
+              <a:t>Module A</a:t>
+            </a:r>
+            <a:endParaRPr lang="zh-TW" altLang="en-US" dirty="0"/>
+          </a:p>
+        </p:txBody>
+      </p:sp>
+      <p:sp>
+        <p:nvSpPr>
+          <p:cNvPr id="6" name="矩形 5"/>
+          <p:cNvSpPr/>
+          <p:nvPr/>
+        </p:nvSpPr>
+        <p:spPr>
+          <a:xfrm>
+            <a:off x="2751000" y="1964122"/>
+            <a:ext cx="1440000" cy="540000"/>
+          </a:xfrm>
+          <a:prstGeom prst="rect">
+            <a:avLst/>
+          </a:prstGeom>
+        </p:spPr>
+        <p:style>
+          <a:lnRef idx="2">
+            <a:schemeClr val="accent6">
+              <a:shade val="50000"/>
+            </a:schemeClr>
+          </a:lnRef>
+          <a:fillRef idx="1">
+            <a:schemeClr val="accent6"/>
+          </a:fillRef>
+          <a:effectRef idx="0">
+            <a:schemeClr val="accent6"/>
+          </a:effectRef>
+          <a:fontRef idx="minor">
+            <a:schemeClr val="lt1"/>
+          </a:fontRef>
+        </p:style>
+        <p:txBody>
+          <a:bodyPr rtlCol="0" anchor="ctr"/>
+          <a:lstStyle/>
+          <a:p>
+            <a:pPr algn="ctr"/>
+            <a:r>
+              <a:rPr lang="en-US" altLang="zh-TW" dirty="0"/>
+              <a:t>Module </a:t>
+            </a:r>
+            <a:r>
+              <a:rPr lang="en-US" altLang="zh-TW" dirty="0" smtClean="0"/>
+              <a:t>B</a:t>
+            </a:r>
+            <a:endParaRPr lang="zh-TW" altLang="en-US" dirty="0"/>
+          </a:p>
+        </p:txBody>
+      </p:sp>
+      <p:sp>
+        <p:nvSpPr>
+          <p:cNvPr id="7" name="矩形 6"/>
+          <p:cNvSpPr/>
+          <p:nvPr/>
+        </p:nvSpPr>
+        <p:spPr>
+          <a:xfrm>
+            <a:off x="4572000" y="1978886"/>
+            <a:ext cx="1440000" cy="540000"/>
+          </a:xfrm>
+          <a:prstGeom prst="rect">
+            <a:avLst/>
+          </a:prstGeom>
+        </p:spPr>
+        <p:style>
+          <a:lnRef idx="2">
+            <a:schemeClr val="accent6">
+              <a:shade val="50000"/>
+            </a:schemeClr>
+          </a:lnRef>
+          <a:fillRef idx="1">
+            <a:schemeClr val="accent6"/>
+          </a:fillRef>
+          <a:effectRef idx="0">
+            <a:schemeClr val="accent6"/>
+          </a:effectRef>
+          <a:fontRef idx="minor">
+            <a:schemeClr val="lt1"/>
+          </a:fontRef>
+        </p:style>
+        <p:txBody>
+          <a:bodyPr rtlCol="0" anchor="ctr"/>
+          <a:lstStyle/>
+          <a:p>
+            <a:pPr algn="ctr"/>
+            <a:r>
+              <a:rPr lang="en-US" altLang="zh-TW" dirty="0"/>
+              <a:t>Module </a:t>
+            </a:r>
+            <a:r>
+              <a:rPr lang="en-US" altLang="zh-TW" dirty="0" smtClean="0"/>
+              <a:t>C</a:t>
+            </a:r>
+            <a:endParaRPr lang="zh-TW" altLang="en-US" dirty="0"/>
+          </a:p>
+        </p:txBody>
+      </p:sp>
+      <p:sp>
+        <p:nvSpPr>
+          <p:cNvPr id="8" name="矩形 7"/>
+          <p:cNvSpPr/>
+          <p:nvPr/>
+        </p:nvSpPr>
+        <p:spPr>
+          <a:xfrm>
+            <a:off x="1836600" y="2971800"/>
+            <a:ext cx="1440000" cy="540000"/>
+          </a:xfrm>
+          <a:prstGeom prst="rect">
+            <a:avLst/>
+          </a:prstGeom>
+        </p:spPr>
+        <p:style>
+          <a:lnRef idx="0">
+            <a:schemeClr val="accent2"/>
+          </a:lnRef>
+          <a:fillRef idx="3">
+            <a:schemeClr val="accent2"/>
+          </a:fillRef>
+          <a:effectRef idx="3">
+            <a:schemeClr val="accent2"/>
+          </a:effectRef>
+          <a:fontRef idx="minor">
+            <a:schemeClr val="lt1"/>
+          </a:fontRef>
+        </p:style>
+        <p:txBody>
+          <a:bodyPr rtlCol="0" anchor="ctr"/>
+          <a:lstStyle/>
+          <a:p>
+            <a:pPr algn="ctr"/>
+            <a:r>
+              <a:rPr lang="en-US" altLang="zh-TW" dirty="0"/>
+              <a:t>Module </a:t>
+            </a:r>
+            <a:r>
+              <a:rPr lang="en-US" altLang="zh-TW" dirty="0" smtClean="0"/>
+              <a:t>D</a:t>
+            </a:r>
+            <a:endParaRPr lang="zh-TW" altLang="en-US" dirty="0"/>
+          </a:p>
+        </p:txBody>
+      </p:sp>
+      <p:sp>
+        <p:nvSpPr>
+          <p:cNvPr id="9" name="矩形 8"/>
+          <p:cNvSpPr/>
+          <p:nvPr/>
+        </p:nvSpPr>
+        <p:spPr>
+          <a:xfrm>
+            <a:off x="5478600" y="2971800"/>
+            <a:ext cx="1440000" cy="540000"/>
+          </a:xfrm>
+          <a:prstGeom prst="rect">
+            <a:avLst/>
+          </a:prstGeom>
+        </p:spPr>
+        <p:style>
+          <a:lnRef idx="0">
+            <a:schemeClr val="accent2"/>
+          </a:lnRef>
+          <a:fillRef idx="3">
+            <a:schemeClr val="accent2"/>
+          </a:fillRef>
+          <a:effectRef idx="3">
+            <a:schemeClr val="accent2"/>
+          </a:effectRef>
+          <a:fontRef idx="minor">
+            <a:schemeClr val="lt1"/>
+          </a:fontRef>
+        </p:style>
+        <p:txBody>
+          <a:bodyPr rtlCol="0" anchor="ctr"/>
+          <a:lstStyle/>
+          <a:p>
+            <a:pPr algn="ctr"/>
+            <a:r>
+              <a:rPr lang="en-US" altLang="zh-TW" dirty="0"/>
+              <a:t>Module </a:t>
+            </a:r>
+            <a:r>
+              <a:rPr lang="en-US" altLang="zh-TW" dirty="0" smtClean="0"/>
+              <a:t>F</a:t>
+            </a:r>
+            <a:endParaRPr lang="zh-TW" altLang="en-US" dirty="0"/>
+          </a:p>
+        </p:txBody>
+      </p:sp>
+      <p:sp>
+        <p:nvSpPr>
+          <p:cNvPr id="10" name="矩形 9"/>
+          <p:cNvSpPr/>
+          <p:nvPr/>
+        </p:nvSpPr>
+        <p:spPr>
+          <a:xfrm>
+            <a:off x="3657600" y="2971800"/>
+            <a:ext cx="1440000" cy="540000"/>
+          </a:xfrm>
+          <a:prstGeom prst="rect">
+            <a:avLst/>
+          </a:prstGeom>
+        </p:spPr>
+        <p:style>
+          <a:lnRef idx="0">
+            <a:schemeClr val="accent2"/>
+          </a:lnRef>
+          <a:fillRef idx="3">
+            <a:schemeClr val="accent2"/>
+          </a:fillRef>
+          <a:effectRef idx="3">
+            <a:schemeClr val="accent2"/>
+          </a:effectRef>
+          <a:fontRef idx="minor">
+            <a:schemeClr val="lt1"/>
+          </a:fontRef>
+        </p:style>
+        <p:txBody>
+          <a:bodyPr rtlCol="0" anchor="ctr"/>
+          <a:lstStyle/>
+          <a:p>
+            <a:pPr algn="ctr"/>
+            <a:r>
+              <a:rPr lang="en-US" altLang="zh-TW" dirty="0"/>
+              <a:t>Module E</a:t>
+            </a:r>
+            <a:endParaRPr lang="zh-TW" altLang="en-US" dirty="0"/>
+          </a:p>
+        </p:txBody>
+      </p:sp>
+      <p:sp>
+        <p:nvSpPr>
+          <p:cNvPr id="11" name="矩形 10"/>
+          <p:cNvSpPr/>
+          <p:nvPr/>
+        </p:nvSpPr>
+        <p:spPr>
+          <a:xfrm>
+            <a:off x="1836600" y="3954328"/>
+            <a:ext cx="1440000" cy="540000"/>
+          </a:xfrm>
+          <a:prstGeom prst="rect">
+            <a:avLst/>
+          </a:prstGeom>
+        </p:spPr>
+        <p:style>
+          <a:lnRef idx="0">
+            <a:schemeClr val="accent5"/>
+          </a:lnRef>
+          <a:fillRef idx="3">
+            <a:schemeClr val="accent5"/>
+          </a:fillRef>
+          <a:effectRef idx="3">
+            <a:schemeClr val="accent5"/>
+          </a:effectRef>
+          <a:fontRef idx="minor">
+            <a:schemeClr val="lt1"/>
+          </a:fontRef>
+        </p:style>
+        <p:txBody>
+          <a:bodyPr rtlCol="0" anchor="ctr"/>
+          <a:lstStyle/>
+          <a:p>
+            <a:pPr algn="ctr"/>
+            <a:r>
+              <a:rPr lang="en-US" altLang="zh-TW" dirty="0" smtClean="0"/>
+              <a:t>Application</a:t>
+            </a:r>
+            <a:endParaRPr lang="zh-TW" altLang="en-US" dirty="0"/>
+          </a:p>
+        </p:txBody>
+      </p:sp>
+      <p:sp>
+        <p:nvSpPr>
+          <p:cNvPr id="12" name="矩形 11"/>
+          <p:cNvSpPr/>
+          <p:nvPr/>
+        </p:nvSpPr>
+        <p:spPr>
+          <a:xfrm>
+            <a:off x="4572000" y="3964714"/>
+            <a:ext cx="1440000" cy="540000"/>
+          </a:xfrm>
+          <a:prstGeom prst="rect">
+            <a:avLst/>
+          </a:prstGeom>
+        </p:spPr>
+        <p:style>
+          <a:lnRef idx="0">
+            <a:schemeClr val="accent5"/>
+          </a:lnRef>
+          <a:fillRef idx="3">
+            <a:schemeClr val="accent5"/>
+          </a:fillRef>
+          <a:effectRef idx="3">
+            <a:schemeClr val="accent5"/>
+          </a:effectRef>
+          <a:fontRef idx="minor">
+            <a:schemeClr val="lt1"/>
+          </a:fontRef>
+        </p:style>
+        <p:txBody>
+          <a:bodyPr rtlCol="0" anchor="ctr"/>
+          <a:lstStyle/>
+          <a:p>
+            <a:pPr algn="ctr"/>
+            <a:r>
+              <a:rPr lang="en-US" altLang="zh-TW" dirty="0" smtClean="0"/>
+              <a:t>Website</a:t>
+            </a:r>
+            <a:endParaRPr lang="zh-TW" altLang="en-US" dirty="0"/>
+          </a:p>
+        </p:txBody>
+      </p:sp>
+      <p:cxnSp>
+        <p:nvCxnSpPr>
+          <p:cNvPr id="14" name="肘形接點 13"/>
+          <p:cNvCxnSpPr>
+            <a:stCxn id="6" idx="0"/>
+            <a:endCxn id="5" idx="2"/>
+          </p:cNvCxnSpPr>
+          <p:nvPr/>
+        </p:nvCxnSpPr>
+        <p:spPr>
+          <a:xfrm rot="5400000" flipH="1" flipV="1">
+            <a:off x="3707539" y="1294061"/>
+            <a:ext cx="433522" cy="906600"/>
+          </a:xfrm>
+          <a:prstGeom prst="bentConnector3">
+            <a:avLst/>
+          </a:prstGeom>
+          <a:ln w="19050">
+            <a:solidFill>
+              <a:schemeClr val="tx1"/>
+            </a:solidFill>
+            <a:prstDash val="sysDash"/>
+            <a:headEnd type="none" w="med" len="med"/>
+            <a:tailEnd type="arrow" w="med" len="med"/>
+          </a:ln>
+        </p:spPr>
+        <p:style>
+          <a:lnRef idx="1">
+            <a:schemeClr val="accent1"/>
+          </a:lnRef>
+          <a:fillRef idx="0">
+            <a:schemeClr val="accent1"/>
+          </a:fillRef>
+          <a:effectRef idx="0">
+            <a:schemeClr val="accent1"/>
+          </a:effectRef>
+          <a:fontRef idx="minor">
+            <a:schemeClr val="tx1"/>
+          </a:fontRef>
+        </p:style>
+      </p:cxnSp>
+      <p:cxnSp>
+        <p:nvCxnSpPr>
+          <p:cNvPr id="16" name="肘形接點 15"/>
+          <p:cNvCxnSpPr>
+            <a:stCxn id="7" idx="0"/>
+            <a:endCxn id="5" idx="2"/>
+          </p:cNvCxnSpPr>
+          <p:nvPr/>
+        </p:nvCxnSpPr>
+        <p:spPr>
+          <a:xfrm rot="16200000" flipV="1">
+            <a:off x="4610657" y="1297543"/>
+            <a:ext cx="448286" cy="914400"/>
+          </a:xfrm>
+          <a:prstGeom prst="bentConnector3">
+            <a:avLst>
+              <a:gd name="adj1" fmla="val 52125"/>
+            </a:avLst>
+          </a:prstGeom>
+          <a:ln w="19050">
+            <a:solidFill>
+              <a:schemeClr val="tx1"/>
+            </a:solidFill>
+            <a:prstDash val="sysDash"/>
+            <a:headEnd type="none" w="med" len="med"/>
+            <a:tailEnd type="arrow" w="med" len="med"/>
+          </a:ln>
+        </p:spPr>
+        <p:style>
+          <a:lnRef idx="1">
+            <a:schemeClr val="accent1"/>
+          </a:lnRef>
+          <a:fillRef idx="0">
+            <a:schemeClr val="accent1"/>
+          </a:fillRef>
+          <a:effectRef idx="0">
+            <a:schemeClr val="accent1"/>
+          </a:effectRef>
+          <a:fontRef idx="minor">
+            <a:schemeClr val="tx1"/>
+          </a:fontRef>
+        </p:style>
+      </p:cxnSp>
+      <p:cxnSp>
+        <p:nvCxnSpPr>
+          <p:cNvPr id="18" name="肘形接點 17"/>
+          <p:cNvCxnSpPr>
+            <a:stCxn id="8" idx="0"/>
+            <a:endCxn id="6" idx="2"/>
+          </p:cNvCxnSpPr>
+          <p:nvPr/>
+        </p:nvCxnSpPr>
+        <p:spPr>
+          <a:xfrm rot="5400000" flipH="1" flipV="1">
+            <a:off x="2779961" y="2280761"/>
+            <a:ext cx="467678" cy="914400"/>
+          </a:xfrm>
+          <a:prstGeom prst="bentConnector3">
+            <a:avLst/>
+          </a:prstGeom>
+          <a:ln w="19050">
+            <a:solidFill>
+              <a:schemeClr val="tx1"/>
+            </a:solidFill>
+            <a:prstDash val="sysDash"/>
+            <a:headEnd type="none" w="med" len="med"/>
+            <a:tailEnd type="arrow" w="med" len="med"/>
+          </a:ln>
+        </p:spPr>
+        <p:style>
+          <a:lnRef idx="1">
+            <a:schemeClr val="accent1"/>
+          </a:lnRef>
+          <a:fillRef idx="0">
+            <a:schemeClr val="accent1"/>
+          </a:fillRef>
+          <a:effectRef idx="0">
+            <a:schemeClr val="accent1"/>
+          </a:effectRef>
+          <a:fontRef idx="minor">
+            <a:schemeClr val="tx1"/>
+          </a:fontRef>
+        </p:style>
+      </p:cxnSp>
+      <p:cxnSp>
+        <p:nvCxnSpPr>
+          <p:cNvPr id="20" name="肘形接點 19"/>
+          <p:cNvCxnSpPr>
+            <a:stCxn id="10" idx="0"/>
+            <a:endCxn id="6" idx="2"/>
+          </p:cNvCxnSpPr>
+          <p:nvPr/>
+        </p:nvCxnSpPr>
+        <p:spPr>
+          <a:xfrm rot="16200000" flipV="1">
+            <a:off x="3690461" y="2284661"/>
+            <a:ext cx="467678" cy="906600"/>
+          </a:xfrm>
+          <a:prstGeom prst="bentConnector3">
+            <a:avLst/>
+          </a:prstGeom>
+          <a:ln w="19050">
+            <a:solidFill>
+              <a:schemeClr val="tx1"/>
+            </a:solidFill>
+            <a:prstDash val="sysDash"/>
+            <a:headEnd type="none" w="med" len="med"/>
+            <a:tailEnd type="arrow" w="med" len="med"/>
+          </a:ln>
+        </p:spPr>
+        <p:style>
+          <a:lnRef idx="1">
+            <a:schemeClr val="accent1"/>
+          </a:lnRef>
+          <a:fillRef idx="0">
+            <a:schemeClr val="accent1"/>
+          </a:fillRef>
+          <a:effectRef idx="0">
+            <a:schemeClr val="accent1"/>
+          </a:effectRef>
+          <a:fontRef idx="minor">
+            <a:schemeClr val="tx1"/>
+          </a:fontRef>
+        </p:style>
+      </p:cxnSp>
+      <p:cxnSp>
+        <p:nvCxnSpPr>
+          <p:cNvPr id="22" name="肘形接點 21"/>
+          <p:cNvCxnSpPr>
+            <a:stCxn id="9" idx="0"/>
+            <a:endCxn id="7" idx="2"/>
+          </p:cNvCxnSpPr>
+          <p:nvPr/>
+        </p:nvCxnSpPr>
+        <p:spPr>
+          <a:xfrm rot="16200000" flipV="1">
+            <a:off x="5518843" y="2292043"/>
+            <a:ext cx="452914" cy="906600"/>
+          </a:xfrm>
+          <a:prstGeom prst="bentConnector3">
+            <a:avLst/>
+          </a:prstGeom>
+          <a:ln w="19050">
+            <a:solidFill>
+              <a:schemeClr val="tx1"/>
+            </a:solidFill>
+            <a:prstDash val="sysDash"/>
+            <a:headEnd type="none" w="med" len="med"/>
+            <a:tailEnd type="arrow" w="med" len="med"/>
+          </a:ln>
+        </p:spPr>
+        <p:style>
+          <a:lnRef idx="1">
+            <a:schemeClr val="accent1"/>
+          </a:lnRef>
+          <a:fillRef idx="0">
+            <a:schemeClr val="accent1"/>
+          </a:fillRef>
+          <a:effectRef idx="0">
+            <a:schemeClr val="accent1"/>
+          </a:effectRef>
+          <a:fontRef idx="minor">
+            <a:schemeClr val="tx1"/>
+          </a:fontRef>
+        </p:style>
+      </p:cxnSp>
+      <p:cxnSp>
+        <p:nvCxnSpPr>
+          <p:cNvPr id="24" name="肘形接點 23"/>
+          <p:cNvCxnSpPr>
+            <a:stCxn id="12" idx="0"/>
+            <a:endCxn id="9" idx="2"/>
+          </p:cNvCxnSpPr>
+          <p:nvPr/>
+        </p:nvCxnSpPr>
+        <p:spPr>
+          <a:xfrm rot="5400000" flipH="1" flipV="1">
+            <a:off x="5518843" y="3284957"/>
+            <a:ext cx="452914" cy="906600"/>
+          </a:xfrm>
+          <a:prstGeom prst="bentConnector3">
+            <a:avLst/>
+          </a:prstGeom>
+          <a:ln w="19050">
+            <a:solidFill>
+              <a:schemeClr val="tx1"/>
+            </a:solidFill>
+            <a:prstDash val="sysDash"/>
+            <a:headEnd type="none" w="med" len="med"/>
+            <a:tailEnd type="arrow" w="med" len="med"/>
+          </a:ln>
+        </p:spPr>
+        <p:style>
+          <a:lnRef idx="1">
+            <a:schemeClr val="accent1"/>
+          </a:lnRef>
+          <a:fillRef idx="0">
+            <a:schemeClr val="accent1"/>
+          </a:fillRef>
+          <a:effectRef idx="0">
+            <a:schemeClr val="accent1"/>
+          </a:effectRef>
+          <a:fontRef idx="minor">
+            <a:schemeClr val="tx1"/>
+          </a:fontRef>
+        </p:style>
+      </p:cxnSp>
+      <p:cxnSp>
+        <p:nvCxnSpPr>
+          <p:cNvPr id="30" name="肘形接點 29"/>
+          <p:cNvCxnSpPr>
+            <a:stCxn id="12" idx="0"/>
+            <a:endCxn id="10" idx="2"/>
+          </p:cNvCxnSpPr>
+          <p:nvPr/>
+        </p:nvCxnSpPr>
+        <p:spPr>
+          <a:xfrm rot="16200000" flipV="1">
+            <a:off x="4608343" y="3281057"/>
+            <a:ext cx="452914" cy="914400"/>
+          </a:xfrm>
+          <a:prstGeom prst="bentConnector3">
+            <a:avLst/>
+          </a:prstGeom>
+          <a:ln w="19050">
+            <a:solidFill>
+              <a:schemeClr val="tx1"/>
+            </a:solidFill>
+            <a:prstDash val="sysDash"/>
+            <a:headEnd type="none" w="med" len="med"/>
+            <a:tailEnd type="arrow" w="med" len="med"/>
+          </a:ln>
+        </p:spPr>
+        <p:style>
+          <a:lnRef idx="1">
+            <a:schemeClr val="accent1"/>
+          </a:lnRef>
+          <a:fillRef idx="0">
+            <a:schemeClr val="accent1"/>
+          </a:fillRef>
+          <a:effectRef idx="0">
+            <a:schemeClr val="accent1"/>
+          </a:effectRef>
+          <a:fontRef idx="minor">
+            <a:schemeClr val="tx1"/>
+          </a:fontRef>
+        </p:style>
+      </p:cxnSp>
+      <p:cxnSp>
+        <p:nvCxnSpPr>
+          <p:cNvPr id="61" name="直線單箭頭接點 60"/>
+          <p:cNvCxnSpPr>
+            <a:stCxn id="11" idx="0"/>
+            <a:endCxn id="8" idx="2"/>
+          </p:cNvCxnSpPr>
+          <p:nvPr/>
+        </p:nvCxnSpPr>
+        <p:spPr>
+          <a:xfrm flipV="1">
+            <a:off x="2556600" y="3511800"/>
+            <a:ext cx="0" cy="442528"/>
+          </a:xfrm>
+          <a:prstGeom prst="straightConnector1">
+            <a:avLst/>
+          </a:prstGeom>
+          <a:ln w="19050">
+            <a:solidFill>
+              <a:schemeClr val="tx1"/>
+            </a:solidFill>
+            <a:prstDash val="sysDash"/>
+            <a:headEnd type="none" w="med" len="med"/>
+            <a:tailEnd type="arrow" w="med" len="med"/>
+          </a:ln>
+        </p:spPr>
+        <p:style>
+          <a:lnRef idx="1">
+            <a:schemeClr val="accent1"/>
+          </a:lnRef>
+          <a:fillRef idx="0">
+            <a:schemeClr val="accent1"/>
+          </a:fillRef>
+          <a:effectRef idx="0">
+            <a:schemeClr val="accent1"/>
+          </a:effectRef>
+          <a:fontRef idx="minor">
+            <a:schemeClr val="tx1"/>
+          </a:fontRef>
+        </p:style>
+      </p:cxnSp>
+    </p:spTree>
+    <p:extLst>
+      <p:ext uri="{BB962C8B-B14F-4D97-AF65-F5344CB8AC3E}">
+        <p14:creationId xmlns:p14="http://schemas.microsoft.com/office/powerpoint/2010/main" val="2387380010"/>
+      </p:ext>
+    </p:extLst>
+  </p:cSld>
+  <p:clrMapOvr>
+    <a:masterClrMapping/>
+  </p:clrMapOvr>
+  <p:timing>
+    <p:tnLst>
+      <p:par>
+        <p:cTn id="1" dur="indefinite" restart="never" nodeType="tmRoot"/>
+      </p:par>
+    </p:tnLst>
+  </p:timing>
+</p:sld>
+</file>
+
 <file path=ppt/slides/slide3.xml><?xml version="1.0" encoding="utf-8"?>
 <p:sld xmlns:a="http://schemas.openxmlformats.org/drawingml/2006/main" xmlns:r="http://schemas.openxmlformats.org/officeDocument/2006/relationships" xmlns:p="http://schemas.openxmlformats.org/presentationml/2006/main">
   <p:cSld>
@@ -32530,6 +33254,15 @@
 </file>
 
 <file path=customXml/item1.xml><?xml version="1.0" encoding="utf-8"?>
+<?mso-contentType ?>
+<FormTemplates xmlns="http://schemas.microsoft.com/sharepoint/v3/contenttype/forms">
+  <Display>DocumentLibraryForm</Display>
+  <Edit>DocumentLibraryForm</Edit>
+  <New>DocumentLibraryForm</New>
+</FormTemplates>
+</file>
+
+<file path=customXml/item2.xml><?xml version="1.0" encoding="utf-8"?>
 <ct:contentTypeSchema xmlns:ct="http://schemas.microsoft.com/office/2006/metadata/contentType" xmlns:ma="http://schemas.microsoft.com/office/2006/metadata/properties/metaAttributes" ct:_="" ma:_="" ma:contentTypeName="Document" ma:contentTypeID="0x0101000AA0115B54226D469CC0FAAE38E5F61C" ma:contentTypeVersion="3" ma:contentTypeDescription="Create a new document." ma:contentTypeScope="" ma:versionID="0ae424bb0065d3a2a055b165aca25ec5">
   <xsd:schema xmlns:xsd="http://www.w3.org/2001/XMLSchema" xmlns:p="http://schemas.microsoft.com/office/2006/metadata/properties" targetNamespace="http://schemas.microsoft.com/office/2006/metadata/properties" ma:root="true" ma:fieldsID="4aeb20c0e3442673af7ee10786458764">
     <xsd:element name="properties">
@@ -32578,15 +33311,6 @@
 </ct:contentTypeSchema>
 </file>
 
-<file path=customXml/item2.xml><?xml version="1.0" encoding="utf-8"?>
-<?mso-contentType ?>
-<FormTemplates xmlns="http://schemas.microsoft.com/sharepoint/v3/contenttype/forms">
-  <Display>DocumentLibraryForm</Display>
-  <Edit>DocumentLibraryForm</Edit>
-  <New>DocumentLibraryForm</New>
-</FormTemplates>
-</file>
-
 <file path=customXml/item3.xml><?xml version="1.0" encoding="utf-8"?>
 <p:properties xmlns:p="http://schemas.microsoft.com/office/2006/metadata/properties" xmlns:xsi="http://www.w3.org/2001/XMLSchema-instance">
   <documentManagement/>
@@ -32594,6 +33318,14 @@
 </file>
 
 <file path=customXml/itemProps1.xml><?xml version="1.0" encoding="utf-8"?>
+<ds:datastoreItem xmlns:ds="http://schemas.openxmlformats.org/officeDocument/2006/customXml" ds:itemID="{A1770BF7-49D5-46D6-8B76-1D8AF290B450}">
+  <ds:schemaRefs>
+    <ds:schemaRef ds:uri="http://schemas.microsoft.com/sharepoint/v3/contenttype/forms"/>
+  </ds:schemaRefs>
+</ds:datastoreItem>
+</file>
+
+<file path=customXml/itemProps2.xml><?xml version="1.0" encoding="utf-8"?>
 <ds:datastoreItem xmlns:ds="http://schemas.openxmlformats.org/officeDocument/2006/customXml" ds:itemID="{FE6BB287-9CB7-4AA6-A5A5-8D1CE03643F3}">
   <ds:schemaRefs>
     <ds:schemaRef ds:uri="http://schemas.microsoft.com/office/2006/metadata/contentType"/>
@@ -32604,14 +33336,6 @@
     <ds:schemaRef ds:uri="http://purl.org/dc/elements/1.1/"/>
     <ds:schemaRef ds:uri="http://purl.org/dc/terms/"/>
     <ds:schemaRef ds:uri="http://schemas.microsoft.com/office/internal/2005/internalDocumentation"/>
-  </ds:schemaRefs>
-</ds:datastoreItem>
-</file>
-
-<file path=customXml/itemProps2.xml><?xml version="1.0" encoding="utf-8"?>
-<ds:datastoreItem xmlns:ds="http://schemas.openxmlformats.org/officeDocument/2006/customXml" ds:itemID="{A1770BF7-49D5-46D6-8B76-1D8AF290B450}">
-  <ds:schemaRefs>
-    <ds:schemaRef ds:uri="http://schemas.microsoft.com/sharepoint/v3/contenttype/forms"/>
   </ds:schemaRefs>
 </ds:datastoreItem>
 </file>

--- a/source/_assets/Blog動畫.pptx
+++ b/source/_assets/Blog動畫.pptx
@@ -5,10 +5,10 @@
     <p:sldMasterId id="2147483752" r:id="rId4"/>
   </p:sldMasterIdLst>
   <p:notesMasterIdLst>
-    <p:notesMasterId r:id="rId28"/>
+    <p:notesMasterId r:id="rId29"/>
   </p:notesMasterIdLst>
   <p:handoutMasterIdLst>
-    <p:handoutMasterId r:id="rId29"/>
+    <p:handoutMasterId r:id="rId30"/>
   </p:handoutMasterIdLst>
   <p:sldIdLst>
     <p:sldId id="315" r:id="rId5"/>
@@ -34,6 +34,7 @@
     <p:sldId id="335" r:id="rId25"/>
     <p:sldId id="336" r:id="rId26"/>
     <p:sldId id="337" r:id="rId27"/>
+    <p:sldId id="338" r:id="rId28"/>
   </p:sldIdLst>
   <p:sldSz cx="12192000" cy="6858000"/>
   <p:notesSz cx="7099300" cy="10234613"/>
@@ -248,7 +249,7 @@
             <a:fld id="{3CDD3A71-4C75-488C-A8F3-A1F163ED0DB9}" type="datetimeFigureOut">
               <a:rPr lang="en-US" smtClean="0"/>
               <a:pPr/>
-              <a:t>9/21/2017</a:t>
+              <a:t>11/6/2017</a:t>
             </a:fld>
             <a:endParaRPr lang="en-US" dirty="0"/>
           </a:p>
@@ -416,7 +417,7 @@
             <a:fld id="{523CC419-8FB3-4D1C-8127-E63C1A13459D}" type="datetimeFigureOut">
               <a:rPr lang="en-US" smtClean="0"/>
               <a:pPr/>
-              <a:t>9/21/2017</a:t>
+              <a:t>11/6/2017</a:t>
             </a:fld>
             <a:endParaRPr lang="en-US" dirty="0"/>
           </a:p>
@@ -819,7 +820,7 @@
           <a:p>
             <a:fld id="{237FF733-248C-4CF7-A090-89CF012E357B}" type="datetimeFigureOut">
               <a:rPr lang="zh-TW" altLang="en-US" smtClean="0"/>
-              <a:t>2017/9/21</a:t>
+              <a:t>2017/11/6</a:t>
             </a:fld>
             <a:endParaRPr lang="zh-TW" altLang="en-US"/>
           </a:p>
@@ -990,7 +991,7 @@
           <a:p>
             <a:fld id="{237FF733-248C-4CF7-A090-89CF012E357B}" type="datetimeFigureOut">
               <a:rPr lang="zh-TW" altLang="en-US" smtClean="0"/>
-              <a:t>2017/9/21</a:t>
+              <a:t>2017/11/6</a:t>
             </a:fld>
             <a:endParaRPr lang="zh-TW" altLang="en-US"/>
           </a:p>
@@ -1171,7 +1172,7 @@
           <a:p>
             <a:fld id="{237FF733-248C-4CF7-A090-89CF012E357B}" type="datetimeFigureOut">
               <a:rPr lang="zh-TW" altLang="en-US" smtClean="0"/>
-              <a:t>2017/9/21</a:t>
+              <a:t>2017/11/6</a:t>
             </a:fld>
             <a:endParaRPr lang="zh-TW" altLang="en-US"/>
           </a:p>
@@ -1342,7 +1343,7 @@
           <a:p>
             <a:fld id="{237FF733-248C-4CF7-A090-89CF012E357B}" type="datetimeFigureOut">
               <a:rPr lang="zh-TW" altLang="en-US" smtClean="0"/>
-              <a:t>2017/9/21</a:t>
+              <a:t>2017/11/6</a:t>
             </a:fld>
             <a:endParaRPr lang="zh-TW" altLang="en-US"/>
           </a:p>
@@ -1589,7 +1590,7 @@
           <a:p>
             <a:fld id="{237FF733-248C-4CF7-A090-89CF012E357B}" type="datetimeFigureOut">
               <a:rPr lang="zh-TW" altLang="en-US" smtClean="0"/>
-              <a:t>2017/9/21</a:t>
+              <a:t>2017/11/6</a:t>
             </a:fld>
             <a:endParaRPr lang="zh-TW" altLang="en-US"/>
           </a:p>
@@ -1822,7 +1823,7 @@
           <a:p>
             <a:fld id="{237FF733-248C-4CF7-A090-89CF012E357B}" type="datetimeFigureOut">
               <a:rPr lang="zh-TW" altLang="en-US" smtClean="0"/>
-              <a:t>2017/9/21</a:t>
+              <a:t>2017/11/6</a:t>
             </a:fld>
             <a:endParaRPr lang="zh-TW" altLang="en-US"/>
           </a:p>
@@ -2190,7 +2191,7 @@
           <a:p>
             <a:fld id="{237FF733-248C-4CF7-A090-89CF012E357B}" type="datetimeFigureOut">
               <a:rPr lang="zh-TW" altLang="en-US" smtClean="0"/>
-              <a:t>2017/9/21</a:t>
+              <a:t>2017/11/6</a:t>
             </a:fld>
             <a:endParaRPr lang="zh-TW" altLang="en-US"/>
           </a:p>
@@ -2309,7 +2310,7 @@
           <a:p>
             <a:fld id="{237FF733-248C-4CF7-A090-89CF012E357B}" type="datetimeFigureOut">
               <a:rPr lang="zh-TW" altLang="en-US" smtClean="0"/>
-              <a:t>2017/9/21</a:t>
+              <a:t>2017/11/6</a:t>
             </a:fld>
             <a:endParaRPr lang="zh-TW" altLang="en-US"/>
           </a:p>
@@ -2405,7 +2406,7 @@
           <a:p>
             <a:fld id="{237FF733-248C-4CF7-A090-89CF012E357B}" type="datetimeFigureOut">
               <a:rPr lang="zh-TW" altLang="en-US" smtClean="0"/>
-              <a:t>2017/9/21</a:t>
+              <a:t>2017/11/6</a:t>
             </a:fld>
             <a:endParaRPr lang="zh-TW" altLang="en-US"/>
           </a:p>
@@ -2683,7 +2684,7 @@
           <a:p>
             <a:fld id="{237FF733-248C-4CF7-A090-89CF012E357B}" type="datetimeFigureOut">
               <a:rPr lang="zh-TW" altLang="en-US" smtClean="0"/>
-              <a:t>2017/9/21</a:t>
+              <a:t>2017/11/6</a:t>
             </a:fld>
             <a:endParaRPr lang="zh-TW" altLang="en-US"/>
           </a:p>
@@ -2941,7 +2942,7 @@
           <a:p>
             <a:fld id="{237FF733-248C-4CF7-A090-89CF012E357B}" type="datetimeFigureOut">
               <a:rPr lang="zh-TW" altLang="en-US" smtClean="0"/>
-              <a:t>2017/9/21</a:t>
+              <a:t>2017/11/6</a:t>
             </a:fld>
             <a:endParaRPr lang="zh-TW" altLang="en-US"/>
           </a:p>
@@ -3155,7 +3156,7 @@
           <a:p>
             <a:fld id="{237FF733-248C-4CF7-A090-89CF012E357B}" type="datetimeFigureOut">
               <a:rPr lang="zh-TW" altLang="en-US" smtClean="0"/>
-              <a:t>2017/9/21</a:t>
+              <a:t>2017/11/6</a:t>
             </a:fld>
             <a:endParaRPr lang="zh-TW" altLang="en-US"/>
           </a:p>
@@ -23072,6 +23073,1052 @@
 </p:sld>
 </file>
 
+<file path=ppt/slides/slide24.xml><?xml version="1.0" encoding="utf-8"?>
+<p:sld xmlns:a="http://schemas.openxmlformats.org/drawingml/2006/main" xmlns:r="http://schemas.openxmlformats.org/officeDocument/2006/relationships" xmlns:p="http://schemas.openxmlformats.org/presentationml/2006/main">
+  <p:cSld>
+    <p:spTree>
+      <p:nvGrpSpPr>
+        <p:cNvPr id="1" name=""/>
+        <p:cNvGrpSpPr/>
+        <p:nvPr/>
+      </p:nvGrpSpPr>
+      <p:grpSpPr>
+        <a:xfrm>
+          <a:off x="0" y="0"/>
+          <a:ext cx="0" cy="0"/>
+          <a:chOff x="0" y="0"/>
+          <a:chExt cx="0" cy="0"/>
+        </a:xfrm>
+      </p:grpSpPr>
+      <p:sp>
+        <p:nvSpPr>
+          <p:cNvPr id="58" name="矩形 57"/>
+          <p:cNvSpPr/>
+          <p:nvPr/>
+        </p:nvSpPr>
+        <p:spPr>
+          <a:xfrm>
+            <a:off x="1600200" y="1758008"/>
+            <a:ext cx="3330598" cy="720000"/>
+          </a:xfrm>
+          <a:prstGeom prst="rect">
+            <a:avLst/>
+          </a:prstGeom>
+        </p:spPr>
+        <p:style>
+          <a:lnRef idx="1">
+            <a:schemeClr val="accent6"/>
+          </a:lnRef>
+          <a:fillRef idx="3">
+            <a:schemeClr val="accent6"/>
+          </a:fillRef>
+          <a:effectRef idx="2">
+            <a:schemeClr val="accent6"/>
+          </a:effectRef>
+          <a:fontRef idx="minor">
+            <a:schemeClr val="lt1"/>
+          </a:fontRef>
+        </p:style>
+        <p:txBody>
+          <a:bodyPr rtlCol="0" anchor="ctr"/>
+          <a:lstStyle/>
+          <a:p>
+            <a:r>
+              <a:rPr lang="en-US" altLang="zh-TW" sz="1600" b="1" dirty="0"/>
+              <a:t>Presentation </a:t>
+            </a:r>
+            <a:r>
+              <a:rPr lang="en-US" altLang="zh-TW" sz="1600" b="1" dirty="0" smtClean="0"/>
+              <a:t>Layer</a:t>
+            </a:r>
+            <a:endParaRPr lang="en-US" altLang="zh-TW" sz="1600" dirty="0"/>
+          </a:p>
+        </p:txBody>
+      </p:sp>
+      <p:sp>
+        <p:nvSpPr>
+          <p:cNvPr id="54" name="矩形 53"/>
+          <p:cNvSpPr/>
+          <p:nvPr/>
+        </p:nvSpPr>
+        <p:spPr>
+          <a:xfrm>
+            <a:off x="1585517" y="861649"/>
+            <a:ext cx="2246683" cy="720000"/>
+          </a:xfrm>
+          <a:prstGeom prst="rect">
+            <a:avLst/>
+          </a:prstGeom>
+        </p:spPr>
+        <p:style>
+          <a:lnRef idx="1">
+            <a:schemeClr val="accent3"/>
+          </a:lnRef>
+          <a:fillRef idx="3">
+            <a:schemeClr val="accent3"/>
+          </a:fillRef>
+          <a:effectRef idx="2">
+            <a:schemeClr val="accent3"/>
+          </a:effectRef>
+          <a:fontRef idx="minor">
+            <a:schemeClr val="lt1"/>
+          </a:fontRef>
+        </p:style>
+        <p:txBody>
+          <a:bodyPr rtlCol="0" anchor="ctr"/>
+          <a:lstStyle/>
+          <a:p>
+            <a:r>
+              <a:rPr lang="en-US" altLang="zh-TW" sz="1600" b="1" dirty="0" smtClean="0"/>
+              <a:t>Users</a:t>
+            </a:r>
+            <a:endParaRPr lang="en-US" altLang="zh-TW" sz="1600" dirty="0"/>
+          </a:p>
+        </p:txBody>
+      </p:sp>
+      <p:sp>
+        <p:nvSpPr>
+          <p:cNvPr id="3" name="矩形 2"/>
+          <p:cNvSpPr/>
+          <p:nvPr/>
+        </p:nvSpPr>
+        <p:spPr>
+          <a:xfrm>
+            <a:off x="533400" y="-3840701"/>
+            <a:ext cx="7634668" cy="4294501"/>
+          </a:xfrm>
+          <a:prstGeom prst="rect">
+            <a:avLst/>
+          </a:prstGeom>
+        </p:spPr>
+        <p:style>
+          <a:lnRef idx="2">
+            <a:schemeClr val="dk1">
+              <a:shade val="50000"/>
+            </a:schemeClr>
+          </a:lnRef>
+          <a:fillRef idx="1">
+            <a:schemeClr val="dk1"/>
+          </a:fillRef>
+          <a:effectRef idx="0">
+            <a:schemeClr val="dk1"/>
+          </a:effectRef>
+          <a:fontRef idx="minor">
+            <a:schemeClr val="lt1"/>
+          </a:fontRef>
+        </p:style>
+        <p:txBody>
+          <a:bodyPr rtlCol="0" anchor="ctr"/>
+          <a:lstStyle/>
+          <a:p>
+            <a:pPr algn="ctr"/>
+            <a:endParaRPr lang="zh-TW" altLang="en-US"/>
+          </a:p>
+        </p:txBody>
+      </p:sp>
+      <p:sp>
+        <p:nvSpPr>
+          <p:cNvPr id="13" name="矩形 12"/>
+          <p:cNvSpPr/>
+          <p:nvPr/>
+        </p:nvSpPr>
+        <p:spPr>
+          <a:xfrm>
+            <a:off x="1600200" y="2655160"/>
+            <a:ext cx="4680000" cy="720000"/>
+          </a:xfrm>
+          <a:prstGeom prst="rect">
+            <a:avLst/>
+          </a:prstGeom>
+          <a:ln w="19050">
+            <a:solidFill>
+              <a:srgbClr val="FF0000"/>
+            </a:solidFill>
+            <a:prstDash val="dash"/>
+          </a:ln>
+        </p:spPr>
+        <p:style>
+          <a:lnRef idx="1">
+            <a:schemeClr val="accent5"/>
+          </a:lnRef>
+          <a:fillRef idx="3">
+            <a:schemeClr val="accent5"/>
+          </a:fillRef>
+          <a:effectRef idx="2">
+            <a:schemeClr val="accent5"/>
+          </a:effectRef>
+          <a:fontRef idx="minor">
+            <a:schemeClr val="lt1"/>
+          </a:fontRef>
+        </p:style>
+        <p:txBody>
+          <a:bodyPr rtlCol="0" anchor="ctr"/>
+          <a:lstStyle/>
+          <a:p>
+            <a:r>
+              <a:rPr lang="en-US" altLang="zh-TW" sz="1600" b="1" dirty="0" smtClean="0"/>
+              <a:t>Service Layer</a:t>
+            </a:r>
+            <a:endParaRPr lang="en-US" altLang="zh-TW" sz="1600" dirty="0"/>
+          </a:p>
+        </p:txBody>
+      </p:sp>
+      <p:sp>
+        <p:nvSpPr>
+          <p:cNvPr id="19" name="矩形 18"/>
+          <p:cNvSpPr/>
+          <p:nvPr/>
+        </p:nvSpPr>
+        <p:spPr>
+          <a:xfrm>
+            <a:off x="1602919" y="4495890"/>
+            <a:ext cx="4680000" cy="720000"/>
+          </a:xfrm>
+          <a:prstGeom prst="rect">
+            <a:avLst/>
+          </a:prstGeom>
+        </p:spPr>
+        <p:style>
+          <a:lnRef idx="1">
+            <a:schemeClr val="accent1"/>
+          </a:lnRef>
+          <a:fillRef idx="3">
+            <a:schemeClr val="accent1"/>
+          </a:fillRef>
+          <a:effectRef idx="2">
+            <a:schemeClr val="accent1"/>
+          </a:effectRef>
+          <a:fontRef idx="minor">
+            <a:schemeClr val="lt1"/>
+          </a:fontRef>
+        </p:style>
+        <p:txBody>
+          <a:bodyPr rtlCol="0" anchor="ctr"/>
+          <a:lstStyle/>
+          <a:p>
+            <a:r>
+              <a:rPr lang="en-US" altLang="zh-TW" sz="1600" b="1" dirty="0" smtClean="0"/>
+              <a:t>Data Layer</a:t>
+            </a:r>
+            <a:endParaRPr lang="en-US" altLang="zh-TW" sz="1600" dirty="0"/>
+          </a:p>
+        </p:txBody>
+      </p:sp>
+      <p:sp>
+        <p:nvSpPr>
+          <p:cNvPr id="33" name="矩形 32"/>
+          <p:cNvSpPr/>
+          <p:nvPr/>
+        </p:nvSpPr>
+        <p:spPr>
+          <a:xfrm>
+            <a:off x="1602924" y="3572868"/>
+            <a:ext cx="4680000" cy="720000"/>
+          </a:xfrm>
+          <a:prstGeom prst="rect">
+            <a:avLst/>
+          </a:prstGeom>
+        </p:spPr>
+        <p:style>
+          <a:lnRef idx="0">
+            <a:schemeClr val="accent2"/>
+          </a:lnRef>
+          <a:fillRef idx="3">
+            <a:schemeClr val="accent2"/>
+          </a:fillRef>
+          <a:effectRef idx="3">
+            <a:schemeClr val="accent2"/>
+          </a:effectRef>
+          <a:fontRef idx="minor">
+            <a:schemeClr val="lt1"/>
+          </a:fontRef>
+        </p:style>
+        <p:txBody>
+          <a:bodyPr rtlCol="0" anchor="ctr"/>
+          <a:lstStyle/>
+          <a:p>
+            <a:r>
+              <a:rPr lang="en-US" altLang="zh-TW" sz="1600" b="1" dirty="0"/>
+              <a:t>Business Layer</a:t>
+            </a:r>
+            <a:endParaRPr lang="en-US" altLang="zh-TW" sz="1600" dirty="0"/>
+          </a:p>
+        </p:txBody>
+      </p:sp>
+      <p:sp>
+        <p:nvSpPr>
+          <p:cNvPr id="4" name="圓角矩形 3"/>
+          <p:cNvSpPr/>
+          <p:nvPr/>
+        </p:nvSpPr>
+        <p:spPr>
+          <a:xfrm>
+            <a:off x="3442833" y="2832503"/>
+            <a:ext cx="1332000" cy="360000"/>
+          </a:xfrm>
+          <a:prstGeom prst="roundRect">
+            <a:avLst/>
+          </a:prstGeom>
+        </p:spPr>
+        <p:style>
+          <a:lnRef idx="0">
+            <a:schemeClr val="accent4"/>
+          </a:lnRef>
+          <a:fillRef idx="3">
+            <a:schemeClr val="accent4"/>
+          </a:fillRef>
+          <a:effectRef idx="3">
+            <a:schemeClr val="accent4"/>
+          </a:effectRef>
+          <a:fontRef idx="minor">
+            <a:schemeClr val="lt1"/>
+          </a:fontRef>
+        </p:style>
+        <p:txBody>
+          <a:bodyPr rtlCol="0" anchor="ctr"/>
+          <a:lstStyle/>
+          <a:p>
+            <a:pPr algn="ctr"/>
+            <a:r>
+              <a:rPr lang="en-US" altLang="zh-TW" sz="1600" dirty="0">
+                <a:solidFill>
+                  <a:schemeClr val="tx1"/>
+                </a:solidFill>
+              </a:rPr>
+              <a:t>Component</a:t>
+            </a:r>
+            <a:endParaRPr lang="zh-TW" altLang="en-US" sz="1600" dirty="0">
+              <a:solidFill>
+                <a:schemeClr val="tx1"/>
+              </a:solidFill>
+            </a:endParaRPr>
+          </a:p>
+        </p:txBody>
+      </p:sp>
+      <p:sp>
+        <p:nvSpPr>
+          <p:cNvPr id="29" name="圓角矩形 28"/>
+          <p:cNvSpPr/>
+          <p:nvPr/>
+        </p:nvSpPr>
+        <p:spPr>
+          <a:xfrm>
+            <a:off x="4861516" y="2832503"/>
+            <a:ext cx="1332000" cy="360000"/>
+          </a:xfrm>
+          <a:prstGeom prst="roundRect">
+            <a:avLst/>
+          </a:prstGeom>
+        </p:spPr>
+        <p:style>
+          <a:lnRef idx="0">
+            <a:schemeClr val="accent4"/>
+          </a:lnRef>
+          <a:fillRef idx="3">
+            <a:schemeClr val="accent4"/>
+          </a:fillRef>
+          <a:effectRef idx="3">
+            <a:schemeClr val="accent4"/>
+          </a:effectRef>
+          <a:fontRef idx="minor">
+            <a:schemeClr val="lt1"/>
+          </a:fontRef>
+        </p:style>
+        <p:txBody>
+          <a:bodyPr rtlCol="0" anchor="ctr"/>
+          <a:lstStyle/>
+          <a:p>
+            <a:pPr algn="ctr"/>
+            <a:r>
+              <a:rPr lang="en-US" altLang="zh-TW" sz="1600" dirty="0">
+                <a:solidFill>
+                  <a:schemeClr val="tx1"/>
+                </a:solidFill>
+              </a:rPr>
+              <a:t>Component</a:t>
+            </a:r>
+            <a:endParaRPr lang="zh-TW" altLang="en-US" sz="1600" dirty="0">
+              <a:solidFill>
+                <a:schemeClr val="tx1"/>
+              </a:solidFill>
+            </a:endParaRPr>
+          </a:p>
+        </p:txBody>
+      </p:sp>
+      <p:sp>
+        <p:nvSpPr>
+          <p:cNvPr id="30" name="圓角矩形 29"/>
+          <p:cNvSpPr/>
+          <p:nvPr/>
+        </p:nvSpPr>
+        <p:spPr>
+          <a:xfrm>
+            <a:off x="3442833" y="3752868"/>
+            <a:ext cx="1332000" cy="360000"/>
+          </a:xfrm>
+          <a:prstGeom prst="roundRect">
+            <a:avLst/>
+          </a:prstGeom>
+        </p:spPr>
+        <p:style>
+          <a:lnRef idx="0">
+            <a:schemeClr val="accent4"/>
+          </a:lnRef>
+          <a:fillRef idx="3">
+            <a:schemeClr val="accent4"/>
+          </a:fillRef>
+          <a:effectRef idx="3">
+            <a:schemeClr val="accent4"/>
+          </a:effectRef>
+          <a:fontRef idx="minor">
+            <a:schemeClr val="lt1"/>
+          </a:fontRef>
+        </p:style>
+        <p:txBody>
+          <a:bodyPr rtlCol="0" anchor="ctr"/>
+          <a:lstStyle/>
+          <a:p>
+            <a:pPr algn="ctr"/>
+            <a:r>
+              <a:rPr lang="en-US" altLang="zh-TW" sz="1600" dirty="0">
+                <a:solidFill>
+                  <a:schemeClr val="tx1"/>
+                </a:solidFill>
+              </a:rPr>
+              <a:t>Component</a:t>
+            </a:r>
+            <a:endParaRPr lang="zh-TW" altLang="en-US" sz="1600" dirty="0">
+              <a:solidFill>
+                <a:schemeClr val="tx1"/>
+              </a:solidFill>
+            </a:endParaRPr>
+          </a:p>
+        </p:txBody>
+      </p:sp>
+      <p:sp>
+        <p:nvSpPr>
+          <p:cNvPr id="31" name="圓角矩形 30"/>
+          <p:cNvSpPr/>
+          <p:nvPr/>
+        </p:nvSpPr>
+        <p:spPr>
+          <a:xfrm>
+            <a:off x="4867213" y="3752868"/>
+            <a:ext cx="1332000" cy="360000"/>
+          </a:xfrm>
+          <a:prstGeom prst="roundRect">
+            <a:avLst/>
+          </a:prstGeom>
+        </p:spPr>
+        <p:style>
+          <a:lnRef idx="0">
+            <a:schemeClr val="accent4"/>
+          </a:lnRef>
+          <a:fillRef idx="3">
+            <a:schemeClr val="accent4"/>
+          </a:fillRef>
+          <a:effectRef idx="3">
+            <a:schemeClr val="accent4"/>
+          </a:effectRef>
+          <a:fontRef idx="minor">
+            <a:schemeClr val="lt1"/>
+          </a:fontRef>
+        </p:style>
+        <p:txBody>
+          <a:bodyPr rtlCol="0" anchor="ctr"/>
+          <a:lstStyle/>
+          <a:p>
+            <a:pPr algn="ctr"/>
+            <a:r>
+              <a:rPr lang="en-US" altLang="zh-TW" sz="1600" dirty="0">
+                <a:solidFill>
+                  <a:schemeClr val="tx1"/>
+                </a:solidFill>
+              </a:rPr>
+              <a:t>Component</a:t>
+            </a:r>
+            <a:endParaRPr lang="zh-TW" altLang="en-US" sz="1600" dirty="0">
+              <a:solidFill>
+                <a:schemeClr val="tx1"/>
+              </a:solidFill>
+            </a:endParaRPr>
+          </a:p>
+        </p:txBody>
+      </p:sp>
+      <p:sp>
+        <p:nvSpPr>
+          <p:cNvPr id="37" name="圓角矩形 36"/>
+          <p:cNvSpPr/>
+          <p:nvPr/>
+        </p:nvSpPr>
+        <p:spPr>
+          <a:xfrm>
+            <a:off x="3442833" y="4675890"/>
+            <a:ext cx="1332000" cy="360000"/>
+          </a:xfrm>
+          <a:prstGeom prst="roundRect">
+            <a:avLst/>
+          </a:prstGeom>
+        </p:spPr>
+        <p:style>
+          <a:lnRef idx="0">
+            <a:schemeClr val="accent4"/>
+          </a:lnRef>
+          <a:fillRef idx="3">
+            <a:schemeClr val="accent4"/>
+          </a:fillRef>
+          <a:effectRef idx="3">
+            <a:schemeClr val="accent4"/>
+          </a:effectRef>
+          <a:fontRef idx="minor">
+            <a:schemeClr val="lt1"/>
+          </a:fontRef>
+        </p:style>
+        <p:txBody>
+          <a:bodyPr rtlCol="0" anchor="ctr"/>
+          <a:lstStyle/>
+          <a:p>
+            <a:pPr algn="ctr"/>
+            <a:r>
+              <a:rPr lang="en-US" altLang="zh-TW" sz="1600" dirty="0">
+                <a:solidFill>
+                  <a:schemeClr val="tx1"/>
+                </a:solidFill>
+              </a:rPr>
+              <a:t>Component</a:t>
+            </a:r>
+            <a:endParaRPr lang="zh-TW" altLang="en-US" sz="1600" dirty="0">
+              <a:solidFill>
+                <a:schemeClr val="tx1"/>
+              </a:solidFill>
+            </a:endParaRPr>
+          </a:p>
+        </p:txBody>
+      </p:sp>
+      <p:sp>
+        <p:nvSpPr>
+          <p:cNvPr id="38" name="圓角矩形 37"/>
+          <p:cNvSpPr/>
+          <p:nvPr/>
+        </p:nvSpPr>
+        <p:spPr>
+          <a:xfrm>
+            <a:off x="4867213" y="4675890"/>
+            <a:ext cx="1332000" cy="360000"/>
+          </a:xfrm>
+          <a:prstGeom prst="roundRect">
+            <a:avLst/>
+          </a:prstGeom>
+        </p:spPr>
+        <p:style>
+          <a:lnRef idx="0">
+            <a:schemeClr val="accent4"/>
+          </a:lnRef>
+          <a:fillRef idx="3">
+            <a:schemeClr val="accent4"/>
+          </a:fillRef>
+          <a:effectRef idx="3">
+            <a:schemeClr val="accent4"/>
+          </a:effectRef>
+          <a:fontRef idx="minor">
+            <a:schemeClr val="lt1"/>
+          </a:fontRef>
+        </p:style>
+        <p:txBody>
+          <a:bodyPr rtlCol="0" anchor="ctr"/>
+          <a:lstStyle/>
+          <a:p>
+            <a:pPr algn="ctr"/>
+            <a:r>
+              <a:rPr lang="en-US" altLang="zh-TW" sz="1600" dirty="0">
+                <a:solidFill>
+                  <a:schemeClr val="tx1"/>
+                </a:solidFill>
+              </a:rPr>
+              <a:t>Component</a:t>
+            </a:r>
+            <a:endParaRPr lang="zh-TW" altLang="en-US" sz="1600" dirty="0">
+              <a:solidFill>
+                <a:schemeClr val="tx1"/>
+              </a:solidFill>
+            </a:endParaRPr>
+          </a:p>
+        </p:txBody>
+      </p:sp>
+      <p:sp>
+        <p:nvSpPr>
+          <p:cNvPr id="41" name="Send Log F2L"/>
+          <p:cNvSpPr/>
+          <p:nvPr/>
+        </p:nvSpPr>
+        <p:spPr>
+          <a:xfrm rot="5400000">
+            <a:off x="2106154" y="1251997"/>
+            <a:ext cx="828000" cy="432000"/>
+          </a:xfrm>
+          <a:prstGeom prst="rightArrow">
+            <a:avLst/>
+          </a:prstGeom>
+        </p:spPr>
+        <p:style>
+          <a:lnRef idx="1">
+            <a:schemeClr val="accent4"/>
+          </a:lnRef>
+          <a:fillRef idx="2">
+            <a:schemeClr val="accent4"/>
+          </a:fillRef>
+          <a:effectRef idx="1">
+            <a:schemeClr val="accent4"/>
+          </a:effectRef>
+          <a:fontRef idx="minor">
+            <a:schemeClr val="dk1"/>
+          </a:fontRef>
+        </p:style>
+        <p:txBody>
+          <a:bodyPr rtlCol="0" anchor="ctr"/>
+          <a:lstStyle/>
+          <a:p>
+            <a:pPr algn="ctr"/>
+            <a:r>
+              <a:rPr lang="en-US" altLang="zh-TW" sz="1200" b="1" dirty="0" smtClean="0"/>
+              <a:t>Request</a:t>
+            </a:r>
+            <a:endParaRPr lang="zh-TW" altLang="en-US" sz="1200" b="1" dirty="0"/>
+          </a:p>
+        </p:txBody>
+      </p:sp>
+      <p:sp>
+        <p:nvSpPr>
+          <p:cNvPr id="42" name="Send Log F2L"/>
+          <p:cNvSpPr/>
+          <p:nvPr/>
+        </p:nvSpPr>
+        <p:spPr>
+          <a:xfrm rot="5400000">
+            <a:off x="2305517" y="3291357"/>
+            <a:ext cx="432000" cy="360000"/>
+          </a:xfrm>
+          <a:prstGeom prst="rightArrow">
+            <a:avLst/>
+          </a:prstGeom>
+        </p:spPr>
+        <p:style>
+          <a:lnRef idx="1">
+            <a:schemeClr val="accent4"/>
+          </a:lnRef>
+          <a:fillRef idx="2">
+            <a:schemeClr val="accent4"/>
+          </a:fillRef>
+          <a:effectRef idx="1">
+            <a:schemeClr val="accent4"/>
+          </a:effectRef>
+          <a:fontRef idx="minor">
+            <a:schemeClr val="dk1"/>
+          </a:fontRef>
+        </p:style>
+        <p:txBody>
+          <a:bodyPr rtlCol="0" anchor="ctr"/>
+          <a:lstStyle/>
+          <a:p>
+            <a:pPr algn="ctr"/>
+            <a:endParaRPr lang="zh-TW" altLang="en-US" sz="1200" b="1" dirty="0"/>
+          </a:p>
+        </p:txBody>
+      </p:sp>
+      <p:sp>
+        <p:nvSpPr>
+          <p:cNvPr id="43" name="Send Log F2L"/>
+          <p:cNvSpPr/>
+          <p:nvPr/>
+        </p:nvSpPr>
+        <p:spPr>
+          <a:xfrm rot="5400000">
+            <a:off x="2305517" y="4207247"/>
+            <a:ext cx="432000" cy="360000"/>
+          </a:xfrm>
+          <a:prstGeom prst="rightArrow">
+            <a:avLst/>
+          </a:prstGeom>
+        </p:spPr>
+        <p:style>
+          <a:lnRef idx="1">
+            <a:schemeClr val="accent4"/>
+          </a:lnRef>
+          <a:fillRef idx="2">
+            <a:schemeClr val="accent4"/>
+          </a:fillRef>
+          <a:effectRef idx="1">
+            <a:schemeClr val="accent4"/>
+          </a:effectRef>
+          <a:fontRef idx="minor">
+            <a:schemeClr val="dk1"/>
+          </a:fontRef>
+        </p:style>
+        <p:txBody>
+          <a:bodyPr rtlCol="0" anchor="ctr"/>
+          <a:lstStyle/>
+          <a:p>
+            <a:pPr algn="ctr"/>
+            <a:endParaRPr lang="zh-TW" altLang="en-US" sz="1200" b="1" dirty="0"/>
+          </a:p>
+        </p:txBody>
+      </p:sp>
+      <p:sp>
+        <p:nvSpPr>
+          <p:cNvPr id="44" name="矩形 43"/>
+          <p:cNvSpPr/>
+          <p:nvPr/>
+        </p:nvSpPr>
+        <p:spPr>
+          <a:xfrm>
+            <a:off x="1600200" y="5390385"/>
+            <a:ext cx="2232000" cy="720000"/>
+          </a:xfrm>
+          <a:prstGeom prst="rect">
+            <a:avLst/>
+          </a:prstGeom>
+        </p:spPr>
+        <p:style>
+          <a:lnRef idx="1">
+            <a:schemeClr val="accent3"/>
+          </a:lnRef>
+          <a:fillRef idx="3">
+            <a:schemeClr val="accent3"/>
+          </a:fillRef>
+          <a:effectRef idx="2">
+            <a:schemeClr val="accent3"/>
+          </a:effectRef>
+          <a:fontRef idx="minor">
+            <a:schemeClr val="lt1"/>
+          </a:fontRef>
+        </p:style>
+        <p:txBody>
+          <a:bodyPr rtlCol="0" anchor="ctr"/>
+          <a:lstStyle/>
+          <a:p>
+            <a:pPr algn="ctr"/>
+            <a:r>
+              <a:rPr lang="en-US" altLang="zh-TW" sz="1600" b="1" dirty="0" smtClean="0"/>
+              <a:t>Database</a:t>
+            </a:r>
+            <a:endParaRPr lang="en-US" altLang="zh-TW" sz="1600" dirty="0"/>
+          </a:p>
+        </p:txBody>
+      </p:sp>
+      <p:sp>
+        <p:nvSpPr>
+          <p:cNvPr id="50" name="矩形 49"/>
+          <p:cNvSpPr/>
+          <p:nvPr/>
+        </p:nvSpPr>
+        <p:spPr>
+          <a:xfrm>
+            <a:off x="4048200" y="5390385"/>
+            <a:ext cx="2232000" cy="720000"/>
+          </a:xfrm>
+          <a:prstGeom prst="rect">
+            <a:avLst/>
+          </a:prstGeom>
+        </p:spPr>
+        <p:style>
+          <a:lnRef idx="1">
+            <a:schemeClr val="accent3"/>
+          </a:lnRef>
+          <a:fillRef idx="3">
+            <a:schemeClr val="accent3"/>
+          </a:fillRef>
+          <a:effectRef idx="2">
+            <a:schemeClr val="accent3"/>
+          </a:effectRef>
+          <a:fontRef idx="minor">
+            <a:schemeClr val="lt1"/>
+          </a:fontRef>
+        </p:style>
+        <p:txBody>
+          <a:bodyPr rtlCol="0" anchor="ctr"/>
+          <a:lstStyle/>
+          <a:p>
+            <a:pPr algn="ctr"/>
+            <a:r>
+              <a:rPr lang="en-US" altLang="zh-TW" sz="1600" b="1" dirty="0"/>
+              <a:t>External </a:t>
+            </a:r>
+            <a:r>
+              <a:rPr lang="en-US" altLang="zh-TW" sz="1600" b="1" dirty="0" smtClean="0"/>
+              <a:t>Services</a:t>
+            </a:r>
+            <a:endParaRPr lang="en-US" altLang="zh-TW" sz="1600" dirty="0"/>
+          </a:p>
+        </p:txBody>
+      </p:sp>
+      <p:sp>
+        <p:nvSpPr>
+          <p:cNvPr id="52" name="Send Log F2L"/>
+          <p:cNvSpPr/>
+          <p:nvPr/>
+        </p:nvSpPr>
+        <p:spPr>
+          <a:xfrm rot="5400000">
+            <a:off x="2305517" y="5123138"/>
+            <a:ext cx="432000" cy="360000"/>
+          </a:xfrm>
+          <a:prstGeom prst="rightArrow">
+            <a:avLst/>
+          </a:prstGeom>
+        </p:spPr>
+        <p:style>
+          <a:lnRef idx="1">
+            <a:schemeClr val="accent4"/>
+          </a:lnRef>
+          <a:fillRef idx="2">
+            <a:schemeClr val="accent4"/>
+          </a:fillRef>
+          <a:effectRef idx="1">
+            <a:schemeClr val="accent4"/>
+          </a:effectRef>
+          <a:fontRef idx="minor">
+            <a:schemeClr val="dk1"/>
+          </a:fontRef>
+        </p:style>
+        <p:txBody>
+          <a:bodyPr rtlCol="0" anchor="ctr"/>
+          <a:lstStyle/>
+          <a:p>
+            <a:pPr algn="ctr"/>
+            <a:endParaRPr lang="zh-TW" altLang="en-US" sz="1200" b="1" dirty="0"/>
+          </a:p>
+        </p:txBody>
+      </p:sp>
+      <p:sp>
+        <p:nvSpPr>
+          <p:cNvPr id="53" name="Send Log F2L"/>
+          <p:cNvSpPr/>
+          <p:nvPr/>
+        </p:nvSpPr>
+        <p:spPr>
+          <a:xfrm rot="5400000">
+            <a:off x="4534798" y="5123138"/>
+            <a:ext cx="432000" cy="360000"/>
+          </a:xfrm>
+          <a:prstGeom prst="rightArrow">
+            <a:avLst/>
+          </a:prstGeom>
+        </p:spPr>
+        <p:style>
+          <a:lnRef idx="1">
+            <a:schemeClr val="accent4"/>
+          </a:lnRef>
+          <a:fillRef idx="2">
+            <a:schemeClr val="accent4"/>
+          </a:fillRef>
+          <a:effectRef idx="1">
+            <a:schemeClr val="accent4"/>
+          </a:effectRef>
+          <a:fontRef idx="minor">
+            <a:schemeClr val="dk1"/>
+          </a:fontRef>
+        </p:style>
+        <p:txBody>
+          <a:bodyPr rtlCol="0" anchor="ctr"/>
+          <a:lstStyle/>
+          <a:p>
+            <a:pPr algn="ctr"/>
+            <a:endParaRPr lang="zh-TW" altLang="en-US" sz="1200" b="1" dirty="0"/>
+          </a:p>
+        </p:txBody>
+      </p:sp>
+      <p:sp>
+        <p:nvSpPr>
+          <p:cNvPr id="57" name="矩形 56"/>
+          <p:cNvSpPr/>
+          <p:nvPr/>
+        </p:nvSpPr>
+        <p:spPr>
+          <a:xfrm>
+            <a:off x="4048200" y="865432"/>
+            <a:ext cx="2232000" cy="720000"/>
+          </a:xfrm>
+          <a:prstGeom prst="rect">
+            <a:avLst/>
+          </a:prstGeom>
+        </p:spPr>
+        <p:style>
+          <a:lnRef idx="1">
+            <a:schemeClr val="accent3"/>
+          </a:lnRef>
+          <a:fillRef idx="3">
+            <a:schemeClr val="accent3"/>
+          </a:fillRef>
+          <a:effectRef idx="2">
+            <a:schemeClr val="accent3"/>
+          </a:effectRef>
+          <a:fontRef idx="minor">
+            <a:schemeClr val="lt1"/>
+          </a:fontRef>
+        </p:style>
+        <p:txBody>
+          <a:bodyPr rtlCol="0" anchor="ctr"/>
+          <a:lstStyle/>
+          <a:p>
+            <a:pPr algn="ctr"/>
+            <a:r>
+              <a:rPr lang="en-US" altLang="zh-TW" sz="1600" b="1" dirty="0" smtClean="0"/>
+              <a:t>External Systems</a:t>
+            </a:r>
+            <a:endParaRPr lang="en-US" altLang="zh-TW" sz="1600" dirty="0"/>
+          </a:p>
+        </p:txBody>
+      </p:sp>
+      <p:sp>
+        <p:nvSpPr>
+          <p:cNvPr id="59" name="Send Log F2L"/>
+          <p:cNvSpPr/>
+          <p:nvPr/>
+        </p:nvSpPr>
+        <p:spPr>
+          <a:xfrm rot="5400000">
+            <a:off x="2304154" y="2369222"/>
+            <a:ext cx="432000" cy="360000"/>
+          </a:xfrm>
+          <a:prstGeom prst="rightArrow">
+            <a:avLst/>
+          </a:prstGeom>
+        </p:spPr>
+        <p:style>
+          <a:lnRef idx="1">
+            <a:schemeClr val="accent4"/>
+          </a:lnRef>
+          <a:fillRef idx="2">
+            <a:schemeClr val="accent4"/>
+          </a:fillRef>
+          <a:effectRef idx="1">
+            <a:schemeClr val="accent4"/>
+          </a:effectRef>
+          <a:fontRef idx="minor">
+            <a:schemeClr val="dk1"/>
+          </a:fontRef>
+        </p:style>
+        <p:txBody>
+          <a:bodyPr rtlCol="0" anchor="ctr"/>
+          <a:lstStyle/>
+          <a:p>
+            <a:pPr algn="ctr"/>
+            <a:endParaRPr lang="zh-TW" altLang="en-US" sz="1200" b="1" dirty="0"/>
+          </a:p>
+        </p:txBody>
+      </p:sp>
+      <p:sp>
+        <p:nvSpPr>
+          <p:cNvPr id="60" name="Send Log F2L"/>
+          <p:cNvSpPr/>
+          <p:nvPr/>
+        </p:nvSpPr>
+        <p:spPr>
+          <a:xfrm rot="5400000">
+            <a:off x="4868805" y="1878795"/>
+            <a:ext cx="1317422" cy="432000"/>
+          </a:xfrm>
+          <a:prstGeom prst="rightArrow">
+            <a:avLst/>
+          </a:prstGeom>
+        </p:spPr>
+        <p:style>
+          <a:lnRef idx="1">
+            <a:schemeClr val="accent4"/>
+          </a:lnRef>
+          <a:fillRef idx="2">
+            <a:schemeClr val="accent4"/>
+          </a:fillRef>
+          <a:effectRef idx="1">
+            <a:schemeClr val="accent4"/>
+          </a:effectRef>
+          <a:fontRef idx="minor">
+            <a:schemeClr val="dk1"/>
+          </a:fontRef>
+        </p:style>
+        <p:txBody>
+          <a:bodyPr rtlCol="0" anchor="ctr"/>
+          <a:lstStyle/>
+          <a:p>
+            <a:pPr algn="ctr"/>
+            <a:r>
+              <a:rPr lang="en-US" altLang="zh-TW" sz="1200" b="1" dirty="0" smtClean="0"/>
+              <a:t>Request</a:t>
+            </a:r>
+            <a:endParaRPr lang="zh-TW" altLang="en-US" sz="1200" b="1" dirty="0"/>
+          </a:p>
+        </p:txBody>
+      </p:sp>
+      <p:sp>
+        <p:nvSpPr>
+          <p:cNvPr id="61" name="圓角矩形 60"/>
+          <p:cNvSpPr/>
+          <p:nvPr/>
+        </p:nvSpPr>
+        <p:spPr>
+          <a:xfrm>
+            <a:off x="3442833" y="1934845"/>
+            <a:ext cx="1332000" cy="360000"/>
+          </a:xfrm>
+          <a:prstGeom prst="roundRect">
+            <a:avLst/>
+          </a:prstGeom>
+        </p:spPr>
+        <p:style>
+          <a:lnRef idx="0">
+            <a:schemeClr val="accent4"/>
+          </a:lnRef>
+          <a:fillRef idx="3">
+            <a:schemeClr val="accent4"/>
+          </a:fillRef>
+          <a:effectRef idx="3">
+            <a:schemeClr val="accent4"/>
+          </a:effectRef>
+          <a:fontRef idx="minor">
+            <a:schemeClr val="lt1"/>
+          </a:fontRef>
+        </p:style>
+        <p:txBody>
+          <a:bodyPr rtlCol="0" anchor="ctr"/>
+          <a:lstStyle/>
+          <a:p>
+            <a:pPr algn="ctr"/>
+            <a:r>
+              <a:rPr lang="en-US" altLang="zh-TW" sz="1600" dirty="0" smtClean="0">
+                <a:solidFill>
+                  <a:schemeClr val="tx1"/>
+                </a:solidFill>
+              </a:rPr>
+              <a:t>Components</a:t>
+            </a:r>
+            <a:endParaRPr lang="zh-TW" altLang="en-US" sz="1600" dirty="0">
+              <a:solidFill>
+                <a:schemeClr val="tx1"/>
+              </a:solidFill>
+            </a:endParaRPr>
+          </a:p>
+        </p:txBody>
+      </p:sp>
+    </p:spTree>
+    <p:extLst>
+      <p:ext uri="{BB962C8B-B14F-4D97-AF65-F5344CB8AC3E}">
+        <p14:creationId xmlns:p14="http://schemas.microsoft.com/office/powerpoint/2010/main" val="3351336338"/>
+      </p:ext>
+    </p:extLst>
+  </p:cSld>
+  <p:clrMapOvr>
+    <a:masterClrMapping/>
+  </p:clrMapOvr>
+  <p:timing>
+    <p:tnLst>
+      <p:par>
+        <p:cTn id="1" dur="indefinite" restart="never" nodeType="tmRoot"/>
+      </p:par>
+    </p:tnLst>
+  </p:timing>
+</p:sld>
+</file>
+
 <file path=ppt/slides/slide3.xml><?xml version="1.0" encoding="utf-8"?>
 <p:sld xmlns:a="http://schemas.openxmlformats.org/drawingml/2006/main" xmlns:r="http://schemas.openxmlformats.org/officeDocument/2006/relationships" xmlns:p="http://schemas.openxmlformats.org/presentationml/2006/main">
   <p:cSld>
@@ -33699,6 +34746,15 @@
 </file>
 
 <file path=customXml/item1.xml><?xml version="1.0" encoding="utf-8"?>
+<?mso-contentType ?>
+<FormTemplates xmlns="http://schemas.microsoft.com/sharepoint/v3/contenttype/forms">
+  <Display>DocumentLibraryForm</Display>
+  <Edit>DocumentLibraryForm</Edit>
+  <New>DocumentLibraryForm</New>
+</FormTemplates>
+</file>
+
+<file path=customXml/item2.xml><?xml version="1.0" encoding="utf-8"?>
 <ct:contentTypeSchema xmlns:ct="http://schemas.microsoft.com/office/2006/metadata/contentType" xmlns:ma="http://schemas.microsoft.com/office/2006/metadata/properties/metaAttributes" ct:_="" ma:_="" ma:contentTypeName="Document" ma:contentTypeID="0x0101000AA0115B54226D469CC0FAAE38E5F61C" ma:contentTypeVersion="3" ma:contentTypeDescription="Create a new document." ma:contentTypeScope="" ma:versionID="0ae424bb0065d3a2a055b165aca25ec5">
   <xsd:schema xmlns:xsd="http://www.w3.org/2001/XMLSchema" xmlns:p="http://schemas.microsoft.com/office/2006/metadata/properties" targetNamespace="http://schemas.microsoft.com/office/2006/metadata/properties" ma:root="true" ma:fieldsID="4aeb20c0e3442673af7ee10786458764">
     <xsd:element name="properties">
@@ -33747,15 +34803,6 @@
 </ct:contentTypeSchema>
 </file>
 
-<file path=customXml/item2.xml><?xml version="1.0" encoding="utf-8"?>
-<?mso-contentType ?>
-<FormTemplates xmlns="http://schemas.microsoft.com/sharepoint/v3/contenttype/forms">
-  <Display>DocumentLibraryForm</Display>
-  <Edit>DocumentLibraryForm</Edit>
-  <New>DocumentLibraryForm</New>
-</FormTemplates>
-</file>
-
 <file path=customXml/item3.xml><?xml version="1.0" encoding="utf-8"?>
 <p:properties xmlns:p="http://schemas.microsoft.com/office/2006/metadata/properties" xmlns:xsi="http://www.w3.org/2001/XMLSchema-instance">
   <documentManagement/>
@@ -33763,6 +34810,14 @@
 </file>
 
 <file path=customXml/itemProps1.xml><?xml version="1.0" encoding="utf-8"?>
+<ds:datastoreItem xmlns:ds="http://schemas.openxmlformats.org/officeDocument/2006/customXml" ds:itemID="{A1770BF7-49D5-46D6-8B76-1D8AF290B450}">
+  <ds:schemaRefs>
+    <ds:schemaRef ds:uri="http://schemas.microsoft.com/sharepoint/v3/contenttype/forms"/>
+  </ds:schemaRefs>
+</ds:datastoreItem>
+</file>
+
+<file path=customXml/itemProps2.xml><?xml version="1.0" encoding="utf-8"?>
 <ds:datastoreItem xmlns:ds="http://schemas.openxmlformats.org/officeDocument/2006/customXml" ds:itemID="{FE6BB287-9CB7-4AA6-A5A5-8D1CE03643F3}">
   <ds:schemaRefs>
     <ds:schemaRef ds:uri="http://schemas.microsoft.com/office/2006/metadata/contentType"/>
@@ -33777,24 +34832,16 @@
 </ds:datastoreItem>
 </file>
 
-<file path=customXml/itemProps2.xml><?xml version="1.0" encoding="utf-8"?>
-<ds:datastoreItem xmlns:ds="http://schemas.openxmlformats.org/officeDocument/2006/customXml" ds:itemID="{A1770BF7-49D5-46D6-8B76-1D8AF290B450}">
-  <ds:schemaRefs>
-    <ds:schemaRef ds:uri="http://schemas.microsoft.com/sharepoint/v3/contenttype/forms"/>
-  </ds:schemaRefs>
-</ds:datastoreItem>
-</file>
-
 <file path=customXml/itemProps3.xml><?xml version="1.0" encoding="utf-8"?>
 <ds:datastoreItem xmlns:ds="http://schemas.openxmlformats.org/officeDocument/2006/customXml" ds:itemID="{892A9AA9-F261-48C5-9DFB-0929A9F0E540}">
   <ds:schemaRefs>
+    <ds:schemaRef ds:uri="http://purl.org/dc/dcmitype/"/>
     <ds:schemaRef ds:uri="http://schemas.microsoft.com/office/2006/documentManagement/types"/>
     <ds:schemaRef ds:uri="http://schemas.microsoft.com/office/2006/metadata/properties"/>
-    <ds:schemaRef ds:uri="http://purl.org/dc/dcmitype/"/>
+    <ds:schemaRef ds:uri="http://purl.org/dc/elements/1.1/"/>
+    <ds:schemaRef ds:uri="http://www.w3.org/XML/1998/namespace"/>
     <ds:schemaRef ds:uri="http://purl.org/dc/terms/"/>
     <ds:schemaRef ds:uri="http://schemas.openxmlformats.org/package/2006/metadata/core-properties"/>
-    <ds:schemaRef ds:uri="http://www.w3.org/XML/1998/namespace"/>
-    <ds:schemaRef ds:uri="http://purl.org/dc/elements/1.1/"/>
   </ds:schemaRefs>
 </ds:datastoreItem>
 </file>
--- a/source/_assets/Blog動畫.pptx
+++ b/source/_assets/Blog動畫.pptx
@@ -5,10 +5,10 @@
     <p:sldMasterId id="2147483752" r:id="rId4"/>
   </p:sldMasterIdLst>
   <p:notesMasterIdLst>
-    <p:notesMasterId r:id="rId29"/>
+    <p:notesMasterId r:id="rId30"/>
   </p:notesMasterIdLst>
   <p:handoutMasterIdLst>
-    <p:handoutMasterId r:id="rId30"/>
+    <p:handoutMasterId r:id="rId31"/>
   </p:handoutMasterIdLst>
   <p:sldIdLst>
     <p:sldId id="315" r:id="rId5"/>
@@ -34,7 +34,8 @@
     <p:sldId id="335" r:id="rId25"/>
     <p:sldId id="336" r:id="rId26"/>
     <p:sldId id="337" r:id="rId27"/>
-    <p:sldId id="338" r:id="rId28"/>
+    <p:sldId id="340" r:id="rId28"/>
+    <p:sldId id="339" r:id="rId29"/>
   </p:sldIdLst>
   <p:sldSz cx="12192000" cy="6858000"/>
   <p:notesSz cx="7099300" cy="10234613"/>
@@ -249,7 +250,7 @@
             <a:fld id="{3CDD3A71-4C75-488C-A8F3-A1F163ED0DB9}" type="datetimeFigureOut">
               <a:rPr lang="en-US" smtClean="0"/>
               <a:pPr/>
-              <a:t>11/6/2017</a:t>
+              <a:t>11/7/2017</a:t>
             </a:fld>
             <a:endParaRPr lang="en-US" dirty="0"/>
           </a:p>
@@ -417,7 +418,7 @@
             <a:fld id="{523CC419-8FB3-4D1C-8127-E63C1A13459D}" type="datetimeFigureOut">
               <a:rPr lang="en-US" smtClean="0"/>
               <a:pPr/>
-              <a:t>11/6/2017</a:t>
+              <a:t>11/7/2017</a:t>
             </a:fld>
             <a:endParaRPr lang="en-US" dirty="0"/>
           </a:p>
@@ -820,7 +821,7 @@
           <a:p>
             <a:fld id="{237FF733-248C-4CF7-A090-89CF012E357B}" type="datetimeFigureOut">
               <a:rPr lang="zh-TW" altLang="en-US" smtClean="0"/>
-              <a:t>2017/11/6</a:t>
+              <a:t>2017/11/7</a:t>
             </a:fld>
             <a:endParaRPr lang="zh-TW" altLang="en-US"/>
           </a:p>
@@ -991,7 +992,7 @@
           <a:p>
             <a:fld id="{237FF733-248C-4CF7-A090-89CF012E357B}" type="datetimeFigureOut">
               <a:rPr lang="zh-TW" altLang="en-US" smtClean="0"/>
-              <a:t>2017/11/6</a:t>
+              <a:t>2017/11/7</a:t>
             </a:fld>
             <a:endParaRPr lang="zh-TW" altLang="en-US"/>
           </a:p>
@@ -1172,7 +1173,7 @@
           <a:p>
             <a:fld id="{237FF733-248C-4CF7-A090-89CF012E357B}" type="datetimeFigureOut">
               <a:rPr lang="zh-TW" altLang="en-US" smtClean="0"/>
-              <a:t>2017/11/6</a:t>
+              <a:t>2017/11/7</a:t>
             </a:fld>
             <a:endParaRPr lang="zh-TW" altLang="en-US"/>
           </a:p>
@@ -1343,7 +1344,7 @@
           <a:p>
             <a:fld id="{237FF733-248C-4CF7-A090-89CF012E357B}" type="datetimeFigureOut">
               <a:rPr lang="zh-TW" altLang="en-US" smtClean="0"/>
-              <a:t>2017/11/6</a:t>
+              <a:t>2017/11/7</a:t>
             </a:fld>
             <a:endParaRPr lang="zh-TW" altLang="en-US"/>
           </a:p>
@@ -1590,7 +1591,7 @@
           <a:p>
             <a:fld id="{237FF733-248C-4CF7-A090-89CF012E357B}" type="datetimeFigureOut">
               <a:rPr lang="zh-TW" altLang="en-US" smtClean="0"/>
-              <a:t>2017/11/6</a:t>
+              <a:t>2017/11/7</a:t>
             </a:fld>
             <a:endParaRPr lang="zh-TW" altLang="en-US"/>
           </a:p>
@@ -1823,7 +1824,7 @@
           <a:p>
             <a:fld id="{237FF733-248C-4CF7-A090-89CF012E357B}" type="datetimeFigureOut">
               <a:rPr lang="zh-TW" altLang="en-US" smtClean="0"/>
-              <a:t>2017/11/6</a:t>
+              <a:t>2017/11/7</a:t>
             </a:fld>
             <a:endParaRPr lang="zh-TW" altLang="en-US"/>
           </a:p>
@@ -2191,7 +2192,7 @@
           <a:p>
             <a:fld id="{237FF733-248C-4CF7-A090-89CF012E357B}" type="datetimeFigureOut">
               <a:rPr lang="zh-TW" altLang="en-US" smtClean="0"/>
-              <a:t>2017/11/6</a:t>
+              <a:t>2017/11/7</a:t>
             </a:fld>
             <a:endParaRPr lang="zh-TW" altLang="en-US"/>
           </a:p>
@@ -2310,7 +2311,7 @@
           <a:p>
             <a:fld id="{237FF733-248C-4CF7-A090-89CF012E357B}" type="datetimeFigureOut">
               <a:rPr lang="zh-TW" altLang="en-US" smtClean="0"/>
-              <a:t>2017/11/6</a:t>
+              <a:t>2017/11/7</a:t>
             </a:fld>
             <a:endParaRPr lang="zh-TW" altLang="en-US"/>
           </a:p>
@@ -2406,7 +2407,7 @@
           <a:p>
             <a:fld id="{237FF733-248C-4CF7-A090-89CF012E357B}" type="datetimeFigureOut">
               <a:rPr lang="zh-TW" altLang="en-US" smtClean="0"/>
-              <a:t>2017/11/6</a:t>
+              <a:t>2017/11/7</a:t>
             </a:fld>
             <a:endParaRPr lang="zh-TW" altLang="en-US"/>
           </a:p>
@@ -2684,7 +2685,7 @@
           <a:p>
             <a:fld id="{237FF733-248C-4CF7-A090-89CF012E357B}" type="datetimeFigureOut">
               <a:rPr lang="zh-TW" altLang="en-US" smtClean="0"/>
-              <a:t>2017/11/6</a:t>
+              <a:t>2017/11/7</a:t>
             </a:fld>
             <a:endParaRPr lang="zh-TW" altLang="en-US"/>
           </a:p>
@@ -2942,7 +2943,7 @@
           <a:p>
             <a:fld id="{237FF733-248C-4CF7-A090-89CF012E357B}" type="datetimeFigureOut">
               <a:rPr lang="zh-TW" altLang="en-US" smtClean="0"/>
-              <a:t>2017/11/6</a:t>
+              <a:t>2017/11/7</a:t>
             </a:fld>
             <a:endParaRPr lang="zh-TW" altLang="en-US"/>
           </a:p>
@@ -3156,7 +3157,7 @@
           <a:p>
             <a:fld id="{237FF733-248C-4CF7-A090-89CF012E357B}" type="datetimeFigureOut">
               <a:rPr lang="zh-TW" altLang="en-US" smtClean="0"/>
-              <a:t>2017/11/6</a:t>
+              <a:t>2017/11/7</a:t>
             </a:fld>
             <a:endParaRPr lang="zh-TW" altLang="en-US"/>
           </a:p>
@@ -23092,100 +23093,14 @@
       </p:grpSpPr>
       <p:sp>
         <p:nvSpPr>
-          <p:cNvPr id="58" name="矩形 57"/>
-          <p:cNvSpPr/>
-          <p:nvPr/>
-        </p:nvSpPr>
-        <p:spPr>
-          <a:xfrm>
-            <a:off x="1600200" y="1758008"/>
-            <a:ext cx="3330598" cy="720000"/>
-          </a:xfrm>
-          <a:prstGeom prst="rect">
-            <a:avLst/>
-          </a:prstGeom>
-        </p:spPr>
-        <p:style>
-          <a:lnRef idx="1">
-            <a:schemeClr val="accent6"/>
-          </a:lnRef>
-          <a:fillRef idx="3">
-            <a:schemeClr val="accent6"/>
-          </a:fillRef>
-          <a:effectRef idx="2">
-            <a:schemeClr val="accent6"/>
-          </a:effectRef>
-          <a:fontRef idx="minor">
-            <a:schemeClr val="lt1"/>
-          </a:fontRef>
-        </p:style>
-        <p:txBody>
-          <a:bodyPr rtlCol="0" anchor="ctr"/>
-          <a:lstStyle/>
-          <a:p>
-            <a:r>
-              <a:rPr lang="en-US" altLang="zh-TW" sz="1600" b="1" dirty="0"/>
-              <a:t>Presentation </a:t>
-            </a:r>
-            <a:r>
-              <a:rPr lang="en-US" altLang="zh-TW" sz="1600" b="1" dirty="0" smtClean="0"/>
-              <a:t>Layer</a:t>
-            </a:r>
-            <a:endParaRPr lang="en-US" altLang="zh-TW" sz="1600" dirty="0"/>
-          </a:p>
-        </p:txBody>
-      </p:sp>
-      <p:sp>
-        <p:nvSpPr>
-          <p:cNvPr id="54" name="矩形 53"/>
-          <p:cNvSpPr/>
-          <p:nvPr/>
-        </p:nvSpPr>
-        <p:spPr>
-          <a:xfrm>
-            <a:off x="1585517" y="861649"/>
-            <a:ext cx="2246683" cy="720000"/>
-          </a:xfrm>
-          <a:prstGeom prst="rect">
-            <a:avLst/>
-          </a:prstGeom>
-        </p:spPr>
-        <p:style>
-          <a:lnRef idx="1">
-            <a:schemeClr val="accent3"/>
-          </a:lnRef>
-          <a:fillRef idx="3">
-            <a:schemeClr val="accent3"/>
-          </a:fillRef>
-          <a:effectRef idx="2">
-            <a:schemeClr val="accent3"/>
-          </a:effectRef>
-          <a:fontRef idx="minor">
-            <a:schemeClr val="lt1"/>
-          </a:fontRef>
-        </p:style>
-        <p:txBody>
-          <a:bodyPr rtlCol="0" anchor="ctr"/>
-          <a:lstStyle/>
-          <a:p>
-            <a:r>
-              <a:rPr lang="en-US" altLang="zh-TW" sz="1600" b="1" dirty="0" smtClean="0"/>
-              <a:t>Users</a:t>
-            </a:r>
-            <a:endParaRPr lang="en-US" altLang="zh-TW" sz="1600" dirty="0"/>
-          </a:p>
-        </p:txBody>
-      </p:sp>
-      <p:sp>
-        <p:nvSpPr>
           <p:cNvPr id="3" name="矩形 2"/>
           <p:cNvSpPr/>
           <p:nvPr/>
         </p:nvSpPr>
         <p:spPr>
           <a:xfrm>
-            <a:off x="533400" y="-3840701"/>
-            <a:ext cx="7634668" cy="4294501"/>
+            <a:off x="1828800" y="-2054318"/>
+            <a:ext cx="5760000" cy="3240000"/>
           </a:xfrm>
           <a:prstGeom prst="rect">
             <a:avLst/>
@@ -23218,14 +23133,838 @@
       </p:sp>
       <p:sp>
         <p:nvSpPr>
-          <p:cNvPr id="13" name="矩形 12"/>
+          <p:cNvPr id="58" name="矩形 57"/>
           <p:cNvSpPr/>
           <p:nvPr/>
         </p:nvSpPr>
         <p:spPr>
           <a:xfrm>
-            <a:off x="1600200" y="2655160"/>
-            <a:ext cx="4680000" cy="720000"/>
+            <a:off x="303516" y="2140085"/>
+            <a:ext cx="5400000" cy="576000"/>
+          </a:xfrm>
+          <a:prstGeom prst="rect">
+            <a:avLst/>
+          </a:prstGeom>
+        </p:spPr>
+        <p:style>
+          <a:lnRef idx="1">
+            <a:schemeClr val="accent6"/>
+          </a:lnRef>
+          <a:fillRef idx="3">
+            <a:schemeClr val="accent6"/>
+          </a:fillRef>
+          <a:effectRef idx="2">
+            <a:schemeClr val="accent6"/>
+          </a:effectRef>
+          <a:fontRef idx="minor">
+            <a:schemeClr val="lt1"/>
+          </a:fontRef>
+        </p:style>
+        <p:txBody>
+          <a:bodyPr rtlCol="0" anchor="ctr"/>
+          <a:lstStyle/>
+          <a:p>
+            <a:r>
+              <a:rPr lang="en-US" altLang="zh-TW" sz="1600" b="1" dirty="0"/>
+              <a:t>Presentation </a:t>
+            </a:r>
+            <a:r>
+              <a:rPr lang="en-US" altLang="zh-TW" sz="1600" b="1" dirty="0" smtClean="0"/>
+              <a:t>Layer</a:t>
+            </a:r>
+            <a:endParaRPr lang="en-US" altLang="zh-TW" sz="1600" dirty="0"/>
+          </a:p>
+        </p:txBody>
+      </p:sp>
+      <p:sp>
+        <p:nvSpPr>
+          <p:cNvPr id="54" name="矩形 53"/>
+          <p:cNvSpPr/>
+          <p:nvPr/>
+        </p:nvSpPr>
+        <p:spPr>
+          <a:xfrm>
+            <a:off x="304800" y="1676400"/>
+            <a:ext cx="5400000" cy="360000"/>
+          </a:xfrm>
+          <a:prstGeom prst="rect">
+            <a:avLst/>
+          </a:prstGeom>
+        </p:spPr>
+        <p:style>
+          <a:lnRef idx="1">
+            <a:schemeClr val="accent3"/>
+          </a:lnRef>
+          <a:fillRef idx="3">
+            <a:schemeClr val="accent3"/>
+          </a:fillRef>
+          <a:effectRef idx="2">
+            <a:schemeClr val="accent3"/>
+          </a:effectRef>
+          <a:fontRef idx="minor">
+            <a:schemeClr val="lt1"/>
+          </a:fontRef>
+        </p:style>
+        <p:txBody>
+          <a:bodyPr rtlCol="0" anchor="ctr"/>
+          <a:lstStyle/>
+          <a:p>
+            <a:r>
+              <a:rPr lang="en-US" altLang="zh-TW" sz="1600" b="1" dirty="0" smtClean="0"/>
+              <a:t>Users</a:t>
+            </a:r>
+            <a:endParaRPr lang="en-US" altLang="zh-TW" sz="1600" dirty="0"/>
+          </a:p>
+        </p:txBody>
+      </p:sp>
+      <p:sp>
+        <p:nvSpPr>
+          <p:cNvPr id="19" name="矩形 18"/>
+          <p:cNvSpPr/>
+          <p:nvPr/>
+        </p:nvSpPr>
+        <p:spPr>
+          <a:xfrm>
+            <a:off x="303516" y="3517018"/>
+            <a:ext cx="5400000" cy="576000"/>
+          </a:xfrm>
+          <a:prstGeom prst="rect">
+            <a:avLst/>
+          </a:prstGeom>
+        </p:spPr>
+        <p:style>
+          <a:lnRef idx="1">
+            <a:schemeClr val="accent1"/>
+          </a:lnRef>
+          <a:fillRef idx="3">
+            <a:schemeClr val="accent1"/>
+          </a:fillRef>
+          <a:effectRef idx="2">
+            <a:schemeClr val="accent1"/>
+          </a:effectRef>
+          <a:fontRef idx="minor">
+            <a:schemeClr val="lt1"/>
+          </a:fontRef>
+        </p:style>
+        <p:txBody>
+          <a:bodyPr rtlCol="0" anchor="ctr"/>
+          <a:lstStyle/>
+          <a:p>
+            <a:r>
+              <a:rPr lang="en-US" altLang="zh-TW" sz="1600" b="1" dirty="0" smtClean="0"/>
+              <a:t>Data Layer</a:t>
+            </a:r>
+            <a:endParaRPr lang="en-US" altLang="zh-TW" sz="1600" dirty="0"/>
+          </a:p>
+        </p:txBody>
+      </p:sp>
+      <p:sp>
+        <p:nvSpPr>
+          <p:cNvPr id="33" name="矩形 32"/>
+          <p:cNvSpPr/>
+          <p:nvPr/>
+        </p:nvSpPr>
+        <p:spPr>
+          <a:xfrm>
+            <a:off x="303516" y="2826179"/>
+            <a:ext cx="5400000" cy="576000"/>
+          </a:xfrm>
+          <a:prstGeom prst="rect">
+            <a:avLst/>
+          </a:prstGeom>
+        </p:spPr>
+        <p:style>
+          <a:lnRef idx="0">
+            <a:schemeClr val="accent2"/>
+          </a:lnRef>
+          <a:fillRef idx="3">
+            <a:schemeClr val="accent2"/>
+          </a:fillRef>
+          <a:effectRef idx="3">
+            <a:schemeClr val="accent2"/>
+          </a:effectRef>
+          <a:fontRef idx="minor">
+            <a:schemeClr val="lt1"/>
+          </a:fontRef>
+        </p:style>
+        <p:txBody>
+          <a:bodyPr rtlCol="0" anchor="ctr"/>
+          <a:lstStyle/>
+          <a:p>
+            <a:r>
+              <a:rPr lang="en-US" altLang="zh-TW" sz="1600" b="1" dirty="0"/>
+              <a:t>Business Layer</a:t>
+            </a:r>
+            <a:endParaRPr lang="en-US" altLang="zh-TW" sz="1600" dirty="0"/>
+          </a:p>
+        </p:txBody>
+      </p:sp>
+      <p:sp>
+        <p:nvSpPr>
+          <p:cNvPr id="4" name="圓角矩形 3"/>
+          <p:cNvSpPr/>
+          <p:nvPr/>
+        </p:nvSpPr>
+        <p:spPr>
+          <a:xfrm>
+            <a:off x="2563852" y="2251289"/>
+            <a:ext cx="1332000" cy="360000"/>
+          </a:xfrm>
+          <a:prstGeom prst="roundRect">
+            <a:avLst/>
+          </a:prstGeom>
+        </p:spPr>
+        <p:style>
+          <a:lnRef idx="0">
+            <a:schemeClr val="accent4"/>
+          </a:lnRef>
+          <a:fillRef idx="3">
+            <a:schemeClr val="accent4"/>
+          </a:fillRef>
+          <a:effectRef idx="3">
+            <a:schemeClr val="accent4"/>
+          </a:effectRef>
+          <a:fontRef idx="minor">
+            <a:schemeClr val="lt1"/>
+          </a:fontRef>
+        </p:style>
+        <p:txBody>
+          <a:bodyPr rtlCol="0" anchor="ctr"/>
+          <a:lstStyle/>
+          <a:p>
+            <a:pPr algn="ctr"/>
+            <a:r>
+              <a:rPr lang="en-US" altLang="zh-TW" sz="1600" dirty="0" smtClean="0">
+                <a:solidFill>
+                  <a:schemeClr val="tx1"/>
+                </a:solidFill>
+              </a:rPr>
+              <a:t>Component</a:t>
+            </a:r>
+            <a:endParaRPr lang="zh-TW" altLang="en-US" sz="1600" dirty="0">
+              <a:solidFill>
+                <a:schemeClr val="tx1"/>
+              </a:solidFill>
+            </a:endParaRPr>
+          </a:p>
+        </p:txBody>
+      </p:sp>
+      <p:sp>
+        <p:nvSpPr>
+          <p:cNvPr id="29" name="圓角矩形 28"/>
+          <p:cNvSpPr/>
+          <p:nvPr/>
+        </p:nvSpPr>
+        <p:spPr>
+          <a:xfrm>
+            <a:off x="4158093" y="2251289"/>
+            <a:ext cx="1332000" cy="360000"/>
+          </a:xfrm>
+          <a:prstGeom prst="roundRect">
+            <a:avLst/>
+          </a:prstGeom>
+        </p:spPr>
+        <p:style>
+          <a:lnRef idx="0">
+            <a:schemeClr val="accent4"/>
+          </a:lnRef>
+          <a:fillRef idx="3">
+            <a:schemeClr val="accent4"/>
+          </a:fillRef>
+          <a:effectRef idx="3">
+            <a:schemeClr val="accent4"/>
+          </a:effectRef>
+          <a:fontRef idx="minor">
+            <a:schemeClr val="lt1"/>
+          </a:fontRef>
+        </p:style>
+        <p:txBody>
+          <a:bodyPr rtlCol="0" anchor="ctr"/>
+          <a:lstStyle/>
+          <a:p>
+            <a:pPr algn="ctr"/>
+            <a:r>
+              <a:rPr lang="en-US" altLang="zh-TW" sz="1600" dirty="0">
+                <a:solidFill>
+                  <a:schemeClr val="tx1"/>
+                </a:solidFill>
+              </a:rPr>
+              <a:t>Component</a:t>
+            </a:r>
+            <a:endParaRPr lang="zh-TW" altLang="en-US" sz="1600" dirty="0">
+              <a:solidFill>
+                <a:schemeClr val="tx1"/>
+              </a:solidFill>
+            </a:endParaRPr>
+          </a:p>
+        </p:txBody>
+      </p:sp>
+      <p:sp>
+        <p:nvSpPr>
+          <p:cNvPr id="30" name="圓角矩形 29"/>
+          <p:cNvSpPr/>
+          <p:nvPr/>
+        </p:nvSpPr>
+        <p:spPr>
+          <a:xfrm>
+            <a:off x="2563852" y="2934179"/>
+            <a:ext cx="1332000" cy="360000"/>
+          </a:xfrm>
+          <a:prstGeom prst="roundRect">
+            <a:avLst/>
+          </a:prstGeom>
+        </p:spPr>
+        <p:style>
+          <a:lnRef idx="0">
+            <a:schemeClr val="accent4"/>
+          </a:lnRef>
+          <a:fillRef idx="3">
+            <a:schemeClr val="accent4"/>
+          </a:fillRef>
+          <a:effectRef idx="3">
+            <a:schemeClr val="accent4"/>
+          </a:effectRef>
+          <a:fontRef idx="minor">
+            <a:schemeClr val="lt1"/>
+          </a:fontRef>
+        </p:style>
+        <p:txBody>
+          <a:bodyPr rtlCol="0" anchor="ctr"/>
+          <a:lstStyle/>
+          <a:p>
+            <a:pPr algn="ctr"/>
+            <a:r>
+              <a:rPr lang="en-US" altLang="zh-TW" sz="1600" dirty="0">
+                <a:solidFill>
+                  <a:schemeClr val="tx1"/>
+                </a:solidFill>
+              </a:rPr>
+              <a:t>Component</a:t>
+            </a:r>
+            <a:endParaRPr lang="zh-TW" altLang="en-US" sz="1600" dirty="0">
+              <a:solidFill>
+                <a:schemeClr val="tx1"/>
+              </a:solidFill>
+            </a:endParaRPr>
+          </a:p>
+        </p:txBody>
+      </p:sp>
+      <p:sp>
+        <p:nvSpPr>
+          <p:cNvPr id="31" name="圓角矩形 30"/>
+          <p:cNvSpPr/>
+          <p:nvPr/>
+        </p:nvSpPr>
+        <p:spPr>
+          <a:xfrm>
+            <a:off x="4158093" y="2934179"/>
+            <a:ext cx="1332000" cy="360000"/>
+          </a:xfrm>
+          <a:prstGeom prst="roundRect">
+            <a:avLst/>
+          </a:prstGeom>
+        </p:spPr>
+        <p:style>
+          <a:lnRef idx="0">
+            <a:schemeClr val="accent4"/>
+          </a:lnRef>
+          <a:fillRef idx="3">
+            <a:schemeClr val="accent4"/>
+          </a:fillRef>
+          <a:effectRef idx="3">
+            <a:schemeClr val="accent4"/>
+          </a:effectRef>
+          <a:fontRef idx="minor">
+            <a:schemeClr val="lt1"/>
+          </a:fontRef>
+        </p:style>
+        <p:txBody>
+          <a:bodyPr rtlCol="0" anchor="ctr"/>
+          <a:lstStyle/>
+          <a:p>
+            <a:pPr algn="ctr"/>
+            <a:r>
+              <a:rPr lang="en-US" altLang="zh-TW" sz="1600" dirty="0">
+                <a:solidFill>
+                  <a:schemeClr val="tx1"/>
+                </a:solidFill>
+              </a:rPr>
+              <a:t>Component</a:t>
+            </a:r>
+            <a:endParaRPr lang="zh-TW" altLang="en-US" sz="1600" dirty="0">
+              <a:solidFill>
+                <a:schemeClr val="tx1"/>
+              </a:solidFill>
+            </a:endParaRPr>
+          </a:p>
+        </p:txBody>
+      </p:sp>
+      <p:sp>
+        <p:nvSpPr>
+          <p:cNvPr id="37" name="圓角矩形 36"/>
+          <p:cNvSpPr/>
+          <p:nvPr/>
+        </p:nvSpPr>
+        <p:spPr>
+          <a:xfrm>
+            <a:off x="2563852" y="3625018"/>
+            <a:ext cx="1332000" cy="360000"/>
+          </a:xfrm>
+          <a:prstGeom prst="roundRect">
+            <a:avLst/>
+          </a:prstGeom>
+        </p:spPr>
+        <p:style>
+          <a:lnRef idx="0">
+            <a:schemeClr val="accent4"/>
+          </a:lnRef>
+          <a:fillRef idx="3">
+            <a:schemeClr val="accent4"/>
+          </a:fillRef>
+          <a:effectRef idx="3">
+            <a:schemeClr val="accent4"/>
+          </a:effectRef>
+          <a:fontRef idx="minor">
+            <a:schemeClr val="lt1"/>
+          </a:fontRef>
+        </p:style>
+        <p:txBody>
+          <a:bodyPr rtlCol="0" anchor="ctr"/>
+          <a:lstStyle/>
+          <a:p>
+            <a:pPr algn="ctr"/>
+            <a:r>
+              <a:rPr lang="en-US" altLang="zh-TW" sz="1600" dirty="0">
+                <a:solidFill>
+                  <a:schemeClr val="tx1"/>
+                </a:solidFill>
+              </a:rPr>
+              <a:t>Component</a:t>
+            </a:r>
+            <a:endParaRPr lang="zh-TW" altLang="en-US" sz="1600" dirty="0">
+              <a:solidFill>
+                <a:schemeClr val="tx1"/>
+              </a:solidFill>
+            </a:endParaRPr>
+          </a:p>
+        </p:txBody>
+      </p:sp>
+      <p:sp>
+        <p:nvSpPr>
+          <p:cNvPr id="38" name="圓角矩形 37"/>
+          <p:cNvSpPr/>
+          <p:nvPr/>
+        </p:nvSpPr>
+        <p:spPr>
+          <a:xfrm>
+            <a:off x="4158093" y="3625018"/>
+            <a:ext cx="1332000" cy="360000"/>
+          </a:xfrm>
+          <a:prstGeom prst="roundRect">
+            <a:avLst/>
+          </a:prstGeom>
+        </p:spPr>
+        <p:style>
+          <a:lnRef idx="0">
+            <a:schemeClr val="accent4"/>
+          </a:lnRef>
+          <a:fillRef idx="3">
+            <a:schemeClr val="accent4"/>
+          </a:fillRef>
+          <a:effectRef idx="3">
+            <a:schemeClr val="accent4"/>
+          </a:effectRef>
+          <a:fontRef idx="minor">
+            <a:schemeClr val="lt1"/>
+          </a:fontRef>
+        </p:style>
+        <p:txBody>
+          <a:bodyPr rtlCol="0" anchor="ctr"/>
+          <a:lstStyle/>
+          <a:p>
+            <a:pPr algn="ctr"/>
+            <a:r>
+              <a:rPr lang="en-US" altLang="zh-TW" sz="1600" dirty="0">
+                <a:solidFill>
+                  <a:schemeClr val="tx1"/>
+                </a:solidFill>
+              </a:rPr>
+              <a:t>Component</a:t>
+            </a:r>
+            <a:endParaRPr lang="zh-TW" altLang="en-US" sz="1600" dirty="0">
+              <a:solidFill>
+                <a:schemeClr val="tx1"/>
+              </a:solidFill>
+            </a:endParaRPr>
+          </a:p>
+        </p:txBody>
+      </p:sp>
+      <p:sp>
+        <p:nvSpPr>
+          <p:cNvPr id="44" name="矩形 43"/>
+          <p:cNvSpPr/>
+          <p:nvPr/>
+        </p:nvSpPr>
+        <p:spPr>
+          <a:xfrm>
+            <a:off x="303516" y="4206395"/>
+            <a:ext cx="2592000" cy="360000"/>
+          </a:xfrm>
+          <a:prstGeom prst="rect">
+            <a:avLst/>
+          </a:prstGeom>
+        </p:spPr>
+        <p:style>
+          <a:lnRef idx="1">
+            <a:schemeClr val="accent3"/>
+          </a:lnRef>
+          <a:fillRef idx="3">
+            <a:schemeClr val="accent3"/>
+          </a:fillRef>
+          <a:effectRef idx="2">
+            <a:schemeClr val="accent3"/>
+          </a:effectRef>
+          <a:fontRef idx="minor">
+            <a:schemeClr val="lt1"/>
+          </a:fontRef>
+        </p:style>
+        <p:txBody>
+          <a:bodyPr rtlCol="0" anchor="ctr"/>
+          <a:lstStyle/>
+          <a:p>
+            <a:pPr algn="ctr"/>
+            <a:r>
+              <a:rPr lang="en-US" altLang="zh-TW" sz="1600" b="1" dirty="0" smtClean="0"/>
+              <a:t>Database</a:t>
+            </a:r>
+            <a:endParaRPr lang="en-US" altLang="zh-TW" sz="1600" dirty="0"/>
+          </a:p>
+        </p:txBody>
+      </p:sp>
+      <p:sp>
+        <p:nvSpPr>
+          <p:cNvPr id="50" name="矩形 49"/>
+          <p:cNvSpPr/>
+          <p:nvPr/>
+        </p:nvSpPr>
+        <p:spPr>
+          <a:xfrm>
+            <a:off x="3111516" y="4206395"/>
+            <a:ext cx="2592000" cy="360000"/>
+          </a:xfrm>
+          <a:prstGeom prst="rect">
+            <a:avLst/>
+          </a:prstGeom>
+        </p:spPr>
+        <p:style>
+          <a:lnRef idx="1">
+            <a:schemeClr val="accent3"/>
+          </a:lnRef>
+          <a:fillRef idx="3">
+            <a:schemeClr val="accent3"/>
+          </a:fillRef>
+          <a:effectRef idx="2">
+            <a:schemeClr val="accent3"/>
+          </a:effectRef>
+          <a:fontRef idx="minor">
+            <a:schemeClr val="lt1"/>
+          </a:fontRef>
+        </p:style>
+        <p:txBody>
+          <a:bodyPr rtlCol="0" anchor="ctr"/>
+          <a:lstStyle/>
+          <a:p>
+            <a:pPr algn="ctr"/>
+            <a:r>
+              <a:rPr lang="en-US" altLang="zh-TW" sz="1600" b="1" dirty="0"/>
+              <a:t>External </a:t>
+            </a:r>
+            <a:r>
+              <a:rPr lang="en-US" altLang="zh-TW" sz="1600" b="1" dirty="0" smtClean="0"/>
+              <a:t>Services</a:t>
+            </a:r>
+            <a:endParaRPr lang="en-US" altLang="zh-TW" sz="1600" dirty="0"/>
+          </a:p>
+        </p:txBody>
+      </p:sp>
+      <p:sp>
+        <p:nvSpPr>
+          <p:cNvPr id="25" name="Send Log F2L"/>
+          <p:cNvSpPr/>
+          <p:nvPr/>
+        </p:nvSpPr>
+        <p:spPr>
+          <a:xfrm rot="5400000">
+            <a:off x="2121611" y="2671050"/>
+            <a:ext cx="360000" cy="288000"/>
+          </a:xfrm>
+          <a:prstGeom prst="rightArrow">
+            <a:avLst/>
+          </a:prstGeom>
+          <a:solidFill>
+            <a:srgbClr val="FF0000"/>
+          </a:solidFill>
+          <a:ln>
+            <a:solidFill>
+              <a:schemeClr val="tx1"/>
+            </a:solidFill>
+          </a:ln>
+        </p:spPr>
+        <p:style>
+          <a:lnRef idx="3">
+            <a:schemeClr val="lt1"/>
+          </a:lnRef>
+          <a:fillRef idx="1">
+            <a:schemeClr val="accent4"/>
+          </a:fillRef>
+          <a:effectRef idx="1">
+            <a:schemeClr val="accent4"/>
+          </a:effectRef>
+          <a:fontRef idx="minor">
+            <a:schemeClr val="lt1"/>
+          </a:fontRef>
+        </p:style>
+        <p:txBody>
+          <a:bodyPr rtlCol="0" anchor="ctr"/>
+          <a:lstStyle/>
+          <a:p>
+            <a:pPr algn="ctr"/>
+            <a:endParaRPr lang="zh-TW" altLang="en-US" sz="1200" b="1" dirty="0"/>
+          </a:p>
+        </p:txBody>
+      </p:sp>
+      <p:sp>
+        <p:nvSpPr>
+          <p:cNvPr id="26" name="Send Log F2L"/>
+          <p:cNvSpPr/>
+          <p:nvPr/>
+        </p:nvSpPr>
+        <p:spPr>
+          <a:xfrm rot="5400000">
+            <a:off x="2121611" y="3348011"/>
+            <a:ext cx="360000" cy="288000"/>
+          </a:xfrm>
+          <a:prstGeom prst="rightArrow">
+            <a:avLst/>
+          </a:prstGeom>
+          <a:solidFill>
+            <a:srgbClr val="FF0000"/>
+          </a:solidFill>
+          <a:ln>
+            <a:solidFill>
+              <a:schemeClr val="tx1"/>
+            </a:solidFill>
+          </a:ln>
+        </p:spPr>
+        <p:style>
+          <a:lnRef idx="3">
+            <a:schemeClr val="lt1"/>
+          </a:lnRef>
+          <a:fillRef idx="1">
+            <a:schemeClr val="accent4"/>
+          </a:fillRef>
+          <a:effectRef idx="1">
+            <a:schemeClr val="accent4"/>
+          </a:effectRef>
+          <a:fontRef idx="minor">
+            <a:schemeClr val="lt1"/>
+          </a:fontRef>
+        </p:style>
+        <p:txBody>
+          <a:bodyPr rtlCol="0" anchor="ctr"/>
+          <a:lstStyle/>
+          <a:p>
+            <a:pPr algn="ctr"/>
+            <a:endParaRPr lang="zh-TW" altLang="en-US" sz="1200" b="1" dirty="0"/>
+          </a:p>
+        </p:txBody>
+      </p:sp>
+      <p:sp>
+        <p:nvSpPr>
+          <p:cNvPr id="27" name="Send Log F2L"/>
+          <p:cNvSpPr/>
+          <p:nvPr/>
+        </p:nvSpPr>
+        <p:spPr>
+          <a:xfrm rot="5400000">
+            <a:off x="2121611" y="1994089"/>
+            <a:ext cx="360000" cy="288000"/>
+          </a:xfrm>
+          <a:prstGeom prst="rightArrow">
+            <a:avLst/>
+          </a:prstGeom>
+          <a:solidFill>
+            <a:srgbClr val="FF0000"/>
+          </a:solidFill>
+          <a:ln>
+            <a:solidFill>
+              <a:schemeClr val="tx1"/>
+            </a:solidFill>
+          </a:ln>
+        </p:spPr>
+        <p:style>
+          <a:lnRef idx="3">
+            <a:schemeClr val="lt1"/>
+          </a:lnRef>
+          <a:fillRef idx="1">
+            <a:schemeClr val="accent4"/>
+          </a:fillRef>
+          <a:effectRef idx="1">
+            <a:schemeClr val="accent4"/>
+          </a:effectRef>
+          <a:fontRef idx="minor">
+            <a:schemeClr val="lt1"/>
+          </a:fontRef>
+        </p:style>
+        <p:txBody>
+          <a:bodyPr rtlCol="0" anchor="ctr"/>
+          <a:lstStyle/>
+          <a:p>
+            <a:pPr algn="ctr"/>
+            <a:endParaRPr lang="zh-TW" altLang="en-US" sz="1200" b="1" dirty="0"/>
+          </a:p>
+        </p:txBody>
+      </p:sp>
+      <p:sp>
+        <p:nvSpPr>
+          <p:cNvPr id="2" name="文字方塊 1"/>
+          <p:cNvSpPr txBox="1"/>
+          <p:nvPr/>
+        </p:nvSpPr>
+        <p:spPr>
+          <a:xfrm>
+            <a:off x="1907817" y="1665048"/>
+            <a:ext cx="787588" cy="307777"/>
+          </a:xfrm>
+          <a:prstGeom prst="rect">
+            <a:avLst/>
+          </a:prstGeom>
+          <a:noFill/>
+        </p:spPr>
+        <p:txBody>
+          <a:bodyPr wrap="none" rtlCol="0">
+            <a:spAutoFit/>
+          </a:bodyPr>
+          <a:lstStyle/>
+          <a:p>
+            <a:r>
+              <a:rPr lang="en-US" altLang="zh-TW" sz="1400" b="1" dirty="0" smtClean="0">
+                <a:solidFill>
+                  <a:srgbClr val="C00000"/>
+                </a:solidFill>
+              </a:rPr>
+              <a:t>Request</a:t>
+            </a:r>
+            <a:endParaRPr lang="zh-TW" altLang="en-US" sz="1400" b="1" dirty="0">
+              <a:solidFill>
+                <a:srgbClr val="C00000"/>
+              </a:solidFill>
+            </a:endParaRPr>
+          </a:p>
+        </p:txBody>
+      </p:sp>
+      <p:sp>
+        <p:nvSpPr>
+          <p:cNvPr id="36" name="Send Log F2L"/>
+          <p:cNvSpPr/>
+          <p:nvPr/>
+        </p:nvSpPr>
+        <p:spPr>
+          <a:xfrm rot="5400000">
+            <a:off x="2121611" y="4024971"/>
+            <a:ext cx="360000" cy="288000"/>
+          </a:xfrm>
+          <a:prstGeom prst="rightArrow">
+            <a:avLst/>
+          </a:prstGeom>
+          <a:solidFill>
+            <a:srgbClr val="FF0000"/>
+          </a:solidFill>
+          <a:ln>
+            <a:solidFill>
+              <a:schemeClr val="tx1"/>
+            </a:solidFill>
+          </a:ln>
+        </p:spPr>
+        <p:style>
+          <a:lnRef idx="3">
+            <a:schemeClr val="lt1"/>
+          </a:lnRef>
+          <a:fillRef idx="1">
+            <a:schemeClr val="accent4"/>
+          </a:fillRef>
+          <a:effectRef idx="1">
+            <a:schemeClr val="accent4"/>
+          </a:effectRef>
+          <a:fontRef idx="minor">
+            <a:schemeClr val="lt1"/>
+          </a:fontRef>
+        </p:style>
+        <p:txBody>
+          <a:bodyPr rtlCol="0" anchor="ctr"/>
+          <a:lstStyle/>
+          <a:p>
+            <a:pPr algn="ctr"/>
+            <a:endParaRPr lang="zh-TW" altLang="en-US" sz="1200" b="1" dirty="0"/>
+          </a:p>
+        </p:txBody>
+      </p:sp>
+      <p:sp>
+        <p:nvSpPr>
+          <p:cNvPr id="39" name="Send Log F2L"/>
+          <p:cNvSpPr/>
+          <p:nvPr/>
+        </p:nvSpPr>
+        <p:spPr>
+          <a:xfrm rot="5400000">
+            <a:off x="3850543" y="4026395"/>
+            <a:ext cx="360000" cy="288000"/>
+          </a:xfrm>
+          <a:prstGeom prst="rightArrow">
+            <a:avLst/>
+          </a:prstGeom>
+          <a:solidFill>
+            <a:srgbClr val="FF0000"/>
+          </a:solidFill>
+          <a:ln>
+            <a:solidFill>
+              <a:schemeClr val="tx1"/>
+            </a:solidFill>
+          </a:ln>
+        </p:spPr>
+        <p:style>
+          <a:lnRef idx="3">
+            <a:schemeClr val="lt1"/>
+          </a:lnRef>
+          <a:fillRef idx="1">
+            <a:schemeClr val="accent4"/>
+          </a:fillRef>
+          <a:effectRef idx="1">
+            <a:schemeClr val="accent4"/>
+          </a:effectRef>
+          <a:fontRef idx="minor">
+            <a:schemeClr val="lt1"/>
+          </a:fontRef>
+        </p:style>
+        <p:txBody>
+          <a:bodyPr rtlCol="0" anchor="ctr"/>
+          <a:lstStyle/>
+          <a:p>
+            <a:pPr algn="ctr"/>
+            <a:endParaRPr lang="zh-TW" altLang="en-US" sz="1200" b="1" dirty="0"/>
+          </a:p>
+        </p:txBody>
+      </p:sp>
+      <p:sp>
+        <p:nvSpPr>
+          <p:cNvPr id="47" name="矩形 46"/>
+          <p:cNvSpPr/>
+          <p:nvPr/>
+        </p:nvSpPr>
+        <p:spPr>
+          <a:xfrm>
+            <a:off x="5964473" y="2821790"/>
+            <a:ext cx="5400000" cy="576000"/>
           </a:xfrm>
           <a:prstGeom prst="rect">
             <a:avLst/>
@@ -23265,14 +24004,14 @@
       </p:sp>
       <p:sp>
         <p:nvSpPr>
-          <p:cNvPr id="19" name="矩形 18"/>
+          <p:cNvPr id="48" name="矩形 47"/>
           <p:cNvSpPr/>
           <p:nvPr/>
         </p:nvSpPr>
         <p:spPr>
           <a:xfrm>
-            <a:off x="1602919" y="4495890"/>
-            <a:ext cx="4680000" cy="720000"/>
+            <a:off x="5964473" y="2128733"/>
+            <a:ext cx="3657600" cy="576000"/>
           </a:xfrm>
           <a:prstGeom prst="rect">
             <a:avLst/>
@@ -23280,13 +24019,13 @@
         </p:spPr>
         <p:style>
           <a:lnRef idx="1">
-            <a:schemeClr val="accent1"/>
+            <a:schemeClr val="accent6"/>
           </a:lnRef>
           <a:fillRef idx="3">
-            <a:schemeClr val="accent1"/>
+            <a:schemeClr val="accent6"/>
           </a:fillRef>
           <a:effectRef idx="2">
-            <a:schemeClr val="accent1"/>
+            <a:schemeClr val="accent6"/>
           </a:effectRef>
           <a:fontRef idx="minor">
             <a:schemeClr val="lt1"/>
@@ -23297,6 +24036,92 @@
           <a:lstStyle/>
           <a:p>
             <a:r>
+              <a:rPr lang="en-US" altLang="zh-TW" sz="1600" b="1" dirty="0"/>
+              <a:t>Presentation </a:t>
+            </a:r>
+            <a:r>
+              <a:rPr lang="en-US" altLang="zh-TW" sz="1600" b="1" dirty="0" smtClean="0"/>
+              <a:t>Layer</a:t>
+            </a:r>
+            <a:endParaRPr lang="en-US" altLang="zh-TW" sz="1600" dirty="0"/>
+          </a:p>
+        </p:txBody>
+      </p:sp>
+      <p:sp>
+        <p:nvSpPr>
+          <p:cNvPr id="49" name="矩形 48"/>
+          <p:cNvSpPr/>
+          <p:nvPr/>
+        </p:nvSpPr>
+        <p:spPr>
+          <a:xfrm>
+            <a:off x="5965757" y="1665048"/>
+            <a:ext cx="2590716" cy="360000"/>
+          </a:xfrm>
+          <a:prstGeom prst="rect">
+            <a:avLst/>
+          </a:prstGeom>
+        </p:spPr>
+        <p:style>
+          <a:lnRef idx="1">
+            <a:schemeClr val="accent3"/>
+          </a:lnRef>
+          <a:fillRef idx="3">
+            <a:schemeClr val="accent3"/>
+          </a:fillRef>
+          <a:effectRef idx="2">
+            <a:schemeClr val="accent3"/>
+          </a:effectRef>
+          <a:fontRef idx="minor">
+            <a:schemeClr val="lt1"/>
+          </a:fontRef>
+        </p:style>
+        <p:txBody>
+          <a:bodyPr rtlCol="0" anchor="ctr"/>
+          <a:lstStyle/>
+          <a:p>
+            <a:r>
+              <a:rPr lang="en-US" altLang="zh-TW" sz="1600" b="1" dirty="0" smtClean="0"/>
+              <a:t>Users</a:t>
+            </a:r>
+            <a:endParaRPr lang="en-US" altLang="zh-TW" sz="1600" dirty="0"/>
+          </a:p>
+        </p:txBody>
+      </p:sp>
+      <p:sp>
+        <p:nvSpPr>
+          <p:cNvPr id="51" name="矩形 50"/>
+          <p:cNvSpPr/>
+          <p:nvPr/>
+        </p:nvSpPr>
+        <p:spPr>
+          <a:xfrm>
+            <a:off x="5964473" y="4188996"/>
+            <a:ext cx="5400000" cy="576000"/>
+          </a:xfrm>
+          <a:prstGeom prst="rect">
+            <a:avLst/>
+          </a:prstGeom>
+        </p:spPr>
+        <p:style>
+          <a:lnRef idx="1">
+            <a:schemeClr val="accent1"/>
+          </a:lnRef>
+          <a:fillRef idx="3">
+            <a:schemeClr val="accent1"/>
+          </a:fillRef>
+          <a:effectRef idx="2">
+            <a:schemeClr val="accent1"/>
+          </a:effectRef>
+          <a:fontRef idx="minor">
+            <a:schemeClr val="lt1"/>
+          </a:fontRef>
+        </p:style>
+        <p:txBody>
+          <a:bodyPr rtlCol="0" anchor="ctr"/>
+          <a:lstStyle/>
+          <a:p>
+            <a:r>
               <a:rPr lang="en-US" altLang="zh-TW" sz="1600" b="1" dirty="0" smtClean="0"/>
               <a:t>Data Layer</a:t>
             </a:r>
@@ -23306,14 +24131,14 @@
       </p:sp>
       <p:sp>
         <p:nvSpPr>
-          <p:cNvPr id="33" name="矩形 32"/>
+          <p:cNvPr id="55" name="矩形 54"/>
           <p:cNvSpPr/>
           <p:nvPr/>
         </p:nvSpPr>
         <p:spPr>
           <a:xfrm>
-            <a:off x="1602924" y="3572868"/>
-            <a:ext cx="4680000" cy="720000"/>
+            <a:off x="5964473" y="3498157"/>
+            <a:ext cx="5400000" cy="576000"/>
           </a:xfrm>
           <a:prstGeom prst="rect">
             <a:avLst/>
@@ -23347,13 +24172,13 @@
       </p:sp>
       <p:sp>
         <p:nvSpPr>
-          <p:cNvPr id="4" name="圓角矩形 3"/>
+          <p:cNvPr id="56" name="圓角矩形 55"/>
           <p:cNvSpPr/>
           <p:nvPr/>
         </p:nvSpPr>
         <p:spPr>
           <a:xfrm>
-            <a:off x="3442833" y="2832503"/>
+            <a:off x="8224809" y="2239937"/>
             <a:ext cx="1332000" cy="360000"/>
           </a:xfrm>
           <a:prstGeom prst="roundRect">
@@ -23380,12 +24205,12 @@
           <a:p>
             <a:pPr algn="ctr"/>
             <a:r>
-              <a:rPr lang="en-US" altLang="zh-TW" sz="1600" dirty="0">
+              <a:rPr lang="en-US" altLang="zh-TW" sz="1600" dirty="0" smtClean="0">
                 <a:solidFill>
                   <a:schemeClr val="tx1"/>
                 </a:solidFill>
               </a:rPr>
-              <a:t>Component</a:t>
+              <a:t>Components</a:t>
             </a:r>
             <a:endParaRPr lang="zh-TW" altLang="en-US" sz="1600" dirty="0">
               <a:solidFill>
@@ -23397,13 +24222,13 @@
       </p:sp>
       <p:sp>
         <p:nvSpPr>
-          <p:cNvPr id="29" name="圓角矩形 28"/>
+          <p:cNvPr id="62" name="圓角矩形 61"/>
           <p:cNvSpPr/>
           <p:nvPr/>
         </p:nvSpPr>
         <p:spPr>
           <a:xfrm>
-            <a:off x="4861516" y="2832503"/>
+            <a:off x="8224809" y="3606157"/>
             <a:ext cx="1332000" cy="360000"/>
           </a:xfrm>
           <a:prstGeom prst="roundRect">
@@ -23447,13 +24272,13 @@
       </p:sp>
       <p:sp>
         <p:nvSpPr>
-          <p:cNvPr id="30" name="圓角矩形 29"/>
+          <p:cNvPr id="63" name="圓角矩形 62"/>
           <p:cNvSpPr/>
           <p:nvPr/>
         </p:nvSpPr>
         <p:spPr>
           <a:xfrm>
-            <a:off x="3442833" y="3752868"/>
+            <a:off x="9819050" y="3606157"/>
             <a:ext cx="1332000" cy="360000"/>
           </a:xfrm>
           <a:prstGeom prst="roundRect">
@@ -23497,13 +24322,13 @@
       </p:sp>
       <p:sp>
         <p:nvSpPr>
-          <p:cNvPr id="31" name="圓角矩形 30"/>
+          <p:cNvPr id="64" name="圓角矩形 63"/>
           <p:cNvSpPr/>
           <p:nvPr/>
         </p:nvSpPr>
         <p:spPr>
           <a:xfrm>
-            <a:off x="4867213" y="3752868"/>
+            <a:off x="8224809" y="4296996"/>
             <a:ext cx="1332000" cy="360000"/>
           </a:xfrm>
           <a:prstGeom prst="roundRect">
@@ -23547,13 +24372,13 @@
       </p:sp>
       <p:sp>
         <p:nvSpPr>
-          <p:cNvPr id="37" name="圓角矩形 36"/>
+          <p:cNvPr id="65" name="圓角矩形 64"/>
           <p:cNvSpPr/>
           <p:nvPr/>
         </p:nvSpPr>
         <p:spPr>
           <a:xfrm>
-            <a:off x="3442833" y="4675890"/>
+            <a:off x="9819050" y="4296996"/>
             <a:ext cx="1332000" cy="360000"/>
           </a:xfrm>
           <a:prstGeom prst="roundRect">
@@ -23597,13 +24422,369 @@
       </p:sp>
       <p:sp>
         <p:nvSpPr>
-          <p:cNvPr id="38" name="圓角矩形 37"/>
+          <p:cNvPr id="66" name="矩形 65"/>
           <p:cNvSpPr/>
           <p:nvPr/>
         </p:nvSpPr>
         <p:spPr>
           <a:xfrm>
-            <a:off x="4867213" y="4675890"/>
+            <a:off x="5964473" y="4878373"/>
+            <a:ext cx="2592000" cy="360000"/>
+          </a:xfrm>
+          <a:prstGeom prst="rect">
+            <a:avLst/>
+          </a:prstGeom>
+        </p:spPr>
+        <p:style>
+          <a:lnRef idx="1">
+            <a:schemeClr val="accent3"/>
+          </a:lnRef>
+          <a:fillRef idx="3">
+            <a:schemeClr val="accent3"/>
+          </a:fillRef>
+          <a:effectRef idx="2">
+            <a:schemeClr val="accent3"/>
+          </a:effectRef>
+          <a:fontRef idx="minor">
+            <a:schemeClr val="lt1"/>
+          </a:fontRef>
+        </p:style>
+        <p:txBody>
+          <a:bodyPr rtlCol="0" anchor="ctr"/>
+          <a:lstStyle/>
+          <a:p>
+            <a:pPr algn="ctr"/>
+            <a:r>
+              <a:rPr lang="en-US" altLang="zh-TW" sz="1600" b="1" dirty="0" smtClean="0"/>
+              <a:t>Database</a:t>
+            </a:r>
+            <a:endParaRPr lang="en-US" altLang="zh-TW" sz="1600" dirty="0"/>
+          </a:p>
+        </p:txBody>
+      </p:sp>
+      <p:sp>
+        <p:nvSpPr>
+          <p:cNvPr id="67" name="矩形 66"/>
+          <p:cNvSpPr/>
+          <p:nvPr/>
+        </p:nvSpPr>
+        <p:spPr>
+          <a:xfrm>
+            <a:off x="8772473" y="4878373"/>
+            <a:ext cx="2592000" cy="360000"/>
+          </a:xfrm>
+          <a:prstGeom prst="rect">
+            <a:avLst/>
+          </a:prstGeom>
+        </p:spPr>
+        <p:style>
+          <a:lnRef idx="1">
+            <a:schemeClr val="accent3"/>
+          </a:lnRef>
+          <a:fillRef idx="3">
+            <a:schemeClr val="accent3"/>
+          </a:fillRef>
+          <a:effectRef idx="2">
+            <a:schemeClr val="accent3"/>
+          </a:effectRef>
+          <a:fontRef idx="minor">
+            <a:schemeClr val="lt1"/>
+          </a:fontRef>
+        </p:style>
+        <p:txBody>
+          <a:bodyPr rtlCol="0" anchor="ctr"/>
+          <a:lstStyle/>
+          <a:p>
+            <a:pPr algn="ctr"/>
+            <a:r>
+              <a:rPr lang="en-US" altLang="zh-TW" sz="1600" b="1" dirty="0"/>
+              <a:t>External </a:t>
+            </a:r>
+            <a:r>
+              <a:rPr lang="en-US" altLang="zh-TW" sz="1600" b="1" dirty="0" smtClean="0"/>
+              <a:t>Services</a:t>
+            </a:r>
+            <a:endParaRPr lang="en-US" altLang="zh-TW" sz="1600" dirty="0"/>
+          </a:p>
+        </p:txBody>
+      </p:sp>
+      <p:sp>
+        <p:nvSpPr>
+          <p:cNvPr id="68" name="Send Log F2L"/>
+          <p:cNvSpPr/>
+          <p:nvPr/>
+        </p:nvSpPr>
+        <p:spPr>
+          <a:xfrm rot="5400000">
+            <a:off x="7782568" y="3343028"/>
+            <a:ext cx="360000" cy="288000"/>
+          </a:xfrm>
+          <a:prstGeom prst="rightArrow">
+            <a:avLst/>
+          </a:prstGeom>
+          <a:solidFill>
+            <a:srgbClr val="FF0000"/>
+          </a:solidFill>
+          <a:ln>
+            <a:solidFill>
+              <a:schemeClr val="tx1"/>
+            </a:solidFill>
+          </a:ln>
+        </p:spPr>
+        <p:style>
+          <a:lnRef idx="3">
+            <a:schemeClr val="lt1"/>
+          </a:lnRef>
+          <a:fillRef idx="1">
+            <a:schemeClr val="accent4"/>
+          </a:fillRef>
+          <a:effectRef idx="1">
+            <a:schemeClr val="accent4"/>
+          </a:effectRef>
+          <a:fontRef idx="minor">
+            <a:schemeClr val="lt1"/>
+          </a:fontRef>
+        </p:style>
+        <p:txBody>
+          <a:bodyPr rtlCol="0" anchor="ctr"/>
+          <a:lstStyle/>
+          <a:p>
+            <a:pPr algn="ctr"/>
+            <a:endParaRPr lang="zh-TW" altLang="en-US" sz="1200" b="1" dirty="0"/>
+          </a:p>
+        </p:txBody>
+      </p:sp>
+      <p:sp>
+        <p:nvSpPr>
+          <p:cNvPr id="69" name="Send Log F2L"/>
+          <p:cNvSpPr/>
+          <p:nvPr/>
+        </p:nvSpPr>
+        <p:spPr>
+          <a:xfrm rot="5400000">
+            <a:off x="7782568" y="4019989"/>
+            <a:ext cx="360000" cy="288000"/>
+          </a:xfrm>
+          <a:prstGeom prst="rightArrow">
+            <a:avLst/>
+          </a:prstGeom>
+          <a:solidFill>
+            <a:srgbClr val="FF0000"/>
+          </a:solidFill>
+          <a:ln>
+            <a:solidFill>
+              <a:schemeClr val="tx1"/>
+            </a:solidFill>
+          </a:ln>
+        </p:spPr>
+        <p:style>
+          <a:lnRef idx="3">
+            <a:schemeClr val="lt1"/>
+          </a:lnRef>
+          <a:fillRef idx="1">
+            <a:schemeClr val="accent4"/>
+          </a:fillRef>
+          <a:effectRef idx="1">
+            <a:schemeClr val="accent4"/>
+          </a:effectRef>
+          <a:fontRef idx="minor">
+            <a:schemeClr val="lt1"/>
+          </a:fontRef>
+        </p:style>
+        <p:txBody>
+          <a:bodyPr rtlCol="0" anchor="ctr"/>
+          <a:lstStyle/>
+          <a:p>
+            <a:pPr algn="ctr"/>
+            <a:endParaRPr lang="zh-TW" altLang="en-US" sz="1200" b="1" dirty="0"/>
+          </a:p>
+        </p:txBody>
+      </p:sp>
+      <p:sp>
+        <p:nvSpPr>
+          <p:cNvPr id="70" name="Send Log F2L"/>
+          <p:cNvSpPr/>
+          <p:nvPr/>
+        </p:nvSpPr>
+        <p:spPr>
+          <a:xfrm rot="5400000">
+            <a:off x="7782568" y="1982737"/>
+            <a:ext cx="360000" cy="288000"/>
+          </a:xfrm>
+          <a:prstGeom prst="rightArrow">
+            <a:avLst/>
+          </a:prstGeom>
+          <a:solidFill>
+            <a:srgbClr val="FF0000"/>
+          </a:solidFill>
+          <a:ln>
+            <a:solidFill>
+              <a:schemeClr val="tx1"/>
+            </a:solidFill>
+          </a:ln>
+        </p:spPr>
+        <p:style>
+          <a:lnRef idx="3">
+            <a:schemeClr val="lt1"/>
+          </a:lnRef>
+          <a:fillRef idx="1">
+            <a:schemeClr val="accent4"/>
+          </a:fillRef>
+          <a:effectRef idx="1">
+            <a:schemeClr val="accent4"/>
+          </a:effectRef>
+          <a:fontRef idx="minor">
+            <a:schemeClr val="lt1"/>
+          </a:fontRef>
+        </p:style>
+        <p:txBody>
+          <a:bodyPr rtlCol="0" anchor="ctr"/>
+          <a:lstStyle/>
+          <a:p>
+            <a:pPr algn="ctr"/>
+            <a:endParaRPr lang="zh-TW" altLang="en-US" sz="1200" b="1" dirty="0"/>
+          </a:p>
+        </p:txBody>
+      </p:sp>
+      <p:sp>
+        <p:nvSpPr>
+          <p:cNvPr id="71" name="文字方塊 70"/>
+          <p:cNvSpPr txBox="1"/>
+          <p:nvPr/>
+        </p:nvSpPr>
+        <p:spPr>
+          <a:xfrm>
+            <a:off x="7568774" y="1653696"/>
+            <a:ext cx="787588" cy="307777"/>
+          </a:xfrm>
+          <a:prstGeom prst="rect">
+            <a:avLst/>
+          </a:prstGeom>
+          <a:noFill/>
+        </p:spPr>
+        <p:txBody>
+          <a:bodyPr wrap="none" rtlCol="0">
+            <a:spAutoFit/>
+          </a:bodyPr>
+          <a:lstStyle/>
+          <a:p>
+            <a:r>
+              <a:rPr lang="en-US" altLang="zh-TW" sz="1400" b="1" dirty="0" smtClean="0">
+                <a:solidFill>
+                  <a:srgbClr val="C00000"/>
+                </a:solidFill>
+              </a:rPr>
+              <a:t>Request</a:t>
+            </a:r>
+            <a:endParaRPr lang="zh-TW" altLang="en-US" sz="1400" b="1" dirty="0">
+              <a:solidFill>
+                <a:srgbClr val="C00000"/>
+              </a:solidFill>
+            </a:endParaRPr>
+          </a:p>
+        </p:txBody>
+      </p:sp>
+      <p:sp>
+        <p:nvSpPr>
+          <p:cNvPr id="72" name="Send Log F2L"/>
+          <p:cNvSpPr/>
+          <p:nvPr/>
+        </p:nvSpPr>
+        <p:spPr>
+          <a:xfrm rot="5400000">
+            <a:off x="7782568" y="4696949"/>
+            <a:ext cx="360000" cy="288000"/>
+          </a:xfrm>
+          <a:prstGeom prst="rightArrow">
+            <a:avLst/>
+          </a:prstGeom>
+          <a:solidFill>
+            <a:srgbClr val="FF0000"/>
+          </a:solidFill>
+          <a:ln>
+            <a:solidFill>
+              <a:schemeClr val="tx1"/>
+            </a:solidFill>
+          </a:ln>
+        </p:spPr>
+        <p:style>
+          <a:lnRef idx="3">
+            <a:schemeClr val="lt1"/>
+          </a:lnRef>
+          <a:fillRef idx="1">
+            <a:schemeClr val="accent4"/>
+          </a:fillRef>
+          <a:effectRef idx="1">
+            <a:schemeClr val="accent4"/>
+          </a:effectRef>
+          <a:fontRef idx="minor">
+            <a:schemeClr val="lt1"/>
+          </a:fontRef>
+        </p:style>
+        <p:txBody>
+          <a:bodyPr rtlCol="0" anchor="ctr"/>
+          <a:lstStyle/>
+          <a:p>
+            <a:pPr algn="ctr"/>
+            <a:endParaRPr lang="zh-TW" altLang="en-US" sz="1200" b="1" dirty="0"/>
+          </a:p>
+        </p:txBody>
+      </p:sp>
+      <p:sp>
+        <p:nvSpPr>
+          <p:cNvPr id="73" name="Send Log F2L"/>
+          <p:cNvSpPr/>
+          <p:nvPr/>
+        </p:nvSpPr>
+        <p:spPr>
+          <a:xfrm rot="5400000">
+            <a:off x="9511500" y="4698373"/>
+            <a:ext cx="360000" cy="288000"/>
+          </a:xfrm>
+          <a:prstGeom prst="rightArrow">
+            <a:avLst/>
+          </a:prstGeom>
+          <a:solidFill>
+            <a:srgbClr val="FF0000"/>
+          </a:solidFill>
+          <a:ln>
+            <a:solidFill>
+              <a:schemeClr val="tx1"/>
+            </a:solidFill>
+          </a:ln>
+        </p:spPr>
+        <p:style>
+          <a:lnRef idx="3">
+            <a:schemeClr val="lt1"/>
+          </a:lnRef>
+          <a:fillRef idx="1">
+            <a:schemeClr val="accent4"/>
+          </a:fillRef>
+          <a:effectRef idx="1">
+            <a:schemeClr val="accent4"/>
+          </a:effectRef>
+          <a:fontRef idx="minor">
+            <a:schemeClr val="lt1"/>
+          </a:fontRef>
+        </p:style>
+        <p:txBody>
+          <a:bodyPr rtlCol="0" anchor="ctr"/>
+          <a:lstStyle/>
+          <a:p>
+            <a:pPr algn="ctr"/>
+            <a:endParaRPr lang="zh-TW" altLang="en-US" sz="1200" b="1" dirty="0"/>
+          </a:p>
+        </p:txBody>
+      </p:sp>
+      <p:sp>
+        <p:nvSpPr>
+          <p:cNvPr id="74" name="圓角矩形 73"/>
+          <p:cNvSpPr/>
+          <p:nvPr/>
+        </p:nvSpPr>
+        <p:spPr>
+          <a:xfrm>
+            <a:off x="8236317" y="2914479"/>
             <a:ext cx="1332000" cy="360000"/>
           </a:xfrm>
           <a:prstGeom prst="roundRect">
@@ -23647,31 +24828,31 @@
       </p:sp>
       <p:sp>
         <p:nvSpPr>
-          <p:cNvPr id="41" name="Send Log F2L"/>
+          <p:cNvPr id="75" name="圓角矩形 74"/>
           <p:cNvSpPr/>
           <p:nvPr/>
         </p:nvSpPr>
         <p:spPr>
-          <a:xfrm rot="5400000">
-            <a:off x="2106154" y="1251997"/>
-            <a:ext cx="828000" cy="432000"/>
-          </a:xfrm>
-          <a:prstGeom prst="rightArrow">
+          <a:xfrm>
+            <a:off x="9830558" y="2914479"/>
+            <a:ext cx="1332000" cy="360000"/>
+          </a:xfrm>
+          <a:prstGeom prst="roundRect">
             <a:avLst/>
           </a:prstGeom>
         </p:spPr>
         <p:style>
-          <a:lnRef idx="1">
+          <a:lnRef idx="0">
             <a:schemeClr val="accent4"/>
           </a:lnRef>
-          <a:fillRef idx="2">
+          <a:fillRef idx="3">
             <a:schemeClr val="accent4"/>
           </a:fillRef>
-          <a:effectRef idx="1">
+          <a:effectRef idx="3">
             <a:schemeClr val="accent4"/>
           </a:effectRef>
           <a:fontRef idx="minor">
-            <a:schemeClr val="dk1"/>
+            <a:schemeClr val="lt1"/>
           </a:fontRef>
         </p:style>
         <p:txBody>
@@ -23680,99 +24861,31 @@
           <a:p>
             <a:pPr algn="ctr"/>
             <a:r>
-              <a:rPr lang="en-US" altLang="zh-TW" sz="1200" b="1" dirty="0" smtClean="0"/>
-              <a:t>Request</a:t>
+              <a:rPr lang="en-US" altLang="zh-TW" sz="1600" dirty="0">
+                <a:solidFill>
+                  <a:schemeClr val="tx1"/>
+                </a:solidFill>
+              </a:rPr>
+              <a:t>Component</a:t>
             </a:r>
-            <a:endParaRPr lang="zh-TW" altLang="en-US" sz="1200" b="1" dirty="0"/>
-          </a:p>
-        </p:txBody>
-      </p:sp>
-      <p:sp>
-        <p:nvSpPr>
-          <p:cNvPr id="42" name="Send Log F2L"/>
+            <a:endParaRPr lang="zh-TW" altLang="en-US" sz="1600" dirty="0">
+              <a:solidFill>
+                <a:schemeClr val="tx1"/>
+              </a:solidFill>
+            </a:endParaRPr>
+          </a:p>
+        </p:txBody>
+      </p:sp>
+      <p:sp>
+        <p:nvSpPr>
+          <p:cNvPr id="76" name="矩形 75"/>
           <p:cNvSpPr/>
           <p:nvPr/>
         </p:nvSpPr>
         <p:spPr>
-          <a:xfrm rot="5400000">
-            <a:off x="2305517" y="3291357"/>
-            <a:ext cx="432000" cy="360000"/>
-          </a:xfrm>
-          <a:prstGeom prst="rightArrow">
-            <a:avLst/>
-          </a:prstGeom>
-        </p:spPr>
-        <p:style>
-          <a:lnRef idx="1">
-            <a:schemeClr val="accent4"/>
-          </a:lnRef>
-          <a:fillRef idx="2">
-            <a:schemeClr val="accent4"/>
-          </a:fillRef>
-          <a:effectRef idx="1">
-            <a:schemeClr val="accent4"/>
-          </a:effectRef>
-          <a:fontRef idx="minor">
-            <a:schemeClr val="dk1"/>
-          </a:fontRef>
-        </p:style>
-        <p:txBody>
-          <a:bodyPr rtlCol="0" anchor="ctr"/>
-          <a:lstStyle/>
-          <a:p>
-            <a:pPr algn="ctr"/>
-            <a:endParaRPr lang="zh-TW" altLang="en-US" sz="1200" b="1" dirty="0"/>
-          </a:p>
-        </p:txBody>
-      </p:sp>
-      <p:sp>
-        <p:nvSpPr>
-          <p:cNvPr id="43" name="Send Log F2L"/>
-          <p:cNvSpPr/>
-          <p:nvPr/>
-        </p:nvSpPr>
-        <p:spPr>
-          <a:xfrm rot="5400000">
-            <a:off x="2305517" y="4207247"/>
-            <a:ext cx="432000" cy="360000"/>
-          </a:xfrm>
-          <a:prstGeom prst="rightArrow">
-            <a:avLst/>
-          </a:prstGeom>
-        </p:spPr>
-        <p:style>
-          <a:lnRef idx="1">
-            <a:schemeClr val="accent4"/>
-          </a:lnRef>
-          <a:fillRef idx="2">
-            <a:schemeClr val="accent4"/>
-          </a:fillRef>
-          <a:effectRef idx="1">
-            <a:schemeClr val="accent4"/>
-          </a:effectRef>
-          <a:fontRef idx="minor">
-            <a:schemeClr val="dk1"/>
-          </a:fontRef>
-        </p:style>
-        <p:txBody>
-          <a:bodyPr rtlCol="0" anchor="ctr"/>
-          <a:lstStyle/>
-          <a:p>
-            <a:pPr algn="ctr"/>
-            <a:endParaRPr lang="zh-TW" altLang="en-US" sz="1200" b="1" dirty="0"/>
-          </a:p>
-        </p:txBody>
-      </p:sp>
-      <p:sp>
-        <p:nvSpPr>
-          <p:cNvPr id="44" name="矩形 43"/>
-          <p:cNvSpPr/>
-          <p:nvPr/>
-        </p:nvSpPr>
-        <p:spPr>
-          <a:xfrm>
-            <a:off x="1600200" y="5390385"/>
-            <a:ext cx="2232000" cy="720000"/>
+          <a:xfrm>
+            <a:off x="8772473" y="1665048"/>
+            <a:ext cx="2592000" cy="360000"/>
           </a:xfrm>
           <a:prstGeom prst="rect">
             <a:avLst/>
@@ -23796,56 +24909,13 @@
           <a:bodyPr rtlCol="0" anchor="ctr"/>
           <a:lstStyle/>
           <a:p>
-            <a:pPr algn="ctr"/>
-            <a:r>
-              <a:rPr lang="en-US" altLang="zh-TW" sz="1600" b="1" dirty="0" smtClean="0"/>
-              <a:t>Database</a:t>
-            </a:r>
-            <a:endParaRPr lang="en-US" altLang="zh-TW" sz="1600" dirty="0"/>
-          </a:p>
-        </p:txBody>
-      </p:sp>
-      <p:sp>
-        <p:nvSpPr>
-          <p:cNvPr id="50" name="矩形 49"/>
-          <p:cNvSpPr/>
-          <p:nvPr/>
-        </p:nvSpPr>
-        <p:spPr>
-          <a:xfrm>
-            <a:off x="4048200" y="5390385"/>
-            <a:ext cx="2232000" cy="720000"/>
-          </a:xfrm>
-          <a:prstGeom prst="rect">
-            <a:avLst/>
-          </a:prstGeom>
-        </p:spPr>
-        <p:style>
-          <a:lnRef idx="1">
-            <a:schemeClr val="accent3"/>
-          </a:lnRef>
-          <a:fillRef idx="3">
-            <a:schemeClr val="accent3"/>
-          </a:fillRef>
-          <a:effectRef idx="2">
-            <a:schemeClr val="accent3"/>
-          </a:effectRef>
-          <a:fontRef idx="minor">
-            <a:schemeClr val="lt1"/>
-          </a:fontRef>
-        </p:style>
-        <p:txBody>
-          <a:bodyPr rtlCol="0" anchor="ctr"/>
-          <a:lstStyle/>
-          <a:p>
-            <a:pPr algn="ctr"/>
             <a:r>
               <a:rPr lang="en-US" altLang="zh-TW" sz="1600" b="1" dirty="0"/>
               <a:t>External </a:t>
             </a:r>
             <a:r>
               <a:rPr lang="en-US" altLang="zh-TW" sz="1600" b="1" dirty="0" smtClean="0"/>
-              <a:t>Services</a:t>
+              <a:t>Systems</a:t>
             </a:r>
             <a:endParaRPr lang="en-US" altLang="zh-TW" sz="1600" dirty="0"/>
           </a:p>
@@ -23853,31 +24923,39 @@
       </p:sp>
       <p:sp>
         <p:nvSpPr>
-          <p:cNvPr id="52" name="Send Log F2L"/>
+          <p:cNvPr id="77" name="Send Log F2L"/>
           <p:cNvSpPr/>
           <p:nvPr/>
         </p:nvSpPr>
         <p:spPr>
           <a:xfrm rot="5400000">
-            <a:off x="2305517" y="5123138"/>
-            <a:ext cx="432000" cy="360000"/>
+            <a:off x="10522010" y="2270737"/>
+            <a:ext cx="936000" cy="288000"/>
           </a:xfrm>
           <a:prstGeom prst="rightArrow">
             <a:avLst/>
           </a:prstGeom>
+          <a:solidFill>
+            <a:srgbClr val="FF0000"/>
+          </a:solidFill>
+          <a:ln>
+            <a:solidFill>
+              <a:schemeClr val="tx1"/>
+            </a:solidFill>
+          </a:ln>
         </p:spPr>
         <p:style>
-          <a:lnRef idx="1">
-            <a:schemeClr val="accent4"/>
+          <a:lnRef idx="3">
+            <a:schemeClr val="lt1"/>
           </a:lnRef>
-          <a:fillRef idx="2">
+          <a:fillRef idx="1">
             <a:schemeClr val="accent4"/>
           </a:fillRef>
           <a:effectRef idx="1">
             <a:schemeClr val="accent4"/>
           </a:effectRef>
           <a:fontRef idx="minor">
-            <a:schemeClr val="dk1"/>
+            <a:schemeClr val="lt1"/>
           </a:fontRef>
         </p:style>
         <p:txBody>
@@ -23891,68 +24969,76 @@
       </p:sp>
       <p:sp>
         <p:nvSpPr>
-          <p:cNvPr id="53" name="Send Log F2L"/>
+          <p:cNvPr id="78" name="文字方塊 77"/>
+          <p:cNvSpPr txBox="1"/>
+          <p:nvPr/>
+        </p:nvSpPr>
+        <p:spPr>
+          <a:xfrm>
+            <a:off x="10596216" y="1669743"/>
+            <a:ext cx="787588" cy="307777"/>
+          </a:xfrm>
+          <a:prstGeom prst="rect">
+            <a:avLst/>
+          </a:prstGeom>
+          <a:noFill/>
+        </p:spPr>
+        <p:txBody>
+          <a:bodyPr wrap="none" rtlCol="0">
+            <a:spAutoFit/>
+          </a:bodyPr>
+          <a:lstStyle/>
+          <a:p>
+            <a:r>
+              <a:rPr lang="en-US" altLang="zh-TW" sz="1400" b="1" dirty="0" smtClean="0">
+                <a:solidFill>
+                  <a:srgbClr val="C00000"/>
+                </a:solidFill>
+              </a:rPr>
+              <a:t>Request</a:t>
+            </a:r>
+            <a:endParaRPr lang="zh-TW" altLang="en-US" sz="1400" b="1" dirty="0">
+              <a:solidFill>
+                <a:srgbClr val="C00000"/>
+              </a:solidFill>
+            </a:endParaRPr>
+          </a:p>
+        </p:txBody>
+      </p:sp>
+      <p:sp>
+        <p:nvSpPr>
+          <p:cNvPr id="79" name="Send Log F2L"/>
           <p:cNvSpPr/>
           <p:nvPr/>
         </p:nvSpPr>
         <p:spPr>
           <a:xfrm rot="5400000">
-            <a:off x="4534798" y="5123138"/>
-            <a:ext cx="432000" cy="360000"/>
+            <a:off x="7781197" y="2666067"/>
+            <a:ext cx="360000" cy="288000"/>
           </a:xfrm>
           <a:prstGeom prst="rightArrow">
             <a:avLst/>
           </a:prstGeom>
+          <a:solidFill>
+            <a:srgbClr val="FF0000"/>
+          </a:solidFill>
+          <a:ln>
+            <a:solidFill>
+              <a:schemeClr val="tx1"/>
+            </a:solidFill>
+          </a:ln>
         </p:spPr>
         <p:style>
-          <a:lnRef idx="1">
-            <a:schemeClr val="accent4"/>
+          <a:lnRef idx="3">
+            <a:schemeClr val="lt1"/>
           </a:lnRef>
-          <a:fillRef idx="2">
+          <a:fillRef idx="1">
             <a:schemeClr val="accent4"/>
           </a:fillRef>
           <a:effectRef idx="1">
             <a:schemeClr val="accent4"/>
           </a:effectRef>
           <a:fontRef idx="minor">
-            <a:schemeClr val="dk1"/>
-          </a:fontRef>
-        </p:style>
-        <p:txBody>
-          <a:bodyPr rtlCol="0" anchor="ctr"/>
-          <a:lstStyle/>
-          <a:p>
-            <a:pPr algn="ctr"/>
-            <a:endParaRPr lang="zh-TW" altLang="en-US" sz="1200" b="1" dirty="0"/>
-          </a:p>
-        </p:txBody>
-      </p:sp>
-      <p:sp>
-        <p:nvSpPr>
-          <p:cNvPr id="57" name="矩形 56"/>
-          <p:cNvSpPr/>
-          <p:nvPr/>
-        </p:nvSpPr>
-        <p:spPr>
-          <a:xfrm>
-            <a:off x="4048200" y="865432"/>
-            <a:ext cx="2232000" cy="720000"/>
-          </a:xfrm>
-          <a:prstGeom prst="rect">
-            <a:avLst/>
-          </a:prstGeom>
-        </p:spPr>
-        <p:style>
-          <a:lnRef idx="1">
-            <a:schemeClr val="accent3"/>
-          </a:lnRef>
-          <a:fillRef idx="3">
-            <a:schemeClr val="accent3"/>
-          </a:fillRef>
-          <a:effectRef idx="2">
-            <a:schemeClr val="accent3"/>
-          </a:effectRef>
-          <a:fontRef idx="minor">
             <a:schemeClr val="lt1"/>
           </a:fontRef>
         </p:style>
@@ -23961,148 +25047,665 @@
           <a:lstStyle/>
           <a:p>
             <a:pPr algn="ctr"/>
-            <a:r>
-              <a:rPr lang="en-US" altLang="zh-TW" sz="1600" b="1" dirty="0" smtClean="0"/>
-              <a:t>External Systems</a:t>
-            </a:r>
-            <a:endParaRPr lang="en-US" altLang="zh-TW" sz="1600" dirty="0"/>
-          </a:p>
-        </p:txBody>
-      </p:sp>
-      <p:sp>
-        <p:nvSpPr>
-          <p:cNvPr id="59" name="Send Log F2L"/>
-          <p:cNvSpPr/>
-          <p:nvPr/>
-        </p:nvSpPr>
-        <p:spPr>
-          <a:xfrm rot="5400000">
-            <a:off x="2304154" y="2369222"/>
-            <a:ext cx="432000" cy="360000"/>
-          </a:xfrm>
-          <a:prstGeom prst="rightArrow">
-            <a:avLst/>
-          </a:prstGeom>
-        </p:spPr>
-        <p:style>
-          <a:lnRef idx="1">
-            <a:schemeClr val="accent4"/>
-          </a:lnRef>
-          <a:fillRef idx="2">
-            <a:schemeClr val="accent4"/>
-          </a:fillRef>
-          <a:effectRef idx="1">
-            <a:schemeClr val="accent4"/>
-          </a:effectRef>
-          <a:fontRef idx="minor">
-            <a:schemeClr val="dk1"/>
-          </a:fontRef>
-        </p:style>
-        <p:txBody>
-          <a:bodyPr rtlCol="0" anchor="ctr"/>
-          <a:lstStyle/>
-          <a:p>
-            <a:pPr algn="ctr"/>
             <a:endParaRPr lang="zh-TW" altLang="en-US" sz="1200" b="1" dirty="0"/>
-          </a:p>
-        </p:txBody>
-      </p:sp>
-      <p:sp>
-        <p:nvSpPr>
-          <p:cNvPr id="60" name="Send Log F2L"/>
-          <p:cNvSpPr/>
-          <p:nvPr/>
-        </p:nvSpPr>
-        <p:spPr>
-          <a:xfrm rot="5400000">
-            <a:off x="4868805" y="1878795"/>
-            <a:ext cx="1317422" cy="432000"/>
-          </a:xfrm>
-          <a:prstGeom prst="rightArrow">
-            <a:avLst/>
-          </a:prstGeom>
-        </p:spPr>
-        <p:style>
-          <a:lnRef idx="1">
-            <a:schemeClr val="accent4"/>
-          </a:lnRef>
-          <a:fillRef idx="2">
-            <a:schemeClr val="accent4"/>
-          </a:fillRef>
-          <a:effectRef idx="1">
-            <a:schemeClr val="accent4"/>
-          </a:effectRef>
-          <a:fontRef idx="minor">
-            <a:schemeClr val="dk1"/>
-          </a:fontRef>
-        </p:style>
-        <p:txBody>
-          <a:bodyPr rtlCol="0" anchor="ctr"/>
-          <a:lstStyle/>
-          <a:p>
-            <a:pPr algn="ctr"/>
-            <a:r>
-              <a:rPr lang="en-US" altLang="zh-TW" sz="1200" b="1" dirty="0" smtClean="0"/>
-              <a:t>Request</a:t>
-            </a:r>
-            <a:endParaRPr lang="zh-TW" altLang="en-US" sz="1200" b="1" dirty="0"/>
-          </a:p>
-        </p:txBody>
-      </p:sp>
-      <p:sp>
-        <p:nvSpPr>
-          <p:cNvPr id="61" name="圓角矩形 60"/>
-          <p:cNvSpPr/>
-          <p:nvPr/>
-        </p:nvSpPr>
-        <p:spPr>
-          <a:xfrm>
-            <a:off x="3442833" y="1934845"/>
-            <a:ext cx="1332000" cy="360000"/>
-          </a:xfrm>
-          <a:prstGeom prst="roundRect">
-            <a:avLst/>
-          </a:prstGeom>
-        </p:spPr>
-        <p:style>
-          <a:lnRef idx="0">
-            <a:schemeClr val="accent4"/>
-          </a:lnRef>
-          <a:fillRef idx="3">
-            <a:schemeClr val="accent4"/>
-          </a:fillRef>
-          <a:effectRef idx="3">
-            <a:schemeClr val="accent4"/>
-          </a:effectRef>
-          <a:fontRef idx="minor">
-            <a:schemeClr val="lt1"/>
-          </a:fontRef>
-        </p:style>
-        <p:txBody>
-          <a:bodyPr rtlCol="0" anchor="ctr"/>
-          <a:lstStyle/>
-          <a:p>
-            <a:pPr algn="ctr"/>
-            <a:r>
-              <a:rPr lang="en-US" altLang="zh-TW" sz="1600" dirty="0" smtClean="0">
-                <a:solidFill>
-                  <a:schemeClr val="tx1"/>
-                </a:solidFill>
-              </a:rPr>
-              <a:t>Components</a:t>
-            </a:r>
-            <a:endParaRPr lang="zh-TW" altLang="en-US" sz="1600" dirty="0">
-              <a:solidFill>
-                <a:schemeClr val="tx1"/>
-              </a:solidFill>
-            </a:endParaRPr>
           </a:p>
         </p:txBody>
       </p:sp>
     </p:spTree>
     <p:extLst>
       <p:ext uri="{BB962C8B-B14F-4D97-AF65-F5344CB8AC3E}">
-        <p14:creationId xmlns:p14="http://schemas.microsoft.com/office/powerpoint/2010/main" val="3351336338"/>
+        <p14:creationId xmlns:p14="http://schemas.microsoft.com/office/powerpoint/2010/main" val="709949974"/>
+      </p:ext>
+    </p:extLst>
+  </p:cSld>
+  <p:clrMapOvr>
+    <a:masterClrMapping/>
+  </p:clrMapOvr>
+  <p:timing>
+    <p:tnLst>
+      <p:par>
+        <p:cTn id="1" dur="indefinite" restart="never" nodeType="tmRoot"/>
+      </p:par>
+    </p:tnLst>
+  </p:timing>
+</p:sld>
+</file>
+
+<file path=ppt/slides/slide25.xml><?xml version="1.0" encoding="utf-8"?>
+<p:sld xmlns:a="http://schemas.openxmlformats.org/drawingml/2006/main" xmlns:r="http://schemas.openxmlformats.org/officeDocument/2006/relationships" xmlns:p="http://schemas.openxmlformats.org/presentationml/2006/main">
+  <p:cSld>
+    <p:spTree>
+      <p:nvGrpSpPr>
+        <p:cNvPr id="1" name=""/>
+        <p:cNvGrpSpPr/>
+        <p:nvPr/>
+      </p:nvGrpSpPr>
+      <p:grpSpPr>
+        <a:xfrm>
+          <a:off x="0" y="0"/>
+          <a:ext cx="0" cy="0"/>
+          <a:chOff x="0" y="0"/>
+          <a:chExt cx="0" cy="0"/>
+        </a:xfrm>
+      </p:grpSpPr>
+      <p:grpSp>
+        <p:nvGrpSpPr>
+          <p:cNvPr id="24" name="群組 23"/>
+          <p:cNvGrpSpPr/>
+          <p:nvPr/>
+        </p:nvGrpSpPr>
+        <p:grpSpPr>
+          <a:xfrm>
+            <a:off x="4419600" y="1219200"/>
+            <a:ext cx="1204176" cy="1222195"/>
+            <a:chOff x="4496112" y="2871005"/>
+            <a:chExt cx="1204176" cy="1222195"/>
+          </a:xfrm>
+        </p:grpSpPr>
+        <p:pic>
+          <p:nvPicPr>
+            <p:cNvPr id="7" name="圖片 6"/>
+            <p:cNvPicPr>
+              <a:picLocks noChangeAspect="1"/>
+            </p:cNvPicPr>
+            <p:nvPr/>
+          </p:nvPicPr>
+          <p:blipFill>
+            <a:blip r:embed="rId2">
+              <a:extLst>
+                <a:ext uri="{28A0092B-C50C-407E-A947-70E740481C1C}">
+                  <a14:useLocalDpi xmlns:a14="http://schemas.microsoft.com/office/drawing/2010/main" val="0"/>
+                </a:ext>
+              </a:extLst>
+            </a:blip>
+            <a:stretch>
+              <a:fillRect/>
+            </a:stretch>
+          </p:blipFill>
+          <p:spPr>
+            <a:xfrm>
+              <a:off x="4648200" y="3193200"/>
+              <a:ext cx="900000" cy="900000"/>
+            </a:xfrm>
+            <a:prstGeom prst="rect">
+              <a:avLst/>
+            </a:prstGeom>
+          </p:spPr>
+        </p:pic>
+        <p:sp>
+          <p:nvSpPr>
+            <p:cNvPr id="12" name="文字方塊 11"/>
+            <p:cNvSpPr txBox="1"/>
+            <p:nvPr/>
+          </p:nvSpPr>
+          <p:spPr>
+            <a:xfrm>
+              <a:off x="4496112" y="2871005"/>
+              <a:ext cx="1204176" cy="369332"/>
+            </a:xfrm>
+            <a:prstGeom prst="rect">
+              <a:avLst/>
+            </a:prstGeom>
+            <a:noFill/>
+          </p:spPr>
+          <p:txBody>
+            <a:bodyPr wrap="none" rtlCol="0">
+              <a:spAutoFit/>
+            </a:bodyPr>
+            <a:lstStyle/>
+            <a:p>
+              <a:r>
+                <a:rPr lang="en-US" altLang="zh-TW" dirty="0" smtClean="0"/>
+                <a:t>Domain.dll</a:t>
+              </a:r>
+              <a:endParaRPr lang="en-US" altLang="zh-TW" dirty="0"/>
+            </a:p>
+          </p:txBody>
+        </p:sp>
+      </p:grpSp>
+      <p:grpSp>
+        <p:nvGrpSpPr>
+          <p:cNvPr id="26" name="群組 25"/>
+          <p:cNvGrpSpPr/>
+          <p:nvPr/>
+        </p:nvGrpSpPr>
+        <p:grpSpPr>
+          <a:xfrm>
+            <a:off x="2745001" y="2891395"/>
+            <a:ext cx="1292405" cy="1272343"/>
+            <a:chOff x="6721752" y="2057399"/>
+            <a:chExt cx="1292405" cy="1272343"/>
+          </a:xfrm>
+        </p:grpSpPr>
+        <p:pic>
+          <p:nvPicPr>
+            <p:cNvPr id="8" name="圖片 7"/>
+            <p:cNvPicPr>
+              <a:picLocks noChangeAspect="1"/>
+            </p:cNvPicPr>
+            <p:nvPr/>
+          </p:nvPicPr>
+          <p:blipFill>
+            <a:blip r:embed="rId3">
+              <a:extLst>
+                <a:ext uri="{28A0092B-C50C-407E-A947-70E740481C1C}">
+                  <a14:useLocalDpi xmlns:a14="http://schemas.microsoft.com/office/drawing/2010/main" val="0"/>
+                </a:ext>
+              </a:extLst>
+            </a:blip>
+            <a:stretch>
+              <a:fillRect/>
+            </a:stretch>
+          </p:blipFill>
+          <p:spPr>
+            <a:xfrm>
+              <a:off x="6917955" y="2057399"/>
+              <a:ext cx="900000" cy="900000"/>
+            </a:xfrm>
+            <a:prstGeom prst="rect">
+              <a:avLst/>
+            </a:prstGeom>
+          </p:spPr>
+        </p:pic>
+        <p:sp>
+          <p:nvSpPr>
+            <p:cNvPr id="15" name="文字方塊 14"/>
+            <p:cNvSpPr txBox="1"/>
+            <p:nvPr/>
+          </p:nvSpPr>
+          <p:spPr>
+            <a:xfrm>
+              <a:off x="6721752" y="2960410"/>
+              <a:ext cx="1292405" cy="369332"/>
+            </a:xfrm>
+            <a:prstGeom prst="rect">
+              <a:avLst/>
+            </a:prstGeom>
+            <a:noFill/>
+          </p:spPr>
+          <p:txBody>
+            <a:bodyPr wrap="none" rtlCol="0">
+              <a:spAutoFit/>
+            </a:bodyPr>
+            <a:lstStyle/>
+            <a:p>
+              <a:r>
+                <a:rPr lang="en-US" altLang="zh-TW" dirty="0" err="1"/>
+                <a:t>WebService</a:t>
+              </a:r>
+              <a:endParaRPr lang="en-US" altLang="zh-TW" dirty="0"/>
+            </a:p>
+          </p:txBody>
+        </p:sp>
+      </p:grpSp>
+      <p:grpSp>
+        <p:nvGrpSpPr>
+          <p:cNvPr id="19" name="群組 18"/>
+          <p:cNvGrpSpPr/>
+          <p:nvPr/>
+        </p:nvGrpSpPr>
+        <p:grpSpPr>
+          <a:xfrm>
+            <a:off x="1491580" y="2891395"/>
+            <a:ext cx="950004" cy="1173168"/>
+            <a:chOff x="2688669" y="435002"/>
+            <a:chExt cx="950004" cy="1173168"/>
+          </a:xfrm>
+        </p:grpSpPr>
+        <p:pic>
+          <p:nvPicPr>
+            <p:cNvPr id="9" name="圖片 8"/>
+            <p:cNvPicPr>
+              <a:picLocks noChangeAspect="1"/>
+            </p:cNvPicPr>
+            <p:nvPr/>
+          </p:nvPicPr>
+          <p:blipFill>
+            <a:blip r:embed="rId4">
+              <a:extLst>
+                <a:ext uri="{28A0092B-C50C-407E-A947-70E740481C1C}">
+                  <a14:useLocalDpi xmlns:a14="http://schemas.microsoft.com/office/drawing/2010/main" val="0"/>
+                </a:ext>
+              </a:extLst>
+            </a:blip>
+            <a:stretch>
+              <a:fillRect/>
+            </a:stretch>
+          </p:blipFill>
+          <p:spPr>
+            <a:xfrm>
+              <a:off x="2712882" y="435002"/>
+              <a:ext cx="900000" cy="900000"/>
+            </a:xfrm>
+            <a:prstGeom prst="rect">
+              <a:avLst/>
+            </a:prstGeom>
+          </p:spPr>
+        </p:pic>
+        <p:sp>
+          <p:nvSpPr>
+            <p:cNvPr id="16" name="文字方塊 15"/>
+            <p:cNvSpPr txBox="1"/>
+            <p:nvPr/>
+          </p:nvSpPr>
+          <p:spPr>
+            <a:xfrm>
+              <a:off x="2688669" y="1238838"/>
+              <a:ext cx="950004" cy="369332"/>
+            </a:xfrm>
+            <a:prstGeom prst="rect">
+              <a:avLst/>
+            </a:prstGeom>
+            <a:noFill/>
+          </p:spPr>
+          <p:txBody>
+            <a:bodyPr wrap="none" rtlCol="0">
+              <a:spAutoFit/>
+            </a:bodyPr>
+            <a:lstStyle/>
+            <a:p>
+              <a:r>
+                <a:rPr lang="en-US" altLang="zh-TW" dirty="0"/>
+                <a:t>Website</a:t>
+              </a:r>
+            </a:p>
+          </p:txBody>
+        </p:sp>
+      </p:grpSp>
+      <p:grpSp>
+        <p:nvGrpSpPr>
+          <p:cNvPr id="23" name="群組 22"/>
+          <p:cNvGrpSpPr/>
+          <p:nvPr/>
+        </p:nvGrpSpPr>
+        <p:grpSpPr>
+          <a:xfrm>
+            <a:off x="6005970" y="2891395"/>
+            <a:ext cx="1383712" cy="1269332"/>
+            <a:chOff x="912656" y="4132907"/>
+            <a:chExt cx="1383712" cy="1269332"/>
+          </a:xfrm>
+        </p:grpSpPr>
+        <p:sp>
+          <p:nvSpPr>
+            <p:cNvPr id="13" name="文字方塊 12"/>
+            <p:cNvSpPr txBox="1"/>
+            <p:nvPr/>
+          </p:nvSpPr>
+          <p:spPr>
+            <a:xfrm>
+              <a:off x="912656" y="5032907"/>
+              <a:ext cx="1383712" cy="369332"/>
+            </a:xfrm>
+            <a:prstGeom prst="rect">
+              <a:avLst/>
+            </a:prstGeom>
+            <a:noFill/>
+          </p:spPr>
+          <p:txBody>
+            <a:bodyPr wrap="none" rtlCol="0">
+              <a:spAutoFit/>
+            </a:bodyPr>
+            <a:lstStyle/>
+            <a:p>
+              <a:r>
+                <a:rPr lang="en-US" altLang="zh-TW" dirty="0" smtClean="0"/>
+                <a:t>DataLayer.dll</a:t>
+              </a:r>
+              <a:endParaRPr lang="en-US" altLang="zh-TW" dirty="0"/>
+            </a:p>
+          </p:txBody>
+        </p:sp>
+        <p:pic>
+          <p:nvPicPr>
+            <p:cNvPr id="21" name="圖片 20"/>
+            <p:cNvPicPr>
+              <a:picLocks noChangeAspect="1"/>
+            </p:cNvPicPr>
+            <p:nvPr/>
+          </p:nvPicPr>
+          <p:blipFill>
+            <a:blip r:embed="rId2">
+              <a:extLst>
+                <a:ext uri="{28A0092B-C50C-407E-A947-70E740481C1C}">
+                  <a14:useLocalDpi xmlns:a14="http://schemas.microsoft.com/office/drawing/2010/main" val="0"/>
+                </a:ext>
+              </a:extLst>
+            </a:blip>
+            <a:stretch>
+              <a:fillRect/>
+            </a:stretch>
+          </p:blipFill>
+          <p:spPr>
+            <a:xfrm>
+              <a:off x="1154512" y="4132907"/>
+              <a:ext cx="900000" cy="900000"/>
+            </a:xfrm>
+            <a:prstGeom prst="rect">
+              <a:avLst/>
+            </a:prstGeom>
+          </p:spPr>
+        </p:pic>
+      </p:grpSp>
+      <p:grpSp>
+        <p:nvGrpSpPr>
+          <p:cNvPr id="25" name="群組 24"/>
+          <p:cNvGrpSpPr/>
+          <p:nvPr/>
+        </p:nvGrpSpPr>
+        <p:grpSpPr>
+          <a:xfrm>
+            <a:off x="4144620" y="2891395"/>
+            <a:ext cx="1754135" cy="1269332"/>
+            <a:chOff x="3200400" y="4125247"/>
+            <a:chExt cx="1754135" cy="1269332"/>
+          </a:xfrm>
+        </p:grpSpPr>
+        <p:sp>
+          <p:nvSpPr>
+            <p:cNvPr id="14" name="文字方塊 13"/>
+            <p:cNvSpPr txBox="1"/>
+            <p:nvPr/>
+          </p:nvSpPr>
+          <p:spPr>
+            <a:xfrm>
+              <a:off x="3200400" y="5025247"/>
+              <a:ext cx="1754135" cy="369332"/>
+            </a:xfrm>
+            <a:prstGeom prst="rect">
+              <a:avLst/>
+            </a:prstGeom>
+            <a:noFill/>
+          </p:spPr>
+          <p:txBody>
+            <a:bodyPr wrap="none" rtlCol="0">
+              <a:spAutoFit/>
+            </a:bodyPr>
+            <a:lstStyle/>
+            <a:p>
+              <a:r>
+                <a:rPr lang="en-US" altLang="zh-TW" dirty="0" smtClean="0"/>
+                <a:t>BusinessLayer.dll</a:t>
+              </a:r>
+              <a:endParaRPr lang="en-US" altLang="zh-TW" dirty="0"/>
+            </a:p>
+          </p:txBody>
+        </p:sp>
+        <p:pic>
+          <p:nvPicPr>
+            <p:cNvPr id="22" name="圖片 21"/>
+            <p:cNvPicPr>
+              <a:picLocks noChangeAspect="1"/>
+            </p:cNvPicPr>
+            <p:nvPr/>
+          </p:nvPicPr>
+          <p:blipFill>
+            <a:blip r:embed="rId2">
+              <a:extLst>
+                <a:ext uri="{28A0092B-C50C-407E-A947-70E740481C1C}">
+                  <a14:useLocalDpi xmlns:a14="http://schemas.microsoft.com/office/drawing/2010/main" val="0"/>
+                </a:ext>
+              </a:extLst>
+            </a:blip>
+            <a:stretch>
+              <a:fillRect/>
+            </a:stretch>
+          </p:blipFill>
+          <p:spPr>
+            <a:xfrm>
+              <a:off x="3627467" y="4125247"/>
+              <a:ext cx="900000" cy="900000"/>
+            </a:xfrm>
+            <a:prstGeom prst="rect">
+              <a:avLst/>
+            </a:prstGeom>
+          </p:spPr>
+        </p:pic>
+      </p:grpSp>
+      <p:cxnSp>
+        <p:nvCxnSpPr>
+          <p:cNvPr id="32" name="直線單箭頭接點 31"/>
+          <p:cNvCxnSpPr>
+            <a:stCxn id="9" idx="3"/>
+            <a:endCxn id="8" idx="1"/>
+          </p:cNvCxnSpPr>
+          <p:nvPr/>
+        </p:nvCxnSpPr>
+        <p:spPr>
+          <a:xfrm>
+            <a:off x="2415793" y="3341395"/>
+            <a:ext cx="525411" cy="0"/>
+          </a:xfrm>
+          <a:prstGeom prst="straightConnector1">
+            <a:avLst/>
+          </a:prstGeom>
+          <a:ln w="38100">
+            <a:solidFill>
+              <a:schemeClr val="tx1"/>
+            </a:solidFill>
+            <a:prstDash val="solid"/>
+            <a:tailEnd type="triangle"/>
+          </a:ln>
+        </p:spPr>
+        <p:style>
+          <a:lnRef idx="1">
+            <a:schemeClr val="accent1"/>
+          </a:lnRef>
+          <a:fillRef idx="0">
+            <a:schemeClr val="accent1"/>
+          </a:fillRef>
+          <a:effectRef idx="0">
+            <a:schemeClr val="accent1"/>
+          </a:effectRef>
+          <a:fontRef idx="minor">
+            <a:schemeClr val="tx1"/>
+          </a:fontRef>
+        </p:style>
+      </p:cxnSp>
+      <p:cxnSp>
+        <p:nvCxnSpPr>
+          <p:cNvPr id="34" name="直線單箭頭接點 33"/>
+          <p:cNvCxnSpPr>
+            <a:stCxn id="8" idx="3"/>
+            <a:endCxn id="22" idx="1"/>
+          </p:cNvCxnSpPr>
+          <p:nvPr/>
+        </p:nvCxnSpPr>
+        <p:spPr>
+          <a:xfrm>
+            <a:off x="3841204" y="3341395"/>
+            <a:ext cx="730483" cy="0"/>
+          </a:xfrm>
+          <a:prstGeom prst="straightConnector1">
+            <a:avLst/>
+          </a:prstGeom>
+          <a:ln w="38100">
+            <a:solidFill>
+              <a:schemeClr val="tx1"/>
+            </a:solidFill>
+            <a:prstDash val="solid"/>
+            <a:tailEnd type="triangle"/>
+          </a:ln>
+        </p:spPr>
+        <p:style>
+          <a:lnRef idx="1">
+            <a:schemeClr val="accent1"/>
+          </a:lnRef>
+          <a:fillRef idx="0">
+            <a:schemeClr val="accent1"/>
+          </a:fillRef>
+          <a:effectRef idx="0">
+            <a:schemeClr val="accent1"/>
+          </a:effectRef>
+          <a:fontRef idx="minor">
+            <a:schemeClr val="tx1"/>
+          </a:fontRef>
+        </p:style>
+      </p:cxnSp>
+      <p:cxnSp>
+        <p:nvCxnSpPr>
+          <p:cNvPr id="36" name="直線單箭頭接點 35"/>
+          <p:cNvCxnSpPr>
+            <a:stCxn id="22" idx="3"/>
+            <a:endCxn id="21" idx="1"/>
+          </p:cNvCxnSpPr>
+          <p:nvPr/>
+        </p:nvCxnSpPr>
+        <p:spPr>
+          <a:xfrm>
+            <a:off x="5471687" y="3341395"/>
+            <a:ext cx="776139" cy="0"/>
+          </a:xfrm>
+          <a:prstGeom prst="straightConnector1">
+            <a:avLst/>
+          </a:prstGeom>
+          <a:ln w="38100">
+            <a:solidFill>
+              <a:schemeClr val="tx1"/>
+            </a:solidFill>
+            <a:prstDash val="solid"/>
+            <a:tailEnd type="triangle"/>
+          </a:ln>
+        </p:spPr>
+        <p:style>
+          <a:lnRef idx="1">
+            <a:schemeClr val="accent1"/>
+          </a:lnRef>
+          <a:fillRef idx="0">
+            <a:schemeClr val="accent1"/>
+          </a:fillRef>
+          <a:effectRef idx="0">
+            <a:schemeClr val="accent1"/>
+          </a:effectRef>
+          <a:fontRef idx="minor">
+            <a:schemeClr val="tx1"/>
+          </a:fontRef>
+        </p:style>
+      </p:cxnSp>
+      <p:cxnSp>
+        <p:nvCxnSpPr>
+          <p:cNvPr id="38" name="肘形接點 37"/>
+          <p:cNvCxnSpPr>
+            <a:stCxn id="8" idx="0"/>
+            <a:endCxn id="7" idx="1"/>
+          </p:cNvCxnSpPr>
+          <p:nvPr/>
+        </p:nvCxnSpPr>
+        <p:spPr>
+          <a:xfrm rot="5400000" flipH="1" flipV="1">
+            <a:off x="3531446" y="1851153"/>
+            <a:ext cx="900000" cy="1180484"/>
+          </a:xfrm>
+          <a:prstGeom prst="bentConnector2">
+            <a:avLst/>
+          </a:prstGeom>
+          <a:ln w="38100">
+            <a:solidFill>
+              <a:schemeClr val="tx1"/>
+            </a:solidFill>
+            <a:prstDash val="solid"/>
+            <a:tailEnd type="triangle"/>
+          </a:ln>
+        </p:spPr>
+        <p:style>
+          <a:lnRef idx="1">
+            <a:schemeClr val="accent1"/>
+          </a:lnRef>
+          <a:fillRef idx="0">
+            <a:schemeClr val="accent1"/>
+          </a:fillRef>
+          <a:effectRef idx="0">
+            <a:schemeClr val="accent1"/>
+          </a:effectRef>
+          <a:fontRef idx="minor">
+            <a:schemeClr val="tx1"/>
+          </a:fontRef>
+        </p:style>
+      </p:cxnSp>
+      <p:cxnSp>
+        <p:nvCxnSpPr>
+          <p:cNvPr id="41" name="肘形接點 40"/>
+          <p:cNvCxnSpPr>
+            <a:stCxn id="21" idx="0"/>
+            <a:endCxn id="7" idx="3"/>
+          </p:cNvCxnSpPr>
+          <p:nvPr/>
+        </p:nvCxnSpPr>
+        <p:spPr>
+          <a:xfrm rot="16200000" flipV="1">
+            <a:off x="5634757" y="1828326"/>
+            <a:ext cx="900000" cy="1226138"/>
+          </a:xfrm>
+          <a:prstGeom prst="bentConnector2">
+            <a:avLst/>
+          </a:prstGeom>
+          <a:ln w="38100">
+            <a:solidFill>
+              <a:schemeClr val="tx1"/>
+            </a:solidFill>
+            <a:prstDash val="solid"/>
+            <a:tailEnd type="triangle"/>
+          </a:ln>
+        </p:spPr>
+        <p:style>
+          <a:lnRef idx="1">
+            <a:schemeClr val="accent1"/>
+          </a:lnRef>
+          <a:fillRef idx="0">
+            <a:schemeClr val="accent1"/>
+          </a:fillRef>
+          <a:effectRef idx="0">
+            <a:schemeClr val="accent1"/>
+          </a:effectRef>
+          <a:fontRef idx="minor">
+            <a:schemeClr val="tx1"/>
+          </a:fontRef>
+        </p:style>
+      </p:cxnSp>
+      <p:cxnSp>
+        <p:nvCxnSpPr>
+          <p:cNvPr id="43" name="直線單箭頭接點 42"/>
+          <p:cNvCxnSpPr>
+            <a:stCxn id="22" idx="0"/>
+            <a:endCxn id="7" idx="2"/>
+          </p:cNvCxnSpPr>
+          <p:nvPr/>
+        </p:nvCxnSpPr>
+        <p:spPr>
+          <a:xfrm flipV="1">
+            <a:off x="5021687" y="2441395"/>
+            <a:ext cx="1" cy="450000"/>
+          </a:xfrm>
+          <a:prstGeom prst="straightConnector1">
+            <a:avLst/>
+          </a:prstGeom>
+          <a:ln w="38100">
+            <a:solidFill>
+              <a:schemeClr val="tx1"/>
+            </a:solidFill>
+            <a:prstDash val="solid"/>
+            <a:tailEnd type="triangle"/>
+          </a:ln>
+        </p:spPr>
+        <p:style>
+          <a:lnRef idx="1">
+            <a:schemeClr val="accent1"/>
+          </a:lnRef>
+          <a:fillRef idx="0">
+            <a:schemeClr val="accent1"/>
+          </a:fillRef>
+          <a:effectRef idx="0">
+            <a:schemeClr val="accent1"/>
+          </a:effectRef>
+          <a:fontRef idx="minor">
+            <a:schemeClr val="tx1"/>
+          </a:fontRef>
+        </p:style>
+      </p:cxnSp>
+    </p:spTree>
+    <p:extLst>
+      <p:ext uri="{BB962C8B-B14F-4D97-AF65-F5344CB8AC3E}">
+        <p14:creationId xmlns:p14="http://schemas.microsoft.com/office/powerpoint/2010/main" val="924209360"/>
       </p:ext>
     </p:extLst>
   </p:cSld>

--- a/source/_assets/Blog動畫.pptx
+++ b/source/_assets/Blog動畫.pptx
@@ -5,10 +5,10 @@
     <p:sldMasterId id="2147483752" r:id="rId4"/>
   </p:sldMasterIdLst>
   <p:notesMasterIdLst>
-    <p:notesMasterId r:id="rId30"/>
+    <p:notesMasterId r:id="rId32"/>
   </p:notesMasterIdLst>
   <p:handoutMasterIdLst>
-    <p:handoutMasterId r:id="rId31"/>
+    <p:handoutMasterId r:id="rId33"/>
   </p:handoutMasterIdLst>
   <p:sldIdLst>
     <p:sldId id="315" r:id="rId5"/>
@@ -36,6 +36,8 @@
     <p:sldId id="337" r:id="rId27"/>
     <p:sldId id="340" r:id="rId28"/>
     <p:sldId id="339" r:id="rId29"/>
+    <p:sldId id="341" r:id="rId30"/>
+    <p:sldId id="342" r:id="rId31"/>
   </p:sldIdLst>
   <p:sldSz cx="12192000" cy="6858000"/>
   <p:notesSz cx="7099300" cy="10234613"/>
@@ -250,7 +252,7 @@
             <a:fld id="{3CDD3A71-4C75-488C-A8F3-A1F163ED0DB9}" type="datetimeFigureOut">
               <a:rPr lang="en-US" smtClean="0"/>
               <a:pPr/>
-              <a:t>11/7/2017</a:t>
+              <a:t>7/29/2019</a:t>
             </a:fld>
             <a:endParaRPr lang="en-US" dirty="0"/>
           </a:p>
@@ -418,7 +420,7 @@
             <a:fld id="{523CC419-8FB3-4D1C-8127-E63C1A13459D}" type="datetimeFigureOut">
               <a:rPr lang="en-US" smtClean="0"/>
               <a:pPr/>
-              <a:t>11/7/2017</a:t>
+              <a:t>7/29/2019</a:t>
             </a:fld>
             <a:endParaRPr lang="en-US" dirty="0"/>
           </a:p>
@@ -484,38 +486,37 @@
           <a:p>
             <a:pPr lvl="0"/>
             <a:r>
-              <a:rPr lang="en-US" smtClean="0"/>
+              <a:rPr lang="en-US"/>
               <a:t>Click to edit Master text styles</a:t>
             </a:r>
           </a:p>
           <a:p>
             <a:pPr lvl="1"/>
             <a:r>
-              <a:rPr lang="en-US" smtClean="0"/>
+              <a:rPr lang="en-US"/>
               <a:t>Second level</a:t>
             </a:r>
           </a:p>
           <a:p>
             <a:pPr lvl="2"/>
             <a:r>
-              <a:rPr lang="en-US" smtClean="0"/>
+              <a:rPr lang="en-US"/>
               <a:t>Third level</a:t>
             </a:r>
           </a:p>
           <a:p>
             <a:pPr lvl="3"/>
             <a:r>
-              <a:rPr lang="en-US" smtClean="0"/>
+              <a:rPr lang="en-US"/>
               <a:t>Fourth level</a:t>
             </a:r>
           </a:p>
           <a:p>
             <a:pPr lvl="4"/>
             <a:r>
-              <a:rPr lang="en-US" smtClean="0"/>
+              <a:rPr lang="en-US"/>
               <a:t>Fifth level</a:t>
             </a:r>
-            <a:endParaRPr lang="en-US"/>
           </a:p>
         </p:txBody>
       </p:sp>
@@ -732,7 +733,7 @@
           </a:lstStyle>
           <a:p>
             <a:r>
-              <a:rPr lang="zh-TW" altLang="en-US" smtClean="0"/>
+              <a:rPr lang="zh-TW" altLang="en-US"/>
               <a:t>按一下以編輯母片標題樣式</a:t>
             </a:r>
             <a:endParaRPr lang="en-US" dirty="0"/>
@@ -797,7 +798,7 @@
           </a:lstStyle>
           <a:p>
             <a:r>
-              <a:rPr lang="zh-TW" altLang="en-US" smtClean="0"/>
+              <a:rPr lang="zh-TW" altLang="en-US"/>
               <a:t>按一下以編輯母片副標題樣式</a:t>
             </a:r>
             <a:endParaRPr lang="en-US" dirty="0"/>
@@ -821,7 +822,7 @@
           <a:p>
             <a:fld id="{237FF733-248C-4CF7-A090-89CF012E357B}" type="datetimeFigureOut">
               <a:rPr lang="zh-TW" altLang="en-US" smtClean="0"/>
-              <a:t>2017/11/7</a:t>
+              <a:t>2019/7/29</a:t>
             </a:fld>
             <a:endParaRPr lang="zh-TW" altLang="en-US"/>
           </a:p>
@@ -916,7 +917,7 @@
           <a:lstStyle/>
           <a:p>
             <a:r>
-              <a:rPr lang="zh-TW" altLang="en-US" smtClean="0"/>
+              <a:rPr lang="zh-TW" altLang="en-US"/>
               <a:t>按一下以編輯母片標題樣式</a:t>
             </a:r>
             <a:endParaRPr lang="en-US" dirty="0"/>
@@ -940,35 +941,35 @@
           <a:p>
             <a:pPr lvl="0"/>
             <a:r>
-              <a:rPr lang="zh-TW" altLang="en-US" smtClean="0"/>
+              <a:rPr lang="zh-TW" altLang="en-US"/>
               <a:t>按一下以編輯母片文字樣式</a:t>
             </a:r>
           </a:p>
           <a:p>
             <a:pPr lvl="1"/>
             <a:r>
-              <a:rPr lang="zh-TW" altLang="en-US" smtClean="0"/>
+              <a:rPr lang="zh-TW" altLang="en-US"/>
               <a:t>第二層</a:t>
             </a:r>
           </a:p>
           <a:p>
             <a:pPr lvl="2"/>
             <a:r>
-              <a:rPr lang="zh-TW" altLang="en-US" smtClean="0"/>
+              <a:rPr lang="zh-TW" altLang="en-US"/>
               <a:t>第三層</a:t>
             </a:r>
           </a:p>
           <a:p>
             <a:pPr lvl="3"/>
             <a:r>
-              <a:rPr lang="zh-TW" altLang="en-US" smtClean="0"/>
+              <a:rPr lang="zh-TW" altLang="en-US"/>
               <a:t>第四層</a:t>
             </a:r>
           </a:p>
           <a:p>
             <a:pPr lvl="4"/>
             <a:r>
-              <a:rPr lang="zh-TW" altLang="en-US" smtClean="0"/>
+              <a:rPr lang="zh-TW" altLang="en-US"/>
               <a:t>第五層</a:t>
             </a:r>
             <a:endParaRPr lang="en-US" dirty="0"/>
@@ -992,7 +993,7 @@
           <a:p>
             <a:fld id="{237FF733-248C-4CF7-A090-89CF012E357B}" type="datetimeFigureOut">
               <a:rPr lang="zh-TW" altLang="en-US" smtClean="0"/>
-              <a:t>2017/11/7</a:t>
+              <a:t>2019/7/29</a:t>
             </a:fld>
             <a:endParaRPr lang="zh-TW" altLang="en-US"/>
           </a:p>
@@ -1092,7 +1093,7 @@
           <a:lstStyle/>
           <a:p>
             <a:r>
-              <a:rPr lang="zh-TW" altLang="en-US" smtClean="0"/>
+              <a:rPr lang="zh-TW" altLang="en-US"/>
               <a:t>按一下以編輯母片標題樣式</a:t>
             </a:r>
             <a:endParaRPr lang="en-US" dirty="0"/>
@@ -1121,35 +1122,35 @@
           <a:p>
             <a:pPr lvl="0"/>
             <a:r>
-              <a:rPr lang="zh-TW" altLang="en-US" smtClean="0"/>
+              <a:rPr lang="zh-TW" altLang="en-US"/>
               <a:t>按一下以編輯母片文字樣式</a:t>
             </a:r>
           </a:p>
           <a:p>
             <a:pPr lvl="1"/>
             <a:r>
-              <a:rPr lang="zh-TW" altLang="en-US" smtClean="0"/>
+              <a:rPr lang="zh-TW" altLang="en-US"/>
               <a:t>第二層</a:t>
             </a:r>
           </a:p>
           <a:p>
             <a:pPr lvl="2"/>
             <a:r>
-              <a:rPr lang="zh-TW" altLang="en-US" smtClean="0"/>
+              <a:rPr lang="zh-TW" altLang="en-US"/>
               <a:t>第三層</a:t>
             </a:r>
           </a:p>
           <a:p>
             <a:pPr lvl="3"/>
             <a:r>
-              <a:rPr lang="zh-TW" altLang="en-US" smtClean="0"/>
+              <a:rPr lang="zh-TW" altLang="en-US"/>
               <a:t>第四層</a:t>
             </a:r>
           </a:p>
           <a:p>
             <a:pPr lvl="4"/>
             <a:r>
-              <a:rPr lang="zh-TW" altLang="en-US" smtClean="0"/>
+              <a:rPr lang="zh-TW" altLang="en-US"/>
               <a:t>第五層</a:t>
             </a:r>
             <a:endParaRPr lang="en-US" dirty="0"/>
@@ -1173,7 +1174,7 @@
           <a:p>
             <a:fld id="{237FF733-248C-4CF7-A090-89CF012E357B}" type="datetimeFigureOut">
               <a:rPr lang="zh-TW" altLang="en-US" smtClean="0"/>
-              <a:t>2017/11/7</a:t>
+              <a:t>2019/7/29</a:t>
             </a:fld>
             <a:endParaRPr lang="zh-TW" altLang="en-US"/>
           </a:p>
@@ -1268,7 +1269,7 @@
           <a:lstStyle/>
           <a:p>
             <a:r>
-              <a:rPr lang="zh-TW" altLang="en-US" smtClean="0"/>
+              <a:rPr lang="zh-TW" altLang="en-US"/>
               <a:t>按一下以編輯母片標題樣式</a:t>
             </a:r>
             <a:endParaRPr lang="en-US" dirty="0"/>
@@ -1292,35 +1293,35 @@
           <a:p>
             <a:pPr lvl="0"/>
             <a:r>
-              <a:rPr lang="zh-TW" altLang="en-US" smtClean="0"/>
+              <a:rPr lang="zh-TW" altLang="en-US"/>
               <a:t>按一下以編輯母片文字樣式</a:t>
             </a:r>
           </a:p>
           <a:p>
             <a:pPr lvl="1"/>
             <a:r>
-              <a:rPr lang="zh-TW" altLang="en-US" smtClean="0"/>
+              <a:rPr lang="zh-TW" altLang="en-US"/>
               <a:t>第二層</a:t>
             </a:r>
           </a:p>
           <a:p>
             <a:pPr lvl="2"/>
             <a:r>
-              <a:rPr lang="zh-TW" altLang="en-US" smtClean="0"/>
+              <a:rPr lang="zh-TW" altLang="en-US"/>
               <a:t>第三層</a:t>
             </a:r>
           </a:p>
           <a:p>
             <a:pPr lvl="3"/>
             <a:r>
-              <a:rPr lang="zh-TW" altLang="en-US" smtClean="0"/>
+              <a:rPr lang="zh-TW" altLang="en-US"/>
               <a:t>第四層</a:t>
             </a:r>
           </a:p>
           <a:p>
             <a:pPr lvl="4"/>
             <a:r>
-              <a:rPr lang="zh-TW" altLang="en-US" smtClean="0"/>
+              <a:rPr lang="zh-TW" altLang="en-US"/>
               <a:t>第五層</a:t>
             </a:r>
             <a:endParaRPr lang="en-US" dirty="0"/>
@@ -1344,7 +1345,7 @@
           <a:p>
             <a:fld id="{237FF733-248C-4CF7-A090-89CF012E357B}" type="datetimeFigureOut">
               <a:rPr lang="zh-TW" altLang="en-US" smtClean="0"/>
-              <a:t>2017/11/7</a:t>
+              <a:t>2019/7/29</a:t>
             </a:fld>
             <a:endParaRPr lang="zh-TW" altLang="en-US"/>
           </a:p>
@@ -1448,7 +1449,7 @@
           </a:lstStyle>
           <a:p>
             <a:r>
-              <a:rPr lang="zh-TW" altLang="en-US" smtClean="0"/>
+              <a:rPr lang="zh-TW" altLang="en-US"/>
               <a:t>按一下以編輯母片標題樣式</a:t>
             </a:r>
             <a:endParaRPr lang="en-US" dirty="0"/>
@@ -1568,7 +1569,7 @@
           <a:p>
             <a:pPr lvl="0"/>
             <a:r>
-              <a:rPr lang="zh-TW" altLang="en-US" smtClean="0"/>
+              <a:rPr lang="zh-TW" altLang="en-US"/>
               <a:t>按一下以編輯母片文字樣式</a:t>
             </a:r>
           </a:p>
@@ -1591,7 +1592,7 @@
           <a:p>
             <a:fld id="{237FF733-248C-4CF7-A090-89CF012E357B}" type="datetimeFigureOut">
               <a:rPr lang="zh-TW" altLang="en-US" smtClean="0"/>
-              <a:t>2017/11/7</a:t>
+              <a:t>2019/7/29</a:t>
             </a:fld>
             <a:endParaRPr lang="zh-TW" altLang="en-US"/>
           </a:p>
@@ -1686,7 +1687,7 @@
           <a:lstStyle/>
           <a:p>
             <a:r>
-              <a:rPr lang="zh-TW" altLang="en-US" smtClean="0"/>
+              <a:rPr lang="zh-TW" altLang="en-US"/>
               <a:t>按一下以編輯母片標題樣式</a:t>
             </a:r>
             <a:endParaRPr lang="en-US" dirty="0"/>
@@ -1715,35 +1716,35 @@
           <a:p>
             <a:pPr lvl="0"/>
             <a:r>
-              <a:rPr lang="zh-TW" altLang="en-US" smtClean="0"/>
+              <a:rPr lang="zh-TW" altLang="en-US"/>
               <a:t>按一下以編輯母片文字樣式</a:t>
             </a:r>
           </a:p>
           <a:p>
             <a:pPr lvl="1"/>
             <a:r>
-              <a:rPr lang="zh-TW" altLang="en-US" smtClean="0"/>
+              <a:rPr lang="zh-TW" altLang="en-US"/>
               <a:t>第二層</a:t>
             </a:r>
           </a:p>
           <a:p>
             <a:pPr lvl="2"/>
             <a:r>
-              <a:rPr lang="zh-TW" altLang="en-US" smtClean="0"/>
+              <a:rPr lang="zh-TW" altLang="en-US"/>
               <a:t>第三層</a:t>
             </a:r>
           </a:p>
           <a:p>
             <a:pPr lvl="3"/>
             <a:r>
-              <a:rPr lang="zh-TW" altLang="en-US" smtClean="0"/>
+              <a:rPr lang="zh-TW" altLang="en-US"/>
               <a:t>第四層</a:t>
             </a:r>
           </a:p>
           <a:p>
             <a:pPr lvl="4"/>
             <a:r>
-              <a:rPr lang="zh-TW" altLang="en-US" smtClean="0"/>
+              <a:rPr lang="zh-TW" altLang="en-US"/>
               <a:t>第五層</a:t>
             </a:r>
             <a:endParaRPr lang="en-US" dirty="0"/>
@@ -1772,35 +1773,35 @@
           <a:p>
             <a:pPr lvl="0"/>
             <a:r>
-              <a:rPr lang="zh-TW" altLang="en-US" smtClean="0"/>
+              <a:rPr lang="zh-TW" altLang="en-US"/>
               <a:t>按一下以編輯母片文字樣式</a:t>
             </a:r>
           </a:p>
           <a:p>
             <a:pPr lvl="1"/>
             <a:r>
-              <a:rPr lang="zh-TW" altLang="en-US" smtClean="0"/>
+              <a:rPr lang="zh-TW" altLang="en-US"/>
               <a:t>第二層</a:t>
             </a:r>
           </a:p>
           <a:p>
             <a:pPr lvl="2"/>
             <a:r>
-              <a:rPr lang="zh-TW" altLang="en-US" smtClean="0"/>
+              <a:rPr lang="zh-TW" altLang="en-US"/>
               <a:t>第三層</a:t>
             </a:r>
           </a:p>
           <a:p>
             <a:pPr lvl="3"/>
             <a:r>
-              <a:rPr lang="zh-TW" altLang="en-US" smtClean="0"/>
+              <a:rPr lang="zh-TW" altLang="en-US"/>
               <a:t>第四層</a:t>
             </a:r>
           </a:p>
           <a:p>
             <a:pPr lvl="4"/>
             <a:r>
-              <a:rPr lang="zh-TW" altLang="en-US" smtClean="0"/>
+              <a:rPr lang="zh-TW" altLang="en-US"/>
               <a:t>第五層</a:t>
             </a:r>
             <a:endParaRPr lang="en-US" dirty="0"/>
@@ -1824,7 +1825,7 @@
           <a:p>
             <a:fld id="{237FF733-248C-4CF7-A090-89CF012E357B}" type="datetimeFigureOut">
               <a:rPr lang="zh-TW" altLang="en-US" smtClean="0"/>
-              <a:t>2017/11/7</a:t>
+              <a:t>2019/7/29</a:t>
             </a:fld>
             <a:endParaRPr lang="zh-TW" altLang="en-US"/>
           </a:p>
@@ -1924,7 +1925,7 @@
           <a:lstStyle/>
           <a:p>
             <a:r>
-              <a:rPr lang="zh-TW" altLang="en-US" smtClean="0"/>
+              <a:rPr lang="zh-TW" altLang="en-US"/>
               <a:t>按一下以編輯母片標題樣式</a:t>
             </a:r>
             <a:endParaRPr lang="en-US" dirty="0"/>
@@ -1990,7 +1991,7 @@
           <a:p>
             <a:pPr lvl="0"/>
             <a:r>
-              <a:rPr lang="zh-TW" altLang="en-US" smtClean="0"/>
+              <a:rPr lang="zh-TW" altLang="en-US"/>
               <a:t>按一下以編輯母片文字樣式</a:t>
             </a:r>
           </a:p>
@@ -2018,35 +2019,35 @@
           <a:p>
             <a:pPr lvl="0"/>
             <a:r>
-              <a:rPr lang="zh-TW" altLang="en-US" smtClean="0"/>
+              <a:rPr lang="zh-TW" altLang="en-US"/>
               <a:t>按一下以編輯母片文字樣式</a:t>
             </a:r>
           </a:p>
           <a:p>
             <a:pPr lvl="1"/>
             <a:r>
-              <a:rPr lang="zh-TW" altLang="en-US" smtClean="0"/>
+              <a:rPr lang="zh-TW" altLang="en-US"/>
               <a:t>第二層</a:t>
             </a:r>
           </a:p>
           <a:p>
             <a:pPr lvl="2"/>
             <a:r>
-              <a:rPr lang="zh-TW" altLang="en-US" smtClean="0"/>
+              <a:rPr lang="zh-TW" altLang="en-US"/>
               <a:t>第三層</a:t>
             </a:r>
           </a:p>
           <a:p>
             <a:pPr lvl="3"/>
             <a:r>
-              <a:rPr lang="zh-TW" altLang="en-US" smtClean="0"/>
+              <a:rPr lang="zh-TW" altLang="en-US"/>
               <a:t>第四層</a:t>
             </a:r>
           </a:p>
           <a:p>
             <a:pPr lvl="4"/>
             <a:r>
-              <a:rPr lang="zh-TW" altLang="en-US" smtClean="0"/>
+              <a:rPr lang="zh-TW" altLang="en-US"/>
               <a:t>第五層</a:t>
             </a:r>
             <a:endParaRPr lang="en-US" dirty="0"/>
@@ -2112,7 +2113,7 @@
           <a:p>
             <a:pPr lvl="0"/>
             <a:r>
-              <a:rPr lang="zh-TW" altLang="en-US" smtClean="0"/>
+              <a:rPr lang="zh-TW" altLang="en-US"/>
               <a:t>按一下以編輯母片文字樣式</a:t>
             </a:r>
           </a:p>
@@ -2140,35 +2141,35 @@
           <a:p>
             <a:pPr lvl="0"/>
             <a:r>
-              <a:rPr lang="zh-TW" altLang="en-US" smtClean="0"/>
+              <a:rPr lang="zh-TW" altLang="en-US"/>
               <a:t>按一下以編輯母片文字樣式</a:t>
             </a:r>
           </a:p>
           <a:p>
             <a:pPr lvl="1"/>
             <a:r>
-              <a:rPr lang="zh-TW" altLang="en-US" smtClean="0"/>
+              <a:rPr lang="zh-TW" altLang="en-US"/>
               <a:t>第二層</a:t>
             </a:r>
           </a:p>
           <a:p>
             <a:pPr lvl="2"/>
             <a:r>
-              <a:rPr lang="zh-TW" altLang="en-US" smtClean="0"/>
+              <a:rPr lang="zh-TW" altLang="en-US"/>
               <a:t>第三層</a:t>
             </a:r>
           </a:p>
           <a:p>
             <a:pPr lvl="3"/>
             <a:r>
-              <a:rPr lang="zh-TW" altLang="en-US" smtClean="0"/>
+              <a:rPr lang="zh-TW" altLang="en-US"/>
               <a:t>第四層</a:t>
             </a:r>
           </a:p>
           <a:p>
             <a:pPr lvl="4"/>
             <a:r>
-              <a:rPr lang="zh-TW" altLang="en-US" smtClean="0"/>
+              <a:rPr lang="zh-TW" altLang="en-US"/>
               <a:t>第五層</a:t>
             </a:r>
             <a:endParaRPr lang="en-US" dirty="0"/>
@@ -2192,7 +2193,7 @@
           <a:p>
             <a:fld id="{237FF733-248C-4CF7-A090-89CF012E357B}" type="datetimeFigureOut">
               <a:rPr lang="zh-TW" altLang="en-US" smtClean="0"/>
-              <a:t>2017/11/7</a:t>
+              <a:t>2019/7/29</a:t>
             </a:fld>
             <a:endParaRPr lang="zh-TW" altLang="en-US"/>
           </a:p>
@@ -2287,7 +2288,7 @@
           <a:lstStyle/>
           <a:p>
             <a:r>
-              <a:rPr lang="zh-TW" altLang="en-US" smtClean="0"/>
+              <a:rPr lang="zh-TW" altLang="en-US"/>
               <a:t>按一下以編輯母片標題樣式</a:t>
             </a:r>
             <a:endParaRPr lang="en-US" dirty="0"/>
@@ -2311,7 +2312,7 @@
           <a:p>
             <a:fld id="{237FF733-248C-4CF7-A090-89CF012E357B}" type="datetimeFigureOut">
               <a:rPr lang="zh-TW" altLang="en-US" smtClean="0"/>
-              <a:t>2017/11/7</a:t>
+              <a:t>2019/7/29</a:t>
             </a:fld>
             <a:endParaRPr lang="zh-TW" altLang="en-US"/>
           </a:p>
@@ -2407,7 +2408,7 @@
           <a:p>
             <a:fld id="{237FF733-248C-4CF7-A090-89CF012E357B}" type="datetimeFigureOut">
               <a:rPr lang="zh-TW" altLang="en-US" smtClean="0"/>
-              <a:t>2017/11/7</a:t>
+              <a:t>2019/7/29</a:t>
             </a:fld>
             <a:endParaRPr lang="zh-TW" altLang="en-US"/>
           </a:p>
@@ -2511,7 +2512,7 @@
           </a:lstStyle>
           <a:p>
             <a:r>
-              <a:rPr lang="zh-TW" altLang="en-US" smtClean="0"/>
+              <a:rPr lang="zh-TW" altLang="en-US"/>
               <a:t>按一下以編輯母片標題樣式</a:t>
             </a:r>
             <a:endParaRPr lang="en-US" dirty="0"/>
@@ -2568,35 +2569,35 @@
           <a:p>
             <a:pPr lvl="0"/>
             <a:r>
-              <a:rPr lang="zh-TW" altLang="en-US" smtClean="0"/>
+              <a:rPr lang="zh-TW" altLang="en-US"/>
               <a:t>按一下以編輯母片文字樣式</a:t>
             </a:r>
           </a:p>
           <a:p>
             <a:pPr lvl="1"/>
             <a:r>
-              <a:rPr lang="zh-TW" altLang="en-US" smtClean="0"/>
+              <a:rPr lang="zh-TW" altLang="en-US"/>
               <a:t>第二層</a:t>
             </a:r>
           </a:p>
           <a:p>
             <a:pPr lvl="2"/>
             <a:r>
-              <a:rPr lang="zh-TW" altLang="en-US" smtClean="0"/>
+              <a:rPr lang="zh-TW" altLang="en-US"/>
               <a:t>第三層</a:t>
             </a:r>
           </a:p>
           <a:p>
             <a:pPr lvl="3"/>
             <a:r>
-              <a:rPr lang="zh-TW" altLang="en-US" smtClean="0"/>
+              <a:rPr lang="zh-TW" altLang="en-US"/>
               <a:t>第四層</a:t>
             </a:r>
           </a:p>
           <a:p>
             <a:pPr lvl="4"/>
             <a:r>
-              <a:rPr lang="zh-TW" altLang="en-US" smtClean="0"/>
+              <a:rPr lang="zh-TW" altLang="en-US"/>
               <a:t>第五層</a:t>
             </a:r>
             <a:endParaRPr lang="en-US" dirty="0"/>
@@ -2662,7 +2663,7 @@
           <a:p>
             <a:pPr lvl="0"/>
             <a:r>
-              <a:rPr lang="zh-TW" altLang="en-US" smtClean="0"/>
+              <a:rPr lang="zh-TW" altLang="en-US"/>
               <a:t>按一下以編輯母片文字樣式</a:t>
             </a:r>
           </a:p>
@@ -2685,7 +2686,7 @@
           <a:p>
             <a:fld id="{237FF733-248C-4CF7-A090-89CF012E357B}" type="datetimeFigureOut">
               <a:rPr lang="zh-TW" altLang="en-US" smtClean="0"/>
-              <a:t>2017/11/7</a:t>
+              <a:t>2019/7/29</a:t>
             </a:fld>
             <a:endParaRPr lang="zh-TW" altLang="en-US"/>
           </a:p>
@@ -2789,7 +2790,7 @@
           </a:lstStyle>
           <a:p>
             <a:r>
-              <a:rPr lang="zh-TW" altLang="en-US" smtClean="0"/>
+              <a:rPr lang="zh-TW" altLang="en-US"/>
               <a:t>按一下以編輯母片標題樣式</a:t>
             </a:r>
             <a:endParaRPr lang="en-US" dirty="0"/>
@@ -2854,7 +2855,7 @@
           </a:lstStyle>
           <a:p>
             <a:r>
-              <a:rPr lang="zh-TW" altLang="en-US" smtClean="0"/>
+              <a:rPr lang="zh-TW" altLang="en-US"/>
               <a:t>按一下圖示以新增圖片</a:t>
             </a:r>
             <a:endParaRPr lang="en-US" dirty="0"/>
@@ -2920,7 +2921,7 @@
           <a:p>
             <a:pPr lvl="0"/>
             <a:r>
-              <a:rPr lang="zh-TW" altLang="en-US" smtClean="0"/>
+              <a:rPr lang="zh-TW" altLang="en-US"/>
               <a:t>按一下以編輯母片文字樣式</a:t>
             </a:r>
           </a:p>
@@ -2943,7 +2944,7 @@
           <a:p>
             <a:fld id="{237FF733-248C-4CF7-A090-89CF012E357B}" type="datetimeFigureOut">
               <a:rPr lang="zh-TW" altLang="en-US" smtClean="0"/>
-              <a:t>2017/11/7</a:t>
+              <a:t>2019/7/29</a:t>
             </a:fld>
             <a:endParaRPr lang="zh-TW" altLang="en-US"/>
           </a:p>
@@ -3053,7 +3054,7 @@
           <a:lstStyle/>
           <a:p>
             <a:r>
-              <a:rPr lang="zh-TW" altLang="en-US" smtClean="0"/>
+              <a:rPr lang="zh-TW" altLang="en-US"/>
               <a:t>按一下以編輯母片標題樣式</a:t>
             </a:r>
             <a:endParaRPr lang="en-US" dirty="0"/>
@@ -3087,35 +3088,35 @@
           <a:p>
             <a:pPr lvl="0"/>
             <a:r>
-              <a:rPr lang="zh-TW" altLang="en-US" smtClean="0"/>
+              <a:rPr lang="zh-TW" altLang="en-US"/>
               <a:t>按一下以編輯母片文字樣式</a:t>
             </a:r>
           </a:p>
           <a:p>
             <a:pPr lvl="1"/>
             <a:r>
-              <a:rPr lang="zh-TW" altLang="en-US" smtClean="0"/>
+              <a:rPr lang="zh-TW" altLang="en-US"/>
               <a:t>第二層</a:t>
             </a:r>
           </a:p>
           <a:p>
             <a:pPr lvl="2"/>
             <a:r>
-              <a:rPr lang="zh-TW" altLang="en-US" smtClean="0"/>
+              <a:rPr lang="zh-TW" altLang="en-US"/>
               <a:t>第三層</a:t>
             </a:r>
           </a:p>
           <a:p>
             <a:pPr lvl="3"/>
             <a:r>
-              <a:rPr lang="zh-TW" altLang="en-US" smtClean="0"/>
+              <a:rPr lang="zh-TW" altLang="en-US"/>
               <a:t>第四層</a:t>
             </a:r>
           </a:p>
           <a:p>
             <a:pPr lvl="4"/>
             <a:r>
-              <a:rPr lang="zh-TW" altLang="en-US" smtClean="0"/>
+              <a:rPr lang="zh-TW" altLang="en-US"/>
               <a:t>第五層</a:t>
             </a:r>
             <a:endParaRPr lang="en-US" dirty="0"/>
@@ -3157,7 +3158,7 @@
           <a:p>
             <a:fld id="{237FF733-248C-4CF7-A090-89CF012E357B}" type="datetimeFigureOut">
               <a:rPr lang="zh-TW" altLang="en-US" smtClean="0"/>
-              <a:t>2017/11/7</a:t>
+              <a:t>2019/7/29</a:t>
             </a:fld>
             <a:endParaRPr lang="zh-TW" altLang="en-US"/>
           </a:p>
@@ -4493,7 +4494,7 @@
           <a:lstStyle/>
           <a:p>
             <a:r>
-              <a:rPr lang="en-US" altLang="zh-TW" sz="10000" b="1" dirty="0" smtClean="0">
+              <a:rPr lang="en-US" altLang="zh-TW" sz="10000" b="1" dirty="0">
                 <a:solidFill>
                   <a:schemeClr val="tx1">
                     <a:alpha val="8000"/>
@@ -5606,20 +5607,16 @@
           <a:p>
             <a:pPr algn="ctr"/>
             <a:r>
-              <a:rPr lang="en-US" altLang="zh-TW" b="1" dirty="0" err="1" smtClean="0"/>
+              <a:rPr lang="en-US" altLang="zh-TW" b="1" dirty="0" err="1"/>
               <a:t>TypeScript</a:t>
             </a:r>
-            <a:endParaRPr lang="en-US" altLang="zh-TW" b="1" dirty="0" smtClean="0"/>
+            <a:endParaRPr lang="en-US" altLang="zh-TW" b="1" dirty="0"/>
           </a:p>
           <a:p>
             <a:pPr algn="ctr"/>
             <a:r>
-              <a:rPr lang="en-US" altLang="zh-TW" b="1" dirty="0" smtClean="0"/>
-              <a:t>(</a:t>
-            </a:r>
-            <a:r>
               <a:rPr lang="en-US" altLang="zh-TW" b="1" dirty="0"/>
-              <a:t>Component)</a:t>
+              <a:t>(Component)</a:t>
             </a:r>
           </a:p>
         </p:txBody>
@@ -5659,17 +5656,16 @@
           <a:p>
             <a:pPr algn="ctr"/>
             <a:r>
-              <a:rPr lang="en-US" altLang="zh-TW" b="1" dirty="0" smtClean="0"/>
+              <a:rPr lang="en-US" altLang="zh-TW" b="1" dirty="0"/>
               <a:t>HTML</a:t>
             </a:r>
           </a:p>
           <a:p>
             <a:pPr algn="ctr"/>
             <a:r>
-              <a:rPr lang="en-US" altLang="zh-TW" b="1" dirty="0" smtClean="0"/>
+              <a:rPr lang="en-US" altLang="zh-TW" b="1" dirty="0"/>
               <a:t>(Template)</a:t>
             </a:r>
-            <a:endParaRPr lang="en-US" altLang="zh-TW" b="1" dirty="0"/>
           </a:p>
         </p:txBody>
       </p:sp>
@@ -5748,7 +5744,7 @@
             <a:p>
               <a:pPr algn="ctr"/>
               <a:r>
-                <a:rPr lang="en-US" altLang="zh-TW" sz="1400" b="1" dirty="0" smtClean="0"/>
+                <a:rPr lang="en-US" altLang="zh-TW" sz="1400" b="1" dirty="0"/>
                 <a:t>Property Binding</a:t>
               </a:r>
               <a:endParaRPr lang="en-US" altLang="zh-TW" sz="1400" dirty="0"/>
@@ -5831,7 +5827,7 @@
             <a:p>
               <a:pPr algn="ctr"/>
               <a:r>
-                <a:rPr lang="en-US" altLang="zh-TW" sz="1400" b="1" dirty="0" smtClean="0"/>
+                <a:rPr lang="en-US" altLang="zh-TW" sz="1400" b="1" dirty="0"/>
                 <a:t>Event Binding</a:t>
               </a:r>
               <a:endParaRPr lang="en-US" altLang="zh-TW" sz="1400" dirty="0"/>
@@ -6015,13 +6011,6 @@
   <p:clrMapOvr>
     <a:masterClrMapping/>
   </p:clrMapOvr>
-  <p:timing>
-    <p:tnLst>
-      <p:par>
-        <p:cTn id="1" dur="indefinite" restart="never" nodeType="tmRoot"/>
-      </p:par>
-    </p:tnLst>
-  </p:timing>
 </p:sld>
 </file>
 
@@ -6117,7 +6106,7 @@
           <a:p>
             <a:pPr algn="ctr"/>
             <a:r>
-              <a:rPr lang="en-US" altLang="zh-TW" sz="1600" b="1" dirty="0" smtClean="0"/>
+              <a:rPr lang="en-US" altLang="zh-TW" sz="1600" b="1" dirty="0"/>
               <a:t>Action</a:t>
             </a:r>
             <a:endParaRPr lang="zh-TW" altLang="en-US" sz="1600" b="1" dirty="0"/>
@@ -6159,7 +6148,7 @@
           <a:p>
             <a:pPr algn="ctr"/>
             <a:r>
-              <a:rPr lang="en-US" altLang="zh-TW" sz="1600" b="1" dirty="0" smtClean="0"/>
+              <a:rPr lang="en-US" altLang="zh-TW" sz="1600" b="1" dirty="0"/>
               <a:t>Middleware</a:t>
             </a:r>
             <a:endParaRPr lang="zh-TW" altLang="en-US" sz="1600" b="1" dirty="0"/>
@@ -6202,11 +6191,7 @@
             <a:pPr algn="ctr"/>
             <a:r>
               <a:rPr lang="en-US" altLang="zh-TW" sz="1600" b="1" dirty="0"/>
-              <a:t>Authorization </a:t>
-            </a:r>
-            <a:r>
-              <a:rPr lang="en-US" altLang="zh-TW" sz="1600" b="1" dirty="0" smtClean="0"/>
-              <a:t>Filters</a:t>
+              <a:t>Authorization Filters</a:t>
             </a:r>
             <a:endParaRPr lang="zh-TW" altLang="en-US" sz="1600" b="1" dirty="0"/>
           </a:p>
@@ -6247,7 +6232,7 @@
           <a:p>
             <a:pPr algn="ctr"/>
             <a:r>
-              <a:rPr lang="en-US" altLang="zh-TW" sz="1600" b="1" dirty="0" smtClean="0"/>
+              <a:rPr lang="en-US" altLang="zh-TW" sz="1600" b="1" dirty="0"/>
               <a:t>Resource Filters</a:t>
             </a:r>
             <a:endParaRPr lang="zh-TW" altLang="en-US" sz="1600" b="1" dirty="0"/>
@@ -6292,7 +6277,7 @@
           <a:p>
             <a:pPr algn="ctr"/>
             <a:r>
-              <a:rPr lang="en-US" altLang="zh-TW" sz="1600" b="1" dirty="0" smtClean="0"/>
+              <a:rPr lang="en-US" altLang="zh-TW" sz="1600" b="1" dirty="0"/>
               <a:t>Model Binding</a:t>
             </a:r>
             <a:endParaRPr lang="zh-TW" altLang="en-US" sz="1600" b="1" dirty="0"/>
@@ -6334,7 +6319,7 @@
           <a:p>
             <a:pPr algn="ctr"/>
             <a:r>
-              <a:rPr lang="en-US" altLang="zh-TW" sz="1600" b="1" dirty="0" smtClean="0"/>
+              <a:rPr lang="en-US" altLang="zh-TW" sz="1600" b="1" dirty="0"/>
               <a:t>Action Filters</a:t>
             </a:r>
             <a:endParaRPr lang="zh-TW" altLang="en-US" sz="1600" b="1" dirty="0"/>
@@ -6376,14 +6361,14 @@
           <a:p>
             <a:pPr algn="ctr"/>
             <a:r>
-              <a:rPr lang="en-US" altLang="zh-TW" sz="1600" b="1" dirty="0" smtClean="0"/>
+              <a:rPr lang="en-US" altLang="zh-TW" sz="1600" b="1" dirty="0"/>
               <a:t>Exception</a:t>
             </a:r>
             <a:br>
-              <a:rPr lang="en-US" altLang="zh-TW" sz="1600" b="1" dirty="0" smtClean="0"/>
+              <a:rPr lang="en-US" altLang="zh-TW" sz="1600" b="1" dirty="0"/>
             </a:br>
             <a:r>
-              <a:rPr lang="en-US" altLang="zh-TW" sz="1600" b="1" dirty="0" smtClean="0"/>
+              <a:rPr lang="en-US" altLang="zh-TW" sz="1600" b="1" dirty="0"/>
               <a:t>Filters</a:t>
             </a:r>
             <a:endParaRPr lang="zh-TW" altLang="en-US" sz="1600" b="1" dirty="0"/>
@@ -6425,7 +6410,7 @@
           <a:p>
             <a:pPr algn="ctr"/>
             <a:r>
-              <a:rPr lang="en-US" altLang="zh-TW" sz="1600" b="1" dirty="0" smtClean="0"/>
+              <a:rPr lang="en-US" altLang="zh-TW" sz="1600" b="1" dirty="0"/>
               <a:t>Result Filters</a:t>
             </a:r>
             <a:endParaRPr lang="zh-TW" altLang="en-US" sz="1600" b="1" dirty="0"/>
@@ -6467,7 +6452,7 @@
           <a:p>
             <a:pPr algn="ctr"/>
             <a:r>
-              <a:rPr lang="en-US" altLang="zh-TW" sz="1400" b="1" dirty="0" smtClean="0"/>
+              <a:rPr lang="en-US" altLang="zh-TW" sz="1400" b="1" dirty="0"/>
               <a:t>Request</a:t>
             </a:r>
             <a:endParaRPr lang="zh-TW" altLang="en-US" sz="1400" b="1" dirty="0"/>
@@ -6551,7 +6536,7 @@
           <a:p>
             <a:pPr algn="ctr"/>
             <a:r>
-              <a:rPr lang="en-US" altLang="zh-TW" sz="1400" b="1" dirty="0" smtClean="0"/>
+              <a:rPr lang="en-US" altLang="zh-TW" sz="1400" b="1" dirty="0"/>
               <a:t>Response</a:t>
             </a:r>
             <a:endParaRPr lang="zh-TW" altLang="en-US" sz="1400" b="1" dirty="0"/>
@@ -6669,14 +6654,14 @@
           <a:p>
             <a:pPr algn="ctr"/>
             <a:r>
-              <a:rPr lang="en-US" altLang="zh-TW" sz="1600" b="1" dirty="0" smtClean="0"/>
+              <a:rPr lang="en-US" altLang="zh-TW" sz="1600" b="1" dirty="0"/>
               <a:t>Throw</a:t>
             </a:r>
           </a:p>
           <a:p>
             <a:pPr algn="ctr"/>
             <a:r>
-              <a:rPr lang="en-US" altLang="zh-TW" sz="1600" b="1" dirty="0" smtClean="0"/>
+              <a:rPr lang="en-US" altLang="zh-TW" sz="1600" b="1" dirty="0"/>
               <a:t>Exception</a:t>
             </a:r>
             <a:endParaRPr lang="zh-TW" altLang="en-US" sz="1600" b="1" dirty="0"/>
@@ -7125,7 +7110,7 @@
           <a:lstStyle/>
           <a:p>
             <a:r>
-              <a:rPr lang="en-US" altLang="zh-TW" sz="6600" b="1" dirty="0" smtClean="0">
+              <a:rPr lang="en-US" altLang="zh-TW" sz="6600" b="1" dirty="0">
                 <a:solidFill>
                   <a:schemeClr val="tx1">
                     <a:alpha val="8000"/>
@@ -7156,13 +7141,6 @@
   <p:clrMapOvr>
     <a:masterClrMapping/>
   </p:clrMapOvr>
-  <p:timing>
-    <p:tnLst>
-      <p:par>
-        <p:cTn id="1" dur="indefinite" restart="never" nodeType="tmRoot"/>
-      </p:par>
-    </p:tnLst>
-  </p:timing>
 </p:sld>
 </file>
 
@@ -7426,7 +7404,7 @@
           <a:p>
             <a:pPr algn="ctr"/>
             <a:r>
-              <a:rPr lang="en-US" altLang="zh-TW" dirty="0" smtClean="0">
+              <a:rPr lang="en-US" altLang="zh-TW" dirty="0">
                 <a:solidFill>
                   <a:schemeClr val="bg1"/>
                 </a:solidFill>
@@ -7552,7 +7530,7 @@
           <a:p>
             <a:pPr algn="ctr"/>
             <a:r>
-              <a:rPr lang="en-US" altLang="zh-TW" dirty="0" smtClean="0">
+              <a:rPr lang="en-US" altLang="zh-TW" dirty="0">
                 <a:solidFill>
                   <a:schemeClr val="bg1"/>
                 </a:solidFill>
@@ -7640,7 +7618,7 @@
           <a:p>
             <a:pPr algn="ctr"/>
             <a:r>
-              <a:rPr lang="en-US" altLang="zh-TW" dirty="0" smtClean="0">
+              <a:rPr lang="en-US" altLang="zh-TW" dirty="0">
                 <a:solidFill>
                   <a:schemeClr val="bg1"/>
                 </a:solidFill>
@@ -7651,7 +7629,7 @@
           <a:p>
             <a:pPr algn="ctr"/>
             <a:r>
-              <a:rPr lang="en-US" altLang="zh-TW" dirty="0" smtClean="0">
+              <a:rPr lang="en-US" altLang="zh-TW" dirty="0">
                 <a:solidFill>
                   <a:schemeClr val="bg1"/>
                 </a:solidFill>
@@ -7689,7 +7667,7 @@
           <a:p>
             <a:pPr algn="ctr"/>
             <a:r>
-              <a:rPr lang="en-US" altLang="zh-TW" dirty="0" smtClean="0">
+              <a:rPr lang="en-US" altLang="zh-TW" dirty="0">
                 <a:solidFill>
                   <a:schemeClr val="bg1"/>
                 </a:solidFill>
@@ -7700,7 +7678,7 @@
           <a:p>
             <a:pPr algn="ctr"/>
             <a:r>
-              <a:rPr lang="en-US" altLang="zh-TW" dirty="0" smtClean="0">
+              <a:rPr lang="en-US" altLang="zh-TW" dirty="0">
                 <a:solidFill>
                   <a:schemeClr val="bg1"/>
                 </a:solidFill>
@@ -7725,13 +7703,6 @@
   <p:clrMapOvr>
     <a:masterClrMapping/>
   </p:clrMapOvr>
-  <p:timing>
-    <p:tnLst>
-      <p:par>
-        <p:cTn id="1" dur="indefinite" restart="never" nodeType="tmRoot"/>
-      </p:par>
-    </p:tnLst>
-  </p:timing>
 </p:sld>
 </file>
 
@@ -7828,15 +7799,15 @@
           <a:p>
             <a:pPr algn="ctr"/>
             <a:r>
-              <a:rPr lang="en-US" altLang="zh-TW" b="1" dirty="0" smtClean="0"/>
+              <a:rPr lang="en-US" altLang="zh-TW" b="1" dirty="0"/>
               <a:t>Services</a:t>
             </a:r>
             <a:r>
-              <a:rPr lang="zh-TW" altLang="en-US" b="1" dirty="0" smtClean="0"/>
+              <a:rPr lang="zh-TW" altLang="en-US" b="1" dirty="0"/>
               <a:t> </a:t>
             </a:r>
             <a:r>
-              <a:rPr lang="en-US" altLang="zh-TW" b="1" dirty="0" smtClean="0"/>
+              <a:rPr lang="en-US" altLang="zh-TW" b="1" dirty="0"/>
               <a:t>Container</a:t>
             </a:r>
             <a:endParaRPr lang="zh-TW" altLang="en-US" b="1" dirty="0"/>
@@ -7920,7 +7891,7 @@
           <a:p>
             <a:pPr algn="ctr"/>
             <a:r>
-              <a:rPr lang="en-US" altLang="zh-TW" dirty="0" smtClean="0">
+              <a:rPr lang="en-US" altLang="zh-TW" dirty="0">
                 <a:solidFill>
                   <a:schemeClr val="bg1"/>
                 </a:solidFill>
@@ -7970,7 +7941,7 @@
           <a:p>
             <a:pPr algn="ctr"/>
             <a:r>
-              <a:rPr lang="en-US" altLang="zh-TW" dirty="0" smtClean="0">
+              <a:rPr lang="en-US" altLang="zh-TW" dirty="0">
                 <a:solidFill>
                   <a:schemeClr val="bg1"/>
                 </a:solidFill>
@@ -8008,7 +7979,7 @@
           <a:p>
             <a:pPr algn="ctr"/>
             <a:r>
-              <a:rPr lang="en-US" altLang="zh-TW" dirty="0" smtClean="0">
+              <a:rPr lang="en-US" altLang="zh-TW" dirty="0">
                 <a:solidFill>
                   <a:schemeClr val="bg1"/>
                 </a:solidFill>
@@ -8019,18 +7990,13 @@
           <a:p>
             <a:pPr algn="ctr"/>
             <a:r>
-              <a:rPr lang="en-US" altLang="zh-TW" dirty="0" smtClean="0">
+              <a:rPr lang="en-US" altLang="zh-TW" dirty="0">
                 <a:solidFill>
                   <a:schemeClr val="bg1"/>
                 </a:solidFill>
               </a:rPr>
               <a:t>Pool</a:t>
             </a:r>
-            <a:endParaRPr lang="en-US" altLang="zh-TW" dirty="0">
-              <a:solidFill>
-                <a:schemeClr val="bg1"/>
-              </a:solidFill>
-            </a:endParaRPr>
           </a:p>
         </p:txBody>
       </p:sp>
@@ -8069,15 +8035,15 @@
           <a:p>
             <a:pPr algn="ctr"/>
             <a:r>
-              <a:rPr lang="en-US" altLang="zh-TW" sz="1400" b="1" dirty="0" smtClean="0"/>
+              <a:rPr lang="en-US" altLang="zh-TW" sz="1400" b="1" dirty="0"/>
               <a:t>1</a:t>
             </a:r>
             <a:r>
-              <a:rPr lang="en-US" altLang="zh-TW" sz="1400" b="1" baseline="30000" dirty="0" smtClean="0"/>
+              <a:rPr lang="en-US" altLang="zh-TW" sz="1400" b="1" baseline="30000" dirty="0"/>
               <a:t>st</a:t>
             </a:r>
             <a:r>
-              <a:rPr lang="en-US" altLang="zh-TW" sz="1400" b="1" dirty="0" smtClean="0"/>
+              <a:rPr lang="en-US" altLang="zh-TW" sz="1400" b="1" dirty="0"/>
               <a:t> Request</a:t>
             </a:r>
             <a:endParaRPr lang="zh-TW" altLang="en-US" sz="1400" b="1" dirty="0"/>
@@ -8119,15 +8085,15 @@
           <a:p>
             <a:pPr algn="ctr"/>
             <a:r>
-              <a:rPr lang="en-US" altLang="zh-TW" sz="1400" b="1" dirty="0" smtClean="0"/>
+              <a:rPr lang="en-US" altLang="zh-TW" sz="1400" b="1" dirty="0"/>
               <a:t>2</a:t>
             </a:r>
             <a:r>
-              <a:rPr lang="en-US" altLang="zh-TW" sz="1400" b="1" baseline="30000" dirty="0" smtClean="0"/>
+              <a:rPr lang="en-US" altLang="zh-TW" sz="1400" b="1" baseline="30000" dirty="0"/>
               <a:t>nd</a:t>
             </a:r>
             <a:r>
-              <a:rPr lang="en-US" altLang="zh-TW" sz="1400" b="1" dirty="0" smtClean="0"/>
+              <a:rPr lang="en-US" altLang="zh-TW" sz="1400" b="1" dirty="0"/>
               <a:t> Request</a:t>
             </a:r>
             <a:endParaRPr lang="zh-TW" altLang="en-US" sz="1400" b="1" dirty="0"/>
@@ -8220,27 +8186,17 @@
                 </a:rPr>
                 <a:t>Scoped </a:t>
               </a:r>
-              <a:endParaRPr lang="en-US" altLang="zh-TW" dirty="0" smtClean="0">
-                <a:solidFill>
-                  <a:schemeClr val="bg1"/>
-                </a:solidFill>
-              </a:endParaRPr>
             </a:p>
             <a:p>
               <a:pPr algn="ctr"/>
               <a:r>
-                <a:rPr lang="en-US" altLang="zh-TW" dirty="0" smtClean="0">
+                <a:rPr lang="en-US" altLang="zh-TW" dirty="0">
                   <a:solidFill>
                     <a:schemeClr val="bg1"/>
                   </a:solidFill>
                 </a:rPr>
                 <a:t>Pool</a:t>
               </a:r>
-              <a:endParaRPr lang="en-US" altLang="zh-TW" dirty="0">
-                <a:solidFill>
-                  <a:schemeClr val="bg1"/>
-                </a:solidFill>
-              </a:endParaRPr>
             </a:p>
           </p:txBody>
         </p:sp>
@@ -8279,7 +8235,7 @@
             <a:p>
               <a:pPr algn="ctr"/>
               <a:r>
-                <a:rPr lang="en-US" altLang="zh-TW" dirty="0" smtClean="0">
+                <a:rPr lang="en-US" altLang="zh-TW" dirty="0">
                   <a:solidFill>
                     <a:schemeClr val="bg1"/>
                   </a:solidFill>
@@ -8330,18 +8286,13 @@
           <a:p>
             <a:pPr algn="ctr"/>
             <a:r>
-              <a:rPr lang="en-US" altLang="zh-TW" sz="1400" dirty="0" smtClean="0">
+              <a:rPr lang="en-US" altLang="zh-TW" sz="1400" dirty="0">
                 <a:solidFill>
                   <a:schemeClr val="bg1"/>
                 </a:solidFill>
               </a:rPr>
               <a:t>View</a:t>
             </a:r>
-            <a:endParaRPr lang="en-US" altLang="zh-TW" sz="1400" dirty="0">
-              <a:solidFill>
-                <a:schemeClr val="bg1"/>
-              </a:solidFill>
-            </a:endParaRPr>
           </a:p>
           <a:p>
             <a:pPr algn="ctr"/>
@@ -8639,7 +8590,7 @@
           <a:p>
             <a:pPr algn="ctr"/>
             <a:r>
-              <a:rPr lang="en-US" altLang="zh-TW" dirty="0" smtClean="0">
+              <a:rPr lang="en-US" altLang="zh-TW" dirty="0">
                 <a:solidFill>
                   <a:schemeClr val="bg1"/>
                 </a:solidFill>
@@ -8833,18 +8784,13 @@
           <a:p>
             <a:pPr algn="ctr"/>
             <a:r>
-              <a:rPr lang="en-US" altLang="zh-TW" sz="1400" dirty="0" smtClean="0">
+              <a:rPr lang="en-US" altLang="zh-TW" sz="1400" dirty="0">
                 <a:solidFill>
                   <a:schemeClr val="bg1"/>
                 </a:solidFill>
               </a:rPr>
               <a:t>View</a:t>
             </a:r>
-            <a:endParaRPr lang="en-US" altLang="zh-TW" sz="1400" dirty="0">
-              <a:solidFill>
-                <a:schemeClr val="bg1"/>
-              </a:solidFill>
-            </a:endParaRPr>
           </a:p>
           <a:p>
             <a:pPr algn="ctr"/>
@@ -8910,36 +8856,12 @@
           <a:p>
             <a:pPr algn="ctr"/>
             <a:r>
-              <a:rPr lang="en-US" altLang="zh-TW" sz="1400" dirty="0" smtClean="0">
-                <a:solidFill>
-                  <a:schemeClr val="bg1"/>
-                </a:solidFill>
-              </a:rPr>
-              <a:t>DI: A , </a:t>
-            </a:r>
-            <a:r>
               <a:rPr lang="en-US" altLang="zh-TW" sz="1400" dirty="0">
                 <a:solidFill>
                   <a:schemeClr val="bg1"/>
                 </a:solidFill>
               </a:rPr>
-              <a:t>B </a:t>
-            </a:r>
-            <a:r>
-              <a:rPr lang="en-US" altLang="zh-TW" sz="1400" dirty="0" smtClean="0">
-                <a:solidFill>
-                  <a:schemeClr val="bg1"/>
-                </a:solidFill>
-              </a:rPr>
-              <a:t>, </a:t>
-            </a:r>
-            <a:r>
-              <a:rPr lang="en-US" altLang="zh-TW" sz="1400" dirty="0">
-                <a:solidFill>
-                  <a:schemeClr val="bg1"/>
-                </a:solidFill>
-              </a:rPr>
-              <a:t>C </a:t>
+              <a:t>DI: A , B , C </a:t>
             </a:r>
             <a:endParaRPr lang="zh-TW" altLang="en-US" sz="1400" dirty="0">
               <a:solidFill>
@@ -9078,7 +9000,7 @@
             <a:p>
               <a:pPr algn="ctr"/>
               <a:r>
-                <a:rPr lang="en-US" altLang="zh-TW" dirty="0" smtClean="0">
+                <a:rPr lang="en-US" altLang="zh-TW" dirty="0">
                   <a:solidFill>
                     <a:schemeClr val="bg1"/>
                   </a:solidFill>
@@ -9123,27 +9045,17 @@
                 </a:rPr>
                 <a:t>Scoped </a:t>
               </a:r>
-              <a:endParaRPr lang="en-US" altLang="zh-TW" dirty="0" smtClean="0">
-                <a:solidFill>
-                  <a:schemeClr val="bg1"/>
-                </a:solidFill>
-              </a:endParaRPr>
             </a:p>
             <a:p>
               <a:pPr algn="ctr"/>
               <a:r>
-                <a:rPr lang="en-US" altLang="zh-TW" dirty="0" smtClean="0">
+                <a:rPr lang="en-US" altLang="zh-TW" dirty="0">
                   <a:solidFill>
                     <a:schemeClr val="bg1"/>
                   </a:solidFill>
                 </a:rPr>
                 <a:t>Pool</a:t>
               </a:r>
-              <a:endParaRPr lang="en-US" altLang="zh-TW" dirty="0">
-                <a:solidFill>
-                  <a:schemeClr val="bg1"/>
-                </a:solidFill>
-              </a:endParaRPr>
             </a:p>
           </p:txBody>
         </p:sp>
@@ -9375,7 +9287,7 @@
           <a:p>
             <a:pPr algn="ctr"/>
             <a:r>
-              <a:rPr lang="en-US" altLang="zh-TW" dirty="0" smtClean="0">
+              <a:rPr lang="en-US" altLang="zh-TW" dirty="0">
                 <a:solidFill>
                   <a:schemeClr val="bg1"/>
                 </a:solidFill>
@@ -9425,7 +9337,7 @@
           <a:p>
             <a:pPr algn="ctr"/>
             <a:r>
-              <a:rPr lang="en-US" altLang="zh-TW" dirty="0" smtClean="0">
+              <a:rPr lang="en-US" altLang="zh-TW" dirty="0">
                 <a:solidFill>
                   <a:schemeClr val="bg1"/>
                 </a:solidFill>
@@ -9560,7 +9472,7 @@
           <a:lstStyle/>
           <a:p>
             <a:r>
-              <a:rPr lang="en-US" altLang="zh-TW" sz="8000" b="1" dirty="0" smtClean="0">
+              <a:rPr lang="en-US" altLang="zh-TW" sz="8000" b="1" dirty="0">
                 <a:solidFill>
                   <a:schemeClr val="tx1">
                     <a:alpha val="8000"/>
@@ -11625,7 +11537,7 @@
           <a:p>
             <a:pPr algn="ctr"/>
             <a:r>
-              <a:rPr lang="en-US" altLang="zh-TW" b="1" dirty="0" err="1" smtClean="0"/>
+              <a:rPr lang="en-US" altLang="zh-TW" b="1" dirty="0" err="1"/>
               <a:t>AppModule</a:t>
             </a:r>
             <a:endParaRPr lang="zh-TW" altLang="en-US" b="1" dirty="0"/>
@@ -12166,7 +12078,7 @@
           <a:p>
             <a:pPr algn="ctr"/>
             <a:r>
-              <a:rPr lang="en-US" altLang="zh-TW" b="1" dirty="0" err="1" smtClean="0"/>
+              <a:rPr lang="en-US" altLang="zh-TW" b="1" dirty="0" err="1"/>
               <a:t>FirstModule</a:t>
             </a:r>
             <a:endParaRPr lang="zh-TW" altLang="en-US" b="1" dirty="0"/>
@@ -12238,7 +12150,7 @@
           <a:p>
             <a:pPr algn="ctr"/>
             <a:r>
-              <a:rPr lang="en-US" altLang="zh-TW" dirty="0" err="1" smtClean="0">
+              <a:rPr lang="en-US" altLang="zh-TW" dirty="0" err="1">
                 <a:solidFill>
                   <a:schemeClr val="bg1"/>
                 </a:solidFill>
@@ -12329,7 +12241,7 @@
           <a:p>
             <a:pPr algn="ctr"/>
             <a:r>
-              <a:rPr lang="en-US" altLang="zh-TW" b="1" dirty="0" err="1" smtClean="0"/>
+              <a:rPr lang="en-US" altLang="zh-TW" b="1" dirty="0" err="1"/>
               <a:t>AppModule</a:t>
             </a:r>
             <a:endParaRPr lang="zh-TW" altLang="en-US" b="1" dirty="0"/>
@@ -12415,7 +12327,7 @@
             <a:p>
               <a:pPr algn="ctr"/>
               <a:r>
-                <a:rPr lang="en-US" altLang="zh-TW" b="1" dirty="0" err="1" smtClean="0"/>
+                <a:rPr lang="en-US" altLang="zh-TW" b="1" dirty="0" err="1"/>
                 <a:t>FirstModule</a:t>
               </a:r>
               <a:endParaRPr lang="zh-TW" altLang="en-US" b="1" dirty="0"/>
@@ -12457,14 +12369,14 @@
             <a:p>
               <a:pPr algn="ctr"/>
               <a:r>
-                <a:rPr lang="en-US" altLang="zh-TW" sz="1400" dirty="0" smtClean="0"/>
+                <a:rPr lang="en-US" altLang="zh-TW" sz="1400" dirty="0"/>
                 <a:t>Module</a:t>
               </a:r>
               <a:br>
-                <a:rPr lang="en-US" altLang="zh-TW" sz="1400" dirty="0" smtClean="0"/>
+                <a:rPr lang="en-US" altLang="zh-TW" sz="1400" dirty="0"/>
               </a:br>
               <a:r>
-                <a:rPr lang="en-US" altLang="zh-TW" sz="1400" dirty="0" smtClean="0"/>
+                <a:rPr lang="en-US" altLang="zh-TW" sz="1400" dirty="0"/>
                 <a:t>Service </a:t>
               </a:r>
               <a:endParaRPr lang="zh-TW" altLang="en-US" sz="1400" dirty="0">
@@ -12554,7 +12466,7 @@
               <a:p>
                 <a:pPr algn="ctr"/>
                 <a:r>
-                  <a:rPr lang="en-US" altLang="zh-TW" sz="1600" dirty="0" err="1" smtClean="0">
+                  <a:rPr lang="en-US" altLang="zh-TW" sz="1600" dirty="0" err="1">
                     <a:solidFill>
                       <a:schemeClr val="bg1"/>
                     </a:solidFill>
@@ -12604,14 +12516,14 @@
               <a:p>
                 <a:pPr algn="ctr"/>
                 <a:r>
-                  <a:rPr lang="en-US" altLang="zh-TW" sz="1400" dirty="0" smtClean="0"/>
+                  <a:rPr lang="en-US" altLang="zh-TW" sz="1400" dirty="0"/>
                   <a:t>Controller</a:t>
                 </a:r>
               </a:p>
               <a:p>
                 <a:pPr algn="ctr"/>
                 <a:r>
-                  <a:rPr lang="en-US" altLang="zh-TW" sz="1400" dirty="0" smtClean="0"/>
+                  <a:rPr lang="en-US" altLang="zh-TW" sz="1400" dirty="0"/>
                   <a:t>Service</a:t>
                 </a:r>
                 <a:endParaRPr lang="zh-TW" altLang="en-US" sz="1400" dirty="0">
@@ -12703,7 +12615,7 @@
             <a:p>
               <a:pPr algn="ctr"/>
               <a:r>
-                <a:rPr lang="en-US" altLang="zh-TW" b="1" dirty="0" err="1" smtClean="0"/>
+                <a:rPr lang="en-US" altLang="zh-TW" b="1" dirty="0" err="1"/>
                 <a:t>SecondModule</a:t>
               </a:r>
               <a:endParaRPr lang="zh-TW" altLang="en-US" b="1" dirty="0"/>
@@ -12745,14 +12657,14 @@
             <a:p>
               <a:pPr algn="ctr"/>
               <a:r>
-                <a:rPr lang="en-US" altLang="zh-TW" sz="1400" dirty="0" smtClean="0"/>
+                <a:rPr lang="en-US" altLang="zh-TW" sz="1400" dirty="0"/>
                 <a:t>Module</a:t>
               </a:r>
               <a:br>
-                <a:rPr lang="en-US" altLang="zh-TW" sz="1400" dirty="0" smtClean="0"/>
+                <a:rPr lang="en-US" altLang="zh-TW" sz="1400" dirty="0"/>
               </a:br>
               <a:r>
-                <a:rPr lang="en-US" altLang="zh-TW" sz="1400" dirty="0" smtClean="0"/>
+                <a:rPr lang="en-US" altLang="zh-TW" sz="1400" dirty="0"/>
                 <a:t>Service </a:t>
               </a:r>
               <a:endParaRPr lang="zh-TW" altLang="en-US" sz="1400" dirty="0">
@@ -12842,7 +12754,7 @@
               <a:p>
                 <a:pPr algn="ctr"/>
                 <a:r>
-                  <a:rPr lang="en-US" altLang="zh-TW" sz="1600" dirty="0" err="1" smtClean="0">
+                  <a:rPr lang="en-US" altLang="zh-TW" sz="1600" dirty="0" err="1">
                     <a:solidFill>
                       <a:schemeClr val="bg1"/>
                     </a:solidFill>
@@ -12892,14 +12804,14 @@
               <a:p>
                 <a:pPr algn="ctr"/>
                 <a:r>
-                  <a:rPr lang="en-US" altLang="zh-TW" sz="1400" dirty="0" smtClean="0"/>
+                  <a:rPr lang="en-US" altLang="zh-TW" sz="1400" dirty="0"/>
                   <a:t>Controller</a:t>
                 </a:r>
               </a:p>
               <a:p>
                 <a:pPr algn="ctr"/>
                 <a:r>
-                  <a:rPr lang="en-US" altLang="zh-TW" sz="1400" dirty="0" smtClean="0"/>
+                  <a:rPr lang="en-US" altLang="zh-TW" sz="1400" dirty="0"/>
                   <a:t>Service</a:t>
                 </a:r>
                 <a:endParaRPr lang="zh-TW" altLang="en-US" sz="1400" dirty="0">
@@ -12991,7 +12903,7 @@
             <a:p>
               <a:pPr algn="ctr"/>
               <a:r>
-                <a:rPr lang="en-US" altLang="zh-TW" b="1" dirty="0" err="1" smtClean="0"/>
+                <a:rPr lang="en-US" altLang="zh-TW" b="1" dirty="0" err="1"/>
                 <a:t>ThirdModule</a:t>
               </a:r>
               <a:endParaRPr lang="zh-TW" altLang="en-US" b="1" dirty="0"/>
@@ -13033,14 +12945,14 @@
             <a:p>
               <a:pPr algn="ctr"/>
               <a:r>
-                <a:rPr lang="en-US" altLang="zh-TW" sz="1400" dirty="0" smtClean="0"/>
+                <a:rPr lang="en-US" altLang="zh-TW" sz="1400" dirty="0"/>
                 <a:t>Module</a:t>
               </a:r>
               <a:br>
-                <a:rPr lang="en-US" altLang="zh-TW" sz="1400" dirty="0" smtClean="0"/>
+                <a:rPr lang="en-US" altLang="zh-TW" sz="1400" dirty="0"/>
               </a:br>
               <a:r>
-                <a:rPr lang="en-US" altLang="zh-TW" sz="1400" dirty="0" smtClean="0"/>
+                <a:rPr lang="en-US" altLang="zh-TW" sz="1400" dirty="0"/>
                 <a:t>Service </a:t>
               </a:r>
               <a:endParaRPr lang="zh-TW" altLang="en-US" sz="1400" dirty="0">
@@ -13130,7 +13042,7 @@
               <a:p>
                 <a:pPr algn="ctr"/>
                 <a:r>
-                  <a:rPr lang="en-US" altLang="zh-TW" sz="1600" dirty="0" err="1" smtClean="0">
+                  <a:rPr lang="en-US" altLang="zh-TW" sz="1600" dirty="0" err="1">
                     <a:solidFill>
                       <a:schemeClr val="bg1"/>
                     </a:solidFill>
@@ -13180,14 +13092,14 @@
               <a:p>
                 <a:pPr algn="ctr"/>
                 <a:r>
-                  <a:rPr lang="en-US" altLang="zh-TW" sz="1400" dirty="0" smtClean="0"/>
+                  <a:rPr lang="en-US" altLang="zh-TW" sz="1400" dirty="0"/>
                   <a:t>Controller</a:t>
                 </a:r>
               </a:p>
               <a:p>
                 <a:pPr algn="ctr"/>
                 <a:r>
-                  <a:rPr lang="en-US" altLang="zh-TW" sz="1400" dirty="0" smtClean="0"/>
+                  <a:rPr lang="en-US" altLang="zh-TW" sz="1400" dirty="0"/>
                   <a:t>Service</a:t>
                 </a:r>
                 <a:endParaRPr lang="zh-TW" altLang="en-US" sz="1400" dirty="0">
@@ -13279,7 +13191,7 @@
             <a:p>
               <a:pPr algn="ctr"/>
               <a:r>
-                <a:rPr lang="en-US" altLang="zh-TW" b="1" dirty="0" err="1" smtClean="0"/>
+                <a:rPr lang="en-US" altLang="zh-TW" b="1" dirty="0" err="1"/>
                 <a:t>SharedModule</a:t>
               </a:r>
               <a:endParaRPr lang="zh-TW" altLang="en-US" b="1" dirty="0"/>
@@ -13321,15 +13233,15 @@
             <a:p>
               <a:pPr algn="ctr"/>
               <a:r>
-                <a:rPr lang="en-US" altLang="zh-TW" sz="1400" dirty="0" err="1" smtClean="0"/>
+                <a:rPr lang="en-US" altLang="zh-TW" sz="1400" dirty="0" err="1"/>
                 <a:t>SharedModule</a:t>
               </a:r>
-              <a:endParaRPr lang="en-US" altLang="zh-TW" sz="1400" dirty="0" smtClean="0"/>
+              <a:endParaRPr lang="en-US" altLang="zh-TW" sz="1400" dirty="0"/>
             </a:p>
             <a:p>
               <a:pPr algn="ctr"/>
               <a:r>
-                <a:rPr lang="en-US" altLang="zh-TW" sz="1400" dirty="0" smtClean="0"/>
+                <a:rPr lang="en-US" altLang="zh-TW" sz="1400" dirty="0"/>
                 <a:t>Service </a:t>
               </a:r>
               <a:endParaRPr lang="zh-TW" altLang="en-US" sz="1400" dirty="0">
@@ -13420,7 +13332,7 @@
             <a:p>
               <a:pPr algn="ctr"/>
               <a:r>
-                <a:rPr lang="en-US" altLang="zh-TW" b="1" dirty="0" smtClean="0"/>
+                <a:rPr lang="en-US" altLang="zh-TW" b="1" dirty="0"/>
                 <a:t>Import</a:t>
               </a:r>
               <a:endParaRPr lang="zh-TW" altLang="en-US" b="1" dirty="0"/>
@@ -13507,7 +13419,7 @@
             <a:p>
               <a:pPr algn="ctr"/>
               <a:r>
-                <a:rPr lang="en-US" altLang="zh-TW" b="1" dirty="0" err="1" smtClean="0"/>
+                <a:rPr lang="en-US" altLang="zh-TW" b="1" dirty="0" err="1"/>
                 <a:t>SharedModule</a:t>
               </a:r>
               <a:endParaRPr lang="zh-TW" altLang="en-US" b="1" dirty="0"/>
@@ -13549,15 +13461,15 @@
             <a:p>
               <a:pPr algn="ctr"/>
               <a:r>
-                <a:rPr lang="en-US" altLang="zh-TW" sz="1400" dirty="0" err="1" smtClean="0"/>
+                <a:rPr lang="en-US" altLang="zh-TW" sz="1400" dirty="0" err="1"/>
                 <a:t>SharedModule</a:t>
               </a:r>
-              <a:endParaRPr lang="en-US" altLang="zh-TW" sz="1400" dirty="0" smtClean="0"/>
+              <a:endParaRPr lang="en-US" altLang="zh-TW" sz="1400" dirty="0"/>
             </a:p>
             <a:p>
               <a:pPr algn="ctr"/>
               <a:r>
-                <a:rPr lang="en-US" altLang="zh-TW" sz="1400" dirty="0" smtClean="0"/>
+                <a:rPr lang="en-US" altLang="zh-TW" sz="1400" dirty="0"/>
                 <a:t>Service </a:t>
               </a:r>
               <a:endParaRPr lang="zh-TW" altLang="en-US" sz="1400" dirty="0">
@@ -13648,7 +13560,7 @@
             <a:p>
               <a:pPr algn="ctr"/>
               <a:r>
-                <a:rPr lang="en-US" altLang="zh-TW" b="1" dirty="0" err="1" smtClean="0"/>
+                <a:rPr lang="en-US" altLang="zh-TW" b="1" dirty="0" err="1"/>
                 <a:t>SharedModule</a:t>
               </a:r>
               <a:endParaRPr lang="zh-TW" altLang="en-US" b="1" dirty="0"/>
@@ -13690,15 +13602,15 @@
             <a:p>
               <a:pPr algn="ctr"/>
               <a:r>
-                <a:rPr lang="en-US" altLang="zh-TW" sz="1400" dirty="0" err="1" smtClean="0"/>
+                <a:rPr lang="en-US" altLang="zh-TW" sz="1400" dirty="0" err="1"/>
                 <a:t>SharedModule</a:t>
               </a:r>
-              <a:endParaRPr lang="en-US" altLang="zh-TW" sz="1400" dirty="0" smtClean="0"/>
+              <a:endParaRPr lang="en-US" altLang="zh-TW" sz="1400" dirty="0"/>
             </a:p>
             <a:p>
               <a:pPr algn="ctr"/>
               <a:r>
-                <a:rPr lang="en-US" altLang="zh-TW" sz="1400" dirty="0" smtClean="0"/>
+                <a:rPr lang="en-US" altLang="zh-TW" sz="1400" dirty="0"/>
                 <a:t>Service </a:t>
               </a:r>
               <a:endParaRPr lang="zh-TW" altLang="en-US" sz="1400" dirty="0">
@@ -13745,15 +13657,15 @@
           <a:p>
             <a:pPr algn="ctr"/>
             <a:r>
-              <a:rPr lang="en-US" altLang="zh-TW" sz="1400" dirty="0" err="1" smtClean="0"/>
+              <a:rPr lang="en-US" altLang="zh-TW" sz="1400" dirty="0" err="1"/>
               <a:t>AppModule</a:t>
             </a:r>
-            <a:endParaRPr lang="en-US" altLang="zh-TW" sz="1400" dirty="0" smtClean="0"/>
+            <a:endParaRPr lang="en-US" altLang="zh-TW" sz="1400" dirty="0"/>
           </a:p>
           <a:p>
             <a:pPr algn="ctr"/>
             <a:r>
-              <a:rPr lang="en-US" altLang="zh-TW" sz="1400" dirty="0" smtClean="0"/>
+              <a:rPr lang="en-US" altLang="zh-TW" sz="1400" dirty="0"/>
               <a:t>Service</a:t>
             </a:r>
             <a:endParaRPr lang="zh-TW" altLang="en-US" sz="1400" dirty="0">
@@ -13799,14 +13711,14 @@
           <a:p>
             <a:pPr algn="ctr"/>
             <a:r>
-              <a:rPr lang="en-US" altLang="zh-TW" sz="1400" dirty="0" smtClean="0"/>
+              <a:rPr lang="en-US" altLang="zh-TW" sz="1400" dirty="0"/>
               <a:t>Singleton</a:t>
             </a:r>
           </a:p>
           <a:p>
             <a:pPr algn="ctr"/>
             <a:r>
-              <a:rPr lang="en-US" altLang="zh-TW" sz="1400" dirty="0" smtClean="0"/>
+              <a:rPr lang="en-US" altLang="zh-TW" sz="1400" dirty="0"/>
               <a:t>Service</a:t>
             </a:r>
             <a:endParaRPr lang="zh-TW" altLang="en-US" sz="1400" dirty="0">
@@ -13896,7 +13808,7 @@
             <a:p>
               <a:pPr algn="ctr"/>
               <a:r>
-                <a:rPr lang="en-US" altLang="zh-TW" b="1" dirty="0" smtClean="0"/>
+                <a:rPr lang="en-US" altLang="zh-TW" b="1" dirty="0"/>
                 <a:t>Import</a:t>
               </a:r>
               <a:endParaRPr lang="zh-TW" altLang="en-US" b="1" dirty="0"/>
@@ -13983,7 +13895,7 @@
             <a:p>
               <a:pPr algn="ctr"/>
               <a:r>
-                <a:rPr lang="en-US" altLang="zh-TW" b="1" dirty="0" smtClean="0"/>
+                <a:rPr lang="en-US" altLang="zh-TW" b="1" dirty="0"/>
                 <a:t>Import</a:t>
               </a:r>
               <a:endParaRPr lang="zh-TW" altLang="en-US" b="1" dirty="0"/>
@@ -14067,7 +13979,7 @@
           <a:p>
             <a:pPr algn="ctr"/>
             <a:r>
-              <a:rPr lang="en-US" altLang="zh-TW" b="1" dirty="0" smtClean="0"/>
+              <a:rPr lang="en-US" altLang="zh-TW" b="1" dirty="0"/>
               <a:t>JavaScript</a:t>
             </a:r>
             <a:endParaRPr lang="zh-TW" altLang="en-US" b="1" dirty="0"/>
@@ -14460,7 +14372,7 @@
           <a:p>
             <a:pPr algn="ctr"/>
             <a:r>
-              <a:rPr lang="en-US" altLang="zh-TW" sz="2400" b="1" dirty="0" smtClean="0">
+              <a:rPr lang="en-US" altLang="zh-TW" sz="2400" b="1" dirty="0">
                 <a:solidFill>
                   <a:srgbClr val="FF0000"/>
                 </a:solidFill>
@@ -14499,7 +14411,7 @@
           <a:p>
             <a:pPr algn="ctr"/>
             <a:r>
-              <a:rPr lang="en-US" altLang="zh-TW" sz="2400" b="1" dirty="0" smtClean="0">
+              <a:rPr lang="en-US" altLang="zh-TW" sz="2400" b="1" dirty="0">
                 <a:solidFill>
                   <a:srgbClr val="0070C0"/>
                 </a:solidFill>
@@ -14538,7 +14450,7 @@
           <a:p>
             <a:pPr algn="ctr"/>
             <a:r>
-              <a:rPr lang="en-US" altLang="zh-TW" sz="2400" b="1" dirty="0" smtClean="0">
+              <a:rPr lang="en-US" altLang="zh-TW" sz="2400" b="1" dirty="0">
                 <a:solidFill>
                   <a:srgbClr val="00B050"/>
                 </a:solidFill>
@@ -15342,13 +15254,6 @@
   <p:clrMapOvr>
     <a:masterClrMapping/>
   </p:clrMapOvr>
-  <p:timing>
-    <p:tnLst>
-      <p:par>
-        <p:cTn id="1" dur="indefinite" restart="never" nodeType="tmRoot"/>
-      </p:par>
-    </p:tnLst>
-  </p:timing>
 </p:sld>
 </file>
 
@@ -16259,15 +16164,14 @@
           <a:p>
             <a:pPr algn="ctr"/>
             <a:r>
-              <a:rPr lang="en-US" altLang="zh-TW" dirty="0" smtClean="0"/>
+              <a:rPr lang="en-US" altLang="zh-TW" dirty="0"/>
               <a:t>DAL</a:t>
             </a:r>
-            <a:endParaRPr lang="en-US" altLang="zh-TW" dirty="0"/>
           </a:p>
           <a:p>
             <a:pPr algn="ctr"/>
             <a:r>
-              <a:rPr lang="en-US" altLang="zh-TW" dirty="0" smtClean="0"/>
+              <a:rPr lang="en-US" altLang="zh-TW" dirty="0"/>
               <a:t>(Data Access Layer)</a:t>
             </a:r>
             <a:endParaRPr lang="zh-TW" altLang="en-US" dirty="0"/>
@@ -16309,7 +16213,7 @@
           <a:p>
             <a:pPr algn="ctr"/>
             <a:r>
-              <a:rPr lang="en-US" altLang="zh-TW" dirty="0" smtClean="0"/>
+              <a:rPr lang="en-US" altLang="zh-TW" dirty="0"/>
               <a:t>BLL</a:t>
             </a:r>
           </a:p>
@@ -16317,11 +16221,7 @@
             <a:pPr algn="ctr"/>
             <a:r>
               <a:rPr lang="en-US" altLang="zh-TW" dirty="0"/>
-              <a:t>(Business Logic Layer</a:t>
-            </a:r>
-            <a:r>
-              <a:rPr lang="en-US" altLang="zh-TW" dirty="0" smtClean="0"/>
-              <a:t>)</a:t>
+              <a:t>(Business Logic Layer)</a:t>
             </a:r>
             <a:endParaRPr lang="zh-TW" altLang="en-US" dirty="0"/>
           </a:p>
@@ -16584,13 +16484,6 @@
   <p:clrMapOvr>
     <a:masterClrMapping/>
   </p:clrMapOvr>
-  <p:timing>
-    <p:tnLst>
-      <p:par>
-        <p:cTn id="1" dur="indefinite" restart="never" nodeType="tmRoot"/>
-      </p:par>
-    </p:tnLst>
-  </p:timing>
 </p:sld>
 </file>
 
@@ -16646,7 +16539,7 @@
           <a:p>
             <a:pPr algn="ctr"/>
             <a:r>
-              <a:rPr lang="en-US" altLang="zh-TW" sz="1600" b="1" dirty="0" err="1" smtClean="0"/>
+              <a:rPr lang="en-US" altLang="zh-TW" sz="1600" b="1" dirty="0" err="1"/>
               <a:t>TearDown</a:t>
             </a:r>
             <a:endParaRPr lang="en-US" altLang="zh-TW" sz="1600" dirty="0"/>
@@ -16730,15 +16623,15 @@
           <a:p>
             <a:pPr algn="ctr"/>
             <a:r>
-              <a:rPr lang="en-US" altLang="zh-TW" sz="1600" b="1" dirty="0" err="1" smtClean="0"/>
+              <a:rPr lang="en-US" altLang="zh-TW" sz="1600" b="1" dirty="0" err="1"/>
               <a:t>OneTime</a:t>
             </a:r>
-            <a:endParaRPr lang="en-US" altLang="zh-TW" sz="1600" b="1" dirty="0" smtClean="0"/>
+            <a:endParaRPr lang="en-US" altLang="zh-TW" sz="1600" b="1" dirty="0"/>
           </a:p>
           <a:p>
             <a:pPr algn="ctr"/>
             <a:r>
-              <a:rPr lang="en-US" altLang="zh-TW" sz="1600" b="1" dirty="0" err="1" smtClean="0"/>
+              <a:rPr lang="en-US" altLang="zh-TW" sz="1600" b="1" dirty="0" err="1"/>
               <a:t>SetUp</a:t>
             </a:r>
             <a:endParaRPr lang="en-US" altLang="zh-TW" sz="1600" dirty="0"/>
@@ -16780,7 +16673,7 @@
           <a:p>
             <a:pPr algn="ctr"/>
             <a:r>
-              <a:rPr lang="en-US" altLang="zh-TW" sz="1600" b="1" dirty="0" smtClean="0"/>
+              <a:rPr lang="en-US" altLang="zh-TW" sz="1600" b="1" dirty="0"/>
               <a:t>Test</a:t>
             </a:r>
             <a:endParaRPr lang="en-US" altLang="zh-TW" sz="1600" dirty="0"/>
@@ -16822,7 +16715,7 @@
           <a:p>
             <a:pPr algn="ctr"/>
             <a:r>
-              <a:rPr lang="en-US" altLang="zh-TW" sz="1600" b="1" dirty="0" smtClean="0"/>
+              <a:rPr lang="en-US" altLang="zh-TW" sz="1600" b="1" dirty="0"/>
               <a:t>Dispose</a:t>
             </a:r>
             <a:endParaRPr lang="en-US" altLang="zh-TW" sz="1600" dirty="0"/>
@@ -16864,15 +16757,15 @@
           <a:p>
             <a:pPr algn="ctr"/>
             <a:r>
-              <a:rPr lang="en-US" altLang="zh-TW" sz="1600" b="1" dirty="0" err="1" smtClean="0"/>
+              <a:rPr lang="en-US" altLang="zh-TW" sz="1600" b="1" dirty="0" err="1"/>
               <a:t>OneTime</a:t>
             </a:r>
-            <a:endParaRPr lang="en-US" altLang="zh-TW" sz="1600" b="1" dirty="0" smtClean="0"/>
+            <a:endParaRPr lang="en-US" altLang="zh-TW" sz="1600" b="1" dirty="0"/>
           </a:p>
           <a:p>
             <a:pPr algn="ctr"/>
             <a:r>
-              <a:rPr lang="en-US" altLang="zh-TW" sz="1600" b="1" dirty="0" err="1" smtClean="0"/>
+              <a:rPr lang="en-US" altLang="zh-TW" sz="1600" b="1" dirty="0" err="1"/>
               <a:t>TearDown</a:t>
             </a:r>
             <a:endParaRPr lang="en-US" altLang="zh-TW" sz="1600" dirty="0"/>
@@ -17201,13 +17094,6 @@
   <p:clrMapOvr>
     <a:masterClrMapping/>
   </p:clrMapOvr>
-  <p:timing>
-    <p:tnLst>
-      <p:par>
-        <p:cTn id="1" dur="indefinite" restart="never" nodeType="tmRoot"/>
-      </p:par>
-    </p:tnLst>
-  </p:timing>
 </p:sld>
 </file>
 
@@ -17292,7 +17178,7 @@
           <a:lstStyle/>
           <a:p>
             <a:r>
-              <a:rPr lang="en-US" altLang="zh-TW" b="1" dirty="0" smtClean="0">
+              <a:rPr lang="en-US" altLang="zh-TW" b="1" dirty="0">
                 <a:solidFill>
                   <a:schemeClr val="bg1"/>
                 </a:solidFill>
@@ -17349,16 +17235,11 @@
               </a:rPr>
               <a:t>First</a:t>
             </a:r>
-            <a:endParaRPr lang="en-US" altLang="zh-TW" dirty="0" smtClean="0">
-              <a:solidFill>
-                <a:schemeClr val="bg1"/>
-              </a:solidFill>
-            </a:endParaRPr>
           </a:p>
           <a:p>
             <a:pPr algn="ctr"/>
             <a:r>
-              <a:rPr lang="en-US" altLang="zh-TW" dirty="0" smtClean="0">
+              <a:rPr lang="en-US" altLang="zh-TW" dirty="0">
                 <a:solidFill>
                   <a:schemeClr val="bg1"/>
                 </a:solidFill>
@@ -17408,7 +17289,7 @@
           <a:p>
             <a:pPr algn="ctr"/>
             <a:r>
-              <a:rPr lang="en-US" altLang="zh-TW" dirty="0" smtClean="0">
+              <a:rPr lang="en-US" altLang="zh-TW" dirty="0">
                 <a:solidFill>
                   <a:schemeClr val="bg1"/>
                 </a:solidFill>
@@ -17419,7 +17300,7 @@
           <a:p>
             <a:pPr algn="ctr"/>
             <a:r>
-              <a:rPr lang="en-US" altLang="zh-TW" dirty="0" smtClean="0">
+              <a:rPr lang="en-US" altLang="zh-TW" dirty="0">
                 <a:solidFill>
                   <a:schemeClr val="bg1"/>
                 </a:solidFill>
@@ -17469,7 +17350,7 @@
           <a:p>
             <a:pPr algn="ctr"/>
             <a:r>
-              <a:rPr lang="en-US" altLang="zh-TW" dirty="0" smtClean="0">
+              <a:rPr lang="en-US" altLang="zh-TW" dirty="0">
                 <a:solidFill>
                   <a:schemeClr val="bg1"/>
                 </a:solidFill>
@@ -17480,7 +17361,7 @@
           <a:p>
             <a:pPr algn="ctr"/>
             <a:r>
-              <a:rPr lang="en-US" altLang="zh-TW" dirty="0" smtClean="0">
+              <a:rPr lang="en-US" altLang="zh-TW" dirty="0">
                 <a:solidFill>
                   <a:schemeClr val="bg1"/>
                 </a:solidFill>
@@ -17574,23 +17455,18 @@
             <a:p>
               <a:pPr algn="ctr"/>
               <a:r>
-                <a:rPr lang="en-US" altLang="zh-TW" b="1" dirty="0" smtClean="0">
+                <a:rPr lang="en-US" altLang="zh-TW" b="1" dirty="0">
                   <a:solidFill>
                     <a:schemeClr val="bg1"/>
                   </a:solidFill>
                 </a:rPr>
                 <a:t>Ignore Global</a:t>
               </a:r>
-              <a:endParaRPr lang="en-US" altLang="zh-TW" b="1" dirty="0">
-                <a:solidFill>
-                  <a:schemeClr val="bg1"/>
-                </a:solidFill>
-              </a:endParaRPr>
             </a:p>
             <a:p>
               <a:pPr algn="ctr"/>
               <a:r>
-                <a:rPr lang="en-US" altLang="zh-TW" b="1" dirty="0" smtClean="0">
+                <a:rPr lang="en-US" altLang="zh-TW" b="1" dirty="0">
                   <a:solidFill>
                     <a:schemeClr val="bg1"/>
                   </a:solidFill>
@@ -17640,7 +17516,7 @@
             <a:p>
               <a:pPr algn="ctr"/>
               <a:r>
-                <a:rPr lang="en-US" altLang="zh-TW" dirty="0" smtClean="0">
+                <a:rPr lang="en-US" altLang="zh-TW" dirty="0">
                   <a:solidFill>
                     <a:schemeClr val="bg1"/>
                   </a:solidFill>
@@ -17651,7 +17527,7 @@
             <a:p>
               <a:pPr algn="ctr"/>
               <a:r>
-                <a:rPr lang="en-US" altLang="zh-TW" dirty="0" smtClean="0">
+                <a:rPr lang="en-US" altLang="zh-TW" dirty="0">
                   <a:solidFill>
                     <a:schemeClr val="bg1"/>
                   </a:solidFill>
@@ -17702,7 +17578,7 @@
           <a:p>
             <a:pPr algn="ctr"/>
             <a:r>
-              <a:rPr lang="en-US" altLang="zh-TW" dirty="0" smtClean="0">
+              <a:rPr lang="en-US" altLang="zh-TW" dirty="0">
                 <a:solidFill>
                   <a:schemeClr val="bg1"/>
                 </a:solidFill>
@@ -17713,7 +17589,7 @@
           <a:p>
             <a:pPr algn="ctr"/>
             <a:r>
-              <a:rPr lang="en-US" altLang="zh-TW" dirty="0" smtClean="0">
+              <a:rPr lang="en-US" altLang="zh-TW" dirty="0">
                 <a:solidFill>
                   <a:schemeClr val="bg1"/>
                 </a:solidFill>
@@ -17763,7 +17639,7 @@
           <a:p>
             <a:pPr algn="ctr"/>
             <a:r>
-              <a:rPr lang="en-US" altLang="zh-TW" sz="1400" b="1" dirty="0" smtClean="0"/>
+              <a:rPr lang="en-US" altLang="zh-TW" sz="1400" b="1" dirty="0"/>
               <a:t>Request</a:t>
             </a:r>
             <a:endParaRPr lang="zh-TW" altLang="en-US" sz="1400" b="1" dirty="0"/>
@@ -17843,7 +17719,7 @@
           <a:p>
             <a:pPr algn="ctr"/>
             <a:r>
-              <a:rPr lang="en-US" altLang="zh-TW" sz="1400" b="1" dirty="0" smtClean="0"/>
+              <a:rPr lang="en-US" altLang="zh-TW" sz="1400" b="1" dirty="0"/>
               <a:t>Request</a:t>
             </a:r>
             <a:endParaRPr lang="zh-TW" altLang="en-US" sz="1400" b="1" dirty="0"/>
@@ -17912,7 +17788,7 @@
           <a:lstStyle/>
           <a:p>
             <a:r>
-              <a:rPr lang="en-US" altLang="zh-TW" sz="6600" b="1" dirty="0" smtClean="0">
+              <a:rPr lang="en-US" altLang="zh-TW" sz="6600" b="1" dirty="0">
                 <a:solidFill>
                   <a:schemeClr val="tx1">
                     <a:alpha val="8000"/>
@@ -17943,13 +17819,6 @@
   <p:clrMapOvr>
     <a:masterClrMapping/>
   </p:clrMapOvr>
-  <p:timing>
-    <p:tnLst>
-      <p:par>
-        <p:cTn id="1" dur="indefinite" restart="never" nodeType="tmRoot"/>
-      </p:par>
-    </p:tnLst>
-  </p:timing>
 </p:sld>
 </file>
 
@@ -18005,7 +17874,7 @@
           <a:p>
             <a:pPr algn="ctr"/>
             <a:r>
-              <a:rPr lang="en-US" altLang="zh-TW" sz="2000" dirty="0" smtClean="0"/>
+              <a:rPr lang="en-US" altLang="zh-TW" sz="2000" dirty="0"/>
               <a:t>Request - 3</a:t>
             </a:r>
             <a:endParaRPr lang="zh-TW" altLang="en-US" sz="2000" dirty="0"/>
@@ -18047,7 +17916,7 @@
           <a:p>
             <a:pPr algn="ctr"/>
             <a:r>
-              <a:rPr lang="en-US" altLang="zh-TW" sz="2000" dirty="0" smtClean="0"/>
+              <a:rPr lang="en-US" altLang="zh-TW" sz="2000" dirty="0"/>
               <a:t>Request - 1</a:t>
             </a:r>
             <a:endParaRPr lang="zh-TW" altLang="en-US" sz="2000" dirty="0"/>
@@ -18078,7 +17947,7 @@
           <a:p>
             <a:pPr algn="ctr"/>
             <a:r>
-              <a:rPr lang="en-US" altLang="zh-TW" dirty="0" smtClean="0"/>
+              <a:rPr lang="en-US" altLang="zh-TW" dirty="0"/>
               <a:t>Session: 1</a:t>
             </a:r>
             <a:endParaRPr lang="zh-TW" altLang="en-US" dirty="0"/>
@@ -18109,7 +17978,7 @@
           <a:p>
             <a:pPr algn="ctr"/>
             <a:r>
-              <a:rPr lang="en-US" altLang="zh-TW" dirty="0" smtClean="0"/>
+              <a:rPr lang="en-US" altLang="zh-TW" dirty="0"/>
               <a:t>Session: 1</a:t>
             </a:r>
             <a:endParaRPr lang="zh-TW" altLang="en-US" dirty="0"/>
@@ -18273,7 +18142,7 @@
               <a:p>
                 <a:pPr algn="ctr"/>
                 <a:r>
-                  <a:rPr lang="en-US" altLang="zh-TW" dirty="0" smtClean="0"/>
+                  <a:rPr lang="en-US" altLang="zh-TW" dirty="0"/>
                   <a:t>User</a:t>
                 </a:r>
                 <a:endParaRPr lang="zh-TW" altLang="en-US" dirty="0"/>
@@ -18317,7 +18186,7 @@
           <a:p>
             <a:pPr algn="ctr"/>
             <a:r>
-              <a:rPr lang="en-US" altLang="zh-TW" sz="2000" dirty="0" smtClean="0"/>
+              <a:rPr lang="en-US" altLang="zh-TW" sz="2000" dirty="0"/>
               <a:t>Request Session</a:t>
             </a:r>
             <a:endParaRPr lang="zh-TW" altLang="en-US" sz="2000" dirty="0"/>
@@ -18359,7 +18228,7 @@
           <a:p>
             <a:pPr algn="ctr"/>
             <a:r>
-              <a:rPr lang="en-US" altLang="zh-TW" sz="2000" dirty="0" smtClean="0"/>
+              <a:rPr lang="en-US" altLang="zh-TW" sz="2000" dirty="0"/>
               <a:t>Get Session</a:t>
             </a:r>
             <a:endParaRPr lang="zh-TW" altLang="en-US" sz="2000" dirty="0"/>
@@ -18401,7 +18270,7 @@
           <a:p>
             <a:pPr algn="ctr"/>
             <a:r>
-              <a:rPr lang="en-US" altLang="zh-TW" sz="2000" dirty="0" smtClean="0"/>
+              <a:rPr lang="en-US" altLang="zh-TW" sz="2000" dirty="0"/>
               <a:t>Clone</a:t>
             </a:r>
             <a:endParaRPr lang="zh-TW" altLang="en-US" sz="2000" dirty="0"/>
@@ -18476,7 +18345,7 @@
             <a:p>
               <a:pPr algn="ctr"/>
               <a:r>
-                <a:rPr lang="en-US" altLang="zh-TW" sz="1200" dirty="0" smtClean="0"/>
+                <a:rPr lang="en-US" altLang="zh-TW" sz="1200" dirty="0"/>
                 <a:t>Session: 1</a:t>
               </a:r>
               <a:endParaRPr lang="zh-TW" altLang="en-US" sz="1200" dirty="0"/>
@@ -18552,7 +18421,7 @@
             <a:p>
               <a:pPr algn="ctr"/>
               <a:r>
-                <a:rPr lang="en-US" altLang="zh-TW" sz="1200" dirty="0" smtClean="0"/>
+                <a:rPr lang="en-US" altLang="zh-TW" sz="1200" dirty="0"/>
                 <a:t>Session: 1</a:t>
               </a:r>
               <a:endParaRPr lang="zh-TW" altLang="en-US" sz="1200" dirty="0"/>
@@ -18628,7 +18497,7 @@
             <a:p>
               <a:pPr algn="ctr"/>
               <a:r>
-                <a:rPr lang="en-US" altLang="zh-TW" dirty="0" smtClean="0"/>
+                <a:rPr lang="en-US" altLang="zh-TW" dirty="0"/>
                 <a:t>Website A</a:t>
               </a:r>
               <a:endParaRPr lang="zh-TW" altLang="en-US" dirty="0"/>
@@ -18727,7 +18596,7 @@
             <a:p>
               <a:pPr algn="ctr"/>
               <a:r>
-                <a:rPr lang="en-US" altLang="zh-TW" dirty="0" smtClean="0"/>
+                <a:rPr lang="en-US" altLang="zh-TW" dirty="0"/>
                 <a:t>Website B</a:t>
               </a:r>
               <a:endParaRPr lang="zh-TW" altLang="en-US" dirty="0"/>
@@ -18803,7 +18672,7 @@
             <a:p>
               <a:pPr algn="ctr"/>
               <a:r>
-                <a:rPr lang="en-US" altLang="zh-TW" dirty="0" smtClean="0"/>
+                <a:rPr lang="en-US" altLang="zh-TW" dirty="0"/>
                 <a:t>Redis</a:t>
               </a:r>
               <a:endParaRPr lang="zh-TW" altLang="en-US" dirty="0"/>
@@ -18880,20 +18749,12 @@
           <a:p>
             <a:pPr algn="ctr"/>
             <a:r>
-              <a:rPr lang="en-US" altLang="zh-TW" dirty="0" smtClean="0">
+              <a:rPr lang="en-US" altLang="zh-TW" dirty="0">
                 <a:solidFill>
                   <a:schemeClr val="tx1"/>
                 </a:solidFill>
               </a:rPr>
               <a:t>Session: 1</a:t>
-            </a:r>
-            <a:r>
-              <a:rPr lang="en-US" altLang="zh-TW" dirty="0">
-                <a:solidFill>
-                  <a:schemeClr val="tx1"/>
-                </a:solidFill>
-              </a:rPr>
-              <a:t/>
             </a:r>
             <a:br>
               <a:rPr lang="en-US" altLang="zh-TW" dirty="0">
@@ -18953,7 +18814,7 @@
           <a:p>
             <a:pPr algn="ctr"/>
             <a:r>
-              <a:rPr lang="en-US" altLang="zh-TW" sz="2000" dirty="0" smtClean="0"/>
+              <a:rPr lang="en-US" altLang="zh-TW" sz="2000" dirty="0"/>
               <a:t>Request - 2</a:t>
             </a:r>
             <a:endParaRPr lang="zh-TW" altLang="en-US" sz="2000" dirty="0"/>
@@ -18999,7 +18860,7 @@
           <a:p>
             <a:pPr algn="ctr"/>
             <a:r>
-              <a:rPr lang="en-US" altLang="zh-TW" dirty="0" smtClean="0">
+              <a:rPr lang="en-US" altLang="zh-TW" dirty="0">
                 <a:solidFill>
                   <a:schemeClr val="tx1"/>
                 </a:solidFill>
@@ -19007,14 +18868,14 @@
               <a:t>Session: 1</a:t>
             </a:r>
             <a:br>
-              <a:rPr lang="en-US" altLang="zh-TW" dirty="0" smtClean="0">
+              <a:rPr lang="en-US" altLang="zh-TW" dirty="0">
                 <a:solidFill>
                   <a:schemeClr val="tx1"/>
                 </a:solidFill>
               </a:rPr>
             </a:br>
             <a:r>
-              <a:rPr lang="en-US" altLang="zh-TW" dirty="0" smtClean="0">
+              <a:rPr lang="en-US" altLang="zh-TW" dirty="0">
                 <a:solidFill>
                   <a:schemeClr val="tx1"/>
                 </a:solidFill>
@@ -19064,7 +18925,7 @@
           <a:p>
             <a:pPr algn="ctr"/>
             <a:r>
-              <a:rPr lang="en-US" altLang="zh-TW" sz="2000" dirty="0" smtClean="0"/>
+              <a:rPr lang="en-US" altLang="zh-TW" sz="2000" dirty="0"/>
               <a:t>Response</a:t>
             </a:r>
             <a:endParaRPr lang="zh-TW" altLang="en-US" sz="2000" dirty="0"/>
@@ -19106,7 +18967,7 @@
           <a:p>
             <a:pPr algn="ctr"/>
             <a:r>
-              <a:rPr lang="en-US" altLang="zh-TW" sz="2000" dirty="0" smtClean="0"/>
+              <a:rPr lang="en-US" altLang="zh-TW" sz="2000" dirty="0"/>
               <a:t>Response</a:t>
             </a:r>
             <a:endParaRPr lang="zh-TW" altLang="en-US" sz="2000" dirty="0"/>
@@ -19137,7 +18998,7 @@
           <a:lstStyle/>
           <a:p>
             <a:r>
-              <a:rPr lang="en-US" altLang="zh-TW" sz="10000" b="1" dirty="0" smtClean="0">
+              <a:rPr lang="en-US" altLang="zh-TW" sz="10000" b="1" dirty="0">
                 <a:solidFill>
                   <a:schemeClr val="tx1">
                     <a:alpha val="8000"/>
@@ -21137,7 +20998,7 @@
           <a:p>
             <a:pPr algn="ctr"/>
             <a:r>
-              <a:rPr lang="en-US" altLang="zh-TW" sz="1600" b="1" dirty="0" smtClean="0"/>
+              <a:rPr lang="en-US" altLang="zh-TW" sz="1600" b="1" dirty="0"/>
               <a:t>Action</a:t>
             </a:r>
             <a:endParaRPr lang="zh-TW" altLang="en-US" sz="1600" b="1" dirty="0"/>
@@ -21179,15 +21040,15 @@
           <a:p>
             <a:pPr algn="ctr"/>
             <a:r>
-              <a:rPr lang="en-US" altLang="zh-TW" sz="1600" b="1" dirty="0" smtClean="0"/>
+              <a:rPr lang="en-US" altLang="zh-TW" sz="1600" b="1" dirty="0"/>
               <a:t>HTTP</a:t>
             </a:r>
             <a:r>
-              <a:rPr lang="zh-TW" altLang="en-US" sz="1600" b="1" dirty="0" smtClean="0"/>
+              <a:rPr lang="zh-TW" altLang="en-US" sz="1600" b="1" dirty="0"/>
               <a:t> </a:t>
             </a:r>
             <a:r>
-              <a:rPr lang="en-US" altLang="zh-TW" sz="1600" b="1" dirty="0" smtClean="0"/>
+              <a:rPr lang="en-US" altLang="zh-TW" sz="1600" b="1" dirty="0"/>
               <a:t>Module 1</a:t>
             </a:r>
             <a:endParaRPr lang="zh-TW" altLang="en-US" sz="1600" b="1" dirty="0"/>
@@ -21229,7 +21090,7 @@
           <a:p>
             <a:pPr algn="ctr"/>
             <a:r>
-              <a:rPr lang="en-US" altLang="zh-TW" sz="1600" b="1" dirty="0" smtClean="0"/>
+              <a:rPr lang="en-US" altLang="zh-TW" sz="1600" b="1" dirty="0"/>
               <a:t>Action Filters</a:t>
             </a:r>
             <a:endParaRPr lang="zh-TW" altLang="en-US" sz="1600" b="1" dirty="0"/>
@@ -21271,7 +21132,7 @@
           <a:p>
             <a:pPr algn="ctr"/>
             <a:r>
-              <a:rPr lang="en-US" altLang="zh-TW" sz="1400" b="1" dirty="0" smtClean="0"/>
+              <a:rPr lang="en-US" altLang="zh-TW" sz="1400" b="1" dirty="0"/>
               <a:t>Request</a:t>
             </a:r>
             <a:endParaRPr lang="zh-TW" altLang="en-US" sz="1400" b="1" dirty="0"/>
@@ -21355,15 +21216,15 @@
           <a:p>
             <a:pPr algn="ctr"/>
             <a:r>
-              <a:rPr lang="en-US" altLang="zh-TW" sz="1600" b="1" dirty="0" smtClean="0"/>
+              <a:rPr lang="en-US" altLang="zh-TW" sz="1600" b="1" dirty="0"/>
               <a:t>HTTP</a:t>
             </a:r>
             <a:r>
-              <a:rPr lang="zh-TW" altLang="en-US" sz="1600" b="1" dirty="0" smtClean="0"/>
+              <a:rPr lang="zh-TW" altLang="en-US" sz="1600" b="1" dirty="0"/>
               <a:t> </a:t>
             </a:r>
             <a:r>
-              <a:rPr lang="en-US" altLang="zh-TW" sz="1600" b="1" dirty="0" smtClean="0"/>
+              <a:rPr lang="en-US" altLang="zh-TW" sz="1600" b="1" dirty="0"/>
               <a:t>Module 2</a:t>
             </a:r>
             <a:endParaRPr lang="zh-TW" altLang="en-US" sz="1600" b="1" dirty="0"/>
@@ -21405,15 +21266,15 @@
           <a:p>
             <a:pPr algn="ctr"/>
             <a:r>
-              <a:rPr lang="en-US" altLang="zh-TW" sz="1600" b="1" dirty="0" smtClean="0"/>
+              <a:rPr lang="en-US" altLang="zh-TW" sz="1600" b="1" dirty="0"/>
               <a:t>HTTP</a:t>
             </a:r>
             <a:r>
-              <a:rPr lang="zh-TW" altLang="en-US" sz="1600" b="1" dirty="0" smtClean="0"/>
+              <a:rPr lang="zh-TW" altLang="en-US" sz="1600" b="1" dirty="0"/>
               <a:t> </a:t>
             </a:r>
             <a:r>
-              <a:rPr lang="en-US" altLang="zh-TW" sz="1600" b="1" dirty="0" smtClean="0"/>
+              <a:rPr lang="en-US" altLang="zh-TW" sz="1600" b="1" dirty="0"/>
               <a:t>Module n</a:t>
             </a:r>
             <a:endParaRPr lang="zh-TW" altLang="en-US" sz="1600" b="1" dirty="0"/>
@@ -21455,7 +21316,7 @@
           <a:p>
             <a:pPr algn="ctr"/>
             <a:r>
-              <a:rPr lang="en-US" altLang="zh-TW" sz="1600" b="1" dirty="0" smtClean="0"/>
+              <a:rPr lang="en-US" altLang="zh-TW" sz="1600" b="1" dirty="0"/>
               <a:t>HTTP Handlers</a:t>
             </a:r>
             <a:endParaRPr lang="zh-TW" altLang="en-US" sz="1600" b="1" dirty="0"/>
@@ -21866,7 +21727,7 @@
           <a:lstStyle/>
           <a:p>
             <a:r>
-              <a:rPr lang="en-US" altLang="zh-TW" sz="6600" b="1" dirty="0" smtClean="0">
+              <a:rPr lang="en-US" altLang="zh-TW" sz="6600" b="1" dirty="0">
                 <a:solidFill>
                   <a:schemeClr val="tx1">
                     <a:alpha val="8000"/>
@@ -21897,13 +21758,6 @@
   <p:clrMapOvr>
     <a:masterClrMapping/>
   </p:clrMapOvr>
-  <p:timing>
-    <p:tnLst>
-      <p:par>
-        <p:cTn id="1" dur="indefinite" restart="never" nodeType="tmRoot"/>
-      </p:par>
-    </p:tnLst>
-  </p:timing>
 </p:sld>
 </file>
 
@@ -21959,7 +21813,7 @@
           <a:p>
             <a:pPr algn="ctr"/>
             <a:r>
-              <a:rPr lang="en-US" altLang="zh-TW" dirty="0" smtClean="0"/>
+              <a:rPr lang="en-US" altLang="zh-TW" dirty="0"/>
               <a:t>Module A</a:t>
             </a:r>
             <a:endParaRPr lang="zh-TW" altLang="en-US" dirty="0"/>
@@ -22004,11 +21858,7 @@
             <a:pPr algn="ctr"/>
             <a:r>
               <a:rPr lang="en-US" altLang="zh-TW" dirty="0"/>
-              <a:t>Module </a:t>
-            </a:r>
-            <a:r>
-              <a:rPr lang="en-US" altLang="zh-TW" dirty="0" smtClean="0"/>
-              <a:t>B</a:t>
+              <a:t>Module B</a:t>
             </a:r>
             <a:endParaRPr lang="zh-TW" altLang="en-US" dirty="0"/>
           </a:p>
@@ -22052,11 +21902,7 @@
             <a:pPr algn="ctr"/>
             <a:r>
               <a:rPr lang="en-US" altLang="zh-TW" dirty="0"/>
-              <a:t>Module </a:t>
-            </a:r>
-            <a:r>
-              <a:rPr lang="en-US" altLang="zh-TW" dirty="0" smtClean="0"/>
-              <a:t>C</a:t>
+              <a:t>Module C</a:t>
             </a:r>
             <a:endParaRPr lang="zh-TW" altLang="en-US" dirty="0"/>
           </a:p>
@@ -22098,11 +21944,7 @@
             <a:pPr algn="ctr"/>
             <a:r>
               <a:rPr lang="en-US" altLang="zh-TW" dirty="0"/>
-              <a:t>Module </a:t>
-            </a:r>
-            <a:r>
-              <a:rPr lang="en-US" altLang="zh-TW" dirty="0" smtClean="0"/>
-              <a:t>D</a:t>
+              <a:t>Module D</a:t>
             </a:r>
             <a:endParaRPr lang="zh-TW" altLang="en-US" dirty="0"/>
           </a:p>
@@ -22144,11 +21986,7 @@
             <a:pPr algn="ctr"/>
             <a:r>
               <a:rPr lang="en-US" altLang="zh-TW" dirty="0"/>
-              <a:t>Module </a:t>
-            </a:r>
-            <a:r>
-              <a:rPr lang="en-US" altLang="zh-TW" dirty="0" smtClean="0"/>
-              <a:t>F</a:t>
+              <a:t>Module F</a:t>
             </a:r>
             <a:endParaRPr lang="zh-TW" altLang="en-US" dirty="0"/>
           </a:p>
@@ -22231,7 +22069,7 @@
           <a:p>
             <a:pPr algn="ctr"/>
             <a:r>
-              <a:rPr lang="en-US" altLang="zh-TW" dirty="0" smtClean="0"/>
+              <a:rPr lang="en-US" altLang="zh-TW" dirty="0"/>
               <a:t>Application</a:t>
             </a:r>
             <a:endParaRPr lang="zh-TW" altLang="en-US" dirty="0"/>
@@ -22273,7 +22111,7 @@
           <a:p>
             <a:pPr algn="ctr"/>
             <a:r>
-              <a:rPr lang="en-US" altLang="zh-TW" dirty="0" smtClean="0"/>
+              <a:rPr lang="en-US" altLang="zh-TW" dirty="0"/>
               <a:t>Website</a:t>
             </a:r>
             <a:endParaRPr lang="zh-TW" altLang="en-US" dirty="0"/>
@@ -22620,13 +22458,6 @@
   <p:clrMapOvr>
     <a:masterClrMapping/>
   </p:clrMapOvr>
-  <p:timing>
-    <p:tnLst>
-      <p:par>
-        <p:cTn id="1" dur="indefinite" restart="never" nodeType="tmRoot"/>
-      </p:par>
-    </p:tnLst>
-  </p:timing>
 </p:sld>
 </file>
 
@@ -22682,14 +22513,14 @@
           <a:p>
             <a:pPr algn="ctr"/>
             <a:r>
-              <a:rPr lang="en-US" altLang="zh-TW" dirty="0" smtClean="0"/>
+              <a:rPr lang="en-US" altLang="zh-TW" dirty="0"/>
               <a:t>Example</a:t>
             </a:r>
             <a:br>
-              <a:rPr lang="en-US" altLang="zh-TW" dirty="0" smtClean="0"/>
+              <a:rPr lang="en-US" altLang="zh-TW" dirty="0"/>
             </a:br>
             <a:r>
-              <a:rPr lang="en-US" altLang="zh-TW" dirty="0" smtClean="0"/>
+              <a:rPr lang="en-US" altLang="zh-TW" dirty="0"/>
               <a:t>(DLL)</a:t>
             </a:r>
             <a:endParaRPr lang="zh-TW" altLang="en-US" dirty="0"/>
@@ -22733,18 +22564,14 @@
           <a:p>
             <a:pPr algn="ctr"/>
             <a:r>
-              <a:rPr lang="en-US" altLang="zh-TW" dirty="0" err="1" smtClean="0"/>
+              <a:rPr lang="en-US" altLang="zh-TW" dirty="0" err="1"/>
               <a:t>ExampleApp</a:t>
-            </a:r>
-            <a:r>
-              <a:rPr lang="en-US" altLang="zh-TW" dirty="0"/>
-              <a:t/>
             </a:r>
             <a:br>
               <a:rPr lang="en-US" altLang="zh-TW" dirty="0"/>
             </a:br>
             <a:r>
-              <a:rPr lang="en-US" altLang="zh-TW" dirty="0" smtClean="0"/>
+              <a:rPr lang="en-US" altLang="zh-TW" dirty="0"/>
               <a:t>(EXE)</a:t>
             </a:r>
             <a:endParaRPr lang="zh-TW" altLang="en-US" dirty="0"/>
@@ -22827,14 +22654,14 @@
           <a:p>
             <a:pPr algn="ctr"/>
             <a:r>
-              <a:rPr lang="en-US" altLang="zh-TW" dirty="0" smtClean="0"/>
+              <a:rPr lang="en-US" altLang="zh-TW" dirty="0"/>
               <a:t>Example</a:t>
             </a:r>
             <a:br>
-              <a:rPr lang="en-US" altLang="zh-TW" dirty="0" smtClean="0"/>
+              <a:rPr lang="en-US" altLang="zh-TW" dirty="0"/>
             </a:br>
             <a:r>
-              <a:rPr lang="en-US" altLang="zh-TW" dirty="0" smtClean="0"/>
+              <a:rPr lang="en-US" altLang="zh-TW" dirty="0"/>
               <a:t>(DLL)</a:t>
             </a:r>
             <a:endParaRPr lang="zh-TW" altLang="en-US" dirty="0"/>
@@ -22878,18 +22705,14 @@
           <a:p>
             <a:pPr algn="ctr"/>
             <a:r>
-              <a:rPr lang="en-US" altLang="zh-TW" dirty="0" err="1" smtClean="0"/>
+              <a:rPr lang="en-US" altLang="zh-TW" dirty="0" err="1"/>
               <a:t>ExampleApp</a:t>
-            </a:r>
-            <a:r>
-              <a:rPr lang="en-US" altLang="zh-TW" dirty="0"/>
-              <a:t/>
             </a:r>
             <a:br>
               <a:rPr lang="en-US" altLang="zh-TW" dirty="0"/>
             </a:br>
             <a:r>
-              <a:rPr lang="en-US" altLang="zh-TW" dirty="0" smtClean="0"/>
+              <a:rPr lang="en-US" altLang="zh-TW" dirty="0"/>
               <a:t>(EXE)</a:t>
             </a:r>
             <a:endParaRPr lang="zh-TW" altLang="en-US" dirty="0"/>
@@ -22931,14 +22754,14 @@
           <a:p>
             <a:pPr algn="ctr"/>
             <a:r>
-              <a:rPr lang="en-US" altLang="zh-TW" dirty="0" smtClean="0"/>
+              <a:rPr lang="en-US" altLang="zh-TW" dirty="0"/>
               <a:t>Example</a:t>
             </a:r>
             <a:br>
-              <a:rPr lang="en-US" altLang="zh-TW" dirty="0" smtClean="0"/>
+              <a:rPr lang="en-US" altLang="zh-TW" dirty="0"/>
             </a:br>
             <a:r>
-              <a:rPr lang="en-US" altLang="zh-TW" dirty="0" smtClean="0"/>
+              <a:rPr lang="en-US" altLang="zh-TW" dirty="0"/>
               <a:t>(DLL)</a:t>
             </a:r>
             <a:endParaRPr lang="zh-TW" altLang="en-US" dirty="0"/>
@@ -23064,13 +22887,6 @@
   <p:clrMapOvr>
     <a:masterClrMapping/>
   </p:clrMapOvr>
-  <p:timing>
-    <p:tnLst>
-      <p:par>
-        <p:cTn id="1" dur="indefinite" restart="never" nodeType="tmRoot"/>
-      </p:par>
-    </p:tnLst>
-  </p:timing>
 </p:sld>
 </file>
 
@@ -23166,11 +22982,7 @@
           <a:p>
             <a:r>
               <a:rPr lang="en-US" altLang="zh-TW" sz="1600" b="1" dirty="0"/>
-              <a:t>Presentation </a:t>
-            </a:r>
-            <a:r>
-              <a:rPr lang="en-US" altLang="zh-TW" sz="1600" b="1" dirty="0" smtClean="0"/>
-              <a:t>Layer</a:t>
+              <a:t>Presentation Layer</a:t>
             </a:r>
             <a:endParaRPr lang="en-US" altLang="zh-TW" sz="1600" dirty="0"/>
           </a:p>
@@ -23210,7 +23022,7 @@
           <a:lstStyle/>
           <a:p>
             <a:r>
-              <a:rPr lang="en-US" altLang="zh-TW" sz="1600" b="1" dirty="0" smtClean="0"/>
+              <a:rPr lang="en-US" altLang="zh-TW" sz="1600" b="1" dirty="0"/>
               <a:t>Users</a:t>
             </a:r>
             <a:endParaRPr lang="en-US" altLang="zh-TW" sz="1600" dirty="0"/>
@@ -23251,7 +23063,7 @@
           <a:lstStyle/>
           <a:p>
             <a:r>
-              <a:rPr lang="en-US" altLang="zh-TW" sz="1600" b="1" dirty="0" smtClean="0"/>
+              <a:rPr lang="en-US" altLang="zh-TW" sz="1600" b="1" dirty="0"/>
               <a:t>Data Layer</a:t>
             </a:r>
             <a:endParaRPr lang="en-US" altLang="zh-TW" sz="1600" dirty="0"/>
@@ -23334,7 +23146,7 @@
           <a:p>
             <a:pPr algn="ctr"/>
             <a:r>
-              <a:rPr lang="en-US" altLang="zh-TW" sz="1600" dirty="0" smtClean="0">
+              <a:rPr lang="en-US" altLang="zh-TW" sz="1600" dirty="0">
                 <a:solidFill>
                   <a:schemeClr val="tx1"/>
                 </a:solidFill>
@@ -23634,7 +23446,7 @@
           <a:p>
             <a:pPr algn="ctr"/>
             <a:r>
-              <a:rPr lang="en-US" altLang="zh-TW" sz="1600" b="1" dirty="0" smtClean="0"/>
+              <a:rPr lang="en-US" altLang="zh-TW" sz="1600" b="1" dirty="0"/>
               <a:t>Database</a:t>
             </a:r>
             <a:endParaRPr lang="en-US" altLang="zh-TW" sz="1600" dirty="0"/>
@@ -23677,11 +23489,7 @@
             <a:pPr algn="ctr"/>
             <a:r>
               <a:rPr lang="en-US" altLang="zh-TW" sz="1600" b="1" dirty="0"/>
-              <a:t>External </a:t>
-            </a:r>
-            <a:r>
-              <a:rPr lang="en-US" altLang="zh-TW" sz="1600" b="1" dirty="0" smtClean="0"/>
-              <a:t>Services</a:t>
+              <a:t>External Services</a:t>
             </a:r>
             <a:endParaRPr lang="en-US" altLang="zh-TW" sz="1600" dirty="0"/>
           </a:p>
@@ -23848,7 +23656,7 @@
           <a:lstStyle/>
           <a:p>
             <a:r>
-              <a:rPr lang="en-US" altLang="zh-TW" sz="1400" b="1" dirty="0" smtClean="0">
+              <a:rPr lang="en-US" altLang="zh-TW" sz="1400" b="1" dirty="0">
                 <a:solidFill>
                   <a:srgbClr val="C00000"/>
                 </a:solidFill>
@@ -23995,7 +23803,7 @@
           <a:lstStyle/>
           <a:p>
             <a:r>
-              <a:rPr lang="en-US" altLang="zh-TW" sz="1600" b="1" dirty="0" smtClean="0"/>
+              <a:rPr lang="en-US" altLang="zh-TW" sz="1600" b="1" dirty="0"/>
               <a:t>Service Layer</a:t>
             </a:r>
             <a:endParaRPr lang="en-US" altLang="zh-TW" sz="1600" dirty="0"/>
@@ -24037,11 +23845,7 @@
           <a:p>
             <a:r>
               <a:rPr lang="en-US" altLang="zh-TW" sz="1600" b="1" dirty="0"/>
-              <a:t>Presentation </a:t>
-            </a:r>
-            <a:r>
-              <a:rPr lang="en-US" altLang="zh-TW" sz="1600" b="1" dirty="0" smtClean="0"/>
-              <a:t>Layer</a:t>
+              <a:t>Presentation Layer</a:t>
             </a:r>
             <a:endParaRPr lang="en-US" altLang="zh-TW" sz="1600" dirty="0"/>
           </a:p>
@@ -24081,7 +23885,7 @@
           <a:lstStyle/>
           <a:p>
             <a:r>
-              <a:rPr lang="en-US" altLang="zh-TW" sz="1600" b="1" dirty="0" smtClean="0"/>
+              <a:rPr lang="en-US" altLang="zh-TW" sz="1600" b="1" dirty="0"/>
               <a:t>Users</a:t>
             </a:r>
             <a:endParaRPr lang="en-US" altLang="zh-TW" sz="1600" dirty="0"/>
@@ -24122,7 +23926,7 @@
           <a:lstStyle/>
           <a:p>
             <a:r>
-              <a:rPr lang="en-US" altLang="zh-TW" sz="1600" b="1" dirty="0" smtClean="0"/>
+              <a:rPr lang="en-US" altLang="zh-TW" sz="1600" b="1" dirty="0"/>
               <a:t>Data Layer</a:t>
             </a:r>
             <a:endParaRPr lang="en-US" altLang="zh-TW" sz="1600" dirty="0"/>
@@ -24205,7 +24009,7 @@
           <a:p>
             <a:pPr algn="ctr"/>
             <a:r>
-              <a:rPr lang="en-US" altLang="zh-TW" sz="1600" dirty="0" smtClean="0">
+              <a:rPr lang="en-US" altLang="zh-TW" sz="1600" dirty="0">
                 <a:solidFill>
                   <a:schemeClr val="tx1"/>
                 </a:solidFill>
@@ -24455,7 +24259,7 @@
           <a:p>
             <a:pPr algn="ctr"/>
             <a:r>
-              <a:rPr lang="en-US" altLang="zh-TW" sz="1600" b="1" dirty="0" smtClean="0"/>
+              <a:rPr lang="en-US" altLang="zh-TW" sz="1600" b="1" dirty="0"/>
               <a:t>Database</a:t>
             </a:r>
             <a:endParaRPr lang="en-US" altLang="zh-TW" sz="1600" dirty="0"/>
@@ -24498,11 +24302,7 @@
             <a:pPr algn="ctr"/>
             <a:r>
               <a:rPr lang="en-US" altLang="zh-TW" sz="1600" b="1" dirty="0"/>
-              <a:t>External </a:t>
-            </a:r>
-            <a:r>
-              <a:rPr lang="en-US" altLang="zh-TW" sz="1600" b="1" dirty="0" smtClean="0"/>
-              <a:t>Services</a:t>
+              <a:t>External Services</a:t>
             </a:r>
             <a:endParaRPr lang="en-US" altLang="zh-TW" sz="1600" dirty="0"/>
           </a:p>
@@ -24669,7 +24469,7 @@
           <a:lstStyle/>
           <a:p>
             <a:r>
-              <a:rPr lang="en-US" altLang="zh-TW" sz="1400" b="1" dirty="0" smtClean="0">
+              <a:rPr lang="en-US" altLang="zh-TW" sz="1400" b="1" dirty="0">
                 <a:solidFill>
                   <a:srgbClr val="C00000"/>
                 </a:solidFill>
@@ -24911,11 +24711,7 @@
           <a:p>
             <a:r>
               <a:rPr lang="en-US" altLang="zh-TW" sz="1600" b="1" dirty="0"/>
-              <a:t>External </a:t>
-            </a:r>
-            <a:r>
-              <a:rPr lang="en-US" altLang="zh-TW" sz="1600" b="1" dirty="0" smtClean="0"/>
-              <a:t>Systems</a:t>
+              <a:t>External Systems</a:t>
             </a:r>
             <a:endParaRPr lang="en-US" altLang="zh-TW" sz="1600" dirty="0"/>
           </a:p>
@@ -24990,7 +24786,7 @@
           <a:lstStyle/>
           <a:p>
             <a:r>
-              <a:rPr lang="en-US" altLang="zh-TW" sz="1400" b="1" dirty="0" smtClean="0">
+              <a:rPr lang="en-US" altLang="zh-TW" sz="1400" b="1" dirty="0">
                 <a:solidFill>
                   <a:srgbClr val="C00000"/>
                 </a:solidFill>
@@ -25061,13 +24857,6 @@
   <p:clrMapOvr>
     <a:masterClrMapping/>
   </p:clrMapOvr>
-  <p:timing>
-    <p:tnLst>
-      <p:par>
-        <p:cTn id="1" dur="indefinite" restart="never" nodeType="tmRoot"/>
-      </p:par>
-    </p:tnLst>
-  </p:timing>
 </p:sld>
 </file>
 
@@ -25155,10 +24944,9 @@
             <a:lstStyle/>
             <a:p>
               <a:r>
-                <a:rPr lang="en-US" altLang="zh-TW" dirty="0" smtClean="0"/>
+                <a:rPr lang="en-US" altLang="zh-TW" dirty="0"/>
                 <a:t>Domain.dll</a:t>
               </a:r>
-              <a:endParaRPr lang="en-US" altLang="zh-TW" dirty="0"/>
             </a:p>
           </p:txBody>
         </p:sp>
@@ -25349,10 +25137,9 @@
             <a:lstStyle/>
             <a:p>
               <a:r>
-                <a:rPr lang="en-US" altLang="zh-TW" dirty="0" smtClean="0"/>
+                <a:rPr lang="en-US" altLang="zh-TW" dirty="0"/>
                 <a:t>DataLayer.dll</a:t>
               </a:r>
-              <a:endParaRPr lang="en-US" altLang="zh-TW" dirty="0"/>
             </a:p>
           </p:txBody>
         </p:sp>
@@ -25424,10 +25211,9 @@
             <a:lstStyle/>
             <a:p>
               <a:r>
-                <a:rPr lang="en-US" altLang="zh-TW" dirty="0" smtClean="0"/>
+                <a:rPr lang="en-US" altLang="zh-TW" dirty="0"/>
                 <a:t>BusinessLayer.dll</a:t>
               </a:r>
-              <a:endParaRPr lang="en-US" altLang="zh-TW" dirty="0"/>
             </a:p>
           </p:txBody>
         </p:sp>
@@ -25712,13 +25498,2181 @@
   <p:clrMapOvr>
     <a:masterClrMapping/>
   </p:clrMapOvr>
-  <p:timing>
-    <p:tnLst>
-      <p:par>
-        <p:cTn id="1" dur="indefinite" restart="never" nodeType="tmRoot"/>
-      </p:par>
-    </p:tnLst>
-  </p:timing>
+</p:sld>
+</file>
+
+<file path=ppt/slides/slide26.xml><?xml version="1.0" encoding="utf-8"?>
+<p:sld xmlns:a="http://schemas.openxmlformats.org/drawingml/2006/main" xmlns:r="http://schemas.openxmlformats.org/officeDocument/2006/relationships" xmlns:p="http://schemas.openxmlformats.org/presentationml/2006/main">
+  <p:cSld>
+    <p:spTree>
+      <p:nvGrpSpPr>
+        <p:cNvPr id="1" name=""/>
+        <p:cNvGrpSpPr/>
+        <p:nvPr/>
+      </p:nvGrpSpPr>
+      <p:grpSpPr>
+        <a:xfrm>
+          <a:off x="0" y="0"/>
+          <a:ext cx="0" cy="0"/>
+          <a:chOff x="0" y="0"/>
+          <a:chExt cx="0" cy="0"/>
+        </a:xfrm>
+      </p:grpSpPr>
+      <p:sp>
+        <p:nvSpPr>
+          <p:cNvPr id="9" name="矩形 8">
+            <a:extLst>
+              <a:ext uri="{FF2B5EF4-FFF2-40B4-BE49-F238E27FC236}">
+                <a16:creationId xmlns:a16="http://schemas.microsoft.com/office/drawing/2014/main" id="{41D98F34-BE39-4DC6-9362-89E079C57966}"/>
+              </a:ext>
+            </a:extLst>
+          </p:cNvPr>
+          <p:cNvSpPr/>
+          <p:nvPr/>
+        </p:nvSpPr>
+        <p:spPr>
+          <a:xfrm>
+            <a:off x="3818154" y="759824"/>
+            <a:ext cx="2304000" cy="3240000"/>
+          </a:xfrm>
+          <a:prstGeom prst="rect">
+            <a:avLst/>
+          </a:prstGeom>
+        </p:spPr>
+        <p:style>
+          <a:lnRef idx="1">
+            <a:schemeClr val="accent4"/>
+          </a:lnRef>
+          <a:fillRef idx="2">
+            <a:schemeClr val="accent4"/>
+          </a:fillRef>
+          <a:effectRef idx="1">
+            <a:schemeClr val="accent4"/>
+          </a:effectRef>
+          <a:fontRef idx="minor">
+            <a:schemeClr val="dk1"/>
+          </a:fontRef>
+        </p:style>
+        <p:txBody>
+          <a:bodyPr rtlCol="0" anchor="t"/>
+          <a:lstStyle/>
+          <a:p>
+            <a:r>
+              <a:rPr lang="en-US" altLang="zh-TW" dirty="0"/>
+              <a:t>/</a:t>
+            </a:r>
+            <a:r>
+              <a:rPr lang="en-US" altLang="zh-TW" dirty="0" err="1"/>
+              <a:t>src</a:t>
+            </a:r>
+            <a:endParaRPr lang="en-US" altLang="zh-TW" dirty="0"/>
+          </a:p>
+          <a:p>
+            <a:endParaRPr lang="en-US" altLang="zh-TW" dirty="0"/>
+          </a:p>
+          <a:p>
+            <a:endParaRPr lang="en-US" altLang="zh-TW" dirty="0"/>
+          </a:p>
+          <a:p>
+            <a:endParaRPr lang="en-US" altLang="zh-TW" dirty="0"/>
+          </a:p>
+          <a:p>
+            <a:endParaRPr lang="en-US" altLang="zh-TW" dirty="0"/>
+          </a:p>
+          <a:p>
+            <a:endParaRPr lang="en-US" altLang="zh-TW" dirty="0"/>
+          </a:p>
+          <a:p>
+            <a:endParaRPr lang="en-US" altLang="zh-TW" dirty="0"/>
+          </a:p>
+          <a:p>
+            <a:r>
+              <a:rPr lang="en-US" altLang="zh-TW" dirty="0"/>
+              <a:t>/publish</a:t>
+            </a:r>
+          </a:p>
+          <a:p>
+            <a:endParaRPr lang="zh-TW" altLang="en-US" dirty="0"/>
+          </a:p>
+        </p:txBody>
+      </p:sp>
+      <p:sp>
+        <p:nvSpPr>
+          <p:cNvPr id="7" name="矩形 6">
+            <a:extLst>
+              <a:ext uri="{FF2B5EF4-FFF2-40B4-BE49-F238E27FC236}">
+                <a16:creationId xmlns:a16="http://schemas.microsoft.com/office/drawing/2014/main" id="{29B79C29-7B3D-42EF-9C88-8666DCE84524}"/>
+              </a:ext>
+            </a:extLst>
+          </p:cNvPr>
+          <p:cNvSpPr/>
+          <p:nvPr/>
+        </p:nvSpPr>
+        <p:spPr>
+          <a:xfrm>
+            <a:off x="4066555" y="1138650"/>
+            <a:ext cx="1800000" cy="1248223"/>
+          </a:xfrm>
+          <a:prstGeom prst="rect">
+            <a:avLst/>
+          </a:prstGeom>
+        </p:spPr>
+        <p:style>
+          <a:lnRef idx="1">
+            <a:schemeClr val="accent6"/>
+          </a:lnRef>
+          <a:fillRef idx="2">
+            <a:schemeClr val="accent6"/>
+          </a:fillRef>
+          <a:effectRef idx="1">
+            <a:schemeClr val="accent6"/>
+          </a:effectRef>
+          <a:fontRef idx="minor">
+            <a:schemeClr val="dk1"/>
+          </a:fontRef>
+        </p:style>
+        <p:txBody>
+          <a:bodyPr rtlCol="0" anchor="t"/>
+          <a:lstStyle/>
+          <a:p>
+            <a:r>
+              <a:rPr lang="en-US" altLang="zh-TW" sz="1400" dirty="0" err="1"/>
+              <a:t>XXXX.Domain</a:t>
+            </a:r>
+            <a:r>
+              <a:rPr lang="en-US" altLang="zh-TW" sz="1400" dirty="0"/>
+              <a:t>/</a:t>
+            </a:r>
+          </a:p>
+          <a:p>
+            <a:r>
+              <a:rPr lang="en-US" altLang="zh-TW" sz="1400" dirty="0" err="1"/>
+              <a:t>XXXX.WebPortal</a:t>
+            </a:r>
+            <a:r>
+              <a:rPr lang="en-US" altLang="zh-TW" sz="1400" dirty="0"/>
+              <a:t>/</a:t>
+            </a:r>
+          </a:p>
+          <a:p>
+            <a:pPr lvl="1"/>
+            <a:r>
+              <a:rPr lang="en-US" altLang="zh-TW" sz="1400" dirty="0" err="1"/>
+              <a:t>ClientApp</a:t>
+            </a:r>
+            <a:r>
+              <a:rPr lang="en-US" altLang="zh-TW" sz="1400" dirty="0"/>
+              <a:t>/</a:t>
+            </a:r>
+            <a:endParaRPr lang="zh-TW" altLang="en-US" sz="1400" dirty="0"/>
+          </a:p>
+          <a:p>
+            <a:pPr lvl="1"/>
+            <a:r>
+              <a:rPr lang="en-US" altLang="zh-TW" sz="1400" dirty="0" err="1"/>
+              <a:t>node_modules</a:t>
+            </a:r>
+            <a:r>
+              <a:rPr lang="en-US" altLang="zh-TW" sz="1400" dirty="0"/>
+              <a:t>/</a:t>
+            </a:r>
+            <a:endParaRPr lang="zh-TW" altLang="en-US" sz="1400" dirty="0"/>
+          </a:p>
+          <a:p>
+            <a:pPr lvl="1"/>
+            <a:r>
+              <a:rPr lang="en-US" altLang="zh-TW" sz="1400" dirty="0" err="1"/>
+              <a:t>package.json</a:t>
+            </a:r>
+            <a:endParaRPr lang="en-US" altLang="zh-TW" sz="1400" dirty="0"/>
+          </a:p>
+        </p:txBody>
+      </p:sp>
+      <p:sp>
+        <p:nvSpPr>
+          <p:cNvPr id="8" name="矩形 7">
+            <a:extLst>
+              <a:ext uri="{FF2B5EF4-FFF2-40B4-BE49-F238E27FC236}">
+                <a16:creationId xmlns:a16="http://schemas.microsoft.com/office/drawing/2014/main" id="{76BFED4A-6CF0-4AB3-B784-8250DE23F05A}"/>
+              </a:ext>
+            </a:extLst>
+          </p:cNvPr>
+          <p:cNvSpPr/>
+          <p:nvPr/>
+        </p:nvSpPr>
+        <p:spPr>
+          <a:xfrm>
+            <a:off x="6336057" y="759824"/>
+            <a:ext cx="2304000" cy="1449975"/>
+          </a:xfrm>
+          <a:prstGeom prst="rect">
+            <a:avLst/>
+          </a:prstGeom>
+        </p:spPr>
+        <p:style>
+          <a:lnRef idx="1">
+            <a:schemeClr val="accent1"/>
+          </a:lnRef>
+          <a:fillRef idx="2">
+            <a:schemeClr val="accent1"/>
+          </a:fillRef>
+          <a:effectRef idx="1">
+            <a:schemeClr val="accent1"/>
+          </a:effectRef>
+          <a:fontRef idx="minor">
+            <a:schemeClr val="dk1"/>
+          </a:fontRef>
+        </p:style>
+        <p:txBody>
+          <a:bodyPr rtlCol="0" anchor="t"/>
+          <a:lstStyle/>
+          <a:p>
+            <a:r>
+              <a:rPr lang="en-US" altLang="zh-TW" dirty="0"/>
+              <a:t>/app</a:t>
+            </a:r>
+          </a:p>
+          <a:p>
+            <a:endParaRPr lang="en-US" altLang="zh-TW" dirty="0"/>
+          </a:p>
+        </p:txBody>
+      </p:sp>
+      <p:sp>
+        <p:nvSpPr>
+          <p:cNvPr id="10" name="矩形 9">
+            <a:extLst>
+              <a:ext uri="{FF2B5EF4-FFF2-40B4-BE49-F238E27FC236}">
+                <a16:creationId xmlns:a16="http://schemas.microsoft.com/office/drawing/2014/main" id="{D173E58A-468E-4031-8537-39D222A9EC57}"/>
+              </a:ext>
+            </a:extLst>
+          </p:cNvPr>
+          <p:cNvSpPr/>
+          <p:nvPr/>
+        </p:nvSpPr>
+        <p:spPr>
+          <a:xfrm>
+            <a:off x="698223" y="762002"/>
+            <a:ext cx="2880000" cy="3600000"/>
+          </a:xfrm>
+          <a:prstGeom prst="rect">
+            <a:avLst/>
+          </a:prstGeom>
+        </p:spPr>
+        <p:style>
+          <a:lnRef idx="1">
+            <a:schemeClr val="accent6"/>
+          </a:lnRef>
+          <a:fillRef idx="2">
+            <a:schemeClr val="accent6"/>
+          </a:fillRef>
+          <a:effectRef idx="1">
+            <a:schemeClr val="accent6"/>
+          </a:effectRef>
+          <a:fontRef idx="minor">
+            <a:schemeClr val="dk1"/>
+          </a:fontRef>
+        </p:style>
+        <p:txBody>
+          <a:bodyPr rtlCol="0" anchor="t"/>
+          <a:lstStyle/>
+          <a:p>
+            <a:r>
+              <a:rPr lang="en-US" altLang="zh-TW" sz="1600" dirty="0"/>
+              <a:t>/</a:t>
+            </a:r>
+          </a:p>
+          <a:p>
+            <a:r>
+              <a:rPr lang="en-US" altLang="zh-TW" sz="1600" dirty="0"/>
+              <a:t>build/</a:t>
+            </a:r>
+          </a:p>
+          <a:p>
+            <a:r>
+              <a:rPr lang="en-US" altLang="zh-TW" sz="1600" dirty="0"/>
+              <a:t>doc/</a:t>
+            </a:r>
+            <a:endParaRPr lang="zh-TW" altLang="en-US" sz="1600" dirty="0"/>
+          </a:p>
+          <a:p>
+            <a:r>
+              <a:rPr lang="en-US" altLang="zh-TW" sz="1600" dirty="0"/>
+              <a:t>scripts/</a:t>
+            </a:r>
+          </a:p>
+          <a:p>
+            <a:r>
+              <a:rPr lang="en-US" altLang="zh-TW" sz="1600" dirty="0" err="1"/>
+              <a:t>src</a:t>
+            </a:r>
+            <a:r>
+              <a:rPr lang="en-US" altLang="zh-TW" sz="1600" dirty="0"/>
+              <a:t>/</a:t>
+            </a:r>
+          </a:p>
+          <a:p>
+            <a:pPr lvl="1"/>
+            <a:r>
+              <a:rPr lang="en-US" altLang="zh-TW" sz="1600" dirty="0" err="1"/>
+              <a:t>XXXX.Domain</a:t>
+            </a:r>
+            <a:r>
+              <a:rPr lang="en-US" altLang="zh-TW" sz="1600" dirty="0"/>
+              <a:t>/</a:t>
+            </a:r>
+          </a:p>
+          <a:p>
+            <a:pPr lvl="1"/>
+            <a:r>
+              <a:rPr lang="en-US" altLang="zh-TW" sz="1600" dirty="0" err="1"/>
+              <a:t>XXXX.WebPortal</a:t>
+            </a:r>
+            <a:r>
+              <a:rPr lang="en-US" altLang="zh-TW" sz="1600" dirty="0"/>
+              <a:t>/</a:t>
+            </a:r>
+          </a:p>
+          <a:p>
+            <a:pPr lvl="2"/>
+            <a:r>
+              <a:rPr lang="en-US" altLang="zh-TW" sz="1600" dirty="0" err="1"/>
+              <a:t>ClientApp</a:t>
+            </a:r>
+            <a:r>
+              <a:rPr lang="en-US" altLang="zh-TW" sz="1600" dirty="0"/>
+              <a:t>/</a:t>
+            </a:r>
+            <a:endParaRPr lang="zh-TW" altLang="en-US" sz="1600" dirty="0"/>
+          </a:p>
+          <a:p>
+            <a:pPr lvl="2"/>
+            <a:r>
+              <a:rPr lang="en-US" altLang="zh-TW" sz="1600" dirty="0" err="1"/>
+              <a:t>node_modules</a:t>
+            </a:r>
+            <a:r>
+              <a:rPr lang="en-US" altLang="zh-TW" sz="1600" dirty="0"/>
+              <a:t>/</a:t>
+            </a:r>
+            <a:endParaRPr lang="zh-TW" altLang="en-US" sz="1600" dirty="0"/>
+          </a:p>
+          <a:p>
+            <a:pPr lvl="2"/>
+            <a:r>
+              <a:rPr lang="en-US" altLang="zh-TW" sz="1600" dirty="0" err="1"/>
+              <a:t>package.json</a:t>
+            </a:r>
+            <a:endParaRPr lang="en-US" altLang="zh-TW" sz="1600" dirty="0"/>
+          </a:p>
+          <a:p>
+            <a:r>
+              <a:rPr lang="en-US" altLang="zh-TW" sz="1600" dirty="0"/>
+              <a:t>test/</a:t>
+            </a:r>
+            <a:endParaRPr lang="zh-TW" altLang="en-US" sz="1600" dirty="0"/>
+          </a:p>
+          <a:p>
+            <a:pPr lvl="1"/>
+            <a:r>
+              <a:rPr lang="en-US" altLang="zh-TW" sz="1600" dirty="0" err="1"/>
+              <a:t>XXXX.IntegrationTest</a:t>
+            </a:r>
+            <a:r>
+              <a:rPr lang="en-US" altLang="zh-TW" sz="1600" dirty="0"/>
+              <a:t>/</a:t>
+            </a:r>
+          </a:p>
+          <a:p>
+            <a:pPr lvl="1"/>
+            <a:r>
+              <a:rPr lang="en-US" altLang="zh-TW" sz="1600" dirty="0" err="1"/>
+              <a:t>XXXX.UnitTest</a:t>
+            </a:r>
+            <a:r>
+              <a:rPr lang="en-US" altLang="zh-TW" sz="1600" dirty="0"/>
+              <a:t>/</a:t>
+            </a:r>
+          </a:p>
+          <a:p>
+            <a:r>
+              <a:rPr lang="en-US" altLang="zh-TW" sz="1600" dirty="0"/>
+              <a:t>XXXX.sln</a:t>
+            </a:r>
+            <a:endParaRPr lang="zh-TW" altLang="en-US" sz="1600" dirty="0"/>
+          </a:p>
+        </p:txBody>
+      </p:sp>
+      <p:sp>
+        <p:nvSpPr>
+          <p:cNvPr id="11" name="矩形 10">
+            <a:extLst>
+              <a:ext uri="{FF2B5EF4-FFF2-40B4-BE49-F238E27FC236}">
+                <a16:creationId xmlns:a16="http://schemas.microsoft.com/office/drawing/2014/main" id="{4957561E-6B36-410B-A97D-97BE8387D2B6}"/>
+              </a:ext>
+            </a:extLst>
+          </p:cNvPr>
+          <p:cNvSpPr/>
+          <p:nvPr/>
+        </p:nvSpPr>
+        <p:spPr>
+          <a:xfrm>
+            <a:off x="4072895" y="3093293"/>
+            <a:ext cx="1800000" cy="759824"/>
+          </a:xfrm>
+          <a:prstGeom prst="rect">
+            <a:avLst/>
+          </a:prstGeom>
+        </p:spPr>
+        <p:style>
+          <a:lnRef idx="1">
+            <a:schemeClr val="accent2"/>
+          </a:lnRef>
+          <a:fillRef idx="2">
+            <a:schemeClr val="accent2"/>
+          </a:fillRef>
+          <a:effectRef idx="1">
+            <a:schemeClr val="accent2"/>
+          </a:effectRef>
+          <a:fontRef idx="minor">
+            <a:schemeClr val="dk1"/>
+          </a:fontRef>
+        </p:style>
+        <p:txBody>
+          <a:bodyPr rtlCol="0" anchor="t"/>
+          <a:lstStyle/>
+          <a:p>
+            <a:r>
+              <a:rPr lang="en-US" altLang="zh-TW" sz="1600" dirty="0"/>
+              <a:t>*.</a:t>
+            </a:r>
+            <a:r>
+              <a:rPr lang="en-US" altLang="zh-TW" sz="1600" dirty="0" err="1"/>
+              <a:t>dll</a:t>
+            </a:r>
+            <a:endParaRPr lang="en-US" altLang="zh-TW" sz="1600" dirty="0"/>
+          </a:p>
+          <a:p>
+            <a:r>
+              <a:rPr lang="en-US" altLang="zh-TW" sz="1600" dirty="0"/>
+              <a:t>(publish</a:t>
+            </a:r>
+            <a:r>
+              <a:rPr lang="zh-TW" altLang="en-US" sz="1600" dirty="0"/>
+              <a:t> </a:t>
+            </a:r>
+            <a:r>
+              <a:rPr lang="en-US" altLang="zh-TW" sz="1600" dirty="0"/>
+              <a:t>files)</a:t>
+            </a:r>
+          </a:p>
+        </p:txBody>
+      </p:sp>
+      <p:sp>
+        <p:nvSpPr>
+          <p:cNvPr id="12" name="矩形 11">
+            <a:extLst>
+              <a:ext uri="{FF2B5EF4-FFF2-40B4-BE49-F238E27FC236}">
+                <a16:creationId xmlns:a16="http://schemas.microsoft.com/office/drawing/2014/main" id="{4AC778A6-5A55-4650-A4CD-DAE55053ABAE}"/>
+              </a:ext>
+            </a:extLst>
+          </p:cNvPr>
+          <p:cNvSpPr/>
+          <p:nvPr/>
+        </p:nvSpPr>
+        <p:spPr>
+          <a:xfrm>
+            <a:off x="6588057" y="1141593"/>
+            <a:ext cx="1800000" cy="759824"/>
+          </a:xfrm>
+          <a:prstGeom prst="rect">
+            <a:avLst/>
+          </a:prstGeom>
+        </p:spPr>
+        <p:style>
+          <a:lnRef idx="1">
+            <a:schemeClr val="accent2"/>
+          </a:lnRef>
+          <a:fillRef idx="2">
+            <a:schemeClr val="accent2"/>
+          </a:fillRef>
+          <a:effectRef idx="1">
+            <a:schemeClr val="accent2"/>
+          </a:effectRef>
+          <a:fontRef idx="minor">
+            <a:schemeClr val="dk1"/>
+          </a:fontRef>
+        </p:style>
+        <p:txBody>
+          <a:bodyPr rtlCol="0" anchor="t"/>
+          <a:lstStyle/>
+          <a:p>
+            <a:r>
+              <a:rPr lang="en-US" altLang="zh-TW" sz="1600" dirty="0"/>
+              <a:t>*.</a:t>
+            </a:r>
+            <a:r>
+              <a:rPr lang="en-US" altLang="zh-TW" sz="1600" dirty="0" err="1"/>
+              <a:t>dll</a:t>
+            </a:r>
+            <a:endParaRPr lang="en-US" altLang="zh-TW" sz="1600" dirty="0"/>
+          </a:p>
+          <a:p>
+            <a:r>
+              <a:rPr lang="en-US" altLang="zh-TW" sz="1600" dirty="0"/>
+              <a:t>(publish</a:t>
+            </a:r>
+            <a:r>
+              <a:rPr lang="zh-TW" altLang="en-US" sz="1600" dirty="0"/>
+              <a:t> </a:t>
+            </a:r>
+            <a:r>
+              <a:rPr lang="en-US" altLang="zh-TW" sz="1600" dirty="0"/>
+              <a:t>files)</a:t>
+            </a:r>
+          </a:p>
+        </p:txBody>
+      </p:sp>
+      <p:sp>
+        <p:nvSpPr>
+          <p:cNvPr id="13" name="矩形 12">
+            <a:extLst>
+              <a:ext uri="{FF2B5EF4-FFF2-40B4-BE49-F238E27FC236}">
+                <a16:creationId xmlns:a16="http://schemas.microsoft.com/office/drawing/2014/main" id="{94C67084-10C6-4008-BBBA-7D281EB941E9}"/>
+              </a:ext>
+            </a:extLst>
+          </p:cNvPr>
+          <p:cNvSpPr/>
+          <p:nvPr/>
+        </p:nvSpPr>
+        <p:spPr>
+          <a:xfrm>
+            <a:off x="3818154" y="397701"/>
+            <a:ext cx="1249125" cy="369332"/>
+          </a:xfrm>
+          <a:prstGeom prst="rect">
+            <a:avLst/>
+          </a:prstGeom>
+        </p:spPr>
+        <p:txBody>
+          <a:bodyPr wrap="none">
+            <a:spAutoFit/>
+          </a:bodyPr>
+          <a:lstStyle/>
+          <a:p>
+            <a:r>
+              <a:rPr lang="en-US" altLang="zh-TW" b="1" dirty="0"/>
+              <a:t>Build Stage</a:t>
+            </a:r>
+          </a:p>
+        </p:txBody>
+      </p:sp>
+      <p:sp>
+        <p:nvSpPr>
+          <p:cNvPr id="14" name="矩形 13">
+            <a:extLst>
+              <a:ext uri="{FF2B5EF4-FFF2-40B4-BE49-F238E27FC236}">
+                <a16:creationId xmlns:a16="http://schemas.microsoft.com/office/drawing/2014/main" id="{69988542-4B3A-4E01-94D1-B4F3C7762356}"/>
+              </a:ext>
+            </a:extLst>
+          </p:cNvPr>
+          <p:cNvSpPr/>
+          <p:nvPr/>
+        </p:nvSpPr>
+        <p:spPr>
+          <a:xfrm>
+            <a:off x="6336057" y="390492"/>
+            <a:ext cx="1457515" cy="369332"/>
+          </a:xfrm>
+          <a:prstGeom prst="rect">
+            <a:avLst/>
+          </a:prstGeom>
+        </p:spPr>
+        <p:txBody>
+          <a:bodyPr wrap="none">
+            <a:spAutoFit/>
+          </a:bodyPr>
+          <a:lstStyle/>
+          <a:p>
+            <a:r>
+              <a:rPr lang="en-US" altLang="zh-TW" b="1" dirty="0"/>
+              <a:t>Publish Stage</a:t>
+            </a:r>
+          </a:p>
+        </p:txBody>
+      </p:sp>
+      <p:sp>
+        <p:nvSpPr>
+          <p:cNvPr id="16" name="矩形 15">
+            <a:extLst>
+              <a:ext uri="{FF2B5EF4-FFF2-40B4-BE49-F238E27FC236}">
+                <a16:creationId xmlns:a16="http://schemas.microsoft.com/office/drawing/2014/main" id="{31059316-F354-4269-9C2B-93B55D98E7B3}"/>
+              </a:ext>
+            </a:extLst>
+          </p:cNvPr>
+          <p:cNvSpPr/>
+          <p:nvPr/>
+        </p:nvSpPr>
+        <p:spPr>
+          <a:xfrm>
+            <a:off x="698223" y="397701"/>
+            <a:ext cx="622927" cy="369332"/>
+          </a:xfrm>
+          <a:prstGeom prst="rect">
+            <a:avLst/>
+          </a:prstGeom>
+        </p:spPr>
+        <p:txBody>
+          <a:bodyPr wrap="none">
+            <a:spAutoFit/>
+          </a:bodyPr>
+          <a:lstStyle/>
+          <a:p>
+            <a:r>
+              <a:rPr lang="en-US" altLang="zh-TW" b="1" dirty="0"/>
+              <a:t>Host</a:t>
+            </a:r>
+            <a:endParaRPr lang="zh-TW" altLang="en-US" b="1" dirty="0"/>
+          </a:p>
+        </p:txBody>
+      </p:sp>
+      <p:sp>
+        <p:nvSpPr>
+          <p:cNvPr id="18" name="箭號: 向右 17">
+            <a:extLst>
+              <a:ext uri="{FF2B5EF4-FFF2-40B4-BE49-F238E27FC236}">
+                <a16:creationId xmlns:a16="http://schemas.microsoft.com/office/drawing/2014/main" id="{56815FC9-1FD5-4CA2-9D1D-06A057F452EF}"/>
+              </a:ext>
+            </a:extLst>
+          </p:cNvPr>
+          <p:cNvSpPr/>
+          <p:nvPr/>
+        </p:nvSpPr>
+        <p:spPr>
+          <a:xfrm rot="5400000">
+            <a:off x="4815595" y="2501323"/>
+            <a:ext cx="864754" cy="533400"/>
+          </a:xfrm>
+          <a:prstGeom prst="rightArrow">
+            <a:avLst/>
+          </a:prstGeom>
+        </p:spPr>
+        <p:style>
+          <a:lnRef idx="0">
+            <a:schemeClr val="accent5"/>
+          </a:lnRef>
+          <a:fillRef idx="3">
+            <a:schemeClr val="accent5"/>
+          </a:fillRef>
+          <a:effectRef idx="3">
+            <a:schemeClr val="accent5"/>
+          </a:effectRef>
+          <a:fontRef idx="minor">
+            <a:schemeClr val="lt1"/>
+          </a:fontRef>
+        </p:style>
+        <p:txBody>
+          <a:bodyPr rtlCol="0" anchor="ctr"/>
+          <a:lstStyle/>
+          <a:p>
+            <a:pPr algn="ctr"/>
+            <a:endParaRPr lang="zh-TW" altLang="en-US" dirty="0"/>
+          </a:p>
+        </p:txBody>
+      </p:sp>
+      <p:sp>
+        <p:nvSpPr>
+          <p:cNvPr id="19" name="箭號: 向右 18">
+            <a:extLst>
+              <a:ext uri="{FF2B5EF4-FFF2-40B4-BE49-F238E27FC236}">
+                <a16:creationId xmlns:a16="http://schemas.microsoft.com/office/drawing/2014/main" id="{3BA53F1D-3BD6-4795-A376-F7B787653233}"/>
+              </a:ext>
+            </a:extLst>
+          </p:cNvPr>
+          <p:cNvSpPr/>
+          <p:nvPr/>
+        </p:nvSpPr>
+        <p:spPr>
+          <a:xfrm rot="18354441">
+            <a:off x="5475616" y="2321925"/>
+            <a:ext cx="1753216" cy="533400"/>
+          </a:xfrm>
+          <a:prstGeom prst="rightArrow">
+            <a:avLst/>
+          </a:prstGeom>
+        </p:spPr>
+        <p:style>
+          <a:lnRef idx="0">
+            <a:schemeClr val="accent5"/>
+          </a:lnRef>
+          <a:fillRef idx="3">
+            <a:schemeClr val="accent5"/>
+          </a:fillRef>
+          <a:effectRef idx="3">
+            <a:schemeClr val="accent5"/>
+          </a:effectRef>
+          <a:fontRef idx="minor">
+            <a:schemeClr val="lt1"/>
+          </a:fontRef>
+        </p:style>
+        <p:txBody>
+          <a:bodyPr rtlCol="0" anchor="ctr"/>
+          <a:lstStyle/>
+          <a:p>
+            <a:pPr algn="ctr"/>
+            <a:endParaRPr lang="zh-TW" altLang="en-US" dirty="0"/>
+          </a:p>
+        </p:txBody>
+      </p:sp>
+      <p:sp>
+        <p:nvSpPr>
+          <p:cNvPr id="20" name="矩形 19">
+            <a:extLst>
+              <a:ext uri="{FF2B5EF4-FFF2-40B4-BE49-F238E27FC236}">
+                <a16:creationId xmlns:a16="http://schemas.microsoft.com/office/drawing/2014/main" id="{F01895EB-5B27-4AB1-9BB0-04D487FCDD52}"/>
+              </a:ext>
+            </a:extLst>
+          </p:cNvPr>
+          <p:cNvSpPr/>
+          <p:nvPr/>
+        </p:nvSpPr>
+        <p:spPr>
+          <a:xfrm>
+            <a:off x="1100096" y="1993405"/>
+            <a:ext cx="2155290" cy="1283195"/>
+          </a:xfrm>
+          <a:prstGeom prst="rect">
+            <a:avLst/>
+          </a:prstGeom>
+          <a:noFill/>
+          <a:ln w="28575">
+            <a:solidFill>
+              <a:srgbClr val="FF0000"/>
+            </a:solidFill>
+          </a:ln>
+        </p:spPr>
+        <p:style>
+          <a:lnRef idx="2">
+            <a:schemeClr val="accent1">
+              <a:shade val="50000"/>
+            </a:schemeClr>
+          </a:lnRef>
+          <a:fillRef idx="1">
+            <a:schemeClr val="accent1"/>
+          </a:fillRef>
+          <a:effectRef idx="0">
+            <a:schemeClr val="accent1"/>
+          </a:effectRef>
+          <a:fontRef idx="minor">
+            <a:schemeClr val="lt1"/>
+          </a:fontRef>
+        </p:style>
+        <p:txBody>
+          <a:bodyPr rtlCol="0" anchor="ctr"/>
+          <a:lstStyle/>
+          <a:p>
+            <a:pPr algn="ctr"/>
+            <a:endParaRPr lang="zh-TW" altLang="en-US"/>
+          </a:p>
+        </p:txBody>
+      </p:sp>
+      <p:sp>
+        <p:nvSpPr>
+          <p:cNvPr id="17" name="箭號: 向右 16">
+            <a:extLst>
+              <a:ext uri="{FF2B5EF4-FFF2-40B4-BE49-F238E27FC236}">
+                <a16:creationId xmlns:a16="http://schemas.microsoft.com/office/drawing/2014/main" id="{F121004B-E851-49D4-9078-78B7CFDB7E1B}"/>
+              </a:ext>
+            </a:extLst>
+          </p:cNvPr>
+          <p:cNvSpPr/>
+          <p:nvPr/>
+        </p:nvSpPr>
+        <p:spPr>
+          <a:xfrm rot="19498183">
+            <a:off x="3115916" y="1767616"/>
+            <a:ext cx="990600" cy="533400"/>
+          </a:xfrm>
+          <a:prstGeom prst="rightArrow">
+            <a:avLst/>
+          </a:prstGeom>
+        </p:spPr>
+        <p:style>
+          <a:lnRef idx="0">
+            <a:schemeClr val="accent5"/>
+          </a:lnRef>
+          <a:fillRef idx="3">
+            <a:schemeClr val="accent5"/>
+          </a:fillRef>
+          <a:effectRef idx="3">
+            <a:schemeClr val="accent5"/>
+          </a:effectRef>
+          <a:fontRef idx="minor">
+            <a:schemeClr val="lt1"/>
+          </a:fontRef>
+        </p:style>
+        <p:txBody>
+          <a:bodyPr rtlCol="0" anchor="ctr"/>
+          <a:lstStyle/>
+          <a:p>
+            <a:pPr algn="ctr"/>
+            <a:endParaRPr lang="zh-TW" altLang="en-US" dirty="0"/>
+          </a:p>
+        </p:txBody>
+      </p:sp>
+    </p:spTree>
+    <p:extLst>
+      <p:ext uri="{BB962C8B-B14F-4D97-AF65-F5344CB8AC3E}">
+        <p14:creationId xmlns:p14="http://schemas.microsoft.com/office/powerpoint/2010/main" val="3293218971"/>
+      </p:ext>
+    </p:extLst>
+  </p:cSld>
+  <p:clrMapOvr>
+    <a:masterClrMapping/>
+  </p:clrMapOvr>
+</p:sld>
+</file>
+
+<file path=ppt/slides/slide27.xml><?xml version="1.0" encoding="utf-8"?>
+<p:sld xmlns:a="http://schemas.openxmlformats.org/drawingml/2006/main" xmlns:r="http://schemas.openxmlformats.org/officeDocument/2006/relationships" xmlns:p="http://schemas.openxmlformats.org/presentationml/2006/main">
+  <p:cSld>
+    <p:spTree>
+      <p:nvGrpSpPr>
+        <p:cNvPr id="1" name=""/>
+        <p:cNvGrpSpPr/>
+        <p:nvPr/>
+      </p:nvGrpSpPr>
+      <p:grpSpPr>
+        <a:xfrm>
+          <a:off x="0" y="0"/>
+          <a:ext cx="0" cy="0"/>
+          <a:chOff x="0" y="0"/>
+          <a:chExt cx="0" cy="0"/>
+        </a:xfrm>
+      </p:grpSpPr>
+      <p:sp>
+        <p:nvSpPr>
+          <p:cNvPr id="9" name="矩形 8">
+            <a:extLst>
+              <a:ext uri="{FF2B5EF4-FFF2-40B4-BE49-F238E27FC236}">
+                <a16:creationId xmlns:a16="http://schemas.microsoft.com/office/drawing/2014/main" id="{41D98F34-BE39-4DC6-9362-89E079C57966}"/>
+              </a:ext>
+            </a:extLst>
+          </p:cNvPr>
+          <p:cNvSpPr/>
+          <p:nvPr/>
+        </p:nvSpPr>
+        <p:spPr>
+          <a:xfrm>
+            <a:off x="3487205" y="494446"/>
+            <a:ext cx="2304000" cy="3074983"/>
+          </a:xfrm>
+          <a:prstGeom prst="rect">
+            <a:avLst/>
+          </a:prstGeom>
+        </p:spPr>
+        <p:style>
+          <a:lnRef idx="1">
+            <a:schemeClr val="accent4"/>
+          </a:lnRef>
+          <a:fillRef idx="2">
+            <a:schemeClr val="accent4"/>
+          </a:fillRef>
+          <a:effectRef idx="1">
+            <a:schemeClr val="accent4"/>
+          </a:effectRef>
+          <a:fontRef idx="minor">
+            <a:schemeClr val="dk1"/>
+          </a:fontRef>
+        </p:style>
+        <p:txBody>
+          <a:bodyPr rtlCol="0" anchor="t"/>
+          <a:lstStyle/>
+          <a:p>
+            <a:r>
+              <a:rPr lang="en-US" altLang="zh-TW" dirty="0"/>
+              <a:t>/</a:t>
+            </a:r>
+            <a:r>
+              <a:rPr lang="en-US" altLang="zh-TW" dirty="0" err="1"/>
+              <a:t>src</a:t>
+            </a:r>
+            <a:endParaRPr lang="en-US" altLang="zh-TW" dirty="0"/>
+          </a:p>
+          <a:p>
+            <a:endParaRPr lang="en-US" altLang="zh-TW" dirty="0"/>
+          </a:p>
+          <a:p>
+            <a:endParaRPr lang="en-US" altLang="zh-TW" dirty="0"/>
+          </a:p>
+          <a:p>
+            <a:endParaRPr lang="en-US" altLang="zh-TW" dirty="0"/>
+          </a:p>
+          <a:p>
+            <a:endParaRPr lang="en-US" altLang="zh-TW" dirty="0"/>
+          </a:p>
+          <a:p>
+            <a:endParaRPr lang="en-US" altLang="zh-TW" dirty="0"/>
+          </a:p>
+          <a:p>
+            <a:endParaRPr lang="en-US" altLang="zh-TW" dirty="0"/>
+          </a:p>
+          <a:p>
+            <a:r>
+              <a:rPr lang="en-US" altLang="zh-TW" dirty="0"/>
+              <a:t>/publish</a:t>
+            </a:r>
+          </a:p>
+          <a:p>
+            <a:endParaRPr lang="zh-TW" altLang="en-US" dirty="0"/>
+          </a:p>
+        </p:txBody>
+      </p:sp>
+      <p:sp>
+        <p:nvSpPr>
+          <p:cNvPr id="7" name="矩形 6">
+            <a:extLst>
+              <a:ext uri="{FF2B5EF4-FFF2-40B4-BE49-F238E27FC236}">
+                <a16:creationId xmlns:a16="http://schemas.microsoft.com/office/drawing/2014/main" id="{29B79C29-7B3D-42EF-9C88-8666DCE84524}"/>
+              </a:ext>
+            </a:extLst>
+          </p:cNvPr>
+          <p:cNvSpPr/>
+          <p:nvPr/>
+        </p:nvSpPr>
+        <p:spPr>
+          <a:xfrm>
+            <a:off x="3735606" y="873272"/>
+            <a:ext cx="1800000" cy="1248223"/>
+          </a:xfrm>
+          <a:prstGeom prst="rect">
+            <a:avLst/>
+          </a:prstGeom>
+        </p:spPr>
+        <p:style>
+          <a:lnRef idx="1">
+            <a:schemeClr val="accent6"/>
+          </a:lnRef>
+          <a:fillRef idx="2">
+            <a:schemeClr val="accent6"/>
+          </a:fillRef>
+          <a:effectRef idx="1">
+            <a:schemeClr val="accent6"/>
+          </a:effectRef>
+          <a:fontRef idx="minor">
+            <a:schemeClr val="dk1"/>
+          </a:fontRef>
+        </p:style>
+        <p:txBody>
+          <a:bodyPr rtlCol="0" anchor="t"/>
+          <a:lstStyle/>
+          <a:p>
+            <a:r>
+              <a:rPr lang="en-US" altLang="zh-TW" sz="1400" dirty="0" err="1"/>
+              <a:t>XXXX.Domain</a:t>
+            </a:r>
+            <a:r>
+              <a:rPr lang="en-US" altLang="zh-TW" sz="1400" dirty="0"/>
+              <a:t>/</a:t>
+            </a:r>
+          </a:p>
+          <a:p>
+            <a:r>
+              <a:rPr lang="en-US" altLang="zh-TW" sz="1400" dirty="0" err="1"/>
+              <a:t>XXXX.WebPortal</a:t>
+            </a:r>
+            <a:r>
+              <a:rPr lang="en-US" altLang="zh-TW" sz="1400" dirty="0"/>
+              <a:t>/</a:t>
+            </a:r>
+          </a:p>
+          <a:p>
+            <a:pPr lvl="1"/>
+            <a:r>
+              <a:rPr lang="en-US" altLang="zh-TW" sz="1400" dirty="0" err="1"/>
+              <a:t>ClientApp</a:t>
+            </a:r>
+            <a:r>
+              <a:rPr lang="en-US" altLang="zh-TW" sz="1400" dirty="0"/>
+              <a:t>/</a:t>
+            </a:r>
+            <a:endParaRPr lang="zh-TW" altLang="en-US" sz="1400" dirty="0"/>
+          </a:p>
+          <a:p>
+            <a:pPr lvl="1"/>
+            <a:r>
+              <a:rPr lang="en-US" altLang="zh-TW" sz="1400" dirty="0" err="1"/>
+              <a:t>node_modules</a:t>
+            </a:r>
+            <a:r>
+              <a:rPr lang="en-US" altLang="zh-TW" sz="1400" dirty="0"/>
+              <a:t>/</a:t>
+            </a:r>
+            <a:endParaRPr lang="zh-TW" altLang="en-US" sz="1400" dirty="0"/>
+          </a:p>
+          <a:p>
+            <a:pPr lvl="1"/>
+            <a:r>
+              <a:rPr lang="en-US" altLang="zh-TW" sz="1400" dirty="0" err="1"/>
+              <a:t>package.json</a:t>
+            </a:r>
+            <a:endParaRPr lang="en-US" altLang="zh-TW" sz="1400" dirty="0"/>
+          </a:p>
+        </p:txBody>
+      </p:sp>
+      <p:sp>
+        <p:nvSpPr>
+          <p:cNvPr id="8" name="矩形 7">
+            <a:extLst>
+              <a:ext uri="{FF2B5EF4-FFF2-40B4-BE49-F238E27FC236}">
+                <a16:creationId xmlns:a16="http://schemas.microsoft.com/office/drawing/2014/main" id="{76BFED4A-6CF0-4AB3-B784-8250DE23F05A}"/>
+              </a:ext>
+            </a:extLst>
+          </p:cNvPr>
+          <p:cNvSpPr/>
+          <p:nvPr/>
+        </p:nvSpPr>
+        <p:spPr>
+          <a:xfrm>
+            <a:off x="3505200" y="3962401"/>
+            <a:ext cx="4838406" cy="1447800"/>
+          </a:xfrm>
+          <a:prstGeom prst="rect">
+            <a:avLst/>
+          </a:prstGeom>
+        </p:spPr>
+        <p:style>
+          <a:lnRef idx="1">
+            <a:schemeClr val="accent1"/>
+          </a:lnRef>
+          <a:fillRef idx="2">
+            <a:schemeClr val="accent1"/>
+          </a:fillRef>
+          <a:effectRef idx="1">
+            <a:schemeClr val="accent1"/>
+          </a:effectRef>
+          <a:fontRef idx="minor">
+            <a:schemeClr val="dk1"/>
+          </a:fontRef>
+        </p:style>
+        <p:txBody>
+          <a:bodyPr rtlCol="0" anchor="t"/>
+          <a:lstStyle/>
+          <a:p>
+            <a:r>
+              <a:rPr lang="en-US" altLang="zh-TW" dirty="0"/>
+              <a:t>/app                                   /app/</a:t>
+            </a:r>
+            <a:r>
+              <a:rPr lang="en-US" altLang="zh-TW" dirty="0" err="1"/>
+              <a:t>wwwroot</a:t>
+            </a:r>
+            <a:endParaRPr lang="en-US" altLang="zh-TW" dirty="0"/>
+          </a:p>
+          <a:p>
+            <a:endParaRPr lang="en-US" altLang="zh-TW" dirty="0"/>
+          </a:p>
+          <a:p>
+            <a:endParaRPr lang="en-US" altLang="zh-TW" dirty="0"/>
+          </a:p>
+        </p:txBody>
+      </p:sp>
+      <p:sp>
+        <p:nvSpPr>
+          <p:cNvPr id="10" name="矩形 9">
+            <a:extLst>
+              <a:ext uri="{FF2B5EF4-FFF2-40B4-BE49-F238E27FC236}">
+                <a16:creationId xmlns:a16="http://schemas.microsoft.com/office/drawing/2014/main" id="{D173E58A-468E-4031-8537-39D222A9EC57}"/>
+              </a:ext>
+            </a:extLst>
+          </p:cNvPr>
+          <p:cNvSpPr/>
+          <p:nvPr/>
+        </p:nvSpPr>
+        <p:spPr>
+          <a:xfrm>
+            <a:off x="367274" y="496624"/>
+            <a:ext cx="2880000" cy="3600000"/>
+          </a:xfrm>
+          <a:prstGeom prst="rect">
+            <a:avLst/>
+          </a:prstGeom>
+        </p:spPr>
+        <p:style>
+          <a:lnRef idx="1">
+            <a:schemeClr val="accent6"/>
+          </a:lnRef>
+          <a:fillRef idx="2">
+            <a:schemeClr val="accent6"/>
+          </a:fillRef>
+          <a:effectRef idx="1">
+            <a:schemeClr val="accent6"/>
+          </a:effectRef>
+          <a:fontRef idx="minor">
+            <a:schemeClr val="dk1"/>
+          </a:fontRef>
+        </p:style>
+        <p:txBody>
+          <a:bodyPr rtlCol="0" anchor="t"/>
+          <a:lstStyle/>
+          <a:p>
+            <a:r>
+              <a:rPr lang="en-US" altLang="zh-TW" sz="1600" dirty="0"/>
+              <a:t>/</a:t>
+            </a:r>
+          </a:p>
+          <a:p>
+            <a:r>
+              <a:rPr lang="en-US" altLang="zh-TW" sz="1600" dirty="0"/>
+              <a:t>build/</a:t>
+            </a:r>
+          </a:p>
+          <a:p>
+            <a:r>
+              <a:rPr lang="en-US" altLang="zh-TW" sz="1600" dirty="0"/>
+              <a:t>doc/</a:t>
+            </a:r>
+            <a:endParaRPr lang="zh-TW" altLang="en-US" sz="1600" dirty="0"/>
+          </a:p>
+          <a:p>
+            <a:r>
+              <a:rPr lang="en-US" altLang="zh-TW" sz="1600" dirty="0"/>
+              <a:t>scripts/</a:t>
+            </a:r>
+          </a:p>
+          <a:p>
+            <a:r>
+              <a:rPr lang="en-US" altLang="zh-TW" sz="1600" dirty="0" err="1"/>
+              <a:t>src</a:t>
+            </a:r>
+            <a:r>
+              <a:rPr lang="en-US" altLang="zh-TW" sz="1600" dirty="0"/>
+              <a:t>/</a:t>
+            </a:r>
+          </a:p>
+          <a:p>
+            <a:pPr lvl="1"/>
+            <a:r>
+              <a:rPr lang="en-US" altLang="zh-TW" sz="1600" dirty="0" err="1"/>
+              <a:t>XXXX.Domain</a:t>
+            </a:r>
+            <a:r>
+              <a:rPr lang="en-US" altLang="zh-TW" sz="1600" dirty="0"/>
+              <a:t>/</a:t>
+            </a:r>
+          </a:p>
+          <a:p>
+            <a:pPr lvl="1"/>
+            <a:r>
+              <a:rPr lang="en-US" altLang="zh-TW" sz="1600" dirty="0" err="1"/>
+              <a:t>XXXX.WebPortal</a:t>
+            </a:r>
+            <a:r>
+              <a:rPr lang="en-US" altLang="zh-TW" sz="1600" dirty="0"/>
+              <a:t>/</a:t>
+            </a:r>
+          </a:p>
+          <a:p>
+            <a:pPr lvl="2"/>
+            <a:r>
+              <a:rPr lang="en-US" altLang="zh-TW" sz="1600" dirty="0" err="1"/>
+              <a:t>ClientApp</a:t>
+            </a:r>
+            <a:r>
+              <a:rPr lang="en-US" altLang="zh-TW" sz="1600" dirty="0"/>
+              <a:t>/</a:t>
+            </a:r>
+            <a:endParaRPr lang="zh-TW" altLang="en-US" sz="1600" dirty="0"/>
+          </a:p>
+          <a:p>
+            <a:pPr lvl="2"/>
+            <a:r>
+              <a:rPr lang="en-US" altLang="zh-TW" sz="1600" dirty="0" err="1"/>
+              <a:t>node_modules</a:t>
+            </a:r>
+            <a:r>
+              <a:rPr lang="en-US" altLang="zh-TW" sz="1600" dirty="0"/>
+              <a:t>/</a:t>
+            </a:r>
+            <a:endParaRPr lang="zh-TW" altLang="en-US" sz="1600" dirty="0"/>
+          </a:p>
+          <a:p>
+            <a:pPr lvl="2"/>
+            <a:r>
+              <a:rPr lang="en-US" altLang="zh-TW" sz="1600" dirty="0" err="1"/>
+              <a:t>package.json</a:t>
+            </a:r>
+            <a:endParaRPr lang="en-US" altLang="zh-TW" sz="1600" dirty="0"/>
+          </a:p>
+          <a:p>
+            <a:r>
+              <a:rPr lang="en-US" altLang="zh-TW" sz="1600" dirty="0"/>
+              <a:t>test/</a:t>
+            </a:r>
+            <a:endParaRPr lang="zh-TW" altLang="en-US" sz="1600" dirty="0"/>
+          </a:p>
+          <a:p>
+            <a:pPr lvl="1"/>
+            <a:r>
+              <a:rPr lang="en-US" altLang="zh-TW" sz="1600" dirty="0" err="1"/>
+              <a:t>XXXX.IntegrationTest</a:t>
+            </a:r>
+            <a:r>
+              <a:rPr lang="en-US" altLang="zh-TW" sz="1600" dirty="0"/>
+              <a:t>/</a:t>
+            </a:r>
+          </a:p>
+          <a:p>
+            <a:pPr lvl="1"/>
+            <a:r>
+              <a:rPr lang="en-US" altLang="zh-TW" sz="1600" dirty="0" err="1"/>
+              <a:t>XXXX.UnitTest</a:t>
+            </a:r>
+            <a:r>
+              <a:rPr lang="en-US" altLang="zh-TW" sz="1600" dirty="0"/>
+              <a:t>/</a:t>
+            </a:r>
+          </a:p>
+          <a:p>
+            <a:r>
+              <a:rPr lang="en-US" altLang="zh-TW" sz="1600" dirty="0"/>
+              <a:t>XXXX.sln</a:t>
+            </a:r>
+            <a:endParaRPr lang="zh-TW" altLang="en-US" sz="1600" dirty="0"/>
+          </a:p>
+        </p:txBody>
+      </p:sp>
+      <p:sp>
+        <p:nvSpPr>
+          <p:cNvPr id="11" name="矩形 10">
+            <a:extLst>
+              <a:ext uri="{FF2B5EF4-FFF2-40B4-BE49-F238E27FC236}">
+                <a16:creationId xmlns:a16="http://schemas.microsoft.com/office/drawing/2014/main" id="{4957561E-6B36-410B-A97D-97BE8387D2B6}"/>
+              </a:ext>
+            </a:extLst>
+          </p:cNvPr>
+          <p:cNvSpPr/>
+          <p:nvPr/>
+        </p:nvSpPr>
+        <p:spPr>
+          <a:xfrm>
+            <a:off x="3741946" y="2827915"/>
+            <a:ext cx="1800000" cy="640713"/>
+          </a:xfrm>
+          <a:prstGeom prst="rect">
+            <a:avLst/>
+          </a:prstGeom>
+        </p:spPr>
+        <p:style>
+          <a:lnRef idx="1">
+            <a:schemeClr val="accent2"/>
+          </a:lnRef>
+          <a:fillRef idx="2">
+            <a:schemeClr val="accent2"/>
+          </a:fillRef>
+          <a:effectRef idx="1">
+            <a:schemeClr val="accent2"/>
+          </a:effectRef>
+          <a:fontRef idx="minor">
+            <a:schemeClr val="dk1"/>
+          </a:fontRef>
+        </p:style>
+        <p:txBody>
+          <a:bodyPr rtlCol="0" anchor="t"/>
+          <a:lstStyle/>
+          <a:p>
+            <a:r>
+              <a:rPr lang="en-US" altLang="zh-TW" sz="1600" dirty="0"/>
+              <a:t>*.</a:t>
+            </a:r>
+            <a:r>
+              <a:rPr lang="en-US" altLang="zh-TW" sz="1600" dirty="0" err="1"/>
+              <a:t>dll</a:t>
+            </a:r>
+            <a:endParaRPr lang="en-US" altLang="zh-TW" sz="1600" dirty="0"/>
+          </a:p>
+          <a:p>
+            <a:r>
+              <a:rPr lang="en-US" altLang="zh-TW" sz="1600" dirty="0"/>
+              <a:t>(publish</a:t>
+            </a:r>
+            <a:r>
+              <a:rPr lang="zh-TW" altLang="en-US" sz="1600" dirty="0"/>
+              <a:t> </a:t>
+            </a:r>
+            <a:r>
+              <a:rPr lang="en-US" altLang="zh-TW" sz="1600" dirty="0"/>
+              <a:t>files)</a:t>
+            </a:r>
+          </a:p>
+        </p:txBody>
+      </p:sp>
+      <p:sp>
+        <p:nvSpPr>
+          <p:cNvPr id="12" name="矩形 11">
+            <a:extLst>
+              <a:ext uri="{FF2B5EF4-FFF2-40B4-BE49-F238E27FC236}">
+                <a16:creationId xmlns:a16="http://schemas.microsoft.com/office/drawing/2014/main" id="{4AC778A6-5A55-4650-A4CD-DAE55053ABAE}"/>
+              </a:ext>
+            </a:extLst>
+          </p:cNvPr>
+          <p:cNvSpPr/>
+          <p:nvPr/>
+        </p:nvSpPr>
+        <p:spPr>
+          <a:xfrm>
+            <a:off x="3757200" y="4344170"/>
+            <a:ext cx="1800000" cy="599303"/>
+          </a:xfrm>
+          <a:prstGeom prst="rect">
+            <a:avLst/>
+          </a:prstGeom>
+        </p:spPr>
+        <p:style>
+          <a:lnRef idx="1">
+            <a:schemeClr val="accent2"/>
+          </a:lnRef>
+          <a:fillRef idx="2">
+            <a:schemeClr val="accent2"/>
+          </a:fillRef>
+          <a:effectRef idx="1">
+            <a:schemeClr val="accent2"/>
+          </a:effectRef>
+          <a:fontRef idx="minor">
+            <a:schemeClr val="dk1"/>
+          </a:fontRef>
+        </p:style>
+        <p:txBody>
+          <a:bodyPr rtlCol="0" anchor="t"/>
+          <a:lstStyle/>
+          <a:p>
+            <a:r>
+              <a:rPr lang="en-US" altLang="zh-TW" sz="1600" dirty="0"/>
+              <a:t>*.</a:t>
+            </a:r>
+            <a:r>
+              <a:rPr lang="en-US" altLang="zh-TW" sz="1600" dirty="0" err="1"/>
+              <a:t>dll</a:t>
+            </a:r>
+            <a:endParaRPr lang="en-US" altLang="zh-TW" sz="1600" dirty="0"/>
+          </a:p>
+          <a:p>
+            <a:r>
+              <a:rPr lang="en-US" altLang="zh-TW" sz="1600" dirty="0"/>
+              <a:t>(publish</a:t>
+            </a:r>
+            <a:r>
+              <a:rPr lang="zh-TW" altLang="en-US" sz="1600" dirty="0"/>
+              <a:t> </a:t>
+            </a:r>
+            <a:r>
+              <a:rPr lang="en-US" altLang="zh-TW" sz="1600" dirty="0"/>
+              <a:t>files)</a:t>
+            </a:r>
+          </a:p>
+        </p:txBody>
+      </p:sp>
+      <p:sp>
+        <p:nvSpPr>
+          <p:cNvPr id="13" name="矩形 12">
+            <a:extLst>
+              <a:ext uri="{FF2B5EF4-FFF2-40B4-BE49-F238E27FC236}">
+                <a16:creationId xmlns:a16="http://schemas.microsoft.com/office/drawing/2014/main" id="{94C67084-10C6-4008-BBBA-7D281EB941E9}"/>
+              </a:ext>
+            </a:extLst>
+          </p:cNvPr>
+          <p:cNvSpPr/>
+          <p:nvPr/>
+        </p:nvSpPr>
+        <p:spPr>
+          <a:xfrm>
+            <a:off x="3487205" y="132323"/>
+            <a:ext cx="2069862" cy="369332"/>
+          </a:xfrm>
+          <a:prstGeom prst="rect">
+            <a:avLst/>
+          </a:prstGeom>
+        </p:spPr>
+        <p:txBody>
+          <a:bodyPr wrap="none">
+            <a:spAutoFit/>
+          </a:bodyPr>
+          <a:lstStyle/>
+          <a:p>
+            <a:r>
+              <a:rPr lang="en-US" altLang="zh-TW" b="1" dirty="0"/>
+              <a:t>Build Stage - dotnet</a:t>
+            </a:r>
+          </a:p>
+        </p:txBody>
+      </p:sp>
+      <p:sp>
+        <p:nvSpPr>
+          <p:cNvPr id="14" name="矩形 13">
+            <a:extLst>
+              <a:ext uri="{FF2B5EF4-FFF2-40B4-BE49-F238E27FC236}">
+                <a16:creationId xmlns:a16="http://schemas.microsoft.com/office/drawing/2014/main" id="{69988542-4B3A-4E01-94D1-B4F3C7762356}"/>
+              </a:ext>
+            </a:extLst>
+          </p:cNvPr>
+          <p:cNvSpPr/>
+          <p:nvPr/>
+        </p:nvSpPr>
+        <p:spPr>
+          <a:xfrm>
+            <a:off x="3505200" y="3593069"/>
+            <a:ext cx="1457515" cy="369332"/>
+          </a:xfrm>
+          <a:prstGeom prst="rect">
+            <a:avLst/>
+          </a:prstGeom>
+        </p:spPr>
+        <p:txBody>
+          <a:bodyPr wrap="none">
+            <a:spAutoFit/>
+          </a:bodyPr>
+          <a:lstStyle/>
+          <a:p>
+            <a:r>
+              <a:rPr lang="en-US" altLang="zh-TW" b="1" dirty="0"/>
+              <a:t>Publish Stage</a:t>
+            </a:r>
+          </a:p>
+        </p:txBody>
+      </p:sp>
+      <p:sp>
+        <p:nvSpPr>
+          <p:cNvPr id="16" name="矩形 15">
+            <a:extLst>
+              <a:ext uri="{FF2B5EF4-FFF2-40B4-BE49-F238E27FC236}">
+                <a16:creationId xmlns:a16="http://schemas.microsoft.com/office/drawing/2014/main" id="{31059316-F354-4269-9C2B-93B55D98E7B3}"/>
+              </a:ext>
+            </a:extLst>
+          </p:cNvPr>
+          <p:cNvSpPr/>
+          <p:nvPr/>
+        </p:nvSpPr>
+        <p:spPr>
+          <a:xfrm>
+            <a:off x="367274" y="132323"/>
+            <a:ext cx="622927" cy="369332"/>
+          </a:xfrm>
+          <a:prstGeom prst="rect">
+            <a:avLst/>
+          </a:prstGeom>
+        </p:spPr>
+        <p:txBody>
+          <a:bodyPr wrap="none">
+            <a:spAutoFit/>
+          </a:bodyPr>
+          <a:lstStyle/>
+          <a:p>
+            <a:r>
+              <a:rPr lang="en-US" altLang="zh-TW" b="1" dirty="0"/>
+              <a:t>Host</a:t>
+            </a:r>
+            <a:endParaRPr lang="zh-TW" altLang="en-US" b="1" dirty="0"/>
+          </a:p>
+        </p:txBody>
+      </p:sp>
+      <p:sp>
+        <p:nvSpPr>
+          <p:cNvPr id="18" name="箭號: 向右 17">
+            <a:extLst>
+              <a:ext uri="{FF2B5EF4-FFF2-40B4-BE49-F238E27FC236}">
+                <a16:creationId xmlns:a16="http://schemas.microsoft.com/office/drawing/2014/main" id="{56815FC9-1FD5-4CA2-9D1D-06A057F452EF}"/>
+              </a:ext>
+            </a:extLst>
+          </p:cNvPr>
+          <p:cNvSpPr/>
+          <p:nvPr/>
+        </p:nvSpPr>
+        <p:spPr>
+          <a:xfrm rot="5400000">
+            <a:off x="4484646" y="2235945"/>
+            <a:ext cx="864754" cy="533400"/>
+          </a:xfrm>
+          <a:prstGeom prst="rightArrow">
+            <a:avLst/>
+          </a:prstGeom>
+        </p:spPr>
+        <p:style>
+          <a:lnRef idx="0">
+            <a:schemeClr val="accent5"/>
+          </a:lnRef>
+          <a:fillRef idx="3">
+            <a:schemeClr val="accent5"/>
+          </a:fillRef>
+          <a:effectRef idx="3">
+            <a:schemeClr val="accent5"/>
+          </a:effectRef>
+          <a:fontRef idx="minor">
+            <a:schemeClr val="lt1"/>
+          </a:fontRef>
+        </p:style>
+        <p:txBody>
+          <a:bodyPr rtlCol="0" anchor="ctr"/>
+          <a:lstStyle/>
+          <a:p>
+            <a:pPr algn="ctr"/>
+            <a:endParaRPr lang="zh-TW" altLang="en-US" dirty="0"/>
+          </a:p>
+        </p:txBody>
+      </p:sp>
+      <p:sp>
+        <p:nvSpPr>
+          <p:cNvPr id="20" name="矩形 19">
+            <a:extLst>
+              <a:ext uri="{FF2B5EF4-FFF2-40B4-BE49-F238E27FC236}">
+                <a16:creationId xmlns:a16="http://schemas.microsoft.com/office/drawing/2014/main" id="{F01895EB-5B27-4AB1-9BB0-04D487FCDD52}"/>
+              </a:ext>
+            </a:extLst>
+          </p:cNvPr>
+          <p:cNvSpPr/>
+          <p:nvPr/>
+        </p:nvSpPr>
+        <p:spPr>
+          <a:xfrm>
+            <a:off x="769147" y="1728027"/>
+            <a:ext cx="2155290" cy="1283195"/>
+          </a:xfrm>
+          <a:prstGeom prst="rect">
+            <a:avLst/>
+          </a:prstGeom>
+          <a:noFill/>
+          <a:ln w="28575">
+            <a:solidFill>
+              <a:srgbClr val="FF0000"/>
+            </a:solidFill>
+          </a:ln>
+        </p:spPr>
+        <p:style>
+          <a:lnRef idx="2">
+            <a:schemeClr val="accent1">
+              <a:shade val="50000"/>
+            </a:schemeClr>
+          </a:lnRef>
+          <a:fillRef idx="1">
+            <a:schemeClr val="accent1"/>
+          </a:fillRef>
+          <a:effectRef idx="0">
+            <a:schemeClr val="accent1"/>
+          </a:effectRef>
+          <a:fontRef idx="minor">
+            <a:schemeClr val="lt1"/>
+          </a:fontRef>
+        </p:style>
+        <p:txBody>
+          <a:bodyPr rtlCol="0" anchor="ctr"/>
+          <a:lstStyle/>
+          <a:p>
+            <a:pPr algn="ctr"/>
+            <a:endParaRPr lang="zh-TW" altLang="en-US"/>
+          </a:p>
+        </p:txBody>
+      </p:sp>
+      <p:sp>
+        <p:nvSpPr>
+          <p:cNvPr id="17" name="箭號: 向右 16">
+            <a:extLst>
+              <a:ext uri="{FF2B5EF4-FFF2-40B4-BE49-F238E27FC236}">
+                <a16:creationId xmlns:a16="http://schemas.microsoft.com/office/drawing/2014/main" id="{F121004B-E851-49D4-9078-78B7CFDB7E1B}"/>
+              </a:ext>
+            </a:extLst>
+          </p:cNvPr>
+          <p:cNvSpPr/>
+          <p:nvPr/>
+        </p:nvSpPr>
+        <p:spPr>
+          <a:xfrm rot="19643304">
+            <a:off x="2878260" y="1987213"/>
+            <a:ext cx="990600" cy="533400"/>
+          </a:xfrm>
+          <a:prstGeom prst="rightArrow">
+            <a:avLst/>
+          </a:prstGeom>
+        </p:spPr>
+        <p:style>
+          <a:lnRef idx="0">
+            <a:schemeClr val="accent5"/>
+          </a:lnRef>
+          <a:fillRef idx="3">
+            <a:schemeClr val="accent5"/>
+          </a:fillRef>
+          <a:effectRef idx="3">
+            <a:schemeClr val="accent5"/>
+          </a:effectRef>
+          <a:fontRef idx="minor">
+            <a:schemeClr val="lt1"/>
+          </a:fontRef>
+        </p:style>
+        <p:txBody>
+          <a:bodyPr rtlCol="0" anchor="ctr"/>
+          <a:lstStyle/>
+          <a:p>
+            <a:pPr algn="ctr"/>
+            <a:endParaRPr lang="zh-TW" altLang="en-US" dirty="0"/>
+          </a:p>
+        </p:txBody>
+      </p:sp>
+      <p:sp>
+        <p:nvSpPr>
+          <p:cNvPr id="15" name="矩形 14">
+            <a:extLst>
+              <a:ext uri="{FF2B5EF4-FFF2-40B4-BE49-F238E27FC236}">
+                <a16:creationId xmlns:a16="http://schemas.microsoft.com/office/drawing/2014/main" id="{48762157-4F94-4E71-9DBC-C8C1D801F8E7}"/>
+              </a:ext>
+            </a:extLst>
+          </p:cNvPr>
+          <p:cNvSpPr/>
+          <p:nvPr/>
+        </p:nvSpPr>
+        <p:spPr>
+          <a:xfrm>
+            <a:off x="6039606" y="501655"/>
+            <a:ext cx="2304000" cy="3240000"/>
+          </a:xfrm>
+          <a:prstGeom prst="rect">
+            <a:avLst/>
+          </a:prstGeom>
+        </p:spPr>
+        <p:style>
+          <a:lnRef idx="1">
+            <a:schemeClr val="accent4"/>
+          </a:lnRef>
+          <a:fillRef idx="2">
+            <a:schemeClr val="accent4"/>
+          </a:fillRef>
+          <a:effectRef idx="1">
+            <a:schemeClr val="accent4"/>
+          </a:effectRef>
+          <a:fontRef idx="minor">
+            <a:schemeClr val="dk1"/>
+          </a:fontRef>
+        </p:style>
+        <p:txBody>
+          <a:bodyPr rtlCol="0" anchor="t"/>
+          <a:lstStyle/>
+          <a:p>
+            <a:r>
+              <a:rPr lang="en-US" altLang="zh-TW" dirty="0"/>
+              <a:t>/</a:t>
+            </a:r>
+            <a:r>
+              <a:rPr lang="en-US" altLang="zh-TW" dirty="0" err="1"/>
+              <a:t>src</a:t>
+            </a:r>
+            <a:endParaRPr lang="en-US" altLang="zh-TW" dirty="0"/>
+          </a:p>
+          <a:p>
+            <a:endParaRPr lang="en-US" altLang="zh-TW" dirty="0"/>
+          </a:p>
+          <a:p>
+            <a:endParaRPr lang="en-US" altLang="zh-TW" dirty="0"/>
+          </a:p>
+          <a:p>
+            <a:endParaRPr lang="en-US" altLang="zh-TW" dirty="0"/>
+          </a:p>
+          <a:p>
+            <a:endParaRPr lang="en-US" altLang="zh-TW" dirty="0"/>
+          </a:p>
+          <a:p>
+            <a:endParaRPr lang="en-US" altLang="zh-TW" dirty="0"/>
+          </a:p>
+          <a:p>
+            <a:endParaRPr lang="en-US" altLang="zh-TW" dirty="0"/>
+          </a:p>
+          <a:p>
+            <a:r>
+              <a:rPr lang="en-US" altLang="zh-TW" dirty="0"/>
+              <a:t>/publish/</a:t>
+            </a:r>
+            <a:r>
+              <a:rPr lang="en-US" altLang="zh-TW" dirty="0" err="1"/>
+              <a:t>wwwroot</a:t>
+            </a:r>
+            <a:endParaRPr lang="en-US" altLang="zh-TW" dirty="0"/>
+          </a:p>
+          <a:p>
+            <a:endParaRPr lang="en-US" altLang="zh-TW" dirty="0"/>
+          </a:p>
+          <a:p>
+            <a:endParaRPr lang="zh-TW" altLang="en-US" dirty="0"/>
+          </a:p>
+        </p:txBody>
+      </p:sp>
+      <p:sp>
+        <p:nvSpPr>
+          <p:cNvPr id="21" name="矩形 20">
+            <a:extLst>
+              <a:ext uri="{FF2B5EF4-FFF2-40B4-BE49-F238E27FC236}">
+                <a16:creationId xmlns:a16="http://schemas.microsoft.com/office/drawing/2014/main" id="{7EE6CDAE-4308-4601-BB49-A92E52E8A0AB}"/>
+              </a:ext>
+            </a:extLst>
+          </p:cNvPr>
+          <p:cNvSpPr/>
+          <p:nvPr/>
+        </p:nvSpPr>
+        <p:spPr>
+          <a:xfrm>
+            <a:off x="6288007" y="880481"/>
+            <a:ext cx="1800000" cy="1248223"/>
+          </a:xfrm>
+          <a:prstGeom prst="rect">
+            <a:avLst/>
+          </a:prstGeom>
+        </p:spPr>
+        <p:style>
+          <a:lnRef idx="1">
+            <a:schemeClr val="accent6"/>
+          </a:lnRef>
+          <a:fillRef idx="2">
+            <a:schemeClr val="accent6"/>
+          </a:fillRef>
+          <a:effectRef idx="1">
+            <a:schemeClr val="accent6"/>
+          </a:effectRef>
+          <a:fontRef idx="minor">
+            <a:schemeClr val="dk1"/>
+          </a:fontRef>
+        </p:style>
+        <p:txBody>
+          <a:bodyPr rtlCol="0" anchor="t"/>
+          <a:lstStyle/>
+          <a:p>
+            <a:r>
+              <a:rPr lang="en-US" altLang="zh-TW" sz="1400" dirty="0" err="1"/>
+              <a:t>XXXX.Domain</a:t>
+            </a:r>
+            <a:r>
+              <a:rPr lang="en-US" altLang="zh-TW" sz="1400" dirty="0"/>
+              <a:t>/</a:t>
+            </a:r>
+          </a:p>
+          <a:p>
+            <a:r>
+              <a:rPr lang="en-US" altLang="zh-TW" sz="1400" dirty="0" err="1"/>
+              <a:t>XXXX.WebPortal</a:t>
+            </a:r>
+            <a:r>
+              <a:rPr lang="en-US" altLang="zh-TW" sz="1400" dirty="0"/>
+              <a:t>/</a:t>
+            </a:r>
+          </a:p>
+          <a:p>
+            <a:pPr lvl="1"/>
+            <a:r>
+              <a:rPr lang="en-US" altLang="zh-TW" sz="1400" dirty="0" err="1"/>
+              <a:t>ClientApp</a:t>
+            </a:r>
+            <a:r>
+              <a:rPr lang="en-US" altLang="zh-TW" sz="1400" dirty="0"/>
+              <a:t>/</a:t>
+            </a:r>
+            <a:endParaRPr lang="zh-TW" altLang="en-US" sz="1400" dirty="0"/>
+          </a:p>
+          <a:p>
+            <a:pPr lvl="1"/>
+            <a:r>
+              <a:rPr lang="en-US" altLang="zh-TW" sz="1400" dirty="0" err="1"/>
+              <a:t>node_modules</a:t>
+            </a:r>
+            <a:r>
+              <a:rPr lang="en-US" altLang="zh-TW" sz="1400" dirty="0"/>
+              <a:t>/</a:t>
+            </a:r>
+            <a:endParaRPr lang="zh-TW" altLang="en-US" sz="1400" dirty="0"/>
+          </a:p>
+          <a:p>
+            <a:pPr lvl="1"/>
+            <a:r>
+              <a:rPr lang="en-US" altLang="zh-TW" sz="1400" dirty="0" err="1"/>
+              <a:t>package.json</a:t>
+            </a:r>
+            <a:endParaRPr lang="en-US" altLang="zh-TW" sz="1400" dirty="0"/>
+          </a:p>
+        </p:txBody>
+      </p:sp>
+      <p:sp>
+        <p:nvSpPr>
+          <p:cNvPr id="22" name="矩形 21">
+            <a:extLst>
+              <a:ext uri="{FF2B5EF4-FFF2-40B4-BE49-F238E27FC236}">
+                <a16:creationId xmlns:a16="http://schemas.microsoft.com/office/drawing/2014/main" id="{DE581098-9E51-405E-B3F1-8D47E47B8A50}"/>
+              </a:ext>
+            </a:extLst>
+          </p:cNvPr>
+          <p:cNvSpPr/>
+          <p:nvPr/>
+        </p:nvSpPr>
+        <p:spPr>
+          <a:xfrm>
+            <a:off x="6294347" y="2835124"/>
+            <a:ext cx="1800000" cy="864754"/>
+          </a:xfrm>
+          <a:prstGeom prst="rect">
+            <a:avLst/>
+          </a:prstGeom>
+        </p:spPr>
+        <p:style>
+          <a:lnRef idx="1">
+            <a:schemeClr val="accent2"/>
+          </a:lnRef>
+          <a:fillRef idx="2">
+            <a:schemeClr val="accent2"/>
+          </a:fillRef>
+          <a:effectRef idx="1">
+            <a:schemeClr val="accent2"/>
+          </a:effectRef>
+          <a:fontRef idx="minor">
+            <a:schemeClr val="dk1"/>
+          </a:fontRef>
+        </p:style>
+        <p:txBody>
+          <a:bodyPr rtlCol="0" anchor="t"/>
+          <a:lstStyle/>
+          <a:p>
+            <a:r>
+              <a:rPr lang="en-US" altLang="zh-TW" sz="1600" dirty="0" err="1"/>
+              <a:t>js</a:t>
+            </a:r>
+            <a:r>
+              <a:rPr lang="en-US" altLang="zh-TW" sz="1600" dirty="0"/>
+              <a:t>/*.</a:t>
+            </a:r>
+            <a:r>
+              <a:rPr lang="en-US" altLang="zh-TW" sz="1600" dirty="0" err="1"/>
+              <a:t>js</a:t>
+            </a:r>
+            <a:endParaRPr lang="en-US" altLang="zh-TW" sz="1600" dirty="0"/>
+          </a:p>
+          <a:p>
+            <a:r>
+              <a:rPr lang="en-US" altLang="zh-TW" sz="1600" dirty="0" err="1"/>
+              <a:t>css</a:t>
+            </a:r>
+            <a:r>
+              <a:rPr lang="en-US" altLang="zh-TW" sz="1600" dirty="0"/>
+              <a:t>/*.</a:t>
+            </a:r>
+            <a:r>
+              <a:rPr lang="en-US" altLang="zh-TW" sz="1600" dirty="0" err="1"/>
+              <a:t>css</a:t>
+            </a:r>
+            <a:br>
+              <a:rPr lang="en-US" altLang="zh-TW" sz="1600" dirty="0"/>
+            </a:br>
+            <a:r>
+              <a:rPr lang="en-US" altLang="zh-TW" sz="1600" dirty="0"/>
+              <a:t>(front-end files)</a:t>
+            </a:r>
+          </a:p>
+        </p:txBody>
+      </p:sp>
+      <p:sp>
+        <p:nvSpPr>
+          <p:cNvPr id="23" name="矩形 22">
+            <a:extLst>
+              <a:ext uri="{FF2B5EF4-FFF2-40B4-BE49-F238E27FC236}">
+                <a16:creationId xmlns:a16="http://schemas.microsoft.com/office/drawing/2014/main" id="{BA799944-773A-4B15-A078-0070CDDA18AB}"/>
+              </a:ext>
+            </a:extLst>
+          </p:cNvPr>
+          <p:cNvSpPr/>
+          <p:nvPr/>
+        </p:nvSpPr>
+        <p:spPr>
+          <a:xfrm>
+            <a:off x="6039606" y="139532"/>
+            <a:ext cx="1859868" cy="369332"/>
+          </a:xfrm>
+          <a:prstGeom prst="rect">
+            <a:avLst/>
+          </a:prstGeom>
+        </p:spPr>
+        <p:txBody>
+          <a:bodyPr wrap="none">
+            <a:spAutoFit/>
+          </a:bodyPr>
+          <a:lstStyle/>
+          <a:p>
+            <a:r>
+              <a:rPr lang="en-US" altLang="zh-TW" b="1" dirty="0"/>
+              <a:t>Build Stage - </a:t>
+            </a:r>
+            <a:r>
+              <a:rPr lang="en-US" altLang="zh-TW" b="1" dirty="0" err="1"/>
+              <a:t>npm</a:t>
+            </a:r>
+            <a:endParaRPr lang="en-US" altLang="zh-TW" b="1" dirty="0"/>
+          </a:p>
+        </p:txBody>
+      </p:sp>
+      <p:sp>
+        <p:nvSpPr>
+          <p:cNvPr id="24" name="箭號: 向右 23">
+            <a:extLst>
+              <a:ext uri="{FF2B5EF4-FFF2-40B4-BE49-F238E27FC236}">
+                <a16:creationId xmlns:a16="http://schemas.microsoft.com/office/drawing/2014/main" id="{3E770BE4-96ED-4B2C-A634-94421E26ED16}"/>
+              </a:ext>
+            </a:extLst>
+          </p:cNvPr>
+          <p:cNvSpPr/>
+          <p:nvPr/>
+        </p:nvSpPr>
+        <p:spPr>
+          <a:xfrm rot="5400000">
+            <a:off x="7589132" y="2245470"/>
+            <a:ext cx="864754" cy="533400"/>
+          </a:xfrm>
+          <a:prstGeom prst="rightArrow">
+            <a:avLst/>
+          </a:prstGeom>
+        </p:spPr>
+        <p:style>
+          <a:lnRef idx="0">
+            <a:schemeClr val="accent5"/>
+          </a:lnRef>
+          <a:fillRef idx="3">
+            <a:schemeClr val="accent5"/>
+          </a:fillRef>
+          <a:effectRef idx="3">
+            <a:schemeClr val="accent5"/>
+          </a:effectRef>
+          <a:fontRef idx="minor">
+            <a:schemeClr val="lt1"/>
+          </a:fontRef>
+        </p:style>
+        <p:txBody>
+          <a:bodyPr rtlCol="0" anchor="ctr"/>
+          <a:lstStyle/>
+          <a:p>
+            <a:pPr algn="ctr"/>
+            <a:endParaRPr lang="zh-TW" altLang="en-US" dirty="0"/>
+          </a:p>
+        </p:txBody>
+      </p:sp>
+      <p:sp>
+        <p:nvSpPr>
+          <p:cNvPr id="25" name="矩形 24">
+            <a:extLst>
+              <a:ext uri="{FF2B5EF4-FFF2-40B4-BE49-F238E27FC236}">
+                <a16:creationId xmlns:a16="http://schemas.microsoft.com/office/drawing/2014/main" id="{8F069A68-E313-4D32-9A70-E444C940A5E0}"/>
+              </a:ext>
+            </a:extLst>
+          </p:cNvPr>
+          <p:cNvSpPr/>
+          <p:nvPr/>
+        </p:nvSpPr>
+        <p:spPr>
+          <a:xfrm>
+            <a:off x="6154609" y="4374656"/>
+            <a:ext cx="1800000" cy="864754"/>
+          </a:xfrm>
+          <a:prstGeom prst="rect">
+            <a:avLst/>
+          </a:prstGeom>
+        </p:spPr>
+        <p:style>
+          <a:lnRef idx="1">
+            <a:schemeClr val="accent2"/>
+          </a:lnRef>
+          <a:fillRef idx="2">
+            <a:schemeClr val="accent2"/>
+          </a:fillRef>
+          <a:effectRef idx="1">
+            <a:schemeClr val="accent2"/>
+          </a:effectRef>
+          <a:fontRef idx="minor">
+            <a:schemeClr val="dk1"/>
+          </a:fontRef>
+        </p:style>
+        <p:txBody>
+          <a:bodyPr rtlCol="0" anchor="t"/>
+          <a:lstStyle/>
+          <a:p>
+            <a:r>
+              <a:rPr lang="en-US" altLang="zh-TW" sz="1600" dirty="0" err="1"/>
+              <a:t>js</a:t>
+            </a:r>
+            <a:r>
+              <a:rPr lang="en-US" altLang="zh-TW" sz="1600" dirty="0"/>
+              <a:t>/*.</a:t>
+            </a:r>
+            <a:r>
+              <a:rPr lang="en-US" altLang="zh-TW" sz="1600" dirty="0" err="1"/>
+              <a:t>js</a:t>
+            </a:r>
+            <a:endParaRPr lang="en-US" altLang="zh-TW" sz="1600" dirty="0"/>
+          </a:p>
+          <a:p>
+            <a:r>
+              <a:rPr lang="en-US" altLang="zh-TW" sz="1600" dirty="0" err="1"/>
+              <a:t>css</a:t>
+            </a:r>
+            <a:r>
+              <a:rPr lang="en-US" altLang="zh-TW" sz="1600" dirty="0"/>
+              <a:t>/*.</a:t>
+            </a:r>
+            <a:r>
+              <a:rPr lang="en-US" altLang="zh-TW" sz="1600" dirty="0" err="1"/>
+              <a:t>css</a:t>
+            </a:r>
+            <a:br>
+              <a:rPr lang="en-US" altLang="zh-TW" sz="1600" dirty="0"/>
+            </a:br>
+            <a:r>
+              <a:rPr lang="en-US" altLang="zh-TW" sz="1600" dirty="0"/>
+              <a:t>(front-end files)</a:t>
+            </a:r>
+          </a:p>
+        </p:txBody>
+      </p:sp>
+      <p:sp>
+        <p:nvSpPr>
+          <p:cNvPr id="2" name="箭號: 弧形下彎 1">
+            <a:extLst>
+              <a:ext uri="{FF2B5EF4-FFF2-40B4-BE49-F238E27FC236}">
+                <a16:creationId xmlns:a16="http://schemas.microsoft.com/office/drawing/2014/main" id="{656F447F-81EF-4E69-B10C-FAF240D1D6BD}"/>
+              </a:ext>
+            </a:extLst>
+          </p:cNvPr>
+          <p:cNvSpPr/>
+          <p:nvPr/>
+        </p:nvSpPr>
+        <p:spPr>
+          <a:xfrm rot="20711448">
+            <a:off x="2464795" y="746673"/>
+            <a:ext cx="4114682" cy="1105692"/>
+          </a:xfrm>
+          <a:prstGeom prst="curvedDownArrow">
+            <a:avLst/>
+          </a:prstGeom>
+        </p:spPr>
+        <p:style>
+          <a:lnRef idx="0">
+            <a:schemeClr val="accent5"/>
+          </a:lnRef>
+          <a:fillRef idx="3">
+            <a:schemeClr val="accent5"/>
+          </a:fillRef>
+          <a:effectRef idx="3">
+            <a:schemeClr val="accent5"/>
+          </a:effectRef>
+          <a:fontRef idx="minor">
+            <a:schemeClr val="lt1"/>
+          </a:fontRef>
+        </p:style>
+        <p:txBody>
+          <a:bodyPr rtlCol="0" anchor="ctr"/>
+          <a:lstStyle/>
+          <a:p>
+            <a:pPr algn="ctr"/>
+            <a:endParaRPr lang="zh-TW" altLang="en-US">
+              <a:solidFill>
+                <a:schemeClr val="tx1"/>
+              </a:solidFill>
+            </a:endParaRPr>
+          </a:p>
+        </p:txBody>
+      </p:sp>
+      <p:sp>
+        <p:nvSpPr>
+          <p:cNvPr id="26" name="箭號: 向右 25">
+            <a:extLst>
+              <a:ext uri="{FF2B5EF4-FFF2-40B4-BE49-F238E27FC236}">
+                <a16:creationId xmlns:a16="http://schemas.microsoft.com/office/drawing/2014/main" id="{85B15337-8F44-4248-A7C5-63CD41ADB799}"/>
+              </a:ext>
+            </a:extLst>
+          </p:cNvPr>
+          <p:cNvSpPr/>
+          <p:nvPr/>
+        </p:nvSpPr>
+        <p:spPr>
+          <a:xfrm rot="5400000">
+            <a:off x="4751346" y="3645093"/>
+            <a:ext cx="864754" cy="533400"/>
+          </a:xfrm>
+          <a:prstGeom prst="rightArrow">
+            <a:avLst/>
+          </a:prstGeom>
+        </p:spPr>
+        <p:style>
+          <a:lnRef idx="0">
+            <a:schemeClr val="accent5"/>
+          </a:lnRef>
+          <a:fillRef idx="3">
+            <a:schemeClr val="accent5"/>
+          </a:fillRef>
+          <a:effectRef idx="3">
+            <a:schemeClr val="accent5"/>
+          </a:effectRef>
+          <a:fontRef idx="minor">
+            <a:schemeClr val="lt1"/>
+          </a:fontRef>
+        </p:style>
+        <p:txBody>
+          <a:bodyPr rtlCol="0" anchor="ctr"/>
+          <a:lstStyle/>
+          <a:p>
+            <a:pPr algn="ctr"/>
+            <a:endParaRPr lang="zh-TW" altLang="en-US" dirty="0"/>
+          </a:p>
+        </p:txBody>
+      </p:sp>
+      <p:sp>
+        <p:nvSpPr>
+          <p:cNvPr id="27" name="箭號: 向右 26">
+            <a:extLst>
+              <a:ext uri="{FF2B5EF4-FFF2-40B4-BE49-F238E27FC236}">
+                <a16:creationId xmlns:a16="http://schemas.microsoft.com/office/drawing/2014/main" id="{09AFADA9-8158-4697-9104-42577917CD98}"/>
+              </a:ext>
+            </a:extLst>
+          </p:cNvPr>
+          <p:cNvSpPr/>
+          <p:nvPr/>
+        </p:nvSpPr>
+        <p:spPr>
+          <a:xfrm rot="5400000">
+            <a:off x="7446447" y="3758746"/>
+            <a:ext cx="864754" cy="533400"/>
+          </a:xfrm>
+          <a:prstGeom prst="rightArrow">
+            <a:avLst/>
+          </a:prstGeom>
+        </p:spPr>
+        <p:style>
+          <a:lnRef idx="0">
+            <a:schemeClr val="accent5"/>
+          </a:lnRef>
+          <a:fillRef idx="3">
+            <a:schemeClr val="accent5"/>
+          </a:fillRef>
+          <a:effectRef idx="3">
+            <a:schemeClr val="accent5"/>
+          </a:effectRef>
+          <a:fontRef idx="minor">
+            <a:schemeClr val="lt1"/>
+          </a:fontRef>
+        </p:style>
+        <p:txBody>
+          <a:bodyPr rtlCol="0" anchor="ctr"/>
+          <a:lstStyle/>
+          <a:p>
+            <a:pPr algn="ctr"/>
+            <a:endParaRPr lang="zh-TW" altLang="en-US" dirty="0"/>
+          </a:p>
+        </p:txBody>
+      </p:sp>
+    </p:spTree>
+    <p:extLst>
+      <p:ext uri="{BB962C8B-B14F-4D97-AF65-F5344CB8AC3E}">
+        <p14:creationId xmlns:p14="http://schemas.microsoft.com/office/powerpoint/2010/main" val="2479239474"/>
+      </p:ext>
+    </p:extLst>
+  </p:cSld>
+  <p:clrMapOvr>
+    <a:masterClrMapping/>
+  </p:clrMapOvr>
 </p:sld>
 </file>
 
@@ -25774,7 +27728,7 @@
           <a:p>
             <a:pPr algn="ctr"/>
             <a:r>
-              <a:rPr lang="en-US" altLang="zh-TW" sz="2000" dirty="0" smtClean="0"/>
+              <a:rPr lang="en-US" altLang="zh-TW" sz="2000" dirty="0"/>
               <a:t>Request - 3</a:t>
             </a:r>
             <a:endParaRPr lang="zh-TW" altLang="en-US" sz="2000" dirty="0"/>
@@ -25816,7 +27770,7 @@
           <a:p>
             <a:pPr algn="ctr"/>
             <a:r>
-              <a:rPr lang="en-US" altLang="zh-TW" sz="2000" dirty="0" smtClean="0"/>
+              <a:rPr lang="en-US" altLang="zh-TW" sz="2000" dirty="0"/>
               <a:t>Request - 1</a:t>
             </a:r>
             <a:endParaRPr lang="zh-TW" altLang="en-US" sz="2000" dirty="0"/>
@@ -25847,7 +27801,7 @@
           <a:p>
             <a:pPr algn="ctr"/>
             <a:r>
-              <a:rPr lang="en-US" altLang="zh-TW" dirty="0" smtClean="0"/>
+              <a:rPr lang="en-US" altLang="zh-TW" dirty="0"/>
               <a:t>Session: 1</a:t>
             </a:r>
             <a:endParaRPr lang="zh-TW" altLang="en-US" dirty="0"/>
@@ -25878,7 +27832,7 @@
           <a:p>
             <a:pPr algn="ctr"/>
             <a:r>
-              <a:rPr lang="en-US" altLang="zh-TW" dirty="0" smtClean="0"/>
+              <a:rPr lang="en-US" altLang="zh-TW" dirty="0"/>
               <a:t>Session: 1</a:t>
             </a:r>
             <a:endParaRPr lang="zh-TW" altLang="en-US" dirty="0"/>
@@ -26042,7 +27996,7 @@
               <a:p>
                 <a:pPr algn="ctr"/>
                 <a:r>
-                  <a:rPr lang="en-US" altLang="zh-TW" dirty="0" smtClean="0"/>
+                  <a:rPr lang="en-US" altLang="zh-TW" dirty="0"/>
                   <a:t>User</a:t>
                 </a:r>
                 <a:endParaRPr lang="zh-TW" altLang="en-US" dirty="0"/>
@@ -26086,7 +28040,7 @@
           <a:p>
             <a:pPr algn="ctr"/>
             <a:r>
-              <a:rPr lang="en-US" altLang="zh-TW" sz="2000" dirty="0" smtClean="0"/>
+              <a:rPr lang="en-US" altLang="zh-TW" sz="2000" dirty="0"/>
               <a:t>Request Session</a:t>
             </a:r>
             <a:endParaRPr lang="zh-TW" altLang="en-US" sz="2000" dirty="0"/>
@@ -26128,7 +28082,7 @@
           <a:p>
             <a:pPr algn="ctr"/>
             <a:r>
-              <a:rPr lang="en-US" altLang="zh-TW" sz="2000" dirty="0" smtClean="0"/>
+              <a:rPr lang="en-US" altLang="zh-TW" sz="2000" dirty="0"/>
               <a:t>Get Session</a:t>
             </a:r>
             <a:endParaRPr lang="zh-TW" altLang="en-US" sz="2000" dirty="0"/>
@@ -26170,7 +28124,7 @@
           <a:p>
             <a:pPr algn="ctr"/>
             <a:r>
-              <a:rPr lang="en-US" altLang="zh-TW" sz="2000" dirty="0" smtClean="0"/>
+              <a:rPr lang="en-US" altLang="zh-TW" sz="2000" dirty="0"/>
               <a:t>Save Session</a:t>
             </a:r>
             <a:endParaRPr lang="zh-TW" altLang="en-US" sz="2000" dirty="0"/>
@@ -26245,7 +28199,7 @@
             <a:p>
               <a:pPr algn="ctr"/>
               <a:r>
-                <a:rPr lang="en-US" altLang="zh-TW" sz="1200" dirty="0" smtClean="0"/>
+                <a:rPr lang="en-US" altLang="zh-TW" sz="1200" dirty="0"/>
                 <a:t>Session: 1</a:t>
               </a:r>
               <a:endParaRPr lang="zh-TW" altLang="en-US" sz="1200" dirty="0"/>
@@ -26321,7 +28275,7 @@
             <a:p>
               <a:pPr algn="ctr"/>
               <a:r>
-                <a:rPr lang="en-US" altLang="zh-TW" sz="1200" dirty="0" smtClean="0"/>
+                <a:rPr lang="en-US" altLang="zh-TW" sz="1200" dirty="0"/>
                 <a:t>Session: 1</a:t>
               </a:r>
               <a:endParaRPr lang="zh-TW" altLang="en-US" sz="1200" dirty="0"/>
@@ -26420,7 +28374,7 @@
             <a:p>
               <a:pPr algn="ctr"/>
               <a:r>
-                <a:rPr lang="en-US" altLang="zh-TW" dirty="0" smtClean="0"/>
+                <a:rPr lang="en-US" altLang="zh-TW" dirty="0"/>
                 <a:t>Website B</a:t>
               </a:r>
               <a:endParaRPr lang="zh-TW" altLang="en-US" dirty="0"/>
@@ -26463,7 +28417,7 @@
           <a:p>
             <a:pPr algn="ctr"/>
             <a:r>
-              <a:rPr lang="en-US" altLang="zh-TW" sz="2000" dirty="0" smtClean="0"/>
+              <a:rPr lang="en-US" altLang="zh-TW" sz="2000" dirty="0"/>
               <a:t>Request - 2</a:t>
             </a:r>
             <a:endParaRPr lang="zh-TW" altLang="en-US" sz="2000" dirty="0"/>
@@ -26505,7 +28459,7 @@
           <a:p>
             <a:pPr algn="ctr"/>
             <a:r>
-              <a:rPr lang="en-US" altLang="zh-TW" sz="2000" dirty="0" smtClean="0"/>
+              <a:rPr lang="en-US" altLang="zh-TW" sz="2000" dirty="0"/>
               <a:t>Response</a:t>
             </a:r>
             <a:endParaRPr lang="zh-TW" altLang="en-US" sz="2000" dirty="0"/>
@@ -26547,7 +28501,7 @@
           <a:p>
             <a:pPr algn="ctr"/>
             <a:r>
-              <a:rPr lang="en-US" altLang="zh-TW" sz="2000" dirty="0" smtClean="0"/>
+              <a:rPr lang="en-US" altLang="zh-TW" sz="2000" dirty="0"/>
               <a:t>Response</a:t>
             </a:r>
             <a:endParaRPr lang="zh-TW" altLang="en-US" sz="2000" dirty="0"/>
@@ -26589,7 +28543,7 @@
           <a:p>
             <a:pPr algn="ctr"/>
             <a:r>
-              <a:rPr lang="en-US" altLang="zh-TW" sz="2000" dirty="0" smtClean="0"/>
+              <a:rPr lang="en-US" altLang="zh-TW" sz="2000" dirty="0"/>
               <a:t>Request Session</a:t>
             </a:r>
             <a:endParaRPr lang="zh-TW" altLang="en-US" sz="2000" dirty="0"/>
@@ -26631,7 +28585,7 @@
           <a:p>
             <a:pPr algn="ctr"/>
             <a:r>
-              <a:rPr lang="en-US" altLang="zh-TW" sz="2000" dirty="0" smtClean="0"/>
+              <a:rPr lang="en-US" altLang="zh-TW" sz="2000" dirty="0"/>
               <a:t>Get Session</a:t>
             </a:r>
             <a:endParaRPr lang="zh-TW" altLang="en-US" sz="2000" dirty="0"/>
@@ -26706,7 +28660,7 @@
             <a:p>
               <a:pPr algn="ctr"/>
               <a:r>
-                <a:rPr lang="en-US" altLang="zh-TW" sz="1200" dirty="0" smtClean="0"/>
+                <a:rPr lang="en-US" altLang="zh-TW" sz="1200" dirty="0"/>
                 <a:t>Session: 1</a:t>
               </a:r>
               <a:endParaRPr lang="zh-TW" altLang="en-US" sz="1200" dirty="0"/>
@@ -26782,7 +28736,7 @@
             <a:p>
               <a:pPr algn="ctr"/>
               <a:r>
-                <a:rPr lang="en-US" altLang="zh-TW" dirty="0" smtClean="0"/>
+                <a:rPr lang="en-US" altLang="zh-TW" dirty="0"/>
                 <a:t>Redis</a:t>
               </a:r>
               <a:endParaRPr lang="zh-TW" altLang="en-US" dirty="0"/>
@@ -26858,7 +28812,7 @@
             <a:p>
               <a:pPr algn="ctr"/>
               <a:r>
-                <a:rPr lang="en-US" altLang="zh-TW" dirty="0" smtClean="0"/>
+                <a:rPr lang="en-US" altLang="zh-TW" dirty="0"/>
                 <a:t>Website A</a:t>
               </a:r>
               <a:endParaRPr lang="zh-TW" altLang="en-US" dirty="0"/>
@@ -26920,7 +28874,7 @@
           <a:lstStyle/>
           <a:p>
             <a:r>
-              <a:rPr lang="en-US" altLang="zh-TW" sz="10000" b="1" dirty="0" smtClean="0">
+              <a:rPr lang="en-US" altLang="zh-TW" sz="10000" b="1" dirty="0">
                 <a:solidFill>
                   <a:schemeClr val="tx1">
                     <a:alpha val="8000"/>
@@ -28030,14 +29984,14 @@
             <a:p>
               <a:pPr algn="ctr"/>
               <a:r>
-                <a:rPr lang="en-US" altLang="zh-TW" sz="1600" dirty="0" smtClean="0"/>
+                <a:rPr lang="en-US" altLang="zh-TW" sz="1600" dirty="0"/>
                 <a:t>Second</a:t>
               </a:r>
             </a:p>
             <a:p>
               <a:pPr algn="ctr"/>
               <a:r>
-                <a:rPr lang="en-US" altLang="zh-TW" sz="1600" dirty="0" smtClean="0"/>
+                <a:rPr lang="en-US" altLang="zh-TW" sz="1600" dirty="0"/>
                 <a:t>Middleware</a:t>
               </a:r>
               <a:endParaRPr lang="zh-TW" altLang="en-US" sz="1600" dirty="0"/>
@@ -28121,14 +30075,14 @@
             <a:p>
               <a:pPr algn="ctr"/>
               <a:r>
-                <a:rPr lang="en-US" altLang="zh-TW" sz="1600" dirty="0" smtClean="0"/>
+                <a:rPr lang="en-US" altLang="zh-TW" sz="1600" dirty="0"/>
                 <a:t>First</a:t>
               </a:r>
             </a:p>
             <a:p>
               <a:pPr algn="ctr"/>
               <a:r>
-                <a:rPr lang="en-US" altLang="zh-TW" sz="1600" dirty="0" smtClean="0"/>
+                <a:rPr lang="en-US" altLang="zh-TW" sz="1600" dirty="0"/>
                 <a:t>Middleware</a:t>
               </a:r>
               <a:endParaRPr lang="zh-TW" altLang="en-US" sz="1600" dirty="0"/>
@@ -28212,14 +30166,14 @@
             <a:p>
               <a:pPr algn="ctr"/>
               <a:r>
-                <a:rPr lang="en-US" altLang="zh-TW" sz="1600" dirty="0" smtClean="0"/>
+                <a:rPr lang="en-US" altLang="zh-TW" sz="1600" dirty="0"/>
                 <a:t>Third</a:t>
               </a:r>
             </a:p>
             <a:p>
               <a:pPr algn="ctr"/>
               <a:r>
-                <a:rPr lang="en-US" altLang="zh-TW" sz="1600" dirty="0" smtClean="0"/>
+                <a:rPr lang="en-US" altLang="zh-TW" sz="1600" dirty="0"/>
                 <a:t>Middleware</a:t>
               </a:r>
               <a:endParaRPr lang="zh-TW" altLang="en-US" sz="1600" dirty="0"/>
@@ -28250,16 +30204,16 @@
           <a:lstStyle/>
           <a:p>
             <a:r>
-              <a:rPr lang="en-US" altLang="zh-TW" sz="1600" dirty="0" smtClean="0"/>
+              <a:rPr lang="en-US" altLang="zh-TW" sz="1600" dirty="0"/>
               <a:t>{</a:t>
             </a:r>
           </a:p>
           <a:p>
-            <a:endParaRPr lang="en-US" altLang="zh-TW" sz="1600" dirty="0" smtClean="0"/>
-          </a:p>
-          <a:p>
-            <a:r>
-              <a:rPr lang="en-US" altLang="zh-TW" sz="1600" dirty="0" smtClean="0"/>
+            <a:endParaRPr lang="en-US" altLang="zh-TW" sz="1600" dirty="0"/>
+          </a:p>
+          <a:p>
+            <a:r>
+              <a:rPr lang="en-US" altLang="zh-TW" sz="1600" dirty="0"/>
               <a:t>    // Logic</a:t>
             </a:r>
           </a:p>
@@ -28267,14 +30221,14 @@
             <a:endParaRPr lang="en-US" altLang="zh-TW" sz="1600" dirty="0"/>
           </a:p>
           <a:p>
-            <a:endParaRPr lang="en-US" altLang="zh-TW" sz="1600" dirty="0" smtClean="0"/>
-          </a:p>
-          <a:p>
             <a:endParaRPr lang="en-US" altLang="zh-TW" sz="1600" dirty="0"/>
           </a:p>
           <a:p>
-            <a:r>
-              <a:rPr lang="en-US" altLang="zh-TW" sz="1600" dirty="0" smtClean="0"/>
+            <a:endParaRPr lang="en-US" altLang="zh-TW" sz="1600" dirty="0"/>
+          </a:p>
+          <a:p>
+            <a:r>
+              <a:rPr lang="en-US" altLang="zh-TW" sz="1600" dirty="0"/>
               <a:t>    next();</a:t>
             </a:r>
           </a:p>
@@ -28285,27 +30239,23 @@
             <a:endParaRPr lang="en-US" altLang="zh-TW" sz="1600" dirty="0"/>
           </a:p>
           <a:p>
-            <a:endParaRPr lang="en-US" altLang="zh-TW" sz="1600" dirty="0" smtClean="0"/>
+            <a:endParaRPr lang="en-US" altLang="zh-TW" sz="1600" dirty="0"/>
           </a:p>
           <a:p>
             <a:r>
               <a:rPr lang="en-US" altLang="zh-TW" sz="1600" dirty="0"/>
-              <a:t> </a:t>
-            </a:r>
-            <a:r>
-              <a:rPr lang="en-US" altLang="zh-TW" sz="1600" dirty="0" smtClean="0"/>
-              <a:t>   // Logic</a:t>
-            </a:r>
-          </a:p>
-          <a:p>
-            <a:endParaRPr lang="en-US" altLang="zh-TW" sz="1600" dirty="0" smtClean="0"/>
-          </a:p>
-          <a:p>
-            <a:endParaRPr lang="en-US" altLang="zh-TW" sz="1600" dirty="0" smtClean="0"/>
-          </a:p>
-          <a:p>
-            <a:r>
-              <a:rPr lang="en-US" altLang="zh-TW" sz="1600" dirty="0" smtClean="0"/>
+              <a:t>    // Logic</a:t>
+            </a:r>
+          </a:p>
+          <a:p>
+            <a:endParaRPr lang="en-US" altLang="zh-TW" sz="1600" dirty="0"/>
+          </a:p>
+          <a:p>
+            <a:endParaRPr lang="en-US" altLang="zh-TW" sz="1600" dirty="0"/>
+          </a:p>
+          <a:p>
+            <a:r>
+              <a:rPr lang="en-US" altLang="zh-TW" sz="1600" dirty="0"/>
               <a:t>}</a:t>
             </a:r>
             <a:endParaRPr lang="zh-TW" altLang="en-US" sz="1600" dirty="0"/>
@@ -28388,7 +30338,7 @@
             <a:p>
               <a:pPr algn="ctr"/>
               <a:r>
-                <a:rPr lang="en-US" altLang="zh-TW" sz="1600" dirty="0" smtClean="0"/>
+                <a:rPr lang="en-US" altLang="zh-TW" sz="1600" dirty="0"/>
                 <a:t>Action</a:t>
               </a:r>
               <a:endParaRPr lang="zh-TW" altLang="en-US" sz="1600" dirty="0"/>
@@ -28419,16 +30369,16 @@
           <a:lstStyle/>
           <a:p>
             <a:r>
-              <a:rPr lang="en-US" altLang="zh-TW" sz="1600" dirty="0" smtClean="0"/>
+              <a:rPr lang="en-US" altLang="zh-TW" sz="1600" dirty="0"/>
               <a:t>{</a:t>
             </a:r>
           </a:p>
           <a:p>
-            <a:endParaRPr lang="en-US" altLang="zh-TW" sz="1600" dirty="0" smtClean="0"/>
-          </a:p>
-          <a:p>
-            <a:r>
-              <a:rPr lang="en-US" altLang="zh-TW" sz="1600" dirty="0" smtClean="0"/>
+            <a:endParaRPr lang="en-US" altLang="zh-TW" sz="1600" dirty="0"/>
+          </a:p>
+          <a:p>
+            <a:r>
+              <a:rPr lang="en-US" altLang="zh-TW" sz="1600" dirty="0"/>
               <a:t>    // Logic</a:t>
             </a:r>
           </a:p>
@@ -28436,14 +30386,14 @@
             <a:endParaRPr lang="en-US" altLang="zh-TW" sz="1600" dirty="0"/>
           </a:p>
           <a:p>
-            <a:endParaRPr lang="en-US" altLang="zh-TW" sz="1600" dirty="0" smtClean="0"/>
-          </a:p>
-          <a:p>
             <a:endParaRPr lang="en-US" altLang="zh-TW" sz="1600" dirty="0"/>
           </a:p>
           <a:p>
-            <a:r>
-              <a:rPr lang="en-US" altLang="zh-TW" sz="1600" dirty="0" smtClean="0"/>
+            <a:endParaRPr lang="en-US" altLang="zh-TW" sz="1600" dirty="0"/>
+          </a:p>
+          <a:p>
+            <a:r>
+              <a:rPr lang="en-US" altLang="zh-TW" sz="1600" dirty="0"/>
               <a:t>    next();</a:t>
             </a:r>
           </a:p>
@@ -28454,27 +30404,23 @@
             <a:endParaRPr lang="en-US" altLang="zh-TW" sz="1600" dirty="0"/>
           </a:p>
           <a:p>
-            <a:endParaRPr lang="en-US" altLang="zh-TW" sz="1600" dirty="0" smtClean="0"/>
+            <a:endParaRPr lang="en-US" altLang="zh-TW" sz="1600" dirty="0"/>
           </a:p>
           <a:p>
             <a:r>
               <a:rPr lang="en-US" altLang="zh-TW" sz="1600" dirty="0"/>
-              <a:t> </a:t>
-            </a:r>
-            <a:r>
-              <a:rPr lang="en-US" altLang="zh-TW" sz="1600" dirty="0" smtClean="0"/>
-              <a:t>   // Logic</a:t>
-            </a:r>
-          </a:p>
-          <a:p>
-            <a:endParaRPr lang="en-US" altLang="zh-TW" sz="1600" dirty="0" smtClean="0"/>
-          </a:p>
-          <a:p>
-            <a:endParaRPr lang="en-US" altLang="zh-TW" sz="1600" dirty="0" smtClean="0"/>
-          </a:p>
-          <a:p>
-            <a:r>
-              <a:rPr lang="en-US" altLang="zh-TW" sz="1600" dirty="0" smtClean="0"/>
+              <a:t>    // Logic</a:t>
+            </a:r>
+          </a:p>
+          <a:p>
+            <a:endParaRPr lang="en-US" altLang="zh-TW" sz="1600" dirty="0"/>
+          </a:p>
+          <a:p>
+            <a:endParaRPr lang="en-US" altLang="zh-TW" sz="1600" dirty="0"/>
+          </a:p>
+          <a:p>
+            <a:r>
+              <a:rPr lang="en-US" altLang="zh-TW" sz="1600" dirty="0"/>
               <a:t>}</a:t>
             </a:r>
             <a:endParaRPr lang="zh-TW" altLang="en-US" sz="1600" dirty="0"/>
@@ -28504,16 +30450,16 @@
           <a:lstStyle/>
           <a:p>
             <a:r>
-              <a:rPr lang="en-US" altLang="zh-TW" sz="1600" dirty="0" smtClean="0"/>
+              <a:rPr lang="en-US" altLang="zh-TW" sz="1600" dirty="0"/>
               <a:t>{</a:t>
             </a:r>
           </a:p>
           <a:p>
-            <a:endParaRPr lang="en-US" altLang="zh-TW" sz="1600" dirty="0" smtClean="0"/>
-          </a:p>
-          <a:p>
-            <a:r>
-              <a:rPr lang="en-US" altLang="zh-TW" sz="1600" dirty="0" smtClean="0"/>
+            <a:endParaRPr lang="en-US" altLang="zh-TW" sz="1600" dirty="0"/>
+          </a:p>
+          <a:p>
+            <a:r>
+              <a:rPr lang="en-US" altLang="zh-TW" sz="1600" dirty="0"/>
               <a:t>    // Logic</a:t>
             </a:r>
           </a:p>
@@ -28521,14 +30467,14 @@
             <a:endParaRPr lang="en-US" altLang="zh-TW" sz="1600" dirty="0"/>
           </a:p>
           <a:p>
-            <a:endParaRPr lang="en-US" altLang="zh-TW" sz="1600" dirty="0" smtClean="0"/>
-          </a:p>
-          <a:p>
             <a:endParaRPr lang="en-US" altLang="zh-TW" sz="1600" dirty="0"/>
           </a:p>
           <a:p>
-            <a:r>
-              <a:rPr lang="en-US" altLang="zh-TW" sz="1600" dirty="0" smtClean="0"/>
+            <a:endParaRPr lang="en-US" altLang="zh-TW" sz="1600" dirty="0"/>
+          </a:p>
+          <a:p>
+            <a:r>
+              <a:rPr lang="en-US" altLang="zh-TW" sz="1600" dirty="0"/>
               <a:t>    next();</a:t>
             </a:r>
           </a:p>
@@ -28539,27 +30485,23 @@
             <a:endParaRPr lang="en-US" altLang="zh-TW" sz="1600" dirty="0"/>
           </a:p>
           <a:p>
-            <a:endParaRPr lang="en-US" altLang="zh-TW" sz="1600" dirty="0" smtClean="0"/>
+            <a:endParaRPr lang="en-US" altLang="zh-TW" sz="1600" dirty="0"/>
           </a:p>
           <a:p>
             <a:r>
               <a:rPr lang="en-US" altLang="zh-TW" sz="1600" dirty="0"/>
-              <a:t> </a:t>
-            </a:r>
-            <a:r>
-              <a:rPr lang="en-US" altLang="zh-TW" sz="1600" dirty="0" smtClean="0"/>
-              <a:t>   // Logic</a:t>
-            </a:r>
-          </a:p>
-          <a:p>
-            <a:endParaRPr lang="en-US" altLang="zh-TW" sz="1600" dirty="0" smtClean="0"/>
-          </a:p>
-          <a:p>
-            <a:endParaRPr lang="en-US" altLang="zh-TW" sz="1600" dirty="0" smtClean="0"/>
-          </a:p>
-          <a:p>
-            <a:r>
-              <a:rPr lang="en-US" altLang="zh-TW" sz="1600" dirty="0" smtClean="0"/>
+              <a:t>    // Logic</a:t>
+            </a:r>
+          </a:p>
+          <a:p>
+            <a:endParaRPr lang="en-US" altLang="zh-TW" sz="1600" dirty="0"/>
+          </a:p>
+          <a:p>
+            <a:endParaRPr lang="en-US" altLang="zh-TW" sz="1600" dirty="0"/>
+          </a:p>
+          <a:p>
+            <a:r>
+              <a:rPr lang="en-US" altLang="zh-TW" sz="1600" dirty="0"/>
               <a:t>}</a:t>
             </a:r>
             <a:endParaRPr lang="zh-TW" altLang="en-US" sz="1600" dirty="0"/>
@@ -28589,16 +30531,16 @@
           <a:lstStyle/>
           <a:p>
             <a:r>
-              <a:rPr lang="en-US" altLang="zh-TW" sz="1600" dirty="0" smtClean="0"/>
+              <a:rPr lang="en-US" altLang="zh-TW" sz="1600" dirty="0"/>
               <a:t>{</a:t>
             </a:r>
           </a:p>
           <a:p>
-            <a:endParaRPr lang="en-US" altLang="zh-TW" sz="1600" dirty="0" smtClean="0"/>
-          </a:p>
-          <a:p>
-            <a:r>
-              <a:rPr lang="en-US" altLang="zh-TW" sz="1600" dirty="0" smtClean="0"/>
+            <a:endParaRPr lang="en-US" altLang="zh-TW" sz="1600" dirty="0"/>
+          </a:p>
+          <a:p>
+            <a:r>
+              <a:rPr lang="en-US" altLang="zh-TW" sz="1600" dirty="0"/>
               <a:t>    </a:t>
             </a:r>
           </a:p>
@@ -28606,23 +30548,16 @@
             <a:endParaRPr lang="en-US" altLang="zh-TW" sz="1600" dirty="0"/>
           </a:p>
           <a:p>
-            <a:endParaRPr lang="en-US" altLang="zh-TW" sz="1600" dirty="0" smtClean="0"/>
-          </a:p>
-          <a:p>
             <a:endParaRPr lang="en-US" altLang="zh-TW" sz="1600" dirty="0"/>
           </a:p>
           <a:p>
-            <a:r>
-              <a:rPr lang="en-US" altLang="zh-TW" sz="1600" dirty="0" smtClean="0"/>
-              <a:t>    </a:t>
-            </a:r>
+            <a:endParaRPr lang="en-US" altLang="zh-TW" sz="1600" dirty="0"/>
+          </a:p>
+          <a:p>
             <a:r>
               <a:rPr lang="en-US" altLang="zh-TW" sz="1600" dirty="0"/>
-              <a:t>// Logic</a:t>
-            </a:r>
-          </a:p>
-          <a:p>
-            <a:endParaRPr lang="en-US" altLang="zh-TW" sz="1600" dirty="0" smtClean="0"/>
+              <a:t>    // Logic</a:t>
+            </a:r>
           </a:p>
           <a:p>
             <a:endParaRPr lang="en-US" altLang="zh-TW" sz="1600" dirty="0"/>
@@ -28631,17 +30566,20 @@
             <a:endParaRPr lang="en-US" altLang="zh-TW" sz="1600" dirty="0"/>
           </a:p>
           <a:p>
-            <a:endParaRPr lang="en-US" altLang="zh-TW" sz="1600" dirty="0" smtClean="0"/>
-          </a:p>
-          <a:p>
-            <a:endParaRPr lang="en-US" altLang="zh-TW" sz="1600" dirty="0" smtClean="0"/>
-          </a:p>
-          <a:p>
-            <a:endParaRPr lang="en-US" altLang="zh-TW" sz="1600" dirty="0" smtClean="0"/>
-          </a:p>
-          <a:p>
-            <a:r>
-              <a:rPr lang="en-US" altLang="zh-TW" sz="1600" dirty="0" smtClean="0"/>
+            <a:endParaRPr lang="en-US" altLang="zh-TW" sz="1600" dirty="0"/>
+          </a:p>
+          <a:p>
+            <a:endParaRPr lang="en-US" altLang="zh-TW" sz="1600" dirty="0"/>
+          </a:p>
+          <a:p>
+            <a:endParaRPr lang="en-US" altLang="zh-TW" sz="1600" dirty="0"/>
+          </a:p>
+          <a:p>
+            <a:endParaRPr lang="en-US" altLang="zh-TW" sz="1600" dirty="0"/>
+          </a:p>
+          <a:p>
+            <a:r>
+              <a:rPr lang="en-US" altLang="zh-TW" sz="1600" dirty="0"/>
               <a:t>}</a:t>
             </a:r>
             <a:endParaRPr lang="zh-TW" altLang="en-US" sz="1600" dirty="0"/>
@@ -28706,7 +30644,7 @@
           <a:p>
             <a:pPr algn="ctr"/>
             <a:r>
-              <a:rPr lang="en-US" altLang="zh-TW" sz="2000" dirty="0" smtClean="0"/>
+              <a:rPr lang="en-US" altLang="zh-TW" sz="2000" dirty="0"/>
               <a:t>Response</a:t>
             </a:r>
             <a:endParaRPr lang="zh-TW" altLang="en-US" sz="2000" dirty="0"/>
@@ -28748,7 +30686,7 @@
           <a:p>
             <a:pPr algn="ctr"/>
             <a:r>
-              <a:rPr lang="en-US" altLang="zh-TW" sz="2000" dirty="0" smtClean="0"/>
+              <a:rPr lang="en-US" altLang="zh-TW" sz="2000" dirty="0"/>
               <a:t>Request</a:t>
             </a:r>
             <a:endParaRPr lang="zh-TW" altLang="en-US" sz="2000" dirty="0"/>
@@ -29097,7 +31035,7 @@
           <a:lstStyle/>
           <a:p>
             <a:r>
-              <a:rPr lang="en-US" altLang="zh-TW" sz="10000" b="1" dirty="0" smtClean="0">
+              <a:rPr lang="en-US" altLang="zh-TW" sz="10000" b="1" dirty="0">
                 <a:solidFill>
                   <a:schemeClr val="tx1">
                     <a:alpha val="8000"/>
@@ -29727,7 +31665,7 @@
             <a:p>
               <a:pPr algn="ctr"/>
               <a:r>
-                <a:rPr lang="en-US" altLang="zh-TW" sz="1600" dirty="0" smtClean="0"/>
+                <a:rPr lang="en-US" altLang="zh-TW" sz="1600" dirty="0"/>
                 <a:t>Routing</a:t>
               </a:r>
               <a:endParaRPr lang="zh-TW" altLang="en-US" sz="1600" dirty="0"/>
@@ -29811,7 +31749,7 @@
             <a:p>
               <a:pPr algn="ctr"/>
               <a:r>
-                <a:rPr lang="en-US" altLang="zh-TW" sz="1600" dirty="0" smtClean="0"/>
+                <a:rPr lang="en-US" altLang="zh-TW" sz="1600" dirty="0"/>
                 <a:t>Action</a:t>
               </a:r>
               <a:endParaRPr lang="zh-TW" altLang="en-US" sz="1600" dirty="0"/>
@@ -29877,7 +31815,7 @@
           <a:p>
             <a:pPr algn="ctr"/>
             <a:r>
-              <a:rPr lang="en-US" altLang="zh-TW" sz="1400" dirty="0" smtClean="0"/>
+              <a:rPr lang="en-US" altLang="zh-TW" sz="1400" dirty="0"/>
               <a:t>Request</a:t>
             </a:r>
             <a:endParaRPr lang="zh-TW" altLang="en-US" sz="1400" dirty="0"/>
@@ -30021,7 +31959,7 @@
           <a:p>
             <a:pPr algn="ctr"/>
             <a:r>
-              <a:rPr lang="en-US" altLang="zh-TW" sz="1400" dirty="0" smtClean="0"/>
+              <a:rPr lang="en-US" altLang="zh-TW" sz="1400" dirty="0"/>
               <a:t>Request</a:t>
             </a:r>
             <a:endParaRPr lang="zh-TW" altLang="en-US" sz="1400" dirty="0"/>
@@ -30052,7 +31990,7 @@
           <a:lstStyle/>
           <a:p>
             <a:r>
-              <a:rPr lang="en-US" altLang="zh-TW" sz="6600" b="1" dirty="0" smtClean="0">
+              <a:rPr lang="en-US" altLang="zh-TW" sz="6600" b="1" dirty="0">
                 <a:solidFill>
                   <a:schemeClr val="tx1">
                     <a:alpha val="8000"/>
@@ -30083,13 +32021,6 @@
   <p:clrMapOvr>
     <a:masterClrMapping/>
   </p:clrMapOvr>
-  <p:timing>
-    <p:tnLst>
-      <p:par>
-        <p:cTn id="1" dur="indefinite" restart="never" nodeType="tmRoot"/>
-      </p:par>
-    </p:tnLst>
-  </p:timing>
 </p:sld>
 </file>
 
@@ -30236,7 +32167,7 @@
           <a:p>
             <a:pPr algn="ctr"/>
             <a:r>
-              <a:rPr lang="en-US" altLang="zh-TW" sz="2400" b="1" dirty="0" smtClean="0">
+              <a:rPr lang="en-US" altLang="zh-TW" sz="2400" b="1" dirty="0">
                 <a:solidFill>
                   <a:schemeClr val="tx2"/>
                 </a:solidFill>
@@ -30294,7 +32225,7 @@
           <a:p>
             <a:pPr algn="ctr"/>
             <a:r>
-              <a:rPr lang="en-US" altLang="zh-TW" sz="2400" b="1" dirty="0" smtClean="0">
+              <a:rPr lang="en-US" altLang="zh-TW" sz="2400" b="1" dirty="0">
                 <a:solidFill>
                   <a:schemeClr val="tx2"/>
                 </a:solidFill>
@@ -30352,7 +32283,7 @@
           <a:p>
             <a:pPr algn="ctr"/>
             <a:r>
-              <a:rPr lang="en-US" altLang="zh-TW" sz="2400" b="1" dirty="0" smtClean="0">
+              <a:rPr lang="en-US" altLang="zh-TW" sz="2400" b="1" dirty="0">
                 <a:solidFill>
                   <a:schemeClr val="tx2"/>
                 </a:solidFill>
@@ -30410,7 +32341,7 @@
           <a:p>
             <a:pPr algn="ctr"/>
             <a:r>
-              <a:rPr lang="en-US" altLang="zh-TW" sz="2400" b="1" dirty="0" smtClean="0">
+              <a:rPr lang="en-US" altLang="zh-TW" sz="2400" b="1" dirty="0">
                 <a:solidFill>
                   <a:schemeClr val="tx2"/>
                 </a:solidFill>
@@ -30465,7 +32396,7 @@
           <a:p>
             <a:pPr algn="ctr"/>
             <a:r>
-              <a:rPr lang="en-US" altLang="zh-TW" sz="2400" b="1" dirty="0" smtClean="0">
+              <a:rPr lang="en-US" altLang="zh-TW" sz="2400" b="1" dirty="0">
                 <a:solidFill>
                   <a:schemeClr val="tx2"/>
                 </a:solidFill>
@@ -30523,7 +32454,7 @@
           <a:p>
             <a:pPr algn="ctr"/>
             <a:r>
-              <a:rPr lang="en-US" altLang="zh-TW" sz="2400" b="1" dirty="0" smtClean="0">
+              <a:rPr lang="en-US" altLang="zh-TW" sz="2400" b="1" dirty="0">
                 <a:solidFill>
                   <a:schemeClr val="tx2"/>
                 </a:solidFill>
@@ -30581,7 +32512,7 @@
           <a:p>
             <a:pPr algn="ctr"/>
             <a:r>
-              <a:rPr lang="en-US" altLang="zh-TW" sz="2400" b="1" dirty="0" smtClean="0">
+              <a:rPr lang="en-US" altLang="zh-TW" sz="2400" b="1" dirty="0">
                 <a:solidFill>
                   <a:schemeClr val="tx2"/>
                 </a:solidFill>
@@ -30636,7 +32567,7 @@
           <a:p>
             <a:pPr algn="ctr"/>
             <a:r>
-              <a:rPr lang="en-US" altLang="zh-TW" sz="2400" b="1" dirty="0" smtClean="0">
+              <a:rPr lang="en-US" altLang="zh-TW" sz="2400" b="1" dirty="0">
                 <a:solidFill>
                   <a:schemeClr val="tx2"/>
                 </a:solidFill>
@@ -30845,13 +32776,6 @@
   <p:clrMapOvr>
     <a:masterClrMapping/>
   </p:clrMapOvr>
-  <p:timing>
-    <p:tnLst>
-      <p:par>
-        <p:cTn id="1" dur="indefinite" restart="never" nodeType="tmRoot"/>
-      </p:par>
-    </p:tnLst>
-  </p:timing>
 </p:sld>
 </file>
 
@@ -31116,7 +33040,7 @@
           <a:lstStyle/>
           <a:p>
             <a:r>
-              <a:rPr lang="en-US" altLang="zh-TW" sz="2400" b="1" dirty="0" smtClean="0"/>
+              <a:rPr lang="en-US" altLang="zh-TW" sz="2400" b="1" dirty="0"/>
               <a:t>More of</a:t>
             </a:r>
             <a:endParaRPr lang="zh-TW" altLang="en-US" sz="2400" b="1" dirty="0"/>
@@ -31146,7 +33070,7 @@
           <a:lstStyle/>
           <a:p>
             <a:r>
-              <a:rPr lang="en-US" altLang="zh-TW" sz="2400" b="1" dirty="0" smtClean="0"/>
+              <a:rPr lang="en-US" altLang="zh-TW" sz="2400" b="1" dirty="0"/>
               <a:t>Start</a:t>
             </a:r>
             <a:endParaRPr lang="zh-TW" altLang="en-US" sz="2400" b="1" dirty="0"/>
@@ -31176,7 +33100,7 @@
           <a:lstStyle/>
           <a:p>
             <a:r>
-              <a:rPr lang="en-US" altLang="zh-TW" sz="2400" b="1" dirty="0" smtClean="0"/>
+              <a:rPr lang="en-US" altLang="zh-TW" sz="2400" b="1" dirty="0"/>
               <a:t>Stop</a:t>
             </a:r>
             <a:endParaRPr lang="zh-TW" altLang="en-US" sz="2400" b="1" dirty="0"/>
@@ -31206,7 +33130,7 @@
           <a:lstStyle/>
           <a:p>
             <a:r>
-              <a:rPr lang="en-US" altLang="zh-TW" sz="2400" b="1" dirty="0" smtClean="0"/>
+              <a:rPr lang="en-US" altLang="zh-TW" sz="2400" b="1" dirty="0"/>
               <a:t>Less of</a:t>
             </a:r>
             <a:endParaRPr lang="zh-TW" altLang="en-US" sz="2400" b="1" dirty="0"/>
@@ -31236,7 +33160,7 @@
           <a:lstStyle/>
           <a:p>
             <a:r>
-              <a:rPr lang="en-US" altLang="zh-TW" sz="2400" b="1" dirty="0" smtClean="0"/>
+              <a:rPr lang="en-US" altLang="zh-TW" sz="2400" b="1" dirty="0"/>
               <a:t>Keep</a:t>
             </a:r>
             <a:endParaRPr lang="zh-TW" altLang="en-US" sz="2400" b="1" dirty="0"/>
@@ -32405,13 +34329,6 @@
   <p:clrMapOvr>
     <a:masterClrMapping/>
   </p:clrMapOvr>
-  <p:timing>
-    <p:tnLst>
-      <p:par>
-        <p:cTn id="1" dur="indefinite" restart="never" nodeType="tmRoot"/>
-      </p:par>
-    </p:tnLst>
-  </p:timing>
 </p:sld>
 </file>
 
@@ -35511,13 +37428,6 @@
   <p:clrMapOvr>
     <a:masterClrMapping/>
   </p:clrMapOvr>
-  <p:timing>
-    <p:tnLst>
-      <p:par>
-        <p:cTn id="1" dur="indefinite" restart="never" nodeType="tmRoot"/>
-      </p:par>
-    </p:tnLst>
-  </p:timing>
 </p:sld>
 </file>
 
@@ -36349,15 +38259,6 @@
 </file>
 
 <file path=customXml/item1.xml><?xml version="1.0" encoding="utf-8"?>
-<?mso-contentType ?>
-<FormTemplates xmlns="http://schemas.microsoft.com/sharepoint/v3/contenttype/forms">
-  <Display>DocumentLibraryForm</Display>
-  <Edit>DocumentLibraryForm</Edit>
-  <New>DocumentLibraryForm</New>
-</FormTemplates>
-</file>
-
-<file path=customXml/item2.xml><?xml version="1.0" encoding="utf-8"?>
 <ct:contentTypeSchema xmlns:ct="http://schemas.microsoft.com/office/2006/metadata/contentType" xmlns:ma="http://schemas.microsoft.com/office/2006/metadata/properties/metaAttributes" ct:_="" ma:_="" ma:contentTypeName="Document" ma:contentTypeID="0x0101000AA0115B54226D469CC0FAAE38E5F61C" ma:contentTypeVersion="3" ma:contentTypeDescription="Create a new document." ma:contentTypeScope="" ma:versionID="0ae424bb0065d3a2a055b165aca25ec5">
   <xsd:schema xmlns:xsd="http://www.w3.org/2001/XMLSchema" xmlns:p="http://schemas.microsoft.com/office/2006/metadata/properties" targetNamespace="http://schemas.microsoft.com/office/2006/metadata/properties" ma:root="true" ma:fieldsID="4aeb20c0e3442673af7ee10786458764">
     <xsd:element name="properties">
@@ -36406,6 +38307,15 @@
 </ct:contentTypeSchema>
 </file>
 
+<file path=customXml/item2.xml><?xml version="1.0" encoding="utf-8"?>
+<?mso-contentType ?>
+<FormTemplates xmlns="http://schemas.microsoft.com/sharepoint/v3/contenttype/forms">
+  <Display>DocumentLibraryForm</Display>
+  <Edit>DocumentLibraryForm</Edit>
+  <New>DocumentLibraryForm</New>
+</FormTemplates>
+</file>
+
 <file path=customXml/item3.xml><?xml version="1.0" encoding="utf-8"?>
 <p:properties xmlns:p="http://schemas.microsoft.com/office/2006/metadata/properties" xmlns:xsi="http://www.w3.org/2001/XMLSchema-instance">
   <documentManagement/>
@@ -36413,14 +38323,6 @@
 </file>
 
 <file path=customXml/itemProps1.xml><?xml version="1.0" encoding="utf-8"?>
-<ds:datastoreItem xmlns:ds="http://schemas.openxmlformats.org/officeDocument/2006/customXml" ds:itemID="{A1770BF7-49D5-46D6-8B76-1D8AF290B450}">
-  <ds:schemaRefs>
-    <ds:schemaRef ds:uri="http://schemas.microsoft.com/sharepoint/v3/contenttype/forms"/>
-  </ds:schemaRefs>
-</ds:datastoreItem>
-</file>
-
-<file path=customXml/itemProps2.xml><?xml version="1.0" encoding="utf-8"?>
 <ds:datastoreItem xmlns:ds="http://schemas.openxmlformats.org/officeDocument/2006/customXml" ds:itemID="{FE6BB287-9CB7-4AA6-A5A5-8D1CE03643F3}">
   <ds:schemaRefs>
     <ds:schemaRef ds:uri="http://schemas.microsoft.com/office/2006/metadata/contentType"/>
@@ -36431,6 +38333,14 @@
     <ds:schemaRef ds:uri="http://purl.org/dc/elements/1.1/"/>
     <ds:schemaRef ds:uri="http://purl.org/dc/terms/"/>
     <ds:schemaRef ds:uri="http://schemas.microsoft.com/office/internal/2005/internalDocumentation"/>
+  </ds:schemaRefs>
+</ds:datastoreItem>
+</file>
+
+<file path=customXml/itemProps2.xml><?xml version="1.0" encoding="utf-8"?>
+<ds:datastoreItem xmlns:ds="http://schemas.openxmlformats.org/officeDocument/2006/customXml" ds:itemID="{A1770BF7-49D5-46D6-8B76-1D8AF290B450}">
+  <ds:schemaRefs>
+    <ds:schemaRef ds:uri="http://schemas.microsoft.com/sharepoint/v3/contenttype/forms"/>
   </ds:schemaRefs>
 </ds:datastoreItem>
 </file>

--- a/source/_assets/Blog動畫.pptx
+++ b/source/_assets/Blog動畫.pptx
@@ -5,10 +5,10 @@
     <p:sldMasterId id="2147483752" r:id="rId4"/>
   </p:sldMasterIdLst>
   <p:notesMasterIdLst>
-    <p:notesMasterId r:id="rId32"/>
+    <p:notesMasterId r:id="rId33"/>
   </p:notesMasterIdLst>
   <p:handoutMasterIdLst>
-    <p:handoutMasterId r:id="rId33"/>
+    <p:handoutMasterId r:id="rId34"/>
   </p:handoutMasterIdLst>
   <p:sldIdLst>
     <p:sldId id="315" r:id="rId5"/>
@@ -38,6 +38,7 @@
     <p:sldId id="339" r:id="rId29"/>
     <p:sldId id="341" r:id="rId30"/>
     <p:sldId id="342" r:id="rId31"/>
+    <p:sldId id="343" r:id="rId32"/>
   </p:sldIdLst>
   <p:sldSz cx="12192000" cy="6858000"/>
   <p:notesSz cx="7099300" cy="10234613"/>
@@ -252,7 +253,7 @@
             <a:fld id="{3CDD3A71-4C75-488C-A8F3-A1F163ED0DB9}" type="datetimeFigureOut">
               <a:rPr lang="en-US" smtClean="0"/>
               <a:pPr/>
-              <a:t>7/29/2019</a:t>
+              <a:t>7/31/2019</a:t>
             </a:fld>
             <a:endParaRPr lang="en-US" dirty="0"/>
           </a:p>
@@ -420,7 +421,7 @@
             <a:fld id="{523CC419-8FB3-4D1C-8127-E63C1A13459D}" type="datetimeFigureOut">
               <a:rPr lang="en-US" smtClean="0"/>
               <a:pPr/>
-              <a:t>7/29/2019</a:t>
+              <a:t>7/31/2019</a:t>
             </a:fld>
             <a:endParaRPr lang="en-US" dirty="0"/>
           </a:p>
@@ -822,7 +823,7 @@
           <a:p>
             <a:fld id="{237FF733-248C-4CF7-A090-89CF012E357B}" type="datetimeFigureOut">
               <a:rPr lang="zh-TW" altLang="en-US" smtClean="0"/>
-              <a:t>2019/7/29</a:t>
+              <a:t>2019/7/31</a:t>
             </a:fld>
             <a:endParaRPr lang="zh-TW" altLang="en-US"/>
           </a:p>
@@ -993,7 +994,7 @@
           <a:p>
             <a:fld id="{237FF733-248C-4CF7-A090-89CF012E357B}" type="datetimeFigureOut">
               <a:rPr lang="zh-TW" altLang="en-US" smtClean="0"/>
-              <a:t>2019/7/29</a:t>
+              <a:t>2019/7/31</a:t>
             </a:fld>
             <a:endParaRPr lang="zh-TW" altLang="en-US"/>
           </a:p>
@@ -1174,7 +1175,7 @@
           <a:p>
             <a:fld id="{237FF733-248C-4CF7-A090-89CF012E357B}" type="datetimeFigureOut">
               <a:rPr lang="zh-TW" altLang="en-US" smtClean="0"/>
-              <a:t>2019/7/29</a:t>
+              <a:t>2019/7/31</a:t>
             </a:fld>
             <a:endParaRPr lang="zh-TW" altLang="en-US"/>
           </a:p>
@@ -1345,7 +1346,7 @@
           <a:p>
             <a:fld id="{237FF733-248C-4CF7-A090-89CF012E357B}" type="datetimeFigureOut">
               <a:rPr lang="zh-TW" altLang="en-US" smtClean="0"/>
-              <a:t>2019/7/29</a:t>
+              <a:t>2019/7/31</a:t>
             </a:fld>
             <a:endParaRPr lang="zh-TW" altLang="en-US"/>
           </a:p>
@@ -1592,7 +1593,7 @@
           <a:p>
             <a:fld id="{237FF733-248C-4CF7-A090-89CF012E357B}" type="datetimeFigureOut">
               <a:rPr lang="zh-TW" altLang="en-US" smtClean="0"/>
-              <a:t>2019/7/29</a:t>
+              <a:t>2019/7/31</a:t>
             </a:fld>
             <a:endParaRPr lang="zh-TW" altLang="en-US"/>
           </a:p>
@@ -1825,7 +1826,7 @@
           <a:p>
             <a:fld id="{237FF733-248C-4CF7-A090-89CF012E357B}" type="datetimeFigureOut">
               <a:rPr lang="zh-TW" altLang="en-US" smtClean="0"/>
-              <a:t>2019/7/29</a:t>
+              <a:t>2019/7/31</a:t>
             </a:fld>
             <a:endParaRPr lang="zh-TW" altLang="en-US"/>
           </a:p>
@@ -2193,7 +2194,7 @@
           <a:p>
             <a:fld id="{237FF733-248C-4CF7-A090-89CF012E357B}" type="datetimeFigureOut">
               <a:rPr lang="zh-TW" altLang="en-US" smtClean="0"/>
-              <a:t>2019/7/29</a:t>
+              <a:t>2019/7/31</a:t>
             </a:fld>
             <a:endParaRPr lang="zh-TW" altLang="en-US"/>
           </a:p>
@@ -2312,7 +2313,7 @@
           <a:p>
             <a:fld id="{237FF733-248C-4CF7-A090-89CF012E357B}" type="datetimeFigureOut">
               <a:rPr lang="zh-TW" altLang="en-US" smtClean="0"/>
-              <a:t>2019/7/29</a:t>
+              <a:t>2019/7/31</a:t>
             </a:fld>
             <a:endParaRPr lang="zh-TW" altLang="en-US"/>
           </a:p>
@@ -2408,7 +2409,7 @@
           <a:p>
             <a:fld id="{237FF733-248C-4CF7-A090-89CF012E357B}" type="datetimeFigureOut">
               <a:rPr lang="zh-TW" altLang="en-US" smtClean="0"/>
-              <a:t>2019/7/29</a:t>
+              <a:t>2019/7/31</a:t>
             </a:fld>
             <a:endParaRPr lang="zh-TW" altLang="en-US"/>
           </a:p>
@@ -2686,7 +2687,7 @@
           <a:p>
             <a:fld id="{237FF733-248C-4CF7-A090-89CF012E357B}" type="datetimeFigureOut">
               <a:rPr lang="zh-TW" altLang="en-US" smtClean="0"/>
-              <a:t>2019/7/29</a:t>
+              <a:t>2019/7/31</a:t>
             </a:fld>
             <a:endParaRPr lang="zh-TW" altLang="en-US"/>
           </a:p>
@@ -2944,7 +2945,7 @@
           <a:p>
             <a:fld id="{237FF733-248C-4CF7-A090-89CF012E357B}" type="datetimeFigureOut">
               <a:rPr lang="zh-TW" altLang="en-US" smtClean="0"/>
-              <a:t>2019/7/29</a:t>
+              <a:t>2019/7/31</a:t>
             </a:fld>
             <a:endParaRPr lang="zh-TW" altLang="en-US"/>
           </a:p>
@@ -3158,7 +3159,7 @@
           <a:p>
             <a:fld id="{237FF733-248C-4CF7-A090-89CF012E357B}" type="datetimeFigureOut">
               <a:rPr lang="zh-TW" altLang="en-US" smtClean="0"/>
-              <a:t>2019/7/29</a:t>
+              <a:t>2019/7/31</a:t>
             </a:fld>
             <a:endParaRPr lang="zh-TW" altLang="en-US"/>
           </a:p>
@@ -27676,6 +27677,661 @@
 </p:sld>
 </file>
 
+<file path=ppt/slides/slide28.xml><?xml version="1.0" encoding="utf-8"?>
+<p:sld xmlns:a="http://schemas.openxmlformats.org/drawingml/2006/main" xmlns:r="http://schemas.openxmlformats.org/officeDocument/2006/relationships" xmlns:p="http://schemas.openxmlformats.org/presentationml/2006/main">
+  <p:cSld>
+    <p:spTree>
+      <p:nvGrpSpPr>
+        <p:cNvPr id="1" name=""/>
+        <p:cNvGrpSpPr/>
+        <p:nvPr/>
+      </p:nvGrpSpPr>
+      <p:grpSpPr>
+        <a:xfrm>
+          <a:off x="0" y="0"/>
+          <a:ext cx="0" cy="0"/>
+          <a:chOff x="0" y="0"/>
+          <a:chExt cx="0" cy="0"/>
+        </a:xfrm>
+      </p:grpSpPr>
+      <p:sp>
+        <p:nvSpPr>
+          <p:cNvPr id="23" name="矩形 22">
+            <a:extLst>
+              <a:ext uri="{FF2B5EF4-FFF2-40B4-BE49-F238E27FC236}">
+                <a16:creationId xmlns:a16="http://schemas.microsoft.com/office/drawing/2014/main" id="{4956DB15-5149-4A54-BDC8-532263F95A5D}"/>
+              </a:ext>
+            </a:extLst>
+          </p:cNvPr>
+          <p:cNvSpPr/>
+          <p:nvPr/>
+        </p:nvSpPr>
+        <p:spPr>
+          <a:xfrm>
+            <a:off x="4236830" y="2438400"/>
+            <a:ext cx="396970" cy="2367962"/>
+          </a:xfrm>
+          <a:prstGeom prst="rect">
+            <a:avLst/>
+          </a:prstGeom>
+        </p:spPr>
+        <p:style>
+          <a:lnRef idx="0">
+            <a:schemeClr val="accent2"/>
+          </a:lnRef>
+          <a:fillRef idx="3">
+            <a:schemeClr val="accent2"/>
+          </a:fillRef>
+          <a:effectRef idx="3">
+            <a:schemeClr val="accent2"/>
+          </a:effectRef>
+          <a:fontRef idx="minor">
+            <a:schemeClr val="lt1"/>
+          </a:fontRef>
+        </p:style>
+        <p:txBody>
+          <a:bodyPr vert="eaVert" rtlCol="0" anchor="ctr"/>
+          <a:lstStyle/>
+          <a:p>
+            <a:pPr algn="ctr"/>
+            <a:r>
+              <a:rPr lang="en-US" altLang="zh-TW" sz="1600" dirty="0"/>
+              <a:t>Nginx</a:t>
+            </a:r>
+          </a:p>
+        </p:txBody>
+      </p:sp>
+      <p:pic>
+        <p:nvPicPr>
+          <p:cNvPr id="24" name="圖片 23">
+            <a:extLst>
+              <a:ext uri="{FF2B5EF4-FFF2-40B4-BE49-F238E27FC236}">
+                <a16:creationId xmlns:a16="http://schemas.microsoft.com/office/drawing/2014/main" id="{D6D58BA3-531F-45A2-9591-80CC8BB2EB6E}"/>
+              </a:ext>
+            </a:extLst>
+          </p:cNvPr>
+          <p:cNvPicPr>
+            <a:picLocks noChangeAspect="1"/>
+          </p:cNvPicPr>
+          <p:nvPr/>
+        </p:nvPicPr>
+        <p:blipFill>
+          <a:blip r:embed="rId2">
+            <a:extLst>
+              <a:ext uri="{28A0092B-C50C-407E-A947-70E740481C1C}">
+                <a14:useLocalDpi xmlns:a14="http://schemas.microsoft.com/office/drawing/2010/main" val="0"/>
+              </a:ext>
+            </a:extLst>
+          </a:blip>
+          <a:stretch>
+            <a:fillRect/>
+          </a:stretch>
+        </p:blipFill>
+        <p:spPr>
+          <a:xfrm>
+            <a:off x="2819262" y="3262381"/>
+            <a:ext cx="720000" cy="720000"/>
+          </a:xfrm>
+          <a:prstGeom prst="rect">
+            <a:avLst/>
+          </a:prstGeom>
+        </p:spPr>
+      </p:pic>
+      <p:sp>
+        <p:nvSpPr>
+          <p:cNvPr id="25" name="文字方塊 24">
+            <a:extLst>
+              <a:ext uri="{FF2B5EF4-FFF2-40B4-BE49-F238E27FC236}">
+                <a16:creationId xmlns:a16="http://schemas.microsoft.com/office/drawing/2014/main" id="{4516CEFD-A8BA-4FB9-9CC7-A0E3C6520ACE}"/>
+              </a:ext>
+            </a:extLst>
+          </p:cNvPr>
+          <p:cNvSpPr txBox="1"/>
+          <p:nvPr/>
+        </p:nvSpPr>
+        <p:spPr>
+          <a:xfrm>
+            <a:off x="2706728" y="3758823"/>
+            <a:ext cx="945067" cy="369332"/>
+          </a:xfrm>
+          <a:prstGeom prst="rect">
+            <a:avLst/>
+          </a:prstGeom>
+          <a:noFill/>
+        </p:spPr>
+        <p:txBody>
+          <a:bodyPr wrap="none" rtlCol="0">
+            <a:spAutoFit/>
+          </a:bodyPr>
+          <a:lstStyle/>
+          <a:p>
+            <a:r>
+              <a:rPr lang="en-US" altLang="zh-TW" dirty="0"/>
+              <a:t>Internet</a:t>
+            </a:r>
+          </a:p>
+        </p:txBody>
+      </p:sp>
+      <p:sp>
+        <p:nvSpPr>
+          <p:cNvPr id="26" name="圓角矩形 40">
+            <a:extLst>
+              <a:ext uri="{FF2B5EF4-FFF2-40B4-BE49-F238E27FC236}">
+                <a16:creationId xmlns:a16="http://schemas.microsoft.com/office/drawing/2014/main" id="{7801243B-628D-4C87-B00E-DFA32F839653}"/>
+              </a:ext>
+            </a:extLst>
+          </p:cNvPr>
+          <p:cNvSpPr/>
+          <p:nvPr/>
+        </p:nvSpPr>
+        <p:spPr>
+          <a:xfrm>
+            <a:off x="4029781" y="2430633"/>
+            <a:ext cx="76074" cy="2375729"/>
+          </a:xfrm>
+          <a:prstGeom prst="roundRect">
+            <a:avLst/>
+          </a:prstGeom>
+        </p:spPr>
+        <p:style>
+          <a:lnRef idx="0">
+            <a:schemeClr val="accent5"/>
+          </a:lnRef>
+          <a:fillRef idx="3">
+            <a:schemeClr val="accent5"/>
+          </a:fillRef>
+          <a:effectRef idx="3">
+            <a:schemeClr val="accent5"/>
+          </a:effectRef>
+          <a:fontRef idx="minor">
+            <a:schemeClr val="lt1"/>
+          </a:fontRef>
+        </p:style>
+        <p:txBody>
+          <a:bodyPr rtlCol="0" anchor="ctr"/>
+          <a:lstStyle/>
+          <a:p>
+            <a:pPr algn="ctr"/>
+            <a:endParaRPr lang="zh-TW" altLang="en-US">
+              <a:ea typeface="微軟正黑體" panose="020B0604030504040204" pitchFamily="34" charset="-120"/>
+            </a:endParaRPr>
+          </a:p>
+        </p:txBody>
+      </p:sp>
+      <p:sp>
+        <p:nvSpPr>
+          <p:cNvPr id="27" name="矩形 26">
+            <a:extLst>
+              <a:ext uri="{FF2B5EF4-FFF2-40B4-BE49-F238E27FC236}">
+                <a16:creationId xmlns:a16="http://schemas.microsoft.com/office/drawing/2014/main" id="{656BE05F-B79B-45B3-AEE9-74A7411F4D37}"/>
+              </a:ext>
+            </a:extLst>
+          </p:cNvPr>
+          <p:cNvSpPr/>
+          <p:nvPr/>
+        </p:nvSpPr>
+        <p:spPr>
+          <a:xfrm>
+            <a:off x="4959120" y="2438400"/>
+            <a:ext cx="2372772" cy="2383563"/>
+          </a:xfrm>
+          <a:prstGeom prst="rect">
+            <a:avLst/>
+          </a:prstGeom>
+        </p:spPr>
+        <p:style>
+          <a:lnRef idx="0">
+            <a:schemeClr val="accent1"/>
+          </a:lnRef>
+          <a:fillRef idx="3">
+            <a:schemeClr val="accent1"/>
+          </a:fillRef>
+          <a:effectRef idx="3">
+            <a:schemeClr val="accent1"/>
+          </a:effectRef>
+          <a:fontRef idx="minor">
+            <a:schemeClr val="lt1"/>
+          </a:fontRef>
+        </p:style>
+        <p:txBody>
+          <a:bodyPr rtlCol="0" anchor="ctr"/>
+          <a:lstStyle/>
+          <a:p>
+            <a:pPr algn="ctr"/>
+            <a:endParaRPr lang="zh-TW" altLang="en-US" dirty="0"/>
+          </a:p>
+        </p:txBody>
+      </p:sp>
+      <p:sp>
+        <p:nvSpPr>
+          <p:cNvPr id="28" name="文字方塊 27">
+            <a:extLst>
+              <a:ext uri="{FF2B5EF4-FFF2-40B4-BE49-F238E27FC236}">
+                <a16:creationId xmlns:a16="http://schemas.microsoft.com/office/drawing/2014/main" id="{4F72A36E-5330-4208-9EF9-121A0F541671}"/>
+              </a:ext>
+            </a:extLst>
+          </p:cNvPr>
+          <p:cNvSpPr txBox="1"/>
+          <p:nvPr/>
+        </p:nvSpPr>
+        <p:spPr>
+          <a:xfrm>
+            <a:off x="5003430" y="2446235"/>
+            <a:ext cx="2284151" cy="338554"/>
+          </a:xfrm>
+          <a:prstGeom prst="rect">
+            <a:avLst/>
+          </a:prstGeom>
+          <a:noFill/>
+        </p:spPr>
+        <p:txBody>
+          <a:bodyPr wrap="none" rtlCol="0">
+            <a:spAutoFit/>
+          </a:bodyPr>
+          <a:lstStyle/>
+          <a:p>
+            <a:r>
+              <a:rPr lang="en-US" altLang="zh-TW" sz="1600" dirty="0">
+                <a:solidFill>
+                  <a:schemeClr val="bg1"/>
+                </a:solidFill>
+              </a:rPr>
+              <a:t>ASP.NET Core Application</a:t>
+            </a:r>
+          </a:p>
+        </p:txBody>
+      </p:sp>
+      <p:sp>
+        <p:nvSpPr>
+          <p:cNvPr id="29" name="矩形 28">
+            <a:extLst>
+              <a:ext uri="{FF2B5EF4-FFF2-40B4-BE49-F238E27FC236}">
+                <a16:creationId xmlns:a16="http://schemas.microsoft.com/office/drawing/2014/main" id="{F88D7EDB-DD9B-4777-BF49-A173221BED6E}"/>
+              </a:ext>
+            </a:extLst>
+          </p:cNvPr>
+          <p:cNvSpPr/>
+          <p:nvPr/>
+        </p:nvSpPr>
+        <p:spPr>
+          <a:xfrm>
+            <a:off x="5154114" y="2798447"/>
+            <a:ext cx="1981200" cy="720000"/>
+          </a:xfrm>
+          <a:prstGeom prst="rect">
+            <a:avLst/>
+          </a:prstGeom>
+        </p:spPr>
+        <p:style>
+          <a:lnRef idx="0">
+            <a:schemeClr val="accent4"/>
+          </a:lnRef>
+          <a:fillRef idx="3">
+            <a:schemeClr val="accent4"/>
+          </a:fillRef>
+          <a:effectRef idx="3">
+            <a:schemeClr val="accent4"/>
+          </a:effectRef>
+          <a:fontRef idx="minor">
+            <a:schemeClr val="lt1"/>
+          </a:fontRef>
+        </p:style>
+        <p:txBody>
+          <a:bodyPr rtlCol="0" anchor="ctr"/>
+          <a:lstStyle/>
+          <a:p>
+            <a:pPr algn="ctr"/>
+            <a:r>
+              <a:rPr lang="en-US" altLang="zh-TW" sz="1600" dirty="0"/>
+              <a:t>Kestrel Web Server</a:t>
+            </a:r>
+          </a:p>
+          <a:p>
+            <a:pPr algn="ctr"/>
+            <a:r>
+              <a:rPr lang="en-US" altLang="zh-TW" sz="1600" dirty="0"/>
+              <a:t>Port: 5000</a:t>
+            </a:r>
+            <a:endParaRPr lang="zh-TW" altLang="en-US" sz="1600" dirty="0"/>
+          </a:p>
+        </p:txBody>
+      </p:sp>
+      <p:sp>
+        <p:nvSpPr>
+          <p:cNvPr id="30" name="矩形 29">
+            <a:extLst>
+              <a:ext uri="{FF2B5EF4-FFF2-40B4-BE49-F238E27FC236}">
+                <a16:creationId xmlns:a16="http://schemas.microsoft.com/office/drawing/2014/main" id="{577B7550-C8CD-4956-B078-DB8088BE6AF4}"/>
+              </a:ext>
+            </a:extLst>
+          </p:cNvPr>
+          <p:cNvSpPr/>
+          <p:nvPr/>
+        </p:nvSpPr>
+        <p:spPr>
+          <a:xfrm>
+            <a:off x="5154114" y="3947372"/>
+            <a:ext cx="1981200" cy="720000"/>
+          </a:xfrm>
+          <a:prstGeom prst="rect">
+            <a:avLst/>
+          </a:prstGeom>
+        </p:spPr>
+        <p:style>
+          <a:lnRef idx="0">
+            <a:schemeClr val="accent6"/>
+          </a:lnRef>
+          <a:fillRef idx="3">
+            <a:schemeClr val="accent6"/>
+          </a:fillRef>
+          <a:effectRef idx="3">
+            <a:schemeClr val="accent6"/>
+          </a:effectRef>
+          <a:fontRef idx="minor">
+            <a:schemeClr val="lt1"/>
+          </a:fontRef>
+        </p:style>
+        <p:txBody>
+          <a:bodyPr rtlCol="0" anchor="ctr"/>
+          <a:lstStyle/>
+          <a:p>
+            <a:pPr algn="ctr"/>
+            <a:r>
+              <a:rPr lang="en-US" altLang="zh-TW" sz="1600" dirty="0"/>
+              <a:t>Application Code</a:t>
+            </a:r>
+          </a:p>
+          <a:p>
+            <a:pPr algn="ctr"/>
+            <a:r>
+              <a:rPr lang="en-US" altLang="zh-TW" sz="1600" dirty="0"/>
+              <a:t>(</a:t>
+            </a:r>
+            <a:r>
+              <a:rPr lang="en-US" altLang="zh-TW" sz="1600" dirty="0" err="1"/>
+              <a:t>Startup.cs</a:t>
+            </a:r>
+            <a:r>
+              <a:rPr lang="en-US" altLang="zh-TW" sz="1600" dirty="0"/>
+              <a:t> , …)</a:t>
+            </a:r>
+            <a:endParaRPr lang="zh-TW" altLang="en-US" sz="1600" dirty="0"/>
+          </a:p>
+        </p:txBody>
+      </p:sp>
+      <p:cxnSp>
+        <p:nvCxnSpPr>
+          <p:cNvPr id="31" name="肘形接點 45">
+            <a:extLst>
+              <a:ext uri="{FF2B5EF4-FFF2-40B4-BE49-F238E27FC236}">
+                <a16:creationId xmlns:a16="http://schemas.microsoft.com/office/drawing/2014/main" id="{8EE901C1-2B1D-463C-9E43-B70577DEEC37}"/>
+              </a:ext>
+            </a:extLst>
+          </p:cNvPr>
+          <p:cNvCxnSpPr>
+            <a:cxnSpLocks/>
+            <a:stCxn id="23" idx="3"/>
+            <a:endCxn id="29" idx="1"/>
+          </p:cNvCxnSpPr>
+          <p:nvPr/>
+        </p:nvCxnSpPr>
+        <p:spPr>
+          <a:xfrm flipV="1">
+            <a:off x="4633800" y="3158447"/>
+            <a:ext cx="520314" cy="463934"/>
+          </a:xfrm>
+          <a:prstGeom prst="bentConnector3">
+            <a:avLst>
+              <a:gd name="adj1" fmla="val 50000"/>
+            </a:avLst>
+          </a:prstGeom>
+          <a:ln w="38100">
+            <a:solidFill>
+              <a:schemeClr val="tx1"/>
+            </a:solidFill>
+            <a:headEnd type="triangle" w="med" len="med"/>
+            <a:tailEnd type="triangle" w="med" len="med"/>
+          </a:ln>
+        </p:spPr>
+        <p:style>
+          <a:lnRef idx="1">
+            <a:schemeClr val="accent1"/>
+          </a:lnRef>
+          <a:fillRef idx="0">
+            <a:schemeClr val="accent1"/>
+          </a:fillRef>
+          <a:effectRef idx="0">
+            <a:schemeClr val="accent1"/>
+          </a:effectRef>
+          <a:fontRef idx="minor">
+            <a:schemeClr val="tx1"/>
+          </a:fontRef>
+        </p:style>
+      </p:cxnSp>
+      <p:sp>
+        <p:nvSpPr>
+          <p:cNvPr id="32" name="文字方塊 31">
+            <a:extLst>
+              <a:ext uri="{FF2B5EF4-FFF2-40B4-BE49-F238E27FC236}">
+                <a16:creationId xmlns:a16="http://schemas.microsoft.com/office/drawing/2014/main" id="{1D8BCFEC-9D15-4932-BA58-6E8DA088384D}"/>
+              </a:ext>
+            </a:extLst>
+          </p:cNvPr>
+          <p:cNvSpPr txBox="1"/>
+          <p:nvPr/>
+        </p:nvSpPr>
+        <p:spPr>
+          <a:xfrm>
+            <a:off x="4583808" y="2825032"/>
+            <a:ext cx="620298" cy="338554"/>
+          </a:xfrm>
+          <a:prstGeom prst="rect">
+            <a:avLst/>
+          </a:prstGeom>
+          <a:noFill/>
+        </p:spPr>
+        <p:txBody>
+          <a:bodyPr wrap="none" rtlCol="0">
+            <a:spAutoFit/>
+          </a:bodyPr>
+          <a:lstStyle/>
+          <a:p>
+            <a:r>
+              <a:rPr lang="en-US" altLang="zh-TW" sz="1600" dirty="0"/>
+              <a:t>HTTP</a:t>
+            </a:r>
+          </a:p>
+        </p:txBody>
+      </p:sp>
+      <p:cxnSp>
+        <p:nvCxnSpPr>
+          <p:cNvPr id="33" name="直線接點 32">
+            <a:extLst>
+              <a:ext uri="{FF2B5EF4-FFF2-40B4-BE49-F238E27FC236}">
+                <a16:creationId xmlns:a16="http://schemas.microsoft.com/office/drawing/2014/main" id="{CF395E83-BEC8-4796-ACD6-3914F4042C1D}"/>
+              </a:ext>
+            </a:extLst>
+          </p:cNvPr>
+          <p:cNvCxnSpPr>
+            <a:stCxn id="29" idx="2"/>
+            <a:endCxn id="30" idx="0"/>
+          </p:cNvCxnSpPr>
+          <p:nvPr/>
+        </p:nvCxnSpPr>
+        <p:spPr>
+          <a:xfrm>
+            <a:off x="6144714" y="3518447"/>
+            <a:ext cx="0" cy="428925"/>
+          </a:xfrm>
+          <a:prstGeom prst="line">
+            <a:avLst/>
+          </a:prstGeom>
+          <a:ln w="38100">
+            <a:solidFill>
+              <a:schemeClr val="tx1"/>
+            </a:solidFill>
+            <a:headEnd type="triangle" w="med" len="med"/>
+            <a:tailEnd type="triangle" w="med" len="med"/>
+          </a:ln>
+        </p:spPr>
+        <p:style>
+          <a:lnRef idx="1">
+            <a:schemeClr val="accent1"/>
+          </a:lnRef>
+          <a:fillRef idx="0">
+            <a:schemeClr val="accent1"/>
+          </a:fillRef>
+          <a:effectRef idx="0">
+            <a:schemeClr val="accent1"/>
+          </a:effectRef>
+          <a:fontRef idx="minor">
+            <a:schemeClr val="tx1"/>
+          </a:fontRef>
+        </p:style>
+      </p:cxnSp>
+      <p:sp>
+        <p:nvSpPr>
+          <p:cNvPr id="34" name="文字方塊 33">
+            <a:extLst>
+              <a:ext uri="{FF2B5EF4-FFF2-40B4-BE49-F238E27FC236}">
+                <a16:creationId xmlns:a16="http://schemas.microsoft.com/office/drawing/2014/main" id="{0C2B6715-8270-449A-B33E-D41122765CB4}"/>
+              </a:ext>
+            </a:extLst>
+          </p:cNvPr>
+          <p:cNvSpPr txBox="1"/>
+          <p:nvPr/>
+        </p:nvSpPr>
+        <p:spPr>
+          <a:xfrm>
+            <a:off x="6129190" y="3563213"/>
+            <a:ext cx="1202702" cy="338554"/>
+          </a:xfrm>
+          <a:prstGeom prst="rect">
+            <a:avLst/>
+          </a:prstGeom>
+          <a:noFill/>
+        </p:spPr>
+        <p:txBody>
+          <a:bodyPr wrap="none" rtlCol="0">
+            <a:spAutoFit/>
+          </a:bodyPr>
+          <a:lstStyle/>
+          <a:p>
+            <a:r>
+              <a:rPr lang="en-US" altLang="zh-TW" sz="1600" dirty="0" err="1"/>
+              <a:t>HttpContext</a:t>
+            </a:r>
+            <a:endParaRPr lang="en-US" altLang="zh-TW" sz="1600" dirty="0"/>
+          </a:p>
+        </p:txBody>
+      </p:sp>
+      <p:cxnSp>
+        <p:nvCxnSpPr>
+          <p:cNvPr id="35" name="直線接點 34">
+            <a:extLst>
+              <a:ext uri="{FF2B5EF4-FFF2-40B4-BE49-F238E27FC236}">
+                <a16:creationId xmlns:a16="http://schemas.microsoft.com/office/drawing/2014/main" id="{DAB58FCB-5BDE-4E30-AAD7-871F2620678F}"/>
+              </a:ext>
+            </a:extLst>
+          </p:cNvPr>
+          <p:cNvCxnSpPr>
+            <a:cxnSpLocks/>
+            <a:stCxn id="24" idx="3"/>
+            <a:endCxn id="23" idx="1"/>
+          </p:cNvCxnSpPr>
+          <p:nvPr/>
+        </p:nvCxnSpPr>
+        <p:spPr>
+          <a:xfrm>
+            <a:off x="3539262" y="3622381"/>
+            <a:ext cx="697568" cy="0"/>
+          </a:xfrm>
+          <a:prstGeom prst="line">
+            <a:avLst/>
+          </a:prstGeom>
+          <a:ln w="38100">
+            <a:solidFill>
+              <a:schemeClr val="tx1"/>
+            </a:solidFill>
+            <a:headEnd type="triangle" w="med" len="med"/>
+            <a:tailEnd type="triangle" w="med" len="med"/>
+          </a:ln>
+        </p:spPr>
+        <p:style>
+          <a:lnRef idx="1">
+            <a:schemeClr val="accent1"/>
+          </a:lnRef>
+          <a:fillRef idx="0">
+            <a:schemeClr val="accent1"/>
+          </a:fillRef>
+          <a:effectRef idx="0">
+            <a:schemeClr val="accent1"/>
+          </a:effectRef>
+          <a:fontRef idx="minor">
+            <a:schemeClr val="tx1"/>
+          </a:fontRef>
+        </p:style>
+      </p:cxnSp>
+      <p:sp>
+        <p:nvSpPr>
+          <p:cNvPr id="37" name="文字方塊 36">
+            <a:extLst>
+              <a:ext uri="{FF2B5EF4-FFF2-40B4-BE49-F238E27FC236}">
+                <a16:creationId xmlns:a16="http://schemas.microsoft.com/office/drawing/2014/main" id="{788C9C7D-6994-447C-A129-8177241EE2C1}"/>
+              </a:ext>
+            </a:extLst>
+          </p:cNvPr>
+          <p:cNvSpPr txBox="1"/>
+          <p:nvPr/>
+        </p:nvSpPr>
+        <p:spPr>
+          <a:xfrm>
+            <a:off x="2457716" y="2798873"/>
+            <a:ext cx="1807290" cy="646331"/>
+          </a:xfrm>
+          <a:prstGeom prst="rect">
+            <a:avLst/>
+          </a:prstGeom>
+          <a:noFill/>
+        </p:spPr>
+        <p:txBody>
+          <a:bodyPr wrap="none" rtlCol="0">
+            <a:spAutoFit/>
+          </a:bodyPr>
+          <a:lstStyle/>
+          <a:p>
+            <a:r>
+              <a:rPr lang="en-US" altLang="zh-TW" sz="1200" dirty="0"/>
+              <a:t>http://demo.johnwu.cc</a:t>
+            </a:r>
+          </a:p>
+          <a:p>
+            <a:r>
+              <a:rPr lang="en-US" altLang="zh-TW" sz="1200" dirty="0"/>
+              <a:t>http://example.johnwu.cc</a:t>
+            </a:r>
+          </a:p>
+          <a:p>
+            <a:r>
+              <a:rPr lang="en-US" altLang="zh-TW" sz="1200" dirty="0"/>
+              <a:t>https://demo.johnwu.cc</a:t>
+            </a:r>
+          </a:p>
+        </p:txBody>
+      </p:sp>
+    </p:spTree>
+    <p:extLst>
+      <p:ext uri="{BB962C8B-B14F-4D97-AF65-F5344CB8AC3E}">
+        <p14:creationId xmlns:p14="http://schemas.microsoft.com/office/powerpoint/2010/main" val="3824870588"/>
+      </p:ext>
+    </p:extLst>
+  </p:cSld>
+  <p:clrMapOvr>
+    <a:masterClrMapping/>
+  </p:clrMapOvr>
+</p:sld>
+</file>
+
 <file path=ppt/slides/slide3.xml><?xml version="1.0" encoding="utf-8"?>
 <p:sld xmlns:a="http://schemas.openxmlformats.org/drawingml/2006/main" xmlns:r="http://schemas.openxmlformats.org/officeDocument/2006/relationships" xmlns:p="http://schemas.openxmlformats.org/presentationml/2006/main">
   <p:cSld>

--- a/source/_assets/Blog動畫.pptx
+++ b/source/_assets/Blog動畫.pptx
@@ -5,10 +5,10 @@
     <p:sldMasterId id="2147483752" r:id="rId4"/>
   </p:sldMasterIdLst>
   <p:notesMasterIdLst>
-    <p:notesMasterId r:id="rId33"/>
+    <p:notesMasterId r:id="rId35"/>
   </p:notesMasterIdLst>
   <p:handoutMasterIdLst>
-    <p:handoutMasterId r:id="rId34"/>
+    <p:handoutMasterId r:id="rId36"/>
   </p:handoutMasterIdLst>
   <p:sldIdLst>
     <p:sldId id="315" r:id="rId5"/>
@@ -39,6 +39,8 @@
     <p:sldId id="341" r:id="rId30"/>
     <p:sldId id="342" r:id="rId31"/>
     <p:sldId id="343" r:id="rId32"/>
+    <p:sldId id="345" r:id="rId33"/>
+    <p:sldId id="344" r:id="rId34"/>
   </p:sldIdLst>
   <p:sldSz cx="12192000" cy="6858000"/>
   <p:notesSz cx="7099300" cy="10234613"/>
@@ -253,7 +255,7 @@
             <a:fld id="{3CDD3A71-4C75-488C-A8F3-A1F163ED0DB9}" type="datetimeFigureOut">
               <a:rPr lang="en-US" smtClean="0"/>
               <a:pPr/>
-              <a:t>7/31/2019</a:t>
+              <a:t>8/1/2019</a:t>
             </a:fld>
             <a:endParaRPr lang="en-US" dirty="0"/>
           </a:p>
@@ -421,7 +423,7 @@
             <a:fld id="{523CC419-8FB3-4D1C-8127-E63C1A13459D}" type="datetimeFigureOut">
               <a:rPr lang="en-US" smtClean="0"/>
               <a:pPr/>
-              <a:t>7/31/2019</a:t>
+              <a:t>8/1/2019</a:t>
             </a:fld>
             <a:endParaRPr lang="en-US" dirty="0"/>
           </a:p>
@@ -823,7 +825,7 @@
           <a:p>
             <a:fld id="{237FF733-248C-4CF7-A090-89CF012E357B}" type="datetimeFigureOut">
               <a:rPr lang="zh-TW" altLang="en-US" smtClean="0"/>
-              <a:t>2019/7/31</a:t>
+              <a:t>2019/8/1</a:t>
             </a:fld>
             <a:endParaRPr lang="zh-TW" altLang="en-US"/>
           </a:p>
@@ -994,7 +996,7 @@
           <a:p>
             <a:fld id="{237FF733-248C-4CF7-A090-89CF012E357B}" type="datetimeFigureOut">
               <a:rPr lang="zh-TW" altLang="en-US" smtClean="0"/>
-              <a:t>2019/7/31</a:t>
+              <a:t>2019/8/1</a:t>
             </a:fld>
             <a:endParaRPr lang="zh-TW" altLang="en-US"/>
           </a:p>
@@ -1175,7 +1177,7 @@
           <a:p>
             <a:fld id="{237FF733-248C-4CF7-A090-89CF012E357B}" type="datetimeFigureOut">
               <a:rPr lang="zh-TW" altLang="en-US" smtClean="0"/>
-              <a:t>2019/7/31</a:t>
+              <a:t>2019/8/1</a:t>
             </a:fld>
             <a:endParaRPr lang="zh-TW" altLang="en-US"/>
           </a:p>
@@ -1346,7 +1348,7 @@
           <a:p>
             <a:fld id="{237FF733-248C-4CF7-A090-89CF012E357B}" type="datetimeFigureOut">
               <a:rPr lang="zh-TW" altLang="en-US" smtClean="0"/>
-              <a:t>2019/7/31</a:t>
+              <a:t>2019/8/1</a:t>
             </a:fld>
             <a:endParaRPr lang="zh-TW" altLang="en-US"/>
           </a:p>
@@ -1593,7 +1595,7 @@
           <a:p>
             <a:fld id="{237FF733-248C-4CF7-A090-89CF012E357B}" type="datetimeFigureOut">
               <a:rPr lang="zh-TW" altLang="en-US" smtClean="0"/>
-              <a:t>2019/7/31</a:t>
+              <a:t>2019/8/1</a:t>
             </a:fld>
             <a:endParaRPr lang="zh-TW" altLang="en-US"/>
           </a:p>
@@ -1826,7 +1828,7 @@
           <a:p>
             <a:fld id="{237FF733-248C-4CF7-A090-89CF012E357B}" type="datetimeFigureOut">
               <a:rPr lang="zh-TW" altLang="en-US" smtClean="0"/>
-              <a:t>2019/7/31</a:t>
+              <a:t>2019/8/1</a:t>
             </a:fld>
             <a:endParaRPr lang="zh-TW" altLang="en-US"/>
           </a:p>
@@ -2194,7 +2196,7 @@
           <a:p>
             <a:fld id="{237FF733-248C-4CF7-A090-89CF012E357B}" type="datetimeFigureOut">
               <a:rPr lang="zh-TW" altLang="en-US" smtClean="0"/>
-              <a:t>2019/7/31</a:t>
+              <a:t>2019/8/1</a:t>
             </a:fld>
             <a:endParaRPr lang="zh-TW" altLang="en-US"/>
           </a:p>
@@ -2313,7 +2315,7 @@
           <a:p>
             <a:fld id="{237FF733-248C-4CF7-A090-89CF012E357B}" type="datetimeFigureOut">
               <a:rPr lang="zh-TW" altLang="en-US" smtClean="0"/>
-              <a:t>2019/7/31</a:t>
+              <a:t>2019/8/1</a:t>
             </a:fld>
             <a:endParaRPr lang="zh-TW" altLang="en-US"/>
           </a:p>
@@ -2409,7 +2411,7 @@
           <a:p>
             <a:fld id="{237FF733-248C-4CF7-A090-89CF012E357B}" type="datetimeFigureOut">
               <a:rPr lang="zh-TW" altLang="en-US" smtClean="0"/>
-              <a:t>2019/7/31</a:t>
+              <a:t>2019/8/1</a:t>
             </a:fld>
             <a:endParaRPr lang="zh-TW" altLang="en-US"/>
           </a:p>
@@ -2687,7 +2689,7 @@
           <a:p>
             <a:fld id="{237FF733-248C-4CF7-A090-89CF012E357B}" type="datetimeFigureOut">
               <a:rPr lang="zh-TW" altLang="en-US" smtClean="0"/>
-              <a:t>2019/7/31</a:t>
+              <a:t>2019/8/1</a:t>
             </a:fld>
             <a:endParaRPr lang="zh-TW" altLang="en-US"/>
           </a:p>
@@ -2945,7 +2947,7 @@
           <a:p>
             <a:fld id="{237FF733-248C-4CF7-A090-89CF012E357B}" type="datetimeFigureOut">
               <a:rPr lang="zh-TW" altLang="en-US" smtClean="0"/>
-              <a:t>2019/7/31</a:t>
+              <a:t>2019/8/1</a:t>
             </a:fld>
             <a:endParaRPr lang="zh-TW" altLang="en-US"/>
           </a:p>
@@ -3159,7 +3161,7 @@
           <a:p>
             <a:fld id="{237FF733-248C-4CF7-A090-89CF012E357B}" type="datetimeFigureOut">
               <a:rPr lang="zh-TW" altLang="en-US" smtClean="0"/>
-              <a:t>2019/7/31</a:t>
+              <a:t>2019/8/1</a:t>
             </a:fld>
             <a:endParaRPr lang="zh-TW" altLang="en-US"/>
           </a:p>
@@ -28332,6 +28334,751 @@
 </p:sld>
 </file>
 
+<file path=ppt/slides/slide29.xml><?xml version="1.0" encoding="utf-8"?>
+<p:sld xmlns:a="http://schemas.openxmlformats.org/drawingml/2006/main" xmlns:r="http://schemas.openxmlformats.org/officeDocument/2006/relationships" xmlns:p="http://schemas.openxmlformats.org/presentationml/2006/main">
+  <p:cSld>
+    <p:spTree>
+      <p:nvGrpSpPr>
+        <p:cNvPr id="1" name=""/>
+        <p:cNvGrpSpPr/>
+        <p:nvPr/>
+      </p:nvGrpSpPr>
+      <p:grpSpPr>
+        <a:xfrm>
+          <a:off x="0" y="0"/>
+          <a:ext cx="0" cy="0"/>
+          <a:chOff x="0" y="0"/>
+          <a:chExt cx="0" cy="0"/>
+        </a:xfrm>
+      </p:grpSpPr>
+      <p:grpSp>
+        <p:nvGrpSpPr>
+          <p:cNvPr id="6" name="群組 5">
+            <a:extLst>
+              <a:ext uri="{FF2B5EF4-FFF2-40B4-BE49-F238E27FC236}">
+                <a16:creationId xmlns:a16="http://schemas.microsoft.com/office/drawing/2014/main" id="{8B9E6B5C-3F6A-4D3E-BCDE-4F4235C3931C}"/>
+              </a:ext>
+            </a:extLst>
+          </p:cNvPr>
+          <p:cNvGrpSpPr/>
+          <p:nvPr/>
+        </p:nvGrpSpPr>
+        <p:grpSpPr>
+          <a:xfrm>
+            <a:off x="3764384" y="3387239"/>
+            <a:ext cx="1800000" cy="1440013"/>
+            <a:chOff x="6011310" y="4777991"/>
+            <a:chExt cx="1800000" cy="1440013"/>
+          </a:xfrm>
+        </p:grpSpPr>
+        <p:pic>
+          <p:nvPicPr>
+            <p:cNvPr id="7" name="圖片 6">
+              <a:extLst>
+                <a:ext uri="{FF2B5EF4-FFF2-40B4-BE49-F238E27FC236}">
+                  <a16:creationId xmlns:a16="http://schemas.microsoft.com/office/drawing/2014/main" id="{BAD506DE-25A1-4843-9C00-53C841C7DCD5}"/>
+                </a:ext>
+              </a:extLst>
+            </p:cNvPr>
+            <p:cNvPicPr>
+              <a:picLocks noChangeAspect="1"/>
+            </p:cNvPicPr>
+            <p:nvPr/>
+          </p:nvPicPr>
+          <p:blipFill>
+            <a:blip r:embed="rId2">
+              <a:extLst>
+                <a:ext uri="{28A0092B-C50C-407E-A947-70E740481C1C}">
+                  <a14:useLocalDpi xmlns:a14="http://schemas.microsoft.com/office/drawing/2010/main" val="0"/>
+                </a:ext>
+              </a:extLst>
+            </a:blip>
+            <a:stretch>
+              <a:fillRect/>
+            </a:stretch>
+          </p:blipFill>
+          <p:spPr>
+            <a:xfrm>
+              <a:off x="6367416" y="4777991"/>
+              <a:ext cx="1080000" cy="1080000"/>
+            </a:xfrm>
+            <a:prstGeom prst="rect">
+              <a:avLst/>
+            </a:prstGeom>
+          </p:spPr>
+        </p:pic>
+        <p:sp>
+          <p:nvSpPr>
+            <p:cNvPr id="8" name="矩形 7">
+              <a:extLst>
+                <a:ext uri="{FF2B5EF4-FFF2-40B4-BE49-F238E27FC236}">
+                  <a16:creationId xmlns:a16="http://schemas.microsoft.com/office/drawing/2014/main" id="{A4A94BFF-9C0F-475B-83B2-B42C315C1506}"/>
+                </a:ext>
+              </a:extLst>
+            </p:cNvPr>
+            <p:cNvSpPr/>
+            <p:nvPr/>
+          </p:nvSpPr>
+          <p:spPr>
+            <a:xfrm>
+              <a:off x="6011310" y="5848672"/>
+              <a:ext cx="1800000" cy="369332"/>
+            </a:xfrm>
+            <a:prstGeom prst="rect">
+              <a:avLst/>
+            </a:prstGeom>
+          </p:spPr>
+          <p:txBody>
+            <a:bodyPr wrap="square">
+              <a:spAutoFit/>
+            </a:bodyPr>
+            <a:lstStyle/>
+            <a:p>
+              <a:pPr algn="ctr"/>
+              <a:r>
+                <a:rPr lang="en-US" altLang="zh-TW" b="1" dirty="0"/>
+                <a:t>Cleanroom</a:t>
+              </a:r>
+              <a:endParaRPr lang="zh-TW" altLang="en-US" b="1" dirty="0"/>
+            </a:p>
+          </p:txBody>
+        </p:sp>
+      </p:grpSp>
+      <p:sp>
+        <p:nvSpPr>
+          <p:cNvPr id="10" name="矩形 9">
+            <a:extLst>
+              <a:ext uri="{FF2B5EF4-FFF2-40B4-BE49-F238E27FC236}">
+                <a16:creationId xmlns:a16="http://schemas.microsoft.com/office/drawing/2014/main" id="{F39164C2-74DF-4F21-9E50-51F111156252}"/>
+              </a:ext>
+            </a:extLst>
+          </p:cNvPr>
+          <p:cNvSpPr/>
+          <p:nvPr/>
+        </p:nvSpPr>
+        <p:spPr>
+          <a:xfrm>
+            <a:off x="6857997" y="514284"/>
+            <a:ext cx="2249254" cy="4438716"/>
+          </a:xfrm>
+          <a:prstGeom prst="rect">
+            <a:avLst/>
+          </a:prstGeom>
+          <a:noFill/>
+          <a:ln w="38100">
+            <a:solidFill>
+              <a:schemeClr val="bg1">
+                <a:lumMod val="65000"/>
+              </a:schemeClr>
+            </a:solidFill>
+            <a:prstDash val="lgDash"/>
+          </a:ln>
+        </p:spPr>
+        <p:style>
+          <a:lnRef idx="2">
+            <a:schemeClr val="accent1">
+              <a:shade val="50000"/>
+            </a:schemeClr>
+          </a:lnRef>
+          <a:fillRef idx="1">
+            <a:schemeClr val="accent1"/>
+          </a:fillRef>
+          <a:effectRef idx="0">
+            <a:schemeClr val="accent1"/>
+          </a:effectRef>
+          <a:fontRef idx="minor">
+            <a:schemeClr val="lt1"/>
+          </a:fontRef>
+        </p:style>
+        <p:txBody>
+          <a:bodyPr rot="0" spcFirstLastPara="0" vertOverflow="overflow" horzOverflow="overflow" vert="horz" wrap="square" lIns="91440" tIns="45720" rIns="91440" bIns="45720" numCol="1" spcCol="0" rtlCol="0" fromWordArt="0" anchor="ctr" anchorCtr="0" forceAA="0" compatLnSpc="1">
+            <a:prstTxWarp prst="textNoShape">
+              <a:avLst/>
+            </a:prstTxWarp>
+            <a:noAutofit/>
+          </a:bodyPr>
+          <a:lstStyle/>
+          <a:p>
+            <a:pPr algn="ctr"/>
+            <a:endParaRPr lang="zh-TW" altLang="en-US"/>
+          </a:p>
+        </p:txBody>
+      </p:sp>
+      <p:sp>
+        <p:nvSpPr>
+          <p:cNvPr id="11" name="文字方塊 10">
+            <a:extLst>
+              <a:ext uri="{FF2B5EF4-FFF2-40B4-BE49-F238E27FC236}">
+                <a16:creationId xmlns:a16="http://schemas.microsoft.com/office/drawing/2014/main" id="{AFE94126-A55B-4905-B1C9-98474C234261}"/>
+              </a:ext>
+            </a:extLst>
+          </p:cNvPr>
+          <p:cNvSpPr txBox="1"/>
+          <p:nvPr/>
+        </p:nvSpPr>
+        <p:spPr>
+          <a:xfrm>
+            <a:off x="221515" y="466518"/>
+            <a:ext cx="2249255" cy="646331"/>
+          </a:xfrm>
+          <a:prstGeom prst="rect">
+            <a:avLst/>
+          </a:prstGeom>
+          <a:noFill/>
+        </p:spPr>
+        <p:txBody>
+          <a:bodyPr wrap="square" rtlCol="0">
+            <a:spAutoFit/>
+          </a:bodyPr>
+          <a:lstStyle/>
+          <a:p>
+            <a:pPr algn="ctr"/>
+            <a:r>
+              <a:rPr lang="en-US" altLang="zh-TW" b="1" dirty="0"/>
+              <a:t>Development </a:t>
+            </a:r>
+          </a:p>
+          <a:p>
+            <a:pPr algn="ctr"/>
+            <a:r>
+              <a:rPr lang="en-US" altLang="zh-TW" b="1" dirty="0"/>
+              <a:t>Environment</a:t>
+            </a:r>
+            <a:endParaRPr lang="zh-TW" altLang="en-US" b="1" dirty="0"/>
+          </a:p>
+        </p:txBody>
+      </p:sp>
+      <p:sp>
+        <p:nvSpPr>
+          <p:cNvPr id="12" name="文字方塊 11">
+            <a:extLst>
+              <a:ext uri="{FF2B5EF4-FFF2-40B4-BE49-F238E27FC236}">
+                <a16:creationId xmlns:a16="http://schemas.microsoft.com/office/drawing/2014/main" id="{B83AEB57-88E0-46F2-857B-F345318DD602}"/>
+              </a:ext>
+            </a:extLst>
+          </p:cNvPr>
+          <p:cNvSpPr txBox="1"/>
+          <p:nvPr/>
+        </p:nvSpPr>
+        <p:spPr>
+          <a:xfrm>
+            <a:off x="6857995" y="551978"/>
+            <a:ext cx="2249255" cy="646331"/>
+          </a:xfrm>
+          <a:prstGeom prst="rect">
+            <a:avLst/>
+          </a:prstGeom>
+          <a:noFill/>
+        </p:spPr>
+        <p:txBody>
+          <a:bodyPr wrap="square" rtlCol="0">
+            <a:spAutoFit/>
+          </a:bodyPr>
+          <a:lstStyle/>
+          <a:p>
+            <a:pPr algn="ctr"/>
+            <a:r>
+              <a:rPr lang="en-US" altLang="zh-TW" b="1" dirty="0"/>
+              <a:t>Production </a:t>
+            </a:r>
+          </a:p>
+          <a:p>
+            <a:pPr algn="ctr"/>
+            <a:r>
+              <a:rPr lang="en-US" altLang="zh-TW" b="1" dirty="0"/>
+              <a:t>Environment</a:t>
+            </a:r>
+            <a:endParaRPr lang="zh-TW" altLang="en-US" b="1" dirty="0"/>
+          </a:p>
+        </p:txBody>
+      </p:sp>
+      <p:grpSp>
+        <p:nvGrpSpPr>
+          <p:cNvPr id="13" name="群組 12">
+            <a:extLst>
+              <a:ext uri="{FF2B5EF4-FFF2-40B4-BE49-F238E27FC236}">
+                <a16:creationId xmlns:a16="http://schemas.microsoft.com/office/drawing/2014/main" id="{9CA4C3C4-A330-436A-ADB5-9DCAFD6470B0}"/>
+              </a:ext>
+            </a:extLst>
+          </p:cNvPr>
+          <p:cNvGrpSpPr/>
+          <p:nvPr/>
+        </p:nvGrpSpPr>
+        <p:grpSpPr>
+          <a:xfrm>
+            <a:off x="7082622" y="2089160"/>
+            <a:ext cx="1800000" cy="1482745"/>
+            <a:chOff x="8986974" y="999532"/>
+            <a:chExt cx="1800000" cy="1482745"/>
+          </a:xfrm>
+        </p:grpSpPr>
+        <p:pic>
+          <p:nvPicPr>
+            <p:cNvPr id="14" name="圖片 13">
+              <a:extLst>
+                <a:ext uri="{FF2B5EF4-FFF2-40B4-BE49-F238E27FC236}">
+                  <a16:creationId xmlns:a16="http://schemas.microsoft.com/office/drawing/2014/main" id="{9B87E593-FD20-4D9C-AC02-ADBE5396F791}"/>
+                </a:ext>
+              </a:extLst>
+            </p:cNvPr>
+            <p:cNvPicPr>
+              <a:picLocks noChangeAspect="1"/>
+            </p:cNvPicPr>
+            <p:nvPr/>
+          </p:nvPicPr>
+          <p:blipFill>
+            <a:blip r:embed="rId3">
+              <a:extLst>
+                <a:ext uri="{28A0092B-C50C-407E-A947-70E740481C1C}">
+                  <a14:useLocalDpi xmlns:a14="http://schemas.microsoft.com/office/drawing/2010/main" val="0"/>
+                </a:ext>
+              </a:extLst>
+            </a:blip>
+            <a:stretch>
+              <a:fillRect/>
+            </a:stretch>
+          </p:blipFill>
+          <p:spPr>
+            <a:xfrm>
+              <a:off x="9346974" y="999532"/>
+              <a:ext cx="1080000" cy="1080000"/>
+            </a:xfrm>
+            <a:prstGeom prst="rect">
+              <a:avLst/>
+            </a:prstGeom>
+          </p:spPr>
+        </p:pic>
+        <p:sp>
+          <p:nvSpPr>
+            <p:cNvPr id="15" name="矩形 14">
+              <a:extLst>
+                <a:ext uri="{FF2B5EF4-FFF2-40B4-BE49-F238E27FC236}">
+                  <a16:creationId xmlns:a16="http://schemas.microsoft.com/office/drawing/2014/main" id="{017A64B1-C5F7-4C0D-9175-8CF1774D0403}"/>
+                </a:ext>
+              </a:extLst>
+            </p:cNvPr>
+            <p:cNvSpPr/>
+            <p:nvPr/>
+          </p:nvSpPr>
+          <p:spPr>
+            <a:xfrm>
+              <a:off x="8986974" y="2112945"/>
+              <a:ext cx="1800000" cy="369332"/>
+            </a:xfrm>
+            <a:prstGeom prst="rect">
+              <a:avLst/>
+            </a:prstGeom>
+          </p:spPr>
+          <p:txBody>
+            <a:bodyPr wrap="square">
+              <a:spAutoFit/>
+            </a:bodyPr>
+            <a:lstStyle/>
+            <a:p>
+              <a:pPr algn="ctr"/>
+              <a:r>
+                <a:rPr lang="en-US" altLang="zh-TW" b="1" dirty="0"/>
+                <a:t>Servers</a:t>
+              </a:r>
+              <a:endParaRPr lang="zh-TW" altLang="en-US" b="1" dirty="0"/>
+            </a:p>
+          </p:txBody>
+        </p:sp>
+      </p:grpSp>
+      <p:sp>
+        <p:nvSpPr>
+          <p:cNvPr id="16" name="矩形 15">
+            <a:extLst>
+              <a:ext uri="{FF2B5EF4-FFF2-40B4-BE49-F238E27FC236}">
+                <a16:creationId xmlns:a16="http://schemas.microsoft.com/office/drawing/2014/main" id="{83D3D2D5-A0FE-4303-8FBE-97CBD997C26E}"/>
+              </a:ext>
+            </a:extLst>
+          </p:cNvPr>
+          <p:cNvSpPr/>
+          <p:nvPr/>
+        </p:nvSpPr>
+        <p:spPr>
+          <a:xfrm>
+            <a:off x="221517" y="455520"/>
+            <a:ext cx="2249254" cy="4497480"/>
+          </a:xfrm>
+          <a:prstGeom prst="rect">
+            <a:avLst/>
+          </a:prstGeom>
+          <a:noFill/>
+          <a:ln w="38100">
+            <a:solidFill>
+              <a:schemeClr val="bg1">
+                <a:lumMod val="65000"/>
+              </a:schemeClr>
+            </a:solidFill>
+            <a:prstDash val="lgDash"/>
+          </a:ln>
+        </p:spPr>
+        <p:style>
+          <a:lnRef idx="2">
+            <a:schemeClr val="accent1">
+              <a:shade val="50000"/>
+            </a:schemeClr>
+          </a:lnRef>
+          <a:fillRef idx="1">
+            <a:schemeClr val="accent1"/>
+          </a:fillRef>
+          <a:effectRef idx="0">
+            <a:schemeClr val="accent1"/>
+          </a:effectRef>
+          <a:fontRef idx="minor">
+            <a:schemeClr val="lt1"/>
+          </a:fontRef>
+        </p:style>
+        <p:txBody>
+          <a:bodyPr rot="0" spcFirstLastPara="0" vertOverflow="overflow" horzOverflow="overflow" vert="horz" wrap="square" lIns="91440" tIns="45720" rIns="91440" bIns="45720" numCol="1" spcCol="0" rtlCol="0" fromWordArt="0" anchor="ctr" anchorCtr="0" forceAA="0" compatLnSpc="1">
+            <a:prstTxWarp prst="textNoShape">
+              <a:avLst/>
+            </a:prstTxWarp>
+            <a:noAutofit/>
+          </a:bodyPr>
+          <a:lstStyle/>
+          <a:p>
+            <a:pPr algn="ctr"/>
+            <a:endParaRPr lang="zh-TW" altLang="en-US"/>
+          </a:p>
+        </p:txBody>
+      </p:sp>
+      <p:pic>
+        <p:nvPicPr>
+          <p:cNvPr id="18" name="圖片 17">
+            <a:extLst>
+              <a:ext uri="{FF2B5EF4-FFF2-40B4-BE49-F238E27FC236}">
+                <a16:creationId xmlns:a16="http://schemas.microsoft.com/office/drawing/2014/main" id="{48B78911-732C-4CF0-A44F-CF54A3BB87EB}"/>
+              </a:ext>
+            </a:extLst>
+          </p:cNvPr>
+          <p:cNvPicPr>
+            <a:picLocks noChangeAspect="1"/>
+          </p:cNvPicPr>
+          <p:nvPr/>
+        </p:nvPicPr>
+        <p:blipFill>
+          <a:blip r:embed="rId4">
+            <a:extLst>
+              <a:ext uri="{28A0092B-C50C-407E-A947-70E740481C1C}">
+                <a14:useLocalDpi xmlns:a14="http://schemas.microsoft.com/office/drawing/2010/main" val="0"/>
+              </a:ext>
+            </a:extLst>
+          </a:blip>
+          <a:stretch>
+            <a:fillRect/>
+          </a:stretch>
+        </p:blipFill>
+        <p:spPr>
+          <a:xfrm>
+            <a:off x="806142" y="2089160"/>
+            <a:ext cx="1080000" cy="1080000"/>
+          </a:xfrm>
+          <a:prstGeom prst="rect">
+            <a:avLst/>
+          </a:prstGeom>
+        </p:spPr>
+      </p:pic>
+      <p:pic>
+        <p:nvPicPr>
+          <p:cNvPr id="20" name="圖片 19">
+            <a:extLst>
+              <a:ext uri="{FF2B5EF4-FFF2-40B4-BE49-F238E27FC236}">
+                <a16:creationId xmlns:a16="http://schemas.microsoft.com/office/drawing/2014/main" id="{60168455-394A-444A-AB03-E390431D2349}"/>
+              </a:ext>
+            </a:extLst>
+          </p:cNvPr>
+          <p:cNvPicPr>
+            <a:picLocks noChangeAspect="1"/>
+          </p:cNvPicPr>
+          <p:nvPr/>
+        </p:nvPicPr>
+        <p:blipFill>
+          <a:blip r:embed="rId5">
+            <a:extLst>
+              <a:ext uri="{28A0092B-C50C-407E-A947-70E740481C1C}">
+                <a14:useLocalDpi xmlns:a14="http://schemas.microsoft.com/office/drawing/2010/main" val="0"/>
+              </a:ext>
+            </a:extLst>
+          </a:blip>
+          <a:stretch>
+            <a:fillRect/>
+          </a:stretch>
+        </p:blipFill>
+        <p:spPr>
+          <a:xfrm>
+            <a:off x="4138522" y="658309"/>
+            <a:ext cx="1080000" cy="1080000"/>
+          </a:xfrm>
+          <a:prstGeom prst="rect">
+            <a:avLst/>
+          </a:prstGeom>
+        </p:spPr>
+      </p:pic>
+      <p:sp>
+        <p:nvSpPr>
+          <p:cNvPr id="22" name="矩形 21">
+            <a:extLst>
+              <a:ext uri="{FF2B5EF4-FFF2-40B4-BE49-F238E27FC236}">
+                <a16:creationId xmlns:a16="http://schemas.microsoft.com/office/drawing/2014/main" id="{0B50BD26-39FB-4E86-806F-B0E42E9248CA}"/>
+              </a:ext>
+            </a:extLst>
+          </p:cNvPr>
+          <p:cNvSpPr/>
+          <p:nvPr/>
+        </p:nvSpPr>
+        <p:spPr>
+          <a:xfrm>
+            <a:off x="446142" y="3202573"/>
+            <a:ext cx="1800000" cy="369332"/>
+          </a:xfrm>
+          <a:prstGeom prst="rect">
+            <a:avLst/>
+          </a:prstGeom>
+        </p:spPr>
+        <p:txBody>
+          <a:bodyPr wrap="square">
+            <a:spAutoFit/>
+          </a:bodyPr>
+          <a:lstStyle/>
+          <a:p>
+            <a:pPr algn="ctr"/>
+            <a:r>
+              <a:rPr lang="en-US" altLang="zh-TW" b="1" dirty="0"/>
+              <a:t>Developers</a:t>
+            </a:r>
+            <a:endParaRPr lang="zh-TW" altLang="en-US" b="1" dirty="0"/>
+          </a:p>
+        </p:txBody>
+      </p:sp>
+      <p:sp>
+        <p:nvSpPr>
+          <p:cNvPr id="23" name="矩形 22">
+            <a:extLst>
+              <a:ext uri="{FF2B5EF4-FFF2-40B4-BE49-F238E27FC236}">
+                <a16:creationId xmlns:a16="http://schemas.microsoft.com/office/drawing/2014/main" id="{2A8FD256-560D-40D7-B7DF-43694F563700}"/>
+              </a:ext>
+            </a:extLst>
+          </p:cNvPr>
+          <p:cNvSpPr/>
+          <p:nvPr/>
+        </p:nvSpPr>
+        <p:spPr>
+          <a:xfrm>
+            <a:off x="4122314" y="1725604"/>
+            <a:ext cx="1112416" cy="369332"/>
+          </a:xfrm>
+          <a:prstGeom prst="rect">
+            <a:avLst/>
+          </a:prstGeom>
+        </p:spPr>
+        <p:txBody>
+          <a:bodyPr wrap="square">
+            <a:spAutoFit/>
+          </a:bodyPr>
+          <a:lstStyle/>
+          <a:p>
+            <a:pPr algn="ctr"/>
+            <a:r>
+              <a:rPr lang="en-US" altLang="zh-TW" b="1" dirty="0"/>
+              <a:t>Internet</a:t>
+            </a:r>
+            <a:endParaRPr lang="zh-TW" altLang="en-US" b="1" dirty="0"/>
+          </a:p>
+        </p:txBody>
+      </p:sp>
+      <p:cxnSp>
+        <p:nvCxnSpPr>
+          <p:cNvPr id="26" name="直線單箭頭接點 25">
+            <a:extLst>
+              <a:ext uri="{FF2B5EF4-FFF2-40B4-BE49-F238E27FC236}">
+                <a16:creationId xmlns:a16="http://schemas.microsoft.com/office/drawing/2014/main" id="{F0DA6F1A-301C-4C2B-8AE7-355ADB8613CC}"/>
+              </a:ext>
+            </a:extLst>
+          </p:cNvPr>
+          <p:cNvCxnSpPr>
+            <a:cxnSpLocks/>
+            <a:stCxn id="18" idx="3"/>
+            <a:endCxn id="20" idx="1"/>
+          </p:cNvCxnSpPr>
+          <p:nvPr/>
+        </p:nvCxnSpPr>
+        <p:spPr>
+          <a:xfrm flipV="1">
+            <a:off x="1886142" y="1198309"/>
+            <a:ext cx="2252380" cy="1430851"/>
+          </a:xfrm>
+          <a:prstGeom prst="straightConnector1">
+            <a:avLst/>
+          </a:prstGeom>
+          <a:ln w="38100">
+            <a:headEnd type="none" w="med" len="med"/>
+            <a:tailEnd type="arrow" w="med" len="med"/>
+          </a:ln>
+        </p:spPr>
+        <p:style>
+          <a:lnRef idx="3">
+            <a:schemeClr val="dk1"/>
+          </a:lnRef>
+          <a:fillRef idx="0">
+            <a:schemeClr val="dk1"/>
+          </a:fillRef>
+          <a:effectRef idx="2">
+            <a:schemeClr val="dk1"/>
+          </a:effectRef>
+          <a:fontRef idx="minor">
+            <a:schemeClr val="tx1"/>
+          </a:fontRef>
+        </p:style>
+      </p:cxnSp>
+      <p:cxnSp>
+        <p:nvCxnSpPr>
+          <p:cNvPr id="29" name="直線單箭頭接點 28">
+            <a:extLst>
+              <a:ext uri="{FF2B5EF4-FFF2-40B4-BE49-F238E27FC236}">
+                <a16:creationId xmlns:a16="http://schemas.microsoft.com/office/drawing/2014/main" id="{6AC33666-A362-457B-AC89-531199F9E7D8}"/>
+              </a:ext>
+            </a:extLst>
+          </p:cNvPr>
+          <p:cNvCxnSpPr>
+            <a:cxnSpLocks/>
+            <a:stCxn id="14" idx="1"/>
+            <a:endCxn id="20" idx="3"/>
+          </p:cNvCxnSpPr>
+          <p:nvPr/>
+        </p:nvCxnSpPr>
+        <p:spPr>
+          <a:xfrm flipH="1" flipV="1">
+            <a:off x="5218522" y="1198309"/>
+            <a:ext cx="2224100" cy="1430851"/>
+          </a:xfrm>
+          <a:prstGeom prst="straightConnector1">
+            <a:avLst/>
+          </a:prstGeom>
+          <a:ln w="38100">
+            <a:headEnd type="none" w="med" len="med"/>
+            <a:tailEnd type="arrow" w="med" len="med"/>
+          </a:ln>
+        </p:spPr>
+        <p:style>
+          <a:lnRef idx="3">
+            <a:schemeClr val="dk1"/>
+          </a:lnRef>
+          <a:fillRef idx="0">
+            <a:schemeClr val="dk1"/>
+          </a:fillRef>
+          <a:effectRef idx="2">
+            <a:schemeClr val="dk1"/>
+          </a:effectRef>
+          <a:fontRef idx="minor">
+            <a:schemeClr val="tx1"/>
+          </a:fontRef>
+        </p:style>
+      </p:cxnSp>
+      <p:cxnSp>
+        <p:nvCxnSpPr>
+          <p:cNvPr id="32" name="直線單箭頭接點 31">
+            <a:extLst>
+              <a:ext uri="{FF2B5EF4-FFF2-40B4-BE49-F238E27FC236}">
+                <a16:creationId xmlns:a16="http://schemas.microsoft.com/office/drawing/2014/main" id="{3731F357-A410-4721-BDD1-8783F4F9F798}"/>
+              </a:ext>
+            </a:extLst>
+          </p:cNvPr>
+          <p:cNvCxnSpPr>
+            <a:cxnSpLocks/>
+            <a:stCxn id="7" idx="3"/>
+          </p:cNvCxnSpPr>
+          <p:nvPr/>
+        </p:nvCxnSpPr>
+        <p:spPr>
+          <a:xfrm flipV="1">
+            <a:off x="5200490" y="2819400"/>
+            <a:ext cx="2242132" cy="1107839"/>
+          </a:xfrm>
+          <a:prstGeom prst="straightConnector1">
+            <a:avLst/>
+          </a:prstGeom>
+          <a:ln w="38100">
+            <a:solidFill>
+              <a:srgbClr val="FF0000"/>
+            </a:solidFill>
+            <a:headEnd type="none" w="med" len="med"/>
+            <a:tailEnd type="arrow" w="med" len="med"/>
+          </a:ln>
+        </p:spPr>
+        <p:style>
+          <a:lnRef idx="3">
+            <a:schemeClr val="dk1"/>
+          </a:lnRef>
+          <a:fillRef idx="0">
+            <a:schemeClr val="dk1"/>
+          </a:fillRef>
+          <a:effectRef idx="2">
+            <a:schemeClr val="dk1"/>
+          </a:effectRef>
+          <a:fontRef idx="minor">
+            <a:schemeClr val="tx1"/>
+          </a:fontRef>
+        </p:style>
+      </p:cxnSp>
+      <p:cxnSp>
+        <p:nvCxnSpPr>
+          <p:cNvPr id="37" name="直線單箭頭接點 36">
+            <a:extLst>
+              <a:ext uri="{FF2B5EF4-FFF2-40B4-BE49-F238E27FC236}">
+                <a16:creationId xmlns:a16="http://schemas.microsoft.com/office/drawing/2014/main" id="{E659F970-2E33-4C5F-B617-757DAFCBA6A4}"/>
+              </a:ext>
+            </a:extLst>
+          </p:cNvPr>
+          <p:cNvCxnSpPr>
+            <a:cxnSpLocks/>
+            <a:stCxn id="7" idx="1"/>
+          </p:cNvCxnSpPr>
+          <p:nvPr/>
+        </p:nvCxnSpPr>
+        <p:spPr>
+          <a:xfrm flipH="1" flipV="1">
+            <a:off x="1828800" y="2895601"/>
+            <a:ext cx="2291690" cy="1031638"/>
+          </a:xfrm>
+          <a:prstGeom prst="straightConnector1">
+            <a:avLst/>
+          </a:prstGeom>
+          <a:ln w="38100">
+            <a:headEnd type="arrow" w="med" len="med"/>
+            <a:tailEnd type="arrow" w="med" len="med"/>
+          </a:ln>
+        </p:spPr>
+        <p:style>
+          <a:lnRef idx="3">
+            <a:schemeClr val="dk1"/>
+          </a:lnRef>
+          <a:fillRef idx="0">
+            <a:schemeClr val="dk1"/>
+          </a:fillRef>
+          <a:effectRef idx="2">
+            <a:schemeClr val="dk1"/>
+          </a:effectRef>
+          <a:fontRef idx="minor">
+            <a:schemeClr val="tx1"/>
+          </a:fontRef>
+        </p:style>
+      </p:cxnSp>
+    </p:spTree>
+    <p:extLst>
+      <p:ext uri="{BB962C8B-B14F-4D97-AF65-F5344CB8AC3E}">
+        <p14:creationId xmlns:p14="http://schemas.microsoft.com/office/powerpoint/2010/main" val="453618051"/>
+      </p:ext>
+    </p:extLst>
+  </p:cSld>
+  <p:clrMapOvr>
+    <a:masterClrMapping/>
+  </p:clrMapOvr>
+</p:sld>
+</file>
+
 <file path=ppt/slides/slide3.xml><?xml version="1.0" encoding="utf-8"?>
 <p:sld xmlns:a="http://schemas.openxmlformats.org/drawingml/2006/main" xmlns:r="http://schemas.openxmlformats.org/officeDocument/2006/relationships" xmlns:p="http://schemas.openxmlformats.org/presentationml/2006/main">
   <p:cSld>
@@ -30547,6 +31294,3528 @@
 </p:sld>
 </file>
 
+<file path=ppt/slides/slide30.xml><?xml version="1.0" encoding="utf-8"?>
+<p:sld xmlns:a="http://schemas.openxmlformats.org/drawingml/2006/main" xmlns:r="http://schemas.openxmlformats.org/officeDocument/2006/relationships" xmlns:p="http://schemas.openxmlformats.org/presentationml/2006/main">
+  <p:cSld>
+    <p:spTree>
+      <p:nvGrpSpPr>
+        <p:cNvPr id="1" name=""/>
+        <p:cNvGrpSpPr/>
+        <p:nvPr/>
+      </p:nvGrpSpPr>
+      <p:grpSpPr>
+        <a:xfrm>
+          <a:off x="0" y="0"/>
+          <a:ext cx="0" cy="0"/>
+          <a:chOff x="0" y="0"/>
+          <a:chExt cx="0" cy="0"/>
+        </a:xfrm>
+      </p:grpSpPr>
+      <p:sp>
+        <p:nvSpPr>
+          <p:cNvPr id="185" name="矩形 184">
+            <a:extLst>
+              <a:ext uri="{FF2B5EF4-FFF2-40B4-BE49-F238E27FC236}">
+                <a16:creationId xmlns:a16="http://schemas.microsoft.com/office/drawing/2014/main" id="{3446E63B-0570-42EE-B77B-4E94206BF976}"/>
+              </a:ext>
+            </a:extLst>
+          </p:cNvPr>
+          <p:cNvSpPr/>
+          <p:nvPr/>
+        </p:nvSpPr>
+        <p:spPr>
+          <a:xfrm>
+            <a:off x="72571" y="266700"/>
+            <a:ext cx="12046857" cy="6324600"/>
+          </a:xfrm>
+          <a:prstGeom prst="rect">
+            <a:avLst/>
+          </a:prstGeom>
+          <a:noFill/>
+          <a:ln w="38100">
+            <a:solidFill>
+              <a:srgbClr val="FF0000"/>
+            </a:solidFill>
+            <a:prstDash val="lgDash"/>
+          </a:ln>
+        </p:spPr>
+        <p:style>
+          <a:lnRef idx="2">
+            <a:schemeClr val="accent1">
+              <a:shade val="50000"/>
+            </a:schemeClr>
+          </a:lnRef>
+          <a:fillRef idx="1">
+            <a:schemeClr val="accent1"/>
+          </a:fillRef>
+          <a:effectRef idx="0">
+            <a:schemeClr val="accent1"/>
+          </a:effectRef>
+          <a:fontRef idx="minor">
+            <a:schemeClr val="lt1"/>
+          </a:fontRef>
+        </p:style>
+        <p:txBody>
+          <a:bodyPr rot="0" spcFirstLastPara="0" vertOverflow="overflow" horzOverflow="overflow" vert="horz" wrap="square" lIns="91440" tIns="45720" rIns="91440" bIns="45720" numCol="1" spcCol="0" rtlCol="0" fromWordArt="0" anchor="ctr" anchorCtr="0" forceAA="0" compatLnSpc="1">
+            <a:prstTxWarp prst="textNoShape">
+              <a:avLst/>
+            </a:prstTxWarp>
+            <a:noAutofit/>
+          </a:bodyPr>
+          <a:lstStyle/>
+          <a:p>
+            <a:pPr algn="ctr"/>
+            <a:endParaRPr lang="zh-TW" altLang="en-US">
+              <a:solidFill>
+                <a:srgbClr val="FF0000"/>
+              </a:solidFill>
+            </a:endParaRPr>
+          </a:p>
+        </p:txBody>
+      </p:sp>
+      <p:sp>
+        <p:nvSpPr>
+          <p:cNvPr id="6" name="矩形 5">
+            <a:extLst>
+              <a:ext uri="{FF2B5EF4-FFF2-40B4-BE49-F238E27FC236}">
+                <a16:creationId xmlns:a16="http://schemas.microsoft.com/office/drawing/2014/main" id="{E37465D3-E71A-49DD-AC57-471BE12565FB}"/>
+              </a:ext>
+            </a:extLst>
+          </p:cNvPr>
+          <p:cNvSpPr/>
+          <p:nvPr/>
+        </p:nvSpPr>
+        <p:spPr>
+          <a:xfrm>
+            <a:off x="381000" y="450669"/>
+            <a:ext cx="3362075" cy="5943600"/>
+          </a:xfrm>
+          <a:prstGeom prst="rect">
+            <a:avLst/>
+          </a:prstGeom>
+          <a:noFill/>
+          <a:ln w="38100">
+            <a:solidFill>
+              <a:schemeClr val="bg1">
+                <a:lumMod val="65000"/>
+              </a:schemeClr>
+            </a:solidFill>
+            <a:prstDash val="lgDash"/>
+          </a:ln>
+        </p:spPr>
+        <p:style>
+          <a:lnRef idx="2">
+            <a:schemeClr val="accent1">
+              <a:shade val="50000"/>
+            </a:schemeClr>
+          </a:lnRef>
+          <a:fillRef idx="1">
+            <a:schemeClr val="accent1"/>
+          </a:fillRef>
+          <a:effectRef idx="0">
+            <a:schemeClr val="accent1"/>
+          </a:effectRef>
+          <a:fontRef idx="minor">
+            <a:schemeClr val="lt1"/>
+          </a:fontRef>
+        </p:style>
+        <p:txBody>
+          <a:bodyPr rtlCol="0" anchor="ctr"/>
+          <a:lstStyle/>
+          <a:p>
+            <a:pPr algn="ctr"/>
+            <a:endParaRPr lang="zh-TW" altLang="en-US"/>
+          </a:p>
+        </p:txBody>
+      </p:sp>
+      <p:sp>
+        <p:nvSpPr>
+          <p:cNvPr id="7" name="矩形 6">
+            <a:extLst>
+              <a:ext uri="{FF2B5EF4-FFF2-40B4-BE49-F238E27FC236}">
+                <a16:creationId xmlns:a16="http://schemas.microsoft.com/office/drawing/2014/main" id="{9E877993-341D-4A1C-8CC3-445B8527435F}"/>
+              </a:ext>
+            </a:extLst>
+          </p:cNvPr>
+          <p:cNvSpPr/>
+          <p:nvPr/>
+        </p:nvSpPr>
+        <p:spPr>
+          <a:xfrm>
+            <a:off x="8156570" y="457200"/>
+            <a:ext cx="3600000" cy="5943600"/>
+          </a:xfrm>
+          <a:prstGeom prst="rect">
+            <a:avLst/>
+          </a:prstGeom>
+          <a:noFill/>
+          <a:ln w="38100">
+            <a:solidFill>
+              <a:schemeClr val="bg1">
+                <a:lumMod val="65000"/>
+              </a:schemeClr>
+            </a:solidFill>
+            <a:prstDash val="lgDash"/>
+          </a:ln>
+        </p:spPr>
+        <p:style>
+          <a:lnRef idx="2">
+            <a:schemeClr val="accent1">
+              <a:shade val="50000"/>
+            </a:schemeClr>
+          </a:lnRef>
+          <a:fillRef idx="1">
+            <a:schemeClr val="accent1"/>
+          </a:fillRef>
+          <a:effectRef idx="0">
+            <a:schemeClr val="accent1"/>
+          </a:effectRef>
+          <a:fontRef idx="minor">
+            <a:schemeClr val="lt1"/>
+          </a:fontRef>
+        </p:style>
+        <p:txBody>
+          <a:bodyPr rot="0" spcFirstLastPara="0" vertOverflow="overflow" horzOverflow="overflow" vert="horz" wrap="square" lIns="91440" tIns="45720" rIns="91440" bIns="45720" numCol="1" spcCol="0" rtlCol="0" fromWordArt="0" anchor="ctr" anchorCtr="0" forceAA="0" compatLnSpc="1">
+            <a:prstTxWarp prst="textNoShape">
+              <a:avLst/>
+            </a:prstTxWarp>
+            <a:noAutofit/>
+          </a:bodyPr>
+          <a:lstStyle/>
+          <a:p>
+            <a:pPr algn="ctr"/>
+            <a:endParaRPr lang="zh-TW" altLang="en-US"/>
+          </a:p>
+        </p:txBody>
+      </p:sp>
+      <p:sp>
+        <p:nvSpPr>
+          <p:cNvPr id="8" name="文字方塊 7">
+            <a:extLst>
+              <a:ext uri="{FF2B5EF4-FFF2-40B4-BE49-F238E27FC236}">
+                <a16:creationId xmlns:a16="http://schemas.microsoft.com/office/drawing/2014/main" id="{0ECB93F9-E2A9-435D-B6E5-78B46913AFA0}"/>
+              </a:ext>
+            </a:extLst>
+          </p:cNvPr>
+          <p:cNvSpPr txBox="1"/>
+          <p:nvPr/>
+        </p:nvSpPr>
+        <p:spPr>
+          <a:xfrm>
+            <a:off x="428896" y="450669"/>
+            <a:ext cx="3362075" cy="369332"/>
+          </a:xfrm>
+          <a:prstGeom prst="rect">
+            <a:avLst/>
+          </a:prstGeom>
+          <a:noFill/>
+        </p:spPr>
+        <p:txBody>
+          <a:bodyPr wrap="square" rtlCol="0">
+            <a:spAutoFit/>
+          </a:bodyPr>
+          <a:lstStyle/>
+          <a:p>
+            <a:pPr algn="ctr"/>
+            <a:r>
+              <a:rPr lang="en-US" altLang="zh-TW" b="1" dirty="0"/>
+              <a:t>Development Environment</a:t>
+            </a:r>
+            <a:endParaRPr lang="zh-TW" altLang="en-US" b="1" dirty="0"/>
+          </a:p>
+        </p:txBody>
+      </p:sp>
+      <p:sp>
+        <p:nvSpPr>
+          <p:cNvPr id="9" name="文字方塊 8">
+            <a:extLst>
+              <a:ext uri="{FF2B5EF4-FFF2-40B4-BE49-F238E27FC236}">
+                <a16:creationId xmlns:a16="http://schemas.microsoft.com/office/drawing/2014/main" id="{318FC3EC-FCCE-49B4-B3D2-3DC435A0AC38}"/>
+              </a:ext>
+            </a:extLst>
+          </p:cNvPr>
+          <p:cNvSpPr txBox="1"/>
+          <p:nvPr/>
+        </p:nvSpPr>
+        <p:spPr>
+          <a:xfrm>
+            <a:off x="8156570" y="450669"/>
+            <a:ext cx="3600000" cy="369332"/>
+          </a:xfrm>
+          <a:prstGeom prst="rect">
+            <a:avLst/>
+          </a:prstGeom>
+          <a:noFill/>
+        </p:spPr>
+        <p:txBody>
+          <a:bodyPr wrap="square" rtlCol="0">
+            <a:spAutoFit/>
+          </a:bodyPr>
+          <a:lstStyle/>
+          <a:p>
+            <a:pPr algn="ctr"/>
+            <a:r>
+              <a:rPr lang="en-US" altLang="zh-TW" b="1" dirty="0"/>
+              <a:t>Production Environment</a:t>
+            </a:r>
+            <a:endParaRPr lang="zh-TW" altLang="en-US" b="1" dirty="0"/>
+          </a:p>
+        </p:txBody>
+      </p:sp>
+      <p:sp>
+        <p:nvSpPr>
+          <p:cNvPr id="13" name="矩形 12">
+            <a:extLst>
+              <a:ext uri="{FF2B5EF4-FFF2-40B4-BE49-F238E27FC236}">
+                <a16:creationId xmlns:a16="http://schemas.microsoft.com/office/drawing/2014/main" id="{05BABDCD-2A48-4A20-B6D5-3320C27ABECA}"/>
+              </a:ext>
+            </a:extLst>
+          </p:cNvPr>
+          <p:cNvSpPr/>
+          <p:nvPr/>
+        </p:nvSpPr>
+        <p:spPr>
+          <a:xfrm>
+            <a:off x="693600" y="4507391"/>
+            <a:ext cx="2811600" cy="1600200"/>
+          </a:xfrm>
+          <a:prstGeom prst="rect">
+            <a:avLst/>
+          </a:prstGeom>
+          <a:solidFill>
+            <a:schemeClr val="accent1">
+              <a:alpha val="50000"/>
+            </a:schemeClr>
+          </a:solidFill>
+          <a:ln>
+            <a:noFill/>
+          </a:ln>
+        </p:spPr>
+        <p:style>
+          <a:lnRef idx="0">
+            <a:scrgbClr r="0" g="0" b="0"/>
+          </a:lnRef>
+          <a:fillRef idx="0">
+            <a:scrgbClr r="0" g="0" b="0"/>
+          </a:fillRef>
+          <a:effectRef idx="0">
+            <a:scrgbClr r="0" g="0" b="0"/>
+          </a:effectRef>
+          <a:fontRef idx="minor">
+            <a:schemeClr val="lt1"/>
+          </a:fontRef>
+        </p:style>
+        <p:txBody>
+          <a:bodyPr rtlCol="0" anchor="ctr"/>
+          <a:lstStyle/>
+          <a:p>
+            <a:pPr algn="ctr"/>
+            <a:endParaRPr lang="zh-TW" altLang="en-US" dirty="0"/>
+          </a:p>
+        </p:txBody>
+      </p:sp>
+      <p:grpSp>
+        <p:nvGrpSpPr>
+          <p:cNvPr id="91" name="群組 90">
+            <a:extLst>
+              <a:ext uri="{FF2B5EF4-FFF2-40B4-BE49-F238E27FC236}">
+                <a16:creationId xmlns:a16="http://schemas.microsoft.com/office/drawing/2014/main" id="{33A01A70-BE7A-4397-B901-95DA1A0385C9}"/>
+              </a:ext>
+            </a:extLst>
+          </p:cNvPr>
+          <p:cNvGrpSpPr/>
+          <p:nvPr/>
+        </p:nvGrpSpPr>
+        <p:grpSpPr>
+          <a:xfrm>
+            <a:off x="1418055" y="1011940"/>
+            <a:ext cx="1362690" cy="1101000"/>
+            <a:chOff x="5091294" y="575400"/>
+            <a:chExt cx="1362690" cy="1101000"/>
+          </a:xfrm>
+        </p:grpSpPr>
+        <p:sp>
+          <p:nvSpPr>
+            <p:cNvPr id="23" name="矩形: 圓角 22">
+              <a:extLst>
+                <a:ext uri="{FF2B5EF4-FFF2-40B4-BE49-F238E27FC236}">
+                  <a16:creationId xmlns:a16="http://schemas.microsoft.com/office/drawing/2014/main" id="{802E0B67-B7BA-4787-A008-C3B5F57E62DB}"/>
+                </a:ext>
+              </a:extLst>
+            </p:cNvPr>
+            <p:cNvSpPr/>
+            <p:nvPr/>
+          </p:nvSpPr>
+          <p:spPr>
+            <a:xfrm>
+              <a:off x="5142639" y="596400"/>
+              <a:ext cx="1260000" cy="1080000"/>
+            </a:xfrm>
+            <a:prstGeom prst="roundRect">
+              <a:avLst/>
+            </a:prstGeom>
+          </p:spPr>
+          <p:style>
+            <a:lnRef idx="2">
+              <a:schemeClr val="accent1"/>
+            </a:lnRef>
+            <a:fillRef idx="1">
+              <a:schemeClr val="lt1"/>
+            </a:fillRef>
+            <a:effectRef idx="0">
+              <a:schemeClr val="accent1"/>
+            </a:effectRef>
+            <a:fontRef idx="minor">
+              <a:schemeClr val="dk1"/>
+            </a:fontRef>
+          </p:style>
+          <p:txBody>
+            <a:bodyPr rtlCol="0" anchor="ctr"/>
+            <a:lstStyle/>
+            <a:p>
+              <a:pPr algn="ctr"/>
+              <a:endParaRPr lang="zh-TW" altLang="en-US" b="1"/>
+            </a:p>
+          </p:txBody>
+        </p:sp>
+        <p:pic>
+          <p:nvPicPr>
+            <p:cNvPr id="24" name="圖片 23">
+              <a:extLst>
+                <a:ext uri="{FF2B5EF4-FFF2-40B4-BE49-F238E27FC236}">
+                  <a16:creationId xmlns:a16="http://schemas.microsoft.com/office/drawing/2014/main" id="{EEB67F9F-0A06-454F-8D0A-3B5BE88E040A}"/>
+                </a:ext>
+              </a:extLst>
+            </p:cNvPr>
+            <p:cNvPicPr>
+              <a:picLocks noChangeAspect="1"/>
+            </p:cNvPicPr>
+            <p:nvPr/>
+          </p:nvPicPr>
+          <p:blipFill>
+            <a:blip r:embed="rId2">
+              <a:extLst>
+                <a:ext uri="{28A0092B-C50C-407E-A947-70E740481C1C}">
+                  <a14:useLocalDpi xmlns:a14="http://schemas.microsoft.com/office/drawing/2010/main" val="0"/>
+                </a:ext>
+              </a:extLst>
+            </a:blip>
+            <a:stretch>
+              <a:fillRect/>
+            </a:stretch>
+          </p:blipFill>
+          <p:spPr>
+            <a:xfrm>
+              <a:off x="5412639" y="575400"/>
+              <a:ext cx="720000" cy="720000"/>
+            </a:xfrm>
+            <a:prstGeom prst="rect">
+              <a:avLst/>
+            </a:prstGeom>
+          </p:spPr>
+        </p:pic>
+        <p:sp>
+          <p:nvSpPr>
+            <p:cNvPr id="25" name="矩形 24">
+              <a:extLst>
+                <a:ext uri="{FF2B5EF4-FFF2-40B4-BE49-F238E27FC236}">
+                  <a16:creationId xmlns:a16="http://schemas.microsoft.com/office/drawing/2014/main" id="{24344AE3-0DA5-4448-8FA1-E9A81627FCED}"/>
+                </a:ext>
+              </a:extLst>
+            </p:cNvPr>
+            <p:cNvSpPr/>
+            <p:nvPr/>
+          </p:nvSpPr>
+          <p:spPr>
+            <a:xfrm>
+              <a:off x="5091294" y="1143000"/>
+              <a:ext cx="1362690" cy="523220"/>
+            </a:xfrm>
+            <a:prstGeom prst="rect">
+              <a:avLst/>
+            </a:prstGeom>
+          </p:spPr>
+          <p:txBody>
+            <a:bodyPr wrap="square">
+              <a:spAutoFit/>
+            </a:bodyPr>
+            <a:lstStyle/>
+            <a:p>
+              <a:pPr algn="ctr"/>
+              <a:r>
+                <a:rPr lang="en-US" altLang="zh-TW" sz="1400" b="1" dirty="0"/>
+                <a:t>Docker</a:t>
+              </a:r>
+            </a:p>
+            <a:p>
+              <a:pPr algn="ctr"/>
+              <a:r>
+                <a:rPr lang="en-US" altLang="zh-TW" sz="1400" b="1" dirty="0"/>
+                <a:t>Private Registry</a:t>
+              </a:r>
+              <a:endParaRPr lang="zh-TW" altLang="en-US" sz="1400" b="1" dirty="0"/>
+            </a:p>
+          </p:txBody>
+        </p:sp>
+      </p:grpSp>
+      <p:grpSp>
+        <p:nvGrpSpPr>
+          <p:cNvPr id="35" name="群組 34">
+            <a:extLst>
+              <a:ext uri="{FF2B5EF4-FFF2-40B4-BE49-F238E27FC236}">
+                <a16:creationId xmlns:a16="http://schemas.microsoft.com/office/drawing/2014/main" id="{3FE0E9A4-9AB1-4260-8C0E-06CF244E4759}"/>
+              </a:ext>
+            </a:extLst>
+          </p:cNvPr>
+          <p:cNvGrpSpPr/>
+          <p:nvPr/>
+        </p:nvGrpSpPr>
+        <p:grpSpPr>
+          <a:xfrm>
+            <a:off x="835424" y="4659791"/>
+            <a:ext cx="2517376" cy="1266950"/>
+            <a:chOff x="866328" y="4654029"/>
+            <a:chExt cx="2517376" cy="1266950"/>
+          </a:xfrm>
+        </p:grpSpPr>
+        <p:sp>
+          <p:nvSpPr>
+            <p:cNvPr id="14" name="矩形 13">
+              <a:extLst>
+                <a:ext uri="{FF2B5EF4-FFF2-40B4-BE49-F238E27FC236}">
+                  <a16:creationId xmlns:a16="http://schemas.microsoft.com/office/drawing/2014/main" id="{E90520E6-E19C-4E46-B4D6-0E6033A472BE}"/>
+                </a:ext>
+              </a:extLst>
+            </p:cNvPr>
+            <p:cNvSpPr/>
+            <p:nvPr/>
+          </p:nvSpPr>
+          <p:spPr>
+            <a:xfrm>
+              <a:off x="1583704" y="4654029"/>
+              <a:ext cx="1800000" cy="360000"/>
+            </a:xfrm>
+            <a:prstGeom prst="rect">
+              <a:avLst/>
+            </a:prstGeom>
+          </p:spPr>
+          <p:style>
+            <a:lnRef idx="0">
+              <a:schemeClr val="accent2"/>
+            </a:lnRef>
+            <a:fillRef idx="3">
+              <a:schemeClr val="accent2"/>
+            </a:fillRef>
+            <a:effectRef idx="3">
+              <a:schemeClr val="accent2"/>
+            </a:effectRef>
+            <a:fontRef idx="minor">
+              <a:schemeClr val="lt1"/>
+            </a:fontRef>
+          </p:style>
+          <p:txBody>
+            <a:bodyPr rtlCol="0" anchor="ctr"/>
+            <a:lstStyle/>
+            <a:p>
+              <a:pPr algn="ctr"/>
+              <a:r>
+                <a:rPr lang="en-US" altLang="zh-TW" b="1" dirty="0"/>
+                <a:t>Project DLL</a:t>
+              </a:r>
+              <a:endParaRPr lang="zh-TW" altLang="en-US" b="1" dirty="0"/>
+            </a:p>
+          </p:txBody>
+        </p:sp>
+        <p:sp>
+          <p:nvSpPr>
+            <p:cNvPr id="15" name="矩形 14">
+              <a:extLst>
+                <a:ext uri="{FF2B5EF4-FFF2-40B4-BE49-F238E27FC236}">
+                  <a16:creationId xmlns:a16="http://schemas.microsoft.com/office/drawing/2014/main" id="{7BC055E3-1E82-4FD7-A21D-07A4BC820FF4}"/>
+                </a:ext>
+              </a:extLst>
+            </p:cNvPr>
+            <p:cNvSpPr/>
+            <p:nvPr/>
+          </p:nvSpPr>
+          <p:spPr>
+            <a:xfrm>
+              <a:off x="1583704" y="5102838"/>
+              <a:ext cx="1800000" cy="360000"/>
+            </a:xfrm>
+            <a:prstGeom prst="rect">
+              <a:avLst/>
+            </a:prstGeom>
+          </p:spPr>
+          <p:style>
+            <a:lnRef idx="0">
+              <a:schemeClr val="accent5"/>
+            </a:lnRef>
+            <a:fillRef idx="3">
+              <a:schemeClr val="accent5"/>
+            </a:fillRef>
+            <a:effectRef idx="3">
+              <a:schemeClr val="accent5"/>
+            </a:effectRef>
+            <a:fontRef idx="minor">
+              <a:schemeClr val="lt1"/>
+            </a:fontRef>
+          </p:style>
+          <p:txBody>
+            <a:bodyPr rtlCol="0" anchor="ctr"/>
+            <a:lstStyle/>
+            <a:p>
+              <a:pPr algn="ctr"/>
+              <a:r>
+                <a:rPr lang="en-US" altLang="zh-TW" b="1" dirty="0"/>
+                <a:t>Third-party DLL</a:t>
+              </a:r>
+              <a:endParaRPr lang="zh-TW" altLang="en-US" b="1" dirty="0"/>
+            </a:p>
+          </p:txBody>
+        </p:sp>
+        <p:sp>
+          <p:nvSpPr>
+            <p:cNvPr id="16" name="矩形 15">
+              <a:extLst>
+                <a:ext uri="{FF2B5EF4-FFF2-40B4-BE49-F238E27FC236}">
+                  <a16:creationId xmlns:a16="http://schemas.microsoft.com/office/drawing/2014/main" id="{AAC6F56E-50FD-408D-B2CD-D99DCB697091}"/>
+                </a:ext>
+              </a:extLst>
+            </p:cNvPr>
+            <p:cNvSpPr/>
+            <p:nvPr/>
+          </p:nvSpPr>
+          <p:spPr>
+            <a:xfrm>
+              <a:off x="1583704" y="5551647"/>
+              <a:ext cx="1800000" cy="360000"/>
+            </a:xfrm>
+            <a:prstGeom prst="rect">
+              <a:avLst/>
+            </a:prstGeom>
+          </p:spPr>
+          <p:style>
+            <a:lnRef idx="0">
+              <a:schemeClr val="accent5"/>
+            </a:lnRef>
+            <a:fillRef idx="3">
+              <a:schemeClr val="accent5"/>
+            </a:fillRef>
+            <a:effectRef idx="3">
+              <a:schemeClr val="accent5"/>
+            </a:effectRef>
+            <a:fontRef idx="minor">
+              <a:schemeClr val="lt1"/>
+            </a:fontRef>
+          </p:style>
+          <p:txBody>
+            <a:bodyPr rtlCol="0" anchor="ctr"/>
+            <a:lstStyle/>
+            <a:p>
+              <a:pPr algn="ctr"/>
+              <a:r>
+                <a:rPr lang="en-US" altLang="zh-TW" b="1" dirty="0"/>
+                <a:t>Base Image</a:t>
+              </a:r>
+              <a:endParaRPr lang="zh-TW" altLang="en-US" b="1" dirty="0"/>
+            </a:p>
+          </p:txBody>
+        </p:sp>
+        <p:sp>
+          <p:nvSpPr>
+            <p:cNvPr id="30" name="文字方塊 29">
+              <a:extLst>
+                <a:ext uri="{FF2B5EF4-FFF2-40B4-BE49-F238E27FC236}">
+                  <a16:creationId xmlns:a16="http://schemas.microsoft.com/office/drawing/2014/main" id="{76DD3989-5BD9-47A2-861A-BAD5D280402A}"/>
+                </a:ext>
+              </a:extLst>
+            </p:cNvPr>
+            <p:cNvSpPr txBox="1"/>
+            <p:nvPr/>
+          </p:nvSpPr>
+          <p:spPr>
+            <a:xfrm>
+              <a:off x="869155" y="5551647"/>
+              <a:ext cx="676788" cy="369332"/>
+            </a:xfrm>
+            <a:prstGeom prst="rect">
+              <a:avLst/>
+            </a:prstGeom>
+            <a:noFill/>
+          </p:spPr>
+          <p:txBody>
+            <a:bodyPr wrap="none" rtlCol="0">
+              <a:spAutoFit/>
+            </a:bodyPr>
+            <a:lstStyle/>
+            <a:p>
+              <a:r>
+                <a:rPr lang="en-US" altLang="zh-TW" b="1" dirty="0" err="1"/>
+                <a:t>sha</a:t>
+              </a:r>
+              <a:r>
+                <a:rPr lang="en-US" altLang="zh-TW" b="1" dirty="0"/>
+                <a:t> 1</a:t>
+              </a:r>
+              <a:endParaRPr lang="zh-TW" altLang="en-US" b="1" dirty="0"/>
+            </a:p>
+          </p:txBody>
+        </p:sp>
+        <p:sp>
+          <p:nvSpPr>
+            <p:cNvPr id="31" name="文字方塊 30">
+              <a:extLst>
+                <a:ext uri="{FF2B5EF4-FFF2-40B4-BE49-F238E27FC236}">
+                  <a16:creationId xmlns:a16="http://schemas.microsoft.com/office/drawing/2014/main" id="{2A7DF3AA-EA20-4E7B-AB3B-83DB369ABEAB}"/>
+                </a:ext>
+              </a:extLst>
+            </p:cNvPr>
+            <p:cNvSpPr txBox="1"/>
+            <p:nvPr/>
+          </p:nvSpPr>
+          <p:spPr>
+            <a:xfrm>
+              <a:off x="866328" y="5098172"/>
+              <a:ext cx="676788" cy="369332"/>
+            </a:xfrm>
+            <a:prstGeom prst="rect">
+              <a:avLst/>
+            </a:prstGeom>
+            <a:noFill/>
+          </p:spPr>
+          <p:txBody>
+            <a:bodyPr wrap="none" rtlCol="0">
+              <a:spAutoFit/>
+            </a:bodyPr>
+            <a:lstStyle/>
+            <a:p>
+              <a:r>
+                <a:rPr lang="en-US" altLang="zh-TW" b="1" dirty="0" err="1"/>
+                <a:t>sha</a:t>
+              </a:r>
+              <a:r>
+                <a:rPr lang="en-US" altLang="zh-TW" b="1" dirty="0"/>
+                <a:t> 2</a:t>
+              </a:r>
+              <a:endParaRPr lang="zh-TW" altLang="en-US" b="1" dirty="0"/>
+            </a:p>
+          </p:txBody>
+        </p:sp>
+        <p:sp>
+          <p:nvSpPr>
+            <p:cNvPr id="32" name="文字方塊 31">
+              <a:extLst>
+                <a:ext uri="{FF2B5EF4-FFF2-40B4-BE49-F238E27FC236}">
+                  <a16:creationId xmlns:a16="http://schemas.microsoft.com/office/drawing/2014/main" id="{159CE188-A491-40BC-BFC5-8E96C7D6D8EB}"/>
+                </a:ext>
+              </a:extLst>
+            </p:cNvPr>
+            <p:cNvSpPr txBox="1"/>
+            <p:nvPr/>
+          </p:nvSpPr>
+          <p:spPr>
+            <a:xfrm>
+              <a:off x="870719" y="4654029"/>
+              <a:ext cx="676788" cy="369332"/>
+            </a:xfrm>
+            <a:prstGeom prst="rect">
+              <a:avLst/>
+            </a:prstGeom>
+            <a:noFill/>
+          </p:spPr>
+          <p:txBody>
+            <a:bodyPr wrap="none" rtlCol="0">
+              <a:spAutoFit/>
+            </a:bodyPr>
+            <a:lstStyle/>
+            <a:p>
+              <a:r>
+                <a:rPr lang="en-US" altLang="zh-TW" b="1" dirty="0" err="1"/>
+                <a:t>sha</a:t>
+              </a:r>
+              <a:r>
+                <a:rPr lang="en-US" altLang="zh-TW" b="1" dirty="0"/>
+                <a:t> 3</a:t>
+              </a:r>
+              <a:endParaRPr lang="zh-TW" altLang="en-US" b="1" dirty="0"/>
+            </a:p>
+          </p:txBody>
+        </p:sp>
+      </p:grpSp>
+      <p:cxnSp>
+        <p:nvCxnSpPr>
+          <p:cNvPr id="65" name="直線單箭頭接點 64">
+            <a:extLst>
+              <a:ext uri="{FF2B5EF4-FFF2-40B4-BE49-F238E27FC236}">
+                <a16:creationId xmlns:a16="http://schemas.microsoft.com/office/drawing/2014/main" id="{1867F53D-65CA-4EA2-AD07-05D66F6D0AE7}"/>
+              </a:ext>
+            </a:extLst>
+          </p:cNvPr>
+          <p:cNvCxnSpPr>
+            <a:cxnSpLocks/>
+          </p:cNvCxnSpPr>
+          <p:nvPr/>
+        </p:nvCxnSpPr>
+        <p:spPr>
+          <a:xfrm flipV="1">
+            <a:off x="2362200" y="2112940"/>
+            <a:ext cx="0" cy="2394451"/>
+          </a:xfrm>
+          <a:prstGeom prst="straightConnector1">
+            <a:avLst/>
+          </a:prstGeom>
+          <a:ln w="38100">
+            <a:headEnd type="none" w="med" len="med"/>
+            <a:tailEnd type="arrow" w="med" len="med"/>
+          </a:ln>
+        </p:spPr>
+        <p:style>
+          <a:lnRef idx="3">
+            <a:schemeClr val="dk1"/>
+          </a:lnRef>
+          <a:fillRef idx="0">
+            <a:schemeClr val="dk1"/>
+          </a:fillRef>
+          <a:effectRef idx="2">
+            <a:schemeClr val="dk1"/>
+          </a:effectRef>
+          <a:fontRef idx="minor">
+            <a:schemeClr val="tx1"/>
+          </a:fontRef>
+        </p:style>
+      </p:cxnSp>
+      <p:cxnSp>
+        <p:nvCxnSpPr>
+          <p:cNvPr id="67" name="直線單箭頭接點 66">
+            <a:extLst>
+              <a:ext uri="{FF2B5EF4-FFF2-40B4-BE49-F238E27FC236}">
+                <a16:creationId xmlns:a16="http://schemas.microsoft.com/office/drawing/2014/main" id="{0347EDAD-C7F5-4BC1-A92F-8D8E7D7CAC54}"/>
+              </a:ext>
+            </a:extLst>
+          </p:cNvPr>
+          <p:cNvCxnSpPr>
+            <a:cxnSpLocks/>
+          </p:cNvCxnSpPr>
+          <p:nvPr/>
+        </p:nvCxnSpPr>
+        <p:spPr>
+          <a:xfrm flipV="1">
+            <a:off x="2914121" y="1551472"/>
+            <a:ext cx="2828916" cy="2966367"/>
+          </a:xfrm>
+          <a:prstGeom prst="straightConnector1">
+            <a:avLst/>
+          </a:prstGeom>
+          <a:ln w="38100">
+            <a:headEnd type="none" w="med" len="med"/>
+            <a:tailEnd type="arrow" w="med" len="med"/>
+          </a:ln>
+        </p:spPr>
+        <p:style>
+          <a:lnRef idx="3">
+            <a:schemeClr val="dk1"/>
+          </a:lnRef>
+          <a:fillRef idx="0">
+            <a:schemeClr val="dk1"/>
+          </a:fillRef>
+          <a:effectRef idx="2">
+            <a:schemeClr val="dk1"/>
+          </a:effectRef>
+          <a:fontRef idx="minor">
+            <a:schemeClr val="tx1"/>
+          </a:fontRef>
+        </p:style>
+      </p:cxnSp>
+      <p:cxnSp>
+        <p:nvCxnSpPr>
+          <p:cNvPr id="69" name="直線單箭頭接點 68">
+            <a:extLst>
+              <a:ext uri="{FF2B5EF4-FFF2-40B4-BE49-F238E27FC236}">
+                <a16:creationId xmlns:a16="http://schemas.microsoft.com/office/drawing/2014/main" id="{CC910FB1-F13A-49F8-8F2D-8CA2F1CD4B76}"/>
+              </a:ext>
+            </a:extLst>
+          </p:cNvPr>
+          <p:cNvCxnSpPr>
+            <a:cxnSpLocks/>
+          </p:cNvCxnSpPr>
+          <p:nvPr/>
+        </p:nvCxnSpPr>
+        <p:spPr>
+          <a:xfrm>
+            <a:off x="2707007" y="2030181"/>
+            <a:ext cx="2838788" cy="3139065"/>
+          </a:xfrm>
+          <a:prstGeom prst="straightConnector1">
+            <a:avLst/>
+          </a:prstGeom>
+          <a:ln w="38100">
+            <a:headEnd type="none" w="med" len="med"/>
+            <a:tailEnd type="arrow" w="med" len="med"/>
+          </a:ln>
+        </p:spPr>
+        <p:style>
+          <a:lnRef idx="3">
+            <a:schemeClr val="dk1"/>
+          </a:lnRef>
+          <a:fillRef idx="0">
+            <a:schemeClr val="dk1"/>
+          </a:fillRef>
+          <a:effectRef idx="2">
+            <a:schemeClr val="dk1"/>
+          </a:effectRef>
+          <a:fontRef idx="minor">
+            <a:schemeClr val="tx1"/>
+          </a:fontRef>
+        </p:style>
+      </p:cxnSp>
+      <p:grpSp>
+        <p:nvGrpSpPr>
+          <p:cNvPr id="162" name="群組 161">
+            <a:extLst>
+              <a:ext uri="{FF2B5EF4-FFF2-40B4-BE49-F238E27FC236}">
+                <a16:creationId xmlns:a16="http://schemas.microsoft.com/office/drawing/2014/main" id="{0D4A655A-233F-4246-ABC0-F2602D2889C6}"/>
+              </a:ext>
+            </a:extLst>
+          </p:cNvPr>
+          <p:cNvGrpSpPr/>
+          <p:nvPr/>
+        </p:nvGrpSpPr>
+        <p:grpSpPr>
+          <a:xfrm>
+            <a:off x="5073770" y="4957742"/>
+            <a:ext cx="1800000" cy="1440013"/>
+            <a:chOff x="6011310" y="4777991"/>
+            <a:chExt cx="1800000" cy="1440013"/>
+          </a:xfrm>
+        </p:grpSpPr>
+        <p:pic>
+          <p:nvPicPr>
+            <p:cNvPr id="72" name="圖片 71">
+              <a:extLst>
+                <a:ext uri="{FF2B5EF4-FFF2-40B4-BE49-F238E27FC236}">
+                  <a16:creationId xmlns:a16="http://schemas.microsoft.com/office/drawing/2014/main" id="{B217EF17-9743-406A-840A-F22FE2578755}"/>
+                </a:ext>
+              </a:extLst>
+            </p:cNvPr>
+            <p:cNvPicPr>
+              <a:picLocks noChangeAspect="1"/>
+            </p:cNvPicPr>
+            <p:nvPr/>
+          </p:nvPicPr>
+          <p:blipFill>
+            <a:blip r:embed="rId3">
+              <a:extLst>
+                <a:ext uri="{28A0092B-C50C-407E-A947-70E740481C1C}">
+                  <a14:useLocalDpi xmlns:a14="http://schemas.microsoft.com/office/drawing/2010/main" val="0"/>
+                </a:ext>
+              </a:extLst>
+            </a:blip>
+            <a:stretch>
+              <a:fillRect/>
+            </a:stretch>
+          </p:blipFill>
+          <p:spPr>
+            <a:xfrm>
+              <a:off x="6367416" y="4777991"/>
+              <a:ext cx="1080000" cy="1080000"/>
+            </a:xfrm>
+            <a:prstGeom prst="rect">
+              <a:avLst/>
+            </a:prstGeom>
+          </p:spPr>
+        </p:pic>
+        <p:sp>
+          <p:nvSpPr>
+            <p:cNvPr id="73" name="矩形 72">
+              <a:extLst>
+                <a:ext uri="{FF2B5EF4-FFF2-40B4-BE49-F238E27FC236}">
+                  <a16:creationId xmlns:a16="http://schemas.microsoft.com/office/drawing/2014/main" id="{C4670069-0347-4795-86BD-3914CA715CA2}"/>
+                </a:ext>
+              </a:extLst>
+            </p:cNvPr>
+            <p:cNvSpPr/>
+            <p:nvPr/>
+          </p:nvSpPr>
+          <p:spPr>
+            <a:xfrm>
+              <a:off x="6011310" y="5848672"/>
+              <a:ext cx="1800000" cy="369332"/>
+            </a:xfrm>
+            <a:prstGeom prst="rect">
+              <a:avLst/>
+            </a:prstGeom>
+          </p:spPr>
+          <p:txBody>
+            <a:bodyPr wrap="square">
+              <a:spAutoFit/>
+            </a:bodyPr>
+            <a:lstStyle/>
+            <a:p>
+              <a:pPr algn="ctr"/>
+              <a:r>
+                <a:rPr lang="en-US" altLang="zh-TW" b="1" dirty="0"/>
+                <a:t>Cleanroom</a:t>
+              </a:r>
+              <a:endParaRPr lang="zh-TW" altLang="en-US" b="1" dirty="0"/>
+            </a:p>
+          </p:txBody>
+        </p:sp>
+      </p:grpSp>
+      <p:cxnSp>
+        <p:nvCxnSpPr>
+          <p:cNvPr id="83" name="直線單箭頭接點 82">
+            <a:extLst>
+              <a:ext uri="{FF2B5EF4-FFF2-40B4-BE49-F238E27FC236}">
+                <a16:creationId xmlns:a16="http://schemas.microsoft.com/office/drawing/2014/main" id="{C1D7692A-F47D-44D7-BC0E-21E67E00FB4B}"/>
+              </a:ext>
+            </a:extLst>
+          </p:cNvPr>
+          <p:cNvCxnSpPr>
+            <a:cxnSpLocks/>
+            <a:stCxn id="72" idx="3"/>
+          </p:cNvCxnSpPr>
+          <p:nvPr/>
+        </p:nvCxnSpPr>
+        <p:spPr>
+          <a:xfrm flipV="1">
+            <a:off x="6509876" y="5477504"/>
+            <a:ext cx="2747098" cy="20238"/>
+          </a:xfrm>
+          <a:prstGeom prst="straightConnector1">
+            <a:avLst/>
+          </a:prstGeom>
+          <a:ln w="38100">
+            <a:headEnd type="none" w="med" len="med"/>
+            <a:tailEnd type="arrow" w="med" len="med"/>
+          </a:ln>
+        </p:spPr>
+        <p:style>
+          <a:lnRef idx="3">
+            <a:schemeClr val="dk1"/>
+          </a:lnRef>
+          <a:fillRef idx="0">
+            <a:schemeClr val="dk1"/>
+          </a:fillRef>
+          <a:effectRef idx="2">
+            <a:schemeClr val="dk1"/>
+          </a:effectRef>
+          <a:fontRef idx="minor">
+            <a:schemeClr val="tx1"/>
+          </a:fontRef>
+        </p:style>
+      </p:cxnSp>
+      <p:grpSp>
+        <p:nvGrpSpPr>
+          <p:cNvPr id="93" name="群組 92">
+            <a:extLst>
+              <a:ext uri="{FF2B5EF4-FFF2-40B4-BE49-F238E27FC236}">
+                <a16:creationId xmlns:a16="http://schemas.microsoft.com/office/drawing/2014/main" id="{1E4B962F-293A-485C-A427-7C20E7237C8C}"/>
+              </a:ext>
+            </a:extLst>
+          </p:cNvPr>
+          <p:cNvGrpSpPr/>
+          <p:nvPr/>
+        </p:nvGrpSpPr>
+        <p:grpSpPr>
+          <a:xfrm>
+            <a:off x="5298016" y="451806"/>
+            <a:ext cx="1362690" cy="1101000"/>
+            <a:chOff x="5091294" y="575400"/>
+            <a:chExt cx="1362690" cy="1101000"/>
+          </a:xfrm>
+        </p:grpSpPr>
+        <p:sp>
+          <p:nvSpPr>
+            <p:cNvPr id="94" name="矩形: 圓角 93">
+              <a:extLst>
+                <a:ext uri="{FF2B5EF4-FFF2-40B4-BE49-F238E27FC236}">
+                  <a16:creationId xmlns:a16="http://schemas.microsoft.com/office/drawing/2014/main" id="{91114D46-3D89-4A38-ADA3-C2B3475F2F36}"/>
+                </a:ext>
+              </a:extLst>
+            </p:cNvPr>
+            <p:cNvSpPr/>
+            <p:nvPr/>
+          </p:nvSpPr>
+          <p:spPr>
+            <a:xfrm>
+              <a:off x="5142639" y="596400"/>
+              <a:ext cx="1260000" cy="1080000"/>
+            </a:xfrm>
+            <a:prstGeom prst="roundRect">
+              <a:avLst/>
+            </a:prstGeom>
+          </p:spPr>
+          <p:style>
+            <a:lnRef idx="2">
+              <a:schemeClr val="accent1"/>
+            </a:lnRef>
+            <a:fillRef idx="1">
+              <a:schemeClr val="lt1"/>
+            </a:fillRef>
+            <a:effectRef idx="0">
+              <a:schemeClr val="accent1"/>
+            </a:effectRef>
+            <a:fontRef idx="minor">
+              <a:schemeClr val="dk1"/>
+            </a:fontRef>
+          </p:style>
+          <p:txBody>
+            <a:bodyPr rtlCol="0" anchor="ctr"/>
+            <a:lstStyle/>
+            <a:p>
+              <a:pPr algn="ctr"/>
+              <a:endParaRPr lang="zh-TW" altLang="en-US" b="1"/>
+            </a:p>
+          </p:txBody>
+        </p:sp>
+        <p:pic>
+          <p:nvPicPr>
+            <p:cNvPr id="95" name="圖片 94">
+              <a:extLst>
+                <a:ext uri="{FF2B5EF4-FFF2-40B4-BE49-F238E27FC236}">
+                  <a16:creationId xmlns:a16="http://schemas.microsoft.com/office/drawing/2014/main" id="{B9E4F62F-844B-4270-B27E-575563692900}"/>
+                </a:ext>
+              </a:extLst>
+            </p:cNvPr>
+            <p:cNvPicPr>
+              <a:picLocks noChangeAspect="1"/>
+            </p:cNvPicPr>
+            <p:nvPr/>
+          </p:nvPicPr>
+          <p:blipFill>
+            <a:blip r:embed="rId2">
+              <a:extLst>
+                <a:ext uri="{28A0092B-C50C-407E-A947-70E740481C1C}">
+                  <a14:useLocalDpi xmlns:a14="http://schemas.microsoft.com/office/drawing/2010/main" val="0"/>
+                </a:ext>
+              </a:extLst>
+            </a:blip>
+            <a:stretch>
+              <a:fillRect/>
+            </a:stretch>
+          </p:blipFill>
+          <p:spPr>
+            <a:xfrm>
+              <a:off x="5412639" y="575400"/>
+              <a:ext cx="720000" cy="720000"/>
+            </a:xfrm>
+            <a:prstGeom prst="rect">
+              <a:avLst/>
+            </a:prstGeom>
+          </p:spPr>
+        </p:pic>
+        <p:sp>
+          <p:nvSpPr>
+            <p:cNvPr id="96" name="矩形 95">
+              <a:extLst>
+                <a:ext uri="{FF2B5EF4-FFF2-40B4-BE49-F238E27FC236}">
+                  <a16:creationId xmlns:a16="http://schemas.microsoft.com/office/drawing/2014/main" id="{29399430-516E-4A1F-B44F-03A0E8286C05}"/>
+                </a:ext>
+              </a:extLst>
+            </p:cNvPr>
+            <p:cNvSpPr/>
+            <p:nvPr/>
+          </p:nvSpPr>
+          <p:spPr>
+            <a:xfrm>
+              <a:off x="5091294" y="1143000"/>
+              <a:ext cx="1362690" cy="523220"/>
+            </a:xfrm>
+            <a:prstGeom prst="rect">
+              <a:avLst/>
+            </a:prstGeom>
+          </p:spPr>
+          <p:txBody>
+            <a:bodyPr wrap="square">
+              <a:spAutoFit/>
+            </a:bodyPr>
+            <a:lstStyle/>
+            <a:p>
+              <a:pPr algn="ctr"/>
+              <a:r>
+                <a:rPr lang="en-US" altLang="zh-TW" sz="1400" b="1" dirty="0"/>
+                <a:t>Docker</a:t>
+              </a:r>
+            </a:p>
+            <a:p>
+              <a:pPr algn="ctr"/>
+              <a:r>
+                <a:rPr lang="en-US" altLang="zh-TW" sz="1400" b="1" dirty="0"/>
+                <a:t>Publish Registry</a:t>
+              </a:r>
+              <a:endParaRPr lang="zh-TW" altLang="en-US" sz="1400" b="1" dirty="0"/>
+            </a:p>
+          </p:txBody>
+        </p:sp>
+      </p:grpSp>
+      <p:cxnSp>
+        <p:nvCxnSpPr>
+          <p:cNvPr id="100" name="直線單箭頭接點 99">
+            <a:extLst>
+              <a:ext uri="{FF2B5EF4-FFF2-40B4-BE49-F238E27FC236}">
+                <a16:creationId xmlns:a16="http://schemas.microsoft.com/office/drawing/2014/main" id="{D283FC6B-C099-48F1-8C90-3DDC86C9B564}"/>
+              </a:ext>
+            </a:extLst>
+          </p:cNvPr>
+          <p:cNvCxnSpPr>
+            <a:cxnSpLocks/>
+          </p:cNvCxnSpPr>
+          <p:nvPr/>
+        </p:nvCxnSpPr>
+        <p:spPr>
+          <a:xfrm>
+            <a:off x="6282519" y="1573306"/>
+            <a:ext cx="2102416" cy="1223158"/>
+          </a:xfrm>
+          <a:prstGeom prst="straightConnector1">
+            <a:avLst/>
+          </a:prstGeom>
+          <a:ln w="38100">
+            <a:headEnd type="none" w="med" len="med"/>
+            <a:tailEnd type="arrow" w="med" len="med"/>
+          </a:ln>
+        </p:spPr>
+        <p:style>
+          <a:lnRef idx="3">
+            <a:schemeClr val="dk1"/>
+          </a:lnRef>
+          <a:fillRef idx="0">
+            <a:schemeClr val="dk1"/>
+          </a:fillRef>
+          <a:effectRef idx="2">
+            <a:schemeClr val="dk1"/>
+          </a:effectRef>
+          <a:fontRef idx="minor">
+            <a:schemeClr val="tx1"/>
+          </a:fontRef>
+        </p:style>
+      </p:cxnSp>
+      <p:grpSp>
+        <p:nvGrpSpPr>
+          <p:cNvPr id="101" name="群組 100">
+            <a:extLst>
+              <a:ext uri="{FF2B5EF4-FFF2-40B4-BE49-F238E27FC236}">
+                <a16:creationId xmlns:a16="http://schemas.microsoft.com/office/drawing/2014/main" id="{AA4F6D45-9D7C-4682-AA77-E6A910CDF095}"/>
+              </a:ext>
+            </a:extLst>
+          </p:cNvPr>
+          <p:cNvGrpSpPr/>
+          <p:nvPr/>
+        </p:nvGrpSpPr>
+        <p:grpSpPr>
+          <a:xfrm>
+            <a:off x="9205629" y="4756991"/>
+            <a:ext cx="1362690" cy="1101000"/>
+            <a:chOff x="5091294" y="575400"/>
+            <a:chExt cx="1362690" cy="1101000"/>
+          </a:xfrm>
+        </p:grpSpPr>
+        <p:sp>
+          <p:nvSpPr>
+            <p:cNvPr id="102" name="矩形: 圓角 101">
+              <a:extLst>
+                <a:ext uri="{FF2B5EF4-FFF2-40B4-BE49-F238E27FC236}">
+                  <a16:creationId xmlns:a16="http://schemas.microsoft.com/office/drawing/2014/main" id="{4501142F-5A43-4ABF-91A5-659645F2A68C}"/>
+                </a:ext>
+              </a:extLst>
+            </p:cNvPr>
+            <p:cNvSpPr/>
+            <p:nvPr/>
+          </p:nvSpPr>
+          <p:spPr>
+            <a:xfrm>
+              <a:off x="5142639" y="596400"/>
+              <a:ext cx="1260000" cy="1080000"/>
+            </a:xfrm>
+            <a:prstGeom prst="roundRect">
+              <a:avLst/>
+            </a:prstGeom>
+          </p:spPr>
+          <p:style>
+            <a:lnRef idx="2">
+              <a:schemeClr val="accent1"/>
+            </a:lnRef>
+            <a:fillRef idx="1">
+              <a:schemeClr val="lt1"/>
+            </a:fillRef>
+            <a:effectRef idx="0">
+              <a:schemeClr val="accent1"/>
+            </a:effectRef>
+            <a:fontRef idx="minor">
+              <a:schemeClr val="dk1"/>
+            </a:fontRef>
+          </p:style>
+          <p:txBody>
+            <a:bodyPr rtlCol="0" anchor="ctr"/>
+            <a:lstStyle/>
+            <a:p>
+              <a:pPr algn="ctr"/>
+              <a:endParaRPr lang="zh-TW" altLang="en-US" b="1"/>
+            </a:p>
+          </p:txBody>
+        </p:sp>
+        <p:pic>
+          <p:nvPicPr>
+            <p:cNvPr id="103" name="圖片 102">
+              <a:extLst>
+                <a:ext uri="{FF2B5EF4-FFF2-40B4-BE49-F238E27FC236}">
+                  <a16:creationId xmlns:a16="http://schemas.microsoft.com/office/drawing/2014/main" id="{37E754D4-3491-4EDB-A2F0-C344710F6027}"/>
+                </a:ext>
+              </a:extLst>
+            </p:cNvPr>
+            <p:cNvPicPr>
+              <a:picLocks noChangeAspect="1"/>
+            </p:cNvPicPr>
+            <p:nvPr/>
+          </p:nvPicPr>
+          <p:blipFill>
+            <a:blip r:embed="rId2">
+              <a:extLst>
+                <a:ext uri="{28A0092B-C50C-407E-A947-70E740481C1C}">
+                  <a14:useLocalDpi xmlns:a14="http://schemas.microsoft.com/office/drawing/2010/main" val="0"/>
+                </a:ext>
+              </a:extLst>
+            </a:blip>
+            <a:stretch>
+              <a:fillRect/>
+            </a:stretch>
+          </p:blipFill>
+          <p:spPr>
+            <a:xfrm>
+              <a:off x="5412639" y="575400"/>
+              <a:ext cx="720000" cy="720000"/>
+            </a:xfrm>
+            <a:prstGeom prst="rect">
+              <a:avLst/>
+            </a:prstGeom>
+          </p:spPr>
+        </p:pic>
+        <p:sp>
+          <p:nvSpPr>
+            <p:cNvPr id="104" name="矩形 103">
+              <a:extLst>
+                <a:ext uri="{FF2B5EF4-FFF2-40B4-BE49-F238E27FC236}">
+                  <a16:creationId xmlns:a16="http://schemas.microsoft.com/office/drawing/2014/main" id="{C507CAFA-4F5D-4668-AF79-71C4298FAFC0}"/>
+                </a:ext>
+              </a:extLst>
+            </p:cNvPr>
+            <p:cNvSpPr/>
+            <p:nvPr/>
+          </p:nvSpPr>
+          <p:spPr>
+            <a:xfrm>
+              <a:off x="5091294" y="1143000"/>
+              <a:ext cx="1362690" cy="523220"/>
+            </a:xfrm>
+            <a:prstGeom prst="rect">
+              <a:avLst/>
+            </a:prstGeom>
+          </p:spPr>
+          <p:txBody>
+            <a:bodyPr wrap="square">
+              <a:spAutoFit/>
+            </a:bodyPr>
+            <a:lstStyle/>
+            <a:p>
+              <a:pPr algn="ctr"/>
+              <a:r>
+                <a:rPr lang="en-US" altLang="zh-TW" sz="1400" b="1" dirty="0"/>
+                <a:t>Docker</a:t>
+              </a:r>
+            </a:p>
+            <a:p>
+              <a:pPr algn="ctr"/>
+              <a:r>
+                <a:rPr lang="en-US" altLang="zh-TW" sz="1400" b="1" dirty="0"/>
+                <a:t>Private Registry</a:t>
+              </a:r>
+              <a:endParaRPr lang="zh-TW" altLang="en-US" sz="1400" b="1" dirty="0"/>
+            </a:p>
+          </p:txBody>
+        </p:sp>
+      </p:grpSp>
+      <p:pic>
+        <p:nvPicPr>
+          <p:cNvPr id="110" name="圖片 109" descr="一張含有 監視器, 物件 的圖片&#10;&#10;自動產生的描述">
+            <a:extLst>
+              <a:ext uri="{FF2B5EF4-FFF2-40B4-BE49-F238E27FC236}">
+                <a16:creationId xmlns:a16="http://schemas.microsoft.com/office/drawing/2014/main" id="{87B6ED85-B110-4629-A6DF-BE39995AE21C}"/>
+              </a:ext>
+            </a:extLst>
+          </p:cNvPr>
+          <p:cNvPicPr>
+            <a:picLocks noChangeAspect="1"/>
+          </p:cNvPicPr>
+          <p:nvPr/>
+        </p:nvPicPr>
+        <p:blipFill>
+          <a:blip r:embed="rId4">
+            <a:extLst>
+              <a:ext uri="{28A0092B-C50C-407E-A947-70E740481C1C}">
+                <a14:useLocalDpi xmlns:a14="http://schemas.microsoft.com/office/drawing/2010/main" val="0"/>
+              </a:ext>
+            </a:extLst>
+          </a:blip>
+          <a:stretch>
+            <a:fillRect/>
+          </a:stretch>
+        </p:blipFill>
+        <p:spPr>
+          <a:xfrm>
+            <a:off x="8371742" y="2625586"/>
+            <a:ext cx="720000" cy="720000"/>
+          </a:xfrm>
+          <a:prstGeom prst="rect">
+            <a:avLst/>
+          </a:prstGeom>
+        </p:spPr>
+      </p:pic>
+      <p:grpSp>
+        <p:nvGrpSpPr>
+          <p:cNvPr id="179" name="群組 178">
+            <a:extLst>
+              <a:ext uri="{FF2B5EF4-FFF2-40B4-BE49-F238E27FC236}">
+                <a16:creationId xmlns:a16="http://schemas.microsoft.com/office/drawing/2014/main" id="{2ED786CE-7BFB-4CF9-B824-546168FDB1EB}"/>
+              </a:ext>
+            </a:extLst>
+          </p:cNvPr>
+          <p:cNvGrpSpPr/>
+          <p:nvPr/>
+        </p:nvGrpSpPr>
+        <p:grpSpPr>
+          <a:xfrm>
+            <a:off x="8986974" y="999532"/>
+            <a:ext cx="1800000" cy="1482745"/>
+            <a:chOff x="8986974" y="999532"/>
+            <a:chExt cx="1800000" cy="1482745"/>
+          </a:xfrm>
+        </p:grpSpPr>
+        <p:pic>
+          <p:nvPicPr>
+            <p:cNvPr id="114" name="圖片 113">
+              <a:extLst>
+                <a:ext uri="{FF2B5EF4-FFF2-40B4-BE49-F238E27FC236}">
+                  <a16:creationId xmlns:a16="http://schemas.microsoft.com/office/drawing/2014/main" id="{CD05D398-7759-4E07-9862-E7BC6D12F849}"/>
+                </a:ext>
+              </a:extLst>
+            </p:cNvPr>
+            <p:cNvPicPr>
+              <a:picLocks noChangeAspect="1"/>
+            </p:cNvPicPr>
+            <p:nvPr/>
+          </p:nvPicPr>
+          <p:blipFill>
+            <a:blip r:embed="rId5">
+              <a:extLst>
+                <a:ext uri="{28A0092B-C50C-407E-A947-70E740481C1C}">
+                  <a14:useLocalDpi xmlns:a14="http://schemas.microsoft.com/office/drawing/2010/main" val="0"/>
+                </a:ext>
+              </a:extLst>
+            </a:blip>
+            <a:stretch>
+              <a:fillRect/>
+            </a:stretch>
+          </p:blipFill>
+          <p:spPr>
+            <a:xfrm>
+              <a:off x="9346974" y="999532"/>
+              <a:ext cx="1080000" cy="1080000"/>
+            </a:xfrm>
+            <a:prstGeom prst="rect">
+              <a:avLst/>
+            </a:prstGeom>
+          </p:spPr>
+        </p:pic>
+        <p:sp>
+          <p:nvSpPr>
+            <p:cNvPr id="115" name="矩形 114">
+              <a:extLst>
+                <a:ext uri="{FF2B5EF4-FFF2-40B4-BE49-F238E27FC236}">
+                  <a16:creationId xmlns:a16="http://schemas.microsoft.com/office/drawing/2014/main" id="{FA88BD18-CBC1-4C14-AA96-FEFF2D3774F8}"/>
+                </a:ext>
+              </a:extLst>
+            </p:cNvPr>
+            <p:cNvSpPr/>
+            <p:nvPr/>
+          </p:nvSpPr>
+          <p:spPr>
+            <a:xfrm>
+              <a:off x="8986974" y="2112945"/>
+              <a:ext cx="1800000" cy="369332"/>
+            </a:xfrm>
+            <a:prstGeom prst="rect">
+              <a:avLst/>
+            </a:prstGeom>
+          </p:spPr>
+          <p:txBody>
+            <a:bodyPr wrap="square">
+              <a:spAutoFit/>
+            </a:bodyPr>
+            <a:lstStyle/>
+            <a:p>
+              <a:pPr algn="ctr"/>
+              <a:r>
+                <a:rPr lang="en-US" altLang="zh-TW" b="1" dirty="0"/>
+                <a:t>Servers</a:t>
+              </a:r>
+              <a:endParaRPr lang="zh-TW" altLang="en-US" b="1" dirty="0"/>
+            </a:p>
+          </p:txBody>
+        </p:sp>
+      </p:grpSp>
+      <p:grpSp>
+        <p:nvGrpSpPr>
+          <p:cNvPr id="198" name="群組 197">
+            <a:extLst>
+              <a:ext uri="{FF2B5EF4-FFF2-40B4-BE49-F238E27FC236}">
+                <a16:creationId xmlns:a16="http://schemas.microsoft.com/office/drawing/2014/main" id="{2DB256A7-4320-423A-A1C9-B15ACB991CF5}"/>
+              </a:ext>
+            </a:extLst>
+          </p:cNvPr>
+          <p:cNvGrpSpPr/>
+          <p:nvPr/>
+        </p:nvGrpSpPr>
+        <p:grpSpPr>
+          <a:xfrm>
+            <a:off x="381000" y="2465203"/>
+            <a:ext cx="1917626" cy="1311034"/>
+            <a:chOff x="609600" y="2446025"/>
+            <a:chExt cx="1917626" cy="1311034"/>
+          </a:xfrm>
+        </p:grpSpPr>
+        <p:grpSp>
+          <p:nvGrpSpPr>
+            <p:cNvPr id="43" name="群組 42">
+              <a:extLst>
+                <a:ext uri="{FF2B5EF4-FFF2-40B4-BE49-F238E27FC236}">
+                  <a16:creationId xmlns:a16="http://schemas.microsoft.com/office/drawing/2014/main" id="{B9916634-A84C-49C7-B8F5-29A6C1FCCF63}"/>
+                </a:ext>
+              </a:extLst>
+            </p:cNvPr>
+            <p:cNvGrpSpPr/>
+            <p:nvPr/>
+          </p:nvGrpSpPr>
+          <p:grpSpPr>
+            <a:xfrm>
+              <a:off x="609600" y="2803438"/>
+              <a:ext cx="1917626" cy="953621"/>
+              <a:chOff x="1064896" y="2957588"/>
+              <a:chExt cx="1917626" cy="953621"/>
+            </a:xfrm>
+          </p:grpSpPr>
+          <p:sp>
+            <p:nvSpPr>
+              <p:cNvPr id="37" name="矩形 36">
+                <a:extLst>
+                  <a:ext uri="{FF2B5EF4-FFF2-40B4-BE49-F238E27FC236}">
+                    <a16:creationId xmlns:a16="http://schemas.microsoft.com/office/drawing/2014/main" id="{E73E0054-A3D3-49F0-83F3-6FD02E48D17B}"/>
+                  </a:ext>
+                </a:extLst>
+              </p:cNvPr>
+              <p:cNvSpPr/>
+              <p:nvPr/>
+            </p:nvSpPr>
+            <p:spPr>
+              <a:xfrm>
+                <a:off x="1603584" y="2973660"/>
+                <a:ext cx="1368000" cy="252000"/>
+              </a:xfrm>
+              <a:prstGeom prst="rect">
+                <a:avLst/>
+              </a:prstGeom>
+            </p:spPr>
+            <p:style>
+              <a:lnRef idx="0">
+                <a:schemeClr val="accent2"/>
+              </a:lnRef>
+              <a:fillRef idx="3">
+                <a:schemeClr val="accent2"/>
+              </a:fillRef>
+              <a:effectRef idx="3">
+                <a:schemeClr val="accent2"/>
+              </a:effectRef>
+              <a:fontRef idx="minor">
+                <a:schemeClr val="lt1"/>
+              </a:fontRef>
+            </p:style>
+            <p:txBody>
+              <a:bodyPr rtlCol="0" anchor="ctr"/>
+              <a:lstStyle/>
+              <a:p>
+                <a:pPr algn="ctr"/>
+                <a:r>
+                  <a:rPr lang="en-US" altLang="zh-TW" sz="1400" b="1" dirty="0"/>
+                  <a:t>Project DLL</a:t>
+                </a:r>
+                <a:endParaRPr lang="zh-TW" altLang="en-US" sz="1400" b="1" dirty="0"/>
+              </a:p>
+            </p:txBody>
+          </p:sp>
+          <p:sp>
+            <p:nvSpPr>
+              <p:cNvPr id="38" name="矩形 37">
+                <a:extLst>
+                  <a:ext uri="{FF2B5EF4-FFF2-40B4-BE49-F238E27FC236}">
+                    <a16:creationId xmlns:a16="http://schemas.microsoft.com/office/drawing/2014/main" id="{A12098F5-0A30-4F34-B38D-D06F119ADF91}"/>
+                  </a:ext>
+                </a:extLst>
+              </p:cNvPr>
+              <p:cNvSpPr/>
+              <p:nvPr/>
+            </p:nvSpPr>
+            <p:spPr>
+              <a:xfrm>
+                <a:off x="1612340" y="3288835"/>
+                <a:ext cx="1368000" cy="252000"/>
+              </a:xfrm>
+              <a:prstGeom prst="rect">
+                <a:avLst/>
+              </a:prstGeom>
+            </p:spPr>
+            <p:style>
+              <a:lnRef idx="0">
+                <a:schemeClr val="accent5"/>
+              </a:lnRef>
+              <a:fillRef idx="3">
+                <a:schemeClr val="accent5"/>
+              </a:fillRef>
+              <a:effectRef idx="3">
+                <a:schemeClr val="accent5"/>
+              </a:effectRef>
+              <a:fontRef idx="minor">
+                <a:schemeClr val="lt1"/>
+              </a:fontRef>
+            </p:style>
+            <p:txBody>
+              <a:bodyPr rtlCol="0" anchor="ctr"/>
+              <a:lstStyle/>
+              <a:p>
+                <a:pPr algn="ctr"/>
+                <a:r>
+                  <a:rPr lang="en-US" altLang="zh-TW" sz="1400" b="1" dirty="0"/>
+                  <a:t>Third-party DLL</a:t>
+                </a:r>
+                <a:endParaRPr lang="zh-TW" altLang="en-US" sz="1400" b="1" dirty="0"/>
+              </a:p>
+            </p:txBody>
+          </p:sp>
+          <p:sp>
+            <p:nvSpPr>
+              <p:cNvPr id="39" name="矩形 38">
+                <a:extLst>
+                  <a:ext uri="{FF2B5EF4-FFF2-40B4-BE49-F238E27FC236}">
+                    <a16:creationId xmlns:a16="http://schemas.microsoft.com/office/drawing/2014/main" id="{45D4BDF3-23AC-4344-871A-A8C0BBEB9EAC}"/>
+                  </a:ext>
+                </a:extLst>
+              </p:cNvPr>
+              <p:cNvSpPr/>
+              <p:nvPr/>
+            </p:nvSpPr>
+            <p:spPr>
+              <a:xfrm>
+                <a:off x="1614522" y="3608135"/>
+                <a:ext cx="1368000" cy="252000"/>
+              </a:xfrm>
+              <a:prstGeom prst="rect">
+                <a:avLst/>
+              </a:prstGeom>
+            </p:spPr>
+            <p:style>
+              <a:lnRef idx="0">
+                <a:schemeClr val="accent5"/>
+              </a:lnRef>
+              <a:fillRef idx="3">
+                <a:schemeClr val="accent5"/>
+              </a:fillRef>
+              <a:effectRef idx="3">
+                <a:schemeClr val="accent5"/>
+              </a:effectRef>
+              <a:fontRef idx="minor">
+                <a:schemeClr val="lt1"/>
+              </a:fontRef>
+            </p:style>
+            <p:txBody>
+              <a:bodyPr rtlCol="0" anchor="ctr"/>
+              <a:lstStyle/>
+              <a:p>
+                <a:pPr algn="ctr"/>
+                <a:r>
+                  <a:rPr lang="en-US" altLang="zh-TW" sz="1400" b="1" dirty="0"/>
+                  <a:t>Base Image</a:t>
+                </a:r>
+                <a:endParaRPr lang="zh-TW" altLang="en-US" sz="1400" b="1" dirty="0"/>
+              </a:p>
+            </p:txBody>
+          </p:sp>
+          <p:sp>
+            <p:nvSpPr>
+              <p:cNvPr id="40" name="文字方塊 39">
+                <a:extLst>
+                  <a:ext uri="{FF2B5EF4-FFF2-40B4-BE49-F238E27FC236}">
+                    <a16:creationId xmlns:a16="http://schemas.microsoft.com/office/drawing/2014/main" id="{D739B96D-C060-4065-9626-098543EC10CF}"/>
+                  </a:ext>
+                </a:extLst>
+              </p:cNvPr>
+              <p:cNvSpPr txBox="1"/>
+              <p:nvPr/>
+            </p:nvSpPr>
+            <p:spPr>
+              <a:xfrm>
+                <a:off x="1065613" y="3603432"/>
+                <a:ext cx="572593" cy="307777"/>
+              </a:xfrm>
+              <a:prstGeom prst="rect">
+                <a:avLst/>
+              </a:prstGeom>
+              <a:noFill/>
+            </p:spPr>
+            <p:txBody>
+              <a:bodyPr wrap="none" rtlCol="0">
+                <a:spAutoFit/>
+              </a:bodyPr>
+              <a:lstStyle/>
+              <a:p>
+                <a:r>
+                  <a:rPr lang="en-US" altLang="zh-TW" sz="1400" b="1" dirty="0" err="1"/>
+                  <a:t>sha</a:t>
+                </a:r>
+                <a:r>
+                  <a:rPr lang="en-US" altLang="zh-TW" sz="1400" b="1" dirty="0"/>
+                  <a:t> 1</a:t>
+                </a:r>
+                <a:endParaRPr lang="zh-TW" altLang="en-US" sz="1400" b="1" dirty="0"/>
+              </a:p>
+            </p:txBody>
+          </p:sp>
+          <p:sp>
+            <p:nvSpPr>
+              <p:cNvPr id="41" name="文字方塊 40">
+                <a:extLst>
+                  <a:ext uri="{FF2B5EF4-FFF2-40B4-BE49-F238E27FC236}">
+                    <a16:creationId xmlns:a16="http://schemas.microsoft.com/office/drawing/2014/main" id="{7D4CB755-03AE-44E3-B9A6-6D1BAFB12D7F}"/>
+                  </a:ext>
+                </a:extLst>
+              </p:cNvPr>
+              <p:cNvSpPr txBox="1"/>
+              <p:nvPr/>
+            </p:nvSpPr>
+            <p:spPr>
+              <a:xfrm>
+                <a:off x="1065613" y="3286270"/>
+                <a:ext cx="572593" cy="307777"/>
+              </a:xfrm>
+              <a:prstGeom prst="rect">
+                <a:avLst/>
+              </a:prstGeom>
+              <a:noFill/>
+            </p:spPr>
+            <p:txBody>
+              <a:bodyPr wrap="none" rtlCol="0">
+                <a:spAutoFit/>
+              </a:bodyPr>
+              <a:lstStyle/>
+              <a:p>
+                <a:r>
+                  <a:rPr lang="en-US" altLang="zh-TW" sz="1400" b="1" dirty="0" err="1"/>
+                  <a:t>sha</a:t>
+                </a:r>
+                <a:r>
+                  <a:rPr lang="en-US" altLang="zh-TW" sz="1400" b="1" dirty="0"/>
+                  <a:t> 2</a:t>
+                </a:r>
+                <a:endParaRPr lang="zh-TW" altLang="en-US" sz="1400" b="1" dirty="0"/>
+              </a:p>
+            </p:txBody>
+          </p:sp>
+          <p:sp>
+            <p:nvSpPr>
+              <p:cNvPr id="42" name="文字方塊 41">
+                <a:extLst>
+                  <a:ext uri="{FF2B5EF4-FFF2-40B4-BE49-F238E27FC236}">
+                    <a16:creationId xmlns:a16="http://schemas.microsoft.com/office/drawing/2014/main" id="{EBAE9D9D-C0AF-49AC-AB53-B033B36038C1}"/>
+                  </a:ext>
+                </a:extLst>
+              </p:cNvPr>
+              <p:cNvSpPr txBox="1"/>
+              <p:nvPr/>
+            </p:nvSpPr>
+            <p:spPr>
+              <a:xfrm>
+                <a:off x="1064896" y="2957588"/>
+                <a:ext cx="572593" cy="307777"/>
+              </a:xfrm>
+              <a:prstGeom prst="rect">
+                <a:avLst/>
+              </a:prstGeom>
+              <a:noFill/>
+            </p:spPr>
+            <p:txBody>
+              <a:bodyPr wrap="none" rtlCol="0">
+                <a:spAutoFit/>
+              </a:bodyPr>
+              <a:lstStyle/>
+              <a:p>
+                <a:r>
+                  <a:rPr lang="en-US" altLang="zh-TW" sz="1400" b="1" dirty="0" err="1"/>
+                  <a:t>sha</a:t>
+                </a:r>
+                <a:r>
+                  <a:rPr lang="en-US" altLang="zh-TW" sz="1400" b="1" dirty="0"/>
+                  <a:t> 3</a:t>
+                </a:r>
+                <a:endParaRPr lang="zh-TW" altLang="en-US" sz="1400" b="1" dirty="0"/>
+              </a:p>
+            </p:txBody>
+          </p:sp>
+        </p:grpSp>
+        <p:sp>
+          <p:nvSpPr>
+            <p:cNvPr id="117" name="文字方塊 116">
+              <a:extLst>
+                <a:ext uri="{FF2B5EF4-FFF2-40B4-BE49-F238E27FC236}">
+                  <a16:creationId xmlns:a16="http://schemas.microsoft.com/office/drawing/2014/main" id="{8A942767-6630-4B11-A1D6-C67CB6BAED53}"/>
+                </a:ext>
+              </a:extLst>
+            </p:cNvPr>
+            <p:cNvSpPr txBox="1"/>
+            <p:nvPr/>
+          </p:nvSpPr>
+          <p:spPr>
+            <a:xfrm>
+              <a:off x="1142815" y="2446025"/>
+              <a:ext cx="877163" cy="369332"/>
+            </a:xfrm>
+            <a:prstGeom prst="rect">
+              <a:avLst/>
+            </a:prstGeom>
+            <a:noFill/>
+          </p:spPr>
+          <p:txBody>
+            <a:bodyPr wrap="none" rtlCol="0">
+              <a:spAutoFit/>
+            </a:bodyPr>
+            <a:lstStyle/>
+            <a:p>
+              <a:r>
+                <a:rPr lang="en-US" altLang="zh-TW" b="1" dirty="0"/>
+                <a:t>1. Push</a:t>
+              </a:r>
+              <a:endParaRPr lang="zh-TW" altLang="en-US" b="1" dirty="0"/>
+            </a:p>
+          </p:txBody>
+        </p:sp>
+      </p:grpSp>
+      <p:grpSp>
+        <p:nvGrpSpPr>
+          <p:cNvPr id="166" name="群組 165">
+            <a:extLst>
+              <a:ext uri="{FF2B5EF4-FFF2-40B4-BE49-F238E27FC236}">
+                <a16:creationId xmlns:a16="http://schemas.microsoft.com/office/drawing/2014/main" id="{D9F38489-107B-46CE-9BA1-C2D08BD909CD}"/>
+              </a:ext>
+            </a:extLst>
+          </p:cNvPr>
+          <p:cNvGrpSpPr/>
+          <p:nvPr/>
+        </p:nvGrpSpPr>
+        <p:grpSpPr>
+          <a:xfrm>
+            <a:off x="3234056" y="1186333"/>
+            <a:ext cx="1916909" cy="986186"/>
+            <a:chOff x="4619292" y="1770822"/>
+            <a:chExt cx="1916909" cy="986186"/>
+          </a:xfrm>
+        </p:grpSpPr>
+        <p:grpSp>
+          <p:nvGrpSpPr>
+            <p:cNvPr id="44" name="群組 43">
+              <a:extLst>
+                <a:ext uri="{FF2B5EF4-FFF2-40B4-BE49-F238E27FC236}">
+                  <a16:creationId xmlns:a16="http://schemas.microsoft.com/office/drawing/2014/main" id="{4C7C1324-57DB-45D4-9970-B7B2F9995082}"/>
+                </a:ext>
+              </a:extLst>
+            </p:cNvPr>
+            <p:cNvGrpSpPr/>
+            <p:nvPr/>
+          </p:nvGrpSpPr>
+          <p:grpSpPr>
+            <a:xfrm>
+              <a:off x="4619292" y="2132069"/>
+              <a:ext cx="1916909" cy="624939"/>
+              <a:chOff x="1065613" y="3286270"/>
+              <a:chExt cx="1916909" cy="624939"/>
+            </a:xfrm>
+          </p:grpSpPr>
+          <p:sp>
+            <p:nvSpPr>
+              <p:cNvPr id="46" name="矩形 45">
+                <a:extLst>
+                  <a:ext uri="{FF2B5EF4-FFF2-40B4-BE49-F238E27FC236}">
+                    <a16:creationId xmlns:a16="http://schemas.microsoft.com/office/drawing/2014/main" id="{90960FE6-5C7A-4ED1-A61E-C1BF18C550FE}"/>
+                  </a:ext>
+                </a:extLst>
+              </p:cNvPr>
+              <p:cNvSpPr/>
+              <p:nvPr/>
+            </p:nvSpPr>
+            <p:spPr>
+              <a:xfrm>
+                <a:off x="1612340" y="3288835"/>
+                <a:ext cx="1368000" cy="252000"/>
+              </a:xfrm>
+              <a:prstGeom prst="rect">
+                <a:avLst/>
+              </a:prstGeom>
+            </p:spPr>
+            <p:style>
+              <a:lnRef idx="0">
+                <a:schemeClr val="accent5"/>
+              </a:lnRef>
+              <a:fillRef idx="3">
+                <a:schemeClr val="accent5"/>
+              </a:fillRef>
+              <a:effectRef idx="3">
+                <a:schemeClr val="accent5"/>
+              </a:effectRef>
+              <a:fontRef idx="minor">
+                <a:schemeClr val="lt1"/>
+              </a:fontRef>
+            </p:style>
+            <p:txBody>
+              <a:bodyPr rtlCol="0" anchor="ctr"/>
+              <a:lstStyle/>
+              <a:p>
+                <a:pPr algn="ctr"/>
+                <a:r>
+                  <a:rPr lang="en-US" altLang="zh-TW" sz="1400" b="1" dirty="0"/>
+                  <a:t>Third-party DLL</a:t>
+                </a:r>
+                <a:endParaRPr lang="zh-TW" altLang="en-US" sz="1400" b="1" dirty="0"/>
+              </a:p>
+            </p:txBody>
+          </p:sp>
+          <p:sp>
+            <p:nvSpPr>
+              <p:cNvPr id="47" name="矩形 46">
+                <a:extLst>
+                  <a:ext uri="{FF2B5EF4-FFF2-40B4-BE49-F238E27FC236}">
+                    <a16:creationId xmlns:a16="http://schemas.microsoft.com/office/drawing/2014/main" id="{C98AF79A-5985-42CC-B288-59D5A295A624}"/>
+                  </a:ext>
+                </a:extLst>
+              </p:cNvPr>
+              <p:cNvSpPr/>
+              <p:nvPr/>
+            </p:nvSpPr>
+            <p:spPr>
+              <a:xfrm>
+                <a:off x="1614522" y="3608135"/>
+                <a:ext cx="1368000" cy="252000"/>
+              </a:xfrm>
+              <a:prstGeom prst="rect">
+                <a:avLst/>
+              </a:prstGeom>
+            </p:spPr>
+            <p:style>
+              <a:lnRef idx="0">
+                <a:schemeClr val="accent5"/>
+              </a:lnRef>
+              <a:fillRef idx="3">
+                <a:schemeClr val="accent5"/>
+              </a:fillRef>
+              <a:effectRef idx="3">
+                <a:schemeClr val="accent5"/>
+              </a:effectRef>
+              <a:fontRef idx="minor">
+                <a:schemeClr val="lt1"/>
+              </a:fontRef>
+            </p:style>
+            <p:txBody>
+              <a:bodyPr rtlCol="0" anchor="ctr"/>
+              <a:lstStyle/>
+              <a:p>
+                <a:pPr algn="ctr"/>
+                <a:r>
+                  <a:rPr lang="en-US" altLang="zh-TW" sz="1400" b="1" dirty="0"/>
+                  <a:t>Base Image</a:t>
+                </a:r>
+                <a:endParaRPr lang="zh-TW" altLang="en-US" sz="1400" b="1" dirty="0"/>
+              </a:p>
+            </p:txBody>
+          </p:sp>
+          <p:sp>
+            <p:nvSpPr>
+              <p:cNvPr id="48" name="文字方塊 47">
+                <a:extLst>
+                  <a:ext uri="{FF2B5EF4-FFF2-40B4-BE49-F238E27FC236}">
+                    <a16:creationId xmlns:a16="http://schemas.microsoft.com/office/drawing/2014/main" id="{A8B5CC02-792C-4DB8-8147-9CCA96AB73D2}"/>
+                  </a:ext>
+                </a:extLst>
+              </p:cNvPr>
+              <p:cNvSpPr txBox="1"/>
+              <p:nvPr/>
+            </p:nvSpPr>
+            <p:spPr>
+              <a:xfrm>
+                <a:off x="1065613" y="3603432"/>
+                <a:ext cx="572593" cy="307777"/>
+              </a:xfrm>
+              <a:prstGeom prst="rect">
+                <a:avLst/>
+              </a:prstGeom>
+              <a:noFill/>
+            </p:spPr>
+            <p:txBody>
+              <a:bodyPr wrap="none" rtlCol="0">
+                <a:spAutoFit/>
+              </a:bodyPr>
+              <a:lstStyle/>
+              <a:p>
+                <a:r>
+                  <a:rPr lang="en-US" altLang="zh-TW" sz="1400" b="1" dirty="0" err="1"/>
+                  <a:t>sha</a:t>
+                </a:r>
+                <a:r>
+                  <a:rPr lang="en-US" altLang="zh-TW" sz="1400" b="1" dirty="0"/>
+                  <a:t> 1</a:t>
+                </a:r>
+                <a:endParaRPr lang="zh-TW" altLang="en-US" sz="1400" b="1" dirty="0"/>
+              </a:p>
+            </p:txBody>
+          </p:sp>
+          <p:sp>
+            <p:nvSpPr>
+              <p:cNvPr id="49" name="文字方塊 48">
+                <a:extLst>
+                  <a:ext uri="{FF2B5EF4-FFF2-40B4-BE49-F238E27FC236}">
+                    <a16:creationId xmlns:a16="http://schemas.microsoft.com/office/drawing/2014/main" id="{0CECD161-C434-4F4B-9C98-A42ACB52F919}"/>
+                  </a:ext>
+                </a:extLst>
+              </p:cNvPr>
+              <p:cNvSpPr txBox="1"/>
+              <p:nvPr/>
+            </p:nvSpPr>
+            <p:spPr>
+              <a:xfrm>
+                <a:off x="1065613" y="3286270"/>
+                <a:ext cx="572593" cy="307777"/>
+              </a:xfrm>
+              <a:prstGeom prst="rect">
+                <a:avLst/>
+              </a:prstGeom>
+              <a:noFill/>
+            </p:spPr>
+            <p:txBody>
+              <a:bodyPr wrap="none" rtlCol="0">
+                <a:spAutoFit/>
+              </a:bodyPr>
+              <a:lstStyle/>
+              <a:p>
+                <a:r>
+                  <a:rPr lang="en-US" altLang="zh-TW" sz="1400" b="1" dirty="0" err="1"/>
+                  <a:t>sha</a:t>
+                </a:r>
+                <a:r>
+                  <a:rPr lang="en-US" altLang="zh-TW" sz="1400" b="1" dirty="0"/>
+                  <a:t> 2</a:t>
+                </a:r>
+                <a:endParaRPr lang="zh-TW" altLang="en-US" sz="1400" b="1" dirty="0"/>
+              </a:p>
+            </p:txBody>
+          </p:sp>
+        </p:grpSp>
+        <p:sp>
+          <p:nvSpPr>
+            <p:cNvPr id="118" name="文字方塊 117">
+              <a:extLst>
+                <a:ext uri="{FF2B5EF4-FFF2-40B4-BE49-F238E27FC236}">
+                  <a16:creationId xmlns:a16="http://schemas.microsoft.com/office/drawing/2014/main" id="{BF151340-C968-41A4-947E-9ED00F6E08AF}"/>
+                </a:ext>
+              </a:extLst>
+            </p:cNvPr>
+            <p:cNvSpPr txBox="1"/>
+            <p:nvPr/>
+          </p:nvSpPr>
+          <p:spPr>
+            <a:xfrm>
+              <a:off x="5142059" y="1770822"/>
+              <a:ext cx="877163" cy="369332"/>
+            </a:xfrm>
+            <a:prstGeom prst="rect">
+              <a:avLst/>
+            </a:prstGeom>
+            <a:noFill/>
+          </p:spPr>
+          <p:txBody>
+            <a:bodyPr wrap="none" rtlCol="0">
+              <a:spAutoFit/>
+            </a:bodyPr>
+            <a:lstStyle/>
+            <a:p>
+              <a:r>
+                <a:rPr lang="en-US" altLang="zh-TW" b="1" dirty="0"/>
+                <a:t>2. Push</a:t>
+              </a:r>
+              <a:endParaRPr lang="zh-TW" altLang="en-US" b="1" dirty="0"/>
+            </a:p>
+          </p:txBody>
+        </p:sp>
+      </p:grpSp>
+      <p:cxnSp>
+        <p:nvCxnSpPr>
+          <p:cNvPr id="120" name="直線單箭頭接點 119">
+            <a:extLst>
+              <a:ext uri="{FF2B5EF4-FFF2-40B4-BE49-F238E27FC236}">
+                <a16:creationId xmlns:a16="http://schemas.microsoft.com/office/drawing/2014/main" id="{840B7BF5-8AC5-4F21-99B6-2CFE21291032}"/>
+              </a:ext>
+            </a:extLst>
+          </p:cNvPr>
+          <p:cNvCxnSpPr>
+            <a:cxnSpLocks/>
+            <a:stCxn id="110" idx="2"/>
+          </p:cNvCxnSpPr>
+          <p:nvPr/>
+        </p:nvCxnSpPr>
+        <p:spPr>
+          <a:xfrm>
+            <a:off x="8731742" y="3345586"/>
+            <a:ext cx="601974" cy="1498871"/>
+          </a:xfrm>
+          <a:prstGeom prst="straightConnector1">
+            <a:avLst/>
+          </a:prstGeom>
+          <a:ln w="38100">
+            <a:headEnd type="none" w="med" len="med"/>
+            <a:tailEnd type="arrow" w="med" len="med"/>
+          </a:ln>
+        </p:spPr>
+        <p:style>
+          <a:lnRef idx="3">
+            <a:schemeClr val="dk1"/>
+          </a:lnRef>
+          <a:fillRef idx="0">
+            <a:schemeClr val="dk1"/>
+          </a:fillRef>
+          <a:effectRef idx="2">
+            <a:schemeClr val="dk1"/>
+          </a:effectRef>
+          <a:fontRef idx="minor">
+            <a:schemeClr val="tx1"/>
+          </a:fontRef>
+        </p:style>
+      </p:cxnSp>
+      <p:grpSp>
+        <p:nvGrpSpPr>
+          <p:cNvPr id="172" name="群組 171">
+            <a:extLst>
+              <a:ext uri="{FF2B5EF4-FFF2-40B4-BE49-F238E27FC236}">
+                <a16:creationId xmlns:a16="http://schemas.microsoft.com/office/drawing/2014/main" id="{D145DF98-35BD-4C12-960A-B3033BF64E9B}"/>
+              </a:ext>
+            </a:extLst>
+          </p:cNvPr>
+          <p:cNvGrpSpPr/>
+          <p:nvPr/>
+        </p:nvGrpSpPr>
+        <p:grpSpPr>
+          <a:xfrm>
+            <a:off x="6937144" y="3152591"/>
+            <a:ext cx="1916909" cy="999345"/>
+            <a:chOff x="7195660" y="3659186"/>
+            <a:chExt cx="1916909" cy="999345"/>
+          </a:xfrm>
+        </p:grpSpPr>
+        <p:grpSp>
+          <p:nvGrpSpPr>
+            <p:cNvPr id="125" name="群組 124">
+              <a:extLst>
+                <a:ext uri="{FF2B5EF4-FFF2-40B4-BE49-F238E27FC236}">
+                  <a16:creationId xmlns:a16="http://schemas.microsoft.com/office/drawing/2014/main" id="{090A2CA6-2996-4474-BFE7-F9518FF359E5}"/>
+                </a:ext>
+              </a:extLst>
+            </p:cNvPr>
+            <p:cNvGrpSpPr/>
+            <p:nvPr/>
+          </p:nvGrpSpPr>
+          <p:grpSpPr>
+            <a:xfrm>
+              <a:off x="7195660" y="4033592"/>
+              <a:ext cx="1916909" cy="624939"/>
+              <a:chOff x="1065613" y="3286270"/>
+              <a:chExt cx="1916909" cy="624939"/>
+            </a:xfrm>
+          </p:grpSpPr>
+          <p:sp>
+            <p:nvSpPr>
+              <p:cNvPr id="126" name="矩形 125">
+                <a:extLst>
+                  <a:ext uri="{FF2B5EF4-FFF2-40B4-BE49-F238E27FC236}">
+                    <a16:creationId xmlns:a16="http://schemas.microsoft.com/office/drawing/2014/main" id="{69FDEC91-EC7A-4A84-B22C-E2836699576A}"/>
+                  </a:ext>
+                </a:extLst>
+              </p:cNvPr>
+              <p:cNvSpPr/>
+              <p:nvPr/>
+            </p:nvSpPr>
+            <p:spPr>
+              <a:xfrm>
+                <a:off x="1612340" y="3288835"/>
+                <a:ext cx="1368000" cy="252000"/>
+              </a:xfrm>
+              <a:prstGeom prst="rect">
+                <a:avLst/>
+              </a:prstGeom>
+            </p:spPr>
+            <p:style>
+              <a:lnRef idx="0">
+                <a:schemeClr val="accent5"/>
+              </a:lnRef>
+              <a:fillRef idx="3">
+                <a:schemeClr val="accent5"/>
+              </a:fillRef>
+              <a:effectRef idx="3">
+                <a:schemeClr val="accent5"/>
+              </a:effectRef>
+              <a:fontRef idx="minor">
+                <a:schemeClr val="lt1"/>
+              </a:fontRef>
+            </p:style>
+            <p:txBody>
+              <a:bodyPr rtlCol="0" anchor="ctr"/>
+              <a:lstStyle/>
+              <a:p>
+                <a:pPr algn="ctr"/>
+                <a:r>
+                  <a:rPr lang="en-US" altLang="zh-TW" sz="1400" b="1" dirty="0"/>
+                  <a:t>Third-party DLL</a:t>
+                </a:r>
+                <a:endParaRPr lang="zh-TW" altLang="en-US" sz="1400" b="1" dirty="0"/>
+              </a:p>
+            </p:txBody>
+          </p:sp>
+          <p:sp>
+            <p:nvSpPr>
+              <p:cNvPr id="127" name="矩形 126">
+                <a:extLst>
+                  <a:ext uri="{FF2B5EF4-FFF2-40B4-BE49-F238E27FC236}">
+                    <a16:creationId xmlns:a16="http://schemas.microsoft.com/office/drawing/2014/main" id="{0860ED37-3F6C-4BC4-AA5E-547723EE5E4E}"/>
+                  </a:ext>
+                </a:extLst>
+              </p:cNvPr>
+              <p:cNvSpPr/>
+              <p:nvPr/>
+            </p:nvSpPr>
+            <p:spPr>
+              <a:xfrm>
+                <a:off x="1614522" y="3608135"/>
+                <a:ext cx="1368000" cy="252000"/>
+              </a:xfrm>
+              <a:prstGeom prst="rect">
+                <a:avLst/>
+              </a:prstGeom>
+            </p:spPr>
+            <p:style>
+              <a:lnRef idx="0">
+                <a:schemeClr val="accent5"/>
+              </a:lnRef>
+              <a:fillRef idx="3">
+                <a:schemeClr val="accent5"/>
+              </a:fillRef>
+              <a:effectRef idx="3">
+                <a:schemeClr val="accent5"/>
+              </a:effectRef>
+              <a:fontRef idx="minor">
+                <a:schemeClr val="lt1"/>
+              </a:fontRef>
+            </p:style>
+            <p:txBody>
+              <a:bodyPr rtlCol="0" anchor="ctr"/>
+              <a:lstStyle/>
+              <a:p>
+                <a:pPr algn="ctr"/>
+                <a:r>
+                  <a:rPr lang="en-US" altLang="zh-TW" sz="1400" b="1" dirty="0"/>
+                  <a:t>Base Image</a:t>
+                </a:r>
+                <a:endParaRPr lang="zh-TW" altLang="en-US" sz="1400" b="1" dirty="0"/>
+              </a:p>
+            </p:txBody>
+          </p:sp>
+          <p:sp>
+            <p:nvSpPr>
+              <p:cNvPr id="128" name="文字方塊 127">
+                <a:extLst>
+                  <a:ext uri="{FF2B5EF4-FFF2-40B4-BE49-F238E27FC236}">
+                    <a16:creationId xmlns:a16="http://schemas.microsoft.com/office/drawing/2014/main" id="{A83CD5E9-8522-4207-AFAD-A5419A4DF167}"/>
+                  </a:ext>
+                </a:extLst>
+              </p:cNvPr>
+              <p:cNvSpPr txBox="1"/>
+              <p:nvPr/>
+            </p:nvSpPr>
+            <p:spPr>
+              <a:xfrm>
+                <a:off x="1065613" y="3603432"/>
+                <a:ext cx="572593" cy="307777"/>
+              </a:xfrm>
+              <a:prstGeom prst="rect">
+                <a:avLst/>
+              </a:prstGeom>
+              <a:noFill/>
+            </p:spPr>
+            <p:txBody>
+              <a:bodyPr wrap="none" rtlCol="0">
+                <a:spAutoFit/>
+              </a:bodyPr>
+              <a:lstStyle/>
+              <a:p>
+                <a:r>
+                  <a:rPr lang="en-US" altLang="zh-TW" sz="1400" b="1" dirty="0" err="1"/>
+                  <a:t>sha</a:t>
+                </a:r>
+                <a:r>
+                  <a:rPr lang="en-US" altLang="zh-TW" sz="1400" b="1" dirty="0"/>
+                  <a:t> 1</a:t>
+                </a:r>
+                <a:endParaRPr lang="zh-TW" altLang="en-US" sz="1400" b="1" dirty="0"/>
+              </a:p>
+            </p:txBody>
+          </p:sp>
+          <p:sp>
+            <p:nvSpPr>
+              <p:cNvPr id="129" name="文字方塊 128">
+                <a:extLst>
+                  <a:ext uri="{FF2B5EF4-FFF2-40B4-BE49-F238E27FC236}">
+                    <a16:creationId xmlns:a16="http://schemas.microsoft.com/office/drawing/2014/main" id="{1AAF30BC-CCF8-41AE-84E9-1FAB2A723080}"/>
+                  </a:ext>
+                </a:extLst>
+              </p:cNvPr>
+              <p:cNvSpPr txBox="1"/>
+              <p:nvPr/>
+            </p:nvSpPr>
+            <p:spPr>
+              <a:xfrm>
+                <a:off x="1065613" y="3286270"/>
+                <a:ext cx="572593" cy="307777"/>
+              </a:xfrm>
+              <a:prstGeom prst="rect">
+                <a:avLst/>
+              </a:prstGeom>
+              <a:noFill/>
+            </p:spPr>
+            <p:txBody>
+              <a:bodyPr wrap="none" rtlCol="0">
+                <a:spAutoFit/>
+              </a:bodyPr>
+              <a:lstStyle/>
+              <a:p>
+                <a:r>
+                  <a:rPr lang="en-US" altLang="zh-TW" sz="1400" b="1" dirty="0" err="1"/>
+                  <a:t>sha</a:t>
+                </a:r>
+                <a:r>
+                  <a:rPr lang="en-US" altLang="zh-TW" sz="1400" b="1" dirty="0"/>
+                  <a:t> 2</a:t>
+                </a:r>
+                <a:endParaRPr lang="zh-TW" altLang="en-US" sz="1400" b="1" dirty="0"/>
+              </a:p>
+            </p:txBody>
+          </p:sp>
+        </p:grpSp>
+        <p:sp>
+          <p:nvSpPr>
+            <p:cNvPr id="130" name="文字方塊 129">
+              <a:extLst>
+                <a:ext uri="{FF2B5EF4-FFF2-40B4-BE49-F238E27FC236}">
+                  <a16:creationId xmlns:a16="http://schemas.microsoft.com/office/drawing/2014/main" id="{7F4321A0-F403-4F29-9CFE-B0B3449A16FD}"/>
+                </a:ext>
+              </a:extLst>
+            </p:cNvPr>
+            <p:cNvSpPr txBox="1"/>
+            <p:nvPr/>
+          </p:nvSpPr>
+          <p:spPr>
+            <a:xfrm>
+              <a:off x="7742387" y="3659186"/>
+              <a:ext cx="877163" cy="369332"/>
+            </a:xfrm>
+            <a:prstGeom prst="rect">
+              <a:avLst/>
+            </a:prstGeom>
+            <a:noFill/>
+          </p:spPr>
+          <p:txBody>
+            <a:bodyPr wrap="none" rtlCol="0">
+              <a:spAutoFit/>
+            </a:bodyPr>
+            <a:lstStyle/>
+            <a:p>
+              <a:r>
+                <a:rPr lang="en-US" altLang="zh-TW" b="1" dirty="0"/>
+                <a:t>4. Push</a:t>
+              </a:r>
+              <a:endParaRPr lang="zh-TW" altLang="en-US" b="1" dirty="0"/>
+            </a:p>
+          </p:txBody>
+        </p:sp>
+      </p:grpSp>
+      <p:grpSp>
+        <p:nvGrpSpPr>
+          <p:cNvPr id="197" name="群組 196">
+            <a:extLst>
+              <a:ext uri="{FF2B5EF4-FFF2-40B4-BE49-F238E27FC236}">
+                <a16:creationId xmlns:a16="http://schemas.microsoft.com/office/drawing/2014/main" id="{8883A3F2-EF6C-49F7-8C56-61EFBBFCC362}"/>
+              </a:ext>
+            </a:extLst>
+          </p:cNvPr>
+          <p:cNvGrpSpPr/>
+          <p:nvPr/>
+        </p:nvGrpSpPr>
+        <p:grpSpPr>
+          <a:xfrm>
+            <a:off x="6814407" y="5532910"/>
+            <a:ext cx="1906688" cy="674109"/>
+            <a:chOff x="6814407" y="5532910"/>
+            <a:chExt cx="1906688" cy="674109"/>
+          </a:xfrm>
+        </p:grpSpPr>
+        <p:grpSp>
+          <p:nvGrpSpPr>
+            <p:cNvPr id="134" name="群組 133">
+              <a:extLst>
+                <a:ext uri="{FF2B5EF4-FFF2-40B4-BE49-F238E27FC236}">
+                  <a16:creationId xmlns:a16="http://schemas.microsoft.com/office/drawing/2014/main" id="{999568A0-D462-4812-ACA6-909065B861AB}"/>
+                </a:ext>
+              </a:extLst>
+            </p:cNvPr>
+            <p:cNvGrpSpPr/>
+            <p:nvPr/>
+          </p:nvGrpSpPr>
+          <p:grpSpPr>
+            <a:xfrm>
+              <a:off x="6814407" y="5899242"/>
+              <a:ext cx="1906688" cy="307777"/>
+              <a:chOff x="1064896" y="2957588"/>
+              <a:chExt cx="1906688" cy="307777"/>
+            </a:xfrm>
+          </p:grpSpPr>
+          <p:sp>
+            <p:nvSpPr>
+              <p:cNvPr id="135" name="矩形 134">
+                <a:extLst>
+                  <a:ext uri="{FF2B5EF4-FFF2-40B4-BE49-F238E27FC236}">
+                    <a16:creationId xmlns:a16="http://schemas.microsoft.com/office/drawing/2014/main" id="{D2190BD6-4AC5-4BAE-831D-FF6565D3A338}"/>
+                  </a:ext>
+                </a:extLst>
+              </p:cNvPr>
+              <p:cNvSpPr/>
+              <p:nvPr/>
+            </p:nvSpPr>
+            <p:spPr>
+              <a:xfrm>
+                <a:off x="1603584" y="2973660"/>
+                <a:ext cx="1368000" cy="252000"/>
+              </a:xfrm>
+              <a:prstGeom prst="rect">
+                <a:avLst/>
+              </a:prstGeom>
+            </p:spPr>
+            <p:style>
+              <a:lnRef idx="0">
+                <a:schemeClr val="accent2"/>
+              </a:lnRef>
+              <a:fillRef idx="3">
+                <a:schemeClr val="accent2"/>
+              </a:fillRef>
+              <a:effectRef idx="3">
+                <a:schemeClr val="accent2"/>
+              </a:effectRef>
+              <a:fontRef idx="minor">
+                <a:schemeClr val="lt1"/>
+              </a:fontRef>
+            </p:style>
+            <p:txBody>
+              <a:bodyPr rtlCol="0" anchor="ctr"/>
+              <a:lstStyle/>
+              <a:p>
+                <a:pPr algn="ctr"/>
+                <a:r>
+                  <a:rPr lang="en-US" altLang="zh-TW" sz="1400" b="1" dirty="0"/>
+                  <a:t>Project DLL</a:t>
+                </a:r>
+                <a:endParaRPr lang="zh-TW" altLang="en-US" sz="1400" b="1" dirty="0"/>
+              </a:p>
+            </p:txBody>
+          </p:sp>
+          <p:sp>
+            <p:nvSpPr>
+              <p:cNvPr id="140" name="文字方塊 139">
+                <a:extLst>
+                  <a:ext uri="{FF2B5EF4-FFF2-40B4-BE49-F238E27FC236}">
+                    <a16:creationId xmlns:a16="http://schemas.microsoft.com/office/drawing/2014/main" id="{7CD75C97-0B03-45C3-AC58-313C814063BE}"/>
+                  </a:ext>
+                </a:extLst>
+              </p:cNvPr>
+              <p:cNvSpPr txBox="1"/>
+              <p:nvPr/>
+            </p:nvSpPr>
+            <p:spPr>
+              <a:xfrm>
+                <a:off x="1064896" y="2957588"/>
+                <a:ext cx="572593" cy="307777"/>
+              </a:xfrm>
+              <a:prstGeom prst="rect">
+                <a:avLst/>
+              </a:prstGeom>
+              <a:noFill/>
+            </p:spPr>
+            <p:txBody>
+              <a:bodyPr wrap="none" rtlCol="0">
+                <a:spAutoFit/>
+              </a:bodyPr>
+              <a:lstStyle/>
+              <a:p>
+                <a:r>
+                  <a:rPr lang="en-US" altLang="zh-TW" sz="1400" b="1" dirty="0" err="1"/>
+                  <a:t>sha</a:t>
+                </a:r>
+                <a:r>
+                  <a:rPr lang="en-US" altLang="zh-TW" sz="1400" b="1" dirty="0"/>
+                  <a:t> 3</a:t>
+                </a:r>
+                <a:endParaRPr lang="zh-TW" altLang="en-US" sz="1400" b="1" dirty="0"/>
+              </a:p>
+            </p:txBody>
+          </p:sp>
+        </p:grpSp>
+        <p:sp>
+          <p:nvSpPr>
+            <p:cNvPr id="141" name="文字方塊 140">
+              <a:extLst>
+                <a:ext uri="{FF2B5EF4-FFF2-40B4-BE49-F238E27FC236}">
+                  <a16:creationId xmlns:a16="http://schemas.microsoft.com/office/drawing/2014/main" id="{5AFB9BEC-3019-4C58-BA66-2C78C6306FA5}"/>
+                </a:ext>
+              </a:extLst>
+            </p:cNvPr>
+            <p:cNvSpPr txBox="1"/>
+            <p:nvPr/>
+          </p:nvSpPr>
+          <p:spPr>
+            <a:xfrm>
+              <a:off x="7361055" y="5532910"/>
+              <a:ext cx="877163" cy="369332"/>
+            </a:xfrm>
+            <a:prstGeom prst="rect">
+              <a:avLst/>
+            </a:prstGeom>
+            <a:noFill/>
+          </p:spPr>
+          <p:txBody>
+            <a:bodyPr wrap="none" rtlCol="0">
+              <a:spAutoFit/>
+            </a:bodyPr>
+            <a:lstStyle/>
+            <a:p>
+              <a:r>
+                <a:rPr lang="en-US" altLang="zh-TW" b="1" dirty="0"/>
+                <a:t>6. Push</a:t>
+              </a:r>
+              <a:endParaRPr lang="zh-TW" altLang="en-US" b="1" dirty="0"/>
+            </a:p>
+          </p:txBody>
+        </p:sp>
+      </p:grpSp>
+      <p:grpSp>
+        <p:nvGrpSpPr>
+          <p:cNvPr id="186" name="群組 185">
+            <a:extLst>
+              <a:ext uri="{FF2B5EF4-FFF2-40B4-BE49-F238E27FC236}">
+                <a16:creationId xmlns:a16="http://schemas.microsoft.com/office/drawing/2014/main" id="{6D7EE536-0E3F-4726-9CE4-F8891038249F}"/>
+              </a:ext>
+            </a:extLst>
+          </p:cNvPr>
+          <p:cNvGrpSpPr/>
+          <p:nvPr/>
+        </p:nvGrpSpPr>
+        <p:grpSpPr>
+          <a:xfrm>
+            <a:off x="9696574" y="2864096"/>
+            <a:ext cx="1917626" cy="1319953"/>
+            <a:chOff x="9880326" y="2864096"/>
+            <a:chExt cx="1917626" cy="1319953"/>
+          </a:xfrm>
+        </p:grpSpPr>
+        <p:grpSp>
+          <p:nvGrpSpPr>
+            <p:cNvPr id="142" name="群組 141">
+              <a:extLst>
+                <a:ext uri="{FF2B5EF4-FFF2-40B4-BE49-F238E27FC236}">
+                  <a16:creationId xmlns:a16="http://schemas.microsoft.com/office/drawing/2014/main" id="{FCCAB9EE-4EF3-4254-9640-8641253DD5B6}"/>
+                </a:ext>
+              </a:extLst>
+            </p:cNvPr>
+            <p:cNvGrpSpPr/>
+            <p:nvPr/>
+          </p:nvGrpSpPr>
+          <p:grpSpPr>
+            <a:xfrm>
+              <a:off x="9880326" y="3230428"/>
+              <a:ext cx="1917626" cy="953621"/>
+              <a:chOff x="1064896" y="2957588"/>
+              <a:chExt cx="1917626" cy="953621"/>
+            </a:xfrm>
+          </p:grpSpPr>
+          <p:sp>
+            <p:nvSpPr>
+              <p:cNvPr id="143" name="矩形 142">
+                <a:extLst>
+                  <a:ext uri="{FF2B5EF4-FFF2-40B4-BE49-F238E27FC236}">
+                    <a16:creationId xmlns:a16="http://schemas.microsoft.com/office/drawing/2014/main" id="{BF48AA64-3A33-47AD-B375-317BDBE910FE}"/>
+                  </a:ext>
+                </a:extLst>
+              </p:cNvPr>
+              <p:cNvSpPr/>
+              <p:nvPr/>
+            </p:nvSpPr>
+            <p:spPr>
+              <a:xfrm>
+                <a:off x="1603584" y="2973660"/>
+                <a:ext cx="1368000" cy="252000"/>
+              </a:xfrm>
+              <a:prstGeom prst="rect">
+                <a:avLst/>
+              </a:prstGeom>
+            </p:spPr>
+            <p:style>
+              <a:lnRef idx="0">
+                <a:schemeClr val="accent2"/>
+              </a:lnRef>
+              <a:fillRef idx="3">
+                <a:schemeClr val="accent2"/>
+              </a:fillRef>
+              <a:effectRef idx="3">
+                <a:schemeClr val="accent2"/>
+              </a:effectRef>
+              <a:fontRef idx="minor">
+                <a:schemeClr val="lt1"/>
+              </a:fontRef>
+            </p:style>
+            <p:txBody>
+              <a:bodyPr rtlCol="0" anchor="ctr"/>
+              <a:lstStyle/>
+              <a:p>
+                <a:pPr algn="ctr"/>
+                <a:r>
+                  <a:rPr lang="en-US" altLang="zh-TW" sz="1400" b="1" dirty="0"/>
+                  <a:t>Project DLL</a:t>
+                </a:r>
+                <a:endParaRPr lang="zh-TW" altLang="en-US" sz="1400" b="1" dirty="0"/>
+              </a:p>
+            </p:txBody>
+          </p:sp>
+          <p:sp>
+            <p:nvSpPr>
+              <p:cNvPr id="144" name="矩形 143">
+                <a:extLst>
+                  <a:ext uri="{FF2B5EF4-FFF2-40B4-BE49-F238E27FC236}">
+                    <a16:creationId xmlns:a16="http://schemas.microsoft.com/office/drawing/2014/main" id="{4C5C5E93-3D11-4E85-A299-FBE82971D34F}"/>
+                  </a:ext>
+                </a:extLst>
+              </p:cNvPr>
+              <p:cNvSpPr/>
+              <p:nvPr/>
+            </p:nvSpPr>
+            <p:spPr>
+              <a:xfrm>
+                <a:off x="1612340" y="3288835"/>
+                <a:ext cx="1368000" cy="252000"/>
+              </a:xfrm>
+              <a:prstGeom prst="rect">
+                <a:avLst/>
+              </a:prstGeom>
+            </p:spPr>
+            <p:style>
+              <a:lnRef idx="0">
+                <a:schemeClr val="accent5"/>
+              </a:lnRef>
+              <a:fillRef idx="3">
+                <a:schemeClr val="accent5"/>
+              </a:fillRef>
+              <a:effectRef idx="3">
+                <a:schemeClr val="accent5"/>
+              </a:effectRef>
+              <a:fontRef idx="minor">
+                <a:schemeClr val="lt1"/>
+              </a:fontRef>
+            </p:style>
+            <p:txBody>
+              <a:bodyPr rtlCol="0" anchor="ctr"/>
+              <a:lstStyle/>
+              <a:p>
+                <a:pPr algn="ctr"/>
+                <a:r>
+                  <a:rPr lang="en-US" altLang="zh-TW" sz="1400" b="1" dirty="0"/>
+                  <a:t>Third-party DLL</a:t>
+                </a:r>
+                <a:endParaRPr lang="zh-TW" altLang="en-US" sz="1400" b="1" dirty="0"/>
+              </a:p>
+            </p:txBody>
+          </p:sp>
+          <p:sp>
+            <p:nvSpPr>
+              <p:cNvPr id="145" name="矩形 144">
+                <a:extLst>
+                  <a:ext uri="{FF2B5EF4-FFF2-40B4-BE49-F238E27FC236}">
+                    <a16:creationId xmlns:a16="http://schemas.microsoft.com/office/drawing/2014/main" id="{FE5889A1-DD9C-489A-8E05-BB37DBF7DDF7}"/>
+                  </a:ext>
+                </a:extLst>
+              </p:cNvPr>
+              <p:cNvSpPr/>
+              <p:nvPr/>
+            </p:nvSpPr>
+            <p:spPr>
+              <a:xfrm>
+                <a:off x="1614522" y="3608135"/>
+                <a:ext cx="1368000" cy="252000"/>
+              </a:xfrm>
+              <a:prstGeom prst="rect">
+                <a:avLst/>
+              </a:prstGeom>
+            </p:spPr>
+            <p:style>
+              <a:lnRef idx="0">
+                <a:schemeClr val="accent5"/>
+              </a:lnRef>
+              <a:fillRef idx="3">
+                <a:schemeClr val="accent5"/>
+              </a:fillRef>
+              <a:effectRef idx="3">
+                <a:schemeClr val="accent5"/>
+              </a:effectRef>
+              <a:fontRef idx="minor">
+                <a:schemeClr val="lt1"/>
+              </a:fontRef>
+            </p:style>
+            <p:txBody>
+              <a:bodyPr rtlCol="0" anchor="ctr"/>
+              <a:lstStyle/>
+              <a:p>
+                <a:pPr algn="ctr"/>
+                <a:r>
+                  <a:rPr lang="en-US" altLang="zh-TW" sz="1400" b="1" dirty="0"/>
+                  <a:t>Base Image</a:t>
+                </a:r>
+                <a:endParaRPr lang="zh-TW" altLang="en-US" sz="1400" b="1" dirty="0"/>
+              </a:p>
+            </p:txBody>
+          </p:sp>
+          <p:sp>
+            <p:nvSpPr>
+              <p:cNvPr id="146" name="文字方塊 145">
+                <a:extLst>
+                  <a:ext uri="{FF2B5EF4-FFF2-40B4-BE49-F238E27FC236}">
+                    <a16:creationId xmlns:a16="http://schemas.microsoft.com/office/drawing/2014/main" id="{84122F86-2960-4155-8DDC-F91E70FDF010}"/>
+                  </a:ext>
+                </a:extLst>
+              </p:cNvPr>
+              <p:cNvSpPr txBox="1"/>
+              <p:nvPr/>
+            </p:nvSpPr>
+            <p:spPr>
+              <a:xfrm>
+                <a:off x="1065613" y="3603432"/>
+                <a:ext cx="572593" cy="307777"/>
+              </a:xfrm>
+              <a:prstGeom prst="rect">
+                <a:avLst/>
+              </a:prstGeom>
+              <a:noFill/>
+            </p:spPr>
+            <p:txBody>
+              <a:bodyPr wrap="none" rtlCol="0">
+                <a:spAutoFit/>
+              </a:bodyPr>
+              <a:lstStyle/>
+              <a:p>
+                <a:r>
+                  <a:rPr lang="en-US" altLang="zh-TW" sz="1400" b="1" dirty="0" err="1"/>
+                  <a:t>sha</a:t>
+                </a:r>
+                <a:r>
+                  <a:rPr lang="en-US" altLang="zh-TW" sz="1400" b="1" dirty="0"/>
+                  <a:t> 1</a:t>
+                </a:r>
+                <a:endParaRPr lang="zh-TW" altLang="en-US" sz="1400" b="1" dirty="0"/>
+              </a:p>
+            </p:txBody>
+          </p:sp>
+          <p:sp>
+            <p:nvSpPr>
+              <p:cNvPr id="147" name="文字方塊 146">
+                <a:extLst>
+                  <a:ext uri="{FF2B5EF4-FFF2-40B4-BE49-F238E27FC236}">
+                    <a16:creationId xmlns:a16="http://schemas.microsoft.com/office/drawing/2014/main" id="{6AC69327-0809-41C5-B01A-1229059CFC59}"/>
+                  </a:ext>
+                </a:extLst>
+              </p:cNvPr>
+              <p:cNvSpPr txBox="1"/>
+              <p:nvPr/>
+            </p:nvSpPr>
+            <p:spPr>
+              <a:xfrm>
+                <a:off x="1065613" y="3286270"/>
+                <a:ext cx="572593" cy="307777"/>
+              </a:xfrm>
+              <a:prstGeom prst="rect">
+                <a:avLst/>
+              </a:prstGeom>
+              <a:noFill/>
+            </p:spPr>
+            <p:txBody>
+              <a:bodyPr wrap="none" rtlCol="0">
+                <a:spAutoFit/>
+              </a:bodyPr>
+              <a:lstStyle/>
+              <a:p>
+                <a:r>
+                  <a:rPr lang="en-US" altLang="zh-TW" sz="1400" b="1" dirty="0" err="1"/>
+                  <a:t>sha</a:t>
+                </a:r>
+                <a:r>
+                  <a:rPr lang="en-US" altLang="zh-TW" sz="1400" b="1" dirty="0"/>
+                  <a:t> 2</a:t>
+                </a:r>
+                <a:endParaRPr lang="zh-TW" altLang="en-US" sz="1400" b="1" dirty="0"/>
+              </a:p>
+            </p:txBody>
+          </p:sp>
+          <p:sp>
+            <p:nvSpPr>
+              <p:cNvPr id="148" name="文字方塊 147">
+                <a:extLst>
+                  <a:ext uri="{FF2B5EF4-FFF2-40B4-BE49-F238E27FC236}">
+                    <a16:creationId xmlns:a16="http://schemas.microsoft.com/office/drawing/2014/main" id="{2E39C6F9-FDA7-485F-9E00-FAAA8D926C58}"/>
+                  </a:ext>
+                </a:extLst>
+              </p:cNvPr>
+              <p:cNvSpPr txBox="1"/>
+              <p:nvPr/>
+            </p:nvSpPr>
+            <p:spPr>
+              <a:xfrm>
+                <a:off x="1064896" y="2957588"/>
+                <a:ext cx="572593" cy="307777"/>
+              </a:xfrm>
+              <a:prstGeom prst="rect">
+                <a:avLst/>
+              </a:prstGeom>
+              <a:noFill/>
+            </p:spPr>
+            <p:txBody>
+              <a:bodyPr wrap="none" rtlCol="0">
+                <a:spAutoFit/>
+              </a:bodyPr>
+              <a:lstStyle/>
+              <a:p>
+                <a:r>
+                  <a:rPr lang="en-US" altLang="zh-TW" sz="1400" b="1" dirty="0" err="1"/>
+                  <a:t>sha</a:t>
+                </a:r>
+                <a:r>
+                  <a:rPr lang="en-US" altLang="zh-TW" sz="1400" b="1" dirty="0"/>
+                  <a:t> 3</a:t>
+                </a:r>
+                <a:endParaRPr lang="zh-TW" altLang="en-US" sz="1400" b="1" dirty="0"/>
+              </a:p>
+            </p:txBody>
+          </p:sp>
+        </p:grpSp>
+        <p:sp>
+          <p:nvSpPr>
+            <p:cNvPr id="149" name="文字方塊 148">
+              <a:extLst>
+                <a:ext uri="{FF2B5EF4-FFF2-40B4-BE49-F238E27FC236}">
+                  <a16:creationId xmlns:a16="http://schemas.microsoft.com/office/drawing/2014/main" id="{573949D8-5060-447F-AFF9-7E10460B82ED}"/>
+                </a:ext>
+              </a:extLst>
+            </p:cNvPr>
+            <p:cNvSpPr txBox="1"/>
+            <p:nvPr/>
+          </p:nvSpPr>
+          <p:spPr>
+            <a:xfrm>
+              <a:off x="10426974" y="2864096"/>
+              <a:ext cx="774571" cy="369332"/>
+            </a:xfrm>
+            <a:prstGeom prst="rect">
+              <a:avLst/>
+            </a:prstGeom>
+            <a:noFill/>
+          </p:spPr>
+          <p:txBody>
+            <a:bodyPr wrap="none" rtlCol="0">
+              <a:spAutoFit/>
+            </a:bodyPr>
+            <a:lstStyle/>
+            <a:p>
+              <a:r>
+                <a:rPr lang="en-US" altLang="zh-TW" b="1" dirty="0"/>
+                <a:t>7. Pull</a:t>
+              </a:r>
+              <a:endParaRPr lang="zh-TW" altLang="en-US" b="1" dirty="0"/>
+            </a:p>
+          </p:txBody>
+        </p:sp>
+      </p:grpSp>
+      <p:grpSp>
+        <p:nvGrpSpPr>
+          <p:cNvPr id="165" name="群組 164">
+            <a:extLst>
+              <a:ext uri="{FF2B5EF4-FFF2-40B4-BE49-F238E27FC236}">
+                <a16:creationId xmlns:a16="http://schemas.microsoft.com/office/drawing/2014/main" id="{6C2BD117-99FB-4724-B2AD-462D56FB7BBF}"/>
+              </a:ext>
+            </a:extLst>
+          </p:cNvPr>
+          <p:cNvGrpSpPr/>
+          <p:nvPr/>
+        </p:nvGrpSpPr>
+        <p:grpSpPr>
+          <a:xfrm>
+            <a:off x="3884666" y="3505242"/>
+            <a:ext cx="1917626" cy="1319953"/>
+            <a:chOff x="3964257" y="4132805"/>
+            <a:chExt cx="1917626" cy="1319953"/>
+          </a:xfrm>
+        </p:grpSpPr>
+        <p:sp>
+          <p:nvSpPr>
+            <p:cNvPr id="133" name="文字方塊 132">
+              <a:extLst>
+                <a:ext uri="{FF2B5EF4-FFF2-40B4-BE49-F238E27FC236}">
+                  <a16:creationId xmlns:a16="http://schemas.microsoft.com/office/drawing/2014/main" id="{AF6065A2-1CBC-42C4-986B-30AEA48AE112}"/>
+                </a:ext>
+              </a:extLst>
+            </p:cNvPr>
+            <p:cNvSpPr txBox="1"/>
+            <p:nvPr/>
+          </p:nvSpPr>
+          <p:spPr>
+            <a:xfrm>
+              <a:off x="4510905" y="4132805"/>
+              <a:ext cx="774571" cy="369332"/>
+            </a:xfrm>
+            <a:prstGeom prst="rect">
+              <a:avLst/>
+            </a:prstGeom>
+            <a:noFill/>
+          </p:spPr>
+          <p:txBody>
+            <a:bodyPr wrap="none" rtlCol="0">
+              <a:spAutoFit/>
+            </a:bodyPr>
+            <a:lstStyle/>
+            <a:p>
+              <a:r>
+                <a:rPr lang="en-US" altLang="zh-TW" b="1" dirty="0"/>
+                <a:t>5. Pull</a:t>
+              </a:r>
+              <a:endParaRPr lang="zh-TW" altLang="en-US" b="1" dirty="0"/>
+            </a:p>
+          </p:txBody>
+        </p:sp>
+        <p:grpSp>
+          <p:nvGrpSpPr>
+            <p:cNvPr id="52" name="群組 51">
+              <a:extLst>
+                <a:ext uri="{FF2B5EF4-FFF2-40B4-BE49-F238E27FC236}">
+                  <a16:creationId xmlns:a16="http://schemas.microsoft.com/office/drawing/2014/main" id="{E56A2CCE-E768-4078-A040-ED2E3971D5D7}"/>
+                </a:ext>
+              </a:extLst>
+            </p:cNvPr>
+            <p:cNvGrpSpPr/>
+            <p:nvPr/>
+          </p:nvGrpSpPr>
+          <p:grpSpPr>
+            <a:xfrm>
+              <a:off x="3964257" y="4499137"/>
+              <a:ext cx="1917626" cy="953621"/>
+              <a:chOff x="1064896" y="2957588"/>
+              <a:chExt cx="1917626" cy="953621"/>
+            </a:xfrm>
+          </p:grpSpPr>
+          <p:sp>
+            <p:nvSpPr>
+              <p:cNvPr id="53" name="矩形 52">
+                <a:extLst>
+                  <a:ext uri="{FF2B5EF4-FFF2-40B4-BE49-F238E27FC236}">
+                    <a16:creationId xmlns:a16="http://schemas.microsoft.com/office/drawing/2014/main" id="{C2C9A821-C8C1-414A-B755-C42C9CDB42DF}"/>
+                  </a:ext>
+                </a:extLst>
+              </p:cNvPr>
+              <p:cNvSpPr/>
+              <p:nvPr/>
+            </p:nvSpPr>
+            <p:spPr>
+              <a:xfrm>
+                <a:off x="1603584" y="2973660"/>
+                <a:ext cx="1368000" cy="252000"/>
+              </a:xfrm>
+              <a:prstGeom prst="rect">
+                <a:avLst/>
+              </a:prstGeom>
+            </p:spPr>
+            <p:style>
+              <a:lnRef idx="0">
+                <a:schemeClr val="accent2"/>
+              </a:lnRef>
+              <a:fillRef idx="3">
+                <a:schemeClr val="accent2"/>
+              </a:fillRef>
+              <a:effectRef idx="3">
+                <a:schemeClr val="accent2"/>
+              </a:effectRef>
+              <a:fontRef idx="minor">
+                <a:schemeClr val="lt1"/>
+              </a:fontRef>
+            </p:style>
+            <p:txBody>
+              <a:bodyPr rtlCol="0" anchor="ctr"/>
+              <a:lstStyle/>
+              <a:p>
+                <a:pPr algn="ctr"/>
+                <a:r>
+                  <a:rPr lang="en-US" altLang="zh-TW" sz="1400" b="1" dirty="0"/>
+                  <a:t>Project DLL</a:t>
+                </a:r>
+                <a:endParaRPr lang="zh-TW" altLang="en-US" sz="1400" b="1" dirty="0"/>
+              </a:p>
+            </p:txBody>
+          </p:sp>
+          <p:sp>
+            <p:nvSpPr>
+              <p:cNvPr id="54" name="矩形 53">
+                <a:extLst>
+                  <a:ext uri="{FF2B5EF4-FFF2-40B4-BE49-F238E27FC236}">
+                    <a16:creationId xmlns:a16="http://schemas.microsoft.com/office/drawing/2014/main" id="{B4437E00-F10B-4ACE-80E7-AC8FF5DA827B}"/>
+                  </a:ext>
+                </a:extLst>
+              </p:cNvPr>
+              <p:cNvSpPr/>
+              <p:nvPr/>
+            </p:nvSpPr>
+            <p:spPr>
+              <a:xfrm>
+                <a:off x="1612340" y="3288835"/>
+                <a:ext cx="1368000" cy="252000"/>
+              </a:xfrm>
+              <a:prstGeom prst="rect">
+                <a:avLst/>
+              </a:prstGeom>
+            </p:spPr>
+            <p:style>
+              <a:lnRef idx="0">
+                <a:schemeClr val="accent5"/>
+              </a:lnRef>
+              <a:fillRef idx="3">
+                <a:schemeClr val="accent5"/>
+              </a:fillRef>
+              <a:effectRef idx="3">
+                <a:schemeClr val="accent5"/>
+              </a:effectRef>
+              <a:fontRef idx="minor">
+                <a:schemeClr val="lt1"/>
+              </a:fontRef>
+            </p:style>
+            <p:txBody>
+              <a:bodyPr rtlCol="0" anchor="ctr"/>
+              <a:lstStyle/>
+              <a:p>
+                <a:pPr algn="ctr"/>
+                <a:r>
+                  <a:rPr lang="en-US" altLang="zh-TW" sz="1400" b="1" dirty="0"/>
+                  <a:t>Third-party DLL</a:t>
+                </a:r>
+                <a:endParaRPr lang="zh-TW" altLang="en-US" sz="1400" b="1" dirty="0"/>
+              </a:p>
+            </p:txBody>
+          </p:sp>
+          <p:sp>
+            <p:nvSpPr>
+              <p:cNvPr id="55" name="矩形 54">
+                <a:extLst>
+                  <a:ext uri="{FF2B5EF4-FFF2-40B4-BE49-F238E27FC236}">
+                    <a16:creationId xmlns:a16="http://schemas.microsoft.com/office/drawing/2014/main" id="{BD8A07F4-4898-4685-B356-781EC469B03A}"/>
+                  </a:ext>
+                </a:extLst>
+              </p:cNvPr>
+              <p:cNvSpPr/>
+              <p:nvPr/>
+            </p:nvSpPr>
+            <p:spPr>
+              <a:xfrm>
+                <a:off x="1614522" y="3608135"/>
+                <a:ext cx="1368000" cy="252000"/>
+              </a:xfrm>
+              <a:prstGeom prst="rect">
+                <a:avLst/>
+              </a:prstGeom>
+            </p:spPr>
+            <p:style>
+              <a:lnRef idx="0">
+                <a:schemeClr val="accent5"/>
+              </a:lnRef>
+              <a:fillRef idx="3">
+                <a:schemeClr val="accent5"/>
+              </a:fillRef>
+              <a:effectRef idx="3">
+                <a:schemeClr val="accent5"/>
+              </a:effectRef>
+              <a:fontRef idx="minor">
+                <a:schemeClr val="lt1"/>
+              </a:fontRef>
+            </p:style>
+            <p:txBody>
+              <a:bodyPr rtlCol="0" anchor="ctr"/>
+              <a:lstStyle/>
+              <a:p>
+                <a:pPr algn="ctr"/>
+                <a:r>
+                  <a:rPr lang="en-US" altLang="zh-TW" sz="1400" b="1" dirty="0"/>
+                  <a:t>Base Image</a:t>
+                </a:r>
+                <a:endParaRPr lang="zh-TW" altLang="en-US" sz="1400" b="1" dirty="0"/>
+              </a:p>
+            </p:txBody>
+          </p:sp>
+          <p:sp>
+            <p:nvSpPr>
+              <p:cNvPr id="56" name="文字方塊 55">
+                <a:extLst>
+                  <a:ext uri="{FF2B5EF4-FFF2-40B4-BE49-F238E27FC236}">
+                    <a16:creationId xmlns:a16="http://schemas.microsoft.com/office/drawing/2014/main" id="{FC4F4556-E363-46F6-8AFE-BCD84B7507B1}"/>
+                  </a:ext>
+                </a:extLst>
+              </p:cNvPr>
+              <p:cNvSpPr txBox="1"/>
+              <p:nvPr/>
+            </p:nvSpPr>
+            <p:spPr>
+              <a:xfrm>
+                <a:off x="1065613" y="3603432"/>
+                <a:ext cx="572593" cy="307777"/>
+              </a:xfrm>
+              <a:prstGeom prst="rect">
+                <a:avLst/>
+              </a:prstGeom>
+              <a:noFill/>
+            </p:spPr>
+            <p:txBody>
+              <a:bodyPr wrap="none" rtlCol="0">
+                <a:spAutoFit/>
+              </a:bodyPr>
+              <a:lstStyle/>
+              <a:p>
+                <a:r>
+                  <a:rPr lang="en-US" altLang="zh-TW" sz="1400" b="1" dirty="0" err="1"/>
+                  <a:t>sha</a:t>
+                </a:r>
+                <a:r>
+                  <a:rPr lang="en-US" altLang="zh-TW" sz="1400" b="1" dirty="0"/>
+                  <a:t> 1</a:t>
+                </a:r>
+                <a:endParaRPr lang="zh-TW" altLang="en-US" sz="1400" b="1" dirty="0"/>
+              </a:p>
+            </p:txBody>
+          </p:sp>
+          <p:sp>
+            <p:nvSpPr>
+              <p:cNvPr id="57" name="文字方塊 56">
+                <a:extLst>
+                  <a:ext uri="{FF2B5EF4-FFF2-40B4-BE49-F238E27FC236}">
+                    <a16:creationId xmlns:a16="http://schemas.microsoft.com/office/drawing/2014/main" id="{550E9C53-26DE-4D99-A92F-6C8F13A76D65}"/>
+                  </a:ext>
+                </a:extLst>
+              </p:cNvPr>
+              <p:cNvSpPr txBox="1"/>
+              <p:nvPr/>
+            </p:nvSpPr>
+            <p:spPr>
+              <a:xfrm>
+                <a:off x="1065613" y="3286270"/>
+                <a:ext cx="572593" cy="307777"/>
+              </a:xfrm>
+              <a:prstGeom prst="rect">
+                <a:avLst/>
+              </a:prstGeom>
+              <a:noFill/>
+            </p:spPr>
+            <p:txBody>
+              <a:bodyPr wrap="none" rtlCol="0">
+                <a:spAutoFit/>
+              </a:bodyPr>
+              <a:lstStyle/>
+              <a:p>
+                <a:r>
+                  <a:rPr lang="en-US" altLang="zh-TW" sz="1400" b="1" dirty="0" err="1"/>
+                  <a:t>sha</a:t>
+                </a:r>
+                <a:r>
+                  <a:rPr lang="en-US" altLang="zh-TW" sz="1400" b="1" dirty="0"/>
+                  <a:t> 2</a:t>
+                </a:r>
+                <a:endParaRPr lang="zh-TW" altLang="en-US" sz="1400" b="1" dirty="0"/>
+              </a:p>
+            </p:txBody>
+          </p:sp>
+          <p:sp>
+            <p:nvSpPr>
+              <p:cNvPr id="58" name="文字方塊 57">
+                <a:extLst>
+                  <a:ext uri="{FF2B5EF4-FFF2-40B4-BE49-F238E27FC236}">
+                    <a16:creationId xmlns:a16="http://schemas.microsoft.com/office/drawing/2014/main" id="{F5F07C1B-6312-416C-92E9-7CBE50790A34}"/>
+                  </a:ext>
+                </a:extLst>
+              </p:cNvPr>
+              <p:cNvSpPr txBox="1"/>
+              <p:nvPr/>
+            </p:nvSpPr>
+            <p:spPr>
+              <a:xfrm>
+                <a:off x="1064896" y="2957588"/>
+                <a:ext cx="572593" cy="307777"/>
+              </a:xfrm>
+              <a:prstGeom prst="rect">
+                <a:avLst/>
+              </a:prstGeom>
+              <a:noFill/>
+            </p:spPr>
+            <p:txBody>
+              <a:bodyPr wrap="none" rtlCol="0">
+                <a:spAutoFit/>
+              </a:bodyPr>
+              <a:lstStyle/>
+              <a:p>
+                <a:r>
+                  <a:rPr lang="en-US" altLang="zh-TW" sz="1400" b="1" dirty="0" err="1"/>
+                  <a:t>sha</a:t>
+                </a:r>
+                <a:r>
+                  <a:rPr lang="en-US" altLang="zh-TW" sz="1400" b="1" dirty="0"/>
+                  <a:t> 3</a:t>
+                </a:r>
+                <a:endParaRPr lang="zh-TW" altLang="en-US" sz="1400" b="1" dirty="0"/>
+              </a:p>
+            </p:txBody>
+          </p:sp>
+        </p:grpSp>
+      </p:grpSp>
+      <p:cxnSp>
+        <p:nvCxnSpPr>
+          <p:cNvPr id="176" name="直線單箭頭接點 175">
+            <a:extLst>
+              <a:ext uri="{FF2B5EF4-FFF2-40B4-BE49-F238E27FC236}">
+                <a16:creationId xmlns:a16="http://schemas.microsoft.com/office/drawing/2014/main" id="{E0EF9A30-E0E9-4977-A087-324344659F09}"/>
+              </a:ext>
+            </a:extLst>
+          </p:cNvPr>
+          <p:cNvCxnSpPr>
+            <a:cxnSpLocks/>
+          </p:cNvCxnSpPr>
+          <p:nvPr/>
+        </p:nvCxnSpPr>
+        <p:spPr>
+          <a:xfrm flipV="1">
+            <a:off x="9677400" y="2482277"/>
+            <a:ext cx="0" cy="2274714"/>
+          </a:xfrm>
+          <a:prstGeom prst="straightConnector1">
+            <a:avLst/>
+          </a:prstGeom>
+          <a:ln w="38100">
+            <a:headEnd type="none" w="med" len="med"/>
+            <a:tailEnd type="arrow" w="med" len="med"/>
+          </a:ln>
+        </p:spPr>
+        <p:style>
+          <a:lnRef idx="3">
+            <a:schemeClr val="dk1"/>
+          </a:lnRef>
+          <a:fillRef idx="0">
+            <a:schemeClr val="dk1"/>
+          </a:fillRef>
+          <a:effectRef idx="2">
+            <a:schemeClr val="dk1"/>
+          </a:effectRef>
+          <a:fontRef idx="minor">
+            <a:schemeClr val="tx1"/>
+          </a:fontRef>
+        </p:style>
+      </p:cxnSp>
+      <p:grpSp>
+        <p:nvGrpSpPr>
+          <p:cNvPr id="167" name="群組 166">
+            <a:extLst>
+              <a:ext uri="{FF2B5EF4-FFF2-40B4-BE49-F238E27FC236}">
+                <a16:creationId xmlns:a16="http://schemas.microsoft.com/office/drawing/2014/main" id="{0E164BC1-FF94-4FF5-8E28-9683E6A4F494}"/>
+              </a:ext>
+            </a:extLst>
+          </p:cNvPr>
+          <p:cNvGrpSpPr/>
+          <p:nvPr/>
+        </p:nvGrpSpPr>
+        <p:grpSpPr>
+          <a:xfrm>
+            <a:off x="5550793" y="2030181"/>
+            <a:ext cx="1916909" cy="992895"/>
+            <a:chOff x="6819517" y="875499"/>
+            <a:chExt cx="1916909" cy="992895"/>
+          </a:xfrm>
+        </p:grpSpPr>
+        <p:grpSp>
+          <p:nvGrpSpPr>
+            <p:cNvPr id="59" name="群組 58">
+              <a:extLst>
+                <a:ext uri="{FF2B5EF4-FFF2-40B4-BE49-F238E27FC236}">
+                  <a16:creationId xmlns:a16="http://schemas.microsoft.com/office/drawing/2014/main" id="{E62524CB-2873-4CE9-A3A2-D599425F090E}"/>
+                </a:ext>
+              </a:extLst>
+            </p:cNvPr>
+            <p:cNvGrpSpPr/>
+            <p:nvPr/>
+          </p:nvGrpSpPr>
+          <p:grpSpPr>
+            <a:xfrm>
+              <a:off x="6819517" y="1243455"/>
+              <a:ext cx="1916909" cy="624939"/>
+              <a:chOff x="1065613" y="3286270"/>
+              <a:chExt cx="1916909" cy="624939"/>
+            </a:xfrm>
+          </p:grpSpPr>
+          <p:sp>
+            <p:nvSpPr>
+              <p:cNvPr id="60" name="矩形 59">
+                <a:extLst>
+                  <a:ext uri="{FF2B5EF4-FFF2-40B4-BE49-F238E27FC236}">
+                    <a16:creationId xmlns:a16="http://schemas.microsoft.com/office/drawing/2014/main" id="{3B8F8BED-0D51-4DBF-BA6F-BFCF16DE0AD5}"/>
+                  </a:ext>
+                </a:extLst>
+              </p:cNvPr>
+              <p:cNvSpPr/>
+              <p:nvPr/>
+            </p:nvSpPr>
+            <p:spPr>
+              <a:xfrm>
+                <a:off x="1612340" y="3288835"/>
+                <a:ext cx="1368000" cy="252000"/>
+              </a:xfrm>
+              <a:prstGeom prst="rect">
+                <a:avLst/>
+              </a:prstGeom>
+            </p:spPr>
+            <p:style>
+              <a:lnRef idx="0">
+                <a:schemeClr val="accent5"/>
+              </a:lnRef>
+              <a:fillRef idx="3">
+                <a:schemeClr val="accent5"/>
+              </a:fillRef>
+              <a:effectRef idx="3">
+                <a:schemeClr val="accent5"/>
+              </a:effectRef>
+              <a:fontRef idx="minor">
+                <a:schemeClr val="lt1"/>
+              </a:fontRef>
+            </p:style>
+            <p:txBody>
+              <a:bodyPr rtlCol="0" anchor="ctr"/>
+              <a:lstStyle/>
+              <a:p>
+                <a:pPr algn="ctr"/>
+                <a:r>
+                  <a:rPr lang="en-US" altLang="zh-TW" sz="1400" b="1" dirty="0"/>
+                  <a:t>Third-party DLL</a:t>
+                </a:r>
+                <a:endParaRPr lang="zh-TW" altLang="en-US" sz="1400" b="1" dirty="0"/>
+              </a:p>
+            </p:txBody>
+          </p:sp>
+          <p:sp>
+            <p:nvSpPr>
+              <p:cNvPr id="61" name="矩形 60">
+                <a:extLst>
+                  <a:ext uri="{FF2B5EF4-FFF2-40B4-BE49-F238E27FC236}">
+                    <a16:creationId xmlns:a16="http://schemas.microsoft.com/office/drawing/2014/main" id="{529B02E5-9E58-45C7-90D6-3E96DCCB2275}"/>
+                  </a:ext>
+                </a:extLst>
+              </p:cNvPr>
+              <p:cNvSpPr/>
+              <p:nvPr/>
+            </p:nvSpPr>
+            <p:spPr>
+              <a:xfrm>
+                <a:off x="1614522" y="3608135"/>
+                <a:ext cx="1368000" cy="252000"/>
+              </a:xfrm>
+              <a:prstGeom prst="rect">
+                <a:avLst/>
+              </a:prstGeom>
+            </p:spPr>
+            <p:style>
+              <a:lnRef idx="0">
+                <a:schemeClr val="accent5"/>
+              </a:lnRef>
+              <a:fillRef idx="3">
+                <a:schemeClr val="accent5"/>
+              </a:fillRef>
+              <a:effectRef idx="3">
+                <a:schemeClr val="accent5"/>
+              </a:effectRef>
+              <a:fontRef idx="minor">
+                <a:schemeClr val="lt1"/>
+              </a:fontRef>
+            </p:style>
+            <p:txBody>
+              <a:bodyPr rtlCol="0" anchor="ctr"/>
+              <a:lstStyle/>
+              <a:p>
+                <a:pPr algn="ctr"/>
+                <a:r>
+                  <a:rPr lang="en-US" altLang="zh-TW" sz="1400" b="1" dirty="0"/>
+                  <a:t>Base Image</a:t>
+                </a:r>
+                <a:endParaRPr lang="zh-TW" altLang="en-US" sz="1400" b="1" dirty="0"/>
+              </a:p>
+            </p:txBody>
+          </p:sp>
+          <p:sp>
+            <p:nvSpPr>
+              <p:cNvPr id="62" name="文字方塊 61">
+                <a:extLst>
+                  <a:ext uri="{FF2B5EF4-FFF2-40B4-BE49-F238E27FC236}">
+                    <a16:creationId xmlns:a16="http://schemas.microsoft.com/office/drawing/2014/main" id="{A321086D-0B4B-4C5D-9741-AF0FEE4EAA3A}"/>
+                  </a:ext>
+                </a:extLst>
+              </p:cNvPr>
+              <p:cNvSpPr txBox="1"/>
+              <p:nvPr/>
+            </p:nvSpPr>
+            <p:spPr>
+              <a:xfrm>
+                <a:off x="1065613" y="3603432"/>
+                <a:ext cx="572593" cy="307777"/>
+              </a:xfrm>
+              <a:prstGeom prst="rect">
+                <a:avLst/>
+              </a:prstGeom>
+              <a:noFill/>
+            </p:spPr>
+            <p:txBody>
+              <a:bodyPr wrap="none" rtlCol="0">
+                <a:spAutoFit/>
+              </a:bodyPr>
+              <a:lstStyle/>
+              <a:p>
+                <a:r>
+                  <a:rPr lang="en-US" altLang="zh-TW" sz="1400" b="1" dirty="0" err="1"/>
+                  <a:t>sha</a:t>
+                </a:r>
+                <a:r>
+                  <a:rPr lang="en-US" altLang="zh-TW" sz="1400" b="1" dirty="0"/>
+                  <a:t> 1</a:t>
+                </a:r>
+                <a:endParaRPr lang="zh-TW" altLang="en-US" sz="1400" b="1" dirty="0"/>
+              </a:p>
+            </p:txBody>
+          </p:sp>
+          <p:sp>
+            <p:nvSpPr>
+              <p:cNvPr id="63" name="文字方塊 62">
+                <a:extLst>
+                  <a:ext uri="{FF2B5EF4-FFF2-40B4-BE49-F238E27FC236}">
+                    <a16:creationId xmlns:a16="http://schemas.microsoft.com/office/drawing/2014/main" id="{221E4D42-9B4F-473F-81B6-B2591C9B54C1}"/>
+                  </a:ext>
+                </a:extLst>
+              </p:cNvPr>
+              <p:cNvSpPr txBox="1"/>
+              <p:nvPr/>
+            </p:nvSpPr>
+            <p:spPr>
+              <a:xfrm>
+                <a:off x="1065613" y="3286270"/>
+                <a:ext cx="572593" cy="307777"/>
+              </a:xfrm>
+              <a:prstGeom prst="rect">
+                <a:avLst/>
+              </a:prstGeom>
+              <a:noFill/>
+            </p:spPr>
+            <p:txBody>
+              <a:bodyPr wrap="none" rtlCol="0">
+                <a:spAutoFit/>
+              </a:bodyPr>
+              <a:lstStyle/>
+              <a:p>
+                <a:r>
+                  <a:rPr lang="en-US" altLang="zh-TW" sz="1400" b="1" dirty="0" err="1"/>
+                  <a:t>sha</a:t>
+                </a:r>
+                <a:r>
+                  <a:rPr lang="en-US" altLang="zh-TW" sz="1400" b="1" dirty="0"/>
+                  <a:t> 2</a:t>
+                </a:r>
+                <a:endParaRPr lang="zh-TW" altLang="en-US" sz="1400" b="1" dirty="0"/>
+              </a:p>
+            </p:txBody>
+          </p:sp>
+        </p:grpSp>
+        <p:sp>
+          <p:nvSpPr>
+            <p:cNvPr id="119" name="文字方塊 118">
+              <a:extLst>
+                <a:ext uri="{FF2B5EF4-FFF2-40B4-BE49-F238E27FC236}">
+                  <a16:creationId xmlns:a16="http://schemas.microsoft.com/office/drawing/2014/main" id="{83C91CEC-DC99-4A0E-BF16-2EC093166843}"/>
+                </a:ext>
+              </a:extLst>
+            </p:cNvPr>
+            <p:cNvSpPr txBox="1"/>
+            <p:nvPr/>
+          </p:nvSpPr>
+          <p:spPr>
+            <a:xfrm>
+              <a:off x="7036981" y="875499"/>
+              <a:ext cx="1583254" cy="369332"/>
+            </a:xfrm>
+            <a:prstGeom prst="rect">
+              <a:avLst/>
+            </a:prstGeom>
+            <a:noFill/>
+          </p:spPr>
+          <p:txBody>
+            <a:bodyPr wrap="none" rtlCol="0">
+              <a:spAutoFit/>
+            </a:bodyPr>
+            <a:lstStyle/>
+            <a:p>
+              <a:r>
+                <a:rPr lang="en-US" altLang="zh-TW" b="1" dirty="0"/>
+                <a:t>3. Pull &amp; Retag</a:t>
+              </a:r>
+              <a:endParaRPr lang="zh-TW" altLang="en-US" b="1" dirty="0"/>
+            </a:p>
+          </p:txBody>
+        </p:sp>
+      </p:grpSp>
+    </p:spTree>
+    <p:extLst>
+      <p:ext uri="{BB962C8B-B14F-4D97-AF65-F5344CB8AC3E}">
+        <p14:creationId xmlns:p14="http://schemas.microsoft.com/office/powerpoint/2010/main" val="1966747919"/>
+      </p:ext>
+    </p:extLst>
+  </p:cSld>
+  <p:clrMapOvr>
+    <a:masterClrMapping/>
+  </p:clrMapOvr>
+</p:sld>
+</file>
+
 <file path=ppt/slides/slide4.xml><?xml version="1.0" encoding="utf-8"?>
 <p:sld xmlns:a="http://schemas.openxmlformats.org/drawingml/2006/main" xmlns:r="http://schemas.openxmlformats.org/officeDocument/2006/relationships" xmlns:p="http://schemas.openxmlformats.org/presentationml/2006/main">
   <p:cSld>
@@ -38915,6 +43184,15 @@
 </file>
 
 <file path=customXml/item1.xml><?xml version="1.0" encoding="utf-8"?>
+<?mso-contentType ?>
+<FormTemplates xmlns="http://schemas.microsoft.com/sharepoint/v3/contenttype/forms">
+  <Display>DocumentLibraryForm</Display>
+  <Edit>DocumentLibraryForm</Edit>
+  <New>DocumentLibraryForm</New>
+</FormTemplates>
+</file>
+
+<file path=customXml/item2.xml><?xml version="1.0" encoding="utf-8"?>
 <ct:contentTypeSchema xmlns:ct="http://schemas.microsoft.com/office/2006/metadata/contentType" xmlns:ma="http://schemas.microsoft.com/office/2006/metadata/properties/metaAttributes" ct:_="" ma:_="" ma:contentTypeName="Document" ma:contentTypeID="0x0101000AA0115B54226D469CC0FAAE38E5F61C" ma:contentTypeVersion="3" ma:contentTypeDescription="Create a new document." ma:contentTypeScope="" ma:versionID="0ae424bb0065d3a2a055b165aca25ec5">
   <xsd:schema xmlns:xsd="http://www.w3.org/2001/XMLSchema" xmlns:p="http://schemas.microsoft.com/office/2006/metadata/properties" targetNamespace="http://schemas.microsoft.com/office/2006/metadata/properties" ma:root="true" ma:fieldsID="4aeb20c0e3442673af7ee10786458764">
     <xsd:element name="properties">
@@ -38963,15 +43241,6 @@
 </ct:contentTypeSchema>
 </file>
 
-<file path=customXml/item2.xml><?xml version="1.0" encoding="utf-8"?>
-<?mso-contentType ?>
-<FormTemplates xmlns="http://schemas.microsoft.com/sharepoint/v3/contenttype/forms">
-  <Display>DocumentLibraryForm</Display>
-  <Edit>DocumentLibraryForm</Edit>
-  <New>DocumentLibraryForm</New>
-</FormTemplates>
-</file>
-
 <file path=customXml/item3.xml><?xml version="1.0" encoding="utf-8"?>
 <p:properties xmlns:p="http://schemas.microsoft.com/office/2006/metadata/properties" xmlns:xsi="http://www.w3.org/2001/XMLSchema-instance">
   <documentManagement/>
@@ -38979,6 +43248,14 @@
 </file>
 
 <file path=customXml/itemProps1.xml><?xml version="1.0" encoding="utf-8"?>
+<ds:datastoreItem xmlns:ds="http://schemas.openxmlformats.org/officeDocument/2006/customXml" ds:itemID="{A1770BF7-49D5-46D6-8B76-1D8AF290B450}">
+  <ds:schemaRefs>
+    <ds:schemaRef ds:uri="http://schemas.microsoft.com/sharepoint/v3/contenttype/forms"/>
+  </ds:schemaRefs>
+</ds:datastoreItem>
+</file>
+
+<file path=customXml/itemProps2.xml><?xml version="1.0" encoding="utf-8"?>
 <ds:datastoreItem xmlns:ds="http://schemas.openxmlformats.org/officeDocument/2006/customXml" ds:itemID="{FE6BB287-9CB7-4AA6-A5A5-8D1CE03643F3}">
   <ds:schemaRefs>
     <ds:schemaRef ds:uri="http://schemas.microsoft.com/office/2006/metadata/contentType"/>
@@ -38989,14 +43266,6 @@
     <ds:schemaRef ds:uri="http://purl.org/dc/elements/1.1/"/>
     <ds:schemaRef ds:uri="http://purl.org/dc/terms/"/>
     <ds:schemaRef ds:uri="http://schemas.microsoft.com/office/internal/2005/internalDocumentation"/>
-  </ds:schemaRefs>
-</ds:datastoreItem>
-</file>
-
-<file path=customXml/itemProps2.xml><?xml version="1.0" encoding="utf-8"?>
-<ds:datastoreItem xmlns:ds="http://schemas.openxmlformats.org/officeDocument/2006/customXml" ds:itemID="{A1770BF7-49D5-46D6-8B76-1D8AF290B450}">
-  <ds:schemaRefs>
-    <ds:schemaRef ds:uri="http://schemas.microsoft.com/sharepoint/v3/contenttype/forms"/>
   </ds:schemaRefs>
 </ds:datastoreItem>
 </file>

--- a/source/_assets/Blog動畫.pptx
+++ b/source/_assets/Blog動畫.pptx
@@ -255,7 +255,7 @@
             <a:fld id="{3CDD3A71-4C75-488C-A8F3-A1F163ED0DB9}" type="datetimeFigureOut">
               <a:rPr lang="en-US" smtClean="0"/>
               <a:pPr/>
-              <a:t>8/1/2019</a:t>
+              <a:t>8/5/2019</a:t>
             </a:fld>
             <a:endParaRPr lang="en-US" dirty="0"/>
           </a:p>
@@ -423,7 +423,7 @@
             <a:fld id="{523CC419-8FB3-4D1C-8127-E63C1A13459D}" type="datetimeFigureOut">
               <a:rPr lang="en-US" smtClean="0"/>
               <a:pPr/>
-              <a:t>8/1/2019</a:t>
+              <a:t>8/5/2019</a:t>
             </a:fld>
             <a:endParaRPr lang="en-US" dirty="0"/>
           </a:p>
@@ -825,7 +825,7 @@
           <a:p>
             <a:fld id="{237FF733-248C-4CF7-A090-89CF012E357B}" type="datetimeFigureOut">
               <a:rPr lang="zh-TW" altLang="en-US" smtClean="0"/>
-              <a:t>2019/8/1</a:t>
+              <a:t>2019/8/5</a:t>
             </a:fld>
             <a:endParaRPr lang="zh-TW" altLang="en-US"/>
           </a:p>
@@ -996,7 +996,7 @@
           <a:p>
             <a:fld id="{237FF733-248C-4CF7-A090-89CF012E357B}" type="datetimeFigureOut">
               <a:rPr lang="zh-TW" altLang="en-US" smtClean="0"/>
-              <a:t>2019/8/1</a:t>
+              <a:t>2019/8/5</a:t>
             </a:fld>
             <a:endParaRPr lang="zh-TW" altLang="en-US"/>
           </a:p>
@@ -1177,7 +1177,7 @@
           <a:p>
             <a:fld id="{237FF733-248C-4CF7-A090-89CF012E357B}" type="datetimeFigureOut">
               <a:rPr lang="zh-TW" altLang="en-US" smtClean="0"/>
-              <a:t>2019/8/1</a:t>
+              <a:t>2019/8/5</a:t>
             </a:fld>
             <a:endParaRPr lang="zh-TW" altLang="en-US"/>
           </a:p>
@@ -1348,7 +1348,7 @@
           <a:p>
             <a:fld id="{237FF733-248C-4CF7-A090-89CF012E357B}" type="datetimeFigureOut">
               <a:rPr lang="zh-TW" altLang="en-US" smtClean="0"/>
-              <a:t>2019/8/1</a:t>
+              <a:t>2019/8/5</a:t>
             </a:fld>
             <a:endParaRPr lang="zh-TW" altLang="en-US"/>
           </a:p>
@@ -1595,7 +1595,7 @@
           <a:p>
             <a:fld id="{237FF733-248C-4CF7-A090-89CF012E357B}" type="datetimeFigureOut">
               <a:rPr lang="zh-TW" altLang="en-US" smtClean="0"/>
-              <a:t>2019/8/1</a:t>
+              <a:t>2019/8/5</a:t>
             </a:fld>
             <a:endParaRPr lang="zh-TW" altLang="en-US"/>
           </a:p>
@@ -1828,7 +1828,7 @@
           <a:p>
             <a:fld id="{237FF733-248C-4CF7-A090-89CF012E357B}" type="datetimeFigureOut">
               <a:rPr lang="zh-TW" altLang="en-US" smtClean="0"/>
-              <a:t>2019/8/1</a:t>
+              <a:t>2019/8/5</a:t>
             </a:fld>
             <a:endParaRPr lang="zh-TW" altLang="en-US"/>
           </a:p>
@@ -2196,7 +2196,7 @@
           <a:p>
             <a:fld id="{237FF733-248C-4CF7-A090-89CF012E357B}" type="datetimeFigureOut">
               <a:rPr lang="zh-TW" altLang="en-US" smtClean="0"/>
-              <a:t>2019/8/1</a:t>
+              <a:t>2019/8/5</a:t>
             </a:fld>
             <a:endParaRPr lang="zh-TW" altLang="en-US"/>
           </a:p>
@@ -2315,7 +2315,7 @@
           <a:p>
             <a:fld id="{237FF733-248C-4CF7-A090-89CF012E357B}" type="datetimeFigureOut">
               <a:rPr lang="zh-TW" altLang="en-US" smtClean="0"/>
-              <a:t>2019/8/1</a:t>
+              <a:t>2019/8/5</a:t>
             </a:fld>
             <a:endParaRPr lang="zh-TW" altLang="en-US"/>
           </a:p>
@@ -2411,7 +2411,7 @@
           <a:p>
             <a:fld id="{237FF733-248C-4CF7-A090-89CF012E357B}" type="datetimeFigureOut">
               <a:rPr lang="zh-TW" altLang="en-US" smtClean="0"/>
-              <a:t>2019/8/1</a:t>
+              <a:t>2019/8/5</a:t>
             </a:fld>
             <a:endParaRPr lang="zh-TW" altLang="en-US"/>
           </a:p>
@@ -2689,7 +2689,7 @@
           <a:p>
             <a:fld id="{237FF733-248C-4CF7-A090-89CF012E357B}" type="datetimeFigureOut">
               <a:rPr lang="zh-TW" altLang="en-US" smtClean="0"/>
-              <a:t>2019/8/1</a:t>
+              <a:t>2019/8/5</a:t>
             </a:fld>
             <a:endParaRPr lang="zh-TW" altLang="en-US"/>
           </a:p>
@@ -2947,7 +2947,7 @@
           <a:p>
             <a:fld id="{237FF733-248C-4CF7-A090-89CF012E357B}" type="datetimeFigureOut">
               <a:rPr lang="zh-TW" altLang="en-US" smtClean="0"/>
-              <a:t>2019/8/1</a:t>
+              <a:t>2019/8/5</a:t>
             </a:fld>
             <a:endParaRPr lang="zh-TW" altLang="en-US"/>
           </a:p>
@@ -3161,7 +3161,7 @@
           <a:p>
             <a:fld id="{237FF733-248C-4CF7-A090-89CF012E357B}" type="datetimeFigureOut">
               <a:rPr lang="zh-TW" altLang="en-US" smtClean="0"/>
-              <a:t>2019/8/1</a:t>
+              <a:t>2019/8/5</a:t>
             </a:fld>
             <a:endParaRPr lang="zh-TW" altLang="en-US"/>
           </a:p>
@@ -31333,9 +31333,7 @@
           </a:prstGeom>
           <a:noFill/>
           <a:ln w="38100">
-            <a:solidFill>
-              <a:srgbClr val="FF0000"/>
-            </a:solidFill>
+            <a:noFill/>
             <a:prstDash val="lgDash"/>
           </a:ln>
         </p:spPr>
@@ -33417,10 +33415,10 @@
         </p:nvGrpSpPr>
         <p:grpSpPr>
           <a:xfrm>
-            <a:off x="6937144" y="3152591"/>
-            <a:ext cx="1916909" cy="999345"/>
-            <a:chOff x="7195660" y="3659186"/>
-            <a:chExt cx="1916909" cy="999345"/>
+            <a:off x="6877077" y="3275907"/>
+            <a:ext cx="1921142" cy="991807"/>
+            <a:chOff x="7195660" y="3666724"/>
+            <a:chExt cx="1921142" cy="991807"/>
           </a:xfrm>
         </p:grpSpPr>
         <p:grpSp>
@@ -33634,8 +33632,8 @@
           </p:nvSpPr>
           <p:spPr>
             <a:xfrm>
-              <a:off x="7742387" y="3659186"/>
-              <a:ext cx="877163" cy="369332"/>
+              <a:off x="7430956" y="3666724"/>
+              <a:ext cx="1685846" cy="369332"/>
             </a:xfrm>
             <a:prstGeom prst="rect">
               <a:avLst/>
@@ -33650,7 +33648,15 @@
             <a:p>
               <a:r>
                 <a:rPr lang="en-US" altLang="zh-TW" b="1" dirty="0"/>
-                <a:t>4. Push</a:t>
+                <a:t>4. Retag &amp;</a:t>
+              </a:r>
+              <a:r>
+                <a:rPr lang="zh-TW" altLang="en-US" b="1" dirty="0"/>
+                <a:t> </a:t>
+              </a:r>
+              <a:r>
+                <a:rPr lang="en-US" altLang="zh-TW" b="1" dirty="0"/>
+                <a:t>Push</a:t>
               </a:r>
               <a:endParaRPr lang="zh-TW" altLang="en-US" b="1" dirty="0"/>
             </a:p>
@@ -33671,10 +33677,10 @@
         </p:nvGrpSpPr>
         <p:grpSpPr>
           <a:xfrm>
-            <a:off x="6814407" y="5532910"/>
-            <a:ext cx="1906688" cy="674109"/>
-            <a:chOff x="6814407" y="5532910"/>
-            <a:chExt cx="1906688" cy="674109"/>
+            <a:off x="6814407" y="5552743"/>
+            <a:ext cx="1946169" cy="654276"/>
+            <a:chOff x="6814407" y="5552743"/>
+            <a:chExt cx="1946169" cy="654276"/>
           </a:xfrm>
         </p:grpSpPr>
         <p:grpSp>
@@ -33800,8 +33806,8 @@
           </p:nvSpPr>
           <p:spPr>
             <a:xfrm>
-              <a:off x="7361055" y="5532910"/>
-              <a:ext cx="877163" cy="369332"/>
+              <a:off x="7074730" y="5552743"/>
+              <a:ext cx="1685846" cy="369332"/>
             </a:xfrm>
             <a:prstGeom prst="rect">
               <a:avLst/>
@@ -33816,7 +33822,15 @@
             <a:p>
               <a:r>
                 <a:rPr lang="en-US" altLang="zh-TW" b="1" dirty="0"/>
-                <a:t>6. Push</a:t>
+                <a:t>6. Retag &amp;</a:t>
+              </a:r>
+              <a:r>
+                <a:rPr lang="zh-TW" altLang="en-US" b="1" dirty="0"/>
+                <a:t> </a:t>
+              </a:r>
+              <a:r>
+                <a:rPr lang="en-US" altLang="zh-TW" b="1" dirty="0"/>
+                <a:t>Push</a:t>
               </a:r>
               <a:endParaRPr lang="zh-TW" altLang="en-US" b="1" dirty="0"/>
             </a:p>
@@ -34781,7 +34795,7 @@
           <p:spPr>
             <a:xfrm>
               <a:off x="7036981" y="875499"/>
-              <a:ext cx="1583254" cy="369332"/>
+              <a:ext cx="774571" cy="369332"/>
             </a:xfrm>
             <a:prstGeom prst="rect">
               <a:avLst/>
@@ -34796,7 +34810,7 @@
             <a:p>
               <a:r>
                 <a:rPr lang="en-US" altLang="zh-TW" b="1" dirty="0"/>
-                <a:t>3. Pull &amp; Retag</a:t>
+                <a:t>3. Pull</a:t>
               </a:r>
               <a:endParaRPr lang="zh-TW" altLang="en-US" b="1" dirty="0"/>
             </a:p>
@@ -43184,15 +43198,6 @@
 </file>
 
 <file path=customXml/item1.xml><?xml version="1.0" encoding="utf-8"?>
-<?mso-contentType ?>
-<FormTemplates xmlns="http://schemas.microsoft.com/sharepoint/v3/contenttype/forms">
-  <Display>DocumentLibraryForm</Display>
-  <Edit>DocumentLibraryForm</Edit>
-  <New>DocumentLibraryForm</New>
-</FormTemplates>
-</file>
-
-<file path=customXml/item2.xml><?xml version="1.0" encoding="utf-8"?>
 <ct:contentTypeSchema xmlns:ct="http://schemas.microsoft.com/office/2006/metadata/contentType" xmlns:ma="http://schemas.microsoft.com/office/2006/metadata/properties/metaAttributes" ct:_="" ma:_="" ma:contentTypeName="Document" ma:contentTypeID="0x0101000AA0115B54226D469CC0FAAE38E5F61C" ma:contentTypeVersion="3" ma:contentTypeDescription="Create a new document." ma:contentTypeScope="" ma:versionID="0ae424bb0065d3a2a055b165aca25ec5">
   <xsd:schema xmlns:xsd="http://www.w3.org/2001/XMLSchema" xmlns:p="http://schemas.microsoft.com/office/2006/metadata/properties" targetNamespace="http://schemas.microsoft.com/office/2006/metadata/properties" ma:root="true" ma:fieldsID="4aeb20c0e3442673af7ee10786458764">
     <xsd:element name="properties">
@@ -43241,6 +43246,15 @@
 </ct:contentTypeSchema>
 </file>
 
+<file path=customXml/item2.xml><?xml version="1.0" encoding="utf-8"?>
+<?mso-contentType ?>
+<FormTemplates xmlns="http://schemas.microsoft.com/sharepoint/v3/contenttype/forms">
+  <Display>DocumentLibraryForm</Display>
+  <Edit>DocumentLibraryForm</Edit>
+  <New>DocumentLibraryForm</New>
+</FormTemplates>
+</file>
+
 <file path=customXml/item3.xml><?xml version="1.0" encoding="utf-8"?>
 <p:properties xmlns:p="http://schemas.microsoft.com/office/2006/metadata/properties" xmlns:xsi="http://www.w3.org/2001/XMLSchema-instance">
   <documentManagement/>
@@ -43248,14 +43262,6 @@
 </file>
 
 <file path=customXml/itemProps1.xml><?xml version="1.0" encoding="utf-8"?>
-<ds:datastoreItem xmlns:ds="http://schemas.openxmlformats.org/officeDocument/2006/customXml" ds:itemID="{A1770BF7-49D5-46D6-8B76-1D8AF290B450}">
-  <ds:schemaRefs>
-    <ds:schemaRef ds:uri="http://schemas.microsoft.com/sharepoint/v3/contenttype/forms"/>
-  </ds:schemaRefs>
-</ds:datastoreItem>
-</file>
-
-<file path=customXml/itemProps2.xml><?xml version="1.0" encoding="utf-8"?>
 <ds:datastoreItem xmlns:ds="http://schemas.openxmlformats.org/officeDocument/2006/customXml" ds:itemID="{FE6BB287-9CB7-4AA6-A5A5-8D1CE03643F3}">
   <ds:schemaRefs>
     <ds:schemaRef ds:uri="http://schemas.microsoft.com/office/2006/metadata/contentType"/>
@@ -43266,6 +43272,14 @@
     <ds:schemaRef ds:uri="http://purl.org/dc/elements/1.1/"/>
     <ds:schemaRef ds:uri="http://purl.org/dc/terms/"/>
     <ds:schemaRef ds:uri="http://schemas.microsoft.com/office/internal/2005/internalDocumentation"/>
+  </ds:schemaRefs>
+</ds:datastoreItem>
+</file>
+
+<file path=customXml/itemProps2.xml><?xml version="1.0" encoding="utf-8"?>
+<ds:datastoreItem xmlns:ds="http://schemas.openxmlformats.org/officeDocument/2006/customXml" ds:itemID="{A1770BF7-49D5-46D6-8B76-1D8AF290B450}">
+  <ds:schemaRefs>
+    <ds:schemaRef ds:uri="http://schemas.microsoft.com/sharepoint/v3/contenttype/forms"/>
   </ds:schemaRefs>
 </ds:datastoreItem>
 </file>
